--- a/05111540000007-Faiq-Presentasi.pptx
+++ b/05111540000007-Faiq-Presentasi.pptx
@@ -5,10 +5,10 @@
     <p:sldMasterId id="2147483648" r:id="rId4"/>
   </p:sldMasterIdLst>
   <p:notesMasterIdLst>
-    <p:notesMasterId r:id="rId14"/>
+    <p:notesMasterId r:id="rId27"/>
   </p:notesMasterIdLst>
   <p:handoutMasterIdLst>
-    <p:handoutMasterId r:id="rId15"/>
+    <p:handoutMasterId r:id="rId28"/>
   </p:handoutMasterIdLst>
   <p:sldIdLst>
     <p:sldId id="258" r:id="rId5"/>
@@ -17,9 +17,22 @@
     <p:sldId id="283" r:id="rId8"/>
     <p:sldId id="281" r:id="rId9"/>
     <p:sldId id="284" r:id="rId10"/>
-    <p:sldId id="279" r:id="rId11"/>
-    <p:sldId id="280" r:id="rId12"/>
-    <p:sldId id="268" r:id="rId13"/>
+    <p:sldId id="285" r:id="rId11"/>
+    <p:sldId id="286" r:id="rId12"/>
+    <p:sldId id="279" r:id="rId13"/>
+    <p:sldId id="288" r:id="rId14"/>
+    <p:sldId id="289" r:id="rId15"/>
+    <p:sldId id="290" r:id="rId16"/>
+    <p:sldId id="291" r:id="rId17"/>
+    <p:sldId id="292" r:id="rId18"/>
+    <p:sldId id="293" r:id="rId19"/>
+    <p:sldId id="294" r:id="rId20"/>
+    <p:sldId id="295" r:id="rId21"/>
+    <p:sldId id="296" r:id="rId22"/>
+    <p:sldId id="280" r:id="rId23"/>
+    <p:sldId id="297" r:id="rId24"/>
+    <p:sldId id="298" r:id="rId25"/>
+    <p:sldId id="299" r:id="rId26"/>
   </p:sldIdLst>
   <p:sldSz cx="12192000" cy="6858000"/>
   <p:notesSz cx="6858000" cy="9144000"/>
@@ -167,7 +180,7 @@
           <p:cNvPr id="2" name="Header Placeholder 1">
             <a:extLst>
               <a:ext uri="{FF2B5EF4-FFF2-40B4-BE49-F238E27FC236}">
-                <a16:creationId xmlns:a16="http://schemas.microsoft.com/office/drawing/2014/main" xmlns="" id="{27243D74-B9C1-450A-B0F3-6C6DCB0CF20B}"/>
+                <a16:creationId xmlns="" xmlns:a16="http://schemas.microsoft.com/office/drawing/2014/main" id="{27243D74-B9C1-450A-B0F3-6C6DCB0CF20B}"/>
               </a:ext>
             </a:extLst>
           </p:cNvPr>
@@ -204,7 +217,7 @@
           <p:cNvPr id="3" name="Date Placeholder 2">
             <a:extLst>
               <a:ext uri="{FF2B5EF4-FFF2-40B4-BE49-F238E27FC236}">
-                <a16:creationId xmlns:a16="http://schemas.microsoft.com/office/drawing/2014/main" xmlns="" id="{32C27C33-9BB1-41D5-A236-12767E7E722F}"/>
+                <a16:creationId xmlns="" xmlns:a16="http://schemas.microsoft.com/office/drawing/2014/main" id="{32C27C33-9BB1-41D5-A236-12767E7E722F}"/>
               </a:ext>
             </a:extLst>
           </p:cNvPr>
@@ -245,7 +258,7 @@
           <p:cNvPr id="4" name="Footer Placeholder 3">
             <a:extLst>
               <a:ext uri="{FF2B5EF4-FFF2-40B4-BE49-F238E27FC236}">
-                <a16:creationId xmlns:a16="http://schemas.microsoft.com/office/drawing/2014/main" xmlns="" id="{44A7EADB-04A4-4093-B238-438E2C7317A1}"/>
+                <a16:creationId xmlns="" xmlns:a16="http://schemas.microsoft.com/office/drawing/2014/main" id="{44A7EADB-04A4-4093-B238-438E2C7317A1}"/>
               </a:ext>
             </a:extLst>
           </p:cNvPr>
@@ -282,7 +295,7 @@
           <p:cNvPr id="5" name="Slide Number Placeholder 4">
             <a:extLst>
               <a:ext uri="{FF2B5EF4-FFF2-40B4-BE49-F238E27FC236}">
-                <a16:creationId xmlns:a16="http://schemas.microsoft.com/office/drawing/2014/main" xmlns="" id="{EDDD8696-706D-440E-AE04-4C644F0613E8}"/>
+                <a16:creationId xmlns="" xmlns:a16="http://schemas.microsoft.com/office/drawing/2014/main" id="{EDDD8696-706D-440E-AE04-4C644F0613E8}"/>
               </a:ext>
             </a:extLst>
           </p:cNvPr>
@@ -915,7 +928,7 @@
           <a:p>
             <a:fld id="{6336304E-FDE3-4B4F-A3B7-EBE87F3FA5E2}" type="slidenum">
               <a:rPr lang="en-US" smtClean="0"/>
-              <a:t>9</a:t>
+              <a:t>22</a:t>
             </a:fld>
             <a:endParaRPr lang="en-US"/>
           </a:p>
@@ -924,7 +937,7 @@
     </p:spTree>
     <p:extLst>
       <p:ext uri="{BB962C8B-B14F-4D97-AF65-F5344CB8AC3E}">
-        <p14:creationId xmlns:p14="http://schemas.microsoft.com/office/powerpoint/2010/main" val="2243169073"/>
+        <p14:creationId xmlns:p14="http://schemas.microsoft.com/office/powerpoint/2010/main" val="3066515254"/>
       </p:ext>
     </p:extLst>
   </p:cSld>
@@ -956,7 +969,7 @@
           <p:cNvPr id="2" name="Title 1">
             <a:extLst>
               <a:ext uri="{FF2B5EF4-FFF2-40B4-BE49-F238E27FC236}">
-                <a16:creationId xmlns:a16="http://schemas.microsoft.com/office/drawing/2014/main" xmlns="" id="{2456FD49-C258-4333-9422-358C976A341C}"/>
+                <a16:creationId xmlns="" xmlns:a16="http://schemas.microsoft.com/office/drawing/2014/main" id="{2456FD49-C258-4333-9422-358C976A341C}"/>
               </a:ext>
             </a:extLst>
           </p:cNvPr>
@@ -1000,7 +1013,7 @@
           <p:cNvPr id="3" name="Subtitle 2">
             <a:extLst>
               <a:ext uri="{FF2B5EF4-FFF2-40B4-BE49-F238E27FC236}">
-                <a16:creationId xmlns:a16="http://schemas.microsoft.com/office/drawing/2014/main" xmlns="" id="{59758E15-A93D-4FB9-843D-1490E27A151B}"/>
+                <a16:creationId xmlns="" xmlns:a16="http://schemas.microsoft.com/office/drawing/2014/main" id="{59758E15-A93D-4FB9-843D-1490E27A151B}"/>
               </a:ext>
             </a:extLst>
           </p:cNvPr>
@@ -1077,7 +1090,7 @@
           <p:cNvPr id="13" name="Picture Placeholder 12">
             <a:extLst>
               <a:ext uri="{FF2B5EF4-FFF2-40B4-BE49-F238E27FC236}">
-                <a16:creationId xmlns:a16="http://schemas.microsoft.com/office/drawing/2014/main" xmlns="" id="{BCCC559D-0EC3-432C-B397-6897B366DF36}"/>
+                <a16:creationId xmlns="" xmlns:a16="http://schemas.microsoft.com/office/drawing/2014/main" id="{BCCC559D-0EC3-432C-B397-6897B366DF36}"/>
               </a:ext>
             </a:extLst>
           </p:cNvPr>
@@ -1122,7 +1135,7 @@
           <p:cNvPr id="14" name="Group 13">
             <a:extLst>
               <a:ext uri="{FF2B5EF4-FFF2-40B4-BE49-F238E27FC236}">
-                <a16:creationId xmlns:a16="http://schemas.microsoft.com/office/drawing/2014/main" xmlns="" id="{0DC2055F-AE3F-46BE-B57E-A0F1A86D1C36}"/>
+                <a16:creationId xmlns="" xmlns:a16="http://schemas.microsoft.com/office/drawing/2014/main" id="{0DC2055F-AE3F-46BE-B57E-A0F1A86D1C36}"/>
               </a:ext>
             </a:extLst>
           </p:cNvPr>
@@ -1147,7 +1160,7 @@
             <p:cNvPr id="15" name="Freeform 5">
               <a:extLst>
                 <a:ext uri="{FF2B5EF4-FFF2-40B4-BE49-F238E27FC236}">
-                  <a16:creationId xmlns:a16="http://schemas.microsoft.com/office/drawing/2014/main" xmlns="" id="{C98EF042-A3B8-406D-BC16-153A989F571A}"/>
+                  <a16:creationId xmlns="" xmlns:a16="http://schemas.microsoft.com/office/drawing/2014/main" id="{C98EF042-A3B8-406D-BC16-153A989F571A}"/>
                 </a:ext>
               </a:extLst>
             </p:cNvPr>
@@ -1337,7 +1350,7 @@
             <p:cNvPr id="16" name="Freeform 6">
               <a:extLst>
                 <a:ext uri="{FF2B5EF4-FFF2-40B4-BE49-F238E27FC236}">
-                  <a16:creationId xmlns:a16="http://schemas.microsoft.com/office/drawing/2014/main" xmlns="" id="{68E5FAC9-A660-4D7A-AC84-0A7C8CC3BB65}"/>
+                  <a16:creationId xmlns="" xmlns:a16="http://schemas.microsoft.com/office/drawing/2014/main" id="{68E5FAC9-A660-4D7A-AC84-0A7C8CC3BB65}"/>
                 </a:ext>
               </a:extLst>
             </p:cNvPr>
@@ -1488,7 +1501,7 @@
           <p:cNvPr id="9" name="Picture 8">
             <a:extLst>
               <a:ext uri="{FF2B5EF4-FFF2-40B4-BE49-F238E27FC236}">
-                <a16:creationId xmlns:a16="http://schemas.microsoft.com/office/drawing/2014/main" xmlns="" id="{4FE28ACC-E44C-4381-B768-0310810E78D2}"/>
+                <a16:creationId xmlns="" xmlns:a16="http://schemas.microsoft.com/office/drawing/2014/main" id="{4FE28ACC-E44C-4381-B768-0310810E78D2}"/>
               </a:ext>
             </a:extLst>
           </p:cNvPr>
@@ -1524,7 +1537,7 @@
           <p:cNvPr id="5" name="Straight Connector 4">
             <a:extLst>
               <a:ext uri="{FF2B5EF4-FFF2-40B4-BE49-F238E27FC236}">
-                <a16:creationId xmlns:a16="http://schemas.microsoft.com/office/drawing/2014/main" xmlns="" id="{819AFA09-F4B1-493D-BCAD-FF30C20CD1AA}"/>
+                <a16:creationId xmlns="" xmlns:a16="http://schemas.microsoft.com/office/drawing/2014/main" id="{819AFA09-F4B1-493D-BCAD-FF30C20CD1AA}"/>
               </a:ext>
             </a:extLst>
           </p:cNvPr>
@@ -1590,7 +1603,7 @@
           <p:cNvPr id="3" name="Subtitle 2">
             <a:extLst>
               <a:ext uri="{FF2B5EF4-FFF2-40B4-BE49-F238E27FC236}">
-                <a16:creationId xmlns:a16="http://schemas.microsoft.com/office/drawing/2014/main" xmlns="" id="{59758E15-A93D-4FB9-843D-1490E27A151B}"/>
+                <a16:creationId xmlns="" xmlns:a16="http://schemas.microsoft.com/office/drawing/2014/main" id="{59758E15-A93D-4FB9-843D-1490E27A151B}"/>
               </a:ext>
             </a:extLst>
           </p:cNvPr>
@@ -1666,7 +1679,7 @@
           <p:cNvPr id="13" name="Picture Placeholder 12">
             <a:extLst>
               <a:ext uri="{FF2B5EF4-FFF2-40B4-BE49-F238E27FC236}">
-                <a16:creationId xmlns:a16="http://schemas.microsoft.com/office/drawing/2014/main" xmlns="" id="{BCCC559D-0EC3-432C-B397-6897B366DF36}"/>
+                <a16:creationId xmlns="" xmlns:a16="http://schemas.microsoft.com/office/drawing/2014/main" id="{BCCC559D-0EC3-432C-B397-6897B366DF36}"/>
               </a:ext>
             </a:extLst>
           </p:cNvPr>
@@ -1711,7 +1724,7 @@
           <p:cNvPr id="14" name="Group 13">
             <a:extLst>
               <a:ext uri="{FF2B5EF4-FFF2-40B4-BE49-F238E27FC236}">
-                <a16:creationId xmlns:a16="http://schemas.microsoft.com/office/drawing/2014/main" xmlns="" id="{0DC2055F-AE3F-46BE-B57E-A0F1A86D1C36}"/>
+                <a16:creationId xmlns="" xmlns:a16="http://schemas.microsoft.com/office/drawing/2014/main" id="{0DC2055F-AE3F-46BE-B57E-A0F1A86D1C36}"/>
               </a:ext>
             </a:extLst>
           </p:cNvPr>
@@ -1736,7 +1749,7 @@
             <p:cNvPr id="15" name="Freeform 5">
               <a:extLst>
                 <a:ext uri="{FF2B5EF4-FFF2-40B4-BE49-F238E27FC236}">
-                  <a16:creationId xmlns:a16="http://schemas.microsoft.com/office/drawing/2014/main" xmlns="" id="{C98EF042-A3B8-406D-BC16-153A989F571A}"/>
+                  <a16:creationId xmlns="" xmlns:a16="http://schemas.microsoft.com/office/drawing/2014/main" id="{C98EF042-A3B8-406D-BC16-153A989F571A}"/>
                 </a:ext>
               </a:extLst>
             </p:cNvPr>
@@ -1926,7 +1939,7 @@
             <p:cNvPr id="16" name="Freeform 6">
               <a:extLst>
                 <a:ext uri="{FF2B5EF4-FFF2-40B4-BE49-F238E27FC236}">
-                  <a16:creationId xmlns:a16="http://schemas.microsoft.com/office/drawing/2014/main" xmlns="" id="{68E5FAC9-A660-4D7A-AC84-0A7C8CC3BB65}"/>
+                  <a16:creationId xmlns="" xmlns:a16="http://schemas.microsoft.com/office/drawing/2014/main" id="{68E5FAC9-A660-4D7A-AC84-0A7C8CC3BB65}"/>
                 </a:ext>
               </a:extLst>
             </p:cNvPr>
@@ -2077,7 +2090,7 @@
           <p:cNvPr id="9" name="Picture 8">
             <a:extLst>
               <a:ext uri="{FF2B5EF4-FFF2-40B4-BE49-F238E27FC236}">
-                <a16:creationId xmlns:a16="http://schemas.microsoft.com/office/drawing/2014/main" xmlns="" id="{4FE28ACC-E44C-4381-B768-0310810E78D2}"/>
+                <a16:creationId xmlns="" xmlns:a16="http://schemas.microsoft.com/office/drawing/2014/main" id="{4FE28ACC-E44C-4381-B768-0310810E78D2}"/>
               </a:ext>
             </a:extLst>
           </p:cNvPr>
@@ -2113,7 +2126,7 @@
           <p:cNvPr id="5" name="Straight Connector 4">
             <a:extLst>
               <a:ext uri="{FF2B5EF4-FFF2-40B4-BE49-F238E27FC236}">
-                <a16:creationId xmlns:a16="http://schemas.microsoft.com/office/drawing/2014/main" xmlns="" id="{819AFA09-F4B1-493D-BCAD-FF30C20CD1AA}"/>
+                <a16:creationId xmlns="" xmlns:a16="http://schemas.microsoft.com/office/drawing/2014/main" id="{819AFA09-F4B1-493D-BCAD-FF30C20CD1AA}"/>
               </a:ext>
             </a:extLst>
           </p:cNvPr>
@@ -2149,7 +2162,7 @@
           <p:cNvPr id="7" name="Text Placeholder 6">
             <a:extLst>
               <a:ext uri="{FF2B5EF4-FFF2-40B4-BE49-F238E27FC236}">
-                <a16:creationId xmlns:a16="http://schemas.microsoft.com/office/drawing/2014/main" xmlns="" id="{4E0FBE0E-A6B0-483E-93DD-5C20DA069DBC}"/>
+                <a16:creationId xmlns="" xmlns:a16="http://schemas.microsoft.com/office/drawing/2014/main" id="{4E0FBE0E-A6B0-483E-93DD-5C20DA069DBC}"/>
               </a:ext>
             </a:extLst>
           </p:cNvPr>
@@ -2198,7 +2211,7 @@
           <p:cNvPr id="17" name="Graphic 16" descr="Envelope">
             <a:extLst>
               <a:ext uri="{FF2B5EF4-FFF2-40B4-BE49-F238E27FC236}">
-                <a16:creationId xmlns:a16="http://schemas.microsoft.com/office/drawing/2014/main" xmlns="" id="{E5B30B87-6C2E-48F1-9026-E4F6BEA1CFE7}"/>
+                <a16:creationId xmlns="" xmlns:a16="http://schemas.microsoft.com/office/drawing/2014/main" id="{E5B30B87-6C2E-48F1-9026-E4F6BEA1CFE7}"/>
               </a:ext>
             </a:extLst>
           </p:cNvPr>
@@ -2214,7 +2227,7 @@
                 <a14:useLocalDpi xmlns:a14="http://schemas.microsoft.com/office/drawing/2010/main"/>
               </a:ext>
               <a:ext uri="{96DAC541-7B7A-43D3-8B79-37D633B846F1}">
-                <asvg:svgBlip xmlns:asvg="http://schemas.microsoft.com/office/drawing/2016/SVG/main" xmlns="" r:embed="rId4"/>
+                <asvg:svgBlip xmlns="" xmlns:asvg="http://schemas.microsoft.com/office/drawing/2016/SVG/main" r:embed="rId4"/>
               </a:ext>
             </a:extLst>
           </a:blip>
@@ -2237,7 +2250,7 @@
           <p:cNvPr id="18" name="Graphic 17" descr="Network">
             <a:extLst>
               <a:ext uri="{FF2B5EF4-FFF2-40B4-BE49-F238E27FC236}">
-                <a16:creationId xmlns:a16="http://schemas.microsoft.com/office/drawing/2014/main" xmlns="" id="{2DA3CFE0-4ED8-4345-A158-94E70F463E99}"/>
+                <a16:creationId xmlns="" xmlns:a16="http://schemas.microsoft.com/office/drawing/2014/main" id="{2DA3CFE0-4ED8-4345-A158-94E70F463E99}"/>
               </a:ext>
             </a:extLst>
           </p:cNvPr>
@@ -2253,7 +2266,7 @@
                 <a14:useLocalDpi xmlns:a14="http://schemas.microsoft.com/office/drawing/2010/main"/>
               </a:ext>
               <a:ext uri="{96DAC541-7B7A-43D3-8B79-37D633B846F1}">
-                <asvg:svgBlip xmlns:asvg="http://schemas.microsoft.com/office/drawing/2016/SVG/main" xmlns="" r:embed="rId6"/>
+                <asvg:svgBlip xmlns="" xmlns:asvg="http://schemas.microsoft.com/office/drawing/2016/SVG/main" r:embed="rId6"/>
               </a:ext>
             </a:extLst>
           </a:blip>
@@ -2276,7 +2289,7 @@
           <p:cNvPr id="2" name="Title 1">
             <a:extLst>
               <a:ext uri="{FF2B5EF4-FFF2-40B4-BE49-F238E27FC236}">
-                <a16:creationId xmlns:a16="http://schemas.microsoft.com/office/drawing/2014/main" xmlns="" id="{2CE9908F-CF81-43F9-880A-401D0C0FB2ED}"/>
+                <a16:creationId xmlns="" xmlns:a16="http://schemas.microsoft.com/office/drawing/2014/main" id="{2CE9908F-CF81-43F9-880A-401D0C0FB2ED}"/>
               </a:ext>
             </a:extLst>
           </p:cNvPr>
@@ -2354,7 +2367,7 @@
           <p:cNvPr id="4" name="Rectangle 3">
             <a:extLst>
               <a:ext uri="{FF2B5EF4-FFF2-40B4-BE49-F238E27FC236}">
-                <a16:creationId xmlns:a16="http://schemas.microsoft.com/office/drawing/2014/main" xmlns="" id="{86299464-ED20-4919-8B3A-2CFAE8DA2347}"/>
+                <a16:creationId xmlns="" xmlns:a16="http://schemas.microsoft.com/office/drawing/2014/main" id="{86299464-ED20-4919-8B3A-2CFAE8DA2347}"/>
               </a:ext>
             </a:extLst>
           </p:cNvPr>
@@ -2406,7 +2419,7 @@
           <p:cNvPr id="13" name="Picture Placeholder 12">
             <a:extLst>
               <a:ext uri="{FF2B5EF4-FFF2-40B4-BE49-F238E27FC236}">
-                <a16:creationId xmlns:a16="http://schemas.microsoft.com/office/drawing/2014/main" xmlns="" id="{BCCC559D-0EC3-432C-B397-6897B366DF36}"/>
+                <a16:creationId xmlns="" xmlns:a16="http://schemas.microsoft.com/office/drawing/2014/main" id="{BCCC559D-0EC3-432C-B397-6897B366DF36}"/>
               </a:ext>
             </a:extLst>
           </p:cNvPr>
@@ -2451,7 +2464,7 @@
           <p:cNvPr id="14" name="Group 13">
             <a:extLst>
               <a:ext uri="{FF2B5EF4-FFF2-40B4-BE49-F238E27FC236}">
-                <a16:creationId xmlns:a16="http://schemas.microsoft.com/office/drawing/2014/main" xmlns="" id="{0DC2055F-AE3F-46BE-B57E-A0F1A86D1C36}"/>
+                <a16:creationId xmlns="" xmlns:a16="http://schemas.microsoft.com/office/drawing/2014/main" id="{0DC2055F-AE3F-46BE-B57E-A0F1A86D1C36}"/>
               </a:ext>
             </a:extLst>
           </p:cNvPr>
@@ -2476,7 +2489,7 @@
             <p:cNvPr id="15" name="Freeform 5">
               <a:extLst>
                 <a:ext uri="{FF2B5EF4-FFF2-40B4-BE49-F238E27FC236}">
-                  <a16:creationId xmlns:a16="http://schemas.microsoft.com/office/drawing/2014/main" xmlns="" id="{C98EF042-A3B8-406D-BC16-153A989F571A}"/>
+                  <a16:creationId xmlns="" xmlns:a16="http://schemas.microsoft.com/office/drawing/2014/main" id="{C98EF042-A3B8-406D-BC16-153A989F571A}"/>
                 </a:ext>
               </a:extLst>
             </p:cNvPr>
@@ -2666,7 +2679,7 @@
             <p:cNvPr id="16" name="Freeform 6">
               <a:extLst>
                 <a:ext uri="{FF2B5EF4-FFF2-40B4-BE49-F238E27FC236}">
-                  <a16:creationId xmlns:a16="http://schemas.microsoft.com/office/drawing/2014/main" xmlns="" id="{68E5FAC9-A660-4D7A-AC84-0A7C8CC3BB65}"/>
+                  <a16:creationId xmlns="" xmlns:a16="http://schemas.microsoft.com/office/drawing/2014/main" id="{68E5FAC9-A660-4D7A-AC84-0A7C8CC3BB65}"/>
                 </a:ext>
               </a:extLst>
             </p:cNvPr>
@@ -2817,7 +2830,7 @@
           <p:cNvPr id="9" name="Picture 8">
             <a:extLst>
               <a:ext uri="{FF2B5EF4-FFF2-40B4-BE49-F238E27FC236}">
-                <a16:creationId xmlns:a16="http://schemas.microsoft.com/office/drawing/2014/main" xmlns="" id="{4FE28ACC-E44C-4381-B768-0310810E78D2}"/>
+                <a16:creationId xmlns="" xmlns:a16="http://schemas.microsoft.com/office/drawing/2014/main" id="{4FE28ACC-E44C-4381-B768-0310810E78D2}"/>
               </a:ext>
             </a:extLst>
           </p:cNvPr>
@@ -2862,7 +2875,7 @@
           <p:cNvPr id="12" name="Straight Connector 11">
             <a:extLst>
               <a:ext uri="{FF2B5EF4-FFF2-40B4-BE49-F238E27FC236}">
-                <a16:creationId xmlns:a16="http://schemas.microsoft.com/office/drawing/2014/main" xmlns="" id="{77C312F4-62C2-4903-8C4B-423A8717E481}"/>
+                <a16:creationId xmlns="" xmlns:a16="http://schemas.microsoft.com/office/drawing/2014/main" id="{77C312F4-62C2-4903-8C4B-423A8717E481}"/>
               </a:ext>
             </a:extLst>
           </p:cNvPr>
@@ -2903,7 +2916,7 @@
           <p:cNvPr id="19" name="Graphic 18" descr="Envelope">
             <a:extLst>
               <a:ext uri="{FF2B5EF4-FFF2-40B4-BE49-F238E27FC236}">
-                <a16:creationId xmlns:a16="http://schemas.microsoft.com/office/drawing/2014/main" xmlns="" id="{A686352B-226C-4579-B831-0DC14EC3895E}"/>
+                <a16:creationId xmlns="" xmlns:a16="http://schemas.microsoft.com/office/drawing/2014/main" id="{A686352B-226C-4579-B831-0DC14EC3895E}"/>
               </a:ext>
             </a:extLst>
           </p:cNvPr>
@@ -2939,7 +2952,7 @@
           <p:cNvPr id="20" name="Graphic 19" descr="Network">
             <a:extLst>
               <a:ext uri="{FF2B5EF4-FFF2-40B4-BE49-F238E27FC236}">
-                <a16:creationId xmlns:a16="http://schemas.microsoft.com/office/drawing/2014/main" xmlns="" id="{460C8169-012B-451A-A6C2-6FEC0DC82AFC}"/>
+                <a16:creationId xmlns="" xmlns:a16="http://schemas.microsoft.com/office/drawing/2014/main" id="{460C8169-012B-451A-A6C2-6FEC0DC82AFC}"/>
               </a:ext>
             </a:extLst>
           </p:cNvPr>
@@ -2975,7 +2988,7 @@
           <p:cNvPr id="21" name="Subtitle 2">
             <a:extLst>
               <a:ext uri="{FF2B5EF4-FFF2-40B4-BE49-F238E27FC236}">
-                <a16:creationId xmlns:a16="http://schemas.microsoft.com/office/drawing/2014/main" xmlns="" id="{ADF17BC1-06CE-42EA-A970-31A7ED871AA4}"/>
+                <a16:creationId xmlns="" xmlns:a16="http://schemas.microsoft.com/office/drawing/2014/main" id="{ADF17BC1-06CE-42EA-A970-31A7ED871AA4}"/>
               </a:ext>
             </a:extLst>
           </p:cNvPr>
@@ -3051,7 +3064,7 @@
           <p:cNvPr id="22" name="Text Placeholder 6">
             <a:extLst>
               <a:ext uri="{FF2B5EF4-FFF2-40B4-BE49-F238E27FC236}">
-                <a16:creationId xmlns:a16="http://schemas.microsoft.com/office/drawing/2014/main" xmlns="" id="{7035F1B3-4E91-44FF-B4E7-E5D87C7A034C}"/>
+                <a16:creationId xmlns="" xmlns:a16="http://schemas.microsoft.com/office/drawing/2014/main" id="{7035F1B3-4E91-44FF-B4E7-E5D87C7A034C}"/>
               </a:ext>
             </a:extLst>
           </p:cNvPr>
@@ -3104,7 +3117,7 @@
           <p:cNvPr id="18" name="Title 1">
             <a:extLst>
               <a:ext uri="{FF2B5EF4-FFF2-40B4-BE49-F238E27FC236}">
-                <a16:creationId xmlns:a16="http://schemas.microsoft.com/office/drawing/2014/main" xmlns="" id="{525B5135-F466-4A63-A42C-3BB2BAA7D24D}"/>
+                <a16:creationId xmlns="" xmlns:a16="http://schemas.microsoft.com/office/drawing/2014/main" id="{525B5135-F466-4A63-A42C-3BB2BAA7D24D}"/>
               </a:ext>
             </a:extLst>
           </p:cNvPr>
@@ -3208,7 +3221,7 @@
           <p:cNvPr id="4" name="Rectangle 3">
             <a:extLst>
               <a:ext uri="{FF2B5EF4-FFF2-40B4-BE49-F238E27FC236}">
-                <a16:creationId xmlns:a16="http://schemas.microsoft.com/office/drawing/2014/main" xmlns="" id="{86299464-ED20-4919-8B3A-2CFAE8DA2347}"/>
+                <a16:creationId xmlns="" xmlns:a16="http://schemas.microsoft.com/office/drawing/2014/main" id="{86299464-ED20-4919-8B3A-2CFAE8DA2347}"/>
               </a:ext>
             </a:extLst>
           </p:cNvPr>
@@ -3260,7 +3273,7 @@
           <p:cNvPr id="6" name="Oval 5">
             <a:extLst>
               <a:ext uri="{FF2B5EF4-FFF2-40B4-BE49-F238E27FC236}">
-                <a16:creationId xmlns:a16="http://schemas.microsoft.com/office/drawing/2014/main" xmlns="" id="{1F54E98B-AC75-484D-9121-68498EB888AA}"/>
+                <a16:creationId xmlns="" xmlns:a16="http://schemas.microsoft.com/office/drawing/2014/main" id="{1F54E98B-AC75-484D-9121-68498EB888AA}"/>
               </a:ext>
             </a:extLst>
           </p:cNvPr>
@@ -3314,7 +3327,7 @@
           <p:cNvPr id="2" name="Title 1">
             <a:extLst>
               <a:ext uri="{FF2B5EF4-FFF2-40B4-BE49-F238E27FC236}">
-                <a16:creationId xmlns:a16="http://schemas.microsoft.com/office/drawing/2014/main" xmlns="" id="{2456FD49-C258-4333-9422-358C976A341C}"/>
+                <a16:creationId xmlns="" xmlns:a16="http://schemas.microsoft.com/office/drawing/2014/main" id="{2456FD49-C258-4333-9422-358C976A341C}"/>
               </a:ext>
             </a:extLst>
           </p:cNvPr>
@@ -3358,7 +3371,7 @@
           <p:cNvPr id="3" name="Subtitle 2">
             <a:extLst>
               <a:ext uri="{FF2B5EF4-FFF2-40B4-BE49-F238E27FC236}">
-                <a16:creationId xmlns:a16="http://schemas.microsoft.com/office/drawing/2014/main" xmlns="" id="{59758E15-A93D-4FB9-843D-1490E27A151B}"/>
+                <a16:creationId xmlns="" xmlns:a16="http://schemas.microsoft.com/office/drawing/2014/main" id="{59758E15-A93D-4FB9-843D-1490E27A151B}"/>
               </a:ext>
             </a:extLst>
           </p:cNvPr>
@@ -3435,7 +3448,7 @@
           <p:cNvPr id="14" name="Group 13">
             <a:extLst>
               <a:ext uri="{FF2B5EF4-FFF2-40B4-BE49-F238E27FC236}">
-                <a16:creationId xmlns:a16="http://schemas.microsoft.com/office/drawing/2014/main" xmlns="" id="{0DC2055F-AE3F-46BE-B57E-A0F1A86D1C36}"/>
+                <a16:creationId xmlns="" xmlns:a16="http://schemas.microsoft.com/office/drawing/2014/main" id="{0DC2055F-AE3F-46BE-B57E-A0F1A86D1C36}"/>
               </a:ext>
             </a:extLst>
           </p:cNvPr>
@@ -3460,7 +3473,7 @@
             <p:cNvPr id="15" name="Freeform 5">
               <a:extLst>
                 <a:ext uri="{FF2B5EF4-FFF2-40B4-BE49-F238E27FC236}">
-                  <a16:creationId xmlns:a16="http://schemas.microsoft.com/office/drawing/2014/main" xmlns="" id="{C98EF042-A3B8-406D-BC16-153A989F571A}"/>
+                  <a16:creationId xmlns="" xmlns:a16="http://schemas.microsoft.com/office/drawing/2014/main" id="{C98EF042-A3B8-406D-BC16-153A989F571A}"/>
                 </a:ext>
               </a:extLst>
             </p:cNvPr>
@@ -3650,7 +3663,7 @@
             <p:cNvPr id="16" name="Freeform 6">
               <a:extLst>
                 <a:ext uri="{FF2B5EF4-FFF2-40B4-BE49-F238E27FC236}">
-                  <a16:creationId xmlns:a16="http://schemas.microsoft.com/office/drawing/2014/main" xmlns="" id="{68E5FAC9-A660-4D7A-AC84-0A7C8CC3BB65}"/>
+                  <a16:creationId xmlns="" xmlns:a16="http://schemas.microsoft.com/office/drawing/2014/main" id="{68E5FAC9-A660-4D7A-AC84-0A7C8CC3BB65}"/>
                 </a:ext>
               </a:extLst>
             </p:cNvPr>
@@ -3801,7 +3814,7 @@
           <p:cNvPr id="9" name="Picture 8">
             <a:extLst>
               <a:ext uri="{FF2B5EF4-FFF2-40B4-BE49-F238E27FC236}">
-                <a16:creationId xmlns:a16="http://schemas.microsoft.com/office/drawing/2014/main" xmlns="" id="{4FE28ACC-E44C-4381-B768-0310810E78D2}"/>
+                <a16:creationId xmlns="" xmlns:a16="http://schemas.microsoft.com/office/drawing/2014/main" id="{4FE28ACC-E44C-4381-B768-0310810E78D2}"/>
               </a:ext>
             </a:extLst>
           </p:cNvPr>
@@ -3846,7 +3859,7 @@
           <p:cNvPr id="5" name="Straight Connector 4">
             <a:extLst>
               <a:ext uri="{FF2B5EF4-FFF2-40B4-BE49-F238E27FC236}">
-                <a16:creationId xmlns:a16="http://schemas.microsoft.com/office/drawing/2014/main" xmlns="" id="{819AFA09-F4B1-493D-BCAD-FF30C20CD1AA}"/>
+                <a16:creationId xmlns="" xmlns:a16="http://schemas.microsoft.com/office/drawing/2014/main" id="{819AFA09-F4B1-493D-BCAD-FF30C20CD1AA}"/>
               </a:ext>
             </a:extLst>
           </p:cNvPr>
@@ -3943,7 +3956,7 @@
           <p:cNvPr id="10" name="Rectangle 9">
             <a:extLst>
               <a:ext uri="{FF2B5EF4-FFF2-40B4-BE49-F238E27FC236}">
-                <a16:creationId xmlns:a16="http://schemas.microsoft.com/office/drawing/2014/main" xmlns="" id="{F9087E09-D75F-4E26-B01E-A1A09BA2EA70}"/>
+                <a16:creationId xmlns="" xmlns:a16="http://schemas.microsoft.com/office/drawing/2014/main" id="{F9087E09-D75F-4E26-B01E-A1A09BA2EA70}"/>
               </a:ext>
             </a:extLst>
           </p:cNvPr>
@@ -3995,7 +4008,7 @@
           <p:cNvPr id="2" name="Title 1">
             <a:extLst>
               <a:ext uri="{FF2B5EF4-FFF2-40B4-BE49-F238E27FC236}">
-                <a16:creationId xmlns:a16="http://schemas.microsoft.com/office/drawing/2014/main" xmlns="" id="{AF7A70B7-7ADE-4E0B-B956-363B0B1AA613}"/>
+                <a16:creationId xmlns="" xmlns:a16="http://schemas.microsoft.com/office/drawing/2014/main" id="{AF7A70B7-7ADE-4E0B-B956-363B0B1AA613}"/>
               </a:ext>
             </a:extLst>
           </p:cNvPr>
@@ -4039,7 +4052,7 @@
           <p:cNvPr id="8" name="Picture 7">
             <a:extLst>
               <a:ext uri="{FF2B5EF4-FFF2-40B4-BE49-F238E27FC236}">
-                <a16:creationId xmlns:a16="http://schemas.microsoft.com/office/drawing/2014/main" xmlns="" id="{25FC40B0-ED27-47E5-A3C2-32A8418567EE}"/>
+                <a16:creationId xmlns="" xmlns:a16="http://schemas.microsoft.com/office/drawing/2014/main" id="{25FC40B0-ED27-47E5-A3C2-32A8418567EE}"/>
               </a:ext>
             </a:extLst>
           </p:cNvPr>
@@ -4076,7 +4089,7 @@
           <p:cNvPr id="11" name="Oval 10">
             <a:extLst>
               <a:ext uri="{FF2B5EF4-FFF2-40B4-BE49-F238E27FC236}">
-                <a16:creationId xmlns:a16="http://schemas.microsoft.com/office/drawing/2014/main" xmlns="" id="{8931D2A9-0B92-4197-8802-80424C14EA7E}"/>
+                <a16:creationId xmlns="" xmlns:a16="http://schemas.microsoft.com/office/drawing/2014/main" id="{8931D2A9-0B92-4197-8802-80424C14EA7E}"/>
               </a:ext>
             </a:extLst>
           </p:cNvPr>
@@ -4128,7 +4141,7 @@
           <p:cNvPr id="6" name="Slide Number Placeholder 5">
             <a:extLst>
               <a:ext uri="{FF2B5EF4-FFF2-40B4-BE49-F238E27FC236}">
-                <a16:creationId xmlns:a16="http://schemas.microsoft.com/office/drawing/2014/main" xmlns="" id="{533B74B0-30B9-45C2-9AE6-45D1978AAFAE}"/>
+                <a16:creationId xmlns="" xmlns:a16="http://schemas.microsoft.com/office/drawing/2014/main" id="{533B74B0-30B9-45C2-9AE6-45D1978AAFAE}"/>
               </a:ext>
             </a:extLst>
           </p:cNvPr>
@@ -4172,7 +4185,7 @@
           <p:cNvPr id="4" name="Group 3">
             <a:extLst>
               <a:ext uri="{FF2B5EF4-FFF2-40B4-BE49-F238E27FC236}">
-                <a16:creationId xmlns:a16="http://schemas.microsoft.com/office/drawing/2014/main" xmlns="" id="{AD5251EA-F450-4DD1-995B-DC89513424C8}"/>
+                <a16:creationId xmlns="" xmlns:a16="http://schemas.microsoft.com/office/drawing/2014/main" id="{AD5251EA-F450-4DD1-995B-DC89513424C8}"/>
               </a:ext>
             </a:extLst>
           </p:cNvPr>
@@ -4192,7 +4205,7 @@
             <p:cNvPr id="17" name="Oval 16">
               <a:extLst>
                 <a:ext uri="{FF2B5EF4-FFF2-40B4-BE49-F238E27FC236}">
-                  <a16:creationId xmlns:a16="http://schemas.microsoft.com/office/drawing/2014/main" xmlns="" id="{44882F4E-E8C8-46FE-A9C8-7B79782767F6}"/>
+                  <a16:creationId xmlns="" xmlns:a16="http://schemas.microsoft.com/office/drawing/2014/main" id="{44882F4E-E8C8-46FE-A9C8-7B79782767F6}"/>
                 </a:ext>
               </a:extLst>
             </p:cNvPr>
@@ -4246,7 +4259,7 @@
             <p:cNvPr id="18" name="Group 17">
               <a:extLst>
                 <a:ext uri="{FF2B5EF4-FFF2-40B4-BE49-F238E27FC236}">
-                  <a16:creationId xmlns:a16="http://schemas.microsoft.com/office/drawing/2014/main" xmlns="" id="{965CD13B-04FB-40D5-AF62-2F43CF49BA9B}"/>
+                  <a16:creationId xmlns="" xmlns:a16="http://schemas.microsoft.com/office/drawing/2014/main" id="{965CD13B-04FB-40D5-AF62-2F43CF49BA9B}"/>
                 </a:ext>
               </a:extLst>
             </p:cNvPr>
@@ -4271,7 +4284,7 @@
               <p:cNvPr id="19" name="Freeform 5">
                 <a:extLst>
                   <a:ext uri="{FF2B5EF4-FFF2-40B4-BE49-F238E27FC236}">
-                    <a16:creationId xmlns:a16="http://schemas.microsoft.com/office/drawing/2014/main" xmlns="" id="{01876F8F-C11E-4FB2-8150-1F0602752F97}"/>
+                    <a16:creationId xmlns="" xmlns:a16="http://schemas.microsoft.com/office/drawing/2014/main" id="{01876F8F-C11E-4FB2-8150-1F0602752F97}"/>
                   </a:ext>
                 </a:extLst>
               </p:cNvPr>
@@ -4461,7 +4474,7 @@
               <p:cNvPr id="20" name="Freeform 6">
                 <a:extLst>
                   <a:ext uri="{FF2B5EF4-FFF2-40B4-BE49-F238E27FC236}">
-                    <a16:creationId xmlns:a16="http://schemas.microsoft.com/office/drawing/2014/main" xmlns="" id="{08A1D05F-5F61-4156-8C83-1A002AA1E886}"/>
+                    <a16:creationId xmlns="" xmlns:a16="http://schemas.microsoft.com/office/drawing/2014/main" id="{08A1D05F-5F61-4156-8C83-1A002AA1E886}"/>
                   </a:ext>
                 </a:extLst>
               </p:cNvPr>
@@ -4613,7 +4626,7 @@
           <p:cNvPr id="21" name="Text Placeholder 2">
             <a:extLst>
               <a:ext uri="{FF2B5EF4-FFF2-40B4-BE49-F238E27FC236}">
-                <a16:creationId xmlns:a16="http://schemas.microsoft.com/office/drawing/2014/main" xmlns="" id="{4D77C47B-CC1E-41DA-9146-5DFD63065491}"/>
+                <a16:creationId xmlns="" xmlns:a16="http://schemas.microsoft.com/office/drawing/2014/main" id="{4D77C47B-CC1E-41DA-9146-5DFD63065491}"/>
               </a:ext>
             </a:extLst>
           </p:cNvPr>
@@ -4784,7 +4797,7 @@
           <p:cNvPr id="22" name="Group 21">
             <a:extLst>
               <a:ext uri="{FF2B5EF4-FFF2-40B4-BE49-F238E27FC236}">
-                <a16:creationId xmlns:a16="http://schemas.microsoft.com/office/drawing/2014/main" xmlns="" id="{60E0B501-22AA-4685-BE9B-A267F6F675A7}"/>
+                <a16:creationId xmlns="" xmlns:a16="http://schemas.microsoft.com/office/drawing/2014/main" id="{60E0B501-22AA-4685-BE9B-A267F6F675A7}"/>
               </a:ext>
             </a:extLst>
           </p:cNvPr>
@@ -4809,7 +4822,7 @@
             <p:cNvPr id="24" name="Freeform 5">
               <a:extLst>
                 <a:ext uri="{FF2B5EF4-FFF2-40B4-BE49-F238E27FC236}">
-                  <a16:creationId xmlns:a16="http://schemas.microsoft.com/office/drawing/2014/main" xmlns="" id="{5D0E179E-CA3D-4874-9ACD-F8990F48F4BF}"/>
+                  <a16:creationId xmlns="" xmlns:a16="http://schemas.microsoft.com/office/drawing/2014/main" id="{5D0E179E-CA3D-4874-9ACD-F8990F48F4BF}"/>
                 </a:ext>
               </a:extLst>
             </p:cNvPr>
@@ -4999,7 +5012,7 @@
             <p:cNvPr id="25" name="Freeform 6">
               <a:extLst>
                 <a:ext uri="{FF2B5EF4-FFF2-40B4-BE49-F238E27FC236}">
-                  <a16:creationId xmlns:a16="http://schemas.microsoft.com/office/drawing/2014/main" xmlns="" id="{A9C53936-B93A-4CF6-8766-2FA93ACFEBE3}"/>
+                  <a16:creationId xmlns="" xmlns:a16="http://schemas.microsoft.com/office/drawing/2014/main" id="{A9C53936-B93A-4CF6-8766-2FA93ACFEBE3}"/>
                 </a:ext>
               </a:extLst>
             </p:cNvPr>
@@ -5149,7 +5162,7 @@
             <p:cNvPr id="26" name="Freeform 7">
               <a:extLst>
                 <a:ext uri="{FF2B5EF4-FFF2-40B4-BE49-F238E27FC236}">
-                  <a16:creationId xmlns:a16="http://schemas.microsoft.com/office/drawing/2014/main" xmlns="" id="{5776DEA2-5422-4F51-B359-652B71274D31}"/>
+                  <a16:creationId xmlns="" xmlns:a16="http://schemas.microsoft.com/office/drawing/2014/main" id="{5776DEA2-5422-4F51-B359-652B71274D31}"/>
                 </a:ext>
               </a:extLst>
             </p:cNvPr>
@@ -5290,7 +5303,7 @@
           <p:cNvPr id="7" name="Rectangle 6">
             <a:extLst>
               <a:ext uri="{FF2B5EF4-FFF2-40B4-BE49-F238E27FC236}">
-                <a16:creationId xmlns:a16="http://schemas.microsoft.com/office/drawing/2014/main" xmlns="" id="{76627016-BFC4-46D4-89DB-F72E3C3461EC}"/>
+                <a16:creationId xmlns="" xmlns:a16="http://schemas.microsoft.com/office/drawing/2014/main" id="{76627016-BFC4-46D4-89DB-F72E3C3461EC}"/>
               </a:ext>
             </a:extLst>
           </p:cNvPr>
@@ -5346,7 +5359,7 @@
           <p:cNvPr id="15" name="Oval 14">
             <a:extLst>
               <a:ext uri="{FF2B5EF4-FFF2-40B4-BE49-F238E27FC236}">
-                <a16:creationId xmlns:a16="http://schemas.microsoft.com/office/drawing/2014/main" xmlns="" id="{EF515B4A-CB20-4847-8E00-0DD66F1FEBB4}"/>
+                <a16:creationId xmlns="" xmlns:a16="http://schemas.microsoft.com/office/drawing/2014/main" id="{EF515B4A-CB20-4847-8E00-0DD66F1FEBB4}"/>
               </a:ext>
             </a:extLst>
           </p:cNvPr>
@@ -5398,7 +5411,7 @@
           <p:cNvPr id="16" name="Slide Number Placeholder 5">
             <a:extLst>
               <a:ext uri="{FF2B5EF4-FFF2-40B4-BE49-F238E27FC236}">
-                <a16:creationId xmlns:a16="http://schemas.microsoft.com/office/drawing/2014/main" xmlns="" id="{996B64B9-1DF0-4EE9-BAB5-72AFA94B9AFD}"/>
+                <a16:creationId xmlns="" xmlns:a16="http://schemas.microsoft.com/office/drawing/2014/main" id="{996B64B9-1DF0-4EE9-BAB5-72AFA94B9AFD}"/>
               </a:ext>
             </a:extLst>
           </p:cNvPr>
@@ -5442,7 +5455,7 @@
           <p:cNvPr id="27" name="Content Placeholder 2">
             <a:extLst>
               <a:ext uri="{FF2B5EF4-FFF2-40B4-BE49-F238E27FC236}">
-                <a16:creationId xmlns:a16="http://schemas.microsoft.com/office/drawing/2014/main" xmlns="" id="{1A1F33A2-66F7-4D85-99DD-7B00F265AC6D}"/>
+                <a16:creationId xmlns="" xmlns:a16="http://schemas.microsoft.com/office/drawing/2014/main" id="{1A1F33A2-66F7-4D85-99DD-7B00F265AC6D}"/>
               </a:ext>
             </a:extLst>
           </p:cNvPr>
@@ -5505,7 +5518,7 @@
           <p:cNvPr id="12" name="Picture 11">
             <a:extLst>
               <a:ext uri="{FF2B5EF4-FFF2-40B4-BE49-F238E27FC236}">
-                <a16:creationId xmlns:a16="http://schemas.microsoft.com/office/drawing/2014/main" xmlns="" id="{EC2DFD46-BF74-47BA-A496-92ED1979C360}"/>
+                <a16:creationId xmlns="" xmlns:a16="http://schemas.microsoft.com/office/drawing/2014/main" id="{EC2DFD46-BF74-47BA-A496-92ED1979C360}"/>
               </a:ext>
             </a:extLst>
           </p:cNvPr>
@@ -5541,7 +5554,7 @@
           <p:cNvPr id="13" name="Title 1">
             <a:extLst>
               <a:ext uri="{FF2B5EF4-FFF2-40B4-BE49-F238E27FC236}">
-                <a16:creationId xmlns:a16="http://schemas.microsoft.com/office/drawing/2014/main" xmlns="" id="{EF788279-D710-447A-9E71-4D1344575691}"/>
+                <a16:creationId xmlns="" xmlns:a16="http://schemas.microsoft.com/office/drawing/2014/main" id="{EF788279-D710-447A-9E71-4D1344575691}"/>
               </a:ext>
             </a:extLst>
           </p:cNvPr>
@@ -5611,7 +5624,7 @@
           <p:cNvPr id="18" name="Group 17">
             <a:extLst>
               <a:ext uri="{FF2B5EF4-FFF2-40B4-BE49-F238E27FC236}">
-                <a16:creationId xmlns:a16="http://schemas.microsoft.com/office/drawing/2014/main" xmlns="" id="{C2A6B906-ACDA-40FD-8AC8-0B693AB12796}"/>
+                <a16:creationId xmlns="" xmlns:a16="http://schemas.microsoft.com/office/drawing/2014/main" id="{C2A6B906-ACDA-40FD-8AC8-0B693AB12796}"/>
               </a:ext>
             </a:extLst>
           </p:cNvPr>
@@ -5636,7 +5649,7 @@
             <p:cNvPr id="19" name="Freeform 5">
               <a:extLst>
                 <a:ext uri="{FF2B5EF4-FFF2-40B4-BE49-F238E27FC236}">
-                  <a16:creationId xmlns:a16="http://schemas.microsoft.com/office/drawing/2014/main" xmlns="" id="{717F7366-5A99-4065-90C2-AE7DF5DD0F44}"/>
+                  <a16:creationId xmlns="" xmlns:a16="http://schemas.microsoft.com/office/drawing/2014/main" id="{717F7366-5A99-4065-90C2-AE7DF5DD0F44}"/>
                 </a:ext>
               </a:extLst>
             </p:cNvPr>
@@ -5826,7 +5839,7 @@
             <p:cNvPr id="20" name="Freeform 6">
               <a:extLst>
                 <a:ext uri="{FF2B5EF4-FFF2-40B4-BE49-F238E27FC236}">
-                  <a16:creationId xmlns:a16="http://schemas.microsoft.com/office/drawing/2014/main" xmlns="" id="{90A089CA-63B9-4456-B0B1-17C75EBFB982}"/>
+                  <a16:creationId xmlns="" xmlns:a16="http://schemas.microsoft.com/office/drawing/2014/main" id="{90A089CA-63B9-4456-B0B1-17C75EBFB982}"/>
                 </a:ext>
               </a:extLst>
             </p:cNvPr>
@@ -5976,7 +5989,7 @@
             <p:cNvPr id="22" name="Freeform 7">
               <a:extLst>
                 <a:ext uri="{FF2B5EF4-FFF2-40B4-BE49-F238E27FC236}">
-                  <a16:creationId xmlns:a16="http://schemas.microsoft.com/office/drawing/2014/main" xmlns="" id="{8D36B2D1-BCFE-43FC-8743-7B7A30E1AD5D}"/>
+                  <a16:creationId xmlns="" xmlns:a16="http://schemas.microsoft.com/office/drawing/2014/main" id="{8D36B2D1-BCFE-43FC-8743-7B7A30E1AD5D}"/>
                 </a:ext>
               </a:extLst>
             </p:cNvPr>
@@ -6117,7 +6130,7 @@
           <p:cNvPr id="7" name="Rectangle 6">
             <a:extLst>
               <a:ext uri="{FF2B5EF4-FFF2-40B4-BE49-F238E27FC236}">
-                <a16:creationId xmlns:a16="http://schemas.microsoft.com/office/drawing/2014/main" xmlns="" id="{76627016-BFC4-46D4-89DB-F72E3C3461EC}"/>
+                <a16:creationId xmlns="" xmlns:a16="http://schemas.microsoft.com/office/drawing/2014/main" id="{76627016-BFC4-46D4-89DB-F72E3C3461EC}"/>
               </a:ext>
             </a:extLst>
           </p:cNvPr>
@@ -6173,7 +6186,7 @@
           <p:cNvPr id="15" name="Oval 14">
             <a:extLst>
               <a:ext uri="{FF2B5EF4-FFF2-40B4-BE49-F238E27FC236}">
-                <a16:creationId xmlns:a16="http://schemas.microsoft.com/office/drawing/2014/main" xmlns="" id="{EF515B4A-CB20-4847-8E00-0DD66F1FEBB4}"/>
+                <a16:creationId xmlns="" xmlns:a16="http://schemas.microsoft.com/office/drawing/2014/main" id="{EF515B4A-CB20-4847-8E00-0DD66F1FEBB4}"/>
               </a:ext>
             </a:extLst>
           </p:cNvPr>
@@ -6225,7 +6238,7 @@
           <p:cNvPr id="16" name="Slide Number Placeholder 5">
             <a:extLst>
               <a:ext uri="{FF2B5EF4-FFF2-40B4-BE49-F238E27FC236}">
-                <a16:creationId xmlns:a16="http://schemas.microsoft.com/office/drawing/2014/main" xmlns="" id="{996B64B9-1DF0-4EE9-BAB5-72AFA94B9AFD}"/>
+                <a16:creationId xmlns="" xmlns:a16="http://schemas.microsoft.com/office/drawing/2014/main" id="{996B64B9-1DF0-4EE9-BAB5-72AFA94B9AFD}"/>
               </a:ext>
             </a:extLst>
           </p:cNvPr>
@@ -6269,7 +6282,7 @@
           <p:cNvPr id="14" name="Content Placeholder 2">
             <a:extLst>
               <a:ext uri="{FF2B5EF4-FFF2-40B4-BE49-F238E27FC236}">
-                <a16:creationId xmlns:a16="http://schemas.microsoft.com/office/drawing/2014/main" xmlns="" id="{079DA8F4-EDD3-4D62-A90B-8C3C1AFB0083}"/>
+                <a16:creationId xmlns="" xmlns:a16="http://schemas.microsoft.com/office/drawing/2014/main" id="{079DA8F4-EDD3-4D62-A90B-8C3C1AFB0083}"/>
               </a:ext>
             </a:extLst>
           </p:cNvPr>
@@ -6332,7 +6345,7 @@
           <p:cNvPr id="17" name="Content Placeholder 3">
             <a:extLst>
               <a:ext uri="{FF2B5EF4-FFF2-40B4-BE49-F238E27FC236}">
-                <a16:creationId xmlns:a16="http://schemas.microsoft.com/office/drawing/2014/main" xmlns="" id="{DA0DA994-B4A9-447A-BEBF-3EA31D3755A2}"/>
+                <a16:creationId xmlns="" xmlns:a16="http://schemas.microsoft.com/office/drawing/2014/main" id="{DA0DA994-B4A9-447A-BEBF-3EA31D3755A2}"/>
               </a:ext>
             </a:extLst>
           </p:cNvPr>
@@ -6395,7 +6408,7 @@
           <p:cNvPr id="13" name="Picture 12">
             <a:extLst>
               <a:ext uri="{FF2B5EF4-FFF2-40B4-BE49-F238E27FC236}">
-                <a16:creationId xmlns:a16="http://schemas.microsoft.com/office/drawing/2014/main" xmlns="" id="{332150F9-14BF-4DCB-884D-49596914C290}"/>
+                <a16:creationId xmlns="" xmlns:a16="http://schemas.microsoft.com/office/drawing/2014/main" id="{332150F9-14BF-4DCB-884D-49596914C290}"/>
               </a:ext>
             </a:extLst>
           </p:cNvPr>
@@ -6431,7 +6444,7 @@
           <p:cNvPr id="21" name="Title 1">
             <a:extLst>
               <a:ext uri="{FF2B5EF4-FFF2-40B4-BE49-F238E27FC236}">
-                <a16:creationId xmlns:a16="http://schemas.microsoft.com/office/drawing/2014/main" xmlns="" id="{19DEF115-82C2-4E9D-A22C-8DA561FB37B8}"/>
+                <a16:creationId xmlns="" xmlns:a16="http://schemas.microsoft.com/office/drawing/2014/main" id="{19DEF115-82C2-4E9D-A22C-8DA561FB37B8}"/>
               </a:ext>
             </a:extLst>
           </p:cNvPr>
@@ -6501,7 +6514,7 @@
           <p:cNvPr id="20" name="Group 19">
             <a:extLst>
               <a:ext uri="{FF2B5EF4-FFF2-40B4-BE49-F238E27FC236}">
-                <a16:creationId xmlns:a16="http://schemas.microsoft.com/office/drawing/2014/main" xmlns="" id="{616F52B4-215E-4237-893C-E22B23804744}"/>
+                <a16:creationId xmlns="" xmlns:a16="http://schemas.microsoft.com/office/drawing/2014/main" id="{616F52B4-215E-4237-893C-E22B23804744}"/>
               </a:ext>
             </a:extLst>
           </p:cNvPr>
@@ -6526,7 +6539,7 @@
             <p:cNvPr id="22" name="Freeform 5">
               <a:extLst>
                 <a:ext uri="{FF2B5EF4-FFF2-40B4-BE49-F238E27FC236}">
-                  <a16:creationId xmlns:a16="http://schemas.microsoft.com/office/drawing/2014/main" xmlns="" id="{B7C40C77-B795-4B07-B92D-2E8A56635773}"/>
+                  <a16:creationId xmlns="" xmlns:a16="http://schemas.microsoft.com/office/drawing/2014/main" id="{B7C40C77-B795-4B07-B92D-2E8A56635773}"/>
                 </a:ext>
               </a:extLst>
             </p:cNvPr>
@@ -6716,7 +6729,7 @@
             <p:cNvPr id="23" name="Freeform 6">
               <a:extLst>
                 <a:ext uri="{FF2B5EF4-FFF2-40B4-BE49-F238E27FC236}">
-                  <a16:creationId xmlns:a16="http://schemas.microsoft.com/office/drawing/2014/main" xmlns="" id="{6E703A1E-5F10-4BB5-9D52-77CB6F5994C0}"/>
+                  <a16:creationId xmlns="" xmlns:a16="http://schemas.microsoft.com/office/drawing/2014/main" id="{6E703A1E-5F10-4BB5-9D52-77CB6F5994C0}"/>
                 </a:ext>
               </a:extLst>
             </p:cNvPr>
@@ -6866,7 +6879,7 @@
             <p:cNvPr id="24" name="Freeform 7">
               <a:extLst>
                 <a:ext uri="{FF2B5EF4-FFF2-40B4-BE49-F238E27FC236}">
-                  <a16:creationId xmlns:a16="http://schemas.microsoft.com/office/drawing/2014/main" xmlns="" id="{22CEE04C-09CE-41CF-937D-EC2D3C23ECC6}"/>
+                  <a16:creationId xmlns="" xmlns:a16="http://schemas.microsoft.com/office/drawing/2014/main" id="{22CEE04C-09CE-41CF-937D-EC2D3C23ECC6}"/>
                 </a:ext>
               </a:extLst>
             </p:cNvPr>
@@ -7007,7 +7020,7 @@
           <p:cNvPr id="7" name="Rectangle 6">
             <a:extLst>
               <a:ext uri="{FF2B5EF4-FFF2-40B4-BE49-F238E27FC236}">
-                <a16:creationId xmlns:a16="http://schemas.microsoft.com/office/drawing/2014/main" xmlns="" id="{76627016-BFC4-46D4-89DB-F72E3C3461EC}"/>
+                <a16:creationId xmlns="" xmlns:a16="http://schemas.microsoft.com/office/drawing/2014/main" id="{76627016-BFC4-46D4-89DB-F72E3C3461EC}"/>
               </a:ext>
             </a:extLst>
           </p:cNvPr>
@@ -7063,7 +7076,7 @@
           <p:cNvPr id="15" name="Oval 14">
             <a:extLst>
               <a:ext uri="{FF2B5EF4-FFF2-40B4-BE49-F238E27FC236}">
-                <a16:creationId xmlns:a16="http://schemas.microsoft.com/office/drawing/2014/main" xmlns="" id="{EF515B4A-CB20-4847-8E00-0DD66F1FEBB4}"/>
+                <a16:creationId xmlns="" xmlns:a16="http://schemas.microsoft.com/office/drawing/2014/main" id="{EF515B4A-CB20-4847-8E00-0DD66F1FEBB4}"/>
               </a:ext>
             </a:extLst>
           </p:cNvPr>
@@ -7115,7 +7128,7 @@
           <p:cNvPr id="16" name="Slide Number Placeholder 5">
             <a:extLst>
               <a:ext uri="{FF2B5EF4-FFF2-40B4-BE49-F238E27FC236}">
-                <a16:creationId xmlns:a16="http://schemas.microsoft.com/office/drawing/2014/main" xmlns="" id="{996B64B9-1DF0-4EE9-BAB5-72AFA94B9AFD}"/>
+                <a16:creationId xmlns="" xmlns:a16="http://schemas.microsoft.com/office/drawing/2014/main" id="{996B64B9-1DF0-4EE9-BAB5-72AFA94B9AFD}"/>
               </a:ext>
             </a:extLst>
           </p:cNvPr>
@@ -7159,7 +7172,7 @@
           <p:cNvPr id="14" name="Text Placeholder 2">
             <a:extLst>
               <a:ext uri="{FF2B5EF4-FFF2-40B4-BE49-F238E27FC236}">
-                <a16:creationId xmlns:a16="http://schemas.microsoft.com/office/drawing/2014/main" xmlns="" id="{774CF4BA-8DCB-42CF-A2C4-D6AF95EE3F54}"/>
+                <a16:creationId xmlns="" xmlns:a16="http://schemas.microsoft.com/office/drawing/2014/main" id="{774CF4BA-8DCB-42CF-A2C4-D6AF95EE3F54}"/>
               </a:ext>
             </a:extLst>
           </p:cNvPr>
@@ -7234,7 +7247,7 @@
           <p:cNvPr id="17" name="Content Placeholder 3">
             <a:extLst>
               <a:ext uri="{FF2B5EF4-FFF2-40B4-BE49-F238E27FC236}">
-                <a16:creationId xmlns:a16="http://schemas.microsoft.com/office/drawing/2014/main" xmlns="" id="{67BA8B6E-A28D-4658-8C91-6CA7BD539B85}"/>
+                <a16:creationId xmlns="" xmlns:a16="http://schemas.microsoft.com/office/drawing/2014/main" id="{67BA8B6E-A28D-4658-8C91-6CA7BD539B85}"/>
               </a:ext>
             </a:extLst>
           </p:cNvPr>
@@ -7297,7 +7310,7 @@
           <p:cNvPr id="18" name="Text Placeholder 4">
             <a:extLst>
               <a:ext uri="{FF2B5EF4-FFF2-40B4-BE49-F238E27FC236}">
-                <a16:creationId xmlns:a16="http://schemas.microsoft.com/office/drawing/2014/main" xmlns="" id="{F73B3215-82DB-4DBF-9E77-3AE2308C6920}"/>
+                <a16:creationId xmlns="" xmlns:a16="http://schemas.microsoft.com/office/drawing/2014/main" id="{F73B3215-82DB-4DBF-9E77-3AE2308C6920}"/>
               </a:ext>
             </a:extLst>
           </p:cNvPr>
@@ -7372,7 +7385,7 @@
           <p:cNvPr id="19" name="Content Placeholder 5">
             <a:extLst>
               <a:ext uri="{FF2B5EF4-FFF2-40B4-BE49-F238E27FC236}">
-                <a16:creationId xmlns:a16="http://schemas.microsoft.com/office/drawing/2014/main" xmlns="" id="{8DFD34E8-36CC-4FFE-926B-C170208FEDB8}"/>
+                <a16:creationId xmlns="" xmlns:a16="http://schemas.microsoft.com/office/drawing/2014/main" id="{8DFD34E8-36CC-4FFE-926B-C170208FEDB8}"/>
               </a:ext>
             </a:extLst>
           </p:cNvPr>
@@ -7435,7 +7448,7 @@
           <p:cNvPr id="21" name="Picture 20">
             <a:extLst>
               <a:ext uri="{FF2B5EF4-FFF2-40B4-BE49-F238E27FC236}">
-                <a16:creationId xmlns:a16="http://schemas.microsoft.com/office/drawing/2014/main" xmlns="" id="{03383C6B-3BE4-4380-AF26-1C21492FCE8A}"/>
+                <a16:creationId xmlns="" xmlns:a16="http://schemas.microsoft.com/office/drawing/2014/main" id="{03383C6B-3BE4-4380-AF26-1C21492FCE8A}"/>
               </a:ext>
             </a:extLst>
           </p:cNvPr>
@@ -7471,7 +7484,7 @@
           <p:cNvPr id="25" name="Title 1">
             <a:extLst>
               <a:ext uri="{FF2B5EF4-FFF2-40B4-BE49-F238E27FC236}">
-                <a16:creationId xmlns:a16="http://schemas.microsoft.com/office/drawing/2014/main" xmlns="" id="{AE3770E9-CB74-47B0-8229-91F6F756015E}"/>
+                <a16:creationId xmlns="" xmlns:a16="http://schemas.microsoft.com/office/drawing/2014/main" id="{AE3770E9-CB74-47B0-8229-91F6F756015E}"/>
               </a:ext>
             </a:extLst>
           </p:cNvPr>
@@ -7541,7 +7554,7 @@
           <p:cNvPr id="22" name="Picture Placeholder 21">
             <a:extLst>
               <a:ext uri="{FF2B5EF4-FFF2-40B4-BE49-F238E27FC236}">
-                <a16:creationId xmlns:a16="http://schemas.microsoft.com/office/drawing/2014/main" xmlns="" id="{C57825D7-DD33-4B70-BBBE-D46E7A5352EC}"/>
+                <a16:creationId xmlns="" xmlns:a16="http://schemas.microsoft.com/office/drawing/2014/main" id="{C57825D7-DD33-4B70-BBBE-D46E7A5352EC}"/>
               </a:ext>
             </a:extLst>
           </p:cNvPr>
@@ -7679,7 +7692,7 @@
           <p:cNvPr id="14" name="Group 13">
             <a:extLst>
               <a:ext uri="{FF2B5EF4-FFF2-40B4-BE49-F238E27FC236}">
-                <a16:creationId xmlns:a16="http://schemas.microsoft.com/office/drawing/2014/main" xmlns="" id="{0DC2055F-AE3F-46BE-B57E-A0F1A86D1C36}"/>
+                <a16:creationId xmlns="" xmlns:a16="http://schemas.microsoft.com/office/drawing/2014/main" id="{0DC2055F-AE3F-46BE-B57E-A0F1A86D1C36}"/>
               </a:ext>
             </a:extLst>
           </p:cNvPr>
@@ -7704,7 +7717,7 @@
             <p:cNvPr id="15" name="Freeform 5">
               <a:extLst>
                 <a:ext uri="{FF2B5EF4-FFF2-40B4-BE49-F238E27FC236}">
-                  <a16:creationId xmlns:a16="http://schemas.microsoft.com/office/drawing/2014/main" xmlns="" id="{C98EF042-A3B8-406D-BC16-153A989F571A}"/>
+                  <a16:creationId xmlns="" xmlns:a16="http://schemas.microsoft.com/office/drawing/2014/main" id="{C98EF042-A3B8-406D-BC16-153A989F571A}"/>
                 </a:ext>
               </a:extLst>
             </p:cNvPr>
@@ -7894,7 +7907,7 @@
             <p:cNvPr id="16" name="Freeform 6">
               <a:extLst>
                 <a:ext uri="{FF2B5EF4-FFF2-40B4-BE49-F238E27FC236}">
-                  <a16:creationId xmlns:a16="http://schemas.microsoft.com/office/drawing/2014/main" xmlns="" id="{68E5FAC9-A660-4D7A-AC84-0A7C8CC3BB65}"/>
+                  <a16:creationId xmlns="" xmlns:a16="http://schemas.microsoft.com/office/drawing/2014/main" id="{68E5FAC9-A660-4D7A-AC84-0A7C8CC3BB65}"/>
                 </a:ext>
               </a:extLst>
             </p:cNvPr>
@@ -8045,7 +8058,7 @@
           <p:cNvPr id="19" name="Title 1">
             <a:extLst>
               <a:ext uri="{FF2B5EF4-FFF2-40B4-BE49-F238E27FC236}">
-                <a16:creationId xmlns:a16="http://schemas.microsoft.com/office/drawing/2014/main" xmlns="" id="{19A1397F-1946-4CBE-9EC5-159C3CBC78B6}"/>
+                <a16:creationId xmlns="" xmlns:a16="http://schemas.microsoft.com/office/drawing/2014/main" id="{19A1397F-1946-4CBE-9EC5-159C3CBC78B6}"/>
               </a:ext>
             </a:extLst>
           </p:cNvPr>
@@ -8083,7 +8096,7 @@
           <p:cNvPr id="20" name="Text Placeholder 3">
             <a:extLst>
               <a:ext uri="{FF2B5EF4-FFF2-40B4-BE49-F238E27FC236}">
-                <a16:creationId xmlns:a16="http://schemas.microsoft.com/office/drawing/2014/main" xmlns="" id="{C535F2AB-153E-44A9-97BE-00553BEC1770}"/>
+                <a16:creationId xmlns="" xmlns:a16="http://schemas.microsoft.com/office/drawing/2014/main" id="{C535F2AB-153E-44A9-97BE-00553BEC1770}"/>
               </a:ext>
             </a:extLst>
           </p:cNvPr>
@@ -8155,7 +8168,7 @@
           <p:cNvPr id="8" name="Picture 7">
             <a:extLst>
               <a:ext uri="{FF2B5EF4-FFF2-40B4-BE49-F238E27FC236}">
-                <a16:creationId xmlns:a16="http://schemas.microsoft.com/office/drawing/2014/main" xmlns="" id="{06298D65-1027-4897-A948-DCEEF8FC3D98}"/>
+                <a16:creationId xmlns="" xmlns:a16="http://schemas.microsoft.com/office/drawing/2014/main" id="{06298D65-1027-4897-A948-DCEEF8FC3D98}"/>
               </a:ext>
             </a:extLst>
           </p:cNvPr>
@@ -8221,7 +8234,7 @@
           <p:cNvPr id="19" name="Group 18">
             <a:extLst>
               <a:ext uri="{FF2B5EF4-FFF2-40B4-BE49-F238E27FC236}">
-                <a16:creationId xmlns:a16="http://schemas.microsoft.com/office/drawing/2014/main" xmlns="" id="{9F866E5C-B8AA-4805-B232-831BA01AAF16}"/>
+                <a16:creationId xmlns="" xmlns:a16="http://schemas.microsoft.com/office/drawing/2014/main" id="{9F866E5C-B8AA-4805-B232-831BA01AAF16}"/>
               </a:ext>
             </a:extLst>
           </p:cNvPr>
@@ -8246,7 +8259,7 @@
             <p:cNvPr id="20" name="Freeform 5">
               <a:extLst>
                 <a:ext uri="{FF2B5EF4-FFF2-40B4-BE49-F238E27FC236}">
-                  <a16:creationId xmlns:a16="http://schemas.microsoft.com/office/drawing/2014/main" xmlns="" id="{F98614F0-2DA3-4F29-8CB3-D61424AC8506}"/>
+                  <a16:creationId xmlns="" xmlns:a16="http://schemas.microsoft.com/office/drawing/2014/main" id="{F98614F0-2DA3-4F29-8CB3-D61424AC8506}"/>
                 </a:ext>
               </a:extLst>
             </p:cNvPr>
@@ -8436,7 +8449,7 @@
             <p:cNvPr id="22" name="Freeform 6">
               <a:extLst>
                 <a:ext uri="{FF2B5EF4-FFF2-40B4-BE49-F238E27FC236}">
-                  <a16:creationId xmlns:a16="http://schemas.microsoft.com/office/drawing/2014/main" xmlns="" id="{66D52F08-13EC-4AB4-BB79-89A5395A03BF}"/>
+                  <a16:creationId xmlns="" xmlns:a16="http://schemas.microsoft.com/office/drawing/2014/main" id="{66D52F08-13EC-4AB4-BB79-89A5395A03BF}"/>
                 </a:ext>
               </a:extLst>
             </p:cNvPr>
@@ -8586,7 +8599,7 @@
             <p:cNvPr id="23" name="Freeform 7">
               <a:extLst>
                 <a:ext uri="{FF2B5EF4-FFF2-40B4-BE49-F238E27FC236}">
-                  <a16:creationId xmlns:a16="http://schemas.microsoft.com/office/drawing/2014/main" xmlns="" id="{2544236D-8C3A-41EF-9A68-C84A8A7D0F5A}"/>
+                  <a16:creationId xmlns="" xmlns:a16="http://schemas.microsoft.com/office/drawing/2014/main" id="{2544236D-8C3A-41EF-9A68-C84A8A7D0F5A}"/>
                 </a:ext>
               </a:extLst>
             </p:cNvPr>
@@ -8727,7 +8740,7 @@
           <p:cNvPr id="7" name="Rectangle 6">
             <a:extLst>
               <a:ext uri="{FF2B5EF4-FFF2-40B4-BE49-F238E27FC236}">
-                <a16:creationId xmlns:a16="http://schemas.microsoft.com/office/drawing/2014/main" xmlns="" id="{76627016-BFC4-46D4-89DB-F72E3C3461EC}"/>
+                <a16:creationId xmlns="" xmlns:a16="http://schemas.microsoft.com/office/drawing/2014/main" id="{76627016-BFC4-46D4-89DB-F72E3C3461EC}"/>
               </a:ext>
             </a:extLst>
           </p:cNvPr>
@@ -8783,7 +8796,7 @@
           <p:cNvPr id="15" name="Oval 14">
             <a:extLst>
               <a:ext uri="{FF2B5EF4-FFF2-40B4-BE49-F238E27FC236}">
-                <a16:creationId xmlns:a16="http://schemas.microsoft.com/office/drawing/2014/main" xmlns="" id="{EF515B4A-CB20-4847-8E00-0DD66F1FEBB4}"/>
+                <a16:creationId xmlns="" xmlns:a16="http://schemas.microsoft.com/office/drawing/2014/main" id="{EF515B4A-CB20-4847-8E00-0DD66F1FEBB4}"/>
               </a:ext>
             </a:extLst>
           </p:cNvPr>
@@ -8835,7 +8848,7 @@
           <p:cNvPr id="16" name="Slide Number Placeholder 5">
             <a:extLst>
               <a:ext uri="{FF2B5EF4-FFF2-40B4-BE49-F238E27FC236}">
-                <a16:creationId xmlns:a16="http://schemas.microsoft.com/office/drawing/2014/main" xmlns="" id="{996B64B9-1DF0-4EE9-BAB5-72AFA94B9AFD}"/>
+                <a16:creationId xmlns="" xmlns:a16="http://schemas.microsoft.com/office/drawing/2014/main" id="{996B64B9-1DF0-4EE9-BAB5-72AFA94B9AFD}"/>
               </a:ext>
             </a:extLst>
           </p:cNvPr>
@@ -8879,7 +8892,7 @@
           <p:cNvPr id="14" name="Title 1">
             <a:extLst>
               <a:ext uri="{FF2B5EF4-FFF2-40B4-BE49-F238E27FC236}">
-                <a16:creationId xmlns:a16="http://schemas.microsoft.com/office/drawing/2014/main" xmlns="" id="{9009D5C6-6206-4291-8037-67DC025F0B4C}"/>
+                <a16:creationId xmlns="" xmlns:a16="http://schemas.microsoft.com/office/drawing/2014/main" id="{9009D5C6-6206-4291-8037-67DC025F0B4C}"/>
               </a:ext>
             </a:extLst>
           </p:cNvPr>
@@ -8917,7 +8930,7 @@
           <p:cNvPr id="17" name="Text Placeholder 3">
             <a:extLst>
               <a:ext uri="{FF2B5EF4-FFF2-40B4-BE49-F238E27FC236}">
-                <a16:creationId xmlns:a16="http://schemas.microsoft.com/office/drawing/2014/main" xmlns="" id="{BEB643FD-AA85-4A43-8EBD-AFD10DD98793}"/>
+                <a16:creationId xmlns="" xmlns:a16="http://schemas.microsoft.com/office/drawing/2014/main" id="{BEB643FD-AA85-4A43-8EBD-AFD10DD98793}"/>
               </a:ext>
             </a:extLst>
           </p:cNvPr>
@@ -8988,7 +9001,7 @@
           <p:cNvPr id="18" name="Content Placeholder 2">
             <a:extLst>
               <a:ext uri="{FF2B5EF4-FFF2-40B4-BE49-F238E27FC236}">
-                <a16:creationId xmlns:a16="http://schemas.microsoft.com/office/drawing/2014/main" xmlns="" id="{9001F313-F798-43BE-AFF0-A68C84C3640D}"/>
+                <a16:creationId xmlns="" xmlns:a16="http://schemas.microsoft.com/office/drawing/2014/main" id="{9001F313-F798-43BE-AFF0-A68C84C3640D}"/>
               </a:ext>
             </a:extLst>
           </p:cNvPr>
@@ -9079,7 +9092,7 @@
           <p:cNvPr id="13" name="Picture 12">
             <a:extLst>
               <a:ext uri="{FF2B5EF4-FFF2-40B4-BE49-F238E27FC236}">
-                <a16:creationId xmlns:a16="http://schemas.microsoft.com/office/drawing/2014/main" xmlns="" id="{91881DEA-0ECB-4310-ADF5-4337ACB4338B}"/>
+                <a16:creationId xmlns="" xmlns:a16="http://schemas.microsoft.com/office/drawing/2014/main" id="{91881DEA-0ECB-4310-ADF5-4337ACB4338B}"/>
               </a:ext>
             </a:extLst>
           </p:cNvPr>
@@ -9263,7 +9276,7 @@
           <p:cNvPr id="4" name="Rectangle 3">
             <a:extLst>
               <a:ext uri="{FF2B5EF4-FFF2-40B4-BE49-F238E27FC236}">
-                <a16:creationId xmlns:a16="http://schemas.microsoft.com/office/drawing/2014/main" xmlns="" id="{86299464-ED20-4919-8B3A-2CFAE8DA2347}"/>
+                <a16:creationId xmlns="" xmlns:a16="http://schemas.microsoft.com/office/drawing/2014/main" id="{86299464-ED20-4919-8B3A-2CFAE8DA2347}"/>
               </a:ext>
             </a:extLst>
           </p:cNvPr>
@@ -9315,7 +9328,7 @@
           <p:cNvPr id="2" name="Title 1">
             <a:extLst>
               <a:ext uri="{FF2B5EF4-FFF2-40B4-BE49-F238E27FC236}">
-                <a16:creationId xmlns:a16="http://schemas.microsoft.com/office/drawing/2014/main" xmlns="" id="{2456FD49-C258-4333-9422-358C976A341C}"/>
+                <a16:creationId xmlns="" xmlns:a16="http://schemas.microsoft.com/office/drawing/2014/main" id="{2456FD49-C258-4333-9422-358C976A341C}"/>
               </a:ext>
             </a:extLst>
           </p:cNvPr>
@@ -9359,7 +9372,7 @@
           <p:cNvPr id="3" name="Subtitle 2">
             <a:extLst>
               <a:ext uri="{FF2B5EF4-FFF2-40B4-BE49-F238E27FC236}">
-                <a16:creationId xmlns:a16="http://schemas.microsoft.com/office/drawing/2014/main" xmlns="" id="{59758E15-A93D-4FB9-843D-1490E27A151B}"/>
+                <a16:creationId xmlns="" xmlns:a16="http://schemas.microsoft.com/office/drawing/2014/main" id="{59758E15-A93D-4FB9-843D-1490E27A151B}"/>
               </a:ext>
             </a:extLst>
           </p:cNvPr>
@@ -9436,7 +9449,7 @@
           <p:cNvPr id="13" name="Picture Placeholder 12">
             <a:extLst>
               <a:ext uri="{FF2B5EF4-FFF2-40B4-BE49-F238E27FC236}">
-                <a16:creationId xmlns:a16="http://schemas.microsoft.com/office/drawing/2014/main" xmlns="" id="{BCCC559D-0EC3-432C-B397-6897B366DF36}"/>
+                <a16:creationId xmlns="" xmlns:a16="http://schemas.microsoft.com/office/drawing/2014/main" id="{BCCC559D-0EC3-432C-B397-6897B366DF36}"/>
               </a:ext>
             </a:extLst>
           </p:cNvPr>
@@ -9481,7 +9494,7 @@
           <p:cNvPr id="14" name="Group 13">
             <a:extLst>
               <a:ext uri="{FF2B5EF4-FFF2-40B4-BE49-F238E27FC236}">
-                <a16:creationId xmlns:a16="http://schemas.microsoft.com/office/drawing/2014/main" xmlns="" id="{0DC2055F-AE3F-46BE-B57E-A0F1A86D1C36}"/>
+                <a16:creationId xmlns="" xmlns:a16="http://schemas.microsoft.com/office/drawing/2014/main" id="{0DC2055F-AE3F-46BE-B57E-A0F1A86D1C36}"/>
               </a:ext>
             </a:extLst>
           </p:cNvPr>
@@ -9506,7 +9519,7 @@
             <p:cNvPr id="15" name="Freeform 5">
               <a:extLst>
                 <a:ext uri="{FF2B5EF4-FFF2-40B4-BE49-F238E27FC236}">
-                  <a16:creationId xmlns:a16="http://schemas.microsoft.com/office/drawing/2014/main" xmlns="" id="{C98EF042-A3B8-406D-BC16-153A989F571A}"/>
+                  <a16:creationId xmlns="" xmlns:a16="http://schemas.microsoft.com/office/drawing/2014/main" id="{C98EF042-A3B8-406D-BC16-153A989F571A}"/>
                 </a:ext>
               </a:extLst>
             </p:cNvPr>
@@ -9696,7 +9709,7 @@
             <p:cNvPr id="16" name="Freeform 6">
               <a:extLst>
                 <a:ext uri="{FF2B5EF4-FFF2-40B4-BE49-F238E27FC236}">
-                  <a16:creationId xmlns:a16="http://schemas.microsoft.com/office/drawing/2014/main" xmlns="" id="{68E5FAC9-A660-4D7A-AC84-0A7C8CC3BB65}"/>
+                  <a16:creationId xmlns="" xmlns:a16="http://schemas.microsoft.com/office/drawing/2014/main" id="{68E5FAC9-A660-4D7A-AC84-0A7C8CC3BB65}"/>
                 </a:ext>
               </a:extLst>
             </p:cNvPr>
@@ -9847,7 +9860,7 @@
           <p:cNvPr id="9" name="Picture 8">
             <a:extLst>
               <a:ext uri="{FF2B5EF4-FFF2-40B4-BE49-F238E27FC236}">
-                <a16:creationId xmlns:a16="http://schemas.microsoft.com/office/drawing/2014/main" xmlns="" id="{4FE28ACC-E44C-4381-B768-0310810E78D2}"/>
+                <a16:creationId xmlns="" xmlns:a16="http://schemas.microsoft.com/office/drawing/2014/main" id="{4FE28ACC-E44C-4381-B768-0310810E78D2}"/>
               </a:ext>
             </a:extLst>
           </p:cNvPr>
@@ -9892,7 +9905,7 @@
           <p:cNvPr id="5" name="Straight Connector 4">
             <a:extLst>
               <a:ext uri="{FF2B5EF4-FFF2-40B4-BE49-F238E27FC236}">
-                <a16:creationId xmlns:a16="http://schemas.microsoft.com/office/drawing/2014/main" xmlns="" id="{819AFA09-F4B1-493D-BCAD-FF30C20CD1AA}"/>
+                <a16:creationId xmlns="" xmlns:a16="http://schemas.microsoft.com/office/drawing/2014/main" id="{819AFA09-F4B1-493D-BCAD-FF30C20CD1AA}"/>
               </a:ext>
             </a:extLst>
           </p:cNvPr>
@@ -9989,7 +10002,7 @@
           <p:cNvPr id="10" name="Rectangle 9">
             <a:extLst>
               <a:ext uri="{FF2B5EF4-FFF2-40B4-BE49-F238E27FC236}">
-                <a16:creationId xmlns:a16="http://schemas.microsoft.com/office/drawing/2014/main" xmlns="" id="{F9087E09-D75F-4E26-B01E-A1A09BA2EA70}"/>
+                <a16:creationId xmlns="" xmlns:a16="http://schemas.microsoft.com/office/drawing/2014/main" id="{F9087E09-D75F-4E26-B01E-A1A09BA2EA70}"/>
               </a:ext>
             </a:extLst>
           </p:cNvPr>
@@ -10041,7 +10054,7 @@
           <p:cNvPr id="2" name="Title 1">
             <a:extLst>
               <a:ext uri="{FF2B5EF4-FFF2-40B4-BE49-F238E27FC236}">
-                <a16:creationId xmlns:a16="http://schemas.microsoft.com/office/drawing/2014/main" xmlns="" id="{AF7A70B7-7ADE-4E0B-B956-363B0B1AA613}"/>
+                <a16:creationId xmlns="" xmlns:a16="http://schemas.microsoft.com/office/drawing/2014/main" id="{AF7A70B7-7ADE-4E0B-B956-363B0B1AA613}"/>
               </a:ext>
             </a:extLst>
           </p:cNvPr>
@@ -10085,7 +10098,7 @@
           <p:cNvPr id="3" name="Text Placeholder 2">
             <a:extLst>
               <a:ext uri="{FF2B5EF4-FFF2-40B4-BE49-F238E27FC236}">
-                <a16:creationId xmlns:a16="http://schemas.microsoft.com/office/drawing/2014/main" xmlns="" id="{4ACB5603-8A62-4D45-B6EF-0D7E2D5FC4F7}"/>
+                <a16:creationId xmlns="" xmlns:a16="http://schemas.microsoft.com/office/drawing/2014/main" id="{4ACB5603-8A62-4D45-B6EF-0D7E2D5FC4F7}"/>
               </a:ext>
             </a:extLst>
           </p:cNvPr>
@@ -10210,7 +10223,7 @@
           <p:cNvPr id="8" name="Picture 7">
             <a:extLst>
               <a:ext uri="{FF2B5EF4-FFF2-40B4-BE49-F238E27FC236}">
-                <a16:creationId xmlns:a16="http://schemas.microsoft.com/office/drawing/2014/main" xmlns="" id="{25FC40B0-ED27-47E5-A3C2-32A8418567EE}"/>
+                <a16:creationId xmlns="" xmlns:a16="http://schemas.microsoft.com/office/drawing/2014/main" id="{25FC40B0-ED27-47E5-A3C2-32A8418567EE}"/>
               </a:ext>
             </a:extLst>
           </p:cNvPr>
@@ -10247,7 +10260,7 @@
           <p:cNvPr id="11" name="Oval 10">
             <a:extLst>
               <a:ext uri="{FF2B5EF4-FFF2-40B4-BE49-F238E27FC236}">
-                <a16:creationId xmlns:a16="http://schemas.microsoft.com/office/drawing/2014/main" xmlns="" id="{8931D2A9-0B92-4197-8802-80424C14EA7E}"/>
+                <a16:creationId xmlns="" xmlns:a16="http://schemas.microsoft.com/office/drawing/2014/main" id="{8931D2A9-0B92-4197-8802-80424C14EA7E}"/>
               </a:ext>
             </a:extLst>
           </p:cNvPr>
@@ -10299,7 +10312,7 @@
           <p:cNvPr id="6" name="Slide Number Placeholder 5">
             <a:extLst>
               <a:ext uri="{FF2B5EF4-FFF2-40B4-BE49-F238E27FC236}">
-                <a16:creationId xmlns:a16="http://schemas.microsoft.com/office/drawing/2014/main" xmlns="" id="{533B74B0-30B9-45C2-9AE6-45D1978AAFAE}"/>
+                <a16:creationId xmlns="" xmlns:a16="http://schemas.microsoft.com/office/drawing/2014/main" id="{533B74B0-30B9-45C2-9AE6-45D1978AAFAE}"/>
               </a:ext>
             </a:extLst>
           </p:cNvPr>
@@ -10343,7 +10356,7 @@
           <p:cNvPr id="15" name="Picture Placeholder 14">
             <a:extLst>
               <a:ext uri="{FF2B5EF4-FFF2-40B4-BE49-F238E27FC236}">
-                <a16:creationId xmlns:a16="http://schemas.microsoft.com/office/drawing/2014/main" xmlns="" id="{B5A30B6B-EEDB-4142-8138-D50F5A307D76}"/>
+                <a16:creationId xmlns="" xmlns:a16="http://schemas.microsoft.com/office/drawing/2014/main" id="{B5A30B6B-EEDB-4142-8138-D50F5A307D76}"/>
               </a:ext>
             </a:extLst>
           </p:cNvPr>
@@ -10519,7 +10532,7 @@
           <p:cNvPr id="3" name="Content Placeholder 2">
             <a:extLst>
               <a:ext uri="{FF2B5EF4-FFF2-40B4-BE49-F238E27FC236}">
-                <a16:creationId xmlns:a16="http://schemas.microsoft.com/office/drawing/2014/main" xmlns="" id="{0FEE9886-36F0-4E06-A3A6-D8F00B0665A1}"/>
+                <a16:creationId xmlns="" xmlns:a16="http://schemas.microsoft.com/office/drawing/2014/main" id="{0FEE9886-36F0-4E06-A3A6-D8F00B0665A1}"/>
               </a:ext>
             </a:extLst>
           </p:cNvPr>
@@ -10600,7 +10613,7 @@
           <p:cNvPr id="7" name="Rectangle 6">
             <a:extLst>
               <a:ext uri="{FF2B5EF4-FFF2-40B4-BE49-F238E27FC236}">
-                <a16:creationId xmlns:a16="http://schemas.microsoft.com/office/drawing/2014/main" xmlns="" id="{76627016-BFC4-46D4-89DB-F72E3C3461EC}"/>
+                <a16:creationId xmlns="" xmlns:a16="http://schemas.microsoft.com/office/drawing/2014/main" id="{76627016-BFC4-46D4-89DB-F72E3C3461EC}"/>
               </a:ext>
             </a:extLst>
           </p:cNvPr>
@@ -10656,7 +10669,7 @@
           <p:cNvPr id="8" name="Picture 7">
             <a:extLst>
               <a:ext uri="{FF2B5EF4-FFF2-40B4-BE49-F238E27FC236}">
-                <a16:creationId xmlns:a16="http://schemas.microsoft.com/office/drawing/2014/main" xmlns="" id="{676C557E-B5A7-4416-BCC0-5743550BF152}"/>
+                <a16:creationId xmlns="" xmlns:a16="http://schemas.microsoft.com/office/drawing/2014/main" id="{676C557E-B5A7-4416-BCC0-5743550BF152}"/>
               </a:ext>
             </a:extLst>
           </p:cNvPr>
@@ -10692,7 +10705,7 @@
           <p:cNvPr id="10" name="Group 9">
             <a:extLst>
               <a:ext uri="{FF2B5EF4-FFF2-40B4-BE49-F238E27FC236}">
-                <a16:creationId xmlns:a16="http://schemas.microsoft.com/office/drawing/2014/main" xmlns="" id="{42E17FB3-B5C4-4B3A-A57B-C6493A9D0C66}"/>
+                <a16:creationId xmlns="" xmlns:a16="http://schemas.microsoft.com/office/drawing/2014/main" id="{42E17FB3-B5C4-4B3A-A57B-C6493A9D0C66}"/>
               </a:ext>
             </a:extLst>
           </p:cNvPr>
@@ -10715,7 +10728,7 @@
             <p:cNvPr id="11" name="Freeform 5">
               <a:extLst>
                 <a:ext uri="{FF2B5EF4-FFF2-40B4-BE49-F238E27FC236}">
-                  <a16:creationId xmlns:a16="http://schemas.microsoft.com/office/drawing/2014/main" xmlns="" id="{DCA6C454-F761-4265-BB5E-DFD947CC3592}"/>
+                  <a16:creationId xmlns="" xmlns:a16="http://schemas.microsoft.com/office/drawing/2014/main" id="{DCA6C454-F761-4265-BB5E-DFD947CC3592}"/>
                 </a:ext>
               </a:extLst>
             </p:cNvPr>
@@ -10905,7 +10918,7 @@
             <p:cNvPr id="12" name="Freeform 6">
               <a:extLst>
                 <a:ext uri="{FF2B5EF4-FFF2-40B4-BE49-F238E27FC236}">
-                  <a16:creationId xmlns:a16="http://schemas.microsoft.com/office/drawing/2014/main" xmlns="" id="{6B853B2F-9E1C-4AC4-9344-8610498D5B52}"/>
+                  <a16:creationId xmlns="" xmlns:a16="http://schemas.microsoft.com/office/drawing/2014/main" id="{6B853B2F-9E1C-4AC4-9344-8610498D5B52}"/>
                 </a:ext>
               </a:extLst>
             </p:cNvPr>
@@ -11055,7 +11068,7 @@
             <p:cNvPr id="13" name="Freeform 7">
               <a:extLst>
                 <a:ext uri="{FF2B5EF4-FFF2-40B4-BE49-F238E27FC236}">
-                  <a16:creationId xmlns:a16="http://schemas.microsoft.com/office/drawing/2014/main" xmlns="" id="{B7FCC84B-2235-4948-8277-8363DFC691A4}"/>
+                  <a16:creationId xmlns="" xmlns:a16="http://schemas.microsoft.com/office/drawing/2014/main" id="{B7FCC84B-2235-4948-8277-8363DFC691A4}"/>
                 </a:ext>
               </a:extLst>
             </p:cNvPr>
@@ -11196,7 +11209,7 @@
           <p:cNvPr id="15" name="Oval 14">
             <a:extLst>
               <a:ext uri="{FF2B5EF4-FFF2-40B4-BE49-F238E27FC236}">
-                <a16:creationId xmlns:a16="http://schemas.microsoft.com/office/drawing/2014/main" xmlns="" id="{EF515B4A-CB20-4847-8E00-0DD66F1FEBB4}"/>
+                <a16:creationId xmlns="" xmlns:a16="http://schemas.microsoft.com/office/drawing/2014/main" id="{EF515B4A-CB20-4847-8E00-0DD66F1FEBB4}"/>
               </a:ext>
             </a:extLst>
           </p:cNvPr>
@@ -11248,7 +11261,7 @@
           <p:cNvPr id="16" name="Slide Number Placeholder 5">
             <a:extLst>
               <a:ext uri="{FF2B5EF4-FFF2-40B4-BE49-F238E27FC236}">
-                <a16:creationId xmlns:a16="http://schemas.microsoft.com/office/drawing/2014/main" xmlns="" id="{996B64B9-1DF0-4EE9-BAB5-72AFA94B9AFD}"/>
+                <a16:creationId xmlns="" xmlns:a16="http://schemas.microsoft.com/office/drawing/2014/main" id="{996B64B9-1DF0-4EE9-BAB5-72AFA94B9AFD}"/>
               </a:ext>
             </a:extLst>
           </p:cNvPr>
@@ -11292,7 +11305,7 @@
           <p:cNvPr id="23" name="Picture Placeholder 22">
             <a:extLst>
               <a:ext uri="{FF2B5EF4-FFF2-40B4-BE49-F238E27FC236}">
-                <a16:creationId xmlns:a16="http://schemas.microsoft.com/office/drawing/2014/main" xmlns="" id="{26619E66-5354-4D60-8529-27917AC037C0}"/>
+                <a16:creationId xmlns="" xmlns:a16="http://schemas.microsoft.com/office/drawing/2014/main" id="{26619E66-5354-4D60-8529-27917AC037C0}"/>
               </a:ext>
             </a:extLst>
           </p:cNvPr>
@@ -11412,7 +11425,7 @@
           <p:cNvPr id="14" name="Title 1">
             <a:extLst>
               <a:ext uri="{FF2B5EF4-FFF2-40B4-BE49-F238E27FC236}">
-                <a16:creationId xmlns:a16="http://schemas.microsoft.com/office/drawing/2014/main" xmlns="" id="{2E646B4F-6CCB-724C-9D5E-6D5770023939}"/>
+                <a16:creationId xmlns="" xmlns:a16="http://schemas.microsoft.com/office/drawing/2014/main" id="{2E646B4F-6CCB-724C-9D5E-6D5770023939}"/>
               </a:ext>
             </a:extLst>
           </p:cNvPr>
@@ -11482,7 +11495,7 @@
           <p:cNvPr id="2" name="Title 1">
             <a:extLst>
               <a:ext uri="{FF2B5EF4-FFF2-40B4-BE49-F238E27FC236}">
-                <a16:creationId xmlns:a16="http://schemas.microsoft.com/office/drawing/2014/main" xmlns="" id="{32970CD0-696D-4313-96BA-4AA72C813BD0}"/>
+                <a16:creationId xmlns="" xmlns:a16="http://schemas.microsoft.com/office/drawing/2014/main" id="{32970CD0-696D-4313-96BA-4AA72C813BD0}"/>
               </a:ext>
             </a:extLst>
           </p:cNvPr>
@@ -11522,7 +11535,7 @@
           <p:cNvPr id="3" name="Content Placeholder 2">
             <a:extLst>
               <a:ext uri="{FF2B5EF4-FFF2-40B4-BE49-F238E27FC236}">
-                <a16:creationId xmlns:a16="http://schemas.microsoft.com/office/drawing/2014/main" xmlns="" id="{0FEE9886-36F0-4E06-A3A6-D8F00B0665A1}"/>
+                <a16:creationId xmlns="" xmlns:a16="http://schemas.microsoft.com/office/drawing/2014/main" id="{0FEE9886-36F0-4E06-A3A6-D8F00B0665A1}"/>
               </a:ext>
             </a:extLst>
           </p:cNvPr>
@@ -11602,7 +11615,7 @@
           <p:cNvPr id="7" name="Rectangle 6">
             <a:extLst>
               <a:ext uri="{FF2B5EF4-FFF2-40B4-BE49-F238E27FC236}">
-                <a16:creationId xmlns:a16="http://schemas.microsoft.com/office/drawing/2014/main" xmlns="" id="{76627016-BFC4-46D4-89DB-F72E3C3461EC}"/>
+                <a16:creationId xmlns="" xmlns:a16="http://schemas.microsoft.com/office/drawing/2014/main" id="{76627016-BFC4-46D4-89DB-F72E3C3461EC}"/>
               </a:ext>
             </a:extLst>
           </p:cNvPr>
@@ -11658,7 +11671,7 @@
           <p:cNvPr id="8" name="Picture 7">
             <a:extLst>
               <a:ext uri="{FF2B5EF4-FFF2-40B4-BE49-F238E27FC236}">
-                <a16:creationId xmlns:a16="http://schemas.microsoft.com/office/drawing/2014/main" xmlns="" id="{676C557E-B5A7-4416-BCC0-5743550BF152}"/>
+                <a16:creationId xmlns="" xmlns:a16="http://schemas.microsoft.com/office/drawing/2014/main" id="{676C557E-B5A7-4416-BCC0-5743550BF152}"/>
               </a:ext>
             </a:extLst>
           </p:cNvPr>
@@ -11694,7 +11707,7 @@
           <p:cNvPr id="15" name="Oval 14">
             <a:extLst>
               <a:ext uri="{FF2B5EF4-FFF2-40B4-BE49-F238E27FC236}">
-                <a16:creationId xmlns:a16="http://schemas.microsoft.com/office/drawing/2014/main" xmlns="" id="{EF515B4A-CB20-4847-8E00-0DD66F1FEBB4}"/>
+                <a16:creationId xmlns="" xmlns:a16="http://schemas.microsoft.com/office/drawing/2014/main" id="{EF515B4A-CB20-4847-8E00-0DD66F1FEBB4}"/>
               </a:ext>
             </a:extLst>
           </p:cNvPr>
@@ -11746,7 +11759,7 @@
           <p:cNvPr id="16" name="Slide Number Placeholder 5">
             <a:extLst>
               <a:ext uri="{FF2B5EF4-FFF2-40B4-BE49-F238E27FC236}">
-                <a16:creationId xmlns:a16="http://schemas.microsoft.com/office/drawing/2014/main" xmlns="" id="{996B64B9-1DF0-4EE9-BAB5-72AFA94B9AFD}"/>
+                <a16:creationId xmlns="" xmlns:a16="http://schemas.microsoft.com/office/drawing/2014/main" id="{996B64B9-1DF0-4EE9-BAB5-72AFA94B9AFD}"/>
               </a:ext>
             </a:extLst>
           </p:cNvPr>
@@ -11790,7 +11803,7 @@
           <p:cNvPr id="14" name="Rectangle 13">
             <a:extLst>
               <a:ext uri="{FF2B5EF4-FFF2-40B4-BE49-F238E27FC236}">
-                <a16:creationId xmlns:a16="http://schemas.microsoft.com/office/drawing/2014/main" xmlns="" id="{9D415693-E2CB-4DB4-B07C-2F96B0CAB302}"/>
+                <a16:creationId xmlns="" xmlns:a16="http://schemas.microsoft.com/office/drawing/2014/main" id="{9D415693-E2CB-4DB4-B07C-2F96B0CAB302}"/>
               </a:ext>
             </a:extLst>
           </p:cNvPr>
@@ -11846,7 +11859,7 @@
           <p:cNvPr id="4" name="Oval 3">
             <a:extLst>
               <a:ext uri="{FF2B5EF4-FFF2-40B4-BE49-F238E27FC236}">
-                <a16:creationId xmlns:a16="http://schemas.microsoft.com/office/drawing/2014/main" xmlns="" id="{14C1BF67-E354-4E04-8F94-BABF2B7D1AFB}"/>
+                <a16:creationId xmlns="" xmlns:a16="http://schemas.microsoft.com/office/drawing/2014/main" id="{14C1BF67-E354-4E04-8F94-BABF2B7D1AFB}"/>
               </a:ext>
             </a:extLst>
           </p:cNvPr>
@@ -11900,7 +11913,7 @@
           <p:cNvPr id="18" name="Picture Placeholder 5">
             <a:extLst>
               <a:ext uri="{FF2B5EF4-FFF2-40B4-BE49-F238E27FC236}">
-                <a16:creationId xmlns:a16="http://schemas.microsoft.com/office/drawing/2014/main" xmlns="" id="{FF6AC390-6F85-4B64-AE7A-E8E0D8FC89CF}"/>
+                <a16:creationId xmlns="" xmlns:a16="http://schemas.microsoft.com/office/drawing/2014/main" id="{FF6AC390-6F85-4B64-AE7A-E8E0D8FC89CF}"/>
               </a:ext>
             </a:extLst>
           </p:cNvPr>
@@ -11977,7 +11990,7 @@
           <p:cNvPr id="19" name="Rectangle 18">
             <a:extLst>
               <a:ext uri="{FF2B5EF4-FFF2-40B4-BE49-F238E27FC236}">
-                <a16:creationId xmlns:a16="http://schemas.microsoft.com/office/drawing/2014/main" xmlns="" id="{12E4E194-63F1-4D43-AC02-75733DF045E9}"/>
+                <a16:creationId xmlns="" xmlns:a16="http://schemas.microsoft.com/office/drawing/2014/main" id="{12E4E194-63F1-4D43-AC02-75733DF045E9}"/>
               </a:ext>
             </a:extLst>
           </p:cNvPr>
@@ -12029,7 +12042,7 @@
           <p:cNvPr id="22" name="Oval 21">
             <a:extLst>
               <a:ext uri="{FF2B5EF4-FFF2-40B4-BE49-F238E27FC236}">
-                <a16:creationId xmlns:a16="http://schemas.microsoft.com/office/drawing/2014/main" xmlns="" id="{E799E3E2-888B-2343-9A63-F84C03265CB5}"/>
+                <a16:creationId xmlns="" xmlns:a16="http://schemas.microsoft.com/office/drawing/2014/main" id="{E799E3E2-888B-2343-9A63-F84C03265CB5}"/>
               </a:ext>
             </a:extLst>
           </p:cNvPr>
@@ -12085,7 +12098,7 @@
           <p:cNvPr id="23" name="Picture Placeholder 11">
             <a:extLst>
               <a:ext uri="{FF2B5EF4-FFF2-40B4-BE49-F238E27FC236}">
-                <a16:creationId xmlns:a16="http://schemas.microsoft.com/office/drawing/2014/main" xmlns="" id="{8FEDE8EF-5B7A-A741-9A56-D365CAE01B62}"/>
+                <a16:creationId xmlns="" xmlns:a16="http://schemas.microsoft.com/office/drawing/2014/main" id="{8FEDE8EF-5B7A-A741-9A56-D365CAE01B62}"/>
               </a:ext>
             </a:extLst>
           </p:cNvPr>
@@ -12133,7 +12146,7 @@
           <p:cNvPr id="9" name="Rectangle 8">
             <a:extLst>
               <a:ext uri="{FF2B5EF4-FFF2-40B4-BE49-F238E27FC236}">
-                <a16:creationId xmlns:a16="http://schemas.microsoft.com/office/drawing/2014/main" xmlns="" id="{3755C1FB-E61C-4BBC-8179-D34908DEA1B6}"/>
+                <a16:creationId xmlns="" xmlns:a16="http://schemas.microsoft.com/office/drawing/2014/main" id="{3755C1FB-E61C-4BBC-8179-D34908DEA1B6}"/>
               </a:ext>
             </a:extLst>
           </p:cNvPr>
@@ -12185,7 +12198,7 @@
           <p:cNvPr id="4" name="Oval 3">
             <a:extLst>
               <a:ext uri="{FF2B5EF4-FFF2-40B4-BE49-F238E27FC236}">
-                <a16:creationId xmlns:a16="http://schemas.microsoft.com/office/drawing/2014/main" xmlns="" id="{8C1E0992-271E-4948-9461-C7AA54AF8FEA}"/>
+                <a16:creationId xmlns="" xmlns:a16="http://schemas.microsoft.com/office/drawing/2014/main" id="{8C1E0992-271E-4948-9461-C7AA54AF8FEA}"/>
               </a:ext>
             </a:extLst>
           </p:cNvPr>
@@ -12238,7 +12251,7 @@
           <p:cNvPr id="2" name="Title 1">
             <a:extLst>
               <a:ext uri="{FF2B5EF4-FFF2-40B4-BE49-F238E27FC236}">
-                <a16:creationId xmlns:a16="http://schemas.microsoft.com/office/drawing/2014/main" xmlns="" id="{32970CD0-696D-4313-96BA-4AA72C813BD0}"/>
+                <a16:creationId xmlns="" xmlns:a16="http://schemas.microsoft.com/office/drawing/2014/main" id="{32970CD0-696D-4313-96BA-4AA72C813BD0}"/>
               </a:ext>
             </a:extLst>
           </p:cNvPr>
@@ -12278,7 +12291,7 @@
           <p:cNvPr id="3" name="Content Placeholder 2">
             <a:extLst>
               <a:ext uri="{FF2B5EF4-FFF2-40B4-BE49-F238E27FC236}">
-                <a16:creationId xmlns:a16="http://schemas.microsoft.com/office/drawing/2014/main" xmlns="" id="{0FEE9886-36F0-4E06-A3A6-D8F00B0665A1}"/>
+                <a16:creationId xmlns="" xmlns:a16="http://schemas.microsoft.com/office/drawing/2014/main" id="{0FEE9886-36F0-4E06-A3A6-D8F00B0665A1}"/>
               </a:ext>
             </a:extLst>
           </p:cNvPr>
@@ -12335,7 +12348,7 @@
           <p:cNvPr id="7" name="Rectangle 6">
             <a:extLst>
               <a:ext uri="{FF2B5EF4-FFF2-40B4-BE49-F238E27FC236}">
-                <a16:creationId xmlns:a16="http://schemas.microsoft.com/office/drawing/2014/main" xmlns="" id="{76627016-BFC4-46D4-89DB-F72E3C3461EC}"/>
+                <a16:creationId xmlns="" xmlns:a16="http://schemas.microsoft.com/office/drawing/2014/main" id="{76627016-BFC4-46D4-89DB-F72E3C3461EC}"/>
               </a:ext>
             </a:extLst>
           </p:cNvPr>
@@ -12391,7 +12404,7 @@
           <p:cNvPr id="8" name="Picture 7">
             <a:extLst>
               <a:ext uri="{FF2B5EF4-FFF2-40B4-BE49-F238E27FC236}">
-                <a16:creationId xmlns:a16="http://schemas.microsoft.com/office/drawing/2014/main" xmlns="" id="{676C557E-B5A7-4416-BCC0-5743550BF152}"/>
+                <a16:creationId xmlns="" xmlns:a16="http://schemas.microsoft.com/office/drawing/2014/main" id="{676C557E-B5A7-4416-BCC0-5743550BF152}"/>
               </a:ext>
             </a:extLst>
           </p:cNvPr>
@@ -12427,7 +12440,7 @@
           <p:cNvPr id="15" name="Oval 14">
             <a:extLst>
               <a:ext uri="{FF2B5EF4-FFF2-40B4-BE49-F238E27FC236}">
-                <a16:creationId xmlns:a16="http://schemas.microsoft.com/office/drawing/2014/main" xmlns="" id="{EF515B4A-CB20-4847-8E00-0DD66F1FEBB4}"/>
+                <a16:creationId xmlns="" xmlns:a16="http://schemas.microsoft.com/office/drawing/2014/main" id="{EF515B4A-CB20-4847-8E00-0DD66F1FEBB4}"/>
               </a:ext>
             </a:extLst>
           </p:cNvPr>
@@ -12479,7 +12492,7 @@
           <p:cNvPr id="16" name="Slide Number Placeholder 5">
             <a:extLst>
               <a:ext uri="{FF2B5EF4-FFF2-40B4-BE49-F238E27FC236}">
-                <a16:creationId xmlns:a16="http://schemas.microsoft.com/office/drawing/2014/main" xmlns="" id="{996B64B9-1DF0-4EE9-BAB5-72AFA94B9AFD}"/>
+                <a16:creationId xmlns="" xmlns:a16="http://schemas.microsoft.com/office/drawing/2014/main" id="{996B64B9-1DF0-4EE9-BAB5-72AFA94B9AFD}"/>
               </a:ext>
             </a:extLst>
           </p:cNvPr>
@@ -12523,7 +12536,7 @@
           <p:cNvPr id="6" name="Picture Placeholder 5">
             <a:extLst>
               <a:ext uri="{FF2B5EF4-FFF2-40B4-BE49-F238E27FC236}">
-                <a16:creationId xmlns:a16="http://schemas.microsoft.com/office/drawing/2014/main" xmlns="" id="{35B71D50-AA4B-4E0C-8F6A-0F64F2C8A8C7}"/>
+                <a16:creationId xmlns="" xmlns:a16="http://schemas.microsoft.com/office/drawing/2014/main" id="{35B71D50-AA4B-4E0C-8F6A-0F64F2C8A8C7}"/>
               </a:ext>
             </a:extLst>
           </p:cNvPr>
@@ -12567,7 +12580,7 @@
           <p:cNvPr id="17" name="Content Placeholder 2">
             <a:extLst>
               <a:ext uri="{FF2B5EF4-FFF2-40B4-BE49-F238E27FC236}">
-                <a16:creationId xmlns:a16="http://schemas.microsoft.com/office/drawing/2014/main" xmlns="" id="{147C9C38-5B17-467D-B581-EF28ECB11E80}"/>
+                <a16:creationId xmlns="" xmlns:a16="http://schemas.microsoft.com/office/drawing/2014/main" id="{147C9C38-5B17-467D-B581-EF28ECB11E80}"/>
               </a:ext>
             </a:extLst>
           </p:cNvPr>
@@ -12624,7 +12637,7 @@
           <p:cNvPr id="20" name="Content Placeholder 2">
             <a:extLst>
               <a:ext uri="{FF2B5EF4-FFF2-40B4-BE49-F238E27FC236}">
-                <a16:creationId xmlns:a16="http://schemas.microsoft.com/office/drawing/2014/main" xmlns="" id="{FEB88DD7-AEB5-4718-AF2D-28B5B91ED715}"/>
+                <a16:creationId xmlns="" xmlns:a16="http://schemas.microsoft.com/office/drawing/2014/main" id="{FEB88DD7-AEB5-4718-AF2D-28B5B91ED715}"/>
               </a:ext>
             </a:extLst>
           </p:cNvPr>
@@ -12683,7 +12696,7 @@
           <p:cNvPr id="21" name="Content Placeholder 2">
             <a:extLst>
               <a:ext uri="{FF2B5EF4-FFF2-40B4-BE49-F238E27FC236}">
-                <a16:creationId xmlns:a16="http://schemas.microsoft.com/office/drawing/2014/main" xmlns="" id="{F694448B-800C-40EF-8F61-18C018E8374C}"/>
+                <a16:creationId xmlns="" xmlns:a16="http://schemas.microsoft.com/office/drawing/2014/main" id="{F694448B-800C-40EF-8F61-18C018E8374C}"/>
               </a:ext>
             </a:extLst>
           </p:cNvPr>
@@ -12742,7 +12755,7 @@
           <p:cNvPr id="12" name="Picture Placeholder 11">
             <a:extLst>
               <a:ext uri="{FF2B5EF4-FFF2-40B4-BE49-F238E27FC236}">
-                <a16:creationId xmlns:a16="http://schemas.microsoft.com/office/drawing/2014/main" xmlns="" id="{483B974E-5202-4EAD-9D55-4129C84BAE87}"/>
+                <a16:creationId xmlns="" xmlns:a16="http://schemas.microsoft.com/office/drawing/2014/main" id="{483B974E-5202-4EAD-9D55-4129C84BAE87}"/>
               </a:ext>
             </a:extLst>
           </p:cNvPr>
@@ -12820,7 +12833,7 @@
           <p:cNvPr id="22" name="Rectangle 21">
             <a:extLst>
               <a:ext uri="{FF2B5EF4-FFF2-40B4-BE49-F238E27FC236}">
-                <a16:creationId xmlns:a16="http://schemas.microsoft.com/office/drawing/2014/main" xmlns="" id="{1B6EB0C6-606C-4AFB-8FF8-AB43606B95BD}"/>
+                <a16:creationId xmlns="" xmlns:a16="http://schemas.microsoft.com/office/drawing/2014/main" id="{1B6EB0C6-606C-4AFB-8FF8-AB43606B95BD}"/>
               </a:ext>
             </a:extLst>
           </p:cNvPr>
@@ -12872,7 +12885,7 @@
           <p:cNvPr id="4" name="Rectangle 3">
             <a:extLst>
               <a:ext uri="{FF2B5EF4-FFF2-40B4-BE49-F238E27FC236}">
-                <a16:creationId xmlns:a16="http://schemas.microsoft.com/office/drawing/2014/main" xmlns="" id="{25CE6D5A-A5C0-4B12-A26A-691D5743FA5C}"/>
+                <a16:creationId xmlns="" xmlns:a16="http://schemas.microsoft.com/office/drawing/2014/main" id="{25CE6D5A-A5C0-4B12-A26A-691D5743FA5C}"/>
               </a:ext>
             </a:extLst>
           </p:cNvPr>
@@ -12924,7 +12937,7 @@
           <p:cNvPr id="2" name="Title 1">
             <a:extLst>
               <a:ext uri="{FF2B5EF4-FFF2-40B4-BE49-F238E27FC236}">
-                <a16:creationId xmlns:a16="http://schemas.microsoft.com/office/drawing/2014/main" xmlns="" id="{32970CD0-696D-4313-96BA-4AA72C813BD0}"/>
+                <a16:creationId xmlns="" xmlns:a16="http://schemas.microsoft.com/office/drawing/2014/main" id="{32970CD0-696D-4313-96BA-4AA72C813BD0}"/>
               </a:ext>
             </a:extLst>
           </p:cNvPr>
@@ -12964,7 +12977,7 @@
           <p:cNvPr id="3" name="Content Placeholder 2">
             <a:extLst>
               <a:ext uri="{FF2B5EF4-FFF2-40B4-BE49-F238E27FC236}">
-                <a16:creationId xmlns:a16="http://schemas.microsoft.com/office/drawing/2014/main" xmlns="" id="{0FEE9886-36F0-4E06-A3A6-D8F00B0665A1}"/>
+                <a16:creationId xmlns="" xmlns:a16="http://schemas.microsoft.com/office/drawing/2014/main" id="{0FEE9886-36F0-4E06-A3A6-D8F00B0665A1}"/>
               </a:ext>
             </a:extLst>
           </p:cNvPr>
@@ -13021,7 +13034,7 @@
           <p:cNvPr id="7" name="Rectangle 6">
             <a:extLst>
               <a:ext uri="{FF2B5EF4-FFF2-40B4-BE49-F238E27FC236}">
-                <a16:creationId xmlns:a16="http://schemas.microsoft.com/office/drawing/2014/main" xmlns="" id="{76627016-BFC4-46D4-89DB-F72E3C3461EC}"/>
+                <a16:creationId xmlns="" xmlns:a16="http://schemas.microsoft.com/office/drawing/2014/main" id="{76627016-BFC4-46D4-89DB-F72E3C3461EC}"/>
               </a:ext>
             </a:extLst>
           </p:cNvPr>
@@ -13077,7 +13090,7 @@
           <p:cNvPr id="8" name="Picture 7">
             <a:extLst>
               <a:ext uri="{FF2B5EF4-FFF2-40B4-BE49-F238E27FC236}">
-                <a16:creationId xmlns:a16="http://schemas.microsoft.com/office/drawing/2014/main" xmlns="" id="{676C557E-B5A7-4416-BCC0-5743550BF152}"/>
+                <a16:creationId xmlns="" xmlns:a16="http://schemas.microsoft.com/office/drawing/2014/main" id="{676C557E-B5A7-4416-BCC0-5743550BF152}"/>
               </a:ext>
             </a:extLst>
           </p:cNvPr>
@@ -13113,7 +13126,7 @@
           <p:cNvPr id="15" name="Oval 14">
             <a:extLst>
               <a:ext uri="{FF2B5EF4-FFF2-40B4-BE49-F238E27FC236}">
-                <a16:creationId xmlns:a16="http://schemas.microsoft.com/office/drawing/2014/main" xmlns="" id="{EF515B4A-CB20-4847-8E00-0DD66F1FEBB4}"/>
+                <a16:creationId xmlns="" xmlns:a16="http://schemas.microsoft.com/office/drawing/2014/main" id="{EF515B4A-CB20-4847-8E00-0DD66F1FEBB4}"/>
               </a:ext>
             </a:extLst>
           </p:cNvPr>
@@ -13165,7 +13178,7 @@
           <p:cNvPr id="16" name="Slide Number Placeholder 5">
             <a:extLst>
               <a:ext uri="{FF2B5EF4-FFF2-40B4-BE49-F238E27FC236}">
-                <a16:creationId xmlns:a16="http://schemas.microsoft.com/office/drawing/2014/main" xmlns="" id="{996B64B9-1DF0-4EE9-BAB5-72AFA94B9AFD}"/>
+                <a16:creationId xmlns="" xmlns:a16="http://schemas.microsoft.com/office/drawing/2014/main" id="{996B64B9-1DF0-4EE9-BAB5-72AFA94B9AFD}"/>
               </a:ext>
             </a:extLst>
           </p:cNvPr>
@@ -13209,7 +13222,7 @@
           <p:cNvPr id="20" name="Content Placeholder 2">
             <a:extLst>
               <a:ext uri="{FF2B5EF4-FFF2-40B4-BE49-F238E27FC236}">
-                <a16:creationId xmlns:a16="http://schemas.microsoft.com/office/drawing/2014/main" xmlns="" id="{FEB88DD7-AEB5-4718-AF2D-28B5B91ED715}"/>
+                <a16:creationId xmlns="" xmlns:a16="http://schemas.microsoft.com/office/drawing/2014/main" id="{FEB88DD7-AEB5-4718-AF2D-28B5B91ED715}"/>
               </a:ext>
             </a:extLst>
           </p:cNvPr>
@@ -13271,7 +13284,7 @@
           <p:cNvPr id="23" name="Content Placeholder 2">
             <a:extLst>
               <a:ext uri="{FF2B5EF4-FFF2-40B4-BE49-F238E27FC236}">
-                <a16:creationId xmlns:a16="http://schemas.microsoft.com/office/drawing/2014/main" xmlns="" id="{E5123CE7-2F8A-489B-BD99-0C2A33ADF49A}"/>
+                <a16:creationId xmlns="" xmlns:a16="http://schemas.microsoft.com/office/drawing/2014/main" id="{E5123CE7-2F8A-489B-BD99-0C2A33ADF49A}"/>
               </a:ext>
             </a:extLst>
           </p:cNvPr>
@@ -13328,7 +13341,7 @@
           <p:cNvPr id="25" name="Content Placeholder 2">
             <a:extLst>
               <a:ext uri="{FF2B5EF4-FFF2-40B4-BE49-F238E27FC236}">
-                <a16:creationId xmlns:a16="http://schemas.microsoft.com/office/drawing/2014/main" xmlns="" id="{07730BCF-AC2A-4FEC-8F01-63964DB444CF}"/>
+                <a16:creationId xmlns="" xmlns:a16="http://schemas.microsoft.com/office/drawing/2014/main" id="{07730BCF-AC2A-4FEC-8F01-63964DB444CF}"/>
               </a:ext>
             </a:extLst>
           </p:cNvPr>
@@ -13390,7 +13403,7 @@
           <p:cNvPr id="21" name="Oval 20">
             <a:extLst>
               <a:ext uri="{FF2B5EF4-FFF2-40B4-BE49-F238E27FC236}">
-                <a16:creationId xmlns:a16="http://schemas.microsoft.com/office/drawing/2014/main" xmlns="" id="{919C8692-230B-D543-A7F7-4FD61B04D1C6}"/>
+                <a16:creationId xmlns="" xmlns:a16="http://schemas.microsoft.com/office/drawing/2014/main" id="{919C8692-230B-D543-A7F7-4FD61B04D1C6}"/>
               </a:ext>
             </a:extLst>
           </p:cNvPr>
@@ -13443,7 +13456,7 @@
           <p:cNvPr id="24" name="Picture Placeholder 11">
             <a:extLst>
               <a:ext uri="{FF2B5EF4-FFF2-40B4-BE49-F238E27FC236}">
-                <a16:creationId xmlns:a16="http://schemas.microsoft.com/office/drawing/2014/main" xmlns="" id="{E150BFC7-A11D-CC46-B5A2-8BD93C269506}"/>
+                <a16:creationId xmlns="" xmlns:a16="http://schemas.microsoft.com/office/drawing/2014/main" id="{E150BFC7-A11D-CC46-B5A2-8BD93C269506}"/>
               </a:ext>
             </a:extLst>
           </p:cNvPr>
@@ -13491,7 +13504,7 @@
           <p:cNvPr id="28" name="Oval 27">
             <a:extLst>
               <a:ext uri="{FF2B5EF4-FFF2-40B4-BE49-F238E27FC236}">
-                <a16:creationId xmlns:a16="http://schemas.microsoft.com/office/drawing/2014/main" xmlns="" id="{F95B55F4-B501-3440-8904-A1C7F049CBE8}"/>
+                <a16:creationId xmlns="" xmlns:a16="http://schemas.microsoft.com/office/drawing/2014/main" id="{F95B55F4-B501-3440-8904-A1C7F049CBE8}"/>
               </a:ext>
             </a:extLst>
           </p:cNvPr>
@@ -13547,7 +13560,7 @@
           <p:cNvPr id="29" name="Picture Placeholder 11">
             <a:extLst>
               <a:ext uri="{FF2B5EF4-FFF2-40B4-BE49-F238E27FC236}">
-                <a16:creationId xmlns:a16="http://schemas.microsoft.com/office/drawing/2014/main" xmlns="" id="{F2116994-BE3E-6A43-9C15-E71BA8EC821F}"/>
+                <a16:creationId xmlns="" xmlns:a16="http://schemas.microsoft.com/office/drawing/2014/main" id="{F2116994-BE3E-6A43-9C15-E71BA8EC821F}"/>
               </a:ext>
             </a:extLst>
           </p:cNvPr>
@@ -13625,7 +13638,7 @@
           <p:cNvPr id="11" name="Group 10">
             <a:extLst>
               <a:ext uri="{FF2B5EF4-FFF2-40B4-BE49-F238E27FC236}">
-                <a16:creationId xmlns:a16="http://schemas.microsoft.com/office/drawing/2014/main" xmlns="" id="{04B31150-A166-4DB3-A898-2154C9665891}"/>
+                <a16:creationId xmlns="" xmlns:a16="http://schemas.microsoft.com/office/drawing/2014/main" id="{04B31150-A166-4DB3-A898-2154C9665891}"/>
               </a:ext>
             </a:extLst>
           </p:cNvPr>
@@ -13650,7 +13663,7 @@
             <p:cNvPr id="12" name="Freeform 5">
               <a:extLst>
                 <a:ext uri="{FF2B5EF4-FFF2-40B4-BE49-F238E27FC236}">
-                  <a16:creationId xmlns:a16="http://schemas.microsoft.com/office/drawing/2014/main" xmlns="" id="{1C1A95BC-42CA-4166-918D-DF4306881408}"/>
+                  <a16:creationId xmlns="" xmlns:a16="http://schemas.microsoft.com/office/drawing/2014/main" id="{1C1A95BC-42CA-4166-918D-DF4306881408}"/>
                 </a:ext>
               </a:extLst>
             </p:cNvPr>
@@ -13840,7 +13853,7 @@
             <p:cNvPr id="13" name="Freeform 6">
               <a:extLst>
                 <a:ext uri="{FF2B5EF4-FFF2-40B4-BE49-F238E27FC236}">
-                  <a16:creationId xmlns:a16="http://schemas.microsoft.com/office/drawing/2014/main" xmlns="" id="{4B4D5F91-2158-4A30-B83C-5CC9CC6E5D4F}"/>
+                  <a16:creationId xmlns="" xmlns:a16="http://schemas.microsoft.com/office/drawing/2014/main" id="{4B4D5F91-2158-4A30-B83C-5CC9CC6E5D4F}"/>
                 </a:ext>
               </a:extLst>
             </p:cNvPr>
@@ -13990,7 +14003,7 @@
             <p:cNvPr id="14" name="Freeform 7">
               <a:extLst>
                 <a:ext uri="{FF2B5EF4-FFF2-40B4-BE49-F238E27FC236}">
-                  <a16:creationId xmlns:a16="http://schemas.microsoft.com/office/drawing/2014/main" xmlns="" id="{C509E5D6-79CC-4E1D-AAF4-C6F28F3C1777}"/>
+                  <a16:creationId xmlns="" xmlns:a16="http://schemas.microsoft.com/office/drawing/2014/main" id="{C509E5D6-79CC-4E1D-AAF4-C6F28F3C1777}"/>
                 </a:ext>
               </a:extLst>
             </p:cNvPr>
@@ -14131,7 +14144,7 @@
           <p:cNvPr id="6" name="Title 1">
             <a:extLst>
               <a:ext uri="{FF2B5EF4-FFF2-40B4-BE49-F238E27FC236}">
-                <a16:creationId xmlns:a16="http://schemas.microsoft.com/office/drawing/2014/main" xmlns="" id="{B70E2287-0F7B-4DD3-A805-DB19BBF3C716}"/>
+                <a16:creationId xmlns="" xmlns:a16="http://schemas.microsoft.com/office/drawing/2014/main" id="{B70E2287-0F7B-4DD3-A805-DB19BBF3C716}"/>
               </a:ext>
             </a:extLst>
           </p:cNvPr>
@@ -14171,7 +14184,7 @@
           <p:cNvPr id="7" name="Rectangle 6">
             <a:extLst>
               <a:ext uri="{FF2B5EF4-FFF2-40B4-BE49-F238E27FC236}">
-                <a16:creationId xmlns:a16="http://schemas.microsoft.com/office/drawing/2014/main" xmlns="" id="{8DCE74CE-BEFF-42B3-BF3E-C41B1B1F1EE4}"/>
+                <a16:creationId xmlns="" xmlns:a16="http://schemas.microsoft.com/office/drawing/2014/main" id="{8DCE74CE-BEFF-42B3-BF3E-C41B1B1F1EE4}"/>
               </a:ext>
             </a:extLst>
           </p:cNvPr>
@@ -14227,7 +14240,7 @@
           <p:cNvPr id="8" name="Picture 7">
             <a:extLst>
               <a:ext uri="{FF2B5EF4-FFF2-40B4-BE49-F238E27FC236}">
-                <a16:creationId xmlns:a16="http://schemas.microsoft.com/office/drawing/2014/main" xmlns="" id="{8B0944B4-FE4A-459A-85B1-3476FE6C4C49}"/>
+                <a16:creationId xmlns="" xmlns:a16="http://schemas.microsoft.com/office/drawing/2014/main" id="{8B0944B4-FE4A-459A-85B1-3476FE6C4C49}"/>
               </a:ext>
             </a:extLst>
           </p:cNvPr>
@@ -14263,7 +14276,7 @@
           <p:cNvPr id="9" name="Oval 8">
             <a:extLst>
               <a:ext uri="{FF2B5EF4-FFF2-40B4-BE49-F238E27FC236}">
-                <a16:creationId xmlns:a16="http://schemas.microsoft.com/office/drawing/2014/main" xmlns="" id="{1B26B4BC-3D52-4C1C-85FB-226F0B5201F1}"/>
+                <a16:creationId xmlns="" xmlns:a16="http://schemas.microsoft.com/office/drawing/2014/main" id="{1B26B4BC-3D52-4C1C-85FB-226F0B5201F1}"/>
               </a:ext>
             </a:extLst>
           </p:cNvPr>
@@ -14315,7 +14328,7 @@
           <p:cNvPr id="10" name="Slide Number Placeholder 5">
             <a:extLst>
               <a:ext uri="{FF2B5EF4-FFF2-40B4-BE49-F238E27FC236}">
-                <a16:creationId xmlns:a16="http://schemas.microsoft.com/office/drawing/2014/main" xmlns="" id="{CEC6B25A-6AA2-46A7-84BE-5C907CA51B02}"/>
+                <a16:creationId xmlns="" xmlns:a16="http://schemas.microsoft.com/office/drawing/2014/main" id="{CEC6B25A-6AA2-46A7-84BE-5C907CA51B02}"/>
               </a:ext>
             </a:extLst>
           </p:cNvPr>
@@ -14389,7 +14402,7 @@
           <p:cNvPr id="35" name="Group 34">
             <a:extLst>
               <a:ext uri="{FF2B5EF4-FFF2-40B4-BE49-F238E27FC236}">
-                <a16:creationId xmlns:a16="http://schemas.microsoft.com/office/drawing/2014/main" xmlns="" id="{431CD316-21C7-4FA9-A45A-374D6AE71ED5}"/>
+                <a16:creationId xmlns="" xmlns:a16="http://schemas.microsoft.com/office/drawing/2014/main" id="{431CD316-21C7-4FA9-A45A-374D6AE71ED5}"/>
               </a:ext>
             </a:extLst>
           </p:cNvPr>
@@ -14414,7 +14427,7 @@
             <p:cNvPr id="36" name="Freeform 5">
               <a:extLst>
                 <a:ext uri="{FF2B5EF4-FFF2-40B4-BE49-F238E27FC236}">
-                  <a16:creationId xmlns:a16="http://schemas.microsoft.com/office/drawing/2014/main" xmlns="" id="{E107D9FB-3967-4583-A9DA-6787AF71202C}"/>
+                  <a16:creationId xmlns="" xmlns:a16="http://schemas.microsoft.com/office/drawing/2014/main" id="{E107D9FB-3967-4583-A9DA-6787AF71202C}"/>
                 </a:ext>
               </a:extLst>
             </p:cNvPr>
@@ -14604,7 +14617,7 @@
             <p:cNvPr id="37" name="Freeform 6">
               <a:extLst>
                 <a:ext uri="{FF2B5EF4-FFF2-40B4-BE49-F238E27FC236}">
-                  <a16:creationId xmlns:a16="http://schemas.microsoft.com/office/drawing/2014/main" xmlns="" id="{138D5FEB-37FF-4F26-B625-CE2BE91FF21B}"/>
+                  <a16:creationId xmlns="" xmlns:a16="http://schemas.microsoft.com/office/drawing/2014/main" id="{138D5FEB-37FF-4F26-B625-CE2BE91FF21B}"/>
                 </a:ext>
               </a:extLst>
             </p:cNvPr>
@@ -14754,7 +14767,7 @@
             <p:cNvPr id="38" name="Freeform 7">
               <a:extLst>
                 <a:ext uri="{FF2B5EF4-FFF2-40B4-BE49-F238E27FC236}">
-                  <a16:creationId xmlns:a16="http://schemas.microsoft.com/office/drawing/2014/main" xmlns="" id="{6C2B67E8-673C-422C-B021-296E2E2B952D}"/>
+                  <a16:creationId xmlns="" xmlns:a16="http://schemas.microsoft.com/office/drawing/2014/main" id="{6C2B67E8-673C-422C-B021-296E2E2B952D}"/>
                 </a:ext>
               </a:extLst>
             </p:cNvPr>
@@ -14895,7 +14908,7 @@
           <p:cNvPr id="23" name="Oval 22">
             <a:extLst>
               <a:ext uri="{FF2B5EF4-FFF2-40B4-BE49-F238E27FC236}">
-                <a16:creationId xmlns:a16="http://schemas.microsoft.com/office/drawing/2014/main" xmlns="" id="{687010E4-ADF2-486D-8DF7-B0FF38C6DADF}"/>
+                <a16:creationId xmlns="" xmlns:a16="http://schemas.microsoft.com/office/drawing/2014/main" id="{687010E4-ADF2-486D-8DF7-B0FF38C6DADF}"/>
               </a:ext>
             </a:extLst>
           </p:cNvPr>
@@ -14949,7 +14962,7 @@
           <p:cNvPr id="24" name="Oval 23">
             <a:extLst>
               <a:ext uri="{FF2B5EF4-FFF2-40B4-BE49-F238E27FC236}">
-                <a16:creationId xmlns:a16="http://schemas.microsoft.com/office/drawing/2014/main" xmlns="" id="{9159AA79-2237-4A27-BBC2-D44032158D19}"/>
+                <a16:creationId xmlns="" xmlns:a16="http://schemas.microsoft.com/office/drawing/2014/main" id="{9159AA79-2237-4A27-BBC2-D44032158D19}"/>
               </a:ext>
             </a:extLst>
           </p:cNvPr>
@@ -15003,7 +15016,7 @@
           <p:cNvPr id="25" name="Oval 24">
             <a:extLst>
               <a:ext uri="{FF2B5EF4-FFF2-40B4-BE49-F238E27FC236}">
-                <a16:creationId xmlns:a16="http://schemas.microsoft.com/office/drawing/2014/main" xmlns="" id="{0272B962-9566-42D2-B4C3-E7AA81884A83}"/>
+                <a16:creationId xmlns="" xmlns:a16="http://schemas.microsoft.com/office/drawing/2014/main" id="{0272B962-9566-42D2-B4C3-E7AA81884A83}"/>
               </a:ext>
             </a:extLst>
           </p:cNvPr>
@@ -15057,7 +15070,7 @@
           <p:cNvPr id="26" name="Oval 25">
             <a:extLst>
               <a:ext uri="{FF2B5EF4-FFF2-40B4-BE49-F238E27FC236}">
-                <a16:creationId xmlns:a16="http://schemas.microsoft.com/office/drawing/2014/main" xmlns="" id="{19733285-016C-4C38-816C-83D30C075C70}"/>
+                <a16:creationId xmlns="" xmlns:a16="http://schemas.microsoft.com/office/drawing/2014/main" id="{19733285-016C-4C38-816C-83D30C075C70}"/>
               </a:ext>
             </a:extLst>
           </p:cNvPr>
@@ -15111,7 +15124,7 @@
           <p:cNvPr id="20" name="Freeform: Shape 19">
             <a:extLst>
               <a:ext uri="{FF2B5EF4-FFF2-40B4-BE49-F238E27FC236}">
-                <a16:creationId xmlns:a16="http://schemas.microsoft.com/office/drawing/2014/main" xmlns="" id="{EF40DBA4-AB63-4B47-B37F-BCC3D59B5392}"/>
+                <a16:creationId xmlns="" xmlns:a16="http://schemas.microsoft.com/office/drawing/2014/main" id="{EF40DBA4-AB63-4B47-B37F-BCC3D59B5392}"/>
               </a:ext>
             </a:extLst>
           </p:cNvPr>
@@ -15226,7 +15239,7 @@
           <p:cNvPr id="21" name="Freeform: Shape 20">
             <a:extLst>
               <a:ext uri="{FF2B5EF4-FFF2-40B4-BE49-F238E27FC236}">
-                <a16:creationId xmlns:a16="http://schemas.microsoft.com/office/drawing/2014/main" xmlns="" id="{33EF0AFB-D099-4FF1-8963-7DA87268867F}"/>
+                <a16:creationId xmlns="" xmlns:a16="http://schemas.microsoft.com/office/drawing/2014/main" id="{33EF0AFB-D099-4FF1-8963-7DA87268867F}"/>
               </a:ext>
             </a:extLst>
           </p:cNvPr>
@@ -15341,7 +15354,7 @@
           <p:cNvPr id="22" name="Freeform: Shape 21">
             <a:extLst>
               <a:ext uri="{FF2B5EF4-FFF2-40B4-BE49-F238E27FC236}">
-                <a16:creationId xmlns:a16="http://schemas.microsoft.com/office/drawing/2014/main" xmlns="" id="{6872C96E-9AF3-4FA0-8180-C213C7F2209E}"/>
+                <a16:creationId xmlns="" xmlns:a16="http://schemas.microsoft.com/office/drawing/2014/main" id="{6872C96E-9AF3-4FA0-8180-C213C7F2209E}"/>
               </a:ext>
             </a:extLst>
           </p:cNvPr>
@@ -15456,7 +15469,7 @@
           <p:cNvPr id="17" name="Freeform: Shape 16">
             <a:extLst>
               <a:ext uri="{FF2B5EF4-FFF2-40B4-BE49-F238E27FC236}">
-                <a16:creationId xmlns:a16="http://schemas.microsoft.com/office/drawing/2014/main" xmlns="" id="{3A08BE29-CFA5-4E0D-9DBE-A430AE1B8072}"/>
+                <a16:creationId xmlns="" xmlns:a16="http://schemas.microsoft.com/office/drawing/2014/main" id="{3A08BE29-CFA5-4E0D-9DBE-A430AE1B8072}"/>
               </a:ext>
             </a:extLst>
           </p:cNvPr>
@@ -15571,7 +15584,7 @@
           <p:cNvPr id="6" name="Title 1">
             <a:extLst>
               <a:ext uri="{FF2B5EF4-FFF2-40B4-BE49-F238E27FC236}">
-                <a16:creationId xmlns:a16="http://schemas.microsoft.com/office/drawing/2014/main" xmlns="" id="{B70E2287-0F7B-4DD3-A805-DB19BBF3C716}"/>
+                <a16:creationId xmlns="" xmlns:a16="http://schemas.microsoft.com/office/drawing/2014/main" id="{B70E2287-0F7B-4DD3-A805-DB19BBF3C716}"/>
               </a:ext>
             </a:extLst>
           </p:cNvPr>
@@ -15611,7 +15624,7 @@
           <p:cNvPr id="7" name="Rectangle 6">
             <a:extLst>
               <a:ext uri="{FF2B5EF4-FFF2-40B4-BE49-F238E27FC236}">
-                <a16:creationId xmlns:a16="http://schemas.microsoft.com/office/drawing/2014/main" xmlns="" id="{8DCE74CE-BEFF-42B3-BF3E-C41B1B1F1EE4}"/>
+                <a16:creationId xmlns="" xmlns:a16="http://schemas.microsoft.com/office/drawing/2014/main" id="{8DCE74CE-BEFF-42B3-BF3E-C41B1B1F1EE4}"/>
               </a:ext>
             </a:extLst>
           </p:cNvPr>
@@ -15667,7 +15680,7 @@
           <p:cNvPr id="8" name="Picture 7">
             <a:extLst>
               <a:ext uri="{FF2B5EF4-FFF2-40B4-BE49-F238E27FC236}">
-                <a16:creationId xmlns:a16="http://schemas.microsoft.com/office/drawing/2014/main" xmlns="" id="{8B0944B4-FE4A-459A-85B1-3476FE6C4C49}"/>
+                <a16:creationId xmlns="" xmlns:a16="http://schemas.microsoft.com/office/drawing/2014/main" id="{8B0944B4-FE4A-459A-85B1-3476FE6C4C49}"/>
               </a:ext>
             </a:extLst>
           </p:cNvPr>
@@ -15703,7 +15716,7 @@
           <p:cNvPr id="9" name="Oval 8">
             <a:extLst>
               <a:ext uri="{FF2B5EF4-FFF2-40B4-BE49-F238E27FC236}">
-                <a16:creationId xmlns:a16="http://schemas.microsoft.com/office/drawing/2014/main" xmlns="" id="{1B26B4BC-3D52-4C1C-85FB-226F0B5201F1}"/>
+                <a16:creationId xmlns="" xmlns:a16="http://schemas.microsoft.com/office/drawing/2014/main" id="{1B26B4BC-3D52-4C1C-85FB-226F0B5201F1}"/>
               </a:ext>
             </a:extLst>
           </p:cNvPr>
@@ -15755,7 +15768,7 @@
           <p:cNvPr id="10" name="Slide Number Placeholder 5">
             <a:extLst>
               <a:ext uri="{FF2B5EF4-FFF2-40B4-BE49-F238E27FC236}">
-                <a16:creationId xmlns:a16="http://schemas.microsoft.com/office/drawing/2014/main" xmlns="" id="{CEC6B25A-6AA2-46A7-84BE-5C907CA51B02}"/>
+                <a16:creationId xmlns="" xmlns:a16="http://schemas.microsoft.com/office/drawing/2014/main" id="{CEC6B25A-6AA2-46A7-84BE-5C907CA51B02}"/>
               </a:ext>
             </a:extLst>
           </p:cNvPr>
@@ -15799,7 +15812,7 @@
           <p:cNvPr id="3" name="Picture Placeholder 2">
             <a:extLst>
               <a:ext uri="{FF2B5EF4-FFF2-40B4-BE49-F238E27FC236}">
-                <a16:creationId xmlns:a16="http://schemas.microsoft.com/office/drawing/2014/main" xmlns="" id="{B1B995BE-66C2-4379-885F-4BE069DA39E4}"/>
+                <a16:creationId xmlns="" xmlns:a16="http://schemas.microsoft.com/office/drawing/2014/main" id="{B1B995BE-66C2-4379-885F-4BE069DA39E4}"/>
               </a:ext>
             </a:extLst>
           </p:cNvPr>
@@ -15846,7 +15859,7 @@
           <p:cNvPr id="11" name="Picture Placeholder 2">
             <a:extLst>
               <a:ext uri="{FF2B5EF4-FFF2-40B4-BE49-F238E27FC236}">
-                <a16:creationId xmlns:a16="http://schemas.microsoft.com/office/drawing/2014/main" xmlns="" id="{9B56B6C6-9F3C-4E80-BBAD-280E697B895C}"/>
+                <a16:creationId xmlns="" xmlns:a16="http://schemas.microsoft.com/office/drawing/2014/main" id="{9B56B6C6-9F3C-4E80-BBAD-280E697B895C}"/>
               </a:ext>
             </a:extLst>
           </p:cNvPr>
@@ -15893,7 +15906,7 @@
           <p:cNvPr id="12" name="Picture Placeholder 2">
             <a:extLst>
               <a:ext uri="{FF2B5EF4-FFF2-40B4-BE49-F238E27FC236}">
-                <a16:creationId xmlns:a16="http://schemas.microsoft.com/office/drawing/2014/main" xmlns="" id="{54704160-1ED7-4B90-8963-0F887C73E94D}"/>
+                <a16:creationId xmlns="" xmlns:a16="http://schemas.microsoft.com/office/drawing/2014/main" id="{54704160-1ED7-4B90-8963-0F887C73E94D}"/>
               </a:ext>
             </a:extLst>
           </p:cNvPr>
@@ -15940,7 +15953,7 @@
           <p:cNvPr id="13" name="Picture Placeholder 2">
             <a:extLst>
               <a:ext uri="{FF2B5EF4-FFF2-40B4-BE49-F238E27FC236}">
-                <a16:creationId xmlns:a16="http://schemas.microsoft.com/office/drawing/2014/main" xmlns="" id="{36610597-6A76-4A06-82A5-A8FFC5BAEA0F}"/>
+                <a16:creationId xmlns="" xmlns:a16="http://schemas.microsoft.com/office/drawing/2014/main" id="{36610597-6A76-4A06-82A5-A8FFC5BAEA0F}"/>
               </a:ext>
             </a:extLst>
           </p:cNvPr>
@@ -15987,7 +16000,7 @@
           <p:cNvPr id="27" name="Content Placeholder 2">
             <a:extLst>
               <a:ext uri="{FF2B5EF4-FFF2-40B4-BE49-F238E27FC236}">
-                <a16:creationId xmlns:a16="http://schemas.microsoft.com/office/drawing/2014/main" xmlns="" id="{FF56D2E5-86E4-473A-A62F-B7029E5B2558}"/>
+                <a16:creationId xmlns="" xmlns:a16="http://schemas.microsoft.com/office/drawing/2014/main" id="{FF56D2E5-86E4-473A-A62F-B7029E5B2558}"/>
               </a:ext>
             </a:extLst>
           </p:cNvPr>
@@ -16044,7 +16057,7 @@
           <p:cNvPr id="28" name="Content Placeholder 2">
             <a:extLst>
               <a:ext uri="{FF2B5EF4-FFF2-40B4-BE49-F238E27FC236}">
-                <a16:creationId xmlns:a16="http://schemas.microsoft.com/office/drawing/2014/main" xmlns="" id="{93934E34-6CC7-492D-9515-EBEC72EFF4CB}"/>
+                <a16:creationId xmlns="" xmlns:a16="http://schemas.microsoft.com/office/drawing/2014/main" id="{93934E34-6CC7-492D-9515-EBEC72EFF4CB}"/>
               </a:ext>
             </a:extLst>
           </p:cNvPr>
@@ -16106,7 +16119,7 @@
           <p:cNvPr id="29" name="Content Placeholder 2">
             <a:extLst>
               <a:ext uri="{FF2B5EF4-FFF2-40B4-BE49-F238E27FC236}">
-                <a16:creationId xmlns:a16="http://schemas.microsoft.com/office/drawing/2014/main" xmlns="" id="{E4E27467-A1AA-4773-AAB5-A96267FBD712}"/>
+                <a16:creationId xmlns="" xmlns:a16="http://schemas.microsoft.com/office/drawing/2014/main" id="{E4E27467-A1AA-4773-AAB5-A96267FBD712}"/>
               </a:ext>
             </a:extLst>
           </p:cNvPr>
@@ -16163,7 +16176,7 @@
           <p:cNvPr id="30" name="Content Placeholder 2">
             <a:extLst>
               <a:ext uri="{FF2B5EF4-FFF2-40B4-BE49-F238E27FC236}">
-                <a16:creationId xmlns:a16="http://schemas.microsoft.com/office/drawing/2014/main" xmlns="" id="{6CABD5EB-4A8B-448B-8ED1-B8B420815B2D}"/>
+                <a16:creationId xmlns="" xmlns:a16="http://schemas.microsoft.com/office/drawing/2014/main" id="{6CABD5EB-4A8B-448B-8ED1-B8B420815B2D}"/>
               </a:ext>
             </a:extLst>
           </p:cNvPr>
@@ -16225,7 +16238,7 @@
           <p:cNvPr id="31" name="Content Placeholder 2">
             <a:extLst>
               <a:ext uri="{FF2B5EF4-FFF2-40B4-BE49-F238E27FC236}">
-                <a16:creationId xmlns:a16="http://schemas.microsoft.com/office/drawing/2014/main" xmlns="" id="{0D86883C-E501-47FF-AE1A-E9CE8B71B421}"/>
+                <a16:creationId xmlns="" xmlns:a16="http://schemas.microsoft.com/office/drawing/2014/main" id="{0D86883C-E501-47FF-AE1A-E9CE8B71B421}"/>
               </a:ext>
             </a:extLst>
           </p:cNvPr>
@@ -16282,7 +16295,7 @@
           <p:cNvPr id="32" name="Content Placeholder 2">
             <a:extLst>
               <a:ext uri="{FF2B5EF4-FFF2-40B4-BE49-F238E27FC236}">
-                <a16:creationId xmlns:a16="http://schemas.microsoft.com/office/drawing/2014/main" xmlns="" id="{3683A037-F698-4CC9-904D-F377D71F690F}"/>
+                <a16:creationId xmlns="" xmlns:a16="http://schemas.microsoft.com/office/drawing/2014/main" id="{3683A037-F698-4CC9-904D-F377D71F690F}"/>
               </a:ext>
             </a:extLst>
           </p:cNvPr>
@@ -16344,7 +16357,7 @@
           <p:cNvPr id="33" name="Content Placeholder 2">
             <a:extLst>
               <a:ext uri="{FF2B5EF4-FFF2-40B4-BE49-F238E27FC236}">
-                <a16:creationId xmlns:a16="http://schemas.microsoft.com/office/drawing/2014/main" xmlns="" id="{0A095594-2B82-44ED-8C9B-DA7C4D3D2872}"/>
+                <a16:creationId xmlns="" xmlns:a16="http://schemas.microsoft.com/office/drawing/2014/main" id="{0A095594-2B82-44ED-8C9B-DA7C4D3D2872}"/>
               </a:ext>
             </a:extLst>
           </p:cNvPr>
@@ -16401,7 +16414,7 @@
           <p:cNvPr id="34" name="Content Placeholder 2">
             <a:extLst>
               <a:ext uri="{FF2B5EF4-FFF2-40B4-BE49-F238E27FC236}">
-                <a16:creationId xmlns:a16="http://schemas.microsoft.com/office/drawing/2014/main" xmlns="" id="{54CDD46A-22ED-48F5-9B5F-13B1B5C4B320}"/>
+                <a16:creationId xmlns="" xmlns:a16="http://schemas.microsoft.com/office/drawing/2014/main" id="{54CDD46A-22ED-48F5-9B5F-13B1B5C4B320}"/>
               </a:ext>
             </a:extLst>
           </p:cNvPr>
@@ -16498,7 +16511,7 @@
           <p:cNvPr id="2" name="Title Placeholder 1">
             <a:extLst>
               <a:ext uri="{FF2B5EF4-FFF2-40B4-BE49-F238E27FC236}">
-                <a16:creationId xmlns:a16="http://schemas.microsoft.com/office/drawing/2014/main" xmlns="" id="{BCC4D7FA-B85E-4477-8C62-94955B340F14}"/>
+                <a16:creationId xmlns="" xmlns:a16="http://schemas.microsoft.com/office/drawing/2014/main" id="{BCC4D7FA-B85E-4477-8C62-94955B340F14}"/>
               </a:ext>
             </a:extLst>
           </p:cNvPr>
@@ -16537,7 +16550,7 @@
           <p:cNvPr id="3" name="Text Placeholder 2">
             <a:extLst>
               <a:ext uri="{FF2B5EF4-FFF2-40B4-BE49-F238E27FC236}">
-                <a16:creationId xmlns:a16="http://schemas.microsoft.com/office/drawing/2014/main" xmlns="" id="{1F1226BB-3E56-4E7F-8172-7EC03C9F0BCF}"/>
+                <a16:creationId xmlns="" xmlns:a16="http://schemas.microsoft.com/office/drawing/2014/main" id="{1F1226BB-3E56-4E7F-8172-7EC03C9F0BCF}"/>
               </a:ext>
             </a:extLst>
           </p:cNvPr>
@@ -16604,7 +16617,7 @@
           <p:cNvPr id="4" name="Date Placeholder 3">
             <a:extLst>
               <a:ext uri="{FF2B5EF4-FFF2-40B4-BE49-F238E27FC236}">
-                <a16:creationId xmlns:a16="http://schemas.microsoft.com/office/drawing/2014/main" xmlns="" id="{D95D08EF-72FB-4F19-9916-65815A9CA99C}"/>
+                <a16:creationId xmlns="" xmlns:a16="http://schemas.microsoft.com/office/drawing/2014/main" id="{D95D08EF-72FB-4F19-9916-65815A9CA99C}"/>
               </a:ext>
             </a:extLst>
           </p:cNvPr>
@@ -16651,7 +16664,7 @@
           <p:cNvPr id="5" name="Footer Placeholder 4">
             <a:extLst>
               <a:ext uri="{FF2B5EF4-FFF2-40B4-BE49-F238E27FC236}">
-                <a16:creationId xmlns:a16="http://schemas.microsoft.com/office/drawing/2014/main" xmlns="" id="{1365084D-BC85-4A55-BD80-93876AD10108}"/>
+                <a16:creationId xmlns="" xmlns:a16="http://schemas.microsoft.com/office/drawing/2014/main" id="{1365084D-BC85-4A55-BD80-93876AD10108}"/>
               </a:ext>
             </a:extLst>
           </p:cNvPr>
@@ -16694,7 +16707,7 @@
           <p:cNvPr id="6" name="Slide Number Placeholder 5">
             <a:extLst>
               <a:ext uri="{FF2B5EF4-FFF2-40B4-BE49-F238E27FC236}">
-                <a16:creationId xmlns:a16="http://schemas.microsoft.com/office/drawing/2014/main" xmlns="" id="{45FDEF23-A140-4DD6-A0D0-A86BD4DF3404}"/>
+                <a16:creationId xmlns="" xmlns:a16="http://schemas.microsoft.com/office/drawing/2014/main" id="{45FDEF23-A140-4DD6-A0D0-A86BD4DF3404}"/>
               </a:ext>
             </a:extLst>
           </p:cNvPr>
@@ -17097,7 +17110,7 @@
           <p:cNvPr id="2" name="Title 1">
             <a:extLst>
               <a:ext uri="{FF2B5EF4-FFF2-40B4-BE49-F238E27FC236}">
-                <a16:creationId xmlns:a16="http://schemas.microsoft.com/office/drawing/2014/main" xmlns="" id="{FBAB08B8-3DB3-4637-AE23-B8DB96D9FCEC}"/>
+                <a16:creationId xmlns="" xmlns:a16="http://schemas.microsoft.com/office/drawing/2014/main" id="{FBAB08B8-3DB3-4637-AE23-B8DB96D9FCEC}"/>
               </a:ext>
             </a:extLst>
           </p:cNvPr>
@@ -17355,15 +17368,7 @@
                   <a:schemeClr val="bg1"/>
                 </a:solidFill>
               </a:rPr>
-              <a:t>Nurul Fajrin A.,S.Kom</a:t>
-            </a:r>
-            <a:r>
-              <a:rPr lang="en-US" sz="2000">
-                <a:solidFill>
-                  <a:schemeClr val="bg1"/>
-                </a:solidFill>
-              </a:rPr>
-              <a:t>., </a:t>
+              <a:t>Nurul Fajrin A.,S.Kom., </a:t>
             </a:r>
             <a:r>
               <a:rPr lang="en-US" sz="2000" smtClean="0">
@@ -17389,15 +17394,7 @@
                   <a:schemeClr val="bg1"/>
                 </a:solidFill>
               </a:rPr>
-              <a:t>A.,S.Kom</a:t>
-            </a:r>
-            <a:r>
-              <a:rPr lang="en-US" sz="2000">
-                <a:solidFill>
-                  <a:schemeClr val="bg1"/>
-                </a:solidFill>
-              </a:rPr>
-              <a:t>., </a:t>
+              <a:t>A.,S.Kom., </a:t>
             </a:r>
             <a:r>
               <a:rPr lang="en-US" sz="2000" smtClean="0">
@@ -17425,6 +17422,1572 @@
   <p:clrMapOvr>
     <a:masterClrMapping/>
   </p:clrMapOvr>
+</p:sld>
+</file>
+
+<file path=ppt/slides/slide10.xml><?xml version="1.0" encoding="utf-8"?>
+<p:sld xmlns:a="http://schemas.openxmlformats.org/drawingml/2006/main" xmlns:r="http://schemas.openxmlformats.org/officeDocument/2006/relationships" xmlns:p="http://schemas.openxmlformats.org/presentationml/2006/main">
+  <p:cSld>
+    <p:spTree>
+      <p:nvGrpSpPr>
+        <p:cNvPr id="1" name=""/>
+        <p:cNvGrpSpPr/>
+        <p:nvPr/>
+      </p:nvGrpSpPr>
+      <p:grpSpPr>
+        <a:xfrm>
+          <a:off x="0" y="0"/>
+          <a:ext cx="0" cy="0"/>
+          <a:chOff x="0" y="0"/>
+          <a:chExt cx="0" cy="0"/>
+        </a:xfrm>
+      </p:grpSpPr>
+      <p:sp>
+        <p:nvSpPr>
+          <p:cNvPr id="2" name="Title 1"/>
+          <p:cNvSpPr>
+            <a:spLocks noGrp="1"/>
+          </p:cNvSpPr>
+          <p:nvPr>
+            <p:ph type="title"/>
+          </p:nvPr>
+        </p:nvSpPr>
+        <p:spPr>
+          <a:xfrm>
+            <a:off x="-55502" y="99376"/>
+            <a:ext cx="6959771" cy="587408"/>
+          </a:xfrm>
+        </p:spPr>
+        <p:txBody>
+          <a:bodyPr/>
+          <a:lstStyle/>
+          <a:p>
+            <a:r>
+              <a:rPr lang="en-US" smtClean="0"/>
+              <a:t>Reasoning property isspouseof</a:t>
+            </a:r>
+            <a:endParaRPr lang="en-US"/>
+          </a:p>
+        </p:txBody>
+      </p:sp>
+      <p:sp>
+        <p:nvSpPr>
+          <p:cNvPr id="4" name="Slide Number Placeholder 3"/>
+          <p:cNvSpPr>
+            <a:spLocks noGrp="1"/>
+          </p:cNvSpPr>
+          <p:nvPr>
+            <p:ph type="sldNum" sz="quarter" idx="12"/>
+          </p:nvPr>
+        </p:nvSpPr>
+        <p:spPr/>
+        <p:txBody>
+          <a:bodyPr/>
+          <a:lstStyle/>
+          <a:p>
+            <a:fld id="{9EC71654-96A5-4280-94F3-931C61A9F92C}" type="slidenum">
+              <a:rPr lang="en-US" noProof="0" smtClean="0"/>
+              <a:pPr/>
+              <a:t>10</a:t>
+            </a:fld>
+            <a:endParaRPr lang="en-US" noProof="0" dirty="0"/>
+          </a:p>
+        </p:txBody>
+      </p:sp>
+      <p:sp>
+        <p:nvSpPr>
+          <p:cNvPr id="5" name="Content Placeholder 4"/>
+          <p:cNvSpPr>
+            <a:spLocks noGrp="1"/>
+          </p:cNvSpPr>
+          <p:nvPr>
+            <p:ph idx="15"/>
+          </p:nvPr>
+        </p:nvSpPr>
+        <p:spPr/>
+        <p:txBody>
+          <a:bodyPr/>
+          <a:lstStyle/>
+          <a:p>
+            <a:r>
+              <a:rPr lang="en-US" smtClean="0"/>
+              <a:t>Sebelum reasoning</a:t>
+            </a:r>
+            <a:endParaRPr lang="en-US"/>
+          </a:p>
+        </p:txBody>
+      </p:sp>
+      <p:sp>
+        <p:nvSpPr>
+          <p:cNvPr id="7" name="Content Placeholder 6"/>
+          <p:cNvSpPr>
+            <a:spLocks noGrp="1"/>
+          </p:cNvSpPr>
+          <p:nvPr>
+            <p:ph idx="20"/>
+          </p:nvPr>
+        </p:nvSpPr>
+        <p:spPr/>
+        <p:txBody>
+          <a:bodyPr/>
+          <a:lstStyle/>
+          <a:p>
+            <a:r>
+              <a:rPr lang="en-US" smtClean="0"/>
+              <a:t>Sesudah reasoning</a:t>
+            </a:r>
+            <a:endParaRPr lang="en-US"/>
+          </a:p>
+        </p:txBody>
+      </p:sp>
+      <p:sp>
+        <p:nvSpPr>
+          <p:cNvPr id="8" name="Picture Placeholder 7"/>
+          <p:cNvSpPr>
+            <a:spLocks noGrp="1"/>
+          </p:cNvSpPr>
+          <p:nvPr>
+            <p:ph type="pic" sz="quarter" idx="21"/>
+          </p:nvPr>
+        </p:nvSpPr>
+        <p:spPr/>
+      </p:sp>
+      <p:sp>
+        <p:nvSpPr>
+          <p:cNvPr id="9" name="Picture Placeholder 8"/>
+          <p:cNvSpPr>
+            <a:spLocks noGrp="1"/>
+          </p:cNvSpPr>
+          <p:nvPr>
+            <p:ph type="pic" sz="quarter" idx="22"/>
+          </p:nvPr>
+        </p:nvSpPr>
+        <p:spPr/>
+      </p:sp>
+      <p:pic>
+        <p:nvPicPr>
+          <p:cNvPr id="10" name="Content Placeholder 9"/>
+          <p:cNvPicPr>
+            <a:picLocks noGrp="1"/>
+          </p:cNvPicPr>
+          <p:nvPr>
+            <p:ph idx="1"/>
+          </p:nvPr>
+        </p:nvPicPr>
+        <p:blipFill>
+          <a:blip r:embed="rId2"/>
+          <a:stretch>
+            <a:fillRect/>
+          </a:stretch>
+        </p:blipFill>
+        <p:spPr>
+          <a:xfrm>
+            <a:off x="102987" y="2939320"/>
+            <a:ext cx="5858331" cy="3779256"/>
+          </a:xfrm>
+          <a:prstGeom prst="rect">
+            <a:avLst/>
+          </a:prstGeom>
+        </p:spPr>
+      </p:pic>
+      <p:pic>
+        <p:nvPicPr>
+          <p:cNvPr id="11" name="Content Placeholder 10"/>
+          <p:cNvPicPr>
+            <a:picLocks noGrp="1"/>
+          </p:cNvPicPr>
+          <p:nvPr>
+            <p:ph idx="19"/>
+          </p:nvPr>
+        </p:nvPicPr>
+        <p:blipFill>
+          <a:blip r:embed="rId3"/>
+          <a:stretch>
+            <a:fillRect/>
+          </a:stretch>
+        </p:blipFill>
+        <p:spPr>
+          <a:xfrm>
+            <a:off x="6298782" y="1023807"/>
+            <a:ext cx="5861304" cy="3545282"/>
+          </a:xfrm>
+          <a:prstGeom prst="rect">
+            <a:avLst/>
+          </a:prstGeom>
+        </p:spPr>
+      </p:pic>
+    </p:spTree>
+    <p:extLst>
+      <p:ext uri="{BB962C8B-B14F-4D97-AF65-F5344CB8AC3E}">
+        <p14:creationId xmlns:p14="http://schemas.microsoft.com/office/powerpoint/2010/main" val="1387944711"/>
+      </p:ext>
+    </p:extLst>
+  </p:cSld>
+  <p:clrMapOvr>
+    <a:masterClrMapping/>
+  </p:clrMapOvr>
+  <p:timing>
+    <p:tnLst>
+      <p:par>
+        <p:cTn id="1" dur="indefinite" restart="never" nodeType="tmRoot"/>
+      </p:par>
+    </p:tnLst>
+  </p:timing>
+</p:sld>
+</file>
+
+<file path=ppt/slides/slide11.xml><?xml version="1.0" encoding="utf-8"?>
+<p:sld xmlns:a="http://schemas.openxmlformats.org/drawingml/2006/main" xmlns:r="http://schemas.openxmlformats.org/officeDocument/2006/relationships" xmlns:p="http://schemas.openxmlformats.org/presentationml/2006/main">
+  <p:cSld>
+    <p:spTree>
+      <p:nvGrpSpPr>
+        <p:cNvPr id="1" name=""/>
+        <p:cNvGrpSpPr/>
+        <p:nvPr/>
+      </p:nvGrpSpPr>
+      <p:grpSpPr>
+        <a:xfrm>
+          <a:off x="0" y="0"/>
+          <a:ext cx="0" cy="0"/>
+          <a:chOff x="0" y="0"/>
+          <a:chExt cx="0" cy="0"/>
+        </a:xfrm>
+      </p:grpSpPr>
+      <p:sp>
+        <p:nvSpPr>
+          <p:cNvPr id="2" name="Title 1"/>
+          <p:cNvSpPr>
+            <a:spLocks noGrp="1"/>
+          </p:cNvSpPr>
+          <p:nvPr>
+            <p:ph type="title"/>
+          </p:nvPr>
+        </p:nvSpPr>
+        <p:spPr>
+          <a:xfrm>
+            <a:off x="-55502" y="99376"/>
+            <a:ext cx="6959771" cy="587408"/>
+          </a:xfrm>
+        </p:spPr>
+        <p:txBody>
+          <a:bodyPr/>
+          <a:lstStyle/>
+          <a:p>
+            <a:r>
+              <a:rPr lang="en-US" smtClean="0"/>
+              <a:t>Reasoning property haschild</a:t>
+            </a:r>
+            <a:endParaRPr lang="en-US"/>
+          </a:p>
+        </p:txBody>
+      </p:sp>
+      <p:sp>
+        <p:nvSpPr>
+          <p:cNvPr id="4" name="Slide Number Placeholder 3"/>
+          <p:cNvSpPr>
+            <a:spLocks noGrp="1"/>
+          </p:cNvSpPr>
+          <p:nvPr>
+            <p:ph type="sldNum" sz="quarter" idx="12"/>
+          </p:nvPr>
+        </p:nvSpPr>
+        <p:spPr/>
+        <p:txBody>
+          <a:bodyPr/>
+          <a:lstStyle/>
+          <a:p>
+            <a:fld id="{9EC71654-96A5-4280-94F3-931C61A9F92C}" type="slidenum">
+              <a:rPr lang="en-US" noProof="0" smtClean="0"/>
+              <a:pPr/>
+              <a:t>11</a:t>
+            </a:fld>
+            <a:endParaRPr lang="en-US" noProof="0" dirty="0"/>
+          </a:p>
+        </p:txBody>
+      </p:sp>
+      <p:sp>
+        <p:nvSpPr>
+          <p:cNvPr id="5" name="Content Placeholder 4"/>
+          <p:cNvSpPr>
+            <a:spLocks noGrp="1"/>
+          </p:cNvSpPr>
+          <p:nvPr>
+            <p:ph idx="15"/>
+          </p:nvPr>
+        </p:nvSpPr>
+        <p:spPr/>
+        <p:txBody>
+          <a:bodyPr/>
+          <a:lstStyle/>
+          <a:p>
+            <a:r>
+              <a:rPr lang="en-US" smtClean="0"/>
+              <a:t>Sebelum reasoning</a:t>
+            </a:r>
+            <a:endParaRPr lang="en-US"/>
+          </a:p>
+        </p:txBody>
+      </p:sp>
+      <p:sp>
+        <p:nvSpPr>
+          <p:cNvPr id="7" name="Content Placeholder 6"/>
+          <p:cNvSpPr>
+            <a:spLocks noGrp="1"/>
+          </p:cNvSpPr>
+          <p:nvPr>
+            <p:ph idx="20"/>
+          </p:nvPr>
+        </p:nvSpPr>
+        <p:spPr/>
+        <p:txBody>
+          <a:bodyPr/>
+          <a:lstStyle/>
+          <a:p>
+            <a:r>
+              <a:rPr lang="en-US" smtClean="0"/>
+              <a:t>Sesudah reasoning</a:t>
+            </a:r>
+            <a:endParaRPr lang="en-US"/>
+          </a:p>
+        </p:txBody>
+      </p:sp>
+      <p:sp>
+        <p:nvSpPr>
+          <p:cNvPr id="8" name="Picture Placeholder 7"/>
+          <p:cNvSpPr>
+            <a:spLocks noGrp="1"/>
+          </p:cNvSpPr>
+          <p:nvPr>
+            <p:ph type="pic" sz="quarter" idx="21"/>
+          </p:nvPr>
+        </p:nvSpPr>
+        <p:spPr/>
+      </p:sp>
+      <p:sp>
+        <p:nvSpPr>
+          <p:cNvPr id="9" name="Picture Placeholder 8"/>
+          <p:cNvSpPr>
+            <a:spLocks noGrp="1"/>
+          </p:cNvSpPr>
+          <p:nvPr>
+            <p:ph type="pic" sz="quarter" idx="22"/>
+          </p:nvPr>
+        </p:nvSpPr>
+        <p:spPr/>
+      </p:sp>
+      <p:pic>
+        <p:nvPicPr>
+          <p:cNvPr id="12" name="Picture 11"/>
+          <p:cNvPicPr/>
+          <p:nvPr/>
+        </p:nvPicPr>
+        <p:blipFill>
+          <a:blip r:embed="rId2"/>
+          <a:stretch>
+            <a:fillRect/>
+          </a:stretch>
+        </p:blipFill>
+        <p:spPr>
+          <a:xfrm>
+            <a:off x="24347" y="2723886"/>
+            <a:ext cx="5861304" cy="3919220"/>
+          </a:xfrm>
+          <a:prstGeom prst="rect">
+            <a:avLst/>
+          </a:prstGeom>
+        </p:spPr>
+      </p:pic>
+      <p:pic>
+        <p:nvPicPr>
+          <p:cNvPr id="13" name="Picture 12"/>
+          <p:cNvPicPr/>
+          <p:nvPr/>
+        </p:nvPicPr>
+        <p:blipFill>
+          <a:blip r:embed="rId3"/>
+          <a:stretch>
+            <a:fillRect/>
+          </a:stretch>
+        </p:blipFill>
+        <p:spPr>
+          <a:xfrm>
+            <a:off x="6258750" y="686784"/>
+            <a:ext cx="5861304" cy="3903980"/>
+          </a:xfrm>
+          <a:prstGeom prst="rect">
+            <a:avLst/>
+          </a:prstGeom>
+        </p:spPr>
+      </p:pic>
+    </p:spTree>
+    <p:extLst>
+      <p:ext uri="{BB962C8B-B14F-4D97-AF65-F5344CB8AC3E}">
+        <p14:creationId xmlns:p14="http://schemas.microsoft.com/office/powerpoint/2010/main" val="3377289643"/>
+      </p:ext>
+    </p:extLst>
+  </p:cSld>
+  <p:clrMapOvr>
+    <a:masterClrMapping/>
+  </p:clrMapOvr>
+  <p:timing>
+    <p:tnLst>
+      <p:par>
+        <p:cTn id="1" dur="indefinite" restart="never" nodeType="tmRoot"/>
+      </p:par>
+    </p:tnLst>
+  </p:timing>
+</p:sld>
+</file>
+
+<file path=ppt/slides/slide12.xml><?xml version="1.0" encoding="utf-8"?>
+<p:sld xmlns:a="http://schemas.openxmlformats.org/drawingml/2006/main" xmlns:r="http://schemas.openxmlformats.org/officeDocument/2006/relationships" xmlns:p="http://schemas.openxmlformats.org/presentationml/2006/main">
+  <p:cSld>
+    <p:spTree>
+      <p:nvGrpSpPr>
+        <p:cNvPr id="1" name=""/>
+        <p:cNvGrpSpPr/>
+        <p:nvPr/>
+      </p:nvGrpSpPr>
+      <p:grpSpPr>
+        <a:xfrm>
+          <a:off x="0" y="0"/>
+          <a:ext cx="0" cy="0"/>
+          <a:chOff x="0" y="0"/>
+          <a:chExt cx="0" cy="0"/>
+        </a:xfrm>
+      </p:grpSpPr>
+      <p:sp>
+        <p:nvSpPr>
+          <p:cNvPr id="2" name="Title 1"/>
+          <p:cNvSpPr>
+            <a:spLocks noGrp="1"/>
+          </p:cNvSpPr>
+          <p:nvPr>
+            <p:ph type="title"/>
+          </p:nvPr>
+        </p:nvSpPr>
+        <p:spPr>
+          <a:xfrm>
+            <a:off x="-55502" y="99376"/>
+            <a:ext cx="6959771" cy="587408"/>
+          </a:xfrm>
+        </p:spPr>
+        <p:txBody>
+          <a:bodyPr/>
+          <a:lstStyle/>
+          <a:p>
+            <a:r>
+              <a:rPr lang="en-US" smtClean="0"/>
+              <a:t>Reasoning property hasparent</a:t>
+            </a:r>
+            <a:endParaRPr lang="en-US"/>
+          </a:p>
+        </p:txBody>
+      </p:sp>
+      <p:sp>
+        <p:nvSpPr>
+          <p:cNvPr id="4" name="Slide Number Placeholder 3"/>
+          <p:cNvSpPr>
+            <a:spLocks noGrp="1"/>
+          </p:cNvSpPr>
+          <p:nvPr>
+            <p:ph type="sldNum" sz="quarter" idx="12"/>
+          </p:nvPr>
+        </p:nvSpPr>
+        <p:spPr/>
+        <p:txBody>
+          <a:bodyPr/>
+          <a:lstStyle/>
+          <a:p>
+            <a:fld id="{9EC71654-96A5-4280-94F3-931C61A9F92C}" type="slidenum">
+              <a:rPr lang="en-US" noProof="0" smtClean="0"/>
+              <a:pPr/>
+              <a:t>12</a:t>
+            </a:fld>
+            <a:endParaRPr lang="en-US" noProof="0" dirty="0"/>
+          </a:p>
+        </p:txBody>
+      </p:sp>
+      <p:sp>
+        <p:nvSpPr>
+          <p:cNvPr id="5" name="Content Placeholder 4"/>
+          <p:cNvSpPr>
+            <a:spLocks noGrp="1"/>
+          </p:cNvSpPr>
+          <p:nvPr>
+            <p:ph idx="15"/>
+          </p:nvPr>
+        </p:nvSpPr>
+        <p:spPr/>
+        <p:txBody>
+          <a:bodyPr/>
+          <a:lstStyle/>
+          <a:p>
+            <a:r>
+              <a:rPr lang="en-US" smtClean="0"/>
+              <a:t>Sebelum reasoning</a:t>
+            </a:r>
+            <a:endParaRPr lang="en-US"/>
+          </a:p>
+        </p:txBody>
+      </p:sp>
+      <p:sp>
+        <p:nvSpPr>
+          <p:cNvPr id="7" name="Content Placeholder 6"/>
+          <p:cNvSpPr>
+            <a:spLocks noGrp="1"/>
+          </p:cNvSpPr>
+          <p:nvPr>
+            <p:ph idx="20"/>
+          </p:nvPr>
+        </p:nvSpPr>
+        <p:spPr/>
+        <p:txBody>
+          <a:bodyPr/>
+          <a:lstStyle/>
+          <a:p>
+            <a:r>
+              <a:rPr lang="en-US" smtClean="0"/>
+              <a:t>Sesudah reasoning</a:t>
+            </a:r>
+            <a:endParaRPr lang="en-US"/>
+          </a:p>
+        </p:txBody>
+      </p:sp>
+      <p:sp>
+        <p:nvSpPr>
+          <p:cNvPr id="8" name="Picture Placeholder 7"/>
+          <p:cNvSpPr>
+            <a:spLocks noGrp="1"/>
+          </p:cNvSpPr>
+          <p:nvPr>
+            <p:ph type="pic" sz="quarter" idx="21"/>
+          </p:nvPr>
+        </p:nvSpPr>
+        <p:spPr/>
+      </p:sp>
+      <p:sp>
+        <p:nvSpPr>
+          <p:cNvPr id="9" name="Picture Placeholder 8"/>
+          <p:cNvSpPr>
+            <a:spLocks noGrp="1"/>
+          </p:cNvSpPr>
+          <p:nvPr>
+            <p:ph type="pic" sz="quarter" idx="22"/>
+          </p:nvPr>
+        </p:nvSpPr>
+        <p:spPr/>
+      </p:sp>
+      <p:pic>
+        <p:nvPicPr>
+          <p:cNvPr id="12" name="Picture 11"/>
+          <p:cNvPicPr/>
+          <p:nvPr/>
+        </p:nvPicPr>
+        <p:blipFill>
+          <a:blip r:embed="rId2"/>
+          <a:stretch>
+            <a:fillRect/>
+          </a:stretch>
+        </p:blipFill>
+        <p:spPr>
+          <a:xfrm>
+            <a:off x="101501" y="3030958"/>
+            <a:ext cx="5861304" cy="3750310"/>
+          </a:xfrm>
+          <a:prstGeom prst="rect">
+            <a:avLst/>
+          </a:prstGeom>
+        </p:spPr>
+      </p:pic>
+      <p:pic>
+        <p:nvPicPr>
+          <p:cNvPr id="13" name="Picture 12"/>
+          <p:cNvPicPr/>
+          <p:nvPr/>
+        </p:nvPicPr>
+        <p:blipFill>
+          <a:blip r:embed="rId3"/>
+          <a:stretch>
+            <a:fillRect/>
+          </a:stretch>
+        </p:blipFill>
+        <p:spPr>
+          <a:xfrm>
+            <a:off x="6298782" y="686784"/>
+            <a:ext cx="5861304" cy="3911600"/>
+          </a:xfrm>
+          <a:prstGeom prst="rect">
+            <a:avLst/>
+          </a:prstGeom>
+        </p:spPr>
+      </p:pic>
+    </p:spTree>
+    <p:extLst>
+      <p:ext uri="{BB962C8B-B14F-4D97-AF65-F5344CB8AC3E}">
+        <p14:creationId xmlns:p14="http://schemas.microsoft.com/office/powerpoint/2010/main" val="2123317077"/>
+      </p:ext>
+    </p:extLst>
+  </p:cSld>
+  <p:clrMapOvr>
+    <a:masterClrMapping/>
+  </p:clrMapOvr>
+  <p:timing>
+    <p:tnLst>
+      <p:par>
+        <p:cTn id="1" dur="indefinite" restart="never" nodeType="tmRoot"/>
+      </p:par>
+    </p:tnLst>
+  </p:timing>
+</p:sld>
+</file>
+
+<file path=ppt/slides/slide13.xml><?xml version="1.0" encoding="utf-8"?>
+<p:sld xmlns:a="http://schemas.openxmlformats.org/drawingml/2006/main" xmlns:r="http://schemas.openxmlformats.org/officeDocument/2006/relationships" xmlns:p="http://schemas.openxmlformats.org/presentationml/2006/main">
+  <p:cSld>
+    <p:spTree>
+      <p:nvGrpSpPr>
+        <p:cNvPr id="1" name=""/>
+        <p:cNvGrpSpPr/>
+        <p:nvPr/>
+      </p:nvGrpSpPr>
+      <p:grpSpPr>
+        <a:xfrm>
+          <a:off x="0" y="0"/>
+          <a:ext cx="0" cy="0"/>
+          <a:chOff x="0" y="0"/>
+          <a:chExt cx="0" cy="0"/>
+        </a:xfrm>
+      </p:grpSpPr>
+      <p:sp>
+        <p:nvSpPr>
+          <p:cNvPr id="2" name="Title 1"/>
+          <p:cNvSpPr>
+            <a:spLocks noGrp="1"/>
+          </p:cNvSpPr>
+          <p:nvPr>
+            <p:ph type="title"/>
+          </p:nvPr>
+        </p:nvSpPr>
+        <p:spPr/>
+        <p:txBody>
+          <a:bodyPr/>
+          <a:lstStyle/>
+          <a:p>
+            <a:r>
+              <a:rPr lang="en-US" smtClean="0"/>
+              <a:t>Visualisasi 1 (kasus tidak memiliki anak)</a:t>
+            </a:r>
+            <a:endParaRPr lang="en-US"/>
+          </a:p>
+        </p:txBody>
+      </p:sp>
+      <p:sp>
+        <p:nvSpPr>
+          <p:cNvPr id="3" name="Slide Number Placeholder 2"/>
+          <p:cNvSpPr>
+            <a:spLocks noGrp="1"/>
+          </p:cNvSpPr>
+          <p:nvPr>
+            <p:ph type="sldNum" sz="quarter" idx="12"/>
+          </p:nvPr>
+        </p:nvSpPr>
+        <p:spPr/>
+        <p:txBody>
+          <a:bodyPr/>
+          <a:lstStyle/>
+          <a:p>
+            <a:fld id="{9EC71654-96A5-4280-94F3-931C61A9F92C}" type="slidenum">
+              <a:rPr lang="en-US" noProof="0" smtClean="0"/>
+              <a:pPr/>
+              <a:t>13</a:t>
+            </a:fld>
+            <a:endParaRPr lang="en-US" noProof="0" dirty="0"/>
+          </a:p>
+        </p:txBody>
+      </p:sp>
+      <p:pic>
+        <p:nvPicPr>
+          <p:cNvPr id="4" name="Picture 3"/>
+          <p:cNvPicPr>
+            <a:picLocks noChangeAspect="1"/>
+          </p:cNvPicPr>
+          <p:nvPr/>
+        </p:nvPicPr>
+        <p:blipFill>
+          <a:blip r:embed="rId2"/>
+          <a:stretch>
+            <a:fillRect/>
+          </a:stretch>
+        </p:blipFill>
+        <p:spPr>
+          <a:xfrm>
+            <a:off x="0" y="1514517"/>
+            <a:ext cx="12192000" cy="3828966"/>
+          </a:xfrm>
+          <a:prstGeom prst="rect">
+            <a:avLst/>
+          </a:prstGeom>
+        </p:spPr>
+      </p:pic>
+    </p:spTree>
+    <p:extLst>
+      <p:ext uri="{BB962C8B-B14F-4D97-AF65-F5344CB8AC3E}">
+        <p14:creationId xmlns:p14="http://schemas.microsoft.com/office/powerpoint/2010/main" val="3558997250"/>
+      </p:ext>
+    </p:extLst>
+  </p:cSld>
+  <p:clrMapOvr>
+    <a:masterClrMapping/>
+  </p:clrMapOvr>
+</p:sld>
+</file>
+
+<file path=ppt/slides/slide14.xml><?xml version="1.0" encoding="utf-8"?>
+<p:sld xmlns:a="http://schemas.openxmlformats.org/drawingml/2006/main" xmlns:r="http://schemas.openxmlformats.org/officeDocument/2006/relationships" xmlns:p="http://schemas.openxmlformats.org/presentationml/2006/main">
+  <p:cSld>
+    <p:spTree>
+      <p:nvGrpSpPr>
+        <p:cNvPr id="1" name=""/>
+        <p:cNvGrpSpPr/>
+        <p:nvPr/>
+      </p:nvGrpSpPr>
+      <p:grpSpPr>
+        <a:xfrm>
+          <a:off x="0" y="0"/>
+          <a:ext cx="0" cy="0"/>
+          <a:chOff x="0" y="0"/>
+          <a:chExt cx="0" cy="0"/>
+        </a:xfrm>
+      </p:grpSpPr>
+      <p:sp>
+        <p:nvSpPr>
+          <p:cNvPr id="2" name="Title 1"/>
+          <p:cNvSpPr>
+            <a:spLocks noGrp="1"/>
+          </p:cNvSpPr>
+          <p:nvPr>
+            <p:ph type="title"/>
+          </p:nvPr>
+        </p:nvSpPr>
+        <p:spPr/>
+        <p:txBody>
+          <a:bodyPr/>
+          <a:lstStyle/>
+          <a:p>
+            <a:r>
+              <a:rPr lang="en-US" smtClean="0"/>
+              <a:t>Visualisasi 2 (kasus memiliki anak)</a:t>
+            </a:r>
+            <a:endParaRPr lang="en-US"/>
+          </a:p>
+        </p:txBody>
+      </p:sp>
+      <p:sp>
+        <p:nvSpPr>
+          <p:cNvPr id="3" name="Slide Number Placeholder 2"/>
+          <p:cNvSpPr>
+            <a:spLocks noGrp="1"/>
+          </p:cNvSpPr>
+          <p:nvPr>
+            <p:ph type="sldNum" sz="quarter" idx="12"/>
+          </p:nvPr>
+        </p:nvSpPr>
+        <p:spPr/>
+        <p:txBody>
+          <a:bodyPr/>
+          <a:lstStyle/>
+          <a:p>
+            <a:fld id="{9EC71654-96A5-4280-94F3-931C61A9F92C}" type="slidenum">
+              <a:rPr lang="en-US" noProof="0" smtClean="0"/>
+              <a:pPr/>
+              <a:t>14</a:t>
+            </a:fld>
+            <a:endParaRPr lang="en-US" noProof="0" dirty="0"/>
+          </a:p>
+        </p:txBody>
+      </p:sp>
+      <p:pic>
+        <p:nvPicPr>
+          <p:cNvPr id="6" name="Picture 5"/>
+          <p:cNvPicPr>
+            <a:picLocks noChangeAspect="1"/>
+          </p:cNvPicPr>
+          <p:nvPr/>
+        </p:nvPicPr>
+        <p:blipFill>
+          <a:blip r:embed="rId2"/>
+          <a:stretch>
+            <a:fillRect/>
+          </a:stretch>
+        </p:blipFill>
+        <p:spPr>
+          <a:xfrm>
+            <a:off x="0" y="1166957"/>
+            <a:ext cx="12192000" cy="4953558"/>
+          </a:xfrm>
+          <a:prstGeom prst="rect">
+            <a:avLst/>
+          </a:prstGeom>
+        </p:spPr>
+      </p:pic>
+    </p:spTree>
+    <p:extLst>
+      <p:ext uri="{BB962C8B-B14F-4D97-AF65-F5344CB8AC3E}">
+        <p14:creationId xmlns:p14="http://schemas.microsoft.com/office/powerpoint/2010/main" val="2754362544"/>
+      </p:ext>
+    </p:extLst>
+  </p:cSld>
+  <p:clrMapOvr>
+    <a:masterClrMapping/>
+  </p:clrMapOvr>
+</p:sld>
+</file>
+
+<file path=ppt/slides/slide15.xml><?xml version="1.0" encoding="utf-8"?>
+<p:sld xmlns:a="http://schemas.openxmlformats.org/drawingml/2006/main" xmlns:r="http://schemas.openxmlformats.org/officeDocument/2006/relationships" xmlns:p="http://schemas.openxmlformats.org/presentationml/2006/main">
+  <p:cSld>
+    <p:spTree>
+      <p:nvGrpSpPr>
+        <p:cNvPr id="1" name=""/>
+        <p:cNvGrpSpPr/>
+        <p:nvPr/>
+      </p:nvGrpSpPr>
+      <p:grpSpPr>
+        <a:xfrm>
+          <a:off x="0" y="0"/>
+          <a:ext cx="0" cy="0"/>
+          <a:chOff x="0" y="0"/>
+          <a:chExt cx="0" cy="0"/>
+        </a:xfrm>
+      </p:grpSpPr>
+      <p:sp>
+        <p:nvSpPr>
+          <p:cNvPr id="2" name="Title 1"/>
+          <p:cNvSpPr>
+            <a:spLocks noGrp="1"/>
+          </p:cNvSpPr>
+          <p:nvPr>
+            <p:ph type="title"/>
+          </p:nvPr>
+        </p:nvSpPr>
+        <p:spPr/>
+        <p:txBody>
+          <a:bodyPr/>
+          <a:lstStyle/>
+          <a:p>
+            <a:r>
+              <a:rPr lang="en-US" smtClean="0"/>
+              <a:t>Visualisasi 3 (kasus memiliki cucu)</a:t>
+            </a:r>
+            <a:endParaRPr lang="en-US"/>
+          </a:p>
+        </p:txBody>
+      </p:sp>
+      <p:sp>
+        <p:nvSpPr>
+          <p:cNvPr id="3" name="Slide Number Placeholder 2"/>
+          <p:cNvSpPr>
+            <a:spLocks noGrp="1"/>
+          </p:cNvSpPr>
+          <p:nvPr>
+            <p:ph type="sldNum" sz="quarter" idx="12"/>
+          </p:nvPr>
+        </p:nvSpPr>
+        <p:spPr/>
+        <p:txBody>
+          <a:bodyPr/>
+          <a:lstStyle/>
+          <a:p>
+            <a:fld id="{9EC71654-96A5-4280-94F3-931C61A9F92C}" type="slidenum">
+              <a:rPr lang="en-US" noProof="0" smtClean="0"/>
+              <a:pPr/>
+              <a:t>15</a:t>
+            </a:fld>
+            <a:endParaRPr lang="en-US" noProof="0" dirty="0"/>
+          </a:p>
+        </p:txBody>
+      </p:sp>
+      <p:pic>
+        <p:nvPicPr>
+          <p:cNvPr id="4" name="Picture 3"/>
+          <p:cNvPicPr>
+            <a:picLocks noChangeAspect="1"/>
+          </p:cNvPicPr>
+          <p:nvPr/>
+        </p:nvPicPr>
+        <p:blipFill>
+          <a:blip r:embed="rId2"/>
+          <a:stretch>
+            <a:fillRect/>
+          </a:stretch>
+        </p:blipFill>
+        <p:spPr>
+          <a:xfrm>
+            <a:off x="-4762" y="1166957"/>
+            <a:ext cx="12192000" cy="4950508"/>
+          </a:xfrm>
+          <a:prstGeom prst="rect">
+            <a:avLst/>
+          </a:prstGeom>
+        </p:spPr>
+      </p:pic>
+    </p:spTree>
+    <p:extLst>
+      <p:ext uri="{BB962C8B-B14F-4D97-AF65-F5344CB8AC3E}">
+        <p14:creationId xmlns:p14="http://schemas.microsoft.com/office/powerpoint/2010/main" val="3312350000"/>
+      </p:ext>
+    </p:extLst>
+  </p:cSld>
+  <p:clrMapOvr>
+    <a:masterClrMapping/>
+  </p:clrMapOvr>
+</p:sld>
+</file>
+
+<file path=ppt/slides/slide16.xml><?xml version="1.0" encoding="utf-8"?>
+<p:sld xmlns:a="http://schemas.openxmlformats.org/drawingml/2006/main" xmlns:r="http://schemas.openxmlformats.org/officeDocument/2006/relationships" xmlns:p="http://schemas.openxmlformats.org/presentationml/2006/main">
+  <p:cSld>
+    <p:spTree>
+      <p:nvGrpSpPr>
+        <p:cNvPr id="1" name=""/>
+        <p:cNvGrpSpPr/>
+        <p:nvPr/>
+      </p:nvGrpSpPr>
+      <p:grpSpPr>
+        <a:xfrm>
+          <a:off x="0" y="0"/>
+          <a:ext cx="0" cy="0"/>
+          <a:chOff x="0" y="0"/>
+          <a:chExt cx="0" cy="0"/>
+        </a:xfrm>
+      </p:grpSpPr>
+      <p:sp>
+        <p:nvSpPr>
+          <p:cNvPr id="2" name="Title 1"/>
+          <p:cNvSpPr>
+            <a:spLocks noGrp="1"/>
+          </p:cNvSpPr>
+          <p:nvPr>
+            <p:ph type="title"/>
+          </p:nvPr>
+        </p:nvSpPr>
+        <p:spPr/>
+        <p:txBody>
+          <a:bodyPr/>
+          <a:lstStyle/>
+          <a:p>
+            <a:r>
+              <a:rPr lang="en-US" smtClean="0"/>
+              <a:t>Visualisasi 4 (kasus memiliki cicit)</a:t>
+            </a:r>
+            <a:endParaRPr lang="en-US"/>
+          </a:p>
+        </p:txBody>
+      </p:sp>
+      <p:sp>
+        <p:nvSpPr>
+          <p:cNvPr id="3" name="Slide Number Placeholder 2"/>
+          <p:cNvSpPr>
+            <a:spLocks noGrp="1"/>
+          </p:cNvSpPr>
+          <p:nvPr>
+            <p:ph type="sldNum" sz="quarter" idx="12"/>
+          </p:nvPr>
+        </p:nvSpPr>
+        <p:spPr/>
+        <p:txBody>
+          <a:bodyPr/>
+          <a:lstStyle/>
+          <a:p>
+            <a:fld id="{9EC71654-96A5-4280-94F3-931C61A9F92C}" type="slidenum">
+              <a:rPr lang="en-US" noProof="0" smtClean="0"/>
+              <a:pPr/>
+              <a:t>16</a:t>
+            </a:fld>
+            <a:endParaRPr lang="en-US" noProof="0" dirty="0"/>
+          </a:p>
+        </p:txBody>
+      </p:sp>
+      <p:pic>
+        <p:nvPicPr>
+          <p:cNvPr id="4" name="Picture 3"/>
+          <p:cNvPicPr>
+            <a:picLocks noChangeAspect="1"/>
+          </p:cNvPicPr>
+          <p:nvPr/>
+        </p:nvPicPr>
+        <p:blipFill>
+          <a:blip r:embed="rId2"/>
+          <a:stretch>
+            <a:fillRect/>
+          </a:stretch>
+        </p:blipFill>
+        <p:spPr>
+          <a:xfrm>
+            <a:off x="0" y="1312256"/>
+            <a:ext cx="12192000" cy="4998184"/>
+          </a:xfrm>
+          <a:prstGeom prst="rect">
+            <a:avLst/>
+          </a:prstGeom>
+        </p:spPr>
+      </p:pic>
+    </p:spTree>
+    <p:extLst>
+      <p:ext uri="{BB962C8B-B14F-4D97-AF65-F5344CB8AC3E}">
+        <p14:creationId xmlns:p14="http://schemas.microsoft.com/office/powerpoint/2010/main" val="4232551194"/>
+      </p:ext>
+    </p:extLst>
+  </p:cSld>
+  <p:clrMapOvr>
+    <a:masterClrMapping/>
+  </p:clrMapOvr>
+</p:sld>
+</file>
+
+<file path=ppt/slides/slide17.xml><?xml version="1.0" encoding="utf-8"?>
+<p:sld xmlns:a="http://schemas.openxmlformats.org/drawingml/2006/main" xmlns:r="http://schemas.openxmlformats.org/officeDocument/2006/relationships" xmlns:p="http://schemas.openxmlformats.org/presentationml/2006/main">
+  <p:cSld>
+    <p:spTree>
+      <p:nvGrpSpPr>
+        <p:cNvPr id="1" name=""/>
+        <p:cNvGrpSpPr/>
+        <p:nvPr/>
+      </p:nvGrpSpPr>
+      <p:grpSpPr>
+        <a:xfrm>
+          <a:off x="0" y="0"/>
+          <a:ext cx="0" cy="0"/>
+          <a:chOff x="0" y="0"/>
+          <a:chExt cx="0" cy="0"/>
+        </a:xfrm>
+      </p:grpSpPr>
+      <p:sp>
+        <p:nvSpPr>
+          <p:cNvPr id="2" name="Title 1"/>
+          <p:cNvSpPr>
+            <a:spLocks noGrp="1"/>
+          </p:cNvSpPr>
+          <p:nvPr>
+            <p:ph type="title"/>
+          </p:nvPr>
+        </p:nvSpPr>
+        <p:spPr/>
+        <p:txBody>
+          <a:bodyPr/>
+          <a:lstStyle/>
+          <a:p>
+            <a:r>
+              <a:rPr lang="en-US" smtClean="0"/>
+              <a:t>Visualisasi 5 (kasus memiliki pasangan lebih dari satu)</a:t>
+            </a:r>
+            <a:endParaRPr lang="en-US"/>
+          </a:p>
+        </p:txBody>
+      </p:sp>
+      <p:sp>
+        <p:nvSpPr>
+          <p:cNvPr id="3" name="Slide Number Placeholder 2"/>
+          <p:cNvSpPr>
+            <a:spLocks noGrp="1"/>
+          </p:cNvSpPr>
+          <p:nvPr>
+            <p:ph type="sldNum" sz="quarter" idx="12"/>
+          </p:nvPr>
+        </p:nvSpPr>
+        <p:spPr/>
+        <p:txBody>
+          <a:bodyPr/>
+          <a:lstStyle/>
+          <a:p>
+            <a:fld id="{9EC71654-96A5-4280-94F3-931C61A9F92C}" type="slidenum">
+              <a:rPr lang="en-US" noProof="0" smtClean="0"/>
+              <a:pPr/>
+              <a:t>17</a:t>
+            </a:fld>
+            <a:endParaRPr lang="en-US" noProof="0" dirty="0"/>
+          </a:p>
+        </p:txBody>
+      </p:sp>
+      <p:pic>
+        <p:nvPicPr>
+          <p:cNvPr id="4" name="Picture 3"/>
+          <p:cNvPicPr>
+            <a:picLocks noChangeAspect="1"/>
+          </p:cNvPicPr>
+          <p:nvPr/>
+        </p:nvPicPr>
+        <p:blipFill rotWithShape="1">
+          <a:blip r:embed="rId2">
+            <a:extLst>
+              <a:ext uri="{28A0092B-C50C-407E-A947-70E740481C1C}">
+                <a14:useLocalDpi xmlns:a14="http://schemas.microsoft.com/office/drawing/2010/main" val="0"/>
+              </a:ext>
+            </a:extLst>
+          </a:blip>
+          <a:srcRect b="30892"/>
+          <a:stretch/>
+        </p:blipFill>
+        <p:spPr>
+          <a:xfrm>
+            <a:off x="3224210" y="1166957"/>
+            <a:ext cx="5734055" cy="4940308"/>
+          </a:xfrm>
+          <a:prstGeom prst="rect">
+            <a:avLst/>
+          </a:prstGeom>
+        </p:spPr>
+      </p:pic>
+    </p:spTree>
+    <p:extLst>
+      <p:ext uri="{BB962C8B-B14F-4D97-AF65-F5344CB8AC3E}">
+        <p14:creationId xmlns:p14="http://schemas.microsoft.com/office/powerpoint/2010/main" val="350214557"/>
+      </p:ext>
+    </p:extLst>
+  </p:cSld>
+  <p:clrMapOvr>
+    <a:masterClrMapping/>
+  </p:clrMapOvr>
+</p:sld>
+</file>
+
+<file path=ppt/slides/slide18.xml><?xml version="1.0" encoding="utf-8"?>
+<p:sld xmlns:a="http://schemas.openxmlformats.org/drawingml/2006/main" xmlns:r="http://schemas.openxmlformats.org/officeDocument/2006/relationships" xmlns:p="http://schemas.openxmlformats.org/presentationml/2006/main">
+  <p:cSld>
+    <p:spTree>
+      <p:nvGrpSpPr>
+        <p:cNvPr id="1" name=""/>
+        <p:cNvGrpSpPr/>
+        <p:nvPr/>
+      </p:nvGrpSpPr>
+      <p:grpSpPr>
+        <a:xfrm>
+          <a:off x="0" y="0"/>
+          <a:ext cx="0" cy="0"/>
+          <a:chOff x="0" y="0"/>
+          <a:chExt cx="0" cy="0"/>
+        </a:xfrm>
+      </p:grpSpPr>
+      <p:sp>
+        <p:nvSpPr>
+          <p:cNvPr id="2" name="Title 1"/>
+          <p:cNvSpPr>
+            <a:spLocks noGrp="1"/>
+          </p:cNvSpPr>
+          <p:nvPr>
+            <p:ph type="title"/>
+          </p:nvPr>
+        </p:nvSpPr>
+        <p:spPr/>
+        <p:txBody>
+          <a:bodyPr/>
+          <a:lstStyle/>
+          <a:p>
+            <a:r>
+              <a:rPr lang="en-US" smtClean="0"/>
+              <a:t>Visualisasi 6 (kasus memiliki relasi yang tidak memiliki properti nama)</a:t>
+            </a:r>
+            <a:endParaRPr lang="en-US"/>
+          </a:p>
+        </p:txBody>
+      </p:sp>
+      <p:sp>
+        <p:nvSpPr>
+          <p:cNvPr id="3" name="Slide Number Placeholder 2"/>
+          <p:cNvSpPr>
+            <a:spLocks noGrp="1"/>
+          </p:cNvSpPr>
+          <p:nvPr>
+            <p:ph type="sldNum" sz="quarter" idx="12"/>
+          </p:nvPr>
+        </p:nvSpPr>
+        <p:spPr/>
+        <p:txBody>
+          <a:bodyPr/>
+          <a:lstStyle/>
+          <a:p>
+            <a:fld id="{9EC71654-96A5-4280-94F3-931C61A9F92C}" type="slidenum">
+              <a:rPr lang="en-US" noProof="0" smtClean="0"/>
+              <a:pPr/>
+              <a:t>18</a:t>
+            </a:fld>
+            <a:endParaRPr lang="en-US" noProof="0" dirty="0"/>
+          </a:p>
+        </p:txBody>
+      </p:sp>
+      <p:pic>
+        <p:nvPicPr>
+          <p:cNvPr id="4" name="Picture 3"/>
+          <p:cNvPicPr>
+            <a:picLocks noChangeAspect="1"/>
+          </p:cNvPicPr>
+          <p:nvPr/>
+        </p:nvPicPr>
+        <p:blipFill>
+          <a:blip r:embed="rId2"/>
+          <a:stretch>
+            <a:fillRect/>
+          </a:stretch>
+        </p:blipFill>
+        <p:spPr>
+          <a:xfrm>
+            <a:off x="0" y="1193205"/>
+            <a:ext cx="12192000" cy="4471590"/>
+          </a:xfrm>
+          <a:prstGeom prst="rect">
+            <a:avLst/>
+          </a:prstGeom>
+        </p:spPr>
+      </p:pic>
+    </p:spTree>
+    <p:extLst>
+      <p:ext uri="{BB962C8B-B14F-4D97-AF65-F5344CB8AC3E}">
+        <p14:creationId xmlns:p14="http://schemas.microsoft.com/office/powerpoint/2010/main" val="1345547420"/>
+      </p:ext>
+    </p:extLst>
+  </p:cSld>
+  <p:clrMapOvr>
+    <a:masterClrMapping/>
+  </p:clrMapOvr>
+</p:sld>
+</file>
+
+<file path=ppt/slides/slide19.xml><?xml version="1.0" encoding="utf-8"?>
+<p:sld xmlns:a="http://schemas.openxmlformats.org/drawingml/2006/main" xmlns:r="http://schemas.openxmlformats.org/officeDocument/2006/relationships" xmlns:p="http://schemas.openxmlformats.org/presentationml/2006/main">
+  <p:cSld>
+    <p:spTree>
+      <p:nvGrpSpPr>
+        <p:cNvPr id="1" name=""/>
+        <p:cNvGrpSpPr/>
+        <p:nvPr/>
+      </p:nvGrpSpPr>
+      <p:grpSpPr>
+        <a:xfrm>
+          <a:off x="0" y="0"/>
+          <a:ext cx="0" cy="0"/>
+          <a:chOff x="0" y="0"/>
+          <a:chExt cx="0" cy="0"/>
+        </a:xfrm>
+      </p:grpSpPr>
+      <p:sp>
+        <p:nvSpPr>
+          <p:cNvPr id="6" name="Footer Placeholder 5"/>
+          <p:cNvSpPr>
+            <a:spLocks noGrp="1"/>
+          </p:cNvSpPr>
+          <p:nvPr>
+            <p:ph type="ftr" sz="quarter" idx="11"/>
+          </p:nvPr>
+        </p:nvSpPr>
+        <p:spPr/>
+        <p:txBody>
+          <a:bodyPr/>
+          <a:lstStyle/>
+          <a:p>
+            <a:r>
+              <a:rPr lang="en-US" smtClean="0"/>
+              <a:t>TUGAS AKHIR – KI141502</a:t>
+            </a:r>
+            <a:endParaRPr lang="en-US"/>
+          </a:p>
+        </p:txBody>
+      </p:sp>
+      <p:sp>
+        <p:nvSpPr>
+          <p:cNvPr id="8" name="Rectangle 7"/>
+          <p:cNvSpPr/>
+          <p:nvPr/>
+        </p:nvSpPr>
+        <p:spPr bwMode="auto">
+          <a:xfrm>
+            <a:off x="4267201" y="1828800"/>
+            <a:ext cx="3657599" cy="609600"/>
+          </a:xfrm>
+          <a:prstGeom prst="rect">
+            <a:avLst/>
+          </a:prstGeom>
+          <a:solidFill>
+            <a:schemeClr val="accent3">
+              <a:lumMod val="50000"/>
+            </a:schemeClr>
+          </a:solidFill>
+          <a:ln>
+            <a:noFill/>
+            <a:headEnd type="none" w="med" len="med"/>
+            <a:tailEnd type="none" w="med" len="med"/>
+          </a:ln>
+          <a:extLst/>
+        </p:spPr>
+        <p:style>
+          <a:lnRef idx="0">
+            <a:schemeClr val="accent6"/>
+          </a:lnRef>
+          <a:fillRef idx="3">
+            <a:schemeClr val="accent6"/>
+          </a:fillRef>
+          <a:effectRef idx="3">
+            <a:schemeClr val="accent6"/>
+          </a:effectRef>
+          <a:fontRef idx="minor">
+            <a:schemeClr val="lt1"/>
+          </a:fontRef>
+        </p:style>
+        <p:txBody>
+          <a:bodyPr vert="horz" wrap="none" lIns="91440" tIns="45720" rIns="91440" bIns="45720" numCol="1" rtlCol="0" anchor="ctr" anchorCtr="0" compatLnSpc="1">
+            <a:prstTxWarp prst="textNoShape">
+              <a:avLst/>
+            </a:prstTxWarp>
+          </a:bodyPr>
+          <a:lstStyle/>
+          <a:p>
+            <a:pPr algn="ctr" fontAlgn="base">
+              <a:spcBef>
+                <a:spcPct val="0"/>
+              </a:spcBef>
+              <a:spcAft>
+                <a:spcPct val="0"/>
+              </a:spcAft>
+            </a:pPr>
+            <a:r>
+              <a:rPr lang="en-US" sz="2000"/>
+              <a:t>PENDAHULUAN</a:t>
+            </a:r>
+            <a:endParaRPr lang="en-US" sz="2000" dirty="0">
+              <a:solidFill>
+                <a:schemeClr val="tx1"/>
+              </a:solidFill>
+              <a:latin typeface="Tahoma" panose="020B0604030504040204" pitchFamily="34" charset="0"/>
+            </a:endParaRPr>
+          </a:p>
+        </p:txBody>
+      </p:sp>
+      <p:sp>
+        <p:nvSpPr>
+          <p:cNvPr id="9" name="Rectangle 8"/>
+          <p:cNvSpPr/>
+          <p:nvPr/>
+        </p:nvSpPr>
+        <p:spPr bwMode="auto">
+          <a:xfrm>
+            <a:off x="4267200" y="2730455"/>
+            <a:ext cx="3657600" cy="612648"/>
+          </a:xfrm>
+          <a:prstGeom prst="rect">
+            <a:avLst/>
+          </a:prstGeom>
+          <a:solidFill>
+            <a:schemeClr val="accent3">
+              <a:lumMod val="50000"/>
+            </a:schemeClr>
+          </a:solidFill>
+          <a:ln>
+            <a:noFill/>
+            <a:headEnd type="none" w="med" len="med"/>
+            <a:tailEnd type="none" w="med" len="med"/>
+          </a:ln>
+          <a:extLst/>
+        </p:spPr>
+        <p:style>
+          <a:lnRef idx="1">
+            <a:schemeClr val="accent4"/>
+          </a:lnRef>
+          <a:fillRef idx="3">
+            <a:schemeClr val="accent4"/>
+          </a:fillRef>
+          <a:effectRef idx="2">
+            <a:schemeClr val="accent4"/>
+          </a:effectRef>
+          <a:fontRef idx="minor">
+            <a:schemeClr val="lt1"/>
+          </a:fontRef>
+        </p:style>
+        <p:txBody>
+          <a:bodyPr vert="horz" wrap="none" lIns="91440" tIns="45720" rIns="91440" bIns="45720" numCol="1" rtlCol="0" anchor="ctr" anchorCtr="0" compatLnSpc="1">
+            <a:prstTxWarp prst="textNoShape">
+              <a:avLst/>
+            </a:prstTxWarp>
+          </a:bodyPr>
+          <a:lstStyle/>
+          <a:p>
+            <a:pPr algn="ctr" fontAlgn="base">
+              <a:spcBef>
+                <a:spcPct val="0"/>
+              </a:spcBef>
+              <a:spcAft>
+                <a:spcPct val="0"/>
+              </a:spcAft>
+            </a:pPr>
+            <a:r>
+              <a:rPr lang="id-ID" sz="2000" dirty="0"/>
+              <a:t>PE</a:t>
+            </a:r>
+            <a:r>
+              <a:rPr lang="en-US" sz="2000" dirty="0"/>
+              <a:t>RANCANGAN &amp; IMPLEMENTASI</a:t>
+            </a:r>
+            <a:endParaRPr lang="en-US" sz="2000" dirty="0">
+              <a:solidFill>
+                <a:schemeClr val="tx1"/>
+              </a:solidFill>
+              <a:latin typeface="Tahoma" panose="020B0604030504040204" pitchFamily="34" charset="0"/>
+            </a:endParaRPr>
+          </a:p>
+        </p:txBody>
+      </p:sp>
+      <p:sp>
+        <p:nvSpPr>
+          <p:cNvPr id="10" name="Rectangle 9"/>
+          <p:cNvSpPr/>
+          <p:nvPr/>
+        </p:nvSpPr>
+        <p:spPr bwMode="auto">
+          <a:xfrm>
+            <a:off x="4267201" y="3644855"/>
+            <a:ext cx="3657598" cy="612648"/>
+          </a:xfrm>
+          <a:prstGeom prst="rect">
+            <a:avLst/>
+          </a:prstGeom>
+          <a:solidFill>
+            <a:schemeClr val="accent3">
+              <a:lumMod val="50000"/>
+            </a:schemeClr>
+          </a:solidFill>
+          <a:ln>
+            <a:noFill/>
+            <a:headEnd type="none" w="med" len="med"/>
+            <a:tailEnd type="none" w="med" len="med"/>
+          </a:ln>
+          <a:extLst/>
+        </p:spPr>
+        <p:style>
+          <a:lnRef idx="1">
+            <a:schemeClr val="accent4"/>
+          </a:lnRef>
+          <a:fillRef idx="3">
+            <a:schemeClr val="accent4"/>
+          </a:fillRef>
+          <a:effectRef idx="2">
+            <a:schemeClr val="accent4"/>
+          </a:effectRef>
+          <a:fontRef idx="minor">
+            <a:schemeClr val="lt1"/>
+          </a:fontRef>
+        </p:style>
+        <p:txBody>
+          <a:bodyPr vert="horz" wrap="none" lIns="91440" tIns="45720" rIns="91440" bIns="45720" numCol="1" rtlCol="0" anchor="ctr" anchorCtr="0" compatLnSpc="1">
+            <a:prstTxWarp prst="textNoShape">
+              <a:avLst/>
+            </a:prstTxWarp>
+          </a:bodyPr>
+          <a:lstStyle/>
+          <a:p>
+            <a:pPr algn="ctr"/>
+            <a:r>
+              <a:rPr lang="id-ID" sz="2000" dirty="0"/>
+              <a:t>UJI COBA</a:t>
+            </a:r>
+            <a:endParaRPr lang="en-US" sz="2000" dirty="0">
+              <a:solidFill>
+                <a:schemeClr val="tx1"/>
+              </a:solidFill>
+              <a:latin typeface="Tahoma" panose="020B0604030504040204" pitchFamily="34" charset="0"/>
+            </a:endParaRPr>
+          </a:p>
+        </p:txBody>
+      </p:sp>
+      <p:sp>
+        <p:nvSpPr>
+          <p:cNvPr id="11" name="Rectangle 10"/>
+          <p:cNvSpPr/>
+          <p:nvPr/>
+        </p:nvSpPr>
+        <p:spPr bwMode="auto">
+          <a:xfrm>
+            <a:off x="4267201" y="4572000"/>
+            <a:ext cx="3657598" cy="612648"/>
+          </a:xfrm>
+          <a:prstGeom prst="rect">
+            <a:avLst/>
+          </a:prstGeom>
+          <a:solidFill>
+            <a:schemeClr val="accent1">
+              <a:lumMod val="75000"/>
+            </a:schemeClr>
+          </a:solidFill>
+          <a:ln>
+            <a:noFill/>
+            <a:headEnd type="none" w="med" len="med"/>
+            <a:tailEnd type="none" w="med" len="med"/>
+          </a:ln>
+          <a:extLst/>
+        </p:spPr>
+        <p:style>
+          <a:lnRef idx="1">
+            <a:schemeClr val="accent4"/>
+          </a:lnRef>
+          <a:fillRef idx="3">
+            <a:schemeClr val="accent4"/>
+          </a:fillRef>
+          <a:effectRef idx="2">
+            <a:schemeClr val="accent4"/>
+          </a:effectRef>
+          <a:fontRef idx="minor">
+            <a:schemeClr val="lt1"/>
+          </a:fontRef>
+        </p:style>
+        <p:txBody>
+          <a:bodyPr vert="horz" wrap="none" lIns="91440" tIns="45720" rIns="91440" bIns="45720" numCol="1" rtlCol="0" anchor="ctr" anchorCtr="0" compatLnSpc="1">
+            <a:prstTxWarp prst="textNoShape">
+              <a:avLst/>
+            </a:prstTxWarp>
+          </a:bodyPr>
+          <a:lstStyle/>
+          <a:p>
+            <a:pPr algn="ctr"/>
+            <a:r>
+              <a:rPr lang="en-US" sz="2000"/>
+              <a:t>KESIMPULAN &amp; SARAN</a:t>
+            </a:r>
+            <a:endParaRPr lang="en-US" sz="2000" dirty="0">
+              <a:solidFill>
+                <a:schemeClr val="tx1"/>
+              </a:solidFill>
+              <a:latin typeface="Tahoma" panose="020B0604030504040204" pitchFamily="34" charset="0"/>
+            </a:endParaRPr>
+          </a:p>
+        </p:txBody>
+      </p:sp>
+    </p:spTree>
+    <p:extLst>
+      <p:ext uri="{BB962C8B-B14F-4D97-AF65-F5344CB8AC3E}">
+        <p14:creationId xmlns:p14="http://schemas.microsoft.com/office/powerpoint/2010/main" val="159343209"/>
+      </p:ext>
+    </p:extLst>
+  </p:cSld>
+  <p:clrMapOvr>
+    <a:masterClrMapping/>
+  </p:clrMapOvr>
+  <mc:AlternateContent xmlns:mc="http://schemas.openxmlformats.org/markup-compatibility/2006" xmlns:p14="http://schemas.microsoft.com/office/powerpoint/2010/main">
+    <mc:Choice Requires="p14">
+      <p:transition spd="med" p14:dur="700">
+        <p:fade/>
+      </p:transition>
+    </mc:Choice>
+    <mc:Fallback xmlns="">
+      <p:transition spd="med">
+        <p:fade/>
+      </p:transition>
+    </mc:Fallback>
+  </mc:AlternateContent>
+  <p:timing>
+    <p:tnLst>
+      <p:par>
+        <p:cTn id="1" dur="indefinite" restart="never" nodeType="tmRoot"/>
+      </p:par>
+    </p:tnLst>
+  </p:timing>
 </p:sld>
 </file>
 
@@ -17759,6 +19322,583 @@
       </p:par>
     </p:tnLst>
   </p:timing>
+</p:sld>
+</file>
+
+<file path=ppt/slides/slide20.xml><?xml version="1.0" encoding="utf-8"?>
+<p:sld xmlns:a="http://schemas.openxmlformats.org/drawingml/2006/main" xmlns:r="http://schemas.openxmlformats.org/officeDocument/2006/relationships" xmlns:p="http://schemas.openxmlformats.org/presentationml/2006/main">
+  <p:cSld>
+    <p:spTree>
+      <p:nvGrpSpPr>
+        <p:cNvPr id="1" name=""/>
+        <p:cNvGrpSpPr/>
+        <p:nvPr/>
+      </p:nvGrpSpPr>
+      <p:grpSpPr>
+        <a:xfrm>
+          <a:off x="0" y="0"/>
+          <a:ext cx="0" cy="0"/>
+          <a:chOff x="0" y="0"/>
+          <a:chExt cx="0" cy="0"/>
+        </a:xfrm>
+      </p:grpSpPr>
+      <p:sp>
+        <p:nvSpPr>
+          <p:cNvPr id="2" name="Content Placeholder 1"/>
+          <p:cNvSpPr>
+            <a:spLocks noGrp="1"/>
+          </p:cNvSpPr>
+          <p:nvPr>
+            <p:ph idx="1"/>
+          </p:nvPr>
+        </p:nvSpPr>
+        <p:spPr>
+          <a:xfrm>
+            <a:off x="538960" y="1825625"/>
+            <a:ext cx="10824736" cy="4351338"/>
+          </a:xfrm>
+        </p:spPr>
+        <p:txBody>
+          <a:bodyPr/>
+          <a:lstStyle/>
+          <a:p>
+            <a:pPr lvl="0"/>
+            <a:r>
+              <a:rPr lang="en-US" sz="2800"/>
+              <a:t>Data p</a:t>
+            </a:r>
+            <a:r>
+              <a:rPr lang="id-ID" sz="2800"/>
+              <a:t>roperti yang dimiliki oleh </a:t>
+            </a:r>
+            <a:r>
+              <a:rPr lang="id-ID" sz="2800" i="1"/>
+              <a:t>Family Relationship Ontology</a:t>
+            </a:r>
+            <a:r>
+              <a:rPr lang="id-ID" sz="2800"/>
+              <a:t> dapat digunakan pada domain tokoh sejarah Indonesia. </a:t>
+            </a:r>
+            <a:endParaRPr lang="en-US" sz="2800"/>
+          </a:p>
+          <a:p>
+            <a:pPr lvl="0"/>
+            <a:r>
+              <a:rPr lang="id-ID" sz="2800"/>
+              <a:t>Studi kasus visualisasi pohon keluarga tokoh sejarah Indonesia mampu dimodelkan dan digabungkan dengan model ontologi lokal dengan Apache Jena</a:t>
+            </a:r>
+            <a:r>
+              <a:rPr lang="en-US" sz="2800"/>
+              <a:t> serta bisa melakukan proses </a:t>
+            </a:r>
+            <a:r>
+              <a:rPr lang="en-US" sz="2800" i="1"/>
+              <a:t>reasoning </a:t>
+            </a:r>
+            <a:r>
+              <a:rPr lang="en-US" sz="2800"/>
+              <a:t>dengan Pellet Reasoner.</a:t>
+            </a:r>
+          </a:p>
+          <a:p>
+            <a:pPr lvl="0"/>
+            <a:r>
+              <a:rPr lang="en-US" sz="2800"/>
+              <a:t>Aplikasi untuk visualisasi pohon keluarga tokoh sejarah Indonesia dapat dikembangkan dengan l</a:t>
+            </a:r>
+            <a:r>
+              <a:rPr lang="id-ID" sz="2800"/>
+              <a:t>ibrary SPARQL Lib </a:t>
+            </a:r>
+            <a:r>
+              <a:rPr lang="en-US" sz="2800"/>
+              <a:t>yang </a:t>
+            </a:r>
+            <a:r>
+              <a:rPr lang="id-ID" sz="2800"/>
+              <a:t>mampu menghubungkan basis data Apache Jena Fuseki</a:t>
+            </a:r>
+            <a:r>
+              <a:rPr lang="en-US" sz="2800"/>
+              <a:t> dengan perangkat lunak yang </a:t>
+            </a:r>
+            <a:r>
+              <a:rPr lang="id-ID" sz="2800"/>
+              <a:t>menggunakan bahasa pemrograman PHP.</a:t>
+            </a:r>
+            <a:endParaRPr lang="en-US" sz="2800"/>
+          </a:p>
+          <a:p>
+            <a:pPr marL="457200" indent="-457200">
+              <a:buFont typeface="+mj-lt"/>
+              <a:buAutoNum type="arabicPeriod"/>
+            </a:pPr>
+            <a:endParaRPr lang="en-US" sz="2800"/>
+          </a:p>
+        </p:txBody>
+      </p:sp>
+      <p:sp>
+        <p:nvSpPr>
+          <p:cNvPr id="3" name="Slide Number Placeholder 2"/>
+          <p:cNvSpPr>
+            <a:spLocks noGrp="1"/>
+          </p:cNvSpPr>
+          <p:nvPr>
+            <p:ph type="sldNum" sz="quarter" idx="12"/>
+          </p:nvPr>
+        </p:nvSpPr>
+        <p:spPr/>
+        <p:txBody>
+          <a:bodyPr/>
+          <a:lstStyle/>
+          <a:p>
+            <a:fld id="{9EC71654-96A5-4280-94F3-931C61A9F92C}" type="slidenum">
+              <a:rPr lang="en-US" noProof="0" smtClean="0"/>
+              <a:pPr/>
+              <a:t>20</a:t>
+            </a:fld>
+            <a:endParaRPr lang="en-US" noProof="0" dirty="0"/>
+          </a:p>
+        </p:txBody>
+      </p:sp>
+      <p:sp>
+        <p:nvSpPr>
+          <p:cNvPr id="5" name="Title 4"/>
+          <p:cNvSpPr>
+            <a:spLocks noGrp="1"/>
+          </p:cNvSpPr>
+          <p:nvPr>
+            <p:ph type="title"/>
+          </p:nvPr>
+        </p:nvSpPr>
+        <p:spPr>
+          <a:xfrm>
+            <a:off x="515938" y="499595"/>
+            <a:ext cx="10057617" cy="1325563"/>
+          </a:xfrm>
+        </p:spPr>
+        <p:txBody>
+          <a:bodyPr/>
+          <a:lstStyle/>
+          <a:p>
+            <a:r>
+              <a:rPr lang="en-US" smtClean="0"/>
+              <a:t>Kesimpulan</a:t>
+            </a:r>
+            <a:endParaRPr lang="en-US"/>
+          </a:p>
+        </p:txBody>
+      </p:sp>
+    </p:spTree>
+    <p:extLst>
+      <p:ext uri="{BB962C8B-B14F-4D97-AF65-F5344CB8AC3E}">
+        <p14:creationId xmlns:p14="http://schemas.microsoft.com/office/powerpoint/2010/main" val="1457767700"/>
+      </p:ext>
+    </p:extLst>
+  </p:cSld>
+  <p:clrMapOvr>
+    <a:masterClrMapping/>
+  </p:clrMapOvr>
+</p:sld>
+</file>
+
+<file path=ppt/slides/slide21.xml><?xml version="1.0" encoding="utf-8"?>
+<p:sld xmlns:a="http://schemas.openxmlformats.org/drawingml/2006/main" xmlns:r="http://schemas.openxmlformats.org/officeDocument/2006/relationships" xmlns:p="http://schemas.openxmlformats.org/presentationml/2006/main">
+  <p:cSld>
+    <p:spTree>
+      <p:nvGrpSpPr>
+        <p:cNvPr id="1" name=""/>
+        <p:cNvGrpSpPr/>
+        <p:nvPr/>
+      </p:nvGrpSpPr>
+      <p:grpSpPr>
+        <a:xfrm>
+          <a:off x="0" y="0"/>
+          <a:ext cx="0" cy="0"/>
+          <a:chOff x="0" y="0"/>
+          <a:chExt cx="0" cy="0"/>
+        </a:xfrm>
+      </p:grpSpPr>
+      <p:sp>
+        <p:nvSpPr>
+          <p:cNvPr id="2" name="Content Placeholder 1"/>
+          <p:cNvSpPr>
+            <a:spLocks noGrp="1"/>
+          </p:cNvSpPr>
+          <p:nvPr>
+            <p:ph idx="1"/>
+          </p:nvPr>
+        </p:nvSpPr>
+        <p:spPr>
+          <a:xfrm>
+            <a:off x="538960" y="1825625"/>
+            <a:ext cx="10824736" cy="4351338"/>
+          </a:xfrm>
+        </p:spPr>
+        <p:txBody>
+          <a:bodyPr/>
+          <a:lstStyle/>
+          <a:p>
+            <a:pPr lvl="0"/>
+            <a:r>
+              <a:rPr lang="id-ID" sz="3200"/>
+              <a:t>Penggunaan perangkat uji coba dengan spesfikasi kapasitas memori yang lebih besar agar waktu yang dibutuhkan untuk proses </a:t>
+            </a:r>
+            <a:r>
+              <a:rPr lang="id-ID" sz="3200" i="1"/>
+              <a:t>export inferenced axiom</a:t>
+            </a:r>
+            <a:r>
+              <a:rPr lang="id-ID" sz="3200"/>
+              <a:t> lebih cepat</a:t>
+            </a:r>
+            <a:r>
+              <a:rPr lang="en-US" sz="3200"/>
+              <a:t>.</a:t>
+            </a:r>
+          </a:p>
+          <a:p>
+            <a:pPr lvl="0"/>
+            <a:r>
+              <a:rPr lang="en-US" sz="3200"/>
+              <a:t>Penambahan visualisasi generasi pendahulu dan penerus.</a:t>
+            </a:r>
+          </a:p>
+          <a:p>
+            <a:pPr lvl="0"/>
+            <a:r>
+              <a:rPr lang="en-US" sz="3200"/>
+              <a:t>Fitur penambahan data secara </a:t>
+            </a:r>
+            <a:r>
+              <a:rPr lang="en-US" sz="3200"/>
+              <a:t>dinamis</a:t>
+            </a:r>
+            <a:r>
+              <a:rPr lang="en-US" sz="3200" smtClean="0"/>
+              <a:t>.</a:t>
+            </a:r>
+            <a:endParaRPr lang="en-US" sz="3200"/>
+          </a:p>
+        </p:txBody>
+      </p:sp>
+      <p:sp>
+        <p:nvSpPr>
+          <p:cNvPr id="3" name="Slide Number Placeholder 2"/>
+          <p:cNvSpPr>
+            <a:spLocks noGrp="1"/>
+          </p:cNvSpPr>
+          <p:nvPr>
+            <p:ph type="sldNum" sz="quarter" idx="12"/>
+          </p:nvPr>
+        </p:nvSpPr>
+        <p:spPr/>
+        <p:txBody>
+          <a:bodyPr/>
+          <a:lstStyle/>
+          <a:p>
+            <a:fld id="{9EC71654-96A5-4280-94F3-931C61A9F92C}" type="slidenum">
+              <a:rPr lang="en-US" noProof="0" smtClean="0"/>
+              <a:pPr/>
+              <a:t>21</a:t>
+            </a:fld>
+            <a:endParaRPr lang="en-US" noProof="0" dirty="0"/>
+          </a:p>
+        </p:txBody>
+      </p:sp>
+      <p:sp>
+        <p:nvSpPr>
+          <p:cNvPr id="5" name="Title 4"/>
+          <p:cNvSpPr>
+            <a:spLocks noGrp="1"/>
+          </p:cNvSpPr>
+          <p:nvPr>
+            <p:ph type="title"/>
+          </p:nvPr>
+        </p:nvSpPr>
+        <p:spPr>
+          <a:xfrm>
+            <a:off x="515938" y="499595"/>
+            <a:ext cx="10057617" cy="1325563"/>
+          </a:xfrm>
+        </p:spPr>
+        <p:txBody>
+          <a:bodyPr/>
+          <a:lstStyle/>
+          <a:p>
+            <a:r>
+              <a:rPr lang="en-US" smtClean="0"/>
+              <a:t>saran</a:t>
+            </a:r>
+            <a:endParaRPr lang="en-US"/>
+          </a:p>
+        </p:txBody>
+      </p:sp>
+    </p:spTree>
+    <p:extLst>
+      <p:ext uri="{BB962C8B-B14F-4D97-AF65-F5344CB8AC3E}">
+        <p14:creationId xmlns:p14="http://schemas.microsoft.com/office/powerpoint/2010/main" val="122094142"/>
+      </p:ext>
+    </p:extLst>
+  </p:cSld>
+  <p:clrMapOvr>
+    <a:masterClrMapping/>
+  </p:clrMapOvr>
+</p:sld>
+</file>
+
+<file path=ppt/slides/slide22.xml><?xml version="1.0" encoding="utf-8"?>
+<p:sld xmlns:a="http://schemas.openxmlformats.org/drawingml/2006/main" xmlns:r="http://schemas.openxmlformats.org/officeDocument/2006/relationships" xmlns:p="http://schemas.openxmlformats.org/presentationml/2006/main">
+  <p:cSld>
+    <p:spTree>
+      <p:nvGrpSpPr>
+        <p:cNvPr id="1" name=""/>
+        <p:cNvGrpSpPr/>
+        <p:nvPr/>
+      </p:nvGrpSpPr>
+      <p:grpSpPr>
+        <a:xfrm>
+          <a:off x="0" y="0"/>
+          <a:ext cx="0" cy="0"/>
+          <a:chOff x="0" y="0"/>
+          <a:chExt cx="0" cy="0"/>
+        </a:xfrm>
+      </p:grpSpPr>
+      <p:sp>
+        <p:nvSpPr>
+          <p:cNvPr id="2" name="Title 1">
+            <a:extLst>
+              <a:ext uri="{FF2B5EF4-FFF2-40B4-BE49-F238E27FC236}">
+                <a16:creationId xmlns="" xmlns:a16="http://schemas.microsoft.com/office/drawing/2014/main" id="{FBAB08B8-3DB3-4637-AE23-B8DB96D9FCEC}"/>
+              </a:ext>
+            </a:extLst>
+          </p:cNvPr>
+          <p:cNvSpPr>
+            <a:spLocks noGrp="1"/>
+          </p:cNvSpPr>
+          <p:nvPr>
+            <p:ph type="ctrTitle"/>
+          </p:nvPr>
+        </p:nvSpPr>
+        <p:spPr>
+          <a:xfrm>
+            <a:off x="5189219" y="1602811"/>
+            <a:ext cx="5796460" cy="981048"/>
+          </a:xfrm>
+        </p:spPr>
+        <p:txBody>
+          <a:bodyPr/>
+          <a:lstStyle/>
+          <a:p>
+            <a:r>
+              <a:rPr lang="en-US" sz="6600" smtClean="0"/>
+              <a:t>TERIma kasih</a:t>
+            </a:r>
+            <a:endParaRPr lang="en-US" sz="6600">
+              <a:effectLst/>
+            </a:endParaRPr>
+          </a:p>
+        </p:txBody>
+      </p:sp>
+      <p:sp>
+        <p:nvSpPr>
+          <p:cNvPr id="4" name="Rectangle 3"/>
+          <p:cNvSpPr/>
+          <p:nvPr/>
+        </p:nvSpPr>
+        <p:spPr>
+          <a:xfrm>
+            <a:off x="9921240" y="320040"/>
+            <a:ext cx="2080260" cy="1120140"/>
+          </a:xfrm>
+          <a:prstGeom prst="rect">
+            <a:avLst/>
+          </a:prstGeom>
+          <a:ln>
+            <a:solidFill>
+              <a:srgbClr val="2C567A"/>
+            </a:solidFill>
+          </a:ln>
+        </p:spPr>
+        <p:style>
+          <a:lnRef idx="2">
+            <a:schemeClr val="accent1">
+              <a:shade val="50000"/>
+            </a:schemeClr>
+          </a:lnRef>
+          <a:fillRef idx="1">
+            <a:schemeClr val="accent1"/>
+          </a:fillRef>
+          <a:effectRef idx="0">
+            <a:schemeClr val="accent1"/>
+          </a:effectRef>
+          <a:fontRef idx="minor">
+            <a:schemeClr val="lt1"/>
+          </a:fontRef>
+        </p:style>
+        <p:txBody>
+          <a:bodyPr rtlCol="0" anchor="ctr"/>
+          <a:lstStyle/>
+          <a:p>
+            <a:pPr algn="ctr"/>
+            <a:endParaRPr lang="en-US"/>
+          </a:p>
+        </p:txBody>
+      </p:sp>
+      <p:sp>
+        <p:nvSpPr>
+          <p:cNvPr id="8" name="Rectangle 7"/>
+          <p:cNvSpPr/>
+          <p:nvPr/>
+        </p:nvSpPr>
+        <p:spPr>
+          <a:xfrm>
+            <a:off x="6050280" y="3715456"/>
+            <a:ext cx="3482340" cy="1120140"/>
+          </a:xfrm>
+          <a:prstGeom prst="rect">
+            <a:avLst/>
+          </a:prstGeom>
+          <a:ln>
+            <a:solidFill>
+              <a:srgbClr val="2C567A"/>
+            </a:solidFill>
+          </a:ln>
+        </p:spPr>
+        <p:style>
+          <a:lnRef idx="2">
+            <a:schemeClr val="accent1">
+              <a:shade val="50000"/>
+            </a:schemeClr>
+          </a:lnRef>
+          <a:fillRef idx="1">
+            <a:schemeClr val="accent1"/>
+          </a:fillRef>
+          <a:effectRef idx="0">
+            <a:schemeClr val="accent1"/>
+          </a:effectRef>
+          <a:fontRef idx="minor">
+            <a:schemeClr val="lt1"/>
+          </a:fontRef>
+        </p:style>
+        <p:txBody>
+          <a:bodyPr rtlCol="0" anchor="ctr"/>
+          <a:lstStyle/>
+          <a:p>
+            <a:pPr algn="ctr"/>
+            <a:endParaRPr lang="en-US"/>
+          </a:p>
+        </p:txBody>
+      </p:sp>
+      <p:pic>
+        <p:nvPicPr>
+          <p:cNvPr id="1026" name="Picture 2" descr="Image result for its logo"/>
+          <p:cNvPicPr>
+            <a:picLocks noChangeAspect="1" noChangeArrowheads="1"/>
+          </p:cNvPicPr>
+          <p:nvPr/>
+        </p:nvPicPr>
+        <p:blipFill>
+          <a:blip r:embed="rId3">
+            <a:extLst>
+              <a:ext uri="{28A0092B-C50C-407E-A947-70E740481C1C}">
+                <a14:useLocalDpi xmlns:a14="http://schemas.microsoft.com/office/drawing/2010/main" val="0"/>
+              </a:ext>
+            </a:extLst>
+          </a:blip>
+          <a:srcRect/>
+          <a:stretch>
+            <a:fillRect/>
+          </a:stretch>
+        </p:blipFill>
+        <p:spPr bwMode="auto">
+          <a:xfrm>
+            <a:off x="1207135" y="1602811"/>
+            <a:ext cx="3619500" cy="3619500"/>
+          </a:xfrm>
+          <a:prstGeom prst="rect">
+            <a:avLst/>
+          </a:prstGeom>
+          <a:noFill/>
+          <a:extLst>
+            <a:ext uri="{909E8E84-426E-40DD-AFC4-6F175D3DCCD1}">
+              <a14:hiddenFill xmlns:a14="http://schemas.microsoft.com/office/drawing/2010/main">
+                <a:solidFill>
+                  <a:srgbClr val="FFFFFF"/>
+                </a:solidFill>
+              </a14:hiddenFill>
+            </a:ext>
+          </a:extLst>
+        </p:spPr>
+      </p:pic>
+      <p:sp>
+        <p:nvSpPr>
+          <p:cNvPr id="7" name="TextBox 6"/>
+          <p:cNvSpPr txBox="1"/>
+          <p:nvPr/>
+        </p:nvSpPr>
+        <p:spPr>
+          <a:xfrm>
+            <a:off x="5189219" y="4025995"/>
+            <a:ext cx="5577841" cy="1015663"/>
+          </a:xfrm>
+          <a:prstGeom prst="rect">
+            <a:avLst/>
+          </a:prstGeom>
+          <a:noFill/>
+        </p:spPr>
+        <p:txBody>
+          <a:bodyPr wrap="square" rtlCol="0">
+            <a:spAutoFit/>
+          </a:bodyPr>
+          <a:lstStyle/>
+          <a:p>
+            <a:r>
+              <a:rPr lang="en-US" sz="2000" smtClean="0">
+                <a:solidFill>
+                  <a:schemeClr val="bg1"/>
+                </a:solidFill>
+              </a:rPr>
+              <a:t>Penyusun Tugas Akhir : </a:t>
+            </a:r>
+          </a:p>
+          <a:p>
+            <a:r>
+              <a:rPr lang="en-US" sz="2000" smtClean="0">
+                <a:solidFill>
+                  <a:schemeClr val="bg1"/>
+                </a:solidFill>
+              </a:rPr>
+              <a:t>Faiq</a:t>
+            </a:r>
+          </a:p>
+          <a:p>
+            <a:r>
+              <a:rPr lang="en-US" sz="2000" smtClean="0">
+                <a:solidFill>
+                  <a:schemeClr val="bg1"/>
+                </a:solidFill>
+              </a:rPr>
+              <a:t>05111540000007</a:t>
+            </a:r>
+            <a:endParaRPr lang="en-US" sz="2000">
+              <a:solidFill>
+                <a:schemeClr val="bg1"/>
+              </a:solidFill>
+            </a:endParaRPr>
+          </a:p>
+        </p:txBody>
+      </p:sp>
+    </p:spTree>
+    <p:extLst>
+      <p:ext uri="{BB962C8B-B14F-4D97-AF65-F5344CB8AC3E}">
+        <p14:creationId xmlns:p14="http://schemas.microsoft.com/office/powerpoint/2010/main" val="1321559533"/>
+      </p:ext>
+    </p:extLst>
+  </p:cSld>
+  <p:clrMapOvr>
+    <a:masterClrMapping/>
+  </p:clrMapOvr>
 </p:sld>
 </file>
 
@@ -18030,11 +20170,7 @@
             </a:pPr>
             <a:r>
               <a:rPr lang="en-US" sz="2800"/>
-              <a:t>Bagaimana menentukan data property yang nantinya dapat digunakan untuk mendefinisikan relasi dalam domain </a:t>
-            </a:r>
-            <a:r>
-              <a:rPr lang="en-US" sz="2800"/>
-              <a:t>tokoh </a:t>
+              <a:t>Bagaimana menentukan data property yang nantinya dapat digunakan untuk mendefinisikan relasi dalam domain tokoh </a:t>
             </a:r>
             <a:r>
               <a:rPr lang="en-US" sz="2800" smtClean="0"/>
@@ -18055,11 +20191,7 @@
             </a:pPr>
             <a:r>
               <a:rPr lang="en-US" sz="2800"/>
-              <a:t>Bagaimana memodelkan proses reasoning untuk melengkapi relasi tokoh sejarah pada </a:t>
-            </a:r>
-            <a:r>
-              <a:rPr lang="en-US" sz="2800"/>
-              <a:t>DBpedia</a:t>
+              <a:t>Bagaimana memodelkan proses reasoning untuk melengkapi relasi tokoh sejarah pada DBpedia</a:t>
             </a:r>
             <a:r>
               <a:rPr lang="en-US" sz="2800" smtClean="0"/>
@@ -18080,11 +20212,7 @@
             </a:pPr>
             <a:r>
               <a:rPr lang="en-US" sz="2800"/>
-              <a:t>Bagaimana membuat aplikasi untuk menampilkan visualisasi pohon keluarga </a:t>
-            </a:r>
-            <a:r>
-              <a:rPr lang="en-US" sz="2800"/>
-              <a:t>tokoh </a:t>
+              <a:t>Bagaimana membuat aplikasi untuk menampilkan visualisasi pohon keluarga tokoh </a:t>
             </a:r>
             <a:r>
               <a:rPr lang="en-US" sz="2800" smtClean="0"/>
@@ -18505,7 +20633,7 @@
       </p:grpSpPr>
       <p:sp>
         <p:nvSpPr>
-          <p:cNvPr id="2" name="Slide Number Placeholder 1"/>
+          <p:cNvPr id="3" name="Slide Number Placeholder 2"/>
           <p:cNvSpPr>
             <a:spLocks noGrp="1"/>
           </p:cNvSpPr>
@@ -18518,40 +20646,378 @@
           <a:bodyPr/>
           <a:lstStyle/>
           <a:p>
-            <a:fld id="{368854CF-9D4B-4816-9E54-74AD4D838B94}" type="slidenum">
-              <a:rPr lang="en-US" smtClean="0"/>
+            <a:fld id="{9EC71654-96A5-4280-94F3-931C61A9F92C}" type="slidenum">
+              <a:rPr lang="en-US" noProof="0" smtClean="0"/>
+              <a:pPr/>
               <a:t>6</a:t>
             </a:fld>
+            <a:endParaRPr lang="en-US" noProof="0" dirty="0"/>
+          </a:p>
+        </p:txBody>
+      </p:sp>
+      <p:sp>
+        <p:nvSpPr>
+          <p:cNvPr id="5" name="Title 4"/>
+          <p:cNvSpPr>
+            <a:spLocks noGrp="1"/>
+          </p:cNvSpPr>
+          <p:nvPr>
+            <p:ph type="title"/>
+          </p:nvPr>
+        </p:nvSpPr>
+        <p:spPr/>
+        <p:txBody>
+          <a:bodyPr/>
+          <a:lstStyle/>
+          <a:p>
+            <a:r>
+              <a:rPr lang="en-US" smtClean="0"/>
+              <a:t>Arsitektur sistem</a:t>
+            </a:r>
             <a:endParaRPr lang="en-US"/>
           </a:p>
         </p:txBody>
       </p:sp>
+      <p:pic>
+        <p:nvPicPr>
+          <p:cNvPr id="6" name="Picture 5" descr="C:\Users\ASUS\Pictures\arsitektur TA.JPG"/>
+          <p:cNvPicPr/>
+          <p:nvPr/>
+        </p:nvPicPr>
+        <p:blipFill>
+          <a:blip r:embed="rId2">
+            <a:extLst>
+              <a:ext uri="{28A0092B-C50C-407E-A947-70E740481C1C}">
+                <a14:useLocalDpi xmlns:a14="http://schemas.microsoft.com/office/drawing/2010/main" val="0"/>
+              </a:ext>
+            </a:extLst>
+          </a:blip>
+          <a:srcRect/>
+          <a:stretch>
+            <a:fillRect/>
+          </a:stretch>
+        </p:blipFill>
+        <p:spPr bwMode="auto">
+          <a:xfrm>
+            <a:off x="2142423" y="1375646"/>
+            <a:ext cx="8500056" cy="5267460"/>
+          </a:xfrm>
+          <a:prstGeom prst="rect">
+            <a:avLst/>
+          </a:prstGeom>
+          <a:noFill/>
+          <a:ln>
+            <a:noFill/>
+          </a:ln>
+        </p:spPr>
+      </p:pic>
     </p:spTree>
     <p:extLst>
       <p:ext uri="{BB962C8B-B14F-4D97-AF65-F5344CB8AC3E}">
-        <p14:creationId xmlns:p14="http://schemas.microsoft.com/office/powerpoint/2010/main" val="921724559"/>
+        <p14:creationId xmlns:p14="http://schemas.microsoft.com/office/powerpoint/2010/main" val="3025977456"/>
       </p:ext>
     </p:extLst>
   </p:cSld>
   <p:clrMapOvr>
     <a:masterClrMapping/>
   </p:clrMapOvr>
-  <mc:AlternateContent xmlns:mc="http://schemas.openxmlformats.org/markup-compatibility/2006" xmlns:p14="http://schemas.microsoft.com/office/powerpoint/2010/main">
-    <mc:Choice Requires="p14">
-      <p:transition spd="med" p14:dur="700">
-        <p:fade/>
-      </p:transition>
-    </mc:Choice>
-    <mc:Fallback xmlns="">
-      <p:transition spd="med">
-        <p:fade/>
-      </p:transition>
-    </mc:Fallback>
-  </mc:AlternateContent>
 </p:sld>
 </file>
 
 <file path=ppt/slides/slide7.xml><?xml version="1.0" encoding="utf-8"?>
+<p:sld xmlns:a="http://schemas.openxmlformats.org/drawingml/2006/main" xmlns:r="http://schemas.openxmlformats.org/officeDocument/2006/relationships" xmlns:p="http://schemas.openxmlformats.org/presentationml/2006/main">
+  <p:cSld>
+    <p:spTree>
+      <p:nvGrpSpPr>
+        <p:cNvPr id="1" name=""/>
+        <p:cNvGrpSpPr/>
+        <p:nvPr/>
+      </p:nvGrpSpPr>
+      <p:grpSpPr>
+        <a:xfrm>
+          <a:off x="0" y="0"/>
+          <a:ext cx="0" cy="0"/>
+          <a:chOff x="0" y="0"/>
+          <a:chExt cx="0" cy="0"/>
+        </a:xfrm>
+      </p:grpSpPr>
+      <p:sp>
+        <p:nvSpPr>
+          <p:cNvPr id="2" name="Content Placeholder 1"/>
+          <p:cNvSpPr>
+            <a:spLocks noGrp="1"/>
+          </p:cNvSpPr>
+          <p:nvPr>
+            <p:ph idx="1"/>
+          </p:nvPr>
+        </p:nvSpPr>
+        <p:spPr>
+          <a:xfrm>
+            <a:off x="538960" y="1825625"/>
+            <a:ext cx="9648229" cy="4351338"/>
+          </a:xfrm>
+        </p:spPr>
+        <p:txBody>
+          <a:bodyPr/>
+          <a:lstStyle/>
+          <a:p>
+            <a:pPr marL="457200" indent="-457200">
+              <a:buFont typeface="+mj-lt"/>
+              <a:buAutoNum type="arabicPeriod"/>
+            </a:pPr>
+            <a:r>
+              <a:rPr lang="en-US" sz="3200" smtClean="0"/>
+              <a:t>Mengunduh file RDF tokoh dari DBpedia</a:t>
+            </a:r>
+          </a:p>
+          <a:p>
+            <a:pPr marL="457200" indent="-457200">
+              <a:buFont typeface="+mj-lt"/>
+              <a:buAutoNum type="arabicPeriod"/>
+            </a:pPr>
+            <a:r>
+              <a:rPr lang="en-US" sz="3200" smtClean="0"/>
+              <a:t>Memodelkan file RDF tokoh</a:t>
+            </a:r>
+          </a:p>
+          <a:p>
+            <a:pPr marL="457200" indent="-457200">
+              <a:buFont typeface="+mj-lt"/>
+              <a:buAutoNum type="arabicPeriod"/>
+            </a:pPr>
+            <a:r>
+              <a:rPr lang="en-US" sz="3200" smtClean="0"/>
+              <a:t>Menggabungkan model tokoh dengan </a:t>
+            </a:r>
+            <a:r>
+              <a:rPr lang="en-US" sz="3200" i="1" smtClean="0"/>
+              <a:t>Family Relationship Ontology</a:t>
+            </a:r>
+            <a:endParaRPr lang="en-US" sz="3200" smtClean="0"/>
+          </a:p>
+          <a:p>
+            <a:pPr marL="457200" indent="-457200">
+              <a:buFont typeface="+mj-lt"/>
+              <a:buAutoNum type="arabicPeriod"/>
+            </a:pPr>
+            <a:r>
+              <a:rPr lang="en-US" sz="3200" smtClean="0"/>
+              <a:t>Melakukan proses reasoning</a:t>
+            </a:r>
+          </a:p>
+          <a:p>
+            <a:pPr marL="457200" indent="-457200">
+              <a:buFont typeface="+mj-lt"/>
+              <a:buAutoNum type="arabicPeriod"/>
+            </a:pPr>
+            <a:r>
+              <a:rPr lang="en-US" sz="3200" smtClean="0"/>
+              <a:t>Mencetak model hasil reasoning ke dalam format RDF</a:t>
+            </a:r>
+            <a:endParaRPr lang="en-US" sz="3200"/>
+          </a:p>
+        </p:txBody>
+      </p:sp>
+      <p:sp>
+        <p:nvSpPr>
+          <p:cNvPr id="3" name="Slide Number Placeholder 2"/>
+          <p:cNvSpPr>
+            <a:spLocks noGrp="1"/>
+          </p:cNvSpPr>
+          <p:nvPr>
+            <p:ph type="sldNum" sz="quarter" idx="12"/>
+          </p:nvPr>
+        </p:nvSpPr>
+        <p:spPr/>
+        <p:txBody>
+          <a:bodyPr/>
+          <a:lstStyle/>
+          <a:p>
+            <a:fld id="{9EC71654-96A5-4280-94F3-931C61A9F92C}" type="slidenum">
+              <a:rPr lang="en-US" noProof="0" smtClean="0"/>
+              <a:pPr/>
+              <a:t>7</a:t>
+            </a:fld>
+            <a:endParaRPr lang="en-US" noProof="0" dirty="0"/>
+          </a:p>
+        </p:txBody>
+      </p:sp>
+      <p:sp>
+        <p:nvSpPr>
+          <p:cNvPr id="5" name="Title 4"/>
+          <p:cNvSpPr>
+            <a:spLocks noGrp="1"/>
+          </p:cNvSpPr>
+          <p:nvPr>
+            <p:ph type="title"/>
+          </p:nvPr>
+        </p:nvSpPr>
+        <p:spPr>
+          <a:xfrm>
+            <a:off x="515938" y="499595"/>
+            <a:ext cx="10057617" cy="1325563"/>
+          </a:xfrm>
+        </p:spPr>
+        <p:txBody>
+          <a:bodyPr/>
+          <a:lstStyle/>
+          <a:p>
+            <a:r>
+              <a:rPr lang="en-US" smtClean="0"/>
+              <a:t>Implementasi program ekstraksi (java)</a:t>
+            </a:r>
+            <a:endParaRPr lang="en-US"/>
+          </a:p>
+        </p:txBody>
+      </p:sp>
+    </p:spTree>
+    <p:extLst>
+      <p:ext uri="{BB962C8B-B14F-4D97-AF65-F5344CB8AC3E}">
+        <p14:creationId xmlns:p14="http://schemas.microsoft.com/office/powerpoint/2010/main" val="1082125771"/>
+      </p:ext>
+    </p:extLst>
+  </p:cSld>
+  <p:clrMapOvr>
+    <a:masterClrMapping/>
+  </p:clrMapOvr>
+</p:sld>
+</file>
+
+<file path=ppt/slides/slide8.xml><?xml version="1.0" encoding="utf-8"?>
+<p:sld xmlns:a="http://schemas.openxmlformats.org/drawingml/2006/main" xmlns:r="http://schemas.openxmlformats.org/officeDocument/2006/relationships" xmlns:p="http://schemas.openxmlformats.org/presentationml/2006/main">
+  <p:cSld>
+    <p:spTree>
+      <p:nvGrpSpPr>
+        <p:cNvPr id="1" name=""/>
+        <p:cNvGrpSpPr/>
+        <p:nvPr/>
+      </p:nvGrpSpPr>
+      <p:grpSpPr>
+        <a:xfrm>
+          <a:off x="0" y="0"/>
+          <a:ext cx="0" cy="0"/>
+          <a:chOff x="0" y="0"/>
+          <a:chExt cx="0" cy="0"/>
+        </a:xfrm>
+      </p:grpSpPr>
+      <p:sp>
+        <p:nvSpPr>
+          <p:cNvPr id="2" name="Content Placeholder 1"/>
+          <p:cNvSpPr>
+            <a:spLocks noGrp="1"/>
+          </p:cNvSpPr>
+          <p:nvPr>
+            <p:ph idx="1"/>
+          </p:nvPr>
+        </p:nvSpPr>
+        <p:spPr>
+          <a:xfrm>
+            <a:off x="538960" y="1825625"/>
+            <a:ext cx="9648229" cy="4351338"/>
+          </a:xfrm>
+        </p:spPr>
+        <p:txBody>
+          <a:bodyPr/>
+          <a:lstStyle/>
+          <a:p>
+            <a:pPr marL="457200" indent="-457200">
+              <a:buFont typeface="+mj-lt"/>
+              <a:buAutoNum type="arabicPeriod"/>
+            </a:pPr>
+            <a:r>
+              <a:rPr lang="en-US" sz="3200" smtClean="0"/>
+              <a:t>Mengunggah data RDF hasil ke Apache Jena Fuseki</a:t>
+            </a:r>
+          </a:p>
+          <a:p>
+            <a:pPr marL="457200" indent="-457200">
+              <a:buFont typeface="+mj-lt"/>
+              <a:buAutoNum type="arabicPeriod"/>
+            </a:pPr>
+            <a:r>
+              <a:rPr lang="en-US" sz="3200" smtClean="0"/>
+              <a:t>SPARQL Query</a:t>
+            </a:r>
+          </a:p>
+          <a:p>
+            <a:pPr marL="457200" indent="-457200">
+              <a:buFont typeface="+mj-lt"/>
+              <a:buAutoNum type="arabicPeriod"/>
+            </a:pPr>
+            <a:r>
+              <a:rPr lang="en-US" sz="3200" smtClean="0"/>
+              <a:t>Visualisasi struktur pohon keluarga</a:t>
+            </a:r>
+            <a:endParaRPr lang="en-US" sz="3200"/>
+          </a:p>
+        </p:txBody>
+      </p:sp>
+      <p:sp>
+        <p:nvSpPr>
+          <p:cNvPr id="3" name="Slide Number Placeholder 2"/>
+          <p:cNvSpPr>
+            <a:spLocks noGrp="1"/>
+          </p:cNvSpPr>
+          <p:nvPr>
+            <p:ph type="sldNum" sz="quarter" idx="12"/>
+          </p:nvPr>
+        </p:nvSpPr>
+        <p:spPr/>
+        <p:txBody>
+          <a:bodyPr/>
+          <a:lstStyle/>
+          <a:p>
+            <a:fld id="{9EC71654-96A5-4280-94F3-931C61A9F92C}" type="slidenum">
+              <a:rPr lang="en-US" noProof="0" smtClean="0"/>
+              <a:pPr/>
+              <a:t>8</a:t>
+            </a:fld>
+            <a:endParaRPr lang="en-US" noProof="0" dirty="0"/>
+          </a:p>
+        </p:txBody>
+      </p:sp>
+      <p:sp>
+        <p:nvSpPr>
+          <p:cNvPr id="5" name="Title 4"/>
+          <p:cNvSpPr>
+            <a:spLocks noGrp="1"/>
+          </p:cNvSpPr>
+          <p:nvPr>
+            <p:ph type="title"/>
+          </p:nvPr>
+        </p:nvSpPr>
+        <p:spPr>
+          <a:xfrm>
+            <a:off x="515938" y="499595"/>
+            <a:ext cx="10057617" cy="1325563"/>
+          </a:xfrm>
+        </p:spPr>
+        <p:txBody>
+          <a:bodyPr/>
+          <a:lstStyle/>
+          <a:p>
+            <a:r>
+              <a:rPr lang="en-US" smtClean="0"/>
+              <a:t>Implementasi program visualisasi (php)</a:t>
+            </a:r>
+            <a:endParaRPr lang="en-US"/>
+          </a:p>
+        </p:txBody>
+      </p:sp>
+    </p:spTree>
+    <p:extLst>
+      <p:ext uri="{BB962C8B-B14F-4D97-AF65-F5344CB8AC3E}">
+        <p14:creationId xmlns:p14="http://schemas.microsoft.com/office/powerpoint/2010/main" val="415446391"/>
+      </p:ext>
+    </p:extLst>
+  </p:cSld>
+  <p:clrMapOvr>
+    <a:masterClrMapping/>
+  </p:clrMapOvr>
+</p:sld>
+</file>
+
+<file path=ppt/slides/slide9.xml><?xml version="1.0" encoding="utf-8"?>
 <p:sld xmlns:a="http://schemas.openxmlformats.org/drawingml/2006/main" xmlns:r="http://schemas.openxmlformats.org/officeDocument/2006/relationships" xmlns:p="http://schemas.openxmlformats.org/presentationml/2006/main">
   <p:cSld>
     <p:spTree>
@@ -18881,539 +21347,6 @@
       </p:par>
     </p:tnLst>
   </p:timing>
-</p:sld>
-</file>
-
-<file path=ppt/slides/slide8.xml><?xml version="1.0" encoding="utf-8"?>
-<p:sld xmlns:a="http://schemas.openxmlformats.org/drawingml/2006/main" xmlns:r="http://schemas.openxmlformats.org/officeDocument/2006/relationships" xmlns:p="http://schemas.openxmlformats.org/presentationml/2006/main">
-  <p:cSld>
-    <p:spTree>
-      <p:nvGrpSpPr>
-        <p:cNvPr id="1" name=""/>
-        <p:cNvGrpSpPr/>
-        <p:nvPr/>
-      </p:nvGrpSpPr>
-      <p:grpSpPr>
-        <a:xfrm>
-          <a:off x="0" y="0"/>
-          <a:ext cx="0" cy="0"/>
-          <a:chOff x="0" y="0"/>
-          <a:chExt cx="0" cy="0"/>
-        </a:xfrm>
-      </p:grpSpPr>
-      <p:sp>
-        <p:nvSpPr>
-          <p:cNvPr id="6" name="Footer Placeholder 5"/>
-          <p:cNvSpPr>
-            <a:spLocks noGrp="1"/>
-          </p:cNvSpPr>
-          <p:nvPr>
-            <p:ph type="ftr" sz="quarter" idx="11"/>
-          </p:nvPr>
-        </p:nvSpPr>
-        <p:spPr/>
-        <p:txBody>
-          <a:bodyPr/>
-          <a:lstStyle/>
-          <a:p>
-            <a:r>
-              <a:rPr lang="en-US" smtClean="0"/>
-              <a:t>TUGAS AKHIR – KI141502</a:t>
-            </a:r>
-            <a:endParaRPr lang="en-US"/>
-          </a:p>
-        </p:txBody>
-      </p:sp>
-      <p:sp>
-        <p:nvSpPr>
-          <p:cNvPr id="8" name="Rectangle 7"/>
-          <p:cNvSpPr/>
-          <p:nvPr/>
-        </p:nvSpPr>
-        <p:spPr bwMode="auto">
-          <a:xfrm>
-            <a:off x="4267201" y="1828800"/>
-            <a:ext cx="3657599" cy="609600"/>
-          </a:xfrm>
-          <a:prstGeom prst="rect">
-            <a:avLst/>
-          </a:prstGeom>
-          <a:solidFill>
-            <a:schemeClr val="accent3">
-              <a:lumMod val="50000"/>
-            </a:schemeClr>
-          </a:solidFill>
-          <a:ln>
-            <a:noFill/>
-            <a:headEnd type="none" w="med" len="med"/>
-            <a:tailEnd type="none" w="med" len="med"/>
-          </a:ln>
-          <a:extLst/>
-        </p:spPr>
-        <p:style>
-          <a:lnRef idx="0">
-            <a:schemeClr val="accent6"/>
-          </a:lnRef>
-          <a:fillRef idx="3">
-            <a:schemeClr val="accent6"/>
-          </a:fillRef>
-          <a:effectRef idx="3">
-            <a:schemeClr val="accent6"/>
-          </a:effectRef>
-          <a:fontRef idx="minor">
-            <a:schemeClr val="lt1"/>
-          </a:fontRef>
-        </p:style>
-        <p:txBody>
-          <a:bodyPr vert="horz" wrap="none" lIns="91440" tIns="45720" rIns="91440" bIns="45720" numCol="1" rtlCol="0" anchor="ctr" anchorCtr="0" compatLnSpc="1">
-            <a:prstTxWarp prst="textNoShape">
-              <a:avLst/>
-            </a:prstTxWarp>
-          </a:bodyPr>
-          <a:lstStyle/>
-          <a:p>
-            <a:pPr algn="ctr" fontAlgn="base">
-              <a:spcBef>
-                <a:spcPct val="0"/>
-              </a:spcBef>
-              <a:spcAft>
-                <a:spcPct val="0"/>
-              </a:spcAft>
-            </a:pPr>
-            <a:r>
-              <a:rPr lang="en-US" sz="2000"/>
-              <a:t>PENDAHULUAN</a:t>
-            </a:r>
-            <a:endParaRPr lang="en-US" sz="2000" dirty="0">
-              <a:solidFill>
-                <a:schemeClr val="tx1"/>
-              </a:solidFill>
-              <a:latin typeface="Tahoma" panose="020B0604030504040204" pitchFamily="34" charset="0"/>
-            </a:endParaRPr>
-          </a:p>
-        </p:txBody>
-      </p:sp>
-      <p:sp>
-        <p:nvSpPr>
-          <p:cNvPr id="9" name="Rectangle 8"/>
-          <p:cNvSpPr/>
-          <p:nvPr/>
-        </p:nvSpPr>
-        <p:spPr bwMode="auto">
-          <a:xfrm>
-            <a:off x="4267200" y="2730455"/>
-            <a:ext cx="3657600" cy="612648"/>
-          </a:xfrm>
-          <a:prstGeom prst="rect">
-            <a:avLst/>
-          </a:prstGeom>
-          <a:solidFill>
-            <a:schemeClr val="accent3">
-              <a:lumMod val="50000"/>
-            </a:schemeClr>
-          </a:solidFill>
-          <a:ln>
-            <a:noFill/>
-            <a:headEnd type="none" w="med" len="med"/>
-            <a:tailEnd type="none" w="med" len="med"/>
-          </a:ln>
-          <a:extLst/>
-        </p:spPr>
-        <p:style>
-          <a:lnRef idx="1">
-            <a:schemeClr val="accent4"/>
-          </a:lnRef>
-          <a:fillRef idx="3">
-            <a:schemeClr val="accent4"/>
-          </a:fillRef>
-          <a:effectRef idx="2">
-            <a:schemeClr val="accent4"/>
-          </a:effectRef>
-          <a:fontRef idx="minor">
-            <a:schemeClr val="lt1"/>
-          </a:fontRef>
-        </p:style>
-        <p:txBody>
-          <a:bodyPr vert="horz" wrap="none" lIns="91440" tIns="45720" rIns="91440" bIns="45720" numCol="1" rtlCol="0" anchor="ctr" anchorCtr="0" compatLnSpc="1">
-            <a:prstTxWarp prst="textNoShape">
-              <a:avLst/>
-            </a:prstTxWarp>
-          </a:bodyPr>
-          <a:lstStyle/>
-          <a:p>
-            <a:pPr algn="ctr" fontAlgn="base">
-              <a:spcBef>
-                <a:spcPct val="0"/>
-              </a:spcBef>
-              <a:spcAft>
-                <a:spcPct val="0"/>
-              </a:spcAft>
-            </a:pPr>
-            <a:r>
-              <a:rPr lang="id-ID" sz="2000" dirty="0"/>
-              <a:t>PE</a:t>
-            </a:r>
-            <a:r>
-              <a:rPr lang="en-US" sz="2000" dirty="0"/>
-              <a:t>RANCANGAN &amp; IMPLEMENTASI</a:t>
-            </a:r>
-            <a:endParaRPr lang="en-US" sz="2000" dirty="0">
-              <a:solidFill>
-                <a:schemeClr val="tx1"/>
-              </a:solidFill>
-              <a:latin typeface="Tahoma" panose="020B0604030504040204" pitchFamily="34" charset="0"/>
-            </a:endParaRPr>
-          </a:p>
-        </p:txBody>
-      </p:sp>
-      <p:sp>
-        <p:nvSpPr>
-          <p:cNvPr id="10" name="Rectangle 9"/>
-          <p:cNvSpPr/>
-          <p:nvPr/>
-        </p:nvSpPr>
-        <p:spPr bwMode="auto">
-          <a:xfrm>
-            <a:off x="4267201" y="3644855"/>
-            <a:ext cx="3657598" cy="612648"/>
-          </a:xfrm>
-          <a:prstGeom prst="rect">
-            <a:avLst/>
-          </a:prstGeom>
-          <a:solidFill>
-            <a:schemeClr val="accent3">
-              <a:lumMod val="50000"/>
-            </a:schemeClr>
-          </a:solidFill>
-          <a:ln>
-            <a:noFill/>
-            <a:headEnd type="none" w="med" len="med"/>
-            <a:tailEnd type="none" w="med" len="med"/>
-          </a:ln>
-          <a:extLst/>
-        </p:spPr>
-        <p:style>
-          <a:lnRef idx="1">
-            <a:schemeClr val="accent4"/>
-          </a:lnRef>
-          <a:fillRef idx="3">
-            <a:schemeClr val="accent4"/>
-          </a:fillRef>
-          <a:effectRef idx="2">
-            <a:schemeClr val="accent4"/>
-          </a:effectRef>
-          <a:fontRef idx="minor">
-            <a:schemeClr val="lt1"/>
-          </a:fontRef>
-        </p:style>
-        <p:txBody>
-          <a:bodyPr vert="horz" wrap="none" lIns="91440" tIns="45720" rIns="91440" bIns="45720" numCol="1" rtlCol="0" anchor="ctr" anchorCtr="0" compatLnSpc="1">
-            <a:prstTxWarp prst="textNoShape">
-              <a:avLst/>
-            </a:prstTxWarp>
-          </a:bodyPr>
-          <a:lstStyle/>
-          <a:p>
-            <a:pPr algn="ctr"/>
-            <a:r>
-              <a:rPr lang="id-ID" sz="2000" dirty="0"/>
-              <a:t>UJI COBA</a:t>
-            </a:r>
-            <a:endParaRPr lang="en-US" sz="2000" dirty="0">
-              <a:solidFill>
-                <a:schemeClr val="tx1"/>
-              </a:solidFill>
-              <a:latin typeface="Tahoma" panose="020B0604030504040204" pitchFamily="34" charset="0"/>
-            </a:endParaRPr>
-          </a:p>
-        </p:txBody>
-      </p:sp>
-      <p:sp>
-        <p:nvSpPr>
-          <p:cNvPr id="11" name="Rectangle 10"/>
-          <p:cNvSpPr/>
-          <p:nvPr/>
-        </p:nvSpPr>
-        <p:spPr bwMode="auto">
-          <a:xfrm>
-            <a:off x="4267201" y="4572000"/>
-            <a:ext cx="3657598" cy="612648"/>
-          </a:xfrm>
-          <a:prstGeom prst="rect">
-            <a:avLst/>
-          </a:prstGeom>
-          <a:solidFill>
-            <a:schemeClr val="accent1">
-              <a:lumMod val="75000"/>
-            </a:schemeClr>
-          </a:solidFill>
-          <a:ln>
-            <a:noFill/>
-            <a:headEnd type="none" w="med" len="med"/>
-            <a:tailEnd type="none" w="med" len="med"/>
-          </a:ln>
-          <a:extLst/>
-        </p:spPr>
-        <p:style>
-          <a:lnRef idx="1">
-            <a:schemeClr val="accent4"/>
-          </a:lnRef>
-          <a:fillRef idx="3">
-            <a:schemeClr val="accent4"/>
-          </a:fillRef>
-          <a:effectRef idx="2">
-            <a:schemeClr val="accent4"/>
-          </a:effectRef>
-          <a:fontRef idx="minor">
-            <a:schemeClr val="lt1"/>
-          </a:fontRef>
-        </p:style>
-        <p:txBody>
-          <a:bodyPr vert="horz" wrap="none" lIns="91440" tIns="45720" rIns="91440" bIns="45720" numCol="1" rtlCol="0" anchor="ctr" anchorCtr="0" compatLnSpc="1">
-            <a:prstTxWarp prst="textNoShape">
-              <a:avLst/>
-            </a:prstTxWarp>
-          </a:bodyPr>
-          <a:lstStyle/>
-          <a:p>
-            <a:pPr algn="ctr"/>
-            <a:r>
-              <a:rPr lang="en-US" sz="2000"/>
-              <a:t>KESIMPULAN &amp; SARAN</a:t>
-            </a:r>
-            <a:endParaRPr lang="en-US" sz="2000" dirty="0">
-              <a:solidFill>
-                <a:schemeClr val="tx1"/>
-              </a:solidFill>
-              <a:latin typeface="Tahoma" panose="020B0604030504040204" pitchFamily="34" charset="0"/>
-            </a:endParaRPr>
-          </a:p>
-        </p:txBody>
-      </p:sp>
-    </p:spTree>
-    <p:extLst>
-      <p:ext uri="{BB962C8B-B14F-4D97-AF65-F5344CB8AC3E}">
-        <p14:creationId xmlns:p14="http://schemas.microsoft.com/office/powerpoint/2010/main" val="159343209"/>
-      </p:ext>
-    </p:extLst>
-  </p:cSld>
-  <p:clrMapOvr>
-    <a:masterClrMapping/>
-  </p:clrMapOvr>
-  <mc:AlternateContent xmlns:mc="http://schemas.openxmlformats.org/markup-compatibility/2006" xmlns:p14="http://schemas.microsoft.com/office/powerpoint/2010/main">
-    <mc:Choice Requires="p14">
-      <p:transition spd="med" p14:dur="700">
-        <p:fade/>
-      </p:transition>
-    </mc:Choice>
-    <mc:Fallback xmlns="">
-      <p:transition spd="med">
-        <p:fade/>
-      </p:transition>
-    </mc:Fallback>
-  </mc:AlternateContent>
-  <p:timing>
-    <p:tnLst>
-      <p:par>
-        <p:cTn id="1" dur="indefinite" restart="never" nodeType="tmRoot"/>
-      </p:par>
-    </p:tnLst>
-  </p:timing>
-</p:sld>
-</file>
-
-<file path=ppt/slides/slide9.xml><?xml version="1.0" encoding="utf-8"?>
-<p:sld xmlns:a="http://schemas.openxmlformats.org/drawingml/2006/main" xmlns:r="http://schemas.openxmlformats.org/officeDocument/2006/relationships" xmlns:p="http://schemas.openxmlformats.org/presentationml/2006/main">
-  <p:cSld>
-    <p:spTree>
-      <p:nvGrpSpPr>
-        <p:cNvPr id="1" name=""/>
-        <p:cNvGrpSpPr/>
-        <p:nvPr/>
-      </p:nvGrpSpPr>
-      <p:grpSpPr>
-        <a:xfrm>
-          <a:off x="0" y="0"/>
-          <a:ext cx="0" cy="0"/>
-          <a:chOff x="0" y="0"/>
-          <a:chExt cx="0" cy="0"/>
-        </a:xfrm>
-      </p:grpSpPr>
-      <p:sp>
-        <p:nvSpPr>
-          <p:cNvPr id="2" name="Title 1">
-            <a:extLst>
-              <a:ext uri="{FF2B5EF4-FFF2-40B4-BE49-F238E27FC236}">
-                <a16:creationId xmlns:a16="http://schemas.microsoft.com/office/drawing/2014/main" xmlns="" id="{6C64C2A7-EC84-4D8C-9CA2-F6AE46F51FB6}"/>
-              </a:ext>
-            </a:extLst>
-          </p:cNvPr>
-          <p:cNvSpPr>
-            <a:spLocks noGrp="1"/>
-          </p:cNvSpPr>
-          <p:nvPr>
-            <p:ph type="title"/>
-          </p:nvPr>
-        </p:nvSpPr>
-        <p:spPr>
-          <a:xfrm>
-            <a:off x="910872" y="4365615"/>
-            <a:ext cx="10515600" cy="940181"/>
-          </a:xfrm>
-        </p:spPr>
-        <p:txBody>
-          <a:bodyPr/>
-          <a:lstStyle/>
-          <a:p>
-            <a:r>
-              <a:rPr lang="en-US" smtClean="0"/>
-              <a:t>TERIMA KASIH</a:t>
-            </a:r>
-            <a:endParaRPr lang="en-US" dirty="0"/>
-          </a:p>
-        </p:txBody>
-      </p:sp>
-      <p:sp>
-        <p:nvSpPr>
-          <p:cNvPr id="6" name="Rectangle 5"/>
-          <p:cNvSpPr/>
-          <p:nvPr/>
-        </p:nvSpPr>
-        <p:spPr>
-          <a:xfrm>
-            <a:off x="228600" y="5522966"/>
-            <a:ext cx="2080260" cy="1120140"/>
-          </a:xfrm>
-          <a:prstGeom prst="rect">
-            <a:avLst/>
-          </a:prstGeom>
-          <a:ln>
-            <a:solidFill>
-              <a:srgbClr val="2C567A"/>
-            </a:solidFill>
-          </a:ln>
-        </p:spPr>
-        <p:style>
-          <a:lnRef idx="2">
-            <a:schemeClr val="accent1">
-              <a:shade val="50000"/>
-            </a:schemeClr>
-          </a:lnRef>
-          <a:fillRef idx="1">
-            <a:schemeClr val="accent1"/>
-          </a:fillRef>
-          <a:effectRef idx="0">
-            <a:schemeClr val="accent1"/>
-          </a:effectRef>
-          <a:fontRef idx="minor">
-            <a:schemeClr val="lt1"/>
-          </a:fontRef>
-        </p:style>
-        <p:txBody>
-          <a:bodyPr rtlCol="0" anchor="ctr"/>
-          <a:lstStyle/>
-          <a:p>
-            <a:pPr algn="ctr"/>
-            <a:endParaRPr lang="en-US"/>
-          </a:p>
-        </p:txBody>
-      </p:sp>
-      <p:sp>
-        <p:nvSpPr>
-          <p:cNvPr id="7" name="Rectangle 6"/>
-          <p:cNvSpPr/>
-          <p:nvPr/>
-        </p:nvSpPr>
-        <p:spPr>
-          <a:xfrm>
-            <a:off x="10028483" y="5737860"/>
-            <a:ext cx="2080260" cy="1120140"/>
-          </a:xfrm>
-          <a:prstGeom prst="rect">
-            <a:avLst/>
-          </a:prstGeom>
-          <a:ln>
-            <a:solidFill>
-              <a:srgbClr val="2C567A"/>
-            </a:solidFill>
-          </a:ln>
-        </p:spPr>
-        <p:style>
-          <a:lnRef idx="2">
-            <a:schemeClr val="accent1">
-              <a:shade val="50000"/>
-            </a:schemeClr>
-          </a:lnRef>
-          <a:fillRef idx="1">
-            <a:schemeClr val="accent1"/>
-          </a:fillRef>
-          <a:effectRef idx="0">
-            <a:schemeClr val="accent1"/>
-          </a:effectRef>
-          <a:fontRef idx="minor">
-            <a:schemeClr val="lt1"/>
-          </a:fontRef>
-        </p:style>
-        <p:txBody>
-          <a:bodyPr rtlCol="0" anchor="ctr"/>
-          <a:lstStyle/>
-          <a:p>
-            <a:pPr algn="ctr"/>
-            <a:endParaRPr lang="en-US"/>
-          </a:p>
-        </p:txBody>
-      </p:sp>
-      <p:pic>
-        <p:nvPicPr>
-          <p:cNvPr id="15" name="Picture 2" descr="Image result for its logo"/>
-          <p:cNvPicPr>
-            <a:picLocks noChangeAspect="1" noChangeArrowheads="1"/>
-          </p:cNvPicPr>
-          <p:nvPr/>
-        </p:nvPicPr>
-        <p:blipFill>
-          <a:blip r:embed="rId3">
-            <a:extLst>
-              <a:ext uri="{28A0092B-C50C-407E-A947-70E740481C1C}">
-                <a14:useLocalDpi xmlns:a14="http://schemas.microsoft.com/office/drawing/2010/main" val="0"/>
-              </a:ext>
-            </a:extLst>
-          </a:blip>
-          <a:srcRect/>
-          <a:stretch>
-            <a:fillRect/>
-          </a:stretch>
-        </p:blipFill>
-        <p:spPr bwMode="auto">
-          <a:xfrm>
-            <a:off x="4358922" y="472440"/>
-            <a:ext cx="3619500" cy="3619500"/>
-          </a:xfrm>
-          <a:prstGeom prst="rect">
-            <a:avLst/>
-          </a:prstGeom>
-          <a:noFill/>
-          <a:extLst>
-            <a:ext uri="{909E8E84-426E-40DD-AFC4-6F175D3DCCD1}">
-              <a14:hiddenFill xmlns:a14="http://schemas.microsoft.com/office/drawing/2010/main">
-                <a:solidFill>
-                  <a:srgbClr val="FFFFFF"/>
-                </a:solidFill>
-              </a14:hiddenFill>
-            </a:ext>
-          </a:extLst>
-        </p:spPr>
-      </p:pic>
-    </p:spTree>
-    <p:extLst>
-      <p:ext uri="{BB962C8B-B14F-4D97-AF65-F5344CB8AC3E}">
-        <p14:creationId xmlns:p14="http://schemas.microsoft.com/office/powerpoint/2010/main" val="3187533055"/>
-      </p:ext>
-    </p:extLst>
-  </p:cSld>
-  <p:clrMapOvr>
-    <a:masterClrMapping/>
-  </p:clrMapOvr>
 </p:sld>
 </file>
 
@@ -20217,15 +22150,6 @@
 </file>
 
 <file path=customXml/item2.xml><?xml version="1.0" encoding="utf-8"?>
-<?mso-contentType ?>
-<FormTemplates xmlns="http://schemas.microsoft.com/sharepoint/v3/contenttype/forms">
-  <Display>DocumentLibraryForm</Display>
-  <Edit>DocumentLibraryForm</Edit>
-  <New>DocumentLibraryForm</New>
-</FormTemplates>
-</file>
-
-<file path=customXml/item3.xml><?xml version="1.0" encoding="utf-8"?>
 <ct:contentTypeSchema xmlns:ct="http://schemas.microsoft.com/office/2006/metadata/contentType" xmlns:ma="http://schemas.microsoft.com/office/2006/metadata/properties/metaAttributes" ct:_="" ma:_="" ma:contentTypeName="Document" ma:contentTypeID="0x01010079F111ED35F8CC479449609E8A0923A6" ma:contentTypeVersion="11" ma:contentTypeDescription="Create a new document." ma:contentTypeScope="" ma:versionID="9677210f24a1be23c92c90fd886aa0aa">
   <xsd:schema xmlns:xsd="http://www.w3.org/2001/XMLSchema" xmlns:xs="http://www.w3.org/2001/XMLSchema" xmlns:p="http://schemas.microsoft.com/office/2006/metadata/properties" xmlns:ns2="71af3243-3dd4-4a8d-8c0d-dd76da1f02a5" xmlns:ns3="16c05727-aa75-4e4a-9b5f-8a80a1165891" targetNamespace="http://schemas.microsoft.com/office/2006/metadata/properties" ma:root="true" ma:fieldsID="60e05723c5c1908df1a1a4ebf11d344e" ns2:_="" ns3:_="">
     <xsd:import namespace="71af3243-3dd4-4a8d-8c0d-dd76da1f02a5"/>
@@ -20436,6 +22360,15 @@
 </ct:contentTypeSchema>
 </file>
 
+<file path=customXml/item3.xml><?xml version="1.0" encoding="utf-8"?>
+<?mso-contentType ?>
+<FormTemplates xmlns="http://schemas.microsoft.com/sharepoint/v3/contenttype/forms">
+  <Display>DocumentLibraryForm</Display>
+  <Edit>DocumentLibraryForm</Edit>
+  <New>DocumentLibraryForm</New>
+</FormTemplates>
+</file>
+
 <file path=customXml/itemProps1.xml><?xml version="1.0" encoding="utf-8"?>
 <ds:datastoreItem xmlns:ds="http://schemas.openxmlformats.org/officeDocument/2006/customXml" ds:itemID="{CEA9B47F-3DD8-4645-81DC-B88780643C07}">
   <ds:schemaRefs>
@@ -20454,14 +22387,6 @@
 </file>
 
 <file path=customXml/itemProps2.xml><?xml version="1.0" encoding="utf-8"?>
-<ds:datastoreItem xmlns:ds="http://schemas.openxmlformats.org/officeDocument/2006/customXml" ds:itemID="{B0C07E3D-60A7-4F4E-8208-D9CCD01982CB}">
-  <ds:schemaRefs>
-    <ds:schemaRef ds:uri="http://schemas.microsoft.com/sharepoint/v3/contenttype/forms"/>
-  </ds:schemaRefs>
-</ds:datastoreItem>
-</file>
-
-<file path=customXml/itemProps3.xml><?xml version="1.0" encoding="utf-8"?>
 <ds:datastoreItem xmlns:ds="http://schemas.openxmlformats.org/officeDocument/2006/customXml" ds:itemID="{631071E6-22AE-499A-B09C-BF21CF5F7483}">
   <ds:schemaRefs>
     <ds:schemaRef ds:uri="http://schemas.microsoft.com/office/2006/metadata/contentType"/>
@@ -20478,4 +22403,12 @@
     <ds:schemaRef ds:uri="http://schemas.microsoft.com/internal/obd"/>
   </ds:schemaRefs>
 </ds:datastoreItem>
+</file>
+
+<file path=customXml/itemProps3.xml><?xml version="1.0" encoding="utf-8"?>
+<ds:datastoreItem xmlns:ds="http://schemas.openxmlformats.org/officeDocument/2006/customXml" ds:itemID="{B0C07E3D-60A7-4F4E-8208-D9CCD01982CB}">
+  <ds:schemaRefs>
+    <ds:schemaRef ds:uri="http://schemas.microsoft.com/sharepoint/v3/contenttype/forms"/>
+  </ds:schemaRefs>
+</ds:datastoreItem>
 </file>
--- a/05111540000007-Faiq-Presentasi.pptx
+++ b/05111540000007-Faiq-Presentasi.pptx
@@ -5,34 +5,38 @@
     <p:sldMasterId id="2147483648" r:id="rId4"/>
   </p:sldMasterIdLst>
   <p:notesMasterIdLst>
-    <p:notesMasterId r:id="rId27"/>
+    <p:notesMasterId r:id="rId31"/>
   </p:notesMasterIdLst>
   <p:handoutMasterIdLst>
-    <p:handoutMasterId r:id="rId28"/>
+    <p:handoutMasterId r:id="rId32"/>
   </p:handoutMasterIdLst>
   <p:sldIdLst>
     <p:sldId id="258" r:id="rId5"/>
     <p:sldId id="277" r:id="rId6"/>
     <p:sldId id="282" r:id="rId7"/>
     <p:sldId id="283" r:id="rId8"/>
-    <p:sldId id="281" r:id="rId9"/>
-    <p:sldId id="284" r:id="rId10"/>
-    <p:sldId id="285" r:id="rId11"/>
-    <p:sldId id="286" r:id="rId12"/>
-    <p:sldId id="279" r:id="rId13"/>
-    <p:sldId id="288" r:id="rId14"/>
-    <p:sldId id="289" r:id="rId15"/>
-    <p:sldId id="290" r:id="rId16"/>
-    <p:sldId id="291" r:id="rId17"/>
-    <p:sldId id="292" r:id="rId18"/>
-    <p:sldId id="293" r:id="rId19"/>
-    <p:sldId id="294" r:id="rId20"/>
-    <p:sldId id="295" r:id="rId21"/>
-    <p:sldId id="296" r:id="rId22"/>
-    <p:sldId id="280" r:id="rId23"/>
-    <p:sldId id="297" r:id="rId24"/>
-    <p:sldId id="298" r:id="rId25"/>
-    <p:sldId id="299" r:id="rId26"/>
+    <p:sldId id="300" r:id="rId9"/>
+    <p:sldId id="301" r:id="rId10"/>
+    <p:sldId id="281" r:id="rId11"/>
+    <p:sldId id="284" r:id="rId12"/>
+    <p:sldId id="285" r:id="rId13"/>
+    <p:sldId id="286" r:id="rId14"/>
+    <p:sldId id="302" r:id="rId15"/>
+    <p:sldId id="279" r:id="rId16"/>
+    <p:sldId id="288" r:id="rId17"/>
+    <p:sldId id="289" r:id="rId18"/>
+    <p:sldId id="290" r:id="rId19"/>
+    <p:sldId id="291" r:id="rId20"/>
+    <p:sldId id="292" r:id="rId21"/>
+    <p:sldId id="293" r:id="rId22"/>
+    <p:sldId id="294" r:id="rId23"/>
+    <p:sldId id="295" r:id="rId24"/>
+    <p:sldId id="296" r:id="rId25"/>
+    <p:sldId id="303" r:id="rId26"/>
+    <p:sldId id="280" r:id="rId27"/>
+    <p:sldId id="297" r:id="rId28"/>
+    <p:sldId id="298" r:id="rId29"/>
+    <p:sldId id="299" r:id="rId30"/>
   </p:sldIdLst>
   <p:sldSz cx="12192000" cy="6858000"/>
   <p:notesSz cx="6858000" cy="9144000"/>
@@ -180,7 +184,7 @@
           <p:cNvPr id="2" name="Header Placeholder 1">
             <a:extLst>
               <a:ext uri="{FF2B5EF4-FFF2-40B4-BE49-F238E27FC236}">
-                <a16:creationId xmlns="" xmlns:a16="http://schemas.microsoft.com/office/drawing/2014/main" id="{27243D74-B9C1-450A-B0F3-6C6DCB0CF20B}"/>
+                <a16:creationId xmlns:a16="http://schemas.microsoft.com/office/drawing/2014/main" xmlns="" id="{27243D74-B9C1-450A-B0F3-6C6DCB0CF20B}"/>
               </a:ext>
             </a:extLst>
           </p:cNvPr>
@@ -217,7 +221,7 @@
           <p:cNvPr id="3" name="Date Placeholder 2">
             <a:extLst>
               <a:ext uri="{FF2B5EF4-FFF2-40B4-BE49-F238E27FC236}">
-                <a16:creationId xmlns="" xmlns:a16="http://schemas.microsoft.com/office/drawing/2014/main" id="{32C27C33-9BB1-41D5-A236-12767E7E722F}"/>
+                <a16:creationId xmlns:a16="http://schemas.microsoft.com/office/drawing/2014/main" xmlns="" id="{32C27C33-9BB1-41D5-A236-12767E7E722F}"/>
               </a:ext>
             </a:extLst>
           </p:cNvPr>
@@ -247,7 +251,7 @@
           <a:p>
             <a:fld id="{97AB3EA8-A58D-4C92-A3AB-D271CCC294C7}" type="datetimeFigureOut">
               <a:rPr lang="en-US" smtClean="0"/>
-              <a:t>7/1/2019</a:t>
+              <a:t>7/2/19</a:t>
             </a:fld>
             <a:endParaRPr lang="en-US" dirty="0"/>
           </a:p>
@@ -258,7 +262,7 @@
           <p:cNvPr id="4" name="Footer Placeholder 3">
             <a:extLst>
               <a:ext uri="{FF2B5EF4-FFF2-40B4-BE49-F238E27FC236}">
-                <a16:creationId xmlns="" xmlns:a16="http://schemas.microsoft.com/office/drawing/2014/main" id="{44A7EADB-04A4-4093-B238-438E2C7317A1}"/>
+                <a16:creationId xmlns:a16="http://schemas.microsoft.com/office/drawing/2014/main" xmlns="" id="{44A7EADB-04A4-4093-B238-438E2C7317A1}"/>
               </a:ext>
             </a:extLst>
           </p:cNvPr>
@@ -295,7 +299,7 @@
           <p:cNvPr id="5" name="Slide Number Placeholder 4">
             <a:extLst>
               <a:ext uri="{FF2B5EF4-FFF2-40B4-BE49-F238E27FC236}">
-                <a16:creationId xmlns="" xmlns:a16="http://schemas.microsoft.com/office/drawing/2014/main" id="{EDDD8696-706D-440E-AE04-4C644F0613E8}"/>
+                <a16:creationId xmlns:a16="http://schemas.microsoft.com/office/drawing/2014/main" xmlns="" id="{EDDD8696-706D-440E-AE04-4C644F0613E8}"/>
               </a:ext>
             </a:extLst>
           </p:cNvPr>
@@ -424,7 +428,7 @@
           <a:p>
             <a:fld id="{0AEFB4FA-E877-413E-B608-88789D806C57}" type="datetimeFigureOut">
               <a:rPr lang="en-US" noProof="0" smtClean="0"/>
-              <a:t>7/1/2019</a:t>
+              <a:t>7/2/19</a:t>
             </a:fld>
             <a:endParaRPr lang="en-US" noProof="0" dirty="0"/>
           </a:p>
@@ -928,7 +932,7 @@
           <a:p>
             <a:fld id="{6336304E-FDE3-4B4F-A3B7-EBE87F3FA5E2}" type="slidenum">
               <a:rPr lang="en-US" smtClean="0"/>
-              <a:t>22</a:t>
+              <a:t>26</a:t>
             </a:fld>
             <a:endParaRPr lang="en-US"/>
           </a:p>
@@ -969,7 +973,7 @@
           <p:cNvPr id="2" name="Title 1">
             <a:extLst>
               <a:ext uri="{FF2B5EF4-FFF2-40B4-BE49-F238E27FC236}">
-                <a16:creationId xmlns="" xmlns:a16="http://schemas.microsoft.com/office/drawing/2014/main" id="{2456FD49-C258-4333-9422-358C976A341C}"/>
+                <a16:creationId xmlns:a16="http://schemas.microsoft.com/office/drawing/2014/main" xmlns="" id="{2456FD49-C258-4333-9422-358C976A341C}"/>
               </a:ext>
             </a:extLst>
           </p:cNvPr>
@@ -1013,7 +1017,7 @@
           <p:cNvPr id="3" name="Subtitle 2">
             <a:extLst>
               <a:ext uri="{FF2B5EF4-FFF2-40B4-BE49-F238E27FC236}">
-                <a16:creationId xmlns="" xmlns:a16="http://schemas.microsoft.com/office/drawing/2014/main" id="{59758E15-A93D-4FB9-843D-1490E27A151B}"/>
+                <a16:creationId xmlns:a16="http://schemas.microsoft.com/office/drawing/2014/main" xmlns="" id="{59758E15-A93D-4FB9-843D-1490E27A151B}"/>
               </a:ext>
             </a:extLst>
           </p:cNvPr>
@@ -1090,7 +1094,7 @@
           <p:cNvPr id="13" name="Picture Placeholder 12">
             <a:extLst>
               <a:ext uri="{FF2B5EF4-FFF2-40B4-BE49-F238E27FC236}">
-                <a16:creationId xmlns="" xmlns:a16="http://schemas.microsoft.com/office/drawing/2014/main" id="{BCCC559D-0EC3-432C-B397-6897B366DF36}"/>
+                <a16:creationId xmlns:a16="http://schemas.microsoft.com/office/drawing/2014/main" xmlns="" id="{BCCC559D-0EC3-432C-B397-6897B366DF36}"/>
               </a:ext>
             </a:extLst>
           </p:cNvPr>
@@ -1135,7 +1139,7 @@
           <p:cNvPr id="14" name="Group 13">
             <a:extLst>
               <a:ext uri="{FF2B5EF4-FFF2-40B4-BE49-F238E27FC236}">
-                <a16:creationId xmlns="" xmlns:a16="http://schemas.microsoft.com/office/drawing/2014/main" id="{0DC2055F-AE3F-46BE-B57E-A0F1A86D1C36}"/>
+                <a16:creationId xmlns:a16="http://schemas.microsoft.com/office/drawing/2014/main" xmlns="" id="{0DC2055F-AE3F-46BE-B57E-A0F1A86D1C36}"/>
               </a:ext>
             </a:extLst>
           </p:cNvPr>
@@ -1160,7 +1164,7 @@
             <p:cNvPr id="15" name="Freeform 5">
               <a:extLst>
                 <a:ext uri="{FF2B5EF4-FFF2-40B4-BE49-F238E27FC236}">
-                  <a16:creationId xmlns="" xmlns:a16="http://schemas.microsoft.com/office/drawing/2014/main" id="{C98EF042-A3B8-406D-BC16-153A989F571A}"/>
+                  <a16:creationId xmlns:a16="http://schemas.microsoft.com/office/drawing/2014/main" xmlns="" id="{C98EF042-A3B8-406D-BC16-153A989F571A}"/>
                 </a:ext>
               </a:extLst>
             </p:cNvPr>
@@ -1350,7 +1354,7 @@
             <p:cNvPr id="16" name="Freeform 6">
               <a:extLst>
                 <a:ext uri="{FF2B5EF4-FFF2-40B4-BE49-F238E27FC236}">
-                  <a16:creationId xmlns="" xmlns:a16="http://schemas.microsoft.com/office/drawing/2014/main" id="{68E5FAC9-A660-4D7A-AC84-0A7C8CC3BB65}"/>
+                  <a16:creationId xmlns:a16="http://schemas.microsoft.com/office/drawing/2014/main" xmlns="" id="{68E5FAC9-A660-4D7A-AC84-0A7C8CC3BB65}"/>
                 </a:ext>
               </a:extLst>
             </p:cNvPr>
@@ -1501,7 +1505,7 @@
           <p:cNvPr id="9" name="Picture 8">
             <a:extLst>
               <a:ext uri="{FF2B5EF4-FFF2-40B4-BE49-F238E27FC236}">
-                <a16:creationId xmlns="" xmlns:a16="http://schemas.microsoft.com/office/drawing/2014/main" id="{4FE28ACC-E44C-4381-B768-0310810E78D2}"/>
+                <a16:creationId xmlns:a16="http://schemas.microsoft.com/office/drawing/2014/main" xmlns="" id="{4FE28ACC-E44C-4381-B768-0310810E78D2}"/>
               </a:ext>
             </a:extLst>
           </p:cNvPr>
@@ -1537,7 +1541,7 @@
           <p:cNvPr id="5" name="Straight Connector 4">
             <a:extLst>
               <a:ext uri="{FF2B5EF4-FFF2-40B4-BE49-F238E27FC236}">
-                <a16:creationId xmlns="" xmlns:a16="http://schemas.microsoft.com/office/drawing/2014/main" id="{819AFA09-F4B1-493D-BCAD-FF30C20CD1AA}"/>
+                <a16:creationId xmlns:a16="http://schemas.microsoft.com/office/drawing/2014/main" xmlns="" id="{819AFA09-F4B1-493D-BCAD-FF30C20CD1AA}"/>
               </a:ext>
             </a:extLst>
           </p:cNvPr>
@@ -1603,7 +1607,7 @@
           <p:cNvPr id="3" name="Subtitle 2">
             <a:extLst>
               <a:ext uri="{FF2B5EF4-FFF2-40B4-BE49-F238E27FC236}">
-                <a16:creationId xmlns="" xmlns:a16="http://schemas.microsoft.com/office/drawing/2014/main" id="{59758E15-A93D-4FB9-843D-1490E27A151B}"/>
+                <a16:creationId xmlns:a16="http://schemas.microsoft.com/office/drawing/2014/main" xmlns="" id="{59758E15-A93D-4FB9-843D-1490E27A151B}"/>
               </a:ext>
             </a:extLst>
           </p:cNvPr>
@@ -1679,7 +1683,7 @@
           <p:cNvPr id="13" name="Picture Placeholder 12">
             <a:extLst>
               <a:ext uri="{FF2B5EF4-FFF2-40B4-BE49-F238E27FC236}">
-                <a16:creationId xmlns="" xmlns:a16="http://schemas.microsoft.com/office/drawing/2014/main" id="{BCCC559D-0EC3-432C-B397-6897B366DF36}"/>
+                <a16:creationId xmlns:a16="http://schemas.microsoft.com/office/drawing/2014/main" xmlns="" id="{BCCC559D-0EC3-432C-B397-6897B366DF36}"/>
               </a:ext>
             </a:extLst>
           </p:cNvPr>
@@ -1724,7 +1728,7 @@
           <p:cNvPr id="14" name="Group 13">
             <a:extLst>
               <a:ext uri="{FF2B5EF4-FFF2-40B4-BE49-F238E27FC236}">
-                <a16:creationId xmlns="" xmlns:a16="http://schemas.microsoft.com/office/drawing/2014/main" id="{0DC2055F-AE3F-46BE-B57E-A0F1A86D1C36}"/>
+                <a16:creationId xmlns:a16="http://schemas.microsoft.com/office/drawing/2014/main" xmlns="" id="{0DC2055F-AE3F-46BE-B57E-A0F1A86D1C36}"/>
               </a:ext>
             </a:extLst>
           </p:cNvPr>
@@ -1749,7 +1753,7 @@
             <p:cNvPr id="15" name="Freeform 5">
               <a:extLst>
                 <a:ext uri="{FF2B5EF4-FFF2-40B4-BE49-F238E27FC236}">
-                  <a16:creationId xmlns="" xmlns:a16="http://schemas.microsoft.com/office/drawing/2014/main" id="{C98EF042-A3B8-406D-BC16-153A989F571A}"/>
+                  <a16:creationId xmlns:a16="http://schemas.microsoft.com/office/drawing/2014/main" xmlns="" id="{C98EF042-A3B8-406D-BC16-153A989F571A}"/>
                 </a:ext>
               </a:extLst>
             </p:cNvPr>
@@ -1939,7 +1943,7 @@
             <p:cNvPr id="16" name="Freeform 6">
               <a:extLst>
                 <a:ext uri="{FF2B5EF4-FFF2-40B4-BE49-F238E27FC236}">
-                  <a16:creationId xmlns="" xmlns:a16="http://schemas.microsoft.com/office/drawing/2014/main" id="{68E5FAC9-A660-4D7A-AC84-0A7C8CC3BB65}"/>
+                  <a16:creationId xmlns:a16="http://schemas.microsoft.com/office/drawing/2014/main" xmlns="" id="{68E5FAC9-A660-4D7A-AC84-0A7C8CC3BB65}"/>
                 </a:ext>
               </a:extLst>
             </p:cNvPr>
@@ -2090,7 +2094,7 @@
           <p:cNvPr id="9" name="Picture 8">
             <a:extLst>
               <a:ext uri="{FF2B5EF4-FFF2-40B4-BE49-F238E27FC236}">
-                <a16:creationId xmlns="" xmlns:a16="http://schemas.microsoft.com/office/drawing/2014/main" id="{4FE28ACC-E44C-4381-B768-0310810E78D2}"/>
+                <a16:creationId xmlns:a16="http://schemas.microsoft.com/office/drawing/2014/main" xmlns="" id="{4FE28ACC-E44C-4381-B768-0310810E78D2}"/>
               </a:ext>
             </a:extLst>
           </p:cNvPr>
@@ -2126,7 +2130,7 @@
           <p:cNvPr id="5" name="Straight Connector 4">
             <a:extLst>
               <a:ext uri="{FF2B5EF4-FFF2-40B4-BE49-F238E27FC236}">
-                <a16:creationId xmlns="" xmlns:a16="http://schemas.microsoft.com/office/drawing/2014/main" id="{819AFA09-F4B1-493D-BCAD-FF30C20CD1AA}"/>
+                <a16:creationId xmlns:a16="http://schemas.microsoft.com/office/drawing/2014/main" xmlns="" id="{819AFA09-F4B1-493D-BCAD-FF30C20CD1AA}"/>
               </a:ext>
             </a:extLst>
           </p:cNvPr>
@@ -2162,7 +2166,7 @@
           <p:cNvPr id="7" name="Text Placeholder 6">
             <a:extLst>
               <a:ext uri="{FF2B5EF4-FFF2-40B4-BE49-F238E27FC236}">
-                <a16:creationId xmlns="" xmlns:a16="http://schemas.microsoft.com/office/drawing/2014/main" id="{4E0FBE0E-A6B0-483E-93DD-5C20DA069DBC}"/>
+                <a16:creationId xmlns:a16="http://schemas.microsoft.com/office/drawing/2014/main" xmlns="" id="{4E0FBE0E-A6B0-483E-93DD-5C20DA069DBC}"/>
               </a:ext>
             </a:extLst>
           </p:cNvPr>
@@ -2211,7 +2215,7 @@
           <p:cNvPr id="17" name="Graphic 16" descr="Envelope">
             <a:extLst>
               <a:ext uri="{FF2B5EF4-FFF2-40B4-BE49-F238E27FC236}">
-                <a16:creationId xmlns="" xmlns:a16="http://schemas.microsoft.com/office/drawing/2014/main" id="{E5B30B87-6C2E-48F1-9026-E4F6BEA1CFE7}"/>
+                <a16:creationId xmlns:a16="http://schemas.microsoft.com/office/drawing/2014/main" xmlns="" id="{E5B30B87-6C2E-48F1-9026-E4F6BEA1CFE7}"/>
               </a:ext>
             </a:extLst>
           </p:cNvPr>
@@ -2227,7 +2231,7 @@
                 <a14:useLocalDpi xmlns:a14="http://schemas.microsoft.com/office/drawing/2010/main"/>
               </a:ext>
               <a:ext uri="{96DAC541-7B7A-43D3-8B79-37D633B846F1}">
-                <asvg:svgBlip xmlns="" xmlns:asvg="http://schemas.microsoft.com/office/drawing/2016/SVG/main" r:embed="rId4"/>
+                <asvg:svgBlip xmlns:asvg="http://schemas.microsoft.com/office/drawing/2016/SVG/main" xmlns="" r:embed="rId4"/>
               </a:ext>
             </a:extLst>
           </a:blip>
@@ -2250,7 +2254,7 @@
           <p:cNvPr id="18" name="Graphic 17" descr="Network">
             <a:extLst>
               <a:ext uri="{FF2B5EF4-FFF2-40B4-BE49-F238E27FC236}">
-                <a16:creationId xmlns="" xmlns:a16="http://schemas.microsoft.com/office/drawing/2014/main" id="{2DA3CFE0-4ED8-4345-A158-94E70F463E99}"/>
+                <a16:creationId xmlns:a16="http://schemas.microsoft.com/office/drawing/2014/main" xmlns="" id="{2DA3CFE0-4ED8-4345-A158-94E70F463E99}"/>
               </a:ext>
             </a:extLst>
           </p:cNvPr>
@@ -2266,7 +2270,7 @@
                 <a14:useLocalDpi xmlns:a14="http://schemas.microsoft.com/office/drawing/2010/main"/>
               </a:ext>
               <a:ext uri="{96DAC541-7B7A-43D3-8B79-37D633B846F1}">
-                <asvg:svgBlip xmlns="" xmlns:asvg="http://schemas.microsoft.com/office/drawing/2016/SVG/main" r:embed="rId6"/>
+                <asvg:svgBlip xmlns:asvg="http://schemas.microsoft.com/office/drawing/2016/SVG/main" xmlns="" r:embed="rId6"/>
               </a:ext>
             </a:extLst>
           </a:blip>
@@ -2289,7 +2293,7 @@
           <p:cNvPr id="2" name="Title 1">
             <a:extLst>
               <a:ext uri="{FF2B5EF4-FFF2-40B4-BE49-F238E27FC236}">
-                <a16:creationId xmlns="" xmlns:a16="http://schemas.microsoft.com/office/drawing/2014/main" id="{2CE9908F-CF81-43F9-880A-401D0C0FB2ED}"/>
+                <a16:creationId xmlns:a16="http://schemas.microsoft.com/office/drawing/2014/main" xmlns="" id="{2CE9908F-CF81-43F9-880A-401D0C0FB2ED}"/>
               </a:ext>
             </a:extLst>
           </p:cNvPr>
@@ -2367,7 +2371,7 @@
           <p:cNvPr id="4" name="Rectangle 3">
             <a:extLst>
               <a:ext uri="{FF2B5EF4-FFF2-40B4-BE49-F238E27FC236}">
-                <a16:creationId xmlns="" xmlns:a16="http://schemas.microsoft.com/office/drawing/2014/main" id="{86299464-ED20-4919-8B3A-2CFAE8DA2347}"/>
+                <a16:creationId xmlns:a16="http://schemas.microsoft.com/office/drawing/2014/main" xmlns="" id="{86299464-ED20-4919-8B3A-2CFAE8DA2347}"/>
               </a:ext>
             </a:extLst>
           </p:cNvPr>
@@ -2419,7 +2423,7 @@
           <p:cNvPr id="13" name="Picture Placeholder 12">
             <a:extLst>
               <a:ext uri="{FF2B5EF4-FFF2-40B4-BE49-F238E27FC236}">
-                <a16:creationId xmlns="" xmlns:a16="http://schemas.microsoft.com/office/drawing/2014/main" id="{BCCC559D-0EC3-432C-B397-6897B366DF36}"/>
+                <a16:creationId xmlns:a16="http://schemas.microsoft.com/office/drawing/2014/main" xmlns="" id="{BCCC559D-0EC3-432C-B397-6897B366DF36}"/>
               </a:ext>
             </a:extLst>
           </p:cNvPr>
@@ -2464,7 +2468,7 @@
           <p:cNvPr id="14" name="Group 13">
             <a:extLst>
               <a:ext uri="{FF2B5EF4-FFF2-40B4-BE49-F238E27FC236}">
-                <a16:creationId xmlns="" xmlns:a16="http://schemas.microsoft.com/office/drawing/2014/main" id="{0DC2055F-AE3F-46BE-B57E-A0F1A86D1C36}"/>
+                <a16:creationId xmlns:a16="http://schemas.microsoft.com/office/drawing/2014/main" xmlns="" id="{0DC2055F-AE3F-46BE-B57E-A0F1A86D1C36}"/>
               </a:ext>
             </a:extLst>
           </p:cNvPr>
@@ -2489,7 +2493,7 @@
             <p:cNvPr id="15" name="Freeform 5">
               <a:extLst>
                 <a:ext uri="{FF2B5EF4-FFF2-40B4-BE49-F238E27FC236}">
-                  <a16:creationId xmlns="" xmlns:a16="http://schemas.microsoft.com/office/drawing/2014/main" id="{C98EF042-A3B8-406D-BC16-153A989F571A}"/>
+                  <a16:creationId xmlns:a16="http://schemas.microsoft.com/office/drawing/2014/main" xmlns="" id="{C98EF042-A3B8-406D-BC16-153A989F571A}"/>
                 </a:ext>
               </a:extLst>
             </p:cNvPr>
@@ -2679,7 +2683,7 @@
             <p:cNvPr id="16" name="Freeform 6">
               <a:extLst>
                 <a:ext uri="{FF2B5EF4-FFF2-40B4-BE49-F238E27FC236}">
-                  <a16:creationId xmlns="" xmlns:a16="http://schemas.microsoft.com/office/drawing/2014/main" id="{68E5FAC9-A660-4D7A-AC84-0A7C8CC3BB65}"/>
+                  <a16:creationId xmlns:a16="http://schemas.microsoft.com/office/drawing/2014/main" xmlns="" id="{68E5FAC9-A660-4D7A-AC84-0A7C8CC3BB65}"/>
                 </a:ext>
               </a:extLst>
             </p:cNvPr>
@@ -2830,7 +2834,7 @@
           <p:cNvPr id="9" name="Picture 8">
             <a:extLst>
               <a:ext uri="{FF2B5EF4-FFF2-40B4-BE49-F238E27FC236}">
-                <a16:creationId xmlns="" xmlns:a16="http://schemas.microsoft.com/office/drawing/2014/main" id="{4FE28ACC-E44C-4381-B768-0310810E78D2}"/>
+                <a16:creationId xmlns:a16="http://schemas.microsoft.com/office/drawing/2014/main" xmlns="" id="{4FE28ACC-E44C-4381-B768-0310810E78D2}"/>
               </a:ext>
             </a:extLst>
           </p:cNvPr>
@@ -2875,7 +2879,7 @@
           <p:cNvPr id="12" name="Straight Connector 11">
             <a:extLst>
               <a:ext uri="{FF2B5EF4-FFF2-40B4-BE49-F238E27FC236}">
-                <a16:creationId xmlns="" xmlns:a16="http://schemas.microsoft.com/office/drawing/2014/main" id="{77C312F4-62C2-4903-8C4B-423A8717E481}"/>
+                <a16:creationId xmlns:a16="http://schemas.microsoft.com/office/drawing/2014/main" xmlns="" id="{77C312F4-62C2-4903-8C4B-423A8717E481}"/>
               </a:ext>
             </a:extLst>
           </p:cNvPr>
@@ -2916,7 +2920,7 @@
           <p:cNvPr id="19" name="Graphic 18" descr="Envelope">
             <a:extLst>
               <a:ext uri="{FF2B5EF4-FFF2-40B4-BE49-F238E27FC236}">
-                <a16:creationId xmlns="" xmlns:a16="http://schemas.microsoft.com/office/drawing/2014/main" id="{A686352B-226C-4579-B831-0DC14EC3895E}"/>
+                <a16:creationId xmlns:a16="http://schemas.microsoft.com/office/drawing/2014/main" xmlns="" id="{A686352B-226C-4579-B831-0DC14EC3895E}"/>
               </a:ext>
             </a:extLst>
           </p:cNvPr>
@@ -2952,7 +2956,7 @@
           <p:cNvPr id="20" name="Graphic 19" descr="Network">
             <a:extLst>
               <a:ext uri="{FF2B5EF4-FFF2-40B4-BE49-F238E27FC236}">
-                <a16:creationId xmlns="" xmlns:a16="http://schemas.microsoft.com/office/drawing/2014/main" id="{460C8169-012B-451A-A6C2-6FEC0DC82AFC}"/>
+                <a16:creationId xmlns:a16="http://schemas.microsoft.com/office/drawing/2014/main" xmlns="" id="{460C8169-012B-451A-A6C2-6FEC0DC82AFC}"/>
               </a:ext>
             </a:extLst>
           </p:cNvPr>
@@ -2988,7 +2992,7 @@
           <p:cNvPr id="21" name="Subtitle 2">
             <a:extLst>
               <a:ext uri="{FF2B5EF4-FFF2-40B4-BE49-F238E27FC236}">
-                <a16:creationId xmlns="" xmlns:a16="http://schemas.microsoft.com/office/drawing/2014/main" id="{ADF17BC1-06CE-42EA-A970-31A7ED871AA4}"/>
+                <a16:creationId xmlns:a16="http://schemas.microsoft.com/office/drawing/2014/main" xmlns="" id="{ADF17BC1-06CE-42EA-A970-31A7ED871AA4}"/>
               </a:ext>
             </a:extLst>
           </p:cNvPr>
@@ -3064,7 +3068,7 @@
           <p:cNvPr id="22" name="Text Placeholder 6">
             <a:extLst>
               <a:ext uri="{FF2B5EF4-FFF2-40B4-BE49-F238E27FC236}">
-                <a16:creationId xmlns="" xmlns:a16="http://schemas.microsoft.com/office/drawing/2014/main" id="{7035F1B3-4E91-44FF-B4E7-E5D87C7A034C}"/>
+                <a16:creationId xmlns:a16="http://schemas.microsoft.com/office/drawing/2014/main" xmlns="" id="{7035F1B3-4E91-44FF-B4E7-E5D87C7A034C}"/>
               </a:ext>
             </a:extLst>
           </p:cNvPr>
@@ -3117,7 +3121,7 @@
           <p:cNvPr id="18" name="Title 1">
             <a:extLst>
               <a:ext uri="{FF2B5EF4-FFF2-40B4-BE49-F238E27FC236}">
-                <a16:creationId xmlns="" xmlns:a16="http://schemas.microsoft.com/office/drawing/2014/main" id="{525B5135-F466-4A63-A42C-3BB2BAA7D24D}"/>
+                <a16:creationId xmlns:a16="http://schemas.microsoft.com/office/drawing/2014/main" xmlns="" id="{525B5135-F466-4A63-A42C-3BB2BAA7D24D}"/>
               </a:ext>
             </a:extLst>
           </p:cNvPr>
@@ -3221,7 +3225,7 @@
           <p:cNvPr id="4" name="Rectangle 3">
             <a:extLst>
               <a:ext uri="{FF2B5EF4-FFF2-40B4-BE49-F238E27FC236}">
-                <a16:creationId xmlns="" xmlns:a16="http://schemas.microsoft.com/office/drawing/2014/main" id="{86299464-ED20-4919-8B3A-2CFAE8DA2347}"/>
+                <a16:creationId xmlns:a16="http://schemas.microsoft.com/office/drawing/2014/main" xmlns="" id="{86299464-ED20-4919-8B3A-2CFAE8DA2347}"/>
               </a:ext>
             </a:extLst>
           </p:cNvPr>
@@ -3273,7 +3277,7 @@
           <p:cNvPr id="6" name="Oval 5">
             <a:extLst>
               <a:ext uri="{FF2B5EF4-FFF2-40B4-BE49-F238E27FC236}">
-                <a16:creationId xmlns="" xmlns:a16="http://schemas.microsoft.com/office/drawing/2014/main" id="{1F54E98B-AC75-484D-9121-68498EB888AA}"/>
+                <a16:creationId xmlns:a16="http://schemas.microsoft.com/office/drawing/2014/main" xmlns="" id="{1F54E98B-AC75-484D-9121-68498EB888AA}"/>
               </a:ext>
             </a:extLst>
           </p:cNvPr>
@@ -3327,7 +3331,7 @@
           <p:cNvPr id="2" name="Title 1">
             <a:extLst>
               <a:ext uri="{FF2B5EF4-FFF2-40B4-BE49-F238E27FC236}">
-                <a16:creationId xmlns="" xmlns:a16="http://schemas.microsoft.com/office/drawing/2014/main" id="{2456FD49-C258-4333-9422-358C976A341C}"/>
+                <a16:creationId xmlns:a16="http://schemas.microsoft.com/office/drawing/2014/main" xmlns="" id="{2456FD49-C258-4333-9422-358C976A341C}"/>
               </a:ext>
             </a:extLst>
           </p:cNvPr>
@@ -3371,7 +3375,7 @@
           <p:cNvPr id="3" name="Subtitle 2">
             <a:extLst>
               <a:ext uri="{FF2B5EF4-FFF2-40B4-BE49-F238E27FC236}">
-                <a16:creationId xmlns="" xmlns:a16="http://schemas.microsoft.com/office/drawing/2014/main" id="{59758E15-A93D-4FB9-843D-1490E27A151B}"/>
+                <a16:creationId xmlns:a16="http://schemas.microsoft.com/office/drawing/2014/main" xmlns="" id="{59758E15-A93D-4FB9-843D-1490E27A151B}"/>
               </a:ext>
             </a:extLst>
           </p:cNvPr>
@@ -3448,7 +3452,7 @@
           <p:cNvPr id="14" name="Group 13">
             <a:extLst>
               <a:ext uri="{FF2B5EF4-FFF2-40B4-BE49-F238E27FC236}">
-                <a16:creationId xmlns="" xmlns:a16="http://schemas.microsoft.com/office/drawing/2014/main" id="{0DC2055F-AE3F-46BE-B57E-A0F1A86D1C36}"/>
+                <a16:creationId xmlns:a16="http://schemas.microsoft.com/office/drawing/2014/main" xmlns="" id="{0DC2055F-AE3F-46BE-B57E-A0F1A86D1C36}"/>
               </a:ext>
             </a:extLst>
           </p:cNvPr>
@@ -3473,7 +3477,7 @@
             <p:cNvPr id="15" name="Freeform 5">
               <a:extLst>
                 <a:ext uri="{FF2B5EF4-FFF2-40B4-BE49-F238E27FC236}">
-                  <a16:creationId xmlns="" xmlns:a16="http://schemas.microsoft.com/office/drawing/2014/main" id="{C98EF042-A3B8-406D-BC16-153A989F571A}"/>
+                  <a16:creationId xmlns:a16="http://schemas.microsoft.com/office/drawing/2014/main" xmlns="" id="{C98EF042-A3B8-406D-BC16-153A989F571A}"/>
                 </a:ext>
               </a:extLst>
             </p:cNvPr>
@@ -3663,7 +3667,7 @@
             <p:cNvPr id="16" name="Freeform 6">
               <a:extLst>
                 <a:ext uri="{FF2B5EF4-FFF2-40B4-BE49-F238E27FC236}">
-                  <a16:creationId xmlns="" xmlns:a16="http://schemas.microsoft.com/office/drawing/2014/main" id="{68E5FAC9-A660-4D7A-AC84-0A7C8CC3BB65}"/>
+                  <a16:creationId xmlns:a16="http://schemas.microsoft.com/office/drawing/2014/main" xmlns="" id="{68E5FAC9-A660-4D7A-AC84-0A7C8CC3BB65}"/>
                 </a:ext>
               </a:extLst>
             </p:cNvPr>
@@ -3814,7 +3818,7 @@
           <p:cNvPr id="9" name="Picture 8">
             <a:extLst>
               <a:ext uri="{FF2B5EF4-FFF2-40B4-BE49-F238E27FC236}">
-                <a16:creationId xmlns="" xmlns:a16="http://schemas.microsoft.com/office/drawing/2014/main" id="{4FE28ACC-E44C-4381-B768-0310810E78D2}"/>
+                <a16:creationId xmlns:a16="http://schemas.microsoft.com/office/drawing/2014/main" xmlns="" id="{4FE28ACC-E44C-4381-B768-0310810E78D2}"/>
               </a:ext>
             </a:extLst>
           </p:cNvPr>
@@ -3859,7 +3863,7 @@
           <p:cNvPr id="5" name="Straight Connector 4">
             <a:extLst>
               <a:ext uri="{FF2B5EF4-FFF2-40B4-BE49-F238E27FC236}">
-                <a16:creationId xmlns="" xmlns:a16="http://schemas.microsoft.com/office/drawing/2014/main" id="{819AFA09-F4B1-493D-BCAD-FF30C20CD1AA}"/>
+                <a16:creationId xmlns:a16="http://schemas.microsoft.com/office/drawing/2014/main" xmlns="" id="{819AFA09-F4B1-493D-BCAD-FF30C20CD1AA}"/>
               </a:ext>
             </a:extLst>
           </p:cNvPr>
@@ -3956,7 +3960,7 @@
           <p:cNvPr id="10" name="Rectangle 9">
             <a:extLst>
               <a:ext uri="{FF2B5EF4-FFF2-40B4-BE49-F238E27FC236}">
-                <a16:creationId xmlns="" xmlns:a16="http://schemas.microsoft.com/office/drawing/2014/main" id="{F9087E09-D75F-4E26-B01E-A1A09BA2EA70}"/>
+                <a16:creationId xmlns:a16="http://schemas.microsoft.com/office/drawing/2014/main" xmlns="" id="{F9087E09-D75F-4E26-B01E-A1A09BA2EA70}"/>
               </a:ext>
             </a:extLst>
           </p:cNvPr>
@@ -4008,7 +4012,7 @@
           <p:cNvPr id="2" name="Title 1">
             <a:extLst>
               <a:ext uri="{FF2B5EF4-FFF2-40B4-BE49-F238E27FC236}">
-                <a16:creationId xmlns="" xmlns:a16="http://schemas.microsoft.com/office/drawing/2014/main" id="{AF7A70B7-7ADE-4E0B-B956-363B0B1AA613}"/>
+                <a16:creationId xmlns:a16="http://schemas.microsoft.com/office/drawing/2014/main" xmlns="" id="{AF7A70B7-7ADE-4E0B-B956-363B0B1AA613}"/>
               </a:ext>
             </a:extLst>
           </p:cNvPr>
@@ -4052,7 +4056,7 @@
           <p:cNvPr id="8" name="Picture 7">
             <a:extLst>
               <a:ext uri="{FF2B5EF4-FFF2-40B4-BE49-F238E27FC236}">
-                <a16:creationId xmlns="" xmlns:a16="http://schemas.microsoft.com/office/drawing/2014/main" id="{25FC40B0-ED27-47E5-A3C2-32A8418567EE}"/>
+                <a16:creationId xmlns:a16="http://schemas.microsoft.com/office/drawing/2014/main" xmlns="" id="{25FC40B0-ED27-47E5-A3C2-32A8418567EE}"/>
               </a:ext>
             </a:extLst>
           </p:cNvPr>
@@ -4089,7 +4093,7 @@
           <p:cNvPr id="11" name="Oval 10">
             <a:extLst>
               <a:ext uri="{FF2B5EF4-FFF2-40B4-BE49-F238E27FC236}">
-                <a16:creationId xmlns="" xmlns:a16="http://schemas.microsoft.com/office/drawing/2014/main" id="{8931D2A9-0B92-4197-8802-80424C14EA7E}"/>
+                <a16:creationId xmlns:a16="http://schemas.microsoft.com/office/drawing/2014/main" xmlns="" id="{8931D2A9-0B92-4197-8802-80424C14EA7E}"/>
               </a:ext>
             </a:extLst>
           </p:cNvPr>
@@ -4141,7 +4145,7 @@
           <p:cNvPr id="6" name="Slide Number Placeholder 5">
             <a:extLst>
               <a:ext uri="{FF2B5EF4-FFF2-40B4-BE49-F238E27FC236}">
-                <a16:creationId xmlns="" xmlns:a16="http://schemas.microsoft.com/office/drawing/2014/main" id="{533B74B0-30B9-45C2-9AE6-45D1978AAFAE}"/>
+                <a16:creationId xmlns:a16="http://schemas.microsoft.com/office/drawing/2014/main" xmlns="" id="{533B74B0-30B9-45C2-9AE6-45D1978AAFAE}"/>
               </a:ext>
             </a:extLst>
           </p:cNvPr>
@@ -4185,7 +4189,7 @@
           <p:cNvPr id="4" name="Group 3">
             <a:extLst>
               <a:ext uri="{FF2B5EF4-FFF2-40B4-BE49-F238E27FC236}">
-                <a16:creationId xmlns="" xmlns:a16="http://schemas.microsoft.com/office/drawing/2014/main" id="{AD5251EA-F450-4DD1-995B-DC89513424C8}"/>
+                <a16:creationId xmlns:a16="http://schemas.microsoft.com/office/drawing/2014/main" xmlns="" id="{AD5251EA-F450-4DD1-995B-DC89513424C8}"/>
               </a:ext>
             </a:extLst>
           </p:cNvPr>
@@ -4205,7 +4209,7 @@
             <p:cNvPr id="17" name="Oval 16">
               <a:extLst>
                 <a:ext uri="{FF2B5EF4-FFF2-40B4-BE49-F238E27FC236}">
-                  <a16:creationId xmlns="" xmlns:a16="http://schemas.microsoft.com/office/drawing/2014/main" id="{44882F4E-E8C8-46FE-A9C8-7B79782767F6}"/>
+                  <a16:creationId xmlns:a16="http://schemas.microsoft.com/office/drawing/2014/main" xmlns="" id="{44882F4E-E8C8-46FE-A9C8-7B79782767F6}"/>
                 </a:ext>
               </a:extLst>
             </p:cNvPr>
@@ -4259,7 +4263,7 @@
             <p:cNvPr id="18" name="Group 17">
               <a:extLst>
                 <a:ext uri="{FF2B5EF4-FFF2-40B4-BE49-F238E27FC236}">
-                  <a16:creationId xmlns="" xmlns:a16="http://schemas.microsoft.com/office/drawing/2014/main" id="{965CD13B-04FB-40D5-AF62-2F43CF49BA9B}"/>
+                  <a16:creationId xmlns:a16="http://schemas.microsoft.com/office/drawing/2014/main" xmlns="" id="{965CD13B-04FB-40D5-AF62-2F43CF49BA9B}"/>
                 </a:ext>
               </a:extLst>
             </p:cNvPr>
@@ -4284,7 +4288,7 @@
               <p:cNvPr id="19" name="Freeform 5">
                 <a:extLst>
                   <a:ext uri="{FF2B5EF4-FFF2-40B4-BE49-F238E27FC236}">
-                    <a16:creationId xmlns="" xmlns:a16="http://schemas.microsoft.com/office/drawing/2014/main" id="{01876F8F-C11E-4FB2-8150-1F0602752F97}"/>
+                    <a16:creationId xmlns:a16="http://schemas.microsoft.com/office/drawing/2014/main" xmlns="" id="{01876F8F-C11E-4FB2-8150-1F0602752F97}"/>
                   </a:ext>
                 </a:extLst>
               </p:cNvPr>
@@ -4474,7 +4478,7 @@
               <p:cNvPr id="20" name="Freeform 6">
                 <a:extLst>
                   <a:ext uri="{FF2B5EF4-FFF2-40B4-BE49-F238E27FC236}">
-                    <a16:creationId xmlns="" xmlns:a16="http://schemas.microsoft.com/office/drawing/2014/main" id="{08A1D05F-5F61-4156-8C83-1A002AA1E886}"/>
+                    <a16:creationId xmlns:a16="http://schemas.microsoft.com/office/drawing/2014/main" xmlns="" id="{08A1D05F-5F61-4156-8C83-1A002AA1E886}"/>
                   </a:ext>
                 </a:extLst>
               </p:cNvPr>
@@ -4626,7 +4630,7 @@
           <p:cNvPr id="21" name="Text Placeholder 2">
             <a:extLst>
               <a:ext uri="{FF2B5EF4-FFF2-40B4-BE49-F238E27FC236}">
-                <a16:creationId xmlns="" xmlns:a16="http://schemas.microsoft.com/office/drawing/2014/main" id="{4D77C47B-CC1E-41DA-9146-5DFD63065491}"/>
+                <a16:creationId xmlns:a16="http://schemas.microsoft.com/office/drawing/2014/main" xmlns="" id="{4D77C47B-CC1E-41DA-9146-5DFD63065491}"/>
               </a:ext>
             </a:extLst>
           </p:cNvPr>
@@ -4797,7 +4801,7 @@
           <p:cNvPr id="22" name="Group 21">
             <a:extLst>
               <a:ext uri="{FF2B5EF4-FFF2-40B4-BE49-F238E27FC236}">
-                <a16:creationId xmlns="" xmlns:a16="http://schemas.microsoft.com/office/drawing/2014/main" id="{60E0B501-22AA-4685-BE9B-A267F6F675A7}"/>
+                <a16:creationId xmlns:a16="http://schemas.microsoft.com/office/drawing/2014/main" xmlns="" id="{60E0B501-22AA-4685-BE9B-A267F6F675A7}"/>
               </a:ext>
             </a:extLst>
           </p:cNvPr>
@@ -4822,7 +4826,7 @@
             <p:cNvPr id="24" name="Freeform 5">
               <a:extLst>
                 <a:ext uri="{FF2B5EF4-FFF2-40B4-BE49-F238E27FC236}">
-                  <a16:creationId xmlns="" xmlns:a16="http://schemas.microsoft.com/office/drawing/2014/main" id="{5D0E179E-CA3D-4874-9ACD-F8990F48F4BF}"/>
+                  <a16:creationId xmlns:a16="http://schemas.microsoft.com/office/drawing/2014/main" xmlns="" id="{5D0E179E-CA3D-4874-9ACD-F8990F48F4BF}"/>
                 </a:ext>
               </a:extLst>
             </p:cNvPr>
@@ -5012,7 +5016,7 @@
             <p:cNvPr id="25" name="Freeform 6">
               <a:extLst>
                 <a:ext uri="{FF2B5EF4-FFF2-40B4-BE49-F238E27FC236}">
-                  <a16:creationId xmlns="" xmlns:a16="http://schemas.microsoft.com/office/drawing/2014/main" id="{A9C53936-B93A-4CF6-8766-2FA93ACFEBE3}"/>
+                  <a16:creationId xmlns:a16="http://schemas.microsoft.com/office/drawing/2014/main" xmlns="" id="{A9C53936-B93A-4CF6-8766-2FA93ACFEBE3}"/>
                 </a:ext>
               </a:extLst>
             </p:cNvPr>
@@ -5162,7 +5166,7 @@
             <p:cNvPr id="26" name="Freeform 7">
               <a:extLst>
                 <a:ext uri="{FF2B5EF4-FFF2-40B4-BE49-F238E27FC236}">
-                  <a16:creationId xmlns="" xmlns:a16="http://schemas.microsoft.com/office/drawing/2014/main" id="{5776DEA2-5422-4F51-B359-652B71274D31}"/>
+                  <a16:creationId xmlns:a16="http://schemas.microsoft.com/office/drawing/2014/main" xmlns="" id="{5776DEA2-5422-4F51-B359-652B71274D31}"/>
                 </a:ext>
               </a:extLst>
             </p:cNvPr>
@@ -5303,7 +5307,7 @@
           <p:cNvPr id="7" name="Rectangle 6">
             <a:extLst>
               <a:ext uri="{FF2B5EF4-FFF2-40B4-BE49-F238E27FC236}">
-                <a16:creationId xmlns="" xmlns:a16="http://schemas.microsoft.com/office/drawing/2014/main" id="{76627016-BFC4-46D4-89DB-F72E3C3461EC}"/>
+                <a16:creationId xmlns:a16="http://schemas.microsoft.com/office/drawing/2014/main" xmlns="" id="{76627016-BFC4-46D4-89DB-F72E3C3461EC}"/>
               </a:ext>
             </a:extLst>
           </p:cNvPr>
@@ -5359,7 +5363,7 @@
           <p:cNvPr id="15" name="Oval 14">
             <a:extLst>
               <a:ext uri="{FF2B5EF4-FFF2-40B4-BE49-F238E27FC236}">
-                <a16:creationId xmlns="" xmlns:a16="http://schemas.microsoft.com/office/drawing/2014/main" id="{EF515B4A-CB20-4847-8E00-0DD66F1FEBB4}"/>
+                <a16:creationId xmlns:a16="http://schemas.microsoft.com/office/drawing/2014/main" xmlns="" id="{EF515B4A-CB20-4847-8E00-0DD66F1FEBB4}"/>
               </a:ext>
             </a:extLst>
           </p:cNvPr>
@@ -5411,7 +5415,7 @@
           <p:cNvPr id="16" name="Slide Number Placeholder 5">
             <a:extLst>
               <a:ext uri="{FF2B5EF4-FFF2-40B4-BE49-F238E27FC236}">
-                <a16:creationId xmlns="" xmlns:a16="http://schemas.microsoft.com/office/drawing/2014/main" id="{996B64B9-1DF0-4EE9-BAB5-72AFA94B9AFD}"/>
+                <a16:creationId xmlns:a16="http://schemas.microsoft.com/office/drawing/2014/main" xmlns="" id="{996B64B9-1DF0-4EE9-BAB5-72AFA94B9AFD}"/>
               </a:ext>
             </a:extLst>
           </p:cNvPr>
@@ -5455,7 +5459,7 @@
           <p:cNvPr id="27" name="Content Placeholder 2">
             <a:extLst>
               <a:ext uri="{FF2B5EF4-FFF2-40B4-BE49-F238E27FC236}">
-                <a16:creationId xmlns="" xmlns:a16="http://schemas.microsoft.com/office/drawing/2014/main" id="{1A1F33A2-66F7-4D85-99DD-7B00F265AC6D}"/>
+                <a16:creationId xmlns:a16="http://schemas.microsoft.com/office/drawing/2014/main" xmlns="" id="{1A1F33A2-66F7-4D85-99DD-7B00F265AC6D}"/>
               </a:ext>
             </a:extLst>
           </p:cNvPr>
@@ -5518,7 +5522,7 @@
           <p:cNvPr id="12" name="Picture 11">
             <a:extLst>
               <a:ext uri="{FF2B5EF4-FFF2-40B4-BE49-F238E27FC236}">
-                <a16:creationId xmlns="" xmlns:a16="http://schemas.microsoft.com/office/drawing/2014/main" id="{EC2DFD46-BF74-47BA-A496-92ED1979C360}"/>
+                <a16:creationId xmlns:a16="http://schemas.microsoft.com/office/drawing/2014/main" xmlns="" id="{EC2DFD46-BF74-47BA-A496-92ED1979C360}"/>
               </a:ext>
             </a:extLst>
           </p:cNvPr>
@@ -5554,7 +5558,7 @@
           <p:cNvPr id="13" name="Title 1">
             <a:extLst>
               <a:ext uri="{FF2B5EF4-FFF2-40B4-BE49-F238E27FC236}">
-                <a16:creationId xmlns="" xmlns:a16="http://schemas.microsoft.com/office/drawing/2014/main" id="{EF788279-D710-447A-9E71-4D1344575691}"/>
+                <a16:creationId xmlns:a16="http://schemas.microsoft.com/office/drawing/2014/main" xmlns="" id="{EF788279-D710-447A-9E71-4D1344575691}"/>
               </a:ext>
             </a:extLst>
           </p:cNvPr>
@@ -5624,7 +5628,7 @@
           <p:cNvPr id="18" name="Group 17">
             <a:extLst>
               <a:ext uri="{FF2B5EF4-FFF2-40B4-BE49-F238E27FC236}">
-                <a16:creationId xmlns="" xmlns:a16="http://schemas.microsoft.com/office/drawing/2014/main" id="{C2A6B906-ACDA-40FD-8AC8-0B693AB12796}"/>
+                <a16:creationId xmlns:a16="http://schemas.microsoft.com/office/drawing/2014/main" xmlns="" id="{C2A6B906-ACDA-40FD-8AC8-0B693AB12796}"/>
               </a:ext>
             </a:extLst>
           </p:cNvPr>
@@ -5649,7 +5653,7 @@
             <p:cNvPr id="19" name="Freeform 5">
               <a:extLst>
                 <a:ext uri="{FF2B5EF4-FFF2-40B4-BE49-F238E27FC236}">
-                  <a16:creationId xmlns="" xmlns:a16="http://schemas.microsoft.com/office/drawing/2014/main" id="{717F7366-5A99-4065-90C2-AE7DF5DD0F44}"/>
+                  <a16:creationId xmlns:a16="http://schemas.microsoft.com/office/drawing/2014/main" xmlns="" id="{717F7366-5A99-4065-90C2-AE7DF5DD0F44}"/>
                 </a:ext>
               </a:extLst>
             </p:cNvPr>
@@ -5839,7 +5843,7 @@
             <p:cNvPr id="20" name="Freeform 6">
               <a:extLst>
                 <a:ext uri="{FF2B5EF4-FFF2-40B4-BE49-F238E27FC236}">
-                  <a16:creationId xmlns="" xmlns:a16="http://schemas.microsoft.com/office/drawing/2014/main" id="{90A089CA-63B9-4456-B0B1-17C75EBFB982}"/>
+                  <a16:creationId xmlns:a16="http://schemas.microsoft.com/office/drawing/2014/main" xmlns="" id="{90A089CA-63B9-4456-B0B1-17C75EBFB982}"/>
                 </a:ext>
               </a:extLst>
             </p:cNvPr>
@@ -5989,7 +5993,7 @@
             <p:cNvPr id="22" name="Freeform 7">
               <a:extLst>
                 <a:ext uri="{FF2B5EF4-FFF2-40B4-BE49-F238E27FC236}">
-                  <a16:creationId xmlns="" xmlns:a16="http://schemas.microsoft.com/office/drawing/2014/main" id="{8D36B2D1-BCFE-43FC-8743-7B7A30E1AD5D}"/>
+                  <a16:creationId xmlns:a16="http://schemas.microsoft.com/office/drawing/2014/main" xmlns="" id="{8D36B2D1-BCFE-43FC-8743-7B7A30E1AD5D}"/>
                 </a:ext>
               </a:extLst>
             </p:cNvPr>
@@ -6130,7 +6134,7 @@
           <p:cNvPr id="7" name="Rectangle 6">
             <a:extLst>
               <a:ext uri="{FF2B5EF4-FFF2-40B4-BE49-F238E27FC236}">
-                <a16:creationId xmlns="" xmlns:a16="http://schemas.microsoft.com/office/drawing/2014/main" id="{76627016-BFC4-46D4-89DB-F72E3C3461EC}"/>
+                <a16:creationId xmlns:a16="http://schemas.microsoft.com/office/drawing/2014/main" xmlns="" id="{76627016-BFC4-46D4-89DB-F72E3C3461EC}"/>
               </a:ext>
             </a:extLst>
           </p:cNvPr>
@@ -6186,7 +6190,7 @@
           <p:cNvPr id="15" name="Oval 14">
             <a:extLst>
               <a:ext uri="{FF2B5EF4-FFF2-40B4-BE49-F238E27FC236}">
-                <a16:creationId xmlns="" xmlns:a16="http://schemas.microsoft.com/office/drawing/2014/main" id="{EF515B4A-CB20-4847-8E00-0DD66F1FEBB4}"/>
+                <a16:creationId xmlns:a16="http://schemas.microsoft.com/office/drawing/2014/main" xmlns="" id="{EF515B4A-CB20-4847-8E00-0DD66F1FEBB4}"/>
               </a:ext>
             </a:extLst>
           </p:cNvPr>
@@ -6238,7 +6242,7 @@
           <p:cNvPr id="16" name="Slide Number Placeholder 5">
             <a:extLst>
               <a:ext uri="{FF2B5EF4-FFF2-40B4-BE49-F238E27FC236}">
-                <a16:creationId xmlns="" xmlns:a16="http://schemas.microsoft.com/office/drawing/2014/main" id="{996B64B9-1DF0-4EE9-BAB5-72AFA94B9AFD}"/>
+                <a16:creationId xmlns:a16="http://schemas.microsoft.com/office/drawing/2014/main" xmlns="" id="{996B64B9-1DF0-4EE9-BAB5-72AFA94B9AFD}"/>
               </a:ext>
             </a:extLst>
           </p:cNvPr>
@@ -6282,7 +6286,7 @@
           <p:cNvPr id="14" name="Content Placeholder 2">
             <a:extLst>
               <a:ext uri="{FF2B5EF4-FFF2-40B4-BE49-F238E27FC236}">
-                <a16:creationId xmlns="" xmlns:a16="http://schemas.microsoft.com/office/drawing/2014/main" id="{079DA8F4-EDD3-4D62-A90B-8C3C1AFB0083}"/>
+                <a16:creationId xmlns:a16="http://schemas.microsoft.com/office/drawing/2014/main" xmlns="" id="{079DA8F4-EDD3-4D62-A90B-8C3C1AFB0083}"/>
               </a:ext>
             </a:extLst>
           </p:cNvPr>
@@ -6345,7 +6349,7 @@
           <p:cNvPr id="17" name="Content Placeholder 3">
             <a:extLst>
               <a:ext uri="{FF2B5EF4-FFF2-40B4-BE49-F238E27FC236}">
-                <a16:creationId xmlns="" xmlns:a16="http://schemas.microsoft.com/office/drawing/2014/main" id="{DA0DA994-B4A9-447A-BEBF-3EA31D3755A2}"/>
+                <a16:creationId xmlns:a16="http://schemas.microsoft.com/office/drawing/2014/main" xmlns="" id="{DA0DA994-B4A9-447A-BEBF-3EA31D3755A2}"/>
               </a:ext>
             </a:extLst>
           </p:cNvPr>
@@ -6408,7 +6412,7 @@
           <p:cNvPr id="13" name="Picture 12">
             <a:extLst>
               <a:ext uri="{FF2B5EF4-FFF2-40B4-BE49-F238E27FC236}">
-                <a16:creationId xmlns="" xmlns:a16="http://schemas.microsoft.com/office/drawing/2014/main" id="{332150F9-14BF-4DCB-884D-49596914C290}"/>
+                <a16:creationId xmlns:a16="http://schemas.microsoft.com/office/drawing/2014/main" xmlns="" id="{332150F9-14BF-4DCB-884D-49596914C290}"/>
               </a:ext>
             </a:extLst>
           </p:cNvPr>
@@ -6444,7 +6448,7 @@
           <p:cNvPr id="21" name="Title 1">
             <a:extLst>
               <a:ext uri="{FF2B5EF4-FFF2-40B4-BE49-F238E27FC236}">
-                <a16:creationId xmlns="" xmlns:a16="http://schemas.microsoft.com/office/drawing/2014/main" id="{19DEF115-82C2-4E9D-A22C-8DA561FB37B8}"/>
+                <a16:creationId xmlns:a16="http://schemas.microsoft.com/office/drawing/2014/main" xmlns="" id="{19DEF115-82C2-4E9D-A22C-8DA561FB37B8}"/>
               </a:ext>
             </a:extLst>
           </p:cNvPr>
@@ -6514,7 +6518,7 @@
           <p:cNvPr id="20" name="Group 19">
             <a:extLst>
               <a:ext uri="{FF2B5EF4-FFF2-40B4-BE49-F238E27FC236}">
-                <a16:creationId xmlns="" xmlns:a16="http://schemas.microsoft.com/office/drawing/2014/main" id="{616F52B4-215E-4237-893C-E22B23804744}"/>
+                <a16:creationId xmlns:a16="http://schemas.microsoft.com/office/drawing/2014/main" xmlns="" id="{616F52B4-215E-4237-893C-E22B23804744}"/>
               </a:ext>
             </a:extLst>
           </p:cNvPr>
@@ -6539,7 +6543,7 @@
             <p:cNvPr id="22" name="Freeform 5">
               <a:extLst>
                 <a:ext uri="{FF2B5EF4-FFF2-40B4-BE49-F238E27FC236}">
-                  <a16:creationId xmlns="" xmlns:a16="http://schemas.microsoft.com/office/drawing/2014/main" id="{B7C40C77-B795-4B07-B92D-2E8A56635773}"/>
+                  <a16:creationId xmlns:a16="http://schemas.microsoft.com/office/drawing/2014/main" xmlns="" id="{B7C40C77-B795-4B07-B92D-2E8A56635773}"/>
                 </a:ext>
               </a:extLst>
             </p:cNvPr>
@@ -6729,7 +6733,7 @@
             <p:cNvPr id="23" name="Freeform 6">
               <a:extLst>
                 <a:ext uri="{FF2B5EF4-FFF2-40B4-BE49-F238E27FC236}">
-                  <a16:creationId xmlns="" xmlns:a16="http://schemas.microsoft.com/office/drawing/2014/main" id="{6E703A1E-5F10-4BB5-9D52-77CB6F5994C0}"/>
+                  <a16:creationId xmlns:a16="http://schemas.microsoft.com/office/drawing/2014/main" xmlns="" id="{6E703A1E-5F10-4BB5-9D52-77CB6F5994C0}"/>
                 </a:ext>
               </a:extLst>
             </p:cNvPr>
@@ -6879,7 +6883,7 @@
             <p:cNvPr id="24" name="Freeform 7">
               <a:extLst>
                 <a:ext uri="{FF2B5EF4-FFF2-40B4-BE49-F238E27FC236}">
-                  <a16:creationId xmlns="" xmlns:a16="http://schemas.microsoft.com/office/drawing/2014/main" id="{22CEE04C-09CE-41CF-937D-EC2D3C23ECC6}"/>
+                  <a16:creationId xmlns:a16="http://schemas.microsoft.com/office/drawing/2014/main" xmlns="" id="{22CEE04C-09CE-41CF-937D-EC2D3C23ECC6}"/>
                 </a:ext>
               </a:extLst>
             </p:cNvPr>
@@ -7020,7 +7024,7 @@
           <p:cNvPr id="7" name="Rectangle 6">
             <a:extLst>
               <a:ext uri="{FF2B5EF4-FFF2-40B4-BE49-F238E27FC236}">
-                <a16:creationId xmlns="" xmlns:a16="http://schemas.microsoft.com/office/drawing/2014/main" id="{76627016-BFC4-46D4-89DB-F72E3C3461EC}"/>
+                <a16:creationId xmlns:a16="http://schemas.microsoft.com/office/drawing/2014/main" xmlns="" id="{76627016-BFC4-46D4-89DB-F72E3C3461EC}"/>
               </a:ext>
             </a:extLst>
           </p:cNvPr>
@@ -7076,7 +7080,7 @@
           <p:cNvPr id="15" name="Oval 14">
             <a:extLst>
               <a:ext uri="{FF2B5EF4-FFF2-40B4-BE49-F238E27FC236}">
-                <a16:creationId xmlns="" xmlns:a16="http://schemas.microsoft.com/office/drawing/2014/main" id="{EF515B4A-CB20-4847-8E00-0DD66F1FEBB4}"/>
+                <a16:creationId xmlns:a16="http://schemas.microsoft.com/office/drawing/2014/main" xmlns="" id="{EF515B4A-CB20-4847-8E00-0DD66F1FEBB4}"/>
               </a:ext>
             </a:extLst>
           </p:cNvPr>
@@ -7128,7 +7132,7 @@
           <p:cNvPr id="16" name="Slide Number Placeholder 5">
             <a:extLst>
               <a:ext uri="{FF2B5EF4-FFF2-40B4-BE49-F238E27FC236}">
-                <a16:creationId xmlns="" xmlns:a16="http://schemas.microsoft.com/office/drawing/2014/main" id="{996B64B9-1DF0-4EE9-BAB5-72AFA94B9AFD}"/>
+                <a16:creationId xmlns:a16="http://schemas.microsoft.com/office/drawing/2014/main" xmlns="" id="{996B64B9-1DF0-4EE9-BAB5-72AFA94B9AFD}"/>
               </a:ext>
             </a:extLst>
           </p:cNvPr>
@@ -7172,7 +7176,7 @@
           <p:cNvPr id="14" name="Text Placeholder 2">
             <a:extLst>
               <a:ext uri="{FF2B5EF4-FFF2-40B4-BE49-F238E27FC236}">
-                <a16:creationId xmlns="" xmlns:a16="http://schemas.microsoft.com/office/drawing/2014/main" id="{774CF4BA-8DCB-42CF-A2C4-D6AF95EE3F54}"/>
+                <a16:creationId xmlns:a16="http://schemas.microsoft.com/office/drawing/2014/main" xmlns="" id="{774CF4BA-8DCB-42CF-A2C4-D6AF95EE3F54}"/>
               </a:ext>
             </a:extLst>
           </p:cNvPr>
@@ -7247,7 +7251,7 @@
           <p:cNvPr id="17" name="Content Placeholder 3">
             <a:extLst>
               <a:ext uri="{FF2B5EF4-FFF2-40B4-BE49-F238E27FC236}">
-                <a16:creationId xmlns="" xmlns:a16="http://schemas.microsoft.com/office/drawing/2014/main" id="{67BA8B6E-A28D-4658-8C91-6CA7BD539B85}"/>
+                <a16:creationId xmlns:a16="http://schemas.microsoft.com/office/drawing/2014/main" xmlns="" id="{67BA8B6E-A28D-4658-8C91-6CA7BD539B85}"/>
               </a:ext>
             </a:extLst>
           </p:cNvPr>
@@ -7310,7 +7314,7 @@
           <p:cNvPr id="18" name="Text Placeholder 4">
             <a:extLst>
               <a:ext uri="{FF2B5EF4-FFF2-40B4-BE49-F238E27FC236}">
-                <a16:creationId xmlns="" xmlns:a16="http://schemas.microsoft.com/office/drawing/2014/main" id="{F73B3215-82DB-4DBF-9E77-3AE2308C6920}"/>
+                <a16:creationId xmlns:a16="http://schemas.microsoft.com/office/drawing/2014/main" xmlns="" id="{F73B3215-82DB-4DBF-9E77-3AE2308C6920}"/>
               </a:ext>
             </a:extLst>
           </p:cNvPr>
@@ -7385,7 +7389,7 @@
           <p:cNvPr id="19" name="Content Placeholder 5">
             <a:extLst>
               <a:ext uri="{FF2B5EF4-FFF2-40B4-BE49-F238E27FC236}">
-                <a16:creationId xmlns="" xmlns:a16="http://schemas.microsoft.com/office/drawing/2014/main" id="{8DFD34E8-36CC-4FFE-926B-C170208FEDB8}"/>
+                <a16:creationId xmlns:a16="http://schemas.microsoft.com/office/drawing/2014/main" xmlns="" id="{8DFD34E8-36CC-4FFE-926B-C170208FEDB8}"/>
               </a:ext>
             </a:extLst>
           </p:cNvPr>
@@ -7448,7 +7452,7 @@
           <p:cNvPr id="21" name="Picture 20">
             <a:extLst>
               <a:ext uri="{FF2B5EF4-FFF2-40B4-BE49-F238E27FC236}">
-                <a16:creationId xmlns="" xmlns:a16="http://schemas.microsoft.com/office/drawing/2014/main" id="{03383C6B-3BE4-4380-AF26-1C21492FCE8A}"/>
+                <a16:creationId xmlns:a16="http://schemas.microsoft.com/office/drawing/2014/main" xmlns="" id="{03383C6B-3BE4-4380-AF26-1C21492FCE8A}"/>
               </a:ext>
             </a:extLst>
           </p:cNvPr>
@@ -7484,7 +7488,7 @@
           <p:cNvPr id="25" name="Title 1">
             <a:extLst>
               <a:ext uri="{FF2B5EF4-FFF2-40B4-BE49-F238E27FC236}">
-                <a16:creationId xmlns="" xmlns:a16="http://schemas.microsoft.com/office/drawing/2014/main" id="{AE3770E9-CB74-47B0-8229-91F6F756015E}"/>
+                <a16:creationId xmlns:a16="http://schemas.microsoft.com/office/drawing/2014/main" xmlns="" id="{AE3770E9-CB74-47B0-8229-91F6F756015E}"/>
               </a:ext>
             </a:extLst>
           </p:cNvPr>
@@ -7554,7 +7558,7 @@
           <p:cNvPr id="22" name="Picture Placeholder 21">
             <a:extLst>
               <a:ext uri="{FF2B5EF4-FFF2-40B4-BE49-F238E27FC236}">
-                <a16:creationId xmlns="" xmlns:a16="http://schemas.microsoft.com/office/drawing/2014/main" id="{C57825D7-DD33-4B70-BBBE-D46E7A5352EC}"/>
+                <a16:creationId xmlns:a16="http://schemas.microsoft.com/office/drawing/2014/main" xmlns="" id="{C57825D7-DD33-4B70-BBBE-D46E7A5352EC}"/>
               </a:ext>
             </a:extLst>
           </p:cNvPr>
@@ -7692,7 +7696,7 @@
           <p:cNvPr id="14" name="Group 13">
             <a:extLst>
               <a:ext uri="{FF2B5EF4-FFF2-40B4-BE49-F238E27FC236}">
-                <a16:creationId xmlns="" xmlns:a16="http://schemas.microsoft.com/office/drawing/2014/main" id="{0DC2055F-AE3F-46BE-B57E-A0F1A86D1C36}"/>
+                <a16:creationId xmlns:a16="http://schemas.microsoft.com/office/drawing/2014/main" xmlns="" id="{0DC2055F-AE3F-46BE-B57E-A0F1A86D1C36}"/>
               </a:ext>
             </a:extLst>
           </p:cNvPr>
@@ -7717,7 +7721,7 @@
             <p:cNvPr id="15" name="Freeform 5">
               <a:extLst>
                 <a:ext uri="{FF2B5EF4-FFF2-40B4-BE49-F238E27FC236}">
-                  <a16:creationId xmlns="" xmlns:a16="http://schemas.microsoft.com/office/drawing/2014/main" id="{C98EF042-A3B8-406D-BC16-153A989F571A}"/>
+                  <a16:creationId xmlns:a16="http://schemas.microsoft.com/office/drawing/2014/main" xmlns="" id="{C98EF042-A3B8-406D-BC16-153A989F571A}"/>
                 </a:ext>
               </a:extLst>
             </p:cNvPr>
@@ -7907,7 +7911,7 @@
             <p:cNvPr id="16" name="Freeform 6">
               <a:extLst>
                 <a:ext uri="{FF2B5EF4-FFF2-40B4-BE49-F238E27FC236}">
-                  <a16:creationId xmlns="" xmlns:a16="http://schemas.microsoft.com/office/drawing/2014/main" id="{68E5FAC9-A660-4D7A-AC84-0A7C8CC3BB65}"/>
+                  <a16:creationId xmlns:a16="http://schemas.microsoft.com/office/drawing/2014/main" xmlns="" id="{68E5FAC9-A660-4D7A-AC84-0A7C8CC3BB65}"/>
                 </a:ext>
               </a:extLst>
             </p:cNvPr>
@@ -8058,7 +8062,7 @@
           <p:cNvPr id="19" name="Title 1">
             <a:extLst>
               <a:ext uri="{FF2B5EF4-FFF2-40B4-BE49-F238E27FC236}">
-                <a16:creationId xmlns="" xmlns:a16="http://schemas.microsoft.com/office/drawing/2014/main" id="{19A1397F-1946-4CBE-9EC5-159C3CBC78B6}"/>
+                <a16:creationId xmlns:a16="http://schemas.microsoft.com/office/drawing/2014/main" xmlns="" id="{19A1397F-1946-4CBE-9EC5-159C3CBC78B6}"/>
               </a:ext>
             </a:extLst>
           </p:cNvPr>
@@ -8096,7 +8100,7 @@
           <p:cNvPr id="20" name="Text Placeholder 3">
             <a:extLst>
               <a:ext uri="{FF2B5EF4-FFF2-40B4-BE49-F238E27FC236}">
-                <a16:creationId xmlns="" xmlns:a16="http://schemas.microsoft.com/office/drawing/2014/main" id="{C535F2AB-153E-44A9-97BE-00553BEC1770}"/>
+                <a16:creationId xmlns:a16="http://schemas.microsoft.com/office/drawing/2014/main" xmlns="" id="{C535F2AB-153E-44A9-97BE-00553BEC1770}"/>
               </a:ext>
             </a:extLst>
           </p:cNvPr>
@@ -8168,7 +8172,7 @@
           <p:cNvPr id="8" name="Picture 7">
             <a:extLst>
               <a:ext uri="{FF2B5EF4-FFF2-40B4-BE49-F238E27FC236}">
-                <a16:creationId xmlns="" xmlns:a16="http://schemas.microsoft.com/office/drawing/2014/main" id="{06298D65-1027-4897-A948-DCEEF8FC3D98}"/>
+                <a16:creationId xmlns:a16="http://schemas.microsoft.com/office/drawing/2014/main" xmlns="" id="{06298D65-1027-4897-A948-DCEEF8FC3D98}"/>
               </a:ext>
             </a:extLst>
           </p:cNvPr>
@@ -8234,7 +8238,7 @@
           <p:cNvPr id="19" name="Group 18">
             <a:extLst>
               <a:ext uri="{FF2B5EF4-FFF2-40B4-BE49-F238E27FC236}">
-                <a16:creationId xmlns="" xmlns:a16="http://schemas.microsoft.com/office/drawing/2014/main" id="{9F866E5C-B8AA-4805-B232-831BA01AAF16}"/>
+                <a16:creationId xmlns:a16="http://schemas.microsoft.com/office/drawing/2014/main" xmlns="" id="{9F866E5C-B8AA-4805-B232-831BA01AAF16}"/>
               </a:ext>
             </a:extLst>
           </p:cNvPr>
@@ -8259,7 +8263,7 @@
             <p:cNvPr id="20" name="Freeform 5">
               <a:extLst>
                 <a:ext uri="{FF2B5EF4-FFF2-40B4-BE49-F238E27FC236}">
-                  <a16:creationId xmlns="" xmlns:a16="http://schemas.microsoft.com/office/drawing/2014/main" id="{F98614F0-2DA3-4F29-8CB3-D61424AC8506}"/>
+                  <a16:creationId xmlns:a16="http://schemas.microsoft.com/office/drawing/2014/main" xmlns="" id="{F98614F0-2DA3-4F29-8CB3-D61424AC8506}"/>
                 </a:ext>
               </a:extLst>
             </p:cNvPr>
@@ -8449,7 +8453,7 @@
             <p:cNvPr id="22" name="Freeform 6">
               <a:extLst>
                 <a:ext uri="{FF2B5EF4-FFF2-40B4-BE49-F238E27FC236}">
-                  <a16:creationId xmlns="" xmlns:a16="http://schemas.microsoft.com/office/drawing/2014/main" id="{66D52F08-13EC-4AB4-BB79-89A5395A03BF}"/>
+                  <a16:creationId xmlns:a16="http://schemas.microsoft.com/office/drawing/2014/main" xmlns="" id="{66D52F08-13EC-4AB4-BB79-89A5395A03BF}"/>
                 </a:ext>
               </a:extLst>
             </p:cNvPr>
@@ -8599,7 +8603,7 @@
             <p:cNvPr id="23" name="Freeform 7">
               <a:extLst>
                 <a:ext uri="{FF2B5EF4-FFF2-40B4-BE49-F238E27FC236}">
-                  <a16:creationId xmlns="" xmlns:a16="http://schemas.microsoft.com/office/drawing/2014/main" id="{2544236D-8C3A-41EF-9A68-C84A8A7D0F5A}"/>
+                  <a16:creationId xmlns:a16="http://schemas.microsoft.com/office/drawing/2014/main" xmlns="" id="{2544236D-8C3A-41EF-9A68-C84A8A7D0F5A}"/>
                 </a:ext>
               </a:extLst>
             </p:cNvPr>
@@ -8740,7 +8744,7 @@
           <p:cNvPr id="7" name="Rectangle 6">
             <a:extLst>
               <a:ext uri="{FF2B5EF4-FFF2-40B4-BE49-F238E27FC236}">
-                <a16:creationId xmlns="" xmlns:a16="http://schemas.microsoft.com/office/drawing/2014/main" id="{76627016-BFC4-46D4-89DB-F72E3C3461EC}"/>
+                <a16:creationId xmlns:a16="http://schemas.microsoft.com/office/drawing/2014/main" xmlns="" id="{76627016-BFC4-46D4-89DB-F72E3C3461EC}"/>
               </a:ext>
             </a:extLst>
           </p:cNvPr>
@@ -8796,7 +8800,7 @@
           <p:cNvPr id="15" name="Oval 14">
             <a:extLst>
               <a:ext uri="{FF2B5EF4-FFF2-40B4-BE49-F238E27FC236}">
-                <a16:creationId xmlns="" xmlns:a16="http://schemas.microsoft.com/office/drawing/2014/main" id="{EF515B4A-CB20-4847-8E00-0DD66F1FEBB4}"/>
+                <a16:creationId xmlns:a16="http://schemas.microsoft.com/office/drawing/2014/main" xmlns="" id="{EF515B4A-CB20-4847-8E00-0DD66F1FEBB4}"/>
               </a:ext>
             </a:extLst>
           </p:cNvPr>
@@ -8848,7 +8852,7 @@
           <p:cNvPr id="16" name="Slide Number Placeholder 5">
             <a:extLst>
               <a:ext uri="{FF2B5EF4-FFF2-40B4-BE49-F238E27FC236}">
-                <a16:creationId xmlns="" xmlns:a16="http://schemas.microsoft.com/office/drawing/2014/main" id="{996B64B9-1DF0-4EE9-BAB5-72AFA94B9AFD}"/>
+                <a16:creationId xmlns:a16="http://schemas.microsoft.com/office/drawing/2014/main" xmlns="" id="{996B64B9-1DF0-4EE9-BAB5-72AFA94B9AFD}"/>
               </a:ext>
             </a:extLst>
           </p:cNvPr>
@@ -8892,7 +8896,7 @@
           <p:cNvPr id="14" name="Title 1">
             <a:extLst>
               <a:ext uri="{FF2B5EF4-FFF2-40B4-BE49-F238E27FC236}">
-                <a16:creationId xmlns="" xmlns:a16="http://schemas.microsoft.com/office/drawing/2014/main" id="{9009D5C6-6206-4291-8037-67DC025F0B4C}"/>
+                <a16:creationId xmlns:a16="http://schemas.microsoft.com/office/drawing/2014/main" xmlns="" id="{9009D5C6-6206-4291-8037-67DC025F0B4C}"/>
               </a:ext>
             </a:extLst>
           </p:cNvPr>
@@ -8930,7 +8934,7 @@
           <p:cNvPr id="17" name="Text Placeholder 3">
             <a:extLst>
               <a:ext uri="{FF2B5EF4-FFF2-40B4-BE49-F238E27FC236}">
-                <a16:creationId xmlns="" xmlns:a16="http://schemas.microsoft.com/office/drawing/2014/main" id="{BEB643FD-AA85-4A43-8EBD-AFD10DD98793}"/>
+                <a16:creationId xmlns:a16="http://schemas.microsoft.com/office/drawing/2014/main" xmlns="" id="{BEB643FD-AA85-4A43-8EBD-AFD10DD98793}"/>
               </a:ext>
             </a:extLst>
           </p:cNvPr>
@@ -9001,7 +9005,7 @@
           <p:cNvPr id="18" name="Content Placeholder 2">
             <a:extLst>
               <a:ext uri="{FF2B5EF4-FFF2-40B4-BE49-F238E27FC236}">
-                <a16:creationId xmlns="" xmlns:a16="http://schemas.microsoft.com/office/drawing/2014/main" id="{9001F313-F798-43BE-AFF0-A68C84C3640D}"/>
+                <a16:creationId xmlns:a16="http://schemas.microsoft.com/office/drawing/2014/main" xmlns="" id="{9001F313-F798-43BE-AFF0-A68C84C3640D}"/>
               </a:ext>
             </a:extLst>
           </p:cNvPr>
@@ -9092,7 +9096,7 @@
           <p:cNvPr id="13" name="Picture 12">
             <a:extLst>
               <a:ext uri="{FF2B5EF4-FFF2-40B4-BE49-F238E27FC236}">
-                <a16:creationId xmlns="" xmlns:a16="http://schemas.microsoft.com/office/drawing/2014/main" id="{91881DEA-0ECB-4310-ADF5-4337ACB4338B}"/>
+                <a16:creationId xmlns:a16="http://schemas.microsoft.com/office/drawing/2014/main" xmlns="" id="{91881DEA-0ECB-4310-ADF5-4337ACB4338B}"/>
               </a:ext>
             </a:extLst>
           </p:cNvPr>
@@ -9170,7 +9174,7 @@
           <a:p>
             <a:fld id="{11489015-5B70-4D85-AA05-A54131EA11AC}" type="datetime3">
               <a:rPr lang="en-US" smtClean="0"/>
-              <a:t>1 July 2019</a:t>
+              <a:t>2 July 2019</a:t>
             </a:fld>
             <a:endParaRPr lang="en-US"/>
           </a:p>
@@ -9276,7 +9280,7 @@
           <p:cNvPr id="4" name="Rectangle 3">
             <a:extLst>
               <a:ext uri="{FF2B5EF4-FFF2-40B4-BE49-F238E27FC236}">
-                <a16:creationId xmlns="" xmlns:a16="http://schemas.microsoft.com/office/drawing/2014/main" id="{86299464-ED20-4919-8B3A-2CFAE8DA2347}"/>
+                <a16:creationId xmlns:a16="http://schemas.microsoft.com/office/drawing/2014/main" xmlns="" id="{86299464-ED20-4919-8B3A-2CFAE8DA2347}"/>
               </a:ext>
             </a:extLst>
           </p:cNvPr>
@@ -9328,7 +9332,7 @@
           <p:cNvPr id="2" name="Title 1">
             <a:extLst>
               <a:ext uri="{FF2B5EF4-FFF2-40B4-BE49-F238E27FC236}">
-                <a16:creationId xmlns="" xmlns:a16="http://schemas.microsoft.com/office/drawing/2014/main" id="{2456FD49-C258-4333-9422-358C976A341C}"/>
+                <a16:creationId xmlns:a16="http://schemas.microsoft.com/office/drawing/2014/main" xmlns="" id="{2456FD49-C258-4333-9422-358C976A341C}"/>
               </a:ext>
             </a:extLst>
           </p:cNvPr>
@@ -9372,7 +9376,7 @@
           <p:cNvPr id="3" name="Subtitle 2">
             <a:extLst>
               <a:ext uri="{FF2B5EF4-FFF2-40B4-BE49-F238E27FC236}">
-                <a16:creationId xmlns="" xmlns:a16="http://schemas.microsoft.com/office/drawing/2014/main" id="{59758E15-A93D-4FB9-843D-1490E27A151B}"/>
+                <a16:creationId xmlns:a16="http://schemas.microsoft.com/office/drawing/2014/main" xmlns="" id="{59758E15-A93D-4FB9-843D-1490E27A151B}"/>
               </a:ext>
             </a:extLst>
           </p:cNvPr>
@@ -9449,7 +9453,7 @@
           <p:cNvPr id="13" name="Picture Placeholder 12">
             <a:extLst>
               <a:ext uri="{FF2B5EF4-FFF2-40B4-BE49-F238E27FC236}">
-                <a16:creationId xmlns="" xmlns:a16="http://schemas.microsoft.com/office/drawing/2014/main" id="{BCCC559D-0EC3-432C-B397-6897B366DF36}"/>
+                <a16:creationId xmlns:a16="http://schemas.microsoft.com/office/drawing/2014/main" xmlns="" id="{BCCC559D-0EC3-432C-B397-6897B366DF36}"/>
               </a:ext>
             </a:extLst>
           </p:cNvPr>
@@ -9494,7 +9498,7 @@
           <p:cNvPr id="14" name="Group 13">
             <a:extLst>
               <a:ext uri="{FF2B5EF4-FFF2-40B4-BE49-F238E27FC236}">
-                <a16:creationId xmlns="" xmlns:a16="http://schemas.microsoft.com/office/drawing/2014/main" id="{0DC2055F-AE3F-46BE-B57E-A0F1A86D1C36}"/>
+                <a16:creationId xmlns:a16="http://schemas.microsoft.com/office/drawing/2014/main" xmlns="" id="{0DC2055F-AE3F-46BE-B57E-A0F1A86D1C36}"/>
               </a:ext>
             </a:extLst>
           </p:cNvPr>
@@ -9519,7 +9523,7 @@
             <p:cNvPr id="15" name="Freeform 5">
               <a:extLst>
                 <a:ext uri="{FF2B5EF4-FFF2-40B4-BE49-F238E27FC236}">
-                  <a16:creationId xmlns="" xmlns:a16="http://schemas.microsoft.com/office/drawing/2014/main" id="{C98EF042-A3B8-406D-BC16-153A989F571A}"/>
+                  <a16:creationId xmlns:a16="http://schemas.microsoft.com/office/drawing/2014/main" xmlns="" id="{C98EF042-A3B8-406D-BC16-153A989F571A}"/>
                 </a:ext>
               </a:extLst>
             </p:cNvPr>
@@ -9709,7 +9713,7 @@
             <p:cNvPr id="16" name="Freeform 6">
               <a:extLst>
                 <a:ext uri="{FF2B5EF4-FFF2-40B4-BE49-F238E27FC236}">
-                  <a16:creationId xmlns="" xmlns:a16="http://schemas.microsoft.com/office/drawing/2014/main" id="{68E5FAC9-A660-4D7A-AC84-0A7C8CC3BB65}"/>
+                  <a16:creationId xmlns:a16="http://schemas.microsoft.com/office/drawing/2014/main" xmlns="" id="{68E5FAC9-A660-4D7A-AC84-0A7C8CC3BB65}"/>
                 </a:ext>
               </a:extLst>
             </p:cNvPr>
@@ -9860,7 +9864,7 @@
           <p:cNvPr id="9" name="Picture 8">
             <a:extLst>
               <a:ext uri="{FF2B5EF4-FFF2-40B4-BE49-F238E27FC236}">
-                <a16:creationId xmlns="" xmlns:a16="http://schemas.microsoft.com/office/drawing/2014/main" id="{4FE28ACC-E44C-4381-B768-0310810E78D2}"/>
+                <a16:creationId xmlns:a16="http://schemas.microsoft.com/office/drawing/2014/main" xmlns="" id="{4FE28ACC-E44C-4381-B768-0310810E78D2}"/>
               </a:ext>
             </a:extLst>
           </p:cNvPr>
@@ -9905,7 +9909,7 @@
           <p:cNvPr id="5" name="Straight Connector 4">
             <a:extLst>
               <a:ext uri="{FF2B5EF4-FFF2-40B4-BE49-F238E27FC236}">
-                <a16:creationId xmlns="" xmlns:a16="http://schemas.microsoft.com/office/drawing/2014/main" id="{819AFA09-F4B1-493D-BCAD-FF30C20CD1AA}"/>
+                <a16:creationId xmlns:a16="http://schemas.microsoft.com/office/drawing/2014/main" xmlns="" id="{819AFA09-F4B1-493D-BCAD-FF30C20CD1AA}"/>
               </a:ext>
             </a:extLst>
           </p:cNvPr>
@@ -10002,7 +10006,7 @@
           <p:cNvPr id="10" name="Rectangle 9">
             <a:extLst>
               <a:ext uri="{FF2B5EF4-FFF2-40B4-BE49-F238E27FC236}">
-                <a16:creationId xmlns="" xmlns:a16="http://schemas.microsoft.com/office/drawing/2014/main" id="{F9087E09-D75F-4E26-B01E-A1A09BA2EA70}"/>
+                <a16:creationId xmlns:a16="http://schemas.microsoft.com/office/drawing/2014/main" xmlns="" id="{F9087E09-D75F-4E26-B01E-A1A09BA2EA70}"/>
               </a:ext>
             </a:extLst>
           </p:cNvPr>
@@ -10054,7 +10058,7 @@
           <p:cNvPr id="2" name="Title 1">
             <a:extLst>
               <a:ext uri="{FF2B5EF4-FFF2-40B4-BE49-F238E27FC236}">
-                <a16:creationId xmlns="" xmlns:a16="http://schemas.microsoft.com/office/drawing/2014/main" id="{AF7A70B7-7ADE-4E0B-B956-363B0B1AA613}"/>
+                <a16:creationId xmlns:a16="http://schemas.microsoft.com/office/drawing/2014/main" xmlns="" id="{AF7A70B7-7ADE-4E0B-B956-363B0B1AA613}"/>
               </a:ext>
             </a:extLst>
           </p:cNvPr>
@@ -10098,7 +10102,7 @@
           <p:cNvPr id="3" name="Text Placeholder 2">
             <a:extLst>
               <a:ext uri="{FF2B5EF4-FFF2-40B4-BE49-F238E27FC236}">
-                <a16:creationId xmlns="" xmlns:a16="http://schemas.microsoft.com/office/drawing/2014/main" id="{4ACB5603-8A62-4D45-B6EF-0D7E2D5FC4F7}"/>
+                <a16:creationId xmlns:a16="http://schemas.microsoft.com/office/drawing/2014/main" xmlns="" id="{4ACB5603-8A62-4D45-B6EF-0D7E2D5FC4F7}"/>
               </a:ext>
             </a:extLst>
           </p:cNvPr>
@@ -10223,7 +10227,7 @@
           <p:cNvPr id="8" name="Picture 7">
             <a:extLst>
               <a:ext uri="{FF2B5EF4-FFF2-40B4-BE49-F238E27FC236}">
-                <a16:creationId xmlns="" xmlns:a16="http://schemas.microsoft.com/office/drawing/2014/main" id="{25FC40B0-ED27-47E5-A3C2-32A8418567EE}"/>
+                <a16:creationId xmlns:a16="http://schemas.microsoft.com/office/drawing/2014/main" xmlns="" id="{25FC40B0-ED27-47E5-A3C2-32A8418567EE}"/>
               </a:ext>
             </a:extLst>
           </p:cNvPr>
@@ -10260,7 +10264,7 @@
           <p:cNvPr id="11" name="Oval 10">
             <a:extLst>
               <a:ext uri="{FF2B5EF4-FFF2-40B4-BE49-F238E27FC236}">
-                <a16:creationId xmlns="" xmlns:a16="http://schemas.microsoft.com/office/drawing/2014/main" id="{8931D2A9-0B92-4197-8802-80424C14EA7E}"/>
+                <a16:creationId xmlns:a16="http://schemas.microsoft.com/office/drawing/2014/main" xmlns="" id="{8931D2A9-0B92-4197-8802-80424C14EA7E}"/>
               </a:ext>
             </a:extLst>
           </p:cNvPr>
@@ -10312,7 +10316,7 @@
           <p:cNvPr id="6" name="Slide Number Placeholder 5">
             <a:extLst>
               <a:ext uri="{FF2B5EF4-FFF2-40B4-BE49-F238E27FC236}">
-                <a16:creationId xmlns="" xmlns:a16="http://schemas.microsoft.com/office/drawing/2014/main" id="{533B74B0-30B9-45C2-9AE6-45D1978AAFAE}"/>
+                <a16:creationId xmlns:a16="http://schemas.microsoft.com/office/drawing/2014/main" xmlns="" id="{533B74B0-30B9-45C2-9AE6-45D1978AAFAE}"/>
               </a:ext>
             </a:extLst>
           </p:cNvPr>
@@ -10356,7 +10360,7 @@
           <p:cNvPr id="15" name="Picture Placeholder 14">
             <a:extLst>
               <a:ext uri="{FF2B5EF4-FFF2-40B4-BE49-F238E27FC236}">
-                <a16:creationId xmlns="" xmlns:a16="http://schemas.microsoft.com/office/drawing/2014/main" id="{B5A30B6B-EEDB-4142-8138-D50F5A307D76}"/>
+                <a16:creationId xmlns:a16="http://schemas.microsoft.com/office/drawing/2014/main" xmlns="" id="{B5A30B6B-EEDB-4142-8138-D50F5A307D76}"/>
               </a:ext>
             </a:extLst>
           </p:cNvPr>
@@ -10532,7 +10536,7 @@
           <p:cNvPr id="3" name="Content Placeholder 2">
             <a:extLst>
               <a:ext uri="{FF2B5EF4-FFF2-40B4-BE49-F238E27FC236}">
-                <a16:creationId xmlns="" xmlns:a16="http://schemas.microsoft.com/office/drawing/2014/main" id="{0FEE9886-36F0-4E06-A3A6-D8F00B0665A1}"/>
+                <a16:creationId xmlns:a16="http://schemas.microsoft.com/office/drawing/2014/main" xmlns="" id="{0FEE9886-36F0-4E06-A3A6-D8F00B0665A1}"/>
               </a:ext>
             </a:extLst>
           </p:cNvPr>
@@ -10613,7 +10617,7 @@
           <p:cNvPr id="7" name="Rectangle 6">
             <a:extLst>
               <a:ext uri="{FF2B5EF4-FFF2-40B4-BE49-F238E27FC236}">
-                <a16:creationId xmlns="" xmlns:a16="http://schemas.microsoft.com/office/drawing/2014/main" id="{76627016-BFC4-46D4-89DB-F72E3C3461EC}"/>
+                <a16:creationId xmlns:a16="http://schemas.microsoft.com/office/drawing/2014/main" xmlns="" id="{76627016-BFC4-46D4-89DB-F72E3C3461EC}"/>
               </a:ext>
             </a:extLst>
           </p:cNvPr>
@@ -10669,7 +10673,7 @@
           <p:cNvPr id="8" name="Picture 7">
             <a:extLst>
               <a:ext uri="{FF2B5EF4-FFF2-40B4-BE49-F238E27FC236}">
-                <a16:creationId xmlns="" xmlns:a16="http://schemas.microsoft.com/office/drawing/2014/main" id="{676C557E-B5A7-4416-BCC0-5743550BF152}"/>
+                <a16:creationId xmlns:a16="http://schemas.microsoft.com/office/drawing/2014/main" xmlns="" id="{676C557E-B5A7-4416-BCC0-5743550BF152}"/>
               </a:ext>
             </a:extLst>
           </p:cNvPr>
@@ -10705,7 +10709,7 @@
           <p:cNvPr id="10" name="Group 9">
             <a:extLst>
               <a:ext uri="{FF2B5EF4-FFF2-40B4-BE49-F238E27FC236}">
-                <a16:creationId xmlns="" xmlns:a16="http://schemas.microsoft.com/office/drawing/2014/main" id="{42E17FB3-B5C4-4B3A-A57B-C6493A9D0C66}"/>
+                <a16:creationId xmlns:a16="http://schemas.microsoft.com/office/drawing/2014/main" xmlns="" id="{42E17FB3-B5C4-4B3A-A57B-C6493A9D0C66}"/>
               </a:ext>
             </a:extLst>
           </p:cNvPr>
@@ -10728,7 +10732,7 @@
             <p:cNvPr id="11" name="Freeform 5">
               <a:extLst>
                 <a:ext uri="{FF2B5EF4-FFF2-40B4-BE49-F238E27FC236}">
-                  <a16:creationId xmlns="" xmlns:a16="http://schemas.microsoft.com/office/drawing/2014/main" id="{DCA6C454-F761-4265-BB5E-DFD947CC3592}"/>
+                  <a16:creationId xmlns:a16="http://schemas.microsoft.com/office/drawing/2014/main" xmlns="" id="{DCA6C454-F761-4265-BB5E-DFD947CC3592}"/>
                 </a:ext>
               </a:extLst>
             </p:cNvPr>
@@ -10918,7 +10922,7 @@
             <p:cNvPr id="12" name="Freeform 6">
               <a:extLst>
                 <a:ext uri="{FF2B5EF4-FFF2-40B4-BE49-F238E27FC236}">
-                  <a16:creationId xmlns="" xmlns:a16="http://schemas.microsoft.com/office/drawing/2014/main" id="{6B853B2F-9E1C-4AC4-9344-8610498D5B52}"/>
+                  <a16:creationId xmlns:a16="http://schemas.microsoft.com/office/drawing/2014/main" xmlns="" id="{6B853B2F-9E1C-4AC4-9344-8610498D5B52}"/>
                 </a:ext>
               </a:extLst>
             </p:cNvPr>
@@ -11068,7 +11072,7 @@
             <p:cNvPr id="13" name="Freeform 7">
               <a:extLst>
                 <a:ext uri="{FF2B5EF4-FFF2-40B4-BE49-F238E27FC236}">
-                  <a16:creationId xmlns="" xmlns:a16="http://schemas.microsoft.com/office/drawing/2014/main" id="{B7FCC84B-2235-4948-8277-8363DFC691A4}"/>
+                  <a16:creationId xmlns:a16="http://schemas.microsoft.com/office/drawing/2014/main" xmlns="" id="{B7FCC84B-2235-4948-8277-8363DFC691A4}"/>
                 </a:ext>
               </a:extLst>
             </p:cNvPr>
@@ -11209,7 +11213,7 @@
           <p:cNvPr id="15" name="Oval 14">
             <a:extLst>
               <a:ext uri="{FF2B5EF4-FFF2-40B4-BE49-F238E27FC236}">
-                <a16:creationId xmlns="" xmlns:a16="http://schemas.microsoft.com/office/drawing/2014/main" id="{EF515B4A-CB20-4847-8E00-0DD66F1FEBB4}"/>
+                <a16:creationId xmlns:a16="http://schemas.microsoft.com/office/drawing/2014/main" xmlns="" id="{EF515B4A-CB20-4847-8E00-0DD66F1FEBB4}"/>
               </a:ext>
             </a:extLst>
           </p:cNvPr>
@@ -11261,7 +11265,7 @@
           <p:cNvPr id="16" name="Slide Number Placeholder 5">
             <a:extLst>
               <a:ext uri="{FF2B5EF4-FFF2-40B4-BE49-F238E27FC236}">
-                <a16:creationId xmlns="" xmlns:a16="http://schemas.microsoft.com/office/drawing/2014/main" id="{996B64B9-1DF0-4EE9-BAB5-72AFA94B9AFD}"/>
+                <a16:creationId xmlns:a16="http://schemas.microsoft.com/office/drawing/2014/main" xmlns="" id="{996B64B9-1DF0-4EE9-BAB5-72AFA94B9AFD}"/>
               </a:ext>
             </a:extLst>
           </p:cNvPr>
@@ -11305,7 +11309,7 @@
           <p:cNvPr id="23" name="Picture Placeholder 22">
             <a:extLst>
               <a:ext uri="{FF2B5EF4-FFF2-40B4-BE49-F238E27FC236}">
-                <a16:creationId xmlns="" xmlns:a16="http://schemas.microsoft.com/office/drawing/2014/main" id="{26619E66-5354-4D60-8529-27917AC037C0}"/>
+                <a16:creationId xmlns:a16="http://schemas.microsoft.com/office/drawing/2014/main" xmlns="" id="{26619E66-5354-4D60-8529-27917AC037C0}"/>
               </a:ext>
             </a:extLst>
           </p:cNvPr>
@@ -11425,7 +11429,7 @@
           <p:cNvPr id="14" name="Title 1">
             <a:extLst>
               <a:ext uri="{FF2B5EF4-FFF2-40B4-BE49-F238E27FC236}">
-                <a16:creationId xmlns="" xmlns:a16="http://schemas.microsoft.com/office/drawing/2014/main" id="{2E646B4F-6CCB-724C-9D5E-6D5770023939}"/>
+                <a16:creationId xmlns:a16="http://schemas.microsoft.com/office/drawing/2014/main" xmlns="" id="{2E646B4F-6CCB-724C-9D5E-6D5770023939}"/>
               </a:ext>
             </a:extLst>
           </p:cNvPr>
@@ -11495,7 +11499,7 @@
           <p:cNvPr id="2" name="Title 1">
             <a:extLst>
               <a:ext uri="{FF2B5EF4-FFF2-40B4-BE49-F238E27FC236}">
-                <a16:creationId xmlns="" xmlns:a16="http://schemas.microsoft.com/office/drawing/2014/main" id="{32970CD0-696D-4313-96BA-4AA72C813BD0}"/>
+                <a16:creationId xmlns:a16="http://schemas.microsoft.com/office/drawing/2014/main" xmlns="" id="{32970CD0-696D-4313-96BA-4AA72C813BD0}"/>
               </a:ext>
             </a:extLst>
           </p:cNvPr>
@@ -11535,7 +11539,7 @@
           <p:cNvPr id="3" name="Content Placeholder 2">
             <a:extLst>
               <a:ext uri="{FF2B5EF4-FFF2-40B4-BE49-F238E27FC236}">
-                <a16:creationId xmlns="" xmlns:a16="http://schemas.microsoft.com/office/drawing/2014/main" id="{0FEE9886-36F0-4E06-A3A6-D8F00B0665A1}"/>
+                <a16:creationId xmlns:a16="http://schemas.microsoft.com/office/drawing/2014/main" xmlns="" id="{0FEE9886-36F0-4E06-A3A6-D8F00B0665A1}"/>
               </a:ext>
             </a:extLst>
           </p:cNvPr>
@@ -11615,7 +11619,7 @@
           <p:cNvPr id="7" name="Rectangle 6">
             <a:extLst>
               <a:ext uri="{FF2B5EF4-FFF2-40B4-BE49-F238E27FC236}">
-                <a16:creationId xmlns="" xmlns:a16="http://schemas.microsoft.com/office/drawing/2014/main" id="{76627016-BFC4-46D4-89DB-F72E3C3461EC}"/>
+                <a16:creationId xmlns:a16="http://schemas.microsoft.com/office/drawing/2014/main" xmlns="" id="{76627016-BFC4-46D4-89DB-F72E3C3461EC}"/>
               </a:ext>
             </a:extLst>
           </p:cNvPr>
@@ -11671,7 +11675,7 @@
           <p:cNvPr id="8" name="Picture 7">
             <a:extLst>
               <a:ext uri="{FF2B5EF4-FFF2-40B4-BE49-F238E27FC236}">
-                <a16:creationId xmlns="" xmlns:a16="http://schemas.microsoft.com/office/drawing/2014/main" id="{676C557E-B5A7-4416-BCC0-5743550BF152}"/>
+                <a16:creationId xmlns:a16="http://schemas.microsoft.com/office/drawing/2014/main" xmlns="" id="{676C557E-B5A7-4416-BCC0-5743550BF152}"/>
               </a:ext>
             </a:extLst>
           </p:cNvPr>
@@ -11707,7 +11711,7 @@
           <p:cNvPr id="15" name="Oval 14">
             <a:extLst>
               <a:ext uri="{FF2B5EF4-FFF2-40B4-BE49-F238E27FC236}">
-                <a16:creationId xmlns="" xmlns:a16="http://schemas.microsoft.com/office/drawing/2014/main" id="{EF515B4A-CB20-4847-8E00-0DD66F1FEBB4}"/>
+                <a16:creationId xmlns:a16="http://schemas.microsoft.com/office/drawing/2014/main" xmlns="" id="{EF515B4A-CB20-4847-8E00-0DD66F1FEBB4}"/>
               </a:ext>
             </a:extLst>
           </p:cNvPr>
@@ -11759,7 +11763,7 @@
           <p:cNvPr id="16" name="Slide Number Placeholder 5">
             <a:extLst>
               <a:ext uri="{FF2B5EF4-FFF2-40B4-BE49-F238E27FC236}">
-                <a16:creationId xmlns="" xmlns:a16="http://schemas.microsoft.com/office/drawing/2014/main" id="{996B64B9-1DF0-4EE9-BAB5-72AFA94B9AFD}"/>
+                <a16:creationId xmlns:a16="http://schemas.microsoft.com/office/drawing/2014/main" xmlns="" id="{996B64B9-1DF0-4EE9-BAB5-72AFA94B9AFD}"/>
               </a:ext>
             </a:extLst>
           </p:cNvPr>
@@ -11803,7 +11807,7 @@
           <p:cNvPr id="14" name="Rectangle 13">
             <a:extLst>
               <a:ext uri="{FF2B5EF4-FFF2-40B4-BE49-F238E27FC236}">
-                <a16:creationId xmlns="" xmlns:a16="http://schemas.microsoft.com/office/drawing/2014/main" id="{9D415693-E2CB-4DB4-B07C-2F96B0CAB302}"/>
+                <a16:creationId xmlns:a16="http://schemas.microsoft.com/office/drawing/2014/main" xmlns="" id="{9D415693-E2CB-4DB4-B07C-2F96B0CAB302}"/>
               </a:ext>
             </a:extLst>
           </p:cNvPr>
@@ -11859,7 +11863,7 @@
           <p:cNvPr id="4" name="Oval 3">
             <a:extLst>
               <a:ext uri="{FF2B5EF4-FFF2-40B4-BE49-F238E27FC236}">
-                <a16:creationId xmlns="" xmlns:a16="http://schemas.microsoft.com/office/drawing/2014/main" id="{14C1BF67-E354-4E04-8F94-BABF2B7D1AFB}"/>
+                <a16:creationId xmlns:a16="http://schemas.microsoft.com/office/drawing/2014/main" xmlns="" id="{14C1BF67-E354-4E04-8F94-BABF2B7D1AFB}"/>
               </a:ext>
             </a:extLst>
           </p:cNvPr>
@@ -11913,7 +11917,7 @@
           <p:cNvPr id="18" name="Picture Placeholder 5">
             <a:extLst>
               <a:ext uri="{FF2B5EF4-FFF2-40B4-BE49-F238E27FC236}">
-                <a16:creationId xmlns="" xmlns:a16="http://schemas.microsoft.com/office/drawing/2014/main" id="{FF6AC390-6F85-4B64-AE7A-E8E0D8FC89CF}"/>
+                <a16:creationId xmlns:a16="http://schemas.microsoft.com/office/drawing/2014/main" xmlns="" id="{FF6AC390-6F85-4B64-AE7A-E8E0D8FC89CF}"/>
               </a:ext>
             </a:extLst>
           </p:cNvPr>
@@ -11990,7 +11994,7 @@
           <p:cNvPr id="19" name="Rectangle 18">
             <a:extLst>
               <a:ext uri="{FF2B5EF4-FFF2-40B4-BE49-F238E27FC236}">
-                <a16:creationId xmlns="" xmlns:a16="http://schemas.microsoft.com/office/drawing/2014/main" id="{12E4E194-63F1-4D43-AC02-75733DF045E9}"/>
+                <a16:creationId xmlns:a16="http://schemas.microsoft.com/office/drawing/2014/main" xmlns="" id="{12E4E194-63F1-4D43-AC02-75733DF045E9}"/>
               </a:ext>
             </a:extLst>
           </p:cNvPr>
@@ -12042,7 +12046,7 @@
           <p:cNvPr id="22" name="Oval 21">
             <a:extLst>
               <a:ext uri="{FF2B5EF4-FFF2-40B4-BE49-F238E27FC236}">
-                <a16:creationId xmlns="" xmlns:a16="http://schemas.microsoft.com/office/drawing/2014/main" id="{E799E3E2-888B-2343-9A63-F84C03265CB5}"/>
+                <a16:creationId xmlns:a16="http://schemas.microsoft.com/office/drawing/2014/main" xmlns="" id="{E799E3E2-888B-2343-9A63-F84C03265CB5}"/>
               </a:ext>
             </a:extLst>
           </p:cNvPr>
@@ -12098,7 +12102,7 @@
           <p:cNvPr id="23" name="Picture Placeholder 11">
             <a:extLst>
               <a:ext uri="{FF2B5EF4-FFF2-40B4-BE49-F238E27FC236}">
-                <a16:creationId xmlns="" xmlns:a16="http://schemas.microsoft.com/office/drawing/2014/main" id="{8FEDE8EF-5B7A-A741-9A56-D365CAE01B62}"/>
+                <a16:creationId xmlns:a16="http://schemas.microsoft.com/office/drawing/2014/main" xmlns="" id="{8FEDE8EF-5B7A-A741-9A56-D365CAE01B62}"/>
               </a:ext>
             </a:extLst>
           </p:cNvPr>
@@ -12146,7 +12150,7 @@
           <p:cNvPr id="9" name="Rectangle 8">
             <a:extLst>
               <a:ext uri="{FF2B5EF4-FFF2-40B4-BE49-F238E27FC236}">
-                <a16:creationId xmlns="" xmlns:a16="http://schemas.microsoft.com/office/drawing/2014/main" id="{3755C1FB-E61C-4BBC-8179-D34908DEA1B6}"/>
+                <a16:creationId xmlns:a16="http://schemas.microsoft.com/office/drawing/2014/main" xmlns="" id="{3755C1FB-E61C-4BBC-8179-D34908DEA1B6}"/>
               </a:ext>
             </a:extLst>
           </p:cNvPr>
@@ -12198,7 +12202,7 @@
           <p:cNvPr id="4" name="Oval 3">
             <a:extLst>
               <a:ext uri="{FF2B5EF4-FFF2-40B4-BE49-F238E27FC236}">
-                <a16:creationId xmlns="" xmlns:a16="http://schemas.microsoft.com/office/drawing/2014/main" id="{8C1E0992-271E-4948-9461-C7AA54AF8FEA}"/>
+                <a16:creationId xmlns:a16="http://schemas.microsoft.com/office/drawing/2014/main" xmlns="" id="{8C1E0992-271E-4948-9461-C7AA54AF8FEA}"/>
               </a:ext>
             </a:extLst>
           </p:cNvPr>
@@ -12251,7 +12255,7 @@
           <p:cNvPr id="2" name="Title 1">
             <a:extLst>
               <a:ext uri="{FF2B5EF4-FFF2-40B4-BE49-F238E27FC236}">
-                <a16:creationId xmlns="" xmlns:a16="http://schemas.microsoft.com/office/drawing/2014/main" id="{32970CD0-696D-4313-96BA-4AA72C813BD0}"/>
+                <a16:creationId xmlns:a16="http://schemas.microsoft.com/office/drawing/2014/main" xmlns="" id="{32970CD0-696D-4313-96BA-4AA72C813BD0}"/>
               </a:ext>
             </a:extLst>
           </p:cNvPr>
@@ -12291,7 +12295,7 @@
           <p:cNvPr id="3" name="Content Placeholder 2">
             <a:extLst>
               <a:ext uri="{FF2B5EF4-FFF2-40B4-BE49-F238E27FC236}">
-                <a16:creationId xmlns="" xmlns:a16="http://schemas.microsoft.com/office/drawing/2014/main" id="{0FEE9886-36F0-4E06-A3A6-D8F00B0665A1}"/>
+                <a16:creationId xmlns:a16="http://schemas.microsoft.com/office/drawing/2014/main" xmlns="" id="{0FEE9886-36F0-4E06-A3A6-D8F00B0665A1}"/>
               </a:ext>
             </a:extLst>
           </p:cNvPr>
@@ -12348,7 +12352,7 @@
           <p:cNvPr id="7" name="Rectangle 6">
             <a:extLst>
               <a:ext uri="{FF2B5EF4-FFF2-40B4-BE49-F238E27FC236}">
-                <a16:creationId xmlns="" xmlns:a16="http://schemas.microsoft.com/office/drawing/2014/main" id="{76627016-BFC4-46D4-89DB-F72E3C3461EC}"/>
+                <a16:creationId xmlns:a16="http://schemas.microsoft.com/office/drawing/2014/main" xmlns="" id="{76627016-BFC4-46D4-89DB-F72E3C3461EC}"/>
               </a:ext>
             </a:extLst>
           </p:cNvPr>
@@ -12404,7 +12408,7 @@
           <p:cNvPr id="8" name="Picture 7">
             <a:extLst>
               <a:ext uri="{FF2B5EF4-FFF2-40B4-BE49-F238E27FC236}">
-                <a16:creationId xmlns="" xmlns:a16="http://schemas.microsoft.com/office/drawing/2014/main" id="{676C557E-B5A7-4416-BCC0-5743550BF152}"/>
+                <a16:creationId xmlns:a16="http://schemas.microsoft.com/office/drawing/2014/main" xmlns="" id="{676C557E-B5A7-4416-BCC0-5743550BF152}"/>
               </a:ext>
             </a:extLst>
           </p:cNvPr>
@@ -12440,7 +12444,7 @@
           <p:cNvPr id="15" name="Oval 14">
             <a:extLst>
               <a:ext uri="{FF2B5EF4-FFF2-40B4-BE49-F238E27FC236}">
-                <a16:creationId xmlns="" xmlns:a16="http://schemas.microsoft.com/office/drawing/2014/main" id="{EF515B4A-CB20-4847-8E00-0DD66F1FEBB4}"/>
+                <a16:creationId xmlns:a16="http://schemas.microsoft.com/office/drawing/2014/main" xmlns="" id="{EF515B4A-CB20-4847-8E00-0DD66F1FEBB4}"/>
               </a:ext>
             </a:extLst>
           </p:cNvPr>
@@ -12492,7 +12496,7 @@
           <p:cNvPr id="16" name="Slide Number Placeholder 5">
             <a:extLst>
               <a:ext uri="{FF2B5EF4-FFF2-40B4-BE49-F238E27FC236}">
-                <a16:creationId xmlns="" xmlns:a16="http://schemas.microsoft.com/office/drawing/2014/main" id="{996B64B9-1DF0-4EE9-BAB5-72AFA94B9AFD}"/>
+                <a16:creationId xmlns:a16="http://schemas.microsoft.com/office/drawing/2014/main" xmlns="" id="{996B64B9-1DF0-4EE9-BAB5-72AFA94B9AFD}"/>
               </a:ext>
             </a:extLst>
           </p:cNvPr>
@@ -12536,7 +12540,7 @@
           <p:cNvPr id="6" name="Picture Placeholder 5">
             <a:extLst>
               <a:ext uri="{FF2B5EF4-FFF2-40B4-BE49-F238E27FC236}">
-                <a16:creationId xmlns="" xmlns:a16="http://schemas.microsoft.com/office/drawing/2014/main" id="{35B71D50-AA4B-4E0C-8F6A-0F64F2C8A8C7}"/>
+                <a16:creationId xmlns:a16="http://schemas.microsoft.com/office/drawing/2014/main" xmlns="" id="{35B71D50-AA4B-4E0C-8F6A-0F64F2C8A8C7}"/>
               </a:ext>
             </a:extLst>
           </p:cNvPr>
@@ -12580,7 +12584,7 @@
           <p:cNvPr id="17" name="Content Placeholder 2">
             <a:extLst>
               <a:ext uri="{FF2B5EF4-FFF2-40B4-BE49-F238E27FC236}">
-                <a16:creationId xmlns="" xmlns:a16="http://schemas.microsoft.com/office/drawing/2014/main" id="{147C9C38-5B17-467D-B581-EF28ECB11E80}"/>
+                <a16:creationId xmlns:a16="http://schemas.microsoft.com/office/drawing/2014/main" xmlns="" id="{147C9C38-5B17-467D-B581-EF28ECB11E80}"/>
               </a:ext>
             </a:extLst>
           </p:cNvPr>
@@ -12637,7 +12641,7 @@
           <p:cNvPr id="20" name="Content Placeholder 2">
             <a:extLst>
               <a:ext uri="{FF2B5EF4-FFF2-40B4-BE49-F238E27FC236}">
-                <a16:creationId xmlns="" xmlns:a16="http://schemas.microsoft.com/office/drawing/2014/main" id="{FEB88DD7-AEB5-4718-AF2D-28B5B91ED715}"/>
+                <a16:creationId xmlns:a16="http://schemas.microsoft.com/office/drawing/2014/main" xmlns="" id="{FEB88DD7-AEB5-4718-AF2D-28B5B91ED715}"/>
               </a:ext>
             </a:extLst>
           </p:cNvPr>
@@ -12696,7 +12700,7 @@
           <p:cNvPr id="21" name="Content Placeholder 2">
             <a:extLst>
               <a:ext uri="{FF2B5EF4-FFF2-40B4-BE49-F238E27FC236}">
-                <a16:creationId xmlns="" xmlns:a16="http://schemas.microsoft.com/office/drawing/2014/main" id="{F694448B-800C-40EF-8F61-18C018E8374C}"/>
+                <a16:creationId xmlns:a16="http://schemas.microsoft.com/office/drawing/2014/main" xmlns="" id="{F694448B-800C-40EF-8F61-18C018E8374C}"/>
               </a:ext>
             </a:extLst>
           </p:cNvPr>
@@ -12755,7 +12759,7 @@
           <p:cNvPr id="12" name="Picture Placeholder 11">
             <a:extLst>
               <a:ext uri="{FF2B5EF4-FFF2-40B4-BE49-F238E27FC236}">
-                <a16:creationId xmlns="" xmlns:a16="http://schemas.microsoft.com/office/drawing/2014/main" id="{483B974E-5202-4EAD-9D55-4129C84BAE87}"/>
+                <a16:creationId xmlns:a16="http://schemas.microsoft.com/office/drawing/2014/main" xmlns="" id="{483B974E-5202-4EAD-9D55-4129C84BAE87}"/>
               </a:ext>
             </a:extLst>
           </p:cNvPr>
@@ -12833,7 +12837,7 @@
           <p:cNvPr id="22" name="Rectangle 21">
             <a:extLst>
               <a:ext uri="{FF2B5EF4-FFF2-40B4-BE49-F238E27FC236}">
-                <a16:creationId xmlns="" xmlns:a16="http://schemas.microsoft.com/office/drawing/2014/main" id="{1B6EB0C6-606C-4AFB-8FF8-AB43606B95BD}"/>
+                <a16:creationId xmlns:a16="http://schemas.microsoft.com/office/drawing/2014/main" xmlns="" id="{1B6EB0C6-606C-4AFB-8FF8-AB43606B95BD}"/>
               </a:ext>
             </a:extLst>
           </p:cNvPr>
@@ -12885,7 +12889,7 @@
           <p:cNvPr id="4" name="Rectangle 3">
             <a:extLst>
               <a:ext uri="{FF2B5EF4-FFF2-40B4-BE49-F238E27FC236}">
-                <a16:creationId xmlns="" xmlns:a16="http://schemas.microsoft.com/office/drawing/2014/main" id="{25CE6D5A-A5C0-4B12-A26A-691D5743FA5C}"/>
+                <a16:creationId xmlns:a16="http://schemas.microsoft.com/office/drawing/2014/main" xmlns="" id="{25CE6D5A-A5C0-4B12-A26A-691D5743FA5C}"/>
               </a:ext>
             </a:extLst>
           </p:cNvPr>
@@ -12937,7 +12941,7 @@
           <p:cNvPr id="2" name="Title 1">
             <a:extLst>
               <a:ext uri="{FF2B5EF4-FFF2-40B4-BE49-F238E27FC236}">
-                <a16:creationId xmlns="" xmlns:a16="http://schemas.microsoft.com/office/drawing/2014/main" id="{32970CD0-696D-4313-96BA-4AA72C813BD0}"/>
+                <a16:creationId xmlns:a16="http://schemas.microsoft.com/office/drawing/2014/main" xmlns="" id="{32970CD0-696D-4313-96BA-4AA72C813BD0}"/>
               </a:ext>
             </a:extLst>
           </p:cNvPr>
@@ -12977,7 +12981,7 @@
           <p:cNvPr id="3" name="Content Placeholder 2">
             <a:extLst>
               <a:ext uri="{FF2B5EF4-FFF2-40B4-BE49-F238E27FC236}">
-                <a16:creationId xmlns="" xmlns:a16="http://schemas.microsoft.com/office/drawing/2014/main" id="{0FEE9886-36F0-4E06-A3A6-D8F00B0665A1}"/>
+                <a16:creationId xmlns:a16="http://schemas.microsoft.com/office/drawing/2014/main" xmlns="" id="{0FEE9886-36F0-4E06-A3A6-D8F00B0665A1}"/>
               </a:ext>
             </a:extLst>
           </p:cNvPr>
@@ -13034,7 +13038,7 @@
           <p:cNvPr id="7" name="Rectangle 6">
             <a:extLst>
               <a:ext uri="{FF2B5EF4-FFF2-40B4-BE49-F238E27FC236}">
-                <a16:creationId xmlns="" xmlns:a16="http://schemas.microsoft.com/office/drawing/2014/main" id="{76627016-BFC4-46D4-89DB-F72E3C3461EC}"/>
+                <a16:creationId xmlns:a16="http://schemas.microsoft.com/office/drawing/2014/main" xmlns="" id="{76627016-BFC4-46D4-89DB-F72E3C3461EC}"/>
               </a:ext>
             </a:extLst>
           </p:cNvPr>
@@ -13090,7 +13094,7 @@
           <p:cNvPr id="8" name="Picture 7">
             <a:extLst>
               <a:ext uri="{FF2B5EF4-FFF2-40B4-BE49-F238E27FC236}">
-                <a16:creationId xmlns="" xmlns:a16="http://schemas.microsoft.com/office/drawing/2014/main" id="{676C557E-B5A7-4416-BCC0-5743550BF152}"/>
+                <a16:creationId xmlns:a16="http://schemas.microsoft.com/office/drawing/2014/main" xmlns="" id="{676C557E-B5A7-4416-BCC0-5743550BF152}"/>
               </a:ext>
             </a:extLst>
           </p:cNvPr>
@@ -13126,7 +13130,7 @@
           <p:cNvPr id="15" name="Oval 14">
             <a:extLst>
               <a:ext uri="{FF2B5EF4-FFF2-40B4-BE49-F238E27FC236}">
-                <a16:creationId xmlns="" xmlns:a16="http://schemas.microsoft.com/office/drawing/2014/main" id="{EF515B4A-CB20-4847-8E00-0DD66F1FEBB4}"/>
+                <a16:creationId xmlns:a16="http://schemas.microsoft.com/office/drawing/2014/main" xmlns="" id="{EF515B4A-CB20-4847-8E00-0DD66F1FEBB4}"/>
               </a:ext>
             </a:extLst>
           </p:cNvPr>
@@ -13178,7 +13182,7 @@
           <p:cNvPr id="16" name="Slide Number Placeholder 5">
             <a:extLst>
               <a:ext uri="{FF2B5EF4-FFF2-40B4-BE49-F238E27FC236}">
-                <a16:creationId xmlns="" xmlns:a16="http://schemas.microsoft.com/office/drawing/2014/main" id="{996B64B9-1DF0-4EE9-BAB5-72AFA94B9AFD}"/>
+                <a16:creationId xmlns:a16="http://schemas.microsoft.com/office/drawing/2014/main" xmlns="" id="{996B64B9-1DF0-4EE9-BAB5-72AFA94B9AFD}"/>
               </a:ext>
             </a:extLst>
           </p:cNvPr>
@@ -13222,7 +13226,7 @@
           <p:cNvPr id="20" name="Content Placeholder 2">
             <a:extLst>
               <a:ext uri="{FF2B5EF4-FFF2-40B4-BE49-F238E27FC236}">
-                <a16:creationId xmlns="" xmlns:a16="http://schemas.microsoft.com/office/drawing/2014/main" id="{FEB88DD7-AEB5-4718-AF2D-28B5B91ED715}"/>
+                <a16:creationId xmlns:a16="http://schemas.microsoft.com/office/drawing/2014/main" xmlns="" id="{FEB88DD7-AEB5-4718-AF2D-28B5B91ED715}"/>
               </a:ext>
             </a:extLst>
           </p:cNvPr>
@@ -13284,7 +13288,7 @@
           <p:cNvPr id="23" name="Content Placeholder 2">
             <a:extLst>
               <a:ext uri="{FF2B5EF4-FFF2-40B4-BE49-F238E27FC236}">
-                <a16:creationId xmlns="" xmlns:a16="http://schemas.microsoft.com/office/drawing/2014/main" id="{E5123CE7-2F8A-489B-BD99-0C2A33ADF49A}"/>
+                <a16:creationId xmlns:a16="http://schemas.microsoft.com/office/drawing/2014/main" xmlns="" id="{E5123CE7-2F8A-489B-BD99-0C2A33ADF49A}"/>
               </a:ext>
             </a:extLst>
           </p:cNvPr>
@@ -13341,7 +13345,7 @@
           <p:cNvPr id="25" name="Content Placeholder 2">
             <a:extLst>
               <a:ext uri="{FF2B5EF4-FFF2-40B4-BE49-F238E27FC236}">
-                <a16:creationId xmlns="" xmlns:a16="http://schemas.microsoft.com/office/drawing/2014/main" id="{07730BCF-AC2A-4FEC-8F01-63964DB444CF}"/>
+                <a16:creationId xmlns:a16="http://schemas.microsoft.com/office/drawing/2014/main" xmlns="" id="{07730BCF-AC2A-4FEC-8F01-63964DB444CF}"/>
               </a:ext>
             </a:extLst>
           </p:cNvPr>
@@ -13403,7 +13407,7 @@
           <p:cNvPr id="21" name="Oval 20">
             <a:extLst>
               <a:ext uri="{FF2B5EF4-FFF2-40B4-BE49-F238E27FC236}">
-                <a16:creationId xmlns="" xmlns:a16="http://schemas.microsoft.com/office/drawing/2014/main" id="{919C8692-230B-D543-A7F7-4FD61B04D1C6}"/>
+                <a16:creationId xmlns:a16="http://schemas.microsoft.com/office/drawing/2014/main" xmlns="" id="{919C8692-230B-D543-A7F7-4FD61B04D1C6}"/>
               </a:ext>
             </a:extLst>
           </p:cNvPr>
@@ -13456,7 +13460,7 @@
           <p:cNvPr id="24" name="Picture Placeholder 11">
             <a:extLst>
               <a:ext uri="{FF2B5EF4-FFF2-40B4-BE49-F238E27FC236}">
-                <a16:creationId xmlns="" xmlns:a16="http://schemas.microsoft.com/office/drawing/2014/main" id="{E150BFC7-A11D-CC46-B5A2-8BD93C269506}"/>
+                <a16:creationId xmlns:a16="http://schemas.microsoft.com/office/drawing/2014/main" xmlns="" id="{E150BFC7-A11D-CC46-B5A2-8BD93C269506}"/>
               </a:ext>
             </a:extLst>
           </p:cNvPr>
@@ -13504,7 +13508,7 @@
           <p:cNvPr id="28" name="Oval 27">
             <a:extLst>
               <a:ext uri="{FF2B5EF4-FFF2-40B4-BE49-F238E27FC236}">
-                <a16:creationId xmlns="" xmlns:a16="http://schemas.microsoft.com/office/drawing/2014/main" id="{F95B55F4-B501-3440-8904-A1C7F049CBE8}"/>
+                <a16:creationId xmlns:a16="http://schemas.microsoft.com/office/drawing/2014/main" xmlns="" id="{F95B55F4-B501-3440-8904-A1C7F049CBE8}"/>
               </a:ext>
             </a:extLst>
           </p:cNvPr>
@@ -13560,7 +13564,7 @@
           <p:cNvPr id="29" name="Picture Placeholder 11">
             <a:extLst>
               <a:ext uri="{FF2B5EF4-FFF2-40B4-BE49-F238E27FC236}">
-                <a16:creationId xmlns="" xmlns:a16="http://schemas.microsoft.com/office/drawing/2014/main" id="{F2116994-BE3E-6A43-9C15-E71BA8EC821F}"/>
+                <a16:creationId xmlns:a16="http://schemas.microsoft.com/office/drawing/2014/main" xmlns="" id="{F2116994-BE3E-6A43-9C15-E71BA8EC821F}"/>
               </a:ext>
             </a:extLst>
           </p:cNvPr>
@@ -13638,7 +13642,7 @@
           <p:cNvPr id="11" name="Group 10">
             <a:extLst>
               <a:ext uri="{FF2B5EF4-FFF2-40B4-BE49-F238E27FC236}">
-                <a16:creationId xmlns="" xmlns:a16="http://schemas.microsoft.com/office/drawing/2014/main" id="{04B31150-A166-4DB3-A898-2154C9665891}"/>
+                <a16:creationId xmlns:a16="http://schemas.microsoft.com/office/drawing/2014/main" xmlns="" id="{04B31150-A166-4DB3-A898-2154C9665891}"/>
               </a:ext>
             </a:extLst>
           </p:cNvPr>
@@ -13663,7 +13667,7 @@
             <p:cNvPr id="12" name="Freeform 5">
               <a:extLst>
                 <a:ext uri="{FF2B5EF4-FFF2-40B4-BE49-F238E27FC236}">
-                  <a16:creationId xmlns="" xmlns:a16="http://schemas.microsoft.com/office/drawing/2014/main" id="{1C1A95BC-42CA-4166-918D-DF4306881408}"/>
+                  <a16:creationId xmlns:a16="http://schemas.microsoft.com/office/drawing/2014/main" xmlns="" id="{1C1A95BC-42CA-4166-918D-DF4306881408}"/>
                 </a:ext>
               </a:extLst>
             </p:cNvPr>
@@ -13853,7 +13857,7 @@
             <p:cNvPr id="13" name="Freeform 6">
               <a:extLst>
                 <a:ext uri="{FF2B5EF4-FFF2-40B4-BE49-F238E27FC236}">
-                  <a16:creationId xmlns="" xmlns:a16="http://schemas.microsoft.com/office/drawing/2014/main" id="{4B4D5F91-2158-4A30-B83C-5CC9CC6E5D4F}"/>
+                  <a16:creationId xmlns:a16="http://schemas.microsoft.com/office/drawing/2014/main" xmlns="" id="{4B4D5F91-2158-4A30-B83C-5CC9CC6E5D4F}"/>
                 </a:ext>
               </a:extLst>
             </p:cNvPr>
@@ -14003,7 +14007,7 @@
             <p:cNvPr id="14" name="Freeform 7">
               <a:extLst>
                 <a:ext uri="{FF2B5EF4-FFF2-40B4-BE49-F238E27FC236}">
-                  <a16:creationId xmlns="" xmlns:a16="http://schemas.microsoft.com/office/drawing/2014/main" id="{C509E5D6-79CC-4E1D-AAF4-C6F28F3C1777}"/>
+                  <a16:creationId xmlns:a16="http://schemas.microsoft.com/office/drawing/2014/main" xmlns="" id="{C509E5D6-79CC-4E1D-AAF4-C6F28F3C1777}"/>
                 </a:ext>
               </a:extLst>
             </p:cNvPr>
@@ -14144,7 +14148,7 @@
           <p:cNvPr id="6" name="Title 1">
             <a:extLst>
               <a:ext uri="{FF2B5EF4-FFF2-40B4-BE49-F238E27FC236}">
-                <a16:creationId xmlns="" xmlns:a16="http://schemas.microsoft.com/office/drawing/2014/main" id="{B70E2287-0F7B-4DD3-A805-DB19BBF3C716}"/>
+                <a16:creationId xmlns:a16="http://schemas.microsoft.com/office/drawing/2014/main" xmlns="" id="{B70E2287-0F7B-4DD3-A805-DB19BBF3C716}"/>
               </a:ext>
             </a:extLst>
           </p:cNvPr>
@@ -14184,7 +14188,7 @@
           <p:cNvPr id="7" name="Rectangle 6">
             <a:extLst>
               <a:ext uri="{FF2B5EF4-FFF2-40B4-BE49-F238E27FC236}">
-                <a16:creationId xmlns="" xmlns:a16="http://schemas.microsoft.com/office/drawing/2014/main" id="{8DCE74CE-BEFF-42B3-BF3E-C41B1B1F1EE4}"/>
+                <a16:creationId xmlns:a16="http://schemas.microsoft.com/office/drawing/2014/main" xmlns="" id="{8DCE74CE-BEFF-42B3-BF3E-C41B1B1F1EE4}"/>
               </a:ext>
             </a:extLst>
           </p:cNvPr>
@@ -14240,7 +14244,7 @@
           <p:cNvPr id="8" name="Picture 7">
             <a:extLst>
               <a:ext uri="{FF2B5EF4-FFF2-40B4-BE49-F238E27FC236}">
-                <a16:creationId xmlns="" xmlns:a16="http://schemas.microsoft.com/office/drawing/2014/main" id="{8B0944B4-FE4A-459A-85B1-3476FE6C4C49}"/>
+                <a16:creationId xmlns:a16="http://schemas.microsoft.com/office/drawing/2014/main" xmlns="" id="{8B0944B4-FE4A-459A-85B1-3476FE6C4C49}"/>
               </a:ext>
             </a:extLst>
           </p:cNvPr>
@@ -14276,7 +14280,7 @@
           <p:cNvPr id="9" name="Oval 8">
             <a:extLst>
               <a:ext uri="{FF2B5EF4-FFF2-40B4-BE49-F238E27FC236}">
-                <a16:creationId xmlns="" xmlns:a16="http://schemas.microsoft.com/office/drawing/2014/main" id="{1B26B4BC-3D52-4C1C-85FB-226F0B5201F1}"/>
+                <a16:creationId xmlns:a16="http://schemas.microsoft.com/office/drawing/2014/main" xmlns="" id="{1B26B4BC-3D52-4C1C-85FB-226F0B5201F1}"/>
               </a:ext>
             </a:extLst>
           </p:cNvPr>
@@ -14328,7 +14332,7 @@
           <p:cNvPr id="10" name="Slide Number Placeholder 5">
             <a:extLst>
               <a:ext uri="{FF2B5EF4-FFF2-40B4-BE49-F238E27FC236}">
-                <a16:creationId xmlns="" xmlns:a16="http://schemas.microsoft.com/office/drawing/2014/main" id="{CEC6B25A-6AA2-46A7-84BE-5C907CA51B02}"/>
+                <a16:creationId xmlns:a16="http://schemas.microsoft.com/office/drawing/2014/main" xmlns="" id="{CEC6B25A-6AA2-46A7-84BE-5C907CA51B02}"/>
               </a:ext>
             </a:extLst>
           </p:cNvPr>
@@ -14402,7 +14406,7 @@
           <p:cNvPr id="35" name="Group 34">
             <a:extLst>
               <a:ext uri="{FF2B5EF4-FFF2-40B4-BE49-F238E27FC236}">
-                <a16:creationId xmlns="" xmlns:a16="http://schemas.microsoft.com/office/drawing/2014/main" id="{431CD316-21C7-4FA9-A45A-374D6AE71ED5}"/>
+                <a16:creationId xmlns:a16="http://schemas.microsoft.com/office/drawing/2014/main" xmlns="" id="{431CD316-21C7-4FA9-A45A-374D6AE71ED5}"/>
               </a:ext>
             </a:extLst>
           </p:cNvPr>
@@ -14427,7 +14431,7 @@
             <p:cNvPr id="36" name="Freeform 5">
               <a:extLst>
                 <a:ext uri="{FF2B5EF4-FFF2-40B4-BE49-F238E27FC236}">
-                  <a16:creationId xmlns="" xmlns:a16="http://schemas.microsoft.com/office/drawing/2014/main" id="{E107D9FB-3967-4583-A9DA-6787AF71202C}"/>
+                  <a16:creationId xmlns:a16="http://schemas.microsoft.com/office/drawing/2014/main" xmlns="" id="{E107D9FB-3967-4583-A9DA-6787AF71202C}"/>
                 </a:ext>
               </a:extLst>
             </p:cNvPr>
@@ -14617,7 +14621,7 @@
             <p:cNvPr id="37" name="Freeform 6">
               <a:extLst>
                 <a:ext uri="{FF2B5EF4-FFF2-40B4-BE49-F238E27FC236}">
-                  <a16:creationId xmlns="" xmlns:a16="http://schemas.microsoft.com/office/drawing/2014/main" id="{138D5FEB-37FF-4F26-B625-CE2BE91FF21B}"/>
+                  <a16:creationId xmlns:a16="http://schemas.microsoft.com/office/drawing/2014/main" xmlns="" id="{138D5FEB-37FF-4F26-B625-CE2BE91FF21B}"/>
                 </a:ext>
               </a:extLst>
             </p:cNvPr>
@@ -14767,7 +14771,7 @@
             <p:cNvPr id="38" name="Freeform 7">
               <a:extLst>
                 <a:ext uri="{FF2B5EF4-FFF2-40B4-BE49-F238E27FC236}">
-                  <a16:creationId xmlns="" xmlns:a16="http://schemas.microsoft.com/office/drawing/2014/main" id="{6C2B67E8-673C-422C-B021-296E2E2B952D}"/>
+                  <a16:creationId xmlns:a16="http://schemas.microsoft.com/office/drawing/2014/main" xmlns="" id="{6C2B67E8-673C-422C-B021-296E2E2B952D}"/>
                 </a:ext>
               </a:extLst>
             </p:cNvPr>
@@ -14908,7 +14912,7 @@
           <p:cNvPr id="23" name="Oval 22">
             <a:extLst>
               <a:ext uri="{FF2B5EF4-FFF2-40B4-BE49-F238E27FC236}">
-                <a16:creationId xmlns="" xmlns:a16="http://schemas.microsoft.com/office/drawing/2014/main" id="{687010E4-ADF2-486D-8DF7-B0FF38C6DADF}"/>
+                <a16:creationId xmlns:a16="http://schemas.microsoft.com/office/drawing/2014/main" xmlns="" id="{687010E4-ADF2-486D-8DF7-B0FF38C6DADF}"/>
               </a:ext>
             </a:extLst>
           </p:cNvPr>
@@ -14962,7 +14966,7 @@
           <p:cNvPr id="24" name="Oval 23">
             <a:extLst>
               <a:ext uri="{FF2B5EF4-FFF2-40B4-BE49-F238E27FC236}">
-                <a16:creationId xmlns="" xmlns:a16="http://schemas.microsoft.com/office/drawing/2014/main" id="{9159AA79-2237-4A27-BBC2-D44032158D19}"/>
+                <a16:creationId xmlns:a16="http://schemas.microsoft.com/office/drawing/2014/main" xmlns="" id="{9159AA79-2237-4A27-BBC2-D44032158D19}"/>
               </a:ext>
             </a:extLst>
           </p:cNvPr>
@@ -15016,7 +15020,7 @@
           <p:cNvPr id="25" name="Oval 24">
             <a:extLst>
               <a:ext uri="{FF2B5EF4-FFF2-40B4-BE49-F238E27FC236}">
-                <a16:creationId xmlns="" xmlns:a16="http://schemas.microsoft.com/office/drawing/2014/main" id="{0272B962-9566-42D2-B4C3-E7AA81884A83}"/>
+                <a16:creationId xmlns:a16="http://schemas.microsoft.com/office/drawing/2014/main" xmlns="" id="{0272B962-9566-42D2-B4C3-E7AA81884A83}"/>
               </a:ext>
             </a:extLst>
           </p:cNvPr>
@@ -15070,7 +15074,7 @@
           <p:cNvPr id="26" name="Oval 25">
             <a:extLst>
               <a:ext uri="{FF2B5EF4-FFF2-40B4-BE49-F238E27FC236}">
-                <a16:creationId xmlns="" xmlns:a16="http://schemas.microsoft.com/office/drawing/2014/main" id="{19733285-016C-4C38-816C-83D30C075C70}"/>
+                <a16:creationId xmlns:a16="http://schemas.microsoft.com/office/drawing/2014/main" xmlns="" id="{19733285-016C-4C38-816C-83D30C075C70}"/>
               </a:ext>
             </a:extLst>
           </p:cNvPr>
@@ -15124,7 +15128,7 @@
           <p:cNvPr id="20" name="Freeform: Shape 19">
             <a:extLst>
               <a:ext uri="{FF2B5EF4-FFF2-40B4-BE49-F238E27FC236}">
-                <a16:creationId xmlns="" xmlns:a16="http://schemas.microsoft.com/office/drawing/2014/main" id="{EF40DBA4-AB63-4B47-B37F-BCC3D59B5392}"/>
+                <a16:creationId xmlns:a16="http://schemas.microsoft.com/office/drawing/2014/main" xmlns="" id="{EF40DBA4-AB63-4B47-B37F-BCC3D59B5392}"/>
               </a:ext>
             </a:extLst>
           </p:cNvPr>
@@ -15239,7 +15243,7 @@
           <p:cNvPr id="21" name="Freeform: Shape 20">
             <a:extLst>
               <a:ext uri="{FF2B5EF4-FFF2-40B4-BE49-F238E27FC236}">
-                <a16:creationId xmlns="" xmlns:a16="http://schemas.microsoft.com/office/drawing/2014/main" id="{33EF0AFB-D099-4FF1-8963-7DA87268867F}"/>
+                <a16:creationId xmlns:a16="http://schemas.microsoft.com/office/drawing/2014/main" xmlns="" id="{33EF0AFB-D099-4FF1-8963-7DA87268867F}"/>
               </a:ext>
             </a:extLst>
           </p:cNvPr>
@@ -15354,7 +15358,7 @@
           <p:cNvPr id="22" name="Freeform: Shape 21">
             <a:extLst>
               <a:ext uri="{FF2B5EF4-FFF2-40B4-BE49-F238E27FC236}">
-                <a16:creationId xmlns="" xmlns:a16="http://schemas.microsoft.com/office/drawing/2014/main" id="{6872C96E-9AF3-4FA0-8180-C213C7F2209E}"/>
+                <a16:creationId xmlns:a16="http://schemas.microsoft.com/office/drawing/2014/main" xmlns="" id="{6872C96E-9AF3-4FA0-8180-C213C7F2209E}"/>
               </a:ext>
             </a:extLst>
           </p:cNvPr>
@@ -15469,7 +15473,7 @@
           <p:cNvPr id="17" name="Freeform: Shape 16">
             <a:extLst>
               <a:ext uri="{FF2B5EF4-FFF2-40B4-BE49-F238E27FC236}">
-                <a16:creationId xmlns="" xmlns:a16="http://schemas.microsoft.com/office/drawing/2014/main" id="{3A08BE29-CFA5-4E0D-9DBE-A430AE1B8072}"/>
+                <a16:creationId xmlns:a16="http://schemas.microsoft.com/office/drawing/2014/main" xmlns="" id="{3A08BE29-CFA5-4E0D-9DBE-A430AE1B8072}"/>
               </a:ext>
             </a:extLst>
           </p:cNvPr>
@@ -15584,7 +15588,7 @@
           <p:cNvPr id="6" name="Title 1">
             <a:extLst>
               <a:ext uri="{FF2B5EF4-FFF2-40B4-BE49-F238E27FC236}">
-                <a16:creationId xmlns="" xmlns:a16="http://schemas.microsoft.com/office/drawing/2014/main" id="{B70E2287-0F7B-4DD3-A805-DB19BBF3C716}"/>
+                <a16:creationId xmlns:a16="http://schemas.microsoft.com/office/drawing/2014/main" xmlns="" id="{B70E2287-0F7B-4DD3-A805-DB19BBF3C716}"/>
               </a:ext>
             </a:extLst>
           </p:cNvPr>
@@ -15624,7 +15628,7 @@
           <p:cNvPr id="7" name="Rectangle 6">
             <a:extLst>
               <a:ext uri="{FF2B5EF4-FFF2-40B4-BE49-F238E27FC236}">
-                <a16:creationId xmlns="" xmlns:a16="http://schemas.microsoft.com/office/drawing/2014/main" id="{8DCE74CE-BEFF-42B3-BF3E-C41B1B1F1EE4}"/>
+                <a16:creationId xmlns:a16="http://schemas.microsoft.com/office/drawing/2014/main" xmlns="" id="{8DCE74CE-BEFF-42B3-BF3E-C41B1B1F1EE4}"/>
               </a:ext>
             </a:extLst>
           </p:cNvPr>
@@ -15680,7 +15684,7 @@
           <p:cNvPr id="8" name="Picture 7">
             <a:extLst>
               <a:ext uri="{FF2B5EF4-FFF2-40B4-BE49-F238E27FC236}">
-                <a16:creationId xmlns="" xmlns:a16="http://schemas.microsoft.com/office/drawing/2014/main" id="{8B0944B4-FE4A-459A-85B1-3476FE6C4C49}"/>
+                <a16:creationId xmlns:a16="http://schemas.microsoft.com/office/drawing/2014/main" xmlns="" id="{8B0944B4-FE4A-459A-85B1-3476FE6C4C49}"/>
               </a:ext>
             </a:extLst>
           </p:cNvPr>
@@ -15716,7 +15720,7 @@
           <p:cNvPr id="9" name="Oval 8">
             <a:extLst>
               <a:ext uri="{FF2B5EF4-FFF2-40B4-BE49-F238E27FC236}">
-                <a16:creationId xmlns="" xmlns:a16="http://schemas.microsoft.com/office/drawing/2014/main" id="{1B26B4BC-3D52-4C1C-85FB-226F0B5201F1}"/>
+                <a16:creationId xmlns:a16="http://schemas.microsoft.com/office/drawing/2014/main" xmlns="" id="{1B26B4BC-3D52-4C1C-85FB-226F0B5201F1}"/>
               </a:ext>
             </a:extLst>
           </p:cNvPr>
@@ -15768,7 +15772,7 @@
           <p:cNvPr id="10" name="Slide Number Placeholder 5">
             <a:extLst>
               <a:ext uri="{FF2B5EF4-FFF2-40B4-BE49-F238E27FC236}">
-                <a16:creationId xmlns="" xmlns:a16="http://schemas.microsoft.com/office/drawing/2014/main" id="{CEC6B25A-6AA2-46A7-84BE-5C907CA51B02}"/>
+                <a16:creationId xmlns:a16="http://schemas.microsoft.com/office/drawing/2014/main" xmlns="" id="{CEC6B25A-6AA2-46A7-84BE-5C907CA51B02}"/>
               </a:ext>
             </a:extLst>
           </p:cNvPr>
@@ -15812,7 +15816,7 @@
           <p:cNvPr id="3" name="Picture Placeholder 2">
             <a:extLst>
               <a:ext uri="{FF2B5EF4-FFF2-40B4-BE49-F238E27FC236}">
-                <a16:creationId xmlns="" xmlns:a16="http://schemas.microsoft.com/office/drawing/2014/main" id="{B1B995BE-66C2-4379-885F-4BE069DA39E4}"/>
+                <a16:creationId xmlns:a16="http://schemas.microsoft.com/office/drawing/2014/main" xmlns="" id="{B1B995BE-66C2-4379-885F-4BE069DA39E4}"/>
               </a:ext>
             </a:extLst>
           </p:cNvPr>
@@ -15859,7 +15863,7 @@
           <p:cNvPr id="11" name="Picture Placeholder 2">
             <a:extLst>
               <a:ext uri="{FF2B5EF4-FFF2-40B4-BE49-F238E27FC236}">
-                <a16:creationId xmlns="" xmlns:a16="http://schemas.microsoft.com/office/drawing/2014/main" id="{9B56B6C6-9F3C-4E80-BBAD-280E697B895C}"/>
+                <a16:creationId xmlns:a16="http://schemas.microsoft.com/office/drawing/2014/main" xmlns="" id="{9B56B6C6-9F3C-4E80-BBAD-280E697B895C}"/>
               </a:ext>
             </a:extLst>
           </p:cNvPr>
@@ -15906,7 +15910,7 @@
           <p:cNvPr id="12" name="Picture Placeholder 2">
             <a:extLst>
               <a:ext uri="{FF2B5EF4-FFF2-40B4-BE49-F238E27FC236}">
-                <a16:creationId xmlns="" xmlns:a16="http://schemas.microsoft.com/office/drawing/2014/main" id="{54704160-1ED7-4B90-8963-0F887C73E94D}"/>
+                <a16:creationId xmlns:a16="http://schemas.microsoft.com/office/drawing/2014/main" xmlns="" id="{54704160-1ED7-4B90-8963-0F887C73E94D}"/>
               </a:ext>
             </a:extLst>
           </p:cNvPr>
@@ -15953,7 +15957,7 @@
           <p:cNvPr id="13" name="Picture Placeholder 2">
             <a:extLst>
               <a:ext uri="{FF2B5EF4-FFF2-40B4-BE49-F238E27FC236}">
-                <a16:creationId xmlns="" xmlns:a16="http://schemas.microsoft.com/office/drawing/2014/main" id="{36610597-6A76-4A06-82A5-A8FFC5BAEA0F}"/>
+                <a16:creationId xmlns:a16="http://schemas.microsoft.com/office/drawing/2014/main" xmlns="" id="{36610597-6A76-4A06-82A5-A8FFC5BAEA0F}"/>
               </a:ext>
             </a:extLst>
           </p:cNvPr>
@@ -16000,7 +16004,7 @@
           <p:cNvPr id="27" name="Content Placeholder 2">
             <a:extLst>
               <a:ext uri="{FF2B5EF4-FFF2-40B4-BE49-F238E27FC236}">
-                <a16:creationId xmlns="" xmlns:a16="http://schemas.microsoft.com/office/drawing/2014/main" id="{FF56D2E5-86E4-473A-A62F-B7029E5B2558}"/>
+                <a16:creationId xmlns:a16="http://schemas.microsoft.com/office/drawing/2014/main" xmlns="" id="{FF56D2E5-86E4-473A-A62F-B7029E5B2558}"/>
               </a:ext>
             </a:extLst>
           </p:cNvPr>
@@ -16057,7 +16061,7 @@
           <p:cNvPr id="28" name="Content Placeholder 2">
             <a:extLst>
               <a:ext uri="{FF2B5EF4-FFF2-40B4-BE49-F238E27FC236}">
-                <a16:creationId xmlns="" xmlns:a16="http://schemas.microsoft.com/office/drawing/2014/main" id="{93934E34-6CC7-492D-9515-EBEC72EFF4CB}"/>
+                <a16:creationId xmlns:a16="http://schemas.microsoft.com/office/drawing/2014/main" xmlns="" id="{93934E34-6CC7-492D-9515-EBEC72EFF4CB}"/>
               </a:ext>
             </a:extLst>
           </p:cNvPr>
@@ -16119,7 +16123,7 @@
           <p:cNvPr id="29" name="Content Placeholder 2">
             <a:extLst>
               <a:ext uri="{FF2B5EF4-FFF2-40B4-BE49-F238E27FC236}">
-                <a16:creationId xmlns="" xmlns:a16="http://schemas.microsoft.com/office/drawing/2014/main" id="{E4E27467-A1AA-4773-AAB5-A96267FBD712}"/>
+                <a16:creationId xmlns:a16="http://schemas.microsoft.com/office/drawing/2014/main" xmlns="" id="{E4E27467-A1AA-4773-AAB5-A96267FBD712}"/>
               </a:ext>
             </a:extLst>
           </p:cNvPr>
@@ -16176,7 +16180,7 @@
           <p:cNvPr id="30" name="Content Placeholder 2">
             <a:extLst>
               <a:ext uri="{FF2B5EF4-FFF2-40B4-BE49-F238E27FC236}">
-                <a16:creationId xmlns="" xmlns:a16="http://schemas.microsoft.com/office/drawing/2014/main" id="{6CABD5EB-4A8B-448B-8ED1-B8B420815B2D}"/>
+                <a16:creationId xmlns:a16="http://schemas.microsoft.com/office/drawing/2014/main" xmlns="" id="{6CABD5EB-4A8B-448B-8ED1-B8B420815B2D}"/>
               </a:ext>
             </a:extLst>
           </p:cNvPr>
@@ -16238,7 +16242,7 @@
           <p:cNvPr id="31" name="Content Placeholder 2">
             <a:extLst>
               <a:ext uri="{FF2B5EF4-FFF2-40B4-BE49-F238E27FC236}">
-                <a16:creationId xmlns="" xmlns:a16="http://schemas.microsoft.com/office/drawing/2014/main" id="{0D86883C-E501-47FF-AE1A-E9CE8B71B421}"/>
+                <a16:creationId xmlns:a16="http://schemas.microsoft.com/office/drawing/2014/main" xmlns="" id="{0D86883C-E501-47FF-AE1A-E9CE8B71B421}"/>
               </a:ext>
             </a:extLst>
           </p:cNvPr>
@@ -16295,7 +16299,7 @@
           <p:cNvPr id="32" name="Content Placeholder 2">
             <a:extLst>
               <a:ext uri="{FF2B5EF4-FFF2-40B4-BE49-F238E27FC236}">
-                <a16:creationId xmlns="" xmlns:a16="http://schemas.microsoft.com/office/drawing/2014/main" id="{3683A037-F698-4CC9-904D-F377D71F690F}"/>
+                <a16:creationId xmlns:a16="http://schemas.microsoft.com/office/drawing/2014/main" xmlns="" id="{3683A037-F698-4CC9-904D-F377D71F690F}"/>
               </a:ext>
             </a:extLst>
           </p:cNvPr>
@@ -16357,7 +16361,7 @@
           <p:cNvPr id="33" name="Content Placeholder 2">
             <a:extLst>
               <a:ext uri="{FF2B5EF4-FFF2-40B4-BE49-F238E27FC236}">
-                <a16:creationId xmlns="" xmlns:a16="http://schemas.microsoft.com/office/drawing/2014/main" id="{0A095594-2B82-44ED-8C9B-DA7C4D3D2872}"/>
+                <a16:creationId xmlns:a16="http://schemas.microsoft.com/office/drawing/2014/main" xmlns="" id="{0A095594-2B82-44ED-8C9B-DA7C4D3D2872}"/>
               </a:ext>
             </a:extLst>
           </p:cNvPr>
@@ -16414,7 +16418,7 @@
           <p:cNvPr id="34" name="Content Placeholder 2">
             <a:extLst>
               <a:ext uri="{FF2B5EF4-FFF2-40B4-BE49-F238E27FC236}">
-                <a16:creationId xmlns="" xmlns:a16="http://schemas.microsoft.com/office/drawing/2014/main" id="{54CDD46A-22ED-48F5-9B5F-13B1B5C4B320}"/>
+                <a16:creationId xmlns:a16="http://schemas.microsoft.com/office/drawing/2014/main" xmlns="" id="{54CDD46A-22ED-48F5-9B5F-13B1B5C4B320}"/>
               </a:ext>
             </a:extLst>
           </p:cNvPr>
@@ -16511,7 +16515,7 @@
           <p:cNvPr id="2" name="Title Placeholder 1">
             <a:extLst>
               <a:ext uri="{FF2B5EF4-FFF2-40B4-BE49-F238E27FC236}">
-                <a16:creationId xmlns="" xmlns:a16="http://schemas.microsoft.com/office/drawing/2014/main" id="{BCC4D7FA-B85E-4477-8C62-94955B340F14}"/>
+                <a16:creationId xmlns:a16="http://schemas.microsoft.com/office/drawing/2014/main" xmlns="" id="{BCC4D7FA-B85E-4477-8C62-94955B340F14}"/>
               </a:ext>
             </a:extLst>
           </p:cNvPr>
@@ -16550,7 +16554,7 @@
           <p:cNvPr id="3" name="Text Placeholder 2">
             <a:extLst>
               <a:ext uri="{FF2B5EF4-FFF2-40B4-BE49-F238E27FC236}">
-                <a16:creationId xmlns="" xmlns:a16="http://schemas.microsoft.com/office/drawing/2014/main" id="{1F1226BB-3E56-4E7F-8172-7EC03C9F0BCF}"/>
+                <a16:creationId xmlns:a16="http://schemas.microsoft.com/office/drawing/2014/main" xmlns="" id="{1F1226BB-3E56-4E7F-8172-7EC03C9F0BCF}"/>
               </a:ext>
             </a:extLst>
           </p:cNvPr>
@@ -16617,7 +16621,7 @@
           <p:cNvPr id="4" name="Date Placeholder 3">
             <a:extLst>
               <a:ext uri="{FF2B5EF4-FFF2-40B4-BE49-F238E27FC236}">
-                <a16:creationId xmlns="" xmlns:a16="http://schemas.microsoft.com/office/drawing/2014/main" id="{D95D08EF-72FB-4F19-9916-65815A9CA99C}"/>
+                <a16:creationId xmlns:a16="http://schemas.microsoft.com/office/drawing/2014/main" xmlns="" id="{D95D08EF-72FB-4F19-9916-65815A9CA99C}"/>
               </a:ext>
             </a:extLst>
           </p:cNvPr>
@@ -16653,7 +16657,7 @@
           <a:p>
             <a:fld id="{D951F27F-98F9-A147-8986-34441C7B752D}" type="datetime1">
               <a:rPr lang="en-US" noProof="0" smtClean="0"/>
-              <a:t>7/1/2019</a:t>
+              <a:t>7/2/19</a:t>
             </a:fld>
             <a:endParaRPr lang="en-US" noProof="0" dirty="0"/>
           </a:p>
@@ -16664,7 +16668,7 @@
           <p:cNvPr id="5" name="Footer Placeholder 4">
             <a:extLst>
               <a:ext uri="{FF2B5EF4-FFF2-40B4-BE49-F238E27FC236}">
-                <a16:creationId xmlns="" xmlns:a16="http://schemas.microsoft.com/office/drawing/2014/main" id="{1365084D-BC85-4A55-BD80-93876AD10108}"/>
+                <a16:creationId xmlns:a16="http://schemas.microsoft.com/office/drawing/2014/main" xmlns="" id="{1365084D-BC85-4A55-BD80-93876AD10108}"/>
               </a:ext>
             </a:extLst>
           </p:cNvPr>
@@ -16707,7 +16711,7 @@
           <p:cNvPr id="6" name="Slide Number Placeholder 5">
             <a:extLst>
               <a:ext uri="{FF2B5EF4-FFF2-40B4-BE49-F238E27FC236}">
-                <a16:creationId xmlns="" xmlns:a16="http://schemas.microsoft.com/office/drawing/2014/main" id="{45FDEF23-A140-4DD6-A0D0-A86BD4DF3404}"/>
+                <a16:creationId xmlns:a16="http://schemas.microsoft.com/office/drawing/2014/main" xmlns="" id="{45FDEF23-A140-4DD6-A0D0-A86BD4DF3404}"/>
               </a:ext>
             </a:extLst>
           </p:cNvPr>
@@ -17110,7 +17114,7 @@
           <p:cNvPr id="2" name="Title 1">
             <a:extLst>
               <a:ext uri="{FF2B5EF4-FFF2-40B4-BE49-F238E27FC236}">
-                <a16:creationId xmlns="" xmlns:a16="http://schemas.microsoft.com/office/drawing/2014/main" id="{FBAB08B8-3DB3-4637-AE23-B8DB96D9FCEC}"/>
+                <a16:creationId xmlns:a16="http://schemas.microsoft.com/office/drawing/2014/main" xmlns="" id="{FBAB08B8-3DB3-4637-AE23-B8DB96D9FCEC}"/>
               </a:ext>
             </a:extLst>
           </p:cNvPr>
@@ -17444,7 +17448,83 @@
       </p:grpSpPr>
       <p:sp>
         <p:nvSpPr>
-          <p:cNvPr id="2" name="Title 1"/>
+          <p:cNvPr id="2" name="Content Placeholder 1"/>
+          <p:cNvSpPr>
+            <a:spLocks noGrp="1"/>
+          </p:cNvSpPr>
+          <p:nvPr>
+            <p:ph idx="1"/>
+          </p:nvPr>
+        </p:nvSpPr>
+        <p:spPr>
+          <a:xfrm>
+            <a:off x="538960" y="1825625"/>
+            <a:ext cx="9648229" cy="4351338"/>
+          </a:xfrm>
+        </p:spPr>
+        <p:txBody>
+          <a:bodyPr/>
+          <a:lstStyle/>
+          <a:p>
+            <a:pPr marL="457200" indent="-457200">
+              <a:buFont typeface="+mj-lt"/>
+              <a:buAutoNum type="arabicPeriod"/>
+            </a:pPr>
+            <a:r>
+              <a:rPr lang="en-US" sz="3200" smtClean="0"/>
+              <a:t>Mengunggah data RDF hasil ke Apache Jena Fuseki</a:t>
+            </a:r>
+          </a:p>
+          <a:p>
+            <a:pPr marL="457200" indent="-457200">
+              <a:buFont typeface="+mj-lt"/>
+              <a:buAutoNum type="arabicPeriod"/>
+            </a:pPr>
+            <a:r>
+              <a:rPr lang="en-US" sz="3200" smtClean="0"/>
+              <a:t>SPARQL Query</a:t>
+            </a:r>
+          </a:p>
+          <a:p>
+            <a:pPr marL="457200" indent="-457200">
+              <a:buFont typeface="+mj-lt"/>
+              <a:buAutoNum type="arabicPeriod"/>
+            </a:pPr>
+            <a:r>
+              <a:rPr lang="en-US" sz="3200" smtClean="0"/>
+              <a:t>Visualisasi struktur pohon keluarga</a:t>
+            </a:r>
+            <a:endParaRPr lang="en-US" sz="3200"/>
+          </a:p>
+        </p:txBody>
+      </p:sp>
+      <p:sp>
+        <p:nvSpPr>
+          <p:cNvPr id="3" name="Slide Number Placeholder 2"/>
+          <p:cNvSpPr>
+            <a:spLocks noGrp="1"/>
+          </p:cNvSpPr>
+          <p:nvPr>
+            <p:ph type="sldNum" sz="quarter" idx="12"/>
+          </p:nvPr>
+        </p:nvSpPr>
+        <p:spPr/>
+        <p:txBody>
+          <a:bodyPr/>
+          <a:lstStyle/>
+          <a:p>
+            <a:fld id="{9EC71654-96A5-4280-94F3-931C61A9F92C}" type="slidenum">
+              <a:rPr lang="en-US" noProof="0" smtClean="0"/>
+              <a:pPr/>
+              <a:t>10</a:t>
+            </a:fld>
+            <a:endParaRPr lang="en-US" noProof="0" dirty="0"/>
+          </a:p>
+        </p:txBody>
+      </p:sp>
+      <p:sp>
+        <p:nvSpPr>
+          <p:cNvPr id="5" name="Title 4"/>
           <p:cNvSpPr>
             <a:spLocks noGrp="1"/>
           </p:cNvSpPr>
@@ -17454,8 +17534,8 @@
         </p:nvSpPr>
         <p:spPr>
           <a:xfrm>
-            <a:off x="-55502" y="99376"/>
-            <a:ext cx="6959771" cy="587408"/>
+            <a:off x="515938" y="499595"/>
+            <a:ext cx="10057617" cy="1325563"/>
           </a:xfrm>
         </p:spPr>
         <p:txBody>
@@ -17463,163 +17543,49 @@
           <a:lstStyle/>
           <a:p>
             <a:r>
-              <a:rPr lang="en-US" smtClean="0"/>
-              <a:t>Reasoning property isspouseof</a:t>
-            </a:r>
-            <a:endParaRPr lang="en-US"/>
+              <a:rPr lang="en-US" dirty="0" err="1" smtClean="0"/>
+              <a:t>Implementasi</a:t>
+            </a:r>
+            <a:r>
+              <a:rPr lang="en-US" dirty="0" smtClean="0"/>
+              <a:t> program </a:t>
+            </a:r>
+            <a:r>
+              <a:rPr lang="en-US" dirty="0" err="1" smtClean="0"/>
+              <a:t>visualisasi</a:t>
+            </a:r>
+            <a:r>
+              <a:rPr lang="en-US" dirty="0" smtClean="0"/>
+              <a:t> (</a:t>
+            </a:r>
+            <a:r>
+              <a:rPr lang="en-US" dirty="0" err="1" smtClean="0"/>
+              <a:t>php</a:t>
+            </a:r>
+            <a:r>
+              <a:rPr lang="en-US" dirty="0" smtClean="0"/>
+              <a:t>) </a:t>
+            </a:r>
+            <a:r>
+              <a:rPr lang="en-US" dirty="0" smtClean="0">
+                <a:solidFill>
+                  <a:srgbClr val="FF0000"/>
+                </a:solidFill>
+              </a:rPr>
+              <a:t>flowchart</a:t>
+            </a:r>
+            <a:endParaRPr lang="en-US" dirty="0">
+              <a:solidFill>
+                <a:srgbClr val="FF0000"/>
+              </a:solidFill>
+            </a:endParaRPr>
           </a:p>
         </p:txBody>
       </p:sp>
-      <p:sp>
-        <p:nvSpPr>
-          <p:cNvPr id="4" name="Slide Number Placeholder 3"/>
-          <p:cNvSpPr>
-            <a:spLocks noGrp="1"/>
-          </p:cNvSpPr>
-          <p:nvPr>
-            <p:ph type="sldNum" sz="quarter" idx="12"/>
-          </p:nvPr>
-        </p:nvSpPr>
-        <p:spPr/>
-        <p:txBody>
-          <a:bodyPr/>
-          <a:lstStyle/>
-          <a:p>
-            <a:fld id="{9EC71654-96A5-4280-94F3-931C61A9F92C}" type="slidenum">
-              <a:rPr lang="en-US" noProof="0" smtClean="0"/>
-              <a:pPr/>
-              <a:t>10</a:t>
-            </a:fld>
-            <a:endParaRPr lang="en-US" noProof="0" dirty="0"/>
-          </a:p>
-        </p:txBody>
-      </p:sp>
-      <p:sp>
-        <p:nvSpPr>
-          <p:cNvPr id="5" name="Content Placeholder 4"/>
-          <p:cNvSpPr>
-            <a:spLocks noGrp="1"/>
-          </p:cNvSpPr>
-          <p:nvPr>
-            <p:ph idx="15"/>
-          </p:nvPr>
-        </p:nvSpPr>
-        <p:spPr/>
-        <p:txBody>
-          <a:bodyPr/>
-          <a:lstStyle/>
-          <a:p>
-            <a:r>
-              <a:rPr lang="en-US" smtClean="0"/>
-              <a:t>Sebelum reasoning</a:t>
-            </a:r>
-            <a:endParaRPr lang="en-US"/>
-          </a:p>
-        </p:txBody>
-      </p:sp>
-      <p:sp>
-        <p:nvSpPr>
-          <p:cNvPr id="7" name="Content Placeholder 6"/>
-          <p:cNvSpPr>
-            <a:spLocks noGrp="1"/>
-          </p:cNvSpPr>
-          <p:nvPr>
-            <p:ph idx="20"/>
-          </p:nvPr>
-        </p:nvSpPr>
-        <p:spPr/>
-        <p:txBody>
-          <a:bodyPr/>
-          <a:lstStyle/>
-          <a:p>
-            <a:r>
-              <a:rPr lang="en-US" smtClean="0"/>
-              <a:t>Sesudah reasoning</a:t>
-            </a:r>
-            <a:endParaRPr lang="en-US"/>
-          </a:p>
-        </p:txBody>
-      </p:sp>
-      <p:sp>
-        <p:nvSpPr>
-          <p:cNvPr id="8" name="Picture Placeholder 7"/>
-          <p:cNvSpPr>
-            <a:spLocks noGrp="1"/>
-          </p:cNvSpPr>
-          <p:nvPr>
-            <p:ph type="pic" sz="quarter" idx="21"/>
-          </p:nvPr>
-        </p:nvSpPr>
-        <p:spPr/>
-      </p:sp>
-      <p:sp>
-        <p:nvSpPr>
-          <p:cNvPr id="9" name="Picture Placeholder 8"/>
-          <p:cNvSpPr>
-            <a:spLocks noGrp="1"/>
-          </p:cNvSpPr>
-          <p:nvPr>
-            <p:ph type="pic" sz="quarter" idx="22"/>
-          </p:nvPr>
-        </p:nvSpPr>
-        <p:spPr/>
-      </p:sp>
-      <p:pic>
-        <p:nvPicPr>
-          <p:cNvPr id="10" name="Content Placeholder 9"/>
-          <p:cNvPicPr>
-            <a:picLocks noGrp="1"/>
-          </p:cNvPicPr>
-          <p:nvPr>
-            <p:ph idx="1"/>
-          </p:nvPr>
-        </p:nvPicPr>
-        <p:blipFill>
-          <a:blip r:embed="rId2"/>
-          <a:stretch>
-            <a:fillRect/>
-          </a:stretch>
-        </p:blipFill>
-        <p:spPr>
-          <a:xfrm>
-            <a:off x="102987" y="2939320"/>
-            <a:ext cx="5858331" cy="3779256"/>
-          </a:xfrm>
-          <a:prstGeom prst="rect">
-            <a:avLst/>
-          </a:prstGeom>
-        </p:spPr>
-      </p:pic>
-      <p:pic>
-        <p:nvPicPr>
-          <p:cNvPr id="11" name="Content Placeholder 10"/>
-          <p:cNvPicPr>
-            <a:picLocks noGrp="1"/>
-          </p:cNvPicPr>
-          <p:nvPr>
-            <p:ph idx="19"/>
-          </p:nvPr>
-        </p:nvPicPr>
-        <p:blipFill>
-          <a:blip r:embed="rId3"/>
-          <a:stretch>
-            <a:fillRect/>
-          </a:stretch>
-        </p:blipFill>
-        <p:spPr>
-          <a:xfrm>
-            <a:off x="6298782" y="1023807"/>
-            <a:ext cx="5861304" cy="3545282"/>
-          </a:xfrm>
-          <a:prstGeom prst="rect">
-            <a:avLst/>
-          </a:prstGeom>
-        </p:spPr>
-      </p:pic>
     </p:spTree>
     <p:extLst>
       <p:ext uri="{BB962C8B-B14F-4D97-AF65-F5344CB8AC3E}">
-        <p14:creationId xmlns:p14="http://schemas.microsoft.com/office/powerpoint/2010/main" val="1387944711"/>
+        <p14:creationId xmlns:p14="http://schemas.microsoft.com/office/powerpoint/2010/main" val="415446391"/>
       </p:ext>
     </p:extLst>
   </p:cSld>
@@ -17655,40 +17621,12 @@
       </p:grpSpPr>
       <p:sp>
         <p:nvSpPr>
-          <p:cNvPr id="2" name="Title 1"/>
+          <p:cNvPr id="2" name="Content Placeholder 1"/>
           <p:cNvSpPr>
             <a:spLocks noGrp="1"/>
           </p:cNvSpPr>
           <p:nvPr>
-            <p:ph type="title"/>
-          </p:nvPr>
-        </p:nvSpPr>
-        <p:spPr>
-          <a:xfrm>
-            <a:off x="-55502" y="99376"/>
-            <a:ext cx="6959771" cy="587408"/>
-          </a:xfrm>
-        </p:spPr>
-        <p:txBody>
-          <a:bodyPr/>
-          <a:lstStyle/>
-          <a:p>
-            <a:r>
-              <a:rPr lang="en-US" smtClean="0"/>
-              <a:t>Reasoning property haschild</a:t>
-            </a:r>
-            <a:endParaRPr lang="en-US"/>
-          </a:p>
-        </p:txBody>
-      </p:sp>
-      <p:sp>
-        <p:nvSpPr>
-          <p:cNvPr id="4" name="Slide Number Placeholder 3"/>
-          <p:cNvSpPr>
-            <a:spLocks noGrp="1"/>
-          </p:cNvSpPr>
-          <p:nvPr>
-            <p:ph type="sldNum" sz="quarter" idx="12"/>
+            <p:ph idx="1"/>
           </p:nvPr>
         </p:nvSpPr>
         <p:spPr/>
@@ -17696,389 +17634,11 @@
           <a:bodyPr/>
           <a:lstStyle/>
           <a:p>
-            <a:fld id="{9EC71654-96A5-4280-94F3-931C61A9F92C}" type="slidenum">
-              <a:rPr lang="en-US" noProof="0" smtClean="0"/>
-              <a:pPr/>
-              <a:t>11</a:t>
-            </a:fld>
-            <a:endParaRPr lang="en-US" noProof="0" dirty="0"/>
-          </a:p>
-        </p:txBody>
-      </p:sp>
-      <p:sp>
-        <p:nvSpPr>
-          <p:cNvPr id="5" name="Content Placeholder 4"/>
-          <p:cNvSpPr>
-            <a:spLocks noGrp="1"/>
-          </p:cNvSpPr>
-          <p:nvPr>
-            <p:ph idx="15"/>
-          </p:nvPr>
-        </p:nvSpPr>
-        <p:spPr/>
-        <p:txBody>
-          <a:bodyPr/>
-          <a:lstStyle/>
-          <a:p>
-            <a:r>
-              <a:rPr lang="en-US" smtClean="0"/>
-              <a:t>Sebelum reasoning</a:t>
-            </a:r>
-            <a:endParaRPr lang="en-US"/>
-          </a:p>
-        </p:txBody>
-      </p:sp>
-      <p:sp>
-        <p:nvSpPr>
-          <p:cNvPr id="7" name="Content Placeholder 6"/>
-          <p:cNvSpPr>
-            <a:spLocks noGrp="1"/>
-          </p:cNvSpPr>
-          <p:nvPr>
-            <p:ph idx="20"/>
-          </p:nvPr>
-        </p:nvSpPr>
-        <p:spPr/>
-        <p:txBody>
-          <a:bodyPr/>
-          <a:lstStyle/>
-          <a:p>
-            <a:r>
-              <a:rPr lang="en-US" smtClean="0"/>
-              <a:t>Sesudah reasoning</a:t>
-            </a:r>
-            <a:endParaRPr lang="en-US"/>
-          </a:p>
-        </p:txBody>
-      </p:sp>
-      <p:sp>
-        <p:nvSpPr>
-          <p:cNvPr id="8" name="Picture Placeholder 7"/>
-          <p:cNvSpPr>
-            <a:spLocks noGrp="1"/>
-          </p:cNvSpPr>
-          <p:nvPr>
-            <p:ph type="pic" sz="quarter" idx="21"/>
-          </p:nvPr>
-        </p:nvSpPr>
-        <p:spPr/>
-      </p:sp>
-      <p:sp>
-        <p:nvSpPr>
-          <p:cNvPr id="9" name="Picture Placeholder 8"/>
-          <p:cNvSpPr>
-            <a:spLocks noGrp="1"/>
-          </p:cNvSpPr>
-          <p:nvPr>
-            <p:ph type="pic" sz="quarter" idx="22"/>
-          </p:nvPr>
-        </p:nvSpPr>
-        <p:spPr/>
-      </p:sp>
-      <p:pic>
-        <p:nvPicPr>
-          <p:cNvPr id="12" name="Picture 11"/>
-          <p:cNvPicPr/>
-          <p:nvPr/>
-        </p:nvPicPr>
-        <p:blipFill>
-          <a:blip r:embed="rId2"/>
-          <a:stretch>
-            <a:fillRect/>
-          </a:stretch>
-        </p:blipFill>
-        <p:spPr>
-          <a:xfrm>
-            <a:off x="24347" y="2723886"/>
-            <a:ext cx="5861304" cy="3919220"/>
-          </a:xfrm>
-          <a:prstGeom prst="rect">
-            <a:avLst/>
-          </a:prstGeom>
-        </p:spPr>
-      </p:pic>
-      <p:pic>
-        <p:nvPicPr>
-          <p:cNvPr id="13" name="Picture 12"/>
-          <p:cNvPicPr/>
-          <p:nvPr/>
-        </p:nvPicPr>
-        <p:blipFill>
-          <a:blip r:embed="rId3"/>
-          <a:stretch>
-            <a:fillRect/>
-          </a:stretch>
-        </p:blipFill>
-        <p:spPr>
-          <a:xfrm>
-            <a:off x="6258750" y="686784"/>
-            <a:ext cx="5861304" cy="3903980"/>
-          </a:xfrm>
-          <a:prstGeom prst="rect">
-            <a:avLst/>
-          </a:prstGeom>
-        </p:spPr>
-      </p:pic>
-    </p:spTree>
-    <p:extLst>
-      <p:ext uri="{BB962C8B-B14F-4D97-AF65-F5344CB8AC3E}">
-        <p14:creationId xmlns:p14="http://schemas.microsoft.com/office/powerpoint/2010/main" val="3377289643"/>
-      </p:ext>
-    </p:extLst>
-  </p:cSld>
-  <p:clrMapOvr>
-    <a:masterClrMapping/>
-  </p:clrMapOvr>
-  <p:timing>
-    <p:tnLst>
-      <p:par>
-        <p:cTn id="1" dur="indefinite" restart="never" nodeType="tmRoot"/>
-      </p:par>
-    </p:tnLst>
-  </p:timing>
-</p:sld>
-</file>
-
-<file path=ppt/slides/slide12.xml><?xml version="1.0" encoding="utf-8"?>
-<p:sld xmlns:a="http://schemas.openxmlformats.org/drawingml/2006/main" xmlns:r="http://schemas.openxmlformats.org/officeDocument/2006/relationships" xmlns:p="http://schemas.openxmlformats.org/presentationml/2006/main">
-  <p:cSld>
-    <p:spTree>
-      <p:nvGrpSpPr>
-        <p:cNvPr id="1" name=""/>
-        <p:cNvGrpSpPr/>
-        <p:nvPr/>
-      </p:nvGrpSpPr>
-      <p:grpSpPr>
-        <a:xfrm>
-          <a:off x="0" y="0"/>
-          <a:ext cx="0" cy="0"/>
-          <a:chOff x="0" y="0"/>
-          <a:chExt cx="0" cy="0"/>
-        </a:xfrm>
-      </p:grpSpPr>
-      <p:sp>
-        <p:nvSpPr>
-          <p:cNvPr id="2" name="Title 1"/>
-          <p:cNvSpPr>
-            <a:spLocks noGrp="1"/>
-          </p:cNvSpPr>
-          <p:nvPr>
-            <p:ph type="title"/>
-          </p:nvPr>
-        </p:nvSpPr>
-        <p:spPr>
-          <a:xfrm>
-            <a:off x="-55502" y="99376"/>
-            <a:ext cx="6959771" cy="587408"/>
-          </a:xfrm>
-        </p:spPr>
-        <p:txBody>
-          <a:bodyPr/>
-          <a:lstStyle/>
-          <a:p>
-            <a:r>
-              <a:rPr lang="en-US" smtClean="0"/>
-              <a:t>Reasoning property hasparent</a:t>
-            </a:r>
-            <a:endParaRPr lang="en-US"/>
-          </a:p>
-        </p:txBody>
-      </p:sp>
-      <p:sp>
-        <p:nvSpPr>
-          <p:cNvPr id="4" name="Slide Number Placeholder 3"/>
-          <p:cNvSpPr>
-            <a:spLocks noGrp="1"/>
-          </p:cNvSpPr>
-          <p:nvPr>
-            <p:ph type="sldNum" sz="quarter" idx="12"/>
-          </p:nvPr>
-        </p:nvSpPr>
-        <p:spPr/>
-        <p:txBody>
-          <a:bodyPr/>
-          <a:lstStyle/>
-          <a:p>
-            <a:fld id="{9EC71654-96A5-4280-94F3-931C61A9F92C}" type="slidenum">
-              <a:rPr lang="en-US" noProof="0" smtClean="0"/>
-              <a:pPr/>
-              <a:t>12</a:t>
-            </a:fld>
-            <a:endParaRPr lang="en-US" noProof="0" dirty="0"/>
-          </a:p>
-        </p:txBody>
-      </p:sp>
-      <p:sp>
-        <p:nvSpPr>
-          <p:cNvPr id="5" name="Content Placeholder 4"/>
-          <p:cNvSpPr>
-            <a:spLocks noGrp="1"/>
-          </p:cNvSpPr>
-          <p:nvPr>
-            <p:ph idx="15"/>
-          </p:nvPr>
-        </p:nvSpPr>
-        <p:spPr/>
-        <p:txBody>
-          <a:bodyPr/>
-          <a:lstStyle/>
-          <a:p>
-            <a:r>
-              <a:rPr lang="en-US" smtClean="0"/>
-              <a:t>Sebelum reasoning</a:t>
-            </a:r>
-            <a:endParaRPr lang="en-US"/>
-          </a:p>
-        </p:txBody>
-      </p:sp>
-      <p:sp>
-        <p:nvSpPr>
-          <p:cNvPr id="7" name="Content Placeholder 6"/>
-          <p:cNvSpPr>
-            <a:spLocks noGrp="1"/>
-          </p:cNvSpPr>
-          <p:nvPr>
-            <p:ph idx="20"/>
-          </p:nvPr>
-        </p:nvSpPr>
-        <p:spPr/>
-        <p:txBody>
-          <a:bodyPr/>
-          <a:lstStyle/>
-          <a:p>
-            <a:r>
-              <a:rPr lang="en-US" smtClean="0"/>
-              <a:t>Sesudah reasoning</a:t>
-            </a:r>
-            <a:endParaRPr lang="en-US"/>
-          </a:p>
-        </p:txBody>
-      </p:sp>
-      <p:sp>
-        <p:nvSpPr>
-          <p:cNvPr id="8" name="Picture Placeholder 7"/>
-          <p:cNvSpPr>
-            <a:spLocks noGrp="1"/>
-          </p:cNvSpPr>
-          <p:nvPr>
-            <p:ph type="pic" sz="quarter" idx="21"/>
-          </p:nvPr>
-        </p:nvSpPr>
-        <p:spPr/>
-      </p:sp>
-      <p:sp>
-        <p:nvSpPr>
-          <p:cNvPr id="9" name="Picture Placeholder 8"/>
-          <p:cNvSpPr>
-            <a:spLocks noGrp="1"/>
-          </p:cNvSpPr>
-          <p:nvPr>
-            <p:ph type="pic" sz="quarter" idx="22"/>
-          </p:nvPr>
-        </p:nvSpPr>
-        <p:spPr/>
-      </p:sp>
-      <p:pic>
-        <p:nvPicPr>
-          <p:cNvPr id="12" name="Picture 11"/>
-          <p:cNvPicPr/>
-          <p:nvPr/>
-        </p:nvPicPr>
-        <p:blipFill>
-          <a:blip r:embed="rId2"/>
-          <a:stretch>
-            <a:fillRect/>
-          </a:stretch>
-        </p:blipFill>
-        <p:spPr>
-          <a:xfrm>
-            <a:off x="101501" y="3030958"/>
-            <a:ext cx="5861304" cy="3750310"/>
-          </a:xfrm>
-          <a:prstGeom prst="rect">
-            <a:avLst/>
-          </a:prstGeom>
-        </p:spPr>
-      </p:pic>
-      <p:pic>
-        <p:nvPicPr>
-          <p:cNvPr id="13" name="Picture 12"/>
-          <p:cNvPicPr/>
-          <p:nvPr/>
-        </p:nvPicPr>
-        <p:blipFill>
-          <a:blip r:embed="rId3"/>
-          <a:stretch>
-            <a:fillRect/>
-          </a:stretch>
-        </p:blipFill>
-        <p:spPr>
-          <a:xfrm>
-            <a:off x="6298782" y="686784"/>
-            <a:ext cx="5861304" cy="3911600"/>
-          </a:xfrm>
-          <a:prstGeom prst="rect">
-            <a:avLst/>
-          </a:prstGeom>
-        </p:spPr>
-      </p:pic>
-    </p:spTree>
-    <p:extLst>
-      <p:ext uri="{BB962C8B-B14F-4D97-AF65-F5344CB8AC3E}">
-        <p14:creationId xmlns:p14="http://schemas.microsoft.com/office/powerpoint/2010/main" val="2123317077"/>
-      </p:ext>
-    </p:extLst>
-  </p:cSld>
-  <p:clrMapOvr>
-    <a:masterClrMapping/>
-  </p:clrMapOvr>
-  <p:timing>
-    <p:tnLst>
-      <p:par>
-        <p:cTn id="1" dur="indefinite" restart="never" nodeType="tmRoot"/>
-      </p:par>
-    </p:tnLst>
-  </p:timing>
-</p:sld>
-</file>
-
-<file path=ppt/slides/slide13.xml><?xml version="1.0" encoding="utf-8"?>
-<p:sld xmlns:a="http://schemas.openxmlformats.org/drawingml/2006/main" xmlns:r="http://schemas.openxmlformats.org/officeDocument/2006/relationships" xmlns:p="http://schemas.openxmlformats.org/presentationml/2006/main">
-  <p:cSld>
-    <p:spTree>
-      <p:nvGrpSpPr>
-        <p:cNvPr id="1" name=""/>
-        <p:cNvGrpSpPr/>
-        <p:nvPr/>
-      </p:nvGrpSpPr>
-      <p:grpSpPr>
-        <a:xfrm>
-          <a:off x="0" y="0"/>
-          <a:ext cx="0" cy="0"/>
-          <a:chOff x="0" y="0"/>
-          <a:chExt cx="0" cy="0"/>
-        </a:xfrm>
-      </p:grpSpPr>
-      <p:sp>
-        <p:nvSpPr>
-          <p:cNvPr id="2" name="Title 1"/>
-          <p:cNvSpPr>
-            <a:spLocks noGrp="1"/>
-          </p:cNvSpPr>
-          <p:nvPr>
-            <p:ph type="title"/>
-          </p:nvPr>
-        </p:nvSpPr>
-        <p:spPr/>
-        <p:txBody>
-          <a:bodyPr/>
-          <a:lstStyle/>
-          <a:p>
-            <a:r>
-              <a:rPr lang="en-US" smtClean="0"/>
-              <a:t>Visualisasi 1 (kasus tidak memiliki anak)</a:t>
-            </a:r>
-            <a:endParaRPr lang="en-US"/>
+            <a:r>
+              <a:rPr lang="en-US" dirty="0" smtClean="0"/>
+              <a:t>pseudocode</a:t>
+            </a:r>
+            <a:endParaRPr lang="en-US" dirty="0"/>
           </a:p>
         </p:txBody>
       </p:sp>
@@ -18100,40 +17660,68 @@
             <a:fld id="{9EC71654-96A5-4280-94F3-931C61A9F92C}" type="slidenum">
               <a:rPr lang="en-US" noProof="0" smtClean="0"/>
               <a:pPr/>
-              <a:t>13</a:t>
+              <a:t>11</a:t>
             </a:fld>
             <a:endParaRPr lang="en-US" noProof="0" dirty="0"/>
           </a:p>
         </p:txBody>
       </p:sp>
-      <p:pic>
-        <p:nvPicPr>
-          <p:cNvPr id="4" name="Picture 3"/>
-          <p:cNvPicPr>
-            <a:picLocks noChangeAspect="1"/>
-          </p:cNvPicPr>
-          <p:nvPr/>
-        </p:nvPicPr>
-        <p:blipFill>
-          <a:blip r:embed="rId2"/>
-          <a:stretch>
-            <a:fillRect/>
-          </a:stretch>
-        </p:blipFill>
+      <p:sp>
+        <p:nvSpPr>
+          <p:cNvPr id="4" name="Picture Placeholder 3"/>
+          <p:cNvSpPr>
+            <a:spLocks noGrp="1"/>
+          </p:cNvSpPr>
+          <p:nvPr>
+            <p:ph type="pic" sz="quarter" idx="13"/>
+          </p:nvPr>
+        </p:nvSpPr>
+        <p:spPr/>
+      </p:sp>
+      <p:sp>
+        <p:nvSpPr>
+          <p:cNvPr id="5" name="Title 4"/>
+          <p:cNvSpPr>
+            <a:spLocks noGrp="1"/>
+          </p:cNvSpPr>
+          <p:nvPr>
+            <p:ph type="title"/>
+          </p:nvPr>
+        </p:nvSpPr>
         <p:spPr>
           <a:xfrm>
-            <a:off x="0" y="1514517"/>
-            <a:ext cx="12192000" cy="3828966"/>
-          </a:xfrm>
-          <a:prstGeom prst="rect">
-            <a:avLst/>
-          </a:prstGeom>
+            <a:off x="515938" y="499595"/>
+            <a:ext cx="11142218" cy="1325563"/>
+          </a:xfrm>
         </p:spPr>
-      </p:pic>
+        <p:txBody>
+          <a:bodyPr/>
+          <a:lstStyle/>
+          <a:p>
+            <a:r>
+              <a:rPr lang="en-US" dirty="0" err="1" smtClean="0"/>
+              <a:t>Penjelasan</a:t>
+            </a:r>
+            <a:r>
+              <a:rPr lang="en-US" dirty="0" smtClean="0"/>
+              <a:t> </a:t>
+            </a:r>
+            <a:r>
+              <a:rPr lang="en-US" dirty="0" err="1" smtClean="0"/>
+              <a:t>visualisasi</a:t>
+            </a:r>
+            <a:r>
+              <a:rPr lang="en-US" dirty="0" smtClean="0"/>
+              <a:t> pseudocode</a:t>
+            </a:r>
+            <a:endParaRPr lang="en-US" dirty="0"/>
+          </a:p>
+        </p:txBody>
+      </p:sp>
     </p:spTree>
     <p:extLst>
       <p:ext uri="{BB962C8B-B14F-4D97-AF65-F5344CB8AC3E}">
-        <p14:creationId xmlns:p14="http://schemas.microsoft.com/office/powerpoint/2010/main" val="3558997250"/>
+        <p14:creationId xmlns:p14="http://schemas.microsoft.com/office/powerpoint/2010/main" val="526049658"/>
       </p:ext>
     </p:extLst>
   </p:cSld>
@@ -18143,517 +17731,7 @@
 </p:sld>
 </file>
 
-<file path=ppt/slides/slide14.xml><?xml version="1.0" encoding="utf-8"?>
-<p:sld xmlns:a="http://schemas.openxmlformats.org/drawingml/2006/main" xmlns:r="http://schemas.openxmlformats.org/officeDocument/2006/relationships" xmlns:p="http://schemas.openxmlformats.org/presentationml/2006/main">
-  <p:cSld>
-    <p:spTree>
-      <p:nvGrpSpPr>
-        <p:cNvPr id="1" name=""/>
-        <p:cNvGrpSpPr/>
-        <p:nvPr/>
-      </p:nvGrpSpPr>
-      <p:grpSpPr>
-        <a:xfrm>
-          <a:off x="0" y="0"/>
-          <a:ext cx="0" cy="0"/>
-          <a:chOff x="0" y="0"/>
-          <a:chExt cx="0" cy="0"/>
-        </a:xfrm>
-      </p:grpSpPr>
-      <p:sp>
-        <p:nvSpPr>
-          <p:cNvPr id="2" name="Title 1"/>
-          <p:cNvSpPr>
-            <a:spLocks noGrp="1"/>
-          </p:cNvSpPr>
-          <p:nvPr>
-            <p:ph type="title"/>
-          </p:nvPr>
-        </p:nvSpPr>
-        <p:spPr/>
-        <p:txBody>
-          <a:bodyPr/>
-          <a:lstStyle/>
-          <a:p>
-            <a:r>
-              <a:rPr lang="en-US" smtClean="0"/>
-              <a:t>Visualisasi 2 (kasus memiliki anak)</a:t>
-            </a:r>
-            <a:endParaRPr lang="en-US"/>
-          </a:p>
-        </p:txBody>
-      </p:sp>
-      <p:sp>
-        <p:nvSpPr>
-          <p:cNvPr id="3" name="Slide Number Placeholder 2"/>
-          <p:cNvSpPr>
-            <a:spLocks noGrp="1"/>
-          </p:cNvSpPr>
-          <p:nvPr>
-            <p:ph type="sldNum" sz="quarter" idx="12"/>
-          </p:nvPr>
-        </p:nvSpPr>
-        <p:spPr/>
-        <p:txBody>
-          <a:bodyPr/>
-          <a:lstStyle/>
-          <a:p>
-            <a:fld id="{9EC71654-96A5-4280-94F3-931C61A9F92C}" type="slidenum">
-              <a:rPr lang="en-US" noProof="0" smtClean="0"/>
-              <a:pPr/>
-              <a:t>14</a:t>
-            </a:fld>
-            <a:endParaRPr lang="en-US" noProof="0" dirty="0"/>
-          </a:p>
-        </p:txBody>
-      </p:sp>
-      <p:pic>
-        <p:nvPicPr>
-          <p:cNvPr id="6" name="Picture 5"/>
-          <p:cNvPicPr>
-            <a:picLocks noChangeAspect="1"/>
-          </p:cNvPicPr>
-          <p:nvPr/>
-        </p:nvPicPr>
-        <p:blipFill>
-          <a:blip r:embed="rId2"/>
-          <a:stretch>
-            <a:fillRect/>
-          </a:stretch>
-        </p:blipFill>
-        <p:spPr>
-          <a:xfrm>
-            <a:off x="0" y="1166957"/>
-            <a:ext cx="12192000" cy="4953558"/>
-          </a:xfrm>
-          <a:prstGeom prst="rect">
-            <a:avLst/>
-          </a:prstGeom>
-        </p:spPr>
-      </p:pic>
-    </p:spTree>
-    <p:extLst>
-      <p:ext uri="{BB962C8B-B14F-4D97-AF65-F5344CB8AC3E}">
-        <p14:creationId xmlns:p14="http://schemas.microsoft.com/office/powerpoint/2010/main" val="2754362544"/>
-      </p:ext>
-    </p:extLst>
-  </p:cSld>
-  <p:clrMapOvr>
-    <a:masterClrMapping/>
-  </p:clrMapOvr>
-</p:sld>
-</file>
-
-<file path=ppt/slides/slide15.xml><?xml version="1.0" encoding="utf-8"?>
-<p:sld xmlns:a="http://schemas.openxmlformats.org/drawingml/2006/main" xmlns:r="http://schemas.openxmlformats.org/officeDocument/2006/relationships" xmlns:p="http://schemas.openxmlformats.org/presentationml/2006/main">
-  <p:cSld>
-    <p:spTree>
-      <p:nvGrpSpPr>
-        <p:cNvPr id="1" name=""/>
-        <p:cNvGrpSpPr/>
-        <p:nvPr/>
-      </p:nvGrpSpPr>
-      <p:grpSpPr>
-        <a:xfrm>
-          <a:off x="0" y="0"/>
-          <a:ext cx="0" cy="0"/>
-          <a:chOff x="0" y="0"/>
-          <a:chExt cx="0" cy="0"/>
-        </a:xfrm>
-      </p:grpSpPr>
-      <p:sp>
-        <p:nvSpPr>
-          <p:cNvPr id="2" name="Title 1"/>
-          <p:cNvSpPr>
-            <a:spLocks noGrp="1"/>
-          </p:cNvSpPr>
-          <p:nvPr>
-            <p:ph type="title"/>
-          </p:nvPr>
-        </p:nvSpPr>
-        <p:spPr/>
-        <p:txBody>
-          <a:bodyPr/>
-          <a:lstStyle/>
-          <a:p>
-            <a:r>
-              <a:rPr lang="en-US" smtClean="0"/>
-              <a:t>Visualisasi 3 (kasus memiliki cucu)</a:t>
-            </a:r>
-            <a:endParaRPr lang="en-US"/>
-          </a:p>
-        </p:txBody>
-      </p:sp>
-      <p:sp>
-        <p:nvSpPr>
-          <p:cNvPr id="3" name="Slide Number Placeholder 2"/>
-          <p:cNvSpPr>
-            <a:spLocks noGrp="1"/>
-          </p:cNvSpPr>
-          <p:nvPr>
-            <p:ph type="sldNum" sz="quarter" idx="12"/>
-          </p:nvPr>
-        </p:nvSpPr>
-        <p:spPr/>
-        <p:txBody>
-          <a:bodyPr/>
-          <a:lstStyle/>
-          <a:p>
-            <a:fld id="{9EC71654-96A5-4280-94F3-931C61A9F92C}" type="slidenum">
-              <a:rPr lang="en-US" noProof="0" smtClean="0"/>
-              <a:pPr/>
-              <a:t>15</a:t>
-            </a:fld>
-            <a:endParaRPr lang="en-US" noProof="0" dirty="0"/>
-          </a:p>
-        </p:txBody>
-      </p:sp>
-      <p:pic>
-        <p:nvPicPr>
-          <p:cNvPr id="4" name="Picture 3"/>
-          <p:cNvPicPr>
-            <a:picLocks noChangeAspect="1"/>
-          </p:cNvPicPr>
-          <p:nvPr/>
-        </p:nvPicPr>
-        <p:blipFill>
-          <a:blip r:embed="rId2"/>
-          <a:stretch>
-            <a:fillRect/>
-          </a:stretch>
-        </p:blipFill>
-        <p:spPr>
-          <a:xfrm>
-            <a:off x="-4762" y="1166957"/>
-            <a:ext cx="12192000" cy="4950508"/>
-          </a:xfrm>
-          <a:prstGeom prst="rect">
-            <a:avLst/>
-          </a:prstGeom>
-        </p:spPr>
-      </p:pic>
-    </p:spTree>
-    <p:extLst>
-      <p:ext uri="{BB962C8B-B14F-4D97-AF65-F5344CB8AC3E}">
-        <p14:creationId xmlns:p14="http://schemas.microsoft.com/office/powerpoint/2010/main" val="3312350000"/>
-      </p:ext>
-    </p:extLst>
-  </p:cSld>
-  <p:clrMapOvr>
-    <a:masterClrMapping/>
-  </p:clrMapOvr>
-</p:sld>
-</file>
-
-<file path=ppt/slides/slide16.xml><?xml version="1.0" encoding="utf-8"?>
-<p:sld xmlns:a="http://schemas.openxmlformats.org/drawingml/2006/main" xmlns:r="http://schemas.openxmlformats.org/officeDocument/2006/relationships" xmlns:p="http://schemas.openxmlformats.org/presentationml/2006/main">
-  <p:cSld>
-    <p:spTree>
-      <p:nvGrpSpPr>
-        <p:cNvPr id="1" name=""/>
-        <p:cNvGrpSpPr/>
-        <p:nvPr/>
-      </p:nvGrpSpPr>
-      <p:grpSpPr>
-        <a:xfrm>
-          <a:off x="0" y="0"/>
-          <a:ext cx="0" cy="0"/>
-          <a:chOff x="0" y="0"/>
-          <a:chExt cx="0" cy="0"/>
-        </a:xfrm>
-      </p:grpSpPr>
-      <p:sp>
-        <p:nvSpPr>
-          <p:cNvPr id="2" name="Title 1"/>
-          <p:cNvSpPr>
-            <a:spLocks noGrp="1"/>
-          </p:cNvSpPr>
-          <p:nvPr>
-            <p:ph type="title"/>
-          </p:nvPr>
-        </p:nvSpPr>
-        <p:spPr/>
-        <p:txBody>
-          <a:bodyPr/>
-          <a:lstStyle/>
-          <a:p>
-            <a:r>
-              <a:rPr lang="en-US" smtClean="0"/>
-              <a:t>Visualisasi 4 (kasus memiliki cicit)</a:t>
-            </a:r>
-            <a:endParaRPr lang="en-US"/>
-          </a:p>
-        </p:txBody>
-      </p:sp>
-      <p:sp>
-        <p:nvSpPr>
-          <p:cNvPr id="3" name="Slide Number Placeholder 2"/>
-          <p:cNvSpPr>
-            <a:spLocks noGrp="1"/>
-          </p:cNvSpPr>
-          <p:nvPr>
-            <p:ph type="sldNum" sz="quarter" idx="12"/>
-          </p:nvPr>
-        </p:nvSpPr>
-        <p:spPr/>
-        <p:txBody>
-          <a:bodyPr/>
-          <a:lstStyle/>
-          <a:p>
-            <a:fld id="{9EC71654-96A5-4280-94F3-931C61A9F92C}" type="slidenum">
-              <a:rPr lang="en-US" noProof="0" smtClean="0"/>
-              <a:pPr/>
-              <a:t>16</a:t>
-            </a:fld>
-            <a:endParaRPr lang="en-US" noProof="0" dirty="0"/>
-          </a:p>
-        </p:txBody>
-      </p:sp>
-      <p:pic>
-        <p:nvPicPr>
-          <p:cNvPr id="4" name="Picture 3"/>
-          <p:cNvPicPr>
-            <a:picLocks noChangeAspect="1"/>
-          </p:cNvPicPr>
-          <p:nvPr/>
-        </p:nvPicPr>
-        <p:blipFill>
-          <a:blip r:embed="rId2"/>
-          <a:stretch>
-            <a:fillRect/>
-          </a:stretch>
-        </p:blipFill>
-        <p:spPr>
-          <a:xfrm>
-            <a:off x="0" y="1312256"/>
-            <a:ext cx="12192000" cy="4998184"/>
-          </a:xfrm>
-          <a:prstGeom prst="rect">
-            <a:avLst/>
-          </a:prstGeom>
-        </p:spPr>
-      </p:pic>
-    </p:spTree>
-    <p:extLst>
-      <p:ext uri="{BB962C8B-B14F-4D97-AF65-F5344CB8AC3E}">
-        <p14:creationId xmlns:p14="http://schemas.microsoft.com/office/powerpoint/2010/main" val="4232551194"/>
-      </p:ext>
-    </p:extLst>
-  </p:cSld>
-  <p:clrMapOvr>
-    <a:masterClrMapping/>
-  </p:clrMapOvr>
-</p:sld>
-</file>
-
-<file path=ppt/slides/slide17.xml><?xml version="1.0" encoding="utf-8"?>
-<p:sld xmlns:a="http://schemas.openxmlformats.org/drawingml/2006/main" xmlns:r="http://schemas.openxmlformats.org/officeDocument/2006/relationships" xmlns:p="http://schemas.openxmlformats.org/presentationml/2006/main">
-  <p:cSld>
-    <p:spTree>
-      <p:nvGrpSpPr>
-        <p:cNvPr id="1" name=""/>
-        <p:cNvGrpSpPr/>
-        <p:nvPr/>
-      </p:nvGrpSpPr>
-      <p:grpSpPr>
-        <a:xfrm>
-          <a:off x="0" y="0"/>
-          <a:ext cx="0" cy="0"/>
-          <a:chOff x="0" y="0"/>
-          <a:chExt cx="0" cy="0"/>
-        </a:xfrm>
-      </p:grpSpPr>
-      <p:sp>
-        <p:nvSpPr>
-          <p:cNvPr id="2" name="Title 1"/>
-          <p:cNvSpPr>
-            <a:spLocks noGrp="1"/>
-          </p:cNvSpPr>
-          <p:nvPr>
-            <p:ph type="title"/>
-          </p:nvPr>
-        </p:nvSpPr>
-        <p:spPr/>
-        <p:txBody>
-          <a:bodyPr/>
-          <a:lstStyle/>
-          <a:p>
-            <a:r>
-              <a:rPr lang="en-US" smtClean="0"/>
-              <a:t>Visualisasi 5 (kasus memiliki pasangan lebih dari satu)</a:t>
-            </a:r>
-            <a:endParaRPr lang="en-US"/>
-          </a:p>
-        </p:txBody>
-      </p:sp>
-      <p:sp>
-        <p:nvSpPr>
-          <p:cNvPr id="3" name="Slide Number Placeholder 2"/>
-          <p:cNvSpPr>
-            <a:spLocks noGrp="1"/>
-          </p:cNvSpPr>
-          <p:nvPr>
-            <p:ph type="sldNum" sz="quarter" idx="12"/>
-          </p:nvPr>
-        </p:nvSpPr>
-        <p:spPr/>
-        <p:txBody>
-          <a:bodyPr/>
-          <a:lstStyle/>
-          <a:p>
-            <a:fld id="{9EC71654-96A5-4280-94F3-931C61A9F92C}" type="slidenum">
-              <a:rPr lang="en-US" noProof="0" smtClean="0"/>
-              <a:pPr/>
-              <a:t>17</a:t>
-            </a:fld>
-            <a:endParaRPr lang="en-US" noProof="0" dirty="0"/>
-          </a:p>
-        </p:txBody>
-      </p:sp>
-      <p:pic>
-        <p:nvPicPr>
-          <p:cNvPr id="4" name="Picture 3"/>
-          <p:cNvPicPr>
-            <a:picLocks noChangeAspect="1"/>
-          </p:cNvPicPr>
-          <p:nvPr/>
-        </p:nvPicPr>
-        <p:blipFill rotWithShape="1">
-          <a:blip r:embed="rId2">
-            <a:extLst>
-              <a:ext uri="{28A0092B-C50C-407E-A947-70E740481C1C}">
-                <a14:useLocalDpi xmlns:a14="http://schemas.microsoft.com/office/drawing/2010/main" val="0"/>
-              </a:ext>
-            </a:extLst>
-          </a:blip>
-          <a:srcRect b="30892"/>
-          <a:stretch/>
-        </p:blipFill>
-        <p:spPr>
-          <a:xfrm>
-            <a:off x="3224210" y="1166957"/>
-            <a:ext cx="5734055" cy="4940308"/>
-          </a:xfrm>
-          <a:prstGeom prst="rect">
-            <a:avLst/>
-          </a:prstGeom>
-        </p:spPr>
-      </p:pic>
-    </p:spTree>
-    <p:extLst>
-      <p:ext uri="{BB962C8B-B14F-4D97-AF65-F5344CB8AC3E}">
-        <p14:creationId xmlns:p14="http://schemas.microsoft.com/office/powerpoint/2010/main" val="350214557"/>
-      </p:ext>
-    </p:extLst>
-  </p:cSld>
-  <p:clrMapOvr>
-    <a:masterClrMapping/>
-  </p:clrMapOvr>
-</p:sld>
-</file>
-
-<file path=ppt/slides/slide18.xml><?xml version="1.0" encoding="utf-8"?>
-<p:sld xmlns:a="http://schemas.openxmlformats.org/drawingml/2006/main" xmlns:r="http://schemas.openxmlformats.org/officeDocument/2006/relationships" xmlns:p="http://schemas.openxmlformats.org/presentationml/2006/main">
-  <p:cSld>
-    <p:spTree>
-      <p:nvGrpSpPr>
-        <p:cNvPr id="1" name=""/>
-        <p:cNvGrpSpPr/>
-        <p:nvPr/>
-      </p:nvGrpSpPr>
-      <p:grpSpPr>
-        <a:xfrm>
-          <a:off x="0" y="0"/>
-          <a:ext cx="0" cy="0"/>
-          <a:chOff x="0" y="0"/>
-          <a:chExt cx="0" cy="0"/>
-        </a:xfrm>
-      </p:grpSpPr>
-      <p:sp>
-        <p:nvSpPr>
-          <p:cNvPr id="2" name="Title 1"/>
-          <p:cNvSpPr>
-            <a:spLocks noGrp="1"/>
-          </p:cNvSpPr>
-          <p:nvPr>
-            <p:ph type="title"/>
-          </p:nvPr>
-        </p:nvSpPr>
-        <p:spPr/>
-        <p:txBody>
-          <a:bodyPr/>
-          <a:lstStyle/>
-          <a:p>
-            <a:r>
-              <a:rPr lang="en-US" smtClean="0"/>
-              <a:t>Visualisasi 6 (kasus memiliki relasi yang tidak memiliki properti nama)</a:t>
-            </a:r>
-            <a:endParaRPr lang="en-US"/>
-          </a:p>
-        </p:txBody>
-      </p:sp>
-      <p:sp>
-        <p:nvSpPr>
-          <p:cNvPr id="3" name="Slide Number Placeholder 2"/>
-          <p:cNvSpPr>
-            <a:spLocks noGrp="1"/>
-          </p:cNvSpPr>
-          <p:nvPr>
-            <p:ph type="sldNum" sz="quarter" idx="12"/>
-          </p:nvPr>
-        </p:nvSpPr>
-        <p:spPr/>
-        <p:txBody>
-          <a:bodyPr/>
-          <a:lstStyle/>
-          <a:p>
-            <a:fld id="{9EC71654-96A5-4280-94F3-931C61A9F92C}" type="slidenum">
-              <a:rPr lang="en-US" noProof="0" smtClean="0"/>
-              <a:pPr/>
-              <a:t>18</a:t>
-            </a:fld>
-            <a:endParaRPr lang="en-US" noProof="0" dirty="0"/>
-          </a:p>
-        </p:txBody>
-      </p:sp>
-      <p:pic>
-        <p:nvPicPr>
-          <p:cNvPr id="4" name="Picture 3"/>
-          <p:cNvPicPr>
-            <a:picLocks noChangeAspect="1"/>
-          </p:cNvPicPr>
-          <p:nvPr/>
-        </p:nvPicPr>
-        <p:blipFill>
-          <a:blip r:embed="rId2"/>
-          <a:stretch>
-            <a:fillRect/>
-          </a:stretch>
-        </p:blipFill>
-        <p:spPr>
-          <a:xfrm>
-            <a:off x="0" y="1193205"/>
-            <a:ext cx="12192000" cy="4471590"/>
-          </a:xfrm>
-          <a:prstGeom prst="rect">
-            <a:avLst/>
-          </a:prstGeom>
-        </p:spPr>
-      </p:pic>
-    </p:spTree>
-    <p:extLst>
-      <p:ext uri="{BB962C8B-B14F-4D97-AF65-F5344CB8AC3E}">
-        <p14:creationId xmlns:p14="http://schemas.microsoft.com/office/powerpoint/2010/main" val="1345547420"/>
-      </p:ext>
-    </p:extLst>
-  </p:cSld>
-  <p:clrMapOvr>
-    <a:masterClrMapping/>
-  </p:clrMapOvr>
-</p:sld>
-</file>
-
-<file path=ppt/slides/slide19.xml><?xml version="1.0" encoding="utf-8"?>
+<file path=ppt/slides/slide12.xml><?xml version="1.0" encoding="utf-8"?>
 <p:sld xmlns:a="http://schemas.openxmlformats.org/drawingml/2006/main" xmlns:r="http://schemas.openxmlformats.org/officeDocument/2006/relationships" xmlns:p="http://schemas.openxmlformats.org/presentationml/2006/main">
   <p:cSld>
     <p:spTree>
@@ -18820,11 +17898,7 @@
             </a:pPr>
             <a:r>
               <a:rPr lang="id-ID" sz="2000" dirty="0"/>
-              <a:t>PE</a:t>
-            </a:r>
-            <a:r>
-              <a:rPr lang="en-US" sz="2000" dirty="0"/>
-              <a:t>RANCANGAN &amp; IMPLEMENTASI</a:t>
+              <a:t>PERANCANGAN &amp; IMPLEMENTASI</a:t>
             </a:r>
             <a:endParaRPr lang="en-US" sz="2000" dirty="0">
               <a:solidFill>
@@ -18844,68 +17918,6 @@
         <p:spPr bwMode="auto">
           <a:xfrm>
             <a:off x="4267201" y="3644855"/>
-            <a:ext cx="3657598" cy="612648"/>
-          </a:xfrm>
-          <a:prstGeom prst="rect">
-            <a:avLst/>
-          </a:prstGeom>
-          <a:solidFill>
-            <a:schemeClr val="accent3">
-              <a:lumMod val="50000"/>
-            </a:schemeClr>
-          </a:solidFill>
-          <a:ln>
-            <a:noFill/>
-            <a:headEnd type="none" w="med" len="med"/>
-            <a:tailEnd type="none" w="med" len="med"/>
-          </a:ln>
-          <a:extLst/>
-        </p:spPr>
-        <p:style>
-          <a:lnRef idx="1">
-            <a:schemeClr val="accent4"/>
-          </a:lnRef>
-          <a:fillRef idx="3">
-            <a:schemeClr val="accent4"/>
-          </a:fillRef>
-          <a:effectRef idx="2">
-            <a:schemeClr val="accent4"/>
-          </a:effectRef>
-          <a:fontRef idx="minor">
-            <a:schemeClr val="lt1"/>
-          </a:fontRef>
-        </p:style>
-        <p:txBody>
-          <a:bodyPr vert="horz" wrap="none" lIns="91440" tIns="45720" rIns="91440" bIns="45720" numCol="1" rtlCol="0" anchor="ctr" anchorCtr="0" compatLnSpc="1">
-            <a:prstTxWarp prst="textNoShape">
-              <a:avLst/>
-            </a:prstTxWarp>
-          </a:bodyPr>
-          <a:lstStyle/>
-          <a:p>
-            <a:pPr algn="ctr"/>
-            <a:r>
-              <a:rPr lang="id-ID" sz="2000" dirty="0"/>
-              <a:t>UJI COBA</a:t>
-            </a:r>
-            <a:endParaRPr lang="en-US" sz="2000" dirty="0">
-              <a:solidFill>
-                <a:schemeClr val="tx1"/>
-              </a:solidFill>
-              <a:latin typeface="Tahoma" panose="020B0604030504040204" pitchFamily="34" charset="0"/>
-            </a:endParaRPr>
-          </a:p>
-        </p:txBody>
-      </p:sp>
-      <p:sp>
-        <p:nvSpPr>
-          <p:cNvPr id="11" name="Rectangle 10"/>
-          <p:cNvSpPr/>
-          <p:nvPr/>
-        </p:nvSpPr>
-        <p:spPr bwMode="auto">
-          <a:xfrm>
-            <a:off x="4267201" y="4572000"/>
             <a:ext cx="3657598" cy="612648"/>
           </a:xfrm>
           <a:prstGeom prst="rect">
@@ -18947,8 +17959,8 @@
           <a:p>
             <a:pPr algn="ctr"/>
             <a:r>
-              <a:rPr lang="en-US" sz="2000"/>
-              <a:t>KESIMPULAN &amp; SARAN</a:t>
+              <a:rPr lang="en-US" sz="2000" dirty="0"/>
+              <a:t>UJI COBA</a:t>
             </a:r>
             <a:endParaRPr lang="en-US" sz="2000" dirty="0">
               <a:solidFill>
@@ -18959,10 +17971,71 @@
           </a:p>
         </p:txBody>
       </p:sp>
+      <p:sp>
+        <p:nvSpPr>
+          <p:cNvPr id="11" name="Rectangle 10"/>
+          <p:cNvSpPr/>
+          <p:nvPr/>
+        </p:nvSpPr>
+        <p:spPr bwMode="auto">
+          <a:xfrm>
+            <a:off x="4267201" y="4572000"/>
+            <a:ext cx="3657598" cy="612648"/>
+          </a:xfrm>
+          <a:prstGeom prst="rect">
+            <a:avLst/>
+          </a:prstGeom>
+          <a:solidFill>
+            <a:schemeClr val="accent3">
+              <a:lumMod val="50000"/>
+            </a:schemeClr>
+          </a:solidFill>
+          <a:ln>
+            <a:headEnd type="none" w="med" len="med"/>
+            <a:tailEnd type="none" w="med" len="med"/>
+          </a:ln>
+          <a:extLst/>
+        </p:spPr>
+        <p:style>
+          <a:lnRef idx="1">
+            <a:schemeClr val="accent4"/>
+          </a:lnRef>
+          <a:fillRef idx="3">
+            <a:schemeClr val="accent4"/>
+          </a:fillRef>
+          <a:effectRef idx="2">
+            <a:schemeClr val="accent4"/>
+          </a:effectRef>
+          <a:fontRef idx="minor">
+            <a:schemeClr val="lt1"/>
+          </a:fontRef>
+        </p:style>
+        <p:txBody>
+          <a:bodyPr vert="horz" wrap="none" lIns="91440" tIns="45720" rIns="91440" bIns="45720" numCol="1" rtlCol="0" anchor="ctr" anchorCtr="0" compatLnSpc="1">
+            <a:prstTxWarp prst="textNoShape">
+              <a:avLst/>
+            </a:prstTxWarp>
+          </a:bodyPr>
+          <a:lstStyle/>
+          <a:p>
+            <a:pPr algn="ctr"/>
+            <a:r>
+              <a:rPr lang="en-US" sz="2000"/>
+              <a:t>KESIMPULAN &amp; SARAN</a:t>
+            </a:r>
+            <a:endParaRPr lang="en-US" sz="2000" dirty="0">
+              <a:solidFill>
+                <a:schemeClr val="tx1"/>
+              </a:solidFill>
+              <a:latin typeface="Tahoma" panose="020B0604030504040204" pitchFamily="34" charset="0"/>
+            </a:endParaRPr>
+          </a:p>
+        </p:txBody>
+      </p:sp>
     </p:spTree>
     <p:extLst>
       <p:ext uri="{BB962C8B-B14F-4D97-AF65-F5344CB8AC3E}">
-        <p14:creationId xmlns:p14="http://schemas.microsoft.com/office/powerpoint/2010/main" val="159343209"/>
+        <p14:creationId xmlns:p14="http://schemas.microsoft.com/office/powerpoint/2010/main" val="1662718274"/>
       </p:ext>
     </p:extLst>
   </p:cSld>
@@ -18988,6 +18061,1027 @@
       </p:par>
     </p:tnLst>
   </p:timing>
+</p:sld>
+</file>
+
+<file path=ppt/slides/slide13.xml><?xml version="1.0" encoding="utf-8"?>
+<p:sld xmlns:a="http://schemas.openxmlformats.org/drawingml/2006/main" xmlns:r="http://schemas.openxmlformats.org/officeDocument/2006/relationships" xmlns:p="http://schemas.openxmlformats.org/presentationml/2006/main">
+  <p:cSld>
+    <p:spTree>
+      <p:nvGrpSpPr>
+        <p:cNvPr id="1" name=""/>
+        <p:cNvGrpSpPr/>
+        <p:nvPr/>
+      </p:nvGrpSpPr>
+      <p:grpSpPr>
+        <a:xfrm>
+          <a:off x="0" y="0"/>
+          <a:ext cx="0" cy="0"/>
+          <a:chOff x="0" y="0"/>
+          <a:chExt cx="0" cy="0"/>
+        </a:xfrm>
+      </p:grpSpPr>
+      <p:sp>
+        <p:nvSpPr>
+          <p:cNvPr id="2" name="Title 1"/>
+          <p:cNvSpPr>
+            <a:spLocks noGrp="1"/>
+          </p:cNvSpPr>
+          <p:nvPr>
+            <p:ph type="title"/>
+          </p:nvPr>
+        </p:nvSpPr>
+        <p:spPr>
+          <a:xfrm>
+            <a:off x="-55502" y="99376"/>
+            <a:ext cx="6959771" cy="587408"/>
+          </a:xfrm>
+        </p:spPr>
+        <p:txBody>
+          <a:bodyPr/>
+          <a:lstStyle/>
+          <a:p>
+            <a:r>
+              <a:rPr lang="en-US" smtClean="0"/>
+              <a:t>Reasoning property isspouseof</a:t>
+            </a:r>
+            <a:endParaRPr lang="en-US"/>
+          </a:p>
+        </p:txBody>
+      </p:sp>
+      <p:sp>
+        <p:nvSpPr>
+          <p:cNvPr id="4" name="Slide Number Placeholder 3"/>
+          <p:cNvSpPr>
+            <a:spLocks noGrp="1"/>
+          </p:cNvSpPr>
+          <p:nvPr>
+            <p:ph type="sldNum" sz="quarter" idx="12"/>
+          </p:nvPr>
+        </p:nvSpPr>
+        <p:spPr/>
+        <p:txBody>
+          <a:bodyPr/>
+          <a:lstStyle/>
+          <a:p>
+            <a:fld id="{9EC71654-96A5-4280-94F3-931C61A9F92C}" type="slidenum">
+              <a:rPr lang="en-US" noProof="0" smtClean="0"/>
+              <a:pPr/>
+              <a:t>13</a:t>
+            </a:fld>
+            <a:endParaRPr lang="en-US" noProof="0" dirty="0"/>
+          </a:p>
+        </p:txBody>
+      </p:sp>
+      <p:sp>
+        <p:nvSpPr>
+          <p:cNvPr id="5" name="Content Placeholder 4"/>
+          <p:cNvSpPr>
+            <a:spLocks noGrp="1"/>
+          </p:cNvSpPr>
+          <p:nvPr>
+            <p:ph idx="15"/>
+          </p:nvPr>
+        </p:nvSpPr>
+        <p:spPr/>
+        <p:txBody>
+          <a:bodyPr/>
+          <a:lstStyle/>
+          <a:p>
+            <a:r>
+              <a:rPr lang="en-US" smtClean="0"/>
+              <a:t>Sebelum reasoning</a:t>
+            </a:r>
+            <a:endParaRPr lang="en-US"/>
+          </a:p>
+        </p:txBody>
+      </p:sp>
+      <p:sp>
+        <p:nvSpPr>
+          <p:cNvPr id="7" name="Content Placeholder 6"/>
+          <p:cNvSpPr>
+            <a:spLocks noGrp="1"/>
+          </p:cNvSpPr>
+          <p:nvPr>
+            <p:ph idx="20"/>
+          </p:nvPr>
+        </p:nvSpPr>
+        <p:spPr/>
+        <p:txBody>
+          <a:bodyPr/>
+          <a:lstStyle/>
+          <a:p>
+            <a:r>
+              <a:rPr lang="en-US" smtClean="0"/>
+              <a:t>Sesudah reasoning</a:t>
+            </a:r>
+            <a:endParaRPr lang="en-US"/>
+          </a:p>
+        </p:txBody>
+      </p:sp>
+      <p:sp>
+        <p:nvSpPr>
+          <p:cNvPr id="8" name="Picture Placeholder 7"/>
+          <p:cNvSpPr>
+            <a:spLocks noGrp="1"/>
+          </p:cNvSpPr>
+          <p:nvPr>
+            <p:ph type="pic" sz="quarter" idx="21"/>
+          </p:nvPr>
+        </p:nvSpPr>
+        <p:spPr/>
+      </p:sp>
+      <p:sp>
+        <p:nvSpPr>
+          <p:cNvPr id="9" name="Picture Placeholder 8"/>
+          <p:cNvSpPr>
+            <a:spLocks noGrp="1"/>
+          </p:cNvSpPr>
+          <p:nvPr>
+            <p:ph type="pic" sz="quarter" idx="22"/>
+          </p:nvPr>
+        </p:nvSpPr>
+        <p:spPr/>
+      </p:sp>
+      <p:pic>
+        <p:nvPicPr>
+          <p:cNvPr id="10" name="Content Placeholder 9"/>
+          <p:cNvPicPr>
+            <a:picLocks noGrp="1"/>
+          </p:cNvPicPr>
+          <p:nvPr>
+            <p:ph idx="1"/>
+          </p:nvPr>
+        </p:nvPicPr>
+        <p:blipFill>
+          <a:blip r:embed="rId2"/>
+          <a:stretch>
+            <a:fillRect/>
+          </a:stretch>
+        </p:blipFill>
+        <p:spPr>
+          <a:xfrm>
+            <a:off x="102987" y="2939320"/>
+            <a:ext cx="5858331" cy="3779256"/>
+          </a:xfrm>
+          <a:prstGeom prst="rect">
+            <a:avLst/>
+          </a:prstGeom>
+        </p:spPr>
+      </p:pic>
+      <p:pic>
+        <p:nvPicPr>
+          <p:cNvPr id="11" name="Content Placeholder 10"/>
+          <p:cNvPicPr>
+            <a:picLocks noGrp="1"/>
+          </p:cNvPicPr>
+          <p:nvPr>
+            <p:ph idx="19"/>
+          </p:nvPr>
+        </p:nvPicPr>
+        <p:blipFill>
+          <a:blip r:embed="rId3"/>
+          <a:stretch>
+            <a:fillRect/>
+          </a:stretch>
+        </p:blipFill>
+        <p:spPr>
+          <a:xfrm>
+            <a:off x="6298782" y="1023807"/>
+            <a:ext cx="5861304" cy="3545282"/>
+          </a:xfrm>
+          <a:prstGeom prst="rect">
+            <a:avLst/>
+          </a:prstGeom>
+        </p:spPr>
+      </p:pic>
+    </p:spTree>
+    <p:extLst>
+      <p:ext uri="{BB962C8B-B14F-4D97-AF65-F5344CB8AC3E}">
+        <p14:creationId xmlns:p14="http://schemas.microsoft.com/office/powerpoint/2010/main" val="1387944711"/>
+      </p:ext>
+    </p:extLst>
+  </p:cSld>
+  <p:clrMapOvr>
+    <a:masterClrMapping/>
+  </p:clrMapOvr>
+  <p:timing>
+    <p:tnLst>
+      <p:par>
+        <p:cTn id="1" dur="indefinite" restart="never" nodeType="tmRoot"/>
+      </p:par>
+    </p:tnLst>
+  </p:timing>
+</p:sld>
+</file>
+
+<file path=ppt/slides/slide14.xml><?xml version="1.0" encoding="utf-8"?>
+<p:sld xmlns:a="http://schemas.openxmlformats.org/drawingml/2006/main" xmlns:r="http://schemas.openxmlformats.org/officeDocument/2006/relationships" xmlns:p="http://schemas.openxmlformats.org/presentationml/2006/main">
+  <p:cSld>
+    <p:spTree>
+      <p:nvGrpSpPr>
+        <p:cNvPr id="1" name=""/>
+        <p:cNvGrpSpPr/>
+        <p:nvPr/>
+      </p:nvGrpSpPr>
+      <p:grpSpPr>
+        <a:xfrm>
+          <a:off x="0" y="0"/>
+          <a:ext cx="0" cy="0"/>
+          <a:chOff x="0" y="0"/>
+          <a:chExt cx="0" cy="0"/>
+        </a:xfrm>
+      </p:grpSpPr>
+      <p:sp>
+        <p:nvSpPr>
+          <p:cNvPr id="2" name="Title 1"/>
+          <p:cNvSpPr>
+            <a:spLocks noGrp="1"/>
+          </p:cNvSpPr>
+          <p:nvPr>
+            <p:ph type="title"/>
+          </p:nvPr>
+        </p:nvSpPr>
+        <p:spPr>
+          <a:xfrm>
+            <a:off x="-55502" y="99376"/>
+            <a:ext cx="6959771" cy="587408"/>
+          </a:xfrm>
+        </p:spPr>
+        <p:txBody>
+          <a:bodyPr/>
+          <a:lstStyle/>
+          <a:p>
+            <a:r>
+              <a:rPr lang="en-US" smtClean="0"/>
+              <a:t>Reasoning property haschild</a:t>
+            </a:r>
+            <a:endParaRPr lang="en-US"/>
+          </a:p>
+        </p:txBody>
+      </p:sp>
+      <p:sp>
+        <p:nvSpPr>
+          <p:cNvPr id="4" name="Slide Number Placeholder 3"/>
+          <p:cNvSpPr>
+            <a:spLocks noGrp="1"/>
+          </p:cNvSpPr>
+          <p:nvPr>
+            <p:ph type="sldNum" sz="quarter" idx="12"/>
+          </p:nvPr>
+        </p:nvSpPr>
+        <p:spPr/>
+        <p:txBody>
+          <a:bodyPr/>
+          <a:lstStyle/>
+          <a:p>
+            <a:fld id="{9EC71654-96A5-4280-94F3-931C61A9F92C}" type="slidenum">
+              <a:rPr lang="en-US" noProof="0" smtClean="0"/>
+              <a:pPr/>
+              <a:t>14</a:t>
+            </a:fld>
+            <a:endParaRPr lang="en-US" noProof="0" dirty="0"/>
+          </a:p>
+        </p:txBody>
+      </p:sp>
+      <p:sp>
+        <p:nvSpPr>
+          <p:cNvPr id="5" name="Content Placeholder 4"/>
+          <p:cNvSpPr>
+            <a:spLocks noGrp="1"/>
+          </p:cNvSpPr>
+          <p:nvPr>
+            <p:ph idx="15"/>
+          </p:nvPr>
+        </p:nvSpPr>
+        <p:spPr/>
+        <p:txBody>
+          <a:bodyPr/>
+          <a:lstStyle/>
+          <a:p>
+            <a:r>
+              <a:rPr lang="en-US" smtClean="0"/>
+              <a:t>Sebelum reasoning</a:t>
+            </a:r>
+            <a:endParaRPr lang="en-US"/>
+          </a:p>
+        </p:txBody>
+      </p:sp>
+      <p:sp>
+        <p:nvSpPr>
+          <p:cNvPr id="7" name="Content Placeholder 6"/>
+          <p:cNvSpPr>
+            <a:spLocks noGrp="1"/>
+          </p:cNvSpPr>
+          <p:nvPr>
+            <p:ph idx="20"/>
+          </p:nvPr>
+        </p:nvSpPr>
+        <p:spPr/>
+        <p:txBody>
+          <a:bodyPr/>
+          <a:lstStyle/>
+          <a:p>
+            <a:r>
+              <a:rPr lang="en-US" smtClean="0"/>
+              <a:t>Sesudah reasoning</a:t>
+            </a:r>
+            <a:endParaRPr lang="en-US"/>
+          </a:p>
+        </p:txBody>
+      </p:sp>
+      <p:sp>
+        <p:nvSpPr>
+          <p:cNvPr id="8" name="Picture Placeholder 7"/>
+          <p:cNvSpPr>
+            <a:spLocks noGrp="1"/>
+          </p:cNvSpPr>
+          <p:nvPr>
+            <p:ph type="pic" sz="quarter" idx="21"/>
+          </p:nvPr>
+        </p:nvSpPr>
+        <p:spPr/>
+      </p:sp>
+      <p:sp>
+        <p:nvSpPr>
+          <p:cNvPr id="9" name="Picture Placeholder 8"/>
+          <p:cNvSpPr>
+            <a:spLocks noGrp="1"/>
+          </p:cNvSpPr>
+          <p:nvPr>
+            <p:ph type="pic" sz="quarter" idx="22"/>
+          </p:nvPr>
+        </p:nvSpPr>
+        <p:spPr/>
+      </p:sp>
+      <p:pic>
+        <p:nvPicPr>
+          <p:cNvPr id="12" name="Picture 11"/>
+          <p:cNvPicPr/>
+          <p:nvPr/>
+        </p:nvPicPr>
+        <p:blipFill>
+          <a:blip r:embed="rId2"/>
+          <a:stretch>
+            <a:fillRect/>
+          </a:stretch>
+        </p:blipFill>
+        <p:spPr>
+          <a:xfrm>
+            <a:off x="24347" y="2723886"/>
+            <a:ext cx="5861304" cy="3919220"/>
+          </a:xfrm>
+          <a:prstGeom prst="rect">
+            <a:avLst/>
+          </a:prstGeom>
+        </p:spPr>
+      </p:pic>
+      <p:pic>
+        <p:nvPicPr>
+          <p:cNvPr id="13" name="Picture 12"/>
+          <p:cNvPicPr/>
+          <p:nvPr/>
+        </p:nvPicPr>
+        <p:blipFill>
+          <a:blip r:embed="rId3"/>
+          <a:stretch>
+            <a:fillRect/>
+          </a:stretch>
+        </p:blipFill>
+        <p:spPr>
+          <a:xfrm>
+            <a:off x="6258750" y="686784"/>
+            <a:ext cx="5861304" cy="3903980"/>
+          </a:xfrm>
+          <a:prstGeom prst="rect">
+            <a:avLst/>
+          </a:prstGeom>
+        </p:spPr>
+      </p:pic>
+    </p:spTree>
+    <p:extLst>
+      <p:ext uri="{BB962C8B-B14F-4D97-AF65-F5344CB8AC3E}">
+        <p14:creationId xmlns:p14="http://schemas.microsoft.com/office/powerpoint/2010/main" val="3377289643"/>
+      </p:ext>
+    </p:extLst>
+  </p:cSld>
+  <p:clrMapOvr>
+    <a:masterClrMapping/>
+  </p:clrMapOvr>
+  <p:timing>
+    <p:tnLst>
+      <p:par>
+        <p:cTn id="1" dur="indefinite" restart="never" nodeType="tmRoot"/>
+      </p:par>
+    </p:tnLst>
+  </p:timing>
+</p:sld>
+</file>
+
+<file path=ppt/slides/slide15.xml><?xml version="1.0" encoding="utf-8"?>
+<p:sld xmlns:a="http://schemas.openxmlformats.org/drawingml/2006/main" xmlns:r="http://schemas.openxmlformats.org/officeDocument/2006/relationships" xmlns:p="http://schemas.openxmlformats.org/presentationml/2006/main">
+  <p:cSld>
+    <p:spTree>
+      <p:nvGrpSpPr>
+        <p:cNvPr id="1" name=""/>
+        <p:cNvGrpSpPr/>
+        <p:nvPr/>
+      </p:nvGrpSpPr>
+      <p:grpSpPr>
+        <a:xfrm>
+          <a:off x="0" y="0"/>
+          <a:ext cx="0" cy="0"/>
+          <a:chOff x="0" y="0"/>
+          <a:chExt cx="0" cy="0"/>
+        </a:xfrm>
+      </p:grpSpPr>
+      <p:sp>
+        <p:nvSpPr>
+          <p:cNvPr id="2" name="Title 1"/>
+          <p:cNvSpPr>
+            <a:spLocks noGrp="1"/>
+          </p:cNvSpPr>
+          <p:nvPr>
+            <p:ph type="title"/>
+          </p:nvPr>
+        </p:nvSpPr>
+        <p:spPr>
+          <a:xfrm>
+            <a:off x="-55502" y="99376"/>
+            <a:ext cx="6959771" cy="587408"/>
+          </a:xfrm>
+        </p:spPr>
+        <p:txBody>
+          <a:bodyPr/>
+          <a:lstStyle/>
+          <a:p>
+            <a:r>
+              <a:rPr lang="en-US" smtClean="0"/>
+              <a:t>Reasoning property hasparent</a:t>
+            </a:r>
+            <a:endParaRPr lang="en-US"/>
+          </a:p>
+        </p:txBody>
+      </p:sp>
+      <p:sp>
+        <p:nvSpPr>
+          <p:cNvPr id="4" name="Slide Number Placeholder 3"/>
+          <p:cNvSpPr>
+            <a:spLocks noGrp="1"/>
+          </p:cNvSpPr>
+          <p:nvPr>
+            <p:ph type="sldNum" sz="quarter" idx="12"/>
+          </p:nvPr>
+        </p:nvSpPr>
+        <p:spPr/>
+        <p:txBody>
+          <a:bodyPr/>
+          <a:lstStyle/>
+          <a:p>
+            <a:fld id="{9EC71654-96A5-4280-94F3-931C61A9F92C}" type="slidenum">
+              <a:rPr lang="en-US" noProof="0" smtClean="0"/>
+              <a:pPr/>
+              <a:t>15</a:t>
+            </a:fld>
+            <a:endParaRPr lang="en-US" noProof="0" dirty="0"/>
+          </a:p>
+        </p:txBody>
+      </p:sp>
+      <p:sp>
+        <p:nvSpPr>
+          <p:cNvPr id="5" name="Content Placeholder 4"/>
+          <p:cNvSpPr>
+            <a:spLocks noGrp="1"/>
+          </p:cNvSpPr>
+          <p:nvPr>
+            <p:ph idx="15"/>
+          </p:nvPr>
+        </p:nvSpPr>
+        <p:spPr/>
+        <p:txBody>
+          <a:bodyPr/>
+          <a:lstStyle/>
+          <a:p>
+            <a:r>
+              <a:rPr lang="en-US" smtClean="0"/>
+              <a:t>Sebelum reasoning</a:t>
+            </a:r>
+            <a:endParaRPr lang="en-US"/>
+          </a:p>
+        </p:txBody>
+      </p:sp>
+      <p:sp>
+        <p:nvSpPr>
+          <p:cNvPr id="7" name="Content Placeholder 6"/>
+          <p:cNvSpPr>
+            <a:spLocks noGrp="1"/>
+          </p:cNvSpPr>
+          <p:nvPr>
+            <p:ph idx="20"/>
+          </p:nvPr>
+        </p:nvSpPr>
+        <p:spPr/>
+        <p:txBody>
+          <a:bodyPr/>
+          <a:lstStyle/>
+          <a:p>
+            <a:r>
+              <a:rPr lang="en-US" smtClean="0"/>
+              <a:t>Sesudah reasoning</a:t>
+            </a:r>
+            <a:endParaRPr lang="en-US"/>
+          </a:p>
+        </p:txBody>
+      </p:sp>
+      <p:sp>
+        <p:nvSpPr>
+          <p:cNvPr id="8" name="Picture Placeholder 7"/>
+          <p:cNvSpPr>
+            <a:spLocks noGrp="1"/>
+          </p:cNvSpPr>
+          <p:nvPr>
+            <p:ph type="pic" sz="quarter" idx="21"/>
+          </p:nvPr>
+        </p:nvSpPr>
+        <p:spPr/>
+      </p:sp>
+      <p:sp>
+        <p:nvSpPr>
+          <p:cNvPr id="9" name="Picture Placeholder 8"/>
+          <p:cNvSpPr>
+            <a:spLocks noGrp="1"/>
+          </p:cNvSpPr>
+          <p:nvPr>
+            <p:ph type="pic" sz="quarter" idx="22"/>
+          </p:nvPr>
+        </p:nvSpPr>
+        <p:spPr/>
+      </p:sp>
+      <p:pic>
+        <p:nvPicPr>
+          <p:cNvPr id="12" name="Picture 11"/>
+          <p:cNvPicPr/>
+          <p:nvPr/>
+        </p:nvPicPr>
+        <p:blipFill>
+          <a:blip r:embed="rId2"/>
+          <a:stretch>
+            <a:fillRect/>
+          </a:stretch>
+        </p:blipFill>
+        <p:spPr>
+          <a:xfrm>
+            <a:off x="101501" y="3030958"/>
+            <a:ext cx="5861304" cy="3750310"/>
+          </a:xfrm>
+          <a:prstGeom prst="rect">
+            <a:avLst/>
+          </a:prstGeom>
+        </p:spPr>
+      </p:pic>
+      <p:pic>
+        <p:nvPicPr>
+          <p:cNvPr id="13" name="Picture 12"/>
+          <p:cNvPicPr/>
+          <p:nvPr/>
+        </p:nvPicPr>
+        <p:blipFill>
+          <a:blip r:embed="rId3"/>
+          <a:stretch>
+            <a:fillRect/>
+          </a:stretch>
+        </p:blipFill>
+        <p:spPr>
+          <a:xfrm>
+            <a:off x="6298782" y="686784"/>
+            <a:ext cx="5861304" cy="3911600"/>
+          </a:xfrm>
+          <a:prstGeom prst="rect">
+            <a:avLst/>
+          </a:prstGeom>
+        </p:spPr>
+      </p:pic>
+    </p:spTree>
+    <p:extLst>
+      <p:ext uri="{BB962C8B-B14F-4D97-AF65-F5344CB8AC3E}">
+        <p14:creationId xmlns:p14="http://schemas.microsoft.com/office/powerpoint/2010/main" val="2123317077"/>
+      </p:ext>
+    </p:extLst>
+  </p:cSld>
+  <p:clrMapOvr>
+    <a:masterClrMapping/>
+  </p:clrMapOvr>
+  <p:timing>
+    <p:tnLst>
+      <p:par>
+        <p:cTn id="1" dur="indefinite" restart="never" nodeType="tmRoot"/>
+      </p:par>
+    </p:tnLst>
+  </p:timing>
+</p:sld>
+</file>
+
+<file path=ppt/slides/slide16.xml><?xml version="1.0" encoding="utf-8"?>
+<p:sld xmlns:a="http://schemas.openxmlformats.org/drawingml/2006/main" xmlns:r="http://schemas.openxmlformats.org/officeDocument/2006/relationships" xmlns:p="http://schemas.openxmlformats.org/presentationml/2006/main">
+  <p:cSld>
+    <p:spTree>
+      <p:nvGrpSpPr>
+        <p:cNvPr id="1" name=""/>
+        <p:cNvGrpSpPr/>
+        <p:nvPr/>
+      </p:nvGrpSpPr>
+      <p:grpSpPr>
+        <a:xfrm>
+          <a:off x="0" y="0"/>
+          <a:ext cx="0" cy="0"/>
+          <a:chOff x="0" y="0"/>
+          <a:chExt cx="0" cy="0"/>
+        </a:xfrm>
+      </p:grpSpPr>
+      <p:sp>
+        <p:nvSpPr>
+          <p:cNvPr id="2" name="Title 1"/>
+          <p:cNvSpPr>
+            <a:spLocks noGrp="1"/>
+          </p:cNvSpPr>
+          <p:nvPr>
+            <p:ph type="title"/>
+          </p:nvPr>
+        </p:nvSpPr>
+        <p:spPr/>
+        <p:txBody>
+          <a:bodyPr/>
+          <a:lstStyle/>
+          <a:p>
+            <a:r>
+              <a:rPr lang="en-US" smtClean="0"/>
+              <a:t>Visualisasi 1 (kasus tidak memiliki anak)</a:t>
+            </a:r>
+            <a:endParaRPr lang="en-US"/>
+          </a:p>
+        </p:txBody>
+      </p:sp>
+      <p:sp>
+        <p:nvSpPr>
+          <p:cNvPr id="3" name="Slide Number Placeholder 2"/>
+          <p:cNvSpPr>
+            <a:spLocks noGrp="1"/>
+          </p:cNvSpPr>
+          <p:nvPr>
+            <p:ph type="sldNum" sz="quarter" idx="12"/>
+          </p:nvPr>
+        </p:nvSpPr>
+        <p:spPr/>
+        <p:txBody>
+          <a:bodyPr/>
+          <a:lstStyle/>
+          <a:p>
+            <a:fld id="{9EC71654-96A5-4280-94F3-931C61A9F92C}" type="slidenum">
+              <a:rPr lang="en-US" noProof="0" smtClean="0"/>
+              <a:pPr/>
+              <a:t>16</a:t>
+            </a:fld>
+            <a:endParaRPr lang="en-US" noProof="0" dirty="0"/>
+          </a:p>
+        </p:txBody>
+      </p:sp>
+      <p:pic>
+        <p:nvPicPr>
+          <p:cNvPr id="4" name="Picture 3"/>
+          <p:cNvPicPr>
+            <a:picLocks noChangeAspect="1"/>
+          </p:cNvPicPr>
+          <p:nvPr/>
+        </p:nvPicPr>
+        <p:blipFill>
+          <a:blip r:embed="rId2"/>
+          <a:stretch>
+            <a:fillRect/>
+          </a:stretch>
+        </p:blipFill>
+        <p:spPr>
+          <a:xfrm>
+            <a:off x="0" y="1514517"/>
+            <a:ext cx="12192000" cy="3828966"/>
+          </a:xfrm>
+          <a:prstGeom prst="rect">
+            <a:avLst/>
+          </a:prstGeom>
+        </p:spPr>
+      </p:pic>
+    </p:spTree>
+    <p:extLst>
+      <p:ext uri="{BB962C8B-B14F-4D97-AF65-F5344CB8AC3E}">
+        <p14:creationId xmlns:p14="http://schemas.microsoft.com/office/powerpoint/2010/main" val="3558997250"/>
+      </p:ext>
+    </p:extLst>
+  </p:cSld>
+  <p:clrMapOvr>
+    <a:masterClrMapping/>
+  </p:clrMapOvr>
+</p:sld>
+</file>
+
+<file path=ppt/slides/slide17.xml><?xml version="1.0" encoding="utf-8"?>
+<p:sld xmlns:a="http://schemas.openxmlformats.org/drawingml/2006/main" xmlns:r="http://schemas.openxmlformats.org/officeDocument/2006/relationships" xmlns:p="http://schemas.openxmlformats.org/presentationml/2006/main">
+  <p:cSld>
+    <p:spTree>
+      <p:nvGrpSpPr>
+        <p:cNvPr id="1" name=""/>
+        <p:cNvGrpSpPr/>
+        <p:nvPr/>
+      </p:nvGrpSpPr>
+      <p:grpSpPr>
+        <a:xfrm>
+          <a:off x="0" y="0"/>
+          <a:ext cx="0" cy="0"/>
+          <a:chOff x="0" y="0"/>
+          <a:chExt cx="0" cy="0"/>
+        </a:xfrm>
+      </p:grpSpPr>
+      <p:sp>
+        <p:nvSpPr>
+          <p:cNvPr id="2" name="Title 1"/>
+          <p:cNvSpPr>
+            <a:spLocks noGrp="1"/>
+          </p:cNvSpPr>
+          <p:nvPr>
+            <p:ph type="title"/>
+          </p:nvPr>
+        </p:nvSpPr>
+        <p:spPr/>
+        <p:txBody>
+          <a:bodyPr/>
+          <a:lstStyle/>
+          <a:p>
+            <a:r>
+              <a:rPr lang="en-US" smtClean="0"/>
+              <a:t>Visualisasi 2 (kasus memiliki anak)</a:t>
+            </a:r>
+            <a:endParaRPr lang="en-US"/>
+          </a:p>
+        </p:txBody>
+      </p:sp>
+      <p:sp>
+        <p:nvSpPr>
+          <p:cNvPr id="3" name="Slide Number Placeholder 2"/>
+          <p:cNvSpPr>
+            <a:spLocks noGrp="1"/>
+          </p:cNvSpPr>
+          <p:nvPr>
+            <p:ph type="sldNum" sz="quarter" idx="12"/>
+          </p:nvPr>
+        </p:nvSpPr>
+        <p:spPr/>
+        <p:txBody>
+          <a:bodyPr/>
+          <a:lstStyle/>
+          <a:p>
+            <a:fld id="{9EC71654-96A5-4280-94F3-931C61A9F92C}" type="slidenum">
+              <a:rPr lang="en-US" noProof="0" smtClean="0"/>
+              <a:pPr/>
+              <a:t>17</a:t>
+            </a:fld>
+            <a:endParaRPr lang="en-US" noProof="0" dirty="0"/>
+          </a:p>
+        </p:txBody>
+      </p:sp>
+      <p:pic>
+        <p:nvPicPr>
+          <p:cNvPr id="6" name="Picture 5"/>
+          <p:cNvPicPr>
+            <a:picLocks noChangeAspect="1"/>
+          </p:cNvPicPr>
+          <p:nvPr/>
+        </p:nvPicPr>
+        <p:blipFill>
+          <a:blip r:embed="rId2"/>
+          <a:stretch>
+            <a:fillRect/>
+          </a:stretch>
+        </p:blipFill>
+        <p:spPr>
+          <a:xfrm>
+            <a:off x="0" y="1166957"/>
+            <a:ext cx="12192000" cy="4953558"/>
+          </a:xfrm>
+          <a:prstGeom prst="rect">
+            <a:avLst/>
+          </a:prstGeom>
+        </p:spPr>
+      </p:pic>
+    </p:spTree>
+    <p:extLst>
+      <p:ext uri="{BB962C8B-B14F-4D97-AF65-F5344CB8AC3E}">
+        <p14:creationId xmlns:p14="http://schemas.microsoft.com/office/powerpoint/2010/main" val="2754362544"/>
+      </p:ext>
+    </p:extLst>
+  </p:cSld>
+  <p:clrMapOvr>
+    <a:masterClrMapping/>
+  </p:clrMapOvr>
+</p:sld>
+</file>
+
+<file path=ppt/slides/slide18.xml><?xml version="1.0" encoding="utf-8"?>
+<p:sld xmlns:a="http://schemas.openxmlformats.org/drawingml/2006/main" xmlns:r="http://schemas.openxmlformats.org/officeDocument/2006/relationships" xmlns:p="http://schemas.openxmlformats.org/presentationml/2006/main">
+  <p:cSld>
+    <p:spTree>
+      <p:nvGrpSpPr>
+        <p:cNvPr id="1" name=""/>
+        <p:cNvGrpSpPr/>
+        <p:nvPr/>
+      </p:nvGrpSpPr>
+      <p:grpSpPr>
+        <a:xfrm>
+          <a:off x="0" y="0"/>
+          <a:ext cx="0" cy="0"/>
+          <a:chOff x="0" y="0"/>
+          <a:chExt cx="0" cy="0"/>
+        </a:xfrm>
+      </p:grpSpPr>
+      <p:sp>
+        <p:nvSpPr>
+          <p:cNvPr id="2" name="Title 1"/>
+          <p:cNvSpPr>
+            <a:spLocks noGrp="1"/>
+          </p:cNvSpPr>
+          <p:nvPr>
+            <p:ph type="title"/>
+          </p:nvPr>
+        </p:nvSpPr>
+        <p:spPr/>
+        <p:txBody>
+          <a:bodyPr/>
+          <a:lstStyle/>
+          <a:p>
+            <a:r>
+              <a:rPr lang="en-US" smtClean="0"/>
+              <a:t>Visualisasi 3 (kasus memiliki cucu)</a:t>
+            </a:r>
+            <a:endParaRPr lang="en-US"/>
+          </a:p>
+        </p:txBody>
+      </p:sp>
+      <p:sp>
+        <p:nvSpPr>
+          <p:cNvPr id="3" name="Slide Number Placeholder 2"/>
+          <p:cNvSpPr>
+            <a:spLocks noGrp="1"/>
+          </p:cNvSpPr>
+          <p:nvPr>
+            <p:ph type="sldNum" sz="quarter" idx="12"/>
+          </p:nvPr>
+        </p:nvSpPr>
+        <p:spPr/>
+        <p:txBody>
+          <a:bodyPr/>
+          <a:lstStyle/>
+          <a:p>
+            <a:fld id="{9EC71654-96A5-4280-94F3-931C61A9F92C}" type="slidenum">
+              <a:rPr lang="en-US" noProof="0" smtClean="0"/>
+              <a:pPr/>
+              <a:t>18</a:t>
+            </a:fld>
+            <a:endParaRPr lang="en-US" noProof="0" dirty="0"/>
+          </a:p>
+        </p:txBody>
+      </p:sp>
+      <p:pic>
+        <p:nvPicPr>
+          <p:cNvPr id="4" name="Picture 3"/>
+          <p:cNvPicPr>
+            <a:picLocks noChangeAspect="1"/>
+          </p:cNvPicPr>
+          <p:nvPr/>
+        </p:nvPicPr>
+        <p:blipFill>
+          <a:blip r:embed="rId2"/>
+          <a:stretch>
+            <a:fillRect/>
+          </a:stretch>
+        </p:blipFill>
+        <p:spPr>
+          <a:xfrm>
+            <a:off x="-4762" y="1166957"/>
+            <a:ext cx="12192000" cy="4950508"/>
+          </a:xfrm>
+          <a:prstGeom prst="rect">
+            <a:avLst/>
+          </a:prstGeom>
+        </p:spPr>
+      </p:pic>
+    </p:spTree>
+    <p:extLst>
+      <p:ext uri="{BB962C8B-B14F-4D97-AF65-F5344CB8AC3E}">
+        <p14:creationId xmlns:p14="http://schemas.microsoft.com/office/powerpoint/2010/main" val="3312350000"/>
+      </p:ext>
+    </p:extLst>
+  </p:cSld>
+  <p:clrMapOvr>
+    <a:masterClrMapping/>
+  </p:clrMapOvr>
+</p:sld>
+</file>
+
+<file path=ppt/slides/slide19.xml><?xml version="1.0" encoding="utf-8"?>
+<p:sld xmlns:a="http://schemas.openxmlformats.org/drawingml/2006/main" xmlns:r="http://schemas.openxmlformats.org/officeDocument/2006/relationships" xmlns:p="http://schemas.openxmlformats.org/presentationml/2006/main">
+  <p:cSld>
+    <p:spTree>
+      <p:nvGrpSpPr>
+        <p:cNvPr id="1" name=""/>
+        <p:cNvGrpSpPr/>
+        <p:nvPr/>
+      </p:nvGrpSpPr>
+      <p:grpSpPr>
+        <a:xfrm>
+          <a:off x="0" y="0"/>
+          <a:ext cx="0" cy="0"/>
+          <a:chOff x="0" y="0"/>
+          <a:chExt cx="0" cy="0"/>
+        </a:xfrm>
+      </p:grpSpPr>
+      <p:sp>
+        <p:nvSpPr>
+          <p:cNvPr id="2" name="Title 1"/>
+          <p:cNvSpPr>
+            <a:spLocks noGrp="1"/>
+          </p:cNvSpPr>
+          <p:nvPr>
+            <p:ph type="title"/>
+          </p:nvPr>
+        </p:nvSpPr>
+        <p:spPr/>
+        <p:txBody>
+          <a:bodyPr/>
+          <a:lstStyle/>
+          <a:p>
+            <a:r>
+              <a:rPr lang="en-US" smtClean="0"/>
+              <a:t>Visualisasi 4 (kasus memiliki cicit)</a:t>
+            </a:r>
+            <a:endParaRPr lang="en-US"/>
+          </a:p>
+        </p:txBody>
+      </p:sp>
+      <p:sp>
+        <p:nvSpPr>
+          <p:cNvPr id="3" name="Slide Number Placeholder 2"/>
+          <p:cNvSpPr>
+            <a:spLocks noGrp="1"/>
+          </p:cNvSpPr>
+          <p:nvPr>
+            <p:ph type="sldNum" sz="quarter" idx="12"/>
+          </p:nvPr>
+        </p:nvSpPr>
+        <p:spPr/>
+        <p:txBody>
+          <a:bodyPr/>
+          <a:lstStyle/>
+          <a:p>
+            <a:fld id="{9EC71654-96A5-4280-94F3-931C61A9F92C}" type="slidenum">
+              <a:rPr lang="en-US" noProof="0" smtClean="0"/>
+              <a:pPr/>
+              <a:t>19</a:t>
+            </a:fld>
+            <a:endParaRPr lang="en-US" noProof="0" dirty="0"/>
+          </a:p>
+        </p:txBody>
+      </p:sp>
+      <p:pic>
+        <p:nvPicPr>
+          <p:cNvPr id="4" name="Picture 3"/>
+          <p:cNvPicPr>
+            <a:picLocks noChangeAspect="1"/>
+          </p:cNvPicPr>
+          <p:nvPr/>
+        </p:nvPicPr>
+        <p:blipFill>
+          <a:blip r:embed="rId2"/>
+          <a:stretch>
+            <a:fillRect/>
+          </a:stretch>
+        </p:blipFill>
+        <p:spPr>
+          <a:xfrm>
+            <a:off x="0" y="1312256"/>
+            <a:ext cx="12192000" cy="4998184"/>
+          </a:xfrm>
+          <a:prstGeom prst="rect">
+            <a:avLst/>
+          </a:prstGeom>
+        </p:spPr>
+      </p:pic>
+    </p:spTree>
+    <p:extLst>
+      <p:ext uri="{BB962C8B-B14F-4D97-AF65-F5344CB8AC3E}">
+        <p14:creationId xmlns:p14="http://schemas.microsoft.com/office/powerpoint/2010/main" val="4232551194"/>
+      </p:ext>
+    </p:extLst>
+  </p:cSld>
+  <p:clrMapOvr>
+    <a:masterClrMapping/>
+  </p:clrMapOvr>
 </p:sld>
 </file>
 
@@ -19344,96 +19438,24 @@
       </p:grpSpPr>
       <p:sp>
         <p:nvSpPr>
-          <p:cNvPr id="2" name="Content Placeholder 1"/>
+          <p:cNvPr id="2" name="Title 1"/>
           <p:cNvSpPr>
             <a:spLocks noGrp="1"/>
           </p:cNvSpPr>
           <p:nvPr>
-            <p:ph idx="1"/>
+            <p:ph type="title"/>
           </p:nvPr>
         </p:nvSpPr>
-        <p:spPr>
-          <a:xfrm>
-            <a:off x="538960" y="1825625"/>
-            <a:ext cx="10824736" cy="4351338"/>
-          </a:xfrm>
-        </p:spPr>
+        <p:spPr/>
         <p:txBody>
           <a:bodyPr/>
           <a:lstStyle/>
           <a:p>
-            <a:pPr lvl="0"/>
-            <a:r>
-              <a:rPr lang="en-US" sz="2800"/>
-              <a:t>Data p</a:t>
-            </a:r>
-            <a:r>
-              <a:rPr lang="id-ID" sz="2800"/>
-              <a:t>roperti yang dimiliki oleh </a:t>
-            </a:r>
-            <a:r>
-              <a:rPr lang="id-ID" sz="2800" i="1"/>
-              <a:t>Family Relationship Ontology</a:t>
-            </a:r>
-            <a:r>
-              <a:rPr lang="id-ID" sz="2800"/>
-              <a:t> dapat digunakan pada domain tokoh sejarah Indonesia. </a:t>
-            </a:r>
-            <a:endParaRPr lang="en-US" sz="2800"/>
-          </a:p>
-          <a:p>
-            <a:pPr lvl="0"/>
-            <a:r>
-              <a:rPr lang="id-ID" sz="2800"/>
-              <a:t>Studi kasus visualisasi pohon keluarga tokoh sejarah Indonesia mampu dimodelkan dan digabungkan dengan model ontologi lokal dengan Apache Jena</a:t>
-            </a:r>
-            <a:r>
-              <a:rPr lang="en-US" sz="2800"/>
-              <a:t> serta bisa melakukan proses </a:t>
-            </a:r>
-            <a:r>
-              <a:rPr lang="en-US" sz="2800" i="1"/>
-              <a:t>reasoning </a:t>
-            </a:r>
-            <a:r>
-              <a:rPr lang="en-US" sz="2800"/>
-              <a:t>dengan Pellet Reasoner.</a:t>
-            </a:r>
-          </a:p>
-          <a:p>
-            <a:pPr lvl="0"/>
-            <a:r>
-              <a:rPr lang="en-US" sz="2800"/>
-              <a:t>Aplikasi untuk visualisasi pohon keluarga tokoh sejarah Indonesia dapat dikembangkan dengan l</a:t>
-            </a:r>
-            <a:r>
-              <a:rPr lang="id-ID" sz="2800"/>
-              <a:t>ibrary SPARQL Lib </a:t>
-            </a:r>
-            <a:r>
-              <a:rPr lang="en-US" sz="2800"/>
-              <a:t>yang </a:t>
-            </a:r>
-            <a:r>
-              <a:rPr lang="id-ID" sz="2800"/>
-              <a:t>mampu menghubungkan basis data Apache Jena Fuseki</a:t>
-            </a:r>
-            <a:r>
-              <a:rPr lang="en-US" sz="2800"/>
-              <a:t> dengan perangkat lunak yang </a:t>
-            </a:r>
-            <a:r>
-              <a:rPr lang="id-ID" sz="2800"/>
-              <a:t>menggunakan bahasa pemrograman PHP.</a:t>
-            </a:r>
-            <a:endParaRPr lang="en-US" sz="2800"/>
-          </a:p>
-          <a:p>
-            <a:pPr marL="457200" indent="-457200">
-              <a:buFont typeface="+mj-lt"/>
-              <a:buAutoNum type="arabicPeriod"/>
-            </a:pPr>
-            <a:endParaRPr lang="en-US" sz="2800"/>
+            <a:r>
+              <a:rPr lang="en-US" smtClean="0"/>
+              <a:t>Visualisasi 5 (kasus memiliki pasangan lebih dari satu)</a:t>
+            </a:r>
+            <a:endParaRPr lang="en-US"/>
           </a:p>
         </p:txBody>
       </p:sp>
@@ -19461,38 +19483,39 @@
           </a:p>
         </p:txBody>
       </p:sp>
-      <p:sp>
-        <p:nvSpPr>
-          <p:cNvPr id="5" name="Title 4"/>
-          <p:cNvSpPr>
-            <a:spLocks noGrp="1"/>
-          </p:cNvSpPr>
-          <p:nvPr>
-            <p:ph type="title"/>
-          </p:nvPr>
-        </p:nvSpPr>
+      <p:pic>
+        <p:nvPicPr>
+          <p:cNvPr id="4" name="Picture 3"/>
+          <p:cNvPicPr>
+            <a:picLocks noChangeAspect="1"/>
+          </p:cNvPicPr>
+          <p:nvPr/>
+        </p:nvPicPr>
+        <p:blipFill rotWithShape="1">
+          <a:blip r:embed="rId2">
+            <a:extLst>
+              <a:ext uri="{28A0092B-C50C-407E-A947-70E740481C1C}">
+                <a14:useLocalDpi xmlns:a14="http://schemas.microsoft.com/office/drawing/2010/main" val="0"/>
+              </a:ext>
+            </a:extLst>
+          </a:blip>
+          <a:srcRect b="30892"/>
+          <a:stretch/>
+        </p:blipFill>
         <p:spPr>
           <a:xfrm>
-            <a:off x="515938" y="499595"/>
-            <a:ext cx="10057617" cy="1325563"/>
-          </a:xfrm>
+            <a:off x="3224210" y="1166957"/>
+            <a:ext cx="5734055" cy="4940308"/>
+          </a:xfrm>
+          <a:prstGeom prst="rect">
+            <a:avLst/>
+          </a:prstGeom>
         </p:spPr>
-        <p:txBody>
-          <a:bodyPr/>
-          <a:lstStyle/>
-          <a:p>
-            <a:r>
-              <a:rPr lang="en-US" smtClean="0"/>
-              <a:t>Kesimpulan</a:t>
-            </a:r>
-            <a:endParaRPr lang="en-US"/>
-          </a:p>
-        </p:txBody>
-      </p:sp>
+      </p:pic>
     </p:spTree>
     <p:extLst>
       <p:ext uri="{BB962C8B-B14F-4D97-AF65-F5344CB8AC3E}">
-        <p14:creationId xmlns:p14="http://schemas.microsoft.com/office/powerpoint/2010/main" val="1457767700"/>
+        <p14:creationId xmlns:p14="http://schemas.microsoft.com/office/powerpoint/2010/main" val="350214557"/>
       </p:ext>
     </p:extLst>
   </p:cSld>
@@ -19521,64 +19544,24 @@
       </p:grpSpPr>
       <p:sp>
         <p:nvSpPr>
-          <p:cNvPr id="2" name="Content Placeholder 1"/>
+          <p:cNvPr id="2" name="Title 1"/>
           <p:cNvSpPr>
             <a:spLocks noGrp="1"/>
           </p:cNvSpPr>
           <p:nvPr>
-            <p:ph idx="1"/>
+            <p:ph type="title"/>
           </p:nvPr>
         </p:nvSpPr>
-        <p:spPr>
-          <a:xfrm>
-            <a:off x="538960" y="1825625"/>
-            <a:ext cx="10824736" cy="4351338"/>
-          </a:xfrm>
-        </p:spPr>
+        <p:spPr/>
         <p:txBody>
           <a:bodyPr/>
           <a:lstStyle/>
           <a:p>
-            <a:pPr lvl="0"/>
-            <a:r>
-              <a:rPr lang="id-ID" sz="3200"/>
-              <a:t>Penggunaan perangkat uji coba dengan spesfikasi kapasitas memori yang lebih besar agar waktu yang dibutuhkan untuk proses </a:t>
-            </a:r>
-            <a:r>
-              <a:rPr lang="id-ID" sz="3200" i="1"/>
-              <a:t>export inferenced axiom</a:t>
-            </a:r>
-            <a:r>
-              <a:rPr lang="id-ID" sz="3200"/>
-              <a:t> lebih cepat</a:t>
-            </a:r>
-            <a:r>
-              <a:rPr lang="en-US" sz="3200"/>
-              <a:t>.</a:t>
-            </a:r>
-          </a:p>
-          <a:p>
-            <a:pPr lvl="0"/>
-            <a:r>
-              <a:rPr lang="en-US" sz="3200"/>
-              <a:t>Penambahan visualisasi generasi pendahulu dan penerus.</a:t>
-            </a:r>
-          </a:p>
-          <a:p>
-            <a:pPr lvl="0"/>
-            <a:r>
-              <a:rPr lang="en-US" sz="3200"/>
-              <a:t>Fitur penambahan data secara </a:t>
-            </a:r>
-            <a:r>
-              <a:rPr lang="en-US" sz="3200"/>
-              <a:t>dinamis</a:t>
-            </a:r>
-            <a:r>
-              <a:rPr lang="en-US" sz="3200" smtClean="0"/>
-              <a:t>.</a:t>
-            </a:r>
-            <a:endParaRPr lang="en-US" sz="3200"/>
+            <a:r>
+              <a:rPr lang="en-US" smtClean="0"/>
+              <a:t>Visualisasi 6 (kasus memiliki relasi yang tidak memiliki properti nama)</a:t>
+            </a:r>
+            <a:endParaRPr lang="en-US"/>
           </a:p>
         </p:txBody>
       </p:sp>
@@ -19606,38 +19589,34 @@
           </a:p>
         </p:txBody>
       </p:sp>
-      <p:sp>
-        <p:nvSpPr>
-          <p:cNvPr id="5" name="Title 4"/>
-          <p:cNvSpPr>
-            <a:spLocks noGrp="1"/>
-          </p:cNvSpPr>
-          <p:nvPr>
-            <p:ph type="title"/>
-          </p:nvPr>
-        </p:nvSpPr>
+      <p:pic>
+        <p:nvPicPr>
+          <p:cNvPr id="4" name="Picture 3"/>
+          <p:cNvPicPr>
+            <a:picLocks noChangeAspect="1"/>
+          </p:cNvPicPr>
+          <p:nvPr/>
+        </p:nvPicPr>
+        <p:blipFill>
+          <a:blip r:embed="rId2"/>
+          <a:stretch>
+            <a:fillRect/>
+          </a:stretch>
+        </p:blipFill>
         <p:spPr>
           <a:xfrm>
-            <a:off x="515938" y="499595"/>
-            <a:ext cx="10057617" cy="1325563"/>
-          </a:xfrm>
+            <a:off x="0" y="1193205"/>
+            <a:ext cx="12192000" cy="4471590"/>
+          </a:xfrm>
+          <a:prstGeom prst="rect">
+            <a:avLst/>
+          </a:prstGeom>
         </p:spPr>
-        <p:txBody>
-          <a:bodyPr/>
-          <a:lstStyle/>
-          <a:p>
-            <a:r>
-              <a:rPr lang="en-US" smtClean="0"/>
-              <a:t>saran</a:t>
-            </a:r>
-            <a:endParaRPr lang="en-US"/>
-          </a:p>
-        </p:txBody>
-      </p:sp>
+      </p:pic>
     </p:spTree>
     <p:extLst>
       <p:ext uri="{BB962C8B-B14F-4D97-AF65-F5344CB8AC3E}">
-        <p14:creationId xmlns:p14="http://schemas.microsoft.com/office/powerpoint/2010/main" val="122094142"/>
+        <p14:creationId xmlns:p14="http://schemas.microsoft.com/office/powerpoint/2010/main" val="1345547420"/>
       </p:ext>
     </p:extLst>
   </p:cSld>
@@ -19666,10 +19645,1025 @@
       </p:grpSpPr>
       <p:sp>
         <p:nvSpPr>
+          <p:cNvPr id="2" name="Title 1"/>
+          <p:cNvSpPr>
+            <a:spLocks noGrp="1"/>
+          </p:cNvSpPr>
+          <p:nvPr>
+            <p:ph type="title"/>
+          </p:nvPr>
+        </p:nvSpPr>
+        <p:spPr/>
+        <p:txBody>
+          <a:bodyPr/>
+          <a:lstStyle/>
+          <a:p>
+            <a:endParaRPr lang="en-US"/>
+          </a:p>
+        </p:txBody>
+      </p:sp>
+      <p:sp>
+        <p:nvSpPr>
+          <p:cNvPr id="3" name="Slide Number Placeholder 2"/>
+          <p:cNvSpPr>
+            <a:spLocks noGrp="1"/>
+          </p:cNvSpPr>
+          <p:nvPr>
+            <p:ph type="sldNum" sz="quarter" idx="12"/>
+          </p:nvPr>
+        </p:nvSpPr>
+        <p:spPr/>
+        <p:txBody>
+          <a:bodyPr/>
+          <a:lstStyle/>
+          <a:p>
+            <a:fld id="{9EC71654-96A5-4280-94F3-931C61A9F92C}" type="slidenum">
+              <a:rPr lang="en-US" noProof="0" smtClean="0"/>
+              <a:pPr/>
+              <a:t>22</a:t>
+            </a:fld>
+            <a:endParaRPr lang="en-US" noProof="0" dirty="0"/>
+          </a:p>
+        </p:txBody>
+      </p:sp>
+      <p:sp>
+        <p:nvSpPr>
+          <p:cNvPr id="4" name="TextBox 3"/>
+          <p:cNvSpPr txBox="1"/>
+          <p:nvPr/>
+        </p:nvSpPr>
+        <p:spPr>
+          <a:xfrm>
+            <a:off x="2125980" y="3406140"/>
+            <a:ext cx="5321650" cy="369332"/>
+          </a:xfrm>
+          <a:prstGeom prst="rect">
+            <a:avLst/>
+          </a:prstGeom>
+          <a:noFill/>
+        </p:spPr>
+        <p:txBody>
+          <a:bodyPr wrap="none" rtlCol="0">
+            <a:spAutoFit/>
+          </a:bodyPr>
+          <a:lstStyle/>
+          <a:p>
+            <a:r>
+              <a:rPr lang="en-US" dirty="0" err="1" smtClean="0"/>
+              <a:t>Visualisasi</a:t>
+            </a:r>
+            <a:r>
+              <a:rPr lang="en-US" dirty="0" smtClean="0"/>
+              <a:t> </a:t>
+            </a:r>
+            <a:r>
+              <a:rPr lang="en-US" dirty="0" err="1" smtClean="0"/>
+              <a:t>hasChildInlaw</a:t>
+            </a:r>
+            <a:r>
+              <a:rPr lang="en-US" dirty="0" smtClean="0"/>
+              <a:t>, </a:t>
+            </a:r>
+            <a:r>
+              <a:rPr lang="en-US" dirty="0" err="1" smtClean="0"/>
+              <a:t>hasSibling</a:t>
+            </a:r>
+            <a:r>
+              <a:rPr lang="en-US" dirty="0" smtClean="0"/>
+              <a:t>, </a:t>
+            </a:r>
+            <a:r>
+              <a:rPr lang="en-US" dirty="0" err="1" smtClean="0"/>
+              <a:t>hasGrandchild</a:t>
+            </a:r>
+            <a:r>
+              <a:rPr lang="en-US" dirty="0" smtClean="0"/>
+              <a:t>, </a:t>
+            </a:r>
+            <a:r>
+              <a:rPr lang="en-US" dirty="0" err="1" smtClean="0"/>
+              <a:t>dll</a:t>
+            </a:r>
+            <a:endParaRPr lang="en-US" dirty="0"/>
+          </a:p>
+        </p:txBody>
+      </p:sp>
+    </p:spTree>
+    <p:extLst>
+      <p:ext uri="{BB962C8B-B14F-4D97-AF65-F5344CB8AC3E}">
+        <p14:creationId xmlns:p14="http://schemas.microsoft.com/office/powerpoint/2010/main" val="745984983"/>
+      </p:ext>
+    </p:extLst>
+  </p:cSld>
+  <p:clrMapOvr>
+    <a:masterClrMapping/>
+  </p:clrMapOvr>
+</p:sld>
+</file>
+
+<file path=ppt/slides/slide23.xml><?xml version="1.0" encoding="utf-8"?>
+<p:sld xmlns:a="http://schemas.openxmlformats.org/drawingml/2006/main" xmlns:r="http://schemas.openxmlformats.org/officeDocument/2006/relationships" xmlns:p="http://schemas.openxmlformats.org/presentationml/2006/main">
+  <p:cSld>
+    <p:spTree>
+      <p:nvGrpSpPr>
+        <p:cNvPr id="1" name=""/>
+        <p:cNvGrpSpPr/>
+        <p:nvPr/>
+      </p:nvGrpSpPr>
+      <p:grpSpPr>
+        <a:xfrm>
+          <a:off x="0" y="0"/>
+          <a:ext cx="0" cy="0"/>
+          <a:chOff x="0" y="0"/>
+          <a:chExt cx="0" cy="0"/>
+        </a:xfrm>
+      </p:grpSpPr>
+      <p:sp>
+        <p:nvSpPr>
+          <p:cNvPr id="6" name="Footer Placeholder 5"/>
+          <p:cNvSpPr>
+            <a:spLocks noGrp="1"/>
+          </p:cNvSpPr>
+          <p:nvPr>
+            <p:ph type="ftr" sz="quarter" idx="11"/>
+          </p:nvPr>
+        </p:nvSpPr>
+        <p:spPr/>
+        <p:txBody>
+          <a:bodyPr/>
+          <a:lstStyle/>
+          <a:p>
+            <a:r>
+              <a:rPr lang="en-US" smtClean="0"/>
+              <a:t>TUGAS AKHIR – KI141502</a:t>
+            </a:r>
+            <a:endParaRPr lang="en-US"/>
+          </a:p>
+        </p:txBody>
+      </p:sp>
+      <p:sp>
+        <p:nvSpPr>
+          <p:cNvPr id="8" name="Rectangle 7"/>
+          <p:cNvSpPr/>
+          <p:nvPr/>
+        </p:nvSpPr>
+        <p:spPr bwMode="auto">
+          <a:xfrm>
+            <a:off x="4267201" y="1828800"/>
+            <a:ext cx="3657599" cy="609600"/>
+          </a:xfrm>
+          <a:prstGeom prst="rect">
+            <a:avLst/>
+          </a:prstGeom>
+          <a:solidFill>
+            <a:schemeClr val="accent3">
+              <a:lumMod val="50000"/>
+            </a:schemeClr>
+          </a:solidFill>
+          <a:ln>
+            <a:noFill/>
+            <a:headEnd type="none" w="med" len="med"/>
+            <a:tailEnd type="none" w="med" len="med"/>
+          </a:ln>
+          <a:extLst/>
+        </p:spPr>
+        <p:style>
+          <a:lnRef idx="0">
+            <a:schemeClr val="accent6"/>
+          </a:lnRef>
+          <a:fillRef idx="3">
+            <a:schemeClr val="accent6"/>
+          </a:fillRef>
+          <a:effectRef idx="3">
+            <a:schemeClr val="accent6"/>
+          </a:effectRef>
+          <a:fontRef idx="minor">
+            <a:schemeClr val="lt1"/>
+          </a:fontRef>
+        </p:style>
+        <p:txBody>
+          <a:bodyPr vert="horz" wrap="none" lIns="91440" tIns="45720" rIns="91440" bIns="45720" numCol="1" rtlCol="0" anchor="ctr" anchorCtr="0" compatLnSpc="1">
+            <a:prstTxWarp prst="textNoShape">
+              <a:avLst/>
+            </a:prstTxWarp>
+          </a:bodyPr>
+          <a:lstStyle/>
+          <a:p>
+            <a:pPr algn="ctr" fontAlgn="base">
+              <a:spcBef>
+                <a:spcPct val="0"/>
+              </a:spcBef>
+              <a:spcAft>
+                <a:spcPct val="0"/>
+              </a:spcAft>
+            </a:pPr>
+            <a:r>
+              <a:rPr lang="en-US" sz="2000"/>
+              <a:t>PENDAHULUAN</a:t>
+            </a:r>
+            <a:endParaRPr lang="en-US" sz="2000" dirty="0">
+              <a:solidFill>
+                <a:schemeClr val="tx1"/>
+              </a:solidFill>
+              <a:latin typeface="Tahoma" panose="020B0604030504040204" pitchFamily="34" charset="0"/>
+            </a:endParaRPr>
+          </a:p>
+        </p:txBody>
+      </p:sp>
+      <p:sp>
+        <p:nvSpPr>
+          <p:cNvPr id="9" name="Rectangle 8"/>
+          <p:cNvSpPr/>
+          <p:nvPr/>
+        </p:nvSpPr>
+        <p:spPr bwMode="auto">
+          <a:xfrm>
+            <a:off x="4267200" y="2730455"/>
+            <a:ext cx="3657600" cy="612648"/>
+          </a:xfrm>
+          <a:prstGeom prst="rect">
+            <a:avLst/>
+          </a:prstGeom>
+          <a:solidFill>
+            <a:schemeClr val="accent3">
+              <a:lumMod val="50000"/>
+            </a:schemeClr>
+          </a:solidFill>
+          <a:ln>
+            <a:noFill/>
+            <a:headEnd type="none" w="med" len="med"/>
+            <a:tailEnd type="none" w="med" len="med"/>
+          </a:ln>
+          <a:extLst/>
+        </p:spPr>
+        <p:style>
+          <a:lnRef idx="1">
+            <a:schemeClr val="accent4"/>
+          </a:lnRef>
+          <a:fillRef idx="3">
+            <a:schemeClr val="accent4"/>
+          </a:fillRef>
+          <a:effectRef idx="2">
+            <a:schemeClr val="accent4"/>
+          </a:effectRef>
+          <a:fontRef idx="minor">
+            <a:schemeClr val="lt1"/>
+          </a:fontRef>
+        </p:style>
+        <p:txBody>
+          <a:bodyPr vert="horz" wrap="none" lIns="91440" tIns="45720" rIns="91440" bIns="45720" numCol="1" rtlCol="0" anchor="ctr" anchorCtr="0" compatLnSpc="1">
+            <a:prstTxWarp prst="textNoShape">
+              <a:avLst/>
+            </a:prstTxWarp>
+          </a:bodyPr>
+          <a:lstStyle/>
+          <a:p>
+            <a:pPr algn="ctr" fontAlgn="base">
+              <a:spcBef>
+                <a:spcPct val="0"/>
+              </a:spcBef>
+              <a:spcAft>
+                <a:spcPct val="0"/>
+              </a:spcAft>
+            </a:pPr>
+            <a:r>
+              <a:rPr lang="id-ID" sz="2000" dirty="0"/>
+              <a:t>PE</a:t>
+            </a:r>
+            <a:r>
+              <a:rPr lang="en-US" sz="2000" dirty="0"/>
+              <a:t>RANCANGAN &amp; IMPLEMENTASI</a:t>
+            </a:r>
+            <a:endParaRPr lang="en-US" sz="2000" dirty="0">
+              <a:solidFill>
+                <a:schemeClr val="tx1"/>
+              </a:solidFill>
+              <a:latin typeface="Tahoma" panose="020B0604030504040204" pitchFamily="34" charset="0"/>
+            </a:endParaRPr>
+          </a:p>
+        </p:txBody>
+      </p:sp>
+      <p:sp>
+        <p:nvSpPr>
+          <p:cNvPr id="10" name="Rectangle 9"/>
+          <p:cNvSpPr/>
+          <p:nvPr/>
+        </p:nvSpPr>
+        <p:spPr bwMode="auto">
+          <a:xfrm>
+            <a:off x="4267201" y="3644855"/>
+            <a:ext cx="3657598" cy="612648"/>
+          </a:xfrm>
+          <a:prstGeom prst="rect">
+            <a:avLst/>
+          </a:prstGeom>
+          <a:solidFill>
+            <a:schemeClr val="accent3">
+              <a:lumMod val="50000"/>
+            </a:schemeClr>
+          </a:solidFill>
+          <a:ln>
+            <a:noFill/>
+            <a:headEnd type="none" w="med" len="med"/>
+            <a:tailEnd type="none" w="med" len="med"/>
+          </a:ln>
+          <a:extLst/>
+        </p:spPr>
+        <p:style>
+          <a:lnRef idx="1">
+            <a:schemeClr val="accent4"/>
+          </a:lnRef>
+          <a:fillRef idx="3">
+            <a:schemeClr val="accent4"/>
+          </a:fillRef>
+          <a:effectRef idx="2">
+            <a:schemeClr val="accent4"/>
+          </a:effectRef>
+          <a:fontRef idx="minor">
+            <a:schemeClr val="lt1"/>
+          </a:fontRef>
+        </p:style>
+        <p:txBody>
+          <a:bodyPr vert="horz" wrap="none" lIns="91440" tIns="45720" rIns="91440" bIns="45720" numCol="1" rtlCol="0" anchor="ctr" anchorCtr="0" compatLnSpc="1">
+            <a:prstTxWarp prst="textNoShape">
+              <a:avLst/>
+            </a:prstTxWarp>
+          </a:bodyPr>
+          <a:lstStyle/>
+          <a:p>
+            <a:pPr algn="ctr"/>
+            <a:r>
+              <a:rPr lang="id-ID" sz="2000" dirty="0"/>
+              <a:t>UJI COBA</a:t>
+            </a:r>
+            <a:endParaRPr lang="en-US" sz="2000" dirty="0">
+              <a:solidFill>
+                <a:schemeClr val="tx1"/>
+              </a:solidFill>
+              <a:latin typeface="Tahoma" panose="020B0604030504040204" pitchFamily="34" charset="0"/>
+            </a:endParaRPr>
+          </a:p>
+        </p:txBody>
+      </p:sp>
+      <p:sp>
+        <p:nvSpPr>
+          <p:cNvPr id="11" name="Rectangle 10"/>
+          <p:cNvSpPr/>
+          <p:nvPr/>
+        </p:nvSpPr>
+        <p:spPr bwMode="auto">
+          <a:xfrm>
+            <a:off x="4267201" y="4572000"/>
+            <a:ext cx="3657598" cy="612648"/>
+          </a:xfrm>
+          <a:prstGeom prst="rect">
+            <a:avLst/>
+          </a:prstGeom>
+          <a:solidFill>
+            <a:schemeClr val="accent1">
+              <a:lumMod val="75000"/>
+            </a:schemeClr>
+          </a:solidFill>
+          <a:ln>
+            <a:noFill/>
+            <a:headEnd type="none" w="med" len="med"/>
+            <a:tailEnd type="none" w="med" len="med"/>
+          </a:ln>
+          <a:extLst/>
+        </p:spPr>
+        <p:style>
+          <a:lnRef idx="1">
+            <a:schemeClr val="accent4"/>
+          </a:lnRef>
+          <a:fillRef idx="3">
+            <a:schemeClr val="accent4"/>
+          </a:fillRef>
+          <a:effectRef idx="2">
+            <a:schemeClr val="accent4"/>
+          </a:effectRef>
+          <a:fontRef idx="minor">
+            <a:schemeClr val="lt1"/>
+          </a:fontRef>
+        </p:style>
+        <p:txBody>
+          <a:bodyPr vert="horz" wrap="none" lIns="91440" tIns="45720" rIns="91440" bIns="45720" numCol="1" rtlCol="0" anchor="ctr" anchorCtr="0" compatLnSpc="1">
+            <a:prstTxWarp prst="textNoShape">
+              <a:avLst/>
+            </a:prstTxWarp>
+          </a:bodyPr>
+          <a:lstStyle/>
+          <a:p>
+            <a:pPr algn="ctr"/>
+            <a:r>
+              <a:rPr lang="en-US" sz="2000"/>
+              <a:t>KESIMPULAN &amp; SARAN</a:t>
+            </a:r>
+            <a:endParaRPr lang="en-US" sz="2000" dirty="0">
+              <a:solidFill>
+                <a:schemeClr val="tx1"/>
+              </a:solidFill>
+              <a:latin typeface="Tahoma" panose="020B0604030504040204" pitchFamily="34" charset="0"/>
+            </a:endParaRPr>
+          </a:p>
+        </p:txBody>
+      </p:sp>
+    </p:spTree>
+    <p:extLst>
+      <p:ext uri="{BB962C8B-B14F-4D97-AF65-F5344CB8AC3E}">
+        <p14:creationId xmlns:p14="http://schemas.microsoft.com/office/powerpoint/2010/main" val="159343209"/>
+      </p:ext>
+    </p:extLst>
+  </p:cSld>
+  <p:clrMapOvr>
+    <a:masterClrMapping/>
+  </p:clrMapOvr>
+  <mc:AlternateContent xmlns:mc="http://schemas.openxmlformats.org/markup-compatibility/2006" xmlns:p14="http://schemas.microsoft.com/office/powerpoint/2010/main">
+    <mc:Choice Requires="p14">
+      <p:transition spd="med" p14:dur="700">
+        <p:fade/>
+      </p:transition>
+    </mc:Choice>
+    <mc:Fallback xmlns="">
+      <p:transition spd="med">
+        <p:fade/>
+      </p:transition>
+    </mc:Fallback>
+  </mc:AlternateContent>
+  <p:timing>
+    <p:tnLst>
+      <p:par>
+        <p:cTn id="1" dur="indefinite" restart="never" nodeType="tmRoot"/>
+      </p:par>
+    </p:tnLst>
+  </p:timing>
+</p:sld>
+</file>
+
+<file path=ppt/slides/slide24.xml><?xml version="1.0" encoding="utf-8"?>
+<p:sld xmlns:a="http://schemas.openxmlformats.org/drawingml/2006/main" xmlns:r="http://schemas.openxmlformats.org/officeDocument/2006/relationships" xmlns:p="http://schemas.openxmlformats.org/presentationml/2006/main">
+  <p:cSld>
+    <p:spTree>
+      <p:nvGrpSpPr>
+        <p:cNvPr id="1" name=""/>
+        <p:cNvGrpSpPr/>
+        <p:nvPr/>
+      </p:nvGrpSpPr>
+      <p:grpSpPr>
+        <a:xfrm>
+          <a:off x="0" y="0"/>
+          <a:ext cx="0" cy="0"/>
+          <a:chOff x="0" y="0"/>
+          <a:chExt cx="0" cy="0"/>
+        </a:xfrm>
+      </p:grpSpPr>
+      <p:sp>
+        <p:nvSpPr>
+          <p:cNvPr id="2" name="Content Placeholder 1"/>
+          <p:cNvSpPr>
+            <a:spLocks noGrp="1"/>
+          </p:cNvSpPr>
+          <p:nvPr>
+            <p:ph idx="1"/>
+          </p:nvPr>
+        </p:nvSpPr>
+        <p:spPr>
+          <a:xfrm>
+            <a:off x="538960" y="1825625"/>
+            <a:ext cx="10824736" cy="4351338"/>
+          </a:xfrm>
+        </p:spPr>
+        <p:txBody>
+          <a:bodyPr/>
+          <a:lstStyle/>
+          <a:p>
+            <a:pPr lvl="0"/>
+            <a:r>
+              <a:rPr lang="en-US" sz="2800" dirty="0"/>
+              <a:t>Data p</a:t>
+            </a:r>
+            <a:r>
+              <a:rPr lang="id-ID" sz="2800" dirty="0" err="1"/>
+              <a:t>roperti</a:t>
+            </a:r>
+            <a:r>
+              <a:rPr lang="id-ID" sz="2800" dirty="0"/>
+              <a:t> yang dimiliki oleh </a:t>
+            </a:r>
+            <a:r>
+              <a:rPr lang="id-ID" sz="2800" i="1" dirty="0"/>
+              <a:t>Family </a:t>
+            </a:r>
+            <a:r>
+              <a:rPr lang="id-ID" sz="2800" i="1" dirty="0" err="1"/>
+              <a:t>Relationship</a:t>
+            </a:r>
+            <a:r>
+              <a:rPr lang="id-ID" sz="2800" i="1" dirty="0"/>
+              <a:t> </a:t>
+            </a:r>
+            <a:r>
+              <a:rPr lang="id-ID" sz="2800" i="1" dirty="0" err="1"/>
+              <a:t>Ontology</a:t>
+            </a:r>
+            <a:r>
+              <a:rPr lang="id-ID" sz="2800" dirty="0"/>
+              <a:t> dapat digunakan pada domain tokoh sejarah Indonesia. </a:t>
+            </a:r>
+            <a:endParaRPr lang="en-US" sz="2800" dirty="0"/>
+          </a:p>
+          <a:p>
+            <a:pPr lvl="0"/>
+            <a:r>
+              <a:rPr lang="id-ID" sz="2800" dirty="0"/>
+              <a:t>Studi kasus visualisasi pohon keluarga tokoh sejarah Indonesia mampu </a:t>
+            </a:r>
+            <a:r>
+              <a:rPr lang="id-ID" sz="2800" dirty="0" err="1"/>
+              <a:t>dimodelkan</a:t>
+            </a:r>
+            <a:r>
+              <a:rPr lang="id-ID" sz="2800" dirty="0"/>
+              <a:t> dan digabungkan dengan model ontologi lokal </a:t>
+            </a:r>
+            <a:r>
+              <a:rPr lang="id-ID" sz="2800" dirty="0" smtClean="0"/>
+              <a:t>yang memuat </a:t>
+            </a:r>
+            <a:r>
+              <a:rPr lang="id-ID" sz="2800" dirty="0" err="1" smtClean="0"/>
+              <a:t>object</a:t>
+            </a:r>
+            <a:r>
+              <a:rPr lang="id-ID" sz="2800" dirty="0" smtClean="0"/>
+              <a:t> </a:t>
+            </a:r>
+            <a:r>
+              <a:rPr lang="id-ID" sz="2800" dirty="0" err="1" smtClean="0"/>
+              <a:t>property</a:t>
+            </a:r>
+            <a:r>
+              <a:rPr lang="id-ID" sz="2800" dirty="0" smtClean="0"/>
+              <a:t> yang berguna dalam proses </a:t>
+            </a:r>
+            <a:r>
+              <a:rPr lang="id-ID" sz="2800" i="1" dirty="0" err="1" smtClean="0"/>
+              <a:t>reasoning</a:t>
+            </a:r>
+            <a:r>
+              <a:rPr lang="id-ID" sz="2800" dirty="0" smtClean="0"/>
+              <a:t> ini dengan </a:t>
+            </a:r>
+            <a:r>
+              <a:rPr lang="id-ID" sz="2800" dirty="0" err="1"/>
+              <a:t>Apache</a:t>
+            </a:r>
+            <a:r>
+              <a:rPr lang="id-ID" sz="2800" dirty="0"/>
+              <a:t> </a:t>
+            </a:r>
+            <a:r>
+              <a:rPr lang="id-ID" sz="2800" dirty="0" err="1"/>
+              <a:t>Jena</a:t>
+            </a:r>
+            <a:r>
+              <a:rPr lang="en-US" sz="2800" dirty="0"/>
+              <a:t> </a:t>
+            </a:r>
+            <a:r>
+              <a:rPr lang="en-US" sz="2800" dirty="0" err="1"/>
+              <a:t>serta</a:t>
+            </a:r>
+            <a:r>
+              <a:rPr lang="en-US" sz="2800" dirty="0"/>
+              <a:t> </a:t>
+            </a:r>
+            <a:r>
+              <a:rPr lang="en-US" sz="2800" dirty="0" err="1"/>
+              <a:t>bisa</a:t>
+            </a:r>
+            <a:r>
+              <a:rPr lang="en-US" sz="2800" dirty="0"/>
+              <a:t> </a:t>
+            </a:r>
+            <a:r>
+              <a:rPr lang="en-US" sz="2800" dirty="0" err="1"/>
+              <a:t>melakukan</a:t>
+            </a:r>
+            <a:r>
+              <a:rPr lang="en-US" sz="2800" dirty="0"/>
+              <a:t> proses </a:t>
+            </a:r>
+            <a:r>
+              <a:rPr lang="en-US" sz="2800" i="1" dirty="0"/>
+              <a:t>reasoning </a:t>
+            </a:r>
+            <a:r>
+              <a:rPr lang="en-US" sz="2800" dirty="0" err="1"/>
+              <a:t>dengan</a:t>
+            </a:r>
+            <a:r>
+              <a:rPr lang="en-US" sz="2800" dirty="0"/>
+              <a:t> Pellet Reasoner.</a:t>
+            </a:r>
+          </a:p>
+          <a:p>
+            <a:pPr lvl="0"/>
+            <a:r>
+              <a:rPr lang="en-US" sz="2800" dirty="0" err="1"/>
+              <a:t>Aplikasi</a:t>
+            </a:r>
+            <a:r>
+              <a:rPr lang="en-US" sz="2800" dirty="0"/>
+              <a:t> </a:t>
+            </a:r>
+            <a:r>
+              <a:rPr lang="en-US" sz="2800" dirty="0" err="1"/>
+              <a:t>untuk</a:t>
+            </a:r>
+            <a:r>
+              <a:rPr lang="en-US" sz="2800" dirty="0"/>
+              <a:t> </a:t>
+            </a:r>
+            <a:r>
+              <a:rPr lang="en-US" sz="2800" dirty="0" err="1"/>
+              <a:t>visualisasi</a:t>
+            </a:r>
+            <a:r>
+              <a:rPr lang="en-US" sz="2800" dirty="0"/>
+              <a:t> </a:t>
+            </a:r>
+            <a:r>
+              <a:rPr lang="en-US" sz="2800" dirty="0" err="1"/>
+              <a:t>pohon</a:t>
+            </a:r>
+            <a:r>
+              <a:rPr lang="en-US" sz="2800" dirty="0"/>
+              <a:t> </a:t>
+            </a:r>
+            <a:r>
+              <a:rPr lang="en-US" sz="2800" dirty="0" err="1"/>
+              <a:t>keluarga</a:t>
+            </a:r>
+            <a:r>
+              <a:rPr lang="en-US" sz="2800" dirty="0"/>
+              <a:t> </a:t>
+            </a:r>
+            <a:r>
+              <a:rPr lang="en-US" sz="2800" dirty="0" err="1"/>
+              <a:t>tokoh</a:t>
+            </a:r>
+            <a:r>
+              <a:rPr lang="en-US" sz="2800" dirty="0"/>
+              <a:t> </a:t>
+            </a:r>
+            <a:r>
+              <a:rPr lang="en-US" sz="2800" dirty="0" err="1"/>
+              <a:t>sejarah</a:t>
+            </a:r>
+            <a:r>
+              <a:rPr lang="en-US" sz="2800" dirty="0"/>
+              <a:t> Indonesia </a:t>
+            </a:r>
+            <a:r>
+              <a:rPr lang="en-US" sz="2800" dirty="0" err="1"/>
+              <a:t>dapat</a:t>
+            </a:r>
+            <a:r>
+              <a:rPr lang="en-US" sz="2800" dirty="0"/>
+              <a:t> </a:t>
+            </a:r>
+            <a:r>
+              <a:rPr lang="en-US" sz="2800" dirty="0" err="1"/>
+              <a:t>dikembangkan</a:t>
+            </a:r>
+            <a:r>
+              <a:rPr lang="en-US" sz="2800" dirty="0"/>
+              <a:t> </a:t>
+            </a:r>
+            <a:r>
+              <a:rPr lang="en-US" sz="2800" dirty="0" err="1"/>
+              <a:t>dengan</a:t>
+            </a:r>
+            <a:r>
+              <a:rPr lang="en-US" sz="2800" dirty="0"/>
+              <a:t> l</a:t>
+            </a:r>
+            <a:r>
+              <a:rPr lang="id-ID" sz="2800" dirty="0" err="1"/>
+              <a:t>ibrary</a:t>
+            </a:r>
+            <a:r>
+              <a:rPr lang="id-ID" sz="2800" dirty="0"/>
+              <a:t> SPARQL </a:t>
+            </a:r>
+            <a:r>
+              <a:rPr lang="id-ID" sz="2800" dirty="0" err="1"/>
+              <a:t>Lib</a:t>
+            </a:r>
+            <a:r>
+              <a:rPr lang="id-ID" sz="2800" dirty="0"/>
+              <a:t> </a:t>
+            </a:r>
+            <a:r>
+              <a:rPr lang="en-US" sz="2800" dirty="0"/>
+              <a:t>yang </a:t>
+            </a:r>
+            <a:r>
+              <a:rPr lang="id-ID" sz="2800" dirty="0"/>
+              <a:t>mampu menghubungkan basis data </a:t>
+            </a:r>
+            <a:r>
+              <a:rPr lang="id-ID" sz="2800" dirty="0" err="1"/>
+              <a:t>Apache</a:t>
+            </a:r>
+            <a:r>
+              <a:rPr lang="id-ID" sz="2800" dirty="0"/>
+              <a:t> </a:t>
+            </a:r>
+            <a:r>
+              <a:rPr lang="id-ID" sz="2800" dirty="0" err="1"/>
+              <a:t>Jena</a:t>
+            </a:r>
+            <a:r>
+              <a:rPr lang="id-ID" sz="2800" dirty="0"/>
+              <a:t> </a:t>
+            </a:r>
+            <a:r>
+              <a:rPr lang="id-ID" sz="2800" dirty="0" err="1"/>
+              <a:t>Fuseki</a:t>
+            </a:r>
+            <a:r>
+              <a:rPr lang="en-US" sz="2800" dirty="0"/>
+              <a:t> </a:t>
+            </a:r>
+            <a:r>
+              <a:rPr lang="en-US" sz="2800" dirty="0" err="1"/>
+              <a:t>dengan</a:t>
+            </a:r>
+            <a:r>
+              <a:rPr lang="en-US" sz="2800" dirty="0"/>
+              <a:t> </a:t>
+            </a:r>
+            <a:r>
+              <a:rPr lang="en-US" sz="2800" dirty="0" err="1"/>
+              <a:t>perangkat</a:t>
+            </a:r>
+            <a:r>
+              <a:rPr lang="en-US" sz="2800" dirty="0"/>
+              <a:t> </a:t>
+            </a:r>
+            <a:r>
+              <a:rPr lang="en-US" sz="2800" dirty="0" err="1"/>
+              <a:t>lunak</a:t>
+            </a:r>
+            <a:r>
+              <a:rPr lang="en-US" sz="2800" dirty="0"/>
+              <a:t> yang </a:t>
+            </a:r>
+            <a:r>
+              <a:rPr lang="id-ID" sz="2800" dirty="0"/>
+              <a:t>menggunakan bahasa pemrograman PHP.</a:t>
+            </a:r>
+            <a:endParaRPr lang="en-US" sz="2800" dirty="0"/>
+          </a:p>
+          <a:p>
+            <a:pPr marL="457200" indent="-457200">
+              <a:buFont typeface="+mj-lt"/>
+              <a:buAutoNum type="arabicPeriod"/>
+            </a:pPr>
+            <a:endParaRPr lang="en-US" sz="2800" dirty="0"/>
+          </a:p>
+        </p:txBody>
+      </p:sp>
+      <p:sp>
+        <p:nvSpPr>
+          <p:cNvPr id="3" name="Slide Number Placeholder 2"/>
+          <p:cNvSpPr>
+            <a:spLocks noGrp="1"/>
+          </p:cNvSpPr>
+          <p:nvPr>
+            <p:ph type="sldNum" sz="quarter" idx="12"/>
+          </p:nvPr>
+        </p:nvSpPr>
+        <p:spPr/>
+        <p:txBody>
+          <a:bodyPr/>
+          <a:lstStyle/>
+          <a:p>
+            <a:fld id="{9EC71654-96A5-4280-94F3-931C61A9F92C}" type="slidenum">
+              <a:rPr lang="en-US" noProof="0" smtClean="0"/>
+              <a:pPr/>
+              <a:t>24</a:t>
+            </a:fld>
+            <a:endParaRPr lang="en-US" noProof="0" dirty="0"/>
+          </a:p>
+        </p:txBody>
+      </p:sp>
+      <p:sp>
+        <p:nvSpPr>
+          <p:cNvPr id="5" name="Title 4"/>
+          <p:cNvSpPr>
+            <a:spLocks noGrp="1"/>
+          </p:cNvSpPr>
+          <p:nvPr>
+            <p:ph type="title"/>
+          </p:nvPr>
+        </p:nvSpPr>
+        <p:spPr>
+          <a:xfrm>
+            <a:off x="515938" y="499595"/>
+            <a:ext cx="10057617" cy="1325563"/>
+          </a:xfrm>
+        </p:spPr>
+        <p:txBody>
+          <a:bodyPr/>
+          <a:lstStyle/>
+          <a:p>
+            <a:r>
+              <a:rPr lang="en-US" smtClean="0"/>
+              <a:t>Kesimpulan</a:t>
+            </a:r>
+            <a:endParaRPr lang="en-US"/>
+          </a:p>
+        </p:txBody>
+      </p:sp>
+    </p:spTree>
+    <p:extLst>
+      <p:ext uri="{BB962C8B-B14F-4D97-AF65-F5344CB8AC3E}">
+        <p14:creationId xmlns:p14="http://schemas.microsoft.com/office/powerpoint/2010/main" val="1457767700"/>
+      </p:ext>
+    </p:extLst>
+  </p:cSld>
+  <p:clrMapOvr>
+    <a:masterClrMapping/>
+  </p:clrMapOvr>
+</p:sld>
+</file>
+
+<file path=ppt/slides/slide25.xml><?xml version="1.0" encoding="utf-8"?>
+<p:sld xmlns:a="http://schemas.openxmlformats.org/drawingml/2006/main" xmlns:r="http://schemas.openxmlformats.org/officeDocument/2006/relationships" xmlns:p="http://schemas.openxmlformats.org/presentationml/2006/main">
+  <p:cSld>
+    <p:spTree>
+      <p:nvGrpSpPr>
+        <p:cNvPr id="1" name=""/>
+        <p:cNvGrpSpPr/>
+        <p:nvPr/>
+      </p:nvGrpSpPr>
+      <p:grpSpPr>
+        <a:xfrm>
+          <a:off x="0" y="0"/>
+          <a:ext cx="0" cy="0"/>
+          <a:chOff x="0" y="0"/>
+          <a:chExt cx="0" cy="0"/>
+        </a:xfrm>
+      </p:grpSpPr>
+      <p:sp>
+        <p:nvSpPr>
+          <p:cNvPr id="2" name="Content Placeholder 1"/>
+          <p:cNvSpPr>
+            <a:spLocks noGrp="1"/>
+          </p:cNvSpPr>
+          <p:nvPr>
+            <p:ph idx="1"/>
+          </p:nvPr>
+        </p:nvSpPr>
+        <p:spPr>
+          <a:xfrm>
+            <a:off x="538960" y="1825625"/>
+            <a:ext cx="10824736" cy="4351338"/>
+          </a:xfrm>
+        </p:spPr>
+        <p:txBody>
+          <a:bodyPr/>
+          <a:lstStyle/>
+          <a:p>
+            <a:pPr lvl="0"/>
+            <a:r>
+              <a:rPr lang="id-ID" sz="3200"/>
+              <a:t>Penggunaan perangkat uji coba dengan spesfikasi kapasitas memori yang lebih besar agar waktu yang dibutuhkan untuk proses </a:t>
+            </a:r>
+            <a:r>
+              <a:rPr lang="id-ID" sz="3200" i="1"/>
+              <a:t>export inferenced axiom</a:t>
+            </a:r>
+            <a:r>
+              <a:rPr lang="id-ID" sz="3200"/>
+              <a:t> lebih cepat</a:t>
+            </a:r>
+            <a:r>
+              <a:rPr lang="en-US" sz="3200"/>
+              <a:t>.</a:t>
+            </a:r>
+          </a:p>
+          <a:p>
+            <a:pPr lvl="0"/>
+            <a:r>
+              <a:rPr lang="en-US" sz="3200"/>
+              <a:t>Penambahan visualisasi generasi pendahulu dan penerus.</a:t>
+            </a:r>
+          </a:p>
+          <a:p>
+            <a:pPr lvl="0"/>
+            <a:r>
+              <a:rPr lang="en-US" sz="3200"/>
+              <a:t>Fitur penambahan data secara dinamis</a:t>
+            </a:r>
+            <a:r>
+              <a:rPr lang="en-US" sz="3200" smtClean="0"/>
+              <a:t>.</a:t>
+            </a:r>
+            <a:endParaRPr lang="en-US" sz="3200"/>
+          </a:p>
+        </p:txBody>
+      </p:sp>
+      <p:sp>
+        <p:nvSpPr>
+          <p:cNvPr id="3" name="Slide Number Placeholder 2"/>
+          <p:cNvSpPr>
+            <a:spLocks noGrp="1"/>
+          </p:cNvSpPr>
+          <p:nvPr>
+            <p:ph type="sldNum" sz="quarter" idx="12"/>
+          </p:nvPr>
+        </p:nvSpPr>
+        <p:spPr/>
+        <p:txBody>
+          <a:bodyPr/>
+          <a:lstStyle/>
+          <a:p>
+            <a:fld id="{9EC71654-96A5-4280-94F3-931C61A9F92C}" type="slidenum">
+              <a:rPr lang="en-US" noProof="0" smtClean="0"/>
+              <a:pPr/>
+              <a:t>25</a:t>
+            </a:fld>
+            <a:endParaRPr lang="en-US" noProof="0" dirty="0"/>
+          </a:p>
+        </p:txBody>
+      </p:sp>
+      <p:sp>
+        <p:nvSpPr>
+          <p:cNvPr id="5" name="Title 4"/>
+          <p:cNvSpPr>
+            <a:spLocks noGrp="1"/>
+          </p:cNvSpPr>
+          <p:nvPr>
+            <p:ph type="title"/>
+          </p:nvPr>
+        </p:nvSpPr>
+        <p:spPr>
+          <a:xfrm>
+            <a:off x="515938" y="499595"/>
+            <a:ext cx="10057617" cy="1325563"/>
+          </a:xfrm>
+        </p:spPr>
+        <p:txBody>
+          <a:bodyPr/>
+          <a:lstStyle/>
+          <a:p>
+            <a:r>
+              <a:rPr lang="en-US" smtClean="0"/>
+              <a:t>saran</a:t>
+            </a:r>
+            <a:endParaRPr lang="en-US"/>
+          </a:p>
+        </p:txBody>
+      </p:sp>
+    </p:spTree>
+    <p:extLst>
+      <p:ext uri="{BB962C8B-B14F-4D97-AF65-F5344CB8AC3E}">
+        <p14:creationId xmlns:p14="http://schemas.microsoft.com/office/powerpoint/2010/main" val="122094142"/>
+      </p:ext>
+    </p:extLst>
+  </p:cSld>
+  <p:clrMapOvr>
+    <a:masterClrMapping/>
+  </p:clrMapOvr>
+</p:sld>
+</file>
+
+<file path=ppt/slides/slide26.xml><?xml version="1.0" encoding="utf-8"?>
+<p:sld xmlns:a="http://schemas.openxmlformats.org/drawingml/2006/main" xmlns:r="http://schemas.openxmlformats.org/officeDocument/2006/relationships" xmlns:p="http://schemas.openxmlformats.org/presentationml/2006/main">
+  <p:cSld>
+    <p:spTree>
+      <p:nvGrpSpPr>
+        <p:cNvPr id="1" name=""/>
+        <p:cNvGrpSpPr/>
+        <p:nvPr/>
+      </p:nvGrpSpPr>
+      <p:grpSpPr>
+        <a:xfrm>
+          <a:off x="0" y="0"/>
+          <a:ext cx="0" cy="0"/>
+          <a:chOff x="0" y="0"/>
+          <a:chExt cx="0" cy="0"/>
+        </a:xfrm>
+      </p:grpSpPr>
+      <p:sp>
+        <p:nvSpPr>
           <p:cNvPr id="2" name="Title 1">
             <a:extLst>
               <a:ext uri="{FF2B5EF4-FFF2-40B4-BE49-F238E27FC236}">
-                <a16:creationId xmlns="" xmlns:a16="http://schemas.microsoft.com/office/drawing/2014/main" id="{FBAB08B8-3DB3-4637-AE23-B8DB96D9FCEC}"/>
+                <a16:creationId xmlns:a16="http://schemas.microsoft.com/office/drawing/2014/main" xmlns="" id="{FBAB08B8-3DB3-4637-AE23-B8DB96D9FCEC}"/>
               </a:ext>
             </a:extLst>
           </p:cNvPr>
@@ -20169,12 +21163,100 @@
               <a:buAutoNum type="arabicPeriod"/>
             </a:pPr>
             <a:r>
-              <a:rPr lang="en-US" sz="2800"/>
-              <a:t>Bagaimana menentukan data property yang nantinya dapat digunakan untuk mendefinisikan relasi dalam domain tokoh </a:t>
-            </a:r>
-            <a:r>
-              <a:rPr lang="en-US" sz="2800" smtClean="0"/>
-              <a:t>sejarah Indonesia?</a:t>
+              <a:rPr lang="en-US" sz="2800" dirty="0" err="1"/>
+              <a:t>Bagaimana</a:t>
+            </a:r>
+            <a:r>
+              <a:rPr lang="en-US" sz="2800" dirty="0"/>
+              <a:t> </a:t>
+            </a:r>
+            <a:r>
+              <a:rPr lang="en-US" sz="2800" dirty="0" err="1"/>
+              <a:t>menentukan</a:t>
+            </a:r>
+            <a:r>
+              <a:rPr lang="en-US" sz="2800" dirty="0"/>
+              <a:t> </a:t>
+            </a:r>
+            <a:r>
+              <a:rPr lang="en-US" sz="2800" dirty="0" smtClean="0"/>
+              <a:t>property </a:t>
+            </a:r>
+            <a:r>
+              <a:rPr lang="en-US" sz="2800" dirty="0"/>
+              <a:t>yang </a:t>
+            </a:r>
+            <a:r>
+              <a:rPr lang="en-US" sz="2800" dirty="0" err="1"/>
+              <a:t>nantinya</a:t>
+            </a:r>
+            <a:r>
+              <a:rPr lang="en-US" sz="2800" dirty="0"/>
+              <a:t> </a:t>
+            </a:r>
+            <a:r>
+              <a:rPr lang="en-US" sz="2800" dirty="0" err="1"/>
+              <a:t>dapat</a:t>
+            </a:r>
+            <a:r>
+              <a:rPr lang="en-US" sz="2800" dirty="0"/>
+              <a:t> </a:t>
+            </a:r>
+            <a:r>
+              <a:rPr lang="en-US" sz="2800" dirty="0" err="1"/>
+              <a:t>digunakan</a:t>
+            </a:r>
+            <a:r>
+              <a:rPr lang="en-US" sz="2800" dirty="0"/>
+              <a:t> </a:t>
+            </a:r>
+            <a:r>
+              <a:rPr lang="en-US" sz="2800" dirty="0" err="1"/>
+              <a:t>untuk</a:t>
+            </a:r>
+            <a:r>
+              <a:rPr lang="en-US" sz="2800" dirty="0"/>
+              <a:t> </a:t>
+            </a:r>
+            <a:r>
+              <a:rPr lang="en-US" sz="2800" dirty="0" err="1"/>
+              <a:t>mendefinisikan</a:t>
+            </a:r>
+            <a:r>
+              <a:rPr lang="en-US" sz="2800" dirty="0"/>
+              <a:t> </a:t>
+            </a:r>
+            <a:r>
+              <a:rPr lang="en-US" sz="2800" dirty="0" err="1"/>
+              <a:t>relasi</a:t>
+            </a:r>
+            <a:r>
+              <a:rPr lang="en-US" sz="2800" dirty="0"/>
+              <a:t> </a:t>
+            </a:r>
+            <a:r>
+              <a:rPr lang="en-US" sz="2800" dirty="0" err="1"/>
+              <a:t>dalam</a:t>
+            </a:r>
+            <a:r>
+              <a:rPr lang="en-US" sz="2800" dirty="0"/>
+              <a:t> domain </a:t>
+            </a:r>
+            <a:r>
+              <a:rPr lang="en-US" sz="2800" dirty="0" err="1"/>
+              <a:t>tokoh</a:t>
+            </a:r>
+            <a:r>
+              <a:rPr lang="en-US" sz="2800" dirty="0"/>
+              <a:t> </a:t>
+            </a:r>
+            <a:r>
+              <a:rPr lang="en-US" sz="2800" dirty="0" err="1" smtClean="0"/>
+              <a:t>sejarah</a:t>
+            </a:r>
+            <a:r>
+              <a:rPr lang="en-US" sz="2800" dirty="0" smtClean="0"/>
+              <a:t> Indonesia?</a:t>
             </a:r>
           </a:p>
           <a:p>
@@ -20182,7 +21264,7 @@
               <a:buFont typeface="+mj-lt"/>
               <a:buAutoNum type="arabicPeriod"/>
             </a:pPr>
-            <a:endParaRPr lang="en-US" sz="2800"/>
+            <a:endParaRPr lang="en-US" sz="2800" dirty="0"/>
           </a:p>
           <a:p>
             <a:pPr marL="514350" lvl="0" indent="-514350">
@@ -20190,11 +21272,75 @@
               <a:buAutoNum type="arabicPeriod"/>
             </a:pPr>
             <a:r>
-              <a:rPr lang="en-US" sz="2800"/>
-              <a:t>Bagaimana memodelkan proses reasoning untuk melengkapi relasi tokoh sejarah pada DBpedia</a:t>
-            </a:r>
-            <a:r>
-              <a:rPr lang="en-US" sz="2800" smtClean="0"/>
+              <a:rPr lang="en-US" sz="2800" dirty="0" err="1"/>
+              <a:t>Bagaimana</a:t>
+            </a:r>
+            <a:r>
+              <a:rPr lang="en-US" sz="2800" dirty="0"/>
+              <a:t> </a:t>
+            </a:r>
+            <a:r>
+              <a:rPr lang="en-US" sz="2800" dirty="0" err="1"/>
+              <a:t>memodelkan</a:t>
+            </a:r>
+            <a:r>
+              <a:rPr lang="en-US" sz="2800" dirty="0"/>
+              <a:t> proses reasoning </a:t>
+            </a:r>
+            <a:r>
+              <a:rPr lang="en-US" sz="2800" dirty="0" err="1"/>
+              <a:t>untuk</a:t>
+            </a:r>
+            <a:r>
+              <a:rPr lang="en-US" sz="2800" dirty="0"/>
+              <a:t> </a:t>
+            </a:r>
+            <a:r>
+              <a:rPr lang="en-US" sz="2800" dirty="0" err="1"/>
+              <a:t>melengkapi</a:t>
+            </a:r>
+            <a:r>
+              <a:rPr lang="en-US" sz="2800" dirty="0"/>
+              <a:t> </a:t>
+            </a:r>
+            <a:r>
+              <a:rPr lang="en-US" sz="2800" dirty="0" err="1"/>
+              <a:t>relasi</a:t>
+            </a:r>
+            <a:r>
+              <a:rPr lang="en-US" sz="2800" dirty="0"/>
+              <a:t> </a:t>
+            </a:r>
+            <a:r>
+              <a:rPr lang="en-US" sz="2800" dirty="0" err="1"/>
+              <a:t>tokoh</a:t>
+            </a:r>
+            <a:r>
+              <a:rPr lang="en-US" sz="2800" dirty="0"/>
+              <a:t> </a:t>
+            </a:r>
+            <a:r>
+              <a:rPr lang="en-US" sz="2800" dirty="0" err="1"/>
+              <a:t>sejarah</a:t>
+            </a:r>
+            <a:r>
+              <a:rPr lang="en-US" sz="2800" dirty="0"/>
+              <a:t> </a:t>
+            </a:r>
+            <a:r>
+              <a:rPr lang="en-US" sz="2800" dirty="0" err="1"/>
+              <a:t>pada</a:t>
+            </a:r>
+            <a:r>
+              <a:rPr lang="en-US" sz="2800" dirty="0"/>
+              <a:t> </a:t>
+            </a:r>
+            <a:r>
+              <a:rPr lang="en-US" sz="2800" dirty="0" err="1"/>
+              <a:t>DBpedia</a:t>
+            </a:r>
+            <a:r>
+              <a:rPr lang="en-US" sz="2800" dirty="0" smtClean="0"/>
               <a:t>?</a:t>
             </a:r>
           </a:p>
@@ -20203,7 +21349,7 @@
               <a:buFont typeface="+mj-lt"/>
               <a:buAutoNum type="arabicPeriod"/>
             </a:pPr>
-            <a:endParaRPr lang="en-US" sz="2800"/>
+            <a:endParaRPr lang="en-US" sz="2800" dirty="0"/>
           </a:p>
           <a:p>
             <a:pPr marL="514350" lvl="0" indent="-514350">
@@ -20211,14 +21357,86 @@
               <a:buAutoNum type="arabicPeriod"/>
             </a:pPr>
             <a:r>
-              <a:rPr lang="en-US" sz="2800"/>
-              <a:t>Bagaimana membuat aplikasi untuk menampilkan visualisasi pohon keluarga tokoh </a:t>
-            </a:r>
-            <a:r>
-              <a:rPr lang="en-US" sz="2800" smtClean="0"/>
-              <a:t>sejarah Indonesia?</a:t>
-            </a:r>
-            <a:endParaRPr lang="en-US" sz="2800"/>
+              <a:rPr lang="en-US" sz="2800" dirty="0" err="1"/>
+              <a:t>Bagaimana</a:t>
+            </a:r>
+            <a:r>
+              <a:rPr lang="en-US" sz="2800" dirty="0"/>
+              <a:t> </a:t>
+            </a:r>
+            <a:r>
+              <a:rPr lang="en-US" sz="2800" dirty="0" err="1"/>
+              <a:t>membuat</a:t>
+            </a:r>
+            <a:r>
+              <a:rPr lang="en-US" sz="2800" dirty="0"/>
+              <a:t> </a:t>
+            </a:r>
+            <a:r>
+              <a:rPr lang="en-US" sz="2800" dirty="0" err="1"/>
+              <a:t>aplikasi</a:t>
+            </a:r>
+            <a:r>
+              <a:rPr lang="en-US" sz="2800" dirty="0"/>
+              <a:t> </a:t>
+            </a:r>
+            <a:r>
+              <a:rPr lang="en-US" sz="2800" dirty="0" err="1"/>
+              <a:t>untuk</a:t>
+            </a:r>
+            <a:r>
+              <a:rPr lang="en-US" sz="2800" dirty="0"/>
+              <a:t> </a:t>
+            </a:r>
+            <a:r>
+              <a:rPr lang="en-US" sz="2800" dirty="0" err="1"/>
+              <a:t>menampilkan</a:t>
+            </a:r>
+            <a:r>
+              <a:rPr lang="en-US" sz="2800" dirty="0"/>
+              <a:t> </a:t>
+            </a:r>
+            <a:r>
+              <a:rPr lang="en-US" sz="2800" dirty="0" err="1"/>
+              <a:t>visualisasi</a:t>
+            </a:r>
+            <a:r>
+              <a:rPr lang="en-US" sz="2800" dirty="0"/>
+              <a:t> </a:t>
+            </a:r>
+            <a:r>
+              <a:rPr lang="en-US" sz="2800" dirty="0" err="1"/>
+              <a:t>pohon</a:t>
+            </a:r>
+            <a:r>
+              <a:rPr lang="en-US" sz="2800" dirty="0"/>
+              <a:t> </a:t>
+            </a:r>
+            <a:r>
+              <a:rPr lang="en-US" sz="2800" dirty="0" err="1"/>
+              <a:t>keluarga</a:t>
+            </a:r>
+            <a:r>
+              <a:rPr lang="en-US" sz="2800" dirty="0"/>
+              <a:t> </a:t>
+            </a:r>
+            <a:r>
+              <a:rPr lang="en-US" sz="2800" dirty="0" err="1"/>
+              <a:t>tokoh</a:t>
+            </a:r>
+            <a:r>
+              <a:rPr lang="en-US" sz="2800" dirty="0"/>
+              <a:t> </a:t>
+            </a:r>
+            <a:r>
+              <a:rPr lang="en-US" sz="2800" dirty="0" err="1" smtClean="0"/>
+              <a:t>sejarah</a:t>
+            </a:r>
+            <a:r>
+              <a:rPr lang="en-US" sz="2800" dirty="0" smtClean="0"/>
+              <a:t> Indonesia?</a:t>
+            </a:r>
+            <a:endParaRPr lang="en-US" sz="2800" dirty="0"/>
           </a:p>
         </p:txBody>
       </p:sp>
@@ -20262,10 +21480,18 @@
           <a:lstStyle/>
           <a:p>
             <a:r>
-              <a:rPr lang="en-US" smtClean="0"/>
-              <a:t>Rumusan masalah</a:t>
-            </a:r>
-            <a:endParaRPr lang="en-US"/>
+              <a:rPr lang="en-US" dirty="0" err="1" smtClean="0"/>
+              <a:t>Rumusan</a:t>
+            </a:r>
+            <a:r>
+              <a:rPr lang="en-US" dirty="0" smtClean="0"/>
+              <a:t> </a:t>
+            </a:r>
+            <a:r>
+              <a:rPr lang="en-US" dirty="0" err="1" smtClean="0"/>
+              <a:t>masalah</a:t>
+            </a:r>
+            <a:endParaRPr lang="en-US" dirty="0"/>
           </a:p>
         </p:txBody>
       </p:sp>
@@ -20283,6 +21509,927 @@
 </file>
 
 <file path=ppt/slides/slide5.xml><?xml version="1.0" encoding="utf-8"?>
+<p:sld xmlns:a="http://schemas.openxmlformats.org/drawingml/2006/main" xmlns:r="http://schemas.openxmlformats.org/officeDocument/2006/relationships" xmlns:p="http://schemas.openxmlformats.org/presentationml/2006/main">
+  <p:cSld>
+    <p:spTree>
+      <p:nvGrpSpPr>
+        <p:cNvPr id="1" name=""/>
+        <p:cNvGrpSpPr/>
+        <p:nvPr/>
+      </p:nvGrpSpPr>
+      <p:grpSpPr>
+        <a:xfrm>
+          <a:off x="0" y="0"/>
+          <a:ext cx="0" cy="0"/>
+          <a:chOff x="0" y="0"/>
+          <a:chExt cx="0" cy="0"/>
+        </a:xfrm>
+      </p:grpSpPr>
+      <p:sp>
+        <p:nvSpPr>
+          <p:cNvPr id="6" name="Rectangle 5"/>
+          <p:cNvSpPr/>
+          <p:nvPr/>
+        </p:nvSpPr>
+        <p:spPr>
+          <a:xfrm>
+            <a:off x="4754880" y="3191246"/>
+            <a:ext cx="2583180" cy="3451860"/>
+          </a:xfrm>
+          <a:prstGeom prst="rect">
+            <a:avLst/>
+          </a:prstGeom>
+          <a:solidFill>
+            <a:schemeClr val="bg1"/>
+          </a:solidFill>
+          <a:ln>
+            <a:solidFill>
+              <a:schemeClr val="bg1"/>
+            </a:solidFill>
+          </a:ln>
+        </p:spPr>
+        <p:style>
+          <a:lnRef idx="2">
+            <a:schemeClr val="accent1">
+              <a:shade val="50000"/>
+            </a:schemeClr>
+          </a:lnRef>
+          <a:fillRef idx="1">
+            <a:schemeClr val="accent1"/>
+          </a:fillRef>
+          <a:effectRef idx="0">
+            <a:schemeClr val="accent1"/>
+          </a:effectRef>
+          <a:fontRef idx="minor">
+            <a:schemeClr val="lt1"/>
+          </a:fontRef>
+        </p:style>
+        <p:txBody>
+          <a:bodyPr rtlCol="0" anchor="ctr"/>
+          <a:lstStyle/>
+          <a:p>
+            <a:pPr algn="ctr"/>
+            <a:endParaRPr lang="en-US"/>
+          </a:p>
+        </p:txBody>
+      </p:sp>
+      <p:sp>
+        <p:nvSpPr>
+          <p:cNvPr id="2" name="Content Placeholder 1"/>
+          <p:cNvSpPr>
+            <a:spLocks noGrp="1"/>
+          </p:cNvSpPr>
+          <p:nvPr>
+            <p:ph idx="1"/>
+          </p:nvPr>
+        </p:nvSpPr>
+        <p:spPr>
+          <a:xfrm>
+            <a:off x="538960" y="1437005"/>
+            <a:ext cx="10824736" cy="5018734"/>
+          </a:xfrm>
+        </p:spPr>
+        <p:txBody>
+          <a:bodyPr/>
+          <a:lstStyle/>
+          <a:p>
+            <a:pPr marL="514350" lvl="0" indent="-514350">
+              <a:buFont typeface="+mj-lt"/>
+              <a:buAutoNum type="arabicPeriod"/>
+            </a:pPr>
+            <a:r>
+              <a:rPr lang="en-US" sz="2800" dirty="0" err="1"/>
+              <a:t>Bagaimana</a:t>
+            </a:r>
+            <a:r>
+              <a:rPr lang="en-US" sz="2800" dirty="0"/>
+              <a:t> </a:t>
+            </a:r>
+            <a:r>
+              <a:rPr lang="en-US" sz="2800" dirty="0" err="1"/>
+              <a:t>menentukan</a:t>
+            </a:r>
+            <a:r>
+              <a:rPr lang="en-US" sz="2800" dirty="0"/>
+              <a:t> </a:t>
+            </a:r>
+            <a:r>
+              <a:rPr lang="en-US" sz="2800" dirty="0" smtClean="0"/>
+              <a:t>property </a:t>
+            </a:r>
+            <a:r>
+              <a:rPr lang="en-US" sz="2800" dirty="0"/>
+              <a:t>yang </a:t>
+            </a:r>
+            <a:r>
+              <a:rPr lang="en-US" sz="2800" dirty="0" err="1"/>
+              <a:t>nantinya</a:t>
+            </a:r>
+            <a:r>
+              <a:rPr lang="en-US" sz="2800" dirty="0"/>
+              <a:t> </a:t>
+            </a:r>
+            <a:r>
+              <a:rPr lang="en-US" sz="2800" dirty="0" err="1"/>
+              <a:t>dapat</a:t>
+            </a:r>
+            <a:r>
+              <a:rPr lang="en-US" sz="2800" dirty="0"/>
+              <a:t> </a:t>
+            </a:r>
+            <a:r>
+              <a:rPr lang="en-US" sz="2800" dirty="0" err="1"/>
+              <a:t>digunakan</a:t>
+            </a:r>
+            <a:r>
+              <a:rPr lang="en-US" sz="2800" dirty="0"/>
+              <a:t> </a:t>
+            </a:r>
+            <a:r>
+              <a:rPr lang="en-US" sz="2800" dirty="0" err="1"/>
+              <a:t>untuk</a:t>
+            </a:r>
+            <a:r>
+              <a:rPr lang="en-US" sz="2800" dirty="0"/>
+              <a:t> </a:t>
+            </a:r>
+            <a:r>
+              <a:rPr lang="en-US" sz="2800" dirty="0" err="1"/>
+              <a:t>mendefinisikan</a:t>
+            </a:r>
+            <a:r>
+              <a:rPr lang="en-US" sz="2800" dirty="0"/>
+              <a:t> </a:t>
+            </a:r>
+            <a:r>
+              <a:rPr lang="en-US" sz="2800" dirty="0" err="1"/>
+              <a:t>relasi</a:t>
+            </a:r>
+            <a:r>
+              <a:rPr lang="en-US" sz="2800" dirty="0"/>
+              <a:t> </a:t>
+            </a:r>
+            <a:r>
+              <a:rPr lang="en-US" sz="2800" dirty="0" err="1"/>
+              <a:t>dalam</a:t>
+            </a:r>
+            <a:r>
+              <a:rPr lang="en-US" sz="2800" dirty="0"/>
+              <a:t> domain </a:t>
+            </a:r>
+            <a:r>
+              <a:rPr lang="en-US" sz="2800" dirty="0" err="1"/>
+              <a:t>tokoh</a:t>
+            </a:r>
+            <a:r>
+              <a:rPr lang="en-US" sz="2800" dirty="0"/>
+              <a:t> </a:t>
+            </a:r>
+            <a:r>
+              <a:rPr lang="en-US" sz="2800" dirty="0" err="1" smtClean="0"/>
+              <a:t>sejarah</a:t>
+            </a:r>
+            <a:r>
+              <a:rPr lang="en-US" sz="2800" dirty="0" smtClean="0"/>
+              <a:t> Indonesia?</a:t>
+            </a:r>
+          </a:p>
+          <a:p>
+            <a:pPr marL="514350" lvl="0" indent="-514350">
+              <a:buFont typeface="+mj-lt"/>
+              <a:buAutoNum type="arabicPeriod"/>
+            </a:pPr>
+            <a:endParaRPr lang="en-US" sz="2800" dirty="0"/>
+          </a:p>
+          <a:p>
+            <a:pPr marL="514350" lvl="0" indent="-514350">
+              <a:buFont typeface="+mj-lt"/>
+              <a:buAutoNum type="arabicPeriod"/>
+            </a:pPr>
+            <a:r>
+              <a:rPr lang="en-US" sz="2800" dirty="0" err="1"/>
+              <a:t>Bagaimana</a:t>
+            </a:r>
+            <a:r>
+              <a:rPr lang="en-US" sz="2800" dirty="0"/>
+              <a:t> </a:t>
+            </a:r>
+            <a:r>
+              <a:rPr lang="en-US" sz="2800" dirty="0" err="1"/>
+              <a:t>memodelkan</a:t>
+            </a:r>
+            <a:r>
+              <a:rPr lang="en-US" sz="2800" dirty="0"/>
+              <a:t> proses reasoning </a:t>
+            </a:r>
+            <a:r>
+              <a:rPr lang="en-US" sz="2800" dirty="0" err="1"/>
+              <a:t>untuk</a:t>
+            </a:r>
+            <a:r>
+              <a:rPr lang="en-US" sz="2800" dirty="0"/>
+              <a:t> </a:t>
+            </a:r>
+            <a:r>
+              <a:rPr lang="en-US" sz="2800" dirty="0" err="1"/>
+              <a:t>melengkapi</a:t>
+            </a:r>
+            <a:r>
+              <a:rPr lang="en-US" sz="2800" dirty="0"/>
+              <a:t> </a:t>
+            </a:r>
+            <a:r>
+              <a:rPr lang="en-US" sz="2800" dirty="0" err="1"/>
+              <a:t>relasi</a:t>
+            </a:r>
+            <a:r>
+              <a:rPr lang="en-US" sz="2800" dirty="0"/>
+              <a:t> </a:t>
+            </a:r>
+            <a:r>
+              <a:rPr lang="en-US" sz="2800" dirty="0" err="1"/>
+              <a:t>tokoh</a:t>
+            </a:r>
+            <a:r>
+              <a:rPr lang="en-US" sz="2800" dirty="0"/>
+              <a:t> </a:t>
+            </a:r>
+            <a:r>
+              <a:rPr lang="en-US" sz="2800" dirty="0" err="1"/>
+              <a:t>sejarah</a:t>
+            </a:r>
+            <a:r>
+              <a:rPr lang="en-US" sz="2800" dirty="0"/>
+              <a:t> </a:t>
+            </a:r>
+            <a:r>
+              <a:rPr lang="en-US" sz="2800" dirty="0" err="1"/>
+              <a:t>pada</a:t>
+            </a:r>
+            <a:r>
+              <a:rPr lang="en-US" sz="2800" dirty="0"/>
+              <a:t> </a:t>
+            </a:r>
+            <a:r>
+              <a:rPr lang="en-US" sz="2800" dirty="0" err="1"/>
+              <a:t>DBpedia</a:t>
+            </a:r>
+            <a:r>
+              <a:rPr lang="en-US" sz="2800" dirty="0" smtClean="0"/>
+              <a:t>?</a:t>
+            </a:r>
+          </a:p>
+          <a:p>
+            <a:pPr marL="514350" lvl="0" indent="-514350">
+              <a:buFont typeface="+mj-lt"/>
+              <a:buAutoNum type="arabicPeriod"/>
+            </a:pPr>
+            <a:endParaRPr lang="en-US" sz="2800" dirty="0"/>
+          </a:p>
+          <a:p>
+            <a:pPr marL="514350" lvl="0" indent="-514350">
+              <a:buFont typeface="+mj-lt"/>
+              <a:buAutoNum type="arabicPeriod"/>
+            </a:pPr>
+            <a:r>
+              <a:rPr lang="en-US" sz="2800" dirty="0" err="1"/>
+              <a:t>Bagaimana</a:t>
+            </a:r>
+            <a:r>
+              <a:rPr lang="en-US" sz="2800" dirty="0"/>
+              <a:t> </a:t>
+            </a:r>
+            <a:r>
+              <a:rPr lang="en-US" sz="2800" dirty="0" err="1"/>
+              <a:t>membuat</a:t>
+            </a:r>
+            <a:r>
+              <a:rPr lang="en-US" sz="2800" dirty="0"/>
+              <a:t> </a:t>
+            </a:r>
+            <a:r>
+              <a:rPr lang="en-US" sz="2800" dirty="0" err="1"/>
+              <a:t>aplikasi</a:t>
+            </a:r>
+            <a:r>
+              <a:rPr lang="en-US" sz="2800" dirty="0"/>
+              <a:t> </a:t>
+            </a:r>
+            <a:r>
+              <a:rPr lang="en-US" sz="2800" dirty="0" err="1"/>
+              <a:t>untuk</a:t>
+            </a:r>
+            <a:r>
+              <a:rPr lang="en-US" sz="2800" dirty="0"/>
+              <a:t> </a:t>
+            </a:r>
+            <a:r>
+              <a:rPr lang="en-US" sz="2800" dirty="0" err="1"/>
+              <a:t>menampilkan</a:t>
+            </a:r>
+            <a:r>
+              <a:rPr lang="en-US" sz="2800" dirty="0"/>
+              <a:t> </a:t>
+            </a:r>
+            <a:r>
+              <a:rPr lang="en-US" sz="2800" dirty="0" err="1"/>
+              <a:t>visualisasi</a:t>
+            </a:r>
+            <a:r>
+              <a:rPr lang="en-US" sz="2800" dirty="0"/>
+              <a:t> </a:t>
+            </a:r>
+            <a:r>
+              <a:rPr lang="en-US" sz="2800" dirty="0" err="1"/>
+              <a:t>pohon</a:t>
+            </a:r>
+            <a:r>
+              <a:rPr lang="en-US" sz="2800" dirty="0"/>
+              <a:t> </a:t>
+            </a:r>
+            <a:r>
+              <a:rPr lang="en-US" sz="2800" dirty="0" err="1"/>
+              <a:t>keluarga</a:t>
+            </a:r>
+            <a:r>
+              <a:rPr lang="en-US" sz="2800" dirty="0"/>
+              <a:t> </a:t>
+            </a:r>
+            <a:r>
+              <a:rPr lang="en-US" sz="2800" dirty="0" err="1"/>
+              <a:t>tokoh</a:t>
+            </a:r>
+            <a:r>
+              <a:rPr lang="en-US" sz="2800" dirty="0"/>
+              <a:t> </a:t>
+            </a:r>
+            <a:r>
+              <a:rPr lang="en-US" sz="2800" dirty="0" err="1" smtClean="0"/>
+              <a:t>sejarah</a:t>
+            </a:r>
+            <a:r>
+              <a:rPr lang="en-US" sz="2800" dirty="0" smtClean="0"/>
+              <a:t> Indonesia?</a:t>
+            </a:r>
+            <a:endParaRPr lang="en-US" sz="2800" dirty="0"/>
+          </a:p>
+        </p:txBody>
+      </p:sp>
+      <p:sp>
+        <p:nvSpPr>
+          <p:cNvPr id="3" name="Slide Number Placeholder 2"/>
+          <p:cNvSpPr>
+            <a:spLocks noGrp="1"/>
+          </p:cNvSpPr>
+          <p:nvPr>
+            <p:ph type="sldNum" sz="quarter" idx="12"/>
+          </p:nvPr>
+        </p:nvSpPr>
+        <p:spPr/>
+        <p:txBody>
+          <a:bodyPr/>
+          <a:lstStyle/>
+          <a:p>
+            <a:fld id="{9EC71654-96A5-4280-94F3-931C61A9F92C}" type="slidenum">
+              <a:rPr lang="en-US" noProof="0" smtClean="0"/>
+              <a:pPr/>
+              <a:t>5</a:t>
+            </a:fld>
+            <a:endParaRPr lang="en-US" noProof="0" dirty="0"/>
+          </a:p>
+        </p:txBody>
+      </p:sp>
+      <p:sp>
+        <p:nvSpPr>
+          <p:cNvPr id="5" name="Title 4"/>
+          <p:cNvSpPr>
+            <a:spLocks noGrp="1"/>
+          </p:cNvSpPr>
+          <p:nvPr>
+            <p:ph type="title"/>
+          </p:nvPr>
+        </p:nvSpPr>
+        <p:spPr/>
+        <p:txBody>
+          <a:bodyPr/>
+          <a:lstStyle/>
+          <a:p>
+            <a:r>
+              <a:rPr lang="en-US" dirty="0" smtClean="0"/>
+              <a:t>BATASAN </a:t>
+            </a:r>
+            <a:r>
+              <a:rPr lang="en-US" dirty="0" err="1" smtClean="0"/>
+              <a:t>masalah</a:t>
+            </a:r>
+            <a:endParaRPr lang="en-US" dirty="0"/>
+          </a:p>
+        </p:txBody>
+      </p:sp>
+    </p:spTree>
+    <p:extLst>
+      <p:ext uri="{BB962C8B-B14F-4D97-AF65-F5344CB8AC3E}">
+        <p14:creationId xmlns:p14="http://schemas.microsoft.com/office/powerpoint/2010/main" val="1521873353"/>
+      </p:ext>
+    </p:extLst>
+  </p:cSld>
+  <p:clrMapOvr>
+    <a:masterClrMapping/>
+  </p:clrMapOvr>
+</p:sld>
+</file>
+
+<file path=ppt/slides/slide6.xml><?xml version="1.0" encoding="utf-8"?>
+<p:sld xmlns:a="http://schemas.openxmlformats.org/drawingml/2006/main" xmlns:r="http://schemas.openxmlformats.org/officeDocument/2006/relationships" xmlns:p="http://schemas.openxmlformats.org/presentationml/2006/main">
+  <p:cSld>
+    <p:spTree>
+      <p:nvGrpSpPr>
+        <p:cNvPr id="1" name=""/>
+        <p:cNvGrpSpPr/>
+        <p:nvPr/>
+      </p:nvGrpSpPr>
+      <p:grpSpPr>
+        <a:xfrm>
+          <a:off x="0" y="0"/>
+          <a:ext cx="0" cy="0"/>
+          <a:chOff x="0" y="0"/>
+          <a:chExt cx="0" cy="0"/>
+        </a:xfrm>
+      </p:grpSpPr>
+      <p:sp>
+        <p:nvSpPr>
+          <p:cNvPr id="6" name="Rectangle 5"/>
+          <p:cNvSpPr/>
+          <p:nvPr/>
+        </p:nvSpPr>
+        <p:spPr>
+          <a:xfrm>
+            <a:off x="4754880" y="3191246"/>
+            <a:ext cx="2583180" cy="3451860"/>
+          </a:xfrm>
+          <a:prstGeom prst="rect">
+            <a:avLst/>
+          </a:prstGeom>
+          <a:solidFill>
+            <a:schemeClr val="bg1"/>
+          </a:solidFill>
+          <a:ln>
+            <a:solidFill>
+              <a:schemeClr val="bg1"/>
+            </a:solidFill>
+          </a:ln>
+        </p:spPr>
+        <p:style>
+          <a:lnRef idx="2">
+            <a:schemeClr val="accent1">
+              <a:shade val="50000"/>
+            </a:schemeClr>
+          </a:lnRef>
+          <a:fillRef idx="1">
+            <a:schemeClr val="accent1"/>
+          </a:fillRef>
+          <a:effectRef idx="0">
+            <a:schemeClr val="accent1"/>
+          </a:effectRef>
+          <a:fontRef idx="minor">
+            <a:schemeClr val="lt1"/>
+          </a:fontRef>
+        </p:style>
+        <p:txBody>
+          <a:bodyPr rtlCol="0" anchor="ctr"/>
+          <a:lstStyle/>
+          <a:p>
+            <a:pPr algn="ctr"/>
+            <a:endParaRPr lang="en-US"/>
+          </a:p>
+        </p:txBody>
+      </p:sp>
+      <p:sp>
+        <p:nvSpPr>
+          <p:cNvPr id="2" name="Content Placeholder 1"/>
+          <p:cNvSpPr>
+            <a:spLocks noGrp="1"/>
+          </p:cNvSpPr>
+          <p:nvPr>
+            <p:ph idx="1"/>
+          </p:nvPr>
+        </p:nvSpPr>
+        <p:spPr>
+          <a:xfrm>
+            <a:off x="538960" y="1437005"/>
+            <a:ext cx="10824736" cy="5018734"/>
+          </a:xfrm>
+        </p:spPr>
+        <p:txBody>
+          <a:bodyPr/>
+          <a:lstStyle/>
+          <a:p>
+            <a:pPr marL="514350" lvl="0" indent="-514350">
+              <a:buFont typeface="+mj-lt"/>
+              <a:buAutoNum type="arabicPeriod"/>
+            </a:pPr>
+            <a:r>
+              <a:rPr lang="en-US" sz="2800" dirty="0" err="1" smtClean="0"/>
+              <a:t>Analisis</a:t>
+            </a:r>
+            <a:r>
+              <a:rPr lang="en-US" sz="2800" dirty="0" smtClean="0"/>
+              <a:t> data (</a:t>
+            </a:r>
+            <a:r>
+              <a:rPr lang="en-US" sz="2800" dirty="0" err="1" smtClean="0"/>
+              <a:t>tampilkan</a:t>
+            </a:r>
+            <a:r>
+              <a:rPr lang="en-US" sz="2800" dirty="0" smtClean="0"/>
+              <a:t> </a:t>
+            </a:r>
+            <a:r>
+              <a:rPr lang="en-US" sz="2800" dirty="0" err="1" smtClean="0"/>
+              <a:t>tokoh</a:t>
+            </a:r>
+            <a:r>
+              <a:rPr lang="en-US" sz="2800" dirty="0" smtClean="0"/>
+              <a:t> </a:t>
+            </a:r>
+            <a:r>
+              <a:rPr lang="en-US" sz="2800" dirty="0" err="1" smtClean="0"/>
+              <a:t>sejarah</a:t>
+            </a:r>
+            <a:r>
+              <a:rPr lang="en-US" sz="2800" dirty="0" smtClean="0"/>
+              <a:t> di </a:t>
+            </a:r>
+            <a:r>
+              <a:rPr lang="en-US" sz="2800" dirty="0" err="1" smtClean="0"/>
+              <a:t>dbpedia</a:t>
+            </a:r>
+            <a:r>
+              <a:rPr lang="en-US" sz="2800" dirty="0" smtClean="0"/>
+              <a:t>)</a:t>
+            </a:r>
+          </a:p>
+          <a:p>
+            <a:pPr marL="514350" lvl="0" indent="-514350">
+              <a:buFont typeface="+mj-lt"/>
+              <a:buAutoNum type="arabicPeriod"/>
+            </a:pPr>
+            <a:r>
+              <a:rPr lang="en-US" sz="2800" dirty="0" err="1" smtClean="0"/>
+              <a:t>Pembuatan</a:t>
+            </a:r>
+            <a:r>
+              <a:rPr lang="en-US" sz="2800" dirty="0" smtClean="0"/>
+              <a:t> </a:t>
+            </a:r>
+            <a:r>
+              <a:rPr lang="en-US" sz="2800" dirty="0" err="1" smtClean="0"/>
+              <a:t>ontologi</a:t>
+            </a:r>
+            <a:r>
+              <a:rPr lang="en-US" sz="2800" dirty="0" smtClean="0"/>
+              <a:t> (</a:t>
+            </a:r>
+            <a:r>
+              <a:rPr lang="en-US" sz="2800" dirty="0" err="1" smtClean="0"/>
+              <a:t>buat</a:t>
+            </a:r>
+            <a:r>
+              <a:rPr lang="en-US" sz="2800" dirty="0" smtClean="0"/>
+              <a:t> slide: 1) graph </a:t>
+            </a:r>
+            <a:r>
+              <a:rPr lang="en-US" sz="2800" dirty="0" err="1" smtClean="0"/>
+              <a:t>skema</a:t>
+            </a:r>
+            <a:r>
+              <a:rPr lang="en-US" sz="2800" dirty="0" smtClean="0"/>
+              <a:t> Person </a:t>
+            </a:r>
+            <a:r>
+              <a:rPr lang="en-US" sz="2800" dirty="0" err="1" smtClean="0"/>
+              <a:t>ke</a:t>
+            </a:r>
+            <a:r>
+              <a:rPr lang="en-US" sz="2800" dirty="0" smtClean="0"/>
+              <a:t> Person 5 </a:t>
+            </a:r>
+            <a:r>
+              <a:rPr lang="en-US" sz="2800" dirty="0" err="1" smtClean="0"/>
+              <a:t>buah</a:t>
+            </a:r>
+            <a:r>
+              <a:rPr lang="en-US" sz="2800" dirty="0" smtClean="0"/>
+              <a:t> </a:t>
+            </a:r>
+            <a:r>
+              <a:rPr lang="en-US" sz="2800" dirty="0" err="1" smtClean="0"/>
+              <a:t>contoh</a:t>
+            </a:r>
+            <a:r>
+              <a:rPr lang="en-US" sz="2800" dirty="0" smtClean="0"/>
+              <a:t> data </a:t>
+            </a:r>
+            <a:r>
+              <a:rPr lang="en-US" sz="2800" dirty="0" err="1" smtClean="0"/>
+              <a:t>properti</a:t>
+            </a:r>
+            <a:r>
+              <a:rPr lang="en-US" sz="2800" dirty="0" smtClean="0"/>
+              <a:t>, 2) graph </a:t>
+            </a:r>
+            <a:r>
+              <a:rPr lang="en-US" sz="2800" dirty="0" err="1" smtClean="0"/>
+              <a:t>contohnya</a:t>
+            </a:r>
+            <a:r>
+              <a:rPr lang="en-US" sz="2800" dirty="0" smtClean="0"/>
+              <a:t> </a:t>
+            </a:r>
+            <a:r>
+              <a:rPr lang="en-US" sz="2800" dirty="0" err="1" smtClean="0"/>
+              <a:t>dengan</a:t>
+            </a:r>
+            <a:r>
+              <a:rPr lang="en-US" sz="2800" dirty="0" smtClean="0"/>
+              <a:t> URL data </a:t>
+            </a:r>
+            <a:r>
+              <a:rPr lang="en-US" sz="2800" dirty="0" err="1" smtClean="0"/>
+              <a:t>asli</a:t>
+            </a:r>
+            <a:r>
+              <a:rPr lang="en-US" sz="2800" dirty="0" smtClean="0"/>
+              <a:t> 5 </a:t>
+            </a:r>
+            <a:r>
+              <a:rPr lang="en-US" sz="2800" dirty="0" err="1" smtClean="0"/>
+              <a:t>buah</a:t>
+            </a:r>
+            <a:r>
+              <a:rPr lang="en-US" sz="2800" dirty="0" smtClean="0"/>
+              <a:t>, 3)</a:t>
+            </a:r>
+            <a:r>
+              <a:rPr lang="en-US" sz="2800" dirty="0" err="1" smtClean="0"/>
+              <a:t>jenis</a:t>
+            </a:r>
+            <a:r>
+              <a:rPr lang="en-US" sz="2800" dirty="0" smtClean="0"/>
+              <a:t> </a:t>
+            </a:r>
+            <a:r>
+              <a:rPr lang="en-US" sz="2800" dirty="0" err="1" smtClean="0"/>
+              <a:t>karakteristik</a:t>
+            </a:r>
+            <a:r>
+              <a:rPr lang="en-US" sz="2800" dirty="0" smtClean="0"/>
+              <a:t> symmetric </a:t>
+            </a:r>
+            <a:r>
+              <a:rPr lang="en-US" sz="2800" dirty="0" err="1" smtClean="0"/>
+              <a:t>dan</a:t>
+            </a:r>
+            <a:r>
+              <a:rPr lang="en-US" sz="2800" dirty="0" smtClean="0"/>
+              <a:t> </a:t>
+            </a:r>
+            <a:r>
+              <a:rPr lang="en-US" sz="2800" dirty="0" err="1" smtClean="0"/>
+              <a:t>asymetric</a:t>
+            </a:r>
+            <a:r>
+              <a:rPr lang="en-US" sz="2800" dirty="0" smtClean="0"/>
+              <a:t>, equivalent, </a:t>
+            </a:r>
+            <a:r>
+              <a:rPr lang="en-US" sz="2800" dirty="0" err="1" smtClean="0"/>
+              <a:t>dll</a:t>
+            </a:r>
+            <a:r>
+              <a:rPr lang="en-US" sz="2800" dirty="0" smtClean="0"/>
+              <a:t>. 4)</a:t>
+            </a:r>
+            <a:r>
+              <a:rPr lang="en-US" sz="2800" dirty="0" err="1" smtClean="0"/>
+              <a:t>Tabel</a:t>
+            </a:r>
+            <a:r>
+              <a:rPr lang="en-US" sz="2800" dirty="0" smtClean="0"/>
+              <a:t> data </a:t>
+            </a:r>
+            <a:r>
+              <a:rPr lang="en-US" sz="2800" dirty="0" err="1" smtClean="0"/>
+              <a:t>properti</a:t>
+            </a:r>
+            <a:r>
+              <a:rPr lang="en-US" sz="2800" dirty="0" smtClean="0"/>
+              <a:t> yang </a:t>
+            </a:r>
+            <a:r>
+              <a:rPr lang="en-US" sz="2800" dirty="0" err="1" smtClean="0"/>
+              <a:t>digunakan</a:t>
+            </a:r>
+            <a:r>
+              <a:rPr lang="en-US" sz="2800" dirty="0" smtClean="0"/>
+              <a:t>)</a:t>
+            </a:r>
+          </a:p>
+          <a:p>
+            <a:pPr marL="514350" lvl="0" indent="-514350">
+              <a:buFont typeface="+mj-lt"/>
+              <a:buAutoNum type="arabicPeriod"/>
+            </a:pPr>
+            <a:r>
+              <a:rPr lang="en-US" sz="2800" dirty="0" err="1" smtClean="0"/>
+              <a:t>Penggabungan</a:t>
+            </a:r>
+            <a:r>
+              <a:rPr lang="en-US" sz="2800" dirty="0" smtClean="0"/>
+              <a:t> model data </a:t>
+            </a:r>
+            <a:r>
+              <a:rPr lang="en-US" sz="2800" dirty="0" err="1" smtClean="0"/>
+              <a:t>dbpedia</a:t>
+            </a:r>
+            <a:r>
+              <a:rPr lang="en-US" sz="2800" dirty="0" smtClean="0"/>
+              <a:t> </a:t>
+            </a:r>
+            <a:r>
+              <a:rPr lang="en-US" sz="2800" dirty="0" err="1" smtClean="0"/>
+              <a:t>dan</a:t>
+            </a:r>
+            <a:r>
+              <a:rPr lang="en-US" sz="2800" dirty="0" smtClean="0"/>
+              <a:t> </a:t>
+            </a:r>
+            <a:r>
+              <a:rPr lang="en-US" sz="2800" dirty="0" err="1" smtClean="0"/>
+              <a:t>ontologi</a:t>
+            </a:r>
+            <a:endParaRPr lang="en-US" sz="2800" dirty="0" smtClean="0"/>
+          </a:p>
+          <a:p>
+            <a:pPr marL="514350" lvl="0" indent="-514350">
+              <a:buFont typeface="+mj-lt"/>
+              <a:buAutoNum type="arabicPeriod"/>
+            </a:pPr>
+            <a:r>
+              <a:rPr lang="en-US" sz="2800" dirty="0" err="1" smtClean="0"/>
+              <a:t>Konsep</a:t>
+            </a:r>
+            <a:r>
+              <a:rPr lang="en-US" sz="2800" dirty="0" smtClean="0"/>
+              <a:t> reasoning (</a:t>
+            </a:r>
+            <a:r>
+              <a:rPr lang="en-US" sz="2800" dirty="0" err="1" smtClean="0"/>
+              <a:t>kasih</a:t>
+            </a:r>
+            <a:r>
+              <a:rPr lang="en-US" sz="2800" dirty="0" smtClean="0"/>
+              <a:t> </a:t>
+            </a:r>
+            <a:r>
+              <a:rPr lang="en-US" sz="2800" dirty="0" err="1" smtClean="0"/>
+              <a:t>contoh</a:t>
+            </a:r>
+            <a:r>
+              <a:rPr lang="en-US" sz="2800" dirty="0" smtClean="0"/>
+              <a:t> </a:t>
+            </a:r>
+            <a:r>
+              <a:rPr lang="en-US" sz="2800" dirty="0" err="1" smtClean="0"/>
+              <a:t>dalam</a:t>
+            </a:r>
+            <a:r>
+              <a:rPr lang="en-US" sz="2800" dirty="0" smtClean="0"/>
+              <a:t> </a:t>
+            </a:r>
+            <a:r>
+              <a:rPr lang="en-US" sz="2800" dirty="0" err="1" smtClean="0"/>
+              <a:t>satu</a:t>
+            </a:r>
+            <a:r>
+              <a:rPr lang="en-US" sz="2800" dirty="0" smtClean="0"/>
+              <a:t> slide </a:t>
+            </a:r>
+            <a:r>
+              <a:rPr lang="en-US" sz="2800" dirty="0" err="1" smtClean="0"/>
+              <a:t>yg</a:t>
+            </a:r>
+            <a:r>
+              <a:rPr lang="en-US" sz="2800" dirty="0" smtClean="0"/>
+              <a:t> </a:t>
+            </a:r>
+            <a:r>
+              <a:rPr lang="en-US" sz="2800" dirty="0" err="1" smtClean="0"/>
+              <a:t>sama</a:t>
+            </a:r>
+            <a:r>
+              <a:rPr lang="en-US" sz="2800" dirty="0" smtClean="0"/>
+              <a:t>, </a:t>
+            </a:r>
+            <a:r>
+              <a:rPr lang="en-US" sz="2800" dirty="0" err="1" smtClean="0"/>
+              <a:t>pake</a:t>
+            </a:r>
+            <a:r>
+              <a:rPr lang="en-US" sz="2800" dirty="0" smtClean="0"/>
+              <a:t> reasoner </a:t>
+            </a:r>
+            <a:r>
+              <a:rPr lang="en-US" sz="2800" dirty="0" err="1" smtClean="0"/>
+              <a:t>apa</a:t>
+            </a:r>
+            <a:r>
+              <a:rPr lang="en-US" sz="2800" dirty="0" smtClean="0"/>
+              <a:t>)</a:t>
+            </a:r>
+          </a:p>
+          <a:p>
+            <a:pPr marL="514350" lvl="0" indent="-514350">
+              <a:buFont typeface="+mj-lt"/>
+              <a:buAutoNum type="arabicPeriod"/>
+            </a:pPr>
+            <a:endParaRPr lang="en-US" sz="2800" dirty="0" smtClean="0"/>
+          </a:p>
+          <a:p>
+            <a:pPr marL="514350" lvl="0" indent="-514350">
+              <a:buFont typeface="+mj-lt"/>
+              <a:buAutoNum type="arabicPeriod"/>
+            </a:pPr>
+            <a:endParaRPr lang="en-US" sz="2800" dirty="0" smtClean="0"/>
+          </a:p>
+        </p:txBody>
+      </p:sp>
+      <p:sp>
+        <p:nvSpPr>
+          <p:cNvPr id="3" name="Slide Number Placeholder 2"/>
+          <p:cNvSpPr>
+            <a:spLocks noGrp="1"/>
+          </p:cNvSpPr>
+          <p:nvPr>
+            <p:ph type="sldNum" sz="quarter" idx="12"/>
+          </p:nvPr>
+        </p:nvSpPr>
+        <p:spPr/>
+        <p:txBody>
+          <a:bodyPr/>
+          <a:lstStyle/>
+          <a:p>
+            <a:fld id="{9EC71654-96A5-4280-94F3-931C61A9F92C}" type="slidenum">
+              <a:rPr lang="en-US" noProof="0" smtClean="0"/>
+              <a:pPr/>
+              <a:t>6</a:t>
+            </a:fld>
+            <a:endParaRPr lang="en-US" noProof="0" dirty="0"/>
+          </a:p>
+        </p:txBody>
+      </p:sp>
+      <p:sp>
+        <p:nvSpPr>
+          <p:cNvPr id="5" name="Title 4"/>
+          <p:cNvSpPr>
+            <a:spLocks noGrp="1"/>
+          </p:cNvSpPr>
+          <p:nvPr>
+            <p:ph type="title"/>
+          </p:nvPr>
+        </p:nvSpPr>
+        <p:spPr>
+          <a:xfrm>
+            <a:off x="515938" y="499595"/>
+            <a:ext cx="2713959" cy="750043"/>
+          </a:xfrm>
+        </p:spPr>
+        <p:txBody>
+          <a:bodyPr/>
+          <a:lstStyle/>
+          <a:p>
+            <a:r>
+              <a:rPr lang="en-US" dirty="0" err="1" smtClean="0"/>
+              <a:t>metodologi</a:t>
+            </a:r>
+            <a:endParaRPr lang="en-US" dirty="0"/>
+          </a:p>
+        </p:txBody>
+      </p:sp>
+    </p:spTree>
+    <p:extLst>
+      <p:ext uri="{BB962C8B-B14F-4D97-AF65-F5344CB8AC3E}">
+        <p14:creationId xmlns:p14="http://schemas.microsoft.com/office/powerpoint/2010/main" val="622580915"/>
+      </p:ext>
+    </p:extLst>
+  </p:cSld>
+  <p:clrMapOvr>
+    <a:masterClrMapping/>
+  </p:clrMapOvr>
+</p:sld>
+</file>
+
+<file path=ppt/slides/slide7.xml><?xml version="1.0" encoding="utf-8"?>
 <p:sld xmlns:a="http://schemas.openxmlformats.org/drawingml/2006/main" xmlns:r="http://schemas.openxmlformats.org/officeDocument/2006/relationships" xmlns:p="http://schemas.openxmlformats.org/presentationml/2006/main">
   <p:cSld>
     <p:spTree>
@@ -20614,7 +22761,7 @@
 </p:sld>
 </file>
 
-<file path=ppt/slides/slide6.xml><?xml version="1.0" encoding="utf-8"?>
+<file path=ppt/slides/slide8.xml><?xml version="1.0" encoding="utf-8"?>
 <p:sld xmlns:a="http://schemas.openxmlformats.org/drawingml/2006/main" xmlns:r="http://schemas.openxmlformats.org/officeDocument/2006/relationships" xmlns:p="http://schemas.openxmlformats.org/presentationml/2006/main">
   <p:cSld>
     <p:spTree>
@@ -20649,7 +22796,7 @@
             <a:fld id="{9EC71654-96A5-4280-94F3-931C61A9F92C}" type="slidenum">
               <a:rPr lang="en-US" noProof="0" smtClean="0"/>
               <a:pPr/>
-              <a:t>6</a:t>
+              <a:t>8</a:t>
             </a:fld>
             <a:endParaRPr lang="en-US" noProof="0" dirty="0"/>
           </a:p>
@@ -20721,299 +22868,13 @@
   <p:clrMapOvr>
     <a:masterClrMapping/>
   </p:clrMapOvr>
-</p:sld>
-</file>
-
-<file path=ppt/slides/slide7.xml><?xml version="1.0" encoding="utf-8"?>
-<p:sld xmlns:a="http://schemas.openxmlformats.org/drawingml/2006/main" xmlns:r="http://schemas.openxmlformats.org/officeDocument/2006/relationships" xmlns:p="http://schemas.openxmlformats.org/presentationml/2006/main">
-  <p:cSld>
-    <p:spTree>
-      <p:nvGrpSpPr>
-        <p:cNvPr id="1" name=""/>
-        <p:cNvGrpSpPr/>
-        <p:nvPr/>
-      </p:nvGrpSpPr>
-      <p:grpSpPr>
-        <a:xfrm>
-          <a:off x="0" y="0"/>
-          <a:ext cx="0" cy="0"/>
-          <a:chOff x="0" y="0"/>
-          <a:chExt cx="0" cy="0"/>
-        </a:xfrm>
-      </p:grpSpPr>
-      <p:sp>
-        <p:nvSpPr>
-          <p:cNvPr id="2" name="Content Placeholder 1"/>
-          <p:cNvSpPr>
-            <a:spLocks noGrp="1"/>
-          </p:cNvSpPr>
-          <p:nvPr>
-            <p:ph idx="1"/>
-          </p:nvPr>
-        </p:nvSpPr>
-        <p:spPr>
-          <a:xfrm>
-            <a:off x="538960" y="1825625"/>
-            <a:ext cx="9648229" cy="4351338"/>
-          </a:xfrm>
-        </p:spPr>
-        <p:txBody>
-          <a:bodyPr/>
-          <a:lstStyle/>
-          <a:p>
-            <a:pPr marL="457200" indent="-457200">
-              <a:buFont typeface="+mj-lt"/>
-              <a:buAutoNum type="arabicPeriod"/>
-            </a:pPr>
-            <a:r>
-              <a:rPr lang="en-US" sz="3200" smtClean="0"/>
-              <a:t>Mengunduh file RDF tokoh dari DBpedia</a:t>
-            </a:r>
-          </a:p>
-          <a:p>
-            <a:pPr marL="457200" indent="-457200">
-              <a:buFont typeface="+mj-lt"/>
-              <a:buAutoNum type="arabicPeriod"/>
-            </a:pPr>
-            <a:r>
-              <a:rPr lang="en-US" sz="3200" smtClean="0"/>
-              <a:t>Memodelkan file RDF tokoh</a:t>
-            </a:r>
-          </a:p>
-          <a:p>
-            <a:pPr marL="457200" indent="-457200">
-              <a:buFont typeface="+mj-lt"/>
-              <a:buAutoNum type="arabicPeriod"/>
-            </a:pPr>
-            <a:r>
-              <a:rPr lang="en-US" sz="3200" smtClean="0"/>
-              <a:t>Menggabungkan model tokoh dengan </a:t>
-            </a:r>
-            <a:r>
-              <a:rPr lang="en-US" sz="3200" i="1" smtClean="0"/>
-              <a:t>Family Relationship Ontology</a:t>
-            </a:r>
-            <a:endParaRPr lang="en-US" sz="3200" smtClean="0"/>
-          </a:p>
-          <a:p>
-            <a:pPr marL="457200" indent="-457200">
-              <a:buFont typeface="+mj-lt"/>
-              <a:buAutoNum type="arabicPeriod"/>
-            </a:pPr>
-            <a:r>
-              <a:rPr lang="en-US" sz="3200" smtClean="0"/>
-              <a:t>Melakukan proses reasoning</a:t>
-            </a:r>
-          </a:p>
-          <a:p>
-            <a:pPr marL="457200" indent="-457200">
-              <a:buFont typeface="+mj-lt"/>
-              <a:buAutoNum type="arabicPeriod"/>
-            </a:pPr>
-            <a:r>
-              <a:rPr lang="en-US" sz="3200" smtClean="0"/>
-              <a:t>Mencetak model hasil reasoning ke dalam format RDF</a:t>
-            </a:r>
-            <a:endParaRPr lang="en-US" sz="3200"/>
-          </a:p>
-        </p:txBody>
-      </p:sp>
-      <p:sp>
-        <p:nvSpPr>
-          <p:cNvPr id="3" name="Slide Number Placeholder 2"/>
-          <p:cNvSpPr>
-            <a:spLocks noGrp="1"/>
-          </p:cNvSpPr>
-          <p:nvPr>
-            <p:ph type="sldNum" sz="quarter" idx="12"/>
-          </p:nvPr>
-        </p:nvSpPr>
-        <p:spPr/>
-        <p:txBody>
-          <a:bodyPr/>
-          <a:lstStyle/>
-          <a:p>
-            <a:fld id="{9EC71654-96A5-4280-94F3-931C61A9F92C}" type="slidenum">
-              <a:rPr lang="en-US" noProof="0" smtClean="0"/>
-              <a:pPr/>
-              <a:t>7</a:t>
-            </a:fld>
-            <a:endParaRPr lang="en-US" noProof="0" dirty="0"/>
-          </a:p>
-        </p:txBody>
-      </p:sp>
-      <p:sp>
-        <p:nvSpPr>
-          <p:cNvPr id="5" name="Title 4"/>
-          <p:cNvSpPr>
-            <a:spLocks noGrp="1"/>
-          </p:cNvSpPr>
-          <p:nvPr>
-            <p:ph type="title"/>
-          </p:nvPr>
-        </p:nvSpPr>
-        <p:spPr>
-          <a:xfrm>
-            <a:off x="515938" y="499595"/>
-            <a:ext cx="10057617" cy="1325563"/>
-          </a:xfrm>
-        </p:spPr>
-        <p:txBody>
-          <a:bodyPr/>
-          <a:lstStyle/>
-          <a:p>
-            <a:r>
-              <a:rPr lang="en-US" smtClean="0"/>
-              <a:t>Implementasi program ekstraksi (java)</a:t>
-            </a:r>
-            <a:endParaRPr lang="en-US"/>
-          </a:p>
-        </p:txBody>
-      </p:sp>
-    </p:spTree>
-    <p:extLst>
-      <p:ext uri="{BB962C8B-B14F-4D97-AF65-F5344CB8AC3E}">
-        <p14:creationId xmlns:p14="http://schemas.microsoft.com/office/powerpoint/2010/main" val="1082125771"/>
-      </p:ext>
-    </p:extLst>
-  </p:cSld>
-  <p:clrMapOvr>
-    <a:masterClrMapping/>
-  </p:clrMapOvr>
-</p:sld>
-</file>
-
-<file path=ppt/slides/slide8.xml><?xml version="1.0" encoding="utf-8"?>
-<p:sld xmlns:a="http://schemas.openxmlformats.org/drawingml/2006/main" xmlns:r="http://schemas.openxmlformats.org/officeDocument/2006/relationships" xmlns:p="http://schemas.openxmlformats.org/presentationml/2006/main">
-  <p:cSld>
-    <p:spTree>
-      <p:nvGrpSpPr>
-        <p:cNvPr id="1" name=""/>
-        <p:cNvGrpSpPr/>
-        <p:nvPr/>
-      </p:nvGrpSpPr>
-      <p:grpSpPr>
-        <a:xfrm>
-          <a:off x="0" y="0"/>
-          <a:ext cx="0" cy="0"/>
-          <a:chOff x="0" y="0"/>
-          <a:chExt cx="0" cy="0"/>
-        </a:xfrm>
-      </p:grpSpPr>
-      <p:sp>
-        <p:nvSpPr>
-          <p:cNvPr id="2" name="Content Placeholder 1"/>
-          <p:cNvSpPr>
-            <a:spLocks noGrp="1"/>
-          </p:cNvSpPr>
-          <p:nvPr>
-            <p:ph idx="1"/>
-          </p:nvPr>
-        </p:nvSpPr>
-        <p:spPr>
-          <a:xfrm>
-            <a:off x="538960" y="1825625"/>
-            <a:ext cx="9648229" cy="4351338"/>
-          </a:xfrm>
-        </p:spPr>
-        <p:txBody>
-          <a:bodyPr/>
-          <a:lstStyle/>
-          <a:p>
-            <a:pPr marL="457200" indent="-457200">
-              <a:buFont typeface="+mj-lt"/>
-              <a:buAutoNum type="arabicPeriod"/>
-            </a:pPr>
-            <a:r>
-              <a:rPr lang="en-US" sz="3200" smtClean="0"/>
-              <a:t>Mengunggah data RDF hasil ke Apache Jena Fuseki</a:t>
-            </a:r>
-          </a:p>
-          <a:p>
-            <a:pPr marL="457200" indent="-457200">
-              <a:buFont typeface="+mj-lt"/>
-              <a:buAutoNum type="arabicPeriod"/>
-            </a:pPr>
-            <a:r>
-              <a:rPr lang="en-US" sz="3200" smtClean="0"/>
-              <a:t>SPARQL Query</a:t>
-            </a:r>
-          </a:p>
-          <a:p>
-            <a:pPr marL="457200" indent="-457200">
-              <a:buFont typeface="+mj-lt"/>
-              <a:buAutoNum type="arabicPeriod"/>
-            </a:pPr>
-            <a:r>
-              <a:rPr lang="en-US" sz="3200" smtClean="0"/>
-              <a:t>Visualisasi struktur pohon keluarga</a:t>
-            </a:r>
-            <a:endParaRPr lang="en-US" sz="3200"/>
-          </a:p>
-        </p:txBody>
-      </p:sp>
-      <p:sp>
-        <p:nvSpPr>
-          <p:cNvPr id="3" name="Slide Number Placeholder 2"/>
-          <p:cNvSpPr>
-            <a:spLocks noGrp="1"/>
-          </p:cNvSpPr>
-          <p:nvPr>
-            <p:ph type="sldNum" sz="quarter" idx="12"/>
-          </p:nvPr>
-        </p:nvSpPr>
-        <p:spPr/>
-        <p:txBody>
-          <a:bodyPr/>
-          <a:lstStyle/>
-          <a:p>
-            <a:fld id="{9EC71654-96A5-4280-94F3-931C61A9F92C}" type="slidenum">
-              <a:rPr lang="en-US" noProof="0" smtClean="0"/>
-              <a:pPr/>
-              <a:t>8</a:t>
-            </a:fld>
-            <a:endParaRPr lang="en-US" noProof="0" dirty="0"/>
-          </a:p>
-        </p:txBody>
-      </p:sp>
-      <p:sp>
-        <p:nvSpPr>
-          <p:cNvPr id="5" name="Title 4"/>
-          <p:cNvSpPr>
-            <a:spLocks noGrp="1"/>
-          </p:cNvSpPr>
-          <p:nvPr>
-            <p:ph type="title"/>
-          </p:nvPr>
-        </p:nvSpPr>
-        <p:spPr>
-          <a:xfrm>
-            <a:off x="515938" y="499595"/>
-            <a:ext cx="10057617" cy="1325563"/>
-          </a:xfrm>
-        </p:spPr>
-        <p:txBody>
-          <a:bodyPr/>
-          <a:lstStyle/>
-          <a:p>
-            <a:r>
-              <a:rPr lang="en-US" smtClean="0"/>
-              <a:t>Implementasi program visualisasi (php)</a:t>
-            </a:r>
-            <a:endParaRPr lang="en-US"/>
-          </a:p>
-        </p:txBody>
-      </p:sp>
-    </p:spTree>
-    <p:extLst>
-      <p:ext uri="{BB962C8B-B14F-4D97-AF65-F5344CB8AC3E}">
-        <p14:creationId xmlns:p14="http://schemas.microsoft.com/office/powerpoint/2010/main" val="415446391"/>
-      </p:ext>
-    </p:extLst>
-  </p:cSld>
-  <p:clrMapOvr>
-    <a:masterClrMapping/>
-  </p:clrMapOvr>
+  <p:timing>
+    <p:tnLst>
+      <p:par>
+        <p:cTn id="1" dur="indefinite" restart="never" nodeType="tmRoot"/>
+      </p:par>
+    </p:tnLst>
+  </p:timing>
 </p:sld>
 </file>
 
@@ -21036,12 +22897,89 @@
       </p:grpSpPr>
       <p:sp>
         <p:nvSpPr>
-          <p:cNvPr id="6" name="Footer Placeholder 5"/>
+          <p:cNvPr id="2" name="Content Placeholder 1"/>
           <p:cNvSpPr>
             <a:spLocks noGrp="1"/>
           </p:cNvSpPr>
           <p:nvPr>
-            <p:ph type="ftr" sz="quarter" idx="11"/>
+            <p:ph idx="1"/>
+          </p:nvPr>
+        </p:nvSpPr>
+        <p:spPr>
+          <a:xfrm>
+            <a:off x="538960" y="1825625"/>
+            <a:ext cx="9648229" cy="4351338"/>
+          </a:xfrm>
+        </p:spPr>
+        <p:txBody>
+          <a:bodyPr/>
+          <a:lstStyle/>
+          <a:p>
+            <a:pPr marL="457200" indent="-457200">
+              <a:buFont typeface="+mj-lt"/>
+              <a:buAutoNum type="arabicPeriod"/>
+            </a:pPr>
+            <a:r>
+              <a:rPr lang="en-US" sz="3200" smtClean="0"/>
+              <a:t>Mengunduh file RDF tokoh dari DBpedia</a:t>
+            </a:r>
+          </a:p>
+          <a:p>
+            <a:pPr marL="457200" indent="-457200">
+              <a:buFont typeface="+mj-lt"/>
+              <a:buAutoNum type="arabicPeriod"/>
+            </a:pPr>
+            <a:r>
+              <a:rPr lang="en-US" sz="3200" smtClean="0"/>
+              <a:t>Memodelkan file RDF tokoh</a:t>
+            </a:r>
+          </a:p>
+          <a:p>
+            <a:pPr marL="457200" indent="-457200">
+              <a:buFont typeface="+mj-lt"/>
+              <a:buAutoNum type="arabicPeriod"/>
+            </a:pPr>
+            <a:r>
+              <a:rPr lang="en-US" sz="3200" smtClean="0"/>
+              <a:t>Menggabungkan model tokoh dengan </a:t>
+            </a:r>
+            <a:r>
+              <a:rPr lang="en-US" sz="3200" i="1" smtClean="0"/>
+              <a:t>Family Relationship Ontology</a:t>
+            </a:r>
+            <a:endParaRPr lang="en-US" sz="3200" smtClean="0"/>
+          </a:p>
+          <a:p>
+            <a:pPr marL="457200" indent="-457200">
+              <a:buFont typeface="+mj-lt"/>
+              <a:buAutoNum type="arabicPeriod"/>
+            </a:pPr>
+            <a:r>
+              <a:rPr lang="en-US" sz="3200" smtClean="0"/>
+              <a:t>Melakukan proses reasoning</a:t>
+            </a:r>
+          </a:p>
+          <a:p>
+            <a:pPr marL="457200" indent="-457200">
+              <a:buFont typeface="+mj-lt"/>
+              <a:buAutoNum type="arabicPeriod"/>
+            </a:pPr>
+            <a:r>
+              <a:rPr lang="en-US" sz="3200" smtClean="0"/>
+              <a:t>Mencetak model hasil reasoning ke dalam format RDF</a:t>
+            </a:r>
+            <a:endParaRPr lang="en-US" sz="3200"/>
+          </a:p>
+        </p:txBody>
+      </p:sp>
+      <p:sp>
+        <p:nvSpPr>
+          <p:cNvPr id="3" name="Slide Number Placeholder 2"/>
+          <p:cNvSpPr>
+            <a:spLocks noGrp="1"/>
+          </p:cNvSpPr>
+          <p:nvPr>
+            <p:ph type="sldNum" sz="quarter" idx="12"/>
           </p:nvPr>
         </p:nvSpPr>
         <p:spPr/>
@@ -21049,271 +22987,70 @@
           <a:bodyPr/>
           <a:lstStyle/>
           <a:p>
-            <a:r>
-              <a:rPr lang="en-US" smtClean="0"/>
-              <a:t>TUGAS AKHIR – KI141502</a:t>
-            </a:r>
-            <a:endParaRPr lang="en-US"/>
+            <a:fld id="{9EC71654-96A5-4280-94F3-931C61A9F92C}" type="slidenum">
+              <a:rPr lang="en-US" noProof="0" smtClean="0"/>
+              <a:pPr/>
+              <a:t>9</a:t>
+            </a:fld>
+            <a:endParaRPr lang="en-US" noProof="0" dirty="0"/>
           </a:p>
         </p:txBody>
       </p:sp>
       <p:sp>
         <p:nvSpPr>
-          <p:cNvPr id="8" name="Rectangle 7"/>
-          <p:cNvSpPr/>
-          <p:nvPr/>
-        </p:nvSpPr>
-        <p:spPr bwMode="auto">
+          <p:cNvPr id="5" name="Title 4"/>
+          <p:cNvSpPr>
+            <a:spLocks noGrp="1"/>
+          </p:cNvSpPr>
+          <p:nvPr>
+            <p:ph type="title"/>
+          </p:nvPr>
+        </p:nvSpPr>
+        <p:spPr>
           <a:xfrm>
-            <a:off x="4267201" y="1828800"/>
-            <a:ext cx="3657599" cy="609600"/>
-          </a:xfrm>
-          <a:prstGeom prst="rect">
-            <a:avLst/>
-          </a:prstGeom>
-          <a:solidFill>
-            <a:schemeClr val="accent3">
-              <a:lumMod val="50000"/>
-            </a:schemeClr>
-          </a:solidFill>
-          <a:ln>
-            <a:noFill/>
-            <a:headEnd type="none" w="med" len="med"/>
-            <a:tailEnd type="none" w="med" len="med"/>
-          </a:ln>
-          <a:extLst/>
+            <a:off x="515938" y="499595"/>
+            <a:ext cx="10057617" cy="1325563"/>
+          </a:xfrm>
         </p:spPr>
-        <p:style>
-          <a:lnRef idx="0">
-            <a:schemeClr val="accent6"/>
-          </a:lnRef>
-          <a:fillRef idx="3">
-            <a:schemeClr val="accent6"/>
-          </a:fillRef>
-          <a:effectRef idx="3">
-            <a:schemeClr val="accent6"/>
-          </a:effectRef>
-          <a:fontRef idx="minor">
-            <a:schemeClr val="lt1"/>
-          </a:fontRef>
-        </p:style>
         <p:txBody>
-          <a:bodyPr vert="horz" wrap="none" lIns="91440" tIns="45720" rIns="91440" bIns="45720" numCol="1" rtlCol="0" anchor="ctr" anchorCtr="0" compatLnSpc="1">
-            <a:prstTxWarp prst="textNoShape">
-              <a:avLst/>
-            </a:prstTxWarp>
-          </a:bodyPr>
+          <a:bodyPr/>
           <a:lstStyle/>
           <a:p>
-            <a:pPr algn="ctr" fontAlgn="base">
-              <a:spcBef>
-                <a:spcPct val="0"/>
-              </a:spcBef>
-              <a:spcAft>
-                <a:spcPct val="0"/>
-              </a:spcAft>
-            </a:pPr>
-            <a:r>
-              <a:rPr lang="en-US" sz="2000"/>
-              <a:t>PENDAHULUAN</a:t>
-            </a:r>
-            <a:endParaRPr lang="en-US" sz="2000" dirty="0">
+            <a:r>
+              <a:rPr lang="en-US" dirty="0" err="1" smtClean="0"/>
+              <a:t>Implementasi</a:t>
+            </a:r>
+            <a:r>
+              <a:rPr lang="en-US" dirty="0" smtClean="0"/>
+              <a:t> program </a:t>
+            </a:r>
+            <a:r>
+              <a:rPr lang="en-US" dirty="0" err="1" smtClean="0"/>
+              <a:t>ekstraksi</a:t>
+            </a:r>
+            <a:r>
+              <a:rPr lang="en-US" dirty="0" smtClean="0"/>
+              <a:t> (java</a:t>
+            </a:r>
+            <a:r>
+              <a:rPr lang="en-US" dirty="0" smtClean="0"/>
+              <a:t>)</a:t>
+            </a:r>
+            <a:br>
+              <a:rPr lang="en-US" dirty="0" smtClean="0"/>
+            </a:br>
+            <a:r>
+              <a:rPr lang="en-US" dirty="0" smtClean="0">
+                <a:solidFill>
+                  <a:srgbClr val="FF0000"/>
+                </a:solidFill>
+              </a:rPr>
+              <a:t>flowchart</a:t>
+            </a:r>
+            <a:endParaRPr lang="en-US" dirty="0">
               <a:solidFill>
-                <a:schemeClr val="tx1"/>
+                <a:srgbClr val="FF0000"/>
               </a:solidFill>
-              <a:latin typeface="Tahoma" panose="020B0604030504040204" pitchFamily="34" charset="0"/>
-            </a:endParaRPr>
-          </a:p>
-        </p:txBody>
-      </p:sp>
-      <p:sp>
-        <p:nvSpPr>
-          <p:cNvPr id="9" name="Rectangle 8"/>
-          <p:cNvSpPr/>
-          <p:nvPr/>
-        </p:nvSpPr>
-        <p:spPr bwMode="auto">
-          <a:xfrm>
-            <a:off x="4267200" y="2730455"/>
-            <a:ext cx="3657600" cy="612648"/>
-          </a:xfrm>
-          <a:prstGeom prst="rect">
-            <a:avLst/>
-          </a:prstGeom>
-          <a:solidFill>
-            <a:schemeClr val="accent3">
-              <a:lumMod val="50000"/>
-            </a:schemeClr>
-          </a:solidFill>
-          <a:ln>
-            <a:noFill/>
-            <a:headEnd type="none" w="med" len="med"/>
-            <a:tailEnd type="none" w="med" len="med"/>
-          </a:ln>
-          <a:extLst/>
-        </p:spPr>
-        <p:style>
-          <a:lnRef idx="1">
-            <a:schemeClr val="accent4"/>
-          </a:lnRef>
-          <a:fillRef idx="3">
-            <a:schemeClr val="accent4"/>
-          </a:fillRef>
-          <a:effectRef idx="2">
-            <a:schemeClr val="accent4"/>
-          </a:effectRef>
-          <a:fontRef idx="minor">
-            <a:schemeClr val="lt1"/>
-          </a:fontRef>
-        </p:style>
-        <p:txBody>
-          <a:bodyPr vert="horz" wrap="none" lIns="91440" tIns="45720" rIns="91440" bIns="45720" numCol="1" rtlCol="0" anchor="ctr" anchorCtr="0" compatLnSpc="1">
-            <a:prstTxWarp prst="textNoShape">
-              <a:avLst/>
-            </a:prstTxWarp>
-          </a:bodyPr>
-          <a:lstStyle/>
-          <a:p>
-            <a:pPr algn="ctr" fontAlgn="base">
-              <a:spcBef>
-                <a:spcPct val="0"/>
-              </a:spcBef>
-              <a:spcAft>
-                <a:spcPct val="0"/>
-              </a:spcAft>
-            </a:pPr>
-            <a:r>
-              <a:rPr lang="id-ID" sz="2000" dirty="0"/>
-              <a:t>PERANCANGAN &amp; IMPLEMENTASI</a:t>
-            </a:r>
-            <a:endParaRPr lang="en-US" sz="2000" dirty="0">
-              <a:solidFill>
-                <a:schemeClr val="tx1"/>
-              </a:solidFill>
-              <a:latin typeface="Tahoma" panose="020B0604030504040204" pitchFamily="34" charset="0"/>
-            </a:endParaRPr>
-          </a:p>
-        </p:txBody>
-      </p:sp>
-      <p:sp>
-        <p:nvSpPr>
-          <p:cNvPr id="10" name="Rectangle 9"/>
-          <p:cNvSpPr/>
-          <p:nvPr/>
-        </p:nvSpPr>
-        <p:spPr bwMode="auto">
-          <a:xfrm>
-            <a:off x="4267201" y="3644855"/>
-            <a:ext cx="3657598" cy="612648"/>
-          </a:xfrm>
-          <a:prstGeom prst="rect">
-            <a:avLst/>
-          </a:prstGeom>
-          <a:solidFill>
-            <a:schemeClr val="accent1">
-              <a:lumMod val="75000"/>
-            </a:schemeClr>
-          </a:solidFill>
-          <a:ln>
-            <a:noFill/>
-            <a:headEnd type="none" w="med" len="med"/>
-            <a:tailEnd type="none" w="med" len="med"/>
-          </a:ln>
-          <a:extLst/>
-        </p:spPr>
-        <p:style>
-          <a:lnRef idx="1">
-            <a:schemeClr val="accent4"/>
-          </a:lnRef>
-          <a:fillRef idx="3">
-            <a:schemeClr val="accent4"/>
-          </a:fillRef>
-          <a:effectRef idx="2">
-            <a:schemeClr val="accent4"/>
-          </a:effectRef>
-          <a:fontRef idx="minor">
-            <a:schemeClr val="lt1"/>
-          </a:fontRef>
-        </p:style>
-        <p:txBody>
-          <a:bodyPr vert="horz" wrap="none" lIns="91440" tIns="45720" rIns="91440" bIns="45720" numCol="1" rtlCol="0" anchor="ctr" anchorCtr="0" compatLnSpc="1">
-            <a:prstTxWarp prst="textNoShape">
-              <a:avLst/>
-            </a:prstTxWarp>
-          </a:bodyPr>
-          <a:lstStyle/>
-          <a:p>
-            <a:pPr algn="ctr"/>
-            <a:r>
-              <a:rPr lang="en-US" sz="2000" dirty="0"/>
-              <a:t>UJI COBA</a:t>
-            </a:r>
-            <a:endParaRPr lang="en-US" sz="2000" dirty="0">
-              <a:solidFill>
-                <a:schemeClr val="tx1"/>
-              </a:solidFill>
-              <a:latin typeface="Tahoma" panose="020B0604030504040204" pitchFamily="34" charset="0"/>
-            </a:endParaRPr>
-          </a:p>
-        </p:txBody>
-      </p:sp>
-      <p:sp>
-        <p:nvSpPr>
-          <p:cNvPr id="11" name="Rectangle 10"/>
-          <p:cNvSpPr/>
-          <p:nvPr/>
-        </p:nvSpPr>
-        <p:spPr bwMode="auto">
-          <a:xfrm>
-            <a:off x="4267201" y="4572000"/>
-            <a:ext cx="3657598" cy="612648"/>
-          </a:xfrm>
-          <a:prstGeom prst="rect">
-            <a:avLst/>
-          </a:prstGeom>
-          <a:solidFill>
-            <a:schemeClr val="accent3">
-              <a:lumMod val="50000"/>
-            </a:schemeClr>
-          </a:solidFill>
-          <a:ln>
-            <a:headEnd type="none" w="med" len="med"/>
-            <a:tailEnd type="none" w="med" len="med"/>
-          </a:ln>
-          <a:extLst/>
-        </p:spPr>
-        <p:style>
-          <a:lnRef idx="1">
-            <a:schemeClr val="accent4"/>
-          </a:lnRef>
-          <a:fillRef idx="3">
-            <a:schemeClr val="accent4"/>
-          </a:fillRef>
-          <a:effectRef idx="2">
-            <a:schemeClr val="accent4"/>
-          </a:effectRef>
-          <a:fontRef idx="minor">
-            <a:schemeClr val="lt1"/>
-          </a:fontRef>
-        </p:style>
-        <p:txBody>
-          <a:bodyPr vert="horz" wrap="none" lIns="91440" tIns="45720" rIns="91440" bIns="45720" numCol="1" rtlCol="0" anchor="ctr" anchorCtr="0" compatLnSpc="1">
-            <a:prstTxWarp prst="textNoShape">
-              <a:avLst/>
-            </a:prstTxWarp>
-          </a:bodyPr>
-          <a:lstStyle/>
-          <a:p>
-            <a:pPr algn="ctr"/>
-            <a:r>
-              <a:rPr lang="en-US" sz="2000"/>
-              <a:t>KESIMPULAN &amp; SARAN</a:t>
-            </a:r>
-            <a:endParaRPr lang="en-US" sz="2000" dirty="0">
-              <a:solidFill>
-                <a:schemeClr val="tx1"/>
-              </a:solidFill>
-              <a:latin typeface="Tahoma" panose="020B0604030504040204" pitchFamily="34" charset="0"/>
             </a:endParaRPr>
           </a:p>
         </p:txBody>
@@ -21321,25 +23058,13 @@
     </p:spTree>
     <p:extLst>
       <p:ext uri="{BB962C8B-B14F-4D97-AF65-F5344CB8AC3E}">
-        <p14:creationId xmlns:p14="http://schemas.microsoft.com/office/powerpoint/2010/main" val="1662718274"/>
+        <p14:creationId xmlns:p14="http://schemas.microsoft.com/office/powerpoint/2010/main" val="1082125771"/>
       </p:ext>
     </p:extLst>
   </p:cSld>
   <p:clrMapOvr>
     <a:masterClrMapping/>
   </p:clrMapOvr>
-  <mc:AlternateContent xmlns:mc="http://schemas.openxmlformats.org/markup-compatibility/2006" xmlns:p14="http://schemas.microsoft.com/office/powerpoint/2010/main">
-    <mc:Choice Requires="p14">
-      <p:transition spd="med" p14:dur="700">
-        <p:fade/>
-      </p:transition>
-    </mc:Choice>
-    <mc:Fallback xmlns="">
-      <p:transition spd="med">
-        <p:fade/>
-      </p:transition>
-    </mc:Fallback>
-  </mc:AlternateContent>
   <p:timing>
     <p:tnLst>
       <p:par>

--- a/05111540000007-Faiq-Presentasi.pptx
+++ b/05111540000007-Faiq-Presentasi.pptx
@@ -1873,6 +1873,13 @@
         </dgm:presLayoutVars>
       </dgm:prSet>
       <dgm:spPr/>
+      <dgm:t>
+        <a:bodyPr/>
+        <a:lstStyle/>
+        <a:p>
+          <a:endParaRPr lang="en-US"/>
+        </a:p>
+      </dgm:t>
     </dgm:pt>
     <dgm:pt modelId="{40AD3799-C167-4D3B-BD05-3BAEC85C844F}" type="pres">
       <dgm:prSet presAssocID="{6BE82A5F-C0FD-471D-A8CD-69238D0143CD}" presName="node" presStyleLbl="node1" presStyleIdx="0" presStyleCnt="5">
@@ -1892,10 +1899,24 @@
     <dgm:pt modelId="{AC0006F9-2FA8-434E-9C3E-8AAE8FBF33DC}" type="pres">
       <dgm:prSet presAssocID="{F67CCD67-E934-42B1-B08A-D74E16816CA9}" presName="sibTrans" presStyleLbl="sibTrans2D1" presStyleIdx="0" presStyleCnt="4"/>
       <dgm:spPr/>
+      <dgm:t>
+        <a:bodyPr/>
+        <a:lstStyle/>
+        <a:p>
+          <a:endParaRPr lang="en-US"/>
+        </a:p>
+      </dgm:t>
     </dgm:pt>
     <dgm:pt modelId="{985CDA60-2680-43A3-A845-91423150B064}" type="pres">
       <dgm:prSet presAssocID="{F67CCD67-E934-42B1-B08A-D74E16816CA9}" presName="connectorText" presStyleLbl="sibTrans2D1" presStyleIdx="0" presStyleCnt="4"/>
       <dgm:spPr/>
+      <dgm:t>
+        <a:bodyPr/>
+        <a:lstStyle/>
+        <a:p>
+          <a:endParaRPr lang="en-US"/>
+        </a:p>
+      </dgm:t>
     </dgm:pt>
     <dgm:pt modelId="{E73E5B6E-70C9-4D6A-9A48-04BCF1BB6746}" type="pres">
       <dgm:prSet presAssocID="{FAE4D10D-4B3F-476F-A1AD-02897F6339C4}" presName="node" presStyleLbl="node1" presStyleIdx="1" presStyleCnt="5">
@@ -1915,10 +1936,24 @@
     <dgm:pt modelId="{8A1C7D42-2690-49D3-8662-9F1F6D78CD12}" type="pres">
       <dgm:prSet presAssocID="{E30FB7B4-F040-4C5C-8425-FC61D16ADBB4}" presName="sibTrans" presStyleLbl="sibTrans2D1" presStyleIdx="1" presStyleCnt="4"/>
       <dgm:spPr/>
+      <dgm:t>
+        <a:bodyPr/>
+        <a:lstStyle/>
+        <a:p>
+          <a:endParaRPr lang="en-US"/>
+        </a:p>
+      </dgm:t>
     </dgm:pt>
     <dgm:pt modelId="{B2C651BC-D9C5-48A7-B3E6-E4A21F416EDF}" type="pres">
       <dgm:prSet presAssocID="{E30FB7B4-F040-4C5C-8425-FC61D16ADBB4}" presName="connectorText" presStyleLbl="sibTrans2D1" presStyleIdx="1" presStyleCnt="4"/>
       <dgm:spPr/>
+      <dgm:t>
+        <a:bodyPr/>
+        <a:lstStyle/>
+        <a:p>
+          <a:endParaRPr lang="en-US"/>
+        </a:p>
+      </dgm:t>
     </dgm:pt>
     <dgm:pt modelId="{429D9C87-E07D-462D-BFE4-100D443F346E}" type="pres">
       <dgm:prSet presAssocID="{3EBF19CE-D50B-4660-B547-94311C92E5DC}" presName="node" presStyleLbl="node1" presStyleIdx="2" presStyleCnt="5">
@@ -1938,10 +1973,24 @@
     <dgm:pt modelId="{4C8F4061-453C-4E1A-8E10-5F5884D8BA6B}" type="pres">
       <dgm:prSet presAssocID="{3909BCBE-FD30-4D12-BA1D-13F2FD6FD5EA}" presName="sibTrans" presStyleLbl="sibTrans2D1" presStyleIdx="2" presStyleCnt="4"/>
       <dgm:spPr/>
+      <dgm:t>
+        <a:bodyPr/>
+        <a:lstStyle/>
+        <a:p>
+          <a:endParaRPr lang="en-US"/>
+        </a:p>
+      </dgm:t>
     </dgm:pt>
     <dgm:pt modelId="{AFD34ACB-DCF2-4602-8B6A-ABFB02FE142F}" type="pres">
       <dgm:prSet presAssocID="{3909BCBE-FD30-4D12-BA1D-13F2FD6FD5EA}" presName="connectorText" presStyleLbl="sibTrans2D1" presStyleIdx="2" presStyleCnt="4"/>
       <dgm:spPr/>
+      <dgm:t>
+        <a:bodyPr/>
+        <a:lstStyle/>
+        <a:p>
+          <a:endParaRPr lang="en-US"/>
+        </a:p>
+      </dgm:t>
     </dgm:pt>
     <dgm:pt modelId="{C70EF33C-E069-4530-8080-C2321E05A449}" type="pres">
       <dgm:prSet presAssocID="{D1348A1F-BB4F-4E59-8066-B1464318271A}" presName="node" presStyleLbl="node1" presStyleIdx="3" presStyleCnt="5">
@@ -1961,10 +2010,24 @@
     <dgm:pt modelId="{B5EC5973-7E95-417E-BA33-C450CF622691}" type="pres">
       <dgm:prSet presAssocID="{80D00223-CEDC-42CC-95CC-56DD02C20D93}" presName="sibTrans" presStyleLbl="sibTrans2D1" presStyleIdx="3" presStyleCnt="4"/>
       <dgm:spPr/>
+      <dgm:t>
+        <a:bodyPr/>
+        <a:lstStyle/>
+        <a:p>
+          <a:endParaRPr lang="en-US"/>
+        </a:p>
+      </dgm:t>
     </dgm:pt>
     <dgm:pt modelId="{02E750F5-F8B5-45FF-B512-A437B25DF263}" type="pres">
       <dgm:prSet presAssocID="{80D00223-CEDC-42CC-95CC-56DD02C20D93}" presName="connectorText" presStyleLbl="sibTrans2D1" presStyleIdx="3" presStyleCnt="4"/>
       <dgm:spPr/>
+      <dgm:t>
+        <a:bodyPr/>
+        <a:lstStyle/>
+        <a:p>
+          <a:endParaRPr lang="en-US"/>
+        </a:p>
+      </dgm:t>
     </dgm:pt>
     <dgm:pt modelId="{43744F74-5A04-409E-86C9-0A9A2C6EF963}" type="pres">
       <dgm:prSet presAssocID="{C8B20502-CEF7-487D-9B0D-CD2BFBCF6D02}" presName="node" presStyleLbl="node1" presStyleIdx="4" presStyleCnt="5">
@@ -1993,8 +2056,8 @@
     <dgm:cxn modelId="{05942CC8-600B-429A-BD31-6663324DF56F}" type="presOf" srcId="{8E07D336-402E-4A49-8DDA-351AE046336F}" destId="{9708B531-A104-4AE2-84A4-2CC2774DA208}" srcOrd="0" destOrd="0" presId="urn:microsoft.com/office/officeart/2005/8/layout/process5"/>
     <dgm:cxn modelId="{69817DA5-DC53-45EB-AF0A-61FD300CA9D7}" type="presOf" srcId="{F67CCD67-E934-42B1-B08A-D74E16816CA9}" destId="{985CDA60-2680-43A3-A845-91423150B064}" srcOrd="1" destOrd="0" presId="urn:microsoft.com/office/officeart/2005/8/layout/process5"/>
     <dgm:cxn modelId="{D7917AF5-A44E-4B11-B6B3-3A491FB311AD}" srcId="{8E07D336-402E-4A49-8DDA-351AE046336F}" destId="{3EBF19CE-D50B-4660-B547-94311C92E5DC}" srcOrd="2" destOrd="0" parTransId="{B7535C26-CE45-4FD1-9DE4-4CD0893C84D2}" sibTransId="{3909BCBE-FD30-4D12-BA1D-13F2FD6FD5EA}"/>
+    <dgm:cxn modelId="{6823F6DC-0582-43BA-84AB-D8A4B7FF64B0}" type="presOf" srcId="{80D00223-CEDC-42CC-95CC-56DD02C20D93}" destId="{B5EC5973-7E95-417E-BA33-C450CF622691}" srcOrd="0" destOrd="0" presId="urn:microsoft.com/office/officeart/2005/8/layout/process5"/>
     <dgm:cxn modelId="{2C0C63B7-3B4C-470E-AAE4-77CAF3A81095}" type="presOf" srcId="{E30FB7B4-F040-4C5C-8425-FC61D16ADBB4}" destId="{B2C651BC-D9C5-48A7-B3E6-E4A21F416EDF}" srcOrd="1" destOrd="0" presId="urn:microsoft.com/office/officeart/2005/8/layout/process5"/>
-    <dgm:cxn modelId="{6823F6DC-0582-43BA-84AB-D8A4B7FF64B0}" type="presOf" srcId="{80D00223-CEDC-42CC-95CC-56DD02C20D93}" destId="{B5EC5973-7E95-417E-BA33-C450CF622691}" srcOrd="0" destOrd="0" presId="urn:microsoft.com/office/officeart/2005/8/layout/process5"/>
     <dgm:cxn modelId="{2C868DD4-1B78-47F3-BDEE-393FEF500038}" type="presOf" srcId="{3909BCBE-FD30-4D12-BA1D-13F2FD6FD5EA}" destId="{AFD34ACB-DCF2-4602-8B6A-ABFB02FE142F}" srcOrd="1" destOrd="0" presId="urn:microsoft.com/office/officeart/2005/8/layout/process5"/>
     <dgm:cxn modelId="{D1C8F4BE-530A-4EFA-95FD-2B1FBAAE404A}" type="presOf" srcId="{D1348A1F-BB4F-4E59-8066-B1464318271A}" destId="{C70EF33C-E069-4530-8080-C2321E05A449}" srcOrd="0" destOrd="0" presId="urn:microsoft.com/office/officeart/2005/8/layout/process5"/>
     <dgm:cxn modelId="{FEAF88B2-BEB7-4958-AE09-52B3AFB463D5}" type="presOf" srcId="{3909BCBE-FD30-4D12-BA1D-13F2FD6FD5EA}" destId="{4C8F4061-453C-4E1A-8E10-5F5884D8BA6B}" srcOrd="0" destOrd="0" presId="urn:microsoft.com/office/officeart/2005/8/layout/process5"/>
@@ -2159,6 +2222,13 @@
         </dgm:presLayoutVars>
       </dgm:prSet>
       <dgm:spPr/>
+      <dgm:t>
+        <a:bodyPr/>
+        <a:lstStyle/>
+        <a:p>
+          <a:endParaRPr lang="en-US"/>
+        </a:p>
+      </dgm:t>
     </dgm:pt>
     <dgm:pt modelId="{CB39116F-EB91-404F-85AA-B1CB5796507D}" type="pres">
       <dgm:prSet presAssocID="{9EE0AAEE-961F-4B50-A7B2-42EF52E0E470}" presName="node" presStyleLbl="node1" presStyleIdx="0" presStyleCnt="3">
@@ -2178,10 +2248,24 @@
     <dgm:pt modelId="{AF1C5D5E-39F3-4096-8D54-97716BD884B5}" type="pres">
       <dgm:prSet presAssocID="{5D0F2067-FFC5-4DE3-8C59-925F93FC22FA}" presName="sibTrans" presStyleLbl="sibTrans2D1" presStyleIdx="0" presStyleCnt="2"/>
       <dgm:spPr/>
+      <dgm:t>
+        <a:bodyPr/>
+        <a:lstStyle/>
+        <a:p>
+          <a:endParaRPr lang="en-US"/>
+        </a:p>
+      </dgm:t>
     </dgm:pt>
     <dgm:pt modelId="{F12F5093-66BF-4D28-8FA3-EEC8992F8C5E}" type="pres">
       <dgm:prSet presAssocID="{5D0F2067-FFC5-4DE3-8C59-925F93FC22FA}" presName="connectorText" presStyleLbl="sibTrans2D1" presStyleIdx="0" presStyleCnt="2"/>
       <dgm:spPr/>
+      <dgm:t>
+        <a:bodyPr/>
+        <a:lstStyle/>
+        <a:p>
+          <a:endParaRPr lang="en-US"/>
+        </a:p>
+      </dgm:t>
     </dgm:pt>
     <dgm:pt modelId="{6FC43BBB-5A7D-4190-A831-ECD39838A64D}" type="pres">
       <dgm:prSet presAssocID="{4573322D-347E-43A5-B007-CD16404DB0CD}" presName="node" presStyleLbl="node1" presStyleIdx="1" presStyleCnt="3">
@@ -2201,10 +2285,24 @@
     <dgm:pt modelId="{18D28992-97C3-49BA-B5CB-BA5D346E6A6E}" type="pres">
       <dgm:prSet presAssocID="{6FF34F54-AF01-4EA8-BF1F-0E0E5FAFDD32}" presName="sibTrans" presStyleLbl="sibTrans2D1" presStyleIdx="1" presStyleCnt="2"/>
       <dgm:spPr/>
+      <dgm:t>
+        <a:bodyPr/>
+        <a:lstStyle/>
+        <a:p>
+          <a:endParaRPr lang="en-US"/>
+        </a:p>
+      </dgm:t>
     </dgm:pt>
     <dgm:pt modelId="{E56FEECC-B9B1-4A83-8D4F-FCF8F61DD66A}" type="pres">
       <dgm:prSet presAssocID="{6FF34F54-AF01-4EA8-BF1F-0E0E5FAFDD32}" presName="connectorText" presStyleLbl="sibTrans2D1" presStyleIdx="1" presStyleCnt="2"/>
       <dgm:spPr/>
+      <dgm:t>
+        <a:bodyPr/>
+        <a:lstStyle/>
+        <a:p>
+          <a:endParaRPr lang="en-US"/>
+        </a:p>
+      </dgm:t>
     </dgm:pt>
     <dgm:pt modelId="{CDC2BA57-16AE-4341-9248-3145FA7CD566}" type="pres">
       <dgm:prSet presAssocID="{EF683249-1610-4031-B1E7-0D653A4CFAAD}" presName="node" presStyleLbl="node1" presStyleIdx="2" presStyleCnt="3">
@@ -2223,17 +2321,17 @@
     </dgm:pt>
   </dgm:ptLst>
   <dgm:cxnLst>
+    <dgm:cxn modelId="{5BAD1B05-2BFA-41A1-A5B1-DF092E6C1177}" type="presOf" srcId="{6FF34F54-AF01-4EA8-BF1F-0E0E5FAFDD32}" destId="{E56FEECC-B9B1-4A83-8D4F-FCF8F61DD66A}" srcOrd="1" destOrd="0" presId="urn:microsoft.com/office/officeart/2005/8/layout/process5"/>
+    <dgm:cxn modelId="{99D011D7-2C6A-4315-AD2F-B0CEA8EF7D29}" type="presOf" srcId="{5D0F2067-FFC5-4DE3-8C59-925F93FC22FA}" destId="{AF1C5D5E-39F3-4096-8D54-97716BD884B5}" srcOrd="0" destOrd="0" presId="urn:microsoft.com/office/officeart/2005/8/layout/process5"/>
+    <dgm:cxn modelId="{A9A722F5-5C74-4610-98A7-496EF2147B7F}" type="presOf" srcId="{5D0F2067-FFC5-4DE3-8C59-925F93FC22FA}" destId="{F12F5093-66BF-4D28-8FA3-EEC8992F8C5E}" srcOrd="1" destOrd="0" presId="urn:microsoft.com/office/officeart/2005/8/layout/process5"/>
+    <dgm:cxn modelId="{58FD188C-42F7-4F7F-9A26-AE1ECFD996BC}" type="presOf" srcId="{9EE0AAEE-961F-4B50-A7B2-42EF52E0E470}" destId="{CB39116F-EB91-404F-85AA-B1CB5796507D}" srcOrd="0" destOrd="0" presId="urn:microsoft.com/office/officeart/2005/8/layout/process5"/>
     <dgm:cxn modelId="{CE62F992-0C33-4AE0-BD1D-89BB2F31E4BB}" srcId="{C2B57C17-F959-4652-B128-14DD613C9DDD}" destId="{EF683249-1610-4031-B1E7-0D653A4CFAAD}" srcOrd="2" destOrd="0" parTransId="{41F958F5-B9DB-4C38-8674-AAE5C57E9DD6}" sibTransId="{1BAB6B11-4974-4204-AEAE-7195F5A5E46D}"/>
-    <dgm:cxn modelId="{5BAD1B05-2BFA-41A1-A5B1-DF092E6C1177}" type="presOf" srcId="{6FF34F54-AF01-4EA8-BF1F-0E0E5FAFDD32}" destId="{E56FEECC-B9B1-4A83-8D4F-FCF8F61DD66A}" srcOrd="1" destOrd="0" presId="urn:microsoft.com/office/officeart/2005/8/layout/process5"/>
     <dgm:cxn modelId="{6D4F640B-C1FD-4E8D-A561-3CB92036D5AD}" type="presOf" srcId="{C2B57C17-F959-4652-B128-14DD613C9DDD}" destId="{F0E3462D-C0E4-417D-8A98-72530B42FC21}" srcOrd="0" destOrd="0" presId="urn:microsoft.com/office/officeart/2005/8/layout/process5"/>
+    <dgm:cxn modelId="{BE1AF255-B5DE-4655-936D-EB4946A093F3}" srcId="{C2B57C17-F959-4652-B128-14DD613C9DDD}" destId="{4573322D-347E-43A5-B007-CD16404DB0CD}" srcOrd="1" destOrd="0" parTransId="{70886BAC-A319-4407-97F2-CB8F2F510055}" sibTransId="{6FF34F54-AF01-4EA8-BF1F-0E0E5FAFDD32}"/>
+    <dgm:cxn modelId="{FDC21ADA-B533-437C-B82A-F18F1BA15DFA}" type="presOf" srcId="{4573322D-347E-43A5-B007-CD16404DB0CD}" destId="{6FC43BBB-5A7D-4190-A831-ECD39838A64D}" srcOrd="0" destOrd="0" presId="urn:microsoft.com/office/officeart/2005/8/layout/process5"/>
+    <dgm:cxn modelId="{55F36D86-81B0-4631-9FB0-2E624C5DCCDF}" type="presOf" srcId="{EF683249-1610-4031-B1E7-0D653A4CFAAD}" destId="{CDC2BA57-16AE-4341-9248-3145FA7CD566}" srcOrd="0" destOrd="0" presId="urn:microsoft.com/office/officeart/2005/8/layout/process5"/>
     <dgm:cxn modelId="{9D77F007-43EF-4F2B-91BC-1FBAD9801FAC}" type="presOf" srcId="{6FF34F54-AF01-4EA8-BF1F-0E0E5FAFDD32}" destId="{18D28992-97C3-49BA-B5CB-BA5D346E6A6E}" srcOrd="0" destOrd="0" presId="urn:microsoft.com/office/officeart/2005/8/layout/process5"/>
-    <dgm:cxn modelId="{BE1AF255-B5DE-4655-936D-EB4946A093F3}" srcId="{C2B57C17-F959-4652-B128-14DD613C9DDD}" destId="{4573322D-347E-43A5-B007-CD16404DB0CD}" srcOrd="1" destOrd="0" parTransId="{70886BAC-A319-4407-97F2-CB8F2F510055}" sibTransId="{6FF34F54-AF01-4EA8-BF1F-0E0E5FAFDD32}"/>
-    <dgm:cxn modelId="{58FD188C-42F7-4F7F-9A26-AE1ECFD996BC}" type="presOf" srcId="{9EE0AAEE-961F-4B50-A7B2-42EF52E0E470}" destId="{CB39116F-EB91-404F-85AA-B1CB5796507D}" srcOrd="0" destOrd="0" presId="urn:microsoft.com/office/officeart/2005/8/layout/process5"/>
-    <dgm:cxn modelId="{99D011D7-2C6A-4315-AD2F-B0CEA8EF7D29}" type="presOf" srcId="{5D0F2067-FFC5-4DE3-8C59-925F93FC22FA}" destId="{AF1C5D5E-39F3-4096-8D54-97716BD884B5}" srcOrd="0" destOrd="0" presId="urn:microsoft.com/office/officeart/2005/8/layout/process5"/>
     <dgm:cxn modelId="{221D08AB-3C41-497F-964E-A18AAF95903E}" srcId="{C2B57C17-F959-4652-B128-14DD613C9DDD}" destId="{9EE0AAEE-961F-4B50-A7B2-42EF52E0E470}" srcOrd="0" destOrd="0" parTransId="{F36E3AA1-DE99-452A-A482-6F3FDFDA1F13}" sibTransId="{5D0F2067-FFC5-4DE3-8C59-925F93FC22FA}"/>
-    <dgm:cxn modelId="{FDC21ADA-B533-437C-B82A-F18F1BA15DFA}" type="presOf" srcId="{4573322D-347E-43A5-B007-CD16404DB0CD}" destId="{6FC43BBB-5A7D-4190-A831-ECD39838A64D}" srcOrd="0" destOrd="0" presId="urn:microsoft.com/office/officeart/2005/8/layout/process5"/>
-    <dgm:cxn modelId="{A9A722F5-5C74-4610-98A7-496EF2147B7F}" type="presOf" srcId="{5D0F2067-FFC5-4DE3-8C59-925F93FC22FA}" destId="{F12F5093-66BF-4D28-8FA3-EEC8992F8C5E}" srcOrd="1" destOrd="0" presId="urn:microsoft.com/office/officeart/2005/8/layout/process5"/>
-    <dgm:cxn modelId="{55F36D86-81B0-4631-9FB0-2E624C5DCCDF}" type="presOf" srcId="{EF683249-1610-4031-B1E7-0D653A4CFAAD}" destId="{CDC2BA57-16AE-4341-9248-3145FA7CD566}" srcOrd="0" destOrd="0" presId="urn:microsoft.com/office/officeart/2005/8/layout/process5"/>
     <dgm:cxn modelId="{CE911BDB-8BD4-4481-967A-1E42223A82A1}" type="presParOf" srcId="{F0E3462D-C0E4-417D-8A98-72530B42FC21}" destId="{CB39116F-EB91-404F-85AA-B1CB5796507D}" srcOrd="0" destOrd="0" presId="urn:microsoft.com/office/officeart/2005/8/layout/process5"/>
     <dgm:cxn modelId="{020624DA-A9BE-41DC-A324-29FCA709D42C}" type="presParOf" srcId="{F0E3462D-C0E4-417D-8A98-72530B42FC21}" destId="{AF1C5D5E-39F3-4096-8D54-97716BD884B5}" srcOrd="1" destOrd="0" presId="urn:microsoft.com/office/officeart/2005/8/layout/process5"/>
     <dgm:cxn modelId="{98B07C55-73ED-4761-A044-D7A6EDF9858D}" type="presParOf" srcId="{AF1C5D5E-39F3-4096-8D54-97716BD884B5}" destId="{F12F5093-66BF-4D28-8FA3-EEC8992F8C5E}" srcOrd="0" destOrd="0" presId="urn:microsoft.com/office/officeart/2005/8/layout/process5"/>
@@ -2260,686 +2358,6 @@
       <dsp:cNvGrpSpPr/>
     </dsp:nvGrpSpPr>
     <dsp:grpSpPr/>
-    <dsp:sp modelId="{40AD3799-C167-4D3B-BD05-3BAEC85C844F}">
-      <dsp:nvSpPr>
-        <dsp:cNvPr id="0" name=""/>
-        <dsp:cNvSpPr/>
-      </dsp:nvSpPr>
-      <dsp:spPr>
-        <a:xfrm>
-          <a:off x="7143" y="1001183"/>
-          <a:ext cx="2135187" cy="1281112"/>
-        </a:xfrm>
-        <a:prstGeom prst="roundRect">
-          <a:avLst>
-            <a:gd name="adj" fmla="val 10000"/>
-          </a:avLst>
-        </a:prstGeom>
-        <a:solidFill>
-          <a:schemeClr val="accent1">
-            <a:hueOff val="0"/>
-            <a:satOff val="0"/>
-            <a:lumOff val="0"/>
-            <a:alphaOff val="0"/>
-          </a:schemeClr>
-        </a:solidFill>
-        <a:ln w="12700" cap="flat" cmpd="sng" algn="ctr">
-          <a:solidFill>
-            <a:schemeClr val="lt1">
-              <a:hueOff val="0"/>
-              <a:satOff val="0"/>
-              <a:lumOff val="0"/>
-              <a:alphaOff val="0"/>
-            </a:schemeClr>
-          </a:solidFill>
-          <a:prstDash val="solid"/>
-          <a:miter lim="800000"/>
-        </a:ln>
-        <a:effectLst/>
-      </dsp:spPr>
-      <dsp:style>
-        <a:lnRef idx="2">
-          <a:scrgbClr r="0" g="0" b="0"/>
-        </a:lnRef>
-        <a:fillRef idx="1">
-          <a:scrgbClr r="0" g="0" b="0"/>
-        </a:fillRef>
-        <a:effectRef idx="0">
-          <a:scrgbClr r="0" g="0" b="0"/>
-        </a:effectRef>
-        <a:fontRef idx="minor">
-          <a:schemeClr val="lt1"/>
-        </a:fontRef>
-      </dsp:style>
-      <dsp:txBody>
-        <a:bodyPr spcFirstLastPara="0" vert="horz" wrap="square" lIns="68580" tIns="68580" rIns="68580" bIns="68580" numCol="1" spcCol="1270" anchor="ctr" anchorCtr="0">
-          <a:noAutofit/>
-        </a:bodyPr>
-        <a:lstStyle/>
-        <a:p>
-          <a:pPr lvl="0" algn="ctr" defTabSz="800100">
-            <a:lnSpc>
-              <a:spcPct val="90000"/>
-            </a:lnSpc>
-            <a:spcBef>
-              <a:spcPct val="0"/>
-            </a:spcBef>
-            <a:spcAft>
-              <a:spcPct val="35000"/>
-            </a:spcAft>
-          </a:pPr>
-          <a:r>
-            <a:rPr lang="en-US" sz="1800" kern="1200" smtClean="0"/>
-            <a:t>Unduh file RDF tokoh DBpedia</a:t>
-          </a:r>
-          <a:endParaRPr lang="en-US" sz="1800" kern="1200"/>
-        </a:p>
-      </dsp:txBody>
-      <dsp:txXfrm>
-        <a:off x="44665" y="1038705"/>
-        <a:ext cx="2060143" cy="1206068"/>
-      </dsp:txXfrm>
-    </dsp:sp>
-    <dsp:sp modelId="{AC0006F9-2FA8-434E-9C3E-8AAE8FBF33DC}">
-      <dsp:nvSpPr>
-        <dsp:cNvPr id="0" name=""/>
-        <dsp:cNvSpPr/>
-      </dsp:nvSpPr>
-      <dsp:spPr>
-        <a:xfrm>
-          <a:off x="2330227" y="1376976"/>
-          <a:ext cx="452659" cy="529526"/>
-        </a:xfrm>
-        <a:prstGeom prst="rightArrow">
-          <a:avLst>
-            <a:gd name="adj1" fmla="val 60000"/>
-            <a:gd name="adj2" fmla="val 50000"/>
-          </a:avLst>
-        </a:prstGeom>
-        <a:solidFill>
-          <a:schemeClr val="accent1">
-            <a:tint val="60000"/>
-            <a:hueOff val="0"/>
-            <a:satOff val="0"/>
-            <a:lumOff val="0"/>
-            <a:alphaOff val="0"/>
-          </a:schemeClr>
-        </a:solidFill>
-        <a:ln>
-          <a:noFill/>
-        </a:ln>
-        <a:effectLst/>
-      </dsp:spPr>
-      <dsp:style>
-        <a:lnRef idx="0">
-          <a:scrgbClr r="0" g="0" b="0"/>
-        </a:lnRef>
-        <a:fillRef idx="1">
-          <a:scrgbClr r="0" g="0" b="0"/>
-        </a:fillRef>
-        <a:effectRef idx="0">
-          <a:scrgbClr r="0" g="0" b="0"/>
-        </a:effectRef>
-        <a:fontRef idx="minor">
-          <a:schemeClr val="lt1"/>
-        </a:fontRef>
-      </dsp:style>
-      <dsp:txBody>
-        <a:bodyPr spcFirstLastPara="0" vert="horz" wrap="square" lIns="0" tIns="0" rIns="0" bIns="0" numCol="1" spcCol="1270" anchor="ctr" anchorCtr="0">
-          <a:noAutofit/>
-        </a:bodyPr>
-        <a:lstStyle/>
-        <a:p>
-          <a:pPr lvl="0" algn="ctr" defTabSz="666750">
-            <a:lnSpc>
-              <a:spcPct val="90000"/>
-            </a:lnSpc>
-            <a:spcBef>
-              <a:spcPct val="0"/>
-            </a:spcBef>
-            <a:spcAft>
-              <a:spcPct val="35000"/>
-            </a:spcAft>
-          </a:pPr>
-          <a:endParaRPr lang="en-US" sz="1500" kern="1200"/>
-        </a:p>
-      </dsp:txBody>
-      <dsp:txXfrm>
-        <a:off x="2330227" y="1482881"/>
-        <a:ext cx="316861" cy="317716"/>
-      </dsp:txXfrm>
-    </dsp:sp>
-    <dsp:sp modelId="{E73E5B6E-70C9-4D6A-9A48-04BCF1BB6746}">
-      <dsp:nvSpPr>
-        <dsp:cNvPr id="0" name=""/>
-        <dsp:cNvSpPr/>
-      </dsp:nvSpPr>
-      <dsp:spPr>
-        <a:xfrm>
-          <a:off x="2996406" y="1001183"/>
-          <a:ext cx="2135187" cy="1281112"/>
-        </a:xfrm>
-        <a:prstGeom prst="roundRect">
-          <a:avLst>
-            <a:gd name="adj" fmla="val 10000"/>
-          </a:avLst>
-        </a:prstGeom>
-        <a:solidFill>
-          <a:schemeClr val="accent1">
-            <a:hueOff val="0"/>
-            <a:satOff val="0"/>
-            <a:lumOff val="0"/>
-            <a:alphaOff val="0"/>
-          </a:schemeClr>
-        </a:solidFill>
-        <a:ln w="12700" cap="flat" cmpd="sng" algn="ctr">
-          <a:solidFill>
-            <a:schemeClr val="lt1">
-              <a:hueOff val="0"/>
-              <a:satOff val="0"/>
-              <a:lumOff val="0"/>
-              <a:alphaOff val="0"/>
-            </a:schemeClr>
-          </a:solidFill>
-          <a:prstDash val="solid"/>
-          <a:miter lim="800000"/>
-        </a:ln>
-        <a:effectLst/>
-      </dsp:spPr>
-      <dsp:style>
-        <a:lnRef idx="2">
-          <a:scrgbClr r="0" g="0" b="0"/>
-        </a:lnRef>
-        <a:fillRef idx="1">
-          <a:scrgbClr r="0" g="0" b="0"/>
-        </a:fillRef>
-        <a:effectRef idx="0">
-          <a:scrgbClr r="0" g="0" b="0"/>
-        </a:effectRef>
-        <a:fontRef idx="minor">
-          <a:schemeClr val="lt1"/>
-        </a:fontRef>
-      </dsp:style>
-      <dsp:txBody>
-        <a:bodyPr spcFirstLastPara="0" vert="horz" wrap="square" lIns="68580" tIns="68580" rIns="68580" bIns="68580" numCol="1" spcCol="1270" anchor="ctr" anchorCtr="0">
-          <a:noAutofit/>
-        </a:bodyPr>
-        <a:lstStyle/>
-        <a:p>
-          <a:pPr lvl="0" algn="ctr" defTabSz="800100">
-            <a:lnSpc>
-              <a:spcPct val="90000"/>
-            </a:lnSpc>
-            <a:spcBef>
-              <a:spcPct val="0"/>
-            </a:spcBef>
-            <a:spcAft>
-              <a:spcPct val="35000"/>
-            </a:spcAft>
-          </a:pPr>
-          <a:r>
-            <a:rPr lang="en-US" sz="1800" kern="1200" smtClean="0"/>
-            <a:t>Pemodelan file RDF tokoh</a:t>
-          </a:r>
-          <a:endParaRPr lang="en-US" sz="1800" kern="1200"/>
-        </a:p>
-      </dsp:txBody>
-      <dsp:txXfrm>
-        <a:off x="3033928" y="1038705"/>
-        <a:ext cx="2060143" cy="1206068"/>
-      </dsp:txXfrm>
-    </dsp:sp>
-    <dsp:sp modelId="{8A1C7D42-2690-49D3-8662-9F1F6D78CD12}">
-      <dsp:nvSpPr>
-        <dsp:cNvPr id="0" name=""/>
-        <dsp:cNvSpPr/>
-      </dsp:nvSpPr>
-      <dsp:spPr>
-        <a:xfrm>
-          <a:off x="5319490" y="1376976"/>
-          <a:ext cx="452659" cy="529526"/>
-        </a:xfrm>
-        <a:prstGeom prst="rightArrow">
-          <a:avLst>
-            <a:gd name="adj1" fmla="val 60000"/>
-            <a:gd name="adj2" fmla="val 50000"/>
-          </a:avLst>
-        </a:prstGeom>
-        <a:solidFill>
-          <a:schemeClr val="accent1">
-            <a:tint val="60000"/>
-            <a:hueOff val="0"/>
-            <a:satOff val="0"/>
-            <a:lumOff val="0"/>
-            <a:alphaOff val="0"/>
-          </a:schemeClr>
-        </a:solidFill>
-        <a:ln>
-          <a:noFill/>
-        </a:ln>
-        <a:effectLst/>
-      </dsp:spPr>
-      <dsp:style>
-        <a:lnRef idx="0">
-          <a:scrgbClr r="0" g="0" b="0"/>
-        </a:lnRef>
-        <a:fillRef idx="1">
-          <a:scrgbClr r="0" g="0" b="0"/>
-        </a:fillRef>
-        <a:effectRef idx="0">
-          <a:scrgbClr r="0" g="0" b="0"/>
-        </a:effectRef>
-        <a:fontRef idx="minor">
-          <a:schemeClr val="lt1"/>
-        </a:fontRef>
-      </dsp:style>
-      <dsp:txBody>
-        <a:bodyPr spcFirstLastPara="0" vert="horz" wrap="square" lIns="0" tIns="0" rIns="0" bIns="0" numCol="1" spcCol="1270" anchor="ctr" anchorCtr="0">
-          <a:noAutofit/>
-        </a:bodyPr>
-        <a:lstStyle/>
-        <a:p>
-          <a:pPr lvl="0" algn="ctr" defTabSz="666750">
-            <a:lnSpc>
-              <a:spcPct val="90000"/>
-            </a:lnSpc>
-            <a:spcBef>
-              <a:spcPct val="0"/>
-            </a:spcBef>
-            <a:spcAft>
-              <a:spcPct val="35000"/>
-            </a:spcAft>
-          </a:pPr>
-          <a:endParaRPr lang="en-US" sz="1500" kern="1200"/>
-        </a:p>
-      </dsp:txBody>
-      <dsp:txXfrm>
-        <a:off x="5319490" y="1482881"/>
-        <a:ext cx="316861" cy="317716"/>
-      </dsp:txXfrm>
-    </dsp:sp>
-    <dsp:sp modelId="{429D9C87-E07D-462D-BFE4-100D443F346E}">
-      <dsp:nvSpPr>
-        <dsp:cNvPr id="0" name=""/>
-        <dsp:cNvSpPr/>
-      </dsp:nvSpPr>
-      <dsp:spPr>
-        <a:xfrm>
-          <a:off x="5985668" y="1001183"/>
-          <a:ext cx="2135187" cy="1281112"/>
-        </a:xfrm>
-        <a:prstGeom prst="roundRect">
-          <a:avLst>
-            <a:gd name="adj" fmla="val 10000"/>
-          </a:avLst>
-        </a:prstGeom>
-        <a:solidFill>
-          <a:schemeClr val="accent1">
-            <a:hueOff val="0"/>
-            <a:satOff val="0"/>
-            <a:lumOff val="0"/>
-            <a:alphaOff val="0"/>
-          </a:schemeClr>
-        </a:solidFill>
-        <a:ln w="12700" cap="flat" cmpd="sng" algn="ctr">
-          <a:solidFill>
-            <a:schemeClr val="lt1">
-              <a:hueOff val="0"/>
-              <a:satOff val="0"/>
-              <a:lumOff val="0"/>
-              <a:alphaOff val="0"/>
-            </a:schemeClr>
-          </a:solidFill>
-          <a:prstDash val="solid"/>
-          <a:miter lim="800000"/>
-        </a:ln>
-        <a:effectLst/>
-      </dsp:spPr>
-      <dsp:style>
-        <a:lnRef idx="2">
-          <a:scrgbClr r="0" g="0" b="0"/>
-        </a:lnRef>
-        <a:fillRef idx="1">
-          <a:scrgbClr r="0" g="0" b="0"/>
-        </a:fillRef>
-        <a:effectRef idx="0">
-          <a:scrgbClr r="0" g="0" b="0"/>
-        </a:effectRef>
-        <a:fontRef idx="minor">
-          <a:schemeClr val="lt1"/>
-        </a:fontRef>
-      </dsp:style>
-      <dsp:txBody>
-        <a:bodyPr spcFirstLastPara="0" vert="horz" wrap="square" lIns="68580" tIns="68580" rIns="68580" bIns="68580" numCol="1" spcCol="1270" anchor="ctr" anchorCtr="0">
-          <a:noAutofit/>
-        </a:bodyPr>
-        <a:lstStyle/>
-        <a:p>
-          <a:pPr lvl="0" algn="ctr" defTabSz="800100">
-            <a:lnSpc>
-              <a:spcPct val="90000"/>
-            </a:lnSpc>
-            <a:spcBef>
-              <a:spcPct val="0"/>
-            </a:spcBef>
-            <a:spcAft>
-              <a:spcPct val="35000"/>
-            </a:spcAft>
-          </a:pPr>
-          <a:r>
-            <a:rPr lang="en-US" sz="1800" kern="1200" smtClean="0"/>
-            <a:t>Penggabungan model tokoh dengan </a:t>
-          </a:r>
-          <a:r>
-            <a:rPr lang="en-US" sz="1800" i="1" kern="1200" smtClean="0"/>
-            <a:t>Family Relationship Ontology</a:t>
-          </a:r>
-          <a:endParaRPr lang="en-US" sz="1800" kern="1200"/>
-        </a:p>
-      </dsp:txBody>
-      <dsp:txXfrm>
-        <a:off x="6023190" y="1038705"/>
-        <a:ext cx="2060143" cy="1206068"/>
-      </dsp:txXfrm>
-    </dsp:sp>
-    <dsp:sp modelId="{4C8F4061-453C-4E1A-8E10-5F5884D8BA6B}">
-      <dsp:nvSpPr>
-        <dsp:cNvPr id="0" name=""/>
-        <dsp:cNvSpPr/>
-      </dsp:nvSpPr>
-      <dsp:spPr>
-        <a:xfrm rot="5400000">
-          <a:off x="6826932" y="2431759"/>
-          <a:ext cx="452659" cy="529526"/>
-        </a:xfrm>
-        <a:prstGeom prst="rightArrow">
-          <a:avLst>
-            <a:gd name="adj1" fmla="val 60000"/>
-            <a:gd name="adj2" fmla="val 50000"/>
-          </a:avLst>
-        </a:prstGeom>
-        <a:solidFill>
-          <a:schemeClr val="accent1">
-            <a:tint val="60000"/>
-            <a:hueOff val="0"/>
-            <a:satOff val="0"/>
-            <a:lumOff val="0"/>
-            <a:alphaOff val="0"/>
-          </a:schemeClr>
-        </a:solidFill>
-        <a:ln>
-          <a:noFill/>
-        </a:ln>
-        <a:effectLst/>
-      </dsp:spPr>
-      <dsp:style>
-        <a:lnRef idx="0">
-          <a:scrgbClr r="0" g="0" b="0"/>
-        </a:lnRef>
-        <a:fillRef idx="1">
-          <a:scrgbClr r="0" g="0" b="0"/>
-        </a:fillRef>
-        <a:effectRef idx="0">
-          <a:scrgbClr r="0" g="0" b="0"/>
-        </a:effectRef>
-        <a:fontRef idx="minor">
-          <a:schemeClr val="lt1"/>
-        </a:fontRef>
-      </dsp:style>
-      <dsp:txBody>
-        <a:bodyPr spcFirstLastPara="0" vert="horz" wrap="square" lIns="0" tIns="0" rIns="0" bIns="0" numCol="1" spcCol="1270" anchor="ctr" anchorCtr="0">
-          <a:noAutofit/>
-        </a:bodyPr>
-        <a:lstStyle/>
-        <a:p>
-          <a:pPr lvl="0" algn="ctr" defTabSz="666750">
-            <a:lnSpc>
-              <a:spcPct val="90000"/>
-            </a:lnSpc>
-            <a:spcBef>
-              <a:spcPct val="0"/>
-            </a:spcBef>
-            <a:spcAft>
-              <a:spcPct val="35000"/>
-            </a:spcAft>
-          </a:pPr>
-          <a:endParaRPr lang="en-US" sz="1500" kern="1200"/>
-        </a:p>
-      </dsp:txBody>
-      <dsp:txXfrm rot="-5400000">
-        <a:off x="6894404" y="2470192"/>
-        <a:ext cx="317716" cy="316861"/>
-      </dsp:txXfrm>
-    </dsp:sp>
-    <dsp:sp modelId="{C70EF33C-E069-4530-8080-C2321E05A449}">
-      <dsp:nvSpPr>
-        <dsp:cNvPr id="0" name=""/>
-        <dsp:cNvSpPr/>
-      </dsp:nvSpPr>
-      <dsp:spPr>
-        <a:xfrm>
-          <a:off x="5985668" y="3136371"/>
-          <a:ext cx="2135187" cy="1281112"/>
-        </a:xfrm>
-        <a:prstGeom prst="roundRect">
-          <a:avLst>
-            <a:gd name="adj" fmla="val 10000"/>
-          </a:avLst>
-        </a:prstGeom>
-        <a:solidFill>
-          <a:schemeClr val="accent1">
-            <a:hueOff val="0"/>
-            <a:satOff val="0"/>
-            <a:lumOff val="0"/>
-            <a:alphaOff val="0"/>
-          </a:schemeClr>
-        </a:solidFill>
-        <a:ln w="12700" cap="flat" cmpd="sng" algn="ctr">
-          <a:solidFill>
-            <a:schemeClr val="lt1">
-              <a:hueOff val="0"/>
-              <a:satOff val="0"/>
-              <a:lumOff val="0"/>
-              <a:alphaOff val="0"/>
-            </a:schemeClr>
-          </a:solidFill>
-          <a:prstDash val="solid"/>
-          <a:miter lim="800000"/>
-        </a:ln>
-        <a:effectLst/>
-      </dsp:spPr>
-      <dsp:style>
-        <a:lnRef idx="2">
-          <a:scrgbClr r="0" g="0" b="0"/>
-        </a:lnRef>
-        <a:fillRef idx="1">
-          <a:scrgbClr r="0" g="0" b="0"/>
-        </a:fillRef>
-        <a:effectRef idx="0">
-          <a:scrgbClr r="0" g="0" b="0"/>
-        </a:effectRef>
-        <a:fontRef idx="minor">
-          <a:schemeClr val="lt1"/>
-        </a:fontRef>
-      </dsp:style>
-      <dsp:txBody>
-        <a:bodyPr spcFirstLastPara="0" vert="horz" wrap="square" lIns="68580" tIns="68580" rIns="68580" bIns="68580" numCol="1" spcCol="1270" anchor="ctr" anchorCtr="0">
-          <a:noAutofit/>
-        </a:bodyPr>
-        <a:lstStyle/>
-        <a:p>
-          <a:pPr lvl="0" algn="ctr" defTabSz="800100">
-            <a:lnSpc>
-              <a:spcPct val="90000"/>
-            </a:lnSpc>
-            <a:spcBef>
-              <a:spcPct val="0"/>
-            </a:spcBef>
-            <a:spcAft>
-              <a:spcPct val="35000"/>
-            </a:spcAft>
-          </a:pPr>
-          <a:r>
-            <a:rPr lang="en-US" sz="1800" kern="1200" smtClean="0"/>
-            <a:t>Reasoning</a:t>
-          </a:r>
-          <a:endParaRPr lang="en-US" sz="1800" kern="1200"/>
-        </a:p>
-      </dsp:txBody>
-      <dsp:txXfrm>
-        <a:off x="6023190" y="3173893"/>
-        <a:ext cx="2060143" cy="1206068"/>
-      </dsp:txXfrm>
-    </dsp:sp>
-    <dsp:sp modelId="{B5EC5973-7E95-417E-BA33-C450CF622691}">
-      <dsp:nvSpPr>
-        <dsp:cNvPr id="0" name=""/>
-        <dsp:cNvSpPr/>
-      </dsp:nvSpPr>
-      <dsp:spPr>
-        <a:xfrm rot="10800000">
-          <a:off x="5345112" y="3512163"/>
-          <a:ext cx="452659" cy="529526"/>
-        </a:xfrm>
-        <a:prstGeom prst="rightArrow">
-          <a:avLst>
-            <a:gd name="adj1" fmla="val 60000"/>
-            <a:gd name="adj2" fmla="val 50000"/>
-          </a:avLst>
-        </a:prstGeom>
-        <a:solidFill>
-          <a:schemeClr val="accent1">
-            <a:tint val="60000"/>
-            <a:hueOff val="0"/>
-            <a:satOff val="0"/>
-            <a:lumOff val="0"/>
-            <a:alphaOff val="0"/>
-          </a:schemeClr>
-        </a:solidFill>
-        <a:ln>
-          <a:noFill/>
-        </a:ln>
-        <a:effectLst/>
-      </dsp:spPr>
-      <dsp:style>
-        <a:lnRef idx="0">
-          <a:scrgbClr r="0" g="0" b="0"/>
-        </a:lnRef>
-        <a:fillRef idx="1">
-          <a:scrgbClr r="0" g="0" b="0"/>
-        </a:fillRef>
-        <a:effectRef idx="0">
-          <a:scrgbClr r="0" g="0" b="0"/>
-        </a:effectRef>
-        <a:fontRef idx="minor">
-          <a:schemeClr val="lt1"/>
-        </a:fontRef>
-      </dsp:style>
-      <dsp:txBody>
-        <a:bodyPr spcFirstLastPara="0" vert="horz" wrap="square" lIns="0" tIns="0" rIns="0" bIns="0" numCol="1" spcCol="1270" anchor="ctr" anchorCtr="0">
-          <a:noAutofit/>
-        </a:bodyPr>
-        <a:lstStyle/>
-        <a:p>
-          <a:pPr lvl="0" algn="ctr" defTabSz="666750">
-            <a:lnSpc>
-              <a:spcPct val="90000"/>
-            </a:lnSpc>
-            <a:spcBef>
-              <a:spcPct val="0"/>
-            </a:spcBef>
-            <a:spcAft>
-              <a:spcPct val="35000"/>
-            </a:spcAft>
-          </a:pPr>
-          <a:endParaRPr lang="en-US" sz="1500" kern="1200"/>
-        </a:p>
-      </dsp:txBody>
-      <dsp:txXfrm rot="10800000">
-        <a:off x="5480910" y="3618068"/>
-        <a:ext cx="316861" cy="317716"/>
-      </dsp:txXfrm>
-    </dsp:sp>
-    <dsp:sp modelId="{43744F74-5A04-409E-86C9-0A9A2C6EF963}">
-      <dsp:nvSpPr>
-        <dsp:cNvPr id="0" name=""/>
-        <dsp:cNvSpPr/>
-      </dsp:nvSpPr>
-      <dsp:spPr>
-        <a:xfrm>
-          <a:off x="2996406" y="3136370"/>
-          <a:ext cx="2135187" cy="1281112"/>
-        </a:xfrm>
-        <a:prstGeom prst="roundRect">
-          <a:avLst>
-            <a:gd name="adj" fmla="val 10000"/>
-          </a:avLst>
-        </a:prstGeom>
-        <a:solidFill>
-          <a:schemeClr val="accent1">
-            <a:hueOff val="0"/>
-            <a:satOff val="0"/>
-            <a:lumOff val="0"/>
-            <a:alphaOff val="0"/>
-          </a:schemeClr>
-        </a:solidFill>
-        <a:ln w="12700" cap="flat" cmpd="sng" algn="ctr">
-          <a:solidFill>
-            <a:schemeClr val="lt1">
-              <a:hueOff val="0"/>
-              <a:satOff val="0"/>
-              <a:lumOff val="0"/>
-              <a:alphaOff val="0"/>
-            </a:schemeClr>
-          </a:solidFill>
-          <a:prstDash val="solid"/>
-          <a:miter lim="800000"/>
-        </a:ln>
-        <a:effectLst/>
-      </dsp:spPr>
-      <dsp:style>
-        <a:lnRef idx="2">
-          <a:scrgbClr r="0" g="0" b="0"/>
-        </a:lnRef>
-        <a:fillRef idx="1">
-          <a:scrgbClr r="0" g="0" b="0"/>
-        </a:fillRef>
-        <a:effectRef idx="0">
-          <a:scrgbClr r="0" g="0" b="0"/>
-        </a:effectRef>
-        <a:fontRef idx="minor">
-          <a:schemeClr val="lt1"/>
-        </a:fontRef>
-      </dsp:style>
-      <dsp:txBody>
-        <a:bodyPr spcFirstLastPara="0" vert="horz" wrap="square" lIns="68580" tIns="68580" rIns="68580" bIns="68580" numCol="1" spcCol="1270" anchor="ctr" anchorCtr="0">
-          <a:noAutofit/>
-        </a:bodyPr>
-        <a:lstStyle/>
-        <a:p>
-          <a:pPr lvl="0" algn="ctr" defTabSz="800100">
-            <a:lnSpc>
-              <a:spcPct val="90000"/>
-            </a:lnSpc>
-            <a:spcBef>
-              <a:spcPct val="0"/>
-            </a:spcBef>
-            <a:spcAft>
-              <a:spcPct val="35000"/>
-            </a:spcAft>
-          </a:pPr>
-          <a:r>
-            <a:rPr lang="en-US" sz="1800" kern="1200" smtClean="0"/>
-            <a:t>Mencetak model hasil reasoning</a:t>
-          </a:r>
-          <a:endParaRPr lang="en-US" sz="1800" kern="1200"/>
-        </a:p>
-      </dsp:txBody>
-      <dsp:txXfrm>
-        <a:off x="3033928" y="3173892"/>
-        <a:ext cx="2060143" cy="1206068"/>
-      </dsp:txXfrm>
-    </dsp:sp>
   </dsp:spTree>
 </dsp:drawing>
 </file>
@@ -2952,384 +2370,6 @@
       <dsp:cNvGrpSpPr/>
     </dsp:nvGrpSpPr>
     <dsp:grpSpPr/>
-    <dsp:sp modelId="{CB39116F-EB91-404F-85AA-B1CB5796507D}">
-      <dsp:nvSpPr>
-        <dsp:cNvPr id="0" name=""/>
-        <dsp:cNvSpPr/>
-      </dsp:nvSpPr>
-      <dsp:spPr>
-        <a:xfrm>
-          <a:off x="298748" y="2110"/>
-          <a:ext cx="2331327" cy="1398796"/>
-        </a:xfrm>
-        <a:prstGeom prst="roundRect">
-          <a:avLst>
-            <a:gd name="adj" fmla="val 10000"/>
-          </a:avLst>
-        </a:prstGeom>
-        <a:solidFill>
-          <a:schemeClr val="accent1">
-            <a:hueOff val="0"/>
-            <a:satOff val="0"/>
-            <a:lumOff val="0"/>
-            <a:alphaOff val="0"/>
-          </a:schemeClr>
-        </a:solidFill>
-        <a:ln w="12700" cap="flat" cmpd="sng" algn="ctr">
-          <a:solidFill>
-            <a:schemeClr val="lt1">
-              <a:hueOff val="0"/>
-              <a:satOff val="0"/>
-              <a:lumOff val="0"/>
-              <a:alphaOff val="0"/>
-            </a:schemeClr>
-          </a:solidFill>
-          <a:prstDash val="solid"/>
-          <a:miter lim="800000"/>
-        </a:ln>
-        <a:effectLst/>
-      </dsp:spPr>
-      <dsp:style>
-        <a:lnRef idx="2">
-          <a:scrgbClr r="0" g="0" b="0"/>
-        </a:lnRef>
-        <a:fillRef idx="1">
-          <a:scrgbClr r="0" g="0" b="0"/>
-        </a:fillRef>
-        <a:effectRef idx="0">
-          <a:scrgbClr r="0" g="0" b="0"/>
-        </a:effectRef>
-        <a:fontRef idx="minor">
-          <a:schemeClr val="lt1"/>
-        </a:fontRef>
-      </dsp:style>
-      <dsp:txBody>
-        <a:bodyPr spcFirstLastPara="0" vert="horz" wrap="square" lIns="76200" tIns="76200" rIns="76200" bIns="76200" numCol="1" spcCol="1270" anchor="ctr" anchorCtr="0">
-          <a:noAutofit/>
-        </a:bodyPr>
-        <a:lstStyle/>
-        <a:p>
-          <a:pPr lvl="0" algn="ctr" defTabSz="889000">
-            <a:lnSpc>
-              <a:spcPct val="90000"/>
-            </a:lnSpc>
-            <a:spcBef>
-              <a:spcPct val="0"/>
-            </a:spcBef>
-            <a:spcAft>
-              <a:spcPct val="35000"/>
-            </a:spcAft>
-          </a:pPr>
-          <a:r>
-            <a:rPr lang="en-US" sz="2000" kern="1200" smtClean="0"/>
-            <a:t>Unggah data hasil reasoning ke Apache Jena Fuseki</a:t>
-          </a:r>
-          <a:endParaRPr lang="en-US" sz="2000" kern="1200"/>
-        </a:p>
-      </dsp:txBody>
-      <dsp:txXfrm>
-        <a:off x="339717" y="43079"/>
-        <a:ext cx="2249389" cy="1316858"/>
-      </dsp:txXfrm>
-    </dsp:sp>
-    <dsp:sp modelId="{AF1C5D5E-39F3-4096-8D54-97716BD884B5}">
-      <dsp:nvSpPr>
-        <dsp:cNvPr id="0" name=""/>
-        <dsp:cNvSpPr/>
-      </dsp:nvSpPr>
-      <dsp:spPr>
-        <a:xfrm>
-          <a:off x="2835233" y="412424"/>
-          <a:ext cx="494241" cy="578169"/>
-        </a:xfrm>
-        <a:prstGeom prst="rightArrow">
-          <a:avLst>
-            <a:gd name="adj1" fmla="val 60000"/>
-            <a:gd name="adj2" fmla="val 50000"/>
-          </a:avLst>
-        </a:prstGeom>
-        <a:solidFill>
-          <a:schemeClr val="accent1">
-            <a:tint val="60000"/>
-            <a:hueOff val="0"/>
-            <a:satOff val="0"/>
-            <a:lumOff val="0"/>
-            <a:alphaOff val="0"/>
-          </a:schemeClr>
-        </a:solidFill>
-        <a:ln>
-          <a:noFill/>
-        </a:ln>
-        <a:effectLst/>
-      </dsp:spPr>
-      <dsp:style>
-        <a:lnRef idx="0">
-          <a:scrgbClr r="0" g="0" b="0"/>
-        </a:lnRef>
-        <a:fillRef idx="1">
-          <a:scrgbClr r="0" g="0" b="0"/>
-        </a:fillRef>
-        <a:effectRef idx="0">
-          <a:scrgbClr r="0" g="0" b="0"/>
-        </a:effectRef>
-        <a:fontRef idx="minor">
-          <a:schemeClr val="lt1"/>
-        </a:fontRef>
-      </dsp:style>
-      <dsp:txBody>
-        <a:bodyPr spcFirstLastPara="0" vert="horz" wrap="square" lIns="0" tIns="0" rIns="0" bIns="0" numCol="1" spcCol="1270" anchor="ctr" anchorCtr="0">
-          <a:noAutofit/>
-        </a:bodyPr>
-        <a:lstStyle/>
-        <a:p>
-          <a:pPr lvl="0" algn="ctr" defTabSz="711200">
-            <a:lnSpc>
-              <a:spcPct val="90000"/>
-            </a:lnSpc>
-            <a:spcBef>
-              <a:spcPct val="0"/>
-            </a:spcBef>
-            <a:spcAft>
-              <a:spcPct val="35000"/>
-            </a:spcAft>
-          </a:pPr>
-          <a:endParaRPr lang="en-US" sz="1600" kern="1200"/>
-        </a:p>
-      </dsp:txBody>
-      <dsp:txXfrm>
-        <a:off x="2835233" y="528058"/>
-        <a:ext cx="345969" cy="346901"/>
-      </dsp:txXfrm>
-    </dsp:sp>
-    <dsp:sp modelId="{6FC43BBB-5A7D-4190-A831-ECD39838A64D}">
-      <dsp:nvSpPr>
-        <dsp:cNvPr id="0" name=""/>
-        <dsp:cNvSpPr/>
-      </dsp:nvSpPr>
-      <dsp:spPr>
-        <a:xfrm>
-          <a:off x="3562607" y="2110"/>
-          <a:ext cx="2331327" cy="1398796"/>
-        </a:xfrm>
-        <a:prstGeom prst="roundRect">
-          <a:avLst>
-            <a:gd name="adj" fmla="val 10000"/>
-          </a:avLst>
-        </a:prstGeom>
-        <a:solidFill>
-          <a:schemeClr val="accent1">
-            <a:hueOff val="0"/>
-            <a:satOff val="0"/>
-            <a:lumOff val="0"/>
-            <a:alphaOff val="0"/>
-          </a:schemeClr>
-        </a:solidFill>
-        <a:ln w="12700" cap="flat" cmpd="sng" algn="ctr">
-          <a:solidFill>
-            <a:schemeClr val="lt1">
-              <a:hueOff val="0"/>
-              <a:satOff val="0"/>
-              <a:lumOff val="0"/>
-              <a:alphaOff val="0"/>
-            </a:schemeClr>
-          </a:solidFill>
-          <a:prstDash val="solid"/>
-          <a:miter lim="800000"/>
-        </a:ln>
-        <a:effectLst/>
-      </dsp:spPr>
-      <dsp:style>
-        <a:lnRef idx="2">
-          <a:scrgbClr r="0" g="0" b="0"/>
-        </a:lnRef>
-        <a:fillRef idx="1">
-          <a:scrgbClr r="0" g="0" b="0"/>
-        </a:fillRef>
-        <a:effectRef idx="0">
-          <a:scrgbClr r="0" g="0" b="0"/>
-        </a:effectRef>
-        <a:fontRef idx="minor">
-          <a:schemeClr val="lt1"/>
-        </a:fontRef>
-      </dsp:style>
-      <dsp:txBody>
-        <a:bodyPr spcFirstLastPara="0" vert="horz" wrap="square" lIns="76200" tIns="76200" rIns="76200" bIns="76200" numCol="1" spcCol="1270" anchor="ctr" anchorCtr="0">
-          <a:noAutofit/>
-        </a:bodyPr>
-        <a:lstStyle/>
-        <a:p>
-          <a:pPr lvl="0" algn="ctr" defTabSz="889000">
-            <a:lnSpc>
-              <a:spcPct val="90000"/>
-            </a:lnSpc>
-            <a:spcBef>
-              <a:spcPct val="0"/>
-            </a:spcBef>
-            <a:spcAft>
-              <a:spcPct val="35000"/>
-            </a:spcAft>
-          </a:pPr>
-          <a:r>
-            <a:rPr lang="en-US" sz="2000" kern="1200" smtClean="0"/>
-            <a:t>SPARQL Query</a:t>
-          </a:r>
-          <a:endParaRPr lang="en-US" sz="2000" kern="1200"/>
-        </a:p>
-      </dsp:txBody>
-      <dsp:txXfrm>
-        <a:off x="3603576" y="43079"/>
-        <a:ext cx="2249389" cy="1316858"/>
-      </dsp:txXfrm>
-    </dsp:sp>
-    <dsp:sp modelId="{18D28992-97C3-49BA-B5CB-BA5D346E6A6E}">
-      <dsp:nvSpPr>
-        <dsp:cNvPr id="0" name=""/>
-        <dsp:cNvSpPr/>
-      </dsp:nvSpPr>
-      <dsp:spPr>
-        <a:xfrm rot="5400000">
-          <a:off x="4481150" y="1564100"/>
-          <a:ext cx="494241" cy="578169"/>
-        </a:xfrm>
-        <a:prstGeom prst="rightArrow">
-          <a:avLst>
-            <a:gd name="adj1" fmla="val 60000"/>
-            <a:gd name="adj2" fmla="val 50000"/>
-          </a:avLst>
-        </a:prstGeom>
-        <a:solidFill>
-          <a:schemeClr val="accent1">
-            <a:tint val="60000"/>
-            <a:hueOff val="0"/>
-            <a:satOff val="0"/>
-            <a:lumOff val="0"/>
-            <a:alphaOff val="0"/>
-          </a:schemeClr>
-        </a:solidFill>
-        <a:ln>
-          <a:noFill/>
-        </a:ln>
-        <a:effectLst/>
-      </dsp:spPr>
-      <dsp:style>
-        <a:lnRef idx="0">
-          <a:scrgbClr r="0" g="0" b="0"/>
-        </a:lnRef>
-        <a:fillRef idx="1">
-          <a:scrgbClr r="0" g="0" b="0"/>
-        </a:fillRef>
-        <a:effectRef idx="0">
-          <a:scrgbClr r="0" g="0" b="0"/>
-        </a:effectRef>
-        <a:fontRef idx="minor">
-          <a:schemeClr val="lt1"/>
-        </a:fontRef>
-      </dsp:style>
-      <dsp:txBody>
-        <a:bodyPr spcFirstLastPara="0" vert="horz" wrap="square" lIns="0" tIns="0" rIns="0" bIns="0" numCol="1" spcCol="1270" anchor="ctr" anchorCtr="0">
-          <a:noAutofit/>
-        </a:bodyPr>
-        <a:lstStyle/>
-        <a:p>
-          <a:pPr lvl="0" algn="ctr" defTabSz="711200">
-            <a:lnSpc>
-              <a:spcPct val="90000"/>
-            </a:lnSpc>
-            <a:spcBef>
-              <a:spcPct val="0"/>
-            </a:spcBef>
-            <a:spcAft>
-              <a:spcPct val="35000"/>
-            </a:spcAft>
-          </a:pPr>
-          <a:endParaRPr lang="en-US" sz="1600" kern="1200"/>
-        </a:p>
-      </dsp:txBody>
-      <dsp:txXfrm rot="-5400000">
-        <a:off x="4554820" y="1606064"/>
-        <a:ext cx="346901" cy="345969"/>
-      </dsp:txXfrm>
-    </dsp:sp>
-    <dsp:sp modelId="{CDC2BA57-16AE-4341-9248-3145FA7CD566}">
-      <dsp:nvSpPr>
-        <dsp:cNvPr id="0" name=""/>
-        <dsp:cNvSpPr/>
-      </dsp:nvSpPr>
-      <dsp:spPr>
-        <a:xfrm>
-          <a:off x="3562607" y="2333438"/>
-          <a:ext cx="2331327" cy="1398796"/>
-        </a:xfrm>
-        <a:prstGeom prst="roundRect">
-          <a:avLst>
-            <a:gd name="adj" fmla="val 10000"/>
-          </a:avLst>
-        </a:prstGeom>
-        <a:solidFill>
-          <a:schemeClr val="accent1">
-            <a:hueOff val="0"/>
-            <a:satOff val="0"/>
-            <a:lumOff val="0"/>
-            <a:alphaOff val="0"/>
-          </a:schemeClr>
-        </a:solidFill>
-        <a:ln w="12700" cap="flat" cmpd="sng" algn="ctr">
-          <a:solidFill>
-            <a:schemeClr val="lt1">
-              <a:hueOff val="0"/>
-              <a:satOff val="0"/>
-              <a:lumOff val="0"/>
-              <a:alphaOff val="0"/>
-            </a:schemeClr>
-          </a:solidFill>
-          <a:prstDash val="solid"/>
-          <a:miter lim="800000"/>
-        </a:ln>
-        <a:effectLst/>
-      </dsp:spPr>
-      <dsp:style>
-        <a:lnRef idx="2">
-          <a:scrgbClr r="0" g="0" b="0"/>
-        </a:lnRef>
-        <a:fillRef idx="1">
-          <a:scrgbClr r="0" g="0" b="0"/>
-        </a:fillRef>
-        <a:effectRef idx="0">
-          <a:scrgbClr r="0" g="0" b="0"/>
-        </a:effectRef>
-        <a:fontRef idx="minor">
-          <a:schemeClr val="lt1"/>
-        </a:fontRef>
-      </dsp:style>
-      <dsp:txBody>
-        <a:bodyPr spcFirstLastPara="0" vert="horz" wrap="square" lIns="76200" tIns="76200" rIns="76200" bIns="76200" numCol="1" spcCol="1270" anchor="ctr" anchorCtr="0">
-          <a:noAutofit/>
-        </a:bodyPr>
-        <a:lstStyle/>
-        <a:p>
-          <a:pPr lvl="0" algn="ctr" defTabSz="889000">
-            <a:lnSpc>
-              <a:spcPct val="90000"/>
-            </a:lnSpc>
-            <a:spcBef>
-              <a:spcPct val="0"/>
-            </a:spcBef>
-            <a:spcAft>
-              <a:spcPct val="35000"/>
-            </a:spcAft>
-          </a:pPr>
-          <a:r>
-            <a:rPr lang="en-US" sz="2000" kern="1200" smtClean="0"/>
-            <a:t>Visualisasi struktur pohon keluarga</a:t>
-          </a:r>
-          <a:endParaRPr lang="en-US" sz="2000" kern="1200"/>
-        </a:p>
-      </dsp:txBody>
-      <dsp:txXfrm>
-        <a:off x="3603576" y="2374407"/>
-        <a:ext cx="2249389" cy="1316858"/>
-      </dsp:txXfrm>
-    </dsp:sp>
   </dsp:spTree>
 </dsp:drawing>
 </file>
@@ -5771,7 +4811,7 @@
           <p:cNvPr id="2" name="Header Placeholder 1">
             <a:extLst>
               <a:ext uri="{FF2B5EF4-FFF2-40B4-BE49-F238E27FC236}">
-                <a16:creationId xmlns="" xmlns:a16="http://schemas.microsoft.com/office/drawing/2014/main" id="{27243D74-B9C1-450A-B0F3-6C6DCB0CF20B}"/>
+                <a16:creationId xmlns:a16="http://schemas.microsoft.com/office/drawing/2014/main" xmlns="" id="{27243D74-B9C1-450A-B0F3-6C6DCB0CF20B}"/>
               </a:ext>
             </a:extLst>
           </p:cNvPr>
@@ -5808,7 +4848,7 @@
           <p:cNvPr id="3" name="Date Placeholder 2">
             <a:extLst>
               <a:ext uri="{FF2B5EF4-FFF2-40B4-BE49-F238E27FC236}">
-                <a16:creationId xmlns="" xmlns:a16="http://schemas.microsoft.com/office/drawing/2014/main" id="{32C27C33-9BB1-41D5-A236-12767E7E722F}"/>
+                <a16:creationId xmlns:a16="http://schemas.microsoft.com/office/drawing/2014/main" xmlns="" id="{32C27C33-9BB1-41D5-A236-12767E7E722F}"/>
               </a:ext>
             </a:extLst>
           </p:cNvPr>
@@ -5838,7 +4878,7 @@
           <a:p>
             <a:fld id="{97AB3EA8-A58D-4C92-A3AB-D271CCC294C7}" type="datetimeFigureOut">
               <a:rPr lang="en-US" smtClean="0"/>
-              <a:t>7/2/2019</a:t>
+              <a:t>7/5/2019</a:t>
             </a:fld>
             <a:endParaRPr lang="en-US" dirty="0"/>
           </a:p>
@@ -5849,7 +4889,7 @@
           <p:cNvPr id="4" name="Footer Placeholder 3">
             <a:extLst>
               <a:ext uri="{FF2B5EF4-FFF2-40B4-BE49-F238E27FC236}">
-                <a16:creationId xmlns="" xmlns:a16="http://schemas.microsoft.com/office/drawing/2014/main" id="{44A7EADB-04A4-4093-B238-438E2C7317A1}"/>
+                <a16:creationId xmlns:a16="http://schemas.microsoft.com/office/drawing/2014/main" xmlns="" id="{44A7EADB-04A4-4093-B238-438E2C7317A1}"/>
               </a:ext>
             </a:extLst>
           </p:cNvPr>
@@ -5886,7 +4926,7 @@
           <p:cNvPr id="5" name="Slide Number Placeholder 4">
             <a:extLst>
               <a:ext uri="{FF2B5EF4-FFF2-40B4-BE49-F238E27FC236}">
-                <a16:creationId xmlns="" xmlns:a16="http://schemas.microsoft.com/office/drawing/2014/main" id="{EDDD8696-706D-440E-AE04-4C644F0613E8}"/>
+                <a16:creationId xmlns:a16="http://schemas.microsoft.com/office/drawing/2014/main" xmlns="" id="{EDDD8696-706D-440E-AE04-4C644F0613E8}"/>
               </a:ext>
             </a:extLst>
           </p:cNvPr>
@@ -6015,7 +5055,7 @@
           <a:p>
             <a:fld id="{0AEFB4FA-E877-413E-B608-88789D806C57}" type="datetimeFigureOut">
               <a:rPr lang="en-US" noProof="0" smtClean="0"/>
-              <a:t>7/2/2019</a:t>
+              <a:t>7/5/2019</a:t>
             </a:fld>
             <a:endParaRPr lang="en-US" noProof="0" dirty="0"/>
           </a:p>
@@ -7308,7 +6348,7 @@
           <p:cNvPr id="2" name="Title 1">
             <a:extLst>
               <a:ext uri="{FF2B5EF4-FFF2-40B4-BE49-F238E27FC236}">
-                <a16:creationId xmlns="" xmlns:a16="http://schemas.microsoft.com/office/drawing/2014/main" id="{2456FD49-C258-4333-9422-358C976A341C}"/>
+                <a16:creationId xmlns:a16="http://schemas.microsoft.com/office/drawing/2014/main" xmlns="" id="{2456FD49-C258-4333-9422-358C976A341C}"/>
               </a:ext>
             </a:extLst>
           </p:cNvPr>
@@ -7352,7 +6392,7 @@
           <p:cNvPr id="3" name="Subtitle 2">
             <a:extLst>
               <a:ext uri="{FF2B5EF4-FFF2-40B4-BE49-F238E27FC236}">
-                <a16:creationId xmlns="" xmlns:a16="http://schemas.microsoft.com/office/drawing/2014/main" id="{59758E15-A93D-4FB9-843D-1490E27A151B}"/>
+                <a16:creationId xmlns:a16="http://schemas.microsoft.com/office/drawing/2014/main" xmlns="" id="{59758E15-A93D-4FB9-843D-1490E27A151B}"/>
               </a:ext>
             </a:extLst>
           </p:cNvPr>
@@ -7429,7 +6469,7 @@
           <p:cNvPr id="13" name="Picture Placeholder 12">
             <a:extLst>
               <a:ext uri="{FF2B5EF4-FFF2-40B4-BE49-F238E27FC236}">
-                <a16:creationId xmlns="" xmlns:a16="http://schemas.microsoft.com/office/drawing/2014/main" id="{BCCC559D-0EC3-432C-B397-6897B366DF36}"/>
+                <a16:creationId xmlns:a16="http://schemas.microsoft.com/office/drawing/2014/main" xmlns="" id="{BCCC559D-0EC3-432C-B397-6897B366DF36}"/>
               </a:ext>
             </a:extLst>
           </p:cNvPr>
@@ -7474,7 +6514,7 @@
           <p:cNvPr id="14" name="Group 13">
             <a:extLst>
               <a:ext uri="{FF2B5EF4-FFF2-40B4-BE49-F238E27FC236}">
-                <a16:creationId xmlns="" xmlns:a16="http://schemas.microsoft.com/office/drawing/2014/main" id="{0DC2055F-AE3F-46BE-B57E-A0F1A86D1C36}"/>
+                <a16:creationId xmlns:a16="http://schemas.microsoft.com/office/drawing/2014/main" xmlns="" id="{0DC2055F-AE3F-46BE-B57E-A0F1A86D1C36}"/>
               </a:ext>
             </a:extLst>
           </p:cNvPr>
@@ -7499,7 +6539,7 @@
             <p:cNvPr id="15" name="Freeform 5">
               <a:extLst>
                 <a:ext uri="{FF2B5EF4-FFF2-40B4-BE49-F238E27FC236}">
-                  <a16:creationId xmlns="" xmlns:a16="http://schemas.microsoft.com/office/drawing/2014/main" id="{C98EF042-A3B8-406D-BC16-153A989F571A}"/>
+                  <a16:creationId xmlns:a16="http://schemas.microsoft.com/office/drawing/2014/main" xmlns="" id="{C98EF042-A3B8-406D-BC16-153A989F571A}"/>
                 </a:ext>
               </a:extLst>
             </p:cNvPr>
@@ -7689,7 +6729,7 @@
             <p:cNvPr id="16" name="Freeform 6">
               <a:extLst>
                 <a:ext uri="{FF2B5EF4-FFF2-40B4-BE49-F238E27FC236}">
-                  <a16:creationId xmlns="" xmlns:a16="http://schemas.microsoft.com/office/drawing/2014/main" id="{68E5FAC9-A660-4D7A-AC84-0A7C8CC3BB65}"/>
+                  <a16:creationId xmlns:a16="http://schemas.microsoft.com/office/drawing/2014/main" xmlns="" id="{68E5FAC9-A660-4D7A-AC84-0A7C8CC3BB65}"/>
                 </a:ext>
               </a:extLst>
             </p:cNvPr>
@@ -7840,7 +6880,7 @@
           <p:cNvPr id="9" name="Picture 8">
             <a:extLst>
               <a:ext uri="{FF2B5EF4-FFF2-40B4-BE49-F238E27FC236}">
-                <a16:creationId xmlns="" xmlns:a16="http://schemas.microsoft.com/office/drawing/2014/main" id="{4FE28ACC-E44C-4381-B768-0310810E78D2}"/>
+                <a16:creationId xmlns:a16="http://schemas.microsoft.com/office/drawing/2014/main" xmlns="" id="{4FE28ACC-E44C-4381-B768-0310810E78D2}"/>
               </a:ext>
             </a:extLst>
           </p:cNvPr>
@@ -7876,7 +6916,7 @@
           <p:cNvPr id="5" name="Straight Connector 4">
             <a:extLst>
               <a:ext uri="{FF2B5EF4-FFF2-40B4-BE49-F238E27FC236}">
-                <a16:creationId xmlns="" xmlns:a16="http://schemas.microsoft.com/office/drawing/2014/main" id="{819AFA09-F4B1-493D-BCAD-FF30C20CD1AA}"/>
+                <a16:creationId xmlns:a16="http://schemas.microsoft.com/office/drawing/2014/main" xmlns="" id="{819AFA09-F4B1-493D-BCAD-FF30C20CD1AA}"/>
               </a:ext>
             </a:extLst>
           </p:cNvPr>
@@ -7942,7 +6982,7 @@
           <p:cNvPr id="3" name="Subtitle 2">
             <a:extLst>
               <a:ext uri="{FF2B5EF4-FFF2-40B4-BE49-F238E27FC236}">
-                <a16:creationId xmlns="" xmlns:a16="http://schemas.microsoft.com/office/drawing/2014/main" id="{59758E15-A93D-4FB9-843D-1490E27A151B}"/>
+                <a16:creationId xmlns:a16="http://schemas.microsoft.com/office/drawing/2014/main" xmlns="" id="{59758E15-A93D-4FB9-843D-1490E27A151B}"/>
               </a:ext>
             </a:extLst>
           </p:cNvPr>
@@ -8018,7 +7058,7 @@
           <p:cNvPr id="13" name="Picture Placeholder 12">
             <a:extLst>
               <a:ext uri="{FF2B5EF4-FFF2-40B4-BE49-F238E27FC236}">
-                <a16:creationId xmlns="" xmlns:a16="http://schemas.microsoft.com/office/drawing/2014/main" id="{BCCC559D-0EC3-432C-B397-6897B366DF36}"/>
+                <a16:creationId xmlns:a16="http://schemas.microsoft.com/office/drawing/2014/main" xmlns="" id="{BCCC559D-0EC3-432C-B397-6897B366DF36}"/>
               </a:ext>
             </a:extLst>
           </p:cNvPr>
@@ -8063,7 +7103,7 @@
           <p:cNvPr id="14" name="Group 13">
             <a:extLst>
               <a:ext uri="{FF2B5EF4-FFF2-40B4-BE49-F238E27FC236}">
-                <a16:creationId xmlns="" xmlns:a16="http://schemas.microsoft.com/office/drawing/2014/main" id="{0DC2055F-AE3F-46BE-B57E-A0F1A86D1C36}"/>
+                <a16:creationId xmlns:a16="http://schemas.microsoft.com/office/drawing/2014/main" xmlns="" id="{0DC2055F-AE3F-46BE-B57E-A0F1A86D1C36}"/>
               </a:ext>
             </a:extLst>
           </p:cNvPr>
@@ -8088,7 +7128,7 @@
             <p:cNvPr id="15" name="Freeform 5">
               <a:extLst>
                 <a:ext uri="{FF2B5EF4-FFF2-40B4-BE49-F238E27FC236}">
-                  <a16:creationId xmlns="" xmlns:a16="http://schemas.microsoft.com/office/drawing/2014/main" id="{C98EF042-A3B8-406D-BC16-153A989F571A}"/>
+                  <a16:creationId xmlns:a16="http://schemas.microsoft.com/office/drawing/2014/main" xmlns="" id="{C98EF042-A3B8-406D-BC16-153A989F571A}"/>
                 </a:ext>
               </a:extLst>
             </p:cNvPr>
@@ -8278,7 +7318,7 @@
             <p:cNvPr id="16" name="Freeform 6">
               <a:extLst>
                 <a:ext uri="{FF2B5EF4-FFF2-40B4-BE49-F238E27FC236}">
-                  <a16:creationId xmlns="" xmlns:a16="http://schemas.microsoft.com/office/drawing/2014/main" id="{68E5FAC9-A660-4D7A-AC84-0A7C8CC3BB65}"/>
+                  <a16:creationId xmlns:a16="http://schemas.microsoft.com/office/drawing/2014/main" xmlns="" id="{68E5FAC9-A660-4D7A-AC84-0A7C8CC3BB65}"/>
                 </a:ext>
               </a:extLst>
             </p:cNvPr>
@@ -8429,7 +7469,7 @@
           <p:cNvPr id="9" name="Picture 8">
             <a:extLst>
               <a:ext uri="{FF2B5EF4-FFF2-40B4-BE49-F238E27FC236}">
-                <a16:creationId xmlns="" xmlns:a16="http://schemas.microsoft.com/office/drawing/2014/main" id="{4FE28ACC-E44C-4381-B768-0310810E78D2}"/>
+                <a16:creationId xmlns:a16="http://schemas.microsoft.com/office/drawing/2014/main" xmlns="" id="{4FE28ACC-E44C-4381-B768-0310810E78D2}"/>
               </a:ext>
             </a:extLst>
           </p:cNvPr>
@@ -8465,7 +7505,7 @@
           <p:cNvPr id="5" name="Straight Connector 4">
             <a:extLst>
               <a:ext uri="{FF2B5EF4-FFF2-40B4-BE49-F238E27FC236}">
-                <a16:creationId xmlns="" xmlns:a16="http://schemas.microsoft.com/office/drawing/2014/main" id="{819AFA09-F4B1-493D-BCAD-FF30C20CD1AA}"/>
+                <a16:creationId xmlns:a16="http://schemas.microsoft.com/office/drawing/2014/main" xmlns="" id="{819AFA09-F4B1-493D-BCAD-FF30C20CD1AA}"/>
               </a:ext>
             </a:extLst>
           </p:cNvPr>
@@ -8501,7 +7541,7 @@
           <p:cNvPr id="7" name="Text Placeholder 6">
             <a:extLst>
               <a:ext uri="{FF2B5EF4-FFF2-40B4-BE49-F238E27FC236}">
-                <a16:creationId xmlns="" xmlns:a16="http://schemas.microsoft.com/office/drawing/2014/main" id="{4E0FBE0E-A6B0-483E-93DD-5C20DA069DBC}"/>
+                <a16:creationId xmlns:a16="http://schemas.microsoft.com/office/drawing/2014/main" xmlns="" id="{4E0FBE0E-A6B0-483E-93DD-5C20DA069DBC}"/>
               </a:ext>
             </a:extLst>
           </p:cNvPr>
@@ -8550,7 +7590,7 @@
           <p:cNvPr id="17" name="Graphic 16" descr="Envelope">
             <a:extLst>
               <a:ext uri="{FF2B5EF4-FFF2-40B4-BE49-F238E27FC236}">
-                <a16:creationId xmlns="" xmlns:a16="http://schemas.microsoft.com/office/drawing/2014/main" id="{E5B30B87-6C2E-48F1-9026-E4F6BEA1CFE7}"/>
+                <a16:creationId xmlns:a16="http://schemas.microsoft.com/office/drawing/2014/main" xmlns="" id="{E5B30B87-6C2E-48F1-9026-E4F6BEA1CFE7}"/>
               </a:ext>
             </a:extLst>
           </p:cNvPr>
@@ -8566,7 +7606,7 @@
                 <a14:useLocalDpi xmlns:a14="http://schemas.microsoft.com/office/drawing/2010/main"/>
               </a:ext>
               <a:ext uri="{96DAC541-7B7A-43D3-8B79-37D633B846F1}">
-                <asvg:svgBlip xmlns="" xmlns:asvg="http://schemas.microsoft.com/office/drawing/2016/SVG/main" r:embed="rId4"/>
+                <asvg:svgBlip xmlns:asvg="http://schemas.microsoft.com/office/drawing/2016/SVG/main" xmlns="" r:embed="rId4"/>
               </a:ext>
             </a:extLst>
           </a:blip>
@@ -8589,7 +7629,7 @@
           <p:cNvPr id="18" name="Graphic 17" descr="Network">
             <a:extLst>
               <a:ext uri="{FF2B5EF4-FFF2-40B4-BE49-F238E27FC236}">
-                <a16:creationId xmlns="" xmlns:a16="http://schemas.microsoft.com/office/drawing/2014/main" id="{2DA3CFE0-4ED8-4345-A158-94E70F463E99}"/>
+                <a16:creationId xmlns:a16="http://schemas.microsoft.com/office/drawing/2014/main" xmlns="" id="{2DA3CFE0-4ED8-4345-A158-94E70F463E99}"/>
               </a:ext>
             </a:extLst>
           </p:cNvPr>
@@ -8605,7 +7645,7 @@
                 <a14:useLocalDpi xmlns:a14="http://schemas.microsoft.com/office/drawing/2010/main"/>
               </a:ext>
               <a:ext uri="{96DAC541-7B7A-43D3-8B79-37D633B846F1}">
-                <asvg:svgBlip xmlns="" xmlns:asvg="http://schemas.microsoft.com/office/drawing/2016/SVG/main" r:embed="rId6"/>
+                <asvg:svgBlip xmlns:asvg="http://schemas.microsoft.com/office/drawing/2016/SVG/main" xmlns="" r:embed="rId6"/>
               </a:ext>
             </a:extLst>
           </a:blip>
@@ -8628,7 +7668,7 @@
           <p:cNvPr id="2" name="Title 1">
             <a:extLst>
               <a:ext uri="{FF2B5EF4-FFF2-40B4-BE49-F238E27FC236}">
-                <a16:creationId xmlns="" xmlns:a16="http://schemas.microsoft.com/office/drawing/2014/main" id="{2CE9908F-CF81-43F9-880A-401D0C0FB2ED}"/>
+                <a16:creationId xmlns:a16="http://schemas.microsoft.com/office/drawing/2014/main" xmlns="" id="{2CE9908F-CF81-43F9-880A-401D0C0FB2ED}"/>
               </a:ext>
             </a:extLst>
           </p:cNvPr>
@@ -8706,7 +7746,7 @@
           <p:cNvPr id="4" name="Rectangle 3">
             <a:extLst>
               <a:ext uri="{FF2B5EF4-FFF2-40B4-BE49-F238E27FC236}">
-                <a16:creationId xmlns="" xmlns:a16="http://schemas.microsoft.com/office/drawing/2014/main" id="{86299464-ED20-4919-8B3A-2CFAE8DA2347}"/>
+                <a16:creationId xmlns:a16="http://schemas.microsoft.com/office/drawing/2014/main" xmlns="" id="{86299464-ED20-4919-8B3A-2CFAE8DA2347}"/>
               </a:ext>
             </a:extLst>
           </p:cNvPr>
@@ -8758,7 +7798,7 @@
           <p:cNvPr id="13" name="Picture Placeholder 12">
             <a:extLst>
               <a:ext uri="{FF2B5EF4-FFF2-40B4-BE49-F238E27FC236}">
-                <a16:creationId xmlns="" xmlns:a16="http://schemas.microsoft.com/office/drawing/2014/main" id="{BCCC559D-0EC3-432C-B397-6897B366DF36}"/>
+                <a16:creationId xmlns:a16="http://schemas.microsoft.com/office/drawing/2014/main" xmlns="" id="{BCCC559D-0EC3-432C-B397-6897B366DF36}"/>
               </a:ext>
             </a:extLst>
           </p:cNvPr>
@@ -8803,7 +7843,7 @@
           <p:cNvPr id="14" name="Group 13">
             <a:extLst>
               <a:ext uri="{FF2B5EF4-FFF2-40B4-BE49-F238E27FC236}">
-                <a16:creationId xmlns="" xmlns:a16="http://schemas.microsoft.com/office/drawing/2014/main" id="{0DC2055F-AE3F-46BE-B57E-A0F1A86D1C36}"/>
+                <a16:creationId xmlns:a16="http://schemas.microsoft.com/office/drawing/2014/main" xmlns="" id="{0DC2055F-AE3F-46BE-B57E-A0F1A86D1C36}"/>
               </a:ext>
             </a:extLst>
           </p:cNvPr>
@@ -8828,7 +7868,7 @@
             <p:cNvPr id="15" name="Freeform 5">
               <a:extLst>
                 <a:ext uri="{FF2B5EF4-FFF2-40B4-BE49-F238E27FC236}">
-                  <a16:creationId xmlns="" xmlns:a16="http://schemas.microsoft.com/office/drawing/2014/main" id="{C98EF042-A3B8-406D-BC16-153A989F571A}"/>
+                  <a16:creationId xmlns:a16="http://schemas.microsoft.com/office/drawing/2014/main" xmlns="" id="{C98EF042-A3B8-406D-BC16-153A989F571A}"/>
                 </a:ext>
               </a:extLst>
             </p:cNvPr>
@@ -9018,7 +8058,7 @@
             <p:cNvPr id="16" name="Freeform 6">
               <a:extLst>
                 <a:ext uri="{FF2B5EF4-FFF2-40B4-BE49-F238E27FC236}">
-                  <a16:creationId xmlns="" xmlns:a16="http://schemas.microsoft.com/office/drawing/2014/main" id="{68E5FAC9-A660-4D7A-AC84-0A7C8CC3BB65}"/>
+                  <a16:creationId xmlns:a16="http://schemas.microsoft.com/office/drawing/2014/main" xmlns="" id="{68E5FAC9-A660-4D7A-AC84-0A7C8CC3BB65}"/>
                 </a:ext>
               </a:extLst>
             </p:cNvPr>
@@ -9169,7 +8209,7 @@
           <p:cNvPr id="9" name="Picture 8">
             <a:extLst>
               <a:ext uri="{FF2B5EF4-FFF2-40B4-BE49-F238E27FC236}">
-                <a16:creationId xmlns="" xmlns:a16="http://schemas.microsoft.com/office/drawing/2014/main" id="{4FE28ACC-E44C-4381-B768-0310810E78D2}"/>
+                <a16:creationId xmlns:a16="http://schemas.microsoft.com/office/drawing/2014/main" xmlns="" id="{4FE28ACC-E44C-4381-B768-0310810E78D2}"/>
               </a:ext>
             </a:extLst>
           </p:cNvPr>
@@ -9214,7 +8254,7 @@
           <p:cNvPr id="12" name="Straight Connector 11">
             <a:extLst>
               <a:ext uri="{FF2B5EF4-FFF2-40B4-BE49-F238E27FC236}">
-                <a16:creationId xmlns="" xmlns:a16="http://schemas.microsoft.com/office/drawing/2014/main" id="{77C312F4-62C2-4903-8C4B-423A8717E481}"/>
+                <a16:creationId xmlns:a16="http://schemas.microsoft.com/office/drawing/2014/main" xmlns="" id="{77C312F4-62C2-4903-8C4B-423A8717E481}"/>
               </a:ext>
             </a:extLst>
           </p:cNvPr>
@@ -9255,7 +8295,7 @@
           <p:cNvPr id="19" name="Graphic 18" descr="Envelope">
             <a:extLst>
               <a:ext uri="{FF2B5EF4-FFF2-40B4-BE49-F238E27FC236}">
-                <a16:creationId xmlns="" xmlns:a16="http://schemas.microsoft.com/office/drawing/2014/main" id="{A686352B-226C-4579-B831-0DC14EC3895E}"/>
+                <a16:creationId xmlns:a16="http://schemas.microsoft.com/office/drawing/2014/main" xmlns="" id="{A686352B-226C-4579-B831-0DC14EC3895E}"/>
               </a:ext>
             </a:extLst>
           </p:cNvPr>
@@ -9291,7 +8331,7 @@
           <p:cNvPr id="20" name="Graphic 19" descr="Network">
             <a:extLst>
               <a:ext uri="{FF2B5EF4-FFF2-40B4-BE49-F238E27FC236}">
-                <a16:creationId xmlns="" xmlns:a16="http://schemas.microsoft.com/office/drawing/2014/main" id="{460C8169-012B-451A-A6C2-6FEC0DC82AFC}"/>
+                <a16:creationId xmlns:a16="http://schemas.microsoft.com/office/drawing/2014/main" xmlns="" id="{460C8169-012B-451A-A6C2-6FEC0DC82AFC}"/>
               </a:ext>
             </a:extLst>
           </p:cNvPr>
@@ -9327,7 +8367,7 @@
           <p:cNvPr id="21" name="Subtitle 2">
             <a:extLst>
               <a:ext uri="{FF2B5EF4-FFF2-40B4-BE49-F238E27FC236}">
-                <a16:creationId xmlns="" xmlns:a16="http://schemas.microsoft.com/office/drawing/2014/main" id="{ADF17BC1-06CE-42EA-A970-31A7ED871AA4}"/>
+                <a16:creationId xmlns:a16="http://schemas.microsoft.com/office/drawing/2014/main" xmlns="" id="{ADF17BC1-06CE-42EA-A970-31A7ED871AA4}"/>
               </a:ext>
             </a:extLst>
           </p:cNvPr>
@@ -9403,7 +8443,7 @@
           <p:cNvPr id="22" name="Text Placeholder 6">
             <a:extLst>
               <a:ext uri="{FF2B5EF4-FFF2-40B4-BE49-F238E27FC236}">
-                <a16:creationId xmlns="" xmlns:a16="http://schemas.microsoft.com/office/drawing/2014/main" id="{7035F1B3-4E91-44FF-B4E7-E5D87C7A034C}"/>
+                <a16:creationId xmlns:a16="http://schemas.microsoft.com/office/drawing/2014/main" xmlns="" id="{7035F1B3-4E91-44FF-B4E7-E5D87C7A034C}"/>
               </a:ext>
             </a:extLst>
           </p:cNvPr>
@@ -9456,7 +8496,7 @@
           <p:cNvPr id="18" name="Title 1">
             <a:extLst>
               <a:ext uri="{FF2B5EF4-FFF2-40B4-BE49-F238E27FC236}">
-                <a16:creationId xmlns="" xmlns:a16="http://schemas.microsoft.com/office/drawing/2014/main" id="{525B5135-F466-4A63-A42C-3BB2BAA7D24D}"/>
+                <a16:creationId xmlns:a16="http://schemas.microsoft.com/office/drawing/2014/main" xmlns="" id="{525B5135-F466-4A63-A42C-3BB2BAA7D24D}"/>
               </a:ext>
             </a:extLst>
           </p:cNvPr>
@@ -9560,7 +8600,7 @@
           <p:cNvPr id="4" name="Rectangle 3">
             <a:extLst>
               <a:ext uri="{FF2B5EF4-FFF2-40B4-BE49-F238E27FC236}">
-                <a16:creationId xmlns="" xmlns:a16="http://schemas.microsoft.com/office/drawing/2014/main" id="{86299464-ED20-4919-8B3A-2CFAE8DA2347}"/>
+                <a16:creationId xmlns:a16="http://schemas.microsoft.com/office/drawing/2014/main" xmlns="" id="{86299464-ED20-4919-8B3A-2CFAE8DA2347}"/>
               </a:ext>
             </a:extLst>
           </p:cNvPr>
@@ -9612,7 +8652,7 @@
           <p:cNvPr id="6" name="Oval 5">
             <a:extLst>
               <a:ext uri="{FF2B5EF4-FFF2-40B4-BE49-F238E27FC236}">
-                <a16:creationId xmlns="" xmlns:a16="http://schemas.microsoft.com/office/drawing/2014/main" id="{1F54E98B-AC75-484D-9121-68498EB888AA}"/>
+                <a16:creationId xmlns:a16="http://schemas.microsoft.com/office/drawing/2014/main" xmlns="" id="{1F54E98B-AC75-484D-9121-68498EB888AA}"/>
               </a:ext>
             </a:extLst>
           </p:cNvPr>
@@ -9666,7 +8706,7 @@
           <p:cNvPr id="2" name="Title 1">
             <a:extLst>
               <a:ext uri="{FF2B5EF4-FFF2-40B4-BE49-F238E27FC236}">
-                <a16:creationId xmlns="" xmlns:a16="http://schemas.microsoft.com/office/drawing/2014/main" id="{2456FD49-C258-4333-9422-358C976A341C}"/>
+                <a16:creationId xmlns:a16="http://schemas.microsoft.com/office/drawing/2014/main" xmlns="" id="{2456FD49-C258-4333-9422-358C976A341C}"/>
               </a:ext>
             </a:extLst>
           </p:cNvPr>
@@ -9710,7 +8750,7 @@
           <p:cNvPr id="3" name="Subtitle 2">
             <a:extLst>
               <a:ext uri="{FF2B5EF4-FFF2-40B4-BE49-F238E27FC236}">
-                <a16:creationId xmlns="" xmlns:a16="http://schemas.microsoft.com/office/drawing/2014/main" id="{59758E15-A93D-4FB9-843D-1490E27A151B}"/>
+                <a16:creationId xmlns:a16="http://schemas.microsoft.com/office/drawing/2014/main" xmlns="" id="{59758E15-A93D-4FB9-843D-1490E27A151B}"/>
               </a:ext>
             </a:extLst>
           </p:cNvPr>
@@ -9787,7 +8827,7 @@
           <p:cNvPr id="14" name="Group 13">
             <a:extLst>
               <a:ext uri="{FF2B5EF4-FFF2-40B4-BE49-F238E27FC236}">
-                <a16:creationId xmlns="" xmlns:a16="http://schemas.microsoft.com/office/drawing/2014/main" id="{0DC2055F-AE3F-46BE-B57E-A0F1A86D1C36}"/>
+                <a16:creationId xmlns:a16="http://schemas.microsoft.com/office/drawing/2014/main" xmlns="" id="{0DC2055F-AE3F-46BE-B57E-A0F1A86D1C36}"/>
               </a:ext>
             </a:extLst>
           </p:cNvPr>
@@ -9812,7 +8852,7 @@
             <p:cNvPr id="15" name="Freeform 5">
               <a:extLst>
                 <a:ext uri="{FF2B5EF4-FFF2-40B4-BE49-F238E27FC236}">
-                  <a16:creationId xmlns="" xmlns:a16="http://schemas.microsoft.com/office/drawing/2014/main" id="{C98EF042-A3B8-406D-BC16-153A989F571A}"/>
+                  <a16:creationId xmlns:a16="http://schemas.microsoft.com/office/drawing/2014/main" xmlns="" id="{C98EF042-A3B8-406D-BC16-153A989F571A}"/>
                 </a:ext>
               </a:extLst>
             </p:cNvPr>
@@ -10002,7 +9042,7 @@
             <p:cNvPr id="16" name="Freeform 6">
               <a:extLst>
                 <a:ext uri="{FF2B5EF4-FFF2-40B4-BE49-F238E27FC236}">
-                  <a16:creationId xmlns="" xmlns:a16="http://schemas.microsoft.com/office/drawing/2014/main" id="{68E5FAC9-A660-4D7A-AC84-0A7C8CC3BB65}"/>
+                  <a16:creationId xmlns:a16="http://schemas.microsoft.com/office/drawing/2014/main" xmlns="" id="{68E5FAC9-A660-4D7A-AC84-0A7C8CC3BB65}"/>
                 </a:ext>
               </a:extLst>
             </p:cNvPr>
@@ -10153,7 +9193,7 @@
           <p:cNvPr id="9" name="Picture 8">
             <a:extLst>
               <a:ext uri="{FF2B5EF4-FFF2-40B4-BE49-F238E27FC236}">
-                <a16:creationId xmlns="" xmlns:a16="http://schemas.microsoft.com/office/drawing/2014/main" id="{4FE28ACC-E44C-4381-B768-0310810E78D2}"/>
+                <a16:creationId xmlns:a16="http://schemas.microsoft.com/office/drawing/2014/main" xmlns="" id="{4FE28ACC-E44C-4381-B768-0310810E78D2}"/>
               </a:ext>
             </a:extLst>
           </p:cNvPr>
@@ -10198,7 +9238,7 @@
           <p:cNvPr id="5" name="Straight Connector 4">
             <a:extLst>
               <a:ext uri="{FF2B5EF4-FFF2-40B4-BE49-F238E27FC236}">
-                <a16:creationId xmlns="" xmlns:a16="http://schemas.microsoft.com/office/drawing/2014/main" id="{819AFA09-F4B1-493D-BCAD-FF30C20CD1AA}"/>
+                <a16:creationId xmlns:a16="http://schemas.microsoft.com/office/drawing/2014/main" xmlns="" id="{819AFA09-F4B1-493D-BCAD-FF30C20CD1AA}"/>
               </a:ext>
             </a:extLst>
           </p:cNvPr>
@@ -10295,7 +9335,7 @@
           <p:cNvPr id="10" name="Rectangle 9">
             <a:extLst>
               <a:ext uri="{FF2B5EF4-FFF2-40B4-BE49-F238E27FC236}">
-                <a16:creationId xmlns="" xmlns:a16="http://schemas.microsoft.com/office/drawing/2014/main" id="{F9087E09-D75F-4E26-B01E-A1A09BA2EA70}"/>
+                <a16:creationId xmlns:a16="http://schemas.microsoft.com/office/drawing/2014/main" xmlns="" id="{F9087E09-D75F-4E26-B01E-A1A09BA2EA70}"/>
               </a:ext>
             </a:extLst>
           </p:cNvPr>
@@ -10347,7 +9387,7 @@
           <p:cNvPr id="2" name="Title 1">
             <a:extLst>
               <a:ext uri="{FF2B5EF4-FFF2-40B4-BE49-F238E27FC236}">
-                <a16:creationId xmlns="" xmlns:a16="http://schemas.microsoft.com/office/drawing/2014/main" id="{AF7A70B7-7ADE-4E0B-B956-363B0B1AA613}"/>
+                <a16:creationId xmlns:a16="http://schemas.microsoft.com/office/drawing/2014/main" xmlns="" id="{AF7A70B7-7ADE-4E0B-B956-363B0B1AA613}"/>
               </a:ext>
             </a:extLst>
           </p:cNvPr>
@@ -10391,7 +9431,7 @@
           <p:cNvPr id="8" name="Picture 7">
             <a:extLst>
               <a:ext uri="{FF2B5EF4-FFF2-40B4-BE49-F238E27FC236}">
-                <a16:creationId xmlns="" xmlns:a16="http://schemas.microsoft.com/office/drawing/2014/main" id="{25FC40B0-ED27-47E5-A3C2-32A8418567EE}"/>
+                <a16:creationId xmlns:a16="http://schemas.microsoft.com/office/drawing/2014/main" xmlns="" id="{25FC40B0-ED27-47E5-A3C2-32A8418567EE}"/>
               </a:ext>
             </a:extLst>
           </p:cNvPr>
@@ -10428,7 +9468,7 @@
           <p:cNvPr id="11" name="Oval 10">
             <a:extLst>
               <a:ext uri="{FF2B5EF4-FFF2-40B4-BE49-F238E27FC236}">
-                <a16:creationId xmlns="" xmlns:a16="http://schemas.microsoft.com/office/drawing/2014/main" id="{8931D2A9-0B92-4197-8802-80424C14EA7E}"/>
+                <a16:creationId xmlns:a16="http://schemas.microsoft.com/office/drawing/2014/main" xmlns="" id="{8931D2A9-0B92-4197-8802-80424C14EA7E}"/>
               </a:ext>
             </a:extLst>
           </p:cNvPr>
@@ -10480,7 +9520,7 @@
           <p:cNvPr id="6" name="Slide Number Placeholder 5">
             <a:extLst>
               <a:ext uri="{FF2B5EF4-FFF2-40B4-BE49-F238E27FC236}">
-                <a16:creationId xmlns="" xmlns:a16="http://schemas.microsoft.com/office/drawing/2014/main" id="{533B74B0-30B9-45C2-9AE6-45D1978AAFAE}"/>
+                <a16:creationId xmlns:a16="http://schemas.microsoft.com/office/drawing/2014/main" xmlns="" id="{533B74B0-30B9-45C2-9AE6-45D1978AAFAE}"/>
               </a:ext>
             </a:extLst>
           </p:cNvPr>
@@ -10524,7 +9564,7 @@
           <p:cNvPr id="4" name="Group 3">
             <a:extLst>
               <a:ext uri="{FF2B5EF4-FFF2-40B4-BE49-F238E27FC236}">
-                <a16:creationId xmlns="" xmlns:a16="http://schemas.microsoft.com/office/drawing/2014/main" id="{AD5251EA-F450-4DD1-995B-DC89513424C8}"/>
+                <a16:creationId xmlns:a16="http://schemas.microsoft.com/office/drawing/2014/main" xmlns="" id="{AD5251EA-F450-4DD1-995B-DC89513424C8}"/>
               </a:ext>
             </a:extLst>
           </p:cNvPr>
@@ -10544,7 +9584,7 @@
             <p:cNvPr id="17" name="Oval 16">
               <a:extLst>
                 <a:ext uri="{FF2B5EF4-FFF2-40B4-BE49-F238E27FC236}">
-                  <a16:creationId xmlns="" xmlns:a16="http://schemas.microsoft.com/office/drawing/2014/main" id="{44882F4E-E8C8-46FE-A9C8-7B79782767F6}"/>
+                  <a16:creationId xmlns:a16="http://schemas.microsoft.com/office/drawing/2014/main" xmlns="" id="{44882F4E-E8C8-46FE-A9C8-7B79782767F6}"/>
                 </a:ext>
               </a:extLst>
             </p:cNvPr>
@@ -10598,7 +9638,7 @@
             <p:cNvPr id="18" name="Group 17">
               <a:extLst>
                 <a:ext uri="{FF2B5EF4-FFF2-40B4-BE49-F238E27FC236}">
-                  <a16:creationId xmlns="" xmlns:a16="http://schemas.microsoft.com/office/drawing/2014/main" id="{965CD13B-04FB-40D5-AF62-2F43CF49BA9B}"/>
+                  <a16:creationId xmlns:a16="http://schemas.microsoft.com/office/drawing/2014/main" xmlns="" id="{965CD13B-04FB-40D5-AF62-2F43CF49BA9B}"/>
                 </a:ext>
               </a:extLst>
             </p:cNvPr>
@@ -10623,7 +9663,7 @@
               <p:cNvPr id="19" name="Freeform 5">
                 <a:extLst>
                   <a:ext uri="{FF2B5EF4-FFF2-40B4-BE49-F238E27FC236}">
-                    <a16:creationId xmlns="" xmlns:a16="http://schemas.microsoft.com/office/drawing/2014/main" id="{01876F8F-C11E-4FB2-8150-1F0602752F97}"/>
+                    <a16:creationId xmlns:a16="http://schemas.microsoft.com/office/drawing/2014/main" xmlns="" id="{01876F8F-C11E-4FB2-8150-1F0602752F97}"/>
                   </a:ext>
                 </a:extLst>
               </p:cNvPr>
@@ -10813,7 +9853,7 @@
               <p:cNvPr id="20" name="Freeform 6">
                 <a:extLst>
                   <a:ext uri="{FF2B5EF4-FFF2-40B4-BE49-F238E27FC236}">
-                    <a16:creationId xmlns="" xmlns:a16="http://schemas.microsoft.com/office/drawing/2014/main" id="{08A1D05F-5F61-4156-8C83-1A002AA1E886}"/>
+                    <a16:creationId xmlns:a16="http://schemas.microsoft.com/office/drawing/2014/main" xmlns="" id="{08A1D05F-5F61-4156-8C83-1A002AA1E886}"/>
                   </a:ext>
                 </a:extLst>
               </p:cNvPr>
@@ -10965,7 +10005,7 @@
           <p:cNvPr id="21" name="Text Placeholder 2">
             <a:extLst>
               <a:ext uri="{FF2B5EF4-FFF2-40B4-BE49-F238E27FC236}">
-                <a16:creationId xmlns="" xmlns:a16="http://schemas.microsoft.com/office/drawing/2014/main" id="{4D77C47B-CC1E-41DA-9146-5DFD63065491}"/>
+                <a16:creationId xmlns:a16="http://schemas.microsoft.com/office/drawing/2014/main" xmlns="" id="{4D77C47B-CC1E-41DA-9146-5DFD63065491}"/>
               </a:ext>
             </a:extLst>
           </p:cNvPr>
@@ -11136,7 +10176,7 @@
           <p:cNvPr id="22" name="Group 21">
             <a:extLst>
               <a:ext uri="{FF2B5EF4-FFF2-40B4-BE49-F238E27FC236}">
-                <a16:creationId xmlns="" xmlns:a16="http://schemas.microsoft.com/office/drawing/2014/main" id="{60E0B501-22AA-4685-BE9B-A267F6F675A7}"/>
+                <a16:creationId xmlns:a16="http://schemas.microsoft.com/office/drawing/2014/main" xmlns="" id="{60E0B501-22AA-4685-BE9B-A267F6F675A7}"/>
               </a:ext>
             </a:extLst>
           </p:cNvPr>
@@ -11161,7 +10201,7 @@
             <p:cNvPr id="24" name="Freeform 5">
               <a:extLst>
                 <a:ext uri="{FF2B5EF4-FFF2-40B4-BE49-F238E27FC236}">
-                  <a16:creationId xmlns="" xmlns:a16="http://schemas.microsoft.com/office/drawing/2014/main" id="{5D0E179E-CA3D-4874-9ACD-F8990F48F4BF}"/>
+                  <a16:creationId xmlns:a16="http://schemas.microsoft.com/office/drawing/2014/main" xmlns="" id="{5D0E179E-CA3D-4874-9ACD-F8990F48F4BF}"/>
                 </a:ext>
               </a:extLst>
             </p:cNvPr>
@@ -11351,7 +10391,7 @@
             <p:cNvPr id="25" name="Freeform 6">
               <a:extLst>
                 <a:ext uri="{FF2B5EF4-FFF2-40B4-BE49-F238E27FC236}">
-                  <a16:creationId xmlns="" xmlns:a16="http://schemas.microsoft.com/office/drawing/2014/main" id="{A9C53936-B93A-4CF6-8766-2FA93ACFEBE3}"/>
+                  <a16:creationId xmlns:a16="http://schemas.microsoft.com/office/drawing/2014/main" xmlns="" id="{A9C53936-B93A-4CF6-8766-2FA93ACFEBE3}"/>
                 </a:ext>
               </a:extLst>
             </p:cNvPr>
@@ -11501,7 +10541,7 @@
             <p:cNvPr id="26" name="Freeform 7">
               <a:extLst>
                 <a:ext uri="{FF2B5EF4-FFF2-40B4-BE49-F238E27FC236}">
-                  <a16:creationId xmlns="" xmlns:a16="http://schemas.microsoft.com/office/drawing/2014/main" id="{5776DEA2-5422-4F51-B359-652B71274D31}"/>
+                  <a16:creationId xmlns:a16="http://schemas.microsoft.com/office/drawing/2014/main" xmlns="" id="{5776DEA2-5422-4F51-B359-652B71274D31}"/>
                 </a:ext>
               </a:extLst>
             </p:cNvPr>
@@ -11642,7 +10682,7 @@
           <p:cNvPr id="7" name="Rectangle 6">
             <a:extLst>
               <a:ext uri="{FF2B5EF4-FFF2-40B4-BE49-F238E27FC236}">
-                <a16:creationId xmlns="" xmlns:a16="http://schemas.microsoft.com/office/drawing/2014/main" id="{76627016-BFC4-46D4-89DB-F72E3C3461EC}"/>
+                <a16:creationId xmlns:a16="http://schemas.microsoft.com/office/drawing/2014/main" xmlns="" id="{76627016-BFC4-46D4-89DB-F72E3C3461EC}"/>
               </a:ext>
             </a:extLst>
           </p:cNvPr>
@@ -11698,7 +10738,7 @@
           <p:cNvPr id="15" name="Oval 14">
             <a:extLst>
               <a:ext uri="{FF2B5EF4-FFF2-40B4-BE49-F238E27FC236}">
-                <a16:creationId xmlns="" xmlns:a16="http://schemas.microsoft.com/office/drawing/2014/main" id="{EF515B4A-CB20-4847-8E00-0DD66F1FEBB4}"/>
+                <a16:creationId xmlns:a16="http://schemas.microsoft.com/office/drawing/2014/main" xmlns="" id="{EF515B4A-CB20-4847-8E00-0DD66F1FEBB4}"/>
               </a:ext>
             </a:extLst>
           </p:cNvPr>
@@ -11750,7 +10790,7 @@
           <p:cNvPr id="16" name="Slide Number Placeholder 5">
             <a:extLst>
               <a:ext uri="{FF2B5EF4-FFF2-40B4-BE49-F238E27FC236}">
-                <a16:creationId xmlns="" xmlns:a16="http://schemas.microsoft.com/office/drawing/2014/main" id="{996B64B9-1DF0-4EE9-BAB5-72AFA94B9AFD}"/>
+                <a16:creationId xmlns:a16="http://schemas.microsoft.com/office/drawing/2014/main" xmlns="" id="{996B64B9-1DF0-4EE9-BAB5-72AFA94B9AFD}"/>
               </a:ext>
             </a:extLst>
           </p:cNvPr>
@@ -11794,7 +10834,7 @@
           <p:cNvPr id="27" name="Content Placeholder 2">
             <a:extLst>
               <a:ext uri="{FF2B5EF4-FFF2-40B4-BE49-F238E27FC236}">
-                <a16:creationId xmlns="" xmlns:a16="http://schemas.microsoft.com/office/drawing/2014/main" id="{1A1F33A2-66F7-4D85-99DD-7B00F265AC6D}"/>
+                <a16:creationId xmlns:a16="http://schemas.microsoft.com/office/drawing/2014/main" xmlns="" id="{1A1F33A2-66F7-4D85-99DD-7B00F265AC6D}"/>
               </a:ext>
             </a:extLst>
           </p:cNvPr>
@@ -11857,7 +10897,7 @@
           <p:cNvPr id="12" name="Picture 11">
             <a:extLst>
               <a:ext uri="{FF2B5EF4-FFF2-40B4-BE49-F238E27FC236}">
-                <a16:creationId xmlns="" xmlns:a16="http://schemas.microsoft.com/office/drawing/2014/main" id="{EC2DFD46-BF74-47BA-A496-92ED1979C360}"/>
+                <a16:creationId xmlns:a16="http://schemas.microsoft.com/office/drawing/2014/main" xmlns="" id="{EC2DFD46-BF74-47BA-A496-92ED1979C360}"/>
               </a:ext>
             </a:extLst>
           </p:cNvPr>
@@ -11893,7 +10933,7 @@
           <p:cNvPr id="13" name="Title 1">
             <a:extLst>
               <a:ext uri="{FF2B5EF4-FFF2-40B4-BE49-F238E27FC236}">
-                <a16:creationId xmlns="" xmlns:a16="http://schemas.microsoft.com/office/drawing/2014/main" id="{EF788279-D710-447A-9E71-4D1344575691}"/>
+                <a16:creationId xmlns:a16="http://schemas.microsoft.com/office/drawing/2014/main" xmlns="" id="{EF788279-D710-447A-9E71-4D1344575691}"/>
               </a:ext>
             </a:extLst>
           </p:cNvPr>
@@ -11963,7 +11003,7 @@
           <p:cNvPr id="18" name="Group 17">
             <a:extLst>
               <a:ext uri="{FF2B5EF4-FFF2-40B4-BE49-F238E27FC236}">
-                <a16:creationId xmlns="" xmlns:a16="http://schemas.microsoft.com/office/drawing/2014/main" id="{C2A6B906-ACDA-40FD-8AC8-0B693AB12796}"/>
+                <a16:creationId xmlns:a16="http://schemas.microsoft.com/office/drawing/2014/main" xmlns="" id="{C2A6B906-ACDA-40FD-8AC8-0B693AB12796}"/>
               </a:ext>
             </a:extLst>
           </p:cNvPr>
@@ -11988,7 +11028,7 @@
             <p:cNvPr id="19" name="Freeform 5">
               <a:extLst>
                 <a:ext uri="{FF2B5EF4-FFF2-40B4-BE49-F238E27FC236}">
-                  <a16:creationId xmlns="" xmlns:a16="http://schemas.microsoft.com/office/drawing/2014/main" id="{717F7366-5A99-4065-90C2-AE7DF5DD0F44}"/>
+                  <a16:creationId xmlns:a16="http://schemas.microsoft.com/office/drawing/2014/main" xmlns="" id="{717F7366-5A99-4065-90C2-AE7DF5DD0F44}"/>
                 </a:ext>
               </a:extLst>
             </p:cNvPr>
@@ -12178,7 +11218,7 @@
             <p:cNvPr id="20" name="Freeform 6">
               <a:extLst>
                 <a:ext uri="{FF2B5EF4-FFF2-40B4-BE49-F238E27FC236}">
-                  <a16:creationId xmlns="" xmlns:a16="http://schemas.microsoft.com/office/drawing/2014/main" id="{90A089CA-63B9-4456-B0B1-17C75EBFB982}"/>
+                  <a16:creationId xmlns:a16="http://schemas.microsoft.com/office/drawing/2014/main" xmlns="" id="{90A089CA-63B9-4456-B0B1-17C75EBFB982}"/>
                 </a:ext>
               </a:extLst>
             </p:cNvPr>
@@ -12328,7 +11368,7 @@
             <p:cNvPr id="22" name="Freeform 7">
               <a:extLst>
                 <a:ext uri="{FF2B5EF4-FFF2-40B4-BE49-F238E27FC236}">
-                  <a16:creationId xmlns="" xmlns:a16="http://schemas.microsoft.com/office/drawing/2014/main" id="{8D36B2D1-BCFE-43FC-8743-7B7A30E1AD5D}"/>
+                  <a16:creationId xmlns:a16="http://schemas.microsoft.com/office/drawing/2014/main" xmlns="" id="{8D36B2D1-BCFE-43FC-8743-7B7A30E1AD5D}"/>
                 </a:ext>
               </a:extLst>
             </p:cNvPr>
@@ -12469,7 +11509,7 @@
           <p:cNvPr id="7" name="Rectangle 6">
             <a:extLst>
               <a:ext uri="{FF2B5EF4-FFF2-40B4-BE49-F238E27FC236}">
-                <a16:creationId xmlns="" xmlns:a16="http://schemas.microsoft.com/office/drawing/2014/main" id="{76627016-BFC4-46D4-89DB-F72E3C3461EC}"/>
+                <a16:creationId xmlns:a16="http://schemas.microsoft.com/office/drawing/2014/main" xmlns="" id="{76627016-BFC4-46D4-89DB-F72E3C3461EC}"/>
               </a:ext>
             </a:extLst>
           </p:cNvPr>
@@ -12525,7 +11565,7 @@
           <p:cNvPr id="15" name="Oval 14">
             <a:extLst>
               <a:ext uri="{FF2B5EF4-FFF2-40B4-BE49-F238E27FC236}">
-                <a16:creationId xmlns="" xmlns:a16="http://schemas.microsoft.com/office/drawing/2014/main" id="{EF515B4A-CB20-4847-8E00-0DD66F1FEBB4}"/>
+                <a16:creationId xmlns:a16="http://schemas.microsoft.com/office/drawing/2014/main" xmlns="" id="{EF515B4A-CB20-4847-8E00-0DD66F1FEBB4}"/>
               </a:ext>
             </a:extLst>
           </p:cNvPr>
@@ -12577,7 +11617,7 @@
           <p:cNvPr id="16" name="Slide Number Placeholder 5">
             <a:extLst>
               <a:ext uri="{FF2B5EF4-FFF2-40B4-BE49-F238E27FC236}">
-                <a16:creationId xmlns="" xmlns:a16="http://schemas.microsoft.com/office/drawing/2014/main" id="{996B64B9-1DF0-4EE9-BAB5-72AFA94B9AFD}"/>
+                <a16:creationId xmlns:a16="http://schemas.microsoft.com/office/drawing/2014/main" xmlns="" id="{996B64B9-1DF0-4EE9-BAB5-72AFA94B9AFD}"/>
               </a:ext>
             </a:extLst>
           </p:cNvPr>
@@ -12621,7 +11661,7 @@
           <p:cNvPr id="14" name="Content Placeholder 2">
             <a:extLst>
               <a:ext uri="{FF2B5EF4-FFF2-40B4-BE49-F238E27FC236}">
-                <a16:creationId xmlns="" xmlns:a16="http://schemas.microsoft.com/office/drawing/2014/main" id="{079DA8F4-EDD3-4D62-A90B-8C3C1AFB0083}"/>
+                <a16:creationId xmlns:a16="http://schemas.microsoft.com/office/drawing/2014/main" xmlns="" id="{079DA8F4-EDD3-4D62-A90B-8C3C1AFB0083}"/>
               </a:ext>
             </a:extLst>
           </p:cNvPr>
@@ -12684,7 +11724,7 @@
           <p:cNvPr id="17" name="Content Placeholder 3">
             <a:extLst>
               <a:ext uri="{FF2B5EF4-FFF2-40B4-BE49-F238E27FC236}">
-                <a16:creationId xmlns="" xmlns:a16="http://schemas.microsoft.com/office/drawing/2014/main" id="{DA0DA994-B4A9-447A-BEBF-3EA31D3755A2}"/>
+                <a16:creationId xmlns:a16="http://schemas.microsoft.com/office/drawing/2014/main" xmlns="" id="{DA0DA994-B4A9-447A-BEBF-3EA31D3755A2}"/>
               </a:ext>
             </a:extLst>
           </p:cNvPr>
@@ -12747,7 +11787,7 @@
           <p:cNvPr id="13" name="Picture 12">
             <a:extLst>
               <a:ext uri="{FF2B5EF4-FFF2-40B4-BE49-F238E27FC236}">
-                <a16:creationId xmlns="" xmlns:a16="http://schemas.microsoft.com/office/drawing/2014/main" id="{332150F9-14BF-4DCB-884D-49596914C290}"/>
+                <a16:creationId xmlns:a16="http://schemas.microsoft.com/office/drawing/2014/main" xmlns="" id="{332150F9-14BF-4DCB-884D-49596914C290}"/>
               </a:ext>
             </a:extLst>
           </p:cNvPr>
@@ -12783,7 +11823,7 @@
           <p:cNvPr id="21" name="Title 1">
             <a:extLst>
               <a:ext uri="{FF2B5EF4-FFF2-40B4-BE49-F238E27FC236}">
-                <a16:creationId xmlns="" xmlns:a16="http://schemas.microsoft.com/office/drawing/2014/main" id="{19DEF115-82C2-4E9D-A22C-8DA561FB37B8}"/>
+                <a16:creationId xmlns:a16="http://schemas.microsoft.com/office/drawing/2014/main" xmlns="" id="{19DEF115-82C2-4E9D-A22C-8DA561FB37B8}"/>
               </a:ext>
             </a:extLst>
           </p:cNvPr>
@@ -12853,7 +11893,7 @@
           <p:cNvPr id="20" name="Group 19">
             <a:extLst>
               <a:ext uri="{FF2B5EF4-FFF2-40B4-BE49-F238E27FC236}">
-                <a16:creationId xmlns="" xmlns:a16="http://schemas.microsoft.com/office/drawing/2014/main" id="{616F52B4-215E-4237-893C-E22B23804744}"/>
+                <a16:creationId xmlns:a16="http://schemas.microsoft.com/office/drawing/2014/main" xmlns="" id="{616F52B4-215E-4237-893C-E22B23804744}"/>
               </a:ext>
             </a:extLst>
           </p:cNvPr>
@@ -12878,7 +11918,7 @@
             <p:cNvPr id="22" name="Freeform 5">
               <a:extLst>
                 <a:ext uri="{FF2B5EF4-FFF2-40B4-BE49-F238E27FC236}">
-                  <a16:creationId xmlns="" xmlns:a16="http://schemas.microsoft.com/office/drawing/2014/main" id="{B7C40C77-B795-4B07-B92D-2E8A56635773}"/>
+                  <a16:creationId xmlns:a16="http://schemas.microsoft.com/office/drawing/2014/main" xmlns="" id="{B7C40C77-B795-4B07-B92D-2E8A56635773}"/>
                 </a:ext>
               </a:extLst>
             </p:cNvPr>
@@ -13068,7 +12108,7 @@
             <p:cNvPr id="23" name="Freeform 6">
               <a:extLst>
                 <a:ext uri="{FF2B5EF4-FFF2-40B4-BE49-F238E27FC236}">
-                  <a16:creationId xmlns="" xmlns:a16="http://schemas.microsoft.com/office/drawing/2014/main" id="{6E703A1E-5F10-4BB5-9D52-77CB6F5994C0}"/>
+                  <a16:creationId xmlns:a16="http://schemas.microsoft.com/office/drawing/2014/main" xmlns="" id="{6E703A1E-5F10-4BB5-9D52-77CB6F5994C0}"/>
                 </a:ext>
               </a:extLst>
             </p:cNvPr>
@@ -13218,7 +12258,7 @@
             <p:cNvPr id="24" name="Freeform 7">
               <a:extLst>
                 <a:ext uri="{FF2B5EF4-FFF2-40B4-BE49-F238E27FC236}">
-                  <a16:creationId xmlns="" xmlns:a16="http://schemas.microsoft.com/office/drawing/2014/main" id="{22CEE04C-09CE-41CF-937D-EC2D3C23ECC6}"/>
+                  <a16:creationId xmlns:a16="http://schemas.microsoft.com/office/drawing/2014/main" xmlns="" id="{22CEE04C-09CE-41CF-937D-EC2D3C23ECC6}"/>
                 </a:ext>
               </a:extLst>
             </p:cNvPr>
@@ -13359,7 +12399,7 @@
           <p:cNvPr id="7" name="Rectangle 6">
             <a:extLst>
               <a:ext uri="{FF2B5EF4-FFF2-40B4-BE49-F238E27FC236}">
-                <a16:creationId xmlns="" xmlns:a16="http://schemas.microsoft.com/office/drawing/2014/main" id="{76627016-BFC4-46D4-89DB-F72E3C3461EC}"/>
+                <a16:creationId xmlns:a16="http://schemas.microsoft.com/office/drawing/2014/main" xmlns="" id="{76627016-BFC4-46D4-89DB-F72E3C3461EC}"/>
               </a:ext>
             </a:extLst>
           </p:cNvPr>
@@ -13415,7 +12455,7 @@
           <p:cNvPr id="15" name="Oval 14">
             <a:extLst>
               <a:ext uri="{FF2B5EF4-FFF2-40B4-BE49-F238E27FC236}">
-                <a16:creationId xmlns="" xmlns:a16="http://schemas.microsoft.com/office/drawing/2014/main" id="{EF515B4A-CB20-4847-8E00-0DD66F1FEBB4}"/>
+                <a16:creationId xmlns:a16="http://schemas.microsoft.com/office/drawing/2014/main" xmlns="" id="{EF515B4A-CB20-4847-8E00-0DD66F1FEBB4}"/>
               </a:ext>
             </a:extLst>
           </p:cNvPr>
@@ -13467,7 +12507,7 @@
           <p:cNvPr id="16" name="Slide Number Placeholder 5">
             <a:extLst>
               <a:ext uri="{FF2B5EF4-FFF2-40B4-BE49-F238E27FC236}">
-                <a16:creationId xmlns="" xmlns:a16="http://schemas.microsoft.com/office/drawing/2014/main" id="{996B64B9-1DF0-4EE9-BAB5-72AFA94B9AFD}"/>
+                <a16:creationId xmlns:a16="http://schemas.microsoft.com/office/drawing/2014/main" xmlns="" id="{996B64B9-1DF0-4EE9-BAB5-72AFA94B9AFD}"/>
               </a:ext>
             </a:extLst>
           </p:cNvPr>
@@ -13511,7 +12551,7 @@
           <p:cNvPr id="14" name="Text Placeholder 2">
             <a:extLst>
               <a:ext uri="{FF2B5EF4-FFF2-40B4-BE49-F238E27FC236}">
-                <a16:creationId xmlns="" xmlns:a16="http://schemas.microsoft.com/office/drawing/2014/main" id="{774CF4BA-8DCB-42CF-A2C4-D6AF95EE3F54}"/>
+                <a16:creationId xmlns:a16="http://schemas.microsoft.com/office/drawing/2014/main" xmlns="" id="{774CF4BA-8DCB-42CF-A2C4-D6AF95EE3F54}"/>
               </a:ext>
             </a:extLst>
           </p:cNvPr>
@@ -13586,7 +12626,7 @@
           <p:cNvPr id="17" name="Content Placeholder 3">
             <a:extLst>
               <a:ext uri="{FF2B5EF4-FFF2-40B4-BE49-F238E27FC236}">
-                <a16:creationId xmlns="" xmlns:a16="http://schemas.microsoft.com/office/drawing/2014/main" id="{67BA8B6E-A28D-4658-8C91-6CA7BD539B85}"/>
+                <a16:creationId xmlns:a16="http://schemas.microsoft.com/office/drawing/2014/main" xmlns="" id="{67BA8B6E-A28D-4658-8C91-6CA7BD539B85}"/>
               </a:ext>
             </a:extLst>
           </p:cNvPr>
@@ -13649,7 +12689,7 @@
           <p:cNvPr id="18" name="Text Placeholder 4">
             <a:extLst>
               <a:ext uri="{FF2B5EF4-FFF2-40B4-BE49-F238E27FC236}">
-                <a16:creationId xmlns="" xmlns:a16="http://schemas.microsoft.com/office/drawing/2014/main" id="{F73B3215-82DB-4DBF-9E77-3AE2308C6920}"/>
+                <a16:creationId xmlns:a16="http://schemas.microsoft.com/office/drawing/2014/main" xmlns="" id="{F73B3215-82DB-4DBF-9E77-3AE2308C6920}"/>
               </a:ext>
             </a:extLst>
           </p:cNvPr>
@@ -13724,7 +12764,7 @@
           <p:cNvPr id="19" name="Content Placeholder 5">
             <a:extLst>
               <a:ext uri="{FF2B5EF4-FFF2-40B4-BE49-F238E27FC236}">
-                <a16:creationId xmlns="" xmlns:a16="http://schemas.microsoft.com/office/drawing/2014/main" id="{8DFD34E8-36CC-4FFE-926B-C170208FEDB8}"/>
+                <a16:creationId xmlns:a16="http://schemas.microsoft.com/office/drawing/2014/main" xmlns="" id="{8DFD34E8-36CC-4FFE-926B-C170208FEDB8}"/>
               </a:ext>
             </a:extLst>
           </p:cNvPr>
@@ -13787,7 +12827,7 @@
           <p:cNvPr id="21" name="Picture 20">
             <a:extLst>
               <a:ext uri="{FF2B5EF4-FFF2-40B4-BE49-F238E27FC236}">
-                <a16:creationId xmlns="" xmlns:a16="http://schemas.microsoft.com/office/drawing/2014/main" id="{03383C6B-3BE4-4380-AF26-1C21492FCE8A}"/>
+                <a16:creationId xmlns:a16="http://schemas.microsoft.com/office/drawing/2014/main" xmlns="" id="{03383C6B-3BE4-4380-AF26-1C21492FCE8A}"/>
               </a:ext>
             </a:extLst>
           </p:cNvPr>
@@ -13823,7 +12863,7 @@
           <p:cNvPr id="25" name="Title 1">
             <a:extLst>
               <a:ext uri="{FF2B5EF4-FFF2-40B4-BE49-F238E27FC236}">
-                <a16:creationId xmlns="" xmlns:a16="http://schemas.microsoft.com/office/drawing/2014/main" id="{AE3770E9-CB74-47B0-8229-91F6F756015E}"/>
+                <a16:creationId xmlns:a16="http://schemas.microsoft.com/office/drawing/2014/main" xmlns="" id="{AE3770E9-CB74-47B0-8229-91F6F756015E}"/>
               </a:ext>
             </a:extLst>
           </p:cNvPr>
@@ -13893,7 +12933,7 @@
           <p:cNvPr id="22" name="Picture Placeholder 21">
             <a:extLst>
               <a:ext uri="{FF2B5EF4-FFF2-40B4-BE49-F238E27FC236}">
-                <a16:creationId xmlns="" xmlns:a16="http://schemas.microsoft.com/office/drawing/2014/main" id="{C57825D7-DD33-4B70-BBBE-D46E7A5352EC}"/>
+                <a16:creationId xmlns:a16="http://schemas.microsoft.com/office/drawing/2014/main" xmlns="" id="{C57825D7-DD33-4B70-BBBE-D46E7A5352EC}"/>
               </a:ext>
             </a:extLst>
           </p:cNvPr>
@@ -14031,7 +13071,7 @@
           <p:cNvPr id="14" name="Group 13">
             <a:extLst>
               <a:ext uri="{FF2B5EF4-FFF2-40B4-BE49-F238E27FC236}">
-                <a16:creationId xmlns="" xmlns:a16="http://schemas.microsoft.com/office/drawing/2014/main" id="{0DC2055F-AE3F-46BE-B57E-A0F1A86D1C36}"/>
+                <a16:creationId xmlns:a16="http://schemas.microsoft.com/office/drawing/2014/main" xmlns="" id="{0DC2055F-AE3F-46BE-B57E-A0F1A86D1C36}"/>
               </a:ext>
             </a:extLst>
           </p:cNvPr>
@@ -14056,7 +13096,7 @@
             <p:cNvPr id="15" name="Freeform 5">
               <a:extLst>
                 <a:ext uri="{FF2B5EF4-FFF2-40B4-BE49-F238E27FC236}">
-                  <a16:creationId xmlns="" xmlns:a16="http://schemas.microsoft.com/office/drawing/2014/main" id="{C98EF042-A3B8-406D-BC16-153A989F571A}"/>
+                  <a16:creationId xmlns:a16="http://schemas.microsoft.com/office/drawing/2014/main" xmlns="" id="{C98EF042-A3B8-406D-BC16-153A989F571A}"/>
                 </a:ext>
               </a:extLst>
             </p:cNvPr>
@@ -14246,7 +13286,7 @@
             <p:cNvPr id="16" name="Freeform 6">
               <a:extLst>
                 <a:ext uri="{FF2B5EF4-FFF2-40B4-BE49-F238E27FC236}">
-                  <a16:creationId xmlns="" xmlns:a16="http://schemas.microsoft.com/office/drawing/2014/main" id="{68E5FAC9-A660-4D7A-AC84-0A7C8CC3BB65}"/>
+                  <a16:creationId xmlns:a16="http://schemas.microsoft.com/office/drawing/2014/main" xmlns="" id="{68E5FAC9-A660-4D7A-AC84-0A7C8CC3BB65}"/>
                 </a:ext>
               </a:extLst>
             </p:cNvPr>
@@ -14397,7 +13437,7 @@
           <p:cNvPr id="19" name="Title 1">
             <a:extLst>
               <a:ext uri="{FF2B5EF4-FFF2-40B4-BE49-F238E27FC236}">
-                <a16:creationId xmlns="" xmlns:a16="http://schemas.microsoft.com/office/drawing/2014/main" id="{19A1397F-1946-4CBE-9EC5-159C3CBC78B6}"/>
+                <a16:creationId xmlns:a16="http://schemas.microsoft.com/office/drawing/2014/main" xmlns="" id="{19A1397F-1946-4CBE-9EC5-159C3CBC78B6}"/>
               </a:ext>
             </a:extLst>
           </p:cNvPr>
@@ -14435,7 +13475,7 @@
           <p:cNvPr id="20" name="Text Placeholder 3">
             <a:extLst>
               <a:ext uri="{FF2B5EF4-FFF2-40B4-BE49-F238E27FC236}">
-                <a16:creationId xmlns="" xmlns:a16="http://schemas.microsoft.com/office/drawing/2014/main" id="{C535F2AB-153E-44A9-97BE-00553BEC1770}"/>
+                <a16:creationId xmlns:a16="http://schemas.microsoft.com/office/drawing/2014/main" xmlns="" id="{C535F2AB-153E-44A9-97BE-00553BEC1770}"/>
               </a:ext>
             </a:extLst>
           </p:cNvPr>
@@ -14507,7 +13547,7 @@
           <p:cNvPr id="8" name="Picture 7">
             <a:extLst>
               <a:ext uri="{FF2B5EF4-FFF2-40B4-BE49-F238E27FC236}">
-                <a16:creationId xmlns="" xmlns:a16="http://schemas.microsoft.com/office/drawing/2014/main" id="{06298D65-1027-4897-A948-DCEEF8FC3D98}"/>
+                <a16:creationId xmlns:a16="http://schemas.microsoft.com/office/drawing/2014/main" xmlns="" id="{06298D65-1027-4897-A948-DCEEF8FC3D98}"/>
               </a:ext>
             </a:extLst>
           </p:cNvPr>
@@ -14573,7 +13613,7 @@
           <p:cNvPr id="19" name="Group 18">
             <a:extLst>
               <a:ext uri="{FF2B5EF4-FFF2-40B4-BE49-F238E27FC236}">
-                <a16:creationId xmlns="" xmlns:a16="http://schemas.microsoft.com/office/drawing/2014/main" id="{9F866E5C-B8AA-4805-B232-831BA01AAF16}"/>
+                <a16:creationId xmlns:a16="http://schemas.microsoft.com/office/drawing/2014/main" xmlns="" id="{9F866E5C-B8AA-4805-B232-831BA01AAF16}"/>
               </a:ext>
             </a:extLst>
           </p:cNvPr>
@@ -14598,7 +13638,7 @@
             <p:cNvPr id="20" name="Freeform 5">
               <a:extLst>
                 <a:ext uri="{FF2B5EF4-FFF2-40B4-BE49-F238E27FC236}">
-                  <a16:creationId xmlns="" xmlns:a16="http://schemas.microsoft.com/office/drawing/2014/main" id="{F98614F0-2DA3-4F29-8CB3-D61424AC8506}"/>
+                  <a16:creationId xmlns:a16="http://schemas.microsoft.com/office/drawing/2014/main" xmlns="" id="{F98614F0-2DA3-4F29-8CB3-D61424AC8506}"/>
                 </a:ext>
               </a:extLst>
             </p:cNvPr>
@@ -14788,7 +13828,7 @@
             <p:cNvPr id="22" name="Freeform 6">
               <a:extLst>
                 <a:ext uri="{FF2B5EF4-FFF2-40B4-BE49-F238E27FC236}">
-                  <a16:creationId xmlns="" xmlns:a16="http://schemas.microsoft.com/office/drawing/2014/main" id="{66D52F08-13EC-4AB4-BB79-89A5395A03BF}"/>
+                  <a16:creationId xmlns:a16="http://schemas.microsoft.com/office/drawing/2014/main" xmlns="" id="{66D52F08-13EC-4AB4-BB79-89A5395A03BF}"/>
                 </a:ext>
               </a:extLst>
             </p:cNvPr>
@@ -14938,7 +13978,7 @@
             <p:cNvPr id="23" name="Freeform 7">
               <a:extLst>
                 <a:ext uri="{FF2B5EF4-FFF2-40B4-BE49-F238E27FC236}">
-                  <a16:creationId xmlns="" xmlns:a16="http://schemas.microsoft.com/office/drawing/2014/main" id="{2544236D-8C3A-41EF-9A68-C84A8A7D0F5A}"/>
+                  <a16:creationId xmlns:a16="http://schemas.microsoft.com/office/drawing/2014/main" xmlns="" id="{2544236D-8C3A-41EF-9A68-C84A8A7D0F5A}"/>
                 </a:ext>
               </a:extLst>
             </p:cNvPr>
@@ -15079,7 +14119,7 @@
           <p:cNvPr id="7" name="Rectangle 6">
             <a:extLst>
               <a:ext uri="{FF2B5EF4-FFF2-40B4-BE49-F238E27FC236}">
-                <a16:creationId xmlns="" xmlns:a16="http://schemas.microsoft.com/office/drawing/2014/main" id="{76627016-BFC4-46D4-89DB-F72E3C3461EC}"/>
+                <a16:creationId xmlns:a16="http://schemas.microsoft.com/office/drawing/2014/main" xmlns="" id="{76627016-BFC4-46D4-89DB-F72E3C3461EC}"/>
               </a:ext>
             </a:extLst>
           </p:cNvPr>
@@ -15135,7 +14175,7 @@
           <p:cNvPr id="15" name="Oval 14">
             <a:extLst>
               <a:ext uri="{FF2B5EF4-FFF2-40B4-BE49-F238E27FC236}">
-                <a16:creationId xmlns="" xmlns:a16="http://schemas.microsoft.com/office/drawing/2014/main" id="{EF515B4A-CB20-4847-8E00-0DD66F1FEBB4}"/>
+                <a16:creationId xmlns:a16="http://schemas.microsoft.com/office/drawing/2014/main" xmlns="" id="{EF515B4A-CB20-4847-8E00-0DD66F1FEBB4}"/>
               </a:ext>
             </a:extLst>
           </p:cNvPr>
@@ -15187,7 +14227,7 @@
           <p:cNvPr id="16" name="Slide Number Placeholder 5">
             <a:extLst>
               <a:ext uri="{FF2B5EF4-FFF2-40B4-BE49-F238E27FC236}">
-                <a16:creationId xmlns="" xmlns:a16="http://schemas.microsoft.com/office/drawing/2014/main" id="{996B64B9-1DF0-4EE9-BAB5-72AFA94B9AFD}"/>
+                <a16:creationId xmlns:a16="http://schemas.microsoft.com/office/drawing/2014/main" xmlns="" id="{996B64B9-1DF0-4EE9-BAB5-72AFA94B9AFD}"/>
               </a:ext>
             </a:extLst>
           </p:cNvPr>
@@ -15231,7 +14271,7 @@
           <p:cNvPr id="14" name="Title 1">
             <a:extLst>
               <a:ext uri="{FF2B5EF4-FFF2-40B4-BE49-F238E27FC236}">
-                <a16:creationId xmlns="" xmlns:a16="http://schemas.microsoft.com/office/drawing/2014/main" id="{9009D5C6-6206-4291-8037-67DC025F0B4C}"/>
+                <a16:creationId xmlns:a16="http://schemas.microsoft.com/office/drawing/2014/main" xmlns="" id="{9009D5C6-6206-4291-8037-67DC025F0B4C}"/>
               </a:ext>
             </a:extLst>
           </p:cNvPr>
@@ -15269,7 +14309,7 @@
           <p:cNvPr id="17" name="Text Placeholder 3">
             <a:extLst>
               <a:ext uri="{FF2B5EF4-FFF2-40B4-BE49-F238E27FC236}">
-                <a16:creationId xmlns="" xmlns:a16="http://schemas.microsoft.com/office/drawing/2014/main" id="{BEB643FD-AA85-4A43-8EBD-AFD10DD98793}"/>
+                <a16:creationId xmlns:a16="http://schemas.microsoft.com/office/drawing/2014/main" xmlns="" id="{BEB643FD-AA85-4A43-8EBD-AFD10DD98793}"/>
               </a:ext>
             </a:extLst>
           </p:cNvPr>
@@ -15340,7 +14380,7 @@
           <p:cNvPr id="18" name="Content Placeholder 2">
             <a:extLst>
               <a:ext uri="{FF2B5EF4-FFF2-40B4-BE49-F238E27FC236}">
-                <a16:creationId xmlns="" xmlns:a16="http://schemas.microsoft.com/office/drawing/2014/main" id="{9001F313-F798-43BE-AFF0-A68C84C3640D}"/>
+                <a16:creationId xmlns:a16="http://schemas.microsoft.com/office/drawing/2014/main" xmlns="" id="{9001F313-F798-43BE-AFF0-A68C84C3640D}"/>
               </a:ext>
             </a:extLst>
           </p:cNvPr>
@@ -15431,7 +14471,7 @@
           <p:cNvPr id="13" name="Picture 12">
             <a:extLst>
               <a:ext uri="{FF2B5EF4-FFF2-40B4-BE49-F238E27FC236}">
-                <a16:creationId xmlns="" xmlns:a16="http://schemas.microsoft.com/office/drawing/2014/main" id="{91881DEA-0ECB-4310-ADF5-4337ACB4338B}"/>
+                <a16:creationId xmlns:a16="http://schemas.microsoft.com/office/drawing/2014/main" xmlns="" id="{91881DEA-0ECB-4310-ADF5-4337ACB4338B}"/>
               </a:ext>
             </a:extLst>
           </p:cNvPr>
@@ -15509,7 +14549,7 @@
           <a:p>
             <a:fld id="{11489015-5B70-4D85-AA05-A54131EA11AC}" type="datetime3">
               <a:rPr lang="en-US" smtClean="0"/>
-              <a:t>2 July 2019</a:t>
+              <a:t>5 July 2019</a:t>
             </a:fld>
             <a:endParaRPr lang="en-US"/>
           </a:p>
@@ -15615,7 +14655,7 @@
           <p:cNvPr id="4" name="Rectangle 3">
             <a:extLst>
               <a:ext uri="{FF2B5EF4-FFF2-40B4-BE49-F238E27FC236}">
-                <a16:creationId xmlns="" xmlns:a16="http://schemas.microsoft.com/office/drawing/2014/main" id="{86299464-ED20-4919-8B3A-2CFAE8DA2347}"/>
+                <a16:creationId xmlns:a16="http://schemas.microsoft.com/office/drawing/2014/main" xmlns="" id="{86299464-ED20-4919-8B3A-2CFAE8DA2347}"/>
               </a:ext>
             </a:extLst>
           </p:cNvPr>
@@ -15667,7 +14707,7 @@
           <p:cNvPr id="2" name="Title 1">
             <a:extLst>
               <a:ext uri="{FF2B5EF4-FFF2-40B4-BE49-F238E27FC236}">
-                <a16:creationId xmlns="" xmlns:a16="http://schemas.microsoft.com/office/drawing/2014/main" id="{2456FD49-C258-4333-9422-358C976A341C}"/>
+                <a16:creationId xmlns:a16="http://schemas.microsoft.com/office/drawing/2014/main" xmlns="" id="{2456FD49-C258-4333-9422-358C976A341C}"/>
               </a:ext>
             </a:extLst>
           </p:cNvPr>
@@ -15711,7 +14751,7 @@
           <p:cNvPr id="3" name="Subtitle 2">
             <a:extLst>
               <a:ext uri="{FF2B5EF4-FFF2-40B4-BE49-F238E27FC236}">
-                <a16:creationId xmlns="" xmlns:a16="http://schemas.microsoft.com/office/drawing/2014/main" id="{59758E15-A93D-4FB9-843D-1490E27A151B}"/>
+                <a16:creationId xmlns:a16="http://schemas.microsoft.com/office/drawing/2014/main" xmlns="" id="{59758E15-A93D-4FB9-843D-1490E27A151B}"/>
               </a:ext>
             </a:extLst>
           </p:cNvPr>
@@ -15788,7 +14828,7 @@
           <p:cNvPr id="13" name="Picture Placeholder 12">
             <a:extLst>
               <a:ext uri="{FF2B5EF4-FFF2-40B4-BE49-F238E27FC236}">
-                <a16:creationId xmlns="" xmlns:a16="http://schemas.microsoft.com/office/drawing/2014/main" id="{BCCC559D-0EC3-432C-B397-6897B366DF36}"/>
+                <a16:creationId xmlns:a16="http://schemas.microsoft.com/office/drawing/2014/main" xmlns="" id="{BCCC559D-0EC3-432C-B397-6897B366DF36}"/>
               </a:ext>
             </a:extLst>
           </p:cNvPr>
@@ -15833,7 +14873,7 @@
           <p:cNvPr id="14" name="Group 13">
             <a:extLst>
               <a:ext uri="{FF2B5EF4-FFF2-40B4-BE49-F238E27FC236}">
-                <a16:creationId xmlns="" xmlns:a16="http://schemas.microsoft.com/office/drawing/2014/main" id="{0DC2055F-AE3F-46BE-B57E-A0F1A86D1C36}"/>
+                <a16:creationId xmlns:a16="http://schemas.microsoft.com/office/drawing/2014/main" xmlns="" id="{0DC2055F-AE3F-46BE-B57E-A0F1A86D1C36}"/>
               </a:ext>
             </a:extLst>
           </p:cNvPr>
@@ -15858,7 +14898,7 @@
             <p:cNvPr id="15" name="Freeform 5">
               <a:extLst>
                 <a:ext uri="{FF2B5EF4-FFF2-40B4-BE49-F238E27FC236}">
-                  <a16:creationId xmlns="" xmlns:a16="http://schemas.microsoft.com/office/drawing/2014/main" id="{C98EF042-A3B8-406D-BC16-153A989F571A}"/>
+                  <a16:creationId xmlns:a16="http://schemas.microsoft.com/office/drawing/2014/main" xmlns="" id="{C98EF042-A3B8-406D-BC16-153A989F571A}"/>
                 </a:ext>
               </a:extLst>
             </p:cNvPr>
@@ -16048,7 +15088,7 @@
             <p:cNvPr id="16" name="Freeform 6">
               <a:extLst>
                 <a:ext uri="{FF2B5EF4-FFF2-40B4-BE49-F238E27FC236}">
-                  <a16:creationId xmlns="" xmlns:a16="http://schemas.microsoft.com/office/drawing/2014/main" id="{68E5FAC9-A660-4D7A-AC84-0A7C8CC3BB65}"/>
+                  <a16:creationId xmlns:a16="http://schemas.microsoft.com/office/drawing/2014/main" xmlns="" id="{68E5FAC9-A660-4D7A-AC84-0A7C8CC3BB65}"/>
                 </a:ext>
               </a:extLst>
             </p:cNvPr>
@@ -16199,7 +15239,7 @@
           <p:cNvPr id="9" name="Picture 8">
             <a:extLst>
               <a:ext uri="{FF2B5EF4-FFF2-40B4-BE49-F238E27FC236}">
-                <a16:creationId xmlns="" xmlns:a16="http://schemas.microsoft.com/office/drawing/2014/main" id="{4FE28ACC-E44C-4381-B768-0310810E78D2}"/>
+                <a16:creationId xmlns:a16="http://schemas.microsoft.com/office/drawing/2014/main" xmlns="" id="{4FE28ACC-E44C-4381-B768-0310810E78D2}"/>
               </a:ext>
             </a:extLst>
           </p:cNvPr>
@@ -16244,7 +15284,7 @@
           <p:cNvPr id="5" name="Straight Connector 4">
             <a:extLst>
               <a:ext uri="{FF2B5EF4-FFF2-40B4-BE49-F238E27FC236}">
-                <a16:creationId xmlns="" xmlns:a16="http://schemas.microsoft.com/office/drawing/2014/main" id="{819AFA09-F4B1-493D-BCAD-FF30C20CD1AA}"/>
+                <a16:creationId xmlns:a16="http://schemas.microsoft.com/office/drawing/2014/main" xmlns="" id="{819AFA09-F4B1-493D-BCAD-FF30C20CD1AA}"/>
               </a:ext>
             </a:extLst>
           </p:cNvPr>
@@ -16341,7 +15381,7 @@
           <p:cNvPr id="10" name="Rectangle 9">
             <a:extLst>
               <a:ext uri="{FF2B5EF4-FFF2-40B4-BE49-F238E27FC236}">
-                <a16:creationId xmlns="" xmlns:a16="http://schemas.microsoft.com/office/drawing/2014/main" id="{F9087E09-D75F-4E26-B01E-A1A09BA2EA70}"/>
+                <a16:creationId xmlns:a16="http://schemas.microsoft.com/office/drawing/2014/main" xmlns="" id="{F9087E09-D75F-4E26-B01E-A1A09BA2EA70}"/>
               </a:ext>
             </a:extLst>
           </p:cNvPr>
@@ -16393,7 +15433,7 @@
           <p:cNvPr id="2" name="Title 1">
             <a:extLst>
               <a:ext uri="{FF2B5EF4-FFF2-40B4-BE49-F238E27FC236}">
-                <a16:creationId xmlns="" xmlns:a16="http://schemas.microsoft.com/office/drawing/2014/main" id="{AF7A70B7-7ADE-4E0B-B956-363B0B1AA613}"/>
+                <a16:creationId xmlns:a16="http://schemas.microsoft.com/office/drawing/2014/main" xmlns="" id="{AF7A70B7-7ADE-4E0B-B956-363B0B1AA613}"/>
               </a:ext>
             </a:extLst>
           </p:cNvPr>
@@ -16437,7 +15477,7 @@
           <p:cNvPr id="3" name="Text Placeholder 2">
             <a:extLst>
               <a:ext uri="{FF2B5EF4-FFF2-40B4-BE49-F238E27FC236}">
-                <a16:creationId xmlns="" xmlns:a16="http://schemas.microsoft.com/office/drawing/2014/main" id="{4ACB5603-8A62-4D45-B6EF-0D7E2D5FC4F7}"/>
+                <a16:creationId xmlns:a16="http://schemas.microsoft.com/office/drawing/2014/main" xmlns="" id="{4ACB5603-8A62-4D45-B6EF-0D7E2D5FC4F7}"/>
               </a:ext>
             </a:extLst>
           </p:cNvPr>
@@ -16562,7 +15602,7 @@
           <p:cNvPr id="8" name="Picture 7">
             <a:extLst>
               <a:ext uri="{FF2B5EF4-FFF2-40B4-BE49-F238E27FC236}">
-                <a16:creationId xmlns="" xmlns:a16="http://schemas.microsoft.com/office/drawing/2014/main" id="{25FC40B0-ED27-47E5-A3C2-32A8418567EE}"/>
+                <a16:creationId xmlns:a16="http://schemas.microsoft.com/office/drawing/2014/main" xmlns="" id="{25FC40B0-ED27-47E5-A3C2-32A8418567EE}"/>
               </a:ext>
             </a:extLst>
           </p:cNvPr>
@@ -16599,7 +15639,7 @@
           <p:cNvPr id="11" name="Oval 10">
             <a:extLst>
               <a:ext uri="{FF2B5EF4-FFF2-40B4-BE49-F238E27FC236}">
-                <a16:creationId xmlns="" xmlns:a16="http://schemas.microsoft.com/office/drawing/2014/main" id="{8931D2A9-0B92-4197-8802-80424C14EA7E}"/>
+                <a16:creationId xmlns:a16="http://schemas.microsoft.com/office/drawing/2014/main" xmlns="" id="{8931D2A9-0B92-4197-8802-80424C14EA7E}"/>
               </a:ext>
             </a:extLst>
           </p:cNvPr>
@@ -16651,7 +15691,7 @@
           <p:cNvPr id="6" name="Slide Number Placeholder 5">
             <a:extLst>
               <a:ext uri="{FF2B5EF4-FFF2-40B4-BE49-F238E27FC236}">
-                <a16:creationId xmlns="" xmlns:a16="http://schemas.microsoft.com/office/drawing/2014/main" id="{533B74B0-30B9-45C2-9AE6-45D1978AAFAE}"/>
+                <a16:creationId xmlns:a16="http://schemas.microsoft.com/office/drawing/2014/main" xmlns="" id="{533B74B0-30B9-45C2-9AE6-45D1978AAFAE}"/>
               </a:ext>
             </a:extLst>
           </p:cNvPr>
@@ -16695,7 +15735,7 @@
           <p:cNvPr id="15" name="Picture Placeholder 14">
             <a:extLst>
               <a:ext uri="{FF2B5EF4-FFF2-40B4-BE49-F238E27FC236}">
-                <a16:creationId xmlns="" xmlns:a16="http://schemas.microsoft.com/office/drawing/2014/main" id="{B5A30B6B-EEDB-4142-8138-D50F5A307D76}"/>
+                <a16:creationId xmlns:a16="http://schemas.microsoft.com/office/drawing/2014/main" xmlns="" id="{B5A30B6B-EEDB-4142-8138-D50F5A307D76}"/>
               </a:ext>
             </a:extLst>
           </p:cNvPr>
@@ -16871,7 +15911,7 @@
           <p:cNvPr id="3" name="Content Placeholder 2">
             <a:extLst>
               <a:ext uri="{FF2B5EF4-FFF2-40B4-BE49-F238E27FC236}">
-                <a16:creationId xmlns="" xmlns:a16="http://schemas.microsoft.com/office/drawing/2014/main" id="{0FEE9886-36F0-4E06-A3A6-D8F00B0665A1}"/>
+                <a16:creationId xmlns:a16="http://schemas.microsoft.com/office/drawing/2014/main" xmlns="" id="{0FEE9886-36F0-4E06-A3A6-D8F00B0665A1}"/>
               </a:ext>
             </a:extLst>
           </p:cNvPr>
@@ -16952,7 +15992,7 @@
           <p:cNvPr id="7" name="Rectangle 6">
             <a:extLst>
               <a:ext uri="{FF2B5EF4-FFF2-40B4-BE49-F238E27FC236}">
-                <a16:creationId xmlns="" xmlns:a16="http://schemas.microsoft.com/office/drawing/2014/main" id="{76627016-BFC4-46D4-89DB-F72E3C3461EC}"/>
+                <a16:creationId xmlns:a16="http://schemas.microsoft.com/office/drawing/2014/main" xmlns="" id="{76627016-BFC4-46D4-89DB-F72E3C3461EC}"/>
               </a:ext>
             </a:extLst>
           </p:cNvPr>
@@ -17008,7 +16048,7 @@
           <p:cNvPr id="8" name="Picture 7">
             <a:extLst>
               <a:ext uri="{FF2B5EF4-FFF2-40B4-BE49-F238E27FC236}">
-                <a16:creationId xmlns="" xmlns:a16="http://schemas.microsoft.com/office/drawing/2014/main" id="{676C557E-B5A7-4416-BCC0-5743550BF152}"/>
+                <a16:creationId xmlns:a16="http://schemas.microsoft.com/office/drawing/2014/main" xmlns="" id="{676C557E-B5A7-4416-BCC0-5743550BF152}"/>
               </a:ext>
             </a:extLst>
           </p:cNvPr>
@@ -17044,7 +16084,7 @@
           <p:cNvPr id="10" name="Group 9">
             <a:extLst>
               <a:ext uri="{FF2B5EF4-FFF2-40B4-BE49-F238E27FC236}">
-                <a16:creationId xmlns="" xmlns:a16="http://schemas.microsoft.com/office/drawing/2014/main" id="{42E17FB3-B5C4-4B3A-A57B-C6493A9D0C66}"/>
+                <a16:creationId xmlns:a16="http://schemas.microsoft.com/office/drawing/2014/main" xmlns="" id="{42E17FB3-B5C4-4B3A-A57B-C6493A9D0C66}"/>
               </a:ext>
             </a:extLst>
           </p:cNvPr>
@@ -17067,7 +16107,7 @@
             <p:cNvPr id="11" name="Freeform 5">
               <a:extLst>
                 <a:ext uri="{FF2B5EF4-FFF2-40B4-BE49-F238E27FC236}">
-                  <a16:creationId xmlns="" xmlns:a16="http://schemas.microsoft.com/office/drawing/2014/main" id="{DCA6C454-F761-4265-BB5E-DFD947CC3592}"/>
+                  <a16:creationId xmlns:a16="http://schemas.microsoft.com/office/drawing/2014/main" xmlns="" id="{DCA6C454-F761-4265-BB5E-DFD947CC3592}"/>
                 </a:ext>
               </a:extLst>
             </p:cNvPr>
@@ -17257,7 +16297,7 @@
             <p:cNvPr id="12" name="Freeform 6">
               <a:extLst>
                 <a:ext uri="{FF2B5EF4-FFF2-40B4-BE49-F238E27FC236}">
-                  <a16:creationId xmlns="" xmlns:a16="http://schemas.microsoft.com/office/drawing/2014/main" id="{6B853B2F-9E1C-4AC4-9344-8610498D5B52}"/>
+                  <a16:creationId xmlns:a16="http://schemas.microsoft.com/office/drawing/2014/main" xmlns="" id="{6B853B2F-9E1C-4AC4-9344-8610498D5B52}"/>
                 </a:ext>
               </a:extLst>
             </p:cNvPr>
@@ -17407,7 +16447,7 @@
             <p:cNvPr id="13" name="Freeform 7">
               <a:extLst>
                 <a:ext uri="{FF2B5EF4-FFF2-40B4-BE49-F238E27FC236}">
-                  <a16:creationId xmlns="" xmlns:a16="http://schemas.microsoft.com/office/drawing/2014/main" id="{B7FCC84B-2235-4948-8277-8363DFC691A4}"/>
+                  <a16:creationId xmlns:a16="http://schemas.microsoft.com/office/drawing/2014/main" xmlns="" id="{B7FCC84B-2235-4948-8277-8363DFC691A4}"/>
                 </a:ext>
               </a:extLst>
             </p:cNvPr>
@@ -17548,7 +16588,7 @@
           <p:cNvPr id="15" name="Oval 14">
             <a:extLst>
               <a:ext uri="{FF2B5EF4-FFF2-40B4-BE49-F238E27FC236}">
-                <a16:creationId xmlns="" xmlns:a16="http://schemas.microsoft.com/office/drawing/2014/main" id="{EF515B4A-CB20-4847-8E00-0DD66F1FEBB4}"/>
+                <a16:creationId xmlns:a16="http://schemas.microsoft.com/office/drawing/2014/main" xmlns="" id="{EF515B4A-CB20-4847-8E00-0DD66F1FEBB4}"/>
               </a:ext>
             </a:extLst>
           </p:cNvPr>
@@ -17600,7 +16640,7 @@
           <p:cNvPr id="16" name="Slide Number Placeholder 5">
             <a:extLst>
               <a:ext uri="{FF2B5EF4-FFF2-40B4-BE49-F238E27FC236}">
-                <a16:creationId xmlns="" xmlns:a16="http://schemas.microsoft.com/office/drawing/2014/main" id="{996B64B9-1DF0-4EE9-BAB5-72AFA94B9AFD}"/>
+                <a16:creationId xmlns:a16="http://schemas.microsoft.com/office/drawing/2014/main" xmlns="" id="{996B64B9-1DF0-4EE9-BAB5-72AFA94B9AFD}"/>
               </a:ext>
             </a:extLst>
           </p:cNvPr>
@@ -17644,7 +16684,7 @@
           <p:cNvPr id="23" name="Picture Placeholder 22">
             <a:extLst>
               <a:ext uri="{FF2B5EF4-FFF2-40B4-BE49-F238E27FC236}">
-                <a16:creationId xmlns="" xmlns:a16="http://schemas.microsoft.com/office/drawing/2014/main" id="{26619E66-5354-4D60-8529-27917AC037C0}"/>
+                <a16:creationId xmlns:a16="http://schemas.microsoft.com/office/drawing/2014/main" xmlns="" id="{26619E66-5354-4D60-8529-27917AC037C0}"/>
               </a:ext>
             </a:extLst>
           </p:cNvPr>
@@ -17764,7 +16804,7 @@
           <p:cNvPr id="14" name="Title 1">
             <a:extLst>
               <a:ext uri="{FF2B5EF4-FFF2-40B4-BE49-F238E27FC236}">
-                <a16:creationId xmlns="" xmlns:a16="http://schemas.microsoft.com/office/drawing/2014/main" id="{2E646B4F-6CCB-724C-9D5E-6D5770023939}"/>
+                <a16:creationId xmlns:a16="http://schemas.microsoft.com/office/drawing/2014/main" xmlns="" id="{2E646B4F-6CCB-724C-9D5E-6D5770023939}"/>
               </a:ext>
             </a:extLst>
           </p:cNvPr>
@@ -17834,7 +16874,7 @@
           <p:cNvPr id="2" name="Title 1">
             <a:extLst>
               <a:ext uri="{FF2B5EF4-FFF2-40B4-BE49-F238E27FC236}">
-                <a16:creationId xmlns="" xmlns:a16="http://schemas.microsoft.com/office/drawing/2014/main" id="{32970CD0-696D-4313-96BA-4AA72C813BD0}"/>
+                <a16:creationId xmlns:a16="http://schemas.microsoft.com/office/drawing/2014/main" xmlns="" id="{32970CD0-696D-4313-96BA-4AA72C813BD0}"/>
               </a:ext>
             </a:extLst>
           </p:cNvPr>
@@ -17874,7 +16914,7 @@
           <p:cNvPr id="3" name="Content Placeholder 2">
             <a:extLst>
               <a:ext uri="{FF2B5EF4-FFF2-40B4-BE49-F238E27FC236}">
-                <a16:creationId xmlns="" xmlns:a16="http://schemas.microsoft.com/office/drawing/2014/main" id="{0FEE9886-36F0-4E06-A3A6-D8F00B0665A1}"/>
+                <a16:creationId xmlns:a16="http://schemas.microsoft.com/office/drawing/2014/main" xmlns="" id="{0FEE9886-36F0-4E06-A3A6-D8F00B0665A1}"/>
               </a:ext>
             </a:extLst>
           </p:cNvPr>
@@ -17954,7 +16994,7 @@
           <p:cNvPr id="7" name="Rectangle 6">
             <a:extLst>
               <a:ext uri="{FF2B5EF4-FFF2-40B4-BE49-F238E27FC236}">
-                <a16:creationId xmlns="" xmlns:a16="http://schemas.microsoft.com/office/drawing/2014/main" id="{76627016-BFC4-46D4-89DB-F72E3C3461EC}"/>
+                <a16:creationId xmlns:a16="http://schemas.microsoft.com/office/drawing/2014/main" xmlns="" id="{76627016-BFC4-46D4-89DB-F72E3C3461EC}"/>
               </a:ext>
             </a:extLst>
           </p:cNvPr>
@@ -18010,7 +17050,7 @@
           <p:cNvPr id="8" name="Picture 7">
             <a:extLst>
               <a:ext uri="{FF2B5EF4-FFF2-40B4-BE49-F238E27FC236}">
-                <a16:creationId xmlns="" xmlns:a16="http://schemas.microsoft.com/office/drawing/2014/main" id="{676C557E-B5A7-4416-BCC0-5743550BF152}"/>
+                <a16:creationId xmlns:a16="http://schemas.microsoft.com/office/drawing/2014/main" xmlns="" id="{676C557E-B5A7-4416-BCC0-5743550BF152}"/>
               </a:ext>
             </a:extLst>
           </p:cNvPr>
@@ -18046,7 +17086,7 @@
           <p:cNvPr id="15" name="Oval 14">
             <a:extLst>
               <a:ext uri="{FF2B5EF4-FFF2-40B4-BE49-F238E27FC236}">
-                <a16:creationId xmlns="" xmlns:a16="http://schemas.microsoft.com/office/drawing/2014/main" id="{EF515B4A-CB20-4847-8E00-0DD66F1FEBB4}"/>
+                <a16:creationId xmlns:a16="http://schemas.microsoft.com/office/drawing/2014/main" xmlns="" id="{EF515B4A-CB20-4847-8E00-0DD66F1FEBB4}"/>
               </a:ext>
             </a:extLst>
           </p:cNvPr>
@@ -18098,7 +17138,7 @@
           <p:cNvPr id="16" name="Slide Number Placeholder 5">
             <a:extLst>
               <a:ext uri="{FF2B5EF4-FFF2-40B4-BE49-F238E27FC236}">
-                <a16:creationId xmlns="" xmlns:a16="http://schemas.microsoft.com/office/drawing/2014/main" id="{996B64B9-1DF0-4EE9-BAB5-72AFA94B9AFD}"/>
+                <a16:creationId xmlns:a16="http://schemas.microsoft.com/office/drawing/2014/main" xmlns="" id="{996B64B9-1DF0-4EE9-BAB5-72AFA94B9AFD}"/>
               </a:ext>
             </a:extLst>
           </p:cNvPr>
@@ -18142,7 +17182,7 @@
           <p:cNvPr id="14" name="Rectangle 13">
             <a:extLst>
               <a:ext uri="{FF2B5EF4-FFF2-40B4-BE49-F238E27FC236}">
-                <a16:creationId xmlns="" xmlns:a16="http://schemas.microsoft.com/office/drawing/2014/main" id="{9D415693-E2CB-4DB4-B07C-2F96B0CAB302}"/>
+                <a16:creationId xmlns:a16="http://schemas.microsoft.com/office/drawing/2014/main" xmlns="" id="{9D415693-E2CB-4DB4-B07C-2F96B0CAB302}"/>
               </a:ext>
             </a:extLst>
           </p:cNvPr>
@@ -18198,7 +17238,7 @@
           <p:cNvPr id="4" name="Oval 3">
             <a:extLst>
               <a:ext uri="{FF2B5EF4-FFF2-40B4-BE49-F238E27FC236}">
-                <a16:creationId xmlns="" xmlns:a16="http://schemas.microsoft.com/office/drawing/2014/main" id="{14C1BF67-E354-4E04-8F94-BABF2B7D1AFB}"/>
+                <a16:creationId xmlns:a16="http://schemas.microsoft.com/office/drawing/2014/main" xmlns="" id="{14C1BF67-E354-4E04-8F94-BABF2B7D1AFB}"/>
               </a:ext>
             </a:extLst>
           </p:cNvPr>
@@ -18252,7 +17292,7 @@
           <p:cNvPr id="18" name="Picture Placeholder 5">
             <a:extLst>
               <a:ext uri="{FF2B5EF4-FFF2-40B4-BE49-F238E27FC236}">
-                <a16:creationId xmlns="" xmlns:a16="http://schemas.microsoft.com/office/drawing/2014/main" id="{FF6AC390-6F85-4B64-AE7A-E8E0D8FC89CF}"/>
+                <a16:creationId xmlns:a16="http://schemas.microsoft.com/office/drawing/2014/main" xmlns="" id="{FF6AC390-6F85-4B64-AE7A-E8E0D8FC89CF}"/>
               </a:ext>
             </a:extLst>
           </p:cNvPr>
@@ -18329,7 +17369,7 @@
           <p:cNvPr id="19" name="Rectangle 18">
             <a:extLst>
               <a:ext uri="{FF2B5EF4-FFF2-40B4-BE49-F238E27FC236}">
-                <a16:creationId xmlns="" xmlns:a16="http://schemas.microsoft.com/office/drawing/2014/main" id="{12E4E194-63F1-4D43-AC02-75733DF045E9}"/>
+                <a16:creationId xmlns:a16="http://schemas.microsoft.com/office/drawing/2014/main" xmlns="" id="{12E4E194-63F1-4D43-AC02-75733DF045E9}"/>
               </a:ext>
             </a:extLst>
           </p:cNvPr>
@@ -18381,7 +17421,7 @@
           <p:cNvPr id="22" name="Oval 21">
             <a:extLst>
               <a:ext uri="{FF2B5EF4-FFF2-40B4-BE49-F238E27FC236}">
-                <a16:creationId xmlns="" xmlns:a16="http://schemas.microsoft.com/office/drawing/2014/main" id="{E799E3E2-888B-2343-9A63-F84C03265CB5}"/>
+                <a16:creationId xmlns:a16="http://schemas.microsoft.com/office/drawing/2014/main" xmlns="" id="{E799E3E2-888B-2343-9A63-F84C03265CB5}"/>
               </a:ext>
             </a:extLst>
           </p:cNvPr>
@@ -18437,7 +17477,7 @@
           <p:cNvPr id="23" name="Picture Placeholder 11">
             <a:extLst>
               <a:ext uri="{FF2B5EF4-FFF2-40B4-BE49-F238E27FC236}">
-                <a16:creationId xmlns="" xmlns:a16="http://schemas.microsoft.com/office/drawing/2014/main" id="{8FEDE8EF-5B7A-A741-9A56-D365CAE01B62}"/>
+                <a16:creationId xmlns:a16="http://schemas.microsoft.com/office/drawing/2014/main" xmlns="" id="{8FEDE8EF-5B7A-A741-9A56-D365CAE01B62}"/>
               </a:ext>
             </a:extLst>
           </p:cNvPr>
@@ -18485,7 +17525,7 @@
           <p:cNvPr id="9" name="Rectangle 8">
             <a:extLst>
               <a:ext uri="{FF2B5EF4-FFF2-40B4-BE49-F238E27FC236}">
-                <a16:creationId xmlns="" xmlns:a16="http://schemas.microsoft.com/office/drawing/2014/main" id="{3755C1FB-E61C-4BBC-8179-D34908DEA1B6}"/>
+                <a16:creationId xmlns:a16="http://schemas.microsoft.com/office/drawing/2014/main" xmlns="" id="{3755C1FB-E61C-4BBC-8179-D34908DEA1B6}"/>
               </a:ext>
             </a:extLst>
           </p:cNvPr>
@@ -18537,7 +17577,7 @@
           <p:cNvPr id="4" name="Oval 3">
             <a:extLst>
               <a:ext uri="{FF2B5EF4-FFF2-40B4-BE49-F238E27FC236}">
-                <a16:creationId xmlns="" xmlns:a16="http://schemas.microsoft.com/office/drawing/2014/main" id="{8C1E0992-271E-4948-9461-C7AA54AF8FEA}"/>
+                <a16:creationId xmlns:a16="http://schemas.microsoft.com/office/drawing/2014/main" xmlns="" id="{8C1E0992-271E-4948-9461-C7AA54AF8FEA}"/>
               </a:ext>
             </a:extLst>
           </p:cNvPr>
@@ -18590,7 +17630,7 @@
           <p:cNvPr id="2" name="Title 1">
             <a:extLst>
               <a:ext uri="{FF2B5EF4-FFF2-40B4-BE49-F238E27FC236}">
-                <a16:creationId xmlns="" xmlns:a16="http://schemas.microsoft.com/office/drawing/2014/main" id="{32970CD0-696D-4313-96BA-4AA72C813BD0}"/>
+                <a16:creationId xmlns:a16="http://schemas.microsoft.com/office/drawing/2014/main" xmlns="" id="{32970CD0-696D-4313-96BA-4AA72C813BD0}"/>
               </a:ext>
             </a:extLst>
           </p:cNvPr>
@@ -18630,7 +17670,7 @@
           <p:cNvPr id="3" name="Content Placeholder 2">
             <a:extLst>
               <a:ext uri="{FF2B5EF4-FFF2-40B4-BE49-F238E27FC236}">
-                <a16:creationId xmlns="" xmlns:a16="http://schemas.microsoft.com/office/drawing/2014/main" id="{0FEE9886-36F0-4E06-A3A6-D8F00B0665A1}"/>
+                <a16:creationId xmlns:a16="http://schemas.microsoft.com/office/drawing/2014/main" xmlns="" id="{0FEE9886-36F0-4E06-A3A6-D8F00B0665A1}"/>
               </a:ext>
             </a:extLst>
           </p:cNvPr>
@@ -18687,7 +17727,7 @@
           <p:cNvPr id="7" name="Rectangle 6">
             <a:extLst>
               <a:ext uri="{FF2B5EF4-FFF2-40B4-BE49-F238E27FC236}">
-                <a16:creationId xmlns="" xmlns:a16="http://schemas.microsoft.com/office/drawing/2014/main" id="{76627016-BFC4-46D4-89DB-F72E3C3461EC}"/>
+                <a16:creationId xmlns:a16="http://schemas.microsoft.com/office/drawing/2014/main" xmlns="" id="{76627016-BFC4-46D4-89DB-F72E3C3461EC}"/>
               </a:ext>
             </a:extLst>
           </p:cNvPr>
@@ -18743,7 +17783,7 @@
           <p:cNvPr id="8" name="Picture 7">
             <a:extLst>
               <a:ext uri="{FF2B5EF4-FFF2-40B4-BE49-F238E27FC236}">
-                <a16:creationId xmlns="" xmlns:a16="http://schemas.microsoft.com/office/drawing/2014/main" id="{676C557E-B5A7-4416-BCC0-5743550BF152}"/>
+                <a16:creationId xmlns:a16="http://schemas.microsoft.com/office/drawing/2014/main" xmlns="" id="{676C557E-B5A7-4416-BCC0-5743550BF152}"/>
               </a:ext>
             </a:extLst>
           </p:cNvPr>
@@ -18779,7 +17819,7 @@
           <p:cNvPr id="15" name="Oval 14">
             <a:extLst>
               <a:ext uri="{FF2B5EF4-FFF2-40B4-BE49-F238E27FC236}">
-                <a16:creationId xmlns="" xmlns:a16="http://schemas.microsoft.com/office/drawing/2014/main" id="{EF515B4A-CB20-4847-8E00-0DD66F1FEBB4}"/>
+                <a16:creationId xmlns:a16="http://schemas.microsoft.com/office/drawing/2014/main" xmlns="" id="{EF515B4A-CB20-4847-8E00-0DD66F1FEBB4}"/>
               </a:ext>
             </a:extLst>
           </p:cNvPr>
@@ -18831,7 +17871,7 @@
           <p:cNvPr id="16" name="Slide Number Placeholder 5">
             <a:extLst>
               <a:ext uri="{FF2B5EF4-FFF2-40B4-BE49-F238E27FC236}">
-                <a16:creationId xmlns="" xmlns:a16="http://schemas.microsoft.com/office/drawing/2014/main" id="{996B64B9-1DF0-4EE9-BAB5-72AFA94B9AFD}"/>
+                <a16:creationId xmlns:a16="http://schemas.microsoft.com/office/drawing/2014/main" xmlns="" id="{996B64B9-1DF0-4EE9-BAB5-72AFA94B9AFD}"/>
               </a:ext>
             </a:extLst>
           </p:cNvPr>
@@ -18875,7 +17915,7 @@
           <p:cNvPr id="6" name="Picture Placeholder 5">
             <a:extLst>
               <a:ext uri="{FF2B5EF4-FFF2-40B4-BE49-F238E27FC236}">
-                <a16:creationId xmlns="" xmlns:a16="http://schemas.microsoft.com/office/drawing/2014/main" id="{35B71D50-AA4B-4E0C-8F6A-0F64F2C8A8C7}"/>
+                <a16:creationId xmlns:a16="http://schemas.microsoft.com/office/drawing/2014/main" xmlns="" id="{35B71D50-AA4B-4E0C-8F6A-0F64F2C8A8C7}"/>
               </a:ext>
             </a:extLst>
           </p:cNvPr>
@@ -18919,7 +17959,7 @@
           <p:cNvPr id="17" name="Content Placeholder 2">
             <a:extLst>
               <a:ext uri="{FF2B5EF4-FFF2-40B4-BE49-F238E27FC236}">
-                <a16:creationId xmlns="" xmlns:a16="http://schemas.microsoft.com/office/drawing/2014/main" id="{147C9C38-5B17-467D-B581-EF28ECB11E80}"/>
+                <a16:creationId xmlns:a16="http://schemas.microsoft.com/office/drawing/2014/main" xmlns="" id="{147C9C38-5B17-467D-B581-EF28ECB11E80}"/>
               </a:ext>
             </a:extLst>
           </p:cNvPr>
@@ -18976,7 +18016,7 @@
           <p:cNvPr id="20" name="Content Placeholder 2">
             <a:extLst>
               <a:ext uri="{FF2B5EF4-FFF2-40B4-BE49-F238E27FC236}">
-                <a16:creationId xmlns="" xmlns:a16="http://schemas.microsoft.com/office/drawing/2014/main" id="{FEB88DD7-AEB5-4718-AF2D-28B5B91ED715}"/>
+                <a16:creationId xmlns:a16="http://schemas.microsoft.com/office/drawing/2014/main" xmlns="" id="{FEB88DD7-AEB5-4718-AF2D-28B5B91ED715}"/>
               </a:ext>
             </a:extLst>
           </p:cNvPr>
@@ -19035,7 +18075,7 @@
           <p:cNvPr id="21" name="Content Placeholder 2">
             <a:extLst>
               <a:ext uri="{FF2B5EF4-FFF2-40B4-BE49-F238E27FC236}">
-                <a16:creationId xmlns="" xmlns:a16="http://schemas.microsoft.com/office/drawing/2014/main" id="{F694448B-800C-40EF-8F61-18C018E8374C}"/>
+                <a16:creationId xmlns:a16="http://schemas.microsoft.com/office/drawing/2014/main" xmlns="" id="{F694448B-800C-40EF-8F61-18C018E8374C}"/>
               </a:ext>
             </a:extLst>
           </p:cNvPr>
@@ -19094,7 +18134,7 @@
           <p:cNvPr id="12" name="Picture Placeholder 11">
             <a:extLst>
               <a:ext uri="{FF2B5EF4-FFF2-40B4-BE49-F238E27FC236}">
-                <a16:creationId xmlns="" xmlns:a16="http://schemas.microsoft.com/office/drawing/2014/main" id="{483B974E-5202-4EAD-9D55-4129C84BAE87}"/>
+                <a16:creationId xmlns:a16="http://schemas.microsoft.com/office/drawing/2014/main" xmlns="" id="{483B974E-5202-4EAD-9D55-4129C84BAE87}"/>
               </a:ext>
             </a:extLst>
           </p:cNvPr>
@@ -19172,7 +18212,7 @@
           <p:cNvPr id="22" name="Rectangle 21">
             <a:extLst>
               <a:ext uri="{FF2B5EF4-FFF2-40B4-BE49-F238E27FC236}">
-                <a16:creationId xmlns="" xmlns:a16="http://schemas.microsoft.com/office/drawing/2014/main" id="{1B6EB0C6-606C-4AFB-8FF8-AB43606B95BD}"/>
+                <a16:creationId xmlns:a16="http://schemas.microsoft.com/office/drawing/2014/main" xmlns="" id="{1B6EB0C6-606C-4AFB-8FF8-AB43606B95BD}"/>
               </a:ext>
             </a:extLst>
           </p:cNvPr>
@@ -19224,7 +18264,7 @@
           <p:cNvPr id="4" name="Rectangle 3">
             <a:extLst>
               <a:ext uri="{FF2B5EF4-FFF2-40B4-BE49-F238E27FC236}">
-                <a16:creationId xmlns="" xmlns:a16="http://schemas.microsoft.com/office/drawing/2014/main" id="{25CE6D5A-A5C0-4B12-A26A-691D5743FA5C}"/>
+                <a16:creationId xmlns:a16="http://schemas.microsoft.com/office/drawing/2014/main" xmlns="" id="{25CE6D5A-A5C0-4B12-A26A-691D5743FA5C}"/>
               </a:ext>
             </a:extLst>
           </p:cNvPr>
@@ -19276,7 +18316,7 @@
           <p:cNvPr id="2" name="Title 1">
             <a:extLst>
               <a:ext uri="{FF2B5EF4-FFF2-40B4-BE49-F238E27FC236}">
-                <a16:creationId xmlns="" xmlns:a16="http://schemas.microsoft.com/office/drawing/2014/main" id="{32970CD0-696D-4313-96BA-4AA72C813BD0}"/>
+                <a16:creationId xmlns:a16="http://schemas.microsoft.com/office/drawing/2014/main" xmlns="" id="{32970CD0-696D-4313-96BA-4AA72C813BD0}"/>
               </a:ext>
             </a:extLst>
           </p:cNvPr>
@@ -19316,7 +18356,7 @@
           <p:cNvPr id="3" name="Content Placeholder 2">
             <a:extLst>
               <a:ext uri="{FF2B5EF4-FFF2-40B4-BE49-F238E27FC236}">
-                <a16:creationId xmlns="" xmlns:a16="http://schemas.microsoft.com/office/drawing/2014/main" id="{0FEE9886-36F0-4E06-A3A6-D8F00B0665A1}"/>
+                <a16:creationId xmlns:a16="http://schemas.microsoft.com/office/drawing/2014/main" xmlns="" id="{0FEE9886-36F0-4E06-A3A6-D8F00B0665A1}"/>
               </a:ext>
             </a:extLst>
           </p:cNvPr>
@@ -19373,7 +18413,7 @@
           <p:cNvPr id="7" name="Rectangle 6">
             <a:extLst>
               <a:ext uri="{FF2B5EF4-FFF2-40B4-BE49-F238E27FC236}">
-                <a16:creationId xmlns="" xmlns:a16="http://schemas.microsoft.com/office/drawing/2014/main" id="{76627016-BFC4-46D4-89DB-F72E3C3461EC}"/>
+                <a16:creationId xmlns:a16="http://schemas.microsoft.com/office/drawing/2014/main" xmlns="" id="{76627016-BFC4-46D4-89DB-F72E3C3461EC}"/>
               </a:ext>
             </a:extLst>
           </p:cNvPr>
@@ -19429,7 +18469,7 @@
           <p:cNvPr id="8" name="Picture 7">
             <a:extLst>
               <a:ext uri="{FF2B5EF4-FFF2-40B4-BE49-F238E27FC236}">
-                <a16:creationId xmlns="" xmlns:a16="http://schemas.microsoft.com/office/drawing/2014/main" id="{676C557E-B5A7-4416-BCC0-5743550BF152}"/>
+                <a16:creationId xmlns:a16="http://schemas.microsoft.com/office/drawing/2014/main" xmlns="" id="{676C557E-B5A7-4416-BCC0-5743550BF152}"/>
               </a:ext>
             </a:extLst>
           </p:cNvPr>
@@ -19465,7 +18505,7 @@
           <p:cNvPr id="15" name="Oval 14">
             <a:extLst>
               <a:ext uri="{FF2B5EF4-FFF2-40B4-BE49-F238E27FC236}">
-                <a16:creationId xmlns="" xmlns:a16="http://schemas.microsoft.com/office/drawing/2014/main" id="{EF515B4A-CB20-4847-8E00-0DD66F1FEBB4}"/>
+                <a16:creationId xmlns:a16="http://schemas.microsoft.com/office/drawing/2014/main" xmlns="" id="{EF515B4A-CB20-4847-8E00-0DD66F1FEBB4}"/>
               </a:ext>
             </a:extLst>
           </p:cNvPr>
@@ -19517,7 +18557,7 @@
           <p:cNvPr id="16" name="Slide Number Placeholder 5">
             <a:extLst>
               <a:ext uri="{FF2B5EF4-FFF2-40B4-BE49-F238E27FC236}">
-                <a16:creationId xmlns="" xmlns:a16="http://schemas.microsoft.com/office/drawing/2014/main" id="{996B64B9-1DF0-4EE9-BAB5-72AFA94B9AFD}"/>
+                <a16:creationId xmlns:a16="http://schemas.microsoft.com/office/drawing/2014/main" xmlns="" id="{996B64B9-1DF0-4EE9-BAB5-72AFA94B9AFD}"/>
               </a:ext>
             </a:extLst>
           </p:cNvPr>
@@ -19561,7 +18601,7 @@
           <p:cNvPr id="20" name="Content Placeholder 2">
             <a:extLst>
               <a:ext uri="{FF2B5EF4-FFF2-40B4-BE49-F238E27FC236}">
-                <a16:creationId xmlns="" xmlns:a16="http://schemas.microsoft.com/office/drawing/2014/main" id="{FEB88DD7-AEB5-4718-AF2D-28B5B91ED715}"/>
+                <a16:creationId xmlns:a16="http://schemas.microsoft.com/office/drawing/2014/main" xmlns="" id="{FEB88DD7-AEB5-4718-AF2D-28B5B91ED715}"/>
               </a:ext>
             </a:extLst>
           </p:cNvPr>
@@ -19623,7 +18663,7 @@
           <p:cNvPr id="23" name="Content Placeholder 2">
             <a:extLst>
               <a:ext uri="{FF2B5EF4-FFF2-40B4-BE49-F238E27FC236}">
-                <a16:creationId xmlns="" xmlns:a16="http://schemas.microsoft.com/office/drawing/2014/main" id="{E5123CE7-2F8A-489B-BD99-0C2A33ADF49A}"/>
+                <a16:creationId xmlns:a16="http://schemas.microsoft.com/office/drawing/2014/main" xmlns="" id="{E5123CE7-2F8A-489B-BD99-0C2A33ADF49A}"/>
               </a:ext>
             </a:extLst>
           </p:cNvPr>
@@ -19680,7 +18720,7 @@
           <p:cNvPr id="25" name="Content Placeholder 2">
             <a:extLst>
               <a:ext uri="{FF2B5EF4-FFF2-40B4-BE49-F238E27FC236}">
-                <a16:creationId xmlns="" xmlns:a16="http://schemas.microsoft.com/office/drawing/2014/main" id="{07730BCF-AC2A-4FEC-8F01-63964DB444CF}"/>
+                <a16:creationId xmlns:a16="http://schemas.microsoft.com/office/drawing/2014/main" xmlns="" id="{07730BCF-AC2A-4FEC-8F01-63964DB444CF}"/>
               </a:ext>
             </a:extLst>
           </p:cNvPr>
@@ -19742,7 +18782,7 @@
           <p:cNvPr id="21" name="Oval 20">
             <a:extLst>
               <a:ext uri="{FF2B5EF4-FFF2-40B4-BE49-F238E27FC236}">
-                <a16:creationId xmlns="" xmlns:a16="http://schemas.microsoft.com/office/drawing/2014/main" id="{919C8692-230B-D543-A7F7-4FD61B04D1C6}"/>
+                <a16:creationId xmlns:a16="http://schemas.microsoft.com/office/drawing/2014/main" xmlns="" id="{919C8692-230B-D543-A7F7-4FD61B04D1C6}"/>
               </a:ext>
             </a:extLst>
           </p:cNvPr>
@@ -19795,7 +18835,7 @@
           <p:cNvPr id="24" name="Picture Placeholder 11">
             <a:extLst>
               <a:ext uri="{FF2B5EF4-FFF2-40B4-BE49-F238E27FC236}">
-                <a16:creationId xmlns="" xmlns:a16="http://schemas.microsoft.com/office/drawing/2014/main" id="{E150BFC7-A11D-CC46-B5A2-8BD93C269506}"/>
+                <a16:creationId xmlns:a16="http://schemas.microsoft.com/office/drawing/2014/main" xmlns="" id="{E150BFC7-A11D-CC46-B5A2-8BD93C269506}"/>
               </a:ext>
             </a:extLst>
           </p:cNvPr>
@@ -19843,7 +18883,7 @@
           <p:cNvPr id="28" name="Oval 27">
             <a:extLst>
               <a:ext uri="{FF2B5EF4-FFF2-40B4-BE49-F238E27FC236}">
-                <a16:creationId xmlns="" xmlns:a16="http://schemas.microsoft.com/office/drawing/2014/main" id="{F95B55F4-B501-3440-8904-A1C7F049CBE8}"/>
+                <a16:creationId xmlns:a16="http://schemas.microsoft.com/office/drawing/2014/main" xmlns="" id="{F95B55F4-B501-3440-8904-A1C7F049CBE8}"/>
               </a:ext>
             </a:extLst>
           </p:cNvPr>
@@ -19899,7 +18939,7 @@
           <p:cNvPr id="29" name="Picture Placeholder 11">
             <a:extLst>
               <a:ext uri="{FF2B5EF4-FFF2-40B4-BE49-F238E27FC236}">
-                <a16:creationId xmlns="" xmlns:a16="http://schemas.microsoft.com/office/drawing/2014/main" id="{F2116994-BE3E-6A43-9C15-E71BA8EC821F}"/>
+                <a16:creationId xmlns:a16="http://schemas.microsoft.com/office/drawing/2014/main" xmlns="" id="{F2116994-BE3E-6A43-9C15-E71BA8EC821F}"/>
               </a:ext>
             </a:extLst>
           </p:cNvPr>
@@ -19977,7 +19017,7 @@
           <p:cNvPr id="11" name="Group 10">
             <a:extLst>
               <a:ext uri="{FF2B5EF4-FFF2-40B4-BE49-F238E27FC236}">
-                <a16:creationId xmlns="" xmlns:a16="http://schemas.microsoft.com/office/drawing/2014/main" id="{04B31150-A166-4DB3-A898-2154C9665891}"/>
+                <a16:creationId xmlns:a16="http://schemas.microsoft.com/office/drawing/2014/main" xmlns="" id="{04B31150-A166-4DB3-A898-2154C9665891}"/>
               </a:ext>
             </a:extLst>
           </p:cNvPr>
@@ -20002,7 +19042,7 @@
             <p:cNvPr id="12" name="Freeform 5">
               <a:extLst>
                 <a:ext uri="{FF2B5EF4-FFF2-40B4-BE49-F238E27FC236}">
-                  <a16:creationId xmlns="" xmlns:a16="http://schemas.microsoft.com/office/drawing/2014/main" id="{1C1A95BC-42CA-4166-918D-DF4306881408}"/>
+                  <a16:creationId xmlns:a16="http://schemas.microsoft.com/office/drawing/2014/main" xmlns="" id="{1C1A95BC-42CA-4166-918D-DF4306881408}"/>
                 </a:ext>
               </a:extLst>
             </p:cNvPr>
@@ -20192,7 +19232,7 @@
             <p:cNvPr id="13" name="Freeform 6">
               <a:extLst>
                 <a:ext uri="{FF2B5EF4-FFF2-40B4-BE49-F238E27FC236}">
-                  <a16:creationId xmlns="" xmlns:a16="http://schemas.microsoft.com/office/drawing/2014/main" id="{4B4D5F91-2158-4A30-B83C-5CC9CC6E5D4F}"/>
+                  <a16:creationId xmlns:a16="http://schemas.microsoft.com/office/drawing/2014/main" xmlns="" id="{4B4D5F91-2158-4A30-B83C-5CC9CC6E5D4F}"/>
                 </a:ext>
               </a:extLst>
             </p:cNvPr>
@@ -20342,7 +19382,7 @@
             <p:cNvPr id="14" name="Freeform 7">
               <a:extLst>
                 <a:ext uri="{FF2B5EF4-FFF2-40B4-BE49-F238E27FC236}">
-                  <a16:creationId xmlns="" xmlns:a16="http://schemas.microsoft.com/office/drawing/2014/main" id="{C509E5D6-79CC-4E1D-AAF4-C6F28F3C1777}"/>
+                  <a16:creationId xmlns:a16="http://schemas.microsoft.com/office/drawing/2014/main" xmlns="" id="{C509E5D6-79CC-4E1D-AAF4-C6F28F3C1777}"/>
                 </a:ext>
               </a:extLst>
             </p:cNvPr>
@@ -20483,7 +19523,7 @@
           <p:cNvPr id="6" name="Title 1">
             <a:extLst>
               <a:ext uri="{FF2B5EF4-FFF2-40B4-BE49-F238E27FC236}">
-                <a16:creationId xmlns="" xmlns:a16="http://schemas.microsoft.com/office/drawing/2014/main" id="{B70E2287-0F7B-4DD3-A805-DB19BBF3C716}"/>
+                <a16:creationId xmlns:a16="http://schemas.microsoft.com/office/drawing/2014/main" xmlns="" id="{B70E2287-0F7B-4DD3-A805-DB19BBF3C716}"/>
               </a:ext>
             </a:extLst>
           </p:cNvPr>
@@ -20523,7 +19563,7 @@
           <p:cNvPr id="7" name="Rectangle 6">
             <a:extLst>
               <a:ext uri="{FF2B5EF4-FFF2-40B4-BE49-F238E27FC236}">
-                <a16:creationId xmlns="" xmlns:a16="http://schemas.microsoft.com/office/drawing/2014/main" id="{8DCE74CE-BEFF-42B3-BF3E-C41B1B1F1EE4}"/>
+                <a16:creationId xmlns:a16="http://schemas.microsoft.com/office/drawing/2014/main" xmlns="" id="{8DCE74CE-BEFF-42B3-BF3E-C41B1B1F1EE4}"/>
               </a:ext>
             </a:extLst>
           </p:cNvPr>
@@ -20579,7 +19619,7 @@
           <p:cNvPr id="8" name="Picture 7">
             <a:extLst>
               <a:ext uri="{FF2B5EF4-FFF2-40B4-BE49-F238E27FC236}">
-                <a16:creationId xmlns="" xmlns:a16="http://schemas.microsoft.com/office/drawing/2014/main" id="{8B0944B4-FE4A-459A-85B1-3476FE6C4C49}"/>
+                <a16:creationId xmlns:a16="http://schemas.microsoft.com/office/drawing/2014/main" xmlns="" id="{8B0944B4-FE4A-459A-85B1-3476FE6C4C49}"/>
               </a:ext>
             </a:extLst>
           </p:cNvPr>
@@ -20615,7 +19655,7 @@
           <p:cNvPr id="9" name="Oval 8">
             <a:extLst>
               <a:ext uri="{FF2B5EF4-FFF2-40B4-BE49-F238E27FC236}">
-                <a16:creationId xmlns="" xmlns:a16="http://schemas.microsoft.com/office/drawing/2014/main" id="{1B26B4BC-3D52-4C1C-85FB-226F0B5201F1}"/>
+                <a16:creationId xmlns:a16="http://schemas.microsoft.com/office/drawing/2014/main" xmlns="" id="{1B26B4BC-3D52-4C1C-85FB-226F0B5201F1}"/>
               </a:ext>
             </a:extLst>
           </p:cNvPr>
@@ -20667,7 +19707,7 @@
           <p:cNvPr id="10" name="Slide Number Placeholder 5">
             <a:extLst>
               <a:ext uri="{FF2B5EF4-FFF2-40B4-BE49-F238E27FC236}">
-                <a16:creationId xmlns="" xmlns:a16="http://schemas.microsoft.com/office/drawing/2014/main" id="{CEC6B25A-6AA2-46A7-84BE-5C907CA51B02}"/>
+                <a16:creationId xmlns:a16="http://schemas.microsoft.com/office/drawing/2014/main" xmlns="" id="{CEC6B25A-6AA2-46A7-84BE-5C907CA51B02}"/>
               </a:ext>
             </a:extLst>
           </p:cNvPr>
@@ -20741,7 +19781,7 @@
           <p:cNvPr id="35" name="Group 34">
             <a:extLst>
               <a:ext uri="{FF2B5EF4-FFF2-40B4-BE49-F238E27FC236}">
-                <a16:creationId xmlns="" xmlns:a16="http://schemas.microsoft.com/office/drawing/2014/main" id="{431CD316-21C7-4FA9-A45A-374D6AE71ED5}"/>
+                <a16:creationId xmlns:a16="http://schemas.microsoft.com/office/drawing/2014/main" xmlns="" id="{431CD316-21C7-4FA9-A45A-374D6AE71ED5}"/>
               </a:ext>
             </a:extLst>
           </p:cNvPr>
@@ -20766,7 +19806,7 @@
             <p:cNvPr id="36" name="Freeform 5">
               <a:extLst>
                 <a:ext uri="{FF2B5EF4-FFF2-40B4-BE49-F238E27FC236}">
-                  <a16:creationId xmlns="" xmlns:a16="http://schemas.microsoft.com/office/drawing/2014/main" id="{E107D9FB-3967-4583-A9DA-6787AF71202C}"/>
+                  <a16:creationId xmlns:a16="http://schemas.microsoft.com/office/drawing/2014/main" xmlns="" id="{E107D9FB-3967-4583-A9DA-6787AF71202C}"/>
                 </a:ext>
               </a:extLst>
             </p:cNvPr>
@@ -20956,7 +19996,7 @@
             <p:cNvPr id="37" name="Freeform 6">
               <a:extLst>
                 <a:ext uri="{FF2B5EF4-FFF2-40B4-BE49-F238E27FC236}">
-                  <a16:creationId xmlns="" xmlns:a16="http://schemas.microsoft.com/office/drawing/2014/main" id="{138D5FEB-37FF-4F26-B625-CE2BE91FF21B}"/>
+                  <a16:creationId xmlns:a16="http://schemas.microsoft.com/office/drawing/2014/main" xmlns="" id="{138D5FEB-37FF-4F26-B625-CE2BE91FF21B}"/>
                 </a:ext>
               </a:extLst>
             </p:cNvPr>
@@ -21106,7 +20146,7 @@
             <p:cNvPr id="38" name="Freeform 7">
               <a:extLst>
                 <a:ext uri="{FF2B5EF4-FFF2-40B4-BE49-F238E27FC236}">
-                  <a16:creationId xmlns="" xmlns:a16="http://schemas.microsoft.com/office/drawing/2014/main" id="{6C2B67E8-673C-422C-B021-296E2E2B952D}"/>
+                  <a16:creationId xmlns:a16="http://schemas.microsoft.com/office/drawing/2014/main" xmlns="" id="{6C2B67E8-673C-422C-B021-296E2E2B952D}"/>
                 </a:ext>
               </a:extLst>
             </p:cNvPr>
@@ -21247,7 +20287,7 @@
           <p:cNvPr id="23" name="Oval 22">
             <a:extLst>
               <a:ext uri="{FF2B5EF4-FFF2-40B4-BE49-F238E27FC236}">
-                <a16:creationId xmlns="" xmlns:a16="http://schemas.microsoft.com/office/drawing/2014/main" id="{687010E4-ADF2-486D-8DF7-B0FF38C6DADF}"/>
+                <a16:creationId xmlns:a16="http://schemas.microsoft.com/office/drawing/2014/main" xmlns="" id="{687010E4-ADF2-486D-8DF7-B0FF38C6DADF}"/>
               </a:ext>
             </a:extLst>
           </p:cNvPr>
@@ -21301,7 +20341,7 @@
           <p:cNvPr id="24" name="Oval 23">
             <a:extLst>
               <a:ext uri="{FF2B5EF4-FFF2-40B4-BE49-F238E27FC236}">
-                <a16:creationId xmlns="" xmlns:a16="http://schemas.microsoft.com/office/drawing/2014/main" id="{9159AA79-2237-4A27-BBC2-D44032158D19}"/>
+                <a16:creationId xmlns:a16="http://schemas.microsoft.com/office/drawing/2014/main" xmlns="" id="{9159AA79-2237-4A27-BBC2-D44032158D19}"/>
               </a:ext>
             </a:extLst>
           </p:cNvPr>
@@ -21355,7 +20395,7 @@
           <p:cNvPr id="25" name="Oval 24">
             <a:extLst>
               <a:ext uri="{FF2B5EF4-FFF2-40B4-BE49-F238E27FC236}">
-                <a16:creationId xmlns="" xmlns:a16="http://schemas.microsoft.com/office/drawing/2014/main" id="{0272B962-9566-42D2-B4C3-E7AA81884A83}"/>
+                <a16:creationId xmlns:a16="http://schemas.microsoft.com/office/drawing/2014/main" xmlns="" id="{0272B962-9566-42D2-B4C3-E7AA81884A83}"/>
               </a:ext>
             </a:extLst>
           </p:cNvPr>
@@ -21409,7 +20449,7 @@
           <p:cNvPr id="26" name="Oval 25">
             <a:extLst>
               <a:ext uri="{FF2B5EF4-FFF2-40B4-BE49-F238E27FC236}">
-                <a16:creationId xmlns="" xmlns:a16="http://schemas.microsoft.com/office/drawing/2014/main" id="{19733285-016C-4C38-816C-83D30C075C70}"/>
+                <a16:creationId xmlns:a16="http://schemas.microsoft.com/office/drawing/2014/main" xmlns="" id="{19733285-016C-4C38-816C-83D30C075C70}"/>
               </a:ext>
             </a:extLst>
           </p:cNvPr>
@@ -21463,7 +20503,7 @@
           <p:cNvPr id="20" name="Freeform: Shape 19">
             <a:extLst>
               <a:ext uri="{FF2B5EF4-FFF2-40B4-BE49-F238E27FC236}">
-                <a16:creationId xmlns="" xmlns:a16="http://schemas.microsoft.com/office/drawing/2014/main" id="{EF40DBA4-AB63-4B47-B37F-BCC3D59B5392}"/>
+                <a16:creationId xmlns:a16="http://schemas.microsoft.com/office/drawing/2014/main" xmlns="" id="{EF40DBA4-AB63-4B47-B37F-BCC3D59B5392}"/>
               </a:ext>
             </a:extLst>
           </p:cNvPr>
@@ -21578,7 +20618,7 @@
           <p:cNvPr id="21" name="Freeform: Shape 20">
             <a:extLst>
               <a:ext uri="{FF2B5EF4-FFF2-40B4-BE49-F238E27FC236}">
-                <a16:creationId xmlns="" xmlns:a16="http://schemas.microsoft.com/office/drawing/2014/main" id="{33EF0AFB-D099-4FF1-8963-7DA87268867F}"/>
+                <a16:creationId xmlns:a16="http://schemas.microsoft.com/office/drawing/2014/main" xmlns="" id="{33EF0AFB-D099-4FF1-8963-7DA87268867F}"/>
               </a:ext>
             </a:extLst>
           </p:cNvPr>
@@ -21693,7 +20733,7 @@
           <p:cNvPr id="22" name="Freeform: Shape 21">
             <a:extLst>
               <a:ext uri="{FF2B5EF4-FFF2-40B4-BE49-F238E27FC236}">
-                <a16:creationId xmlns="" xmlns:a16="http://schemas.microsoft.com/office/drawing/2014/main" id="{6872C96E-9AF3-4FA0-8180-C213C7F2209E}"/>
+                <a16:creationId xmlns:a16="http://schemas.microsoft.com/office/drawing/2014/main" xmlns="" id="{6872C96E-9AF3-4FA0-8180-C213C7F2209E}"/>
               </a:ext>
             </a:extLst>
           </p:cNvPr>
@@ -21808,7 +20848,7 @@
           <p:cNvPr id="17" name="Freeform: Shape 16">
             <a:extLst>
               <a:ext uri="{FF2B5EF4-FFF2-40B4-BE49-F238E27FC236}">
-                <a16:creationId xmlns="" xmlns:a16="http://schemas.microsoft.com/office/drawing/2014/main" id="{3A08BE29-CFA5-4E0D-9DBE-A430AE1B8072}"/>
+                <a16:creationId xmlns:a16="http://schemas.microsoft.com/office/drawing/2014/main" xmlns="" id="{3A08BE29-CFA5-4E0D-9DBE-A430AE1B8072}"/>
               </a:ext>
             </a:extLst>
           </p:cNvPr>
@@ -21923,7 +20963,7 @@
           <p:cNvPr id="6" name="Title 1">
             <a:extLst>
               <a:ext uri="{FF2B5EF4-FFF2-40B4-BE49-F238E27FC236}">
-                <a16:creationId xmlns="" xmlns:a16="http://schemas.microsoft.com/office/drawing/2014/main" id="{B70E2287-0F7B-4DD3-A805-DB19BBF3C716}"/>
+                <a16:creationId xmlns:a16="http://schemas.microsoft.com/office/drawing/2014/main" xmlns="" id="{B70E2287-0F7B-4DD3-A805-DB19BBF3C716}"/>
               </a:ext>
             </a:extLst>
           </p:cNvPr>
@@ -21963,7 +21003,7 @@
           <p:cNvPr id="7" name="Rectangle 6">
             <a:extLst>
               <a:ext uri="{FF2B5EF4-FFF2-40B4-BE49-F238E27FC236}">
-                <a16:creationId xmlns="" xmlns:a16="http://schemas.microsoft.com/office/drawing/2014/main" id="{8DCE74CE-BEFF-42B3-BF3E-C41B1B1F1EE4}"/>
+                <a16:creationId xmlns:a16="http://schemas.microsoft.com/office/drawing/2014/main" xmlns="" id="{8DCE74CE-BEFF-42B3-BF3E-C41B1B1F1EE4}"/>
               </a:ext>
             </a:extLst>
           </p:cNvPr>
@@ -22019,7 +21059,7 @@
           <p:cNvPr id="8" name="Picture 7">
             <a:extLst>
               <a:ext uri="{FF2B5EF4-FFF2-40B4-BE49-F238E27FC236}">
-                <a16:creationId xmlns="" xmlns:a16="http://schemas.microsoft.com/office/drawing/2014/main" id="{8B0944B4-FE4A-459A-85B1-3476FE6C4C49}"/>
+                <a16:creationId xmlns:a16="http://schemas.microsoft.com/office/drawing/2014/main" xmlns="" id="{8B0944B4-FE4A-459A-85B1-3476FE6C4C49}"/>
               </a:ext>
             </a:extLst>
           </p:cNvPr>
@@ -22055,7 +21095,7 @@
           <p:cNvPr id="9" name="Oval 8">
             <a:extLst>
               <a:ext uri="{FF2B5EF4-FFF2-40B4-BE49-F238E27FC236}">
-                <a16:creationId xmlns="" xmlns:a16="http://schemas.microsoft.com/office/drawing/2014/main" id="{1B26B4BC-3D52-4C1C-85FB-226F0B5201F1}"/>
+                <a16:creationId xmlns:a16="http://schemas.microsoft.com/office/drawing/2014/main" xmlns="" id="{1B26B4BC-3D52-4C1C-85FB-226F0B5201F1}"/>
               </a:ext>
             </a:extLst>
           </p:cNvPr>
@@ -22107,7 +21147,7 @@
           <p:cNvPr id="10" name="Slide Number Placeholder 5">
             <a:extLst>
               <a:ext uri="{FF2B5EF4-FFF2-40B4-BE49-F238E27FC236}">
-                <a16:creationId xmlns="" xmlns:a16="http://schemas.microsoft.com/office/drawing/2014/main" id="{CEC6B25A-6AA2-46A7-84BE-5C907CA51B02}"/>
+                <a16:creationId xmlns:a16="http://schemas.microsoft.com/office/drawing/2014/main" xmlns="" id="{CEC6B25A-6AA2-46A7-84BE-5C907CA51B02}"/>
               </a:ext>
             </a:extLst>
           </p:cNvPr>
@@ -22151,7 +21191,7 @@
           <p:cNvPr id="3" name="Picture Placeholder 2">
             <a:extLst>
               <a:ext uri="{FF2B5EF4-FFF2-40B4-BE49-F238E27FC236}">
-                <a16:creationId xmlns="" xmlns:a16="http://schemas.microsoft.com/office/drawing/2014/main" id="{B1B995BE-66C2-4379-885F-4BE069DA39E4}"/>
+                <a16:creationId xmlns:a16="http://schemas.microsoft.com/office/drawing/2014/main" xmlns="" id="{B1B995BE-66C2-4379-885F-4BE069DA39E4}"/>
               </a:ext>
             </a:extLst>
           </p:cNvPr>
@@ -22198,7 +21238,7 @@
           <p:cNvPr id="11" name="Picture Placeholder 2">
             <a:extLst>
               <a:ext uri="{FF2B5EF4-FFF2-40B4-BE49-F238E27FC236}">
-                <a16:creationId xmlns="" xmlns:a16="http://schemas.microsoft.com/office/drawing/2014/main" id="{9B56B6C6-9F3C-4E80-BBAD-280E697B895C}"/>
+                <a16:creationId xmlns:a16="http://schemas.microsoft.com/office/drawing/2014/main" xmlns="" id="{9B56B6C6-9F3C-4E80-BBAD-280E697B895C}"/>
               </a:ext>
             </a:extLst>
           </p:cNvPr>
@@ -22245,7 +21285,7 @@
           <p:cNvPr id="12" name="Picture Placeholder 2">
             <a:extLst>
               <a:ext uri="{FF2B5EF4-FFF2-40B4-BE49-F238E27FC236}">
-                <a16:creationId xmlns="" xmlns:a16="http://schemas.microsoft.com/office/drawing/2014/main" id="{54704160-1ED7-4B90-8963-0F887C73E94D}"/>
+                <a16:creationId xmlns:a16="http://schemas.microsoft.com/office/drawing/2014/main" xmlns="" id="{54704160-1ED7-4B90-8963-0F887C73E94D}"/>
               </a:ext>
             </a:extLst>
           </p:cNvPr>
@@ -22292,7 +21332,7 @@
           <p:cNvPr id="13" name="Picture Placeholder 2">
             <a:extLst>
               <a:ext uri="{FF2B5EF4-FFF2-40B4-BE49-F238E27FC236}">
-                <a16:creationId xmlns="" xmlns:a16="http://schemas.microsoft.com/office/drawing/2014/main" id="{36610597-6A76-4A06-82A5-A8FFC5BAEA0F}"/>
+                <a16:creationId xmlns:a16="http://schemas.microsoft.com/office/drawing/2014/main" xmlns="" id="{36610597-6A76-4A06-82A5-A8FFC5BAEA0F}"/>
               </a:ext>
             </a:extLst>
           </p:cNvPr>
@@ -22339,7 +21379,7 @@
           <p:cNvPr id="27" name="Content Placeholder 2">
             <a:extLst>
               <a:ext uri="{FF2B5EF4-FFF2-40B4-BE49-F238E27FC236}">
-                <a16:creationId xmlns="" xmlns:a16="http://schemas.microsoft.com/office/drawing/2014/main" id="{FF56D2E5-86E4-473A-A62F-B7029E5B2558}"/>
+                <a16:creationId xmlns:a16="http://schemas.microsoft.com/office/drawing/2014/main" xmlns="" id="{FF56D2E5-86E4-473A-A62F-B7029E5B2558}"/>
               </a:ext>
             </a:extLst>
           </p:cNvPr>
@@ -22396,7 +21436,7 @@
           <p:cNvPr id="28" name="Content Placeholder 2">
             <a:extLst>
               <a:ext uri="{FF2B5EF4-FFF2-40B4-BE49-F238E27FC236}">
-                <a16:creationId xmlns="" xmlns:a16="http://schemas.microsoft.com/office/drawing/2014/main" id="{93934E34-6CC7-492D-9515-EBEC72EFF4CB}"/>
+                <a16:creationId xmlns:a16="http://schemas.microsoft.com/office/drawing/2014/main" xmlns="" id="{93934E34-6CC7-492D-9515-EBEC72EFF4CB}"/>
               </a:ext>
             </a:extLst>
           </p:cNvPr>
@@ -22458,7 +21498,7 @@
           <p:cNvPr id="29" name="Content Placeholder 2">
             <a:extLst>
               <a:ext uri="{FF2B5EF4-FFF2-40B4-BE49-F238E27FC236}">
-                <a16:creationId xmlns="" xmlns:a16="http://schemas.microsoft.com/office/drawing/2014/main" id="{E4E27467-A1AA-4773-AAB5-A96267FBD712}"/>
+                <a16:creationId xmlns:a16="http://schemas.microsoft.com/office/drawing/2014/main" xmlns="" id="{E4E27467-A1AA-4773-AAB5-A96267FBD712}"/>
               </a:ext>
             </a:extLst>
           </p:cNvPr>
@@ -22515,7 +21555,7 @@
           <p:cNvPr id="30" name="Content Placeholder 2">
             <a:extLst>
               <a:ext uri="{FF2B5EF4-FFF2-40B4-BE49-F238E27FC236}">
-                <a16:creationId xmlns="" xmlns:a16="http://schemas.microsoft.com/office/drawing/2014/main" id="{6CABD5EB-4A8B-448B-8ED1-B8B420815B2D}"/>
+                <a16:creationId xmlns:a16="http://schemas.microsoft.com/office/drawing/2014/main" xmlns="" id="{6CABD5EB-4A8B-448B-8ED1-B8B420815B2D}"/>
               </a:ext>
             </a:extLst>
           </p:cNvPr>
@@ -22577,7 +21617,7 @@
           <p:cNvPr id="31" name="Content Placeholder 2">
             <a:extLst>
               <a:ext uri="{FF2B5EF4-FFF2-40B4-BE49-F238E27FC236}">
-                <a16:creationId xmlns="" xmlns:a16="http://schemas.microsoft.com/office/drawing/2014/main" id="{0D86883C-E501-47FF-AE1A-E9CE8B71B421}"/>
+                <a16:creationId xmlns:a16="http://schemas.microsoft.com/office/drawing/2014/main" xmlns="" id="{0D86883C-E501-47FF-AE1A-E9CE8B71B421}"/>
               </a:ext>
             </a:extLst>
           </p:cNvPr>
@@ -22634,7 +21674,7 @@
           <p:cNvPr id="32" name="Content Placeholder 2">
             <a:extLst>
               <a:ext uri="{FF2B5EF4-FFF2-40B4-BE49-F238E27FC236}">
-                <a16:creationId xmlns="" xmlns:a16="http://schemas.microsoft.com/office/drawing/2014/main" id="{3683A037-F698-4CC9-904D-F377D71F690F}"/>
+                <a16:creationId xmlns:a16="http://schemas.microsoft.com/office/drawing/2014/main" xmlns="" id="{3683A037-F698-4CC9-904D-F377D71F690F}"/>
               </a:ext>
             </a:extLst>
           </p:cNvPr>
@@ -22696,7 +21736,7 @@
           <p:cNvPr id="33" name="Content Placeholder 2">
             <a:extLst>
               <a:ext uri="{FF2B5EF4-FFF2-40B4-BE49-F238E27FC236}">
-                <a16:creationId xmlns="" xmlns:a16="http://schemas.microsoft.com/office/drawing/2014/main" id="{0A095594-2B82-44ED-8C9B-DA7C4D3D2872}"/>
+                <a16:creationId xmlns:a16="http://schemas.microsoft.com/office/drawing/2014/main" xmlns="" id="{0A095594-2B82-44ED-8C9B-DA7C4D3D2872}"/>
               </a:ext>
             </a:extLst>
           </p:cNvPr>
@@ -22753,7 +21793,7 @@
           <p:cNvPr id="34" name="Content Placeholder 2">
             <a:extLst>
               <a:ext uri="{FF2B5EF4-FFF2-40B4-BE49-F238E27FC236}">
-                <a16:creationId xmlns="" xmlns:a16="http://schemas.microsoft.com/office/drawing/2014/main" id="{54CDD46A-22ED-48F5-9B5F-13B1B5C4B320}"/>
+                <a16:creationId xmlns:a16="http://schemas.microsoft.com/office/drawing/2014/main" xmlns="" id="{54CDD46A-22ED-48F5-9B5F-13B1B5C4B320}"/>
               </a:ext>
             </a:extLst>
           </p:cNvPr>
@@ -22850,7 +21890,7 @@
           <p:cNvPr id="2" name="Title Placeholder 1">
             <a:extLst>
               <a:ext uri="{FF2B5EF4-FFF2-40B4-BE49-F238E27FC236}">
-                <a16:creationId xmlns="" xmlns:a16="http://schemas.microsoft.com/office/drawing/2014/main" id="{BCC4D7FA-B85E-4477-8C62-94955B340F14}"/>
+                <a16:creationId xmlns:a16="http://schemas.microsoft.com/office/drawing/2014/main" xmlns="" id="{BCC4D7FA-B85E-4477-8C62-94955B340F14}"/>
               </a:ext>
             </a:extLst>
           </p:cNvPr>
@@ -22889,7 +21929,7 @@
           <p:cNvPr id="3" name="Text Placeholder 2">
             <a:extLst>
               <a:ext uri="{FF2B5EF4-FFF2-40B4-BE49-F238E27FC236}">
-                <a16:creationId xmlns="" xmlns:a16="http://schemas.microsoft.com/office/drawing/2014/main" id="{1F1226BB-3E56-4E7F-8172-7EC03C9F0BCF}"/>
+                <a16:creationId xmlns:a16="http://schemas.microsoft.com/office/drawing/2014/main" xmlns="" id="{1F1226BB-3E56-4E7F-8172-7EC03C9F0BCF}"/>
               </a:ext>
             </a:extLst>
           </p:cNvPr>
@@ -22956,7 +21996,7 @@
           <p:cNvPr id="4" name="Date Placeholder 3">
             <a:extLst>
               <a:ext uri="{FF2B5EF4-FFF2-40B4-BE49-F238E27FC236}">
-                <a16:creationId xmlns="" xmlns:a16="http://schemas.microsoft.com/office/drawing/2014/main" id="{D95D08EF-72FB-4F19-9916-65815A9CA99C}"/>
+                <a16:creationId xmlns:a16="http://schemas.microsoft.com/office/drawing/2014/main" xmlns="" id="{D95D08EF-72FB-4F19-9916-65815A9CA99C}"/>
               </a:ext>
             </a:extLst>
           </p:cNvPr>
@@ -22992,7 +22032,7 @@
           <a:p>
             <a:fld id="{D951F27F-98F9-A147-8986-34441C7B752D}" type="datetime1">
               <a:rPr lang="en-US" noProof="0" smtClean="0"/>
-              <a:t>7/2/2019</a:t>
+              <a:t>7/5/2019</a:t>
             </a:fld>
             <a:endParaRPr lang="en-US" noProof="0" dirty="0"/>
           </a:p>
@@ -23003,7 +22043,7 @@
           <p:cNvPr id="5" name="Footer Placeholder 4">
             <a:extLst>
               <a:ext uri="{FF2B5EF4-FFF2-40B4-BE49-F238E27FC236}">
-                <a16:creationId xmlns="" xmlns:a16="http://schemas.microsoft.com/office/drawing/2014/main" id="{1365084D-BC85-4A55-BD80-93876AD10108}"/>
+                <a16:creationId xmlns:a16="http://schemas.microsoft.com/office/drawing/2014/main" xmlns="" id="{1365084D-BC85-4A55-BD80-93876AD10108}"/>
               </a:ext>
             </a:extLst>
           </p:cNvPr>
@@ -23046,7 +22086,7 @@
           <p:cNvPr id="6" name="Slide Number Placeholder 5">
             <a:extLst>
               <a:ext uri="{FF2B5EF4-FFF2-40B4-BE49-F238E27FC236}">
-                <a16:creationId xmlns="" xmlns:a16="http://schemas.microsoft.com/office/drawing/2014/main" id="{45FDEF23-A140-4DD6-A0D0-A86BD4DF3404}"/>
+                <a16:creationId xmlns:a16="http://schemas.microsoft.com/office/drawing/2014/main" xmlns="" id="{45FDEF23-A140-4DD6-A0D0-A86BD4DF3404}"/>
               </a:ext>
             </a:extLst>
           </p:cNvPr>
@@ -23449,7 +22489,7 @@
           <p:cNvPr id="2" name="Title 1">
             <a:extLst>
               <a:ext uri="{FF2B5EF4-FFF2-40B4-BE49-F238E27FC236}">
-                <a16:creationId xmlns="" xmlns:a16="http://schemas.microsoft.com/office/drawing/2014/main" id="{FBAB08B8-3DB3-4637-AE23-B8DB96D9FCEC}"/>
+                <a16:creationId xmlns:a16="http://schemas.microsoft.com/office/drawing/2014/main" xmlns="" id="{FBAB08B8-3DB3-4637-AE23-B8DB96D9FCEC}"/>
               </a:ext>
             </a:extLst>
           </p:cNvPr>
@@ -30657,13 +29697,7 @@
               <a:rPr lang="en-GB">
                 <a:latin typeface="Consolas" panose="020B0609020204030204" pitchFamily="49" charset="0"/>
               </a:rPr>
-              <a:t>a href</a:t>
-            </a:r>
-            <a:r>
-              <a:rPr lang="en-GB">
-                <a:latin typeface="Consolas" panose="020B0609020204030204" pitchFamily="49" charset="0"/>
-              </a:rPr>
-              <a:t>="#"&gt;</a:t>
+              <a:t>a href="#"&gt;</a:t>
             </a:r>
             <a:r>
               <a:rPr lang="en-GB" smtClean="0">
@@ -30704,13 +29738,7 @@
               <a:rPr lang="it-IT">
                 <a:latin typeface="Consolas" panose="020B0609020204030204" pitchFamily="49" charset="0"/>
               </a:rPr>
-              <a:t>		</a:t>
-            </a:r>
-            <a:r>
-              <a:rPr lang="it-IT">
-                <a:latin typeface="Consolas" panose="020B0609020204030204" pitchFamily="49" charset="0"/>
-              </a:rPr>
-              <a:t>    </a:t>
+              <a:t>		    </a:t>
             </a:r>
             <a:endParaRPr lang="it-IT" smtClean="0">
               <a:latin typeface="Consolas" panose="020B0609020204030204" pitchFamily="49" charset="0"/>
@@ -30763,17 +29791,8 @@
               <a:rPr lang="it-IT">
                 <a:latin typeface="Consolas" panose="020B0609020204030204" pitchFamily="49" charset="0"/>
               </a:rPr>
-              <a:t>		</a:t>
-            </a:r>
-            <a:r>
-              <a:rPr lang="it-IT">
-                <a:latin typeface="Consolas" panose="020B0609020204030204" pitchFamily="49" charset="0"/>
-              </a:rPr>
-              <a:t>    </a:t>
-            </a:r>
-            <a:endParaRPr lang="it-IT">
-              <a:latin typeface="Consolas" panose="020B0609020204030204" pitchFamily="49" charset="0"/>
-            </a:endParaRPr>
+              <a:t>		    </a:t>
+            </a:r>
           </a:p>
           <a:p>
             <a:r>
@@ -30792,13 +29811,7 @@
               <a:rPr lang="it-IT">
                 <a:latin typeface="Consolas" panose="020B0609020204030204" pitchFamily="49" charset="0"/>
               </a:rPr>
-              <a:t>&gt;&lt;a </a:t>
-            </a:r>
-            <a:r>
-              <a:rPr lang="it-IT">
-                <a:latin typeface="Consolas" panose="020B0609020204030204" pitchFamily="49" charset="0"/>
-              </a:rPr>
-              <a:t>href</a:t>
+              <a:t>&gt;&lt;a href</a:t>
             </a:r>
             <a:r>
               <a:rPr lang="it-IT" smtClean="0">
@@ -30828,13 +29841,7 @@
               <a:rPr lang="it-IT">
                 <a:latin typeface="Consolas" panose="020B0609020204030204" pitchFamily="49" charset="0"/>
               </a:rPr>
-              <a:t>		</a:t>
-            </a:r>
-            <a:r>
-              <a:rPr lang="it-IT">
-                <a:latin typeface="Consolas" panose="020B0609020204030204" pitchFamily="49" charset="0"/>
-              </a:rPr>
-              <a:t>    </a:t>
+              <a:t>		    </a:t>
             </a:r>
             <a:endParaRPr lang="it-IT" smtClean="0">
               <a:latin typeface="Consolas" panose="020B0609020204030204" pitchFamily="49" charset="0"/>
@@ -30857,13 +29864,7 @@
               <a:rPr lang="it-IT">
                 <a:latin typeface="Consolas" panose="020B0609020204030204" pitchFamily="49" charset="0"/>
               </a:rPr>
-              <a:t>&gt;&lt;a </a:t>
-            </a:r>
-            <a:r>
-              <a:rPr lang="it-IT">
-                <a:latin typeface="Consolas" panose="020B0609020204030204" pitchFamily="49" charset="0"/>
-              </a:rPr>
-              <a:t>href</a:t>
+              <a:t>&gt;&lt;a href</a:t>
             </a:r>
             <a:r>
               <a:rPr lang="it-IT" smtClean="0">
@@ -35324,7 +34325,7 @@
           <p:cNvPr id="2" name="Title 1">
             <a:extLst>
               <a:ext uri="{FF2B5EF4-FFF2-40B4-BE49-F238E27FC236}">
-                <a16:creationId xmlns="" xmlns:a16="http://schemas.microsoft.com/office/drawing/2014/main" id="{FBAB08B8-3DB3-4637-AE23-B8DB96D9FCEC}"/>
+                <a16:creationId xmlns:a16="http://schemas.microsoft.com/office/drawing/2014/main" xmlns="" id="{FBAB08B8-3DB3-4637-AE23-B8DB96D9FCEC}"/>
               </a:ext>
             </a:extLst>
           </p:cNvPr>
@@ -36121,11 +35122,7 @@
             </a:r>
             <a:r>
               <a:rPr lang="id-ID" sz="1800"/>
-              <a:t>isi </a:t>
-            </a:r>
-            <a:r>
-              <a:rPr lang="id-ID" sz="1800"/>
-              <a:t>properti</a:t>
+              <a:t>isi properti</a:t>
             </a:r>
             <a:r>
               <a:rPr lang="id-ID" sz="1800" i="1"/>
@@ -36153,11 +35150,7 @@
             </a:r>
             <a:r>
               <a:rPr lang="en-US" sz="1800"/>
-              <a:t> yang tidak memiliki halaman </a:t>
-            </a:r>
-            <a:r>
-              <a:rPr lang="en-US" sz="1800"/>
-              <a:t>DBpedia</a:t>
+              <a:t> yang tidak memiliki halaman DBpedia</a:t>
             </a:r>
             <a:r>
               <a:rPr lang="en-US" sz="1800" smtClean="0"/>
@@ -36722,51 +35715,6 @@
       </p:grpSpPr>
       <p:sp>
         <p:nvSpPr>
-          <p:cNvPr id="9" name="Rectangle 8"/>
-          <p:cNvSpPr/>
-          <p:nvPr/>
-        </p:nvSpPr>
-        <p:spPr>
-          <a:xfrm>
-            <a:off x="9131903" y="1725561"/>
-            <a:ext cx="1973631" cy="368710"/>
-          </a:xfrm>
-          <a:prstGeom prst="rect">
-            <a:avLst/>
-          </a:prstGeom>
-          <a:ln>
-            <a:solidFill>
-              <a:schemeClr val="bg1"/>
-            </a:solidFill>
-          </a:ln>
-        </p:spPr>
-        <p:style>
-          <a:lnRef idx="2">
-            <a:schemeClr val="accent1">
-              <a:shade val="50000"/>
-            </a:schemeClr>
-          </a:lnRef>
-          <a:fillRef idx="1">
-            <a:schemeClr val="accent1"/>
-          </a:fillRef>
-          <a:effectRef idx="0">
-            <a:schemeClr val="accent1"/>
-          </a:effectRef>
-          <a:fontRef idx="minor">
-            <a:schemeClr val="lt1"/>
-          </a:fontRef>
-        </p:style>
-        <p:txBody>
-          <a:bodyPr rtlCol="0" anchor="ctr"/>
-          <a:lstStyle/>
-          <a:p>
-            <a:pPr algn="ctr"/>
-            <a:endParaRPr lang="en-US"/>
-          </a:p>
-        </p:txBody>
-      </p:sp>
-      <p:sp>
-        <p:nvSpPr>
           <p:cNvPr id="6" name="Rectangle 5"/>
           <p:cNvSpPr/>
           <p:nvPr/>
@@ -36897,7 +35845,7 @@
         </p:nvSpPr>
         <p:spPr>
           <a:xfrm>
-            <a:off x="10486167" y="1740309"/>
+            <a:off x="10175977" y="1862857"/>
             <a:ext cx="811161" cy="1135625"/>
           </a:xfrm>
           <a:prstGeom prst="downArrow">
@@ -36942,7 +35890,7 @@
         </p:nvSpPr>
         <p:spPr>
           <a:xfrm>
-            <a:off x="9517870" y="2896308"/>
+            <a:off x="9244493" y="3191246"/>
             <a:ext cx="2674130" cy="923330"/>
           </a:xfrm>
           <a:prstGeom prst="rect">
@@ -37147,452 +36095,30 @@
           </a:p>
         </p:txBody>
       </p:sp>
-      <p:sp>
-        <p:nvSpPr>
-          <p:cNvPr id="4" name="Oval 3"/>
-          <p:cNvSpPr/>
+      <p:pic>
+        <p:nvPicPr>
+          <p:cNvPr id="7" name="Picture 6"/>
+          <p:cNvPicPr>
+            <a:picLocks noChangeAspect="1"/>
+          </p:cNvPicPr>
           <p:nvPr/>
-        </p:nvSpPr>
+        </p:nvPicPr>
+        <p:blipFill>
+          <a:blip r:embed="rId3"/>
+          <a:stretch>
+            <a:fillRect/>
+          </a:stretch>
+        </p:blipFill>
         <p:spPr>
           <a:xfrm>
-            <a:off x="2349218" y="2804384"/>
-            <a:ext cx="1934574" cy="1001333"/>
-          </a:xfrm>
-          <a:prstGeom prst="ellipse">
-            <a:avLst/>
-          </a:prstGeom>
-        </p:spPr>
-        <p:style>
-          <a:lnRef idx="3">
-            <a:schemeClr val="lt1"/>
-          </a:lnRef>
-          <a:fillRef idx="1">
-            <a:schemeClr val="accent5"/>
-          </a:fillRef>
-          <a:effectRef idx="1">
-            <a:schemeClr val="accent5"/>
-          </a:effectRef>
-          <a:fontRef idx="minor">
-            <a:schemeClr val="lt1"/>
-          </a:fontRef>
-        </p:style>
-        <p:txBody>
-          <a:bodyPr rtlCol="0" anchor="ctr"/>
-          <a:lstStyle/>
-          <a:p>
-            <a:pPr algn="ctr"/>
-            <a:r>
-              <a:rPr lang="en-US" sz="2400" smtClean="0"/>
-              <a:t>Soekarno</a:t>
-            </a:r>
-            <a:endParaRPr lang="en-US"/>
-          </a:p>
-        </p:txBody>
-      </p:sp>
-      <p:cxnSp>
-        <p:nvCxnSpPr>
-          <p:cNvPr id="10" name="Straight Arrow Connector 9"/>
-          <p:cNvCxnSpPr>
-            <a:stCxn id="4" idx="6"/>
-            <a:endCxn id="15" idx="2"/>
-          </p:cNvCxnSpPr>
-          <p:nvPr/>
-        </p:nvCxnSpPr>
-        <p:spPr>
-          <a:xfrm flipV="1">
-            <a:off x="4283792" y="3003879"/>
-            <a:ext cx="3192405" cy="301172"/>
-          </a:xfrm>
-          <a:prstGeom prst="straightConnector1">
-            <a:avLst/>
-          </a:prstGeom>
-          <a:ln>
-            <a:tailEnd type="triangle"/>
-          </a:ln>
-        </p:spPr>
-        <p:style>
-          <a:lnRef idx="1">
-            <a:schemeClr val="accent1"/>
-          </a:lnRef>
-          <a:fillRef idx="0">
-            <a:schemeClr val="accent1"/>
-          </a:fillRef>
-          <a:effectRef idx="0">
-            <a:schemeClr val="accent1"/>
-          </a:effectRef>
-          <a:fontRef idx="minor">
-            <a:schemeClr val="tx1"/>
-          </a:fontRef>
-        </p:style>
-      </p:cxnSp>
-      <p:sp>
-        <p:nvSpPr>
-          <p:cNvPr id="11" name="Rectangle 10"/>
-          <p:cNvSpPr/>
-          <p:nvPr/>
-        </p:nvSpPr>
-        <p:spPr>
-          <a:xfrm rot="21340905">
-            <a:off x="4919529" y="3027097"/>
-            <a:ext cx="1536460" cy="283333"/>
+            <a:off x="2678333" y="1818061"/>
+            <a:ext cx="6736274" cy="4256622"/>
           </a:xfrm>
           <a:prstGeom prst="rect">
             <a:avLst/>
           </a:prstGeom>
         </p:spPr>
-        <p:style>
-          <a:lnRef idx="2">
-            <a:schemeClr val="accent1">
-              <a:shade val="50000"/>
-            </a:schemeClr>
-          </a:lnRef>
-          <a:fillRef idx="1">
-            <a:schemeClr val="accent1"/>
-          </a:fillRef>
-          <a:effectRef idx="0">
-            <a:schemeClr val="accent1"/>
-          </a:effectRef>
-          <a:fontRef idx="minor">
-            <a:schemeClr val="lt1"/>
-          </a:fontRef>
-        </p:style>
-        <p:txBody>
-          <a:bodyPr rtlCol="0" anchor="ctr"/>
-          <a:lstStyle/>
-          <a:p>
-            <a:pPr algn="ctr"/>
-            <a:r>
-              <a:rPr lang="en-US" smtClean="0"/>
-              <a:t>hasSpouse</a:t>
-            </a:r>
-            <a:endParaRPr lang="en-US"/>
-          </a:p>
-        </p:txBody>
-      </p:sp>
-      <p:sp>
-        <p:nvSpPr>
-          <p:cNvPr id="15" name="Oval 14"/>
-          <p:cNvSpPr/>
-          <p:nvPr/>
-        </p:nvSpPr>
-        <p:spPr>
-          <a:xfrm>
-            <a:off x="7476197" y="2503212"/>
-            <a:ext cx="1934574" cy="1001333"/>
-          </a:xfrm>
-          <a:prstGeom prst="ellipse">
-            <a:avLst/>
-          </a:prstGeom>
-        </p:spPr>
-        <p:style>
-          <a:lnRef idx="3">
-            <a:schemeClr val="lt1"/>
-          </a:lnRef>
-          <a:fillRef idx="1">
-            <a:schemeClr val="accent5"/>
-          </a:fillRef>
-          <a:effectRef idx="1">
-            <a:schemeClr val="accent5"/>
-          </a:effectRef>
-          <a:fontRef idx="minor">
-            <a:schemeClr val="lt1"/>
-          </a:fontRef>
-        </p:style>
-        <p:txBody>
-          <a:bodyPr rtlCol="0" anchor="ctr"/>
-          <a:lstStyle/>
-          <a:p>
-            <a:pPr algn="ctr"/>
-            <a:r>
-              <a:rPr lang="en-US" sz="2000" smtClean="0"/>
-              <a:t>Fatmawati</a:t>
-            </a:r>
-            <a:endParaRPr lang="en-US" sz="1600"/>
-          </a:p>
-        </p:txBody>
-      </p:sp>
-      <p:sp>
-        <p:nvSpPr>
-          <p:cNvPr id="17" name="Oval 16"/>
-          <p:cNvSpPr/>
-          <p:nvPr/>
-        </p:nvSpPr>
-        <p:spPr>
-          <a:xfrm>
-            <a:off x="5645276" y="4817211"/>
-            <a:ext cx="2352503" cy="1001333"/>
-          </a:xfrm>
-          <a:prstGeom prst="ellipse">
-            <a:avLst/>
-          </a:prstGeom>
-        </p:spPr>
-        <p:style>
-          <a:lnRef idx="3">
-            <a:schemeClr val="lt1"/>
-          </a:lnRef>
-          <a:fillRef idx="1">
-            <a:schemeClr val="accent5"/>
-          </a:fillRef>
-          <a:effectRef idx="1">
-            <a:schemeClr val="accent5"/>
-          </a:effectRef>
-          <a:fontRef idx="minor">
-            <a:schemeClr val="lt1"/>
-          </a:fontRef>
-        </p:style>
-        <p:txBody>
-          <a:bodyPr rtlCol="0" anchor="ctr"/>
-          <a:lstStyle/>
-          <a:p>
-            <a:pPr algn="ctr"/>
-            <a:r>
-              <a:rPr lang="en-US" sz="2000" smtClean="0"/>
-              <a:t>Megawati Soekarnoputri</a:t>
-            </a:r>
-            <a:endParaRPr lang="en-US" sz="1600"/>
-          </a:p>
-        </p:txBody>
-      </p:sp>
-      <p:cxnSp>
-        <p:nvCxnSpPr>
-          <p:cNvPr id="22" name="Straight Arrow Connector 21"/>
-          <p:cNvCxnSpPr>
-            <a:stCxn id="4" idx="6"/>
-            <a:endCxn id="17" idx="0"/>
-          </p:cNvCxnSpPr>
-          <p:nvPr/>
-        </p:nvCxnSpPr>
-        <p:spPr>
-          <a:xfrm>
-            <a:off x="4283792" y="3305051"/>
-            <a:ext cx="2537736" cy="1512160"/>
-          </a:xfrm>
-          <a:prstGeom prst="straightConnector1">
-            <a:avLst/>
-          </a:prstGeom>
-          <a:ln>
-            <a:tailEnd type="triangle"/>
-          </a:ln>
-        </p:spPr>
-        <p:style>
-          <a:lnRef idx="1">
-            <a:schemeClr val="accent1"/>
-          </a:lnRef>
-          <a:fillRef idx="0">
-            <a:schemeClr val="accent1"/>
-          </a:fillRef>
-          <a:effectRef idx="0">
-            <a:schemeClr val="accent1"/>
-          </a:effectRef>
-          <a:fontRef idx="minor">
-            <a:schemeClr val="tx1"/>
-          </a:fontRef>
-        </p:style>
-      </p:cxnSp>
-      <p:sp>
-        <p:nvSpPr>
-          <p:cNvPr id="23" name="Rectangle 22"/>
-          <p:cNvSpPr/>
-          <p:nvPr/>
-        </p:nvSpPr>
-        <p:spPr>
-          <a:xfrm rot="1769320">
-            <a:off x="4784429" y="3951734"/>
-            <a:ext cx="1536460" cy="283333"/>
-          </a:xfrm>
-          <a:prstGeom prst="rect">
-            <a:avLst/>
-          </a:prstGeom>
-        </p:spPr>
-        <p:style>
-          <a:lnRef idx="2">
-            <a:schemeClr val="accent1">
-              <a:shade val="50000"/>
-            </a:schemeClr>
-          </a:lnRef>
-          <a:fillRef idx="1">
-            <a:schemeClr val="accent1"/>
-          </a:fillRef>
-          <a:effectRef idx="0">
-            <a:schemeClr val="accent1"/>
-          </a:effectRef>
-          <a:fontRef idx="minor">
-            <a:schemeClr val="lt1"/>
-          </a:fontRef>
-        </p:style>
-        <p:txBody>
-          <a:bodyPr rtlCol="0" anchor="ctr"/>
-          <a:lstStyle/>
-          <a:p>
-            <a:pPr algn="ctr"/>
-            <a:r>
-              <a:rPr lang="en-US" smtClean="0"/>
-              <a:t>hasChild</a:t>
-            </a:r>
-            <a:endParaRPr lang="en-US"/>
-          </a:p>
-        </p:txBody>
-      </p:sp>
-      <p:cxnSp>
-        <p:nvCxnSpPr>
-          <p:cNvPr id="26" name="Straight Arrow Connector 25"/>
-          <p:cNvCxnSpPr>
-            <a:stCxn id="17" idx="1"/>
-            <a:endCxn id="4" idx="5"/>
-          </p:cNvCxnSpPr>
-          <p:nvPr/>
-        </p:nvCxnSpPr>
-        <p:spPr>
-          <a:xfrm flipH="1" flipV="1">
-            <a:off x="4000480" y="3659075"/>
-            <a:ext cx="1989312" cy="1304778"/>
-          </a:xfrm>
-          <a:prstGeom prst="straightConnector1">
-            <a:avLst/>
-          </a:prstGeom>
-          <a:ln>
-            <a:tailEnd type="triangle"/>
-          </a:ln>
-        </p:spPr>
-        <p:style>
-          <a:lnRef idx="1">
-            <a:schemeClr val="accent1"/>
-          </a:lnRef>
-          <a:fillRef idx="0">
-            <a:schemeClr val="accent1"/>
-          </a:fillRef>
-          <a:effectRef idx="0">
-            <a:schemeClr val="accent1"/>
-          </a:effectRef>
-          <a:fontRef idx="minor">
-            <a:schemeClr val="tx1"/>
-          </a:fontRef>
-        </p:style>
-      </p:cxnSp>
-      <p:sp>
-        <p:nvSpPr>
-          <p:cNvPr id="30" name="Rectangle 29"/>
-          <p:cNvSpPr/>
-          <p:nvPr/>
-        </p:nvSpPr>
-        <p:spPr>
-          <a:xfrm rot="1979267">
-            <a:off x="4218913" y="4163061"/>
-            <a:ext cx="1536460" cy="283333"/>
-          </a:xfrm>
-          <a:prstGeom prst="rect">
-            <a:avLst/>
-          </a:prstGeom>
-        </p:spPr>
-        <p:style>
-          <a:lnRef idx="2">
-            <a:schemeClr val="accent1">
-              <a:shade val="50000"/>
-            </a:schemeClr>
-          </a:lnRef>
-          <a:fillRef idx="1">
-            <a:schemeClr val="accent1"/>
-          </a:fillRef>
-          <a:effectRef idx="0">
-            <a:schemeClr val="accent1"/>
-          </a:effectRef>
-          <a:fontRef idx="minor">
-            <a:schemeClr val="lt1"/>
-          </a:fontRef>
-        </p:style>
-        <p:txBody>
-          <a:bodyPr rtlCol="0" anchor="ctr"/>
-          <a:lstStyle/>
-          <a:p>
-            <a:pPr algn="ctr"/>
-            <a:r>
-              <a:rPr lang="en-US" smtClean="0"/>
-              <a:t>hasParent</a:t>
-            </a:r>
-            <a:endParaRPr lang="en-US"/>
-          </a:p>
-        </p:txBody>
-      </p:sp>
-      <p:cxnSp>
-        <p:nvCxnSpPr>
-          <p:cNvPr id="33" name="Straight Arrow Connector 32"/>
-          <p:cNvCxnSpPr>
-            <a:stCxn id="15" idx="1"/>
-            <a:endCxn id="4" idx="7"/>
-          </p:cNvCxnSpPr>
-          <p:nvPr/>
-        </p:nvCxnSpPr>
-        <p:spPr>
-          <a:xfrm flipH="1">
-            <a:off x="4000480" y="2649854"/>
-            <a:ext cx="3759029" cy="301172"/>
-          </a:xfrm>
-          <a:prstGeom prst="straightConnector1">
-            <a:avLst/>
-          </a:prstGeom>
-          <a:ln>
-            <a:tailEnd type="triangle"/>
-          </a:ln>
-        </p:spPr>
-        <p:style>
-          <a:lnRef idx="1">
-            <a:schemeClr val="accent1"/>
-          </a:lnRef>
-          <a:fillRef idx="0">
-            <a:schemeClr val="accent1"/>
-          </a:fillRef>
-          <a:effectRef idx="0">
-            <a:schemeClr val="accent1"/>
-          </a:effectRef>
-          <a:fontRef idx="minor">
-            <a:schemeClr val="tx1"/>
-          </a:fontRef>
-        </p:style>
-      </p:cxnSp>
-      <p:sp>
-        <p:nvSpPr>
-          <p:cNvPr id="38" name="Rectangle 37"/>
-          <p:cNvSpPr/>
-          <p:nvPr/>
-        </p:nvSpPr>
-        <p:spPr>
-          <a:xfrm rot="21340905">
-            <a:off x="4917679" y="2691850"/>
-            <a:ext cx="1536460" cy="283333"/>
-          </a:xfrm>
-          <a:prstGeom prst="rect">
-            <a:avLst/>
-          </a:prstGeom>
-        </p:spPr>
-        <p:style>
-          <a:lnRef idx="2">
-            <a:schemeClr val="accent1">
-              <a:shade val="50000"/>
-            </a:schemeClr>
-          </a:lnRef>
-          <a:fillRef idx="1">
-            <a:schemeClr val="accent1"/>
-          </a:fillRef>
-          <a:effectRef idx="0">
-            <a:schemeClr val="accent1"/>
-          </a:effectRef>
-          <a:fontRef idx="minor">
-            <a:schemeClr val="lt1"/>
-          </a:fontRef>
-        </p:style>
-        <p:txBody>
-          <a:bodyPr rtlCol="0" anchor="ctr"/>
-          <a:lstStyle/>
-          <a:p>
-            <a:pPr algn="ctr"/>
-            <a:r>
-              <a:rPr lang="en-US" smtClean="0"/>
-              <a:t>hasSpouse</a:t>
-            </a:r>
-            <a:endParaRPr lang="en-US"/>
-          </a:p>
-        </p:txBody>
-      </p:sp>
+      </p:pic>
     </p:spTree>
     <p:extLst>
       <p:ext uri="{BB962C8B-B14F-4D97-AF65-F5344CB8AC3E}">
@@ -37673,39 +36199,6 @@
       </p:sp>
       <p:sp>
         <p:nvSpPr>
-          <p:cNvPr id="2" name="Content Placeholder 1"/>
-          <p:cNvSpPr>
-            <a:spLocks noGrp="1"/>
-          </p:cNvSpPr>
-          <p:nvPr>
-            <p:ph idx="1"/>
-          </p:nvPr>
-        </p:nvSpPr>
-        <p:spPr>
-          <a:xfrm>
-            <a:off x="538960" y="1437005"/>
-            <a:ext cx="10824736" cy="5018734"/>
-          </a:xfrm>
-        </p:spPr>
-        <p:txBody>
-          <a:bodyPr/>
-          <a:lstStyle/>
-          <a:p>
-            <a:pPr marL="0" lvl="0" indent="0">
-              <a:buNone/>
-            </a:pPr>
-            <a:endParaRPr lang="en-US" sz="2800" dirty="0" smtClean="0"/>
-          </a:p>
-          <a:p>
-            <a:pPr marL="0" lvl="0" indent="0">
-              <a:buNone/>
-            </a:pPr>
-            <a:endParaRPr lang="en-US" sz="2800" dirty="0" smtClean="0"/>
-          </a:p>
-        </p:txBody>
-      </p:sp>
-      <p:sp>
-        <p:nvSpPr>
           <p:cNvPr id="3" name="Slide Number Placeholder 2"/>
           <p:cNvSpPr>
             <a:spLocks noGrp="1"/>
@@ -37725,696 +36218,6 @@
               <a:t>9</a:t>
             </a:fld>
             <a:endParaRPr lang="en-US" noProof="0" dirty="0"/>
-          </a:p>
-        </p:txBody>
-      </p:sp>
-      <p:sp>
-        <p:nvSpPr>
-          <p:cNvPr id="4" name="Oval 3"/>
-          <p:cNvSpPr/>
-          <p:nvPr/>
-        </p:nvSpPr>
-        <p:spPr>
-          <a:xfrm>
-            <a:off x="244500" y="2804384"/>
-            <a:ext cx="4039292" cy="1001333"/>
-          </a:xfrm>
-          <a:prstGeom prst="ellipse">
-            <a:avLst/>
-          </a:prstGeom>
-        </p:spPr>
-        <p:style>
-          <a:lnRef idx="3">
-            <a:schemeClr val="lt1"/>
-          </a:lnRef>
-          <a:fillRef idx="1">
-            <a:schemeClr val="accent5"/>
-          </a:fillRef>
-          <a:effectRef idx="1">
-            <a:schemeClr val="accent5"/>
-          </a:effectRef>
-          <a:fontRef idx="minor">
-            <a:schemeClr val="lt1"/>
-          </a:fontRef>
-        </p:style>
-        <p:txBody>
-          <a:bodyPr rtlCol="0" anchor="ctr"/>
-          <a:lstStyle/>
-          <a:p>
-            <a:pPr algn="ctr"/>
-            <a:r>
-              <a:rPr lang="en-US" sz="2400">
-                <a:solidFill>
-                  <a:schemeClr val="bg1"/>
-                </a:solidFill>
-              </a:rPr>
-              <a:t>http</a:t>
-            </a:r>
-            <a:r>
-              <a:rPr lang="en-US" sz="2400" smtClean="0">
-                <a:solidFill>
-                  <a:schemeClr val="bg1"/>
-                </a:solidFill>
-              </a:rPr>
-              <a:t>://id.dbpedia.org/resource/Soekarno</a:t>
-            </a:r>
-            <a:endParaRPr lang="en-US">
-              <a:solidFill>
-                <a:schemeClr val="bg1"/>
-              </a:solidFill>
-            </a:endParaRPr>
-          </a:p>
-        </p:txBody>
-      </p:sp>
-      <p:cxnSp>
-        <p:nvCxnSpPr>
-          <p:cNvPr id="10" name="Straight Arrow Connector 9"/>
-          <p:cNvCxnSpPr>
-            <a:stCxn id="4" idx="6"/>
-            <a:endCxn id="15" idx="2"/>
-          </p:cNvCxnSpPr>
-          <p:nvPr/>
-        </p:nvCxnSpPr>
-        <p:spPr>
-          <a:xfrm flipV="1">
-            <a:off x="4283792" y="3003879"/>
-            <a:ext cx="3192405" cy="301172"/>
-          </a:xfrm>
-          <a:prstGeom prst="straightConnector1">
-            <a:avLst/>
-          </a:prstGeom>
-          <a:ln>
-            <a:tailEnd type="triangle"/>
-          </a:ln>
-        </p:spPr>
-        <p:style>
-          <a:lnRef idx="1">
-            <a:schemeClr val="accent1"/>
-          </a:lnRef>
-          <a:fillRef idx="0">
-            <a:schemeClr val="accent1"/>
-          </a:fillRef>
-          <a:effectRef idx="0">
-            <a:schemeClr val="accent1"/>
-          </a:effectRef>
-          <a:fontRef idx="minor">
-            <a:schemeClr val="tx1"/>
-          </a:fontRef>
-        </p:style>
-      </p:cxnSp>
-      <p:sp>
-        <p:nvSpPr>
-          <p:cNvPr id="11" name="Rectangle 10"/>
-          <p:cNvSpPr/>
-          <p:nvPr/>
-        </p:nvSpPr>
-        <p:spPr>
-          <a:xfrm rot="21340905">
-            <a:off x="4919529" y="3027097"/>
-            <a:ext cx="1536460" cy="283333"/>
-          </a:xfrm>
-          <a:prstGeom prst="rect">
-            <a:avLst/>
-          </a:prstGeom>
-        </p:spPr>
-        <p:style>
-          <a:lnRef idx="2">
-            <a:schemeClr val="accent1">
-              <a:shade val="50000"/>
-            </a:schemeClr>
-          </a:lnRef>
-          <a:fillRef idx="1">
-            <a:schemeClr val="accent1"/>
-          </a:fillRef>
-          <a:effectRef idx="0">
-            <a:schemeClr val="accent1"/>
-          </a:effectRef>
-          <a:fontRef idx="minor">
-            <a:schemeClr val="lt1"/>
-          </a:fontRef>
-        </p:style>
-        <p:txBody>
-          <a:bodyPr rtlCol="0" anchor="ctr"/>
-          <a:lstStyle/>
-          <a:p>
-            <a:pPr algn="ctr"/>
-            <a:r>
-              <a:rPr lang="en-US" smtClean="0"/>
-              <a:t>hasSpouse</a:t>
-            </a:r>
-            <a:endParaRPr lang="en-US"/>
-          </a:p>
-        </p:txBody>
-      </p:sp>
-      <p:sp>
-        <p:nvSpPr>
-          <p:cNvPr id="15" name="Oval 14"/>
-          <p:cNvSpPr/>
-          <p:nvPr/>
-        </p:nvSpPr>
-        <p:spPr>
-          <a:xfrm>
-            <a:off x="7476197" y="2503212"/>
-            <a:ext cx="3506600" cy="1001333"/>
-          </a:xfrm>
-          <a:prstGeom prst="ellipse">
-            <a:avLst/>
-          </a:prstGeom>
-        </p:spPr>
-        <p:style>
-          <a:lnRef idx="3">
-            <a:schemeClr val="lt1"/>
-          </a:lnRef>
-          <a:fillRef idx="1">
-            <a:schemeClr val="accent5"/>
-          </a:fillRef>
-          <a:effectRef idx="1">
-            <a:schemeClr val="accent5"/>
-          </a:effectRef>
-          <a:fontRef idx="minor">
-            <a:schemeClr val="lt1"/>
-          </a:fontRef>
-        </p:style>
-        <p:txBody>
-          <a:bodyPr rtlCol="0" anchor="ctr"/>
-          <a:lstStyle/>
-          <a:p>
-            <a:pPr algn="ctr"/>
-            <a:r>
-              <a:rPr lang="en-US" sz="2000">
-                <a:solidFill>
-                  <a:schemeClr val="bg1"/>
-                </a:solidFill>
-              </a:rPr>
-              <a:t>http</a:t>
-            </a:r>
-            <a:r>
-              <a:rPr lang="en-US" sz="2000">
-                <a:solidFill>
-                  <a:schemeClr val="bg1"/>
-                </a:solidFill>
-              </a:rPr>
-              <a:t>://</a:t>
-            </a:r>
-            <a:r>
-              <a:rPr lang="en-US" sz="2000" smtClean="0">
-                <a:solidFill>
-                  <a:schemeClr val="bg1"/>
-                </a:solidFill>
-              </a:rPr>
-              <a:t>id.dbpedia.org/resource/Fatmawati</a:t>
-            </a:r>
-            <a:endParaRPr lang="en-US" sz="2000">
-              <a:solidFill>
-                <a:schemeClr val="bg1"/>
-              </a:solidFill>
-            </a:endParaRPr>
-          </a:p>
-        </p:txBody>
-      </p:sp>
-      <p:sp>
-        <p:nvSpPr>
-          <p:cNvPr id="17" name="Oval 16"/>
-          <p:cNvSpPr/>
-          <p:nvPr/>
-        </p:nvSpPr>
-        <p:spPr>
-          <a:xfrm>
-            <a:off x="5645277" y="4817211"/>
-            <a:ext cx="5108582" cy="1001333"/>
-          </a:xfrm>
-          <a:prstGeom prst="ellipse">
-            <a:avLst/>
-          </a:prstGeom>
-        </p:spPr>
-        <p:style>
-          <a:lnRef idx="3">
-            <a:schemeClr val="lt1"/>
-          </a:lnRef>
-          <a:fillRef idx="1">
-            <a:schemeClr val="accent5"/>
-          </a:fillRef>
-          <a:effectRef idx="1">
-            <a:schemeClr val="accent5"/>
-          </a:effectRef>
-          <a:fontRef idx="minor">
-            <a:schemeClr val="lt1"/>
-          </a:fontRef>
-        </p:style>
-        <p:txBody>
-          <a:bodyPr rtlCol="0" anchor="ctr"/>
-          <a:lstStyle/>
-          <a:p>
-            <a:pPr algn="ctr"/>
-            <a:r>
-              <a:rPr lang="en-US" sz="2000">
-                <a:solidFill>
-                  <a:schemeClr val="bg1"/>
-                </a:solidFill>
-              </a:rPr>
-              <a:t>http</a:t>
-            </a:r>
-            <a:r>
-              <a:rPr lang="en-US" sz="2000">
-                <a:solidFill>
-                  <a:schemeClr val="bg1"/>
-                </a:solidFill>
-              </a:rPr>
-              <a:t>://</a:t>
-            </a:r>
-            <a:r>
-              <a:rPr lang="en-US" sz="2000" smtClean="0">
-                <a:solidFill>
-                  <a:schemeClr val="bg1"/>
-                </a:solidFill>
-              </a:rPr>
-              <a:t>id.dbpedia.org/resource/Megawati_Soekarnoputri</a:t>
-            </a:r>
-            <a:endParaRPr lang="en-US" sz="2000">
-              <a:solidFill>
-                <a:schemeClr val="bg1"/>
-              </a:solidFill>
-            </a:endParaRPr>
-          </a:p>
-        </p:txBody>
-      </p:sp>
-      <p:cxnSp>
-        <p:nvCxnSpPr>
-          <p:cNvPr id="22" name="Straight Arrow Connector 21"/>
-          <p:cNvCxnSpPr>
-            <a:stCxn id="4" idx="6"/>
-            <a:endCxn id="17" idx="0"/>
-          </p:cNvCxnSpPr>
-          <p:nvPr/>
-        </p:nvCxnSpPr>
-        <p:spPr>
-          <a:xfrm>
-            <a:off x="4283792" y="3305051"/>
-            <a:ext cx="3915776" cy="1512160"/>
-          </a:xfrm>
-          <a:prstGeom prst="straightConnector1">
-            <a:avLst/>
-          </a:prstGeom>
-          <a:ln>
-            <a:tailEnd type="triangle"/>
-          </a:ln>
-        </p:spPr>
-        <p:style>
-          <a:lnRef idx="1">
-            <a:schemeClr val="accent1"/>
-          </a:lnRef>
-          <a:fillRef idx="0">
-            <a:schemeClr val="accent1"/>
-          </a:fillRef>
-          <a:effectRef idx="0">
-            <a:schemeClr val="accent1"/>
-          </a:effectRef>
-          <a:fontRef idx="minor">
-            <a:schemeClr val="tx1"/>
-          </a:fontRef>
-        </p:style>
-      </p:cxnSp>
-      <p:sp>
-        <p:nvSpPr>
-          <p:cNvPr id="23" name="Rectangle 22"/>
-          <p:cNvSpPr/>
-          <p:nvPr/>
-        </p:nvSpPr>
-        <p:spPr>
-          <a:xfrm rot="1244857">
-            <a:off x="5563445" y="3979716"/>
-            <a:ext cx="1536460" cy="283333"/>
-          </a:xfrm>
-          <a:prstGeom prst="rect">
-            <a:avLst/>
-          </a:prstGeom>
-        </p:spPr>
-        <p:style>
-          <a:lnRef idx="2">
-            <a:schemeClr val="accent1">
-              <a:shade val="50000"/>
-            </a:schemeClr>
-          </a:lnRef>
-          <a:fillRef idx="1">
-            <a:schemeClr val="accent1"/>
-          </a:fillRef>
-          <a:effectRef idx="0">
-            <a:schemeClr val="accent1"/>
-          </a:effectRef>
-          <a:fontRef idx="minor">
-            <a:schemeClr val="lt1"/>
-          </a:fontRef>
-        </p:style>
-        <p:txBody>
-          <a:bodyPr rtlCol="0" anchor="ctr"/>
-          <a:lstStyle/>
-          <a:p>
-            <a:pPr algn="ctr"/>
-            <a:r>
-              <a:rPr lang="en-US" smtClean="0"/>
-              <a:t>hasChild</a:t>
-            </a:r>
-            <a:endParaRPr lang="en-US"/>
-          </a:p>
-        </p:txBody>
-      </p:sp>
-      <p:cxnSp>
-        <p:nvCxnSpPr>
-          <p:cNvPr id="26" name="Straight Arrow Connector 25"/>
-          <p:cNvCxnSpPr>
-            <a:stCxn id="17" idx="1"/>
-            <a:endCxn id="4" idx="5"/>
-          </p:cNvCxnSpPr>
-          <p:nvPr/>
-        </p:nvCxnSpPr>
-        <p:spPr>
-          <a:xfrm flipH="1" flipV="1">
-            <a:off x="3692251" y="3659075"/>
-            <a:ext cx="2701161" cy="1304778"/>
-          </a:xfrm>
-          <a:prstGeom prst="straightConnector1">
-            <a:avLst/>
-          </a:prstGeom>
-          <a:ln>
-            <a:tailEnd type="triangle"/>
-          </a:ln>
-        </p:spPr>
-        <p:style>
-          <a:lnRef idx="1">
-            <a:schemeClr val="accent1"/>
-          </a:lnRef>
-          <a:fillRef idx="0">
-            <a:schemeClr val="accent1"/>
-          </a:fillRef>
-          <a:effectRef idx="0">
-            <a:schemeClr val="accent1"/>
-          </a:effectRef>
-          <a:fontRef idx="minor">
-            <a:schemeClr val="tx1"/>
-          </a:fontRef>
-        </p:style>
-      </p:cxnSp>
-      <p:sp>
-        <p:nvSpPr>
-          <p:cNvPr id="30" name="Rectangle 29"/>
-          <p:cNvSpPr/>
-          <p:nvPr/>
-        </p:nvSpPr>
-        <p:spPr>
-          <a:xfrm rot="1517976">
-            <a:off x="4218913" y="4163061"/>
-            <a:ext cx="1536460" cy="283333"/>
-          </a:xfrm>
-          <a:prstGeom prst="rect">
-            <a:avLst/>
-          </a:prstGeom>
-        </p:spPr>
-        <p:style>
-          <a:lnRef idx="2">
-            <a:schemeClr val="accent1">
-              <a:shade val="50000"/>
-            </a:schemeClr>
-          </a:lnRef>
-          <a:fillRef idx="1">
-            <a:schemeClr val="accent1"/>
-          </a:fillRef>
-          <a:effectRef idx="0">
-            <a:schemeClr val="accent1"/>
-          </a:effectRef>
-          <a:fontRef idx="minor">
-            <a:schemeClr val="lt1"/>
-          </a:fontRef>
-        </p:style>
-        <p:txBody>
-          <a:bodyPr rtlCol="0" anchor="ctr"/>
-          <a:lstStyle/>
-          <a:p>
-            <a:pPr algn="ctr"/>
-            <a:r>
-              <a:rPr lang="en-US" smtClean="0"/>
-              <a:t>hasParent</a:t>
-            </a:r>
-            <a:endParaRPr lang="en-US"/>
-          </a:p>
-        </p:txBody>
-      </p:sp>
-      <p:cxnSp>
-        <p:nvCxnSpPr>
-          <p:cNvPr id="33" name="Straight Arrow Connector 32"/>
-          <p:cNvCxnSpPr>
-            <a:stCxn id="15" idx="1"/>
-            <a:endCxn id="4" idx="7"/>
-          </p:cNvCxnSpPr>
-          <p:nvPr/>
-        </p:nvCxnSpPr>
-        <p:spPr>
-          <a:xfrm flipH="1">
-            <a:off x="3692251" y="2649854"/>
-            <a:ext cx="4297476" cy="301172"/>
-          </a:xfrm>
-          <a:prstGeom prst="straightConnector1">
-            <a:avLst/>
-          </a:prstGeom>
-          <a:ln>
-            <a:tailEnd type="triangle"/>
-          </a:ln>
-        </p:spPr>
-        <p:style>
-          <a:lnRef idx="1">
-            <a:schemeClr val="accent1"/>
-          </a:lnRef>
-          <a:fillRef idx="0">
-            <a:schemeClr val="accent1"/>
-          </a:fillRef>
-          <a:effectRef idx="0">
-            <a:schemeClr val="accent1"/>
-          </a:effectRef>
-          <a:fontRef idx="minor">
-            <a:schemeClr val="tx1"/>
-          </a:fontRef>
-        </p:style>
-      </p:cxnSp>
-      <p:sp>
-        <p:nvSpPr>
-          <p:cNvPr id="38" name="Rectangle 37"/>
-          <p:cNvSpPr/>
-          <p:nvPr/>
-        </p:nvSpPr>
-        <p:spPr>
-          <a:xfrm rot="21340905">
-            <a:off x="4917679" y="2691850"/>
-            <a:ext cx="1536460" cy="283333"/>
-          </a:xfrm>
-          <a:prstGeom prst="rect">
-            <a:avLst/>
-          </a:prstGeom>
-        </p:spPr>
-        <p:style>
-          <a:lnRef idx="2">
-            <a:schemeClr val="accent1">
-              <a:shade val="50000"/>
-            </a:schemeClr>
-          </a:lnRef>
-          <a:fillRef idx="1">
-            <a:schemeClr val="accent1"/>
-          </a:fillRef>
-          <a:effectRef idx="0">
-            <a:schemeClr val="accent1"/>
-          </a:effectRef>
-          <a:fontRef idx="minor">
-            <a:schemeClr val="lt1"/>
-          </a:fontRef>
-        </p:style>
-        <p:txBody>
-          <a:bodyPr rtlCol="0" anchor="ctr"/>
-          <a:lstStyle/>
-          <a:p>
-            <a:pPr algn="ctr"/>
-            <a:r>
-              <a:rPr lang="en-US" smtClean="0"/>
-              <a:t>hasSpouse</a:t>
-            </a:r>
-            <a:endParaRPr lang="en-US"/>
-          </a:p>
-        </p:txBody>
-      </p:sp>
-      <p:sp>
-        <p:nvSpPr>
-          <p:cNvPr id="24" name="Rounded Rectangle 23"/>
-          <p:cNvSpPr/>
-          <p:nvPr/>
-        </p:nvSpPr>
-        <p:spPr>
-          <a:xfrm>
-            <a:off x="1037394" y="2327324"/>
-            <a:ext cx="2148072" cy="301172"/>
-          </a:xfrm>
-          <a:prstGeom prst="roundRect">
-            <a:avLst/>
-          </a:prstGeom>
-          <a:solidFill>
-            <a:srgbClr val="92D050"/>
-          </a:solidFill>
-          <a:ln>
-            <a:solidFill>
-              <a:srgbClr val="00B050"/>
-            </a:solidFill>
-          </a:ln>
-        </p:spPr>
-        <p:style>
-          <a:lnRef idx="2">
-            <a:schemeClr val="accent1">
-              <a:shade val="50000"/>
-            </a:schemeClr>
-          </a:lnRef>
-          <a:fillRef idx="1">
-            <a:schemeClr val="accent1"/>
-          </a:fillRef>
-          <a:effectRef idx="0">
-            <a:schemeClr val="accent1"/>
-          </a:effectRef>
-          <a:fontRef idx="minor">
-            <a:schemeClr val="lt1"/>
-          </a:fontRef>
-        </p:style>
-        <p:txBody>
-          <a:bodyPr rtlCol="0" anchor="ctr"/>
-          <a:lstStyle/>
-          <a:p>
-            <a:pPr algn="ctr"/>
-            <a:r>
-              <a:rPr lang="en-US" smtClean="0">
-                <a:solidFill>
-                  <a:schemeClr val="tx1"/>
-                </a:solidFill>
-              </a:rPr>
-              <a:t>Label : “Soekarno”</a:t>
-            </a:r>
-            <a:endParaRPr lang="en-US">
-              <a:solidFill>
-                <a:schemeClr val="tx1"/>
-              </a:solidFill>
-            </a:endParaRPr>
-          </a:p>
-        </p:txBody>
-      </p:sp>
-      <p:sp>
-        <p:nvSpPr>
-          <p:cNvPr id="29" name="Rounded Rectangle 28"/>
-          <p:cNvSpPr/>
-          <p:nvPr/>
-        </p:nvSpPr>
-        <p:spPr>
-          <a:xfrm>
-            <a:off x="8155461" y="2055398"/>
-            <a:ext cx="2148072" cy="301172"/>
-          </a:xfrm>
-          <a:prstGeom prst="roundRect">
-            <a:avLst/>
-          </a:prstGeom>
-          <a:solidFill>
-            <a:srgbClr val="92D050"/>
-          </a:solidFill>
-          <a:ln>
-            <a:solidFill>
-              <a:srgbClr val="00B050"/>
-            </a:solidFill>
-          </a:ln>
-        </p:spPr>
-        <p:style>
-          <a:lnRef idx="2">
-            <a:schemeClr val="accent1">
-              <a:shade val="50000"/>
-            </a:schemeClr>
-          </a:lnRef>
-          <a:fillRef idx="1">
-            <a:schemeClr val="accent1"/>
-          </a:fillRef>
-          <a:effectRef idx="0">
-            <a:schemeClr val="accent1"/>
-          </a:effectRef>
-          <a:fontRef idx="minor">
-            <a:schemeClr val="lt1"/>
-          </a:fontRef>
-        </p:style>
-        <p:txBody>
-          <a:bodyPr rtlCol="0" anchor="ctr"/>
-          <a:lstStyle/>
-          <a:p>
-            <a:pPr algn="ctr"/>
-            <a:r>
-              <a:rPr lang="en-US" smtClean="0">
-                <a:solidFill>
-                  <a:schemeClr val="tx1"/>
-                </a:solidFill>
-              </a:rPr>
-              <a:t>Label : “Fatmawati”</a:t>
-            </a:r>
-            <a:endParaRPr lang="en-US">
-              <a:solidFill>
-                <a:schemeClr val="tx1"/>
-              </a:solidFill>
-            </a:endParaRPr>
-          </a:p>
-        </p:txBody>
-      </p:sp>
-      <p:sp>
-        <p:nvSpPr>
-          <p:cNvPr id="31" name="Rounded Rectangle 30"/>
-          <p:cNvSpPr/>
-          <p:nvPr/>
-        </p:nvSpPr>
-        <p:spPr>
-          <a:xfrm>
-            <a:off x="6384356" y="5920192"/>
-            <a:ext cx="3542210" cy="340945"/>
-          </a:xfrm>
-          <a:prstGeom prst="roundRect">
-            <a:avLst/>
-          </a:prstGeom>
-          <a:solidFill>
-            <a:srgbClr val="92D050"/>
-          </a:solidFill>
-          <a:ln>
-            <a:solidFill>
-              <a:srgbClr val="00B050"/>
-            </a:solidFill>
-          </a:ln>
-        </p:spPr>
-        <p:style>
-          <a:lnRef idx="2">
-            <a:schemeClr val="accent1">
-              <a:shade val="50000"/>
-            </a:schemeClr>
-          </a:lnRef>
-          <a:fillRef idx="1">
-            <a:schemeClr val="accent1"/>
-          </a:fillRef>
-          <a:effectRef idx="0">
-            <a:schemeClr val="accent1"/>
-          </a:effectRef>
-          <a:fontRef idx="minor">
-            <a:schemeClr val="lt1"/>
-          </a:fontRef>
-        </p:style>
-        <p:txBody>
-          <a:bodyPr rtlCol="0" anchor="ctr"/>
-          <a:lstStyle/>
-          <a:p>
-            <a:pPr algn="ctr"/>
-            <a:r>
-              <a:rPr lang="en-US" smtClean="0">
-                <a:solidFill>
-                  <a:schemeClr val="tx1"/>
-                </a:solidFill>
-              </a:rPr>
-              <a:t>Label : “Megawati Soekarnoputri”</a:t>
-            </a:r>
-            <a:endParaRPr lang="en-US">
-              <a:solidFill>
-                <a:schemeClr val="tx1"/>
-              </a:solidFill>
-            </a:endParaRPr>
           </a:p>
         </p:txBody>
       </p:sp>
@@ -38467,6 +36270,146 @@
           </a:p>
         </p:txBody>
       </p:sp>
+      <p:pic>
+        <p:nvPicPr>
+          <p:cNvPr id="7" name="Picture 6"/>
+          <p:cNvPicPr>
+            <a:picLocks noChangeAspect="1"/>
+          </p:cNvPicPr>
+          <p:nvPr/>
+        </p:nvPicPr>
+        <p:blipFill>
+          <a:blip r:embed="rId3"/>
+          <a:stretch>
+            <a:fillRect/>
+          </a:stretch>
+        </p:blipFill>
+        <p:spPr>
+          <a:xfrm>
+            <a:off x="61912" y="1562100"/>
+            <a:ext cx="12068175" cy="3733800"/>
+          </a:xfrm>
+          <a:prstGeom prst="rect">
+            <a:avLst/>
+          </a:prstGeom>
+        </p:spPr>
+      </p:pic>
+      <p:sp>
+        <p:nvSpPr>
+          <p:cNvPr id="8" name="TextBox 7"/>
+          <p:cNvSpPr txBox="1"/>
+          <p:nvPr/>
+        </p:nvSpPr>
+        <p:spPr>
+          <a:xfrm>
+            <a:off x="6834433" y="4232635"/>
+            <a:ext cx="4930219" cy="1477328"/>
+          </a:xfrm>
+          <a:prstGeom prst="rect">
+            <a:avLst/>
+          </a:prstGeom>
+          <a:ln w="76200">
+            <a:solidFill>
+              <a:schemeClr val="tx1"/>
+            </a:solidFill>
+          </a:ln>
+        </p:spPr>
+        <p:style>
+          <a:lnRef idx="2">
+            <a:schemeClr val="accent6"/>
+          </a:lnRef>
+          <a:fillRef idx="1">
+            <a:schemeClr val="lt1"/>
+          </a:fillRef>
+          <a:effectRef idx="0">
+            <a:schemeClr val="accent6"/>
+          </a:effectRef>
+          <a:fontRef idx="minor">
+            <a:schemeClr val="dk1"/>
+          </a:fontRef>
+        </p:style>
+        <p:txBody>
+          <a:bodyPr wrap="square" rtlCol="0">
+            <a:spAutoFit/>
+          </a:bodyPr>
+          <a:lstStyle/>
+          <a:p>
+            <a:r>
+              <a:rPr lang="en-US" smtClean="0"/>
+              <a:t>Keterangan : </a:t>
+            </a:r>
+          </a:p>
+          <a:p>
+            <a:endParaRPr lang="en-US"/>
+          </a:p>
+          <a:p>
+            <a:r>
+              <a:rPr lang="en-US" smtClean="0"/>
+              <a:t>		= Data Property</a:t>
+            </a:r>
+          </a:p>
+          <a:p>
+            <a:endParaRPr lang="en-US" smtClean="0"/>
+          </a:p>
+          <a:p>
+            <a:r>
+              <a:rPr lang="en-US"/>
+              <a:t>	</a:t>
+            </a:r>
+            <a:r>
+              <a:rPr lang="en-US" smtClean="0"/>
+              <a:t>	= Object Property</a:t>
+            </a:r>
+          </a:p>
+        </p:txBody>
+      </p:sp>
+      <p:pic>
+        <p:nvPicPr>
+          <p:cNvPr id="12" name="Picture 11"/>
+          <p:cNvPicPr>
+            <a:picLocks noChangeAspect="1"/>
+          </p:cNvPicPr>
+          <p:nvPr/>
+        </p:nvPicPr>
+        <p:blipFill>
+          <a:blip r:embed="rId4"/>
+          <a:stretch>
+            <a:fillRect/>
+          </a:stretch>
+        </p:blipFill>
+        <p:spPr>
+          <a:xfrm>
+            <a:off x="7225879" y="4724477"/>
+            <a:ext cx="1323975" cy="542925"/>
+          </a:xfrm>
+          <a:prstGeom prst="rect">
+            <a:avLst/>
+          </a:prstGeom>
+        </p:spPr>
+      </p:pic>
+      <p:pic>
+        <p:nvPicPr>
+          <p:cNvPr id="13" name="Picture 12"/>
+          <p:cNvPicPr>
+            <a:picLocks noChangeAspect="1"/>
+          </p:cNvPicPr>
+          <p:nvPr/>
+        </p:nvPicPr>
+        <p:blipFill rotWithShape="1">
+          <a:blip r:embed="rId5"/>
+          <a:srcRect l="33078" t="21395"/>
+          <a:stretch/>
+        </p:blipFill>
+        <p:spPr>
+          <a:xfrm>
+            <a:off x="7086843" y="5378101"/>
+            <a:ext cx="1602045" cy="249661"/>
+          </a:xfrm>
+          <a:prstGeom prst="rect">
+            <a:avLst/>
+          </a:prstGeom>
+        </p:spPr>
+      </p:pic>
     </p:spTree>
     <p:extLst>
       <p:ext uri="{BB962C8B-B14F-4D97-AF65-F5344CB8AC3E}">
@@ -39272,6 +37215,14 @@
 </file>
 
 <file path=customXml/item1.xml><?xml version="1.0" encoding="utf-8"?>
+<p:properties xmlns:p="http://schemas.microsoft.com/office/2006/metadata/properties" xmlns:xsi="http://www.w3.org/2001/XMLSchema-instance" xmlns:pc="http://schemas.microsoft.com/office/infopath/2007/PartnerControls">
+  <documentManagement>
+    <MediaServiceKeyPoints xmlns="71af3243-3dd4-4a8d-8c0d-dd76da1f02a5" xsi:nil="true"/>
+  </documentManagement>
+</p:properties>
+</file>
+
+<file path=customXml/item2.xml><?xml version="1.0" encoding="utf-8"?>
 <ct:contentTypeSchema xmlns:ct="http://schemas.microsoft.com/office/2006/metadata/contentType" xmlns:ma="http://schemas.microsoft.com/office/2006/metadata/properties/metaAttributes" ct:_="" ma:_="" ma:contentTypeName="Document" ma:contentTypeID="0x01010079F111ED35F8CC479449609E8A0923A6" ma:contentTypeVersion="11" ma:contentTypeDescription="Create a new document." ma:contentTypeScope="" ma:versionID="9677210f24a1be23c92c90fd886aa0aa">
   <xsd:schema xmlns:xsd="http://www.w3.org/2001/XMLSchema" xmlns:xs="http://www.w3.org/2001/XMLSchema" xmlns:p="http://schemas.microsoft.com/office/2006/metadata/properties" xmlns:ns2="71af3243-3dd4-4a8d-8c0d-dd76da1f02a5" xmlns:ns3="16c05727-aa75-4e4a-9b5f-8a80a1165891" targetNamespace="http://schemas.microsoft.com/office/2006/metadata/properties" ma:root="true" ma:fieldsID="60e05723c5c1908df1a1a4ebf11d344e" ns2:_="" ns3:_="">
     <xsd:import namespace="71af3243-3dd4-4a8d-8c0d-dd76da1f02a5"/>
@@ -39482,14 +37433,6 @@
 </ct:contentTypeSchema>
 </file>
 
-<file path=customXml/item2.xml><?xml version="1.0" encoding="utf-8"?>
-<p:properties xmlns:p="http://schemas.microsoft.com/office/2006/metadata/properties" xmlns:xsi="http://www.w3.org/2001/XMLSchema-instance" xmlns:pc="http://schemas.microsoft.com/office/infopath/2007/PartnerControls">
-  <documentManagement>
-    <MediaServiceKeyPoints xmlns="71af3243-3dd4-4a8d-8c0d-dd76da1f02a5" xsi:nil="true"/>
-  </documentManagement>
-</p:properties>
-</file>
-
 <file path=customXml/item3.xml><?xml version="1.0" encoding="utf-8"?>
 <?mso-contentType ?>
 <FormTemplates xmlns="http://schemas.microsoft.com/sharepoint/v3/contenttype/forms">
@@ -39500,6 +37443,23 @@
 </file>
 
 <file path=customXml/itemProps1.xml><?xml version="1.0" encoding="utf-8"?>
+<ds:datastoreItem xmlns:ds="http://schemas.openxmlformats.org/officeDocument/2006/customXml" ds:itemID="{CEA9B47F-3DD8-4645-81DC-B88780643C07}">
+  <ds:schemaRefs>
+    <ds:schemaRef ds:uri="16c05727-aa75-4e4a-9b5f-8a80a1165891"/>
+    <ds:schemaRef ds:uri="http://schemas.openxmlformats.org/package/2006/metadata/core-properties"/>
+    <ds:schemaRef ds:uri="http://purl.org/dc/elements/1.1/"/>
+    <ds:schemaRef ds:uri="http://purl.org/dc/terms/"/>
+    <ds:schemaRef ds:uri="71af3243-3dd4-4a8d-8c0d-dd76da1f02a5"/>
+    <ds:schemaRef ds:uri="http://purl.org/dc/dcmitype/"/>
+    <ds:schemaRef ds:uri="http://schemas.microsoft.com/office/2006/documentManagement/types"/>
+    <ds:schemaRef ds:uri="http://schemas.microsoft.com/office/infopath/2007/PartnerControls"/>
+    <ds:schemaRef ds:uri="http://schemas.microsoft.com/office/2006/metadata/properties"/>
+    <ds:schemaRef ds:uri="http://www.w3.org/XML/1998/namespace"/>
+  </ds:schemaRefs>
+</ds:datastoreItem>
+</file>
+
+<file path=customXml/itemProps2.xml><?xml version="1.0" encoding="utf-8"?>
 <ds:datastoreItem xmlns:ds="http://schemas.openxmlformats.org/officeDocument/2006/customXml" ds:itemID="{631071E6-22AE-499A-B09C-BF21CF5F7483}">
   <ds:schemaRefs>
     <ds:schemaRef ds:uri="http://schemas.microsoft.com/office/2006/metadata/contentType"/>
@@ -39518,23 +37478,6 @@
 </ds:datastoreItem>
 </file>
 
-<file path=customXml/itemProps2.xml><?xml version="1.0" encoding="utf-8"?>
-<ds:datastoreItem xmlns:ds="http://schemas.openxmlformats.org/officeDocument/2006/customXml" ds:itemID="{CEA9B47F-3DD8-4645-81DC-B88780643C07}">
-  <ds:schemaRefs>
-    <ds:schemaRef ds:uri="16c05727-aa75-4e4a-9b5f-8a80a1165891"/>
-    <ds:schemaRef ds:uri="http://schemas.openxmlformats.org/package/2006/metadata/core-properties"/>
-    <ds:schemaRef ds:uri="http://purl.org/dc/elements/1.1/"/>
-    <ds:schemaRef ds:uri="http://purl.org/dc/terms/"/>
-    <ds:schemaRef ds:uri="71af3243-3dd4-4a8d-8c0d-dd76da1f02a5"/>
-    <ds:schemaRef ds:uri="http://purl.org/dc/dcmitype/"/>
-    <ds:schemaRef ds:uri="http://schemas.microsoft.com/office/2006/documentManagement/types"/>
-    <ds:schemaRef ds:uri="http://schemas.microsoft.com/office/infopath/2007/PartnerControls"/>
-    <ds:schemaRef ds:uri="http://schemas.microsoft.com/office/2006/metadata/properties"/>
-    <ds:schemaRef ds:uri="http://www.w3.org/XML/1998/namespace"/>
-  </ds:schemaRefs>
-</ds:datastoreItem>
-</file>
-
 <file path=customXml/itemProps3.xml><?xml version="1.0" encoding="utf-8"?>
 <ds:datastoreItem xmlns:ds="http://schemas.openxmlformats.org/officeDocument/2006/customXml" ds:itemID="{B0C07E3D-60A7-4F4E-8208-D9CCD01982CB}">
   <ds:schemaRefs>

--- a/05111540000007-Faiq-Presentasi.pptx
+++ b/05111540000007-Faiq-Presentasi.pptx
@@ -2358,6 +2358,686 @@
       <dsp:cNvGrpSpPr/>
     </dsp:nvGrpSpPr>
     <dsp:grpSpPr/>
+    <dsp:sp modelId="{40AD3799-C167-4D3B-BD05-3BAEC85C844F}">
+      <dsp:nvSpPr>
+        <dsp:cNvPr id="0" name=""/>
+        <dsp:cNvSpPr/>
+      </dsp:nvSpPr>
+      <dsp:spPr>
+        <a:xfrm>
+          <a:off x="7143" y="1001183"/>
+          <a:ext cx="2135187" cy="1281112"/>
+        </a:xfrm>
+        <a:prstGeom prst="roundRect">
+          <a:avLst>
+            <a:gd name="adj" fmla="val 10000"/>
+          </a:avLst>
+        </a:prstGeom>
+        <a:solidFill>
+          <a:schemeClr val="accent1">
+            <a:hueOff val="0"/>
+            <a:satOff val="0"/>
+            <a:lumOff val="0"/>
+            <a:alphaOff val="0"/>
+          </a:schemeClr>
+        </a:solidFill>
+        <a:ln w="12700" cap="flat" cmpd="sng" algn="ctr">
+          <a:solidFill>
+            <a:schemeClr val="lt1">
+              <a:hueOff val="0"/>
+              <a:satOff val="0"/>
+              <a:lumOff val="0"/>
+              <a:alphaOff val="0"/>
+            </a:schemeClr>
+          </a:solidFill>
+          <a:prstDash val="solid"/>
+          <a:miter lim="800000"/>
+        </a:ln>
+        <a:effectLst/>
+      </dsp:spPr>
+      <dsp:style>
+        <a:lnRef idx="2">
+          <a:scrgbClr r="0" g="0" b="0"/>
+        </a:lnRef>
+        <a:fillRef idx="1">
+          <a:scrgbClr r="0" g="0" b="0"/>
+        </a:fillRef>
+        <a:effectRef idx="0">
+          <a:scrgbClr r="0" g="0" b="0"/>
+        </a:effectRef>
+        <a:fontRef idx="minor">
+          <a:schemeClr val="lt1"/>
+        </a:fontRef>
+      </dsp:style>
+      <dsp:txBody>
+        <a:bodyPr spcFirstLastPara="0" vert="horz" wrap="square" lIns="68580" tIns="68580" rIns="68580" bIns="68580" numCol="1" spcCol="1270" anchor="ctr" anchorCtr="0">
+          <a:noAutofit/>
+        </a:bodyPr>
+        <a:lstStyle/>
+        <a:p>
+          <a:pPr lvl="0" algn="ctr" defTabSz="800100">
+            <a:lnSpc>
+              <a:spcPct val="90000"/>
+            </a:lnSpc>
+            <a:spcBef>
+              <a:spcPct val="0"/>
+            </a:spcBef>
+            <a:spcAft>
+              <a:spcPct val="35000"/>
+            </a:spcAft>
+          </a:pPr>
+          <a:r>
+            <a:rPr lang="en-US" sz="1800" kern="1200" smtClean="0"/>
+            <a:t>Unduh file RDF tokoh DBpedia</a:t>
+          </a:r>
+          <a:endParaRPr lang="en-US" sz="1800" kern="1200"/>
+        </a:p>
+      </dsp:txBody>
+      <dsp:txXfrm>
+        <a:off x="44665" y="1038705"/>
+        <a:ext cx="2060143" cy="1206068"/>
+      </dsp:txXfrm>
+    </dsp:sp>
+    <dsp:sp modelId="{AC0006F9-2FA8-434E-9C3E-8AAE8FBF33DC}">
+      <dsp:nvSpPr>
+        <dsp:cNvPr id="0" name=""/>
+        <dsp:cNvSpPr/>
+      </dsp:nvSpPr>
+      <dsp:spPr>
+        <a:xfrm>
+          <a:off x="2330227" y="1376976"/>
+          <a:ext cx="452659" cy="529526"/>
+        </a:xfrm>
+        <a:prstGeom prst="rightArrow">
+          <a:avLst>
+            <a:gd name="adj1" fmla="val 60000"/>
+            <a:gd name="adj2" fmla="val 50000"/>
+          </a:avLst>
+        </a:prstGeom>
+        <a:solidFill>
+          <a:schemeClr val="accent1">
+            <a:tint val="60000"/>
+            <a:hueOff val="0"/>
+            <a:satOff val="0"/>
+            <a:lumOff val="0"/>
+            <a:alphaOff val="0"/>
+          </a:schemeClr>
+        </a:solidFill>
+        <a:ln>
+          <a:noFill/>
+        </a:ln>
+        <a:effectLst/>
+      </dsp:spPr>
+      <dsp:style>
+        <a:lnRef idx="0">
+          <a:scrgbClr r="0" g="0" b="0"/>
+        </a:lnRef>
+        <a:fillRef idx="1">
+          <a:scrgbClr r="0" g="0" b="0"/>
+        </a:fillRef>
+        <a:effectRef idx="0">
+          <a:scrgbClr r="0" g="0" b="0"/>
+        </a:effectRef>
+        <a:fontRef idx="minor">
+          <a:schemeClr val="lt1"/>
+        </a:fontRef>
+      </dsp:style>
+      <dsp:txBody>
+        <a:bodyPr spcFirstLastPara="0" vert="horz" wrap="square" lIns="0" tIns="0" rIns="0" bIns="0" numCol="1" spcCol="1270" anchor="ctr" anchorCtr="0">
+          <a:noAutofit/>
+        </a:bodyPr>
+        <a:lstStyle/>
+        <a:p>
+          <a:pPr lvl="0" algn="ctr" defTabSz="666750">
+            <a:lnSpc>
+              <a:spcPct val="90000"/>
+            </a:lnSpc>
+            <a:spcBef>
+              <a:spcPct val="0"/>
+            </a:spcBef>
+            <a:spcAft>
+              <a:spcPct val="35000"/>
+            </a:spcAft>
+          </a:pPr>
+          <a:endParaRPr lang="en-US" sz="1500" kern="1200"/>
+        </a:p>
+      </dsp:txBody>
+      <dsp:txXfrm>
+        <a:off x="2330227" y="1482881"/>
+        <a:ext cx="316861" cy="317716"/>
+      </dsp:txXfrm>
+    </dsp:sp>
+    <dsp:sp modelId="{E73E5B6E-70C9-4D6A-9A48-04BCF1BB6746}">
+      <dsp:nvSpPr>
+        <dsp:cNvPr id="0" name=""/>
+        <dsp:cNvSpPr/>
+      </dsp:nvSpPr>
+      <dsp:spPr>
+        <a:xfrm>
+          <a:off x="2996406" y="1001183"/>
+          <a:ext cx="2135187" cy="1281112"/>
+        </a:xfrm>
+        <a:prstGeom prst="roundRect">
+          <a:avLst>
+            <a:gd name="adj" fmla="val 10000"/>
+          </a:avLst>
+        </a:prstGeom>
+        <a:solidFill>
+          <a:schemeClr val="accent1">
+            <a:hueOff val="0"/>
+            <a:satOff val="0"/>
+            <a:lumOff val="0"/>
+            <a:alphaOff val="0"/>
+          </a:schemeClr>
+        </a:solidFill>
+        <a:ln w="12700" cap="flat" cmpd="sng" algn="ctr">
+          <a:solidFill>
+            <a:schemeClr val="lt1">
+              <a:hueOff val="0"/>
+              <a:satOff val="0"/>
+              <a:lumOff val="0"/>
+              <a:alphaOff val="0"/>
+            </a:schemeClr>
+          </a:solidFill>
+          <a:prstDash val="solid"/>
+          <a:miter lim="800000"/>
+        </a:ln>
+        <a:effectLst/>
+      </dsp:spPr>
+      <dsp:style>
+        <a:lnRef idx="2">
+          <a:scrgbClr r="0" g="0" b="0"/>
+        </a:lnRef>
+        <a:fillRef idx="1">
+          <a:scrgbClr r="0" g="0" b="0"/>
+        </a:fillRef>
+        <a:effectRef idx="0">
+          <a:scrgbClr r="0" g="0" b="0"/>
+        </a:effectRef>
+        <a:fontRef idx="minor">
+          <a:schemeClr val="lt1"/>
+        </a:fontRef>
+      </dsp:style>
+      <dsp:txBody>
+        <a:bodyPr spcFirstLastPara="0" vert="horz" wrap="square" lIns="68580" tIns="68580" rIns="68580" bIns="68580" numCol="1" spcCol="1270" anchor="ctr" anchorCtr="0">
+          <a:noAutofit/>
+        </a:bodyPr>
+        <a:lstStyle/>
+        <a:p>
+          <a:pPr lvl="0" algn="ctr" defTabSz="800100">
+            <a:lnSpc>
+              <a:spcPct val="90000"/>
+            </a:lnSpc>
+            <a:spcBef>
+              <a:spcPct val="0"/>
+            </a:spcBef>
+            <a:spcAft>
+              <a:spcPct val="35000"/>
+            </a:spcAft>
+          </a:pPr>
+          <a:r>
+            <a:rPr lang="en-US" sz="1800" kern="1200" smtClean="0"/>
+            <a:t>Pemodelan file RDF tokoh</a:t>
+          </a:r>
+          <a:endParaRPr lang="en-US" sz="1800" kern="1200"/>
+        </a:p>
+      </dsp:txBody>
+      <dsp:txXfrm>
+        <a:off x="3033928" y="1038705"/>
+        <a:ext cx="2060143" cy="1206068"/>
+      </dsp:txXfrm>
+    </dsp:sp>
+    <dsp:sp modelId="{8A1C7D42-2690-49D3-8662-9F1F6D78CD12}">
+      <dsp:nvSpPr>
+        <dsp:cNvPr id="0" name=""/>
+        <dsp:cNvSpPr/>
+      </dsp:nvSpPr>
+      <dsp:spPr>
+        <a:xfrm>
+          <a:off x="5319490" y="1376976"/>
+          <a:ext cx="452659" cy="529526"/>
+        </a:xfrm>
+        <a:prstGeom prst="rightArrow">
+          <a:avLst>
+            <a:gd name="adj1" fmla="val 60000"/>
+            <a:gd name="adj2" fmla="val 50000"/>
+          </a:avLst>
+        </a:prstGeom>
+        <a:solidFill>
+          <a:schemeClr val="accent1">
+            <a:tint val="60000"/>
+            <a:hueOff val="0"/>
+            <a:satOff val="0"/>
+            <a:lumOff val="0"/>
+            <a:alphaOff val="0"/>
+          </a:schemeClr>
+        </a:solidFill>
+        <a:ln>
+          <a:noFill/>
+        </a:ln>
+        <a:effectLst/>
+      </dsp:spPr>
+      <dsp:style>
+        <a:lnRef idx="0">
+          <a:scrgbClr r="0" g="0" b="0"/>
+        </a:lnRef>
+        <a:fillRef idx="1">
+          <a:scrgbClr r="0" g="0" b="0"/>
+        </a:fillRef>
+        <a:effectRef idx="0">
+          <a:scrgbClr r="0" g="0" b="0"/>
+        </a:effectRef>
+        <a:fontRef idx="minor">
+          <a:schemeClr val="lt1"/>
+        </a:fontRef>
+      </dsp:style>
+      <dsp:txBody>
+        <a:bodyPr spcFirstLastPara="0" vert="horz" wrap="square" lIns="0" tIns="0" rIns="0" bIns="0" numCol="1" spcCol="1270" anchor="ctr" anchorCtr="0">
+          <a:noAutofit/>
+        </a:bodyPr>
+        <a:lstStyle/>
+        <a:p>
+          <a:pPr lvl="0" algn="ctr" defTabSz="666750">
+            <a:lnSpc>
+              <a:spcPct val="90000"/>
+            </a:lnSpc>
+            <a:spcBef>
+              <a:spcPct val="0"/>
+            </a:spcBef>
+            <a:spcAft>
+              <a:spcPct val="35000"/>
+            </a:spcAft>
+          </a:pPr>
+          <a:endParaRPr lang="en-US" sz="1500" kern="1200"/>
+        </a:p>
+      </dsp:txBody>
+      <dsp:txXfrm>
+        <a:off x="5319490" y="1482881"/>
+        <a:ext cx="316861" cy="317716"/>
+      </dsp:txXfrm>
+    </dsp:sp>
+    <dsp:sp modelId="{429D9C87-E07D-462D-BFE4-100D443F346E}">
+      <dsp:nvSpPr>
+        <dsp:cNvPr id="0" name=""/>
+        <dsp:cNvSpPr/>
+      </dsp:nvSpPr>
+      <dsp:spPr>
+        <a:xfrm>
+          <a:off x="5985668" y="1001183"/>
+          <a:ext cx="2135187" cy="1281112"/>
+        </a:xfrm>
+        <a:prstGeom prst="roundRect">
+          <a:avLst>
+            <a:gd name="adj" fmla="val 10000"/>
+          </a:avLst>
+        </a:prstGeom>
+        <a:solidFill>
+          <a:schemeClr val="accent1">
+            <a:hueOff val="0"/>
+            <a:satOff val="0"/>
+            <a:lumOff val="0"/>
+            <a:alphaOff val="0"/>
+          </a:schemeClr>
+        </a:solidFill>
+        <a:ln w="12700" cap="flat" cmpd="sng" algn="ctr">
+          <a:solidFill>
+            <a:schemeClr val="lt1">
+              <a:hueOff val="0"/>
+              <a:satOff val="0"/>
+              <a:lumOff val="0"/>
+              <a:alphaOff val="0"/>
+            </a:schemeClr>
+          </a:solidFill>
+          <a:prstDash val="solid"/>
+          <a:miter lim="800000"/>
+        </a:ln>
+        <a:effectLst/>
+      </dsp:spPr>
+      <dsp:style>
+        <a:lnRef idx="2">
+          <a:scrgbClr r="0" g="0" b="0"/>
+        </a:lnRef>
+        <a:fillRef idx="1">
+          <a:scrgbClr r="0" g="0" b="0"/>
+        </a:fillRef>
+        <a:effectRef idx="0">
+          <a:scrgbClr r="0" g="0" b="0"/>
+        </a:effectRef>
+        <a:fontRef idx="minor">
+          <a:schemeClr val="lt1"/>
+        </a:fontRef>
+      </dsp:style>
+      <dsp:txBody>
+        <a:bodyPr spcFirstLastPara="0" vert="horz" wrap="square" lIns="68580" tIns="68580" rIns="68580" bIns="68580" numCol="1" spcCol="1270" anchor="ctr" anchorCtr="0">
+          <a:noAutofit/>
+        </a:bodyPr>
+        <a:lstStyle/>
+        <a:p>
+          <a:pPr lvl="0" algn="ctr" defTabSz="800100">
+            <a:lnSpc>
+              <a:spcPct val="90000"/>
+            </a:lnSpc>
+            <a:spcBef>
+              <a:spcPct val="0"/>
+            </a:spcBef>
+            <a:spcAft>
+              <a:spcPct val="35000"/>
+            </a:spcAft>
+          </a:pPr>
+          <a:r>
+            <a:rPr lang="en-US" sz="1800" kern="1200" smtClean="0"/>
+            <a:t>Penggabungan model tokoh dengan </a:t>
+          </a:r>
+          <a:r>
+            <a:rPr lang="en-US" sz="1800" i="1" kern="1200" smtClean="0"/>
+            <a:t>Family Relationship Ontology</a:t>
+          </a:r>
+          <a:endParaRPr lang="en-US" sz="1800" kern="1200"/>
+        </a:p>
+      </dsp:txBody>
+      <dsp:txXfrm>
+        <a:off x="6023190" y="1038705"/>
+        <a:ext cx="2060143" cy="1206068"/>
+      </dsp:txXfrm>
+    </dsp:sp>
+    <dsp:sp modelId="{4C8F4061-453C-4E1A-8E10-5F5884D8BA6B}">
+      <dsp:nvSpPr>
+        <dsp:cNvPr id="0" name=""/>
+        <dsp:cNvSpPr/>
+      </dsp:nvSpPr>
+      <dsp:spPr>
+        <a:xfrm rot="5400000">
+          <a:off x="6826932" y="2431759"/>
+          <a:ext cx="452659" cy="529526"/>
+        </a:xfrm>
+        <a:prstGeom prst="rightArrow">
+          <a:avLst>
+            <a:gd name="adj1" fmla="val 60000"/>
+            <a:gd name="adj2" fmla="val 50000"/>
+          </a:avLst>
+        </a:prstGeom>
+        <a:solidFill>
+          <a:schemeClr val="accent1">
+            <a:tint val="60000"/>
+            <a:hueOff val="0"/>
+            <a:satOff val="0"/>
+            <a:lumOff val="0"/>
+            <a:alphaOff val="0"/>
+          </a:schemeClr>
+        </a:solidFill>
+        <a:ln>
+          <a:noFill/>
+        </a:ln>
+        <a:effectLst/>
+      </dsp:spPr>
+      <dsp:style>
+        <a:lnRef idx="0">
+          <a:scrgbClr r="0" g="0" b="0"/>
+        </a:lnRef>
+        <a:fillRef idx="1">
+          <a:scrgbClr r="0" g="0" b="0"/>
+        </a:fillRef>
+        <a:effectRef idx="0">
+          <a:scrgbClr r="0" g="0" b="0"/>
+        </a:effectRef>
+        <a:fontRef idx="minor">
+          <a:schemeClr val="lt1"/>
+        </a:fontRef>
+      </dsp:style>
+      <dsp:txBody>
+        <a:bodyPr spcFirstLastPara="0" vert="horz" wrap="square" lIns="0" tIns="0" rIns="0" bIns="0" numCol="1" spcCol="1270" anchor="ctr" anchorCtr="0">
+          <a:noAutofit/>
+        </a:bodyPr>
+        <a:lstStyle/>
+        <a:p>
+          <a:pPr lvl="0" algn="ctr" defTabSz="666750">
+            <a:lnSpc>
+              <a:spcPct val="90000"/>
+            </a:lnSpc>
+            <a:spcBef>
+              <a:spcPct val="0"/>
+            </a:spcBef>
+            <a:spcAft>
+              <a:spcPct val="35000"/>
+            </a:spcAft>
+          </a:pPr>
+          <a:endParaRPr lang="en-US" sz="1500" kern="1200"/>
+        </a:p>
+      </dsp:txBody>
+      <dsp:txXfrm rot="-5400000">
+        <a:off x="6894404" y="2470192"/>
+        <a:ext cx="317716" cy="316861"/>
+      </dsp:txXfrm>
+    </dsp:sp>
+    <dsp:sp modelId="{C70EF33C-E069-4530-8080-C2321E05A449}">
+      <dsp:nvSpPr>
+        <dsp:cNvPr id="0" name=""/>
+        <dsp:cNvSpPr/>
+      </dsp:nvSpPr>
+      <dsp:spPr>
+        <a:xfrm>
+          <a:off x="5985668" y="3136371"/>
+          <a:ext cx="2135187" cy="1281112"/>
+        </a:xfrm>
+        <a:prstGeom prst="roundRect">
+          <a:avLst>
+            <a:gd name="adj" fmla="val 10000"/>
+          </a:avLst>
+        </a:prstGeom>
+        <a:solidFill>
+          <a:schemeClr val="accent1">
+            <a:hueOff val="0"/>
+            <a:satOff val="0"/>
+            <a:lumOff val="0"/>
+            <a:alphaOff val="0"/>
+          </a:schemeClr>
+        </a:solidFill>
+        <a:ln w="12700" cap="flat" cmpd="sng" algn="ctr">
+          <a:solidFill>
+            <a:schemeClr val="lt1">
+              <a:hueOff val="0"/>
+              <a:satOff val="0"/>
+              <a:lumOff val="0"/>
+              <a:alphaOff val="0"/>
+            </a:schemeClr>
+          </a:solidFill>
+          <a:prstDash val="solid"/>
+          <a:miter lim="800000"/>
+        </a:ln>
+        <a:effectLst/>
+      </dsp:spPr>
+      <dsp:style>
+        <a:lnRef idx="2">
+          <a:scrgbClr r="0" g="0" b="0"/>
+        </a:lnRef>
+        <a:fillRef idx="1">
+          <a:scrgbClr r="0" g="0" b="0"/>
+        </a:fillRef>
+        <a:effectRef idx="0">
+          <a:scrgbClr r="0" g="0" b="0"/>
+        </a:effectRef>
+        <a:fontRef idx="minor">
+          <a:schemeClr val="lt1"/>
+        </a:fontRef>
+      </dsp:style>
+      <dsp:txBody>
+        <a:bodyPr spcFirstLastPara="0" vert="horz" wrap="square" lIns="68580" tIns="68580" rIns="68580" bIns="68580" numCol="1" spcCol="1270" anchor="ctr" anchorCtr="0">
+          <a:noAutofit/>
+        </a:bodyPr>
+        <a:lstStyle/>
+        <a:p>
+          <a:pPr lvl="0" algn="ctr" defTabSz="800100">
+            <a:lnSpc>
+              <a:spcPct val="90000"/>
+            </a:lnSpc>
+            <a:spcBef>
+              <a:spcPct val="0"/>
+            </a:spcBef>
+            <a:spcAft>
+              <a:spcPct val="35000"/>
+            </a:spcAft>
+          </a:pPr>
+          <a:r>
+            <a:rPr lang="en-US" sz="1800" kern="1200" smtClean="0"/>
+            <a:t>Reasoning</a:t>
+          </a:r>
+          <a:endParaRPr lang="en-US" sz="1800" kern="1200"/>
+        </a:p>
+      </dsp:txBody>
+      <dsp:txXfrm>
+        <a:off x="6023190" y="3173893"/>
+        <a:ext cx="2060143" cy="1206068"/>
+      </dsp:txXfrm>
+    </dsp:sp>
+    <dsp:sp modelId="{B5EC5973-7E95-417E-BA33-C450CF622691}">
+      <dsp:nvSpPr>
+        <dsp:cNvPr id="0" name=""/>
+        <dsp:cNvSpPr/>
+      </dsp:nvSpPr>
+      <dsp:spPr>
+        <a:xfrm rot="10800000">
+          <a:off x="5345112" y="3512163"/>
+          <a:ext cx="452659" cy="529526"/>
+        </a:xfrm>
+        <a:prstGeom prst="rightArrow">
+          <a:avLst>
+            <a:gd name="adj1" fmla="val 60000"/>
+            <a:gd name="adj2" fmla="val 50000"/>
+          </a:avLst>
+        </a:prstGeom>
+        <a:solidFill>
+          <a:schemeClr val="accent1">
+            <a:tint val="60000"/>
+            <a:hueOff val="0"/>
+            <a:satOff val="0"/>
+            <a:lumOff val="0"/>
+            <a:alphaOff val="0"/>
+          </a:schemeClr>
+        </a:solidFill>
+        <a:ln>
+          <a:noFill/>
+        </a:ln>
+        <a:effectLst/>
+      </dsp:spPr>
+      <dsp:style>
+        <a:lnRef idx="0">
+          <a:scrgbClr r="0" g="0" b="0"/>
+        </a:lnRef>
+        <a:fillRef idx="1">
+          <a:scrgbClr r="0" g="0" b="0"/>
+        </a:fillRef>
+        <a:effectRef idx="0">
+          <a:scrgbClr r="0" g="0" b="0"/>
+        </a:effectRef>
+        <a:fontRef idx="minor">
+          <a:schemeClr val="lt1"/>
+        </a:fontRef>
+      </dsp:style>
+      <dsp:txBody>
+        <a:bodyPr spcFirstLastPara="0" vert="horz" wrap="square" lIns="0" tIns="0" rIns="0" bIns="0" numCol="1" spcCol="1270" anchor="ctr" anchorCtr="0">
+          <a:noAutofit/>
+        </a:bodyPr>
+        <a:lstStyle/>
+        <a:p>
+          <a:pPr lvl="0" algn="ctr" defTabSz="666750">
+            <a:lnSpc>
+              <a:spcPct val="90000"/>
+            </a:lnSpc>
+            <a:spcBef>
+              <a:spcPct val="0"/>
+            </a:spcBef>
+            <a:spcAft>
+              <a:spcPct val="35000"/>
+            </a:spcAft>
+          </a:pPr>
+          <a:endParaRPr lang="en-US" sz="1500" kern="1200"/>
+        </a:p>
+      </dsp:txBody>
+      <dsp:txXfrm rot="10800000">
+        <a:off x="5480910" y="3618068"/>
+        <a:ext cx="316861" cy="317716"/>
+      </dsp:txXfrm>
+    </dsp:sp>
+    <dsp:sp modelId="{43744F74-5A04-409E-86C9-0A9A2C6EF963}">
+      <dsp:nvSpPr>
+        <dsp:cNvPr id="0" name=""/>
+        <dsp:cNvSpPr/>
+      </dsp:nvSpPr>
+      <dsp:spPr>
+        <a:xfrm>
+          <a:off x="2996406" y="3136370"/>
+          <a:ext cx="2135187" cy="1281112"/>
+        </a:xfrm>
+        <a:prstGeom prst="roundRect">
+          <a:avLst>
+            <a:gd name="adj" fmla="val 10000"/>
+          </a:avLst>
+        </a:prstGeom>
+        <a:solidFill>
+          <a:schemeClr val="accent1">
+            <a:hueOff val="0"/>
+            <a:satOff val="0"/>
+            <a:lumOff val="0"/>
+            <a:alphaOff val="0"/>
+          </a:schemeClr>
+        </a:solidFill>
+        <a:ln w="12700" cap="flat" cmpd="sng" algn="ctr">
+          <a:solidFill>
+            <a:schemeClr val="lt1">
+              <a:hueOff val="0"/>
+              <a:satOff val="0"/>
+              <a:lumOff val="0"/>
+              <a:alphaOff val="0"/>
+            </a:schemeClr>
+          </a:solidFill>
+          <a:prstDash val="solid"/>
+          <a:miter lim="800000"/>
+        </a:ln>
+        <a:effectLst/>
+      </dsp:spPr>
+      <dsp:style>
+        <a:lnRef idx="2">
+          <a:scrgbClr r="0" g="0" b="0"/>
+        </a:lnRef>
+        <a:fillRef idx="1">
+          <a:scrgbClr r="0" g="0" b="0"/>
+        </a:fillRef>
+        <a:effectRef idx="0">
+          <a:scrgbClr r="0" g="0" b="0"/>
+        </a:effectRef>
+        <a:fontRef idx="minor">
+          <a:schemeClr val="lt1"/>
+        </a:fontRef>
+      </dsp:style>
+      <dsp:txBody>
+        <a:bodyPr spcFirstLastPara="0" vert="horz" wrap="square" lIns="68580" tIns="68580" rIns="68580" bIns="68580" numCol="1" spcCol="1270" anchor="ctr" anchorCtr="0">
+          <a:noAutofit/>
+        </a:bodyPr>
+        <a:lstStyle/>
+        <a:p>
+          <a:pPr lvl="0" algn="ctr" defTabSz="800100">
+            <a:lnSpc>
+              <a:spcPct val="90000"/>
+            </a:lnSpc>
+            <a:spcBef>
+              <a:spcPct val="0"/>
+            </a:spcBef>
+            <a:spcAft>
+              <a:spcPct val="35000"/>
+            </a:spcAft>
+          </a:pPr>
+          <a:r>
+            <a:rPr lang="en-US" sz="1800" kern="1200" smtClean="0"/>
+            <a:t>Mencetak model hasil reasoning</a:t>
+          </a:r>
+          <a:endParaRPr lang="en-US" sz="1800" kern="1200"/>
+        </a:p>
+      </dsp:txBody>
+      <dsp:txXfrm>
+        <a:off x="3033928" y="3173892"/>
+        <a:ext cx="2060143" cy="1206068"/>
+      </dsp:txXfrm>
+    </dsp:sp>
   </dsp:spTree>
 </dsp:drawing>
 </file>
@@ -2370,6 +3050,384 @@
       <dsp:cNvGrpSpPr/>
     </dsp:nvGrpSpPr>
     <dsp:grpSpPr/>
+    <dsp:sp modelId="{CB39116F-EB91-404F-85AA-B1CB5796507D}">
+      <dsp:nvSpPr>
+        <dsp:cNvPr id="0" name=""/>
+        <dsp:cNvSpPr/>
+      </dsp:nvSpPr>
+      <dsp:spPr>
+        <a:xfrm>
+          <a:off x="298748" y="2110"/>
+          <a:ext cx="2331327" cy="1398796"/>
+        </a:xfrm>
+        <a:prstGeom prst="roundRect">
+          <a:avLst>
+            <a:gd name="adj" fmla="val 10000"/>
+          </a:avLst>
+        </a:prstGeom>
+        <a:solidFill>
+          <a:schemeClr val="accent1">
+            <a:hueOff val="0"/>
+            <a:satOff val="0"/>
+            <a:lumOff val="0"/>
+            <a:alphaOff val="0"/>
+          </a:schemeClr>
+        </a:solidFill>
+        <a:ln w="12700" cap="flat" cmpd="sng" algn="ctr">
+          <a:solidFill>
+            <a:schemeClr val="lt1">
+              <a:hueOff val="0"/>
+              <a:satOff val="0"/>
+              <a:lumOff val="0"/>
+              <a:alphaOff val="0"/>
+            </a:schemeClr>
+          </a:solidFill>
+          <a:prstDash val="solid"/>
+          <a:miter lim="800000"/>
+        </a:ln>
+        <a:effectLst/>
+      </dsp:spPr>
+      <dsp:style>
+        <a:lnRef idx="2">
+          <a:scrgbClr r="0" g="0" b="0"/>
+        </a:lnRef>
+        <a:fillRef idx="1">
+          <a:scrgbClr r="0" g="0" b="0"/>
+        </a:fillRef>
+        <a:effectRef idx="0">
+          <a:scrgbClr r="0" g="0" b="0"/>
+        </a:effectRef>
+        <a:fontRef idx="minor">
+          <a:schemeClr val="lt1"/>
+        </a:fontRef>
+      </dsp:style>
+      <dsp:txBody>
+        <a:bodyPr spcFirstLastPara="0" vert="horz" wrap="square" lIns="76200" tIns="76200" rIns="76200" bIns="76200" numCol="1" spcCol="1270" anchor="ctr" anchorCtr="0">
+          <a:noAutofit/>
+        </a:bodyPr>
+        <a:lstStyle/>
+        <a:p>
+          <a:pPr lvl="0" algn="ctr" defTabSz="889000">
+            <a:lnSpc>
+              <a:spcPct val="90000"/>
+            </a:lnSpc>
+            <a:spcBef>
+              <a:spcPct val="0"/>
+            </a:spcBef>
+            <a:spcAft>
+              <a:spcPct val="35000"/>
+            </a:spcAft>
+          </a:pPr>
+          <a:r>
+            <a:rPr lang="en-US" sz="2000" kern="1200" smtClean="0"/>
+            <a:t>Unggah data hasil reasoning ke Apache Jena Fuseki</a:t>
+          </a:r>
+          <a:endParaRPr lang="en-US" sz="2000" kern="1200"/>
+        </a:p>
+      </dsp:txBody>
+      <dsp:txXfrm>
+        <a:off x="339717" y="43079"/>
+        <a:ext cx="2249389" cy="1316858"/>
+      </dsp:txXfrm>
+    </dsp:sp>
+    <dsp:sp modelId="{AF1C5D5E-39F3-4096-8D54-97716BD884B5}">
+      <dsp:nvSpPr>
+        <dsp:cNvPr id="0" name=""/>
+        <dsp:cNvSpPr/>
+      </dsp:nvSpPr>
+      <dsp:spPr>
+        <a:xfrm>
+          <a:off x="2835233" y="412424"/>
+          <a:ext cx="494241" cy="578169"/>
+        </a:xfrm>
+        <a:prstGeom prst="rightArrow">
+          <a:avLst>
+            <a:gd name="adj1" fmla="val 60000"/>
+            <a:gd name="adj2" fmla="val 50000"/>
+          </a:avLst>
+        </a:prstGeom>
+        <a:solidFill>
+          <a:schemeClr val="accent1">
+            <a:tint val="60000"/>
+            <a:hueOff val="0"/>
+            <a:satOff val="0"/>
+            <a:lumOff val="0"/>
+            <a:alphaOff val="0"/>
+          </a:schemeClr>
+        </a:solidFill>
+        <a:ln>
+          <a:noFill/>
+        </a:ln>
+        <a:effectLst/>
+      </dsp:spPr>
+      <dsp:style>
+        <a:lnRef idx="0">
+          <a:scrgbClr r="0" g="0" b="0"/>
+        </a:lnRef>
+        <a:fillRef idx="1">
+          <a:scrgbClr r="0" g="0" b="0"/>
+        </a:fillRef>
+        <a:effectRef idx="0">
+          <a:scrgbClr r="0" g="0" b="0"/>
+        </a:effectRef>
+        <a:fontRef idx="minor">
+          <a:schemeClr val="lt1"/>
+        </a:fontRef>
+      </dsp:style>
+      <dsp:txBody>
+        <a:bodyPr spcFirstLastPara="0" vert="horz" wrap="square" lIns="0" tIns="0" rIns="0" bIns="0" numCol="1" spcCol="1270" anchor="ctr" anchorCtr="0">
+          <a:noAutofit/>
+        </a:bodyPr>
+        <a:lstStyle/>
+        <a:p>
+          <a:pPr lvl="0" algn="ctr" defTabSz="711200">
+            <a:lnSpc>
+              <a:spcPct val="90000"/>
+            </a:lnSpc>
+            <a:spcBef>
+              <a:spcPct val="0"/>
+            </a:spcBef>
+            <a:spcAft>
+              <a:spcPct val="35000"/>
+            </a:spcAft>
+          </a:pPr>
+          <a:endParaRPr lang="en-US" sz="1600" kern="1200"/>
+        </a:p>
+      </dsp:txBody>
+      <dsp:txXfrm>
+        <a:off x="2835233" y="528058"/>
+        <a:ext cx="345969" cy="346901"/>
+      </dsp:txXfrm>
+    </dsp:sp>
+    <dsp:sp modelId="{6FC43BBB-5A7D-4190-A831-ECD39838A64D}">
+      <dsp:nvSpPr>
+        <dsp:cNvPr id="0" name=""/>
+        <dsp:cNvSpPr/>
+      </dsp:nvSpPr>
+      <dsp:spPr>
+        <a:xfrm>
+          <a:off x="3562607" y="2110"/>
+          <a:ext cx="2331327" cy="1398796"/>
+        </a:xfrm>
+        <a:prstGeom prst="roundRect">
+          <a:avLst>
+            <a:gd name="adj" fmla="val 10000"/>
+          </a:avLst>
+        </a:prstGeom>
+        <a:solidFill>
+          <a:schemeClr val="accent1">
+            <a:hueOff val="0"/>
+            <a:satOff val="0"/>
+            <a:lumOff val="0"/>
+            <a:alphaOff val="0"/>
+          </a:schemeClr>
+        </a:solidFill>
+        <a:ln w="12700" cap="flat" cmpd="sng" algn="ctr">
+          <a:solidFill>
+            <a:schemeClr val="lt1">
+              <a:hueOff val="0"/>
+              <a:satOff val="0"/>
+              <a:lumOff val="0"/>
+              <a:alphaOff val="0"/>
+            </a:schemeClr>
+          </a:solidFill>
+          <a:prstDash val="solid"/>
+          <a:miter lim="800000"/>
+        </a:ln>
+        <a:effectLst/>
+      </dsp:spPr>
+      <dsp:style>
+        <a:lnRef idx="2">
+          <a:scrgbClr r="0" g="0" b="0"/>
+        </a:lnRef>
+        <a:fillRef idx="1">
+          <a:scrgbClr r="0" g="0" b="0"/>
+        </a:fillRef>
+        <a:effectRef idx="0">
+          <a:scrgbClr r="0" g="0" b="0"/>
+        </a:effectRef>
+        <a:fontRef idx="minor">
+          <a:schemeClr val="lt1"/>
+        </a:fontRef>
+      </dsp:style>
+      <dsp:txBody>
+        <a:bodyPr spcFirstLastPara="0" vert="horz" wrap="square" lIns="76200" tIns="76200" rIns="76200" bIns="76200" numCol="1" spcCol="1270" anchor="ctr" anchorCtr="0">
+          <a:noAutofit/>
+        </a:bodyPr>
+        <a:lstStyle/>
+        <a:p>
+          <a:pPr lvl="0" algn="ctr" defTabSz="889000">
+            <a:lnSpc>
+              <a:spcPct val="90000"/>
+            </a:lnSpc>
+            <a:spcBef>
+              <a:spcPct val="0"/>
+            </a:spcBef>
+            <a:spcAft>
+              <a:spcPct val="35000"/>
+            </a:spcAft>
+          </a:pPr>
+          <a:r>
+            <a:rPr lang="en-US" sz="2000" kern="1200" smtClean="0"/>
+            <a:t>SPARQL Query</a:t>
+          </a:r>
+          <a:endParaRPr lang="en-US" sz="2000" kern="1200"/>
+        </a:p>
+      </dsp:txBody>
+      <dsp:txXfrm>
+        <a:off x="3603576" y="43079"/>
+        <a:ext cx="2249389" cy="1316858"/>
+      </dsp:txXfrm>
+    </dsp:sp>
+    <dsp:sp modelId="{18D28992-97C3-49BA-B5CB-BA5D346E6A6E}">
+      <dsp:nvSpPr>
+        <dsp:cNvPr id="0" name=""/>
+        <dsp:cNvSpPr/>
+      </dsp:nvSpPr>
+      <dsp:spPr>
+        <a:xfrm rot="5400000">
+          <a:off x="4481150" y="1564100"/>
+          <a:ext cx="494241" cy="578169"/>
+        </a:xfrm>
+        <a:prstGeom prst="rightArrow">
+          <a:avLst>
+            <a:gd name="adj1" fmla="val 60000"/>
+            <a:gd name="adj2" fmla="val 50000"/>
+          </a:avLst>
+        </a:prstGeom>
+        <a:solidFill>
+          <a:schemeClr val="accent1">
+            <a:tint val="60000"/>
+            <a:hueOff val="0"/>
+            <a:satOff val="0"/>
+            <a:lumOff val="0"/>
+            <a:alphaOff val="0"/>
+          </a:schemeClr>
+        </a:solidFill>
+        <a:ln>
+          <a:noFill/>
+        </a:ln>
+        <a:effectLst/>
+      </dsp:spPr>
+      <dsp:style>
+        <a:lnRef idx="0">
+          <a:scrgbClr r="0" g="0" b="0"/>
+        </a:lnRef>
+        <a:fillRef idx="1">
+          <a:scrgbClr r="0" g="0" b="0"/>
+        </a:fillRef>
+        <a:effectRef idx="0">
+          <a:scrgbClr r="0" g="0" b="0"/>
+        </a:effectRef>
+        <a:fontRef idx="minor">
+          <a:schemeClr val="lt1"/>
+        </a:fontRef>
+      </dsp:style>
+      <dsp:txBody>
+        <a:bodyPr spcFirstLastPara="0" vert="horz" wrap="square" lIns="0" tIns="0" rIns="0" bIns="0" numCol="1" spcCol="1270" anchor="ctr" anchorCtr="0">
+          <a:noAutofit/>
+        </a:bodyPr>
+        <a:lstStyle/>
+        <a:p>
+          <a:pPr lvl="0" algn="ctr" defTabSz="711200">
+            <a:lnSpc>
+              <a:spcPct val="90000"/>
+            </a:lnSpc>
+            <a:spcBef>
+              <a:spcPct val="0"/>
+            </a:spcBef>
+            <a:spcAft>
+              <a:spcPct val="35000"/>
+            </a:spcAft>
+          </a:pPr>
+          <a:endParaRPr lang="en-US" sz="1600" kern="1200"/>
+        </a:p>
+      </dsp:txBody>
+      <dsp:txXfrm rot="-5400000">
+        <a:off x="4554820" y="1606064"/>
+        <a:ext cx="346901" cy="345969"/>
+      </dsp:txXfrm>
+    </dsp:sp>
+    <dsp:sp modelId="{CDC2BA57-16AE-4341-9248-3145FA7CD566}">
+      <dsp:nvSpPr>
+        <dsp:cNvPr id="0" name=""/>
+        <dsp:cNvSpPr/>
+      </dsp:nvSpPr>
+      <dsp:spPr>
+        <a:xfrm>
+          <a:off x="3562607" y="2333438"/>
+          <a:ext cx="2331327" cy="1398796"/>
+        </a:xfrm>
+        <a:prstGeom prst="roundRect">
+          <a:avLst>
+            <a:gd name="adj" fmla="val 10000"/>
+          </a:avLst>
+        </a:prstGeom>
+        <a:solidFill>
+          <a:schemeClr val="accent1">
+            <a:hueOff val="0"/>
+            <a:satOff val="0"/>
+            <a:lumOff val="0"/>
+            <a:alphaOff val="0"/>
+          </a:schemeClr>
+        </a:solidFill>
+        <a:ln w="12700" cap="flat" cmpd="sng" algn="ctr">
+          <a:solidFill>
+            <a:schemeClr val="lt1">
+              <a:hueOff val="0"/>
+              <a:satOff val="0"/>
+              <a:lumOff val="0"/>
+              <a:alphaOff val="0"/>
+            </a:schemeClr>
+          </a:solidFill>
+          <a:prstDash val="solid"/>
+          <a:miter lim="800000"/>
+        </a:ln>
+        <a:effectLst/>
+      </dsp:spPr>
+      <dsp:style>
+        <a:lnRef idx="2">
+          <a:scrgbClr r="0" g="0" b="0"/>
+        </a:lnRef>
+        <a:fillRef idx="1">
+          <a:scrgbClr r="0" g="0" b="0"/>
+        </a:fillRef>
+        <a:effectRef idx="0">
+          <a:scrgbClr r="0" g="0" b="0"/>
+        </a:effectRef>
+        <a:fontRef idx="minor">
+          <a:schemeClr val="lt1"/>
+        </a:fontRef>
+      </dsp:style>
+      <dsp:txBody>
+        <a:bodyPr spcFirstLastPara="0" vert="horz" wrap="square" lIns="76200" tIns="76200" rIns="76200" bIns="76200" numCol="1" spcCol="1270" anchor="ctr" anchorCtr="0">
+          <a:noAutofit/>
+        </a:bodyPr>
+        <a:lstStyle/>
+        <a:p>
+          <a:pPr lvl="0" algn="ctr" defTabSz="889000">
+            <a:lnSpc>
+              <a:spcPct val="90000"/>
+            </a:lnSpc>
+            <a:spcBef>
+              <a:spcPct val="0"/>
+            </a:spcBef>
+            <a:spcAft>
+              <a:spcPct val="35000"/>
+            </a:spcAft>
+          </a:pPr>
+          <a:r>
+            <a:rPr lang="en-US" sz="2000" kern="1200" smtClean="0"/>
+            <a:t>Visualisasi struktur pohon keluarga</a:t>
+          </a:r>
+          <a:endParaRPr lang="en-US" sz="2000" kern="1200"/>
+        </a:p>
+      </dsp:txBody>
+      <dsp:txXfrm>
+        <a:off x="3603576" y="2374407"/>
+        <a:ext cx="2249389" cy="1316858"/>
+      </dsp:txXfrm>
+    </dsp:sp>
   </dsp:spTree>
 </dsp:drawing>
 </file>
@@ -4878,7 +5936,7 @@
           <a:p>
             <a:fld id="{97AB3EA8-A58D-4C92-A3AB-D271CCC294C7}" type="datetimeFigureOut">
               <a:rPr lang="en-US" smtClean="0"/>
-              <a:t>7/5/2019</a:t>
+              <a:t>7/11/2019</a:t>
             </a:fld>
             <a:endParaRPr lang="en-US" dirty="0"/>
           </a:p>
@@ -5055,7 +6113,7 @@
           <a:p>
             <a:fld id="{0AEFB4FA-E877-413E-B608-88789D806C57}" type="datetimeFigureOut">
               <a:rPr lang="en-US" noProof="0" smtClean="0"/>
-              <a:t>7/5/2019</a:t>
+              <a:t>7/11/2019</a:t>
             </a:fld>
             <a:endParaRPr lang="en-US" noProof="0" dirty="0"/>
           </a:p>
@@ -5452,7 +6510,11 @@
           <a:p>
             <a:r>
               <a:rPr lang="en-US" smtClean="0"/>
-              <a:t>Bab 3.5</a:t>
+              <a:t>Bab 3.5 Reasoning adalah</a:t>
+            </a:r>
+            <a:r>
+              <a:rPr lang="en-US" baseline="0" smtClean="0"/>
+              <a:t> suatu proses yang dapat menghasilkan kesimpulan logis dari sebuah data berdasarkan aturan-aturan tertentu. Dalam konteks tugas akhir ini, Data adalah data keluarga tokoh sejarah Indonesia, dan aturan tersebut adalah karakteristik dan deskripsi data property dan object property. Contohnya adalah seperti bagan diatas.</a:t>
             </a:r>
             <a:endParaRPr lang="en-US"/>
           </a:p>
@@ -5538,6 +6600,291 @@
           <a:bodyPr/>
           <a:lstStyle/>
           <a:p>
+            <a:r>
+              <a:rPr lang="en-US" smtClean="0"/>
+              <a:t>Arsitektur</a:t>
+            </a:r>
+            <a:r>
+              <a:rPr lang="en-US" baseline="0" smtClean="0"/>
+              <a:t> system yang digunakan adalah seperti gambar berikut. Ada dua program yang digunakan, yaitu Program Java yang menerapkan Apache Jena untuk proses ekstraksi data dan pengolahan data, serta Program Web berbasis PHP untuk mengambil data dari basis data Apache Jena fuseki dan menampilkannya sebagai pohon keluarga.</a:t>
+            </a:r>
+            <a:endParaRPr lang="en-US"/>
+          </a:p>
+        </p:txBody>
+      </p:sp>
+      <p:sp>
+        <p:nvSpPr>
+          <p:cNvPr id="4" name="Slide Number Placeholder 3"/>
+          <p:cNvSpPr>
+            <a:spLocks noGrp="1"/>
+          </p:cNvSpPr>
+          <p:nvPr>
+            <p:ph type="sldNum" sz="quarter" idx="10"/>
+          </p:nvPr>
+        </p:nvSpPr>
+        <p:spPr/>
+        <p:txBody>
+          <a:bodyPr/>
+          <a:lstStyle/>
+          <a:p>
+            <a:fld id="{6336304E-FDE3-4B4F-A3B7-EBE87F3FA5E2}" type="slidenum">
+              <a:rPr lang="en-US" noProof="0" smtClean="0"/>
+              <a:t>15</a:t>
+            </a:fld>
+            <a:endParaRPr lang="en-US" noProof="0" dirty="0"/>
+          </a:p>
+        </p:txBody>
+      </p:sp>
+    </p:spTree>
+    <p:extLst>
+      <p:ext uri="{BB962C8B-B14F-4D97-AF65-F5344CB8AC3E}">
+        <p14:creationId xmlns:p14="http://schemas.microsoft.com/office/powerpoint/2010/main" val="141091103"/>
+      </p:ext>
+    </p:extLst>
+  </p:cSld>
+  <p:clrMapOvr>
+    <a:masterClrMapping/>
+  </p:clrMapOvr>
+</p:notes>
+</file>
+
+<file path=ppt/notesSlides/notesSlide12.xml><?xml version="1.0" encoding="utf-8"?>
+<p:notes xmlns:a="http://schemas.openxmlformats.org/drawingml/2006/main" xmlns:r="http://schemas.openxmlformats.org/officeDocument/2006/relationships" xmlns:p="http://schemas.openxmlformats.org/presentationml/2006/main">
+  <p:cSld>
+    <p:spTree>
+      <p:nvGrpSpPr>
+        <p:cNvPr id="1" name=""/>
+        <p:cNvGrpSpPr/>
+        <p:nvPr/>
+      </p:nvGrpSpPr>
+      <p:grpSpPr>
+        <a:xfrm>
+          <a:off x="0" y="0"/>
+          <a:ext cx="0" cy="0"/>
+          <a:chOff x="0" y="0"/>
+          <a:chExt cx="0" cy="0"/>
+        </a:xfrm>
+      </p:grpSpPr>
+      <p:sp>
+        <p:nvSpPr>
+          <p:cNvPr id="2" name="Slide Image Placeholder 1"/>
+          <p:cNvSpPr>
+            <a:spLocks noGrp="1" noRot="1" noChangeAspect="1"/>
+          </p:cNvSpPr>
+          <p:nvPr>
+            <p:ph type="sldImg"/>
+          </p:nvPr>
+        </p:nvSpPr>
+        <p:spPr/>
+      </p:sp>
+      <p:sp>
+        <p:nvSpPr>
+          <p:cNvPr id="3" name="Notes Placeholder 2"/>
+          <p:cNvSpPr>
+            <a:spLocks noGrp="1"/>
+          </p:cNvSpPr>
+          <p:nvPr>
+            <p:ph type="body" idx="1"/>
+          </p:nvPr>
+        </p:nvSpPr>
+        <p:spPr/>
+        <p:txBody>
+          <a:bodyPr/>
+          <a:lstStyle/>
+          <a:p>
+            <a:r>
+              <a:rPr lang="en-US" smtClean="0"/>
+              <a:t>Visualisasi</a:t>
+            </a:r>
+            <a:r>
+              <a:rPr lang="en-US" baseline="0" smtClean="0"/>
+              <a:t> pohon keluarga adalah sebagai berikut, saya menggunakan HTML dan CSS untuk mengatur skema pohon keluarga yang berbentuk tree.</a:t>
+            </a:r>
+          </a:p>
+          <a:p>
+            <a:r>
+              <a:rPr lang="en-US" baseline="0" smtClean="0"/>
+              <a:t>Kelas A adalah subjek dan CSS nya akan membuat persegi</a:t>
+            </a:r>
+          </a:p>
+          <a:p>
+            <a:r>
+              <a:rPr lang="en-US" baseline="0" smtClean="0"/>
+              <a:t>Kelas UL adalah garis keturunan</a:t>
+            </a:r>
+          </a:p>
+          <a:p>
+            <a:r>
+              <a:rPr lang="en-US" baseline="0" smtClean="0"/>
+              <a:t>Kelas LI adalah garis kesaudaraan</a:t>
+            </a:r>
+          </a:p>
+        </p:txBody>
+      </p:sp>
+      <p:sp>
+        <p:nvSpPr>
+          <p:cNvPr id="4" name="Slide Number Placeholder 3"/>
+          <p:cNvSpPr>
+            <a:spLocks noGrp="1"/>
+          </p:cNvSpPr>
+          <p:nvPr>
+            <p:ph type="sldNum" sz="quarter" idx="10"/>
+          </p:nvPr>
+        </p:nvSpPr>
+        <p:spPr/>
+        <p:txBody>
+          <a:bodyPr/>
+          <a:lstStyle/>
+          <a:p>
+            <a:fld id="{6336304E-FDE3-4B4F-A3B7-EBE87F3FA5E2}" type="slidenum">
+              <a:rPr lang="en-US" noProof="0" smtClean="0"/>
+              <a:t>18</a:t>
+            </a:fld>
+            <a:endParaRPr lang="en-US" noProof="0" dirty="0"/>
+          </a:p>
+        </p:txBody>
+      </p:sp>
+    </p:spTree>
+    <p:extLst>
+      <p:ext uri="{BB962C8B-B14F-4D97-AF65-F5344CB8AC3E}">
+        <p14:creationId xmlns:p14="http://schemas.microsoft.com/office/powerpoint/2010/main" val="1368366131"/>
+      </p:ext>
+    </p:extLst>
+  </p:cSld>
+  <p:clrMapOvr>
+    <a:masterClrMapping/>
+  </p:clrMapOvr>
+</p:notes>
+</file>
+
+<file path=ppt/notesSlides/notesSlide13.xml><?xml version="1.0" encoding="utf-8"?>
+<p:notes xmlns:a="http://schemas.openxmlformats.org/drawingml/2006/main" xmlns:r="http://schemas.openxmlformats.org/officeDocument/2006/relationships" xmlns:p="http://schemas.openxmlformats.org/presentationml/2006/main">
+  <p:cSld>
+    <p:spTree>
+      <p:nvGrpSpPr>
+        <p:cNvPr id="1" name=""/>
+        <p:cNvGrpSpPr/>
+        <p:nvPr/>
+      </p:nvGrpSpPr>
+      <p:grpSpPr>
+        <a:xfrm>
+          <a:off x="0" y="0"/>
+          <a:ext cx="0" cy="0"/>
+          <a:chOff x="0" y="0"/>
+          <a:chExt cx="0" cy="0"/>
+        </a:xfrm>
+      </p:grpSpPr>
+      <p:sp>
+        <p:nvSpPr>
+          <p:cNvPr id="2" name="Slide Image Placeholder 1"/>
+          <p:cNvSpPr>
+            <a:spLocks noGrp="1" noRot="1" noChangeAspect="1"/>
+          </p:cNvSpPr>
+          <p:nvPr>
+            <p:ph type="sldImg"/>
+          </p:nvPr>
+        </p:nvSpPr>
+        <p:spPr/>
+      </p:sp>
+      <p:sp>
+        <p:nvSpPr>
+          <p:cNvPr id="3" name="Notes Placeholder 2"/>
+          <p:cNvSpPr>
+            <a:spLocks noGrp="1"/>
+          </p:cNvSpPr>
+          <p:nvPr>
+            <p:ph type="body" idx="1"/>
+          </p:nvPr>
+        </p:nvSpPr>
+        <p:spPr/>
+        <p:txBody>
+          <a:bodyPr/>
+          <a:lstStyle/>
+          <a:p>
+            <a:endParaRPr lang="en-US"/>
+          </a:p>
+        </p:txBody>
+      </p:sp>
+      <p:sp>
+        <p:nvSpPr>
+          <p:cNvPr id="4" name="Slide Number Placeholder 3"/>
+          <p:cNvSpPr>
+            <a:spLocks noGrp="1"/>
+          </p:cNvSpPr>
+          <p:nvPr>
+            <p:ph type="sldNum" sz="quarter" idx="10"/>
+          </p:nvPr>
+        </p:nvSpPr>
+        <p:spPr/>
+        <p:txBody>
+          <a:bodyPr/>
+          <a:lstStyle/>
+          <a:p>
+            <a:fld id="{6336304E-FDE3-4B4F-A3B7-EBE87F3FA5E2}" type="slidenum">
+              <a:rPr lang="en-US" noProof="0" smtClean="0"/>
+              <a:t>20</a:t>
+            </a:fld>
+            <a:endParaRPr lang="en-US" noProof="0" dirty="0"/>
+          </a:p>
+        </p:txBody>
+      </p:sp>
+    </p:spTree>
+    <p:extLst>
+      <p:ext uri="{BB962C8B-B14F-4D97-AF65-F5344CB8AC3E}">
+        <p14:creationId xmlns:p14="http://schemas.microsoft.com/office/powerpoint/2010/main" val="5952984"/>
+      </p:ext>
+    </p:extLst>
+  </p:cSld>
+  <p:clrMapOvr>
+    <a:masterClrMapping/>
+  </p:clrMapOvr>
+</p:notes>
+</file>
+
+<file path=ppt/notesSlides/notesSlide14.xml><?xml version="1.0" encoding="utf-8"?>
+<p:notes xmlns:a="http://schemas.openxmlformats.org/drawingml/2006/main" xmlns:r="http://schemas.openxmlformats.org/officeDocument/2006/relationships" xmlns:p="http://schemas.openxmlformats.org/presentationml/2006/main">
+  <p:cSld>
+    <p:spTree>
+      <p:nvGrpSpPr>
+        <p:cNvPr id="1" name=""/>
+        <p:cNvGrpSpPr/>
+        <p:nvPr/>
+      </p:nvGrpSpPr>
+      <p:grpSpPr>
+        <a:xfrm>
+          <a:off x="0" y="0"/>
+          <a:ext cx="0" cy="0"/>
+          <a:chOff x="0" y="0"/>
+          <a:chExt cx="0" cy="0"/>
+        </a:xfrm>
+      </p:grpSpPr>
+      <p:sp>
+        <p:nvSpPr>
+          <p:cNvPr id="2" name="Slide Image Placeholder 1"/>
+          <p:cNvSpPr>
+            <a:spLocks noGrp="1" noRot="1" noChangeAspect="1"/>
+          </p:cNvSpPr>
+          <p:nvPr>
+            <p:ph type="sldImg"/>
+          </p:nvPr>
+        </p:nvSpPr>
+        <p:spPr/>
+      </p:sp>
+      <p:sp>
+        <p:nvSpPr>
+          <p:cNvPr id="3" name="Notes Placeholder 2"/>
+          <p:cNvSpPr>
+            <a:spLocks noGrp="1"/>
+          </p:cNvSpPr>
+          <p:nvPr>
+            <p:ph type="body" idx="1"/>
+          </p:nvPr>
+        </p:nvSpPr>
+        <p:spPr/>
+        <p:txBody>
+          <a:bodyPr/>
+          <a:lstStyle/>
+          <a:p>
             <a:endParaRPr lang="en-US"/>
           </a:p>
         </p:txBody>
@@ -5804,7 +7151,7 @@
             </a:r>
             <a:r>
               <a:rPr lang="en-US" baseline="0" smtClean="0"/>
-              <a:t> dari halaman dbpedia kita download file .rdf nya lalu dimodelkan di aplikasi java yang berplugin apache jena</a:t>
+              <a:t> yang didapatkan dari halaman dbpedia kita download file .rdf nya lalu dimodelkan di aplikasi java yang berplugin apache jena</a:t>
             </a:r>
             <a:endParaRPr lang="en-US"/>
           </a:p>
@@ -6080,7 +7427,7 @@
             </a:r>
             <a:r>
               <a:rPr lang="en-US" baseline="0" smtClean="0"/>
-              <a:t> property memiliki karakteristik dan deskripsi masing2, bisa dilihat </a:t>
+              <a:t> property memiliki karakteristik dan deskripsi masing2, karakteristik adalah sifat yang berlaku untuk property terpilih, sedangkan deskripsi adalah sifat yang berlaku untuk property terpilih dengan property yang lain. detail bisa dilihat </a:t>
             </a:r>
             <a:r>
               <a:rPr lang="en-US" smtClean="0"/>
@@ -6284,7 +7631,11 @@
           <a:p>
             <a:r>
               <a:rPr lang="en-US" smtClean="0"/>
-              <a:t>Bab 3.4</a:t>
+              <a:t>Bab 3.4 Penggabungan</a:t>
+            </a:r>
+            <a:r>
+              <a:rPr lang="en-US" baseline="0" smtClean="0"/>
+              <a:t> model data dbpedia dan model family relationship ontology sebenarnya prosesnya hanya menggabungkan statemen triples saja. Proses ini dilakukan oleh aplikasi java yang memiliki plugin Apache Jena</a:t>
             </a:r>
             <a:endParaRPr lang="en-US"/>
           </a:p>
@@ -14549,7 +15900,7 @@
           <a:p>
             <a:fld id="{11489015-5B70-4D85-AA05-A54131EA11AC}" type="datetime3">
               <a:rPr lang="en-US" smtClean="0"/>
-              <a:t>5 July 2019</a:t>
+              <a:t>11 July 2019</a:t>
             </a:fld>
             <a:endParaRPr lang="en-US"/>
           </a:p>
@@ -16849,6 +18200,13 @@
   <p:clrMapOvr>
     <a:masterClrMapping/>
   </p:clrMapOvr>
+  <p:timing>
+    <p:tnLst>
+      <p:par>
+        <p:cTn id="1" dur="indefinite" restart="never" nodeType="tmRoot"/>
+      </p:par>
+    </p:tnLst>
+  </p:timing>
 </p:sldLayout>
 </file>
 
@@ -22032,7 +23390,7 @@
           <a:p>
             <a:fld id="{D951F27F-98F9-A147-8986-34441C7B752D}" type="datetime1">
               <a:rPr lang="en-US" noProof="0" smtClean="0"/>
-              <a:t>7/5/2019</a:t>
+              <a:t>7/11/2019</a:t>
             </a:fld>
             <a:endParaRPr lang="en-US" noProof="0" dirty="0"/>
           </a:p>
@@ -22128,6 +23486,47 @@
           </a:p>
         </p:txBody>
       </p:sp>
+      <p:pic>
+        <p:nvPicPr>
+          <p:cNvPr id="7" name="Picture 2" descr="Image result for its logo"/>
+          <p:cNvPicPr>
+            <a:picLocks noChangeAspect="1" noChangeArrowheads="1"/>
+          </p:cNvPicPr>
+          <p:nvPr userDrawn="1"/>
+        </p:nvPicPr>
+        <p:blipFill>
+          <a:blip r:embed="rId21">
+            <a:extLst>
+              <a:ext uri="{28A0092B-C50C-407E-A947-70E740481C1C}">
+                <a14:useLocalDpi xmlns:a14="http://schemas.microsoft.com/office/drawing/2010/main" val="0"/>
+              </a:ext>
+            </a:extLst>
+          </a:blip>
+          <a:srcRect/>
+          <a:stretch>
+            <a:fillRect/>
+          </a:stretch>
+        </p:blipFill>
+        <p:spPr bwMode="auto">
+          <a:xfrm>
+            <a:off x="735291" y="0"/>
+            <a:ext cx="909246" cy="585814"/>
+          </a:xfrm>
+          <a:prstGeom prst="rect">
+            <a:avLst/>
+          </a:prstGeom>
+          <a:noFill/>
+          <a:extLst>
+            <a:ext uri="{909E8E84-426E-40DD-AFC4-6F175D3DCCD1}">
+              <a14:hiddenFill xmlns:a14="http://schemas.microsoft.com/office/drawing/2010/main">
+                <a:solidFill>
+                  <a:srgbClr val="FFFFFF"/>
+                </a:solidFill>
+              </a14:hiddenFill>
+            </a:ext>
+          </a:extLst>
+        </p:spPr>
+      </p:pic>
     </p:spTree>
     <p:extLst>
       <p:ext uri="{BB962C8B-B14F-4D97-AF65-F5344CB8AC3E}">
@@ -22157,6 +23556,13 @@
     <p:sldLayoutId id="2147483673" r:id="rId18"/>
     <p:sldLayoutId id="2147483674" r:id="rId19"/>
   </p:sldLayoutIdLst>
+  <p:timing>
+    <p:tnLst>
+      <p:par>
+        <p:cTn id="1" dur="indefinite" restart="never" nodeType="tmRoot"/>
+      </p:par>
+    </p:tnLst>
+  </p:timing>
   <p:hf hdr="0" ftr="0" dt="0"/>
   <p:txStyles>
     <p:titleStyle>
@@ -22801,6 +24207,13 @@
   <p:clrMapOvr>
     <a:masterClrMapping/>
   </p:clrMapOvr>
+  <p:timing>
+    <p:tnLst>
+      <p:par>
+        <p:cTn id="1" dur="indefinite" restart="never" nodeType="tmRoot"/>
+      </p:par>
+    </p:tnLst>
+  </p:timing>
 </p:sld>
 </file>
 
@@ -22821,6 +24234,54 @@
           <a:chExt cx="0" cy="0"/>
         </a:xfrm>
       </p:grpSpPr>
+      <p:sp>
+        <p:nvSpPr>
+          <p:cNvPr id="8" name="Rectangle 7"/>
+          <p:cNvSpPr/>
+          <p:nvPr/>
+        </p:nvSpPr>
+        <p:spPr>
+          <a:xfrm>
+            <a:off x="395926" y="6176963"/>
+            <a:ext cx="1319752" cy="563202"/>
+          </a:xfrm>
+          <a:prstGeom prst="rect">
+            <a:avLst/>
+          </a:prstGeom>
+          <a:solidFill>
+            <a:schemeClr val="bg1"/>
+          </a:solidFill>
+          <a:ln>
+            <a:solidFill>
+              <a:schemeClr val="bg1"/>
+            </a:solidFill>
+          </a:ln>
+        </p:spPr>
+        <p:style>
+          <a:lnRef idx="2">
+            <a:schemeClr val="accent1">
+              <a:shade val="50000"/>
+            </a:schemeClr>
+          </a:lnRef>
+          <a:fillRef idx="1">
+            <a:schemeClr val="accent1"/>
+          </a:fillRef>
+          <a:effectRef idx="0">
+            <a:schemeClr val="accent1"/>
+          </a:effectRef>
+          <a:fontRef idx="minor">
+            <a:schemeClr val="lt1"/>
+          </a:fontRef>
+        </p:style>
+        <p:txBody>
+          <a:bodyPr rtlCol="0" anchor="ctr"/>
+          <a:lstStyle/>
+          <a:p>
+            <a:pPr algn="ctr"/>
+            <a:endParaRPr lang="en-US"/>
+          </a:p>
+        </p:txBody>
+      </p:sp>
       <p:sp>
         <p:nvSpPr>
           <p:cNvPr id="6" name="Rectangle 5"/>
@@ -22972,14 +24433,14 @@
           <p:nvPr>
             <p:extLst>
               <p:ext uri="{D42A27DB-BD31-4B8C-83A1-F6EECF244321}">
-                <p14:modId xmlns:p14="http://schemas.microsoft.com/office/powerpoint/2010/main" val="1453489038"/>
+                <p14:modId xmlns:p14="http://schemas.microsoft.com/office/powerpoint/2010/main" val="2548819032"/>
               </p:ext>
             </p:extLst>
           </p:nvPr>
         </p:nvGraphicFramePr>
         <p:xfrm>
           <a:off x="515938" y="1249638"/>
-          <a:ext cx="4572529" cy="5191517"/>
+          <a:ext cx="9287938" cy="4961455"/>
         </p:xfrm>
         <a:graphic>
           <a:graphicData uri="http://schemas.openxmlformats.org/drawingml/2006/table">
@@ -22988,8 +24449,8 @@
                 <a:tableStyleId>{5C22544A-7EE6-4342-B048-85BDC9FD1C3A}</a:tableStyleId>
               </a:tblPr>
               <a:tblGrid>
-                <a:gridCol w="811417"/>
-                <a:gridCol w="3761112"/>
+                <a:gridCol w="1648189"/>
+                <a:gridCol w="7639749"/>
               </a:tblGrid>
               <a:tr h="342169">
                 <a:tc>
@@ -23420,14 +24881,14 @@
           <p:nvPr>
             <p:extLst>
               <p:ext uri="{D42A27DB-BD31-4B8C-83A1-F6EECF244321}">
-                <p14:modId xmlns:p14="http://schemas.microsoft.com/office/powerpoint/2010/main" val="2036928502"/>
+                <p14:modId xmlns:p14="http://schemas.microsoft.com/office/powerpoint/2010/main" val="3416432341"/>
               </p:ext>
             </p:extLst>
           </p:nvPr>
         </p:nvGraphicFramePr>
         <p:xfrm>
-          <a:off x="5884606" y="1250025"/>
-          <a:ext cx="5450867" cy="4984288"/>
+          <a:off x="538960" y="1238221"/>
+          <a:ext cx="9563234" cy="4984288"/>
         </p:xfrm>
         <a:graphic>
           <a:graphicData uri="http://schemas.openxmlformats.org/drawingml/2006/table">
@@ -23436,10 +24897,10 @@
                 <a:tableStyleId>{5C22544A-7EE6-4342-B048-85BDC9FD1C3A}</a:tableStyleId>
               </a:tblPr>
               <a:tblGrid>
-                <a:gridCol w="1850286"/>
-                <a:gridCol w="3600581"/>
+                <a:gridCol w="3246221"/>
+                <a:gridCol w="6317013"/>
               </a:tblGrid>
-              <a:tr h="160047">
+              <a:tr h="0">
                 <a:tc>
                   <a:txBody>
                     <a:bodyPr/>
@@ -23869,6 +25330,216 @@
   <p:clrMapOvr>
     <a:masterClrMapping/>
   </p:clrMapOvr>
+  <p:timing>
+    <p:tnLst>
+      <p:par>
+        <p:cTn id="1" dur="indefinite" restart="never" nodeType="tmRoot">
+          <p:childTnLst>
+            <p:seq concurrent="1" nextAc="seek">
+              <p:cTn id="2" dur="indefinite" nodeType="mainSeq">
+                <p:childTnLst>
+                  <p:par>
+                    <p:cTn id="3" fill="hold">
+                      <p:stCondLst>
+                        <p:cond delay="indefinite"/>
+                      </p:stCondLst>
+                      <p:childTnLst>
+                        <p:par>
+                          <p:cTn id="4" fill="hold">
+                            <p:stCondLst>
+                              <p:cond delay="0"/>
+                            </p:stCondLst>
+                            <p:childTnLst>
+                              <p:par>
+                                <p:cTn id="5" presetID="1" presetClass="entr" presetSubtype="0" fill="hold" nodeType="clickEffect">
+                                  <p:stCondLst>
+                                    <p:cond delay="0"/>
+                                  </p:stCondLst>
+                                  <p:childTnLst>
+                                    <p:set>
+                                      <p:cBhvr>
+                                        <p:cTn id="6" dur="1" fill="hold">
+                                          <p:stCondLst>
+                                            <p:cond delay="0"/>
+                                          </p:stCondLst>
+                                        </p:cTn>
+                                        <p:tgtEl>
+                                          <p:spTgt spid="4"/>
+                                        </p:tgtEl>
+                                        <p:attrNameLst>
+                                          <p:attrName>style.visibility</p:attrName>
+                                        </p:attrNameLst>
+                                      </p:cBhvr>
+                                      <p:to>
+                                        <p:strVal val="visible"/>
+                                      </p:to>
+                                    </p:set>
+                                  </p:childTnLst>
+                                </p:cTn>
+                              </p:par>
+                            </p:childTnLst>
+                          </p:cTn>
+                        </p:par>
+                      </p:childTnLst>
+                    </p:cTn>
+                  </p:par>
+                  <p:par>
+                    <p:cTn id="7" fill="hold">
+                      <p:stCondLst>
+                        <p:cond delay="indefinite"/>
+                      </p:stCondLst>
+                      <p:childTnLst>
+                        <p:par>
+                          <p:cTn id="8" fill="hold">
+                            <p:stCondLst>
+                              <p:cond delay="0"/>
+                            </p:stCondLst>
+                            <p:childTnLst>
+                              <p:par>
+                                <p:cTn id="9" presetID="1" presetClass="exit" presetSubtype="0" fill="hold" nodeType="clickEffect">
+                                  <p:stCondLst>
+                                    <p:cond delay="0"/>
+                                  </p:stCondLst>
+                                  <p:childTnLst>
+                                    <p:set>
+                                      <p:cBhvr>
+                                        <p:cTn id="10" dur="1" fill="hold">
+                                          <p:stCondLst>
+                                            <p:cond delay="0"/>
+                                          </p:stCondLst>
+                                        </p:cTn>
+                                        <p:tgtEl>
+                                          <p:spTgt spid="4"/>
+                                        </p:tgtEl>
+                                        <p:attrNameLst>
+                                          <p:attrName>style.visibility</p:attrName>
+                                        </p:attrNameLst>
+                                      </p:cBhvr>
+                                      <p:to>
+                                        <p:strVal val="hidden"/>
+                                      </p:to>
+                                    </p:set>
+                                  </p:childTnLst>
+                                </p:cTn>
+                              </p:par>
+                            </p:childTnLst>
+                          </p:cTn>
+                        </p:par>
+                      </p:childTnLst>
+                    </p:cTn>
+                  </p:par>
+                  <p:par>
+                    <p:cTn id="11" fill="hold">
+                      <p:stCondLst>
+                        <p:cond delay="indefinite"/>
+                      </p:stCondLst>
+                      <p:childTnLst>
+                        <p:par>
+                          <p:cTn id="12" fill="hold">
+                            <p:stCondLst>
+                              <p:cond delay="0"/>
+                            </p:stCondLst>
+                            <p:childTnLst>
+                              <p:par>
+                                <p:cTn id="13" presetID="1" presetClass="entr" presetSubtype="0" fill="hold" nodeType="clickEffect">
+                                  <p:stCondLst>
+                                    <p:cond delay="0"/>
+                                  </p:stCondLst>
+                                  <p:childTnLst>
+                                    <p:set>
+                                      <p:cBhvr>
+                                        <p:cTn id="14" dur="1" fill="hold">
+                                          <p:stCondLst>
+                                            <p:cond delay="0"/>
+                                          </p:stCondLst>
+                                        </p:cTn>
+                                        <p:tgtEl>
+                                          <p:spTgt spid="7"/>
+                                        </p:tgtEl>
+                                        <p:attrNameLst>
+                                          <p:attrName>style.visibility</p:attrName>
+                                        </p:attrNameLst>
+                                      </p:cBhvr>
+                                      <p:to>
+                                        <p:strVal val="visible"/>
+                                      </p:to>
+                                    </p:set>
+                                  </p:childTnLst>
+                                </p:cTn>
+                              </p:par>
+                            </p:childTnLst>
+                          </p:cTn>
+                        </p:par>
+                      </p:childTnLst>
+                    </p:cTn>
+                  </p:par>
+                  <p:par>
+                    <p:cTn id="15" fill="hold">
+                      <p:stCondLst>
+                        <p:cond delay="indefinite"/>
+                      </p:stCondLst>
+                      <p:childTnLst>
+                        <p:par>
+                          <p:cTn id="16" fill="hold">
+                            <p:stCondLst>
+                              <p:cond delay="0"/>
+                            </p:stCondLst>
+                            <p:childTnLst>
+                              <p:par>
+                                <p:cTn id="17" presetID="1" presetClass="exit" presetSubtype="0" fill="hold" nodeType="clickEffect">
+                                  <p:stCondLst>
+                                    <p:cond delay="0"/>
+                                  </p:stCondLst>
+                                  <p:childTnLst>
+                                    <p:set>
+                                      <p:cBhvr>
+                                        <p:cTn id="18" dur="1" fill="hold">
+                                          <p:stCondLst>
+                                            <p:cond delay="0"/>
+                                          </p:stCondLst>
+                                        </p:cTn>
+                                        <p:tgtEl>
+                                          <p:spTgt spid="7"/>
+                                        </p:tgtEl>
+                                        <p:attrNameLst>
+                                          <p:attrName>style.visibility</p:attrName>
+                                        </p:attrNameLst>
+                                      </p:cBhvr>
+                                      <p:to>
+                                        <p:strVal val="hidden"/>
+                                      </p:to>
+                                    </p:set>
+                                  </p:childTnLst>
+                                </p:cTn>
+                              </p:par>
+                            </p:childTnLst>
+                          </p:cTn>
+                        </p:par>
+                      </p:childTnLst>
+                    </p:cTn>
+                  </p:par>
+                </p:childTnLst>
+              </p:cTn>
+              <p:prevCondLst>
+                <p:cond evt="onPrev" delay="0">
+                  <p:tgtEl>
+                    <p:sldTgt/>
+                  </p:tgtEl>
+                </p:cond>
+              </p:prevCondLst>
+              <p:nextCondLst>
+                <p:cond evt="onNext" delay="0">
+                  <p:tgtEl>
+                    <p:sldTgt/>
+                  </p:tgtEl>
+                </p:cond>
+              </p:nextCondLst>
+            </p:seq>
+          </p:childTnLst>
+        </p:cTn>
+      </p:par>
+    </p:tnLst>
+  </p:timing>
 </p:sld>
 </file>
 
@@ -23889,6 +25560,54 @@
           <a:chExt cx="0" cy="0"/>
         </a:xfrm>
       </p:grpSpPr>
+      <p:sp>
+        <p:nvSpPr>
+          <p:cNvPr id="8" name="Rectangle 7"/>
+          <p:cNvSpPr/>
+          <p:nvPr/>
+        </p:nvSpPr>
+        <p:spPr>
+          <a:xfrm>
+            <a:off x="395926" y="6176963"/>
+            <a:ext cx="1319752" cy="563202"/>
+          </a:xfrm>
+          <a:prstGeom prst="rect">
+            <a:avLst/>
+          </a:prstGeom>
+          <a:solidFill>
+            <a:schemeClr val="bg1"/>
+          </a:solidFill>
+          <a:ln>
+            <a:solidFill>
+              <a:schemeClr val="bg1"/>
+            </a:solidFill>
+          </a:ln>
+        </p:spPr>
+        <p:style>
+          <a:lnRef idx="2">
+            <a:schemeClr val="accent1">
+              <a:shade val="50000"/>
+            </a:schemeClr>
+          </a:lnRef>
+          <a:fillRef idx="1">
+            <a:schemeClr val="accent1"/>
+          </a:fillRef>
+          <a:effectRef idx="0">
+            <a:schemeClr val="accent1"/>
+          </a:effectRef>
+          <a:fontRef idx="minor">
+            <a:schemeClr val="lt1"/>
+          </a:fontRef>
+        </p:style>
+        <p:txBody>
+          <a:bodyPr rtlCol="0" anchor="ctr"/>
+          <a:lstStyle/>
+          <a:p>
+            <a:pPr algn="ctr"/>
+            <a:endParaRPr lang="en-US"/>
+          </a:p>
+        </p:txBody>
+      </p:sp>
       <p:sp>
         <p:nvSpPr>
           <p:cNvPr id="6" name="Rectangle 5"/>
@@ -24007,8 +25726,8 @@
         </p:nvSpPr>
         <p:spPr>
           <a:xfrm>
-            <a:off x="515938" y="499595"/>
-            <a:ext cx="7949636" cy="750043"/>
+            <a:off x="515937" y="499595"/>
+            <a:ext cx="11220433" cy="750043"/>
           </a:xfrm>
         </p:spPr>
         <p:txBody>
@@ -24032,14 +25751,14 @@
           <p:nvPr>
             <p:extLst>
               <p:ext uri="{D42A27DB-BD31-4B8C-83A1-F6EECF244321}">
-                <p14:modId xmlns:p14="http://schemas.microsoft.com/office/powerpoint/2010/main" val="1228863992"/>
+                <p14:modId xmlns:p14="http://schemas.microsoft.com/office/powerpoint/2010/main" val="3674508869"/>
               </p:ext>
             </p:extLst>
           </p:nvPr>
         </p:nvGraphicFramePr>
         <p:xfrm>
           <a:off x="521837" y="1550112"/>
-          <a:ext cx="4233042" cy="2560320"/>
+          <a:ext cx="7443812" cy="3106728"/>
         </p:xfrm>
         <a:graphic>
           <a:graphicData uri="http://schemas.openxmlformats.org/drawingml/2006/table">
@@ -24048,12 +25767,12 @@
                 <a:tableStyleId>{5C22544A-7EE6-4342-B048-85BDC9FD1C3A}</a:tableStyleId>
               </a:tblPr>
               <a:tblGrid>
-                <a:gridCol w="922372"/>
-                <a:gridCol w="1029051"/>
-                <a:gridCol w="1028325"/>
-                <a:gridCol w="1253294"/>
+                <a:gridCol w="1621993"/>
+                <a:gridCol w="1809588"/>
+                <a:gridCol w="1808311"/>
+                <a:gridCol w="2203920"/>
               </a:tblGrid>
-              <a:tr h="0">
+              <a:tr h="517788">
                 <a:tc>
                   <a:txBody>
                     <a:bodyPr/>
@@ -24155,7 +25874,7 @@
                   <a:tcPr marL="68580" marR="68580" marT="0" marB="0"/>
                 </a:tc>
               </a:tr>
-              <a:tr h="0">
+              <a:tr h="776682">
                 <a:tc>
                   <a:txBody>
                     <a:bodyPr/>
@@ -24257,7 +25976,7 @@
                   <a:tcPr marL="68580" marR="68580" marT="0" marB="0"/>
                 </a:tc>
               </a:tr>
-              <a:tr h="0">
+              <a:tr h="1294470">
                 <a:tc>
                   <a:txBody>
                     <a:bodyPr/>
@@ -24359,7 +26078,7 @@
                   <a:tcPr marL="68580" marR="68580" marT="0" marB="0"/>
                 </a:tc>
               </a:tr>
-              <a:tr h="0">
+              <a:tr h="517788">
                 <a:tc>
                   <a:txBody>
                     <a:bodyPr/>
@@ -24474,14 +26193,14 @@
           <p:nvPr>
             <p:extLst>
               <p:ext uri="{D42A27DB-BD31-4B8C-83A1-F6EECF244321}">
-                <p14:modId xmlns:p14="http://schemas.microsoft.com/office/powerpoint/2010/main" val="3260926537"/>
+                <p14:modId xmlns:p14="http://schemas.microsoft.com/office/powerpoint/2010/main" val="2069579817"/>
               </p:ext>
             </p:extLst>
           </p:nvPr>
         </p:nvGraphicFramePr>
         <p:xfrm>
-          <a:off x="5043947" y="855893"/>
-          <a:ext cx="6976948" cy="5212255"/>
+          <a:off x="879721" y="1249638"/>
+          <a:ext cx="10333498" cy="5009594"/>
         </p:xfrm>
         <a:graphic>
           <a:graphicData uri="http://schemas.openxmlformats.org/drawingml/2006/table">
@@ -24490,10 +26209,10 @@
                 <a:tableStyleId>{5C22544A-7EE6-4342-B048-85BDC9FD1C3A}</a:tableStyleId>
               </a:tblPr>
               <a:tblGrid>
-                <a:gridCol w="1466440"/>
-                <a:gridCol w="2258267"/>
-                <a:gridCol w="1001919"/>
-                <a:gridCol w="2250322"/>
+                <a:gridCol w="2171932"/>
+                <a:gridCol w="3344700"/>
+                <a:gridCol w="1483934"/>
+                <a:gridCol w="3332932"/>
               </a:tblGrid>
               <a:tr h="185936">
                 <a:tc>
@@ -25845,6 +27564,171 @@
   <p:clrMapOvr>
     <a:masterClrMapping/>
   </p:clrMapOvr>
+  <p:timing>
+    <p:tnLst>
+      <p:par>
+        <p:cTn id="1" dur="indefinite" restart="never" nodeType="tmRoot">
+          <p:childTnLst>
+            <p:seq concurrent="1" nextAc="seek">
+              <p:cTn id="2" dur="indefinite" nodeType="mainSeq">
+                <p:childTnLst>
+                  <p:par>
+                    <p:cTn id="3" fill="hold">
+                      <p:stCondLst>
+                        <p:cond delay="indefinite"/>
+                      </p:stCondLst>
+                      <p:childTnLst>
+                        <p:par>
+                          <p:cTn id="4" fill="hold">
+                            <p:stCondLst>
+                              <p:cond delay="0"/>
+                            </p:stCondLst>
+                            <p:childTnLst>
+                              <p:par>
+                                <p:cTn id="5" presetID="1" presetClass="entr" presetSubtype="0" fill="hold" nodeType="clickEffect">
+                                  <p:stCondLst>
+                                    <p:cond delay="0"/>
+                                  </p:stCondLst>
+                                  <p:childTnLst>
+                                    <p:set>
+                                      <p:cBhvr>
+                                        <p:cTn id="6" dur="1" fill="hold">
+                                          <p:stCondLst>
+                                            <p:cond delay="0"/>
+                                          </p:stCondLst>
+                                        </p:cTn>
+                                        <p:tgtEl>
+                                          <p:spTgt spid="4"/>
+                                        </p:tgtEl>
+                                        <p:attrNameLst>
+                                          <p:attrName>style.visibility</p:attrName>
+                                        </p:attrNameLst>
+                                      </p:cBhvr>
+                                      <p:to>
+                                        <p:strVal val="visible"/>
+                                      </p:to>
+                                    </p:set>
+                                  </p:childTnLst>
+                                </p:cTn>
+                              </p:par>
+                            </p:childTnLst>
+                          </p:cTn>
+                        </p:par>
+                      </p:childTnLst>
+                    </p:cTn>
+                  </p:par>
+                  <p:par>
+                    <p:cTn id="7" fill="hold">
+                      <p:stCondLst>
+                        <p:cond delay="indefinite"/>
+                      </p:stCondLst>
+                      <p:childTnLst>
+                        <p:par>
+                          <p:cTn id="8" fill="hold">
+                            <p:stCondLst>
+                              <p:cond delay="0"/>
+                            </p:stCondLst>
+                            <p:childTnLst>
+                              <p:par>
+                                <p:cTn id="9" presetID="1" presetClass="exit" presetSubtype="0" fill="hold" nodeType="clickEffect">
+                                  <p:stCondLst>
+                                    <p:cond delay="0"/>
+                                  </p:stCondLst>
+                                  <p:childTnLst>
+                                    <p:set>
+                                      <p:cBhvr>
+                                        <p:cTn id="10" dur="1" fill="hold">
+                                          <p:stCondLst>
+                                            <p:cond delay="0"/>
+                                          </p:stCondLst>
+                                        </p:cTn>
+                                        <p:tgtEl>
+                                          <p:spTgt spid="4"/>
+                                        </p:tgtEl>
+                                        <p:attrNameLst>
+                                          <p:attrName>style.visibility</p:attrName>
+                                        </p:attrNameLst>
+                                      </p:cBhvr>
+                                      <p:to>
+                                        <p:strVal val="hidden"/>
+                                      </p:to>
+                                    </p:set>
+                                  </p:childTnLst>
+                                </p:cTn>
+                              </p:par>
+                            </p:childTnLst>
+                          </p:cTn>
+                        </p:par>
+                      </p:childTnLst>
+                    </p:cTn>
+                  </p:par>
+                  <p:par>
+                    <p:cTn id="11" fill="hold">
+                      <p:stCondLst>
+                        <p:cond delay="indefinite"/>
+                      </p:stCondLst>
+                      <p:childTnLst>
+                        <p:par>
+                          <p:cTn id="12" fill="hold">
+                            <p:stCondLst>
+                              <p:cond delay="0"/>
+                            </p:stCondLst>
+                            <p:childTnLst>
+                              <p:par>
+                                <p:cTn id="13" presetID="1" presetClass="entr" presetSubtype="0" fill="hold" nodeType="clickEffect">
+                                  <p:stCondLst>
+                                    <p:cond delay="0"/>
+                                  </p:stCondLst>
+                                  <p:childTnLst>
+                                    <p:set>
+                                      <p:cBhvr>
+                                        <p:cTn id="14" dur="1" fill="hold">
+                                          <p:stCondLst>
+                                            <p:cond delay="0"/>
+                                          </p:stCondLst>
+                                        </p:cTn>
+                                        <p:tgtEl>
+                                          <p:spTgt spid="7"/>
+                                        </p:tgtEl>
+                                        <p:attrNameLst>
+                                          <p:attrName>style.visibility</p:attrName>
+                                        </p:attrNameLst>
+                                      </p:cBhvr>
+                                      <p:to>
+                                        <p:strVal val="visible"/>
+                                      </p:to>
+                                    </p:set>
+                                  </p:childTnLst>
+                                </p:cTn>
+                              </p:par>
+                            </p:childTnLst>
+                          </p:cTn>
+                        </p:par>
+                      </p:childTnLst>
+                    </p:cTn>
+                  </p:par>
+                </p:childTnLst>
+              </p:cTn>
+              <p:prevCondLst>
+                <p:cond evt="onPrev" delay="0">
+                  <p:tgtEl>
+                    <p:sldTgt/>
+                  </p:tgtEl>
+                </p:cond>
+              </p:prevCondLst>
+              <p:nextCondLst>
+                <p:cond evt="onNext" delay="0">
+                  <p:tgtEl>
+                    <p:sldTgt/>
+                  </p:tgtEl>
+                </p:cond>
+              </p:nextCondLst>
+            </p:seq>
+          </p:childTnLst>
+        </p:cTn>
+      </p:par>
+    </p:tnLst>
+  </p:timing>
 </p:sld>
 </file>
 
@@ -25865,6 +27749,58 @@
           <a:chExt cx="0" cy="0"/>
         </a:xfrm>
       </p:grpSpPr>
+      <p:sp>
+        <p:nvSpPr>
+          <p:cNvPr id="11" name="Rectangle 10"/>
+          <p:cNvSpPr/>
+          <p:nvPr/>
+        </p:nvSpPr>
+        <p:spPr>
+          <a:xfrm>
+            <a:off x="395926" y="6176963"/>
+            <a:ext cx="1319752" cy="563202"/>
+          </a:xfrm>
+          <a:prstGeom prst="rect">
+            <a:avLst/>
+          </a:prstGeom>
+          <a:solidFill>
+            <a:schemeClr val="bg1"/>
+          </a:solidFill>
+          <a:ln>
+            <a:solidFill>
+              <a:schemeClr val="bg1"/>
+            </a:solidFill>
+          </a:ln>
+        </p:spPr>
+        <p:style>
+          <a:lnRef idx="2">
+            <a:schemeClr val="accent1">
+              <a:shade val="50000"/>
+            </a:schemeClr>
+          </a:lnRef>
+          <a:fillRef idx="1">
+            <a:schemeClr val="accent1"/>
+          </a:fillRef>
+          <a:effectRef idx="0">
+            <a:schemeClr val="accent1"/>
+          </a:effectRef>
+          <a:fontRef idx="minor">
+            <a:schemeClr val="lt1"/>
+          </a:fontRef>
+        </p:style>
+        <p:txBody>
+          <a:bodyPr rtlCol="0" anchor="ctr"/>
+          <a:lstStyle/>
+          <a:p>
+            <a:pPr algn="ctr"/>
+            <a:r>
+              <a:rPr lang="en-US" smtClean="0"/>
+              <a:t>k</a:t>
+            </a:r>
+            <a:endParaRPr lang="en-US"/>
+          </a:p>
+        </p:txBody>
+      </p:sp>
       <p:sp>
         <p:nvSpPr>
           <p:cNvPr id="6" name="Rectangle 5"/>
@@ -25950,7 +27886,7 @@
         <p:spPr>
           <a:xfrm>
             <a:off x="515938" y="499595"/>
-            <a:ext cx="10029159" cy="750043"/>
+            <a:ext cx="11142218" cy="750043"/>
           </a:xfrm>
         </p:spPr>
         <p:txBody>
@@ -25958,10 +27894,10 @@
           <a:lstStyle/>
           <a:p>
             <a:r>
-              <a:rPr lang="en-US" smtClean="0"/>
+              <a:rPr lang="en-US" sz="2800" smtClean="0"/>
               <a:t>Penggabungan model ontology dan model data dbpedia </a:t>
             </a:r>
-            <a:endParaRPr lang="en-US" dirty="0"/>
+            <a:endParaRPr lang="en-US" sz="2800" dirty="0"/>
           </a:p>
         </p:txBody>
       </p:sp>
@@ -27892,6 +29828,265 @@
   <p:clrMapOvr>
     <a:masterClrMapping/>
   </p:clrMapOvr>
+  <p:timing>
+    <p:tnLst>
+      <p:par>
+        <p:cTn id="1" dur="indefinite" restart="never" nodeType="tmRoot">
+          <p:childTnLst>
+            <p:seq concurrent="1" nextAc="seek">
+              <p:cTn id="2" dur="indefinite" nodeType="mainSeq">
+                <p:childTnLst>
+                  <p:par>
+                    <p:cTn id="3" fill="hold">
+                      <p:stCondLst>
+                        <p:cond delay="indefinite"/>
+                      </p:stCondLst>
+                      <p:childTnLst>
+                        <p:par>
+                          <p:cTn id="4" fill="hold">
+                            <p:stCondLst>
+                              <p:cond delay="0"/>
+                            </p:stCondLst>
+                            <p:childTnLst>
+                              <p:par>
+                                <p:cTn id="5" presetID="1" presetClass="entr" presetSubtype="0" fill="hold" nodeType="clickEffect">
+                                  <p:stCondLst>
+                                    <p:cond delay="0"/>
+                                  </p:stCondLst>
+                                  <p:childTnLst>
+                                    <p:set>
+                                      <p:cBhvr>
+                                        <p:cTn id="6" dur="1" fill="hold">
+                                          <p:stCondLst>
+                                            <p:cond delay="0"/>
+                                          </p:stCondLst>
+                                        </p:cTn>
+                                        <p:tgtEl>
+                                          <p:spTgt spid="9"/>
+                                        </p:tgtEl>
+                                        <p:attrNameLst>
+                                          <p:attrName>style.visibility</p:attrName>
+                                        </p:attrNameLst>
+                                      </p:cBhvr>
+                                      <p:to>
+                                        <p:strVal val="visible"/>
+                                      </p:to>
+                                    </p:set>
+                                  </p:childTnLst>
+                                </p:cTn>
+                              </p:par>
+                            </p:childTnLst>
+                          </p:cTn>
+                        </p:par>
+                      </p:childTnLst>
+                    </p:cTn>
+                  </p:par>
+                  <p:par>
+                    <p:cTn id="7" fill="hold">
+                      <p:stCondLst>
+                        <p:cond delay="indefinite"/>
+                      </p:stCondLst>
+                      <p:childTnLst>
+                        <p:par>
+                          <p:cTn id="8" fill="hold">
+                            <p:stCondLst>
+                              <p:cond delay="0"/>
+                            </p:stCondLst>
+                            <p:childTnLst>
+                              <p:par>
+                                <p:cTn id="9" presetID="1" presetClass="entr" presetSubtype="0" fill="hold" nodeType="clickEffect">
+                                  <p:stCondLst>
+                                    <p:cond delay="0"/>
+                                  </p:stCondLst>
+                                  <p:childTnLst>
+                                    <p:set>
+                                      <p:cBhvr>
+                                        <p:cTn id="10" dur="1" fill="hold">
+                                          <p:stCondLst>
+                                            <p:cond delay="0"/>
+                                          </p:stCondLst>
+                                        </p:cTn>
+                                        <p:tgtEl>
+                                          <p:spTgt spid="10"/>
+                                        </p:tgtEl>
+                                        <p:attrNameLst>
+                                          <p:attrName>style.visibility</p:attrName>
+                                        </p:attrNameLst>
+                                      </p:cBhvr>
+                                      <p:to>
+                                        <p:strVal val="visible"/>
+                                      </p:to>
+                                    </p:set>
+                                  </p:childTnLst>
+                                </p:cTn>
+                              </p:par>
+                            </p:childTnLst>
+                          </p:cTn>
+                        </p:par>
+                      </p:childTnLst>
+                    </p:cTn>
+                  </p:par>
+                  <p:par>
+                    <p:cTn id="11" fill="hold">
+                      <p:stCondLst>
+                        <p:cond delay="indefinite"/>
+                      </p:stCondLst>
+                      <p:childTnLst>
+                        <p:par>
+                          <p:cTn id="12" fill="hold">
+                            <p:stCondLst>
+                              <p:cond delay="0"/>
+                            </p:stCondLst>
+                            <p:childTnLst>
+                              <p:par>
+                                <p:cTn id="13" presetID="1" presetClass="entr" presetSubtype="0" fill="hold" grpId="0" nodeType="clickEffect">
+                                  <p:stCondLst>
+                                    <p:cond delay="0"/>
+                                  </p:stCondLst>
+                                  <p:childTnLst>
+                                    <p:set>
+                                      <p:cBhvr>
+                                        <p:cTn id="14" dur="1" fill="hold">
+                                          <p:stCondLst>
+                                            <p:cond delay="0"/>
+                                          </p:stCondLst>
+                                        </p:cTn>
+                                        <p:tgtEl>
+                                          <p:spTgt spid="14"/>
+                                        </p:tgtEl>
+                                        <p:attrNameLst>
+                                          <p:attrName>style.visibility</p:attrName>
+                                        </p:attrNameLst>
+                                      </p:cBhvr>
+                                      <p:to>
+                                        <p:strVal val="visible"/>
+                                      </p:to>
+                                    </p:set>
+                                  </p:childTnLst>
+                                </p:cTn>
+                              </p:par>
+                            </p:childTnLst>
+                          </p:cTn>
+                        </p:par>
+                      </p:childTnLst>
+                    </p:cTn>
+                  </p:par>
+                  <p:par>
+                    <p:cTn id="15" fill="hold">
+                      <p:stCondLst>
+                        <p:cond delay="indefinite"/>
+                      </p:stCondLst>
+                      <p:childTnLst>
+                        <p:par>
+                          <p:cTn id="16" fill="hold">
+                            <p:stCondLst>
+                              <p:cond delay="0"/>
+                            </p:stCondLst>
+                            <p:childTnLst>
+                              <p:par>
+                                <p:cTn id="17" presetID="1" presetClass="entr" presetSubtype="0" fill="hold" grpId="0" nodeType="clickEffect">
+                                  <p:stCondLst>
+                                    <p:cond delay="0"/>
+                                  </p:stCondLst>
+                                  <p:childTnLst>
+                                    <p:set>
+                                      <p:cBhvr>
+                                        <p:cTn id="18" dur="1" fill="hold">
+                                          <p:stCondLst>
+                                            <p:cond delay="0"/>
+                                          </p:stCondLst>
+                                        </p:cTn>
+                                        <p:tgtEl>
+                                          <p:spTgt spid="15"/>
+                                        </p:tgtEl>
+                                        <p:attrNameLst>
+                                          <p:attrName>style.visibility</p:attrName>
+                                        </p:attrNameLst>
+                                      </p:cBhvr>
+                                      <p:to>
+                                        <p:strVal val="visible"/>
+                                      </p:to>
+                                    </p:set>
+                                  </p:childTnLst>
+                                </p:cTn>
+                              </p:par>
+                            </p:childTnLst>
+                          </p:cTn>
+                        </p:par>
+                      </p:childTnLst>
+                    </p:cTn>
+                  </p:par>
+                  <p:par>
+                    <p:cTn id="19" fill="hold">
+                      <p:stCondLst>
+                        <p:cond delay="indefinite"/>
+                      </p:stCondLst>
+                      <p:childTnLst>
+                        <p:par>
+                          <p:cTn id="20" fill="hold">
+                            <p:stCondLst>
+                              <p:cond delay="0"/>
+                            </p:stCondLst>
+                            <p:childTnLst>
+                              <p:par>
+                                <p:cTn id="21" presetID="1" presetClass="entr" presetSubtype="0" fill="hold" nodeType="clickEffect">
+                                  <p:stCondLst>
+                                    <p:cond delay="0"/>
+                                  </p:stCondLst>
+                                  <p:childTnLst>
+                                    <p:set>
+                                      <p:cBhvr>
+                                        <p:cTn id="22" dur="1" fill="hold">
+                                          <p:stCondLst>
+                                            <p:cond delay="0"/>
+                                          </p:stCondLst>
+                                        </p:cTn>
+                                        <p:tgtEl>
+                                          <p:spTgt spid="13"/>
+                                        </p:tgtEl>
+                                        <p:attrNameLst>
+                                          <p:attrName>style.visibility</p:attrName>
+                                        </p:attrNameLst>
+                                      </p:cBhvr>
+                                      <p:to>
+                                        <p:strVal val="visible"/>
+                                      </p:to>
+                                    </p:set>
+                                  </p:childTnLst>
+                                </p:cTn>
+                              </p:par>
+                            </p:childTnLst>
+                          </p:cTn>
+                        </p:par>
+                      </p:childTnLst>
+                    </p:cTn>
+                  </p:par>
+                </p:childTnLst>
+              </p:cTn>
+              <p:prevCondLst>
+                <p:cond evt="onPrev" delay="0">
+                  <p:tgtEl>
+                    <p:sldTgt/>
+                  </p:tgtEl>
+                </p:cond>
+              </p:prevCondLst>
+              <p:nextCondLst>
+                <p:cond evt="onNext" delay="0">
+                  <p:tgtEl>
+                    <p:sldTgt/>
+                  </p:tgtEl>
+                </p:cond>
+              </p:nextCondLst>
+            </p:seq>
+          </p:childTnLst>
+        </p:cTn>
+      </p:par>
+    </p:tnLst>
+    <p:bldLst>
+      <p:bldP spid="14" grpId="0" animBg="1"/>
+      <p:bldP spid="15" grpId="0" animBg="1"/>
+    </p:bldLst>
+  </p:timing>
 </p:sld>
 </file>
 
@@ -27912,6 +30107,54 @@
           <a:chExt cx="0" cy="0"/>
         </a:xfrm>
       </p:grpSpPr>
+      <p:sp>
+        <p:nvSpPr>
+          <p:cNvPr id="30" name="Rectangle 29"/>
+          <p:cNvSpPr/>
+          <p:nvPr/>
+        </p:nvSpPr>
+        <p:spPr>
+          <a:xfrm>
+            <a:off x="395926" y="6176963"/>
+            <a:ext cx="1319752" cy="563202"/>
+          </a:xfrm>
+          <a:prstGeom prst="rect">
+            <a:avLst/>
+          </a:prstGeom>
+          <a:solidFill>
+            <a:schemeClr val="bg1"/>
+          </a:solidFill>
+          <a:ln>
+            <a:solidFill>
+              <a:schemeClr val="bg1"/>
+            </a:solidFill>
+          </a:ln>
+        </p:spPr>
+        <p:style>
+          <a:lnRef idx="2">
+            <a:schemeClr val="accent1">
+              <a:shade val="50000"/>
+            </a:schemeClr>
+          </a:lnRef>
+          <a:fillRef idx="1">
+            <a:schemeClr val="accent1"/>
+          </a:fillRef>
+          <a:effectRef idx="0">
+            <a:schemeClr val="accent1"/>
+          </a:effectRef>
+          <a:fontRef idx="minor">
+            <a:schemeClr val="lt1"/>
+          </a:fontRef>
+        </p:style>
+        <p:txBody>
+          <a:bodyPr rtlCol="0" anchor="ctr"/>
+          <a:lstStyle/>
+          <a:p>
+            <a:pPr algn="ctr"/>
+            <a:endParaRPr lang="en-US"/>
+          </a:p>
+        </p:txBody>
+      </p:sp>
       <p:sp>
         <p:nvSpPr>
           <p:cNvPr id="6" name="Rectangle 5"/>
@@ -28020,7 +30263,7 @@
         </p:nvCxnSpPr>
         <p:spPr>
           <a:xfrm>
-            <a:off x="6046470" y="1249638"/>
+            <a:off x="5619567" y="1265752"/>
             <a:ext cx="0" cy="5608362"/>
           </a:xfrm>
           <a:prstGeom prst="line">
@@ -28777,6 +31020,156 @@
           </a:p>
         </p:txBody>
       </p:sp>
+      <p:sp>
+        <p:nvSpPr>
+          <p:cNvPr id="2" name="TextBox 1"/>
+          <p:cNvSpPr txBox="1"/>
+          <p:nvPr/>
+        </p:nvSpPr>
+        <p:spPr>
+          <a:xfrm>
+            <a:off x="980767" y="2677887"/>
+            <a:ext cx="3185835" cy="369332"/>
+          </a:xfrm>
+          <a:prstGeom prst="rect">
+            <a:avLst/>
+          </a:prstGeom>
+          <a:noFill/>
+          <a:ln>
+            <a:solidFill>
+              <a:schemeClr val="accent1"/>
+            </a:solidFill>
+          </a:ln>
+        </p:spPr>
+        <p:txBody>
+          <a:bodyPr wrap="square" rtlCol="0">
+            <a:spAutoFit/>
+          </a:bodyPr>
+          <a:lstStyle/>
+          <a:p>
+            <a:r>
+              <a:rPr lang="en-US" smtClean="0"/>
+              <a:t>isSpouseOf bersifat symmetric</a:t>
+            </a:r>
+            <a:endParaRPr lang="en-US"/>
+          </a:p>
+        </p:txBody>
+      </p:sp>
+      <p:sp>
+        <p:nvSpPr>
+          <p:cNvPr id="27" name="TextBox 26"/>
+          <p:cNvSpPr txBox="1"/>
+          <p:nvPr/>
+        </p:nvSpPr>
+        <p:spPr>
+          <a:xfrm>
+            <a:off x="1005655" y="5543193"/>
+            <a:ext cx="3185835" cy="646331"/>
+          </a:xfrm>
+          <a:prstGeom prst="rect">
+            <a:avLst/>
+          </a:prstGeom>
+          <a:noFill/>
+          <a:ln>
+            <a:solidFill>
+              <a:schemeClr val="accent1"/>
+            </a:solidFill>
+          </a:ln>
+        </p:spPr>
+        <p:txBody>
+          <a:bodyPr wrap="square" rtlCol="0">
+            <a:spAutoFit/>
+          </a:bodyPr>
+          <a:lstStyle/>
+          <a:p>
+            <a:r>
+              <a:rPr lang="en-US" smtClean="0"/>
+              <a:t>hasParent bersifat inverse dari hasChild</a:t>
+            </a:r>
+            <a:endParaRPr lang="en-US"/>
+          </a:p>
+        </p:txBody>
+      </p:sp>
+      <p:sp>
+        <p:nvSpPr>
+          <p:cNvPr id="4" name="Right Arrow 3"/>
+          <p:cNvSpPr/>
+          <p:nvPr/>
+        </p:nvSpPr>
+        <p:spPr>
+          <a:xfrm>
+            <a:off x="4830527" y="1511401"/>
+            <a:ext cx="1578079" cy="1145966"/>
+          </a:xfrm>
+          <a:prstGeom prst="rightArrow">
+            <a:avLst/>
+          </a:prstGeom>
+        </p:spPr>
+        <p:style>
+          <a:lnRef idx="2">
+            <a:schemeClr val="accent1">
+              <a:shade val="50000"/>
+            </a:schemeClr>
+          </a:lnRef>
+          <a:fillRef idx="1">
+            <a:schemeClr val="accent1"/>
+          </a:fillRef>
+          <a:effectRef idx="0">
+            <a:schemeClr val="accent1"/>
+          </a:effectRef>
+          <a:fontRef idx="minor">
+            <a:schemeClr val="lt1"/>
+          </a:fontRef>
+        </p:style>
+        <p:txBody>
+          <a:bodyPr rtlCol="0" anchor="ctr"/>
+          <a:lstStyle/>
+          <a:p>
+            <a:pPr algn="ctr"/>
+            <a:endParaRPr lang="en-US"/>
+          </a:p>
+        </p:txBody>
+      </p:sp>
+      <p:sp>
+        <p:nvSpPr>
+          <p:cNvPr id="29" name="Right Arrow 28"/>
+          <p:cNvSpPr/>
+          <p:nvPr/>
+        </p:nvSpPr>
+        <p:spPr>
+          <a:xfrm>
+            <a:off x="4830527" y="4200050"/>
+            <a:ext cx="1578079" cy="1145966"/>
+          </a:xfrm>
+          <a:prstGeom prst="rightArrow">
+            <a:avLst/>
+          </a:prstGeom>
+        </p:spPr>
+        <p:style>
+          <a:lnRef idx="2">
+            <a:schemeClr val="accent1">
+              <a:shade val="50000"/>
+            </a:schemeClr>
+          </a:lnRef>
+          <a:fillRef idx="1">
+            <a:schemeClr val="accent1"/>
+          </a:fillRef>
+          <a:effectRef idx="0">
+            <a:schemeClr val="accent1"/>
+          </a:effectRef>
+          <a:fontRef idx="minor">
+            <a:schemeClr val="lt1"/>
+          </a:fontRef>
+        </p:style>
+        <p:txBody>
+          <a:bodyPr rtlCol="0" anchor="ctr"/>
+          <a:lstStyle/>
+          <a:p>
+            <a:pPr algn="ctr"/>
+            <a:endParaRPr lang="en-US"/>
+          </a:p>
+        </p:txBody>
+      </p:sp>
     </p:spTree>
     <p:extLst>
       <p:ext uri="{BB962C8B-B14F-4D97-AF65-F5344CB8AC3E}">
@@ -28787,6 +31180,758 @@
   <p:clrMapOvr>
     <a:masterClrMapping/>
   </p:clrMapOvr>
+  <p:timing>
+    <p:tnLst>
+      <p:par>
+        <p:cTn id="1" dur="indefinite" restart="never" nodeType="tmRoot">
+          <p:childTnLst>
+            <p:seq concurrent="1" nextAc="seek">
+              <p:cTn id="2" dur="indefinite" nodeType="mainSeq">
+                <p:childTnLst>
+                  <p:par>
+                    <p:cTn id="3" fill="hold">
+                      <p:stCondLst>
+                        <p:cond delay="indefinite"/>
+                      </p:stCondLst>
+                      <p:childTnLst>
+                        <p:par>
+                          <p:cTn id="4" fill="hold">
+                            <p:stCondLst>
+                              <p:cond delay="0"/>
+                            </p:stCondLst>
+                            <p:childTnLst>
+                              <p:par>
+                                <p:cTn id="5" presetID="1" presetClass="entr" presetSubtype="0" fill="hold" grpId="0" nodeType="clickEffect">
+                                  <p:stCondLst>
+                                    <p:cond delay="0"/>
+                                  </p:stCondLst>
+                                  <p:childTnLst>
+                                    <p:set>
+                                      <p:cBhvr>
+                                        <p:cTn id="6" dur="1" fill="hold">
+                                          <p:stCondLst>
+                                            <p:cond delay="0"/>
+                                          </p:stCondLst>
+                                        </p:cTn>
+                                        <p:tgtEl>
+                                          <p:spTgt spid="12"/>
+                                        </p:tgtEl>
+                                        <p:attrNameLst>
+                                          <p:attrName>style.visibility</p:attrName>
+                                        </p:attrNameLst>
+                                      </p:cBhvr>
+                                      <p:to>
+                                        <p:strVal val="visible"/>
+                                      </p:to>
+                                    </p:set>
+                                  </p:childTnLst>
+                                </p:cTn>
+                              </p:par>
+                              <p:par>
+                                <p:cTn id="7" presetID="1" presetClass="entr" presetSubtype="0" fill="hold" grpId="0" nodeType="withEffect">
+                                  <p:stCondLst>
+                                    <p:cond delay="0"/>
+                                  </p:stCondLst>
+                                  <p:childTnLst>
+                                    <p:set>
+                                      <p:cBhvr>
+                                        <p:cTn id="8" dur="1" fill="hold">
+                                          <p:stCondLst>
+                                            <p:cond delay="0"/>
+                                          </p:stCondLst>
+                                        </p:cTn>
+                                        <p:tgtEl>
+                                          <p:spTgt spid="13"/>
+                                        </p:tgtEl>
+                                        <p:attrNameLst>
+                                          <p:attrName>style.visibility</p:attrName>
+                                        </p:attrNameLst>
+                                      </p:cBhvr>
+                                      <p:to>
+                                        <p:strVal val="visible"/>
+                                      </p:to>
+                                    </p:set>
+                                  </p:childTnLst>
+                                </p:cTn>
+                              </p:par>
+                              <p:par>
+                                <p:cTn id="9" presetID="1" presetClass="entr" presetSubtype="0" fill="hold" nodeType="withEffect">
+                                  <p:stCondLst>
+                                    <p:cond delay="0"/>
+                                  </p:stCondLst>
+                                  <p:childTnLst>
+                                    <p:set>
+                                      <p:cBhvr>
+                                        <p:cTn id="10" dur="1" fill="hold">
+                                          <p:stCondLst>
+                                            <p:cond delay="0"/>
+                                          </p:stCondLst>
+                                        </p:cTn>
+                                        <p:tgtEl>
+                                          <p:spTgt spid="19"/>
+                                        </p:tgtEl>
+                                        <p:attrNameLst>
+                                          <p:attrName>style.visibility</p:attrName>
+                                        </p:attrNameLst>
+                                      </p:cBhvr>
+                                      <p:to>
+                                        <p:strVal val="visible"/>
+                                      </p:to>
+                                    </p:set>
+                                  </p:childTnLst>
+                                </p:cTn>
+                              </p:par>
+                              <p:par>
+                                <p:cTn id="11" presetID="1" presetClass="entr" presetSubtype="0" fill="hold" grpId="0" nodeType="withEffect">
+                                  <p:stCondLst>
+                                    <p:cond delay="0"/>
+                                  </p:stCondLst>
+                                  <p:childTnLst>
+                                    <p:set>
+                                      <p:cBhvr>
+                                        <p:cTn id="12" dur="1" fill="hold">
+                                          <p:stCondLst>
+                                            <p:cond delay="0"/>
+                                          </p:stCondLst>
+                                        </p:cTn>
+                                        <p:tgtEl>
+                                          <p:spTgt spid="32"/>
+                                        </p:tgtEl>
+                                        <p:attrNameLst>
+                                          <p:attrName>style.visibility</p:attrName>
+                                        </p:attrNameLst>
+                                      </p:cBhvr>
+                                      <p:to>
+                                        <p:strVal val="visible"/>
+                                      </p:to>
+                                    </p:set>
+                                  </p:childTnLst>
+                                </p:cTn>
+                              </p:par>
+                              <p:par>
+                                <p:cTn id="13" presetID="1" presetClass="entr" presetSubtype="0" fill="hold" grpId="0" nodeType="withEffect">
+                                  <p:stCondLst>
+                                    <p:cond delay="0"/>
+                                  </p:stCondLst>
+                                  <p:childTnLst>
+                                    <p:set>
+                                      <p:cBhvr>
+                                        <p:cTn id="14" dur="1" fill="hold">
+                                          <p:stCondLst>
+                                            <p:cond delay="0"/>
+                                          </p:stCondLst>
+                                        </p:cTn>
+                                        <p:tgtEl>
+                                          <p:spTgt spid="35"/>
+                                        </p:tgtEl>
+                                        <p:attrNameLst>
+                                          <p:attrName>style.visibility</p:attrName>
+                                        </p:attrNameLst>
+                                      </p:cBhvr>
+                                      <p:to>
+                                        <p:strVal val="visible"/>
+                                      </p:to>
+                                    </p:set>
+                                  </p:childTnLst>
+                                </p:cTn>
+                              </p:par>
+                              <p:par>
+                                <p:cTn id="15" presetID="1" presetClass="entr" presetSubtype="0" fill="hold" grpId="0" nodeType="withEffect">
+                                  <p:stCondLst>
+                                    <p:cond delay="0"/>
+                                  </p:stCondLst>
+                                  <p:childTnLst>
+                                    <p:set>
+                                      <p:cBhvr>
+                                        <p:cTn id="16" dur="1" fill="hold">
+                                          <p:stCondLst>
+                                            <p:cond delay="0"/>
+                                          </p:stCondLst>
+                                        </p:cTn>
+                                        <p:tgtEl>
+                                          <p:spTgt spid="36"/>
+                                        </p:tgtEl>
+                                        <p:attrNameLst>
+                                          <p:attrName>style.visibility</p:attrName>
+                                        </p:attrNameLst>
+                                      </p:cBhvr>
+                                      <p:to>
+                                        <p:strVal val="visible"/>
+                                      </p:to>
+                                    </p:set>
+                                  </p:childTnLst>
+                                </p:cTn>
+                              </p:par>
+                              <p:par>
+                                <p:cTn id="17" presetID="1" presetClass="entr" presetSubtype="0" fill="hold" grpId="0" nodeType="withEffect">
+                                  <p:stCondLst>
+                                    <p:cond delay="0"/>
+                                  </p:stCondLst>
+                                  <p:childTnLst>
+                                    <p:set>
+                                      <p:cBhvr>
+                                        <p:cTn id="18" dur="1" fill="hold">
+                                          <p:stCondLst>
+                                            <p:cond delay="0"/>
+                                          </p:stCondLst>
+                                        </p:cTn>
+                                        <p:tgtEl>
+                                          <p:spTgt spid="39"/>
+                                        </p:tgtEl>
+                                        <p:attrNameLst>
+                                          <p:attrName>style.visibility</p:attrName>
+                                        </p:attrNameLst>
+                                      </p:cBhvr>
+                                      <p:to>
+                                        <p:strVal val="visible"/>
+                                      </p:to>
+                                    </p:set>
+                                  </p:childTnLst>
+                                </p:cTn>
+                              </p:par>
+                              <p:par>
+                                <p:cTn id="19" presetID="1" presetClass="entr" presetSubtype="0" fill="hold" nodeType="withEffect">
+                                  <p:stCondLst>
+                                    <p:cond delay="0"/>
+                                  </p:stCondLst>
+                                  <p:childTnLst>
+                                    <p:set>
+                                      <p:cBhvr>
+                                        <p:cTn id="20" dur="1" fill="hold">
+                                          <p:stCondLst>
+                                            <p:cond delay="0"/>
+                                          </p:stCondLst>
+                                        </p:cTn>
+                                        <p:tgtEl>
+                                          <p:spTgt spid="43"/>
+                                        </p:tgtEl>
+                                        <p:attrNameLst>
+                                          <p:attrName>style.visibility</p:attrName>
+                                        </p:attrNameLst>
+                                      </p:cBhvr>
+                                      <p:to>
+                                        <p:strVal val="visible"/>
+                                      </p:to>
+                                    </p:set>
+                                  </p:childTnLst>
+                                </p:cTn>
+                              </p:par>
+                              <p:par>
+                                <p:cTn id="21" presetID="1" presetClass="entr" presetSubtype="0" fill="hold" grpId="0" nodeType="withEffect">
+                                  <p:stCondLst>
+                                    <p:cond delay="0"/>
+                                  </p:stCondLst>
+                                  <p:childTnLst>
+                                    <p:set>
+                                      <p:cBhvr>
+                                        <p:cTn id="22" dur="1" fill="hold">
+                                          <p:stCondLst>
+                                            <p:cond delay="0"/>
+                                          </p:stCondLst>
+                                        </p:cTn>
+                                        <p:tgtEl>
+                                          <p:spTgt spid="2"/>
+                                        </p:tgtEl>
+                                        <p:attrNameLst>
+                                          <p:attrName>style.visibility</p:attrName>
+                                        </p:attrNameLst>
+                                      </p:cBhvr>
+                                      <p:to>
+                                        <p:strVal val="visible"/>
+                                      </p:to>
+                                    </p:set>
+                                  </p:childTnLst>
+                                </p:cTn>
+                              </p:par>
+                              <p:par>
+                                <p:cTn id="23" presetID="1" presetClass="entr" presetSubtype="0" fill="hold" grpId="0" nodeType="withEffect">
+                                  <p:stCondLst>
+                                    <p:cond delay="0"/>
+                                  </p:stCondLst>
+                                  <p:childTnLst>
+                                    <p:set>
+                                      <p:cBhvr>
+                                        <p:cTn id="24" dur="1" fill="hold">
+                                          <p:stCondLst>
+                                            <p:cond delay="0"/>
+                                          </p:stCondLst>
+                                        </p:cTn>
+                                        <p:tgtEl>
+                                          <p:spTgt spid="27"/>
+                                        </p:tgtEl>
+                                        <p:attrNameLst>
+                                          <p:attrName>style.visibility</p:attrName>
+                                        </p:attrNameLst>
+                                      </p:cBhvr>
+                                      <p:to>
+                                        <p:strVal val="visible"/>
+                                      </p:to>
+                                    </p:set>
+                                  </p:childTnLst>
+                                </p:cTn>
+                              </p:par>
+                            </p:childTnLst>
+                          </p:cTn>
+                        </p:par>
+                      </p:childTnLst>
+                    </p:cTn>
+                  </p:par>
+                  <p:par>
+                    <p:cTn id="25" fill="hold">
+                      <p:stCondLst>
+                        <p:cond delay="indefinite"/>
+                      </p:stCondLst>
+                      <p:childTnLst>
+                        <p:par>
+                          <p:cTn id="26" fill="hold">
+                            <p:stCondLst>
+                              <p:cond delay="0"/>
+                            </p:stCondLst>
+                            <p:childTnLst>
+                              <p:par>
+                                <p:cTn id="27" presetID="1" presetClass="entr" presetSubtype="0" fill="hold" grpId="0" nodeType="clickEffect">
+                                  <p:stCondLst>
+                                    <p:cond delay="0"/>
+                                  </p:stCondLst>
+                                  <p:childTnLst>
+                                    <p:set>
+                                      <p:cBhvr>
+                                        <p:cTn id="28" dur="1" fill="hold">
+                                          <p:stCondLst>
+                                            <p:cond delay="0"/>
+                                          </p:stCondLst>
+                                        </p:cTn>
+                                        <p:tgtEl>
+                                          <p:spTgt spid="4"/>
+                                        </p:tgtEl>
+                                        <p:attrNameLst>
+                                          <p:attrName>style.visibility</p:attrName>
+                                        </p:attrNameLst>
+                                      </p:cBhvr>
+                                      <p:to>
+                                        <p:strVal val="visible"/>
+                                      </p:to>
+                                    </p:set>
+                                  </p:childTnLst>
+                                </p:cTn>
+                              </p:par>
+                              <p:par>
+                                <p:cTn id="29" presetID="1" presetClass="entr" presetSubtype="0" fill="hold" grpId="0" nodeType="withEffect">
+                                  <p:stCondLst>
+                                    <p:cond delay="0"/>
+                                  </p:stCondLst>
+                                  <p:childTnLst>
+                                    <p:set>
+                                      <p:cBhvr>
+                                        <p:cTn id="30" dur="1" fill="hold">
+                                          <p:stCondLst>
+                                            <p:cond delay="0"/>
+                                          </p:stCondLst>
+                                        </p:cTn>
+                                        <p:tgtEl>
+                                          <p:spTgt spid="29"/>
+                                        </p:tgtEl>
+                                        <p:attrNameLst>
+                                          <p:attrName>style.visibility</p:attrName>
+                                        </p:attrNameLst>
+                                      </p:cBhvr>
+                                      <p:to>
+                                        <p:strVal val="visible"/>
+                                      </p:to>
+                                    </p:set>
+                                  </p:childTnLst>
+                                </p:cTn>
+                              </p:par>
+                            </p:childTnLst>
+                          </p:cTn>
+                        </p:par>
+                      </p:childTnLst>
+                    </p:cTn>
+                  </p:par>
+                  <p:par>
+                    <p:cTn id="31" fill="hold">
+                      <p:stCondLst>
+                        <p:cond delay="indefinite"/>
+                      </p:stCondLst>
+                      <p:childTnLst>
+                        <p:par>
+                          <p:cTn id="32" fill="hold">
+                            <p:stCondLst>
+                              <p:cond delay="0"/>
+                            </p:stCondLst>
+                            <p:childTnLst>
+                              <p:par>
+                                <p:cTn id="33" presetID="1" presetClass="entr" presetSubtype="0" fill="hold" grpId="0" nodeType="clickEffect">
+                                  <p:stCondLst>
+                                    <p:cond delay="0"/>
+                                  </p:stCondLst>
+                                  <p:childTnLst>
+                                    <p:set>
+                                      <p:cBhvr>
+                                        <p:cTn id="34" dur="1" fill="hold">
+                                          <p:stCondLst>
+                                            <p:cond delay="0"/>
+                                          </p:stCondLst>
+                                        </p:cTn>
+                                        <p:tgtEl>
+                                          <p:spTgt spid="20"/>
+                                        </p:tgtEl>
+                                        <p:attrNameLst>
+                                          <p:attrName>style.visibility</p:attrName>
+                                        </p:attrNameLst>
+                                      </p:cBhvr>
+                                      <p:to>
+                                        <p:strVal val="visible"/>
+                                      </p:to>
+                                    </p:set>
+                                  </p:childTnLst>
+                                </p:cTn>
+                              </p:par>
+                              <p:par>
+                                <p:cTn id="35" presetID="1" presetClass="entr" presetSubtype="0" fill="hold" grpId="0" nodeType="withEffect">
+                                  <p:stCondLst>
+                                    <p:cond delay="0"/>
+                                  </p:stCondLst>
+                                  <p:childTnLst>
+                                    <p:set>
+                                      <p:cBhvr>
+                                        <p:cTn id="36" dur="1" fill="hold">
+                                          <p:stCondLst>
+                                            <p:cond delay="0"/>
+                                          </p:stCondLst>
+                                        </p:cTn>
+                                        <p:tgtEl>
+                                          <p:spTgt spid="21"/>
+                                        </p:tgtEl>
+                                        <p:attrNameLst>
+                                          <p:attrName>style.visibility</p:attrName>
+                                        </p:attrNameLst>
+                                      </p:cBhvr>
+                                      <p:to>
+                                        <p:strVal val="visible"/>
+                                      </p:to>
+                                    </p:set>
+                                  </p:childTnLst>
+                                </p:cTn>
+                              </p:par>
+                              <p:par>
+                                <p:cTn id="37" presetID="1" presetClass="entr" presetSubtype="0" fill="hold" nodeType="withEffect">
+                                  <p:stCondLst>
+                                    <p:cond delay="0"/>
+                                  </p:stCondLst>
+                                  <p:childTnLst>
+                                    <p:set>
+                                      <p:cBhvr>
+                                        <p:cTn id="38" dur="1" fill="hold">
+                                          <p:stCondLst>
+                                            <p:cond delay="0"/>
+                                          </p:stCondLst>
+                                        </p:cTn>
+                                        <p:tgtEl>
+                                          <p:spTgt spid="24"/>
+                                        </p:tgtEl>
+                                        <p:attrNameLst>
+                                          <p:attrName>style.visibility</p:attrName>
+                                        </p:attrNameLst>
+                                      </p:cBhvr>
+                                      <p:to>
+                                        <p:strVal val="visible"/>
+                                      </p:to>
+                                    </p:set>
+                                  </p:childTnLst>
+                                </p:cTn>
+                              </p:par>
+                              <p:par>
+                                <p:cTn id="39" presetID="1" presetClass="entr" presetSubtype="0" fill="hold" nodeType="withEffect">
+                                  <p:stCondLst>
+                                    <p:cond delay="0"/>
+                                  </p:stCondLst>
+                                  <p:childTnLst>
+                                    <p:set>
+                                      <p:cBhvr>
+                                        <p:cTn id="40" dur="1" fill="hold">
+                                          <p:stCondLst>
+                                            <p:cond delay="0"/>
+                                          </p:stCondLst>
+                                        </p:cTn>
+                                        <p:tgtEl>
+                                          <p:spTgt spid="31"/>
+                                        </p:tgtEl>
+                                        <p:attrNameLst>
+                                          <p:attrName>style.visibility</p:attrName>
+                                        </p:attrNameLst>
+                                      </p:cBhvr>
+                                      <p:to>
+                                        <p:strVal val="visible"/>
+                                      </p:to>
+                                    </p:set>
+                                  </p:childTnLst>
+                                </p:cTn>
+                              </p:par>
+                              <p:par>
+                                <p:cTn id="41" presetID="1" presetClass="entr" presetSubtype="0" fill="hold" grpId="0" nodeType="withEffect">
+                                  <p:stCondLst>
+                                    <p:cond delay="0"/>
+                                  </p:stCondLst>
+                                  <p:childTnLst>
+                                    <p:set>
+                                      <p:cBhvr>
+                                        <p:cTn id="42" dur="1" fill="hold">
+                                          <p:stCondLst>
+                                            <p:cond delay="0"/>
+                                          </p:stCondLst>
+                                        </p:cTn>
+                                        <p:tgtEl>
+                                          <p:spTgt spid="33"/>
+                                        </p:tgtEl>
+                                        <p:attrNameLst>
+                                          <p:attrName>style.visibility</p:attrName>
+                                        </p:attrNameLst>
+                                      </p:cBhvr>
+                                      <p:to>
+                                        <p:strVal val="visible"/>
+                                      </p:to>
+                                    </p:set>
+                                  </p:childTnLst>
+                                </p:cTn>
+                              </p:par>
+                              <p:par>
+                                <p:cTn id="43" presetID="1" presetClass="entr" presetSubtype="0" fill="hold" grpId="0" nodeType="withEffect">
+                                  <p:stCondLst>
+                                    <p:cond delay="0"/>
+                                  </p:stCondLst>
+                                  <p:childTnLst>
+                                    <p:set>
+                                      <p:cBhvr>
+                                        <p:cTn id="44" dur="1" fill="hold">
+                                          <p:stCondLst>
+                                            <p:cond delay="0"/>
+                                          </p:stCondLst>
+                                        </p:cTn>
+                                        <p:tgtEl>
+                                          <p:spTgt spid="34"/>
+                                        </p:tgtEl>
+                                        <p:attrNameLst>
+                                          <p:attrName>style.visibility</p:attrName>
+                                        </p:attrNameLst>
+                                      </p:cBhvr>
+                                      <p:to>
+                                        <p:strVal val="visible"/>
+                                      </p:to>
+                                    </p:set>
+                                  </p:childTnLst>
+                                </p:cTn>
+                              </p:par>
+                              <p:par>
+                                <p:cTn id="45" presetID="1" presetClass="entr" presetSubtype="0" fill="hold" grpId="0" nodeType="withEffect">
+                                  <p:stCondLst>
+                                    <p:cond delay="0"/>
+                                  </p:stCondLst>
+                                  <p:childTnLst>
+                                    <p:set>
+                                      <p:cBhvr>
+                                        <p:cTn id="46" dur="1" fill="hold">
+                                          <p:stCondLst>
+                                            <p:cond delay="0"/>
+                                          </p:stCondLst>
+                                        </p:cTn>
+                                        <p:tgtEl>
+                                          <p:spTgt spid="45"/>
+                                        </p:tgtEl>
+                                        <p:attrNameLst>
+                                          <p:attrName>style.visibility</p:attrName>
+                                        </p:attrNameLst>
+                                      </p:cBhvr>
+                                      <p:to>
+                                        <p:strVal val="visible"/>
+                                      </p:to>
+                                    </p:set>
+                                  </p:childTnLst>
+                                </p:cTn>
+                              </p:par>
+                              <p:par>
+                                <p:cTn id="47" presetID="1" presetClass="entr" presetSubtype="0" fill="hold" grpId="0" nodeType="withEffect">
+                                  <p:stCondLst>
+                                    <p:cond delay="0"/>
+                                  </p:stCondLst>
+                                  <p:childTnLst>
+                                    <p:set>
+                                      <p:cBhvr>
+                                        <p:cTn id="48" dur="1" fill="hold">
+                                          <p:stCondLst>
+                                            <p:cond delay="0"/>
+                                          </p:stCondLst>
+                                        </p:cTn>
+                                        <p:tgtEl>
+                                          <p:spTgt spid="46"/>
+                                        </p:tgtEl>
+                                        <p:attrNameLst>
+                                          <p:attrName>style.visibility</p:attrName>
+                                        </p:attrNameLst>
+                                      </p:cBhvr>
+                                      <p:to>
+                                        <p:strVal val="visible"/>
+                                      </p:to>
+                                    </p:set>
+                                  </p:childTnLst>
+                                </p:cTn>
+                              </p:par>
+                              <p:par>
+                                <p:cTn id="49" presetID="1" presetClass="entr" presetSubtype="0" fill="hold" grpId="0" nodeType="withEffect">
+                                  <p:stCondLst>
+                                    <p:cond delay="0"/>
+                                  </p:stCondLst>
+                                  <p:childTnLst>
+                                    <p:set>
+                                      <p:cBhvr>
+                                        <p:cTn id="50" dur="1" fill="hold">
+                                          <p:stCondLst>
+                                            <p:cond delay="0"/>
+                                          </p:stCondLst>
+                                        </p:cTn>
+                                        <p:tgtEl>
+                                          <p:spTgt spid="47"/>
+                                        </p:tgtEl>
+                                        <p:attrNameLst>
+                                          <p:attrName>style.visibility</p:attrName>
+                                        </p:attrNameLst>
+                                      </p:cBhvr>
+                                      <p:to>
+                                        <p:strVal val="visible"/>
+                                      </p:to>
+                                    </p:set>
+                                  </p:childTnLst>
+                                </p:cTn>
+                              </p:par>
+                              <p:par>
+                                <p:cTn id="51" presetID="1" presetClass="entr" presetSubtype="0" fill="hold" nodeType="withEffect">
+                                  <p:stCondLst>
+                                    <p:cond delay="0"/>
+                                  </p:stCondLst>
+                                  <p:childTnLst>
+                                    <p:set>
+                                      <p:cBhvr>
+                                        <p:cTn id="52" dur="1" fill="hold">
+                                          <p:stCondLst>
+                                            <p:cond delay="0"/>
+                                          </p:stCondLst>
+                                        </p:cTn>
+                                        <p:tgtEl>
+                                          <p:spTgt spid="51"/>
+                                        </p:tgtEl>
+                                        <p:attrNameLst>
+                                          <p:attrName>style.visibility</p:attrName>
+                                        </p:attrNameLst>
+                                      </p:cBhvr>
+                                      <p:to>
+                                        <p:strVal val="visible"/>
+                                      </p:to>
+                                    </p:set>
+                                  </p:childTnLst>
+                                </p:cTn>
+                              </p:par>
+                              <p:par>
+                                <p:cTn id="53" presetID="1" presetClass="entr" presetSubtype="0" fill="hold" nodeType="withEffect">
+                                  <p:stCondLst>
+                                    <p:cond delay="0"/>
+                                  </p:stCondLst>
+                                  <p:childTnLst>
+                                    <p:set>
+                                      <p:cBhvr>
+                                        <p:cTn id="54" dur="1" fill="hold">
+                                          <p:stCondLst>
+                                            <p:cond delay="0"/>
+                                          </p:stCondLst>
+                                        </p:cTn>
+                                        <p:tgtEl>
+                                          <p:spTgt spid="52"/>
+                                        </p:tgtEl>
+                                        <p:attrNameLst>
+                                          <p:attrName>style.visibility</p:attrName>
+                                        </p:attrNameLst>
+                                      </p:cBhvr>
+                                      <p:to>
+                                        <p:strVal val="visible"/>
+                                      </p:to>
+                                    </p:set>
+                                  </p:childTnLst>
+                                </p:cTn>
+                              </p:par>
+                              <p:par>
+                                <p:cTn id="55" presetID="1" presetClass="entr" presetSubtype="0" fill="hold" grpId="0" nodeType="withEffect">
+                                  <p:stCondLst>
+                                    <p:cond delay="0"/>
+                                  </p:stCondLst>
+                                  <p:childTnLst>
+                                    <p:set>
+                                      <p:cBhvr>
+                                        <p:cTn id="56" dur="1" fill="hold">
+                                          <p:stCondLst>
+                                            <p:cond delay="0"/>
+                                          </p:stCondLst>
+                                        </p:cTn>
+                                        <p:tgtEl>
+                                          <p:spTgt spid="53"/>
+                                        </p:tgtEl>
+                                        <p:attrNameLst>
+                                          <p:attrName>style.visibility</p:attrName>
+                                        </p:attrNameLst>
+                                      </p:cBhvr>
+                                      <p:to>
+                                        <p:strVal val="visible"/>
+                                      </p:to>
+                                    </p:set>
+                                  </p:childTnLst>
+                                </p:cTn>
+                              </p:par>
+                            </p:childTnLst>
+                          </p:cTn>
+                        </p:par>
+                      </p:childTnLst>
+                    </p:cTn>
+                  </p:par>
+                </p:childTnLst>
+              </p:cTn>
+              <p:prevCondLst>
+                <p:cond evt="onPrev" delay="0">
+                  <p:tgtEl>
+                    <p:sldTgt/>
+                  </p:tgtEl>
+                </p:cond>
+              </p:prevCondLst>
+              <p:nextCondLst>
+                <p:cond evt="onNext" delay="0">
+                  <p:tgtEl>
+                    <p:sldTgt/>
+                  </p:tgtEl>
+                </p:cond>
+              </p:nextCondLst>
+            </p:seq>
+          </p:childTnLst>
+        </p:cTn>
+      </p:par>
+    </p:tnLst>
+    <p:bldLst>
+      <p:bldP spid="12" grpId="0" animBg="1"/>
+      <p:bldP spid="13" grpId="0" animBg="1"/>
+      <p:bldP spid="20" grpId="0" animBg="1"/>
+      <p:bldP spid="21" grpId="0" animBg="1"/>
+      <p:bldP spid="32" grpId="0"/>
+      <p:bldP spid="33" grpId="0"/>
+      <p:bldP spid="34" grpId="0"/>
+      <p:bldP spid="35" grpId="0" animBg="1"/>
+      <p:bldP spid="36" grpId="0" animBg="1"/>
+      <p:bldP spid="39" grpId="0"/>
+      <p:bldP spid="45" grpId="0" animBg="1"/>
+      <p:bldP spid="46" grpId="0" animBg="1"/>
+      <p:bldP spid="47" grpId="0"/>
+      <p:bldP spid="53" grpId="0"/>
+      <p:bldP spid="2" grpId="0" animBg="1"/>
+      <p:bldP spid="27" grpId="0" animBg="1"/>
+      <p:bldP spid="4" grpId="0" animBg="1"/>
+      <p:bldP spid="29" grpId="0" animBg="1"/>
+    </p:bldLst>
+  </p:timing>
 </p:sld>
 </file>
 
@@ -29209,6 +32354,54 @@
       </p:grpSpPr>
       <p:sp>
         <p:nvSpPr>
+          <p:cNvPr id="7" name="Rectangle 6"/>
+          <p:cNvSpPr/>
+          <p:nvPr/>
+        </p:nvSpPr>
+        <p:spPr>
+          <a:xfrm>
+            <a:off x="395926" y="6176963"/>
+            <a:ext cx="1319752" cy="563202"/>
+          </a:xfrm>
+          <a:prstGeom prst="rect">
+            <a:avLst/>
+          </a:prstGeom>
+          <a:solidFill>
+            <a:schemeClr val="bg1"/>
+          </a:solidFill>
+          <a:ln>
+            <a:solidFill>
+              <a:schemeClr val="bg1"/>
+            </a:solidFill>
+          </a:ln>
+        </p:spPr>
+        <p:style>
+          <a:lnRef idx="2">
+            <a:schemeClr val="accent1">
+              <a:shade val="50000"/>
+            </a:schemeClr>
+          </a:lnRef>
+          <a:fillRef idx="1">
+            <a:schemeClr val="accent1"/>
+          </a:fillRef>
+          <a:effectRef idx="0">
+            <a:schemeClr val="accent1"/>
+          </a:effectRef>
+          <a:fontRef idx="minor">
+            <a:schemeClr val="lt1"/>
+          </a:fontRef>
+        </p:style>
+        <p:txBody>
+          <a:bodyPr rtlCol="0" anchor="ctr"/>
+          <a:lstStyle/>
+          <a:p>
+            <a:pPr algn="ctr"/>
+            <a:endParaRPr lang="en-US"/>
+          </a:p>
+        </p:txBody>
+      </p:sp>
+      <p:sp>
+        <p:nvSpPr>
           <p:cNvPr id="3" name="Slide Number Placeholder 2"/>
           <p:cNvSpPr>
             <a:spLocks noGrp="1"/>
@@ -29261,7 +32454,7 @@
           <p:nvPr/>
         </p:nvPicPr>
         <p:blipFill>
-          <a:blip r:embed="rId2">
+          <a:blip r:embed="rId3">
             <a:extLst>
               <a:ext uri="{28A0092B-C50C-407E-A947-70E740481C1C}">
                 <a14:useLocalDpi xmlns:a14="http://schemas.microsoft.com/office/drawing/2010/main" val="0"/>
@@ -29421,6 +32614,54 @@
           </a:graphicData>
         </a:graphic>
       </p:graphicFrame>
+      <p:sp>
+        <p:nvSpPr>
+          <p:cNvPr id="6" name="Rectangle 5"/>
+          <p:cNvSpPr/>
+          <p:nvPr/>
+        </p:nvSpPr>
+        <p:spPr>
+          <a:xfrm>
+            <a:off x="395926" y="6195817"/>
+            <a:ext cx="1319752" cy="563202"/>
+          </a:xfrm>
+          <a:prstGeom prst="rect">
+            <a:avLst/>
+          </a:prstGeom>
+          <a:solidFill>
+            <a:schemeClr val="bg1"/>
+          </a:solidFill>
+          <a:ln>
+            <a:solidFill>
+              <a:schemeClr val="bg1"/>
+            </a:solidFill>
+          </a:ln>
+        </p:spPr>
+        <p:style>
+          <a:lnRef idx="2">
+            <a:schemeClr val="accent1">
+              <a:shade val="50000"/>
+            </a:schemeClr>
+          </a:lnRef>
+          <a:fillRef idx="1">
+            <a:schemeClr val="accent1"/>
+          </a:fillRef>
+          <a:effectRef idx="0">
+            <a:schemeClr val="accent1"/>
+          </a:effectRef>
+          <a:fontRef idx="minor">
+            <a:schemeClr val="lt1"/>
+          </a:fontRef>
+        </p:style>
+        <p:txBody>
+          <a:bodyPr rtlCol="0" anchor="ctr"/>
+          <a:lstStyle/>
+          <a:p>
+            <a:pPr algn="ctr"/>
+            <a:endParaRPr lang="en-US"/>
+          </a:p>
+        </p:txBody>
+      </p:sp>
     </p:spTree>
     <p:extLst>
       <p:ext uri="{BB962C8B-B14F-4D97-AF65-F5344CB8AC3E}">
@@ -29556,6 +32797,54 @@
           </a:graphicData>
         </a:graphic>
       </p:graphicFrame>
+      <p:sp>
+        <p:nvSpPr>
+          <p:cNvPr id="6" name="Rectangle 5"/>
+          <p:cNvSpPr/>
+          <p:nvPr/>
+        </p:nvSpPr>
+        <p:spPr>
+          <a:xfrm>
+            <a:off x="395926" y="6176963"/>
+            <a:ext cx="1319752" cy="563202"/>
+          </a:xfrm>
+          <a:prstGeom prst="rect">
+            <a:avLst/>
+          </a:prstGeom>
+          <a:solidFill>
+            <a:schemeClr val="bg1"/>
+          </a:solidFill>
+          <a:ln>
+            <a:solidFill>
+              <a:schemeClr val="bg1"/>
+            </a:solidFill>
+          </a:ln>
+        </p:spPr>
+        <p:style>
+          <a:lnRef idx="2">
+            <a:schemeClr val="accent1">
+              <a:shade val="50000"/>
+            </a:schemeClr>
+          </a:lnRef>
+          <a:fillRef idx="1">
+            <a:schemeClr val="accent1"/>
+          </a:fillRef>
+          <a:effectRef idx="0">
+            <a:schemeClr val="accent1"/>
+          </a:effectRef>
+          <a:fontRef idx="minor">
+            <a:schemeClr val="lt1"/>
+          </a:fontRef>
+        </p:style>
+        <p:txBody>
+          <a:bodyPr rtlCol="0" anchor="ctr"/>
+          <a:lstStyle/>
+          <a:p>
+            <a:pPr algn="ctr"/>
+            <a:endParaRPr lang="en-US"/>
+          </a:p>
+        </p:txBody>
+      </p:sp>
     </p:spTree>
     <p:extLst>
       <p:ext uri="{BB962C8B-B14F-4D97-AF65-F5344CB8AC3E}">
@@ -30505,6 +33794,360 @@
           </a:p>
         </p:txBody>
       </p:sp>
+      <p:sp>
+        <p:nvSpPr>
+          <p:cNvPr id="19" name="Rectangle 18"/>
+          <p:cNvSpPr/>
+          <p:nvPr/>
+        </p:nvSpPr>
+        <p:spPr>
+          <a:xfrm>
+            <a:off x="6929296" y="1579556"/>
+            <a:ext cx="308097" cy="400110"/>
+          </a:xfrm>
+          <a:prstGeom prst="rect">
+            <a:avLst/>
+          </a:prstGeom>
+          <a:noFill/>
+        </p:spPr>
+        <p:txBody>
+          <a:bodyPr wrap="none" lIns="91440" tIns="45720" rIns="91440" bIns="45720">
+            <a:spAutoFit/>
+          </a:bodyPr>
+          <a:lstStyle/>
+          <a:p>
+            <a:pPr algn="ctr"/>
+            <a:r>
+              <a:rPr lang="en-US" sz="2000" b="0" cap="none" spc="0" smtClean="0">
+                <a:ln w="0"/>
+                <a:solidFill>
+                  <a:schemeClr val="accent1"/>
+                </a:solidFill>
+                <a:effectLst>
+                  <a:outerShdw blurRad="38100" dist="25400" dir="5400000" algn="ctr" rotWithShape="0">
+                    <a:srgbClr val="6E747A">
+                      <a:alpha val="43000"/>
+                    </a:srgbClr>
+                  </a:outerShdw>
+                </a:effectLst>
+              </a:rPr>
+              <a:t>a</a:t>
+            </a:r>
+            <a:endParaRPr lang="en-US" sz="2000" b="0" cap="none" spc="0">
+              <a:ln w="0"/>
+              <a:solidFill>
+                <a:schemeClr val="accent1"/>
+              </a:solidFill>
+              <a:effectLst>
+                <a:outerShdw blurRad="38100" dist="25400" dir="5400000" algn="ctr" rotWithShape="0">
+                  <a:srgbClr val="6E747A">
+                    <a:alpha val="43000"/>
+                  </a:srgbClr>
+                </a:outerShdw>
+              </a:effectLst>
+            </a:endParaRPr>
+          </a:p>
+        </p:txBody>
+      </p:sp>
+      <p:sp>
+        <p:nvSpPr>
+          <p:cNvPr id="20" name="Rectangle 19"/>
+          <p:cNvSpPr/>
+          <p:nvPr/>
+        </p:nvSpPr>
+        <p:spPr>
+          <a:xfrm>
+            <a:off x="10562458" y="1578071"/>
+            <a:ext cx="308097" cy="400110"/>
+          </a:xfrm>
+          <a:prstGeom prst="rect">
+            <a:avLst/>
+          </a:prstGeom>
+          <a:noFill/>
+        </p:spPr>
+        <p:txBody>
+          <a:bodyPr wrap="none" lIns="91440" tIns="45720" rIns="91440" bIns="45720">
+            <a:spAutoFit/>
+          </a:bodyPr>
+          <a:lstStyle/>
+          <a:p>
+            <a:pPr algn="ctr"/>
+            <a:r>
+              <a:rPr lang="en-US" sz="2000" b="0" cap="none" spc="0" smtClean="0">
+                <a:ln w="0"/>
+                <a:solidFill>
+                  <a:schemeClr val="accent1"/>
+                </a:solidFill>
+                <a:effectLst>
+                  <a:outerShdw blurRad="38100" dist="25400" dir="5400000" algn="ctr" rotWithShape="0">
+                    <a:srgbClr val="6E747A">
+                      <a:alpha val="43000"/>
+                    </a:srgbClr>
+                  </a:outerShdw>
+                </a:effectLst>
+              </a:rPr>
+              <a:t>a</a:t>
+            </a:r>
+            <a:endParaRPr lang="en-US" sz="2000" b="0" cap="none" spc="0">
+              <a:ln w="0"/>
+              <a:solidFill>
+                <a:schemeClr val="accent1"/>
+              </a:solidFill>
+              <a:effectLst>
+                <a:outerShdw blurRad="38100" dist="25400" dir="5400000" algn="ctr" rotWithShape="0">
+                  <a:srgbClr val="6E747A">
+                    <a:alpha val="43000"/>
+                  </a:srgbClr>
+                </a:outerShdw>
+              </a:effectLst>
+            </a:endParaRPr>
+          </a:p>
+        </p:txBody>
+      </p:sp>
+      <p:sp>
+        <p:nvSpPr>
+          <p:cNvPr id="25" name="Rectangle 24"/>
+          <p:cNvSpPr/>
+          <p:nvPr/>
+        </p:nvSpPr>
+        <p:spPr>
+          <a:xfrm>
+            <a:off x="6268065" y="4090354"/>
+            <a:ext cx="308097" cy="400110"/>
+          </a:xfrm>
+          <a:prstGeom prst="rect">
+            <a:avLst/>
+          </a:prstGeom>
+          <a:noFill/>
+        </p:spPr>
+        <p:txBody>
+          <a:bodyPr wrap="none" lIns="91440" tIns="45720" rIns="91440" bIns="45720">
+            <a:spAutoFit/>
+          </a:bodyPr>
+          <a:lstStyle/>
+          <a:p>
+            <a:pPr algn="ctr"/>
+            <a:r>
+              <a:rPr lang="en-US" sz="2000" b="0" cap="none" spc="0" smtClean="0">
+                <a:ln w="0"/>
+                <a:solidFill>
+                  <a:schemeClr val="accent1"/>
+                </a:solidFill>
+                <a:effectLst>
+                  <a:outerShdw blurRad="38100" dist="25400" dir="5400000" algn="ctr" rotWithShape="0">
+                    <a:srgbClr val="6E747A">
+                      <a:alpha val="43000"/>
+                    </a:srgbClr>
+                  </a:outerShdw>
+                </a:effectLst>
+              </a:rPr>
+              <a:t>a</a:t>
+            </a:r>
+            <a:endParaRPr lang="en-US" sz="2000" b="0" cap="none" spc="0">
+              <a:ln w="0"/>
+              <a:solidFill>
+                <a:schemeClr val="accent1"/>
+              </a:solidFill>
+              <a:effectLst>
+                <a:outerShdw blurRad="38100" dist="25400" dir="5400000" algn="ctr" rotWithShape="0">
+                  <a:srgbClr val="6E747A">
+                    <a:alpha val="43000"/>
+                  </a:srgbClr>
+                </a:outerShdw>
+              </a:effectLst>
+            </a:endParaRPr>
+          </a:p>
+        </p:txBody>
+      </p:sp>
+      <p:sp>
+        <p:nvSpPr>
+          <p:cNvPr id="29" name="Rectangle 28"/>
+          <p:cNvSpPr/>
+          <p:nvPr/>
+        </p:nvSpPr>
+        <p:spPr>
+          <a:xfrm>
+            <a:off x="9779055" y="4090354"/>
+            <a:ext cx="308097" cy="400110"/>
+          </a:xfrm>
+          <a:prstGeom prst="rect">
+            <a:avLst/>
+          </a:prstGeom>
+          <a:noFill/>
+        </p:spPr>
+        <p:txBody>
+          <a:bodyPr wrap="none" lIns="91440" tIns="45720" rIns="91440" bIns="45720">
+            <a:spAutoFit/>
+          </a:bodyPr>
+          <a:lstStyle/>
+          <a:p>
+            <a:pPr algn="ctr"/>
+            <a:r>
+              <a:rPr lang="en-US" sz="2000" b="0" cap="none" spc="0" smtClean="0">
+                <a:ln w="0"/>
+                <a:solidFill>
+                  <a:schemeClr val="accent1"/>
+                </a:solidFill>
+                <a:effectLst>
+                  <a:outerShdw blurRad="38100" dist="25400" dir="5400000" algn="ctr" rotWithShape="0">
+                    <a:srgbClr val="6E747A">
+                      <a:alpha val="43000"/>
+                    </a:srgbClr>
+                  </a:outerShdw>
+                </a:effectLst>
+              </a:rPr>
+              <a:t>a</a:t>
+            </a:r>
+            <a:endParaRPr lang="en-US" sz="2000" b="0" cap="none" spc="0">
+              <a:ln w="0"/>
+              <a:solidFill>
+                <a:schemeClr val="accent1"/>
+              </a:solidFill>
+              <a:effectLst>
+                <a:outerShdw blurRad="38100" dist="25400" dir="5400000" algn="ctr" rotWithShape="0">
+                  <a:srgbClr val="6E747A">
+                    <a:alpha val="43000"/>
+                  </a:srgbClr>
+                </a:outerShdw>
+              </a:effectLst>
+            </a:endParaRPr>
+          </a:p>
+        </p:txBody>
+      </p:sp>
+      <p:sp>
+        <p:nvSpPr>
+          <p:cNvPr id="30" name="Rectangle 29"/>
+          <p:cNvSpPr/>
+          <p:nvPr/>
+        </p:nvSpPr>
+        <p:spPr>
+          <a:xfrm>
+            <a:off x="7992358" y="4090354"/>
+            <a:ext cx="308097" cy="400110"/>
+          </a:xfrm>
+          <a:prstGeom prst="rect">
+            <a:avLst/>
+          </a:prstGeom>
+          <a:noFill/>
+        </p:spPr>
+        <p:txBody>
+          <a:bodyPr wrap="none" lIns="91440" tIns="45720" rIns="91440" bIns="45720">
+            <a:spAutoFit/>
+          </a:bodyPr>
+          <a:lstStyle/>
+          <a:p>
+            <a:pPr algn="ctr"/>
+            <a:r>
+              <a:rPr lang="en-US" sz="2000" b="0" cap="none" spc="0" smtClean="0">
+                <a:ln w="0"/>
+                <a:solidFill>
+                  <a:schemeClr val="accent1"/>
+                </a:solidFill>
+                <a:effectLst>
+                  <a:outerShdw blurRad="38100" dist="25400" dir="5400000" algn="ctr" rotWithShape="0">
+                    <a:srgbClr val="6E747A">
+                      <a:alpha val="43000"/>
+                    </a:srgbClr>
+                  </a:outerShdw>
+                </a:effectLst>
+              </a:rPr>
+              <a:t>a</a:t>
+            </a:r>
+            <a:endParaRPr lang="en-US" sz="2000" b="0" cap="none" spc="0">
+              <a:ln w="0"/>
+              <a:solidFill>
+                <a:schemeClr val="accent1"/>
+              </a:solidFill>
+              <a:effectLst>
+                <a:outerShdw blurRad="38100" dist="25400" dir="5400000" algn="ctr" rotWithShape="0">
+                  <a:srgbClr val="6E747A">
+                    <a:alpha val="43000"/>
+                  </a:srgbClr>
+                </a:outerShdw>
+              </a:effectLst>
+            </a:endParaRPr>
+          </a:p>
+        </p:txBody>
+      </p:sp>
+      <p:cxnSp>
+        <p:nvCxnSpPr>
+          <p:cNvPr id="31" name="Straight Connector 30"/>
+          <p:cNvCxnSpPr/>
+          <p:nvPr/>
+        </p:nvCxnSpPr>
+        <p:spPr>
+          <a:xfrm>
+            <a:off x="5914534" y="1400802"/>
+            <a:ext cx="0" cy="5608362"/>
+          </a:xfrm>
+          <a:prstGeom prst="line">
+            <a:avLst/>
+          </a:prstGeom>
+          <a:ln w="76200"/>
+        </p:spPr>
+        <p:style>
+          <a:lnRef idx="1">
+            <a:schemeClr val="accent1"/>
+          </a:lnRef>
+          <a:fillRef idx="0">
+            <a:schemeClr val="accent1"/>
+          </a:fillRef>
+          <a:effectRef idx="0">
+            <a:schemeClr val="accent1"/>
+          </a:effectRef>
+          <a:fontRef idx="minor">
+            <a:schemeClr val="tx1"/>
+          </a:fontRef>
+        </p:style>
+      </p:cxnSp>
+      <p:sp>
+        <p:nvSpPr>
+          <p:cNvPr id="32" name="Rectangle 31"/>
+          <p:cNvSpPr/>
+          <p:nvPr/>
+        </p:nvSpPr>
+        <p:spPr>
+          <a:xfrm>
+            <a:off x="395926" y="6176963"/>
+            <a:ext cx="1319752" cy="563202"/>
+          </a:xfrm>
+          <a:prstGeom prst="rect">
+            <a:avLst/>
+          </a:prstGeom>
+          <a:solidFill>
+            <a:schemeClr val="bg1"/>
+          </a:solidFill>
+          <a:ln>
+            <a:solidFill>
+              <a:schemeClr val="bg1"/>
+            </a:solidFill>
+          </a:ln>
+        </p:spPr>
+        <p:style>
+          <a:lnRef idx="2">
+            <a:schemeClr val="accent1">
+              <a:shade val="50000"/>
+            </a:schemeClr>
+          </a:lnRef>
+          <a:fillRef idx="1">
+            <a:schemeClr val="accent1"/>
+          </a:fillRef>
+          <a:effectRef idx="0">
+            <a:schemeClr val="accent1"/>
+          </a:effectRef>
+          <a:fontRef idx="minor">
+            <a:schemeClr val="lt1"/>
+          </a:fontRef>
+        </p:style>
+        <p:txBody>
+          <a:bodyPr rtlCol="0" anchor="ctr"/>
+          <a:lstStyle/>
+          <a:p>
+            <a:pPr algn="ctr"/>
+            <a:endParaRPr lang="en-US"/>
+          </a:p>
+        </p:txBody>
+      </p:sp>
     </p:spTree>
     <p:extLst>
       <p:ext uri="{BB962C8B-B14F-4D97-AF65-F5344CB8AC3E}">
@@ -30515,6 +34158,13 @@
   <p:clrMapOvr>
     <a:masterClrMapping/>
   </p:clrMapOvr>
+  <p:timing>
+    <p:tnLst>
+      <p:par>
+        <p:cTn id="1" dur="indefinite" restart="never" nodeType="tmRoot"/>
+      </p:par>
+    </p:tnLst>
+  </p:timing>
 </p:sld>
 </file>
 
@@ -31350,7 +35000,7 @@
         </p:nvSpPr>
         <p:spPr>
           <a:xfrm>
-            <a:off x="-55502" y="99376"/>
+            <a:off x="102987" y="629446"/>
             <a:ext cx="6959771" cy="587408"/>
           </a:xfrm>
         </p:spPr>
@@ -31359,10 +35009,10 @@
           <a:lstStyle/>
           <a:p>
             <a:r>
-              <a:rPr lang="en-US" smtClean="0"/>
+              <a:rPr lang="en-US" sz="2800" smtClean="0"/>
               <a:t>Reasoning property isspouseof</a:t>
             </a:r>
-            <a:endParaRPr lang="en-US"/>
+            <a:endParaRPr lang="en-US" sz="2800"/>
           </a:p>
         </p:txBody>
       </p:sp>
@@ -31471,7 +35121,7 @@
           </p:nvPr>
         </p:nvPicPr>
         <p:blipFill>
-          <a:blip r:embed="rId2"/>
+          <a:blip r:embed="rId3"/>
           <a:stretch>
             <a:fillRect/>
           </a:stretch>
@@ -31497,7 +35147,7 @@
           </p:nvPr>
         </p:nvPicPr>
         <p:blipFill>
-          <a:blip r:embed="rId3"/>
+          <a:blip r:embed="rId4"/>
           <a:stretch>
             <a:fillRect/>
           </a:stretch>
@@ -31561,7 +35211,7 @@
         </p:nvSpPr>
         <p:spPr>
           <a:xfrm>
-            <a:off x="-55502" y="99376"/>
+            <a:off x="24347" y="686784"/>
             <a:ext cx="6959771" cy="587408"/>
           </a:xfrm>
         </p:spPr>
@@ -31570,10 +35220,10 @@
           <a:lstStyle/>
           <a:p>
             <a:r>
-              <a:rPr lang="en-US" smtClean="0"/>
+              <a:rPr lang="en-US" sz="2800" smtClean="0"/>
               <a:t>Reasoning property haschild</a:t>
             </a:r>
-            <a:endParaRPr lang="en-US"/>
+            <a:endParaRPr lang="en-US" sz="2800"/>
           </a:p>
         </p:txBody>
       </p:sp>
@@ -31764,7 +35414,7 @@
         </p:nvSpPr>
         <p:spPr>
           <a:xfrm>
-            <a:off x="-55502" y="99376"/>
+            <a:off x="0" y="735365"/>
             <a:ext cx="6959771" cy="587408"/>
           </a:xfrm>
         </p:spPr>
@@ -31773,10 +35423,10 @@
           <a:lstStyle/>
           <a:p>
             <a:r>
-              <a:rPr lang="en-US" smtClean="0"/>
+              <a:rPr lang="en-US" sz="2800" smtClean="0"/>
               <a:t>Reasoning property hasparent</a:t>
             </a:r>
-            <a:endParaRPr lang="en-US"/>
+            <a:endParaRPr lang="en-US" sz="2800"/>
           </a:p>
         </p:txBody>
       </p:sp>
@@ -31971,10 +35621,14 @@
           <a:lstStyle/>
           <a:p>
             <a:r>
-              <a:rPr lang="en-US" smtClean="0"/>
+              <a:rPr lang="en-US" smtClean="0">
+                <a:latin typeface="+mn-lt"/>
+              </a:rPr>
               <a:t>Visualisasi 1 (kasus tidak memiliki anak)</a:t>
             </a:r>
-            <a:endParaRPr lang="en-US"/>
+            <a:endParaRPr lang="en-US">
+              <a:latin typeface="+mn-lt"/>
+            </a:endParaRPr>
           </a:p>
         </p:txBody>
       </p:sp>
@@ -32026,6 +35680,54 @@
           </a:prstGeom>
         </p:spPr>
       </p:pic>
+      <p:sp>
+        <p:nvSpPr>
+          <p:cNvPr id="5" name="Rectangle 4"/>
+          <p:cNvSpPr/>
+          <p:nvPr/>
+        </p:nvSpPr>
+        <p:spPr>
+          <a:xfrm>
+            <a:off x="395926" y="6176963"/>
+            <a:ext cx="1319752" cy="563202"/>
+          </a:xfrm>
+          <a:prstGeom prst="rect">
+            <a:avLst/>
+          </a:prstGeom>
+          <a:solidFill>
+            <a:schemeClr val="bg1"/>
+          </a:solidFill>
+          <a:ln>
+            <a:solidFill>
+              <a:schemeClr val="bg1"/>
+            </a:solidFill>
+          </a:ln>
+        </p:spPr>
+        <p:style>
+          <a:lnRef idx="2">
+            <a:schemeClr val="accent1">
+              <a:shade val="50000"/>
+            </a:schemeClr>
+          </a:lnRef>
+          <a:fillRef idx="1">
+            <a:schemeClr val="accent1"/>
+          </a:fillRef>
+          <a:effectRef idx="0">
+            <a:schemeClr val="accent1"/>
+          </a:effectRef>
+          <a:fontRef idx="minor">
+            <a:schemeClr val="lt1"/>
+          </a:fontRef>
+        </p:style>
+        <p:txBody>
+          <a:bodyPr rtlCol="0" anchor="ctr"/>
+          <a:lstStyle/>
+          <a:p>
+            <a:pPr algn="ctr"/>
+            <a:endParaRPr lang="en-US"/>
+          </a:p>
+        </p:txBody>
+      </p:sp>
     </p:spTree>
     <p:extLst>
       <p:ext uri="{BB962C8B-B14F-4D97-AF65-F5344CB8AC3E}">
@@ -32036,6 +35738,13 @@
   <p:clrMapOvr>
     <a:masterClrMapping/>
   </p:clrMapOvr>
+  <p:timing>
+    <p:tnLst>
+      <p:par>
+        <p:cTn id="1" dur="indefinite" restart="never" nodeType="tmRoot"/>
+      </p:par>
+    </p:tnLst>
+  </p:timing>
 </p:sld>
 </file>
 
@@ -32072,10 +35781,14 @@
           <a:lstStyle/>
           <a:p>
             <a:r>
-              <a:rPr lang="en-US" smtClean="0"/>
+              <a:rPr lang="en-US" smtClean="0">
+                <a:latin typeface="+mn-lt"/>
+              </a:rPr>
               <a:t>Visualisasi 2 (kasus memiliki anak)</a:t>
             </a:r>
-            <a:endParaRPr lang="en-US"/>
+            <a:endParaRPr lang="en-US">
+              <a:latin typeface="+mn-lt"/>
+            </a:endParaRPr>
           </a:p>
         </p:txBody>
       </p:sp>
@@ -32127,6 +35840,126 @@
           </a:prstGeom>
         </p:spPr>
       </p:pic>
+      <p:sp>
+        <p:nvSpPr>
+          <p:cNvPr id="5" name="Rectangle 4"/>
+          <p:cNvSpPr/>
+          <p:nvPr/>
+        </p:nvSpPr>
+        <p:spPr>
+          <a:xfrm>
+            <a:off x="395926" y="6176963"/>
+            <a:ext cx="1319752" cy="563202"/>
+          </a:xfrm>
+          <a:prstGeom prst="rect">
+            <a:avLst/>
+          </a:prstGeom>
+          <a:solidFill>
+            <a:schemeClr val="bg1"/>
+          </a:solidFill>
+          <a:ln>
+            <a:solidFill>
+              <a:schemeClr val="bg1"/>
+            </a:solidFill>
+          </a:ln>
+        </p:spPr>
+        <p:style>
+          <a:lnRef idx="2">
+            <a:schemeClr val="accent1">
+              <a:shade val="50000"/>
+            </a:schemeClr>
+          </a:lnRef>
+          <a:fillRef idx="1">
+            <a:schemeClr val="accent1"/>
+          </a:fillRef>
+          <a:effectRef idx="0">
+            <a:schemeClr val="accent1"/>
+          </a:effectRef>
+          <a:fontRef idx="minor">
+            <a:schemeClr val="lt1"/>
+          </a:fontRef>
+        </p:style>
+        <p:txBody>
+          <a:bodyPr rtlCol="0" anchor="ctr"/>
+          <a:lstStyle/>
+          <a:p>
+            <a:pPr algn="ctr"/>
+            <a:endParaRPr lang="en-US"/>
+          </a:p>
+        </p:txBody>
+      </p:sp>
+      <p:cxnSp>
+        <p:nvCxnSpPr>
+          <p:cNvPr id="7" name="Straight Arrow Connector 6"/>
+          <p:cNvCxnSpPr/>
+          <p:nvPr/>
+        </p:nvCxnSpPr>
+        <p:spPr>
+          <a:xfrm>
+            <a:off x="2865749" y="4944808"/>
+            <a:ext cx="452486" cy="437897"/>
+          </a:xfrm>
+          <a:prstGeom prst="straightConnector1">
+            <a:avLst/>
+          </a:prstGeom>
+          <a:ln>
+            <a:solidFill>
+              <a:srgbClr val="FF0000"/>
+            </a:solidFill>
+            <a:tailEnd type="triangle"/>
+          </a:ln>
+        </p:spPr>
+        <p:style>
+          <a:lnRef idx="3">
+            <a:schemeClr val="accent1"/>
+          </a:lnRef>
+          <a:fillRef idx="0">
+            <a:schemeClr val="accent1"/>
+          </a:fillRef>
+          <a:effectRef idx="2">
+            <a:schemeClr val="accent1"/>
+          </a:effectRef>
+          <a:fontRef idx="minor">
+            <a:schemeClr val="tx1"/>
+          </a:fontRef>
+        </p:style>
+      </p:cxnSp>
+      <p:cxnSp>
+        <p:nvCxnSpPr>
+          <p:cNvPr id="8" name="Straight Arrow Connector 7"/>
+          <p:cNvCxnSpPr/>
+          <p:nvPr/>
+        </p:nvCxnSpPr>
+        <p:spPr>
+          <a:xfrm flipH="1">
+            <a:off x="1055802" y="4944807"/>
+            <a:ext cx="433633" cy="437898"/>
+          </a:xfrm>
+          <a:prstGeom prst="straightConnector1">
+            <a:avLst/>
+          </a:prstGeom>
+          <a:ln>
+            <a:solidFill>
+              <a:srgbClr val="FF0000"/>
+            </a:solidFill>
+            <a:tailEnd type="triangle"/>
+          </a:ln>
+        </p:spPr>
+        <p:style>
+          <a:lnRef idx="3">
+            <a:schemeClr val="accent1"/>
+          </a:lnRef>
+          <a:fillRef idx="0">
+            <a:schemeClr val="accent1"/>
+          </a:fillRef>
+          <a:effectRef idx="2">
+            <a:schemeClr val="accent1"/>
+          </a:effectRef>
+          <a:fontRef idx="minor">
+            <a:schemeClr val="tx1"/>
+          </a:fontRef>
+        </p:style>
+      </p:cxnSp>
     </p:spTree>
     <p:extLst>
       <p:ext uri="{BB962C8B-B14F-4D97-AF65-F5344CB8AC3E}">
@@ -32137,6 +35970,13 @@
   <p:clrMapOvr>
     <a:masterClrMapping/>
   </p:clrMapOvr>
+  <p:timing>
+    <p:tnLst>
+      <p:par>
+        <p:cTn id="1" dur="indefinite" restart="never" nodeType="tmRoot"/>
+      </p:par>
+    </p:tnLst>
+  </p:timing>
 </p:sld>
 </file>
 
@@ -32173,10 +36013,14 @@
           <a:lstStyle/>
           <a:p>
             <a:r>
-              <a:rPr lang="en-US" smtClean="0"/>
+              <a:rPr lang="en-US" smtClean="0">
+                <a:latin typeface="+mn-lt"/>
+              </a:rPr>
               <a:t>Visualisasi 3 (kasus memiliki cucu)</a:t>
             </a:r>
-            <a:endParaRPr lang="en-US"/>
+            <a:endParaRPr lang="en-US">
+              <a:latin typeface="+mn-lt"/>
+            </a:endParaRPr>
           </a:p>
         </p:txBody>
       </p:sp>
@@ -32212,22 +36056,105 @@
           </p:cNvPicPr>
           <p:nvPr/>
         </p:nvPicPr>
-        <p:blipFill>
+        <p:blipFill rotWithShape="1">
           <a:blip r:embed="rId2"/>
-          <a:stretch>
-            <a:fillRect/>
-          </a:stretch>
+          <a:srcRect t="1943"/>
+          <a:stretch/>
         </p:blipFill>
         <p:spPr>
           <a:xfrm>
-            <a:off x="-4762" y="1166957"/>
-            <a:ext cx="12192000" cy="4950508"/>
+            <a:off x="-4762" y="1263191"/>
+            <a:ext cx="12192000" cy="4854273"/>
           </a:xfrm>
           <a:prstGeom prst="rect">
             <a:avLst/>
           </a:prstGeom>
         </p:spPr>
       </p:pic>
+      <p:sp>
+        <p:nvSpPr>
+          <p:cNvPr id="5" name="Rectangle 4"/>
+          <p:cNvSpPr/>
+          <p:nvPr/>
+        </p:nvSpPr>
+        <p:spPr>
+          <a:xfrm>
+            <a:off x="395926" y="6176963"/>
+            <a:ext cx="1319752" cy="563202"/>
+          </a:xfrm>
+          <a:prstGeom prst="rect">
+            <a:avLst/>
+          </a:prstGeom>
+          <a:solidFill>
+            <a:schemeClr val="bg1"/>
+          </a:solidFill>
+          <a:ln>
+            <a:solidFill>
+              <a:schemeClr val="bg1"/>
+            </a:solidFill>
+          </a:ln>
+        </p:spPr>
+        <p:style>
+          <a:lnRef idx="2">
+            <a:schemeClr val="accent1">
+              <a:shade val="50000"/>
+            </a:schemeClr>
+          </a:lnRef>
+          <a:fillRef idx="1">
+            <a:schemeClr val="accent1"/>
+          </a:fillRef>
+          <a:effectRef idx="0">
+            <a:schemeClr val="accent1"/>
+          </a:effectRef>
+          <a:fontRef idx="minor">
+            <a:schemeClr val="lt1"/>
+          </a:fontRef>
+        </p:style>
+        <p:txBody>
+          <a:bodyPr rtlCol="0" anchor="ctr"/>
+          <a:lstStyle/>
+          <a:p>
+            <a:pPr algn="ctr"/>
+            <a:endParaRPr lang="en-US"/>
+          </a:p>
+        </p:txBody>
+      </p:sp>
+      <p:cxnSp>
+        <p:nvCxnSpPr>
+          <p:cNvPr id="6" name="Straight Arrow Connector 5"/>
+          <p:cNvCxnSpPr/>
+          <p:nvPr/>
+        </p:nvCxnSpPr>
+        <p:spPr>
+          <a:xfrm>
+            <a:off x="5250730" y="4732256"/>
+            <a:ext cx="405352" cy="895546"/>
+          </a:xfrm>
+          <a:prstGeom prst="straightConnector1">
+            <a:avLst/>
+          </a:prstGeom>
+          <a:ln>
+            <a:solidFill>
+              <a:srgbClr val="FF0000"/>
+            </a:solidFill>
+            <a:tailEnd type="triangle"/>
+          </a:ln>
+        </p:spPr>
+        <p:style>
+          <a:lnRef idx="3">
+            <a:schemeClr val="accent1"/>
+          </a:lnRef>
+          <a:fillRef idx="0">
+            <a:schemeClr val="accent1"/>
+          </a:fillRef>
+          <a:effectRef idx="2">
+            <a:schemeClr val="accent1"/>
+          </a:effectRef>
+          <a:fontRef idx="minor">
+            <a:schemeClr val="tx1"/>
+          </a:fontRef>
+        </p:style>
+      </p:cxnSp>
     </p:spTree>
     <p:extLst>
       <p:ext uri="{BB962C8B-B14F-4D97-AF65-F5344CB8AC3E}">
@@ -32238,6 +36165,13 @@
   <p:clrMapOvr>
     <a:masterClrMapping/>
   </p:clrMapOvr>
+  <p:timing>
+    <p:tnLst>
+      <p:par>
+        <p:cTn id="1" dur="indefinite" restart="never" nodeType="tmRoot"/>
+      </p:par>
+    </p:tnLst>
+  </p:timing>
 </p:sld>
 </file>
 
@@ -32274,10 +36208,14 @@
           <a:lstStyle/>
           <a:p>
             <a:r>
-              <a:rPr lang="en-US" smtClean="0"/>
+              <a:rPr lang="en-US" smtClean="0">
+                <a:latin typeface="+mn-lt"/>
+              </a:rPr>
               <a:t>Visualisasi 4 (kasus memiliki cicit)</a:t>
             </a:r>
-            <a:endParaRPr lang="en-US"/>
+            <a:endParaRPr lang="en-US">
+              <a:latin typeface="+mn-lt"/>
+            </a:endParaRPr>
           </a:p>
         </p:txBody>
       </p:sp>
@@ -32329,6 +36267,90 @@
           </a:prstGeom>
         </p:spPr>
       </p:pic>
+      <p:sp>
+        <p:nvSpPr>
+          <p:cNvPr id="5" name="Rectangle 4"/>
+          <p:cNvSpPr/>
+          <p:nvPr/>
+        </p:nvSpPr>
+        <p:spPr>
+          <a:xfrm>
+            <a:off x="395926" y="6176963"/>
+            <a:ext cx="1319752" cy="563202"/>
+          </a:xfrm>
+          <a:prstGeom prst="rect">
+            <a:avLst/>
+          </a:prstGeom>
+          <a:solidFill>
+            <a:schemeClr val="bg1"/>
+          </a:solidFill>
+          <a:ln>
+            <a:solidFill>
+              <a:schemeClr val="bg1"/>
+            </a:solidFill>
+          </a:ln>
+        </p:spPr>
+        <p:style>
+          <a:lnRef idx="2">
+            <a:schemeClr val="accent1">
+              <a:shade val="50000"/>
+            </a:schemeClr>
+          </a:lnRef>
+          <a:fillRef idx="1">
+            <a:schemeClr val="accent1"/>
+          </a:fillRef>
+          <a:effectRef idx="0">
+            <a:schemeClr val="accent1"/>
+          </a:effectRef>
+          <a:fontRef idx="minor">
+            <a:schemeClr val="lt1"/>
+          </a:fontRef>
+        </p:style>
+        <p:txBody>
+          <a:bodyPr rtlCol="0" anchor="ctr"/>
+          <a:lstStyle/>
+          <a:p>
+            <a:pPr algn="ctr"/>
+            <a:endParaRPr lang="en-US"/>
+          </a:p>
+        </p:txBody>
+      </p:sp>
+      <p:cxnSp>
+        <p:nvCxnSpPr>
+          <p:cNvPr id="6" name="Straight Arrow Connector 5"/>
+          <p:cNvCxnSpPr/>
+          <p:nvPr/>
+        </p:nvCxnSpPr>
+        <p:spPr>
+          <a:xfrm>
+            <a:off x="5458120" y="4049261"/>
+            <a:ext cx="1036948" cy="1390005"/>
+          </a:xfrm>
+          <a:prstGeom prst="straightConnector1">
+            <a:avLst/>
+          </a:prstGeom>
+          <a:ln>
+            <a:solidFill>
+              <a:srgbClr val="FF0000"/>
+            </a:solidFill>
+            <a:tailEnd type="triangle"/>
+          </a:ln>
+        </p:spPr>
+        <p:style>
+          <a:lnRef idx="3">
+            <a:schemeClr val="accent1"/>
+          </a:lnRef>
+          <a:fillRef idx="0">
+            <a:schemeClr val="accent1"/>
+          </a:fillRef>
+          <a:effectRef idx="2">
+            <a:schemeClr val="accent1"/>
+          </a:effectRef>
+          <a:fontRef idx="minor">
+            <a:schemeClr val="tx1"/>
+          </a:fontRef>
+        </p:style>
+      </p:cxnSp>
     </p:spTree>
     <p:extLst>
       <p:ext uri="{BB962C8B-B14F-4D97-AF65-F5344CB8AC3E}">
@@ -32339,6 +36361,13 @@
   <p:clrMapOvr>
     <a:masterClrMapping/>
   </p:clrMapOvr>
+  <p:timing>
+    <p:tnLst>
+      <p:par>
+        <p:cTn id="1" dur="indefinite" restart="never" nodeType="tmRoot"/>
+      </p:par>
+    </p:tnLst>
+  </p:timing>
 </p:sld>
 </file>
 
@@ -32375,10 +36404,14 @@
           <a:lstStyle/>
           <a:p>
             <a:r>
-              <a:rPr lang="en-US" smtClean="0"/>
+              <a:rPr lang="en-US" smtClean="0">
+                <a:latin typeface="+mn-lt"/>
+              </a:rPr>
               <a:t>Visualisasi 5 (kasus memiliki pasangan lebih dari satu)</a:t>
             </a:r>
-            <a:endParaRPr lang="en-US"/>
+            <a:endParaRPr lang="en-US">
+              <a:latin typeface="+mn-lt"/>
+            </a:endParaRPr>
           </a:p>
         </p:txBody>
       </p:sp>
@@ -32427,7 +36460,7 @@
         </p:blipFill>
         <p:spPr>
           <a:xfrm>
-            <a:off x="3224210" y="1166957"/>
+            <a:off x="3224210" y="1185811"/>
             <a:ext cx="5734055" cy="4940308"/>
           </a:xfrm>
           <a:prstGeom prst="rect">
@@ -32435,6 +36468,54 @@
           </a:prstGeom>
         </p:spPr>
       </p:pic>
+      <p:sp>
+        <p:nvSpPr>
+          <p:cNvPr id="5" name="Rectangle 4"/>
+          <p:cNvSpPr/>
+          <p:nvPr/>
+        </p:nvSpPr>
+        <p:spPr>
+          <a:xfrm>
+            <a:off x="395926" y="6176963"/>
+            <a:ext cx="1319752" cy="563202"/>
+          </a:xfrm>
+          <a:prstGeom prst="rect">
+            <a:avLst/>
+          </a:prstGeom>
+          <a:solidFill>
+            <a:schemeClr val="bg1"/>
+          </a:solidFill>
+          <a:ln>
+            <a:solidFill>
+              <a:schemeClr val="bg1"/>
+            </a:solidFill>
+          </a:ln>
+        </p:spPr>
+        <p:style>
+          <a:lnRef idx="2">
+            <a:schemeClr val="accent1">
+              <a:shade val="50000"/>
+            </a:schemeClr>
+          </a:lnRef>
+          <a:fillRef idx="1">
+            <a:schemeClr val="accent1"/>
+          </a:fillRef>
+          <a:effectRef idx="0">
+            <a:schemeClr val="accent1"/>
+          </a:effectRef>
+          <a:fontRef idx="minor">
+            <a:schemeClr val="lt1"/>
+          </a:fontRef>
+        </p:style>
+        <p:txBody>
+          <a:bodyPr rtlCol="0" anchor="ctr"/>
+          <a:lstStyle/>
+          <a:p>
+            <a:pPr algn="ctr"/>
+            <a:endParaRPr lang="en-US"/>
+          </a:p>
+        </p:txBody>
+      </p:sp>
     </p:spTree>
     <p:extLst>
       <p:ext uri="{BB962C8B-B14F-4D97-AF65-F5344CB8AC3E}">
@@ -32445,6 +36526,13 @@
   <p:clrMapOvr>
     <a:masterClrMapping/>
   </p:clrMapOvr>
+  <p:timing>
+    <p:tnLst>
+      <p:par>
+        <p:cTn id="1" dur="indefinite" restart="never" nodeType="tmRoot"/>
+      </p:par>
+    </p:tnLst>
+  </p:timing>
 </p:sld>
 </file>
 
@@ -32481,10 +36569,10 @@
           <a:lstStyle/>
           <a:p>
             <a:r>
-              <a:rPr lang="en-US" smtClean="0"/>
+              <a:rPr lang="en-US" sz="2400" smtClean="0"/>
               <a:t>Visualisasi 6 (kasus memiliki relasi yang tidak memiliki properti nama)</a:t>
             </a:r>
-            <a:endParaRPr lang="en-US"/>
+            <a:endParaRPr lang="en-US" sz="2400"/>
           </a:p>
         </p:txBody>
       </p:sp>
@@ -32536,6 +36624,100 @@
           </a:prstGeom>
         </p:spPr>
       </p:pic>
+      <p:sp>
+        <p:nvSpPr>
+          <p:cNvPr id="5" name="Rectangle 4"/>
+          <p:cNvSpPr/>
+          <p:nvPr/>
+        </p:nvSpPr>
+        <p:spPr>
+          <a:xfrm>
+            <a:off x="395926" y="6176963"/>
+            <a:ext cx="1319752" cy="563202"/>
+          </a:xfrm>
+          <a:prstGeom prst="rect">
+            <a:avLst/>
+          </a:prstGeom>
+          <a:solidFill>
+            <a:schemeClr val="bg1"/>
+          </a:solidFill>
+          <a:ln>
+            <a:solidFill>
+              <a:schemeClr val="bg1"/>
+            </a:solidFill>
+          </a:ln>
+        </p:spPr>
+        <p:style>
+          <a:lnRef idx="2">
+            <a:schemeClr val="accent1">
+              <a:shade val="50000"/>
+            </a:schemeClr>
+          </a:lnRef>
+          <a:fillRef idx="1">
+            <a:schemeClr val="accent1"/>
+          </a:fillRef>
+          <a:effectRef idx="0">
+            <a:schemeClr val="accent1"/>
+          </a:effectRef>
+          <a:fontRef idx="minor">
+            <a:schemeClr val="lt1"/>
+          </a:fontRef>
+        </p:style>
+        <p:txBody>
+          <a:bodyPr rtlCol="0" anchor="ctr"/>
+          <a:lstStyle/>
+          <a:p>
+            <a:pPr algn="ctr"/>
+            <a:endParaRPr lang="en-US"/>
+          </a:p>
+        </p:txBody>
+      </p:sp>
+      <p:sp>
+        <p:nvSpPr>
+          <p:cNvPr id="6" name="Oval 5"/>
+          <p:cNvSpPr/>
+          <p:nvPr/>
+        </p:nvSpPr>
+        <p:spPr>
+          <a:xfrm>
+            <a:off x="857839" y="4581427"/>
+            <a:ext cx="1640264" cy="480767"/>
+          </a:xfrm>
+          <a:prstGeom prst="ellipse">
+            <a:avLst/>
+          </a:prstGeom>
+          <a:noFill/>
+          <a:ln>
+            <a:solidFill>
+              <a:srgbClr val="FF0000"/>
+            </a:solidFill>
+          </a:ln>
+        </p:spPr>
+        <p:style>
+          <a:lnRef idx="2">
+            <a:schemeClr val="accent1">
+              <a:shade val="50000"/>
+            </a:schemeClr>
+          </a:lnRef>
+          <a:fillRef idx="1">
+            <a:schemeClr val="accent1"/>
+          </a:fillRef>
+          <a:effectRef idx="0">
+            <a:schemeClr val="accent1"/>
+          </a:effectRef>
+          <a:fontRef idx="minor">
+            <a:schemeClr val="lt1"/>
+          </a:fontRef>
+        </p:style>
+        <p:txBody>
+          <a:bodyPr rtlCol="0" anchor="ctr"/>
+          <a:lstStyle/>
+          <a:p>
+            <a:pPr algn="ctr"/>
+            <a:endParaRPr lang="en-US"/>
+          </a:p>
+        </p:txBody>
+      </p:sp>
     </p:spTree>
     <p:extLst>
       <p:ext uri="{BB962C8B-B14F-4D97-AF65-F5344CB8AC3E}">
@@ -32546,6 +36728,13 @@
   <p:clrMapOvr>
     <a:masterClrMapping/>
   </p:clrMapOvr>
+  <p:timing>
+    <p:tnLst>
+      <p:par>
+        <p:cTn id="1" dur="indefinite" restart="never" nodeType="tmRoot"/>
+      </p:par>
+    </p:tnLst>
+  </p:timing>
 </p:sld>
 </file>
 
@@ -32582,10 +36771,20 @@
           <a:lstStyle/>
           <a:p>
             <a:r>
-              <a:rPr lang="en-US" smtClean="0"/>
-              <a:t>Visualisasi hasChildINlaw</a:t>
-            </a:r>
-            <a:endParaRPr lang="en-US"/>
+              <a:rPr lang="en-US" smtClean="0">
+                <a:latin typeface="+mn-lt"/>
+              </a:rPr>
+              <a:t>Visualisasi 7 </a:t>
+            </a:r>
+            <a:r>
+              <a:rPr lang="en-US" smtClean="0">
+                <a:latin typeface="+mn-lt"/>
+              </a:rPr>
+              <a:t>hasChildINlaw</a:t>
+            </a:r>
+            <a:endParaRPr lang="en-US">
+              <a:latin typeface="+mn-lt"/>
+            </a:endParaRPr>
           </a:p>
         </p:txBody>
       </p:sp>
@@ -32699,6 +36898,126 @@
           </a:prstGeom>
         </p:spPr>
       </p:pic>
+      <p:sp>
+        <p:nvSpPr>
+          <p:cNvPr id="6" name="Rectangle 5"/>
+          <p:cNvSpPr/>
+          <p:nvPr/>
+        </p:nvSpPr>
+        <p:spPr>
+          <a:xfrm>
+            <a:off x="395926" y="6176963"/>
+            <a:ext cx="1319752" cy="563202"/>
+          </a:xfrm>
+          <a:prstGeom prst="rect">
+            <a:avLst/>
+          </a:prstGeom>
+          <a:solidFill>
+            <a:schemeClr val="bg1"/>
+          </a:solidFill>
+          <a:ln>
+            <a:solidFill>
+              <a:schemeClr val="bg1"/>
+            </a:solidFill>
+          </a:ln>
+        </p:spPr>
+        <p:style>
+          <a:lnRef idx="2">
+            <a:schemeClr val="accent1">
+              <a:shade val="50000"/>
+            </a:schemeClr>
+          </a:lnRef>
+          <a:fillRef idx="1">
+            <a:schemeClr val="accent1"/>
+          </a:fillRef>
+          <a:effectRef idx="0">
+            <a:schemeClr val="accent1"/>
+          </a:effectRef>
+          <a:fontRef idx="minor">
+            <a:schemeClr val="lt1"/>
+          </a:fontRef>
+        </p:style>
+        <p:txBody>
+          <a:bodyPr rtlCol="0" anchor="ctr"/>
+          <a:lstStyle/>
+          <a:p>
+            <a:pPr algn="ctr"/>
+            <a:endParaRPr lang="en-US"/>
+          </a:p>
+        </p:txBody>
+      </p:sp>
+      <p:cxnSp>
+        <p:nvCxnSpPr>
+          <p:cNvPr id="7" name="Straight Arrow Connector 6"/>
+          <p:cNvCxnSpPr/>
+          <p:nvPr/>
+        </p:nvCxnSpPr>
+        <p:spPr>
+          <a:xfrm>
+            <a:off x="2526384" y="3337575"/>
+            <a:ext cx="37707" cy="437897"/>
+          </a:xfrm>
+          <a:prstGeom prst="straightConnector1">
+            <a:avLst/>
+          </a:prstGeom>
+          <a:ln>
+            <a:solidFill>
+              <a:srgbClr val="FF0000"/>
+            </a:solidFill>
+            <a:tailEnd type="triangle"/>
+          </a:ln>
+        </p:spPr>
+        <p:style>
+          <a:lnRef idx="3">
+            <a:schemeClr val="accent1"/>
+          </a:lnRef>
+          <a:fillRef idx="0">
+            <a:schemeClr val="accent1"/>
+          </a:fillRef>
+          <a:effectRef idx="2">
+            <a:schemeClr val="accent1"/>
+          </a:effectRef>
+          <a:fontRef idx="minor">
+            <a:schemeClr val="tx1"/>
+          </a:fontRef>
+        </p:style>
+      </p:cxnSp>
+      <p:cxnSp>
+        <p:nvCxnSpPr>
+          <p:cNvPr id="9" name="Straight Arrow Connector 8"/>
+          <p:cNvCxnSpPr/>
+          <p:nvPr/>
+        </p:nvCxnSpPr>
+        <p:spPr>
+          <a:xfrm>
+            <a:off x="2554664" y="3337575"/>
+            <a:ext cx="1687398" cy="437897"/>
+          </a:xfrm>
+          <a:prstGeom prst="straightConnector1">
+            <a:avLst/>
+          </a:prstGeom>
+          <a:ln>
+            <a:solidFill>
+              <a:srgbClr val="FF0000"/>
+            </a:solidFill>
+            <a:tailEnd type="triangle"/>
+          </a:ln>
+        </p:spPr>
+        <p:style>
+          <a:lnRef idx="3">
+            <a:schemeClr val="accent1"/>
+          </a:lnRef>
+          <a:fillRef idx="0">
+            <a:schemeClr val="accent1"/>
+          </a:fillRef>
+          <a:effectRef idx="2">
+            <a:schemeClr val="accent1"/>
+          </a:effectRef>
+          <a:fontRef idx="minor">
+            <a:schemeClr val="tx1"/>
+          </a:fontRef>
+        </p:style>
+      </p:cxnSp>
     </p:spTree>
     <p:extLst>
       <p:ext uri="{BB962C8B-B14F-4D97-AF65-F5344CB8AC3E}">
@@ -32709,6 +37028,13 @@
   <p:clrMapOvr>
     <a:masterClrMapping/>
   </p:clrMapOvr>
+  <p:timing>
+    <p:tnLst>
+      <p:par>
+        <p:cTn id="1" dur="indefinite" restart="never" nodeType="tmRoot"/>
+      </p:par>
+    </p:tnLst>
+  </p:timing>
 </p:sld>
 </file>
 
@@ -32750,8 +37076,13 @@
             </a:r>
             <a:r>
               <a:rPr lang="en-US" sz="2800" smtClean="0"/>
-              <a:t>adalah seseorang yang namanya dikenang atas jasanya</a:t>
-            </a:r>
+              <a:t>adalah seseorang yang namanya dikenang atas </a:t>
+            </a:r>
+            <a:r>
+              <a:rPr lang="en-US" sz="2800" smtClean="0"/>
+              <a:t>jasanya.</a:t>
+            </a:r>
+            <a:endParaRPr lang="en-US" sz="2800" smtClean="0"/>
           </a:p>
           <a:p>
             <a:r>
@@ -32764,8 +37095,13 @@
             </a:r>
             <a:r>
               <a:rPr lang="en-US" sz="2800" smtClean="0"/>
-              <a:t> yang berbeda-beda</a:t>
-            </a:r>
+              <a:t> yang </a:t>
+            </a:r>
+            <a:r>
+              <a:rPr lang="en-US" sz="2800" smtClean="0"/>
+              <a:t>berbeda-beda.</a:t>
+            </a:r>
+            <a:endParaRPr lang="en-US" sz="2800" smtClean="0"/>
           </a:p>
           <a:p>
             <a:r>
@@ -32774,8 +37110,9 @@
             </a:r>
             <a:r>
               <a:rPr lang="en-US" sz="2800" b="1" smtClean="0"/>
-              <a:t>ontologi</a:t>
-            </a:r>
+              <a:t>ontology.</a:t>
+            </a:r>
+            <a:endParaRPr lang="en-US" sz="2800" b="1" smtClean="0"/>
           </a:p>
           <a:p>
             <a:r>
@@ -32800,7 +37137,11 @@
             </a:r>
             <a:r>
               <a:rPr lang="en-US" sz="2800" smtClean="0"/>
-              <a:t> pohon keluarga tokoh sejarah</a:t>
+              <a:t> pohon keluarga tokoh </a:t>
+            </a:r>
+            <a:r>
+              <a:rPr lang="en-US" sz="2800" smtClean="0"/>
+              <a:t>sejarah.</a:t>
             </a:r>
             <a:endParaRPr lang="en-US" sz="2800"/>
           </a:p>
@@ -32876,6 +37217,54 @@
         </p:blipFill>
         <p:spPr/>
       </p:pic>
+      <p:sp>
+        <p:nvSpPr>
+          <p:cNvPr id="4" name="Rectangle 3"/>
+          <p:cNvSpPr/>
+          <p:nvPr/>
+        </p:nvSpPr>
+        <p:spPr>
+          <a:xfrm>
+            <a:off x="395926" y="6176963"/>
+            <a:ext cx="1319752" cy="563202"/>
+          </a:xfrm>
+          <a:prstGeom prst="rect">
+            <a:avLst/>
+          </a:prstGeom>
+          <a:solidFill>
+            <a:schemeClr val="bg1"/>
+          </a:solidFill>
+          <a:ln>
+            <a:solidFill>
+              <a:schemeClr val="bg1"/>
+            </a:solidFill>
+          </a:ln>
+        </p:spPr>
+        <p:style>
+          <a:lnRef idx="2">
+            <a:schemeClr val="accent1">
+              <a:shade val="50000"/>
+            </a:schemeClr>
+          </a:lnRef>
+          <a:fillRef idx="1">
+            <a:schemeClr val="accent1"/>
+          </a:fillRef>
+          <a:effectRef idx="0">
+            <a:schemeClr val="accent1"/>
+          </a:effectRef>
+          <a:fontRef idx="minor">
+            <a:schemeClr val="lt1"/>
+          </a:fontRef>
+        </p:style>
+        <p:txBody>
+          <a:bodyPr rtlCol="0" anchor="ctr"/>
+          <a:lstStyle/>
+          <a:p>
+            <a:pPr algn="ctr"/>
+            <a:endParaRPr lang="en-US"/>
+          </a:p>
+        </p:txBody>
+      </p:sp>
     </p:spTree>
     <p:extLst>
       <p:ext uri="{BB962C8B-B14F-4D97-AF65-F5344CB8AC3E}">
@@ -32886,6 +37275,13 @@
   <p:clrMapOvr>
     <a:masterClrMapping/>
   </p:clrMapOvr>
+  <p:timing>
+    <p:tnLst>
+      <p:par>
+        <p:cTn id="1" dur="indefinite" restart="never" nodeType="tmRoot"/>
+      </p:par>
+    </p:tnLst>
+  </p:timing>
 </p:sld>
 </file>
 
@@ -32922,10 +37318,20 @@
           <a:lstStyle/>
           <a:p>
             <a:r>
-              <a:rPr lang="en-US" smtClean="0"/>
-              <a:t>Visualisasi hassibling</a:t>
-            </a:r>
-            <a:endParaRPr lang="en-US"/>
+              <a:rPr lang="en-US" smtClean="0">
+                <a:latin typeface="+mn-lt"/>
+              </a:rPr>
+              <a:t>Visualisasi 8 </a:t>
+            </a:r>
+            <a:r>
+              <a:rPr lang="en-US" smtClean="0">
+                <a:latin typeface="+mn-lt"/>
+              </a:rPr>
+              <a:t>hassibling</a:t>
+            </a:r>
+            <a:endParaRPr lang="en-US">
+              <a:latin typeface="+mn-lt"/>
+            </a:endParaRPr>
           </a:p>
         </p:txBody>
       </p:sp>
@@ -33039,6 +37445,90 @@
           </a:prstGeom>
         </p:spPr>
       </p:pic>
+      <p:sp>
+        <p:nvSpPr>
+          <p:cNvPr id="7" name="Rectangle 6"/>
+          <p:cNvSpPr/>
+          <p:nvPr/>
+        </p:nvSpPr>
+        <p:spPr>
+          <a:xfrm>
+            <a:off x="395926" y="6176963"/>
+            <a:ext cx="1319752" cy="563202"/>
+          </a:xfrm>
+          <a:prstGeom prst="rect">
+            <a:avLst/>
+          </a:prstGeom>
+          <a:solidFill>
+            <a:schemeClr val="bg1"/>
+          </a:solidFill>
+          <a:ln>
+            <a:solidFill>
+              <a:schemeClr val="bg1"/>
+            </a:solidFill>
+          </a:ln>
+        </p:spPr>
+        <p:style>
+          <a:lnRef idx="2">
+            <a:schemeClr val="accent1">
+              <a:shade val="50000"/>
+            </a:schemeClr>
+          </a:lnRef>
+          <a:fillRef idx="1">
+            <a:schemeClr val="accent1"/>
+          </a:fillRef>
+          <a:effectRef idx="0">
+            <a:schemeClr val="accent1"/>
+          </a:effectRef>
+          <a:fontRef idx="minor">
+            <a:schemeClr val="lt1"/>
+          </a:fontRef>
+        </p:style>
+        <p:txBody>
+          <a:bodyPr rtlCol="0" anchor="ctr"/>
+          <a:lstStyle/>
+          <a:p>
+            <a:pPr algn="ctr"/>
+            <a:endParaRPr lang="en-US"/>
+          </a:p>
+        </p:txBody>
+      </p:sp>
+      <p:cxnSp>
+        <p:nvCxnSpPr>
+          <p:cNvPr id="8" name="Straight Arrow Connector 7"/>
+          <p:cNvCxnSpPr/>
+          <p:nvPr/>
+        </p:nvCxnSpPr>
+        <p:spPr>
+          <a:xfrm flipH="1">
+            <a:off x="5043340" y="4082320"/>
+            <a:ext cx="367646" cy="65474"/>
+          </a:xfrm>
+          <a:prstGeom prst="straightConnector1">
+            <a:avLst/>
+          </a:prstGeom>
+          <a:ln>
+            <a:solidFill>
+              <a:srgbClr val="FF0000"/>
+            </a:solidFill>
+            <a:tailEnd type="triangle"/>
+          </a:ln>
+        </p:spPr>
+        <p:style>
+          <a:lnRef idx="3">
+            <a:schemeClr val="accent1"/>
+          </a:lnRef>
+          <a:fillRef idx="0">
+            <a:schemeClr val="accent1"/>
+          </a:fillRef>
+          <a:effectRef idx="2">
+            <a:schemeClr val="accent1"/>
+          </a:effectRef>
+          <a:fontRef idx="minor">
+            <a:schemeClr val="tx1"/>
+          </a:fontRef>
+        </p:style>
+      </p:cxnSp>
     </p:spTree>
     <p:extLst>
       <p:ext uri="{BB962C8B-B14F-4D97-AF65-F5344CB8AC3E}">
@@ -33049,6 +37539,13 @@
   <p:clrMapOvr>
     <a:masterClrMapping/>
   </p:clrMapOvr>
+  <p:timing>
+    <p:tnLst>
+      <p:par>
+        <p:cTn id="1" dur="indefinite" restart="never" nodeType="tmRoot"/>
+      </p:par>
+    </p:tnLst>
+  </p:timing>
 </p:sld>
 </file>
 
@@ -33085,10 +37582,20 @@
           <a:lstStyle/>
           <a:p>
             <a:r>
-              <a:rPr lang="en-US" smtClean="0"/>
-              <a:t>Visualisasi hasgrandchild</a:t>
-            </a:r>
-            <a:endParaRPr lang="en-US"/>
+              <a:rPr lang="en-US" smtClean="0">
+                <a:latin typeface="+mn-lt"/>
+              </a:rPr>
+              <a:t>Visualisasi </a:t>
+            </a:r>
+            <a:r>
+              <a:rPr lang="en-US" smtClean="0">
+                <a:latin typeface="+mn-lt"/>
+              </a:rPr>
+              <a:t>9 hasgrandchild</a:t>
+            </a:r>
+            <a:endParaRPr lang="en-US">
+              <a:latin typeface="+mn-lt"/>
+            </a:endParaRPr>
           </a:p>
         </p:txBody>
       </p:sp>
@@ -33140,6 +37647,90 @@
           </a:prstGeom>
         </p:spPr>
       </p:pic>
+      <p:sp>
+        <p:nvSpPr>
+          <p:cNvPr id="5" name="Rectangle 4"/>
+          <p:cNvSpPr/>
+          <p:nvPr/>
+        </p:nvSpPr>
+        <p:spPr>
+          <a:xfrm>
+            <a:off x="395926" y="6176963"/>
+            <a:ext cx="1319752" cy="563202"/>
+          </a:xfrm>
+          <a:prstGeom prst="rect">
+            <a:avLst/>
+          </a:prstGeom>
+          <a:solidFill>
+            <a:schemeClr val="bg1"/>
+          </a:solidFill>
+          <a:ln>
+            <a:solidFill>
+              <a:schemeClr val="bg1"/>
+            </a:solidFill>
+          </a:ln>
+        </p:spPr>
+        <p:style>
+          <a:lnRef idx="2">
+            <a:schemeClr val="accent1">
+              <a:shade val="50000"/>
+            </a:schemeClr>
+          </a:lnRef>
+          <a:fillRef idx="1">
+            <a:schemeClr val="accent1"/>
+          </a:fillRef>
+          <a:effectRef idx="0">
+            <a:schemeClr val="accent1"/>
+          </a:effectRef>
+          <a:fontRef idx="minor">
+            <a:schemeClr val="lt1"/>
+          </a:fontRef>
+        </p:style>
+        <p:txBody>
+          <a:bodyPr rtlCol="0" anchor="ctr"/>
+          <a:lstStyle/>
+          <a:p>
+            <a:pPr algn="ctr"/>
+            <a:endParaRPr lang="en-US"/>
+          </a:p>
+        </p:txBody>
+      </p:sp>
+      <p:cxnSp>
+        <p:nvCxnSpPr>
+          <p:cNvPr id="6" name="Straight Arrow Connector 5"/>
+          <p:cNvCxnSpPr/>
+          <p:nvPr/>
+        </p:nvCxnSpPr>
+        <p:spPr>
+          <a:xfrm>
+            <a:off x="4817097" y="3428999"/>
+            <a:ext cx="0" cy="973319"/>
+          </a:xfrm>
+          <a:prstGeom prst="straightConnector1">
+            <a:avLst/>
+          </a:prstGeom>
+          <a:ln>
+            <a:solidFill>
+              <a:srgbClr val="FF0000"/>
+            </a:solidFill>
+            <a:tailEnd type="triangle"/>
+          </a:ln>
+        </p:spPr>
+        <p:style>
+          <a:lnRef idx="3">
+            <a:schemeClr val="accent1"/>
+          </a:lnRef>
+          <a:fillRef idx="0">
+            <a:schemeClr val="accent1"/>
+          </a:fillRef>
+          <a:effectRef idx="2">
+            <a:schemeClr val="accent1"/>
+          </a:effectRef>
+          <a:fontRef idx="minor">
+            <a:schemeClr val="tx1"/>
+          </a:fontRef>
+        </p:style>
+      </p:cxnSp>
     </p:spTree>
     <p:extLst>
       <p:ext uri="{BB962C8B-B14F-4D97-AF65-F5344CB8AC3E}">
@@ -33150,6 +37741,13 @@
   <p:clrMapOvr>
     <a:masterClrMapping/>
   </p:clrMapOvr>
+  <p:timing>
+    <p:tnLst>
+      <p:par>
+        <p:cTn id="1" dur="indefinite" restart="never" nodeType="tmRoot"/>
+      </p:par>
+    </p:tnLst>
+  </p:timing>
 </p:sld>
 </file>
 
@@ -33186,10 +37784,20 @@
           <a:lstStyle/>
           <a:p>
             <a:r>
-              <a:rPr lang="en-US" smtClean="0"/>
-              <a:t>Visualisasi hasgrandchildinlaw</a:t>
-            </a:r>
-            <a:endParaRPr lang="en-US"/>
+              <a:rPr lang="en-US" smtClean="0">
+                <a:latin typeface="+mn-lt"/>
+              </a:rPr>
+              <a:t>Visualisasi </a:t>
+            </a:r>
+            <a:r>
+              <a:rPr lang="en-US" smtClean="0">
+                <a:latin typeface="+mn-lt"/>
+              </a:rPr>
+              <a:t>10 hasgrandchildinlaw</a:t>
+            </a:r>
+            <a:endParaRPr lang="en-US">
+              <a:latin typeface="+mn-lt"/>
+            </a:endParaRPr>
           </a:p>
         </p:txBody>
       </p:sp>
@@ -33241,6 +37849,90 @@
           </a:prstGeom>
         </p:spPr>
       </p:pic>
+      <p:sp>
+        <p:nvSpPr>
+          <p:cNvPr id="6" name="Rectangle 5"/>
+          <p:cNvSpPr/>
+          <p:nvPr/>
+        </p:nvSpPr>
+        <p:spPr>
+          <a:xfrm>
+            <a:off x="395926" y="6176963"/>
+            <a:ext cx="1319752" cy="563202"/>
+          </a:xfrm>
+          <a:prstGeom prst="rect">
+            <a:avLst/>
+          </a:prstGeom>
+          <a:solidFill>
+            <a:schemeClr val="bg1"/>
+          </a:solidFill>
+          <a:ln>
+            <a:solidFill>
+              <a:schemeClr val="bg1"/>
+            </a:solidFill>
+          </a:ln>
+        </p:spPr>
+        <p:style>
+          <a:lnRef idx="2">
+            <a:schemeClr val="accent1">
+              <a:shade val="50000"/>
+            </a:schemeClr>
+          </a:lnRef>
+          <a:fillRef idx="1">
+            <a:schemeClr val="accent1"/>
+          </a:fillRef>
+          <a:effectRef idx="0">
+            <a:schemeClr val="accent1"/>
+          </a:effectRef>
+          <a:fontRef idx="minor">
+            <a:schemeClr val="lt1"/>
+          </a:fontRef>
+        </p:style>
+        <p:txBody>
+          <a:bodyPr rtlCol="0" anchor="ctr"/>
+          <a:lstStyle/>
+          <a:p>
+            <a:pPr algn="ctr"/>
+            <a:endParaRPr lang="en-US"/>
+          </a:p>
+        </p:txBody>
+      </p:sp>
+      <p:cxnSp>
+        <p:nvCxnSpPr>
+          <p:cNvPr id="7" name="Straight Arrow Connector 6"/>
+          <p:cNvCxnSpPr/>
+          <p:nvPr/>
+        </p:nvCxnSpPr>
+        <p:spPr>
+          <a:xfrm>
+            <a:off x="5599522" y="3054285"/>
+            <a:ext cx="1875934" cy="725863"/>
+          </a:xfrm>
+          <a:prstGeom prst="straightConnector1">
+            <a:avLst/>
+          </a:prstGeom>
+          <a:ln>
+            <a:solidFill>
+              <a:srgbClr val="FF0000"/>
+            </a:solidFill>
+            <a:tailEnd type="triangle"/>
+          </a:ln>
+        </p:spPr>
+        <p:style>
+          <a:lnRef idx="3">
+            <a:schemeClr val="accent1"/>
+          </a:lnRef>
+          <a:fillRef idx="0">
+            <a:schemeClr val="accent1"/>
+          </a:fillRef>
+          <a:effectRef idx="2">
+            <a:schemeClr val="accent1"/>
+          </a:effectRef>
+          <a:fontRef idx="minor">
+            <a:schemeClr val="tx1"/>
+          </a:fontRef>
+        </p:style>
+      </p:cxnSp>
     </p:spTree>
     <p:extLst>
       <p:ext uri="{BB962C8B-B14F-4D97-AF65-F5344CB8AC3E}">
@@ -33251,6 +37943,13 @@
   <p:clrMapOvr>
     <a:masterClrMapping/>
   </p:clrMapOvr>
+  <p:timing>
+    <p:tnLst>
+      <p:par>
+        <p:cTn id="1" dur="indefinite" restart="never" nodeType="tmRoot"/>
+      </p:par>
+    </p:tnLst>
+  </p:timing>
 </p:sld>
 </file>
 
@@ -33287,10 +37986,20 @@
           <a:lstStyle/>
           <a:p>
             <a:r>
-              <a:rPr lang="en-US" smtClean="0"/>
-              <a:t>Visualisasi hasgreatgrandchild</a:t>
-            </a:r>
-            <a:endParaRPr lang="en-US"/>
+              <a:rPr lang="en-US" smtClean="0">
+                <a:latin typeface="+mn-lt"/>
+              </a:rPr>
+              <a:t>Visualisasi 11 </a:t>
+            </a:r>
+            <a:r>
+              <a:rPr lang="en-US" smtClean="0">
+                <a:latin typeface="+mn-lt"/>
+              </a:rPr>
+              <a:t>hasgreatgrandchild</a:t>
+            </a:r>
+            <a:endParaRPr lang="en-US">
+              <a:latin typeface="+mn-lt"/>
+            </a:endParaRPr>
           </a:p>
         </p:txBody>
       </p:sp>
@@ -33342,6 +38051,90 @@
           </a:prstGeom>
         </p:spPr>
       </p:pic>
+      <p:sp>
+        <p:nvSpPr>
+          <p:cNvPr id="5" name="Rectangle 4"/>
+          <p:cNvSpPr/>
+          <p:nvPr/>
+        </p:nvSpPr>
+        <p:spPr>
+          <a:xfrm>
+            <a:off x="395926" y="6176963"/>
+            <a:ext cx="1319752" cy="563202"/>
+          </a:xfrm>
+          <a:prstGeom prst="rect">
+            <a:avLst/>
+          </a:prstGeom>
+          <a:solidFill>
+            <a:schemeClr val="bg1"/>
+          </a:solidFill>
+          <a:ln>
+            <a:solidFill>
+              <a:schemeClr val="bg1"/>
+            </a:solidFill>
+          </a:ln>
+        </p:spPr>
+        <p:style>
+          <a:lnRef idx="2">
+            <a:schemeClr val="accent1">
+              <a:shade val="50000"/>
+            </a:schemeClr>
+          </a:lnRef>
+          <a:fillRef idx="1">
+            <a:schemeClr val="accent1"/>
+          </a:fillRef>
+          <a:effectRef idx="0">
+            <a:schemeClr val="accent1"/>
+          </a:effectRef>
+          <a:fontRef idx="minor">
+            <a:schemeClr val="lt1"/>
+          </a:fontRef>
+        </p:style>
+        <p:txBody>
+          <a:bodyPr rtlCol="0" anchor="ctr"/>
+          <a:lstStyle/>
+          <a:p>
+            <a:pPr algn="ctr"/>
+            <a:endParaRPr lang="en-US"/>
+          </a:p>
+        </p:txBody>
+      </p:sp>
+      <p:cxnSp>
+        <p:nvCxnSpPr>
+          <p:cNvPr id="6" name="Straight Arrow Connector 5"/>
+          <p:cNvCxnSpPr/>
+          <p:nvPr/>
+        </p:nvCxnSpPr>
+        <p:spPr>
+          <a:xfrm>
+            <a:off x="5599522" y="3054285"/>
+            <a:ext cx="1008668" cy="1244338"/>
+          </a:xfrm>
+          <a:prstGeom prst="straightConnector1">
+            <a:avLst/>
+          </a:prstGeom>
+          <a:ln>
+            <a:solidFill>
+              <a:srgbClr val="FF0000"/>
+            </a:solidFill>
+            <a:tailEnd type="triangle"/>
+          </a:ln>
+        </p:spPr>
+        <p:style>
+          <a:lnRef idx="3">
+            <a:schemeClr val="accent1"/>
+          </a:lnRef>
+          <a:fillRef idx="0">
+            <a:schemeClr val="accent1"/>
+          </a:fillRef>
+          <a:effectRef idx="2">
+            <a:schemeClr val="accent1"/>
+          </a:effectRef>
+          <a:fontRef idx="minor">
+            <a:schemeClr val="tx1"/>
+          </a:fontRef>
+        </p:style>
+      </p:cxnSp>
     </p:spTree>
     <p:extLst>
       <p:ext uri="{BB962C8B-B14F-4D97-AF65-F5344CB8AC3E}">
@@ -33352,6 +38145,13 @@
   <p:clrMapOvr>
     <a:masterClrMapping/>
   </p:clrMapOvr>
+  <p:timing>
+    <p:tnLst>
+      <p:par>
+        <p:cTn id="1" dur="indefinite" restart="never" nodeType="tmRoot"/>
+      </p:par>
+    </p:tnLst>
+  </p:timing>
 </p:sld>
 </file>
 
@@ -33801,35 +38601,47 @@
             <a:pPr lvl="0"/>
             <a:r>
               <a:rPr lang="en-US" sz="2800" dirty="0"/>
-              <a:t>Data p</a:t>
-            </a:r>
-            <a:r>
-              <a:rPr lang="id-ID" sz="2800" dirty="0" err="1"/>
+              <a:t>Data </a:t>
+            </a:r>
+            <a:r>
+              <a:rPr lang="en-US" sz="2800" b="1" dirty="0"/>
+              <a:t>p</a:t>
+            </a:r>
+            <a:r>
+              <a:rPr lang="id-ID" sz="2800" b="1" dirty="0" err="1"/>
               <a:t>roperti</a:t>
             </a:r>
             <a:r>
+              <a:rPr lang="id-ID" sz="2800" b="1" dirty="0"/>
+              <a:t> </a:t>
+            </a:r>
+            <a:r>
               <a:rPr lang="id-ID" sz="2800" dirty="0"/>
-              <a:t> yang dimiliki oleh </a:t>
-            </a:r>
-            <a:r>
-              <a:rPr lang="id-ID" sz="2800" i="1" dirty="0"/>
+              <a:t>yang dimiliki oleh </a:t>
+            </a:r>
+            <a:r>
+              <a:rPr lang="id-ID" sz="2800" b="1" i="1" dirty="0"/>
               <a:t>Family </a:t>
             </a:r>
             <a:r>
-              <a:rPr lang="id-ID" sz="2800" i="1" dirty="0" err="1"/>
+              <a:rPr lang="id-ID" sz="2800" b="1" i="1" dirty="0" err="1"/>
               <a:t>Relationship</a:t>
             </a:r>
             <a:r>
-              <a:rPr lang="id-ID" sz="2800" i="1" dirty="0"/>
+              <a:rPr lang="id-ID" sz="2800" b="1" i="1" dirty="0"/>
               <a:t> </a:t>
             </a:r>
             <a:r>
-              <a:rPr lang="id-ID" sz="2800" i="1" dirty="0" err="1"/>
+              <a:rPr lang="id-ID" sz="2800" b="1" i="1" dirty="0" err="1"/>
               <a:t>Ontology</a:t>
             </a:r>
             <a:r>
+              <a:rPr lang="id-ID" sz="2800" b="1" dirty="0"/>
+              <a:t> </a:t>
+            </a:r>
+            <a:r>
               <a:rPr lang="id-ID" sz="2800" dirty="0"/>
-              <a:t> dapat digunakan pada domain tokoh sejarah Indonesia. </a:t>
+              <a:t>dapat digunakan pada domain tokoh sejarah Indonesia. </a:t>
             </a:r>
             <a:endParaRPr lang="en-US" sz="2800" dirty="0"/>
           </a:p>
@@ -33837,10 +38649,14 @@
             <a:pPr lvl="0"/>
             <a:r>
               <a:rPr lang="id-ID" sz="2800" dirty="0"/>
-              <a:t>Studi kasus visualisasi pohon keluarga tokoh sejarah Indonesia mampu </a:t>
-            </a:r>
-            <a:r>
-              <a:rPr lang="id-ID" sz="2800" dirty="0" err="1"/>
+              <a:t>Studi kasus visualisasi pohon keluarga tokoh sejarah Indonesia </a:t>
+            </a:r>
+            <a:r>
+              <a:rPr lang="id-ID" sz="2800" b="1" dirty="0"/>
+              <a:t>mampu </a:t>
+            </a:r>
+            <a:r>
+              <a:rPr lang="id-ID" sz="2800" b="1" dirty="0" err="1"/>
               <a:t>dimodelkan</a:t>
             </a:r>
             <a:r>
@@ -33865,10 +38681,14 @@
             </a:r>
             <a:r>
               <a:rPr lang="id-ID" sz="2800" dirty="0" smtClean="0"/>
-              <a:t> yang berguna dalam proses </a:t>
-            </a:r>
-            <a:r>
-              <a:rPr lang="id-ID" sz="2800" i="1" dirty="0" err="1" smtClean="0"/>
+              <a:t> yang berguna dalam </a:t>
+            </a:r>
+            <a:r>
+              <a:rPr lang="id-ID" sz="2800" b="1" dirty="0" smtClean="0"/>
+              <a:t>proses </a:t>
+            </a:r>
+            <a:r>
+              <a:rPr lang="id-ID" sz="2800" b="1" i="1" dirty="0" err="1" smtClean="0"/>
               <a:t>reasoning</a:t>
             </a:r>
             <a:r>
@@ -33947,23 +38767,23 @@
               <a:t> </a:t>
             </a:r>
             <a:r>
-              <a:rPr lang="en-US" sz="2800" dirty="0" err="1"/>
+              <a:rPr lang="en-US" sz="2800" b="1" dirty="0" err="1"/>
               <a:t>visualisasi</a:t>
             </a:r>
             <a:r>
-              <a:rPr lang="en-US" sz="2800" dirty="0"/>
+              <a:rPr lang="en-US" sz="2800" b="1" dirty="0"/>
               <a:t> </a:t>
             </a:r>
             <a:r>
-              <a:rPr lang="en-US" sz="2800" dirty="0" err="1"/>
+              <a:rPr lang="en-US" sz="2800" b="1" dirty="0" err="1"/>
               <a:t>pohon</a:t>
             </a:r>
             <a:r>
-              <a:rPr lang="en-US" sz="2800" dirty="0"/>
+              <a:rPr lang="en-US" sz="2800" b="1" dirty="0"/>
               <a:t> </a:t>
             </a:r>
             <a:r>
-              <a:rPr lang="en-US" sz="2800" dirty="0" err="1"/>
+              <a:rPr lang="en-US" sz="2800" b="1" dirty="0" err="1"/>
               <a:t>keluarga</a:t>
             </a:r>
             <a:r>
@@ -34149,6 +38969,54 @@
           </a:p>
         </p:txBody>
       </p:sp>
+      <p:sp>
+        <p:nvSpPr>
+          <p:cNvPr id="6" name="Rectangle 5"/>
+          <p:cNvSpPr/>
+          <p:nvPr/>
+        </p:nvSpPr>
+        <p:spPr>
+          <a:xfrm>
+            <a:off x="395926" y="6176963"/>
+            <a:ext cx="1319752" cy="563202"/>
+          </a:xfrm>
+          <a:prstGeom prst="rect">
+            <a:avLst/>
+          </a:prstGeom>
+          <a:solidFill>
+            <a:schemeClr val="bg1"/>
+          </a:solidFill>
+          <a:ln>
+            <a:solidFill>
+              <a:schemeClr val="bg1"/>
+            </a:solidFill>
+          </a:ln>
+        </p:spPr>
+        <p:style>
+          <a:lnRef idx="2">
+            <a:schemeClr val="accent1">
+              <a:shade val="50000"/>
+            </a:schemeClr>
+          </a:lnRef>
+          <a:fillRef idx="1">
+            <a:schemeClr val="accent1"/>
+          </a:fillRef>
+          <a:effectRef idx="0">
+            <a:schemeClr val="accent1"/>
+          </a:effectRef>
+          <a:fontRef idx="minor">
+            <a:schemeClr val="lt1"/>
+          </a:fontRef>
+        </p:style>
+        <p:txBody>
+          <a:bodyPr rtlCol="0" anchor="ctr"/>
+          <a:lstStyle/>
+          <a:p>
+            <a:pPr algn="ctr"/>
+            <a:endParaRPr lang="en-US"/>
+          </a:p>
+        </p:txBody>
+      </p:sp>
     </p:spTree>
     <p:extLst>
       <p:ext uri="{BB962C8B-B14F-4D97-AF65-F5344CB8AC3E}">
@@ -34159,6 +39027,13 @@
   <p:clrMapOvr>
     <a:masterClrMapping/>
   </p:clrMapOvr>
+  <p:timing>
+    <p:tnLst>
+      <p:par>
+        <p:cTn id="1" dur="indefinite" restart="never" nodeType="tmRoot"/>
+      </p:par>
+    </p:tnLst>
+  </p:timing>
 </p:sld>
 </file>
 
@@ -34290,6 +39165,54 @@
           </a:p>
         </p:txBody>
       </p:sp>
+      <p:sp>
+        <p:nvSpPr>
+          <p:cNvPr id="6" name="Rectangle 5"/>
+          <p:cNvSpPr/>
+          <p:nvPr/>
+        </p:nvSpPr>
+        <p:spPr>
+          <a:xfrm>
+            <a:off x="395926" y="6176963"/>
+            <a:ext cx="1319752" cy="563202"/>
+          </a:xfrm>
+          <a:prstGeom prst="rect">
+            <a:avLst/>
+          </a:prstGeom>
+          <a:solidFill>
+            <a:schemeClr val="bg1"/>
+          </a:solidFill>
+          <a:ln>
+            <a:solidFill>
+              <a:schemeClr val="bg1"/>
+            </a:solidFill>
+          </a:ln>
+        </p:spPr>
+        <p:style>
+          <a:lnRef idx="2">
+            <a:schemeClr val="accent1">
+              <a:shade val="50000"/>
+            </a:schemeClr>
+          </a:lnRef>
+          <a:fillRef idx="1">
+            <a:schemeClr val="accent1"/>
+          </a:fillRef>
+          <a:effectRef idx="0">
+            <a:schemeClr val="accent1"/>
+          </a:effectRef>
+          <a:fontRef idx="minor">
+            <a:schemeClr val="lt1"/>
+          </a:fontRef>
+        </p:style>
+        <p:txBody>
+          <a:bodyPr rtlCol="0" anchor="ctr"/>
+          <a:lstStyle/>
+          <a:p>
+            <a:pPr algn="ctr"/>
+            <a:endParaRPr lang="en-US"/>
+          </a:p>
+        </p:txBody>
+      </p:sp>
     </p:spTree>
     <p:extLst>
       <p:ext uri="{BB962C8B-B14F-4D97-AF65-F5344CB8AC3E}">
@@ -34300,6 +39223,13 @@
   <p:clrMapOvr>
     <a:masterClrMapping/>
   </p:clrMapOvr>
+  <p:timing>
+    <p:tnLst>
+      <p:par>
+        <p:cTn id="1" dur="indefinite" restart="never" nodeType="tmRoot"/>
+      </p:par>
+    </p:tnLst>
+  </p:timing>
 </p:sld>
 </file>
 
@@ -34487,64 +39417,6 @@
           </a:extLst>
         </p:spPr>
       </p:pic>
-      <p:sp>
-        <p:nvSpPr>
-          <p:cNvPr id="7" name="TextBox 6"/>
-          <p:cNvSpPr txBox="1"/>
-          <p:nvPr/>
-        </p:nvSpPr>
-        <p:spPr>
-          <a:xfrm>
-            <a:off x="5189219" y="4025995"/>
-            <a:ext cx="5577841" cy="1015663"/>
-          </a:xfrm>
-          <a:prstGeom prst="rect">
-            <a:avLst/>
-          </a:prstGeom>
-          <a:noFill/>
-        </p:spPr>
-        <p:txBody>
-          <a:bodyPr wrap="square" rtlCol="0">
-            <a:spAutoFit/>
-          </a:bodyPr>
-          <a:lstStyle/>
-          <a:p>
-            <a:r>
-              <a:rPr lang="en-US" sz="2000" smtClean="0">
-                <a:solidFill>
-                  <a:schemeClr val="bg1"/>
-                </a:solidFill>
-              </a:rPr>
-              <a:t>Penyusun Tugas Akhir : </a:t>
-            </a:r>
-          </a:p>
-          <a:p>
-            <a:r>
-              <a:rPr lang="en-US" sz="2000" smtClean="0">
-                <a:solidFill>
-                  <a:schemeClr val="bg1"/>
-                </a:solidFill>
-              </a:rPr>
-              <a:t>Faiq</a:t>
-            </a:r>
-          </a:p>
-          <a:p>
-            <a:r>
-              <a:rPr lang="en-US" sz="2000" smtClean="0">
-                <a:solidFill>
-                  <a:schemeClr val="bg1"/>
-                </a:solidFill>
-              </a:rPr>
-              <a:t>05111540000007</a:t>
-            </a:r>
-            <a:endParaRPr lang="en-US" sz="2000">
-              <a:solidFill>
-                <a:schemeClr val="bg1"/>
-              </a:solidFill>
-            </a:endParaRPr>
-          </a:p>
-        </p:txBody>
-      </p:sp>
     </p:spTree>
     <p:extLst>
       <p:ext uri="{BB962C8B-B14F-4D97-AF65-F5344CB8AC3E}">
@@ -34555,6 +39427,13 @@
   <p:clrMapOvr>
     <a:masterClrMapping/>
   </p:clrMapOvr>
+  <p:timing>
+    <p:tnLst>
+      <p:par>
+        <p:cTn id="1" dur="indefinite" restart="never" nodeType="tmRoot"/>
+      </p:par>
+    </p:tnLst>
+  </p:timing>
 </p:sld>
 </file>
 
@@ -34656,24 +39535,32 @@
               <a:t> </a:t>
             </a:r>
             <a:r>
+              <a:rPr lang="en-US" sz="2800" b="1" dirty="0" err="1"/>
+              <a:t>menentukan</a:t>
+            </a:r>
+            <a:r>
+              <a:rPr lang="en-US" sz="2800" b="1" dirty="0"/>
+              <a:t> </a:t>
+            </a:r>
+            <a:r>
+              <a:rPr lang="en-US" sz="2800" b="1" dirty="0" smtClean="0"/>
+              <a:t>property </a:t>
+            </a:r>
+            <a:r>
+              <a:rPr lang="en-US" sz="2800" dirty="0"/>
+              <a:t>yang </a:t>
+            </a:r>
+            <a:r>
               <a:rPr lang="en-US" sz="2800" dirty="0" err="1"/>
-              <a:t>menentukan</a:t>
+              <a:t>nantinya</a:t>
             </a:r>
             <a:r>
               <a:rPr lang="en-US" sz="2800" dirty="0"/>
               <a:t> </a:t>
             </a:r>
             <a:r>
-              <a:rPr lang="en-US" sz="2800" dirty="0" smtClean="0"/>
-              <a:t>property </a:t>
-            </a:r>
-            <a:r>
-              <a:rPr lang="en-US" sz="2800" dirty="0"/>
-              <a:t>yang </a:t>
-            </a:r>
-            <a:r>
               <a:rPr lang="en-US" sz="2800" dirty="0" err="1"/>
-              <a:t>nantinya</a:t>
+              <a:t>dapat</a:t>
             </a:r>
             <a:r>
               <a:rPr lang="en-US" sz="2800" dirty="0"/>
@@ -34681,7 +39568,7 @@
             </a:r>
             <a:r>
               <a:rPr lang="en-US" sz="2800" dirty="0" err="1"/>
-              <a:t>dapat</a:t>
+              <a:t>digunakan</a:t>
             </a:r>
             <a:r>
               <a:rPr lang="en-US" sz="2800" dirty="0"/>
@@ -34689,30 +39576,22 @@
             </a:r>
             <a:r>
               <a:rPr lang="en-US" sz="2800" dirty="0" err="1"/>
-              <a:t>digunakan</a:t>
+              <a:t>untuk</a:t>
             </a:r>
             <a:r>
               <a:rPr lang="en-US" sz="2800" dirty="0"/>
               <a:t> </a:t>
             </a:r>
             <a:r>
-              <a:rPr lang="en-US" sz="2800" dirty="0" err="1"/>
-              <a:t>untuk</a:t>
-            </a:r>
-            <a:r>
-              <a:rPr lang="en-US" sz="2800" dirty="0"/>
+              <a:rPr lang="en-US" sz="2800" b="1" dirty="0" err="1"/>
+              <a:t>mendefinisikan</a:t>
+            </a:r>
+            <a:r>
+              <a:rPr lang="en-US" sz="2800" b="1" dirty="0"/>
               <a:t> </a:t>
             </a:r>
             <a:r>
-              <a:rPr lang="en-US" sz="2800" dirty="0" err="1"/>
-              <a:t>mendefinisikan</a:t>
-            </a:r>
-            <a:r>
-              <a:rPr lang="en-US" sz="2800" dirty="0"/>
-              <a:t> </a:t>
-            </a:r>
-            <a:r>
-              <a:rPr lang="en-US" sz="2800" dirty="0" err="1"/>
+              <a:rPr lang="en-US" sz="2800" b="1" dirty="0" err="1"/>
               <a:t>relasi</a:t>
             </a:r>
             <a:r>
@@ -34765,12 +39644,16 @@
               <a:t> </a:t>
             </a:r>
             <a:r>
-              <a:rPr lang="en-US" sz="2800" dirty="0" err="1"/>
+              <a:rPr lang="en-US" sz="2800" b="1" dirty="0" err="1"/>
               <a:t>memodelkan</a:t>
             </a:r>
             <a:r>
+              <a:rPr lang="en-US" sz="2800" b="1" dirty="0"/>
+              <a:t> proses reasoning</a:t>
+            </a:r>
+            <a:r>
               <a:rPr lang="en-US" sz="2800" dirty="0"/>
-              <a:t> proses reasoning </a:t>
+              <a:t> </a:t>
             </a:r>
             <a:r>
               <a:rPr lang="en-US" sz="2800" dirty="0" err="1"/>
@@ -34882,23 +39765,23 @@
               <a:t> </a:t>
             </a:r>
             <a:r>
-              <a:rPr lang="en-US" sz="2800" dirty="0" err="1"/>
+              <a:rPr lang="en-US" sz="2800" b="1" dirty="0" err="1"/>
               <a:t>visualisasi</a:t>
             </a:r>
             <a:r>
-              <a:rPr lang="en-US" sz="2800" dirty="0"/>
+              <a:rPr lang="en-US" sz="2800" b="1" dirty="0"/>
               <a:t> </a:t>
             </a:r>
             <a:r>
-              <a:rPr lang="en-US" sz="2800" dirty="0" err="1"/>
+              <a:rPr lang="en-US" sz="2800" b="1" dirty="0" err="1"/>
               <a:t>pohon</a:t>
             </a:r>
             <a:r>
-              <a:rPr lang="en-US" sz="2800" dirty="0"/>
+              <a:rPr lang="en-US" sz="2800" b="1" dirty="0"/>
               <a:t> </a:t>
             </a:r>
             <a:r>
-              <a:rPr lang="en-US" sz="2800" dirty="0" err="1"/>
+              <a:rPr lang="en-US" sz="2800" b="1" dirty="0" err="1"/>
               <a:t>keluarga</a:t>
             </a:r>
             <a:r>
@@ -34980,6 +39863,54 @@
           </a:p>
         </p:txBody>
       </p:sp>
+      <p:sp>
+        <p:nvSpPr>
+          <p:cNvPr id="7" name="Rectangle 6"/>
+          <p:cNvSpPr/>
+          <p:nvPr/>
+        </p:nvSpPr>
+        <p:spPr>
+          <a:xfrm>
+            <a:off x="395926" y="6186390"/>
+            <a:ext cx="1319752" cy="563202"/>
+          </a:xfrm>
+          <a:prstGeom prst="rect">
+            <a:avLst/>
+          </a:prstGeom>
+          <a:solidFill>
+            <a:schemeClr val="bg1"/>
+          </a:solidFill>
+          <a:ln>
+            <a:solidFill>
+              <a:schemeClr val="bg1"/>
+            </a:solidFill>
+          </a:ln>
+        </p:spPr>
+        <p:style>
+          <a:lnRef idx="2">
+            <a:schemeClr val="accent1">
+              <a:shade val="50000"/>
+            </a:schemeClr>
+          </a:lnRef>
+          <a:fillRef idx="1">
+            <a:schemeClr val="accent1"/>
+          </a:fillRef>
+          <a:effectRef idx="0">
+            <a:schemeClr val="accent1"/>
+          </a:effectRef>
+          <a:fontRef idx="minor">
+            <a:schemeClr val="lt1"/>
+          </a:fontRef>
+        </p:style>
+        <p:txBody>
+          <a:bodyPr rtlCol="0" anchor="ctr"/>
+          <a:lstStyle/>
+          <a:p>
+            <a:pPr algn="ctr"/>
+            <a:endParaRPr lang="en-US"/>
+          </a:p>
+        </p:txBody>
+      </p:sp>
     </p:spTree>
     <p:extLst>
       <p:ext uri="{BB962C8B-B14F-4D97-AF65-F5344CB8AC3E}">
@@ -34990,6 +39921,13 @@
   <p:clrMapOvr>
     <a:masterClrMapping/>
   </p:clrMapOvr>
+  <p:timing>
+    <p:tnLst>
+      <p:par>
+        <p:cTn id="1" dur="indefinite" restart="never" nodeType="tmRoot"/>
+      </p:par>
+    </p:tnLst>
+  </p:timing>
 </p:sld>
 </file>
 
@@ -35078,157 +40016,190 @@
           <a:bodyPr/>
           <a:lstStyle/>
           <a:p>
-            <a:pPr lvl="0"/>
-            <a:r>
-              <a:rPr lang="en-US" sz="1800"/>
+            <a:pPr marL="342900" lvl="0" indent="-342900">
+              <a:buFont typeface="+mj-lt"/>
+              <a:buAutoNum type="arabicPeriod"/>
+            </a:pPr>
+            <a:r>
+              <a:rPr lang="en-US" sz="2000"/>
               <a:t>Data yang digunakan adalah tokoh sejarah Indonesia dari DBpedia.</a:t>
             </a:r>
           </a:p>
           <a:p>
-            <a:pPr lvl="0"/>
-            <a:r>
-              <a:rPr lang="en-US" sz="1800"/>
+            <a:pPr marL="342900" lvl="0" indent="-342900">
+              <a:buFont typeface="+mj-lt"/>
+              <a:buAutoNum type="arabicPeriod"/>
+            </a:pPr>
+            <a:r>
+              <a:rPr lang="en-US" sz="2000"/>
               <a:t>Data bersumber dari artikel Wikipedia mengenai tokoh sejarah Indonesia.</a:t>
             </a:r>
           </a:p>
           <a:p>
-            <a:pPr lvl="0"/>
-            <a:r>
-              <a:rPr lang="en-US" sz="1800"/>
+            <a:pPr marL="342900" lvl="0" indent="-342900">
+              <a:buFont typeface="+mj-lt"/>
+              <a:buAutoNum type="arabicPeriod"/>
+            </a:pPr>
+            <a:r>
+              <a:rPr lang="en-US" sz="2000"/>
               <a:t>Platform pengembangan aplikasi adalah situs web. </a:t>
             </a:r>
           </a:p>
           <a:p>
-            <a:pPr lvl="0"/>
-            <a:r>
-              <a:rPr lang="en-US" sz="1800"/>
+            <a:pPr marL="342900" lvl="0" indent="-342900">
+              <a:buFont typeface="+mj-lt"/>
+              <a:buAutoNum type="arabicPeriod"/>
+            </a:pPr>
+            <a:r>
+              <a:rPr lang="en-US" sz="2000"/>
               <a:t>Data</a:t>
             </a:r>
             <a:r>
-              <a:rPr lang="id-ID" sz="1800"/>
+              <a:rPr lang="id-ID" sz="2000"/>
               <a:t> yang digunakan sebagai </a:t>
             </a:r>
             <a:r>
-              <a:rPr lang="id-ID" sz="1800" i="1"/>
+              <a:rPr lang="id-ID" sz="2000" i="1"/>
               <a:t>value </a:t>
             </a:r>
             <a:r>
-              <a:rPr lang="id-ID" sz="1800"/>
+              <a:rPr lang="id-ID" sz="2000"/>
               <a:t>properti </a:t>
             </a:r>
             <a:r>
-              <a:rPr lang="en-US" sz="1800"/>
+              <a:rPr lang="en-US" sz="2000"/>
               <a:t>bersumber dari </a:t>
             </a:r>
             <a:r>
-              <a:rPr lang="id-ID" sz="1800"/>
+              <a:rPr lang="id-ID" sz="2000"/>
               <a:t>isi properti</a:t>
             </a:r>
             <a:r>
-              <a:rPr lang="id-ID" sz="1800" i="1"/>
+              <a:rPr lang="id-ID" sz="2000" i="1"/>
               <a:t> </a:t>
             </a:r>
             <a:r>
-              <a:rPr lang="id-ID" sz="1800" smtClean="0"/>
+              <a:rPr lang="id-ID" sz="2000" smtClean="0"/>
               <a:t>DBpedia</a:t>
             </a:r>
             <a:r>
-              <a:rPr lang="en-US" sz="1800" smtClean="0"/>
+              <a:rPr lang="en-US" sz="2000" smtClean="0"/>
               <a:t>.</a:t>
             </a:r>
-            <a:endParaRPr lang="en-US" sz="1800"/>
-          </a:p>
-          <a:p>
-            <a:pPr lvl="0"/>
-            <a:r>
-              <a:rPr lang="en-US" sz="1800"/>
+            <a:endParaRPr lang="en-US" sz="2000"/>
+          </a:p>
+          <a:p>
+            <a:pPr marL="342900" lvl="0" indent="-342900">
+              <a:buFont typeface="+mj-lt"/>
+              <a:buAutoNum type="arabicPeriod"/>
+            </a:pPr>
+            <a:r>
+              <a:rPr lang="en-US" sz="2000"/>
               <a:t>Aplikasi tidak dapat menangani </a:t>
             </a:r>
             <a:r>
-              <a:rPr lang="en-US" sz="1800" i="1"/>
+              <a:rPr lang="en-US" sz="2000" i="1"/>
               <a:t>person</a:t>
             </a:r>
             <a:r>
-              <a:rPr lang="en-US" sz="1800"/>
+              <a:rPr lang="en-US" sz="2000"/>
               <a:t> yang tidak memiliki halaman DBpedia</a:t>
             </a:r>
             <a:r>
-              <a:rPr lang="en-US" sz="1800" smtClean="0"/>
+              <a:rPr lang="en-US" sz="2000" smtClean="0"/>
               <a:t>.</a:t>
             </a:r>
           </a:p>
           <a:p>
-            <a:pPr lvl="0"/>
-            <a:r>
-              <a:rPr lang="en-US" sz="1800" i="1" smtClean="0"/>
+            <a:pPr marL="342900" lvl="0" indent="-342900">
+              <a:buFont typeface="+mj-lt"/>
+              <a:buAutoNum type="arabicPeriod"/>
+            </a:pPr>
+            <a:r>
+              <a:rPr lang="en-US" sz="2000" i="1" smtClean="0"/>
               <a:t>Person </a:t>
             </a:r>
             <a:r>
-              <a:rPr lang="en-US" sz="1800" smtClean="0"/>
+              <a:rPr lang="en-US" sz="2000" smtClean="0"/>
               <a:t>yang tidak memiliki atribut nama atau label tidak akan ditampilkan.</a:t>
             </a:r>
-            <a:endParaRPr lang="en-US" sz="1800" i="1"/>
-          </a:p>
-          <a:p>
-            <a:pPr lvl="0"/>
-            <a:r>
-              <a:rPr lang="en-US" sz="1800"/>
+            <a:endParaRPr lang="en-US" sz="2000" i="1"/>
+          </a:p>
+          <a:p>
+            <a:pPr marL="342900" lvl="0" indent="-342900">
+              <a:buFont typeface="+mj-lt"/>
+              <a:buAutoNum type="arabicPeriod"/>
+            </a:pPr>
+            <a:r>
+              <a:rPr lang="en-US" sz="2000"/>
               <a:t>Batas relasi adalah ayah, ibu, saudara, istri, anak, menantu, cucu, pasangan cucu, dan cicit.</a:t>
             </a:r>
           </a:p>
           <a:p>
-            <a:pPr lvl="0"/>
-            <a:r>
-              <a:rPr lang="en-US" sz="1800"/>
+            <a:pPr marL="342900" lvl="0" indent="-342900">
+              <a:buFont typeface="+mj-lt"/>
+              <a:buAutoNum type="arabicPeriod"/>
+            </a:pPr>
+            <a:r>
+              <a:rPr lang="en-US" sz="2000"/>
               <a:t>Aplikasi sangat bergantung pada kelengkapan atribut data DBpedia.</a:t>
             </a:r>
           </a:p>
           <a:p>
-            <a:pPr lvl="0"/>
-            <a:r>
-              <a:rPr lang="en-US" sz="1800" i="1"/>
+            <a:pPr marL="342900" lvl="0" indent="-342900">
+              <a:buFont typeface="+mj-lt"/>
+              <a:buAutoNum type="arabicPeriod"/>
+            </a:pPr>
+            <a:r>
+              <a:rPr lang="en-US" sz="2000" i="1"/>
               <a:t>Reasoner </a:t>
             </a:r>
             <a:r>
-              <a:rPr lang="en-US" sz="1800"/>
+              <a:rPr lang="en-US" sz="2000"/>
               <a:t>yang digunakan adalah Pellet.</a:t>
             </a:r>
           </a:p>
           <a:p>
-            <a:pPr lvl="0"/>
-            <a:r>
-              <a:rPr lang="en-US" sz="1800"/>
+            <a:pPr marL="342900" lvl="0" indent="-342900">
+              <a:buFont typeface="+mj-lt"/>
+              <a:buAutoNum type="arabicPeriod"/>
+            </a:pPr>
+            <a:r>
+              <a:rPr lang="en-US" sz="2000"/>
               <a:t>Aplikasi yang dibuat tidak menyediakan </a:t>
             </a:r>
             <a:r>
-              <a:rPr lang="en-US" sz="1800" i="1"/>
+              <a:rPr lang="en-US" sz="2000" i="1"/>
               <a:t>form</a:t>
             </a:r>
             <a:r>
-              <a:rPr lang="en-US" sz="1800"/>
+              <a:rPr lang="en-US" sz="2000"/>
               <a:t> untuk pengelolaan data (tambah, ubah, hapus).</a:t>
             </a:r>
           </a:p>
           <a:p>
-            <a:pPr lvl="0"/>
-            <a:r>
-              <a:rPr lang="en-US" sz="1800"/>
+            <a:pPr marL="342900" lvl="0" indent="-342900">
+              <a:buFont typeface="+mj-lt"/>
+              <a:buAutoNum type="arabicPeriod"/>
+            </a:pPr>
+            <a:r>
+              <a:rPr lang="en-US" sz="2000"/>
               <a:t>Aplikasi yang dibuat hanya untuk menampilkan </a:t>
             </a:r>
             <a:r>
-              <a:rPr lang="id-ID" sz="1800"/>
+              <a:rPr lang="id-ID" sz="2000"/>
               <a:t>deskripsi </a:t>
             </a:r>
             <a:r>
-              <a:rPr lang="id-ID" sz="1800" i="1"/>
+              <a:rPr lang="id-ID" sz="2000" i="1"/>
               <a:t>person </a:t>
             </a:r>
             <a:r>
-              <a:rPr lang="id-ID" sz="1800"/>
+              <a:rPr lang="id-ID" sz="2000"/>
               <a:t>yang merupakan hasil dari ontologi yang dibangun</a:t>
             </a:r>
             <a:r>
-              <a:rPr lang="en-US" sz="1800"/>
+              <a:rPr lang="en-US" sz="2000"/>
               <a:t>.</a:t>
             </a:r>
           </a:p>
@@ -35285,6 +40256,54 @@
           </a:p>
         </p:txBody>
       </p:sp>
+      <p:sp>
+        <p:nvSpPr>
+          <p:cNvPr id="7" name="Rectangle 6"/>
+          <p:cNvSpPr/>
+          <p:nvPr/>
+        </p:nvSpPr>
+        <p:spPr>
+          <a:xfrm>
+            <a:off x="395926" y="6214671"/>
+            <a:ext cx="1319752" cy="563202"/>
+          </a:xfrm>
+          <a:prstGeom prst="rect">
+            <a:avLst/>
+          </a:prstGeom>
+          <a:solidFill>
+            <a:schemeClr val="bg1"/>
+          </a:solidFill>
+          <a:ln>
+            <a:solidFill>
+              <a:schemeClr val="bg1"/>
+            </a:solidFill>
+          </a:ln>
+        </p:spPr>
+        <p:style>
+          <a:lnRef idx="2">
+            <a:schemeClr val="accent1">
+              <a:shade val="50000"/>
+            </a:schemeClr>
+          </a:lnRef>
+          <a:fillRef idx="1">
+            <a:schemeClr val="accent1"/>
+          </a:fillRef>
+          <a:effectRef idx="0">
+            <a:schemeClr val="accent1"/>
+          </a:effectRef>
+          <a:fontRef idx="minor">
+            <a:schemeClr val="lt1"/>
+          </a:fontRef>
+        </p:style>
+        <p:txBody>
+          <a:bodyPr rtlCol="0" anchor="ctr"/>
+          <a:lstStyle/>
+          <a:p>
+            <a:pPr algn="ctr"/>
+            <a:endParaRPr lang="en-US"/>
+          </a:p>
+        </p:txBody>
+      </p:sp>
     </p:spTree>
     <p:extLst>
       <p:ext uri="{BB962C8B-B14F-4D97-AF65-F5344CB8AC3E}">
@@ -35295,6 +40314,13 @@
   <p:clrMapOvr>
     <a:masterClrMapping/>
   </p:clrMapOvr>
+  <p:timing>
+    <p:tnLst>
+      <p:par>
+        <p:cTn id="1" dur="indefinite" restart="never" nodeType="tmRoot"/>
+      </p:par>
+    </p:tnLst>
+  </p:timing>
 </p:sld>
 </file>
 
@@ -35937,6 +40963,54 @@
           </a:p>
         </p:txBody>
       </p:sp>
+      <p:sp>
+        <p:nvSpPr>
+          <p:cNvPr id="9" name="Rectangle 8"/>
+          <p:cNvSpPr/>
+          <p:nvPr/>
+        </p:nvSpPr>
+        <p:spPr>
+          <a:xfrm>
+            <a:off x="395926" y="6176963"/>
+            <a:ext cx="1319752" cy="563202"/>
+          </a:xfrm>
+          <a:prstGeom prst="rect">
+            <a:avLst/>
+          </a:prstGeom>
+          <a:solidFill>
+            <a:schemeClr val="bg1"/>
+          </a:solidFill>
+          <a:ln>
+            <a:solidFill>
+              <a:schemeClr val="bg1"/>
+            </a:solidFill>
+          </a:ln>
+        </p:spPr>
+        <p:style>
+          <a:lnRef idx="2">
+            <a:schemeClr val="accent1">
+              <a:shade val="50000"/>
+            </a:schemeClr>
+          </a:lnRef>
+          <a:fillRef idx="1">
+            <a:schemeClr val="accent1"/>
+          </a:fillRef>
+          <a:effectRef idx="0">
+            <a:schemeClr val="accent1"/>
+          </a:effectRef>
+          <a:fontRef idx="minor">
+            <a:schemeClr val="lt1"/>
+          </a:fontRef>
+        </p:style>
+        <p:txBody>
+          <a:bodyPr rtlCol="0" anchor="ctr"/>
+          <a:lstStyle/>
+          <a:p>
+            <a:pPr algn="ctr"/>
+            <a:endParaRPr lang="en-US"/>
+          </a:p>
+        </p:txBody>
+      </p:sp>
     </p:spTree>
     <p:extLst>
       <p:ext uri="{BB962C8B-B14F-4D97-AF65-F5344CB8AC3E}">
@@ -35947,6 +41021,13 @@
   <p:clrMapOvr>
     <a:masterClrMapping/>
   </p:clrMapOvr>
+  <p:timing>
+    <p:tnLst>
+      <p:par>
+        <p:cTn id="1" dur="indefinite" restart="never" nodeType="tmRoot"/>
+      </p:par>
+    </p:tnLst>
+  </p:timing>
 </p:sld>
 </file>
 
@@ -36119,6 +41200,54 @@
           </a:prstGeom>
         </p:spPr>
       </p:pic>
+      <p:sp>
+        <p:nvSpPr>
+          <p:cNvPr id="8" name="Rectangle 7"/>
+          <p:cNvSpPr/>
+          <p:nvPr/>
+        </p:nvSpPr>
+        <p:spPr>
+          <a:xfrm>
+            <a:off x="395926" y="6176963"/>
+            <a:ext cx="1319752" cy="563202"/>
+          </a:xfrm>
+          <a:prstGeom prst="rect">
+            <a:avLst/>
+          </a:prstGeom>
+          <a:solidFill>
+            <a:schemeClr val="bg1"/>
+          </a:solidFill>
+          <a:ln>
+            <a:solidFill>
+              <a:schemeClr val="bg1"/>
+            </a:solidFill>
+          </a:ln>
+        </p:spPr>
+        <p:style>
+          <a:lnRef idx="2">
+            <a:schemeClr val="accent1">
+              <a:shade val="50000"/>
+            </a:schemeClr>
+          </a:lnRef>
+          <a:fillRef idx="1">
+            <a:schemeClr val="accent1"/>
+          </a:fillRef>
+          <a:effectRef idx="0">
+            <a:schemeClr val="accent1"/>
+          </a:effectRef>
+          <a:fontRef idx="minor">
+            <a:schemeClr val="lt1"/>
+          </a:fontRef>
+        </p:style>
+        <p:txBody>
+          <a:bodyPr rtlCol="0" anchor="ctr"/>
+          <a:lstStyle/>
+          <a:p>
+            <a:pPr algn="ctr"/>
+            <a:endParaRPr lang="en-US"/>
+          </a:p>
+        </p:txBody>
+      </p:sp>
     </p:spTree>
     <p:extLst>
       <p:ext uri="{BB962C8B-B14F-4D97-AF65-F5344CB8AC3E}">
@@ -36129,6 +41258,13 @@
   <p:clrMapOvr>
     <a:masterClrMapping/>
   </p:clrMapOvr>
+  <p:timing>
+    <p:tnLst>
+      <p:par>
+        <p:cTn id="1" dur="indefinite" restart="never" nodeType="tmRoot"/>
+      </p:par>
+    </p:tnLst>
+  </p:timing>
 </p:sld>
 </file>
 
@@ -36410,6 +41546,54 @@
           </a:prstGeom>
         </p:spPr>
       </p:pic>
+      <p:sp>
+        <p:nvSpPr>
+          <p:cNvPr id="9" name="Rectangle 8"/>
+          <p:cNvSpPr/>
+          <p:nvPr/>
+        </p:nvSpPr>
+        <p:spPr>
+          <a:xfrm>
+            <a:off x="395926" y="6176963"/>
+            <a:ext cx="1319752" cy="563202"/>
+          </a:xfrm>
+          <a:prstGeom prst="rect">
+            <a:avLst/>
+          </a:prstGeom>
+          <a:solidFill>
+            <a:schemeClr val="bg1"/>
+          </a:solidFill>
+          <a:ln>
+            <a:solidFill>
+              <a:schemeClr val="bg1"/>
+            </a:solidFill>
+          </a:ln>
+        </p:spPr>
+        <p:style>
+          <a:lnRef idx="2">
+            <a:schemeClr val="accent1">
+              <a:shade val="50000"/>
+            </a:schemeClr>
+          </a:lnRef>
+          <a:fillRef idx="1">
+            <a:schemeClr val="accent1"/>
+          </a:fillRef>
+          <a:effectRef idx="0">
+            <a:schemeClr val="accent1"/>
+          </a:effectRef>
+          <a:fontRef idx="minor">
+            <a:schemeClr val="lt1"/>
+          </a:fontRef>
+        </p:style>
+        <p:txBody>
+          <a:bodyPr rtlCol="0" anchor="ctr"/>
+          <a:lstStyle/>
+          <a:p>
+            <a:pPr algn="ctr"/>
+            <a:endParaRPr lang="en-US"/>
+          </a:p>
+        </p:txBody>
+      </p:sp>
     </p:spTree>
     <p:extLst>
       <p:ext uri="{BB962C8B-B14F-4D97-AF65-F5344CB8AC3E}">
@@ -36420,6 +41604,13 @@
   <p:clrMapOvr>
     <a:masterClrMapping/>
   </p:clrMapOvr>
+  <p:timing>
+    <p:tnLst>
+      <p:par>
+        <p:cTn id="1" dur="indefinite" restart="never" nodeType="tmRoot"/>
+      </p:par>
+    </p:tnLst>
+  </p:timing>
 </p:sld>
 </file>
 

--- a/05111540000007-Faiq-Presentasi.pptx
+++ b/05111540000007-Faiq-Presentasi.pptx
@@ -2359,686 +2359,6 @@
       <dsp:cNvGrpSpPr/>
     </dsp:nvGrpSpPr>
     <dsp:grpSpPr/>
-    <dsp:sp modelId="{40AD3799-C167-4D3B-BD05-3BAEC85C844F}">
-      <dsp:nvSpPr>
-        <dsp:cNvPr id="0" name=""/>
-        <dsp:cNvSpPr/>
-      </dsp:nvSpPr>
-      <dsp:spPr>
-        <a:xfrm>
-          <a:off x="7143" y="1001183"/>
-          <a:ext cx="2135187" cy="1281112"/>
-        </a:xfrm>
-        <a:prstGeom prst="roundRect">
-          <a:avLst>
-            <a:gd name="adj" fmla="val 10000"/>
-          </a:avLst>
-        </a:prstGeom>
-        <a:solidFill>
-          <a:schemeClr val="accent1">
-            <a:hueOff val="0"/>
-            <a:satOff val="0"/>
-            <a:lumOff val="0"/>
-            <a:alphaOff val="0"/>
-          </a:schemeClr>
-        </a:solidFill>
-        <a:ln w="12700" cap="flat" cmpd="sng" algn="ctr">
-          <a:solidFill>
-            <a:schemeClr val="lt1">
-              <a:hueOff val="0"/>
-              <a:satOff val="0"/>
-              <a:lumOff val="0"/>
-              <a:alphaOff val="0"/>
-            </a:schemeClr>
-          </a:solidFill>
-          <a:prstDash val="solid"/>
-          <a:miter lim="800000"/>
-        </a:ln>
-        <a:effectLst/>
-      </dsp:spPr>
-      <dsp:style>
-        <a:lnRef idx="2">
-          <a:scrgbClr r="0" g="0" b="0"/>
-        </a:lnRef>
-        <a:fillRef idx="1">
-          <a:scrgbClr r="0" g="0" b="0"/>
-        </a:fillRef>
-        <a:effectRef idx="0">
-          <a:scrgbClr r="0" g="0" b="0"/>
-        </a:effectRef>
-        <a:fontRef idx="minor">
-          <a:schemeClr val="lt1"/>
-        </a:fontRef>
-      </dsp:style>
-      <dsp:txBody>
-        <a:bodyPr spcFirstLastPara="0" vert="horz" wrap="square" lIns="68580" tIns="68580" rIns="68580" bIns="68580" numCol="1" spcCol="1270" anchor="ctr" anchorCtr="0">
-          <a:noAutofit/>
-        </a:bodyPr>
-        <a:lstStyle/>
-        <a:p>
-          <a:pPr lvl="0" algn="ctr" defTabSz="800100">
-            <a:lnSpc>
-              <a:spcPct val="90000"/>
-            </a:lnSpc>
-            <a:spcBef>
-              <a:spcPct val="0"/>
-            </a:spcBef>
-            <a:spcAft>
-              <a:spcPct val="35000"/>
-            </a:spcAft>
-          </a:pPr>
-          <a:r>
-            <a:rPr lang="en-US" sz="1800" kern="1200" smtClean="0"/>
-            <a:t>Unduh file RDF tokoh DBpedia</a:t>
-          </a:r>
-          <a:endParaRPr lang="en-US" sz="1800" kern="1200"/>
-        </a:p>
-      </dsp:txBody>
-      <dsp:txXfrm>
-        <a:off x="44665" y="1038705"/>
-        <a:ext cx="2060143" cy="1206068"/>
-      </dsp:txXfrm>
-    </dsp:sp>
-    <dsp:sp modelId="{AC0006F9-2FA8-434E-9C3E-8AAE8FBF33DC}">
-      <dsp:nvSpPr>
-        <dsp:cNvPr id="0" name=""/>
-        <dsp:cNvSpPr/>
-      </dsp:nvSpPr>
-      <dsp:spPr>
-        <a:xfrm>
-          <a:off x="2330227" y="1376976"/>
-          <a:ext cx="452659" cy="529526"/>
-        </a:xfrm>
-        <a:prstGeom prst="rightArrow">
-          <a:avLst>
-            <a:gd name="adj1" fmla="val 60000"/>
-            <a:gd name="adj2" fmla="val 50000"/>
-          </a:avLst>
-        </a:prstGeom>
-        <a:solidFill>
-          <a:schemeClr val="accent1">
-            <a:tint val="60000"/>
-            <a:hueOff val="0"/>
-            <a:satOff val="0"/>
-            <a:lumOff val="0"/>
-            <a:alphaOff val="0"/>
-          </a:schemeClr>
-        </a:solidFill>
-        <a:ln>
-          <a:noFill/>
-        </a:ln>
-        <a:effectLst/>
-      </dsp:spPr>
-      <dsp:style>
-        <a:lnRef idx="0">
-          <a:scrgbClr r="0" g="0" b="0"/>
-        </a:lnRef>
-        <a:fillRef idx="1">
-          <a:scrgbClr r="0" g="0" b="0"/>
-        </a:fillRef>
-        <a:effectRef idx="0">
-          <a:scrgbClr r="0" g="0" b="0"/>
-        </a:effectRef>
-        <a:fontRef idx="minor">
-          <a:schemeClr val="lt1"/>
-        </a:fontRef>
-      </dsp:style>
-      <dsp:txBody>
-        <a:bodyPr spcFirstLastPara="0" vert="horz" wrap="square" lIns="0" tIns="0" rIns="0" bIns="0" numCol="1" spcCol="1270" anchor="ctr" anchorCtr="0">
-          <a:noAutofit/>
-        </a:bodyPr>
-        <a:lstStyle/>
-        <a:p>
-          <a:pPr lvl="0" algn="ctr" defTabSz="666750">
-            <a:lnSpc>
-              <a:spcPct val="90000"/>
-            </a:lnSpc>
-            <a:spcBef>
-              <a:spcPct val="0"/>
-            </a:spcBef>
-            <a:spcAft>
-              <a:spcPct val="35000"/>
-            </a:spcAft>
-          </a:pPr>
-          <a:endParaRPr lang="en-US" sz="1500" kern="1200"/>
-        </a:p>
-      </dsp:txBody>
-      <dsp:txXfrm>
-        <a:off x="2330227" y="1482881"/>
-        <a:ext cx="316861" cy="317716"/>
-      </dsp:txXfrm>
-    </dsp:sp>
-    <dsp:sp modelId="{E73E5B6E-70C9-4D6A-9A48-04BCF1BB6746}">
-      <dsp:nvSpPr>
-        <dsp:cNvPr id="0" name=""/>
-        <dsp:cNvSpPr/>
-      </dsp:nvSpPr>
-      <dsp:spPr>
-        <a:xfrm>
-          <a:off x="2996406" y="1001183"/>
-          <a:ext cx="2135187" cy="1281112"/>
-        </a:xfrm>
-        <a:prstGeom prst="roundRect">
-          <a:avLst>
-            <a:gd name="adj" fmla="val 10000"/>
-          </a:avLst>
-        </a:prstGeom>
-        <a:solidFill>
-          <a:schemeClr val="accent1">
-            <a:hueOff val="0"/>
-            <a:satOff val="0"/>
-            <a:lumOff val="0"/>
-            <a:alphaOff val="0"/>
-          </a:schemeClr>
-        </a:solidFill>
-        <a:ln w="12700" cap="flat" cmpd="sng" algn="ctr">
-          <a:solidFill>
-            <a:schemeClr val="lt1">
-              <a:hueOff val="0"/>
-              <a:satOff val="0"/>
-              <a:lumOff val="0"/>
-              <a:alphaOff val="0"/>
-            </a:schemeClr>
-          </a:solidFill>
-          <a:prstDash val="solid"/>
-          <a:miter lim="800000"/>
-        </a:ln>
-        <a:effectLst/>
-      </dsp:spPr>
-      <dsp:style>
-        <a:lnRef idx="2">
-          <a:scrgbClr r="0" g="0" b="0"/>
-        </a:lnRef>
-        <a:fillRef idx="1">
-          <a:scrgbClr r="0" g="0" b="0"/>
-        </a:fillRef>
-        <a:effectRef idx="0">
-          <a:scrgbClr r="0" g="0" b="0"/>
-        </a:effectRef>
-        <a:fontRef idx="minor">
-          <a:schemeClr val="lt1"/>
-        </a:fontRef>
-      </dsp:style>
-      <dsp:txBody>
-        <a:bodyPr spcFirstLastPara="0" vert="horz" wrap="square" lIns="68580" tIns="68580" rIns="68580" bIns="68580" numCol="1" spcCol="1270" anchor="ctr" anchorCtr="0">
-          <a:noAutofit/>
-        </a:bodyPr>
-        <a:lstStyle/>
-        <a:p>
-          <a:pPr lvl="0" algn="ctr" defTabSz="800100">
-            <a:lnSpc>
-              <a:spcPct val="90000"/>
-            </a:lnSpc>
-            <a:spcBef>
-              <a:spcPct val="0"/>
-            </a:spcBef>
-            <a:spcAft>
-              <a:spcPct val="35000"/>
-            </a:spcAft>
-          </a:pPr>
-          <a:r>
-            <a:rPr lang="en-US" sz="1800" kern="1200" smtClean="0"/>
-            <a:t>Pemodelan file RDF tokoh</a:t>
-          </a:r>
-          <a:endParaRPr lang="en-US" sz="1800" kern="1200"/>
-        </a:p>
-      </dsp:txBody>
-      <dsp:txXfrm>
-        <a:off x="3033928" y="1038705"/>
-        <a:ext cx="2060143" cy="1206068"/>
-      </dsp:txXfrm>
-    </dsp:sp>
-    <dsp:sp modelId="{8A1C7D42-2690-49D3-8662-9F1F6D78CD12}">
-      <dsp:nvSpPr>
-        <dsp:cNvPr id="0" name=""/>
-        <dsp:cNvSpPr/>
-      </dsp:nvSpPr>
-      <dsp:spPr>
-        <a:xfrm>
-          <a:off x="5319490" y="1376976"/>
-          <a:ext cx="452659" cy="529526"/>
-        </a:xfrm>
-        <a:prstGeom prst="rightArrow">
-          <a:avLst>
-            <a:gd name="adj1" fmla="val 60000"/>
-            <a:gd name="adj2" fmla="val 50000"/>
-          </a:avLst>
-        </a:prstGeom>
-        <a:solidFill>
-          <a:schemeClr val="accent1">
-            <a:tint val="60000"/>
-            <a:hueOff val="0"/>
-            <a:satOff val="0"/>
-            <a:lumOff val="0"/>
-            <a:alphaOff val="0"/>
-          </a:schemeClr>
-        </a:solidFill>
-        <a:ln>
-          <a:noFill/>
-        </a:ln>
-        <a:effectLst/>
-      </dsp:spPr>
-      <dsp:style>
-        <a:lnRef idx="0">
-          <a:scrgbClr r="0" g="0" b="0"/>
-        </a:lnRef>
-        <a:fillRef idx="1">
-          <a:scrgbClr r="0" g="0" b="0"/>
-        </a:fillRef>
-        <a:effectRef idx="0">
-          <a:scrgbClr r="0" g="0" b="0"/>
-        </a:effectRef>
-        <a:fontRef idx="minor">
-          <a:schemeClr val="lt1"/>
-        </a:fontRef>
-      </dsp:style>
-      <dsp:txBody>
-        <a:bodyPr spcFirstLastPara="0" vert="horz" wrap="square" lIns="0" tIns="0" rIns="0" bIns="0" numCol="1" spcCol="1270" anchor="ctr" anchorCtr="0">
-          <a:noAutofit/>
-        </a:bodyPr>
-        <a:lstStyle/>
-        <a:p>
-          <a:pPr lvl="0" algn="ctr" defTabSz="666750">
-            <a:lnSpc>
-              <a:spcPct val="90000"/>
-            </a:lnSpc>
-            <a:spcBef>
-              <a:spcPct val="0"/>
-            </a:spcBef>
-            <a:spcAft>
-              <a:spcPct val="35000"/>
-            </a:spcAft>
-          </a:pPr>
-          <a:endParaRPr lang="en-US" sz="1500" kern="1200"/>
-        </a:p>
-      </dsp:txBody>
-      <dsp:txXfrm>
-        <a:off x="5319490" y="1482881"/>
-        <a:ext cx="316861" cy="317716"/>
-      </dsp:txXfrm>
-    </dsp:sp>
-    <dsp:sp modelId="{429D9C87-E07D-462D-BFE4-100D443F346E}">
-      <dsp:nvSpPr>
-        <dsp:cNvPr id="0" name=""/>
-        <dsp:cNvSpPr/>
-      </dsp:nvSpPr>
-      <dsp:spPr>
-        <a:xfrm>
-          <a:off x="5985668" y="1001183"/>
-          <a:ext cx="2135187" cy="1281112"/>
-        </a:xfrm>
-        <a:prstGeom prst="roundRect">
-          <a:avLst>
-            <a:gd name="adj" fmla="val 10000"/>
-          </a:avLst>
-        </a:prstGeom>
-        <a:solidFill>
-          <a:schemeClr val="accent1">
-            <a:hueOff val="0"/>
-            <a:satOff val="0"/>
-            <a:lumOff val="0"/>
-            <a:alphaOff val="0"/>
-          </a:schemeClr>
-        </a:solidFill>
-        <a:ln w="12700" cap="flat" cmpd="sng" algn="ctr">
-          <a:solidFill>
-            <a:schemeClr val="lt1">
-              <a:hueOff val="0"/>
-              <a:satOff val="0"/>
-              <a:lumOff val="0"/>
-              <a:alphaOff val="0"/>
-            </a:schemeClr>
-          </a:solidFill>
-          <a:prstDash val="solid"/>
-          <a:miter lim="800000"/>
-        </a:ln>
-        <a:effectLst/>
-      </dsp:spPr>
-      <dsp:style>
-        <a:lnRef idx="2">
-          <a:scrgbClr r="0" g="0" b="0"/>
-        </a:lnRef>
-        <a:fillRef idx="1">
-          <a:scrgbClr r="0" g="0" b="0"/>
-        </a:fillRef>
-        <a:effectRef idx="0">
-          <a:scrgbClr r="0" g="0" b="0"/>
-        </a:effectRef>
-        <a:fontRef idx="minor">
-          <a:schemeClr val="lt1"/>
-        </a:fontRef>
-      </dsp:style>
-      <dsp:txBody>
-        <a:bodyPr spcFirstLastPara="0" vert="horz" wrap="square" lIns="68580" tIns="68580" rIns="68580" bIns="68580" numCol="1" spcCol="1270" anchor="ctr" anchorCtr="0">
-          <a:noAutofit/>
-        </a:bodyPr>
-        <a:lstStyle/>
-        <a:p>
-          <a:pPr lvl="0" algn="ctr" defTabSz="800100">
-            <a:lnSpc>
-              <a:spcPct val="90000"/>
-            </a:lnSpc>
-            <a:spcBef>
-              <a:spcPct val="0"/>
-            </a:spcBef>
-            <a:spcAft>
-              <a:spcPct val="35000"/>
-            </a:spcAft>
-          </a:pPr>
-          <a:r>
-            <a:rPr lang="en-US" sz="1800" kern="1200" smtClean="0"/>
-            <a:t>Penggabungan model tokoh dengan </a:t>
-          </a:r>
-          <a:r>
-            <a:rPr lang="en-US" sz="1800" i="1" kern="1200" smtClean="0"/>
-            <a:t>Family Relationship Ontology</a:t>
-          </a:r>
-          <a:endParaRPr lang="en-US" sz="1800" kern="1200"/>
-        </a:p>
-      </dsp:txBody>
-      <dsp:txXfrm>
-        <a:off x="6023190" y="1038705"/>
-        <a:ext cx="2060143" cy="1206068"/>
-      </dsp:txXfrm>
-    </dsp:sp>
-    <dsp:sp modelId="{4C8F4061-453C-4E1A-8E10-5F5884D8BA6B}">
-      <dsp:nvSpPr>
-        <dsp:cNvPr id="0" name=""/>
-        <dsp:cNvSpPr/>
-      </dsp:nvSpPr>
-      <dsp:spPr>
-        <a:xfrm rot="5400000">
-          <a:off x="6826932" y="2431759"/>
-          <a:ext cx="452659" cy="529526"/>
-        </a:xfrm>
-        <a:prstGeom prst="rightArrow">
-          <a:avLst>
-            <a:gd name="adj1" fmla="val 60000"/>
-            <a:gd name="adj2" fmla="val 50000"/>
-          </a:avLst>
-        </a:prstGeom>
-        <a:solidFill>
-          <a:schemeClr val="accent1">
-            <a:tint val="60000"/>
-            <a:hueOff val="0"/>
-            <a:satOff val="0"/>
-            <a:lumOff val="0"/>
-            <a:alphaOff val="0"/>
-          </a:schemeClr>
-        </a:solidFill>
-        <a:ln>
-          <a:noFill/>
-        </a:ln>
-        <a:effectLst/>
-      </dsp:spPr>
-      <dsp:style>
-        <a:lnRef idx="0">
-          <a:scrgbClr r="0" g="0" b="0"/>
-        </a:lnRef>
-        <a:fillRef idx="1">
-          <a:scrgbClr r="0" g="0" b="0"/>
-        </a:fillRef>
-        <a:effectRef idx="0">
-          <a:scrgbClr r="0" g="0" b="0"/>
-        </a:effectRef>
-        <a:fontRef idx="minor">
-          <a:schemeClr val="lt1"/>
-        </a:fontRef>
-      </dsp:style>
-      <dsp:txBody>
-        <a:bodyPr spcFirstLastPara="0" vert="horz" wrap="square" lIns="0" tIns="0" rIns="0" bIns="0" numCol="1" spcCol="1270" anchor="ctr" anchorCtr="0">
-          <a:noAutofit/>
-        </a:bodyPr>
-        <a:lstStyle/>
-        <a:p>
-          <a:pPr lvl="0" algn="ctr" defTabSz="666750">
-            <a:lnSpc>
-              <a:spcPct val="90000"/>
-            </a:lnSpc>
-            <a:spcBef>
-              <a:spcPct val="0"/>
-            </a:spcBef>
-            <a:spcAft>
-              <a:spcPct val="35000"/>
-            </a:spcAft>
-          </a:pPr>
-          <a:endParaRPr lang="en-US" sz="1500" kern="1200"/>
-        </a:p>
-      </dsp:txBody>
-      <dsp:txXfrm rot="-5400000">
-        <a:off x="6894404" y="2470192"/>
-        <a:ext cx="317716" cy="316861"/>
-      </dsp:txXfrm>
-    </dsp:sp>
-    <dsp:sp modelId="{C70EF33C-E069-4530-8080-C2321E05A449}">
-      <dsp:nvSpPr>
-        <dsp:cNvPr id="0" name=""/>
-        <dsp:cNvSpPr/>
-      </dsp:nvSpPr>
-      <dsp:spPr>
-        <a:xfrm>
-          <a:off x="5985668" y="3136371"/>
-          <a:ext cx="2135187" cy="1281112"/>
-        </a:xfrm>
-        <a:prstGeom prst="roundRect">
-          <a:avLst>
-            <a:gd name="adj" fmla="val 10000"/>
-          </a:avLst>
-        </a:prstGeom>
-        <a:solidFill>
-          <a:schemeClr val="accent1">
-            <a:hueOff val="0"/>
-            <a:satOff val="0"/>
-            <a:lumOff val="0"/>
-            <a:alphaOff val="0"/>
-          </a:schemeClr>
-        </a:solidFill>
-        <a:ln w="12700" cap="flat" cmpd="sng" algn="ctr">
-          <a:solidFill>
-            <a:schemeClr val="lt1">
-              <a:hueOff val="0"/>
-              <a:satOff val="0"/>
-              <a:lumOff val="0"/>
-              <a:alphaOff val="0"/>
-            </a:schemeClr>
-          </a:solidFill>
-          <a:prstDash val="solid"/>
-          <a:miter lim="800000"/>
-        </a:ln>
-        <a:effectLst/>
-      </dsp:spPr>
-      <dsp:style>
-        <a:lnRef idx="2">
-          <a:scrgbClr r="0" g="0" b="0"/>
-        </a:lnRef>
-        <a:fillRef idx="1">
-          <a:scrgbClr r="0" g="0" b="0"/>
-        </a:fillRef>
-        <a:effectRef idx="0">
-          <a:scrgbClr r="0" g="0" b="0"/>
-        </a:effectRef>
-        <a:fontRef idx="minor">
-          <a:schemeClr val="lt1"/>
-        </a:fontRef>
-      </dsp:style>
-      <dsp:txBody>
-        <a:bodyPr spcFirstLastPara="0" vert="horz" wrap="square" lIns="68580" tIns="68580" rIns="68580" bIns="68580" numCol="1" spcCol="1270" anchor="ctr" anchorCtr="0">
-          <a:noAutofit/>
-        </a:bodyPr>
-        <a:lstStyle/>
-        <a:p>
-          <a:pPr lvl="0" algn="ctr" defTabSz="800100">
-            <a:lnSpc>
-              <a:spcPct val="90000"/>
-            </a:lnSpc>
-            <a:spcBef>
-              <a:spcPct val="0"/>
-            </a:spcBef>
-            <a:spcAft>
-              <a:spcPct val="35000"/>
-            </a:spcAft>
-          </a:pPr>
-          <a:r>
-            <a:rPr lang="en-US" sz="1800" kern="1200" smtClean="0"/>
-            <a:t>Reasoning</a:t>
-          </a:r>
-          <a:endParaRPr lang="en-US" sz="1800" kern="1200"/>
-        </a:p>
-      </dsp:txBody>
-      <dsp:txXfrm>
-        <a:off x="6023190" y="3173893"/>
-        <a:ext cx="2060143" cy="1206068"/>
-      </dsp:txXfrm>
-    </dsp:sp>
-    <dsp:sp modelId="{B5EC5973-7E95-417E-BA33-C450CF622691}">
-      <dsp:nvSpPr>
-        <dsp:cNvPr id="0" name=""/>
-        <dsp:cNvSpPr/>
-      </dsp:nvSpPr>
-      <dsp:spPr>
-        <a:xfrm rot="10800000">
-          <a:off x="5345112" y="3512163"/>
-          <a:ext cx="452659" cy="529526"/>
-        </a:xfrm>
-        <a:prstGeom prst="rightArrow">
-          <a:avLst>
-            <a:gd name="adj1" fmla="val 60000"/>
-            <a:gd name="adj2" fmla="val 50000"/>
-          </a:avLst>
-        </a:prstGeom>
-        <a:solidFill>
-          <a:schemeClr val="accent1">
-            <a:tint val="60000"/>
-            <a:hueOff val="0"/>
-            <a:satOff val="0"/>
-            <a:lumOff val="0"/>
-            <a:alphaOff val="0"/>
-          </a:schemeClr>
-        </a:solidFill>
-        <a:ln>
-          <a:noFill/>
-        </a:ln>
-        <a:effectLst/>
-      </dsp:spPr>
-      <dsp:style>
-        <a:lnRef idx="0">
-          <a:scrgbClr r="0" g="0" b="0"/>
-        </a:lnRef>
-        <a:fillRef idx="1">
-          <a:scrgbClr r="0" g="0" b="0"/>
-        </a:fillRef>
-        <a:effectRef idx="0">
-          <a:scrgbClr r="0" g="0" b="0"/>
-        </a:effectRef>
-        <a:fontRef idx="minor">
-          <a:schemeClr val="lt1"/>
-        </a:fontRef>
-      </dsp:style>
-      <dsp:txBody>
-        <a:bodyPr spcFirstLastPara="0" vert="horz" wrap="square" lIns="0" tIns="0" rIns="0" bIns="0" numCol="1" spcCol="1270" anchor="ctr" anchorCtr="0">
-          <a:noAutofit/>
-        </a:bodyPr>
-        <a:lstStyle/>
-        <a:p>
-          <a:pPr lvl="0" algn="ctr" defTabSz="666750">
-            <a:lnSpc>
-              <a:spcPct val="90000"/>
-            </a:lnSpc>
-            <a:spcBef>
-              <a:spcPct val="0"/>
-            </a:spcBef>
-            <a:spcAft>
-              <a:spcPct val="35000"/>
-            </a:spcAft>
-          </a:pPr>
-          <a:endParaRPr lang="en-US" sz="1500" kern="1200"/>
-        </a:p>
-      </dsp:txBody>
-      <dsp:txXfrm rot="10800000">
-        <a:off x="5480910" y="3618068"/>
-        <a:ext cx="316861" cy="317716"/>
-      </dsp:txXfrm>
-    </dsp:sp>
-    <dsp:sp modelId="{43744F74-5A04-409E-86C9-0A9A2C6EF963}">
-      <dsp:nvSpPr>
-        <dsp:cNvPr id="0" name=""/>
-        <dsp:cNvSpPr/>
-      </dsp:nvSpPr>
-      <dsp:spPr>
-        <a:xfrm>
-          <a:off x="2996406" y="3136370"/>
-          <a:ext cx="2135187" cy="1281112"/>
-        </a:xfrm>
-        <a:prstGeom prst="roundRect">
-          <a:avLst>
-            <a:gd name="adj" fmla="val 10000"/>
-          </a:avLst>
-        </a:prstGeom>
-        <a:solidFill>
-          <a:schemeClr val="accent1">
-            <a:hueOff val="0"/>
-            <a:satOff val="0"/>
-            <a:lumOff val="0"/>
-            <a:alphaOff val="0"/>
-          </a:schemeClr>
-        </a:solidFill>
-        <a:ln w="12700" cap="flat" cmpd="sng" algn="ctr">
-          <a:solidFill>
-            <a:schemeClr val="lt1">
-              <a:hueOff val="0"/>
-              <a:satOff val="0"/>
-              <a:lumOff val="0"/>
-              <a:alphaOff val="0"/>
-            </a:schemeClr>
-          </a:solidFill>
-          <a:prstDash val="solid"/>
-          <a:miter lim="800000"/>
-        </a:ln>
-        <a:effectLst/>
-      </dsp:spPr>
-      <dsp:style>
-        <a:lnRef idx="2">
-          <a:scrgbClr r="0" g="0" b="0"/>
-        </a:lnRef>
-        <a:fillRef idx="1">
-          <a:scrgbClr r="0" g="0" b="0"/>
-        </a:fillRef>
-        <a:effectRef idx="0">
-          <a:scrgbClr r="0" g="0" b="0"/>
-        </a:effectRef>
-        <a:fontRef idx="minor">
-          <a:schemeClr val="lt1"/>
-        </a:fontRef>
-      </dsp:style>
-      <dsp:txBody>
-        <a:bodyPr spcFirstLastPara="0" vert="horz" wrap="square" lIns="68580" tIns="68580" rIns="68580" bIns="68580" numCol="1" spcCol="1270" anchor="ctr" anchorCtr="0">
-          <a:noAutofit/>
-        </a:bodyPr>
-        <a:lstStyle/>
-        <a:p>
-          <a:pPr lvl="0" algn="ctr" defTabSz="800100">
-            <a:lnSpc>
-              <a:spcPct val="90000"/>
-            </a:lnSpc>
-            <a:spcBef>
-              <a:spcPct val="0"/>
-            </a:spcBef>
-            <a:spcAft>
-              <a:spcPct val="35000"/>
-            </a:spcAft>
-          </a:pPr>
-          <a:r>
-            <a:rPr lang="en-US" sz="1800" kern="1200" smtClean="0"/>
-            <a:t>Mencetak model hasil reasoning</a:t>
-          </a:r>
-          <a:endParaRPr lang="en-US" sz="1800" kern="1200"/>
-        </a:p>
-      </dsp:txBody>
-      <dsp:txXfrm>
-        <a:off x="3033928" y="3173892"/>
-        <a:ext cx="2060143" cy="1206068"/>
-      </dsp:txXfrm>
-    </dsp:sp>
   </dsp:spTree>
 </dsp:drawing>
 </file>
@@ -3051,384 +2371,6 @@
       <dsp:cNvGrpSpPr/>
     </dsp:nvGrpSpPr>
     <dsp:grpSpPr/>
-    <dsp:sp modelId="{CB39116F-EB91-404F-85AA-B1CB5796507D}">
-      <dsp:nvSpPr>
-        <dsp:cNvPr id="0" name=""/>
-        <dsp:cNvSpPr/>
-      </dsp:nvSpPr>
-      <dsp:spPr>
-        <a:xfrm>
-          <a:off x="298748" y="2110"/>
-          <a:ext cx="2331327" cy="1398796"/>
-        </a:xfrm>
-        <a:prstGeom prst="roundRect">
-          <a:avLst>
-            <a:gd name="adj" fmla="val 10000"/>
-          </a:avLst>
-        </a:prstGeom>
-        <a:solidFill>
-          <a:schemeClr val="accent1">
-            <a:hueOff val="0"/>
-            <a:satOff val="0"/>
-            <a:lumOff val="0"/>
-            <a:alphaOff val="0"/>
-          </a:schemeClr>
-        </a:solidFill>
-        <a:ln w="12700" cap="flat" cmpd="sng" algn="ctr">
-          <a:solidFill>
-            <a:schemeClr val="lt1">
-              <a:hueOff val="0"/>
-              <a:satOff val="0"/>
-              <a:lumOff val="0"/>
-              <a:alphaOff val="0"/>
-            </a:schemeClr>
-          </a:solidFill>
-          <a:prstDash val="solid"/>
-          <a:miter lim="800000"/>
-        </a:ln>
-        <a:effectLst/>
-      </dsp:spPr>
-      <dsp:style>
-        <a:lnRef idx="2">
-          <a:scrgbClr r="0" g="0" b="0"/>
-        </a:lnRef>
-        <a:fillRef idx="1">
-          <a:scrgbClr r="0" g="0" b="0"/>
-        </a:fillRef>
-        <a:effectRef idx="0">
-          <a:scrgbClr r="0" g="0" b="0"/>
-        </a:effectRef>
-        <a:fontRef idx="minor">
-          <a:schemeClr val="lt1"/>
-        </a:fontRef>
-      </dsp:style>
-      <dsp:txBody>
-        <a:bodyPr spcFirstLastPara="0" vert="horz" wrap="square" lIns="76200" tIns="76200" rIns="76200" bIns="76200" numCol="1" spcCol="1270" anchor="ctr" anchorCtr="0">
-          <a:noAutofit/>
-        </a:bodyPr>
-        <a:lstStyle/>
-        <a:p>
-          <a:pPr lvl="0" algn="ctr" defTabSz="889000">
-            <a:lnSpc>
-              <a:spcPct val="90000"/>
-            </a:lnSpc>
-            <a:spcBef>
-              <a:spcPct val="0"/>
-            </a:spcBef>
-            <a:spcAft>
-              <a:spcPct val="35000"/>
-            </a:spcAft>
-          </a:pPr>
-          <a:r>
-            <a:rPr lang="en-US" sz="2000" kern="1200" smtClean="0"/>
-            <a:t>Unggah data hasil reasoning ke Apache Jena Fuseki</a:t>
-          </a:r>
-          <a:endParaRPr lang="en-US" sz="2000" kern="1200"/>
-        </a:p>
-      </dsp:txBody>
-      <dsp:txXfrm>
-        <a:off x="339717" y="43079"/>
-        <a:ext cx="2249389" cy="1316858"/>
-      </dsp:txXfrm>
-    </dsp:sp>
-    <dsp:sp modelId="{AF1C5D5E-39F3-4096-8D54-97716BD884B5}">
-      <dsp:nvSpPr>
-        <dsp:cNvPr id="0" name=""/>
-        <dsp:cNvSpPr/>
-      </dsp:nvSpPr>
-      <dsp:spPr>
-        <a:xfrm>
-          <a:off x="2835233" y="412424"/>
-          <a:ext cx="494241" cy="578169"/>
-        </a:xfrm>
-        <a:prstGeom prst="rightArrow">
-          <a:avLst>
-            <a:gd name="adj1" fmla="val 60000"/>
-            <a:gd name="adj2" fmla="val 50000"/>
-          </a:avLst>
-        </a:prstGeom>
-        <a:solidFill>
-          <a:schemeClr val="accent1">
-            <a:tint val="60000"/>
-            <a:hueOff val="0"/>
-            <a:satOff val="0"/>
-            <a:lumOff val="0"/>
-            <a:alphaOff val="0"/>
-          </a:schemeClr>
-        </a:solidFill>
-        <a:ln>
-          <a:noFill/>
-        </a:ln>
-        <a:effectLst/>
-      </dsp:spPr>
-      <dsp:style>
-        <a:lnRef idx="0">
-          <a:scrgbClr r="0" g="0" b="0"/>
-        </a:lnRef>
-        <a:fillRef idx="1">
-          <a:scrgbClr r="0" g="0" b="0"/>
-        </a:fillRef>
-        <a:effectRef idx="0">
-          <a:scrgbClr r="0" g="0" b="0"/>
-        </a:effectRef>
-        <a:fontRef idx="minor">
-          <a:schemeClr val="lt1"/>
-        </a:fontRef>
-      </dsp:style>
-      <dsp:txBody>
-        <a:bodyPr spcFirstLastPara="0" vert="horz" wrap="square" lIns="0" tIns="0" rIns="0" bIns="0" numCol="1" spcCol="1270" anchor="ctr" anchorCtr="0">
-          <a:noAutofit/>
-        </a:bodyPr>
-        <a:lstStyle/>
-        <a:p>
-          <a:pPr lvl="0" algn="ctr" defTabSz="711200">
-            <a:lnSpc>
-              <a:spcPct val="90000"/>
-            </a:lnSpc>
-            <a:spcBef>
-              <a:spcPct val="0"/>
-            </a:spcBef>
-            <a:spcAft>
-              <a:spcPct val="35000"/>
-            </a:spcAft>
-          </a:pPr>
-          <a:endParaRPr lang="en-US" sz="1600" kern="1200"/>
-        </a:p>
-      </dsp:txBody>
-      <dsp:txXfrm>
-        <a:off x="2835233" y="528058"/>
-        <a:ext cx="345969" cy="346901"/>
-      </dsp:txXfrm>
-    </dsp:sp>
-    <dsp:sp modelId="{6FC43BBB-5A7D-4190-A831-ECD39838A64D}">
-      <dsp:nvSpPr>
-        <dsp:cNvPr id="0" name=""/>
-        <dsp:cNvSpPr/>
-      </dsp:nvSpPr>
-      <dsp:spPr>
-        <a:xfrm>
-          <a:off x="3562607" y="2110"/>
-          <a:ext cx="2331327" cy="1398796"/>
-        </a:xfrm>
-        <a:prstGeom prst="roundRect">
-          <a:avLst>
-            <a:gd name="adj" fmla="val 10000"/>
-          </a:avLst>
-        </a:prstGeom>
-        <a:solidFill>
-          <a:schemeClr val="accent1">
-            <a:hueOff val="0"/>
-            <a:satOff val="0"/>
-            <a:lumOff val="0"/>
-            <a:alphaOff val="0"/>
-          </a:schemeClr>
-        </a:solidFill>
-        <a:ln w="12700" cap="flat" cmpd="sng" algn="ctr">
-          <a:solidFill>
-            <a:schemeClr val="lt1">
-              <a:hueOff val="0"/>
-              <a:satOff val="0"/>
-              <a:lumOff val="0"/>
-              <a:alphaOff val="0"/>
-            </a:schemeClr>
-          </a:solidFill>
-          <a:prstDash val="solid"/>
-          <a:miter lim="800000"/>
-        </a:ln>
-        <a:effectLst/>
-      </dsp:spPr>
-      <dsp:style>
-        <a:lnRef idx="2">
-          <a:scrgbClr r="0" g="0" b="0"/>
-        </a:lnRef>
-        <a:fillRef idx="1">
-          <a:scrgbClr r="0" g="0" b="0"/>
-        </a:fillRef>
-        <a:effectRef idx="0">
-          <a:scrgbClr r="0" g="0" b="0"/>
-        </a:effectRef>
-        <a:fontRef idx="minor">
-          <a:schemeClr val="lt1"/>
-        </a:fontRef>
-      </dsp:style>
-      <dsp:txBody>
-        <a:bodyPr spcFirstLastPara="0" vert="horz" wrap="square" lIns="76200" tIns="76200" rIns="76200" bIns="76200" numCol="1" spcCol="1270" anchor="ctr" anchorCtr="0">
-          <a:noAutofit/>
-        </a:bodyPr>
-        <a:lstStyle/>
-        <a:p>
-          <a:pPr lvl="0" algn="ctr" defTabSz="889000">
-            <a:lnSpc>
-              <a:spcPct val="90000"/>
-            </a:lnSpc>
-            <a:spcBef>
-              <a:spcPct val="0"/>
-            </a:spcBef>
-            <a:spcAft>
-              <a:spcPct val="35000"/>
-            </a:spcAft>
-          </a:pPr>
-          <a:r>
-            <a:rPr lang="en-US" sz="2000" kern="1200" smtClean="0"/>
-            <a:t>SPARQL Query</a:t>
-          </a:r>
-          <a:endParaRPr lang="en-US" sz="2000" kern="1200"/>
-        </a:p>
-      </dsp:txBody>
-      <dsp:txXfrm>
-        <a:off x="3603576" y="43079"/>
-        <a:ext cx="2249389" cy="1316858"/>
-      </dsp:txXfrm>
-    </dsp:sp>
-    <dsp:sp modelId="{18D28992-97C3-49BA-B5CB-BA5D346E6A6E}">
-      <dsp:nvSpPr>
-        <dsp:cNvPr id="0" name=""/>
-        <dsp:cNvSpPr/>
-      </dsp:nvSpPr>
-      <dsp:spPr>
-        <a:xfrm rot="5400000">
-          <a:off x="4481150" y="1564100"/>
-          <a:ext cx="494241" cy="578169"/>
-        </a:xfrm>
-        <a:prstGeom prst="rightArrow">
-          <a:avLst>
-            <a:gd name="adj1" fmla="val 60000"/>
-            <a:gd name="adj2" fmla="val 50000"/>
-          </a:avLst>
-        </a:prstGeom>
-        <a:solidFill>
-          <a:schemeClr val="accent1">
-            <a:tint val="60000"/>
-            <a:hueOff val="0"/>
-            <a:satOff val="0"/>
-            <a:lumOff val="0"/>
-            <a:alphaOff val="0"/>
-          </a:schemeClr>
-        </a:solidFill>
-        <a:ln>
-          <a:noFill/>
-        </a:ln>
-        <a:effectLst/>
-      </dsp:spPr>
-      <dsp:style>
-        <a:lnRef idx="0">
-          <a:scrgbClr r="0" g="0" b="0"/>
-        </a:lnRef>
-        <a:fillRef idx="1">
-          <a:scrgbClr r="0" g="0" b="0"/>
-        </a:fillRef>
-        <a:effectRef idx="0">
-          <a:scrgbClr r="0" g="0" b="0"/>
-        </a:effectRef>
-        <a:fontRef idx="minor">
-          <a:schemeClr val="lt1"/>
-        </a:fontRef>
-      </dsp:style>
-      <dsp:txBody>
-        <a:bodyPr spcFirstLastPara="0" vert="horz" wrap="square" lIns="0" tIns="0" rIns="0" bIns="0" numCol="1" spcCol="1270" anchor="ctr" anchorCtr="0">
-          <a:noAutofit/>
-        </a:bodyPr>
-        <a:lstStyle/>
-        <a:p>
-          <a:pPr lvl="0" algn="ctr" defTabSz="711200">
-            <a:lnSpc>
-              <a:spcPct val="90000"/>
-            </a:lnSpc>
-            <a:spcBef>
-              <a:spcPct val="0"/>
-            </a:spcBef>
-            <a:spcAft>
-              <a:spcPct val="35000"/>
-            </a:spcAft>
-          </a:pPr>
-          <a:endParaRPr lang="en-US" sz="1600" kern="1200"/>
-        </a:p>
-      </dsp:txBody>
-      <dsp:txXfrm rot="-5400000">
-        <a:off x="4554820" y="1606064"/>
-        <a:ext cx="346901" cy="345969"/>
-      </dsp:txXfrm>
-    </dsp:sp>
-    <dsp:sp modelId="{CDC2BA57-16AE-4341-9248-3145FA7CD566}">
-      <dsp:nvSpPr>
-        <dsp:cNvPr id="0" name=""/>
-        <dsp:cNvSpPr/>
-      </dsp:nvSpPr>
-      <dsp:spPr>
-        <a:xfrm>
-          <a:off x="3562607" y="2333438"/>
-          <a:ext cx="2331327" cy="1398796"/>
-        </a:xfrm>
-        <a:prstGeom prst="roundRect">
-          <a:avLst>
-            <a:gd name="adj" fmla="val 10000"/>
-          </a:avLst>
-        </a:prstGeom>
-        <a:solidFill>
-          <a:schemeClr val="accent1">
-            <a:hueOff val="0"/>
-            <a:satOff val="0"/>
-            <a:lumOff val="0"/>
-            <a:alphaOff val="0"/>
-          </a:schemeClr>
-        </a:solidFill>
-        <a:ln w="12700" cap="flat" cmpd="sng" algn="ctr">
-          <a:solidFill>
-            <a:schemeClr val="lt1">
-              <a:hueOff val="0"/>
-              <a:satOff val="0"/>
-              <a:lumOff val="0"/>
-              <a:alphaOff val="0"/>
-            </a:schemeClr>
-          </a:solidFill>
-          <a:prstDash val="solid"/>
-          <a:miter lim="800000"/>
-        </a:ln>
-        <a:effectLst/>
-      </dsp:spPr>
-      <dsp:style>
-        <a:lnRef idx="2">
-          <a:scrgbClr r="0" g="0" b="0"/>
-        </a:lnRef>
-        <a:fillRef idx="1">
-          <a:scrgbClr r="0" g="0" b="0"/>
-        </a:fillRef>
-        <a:effectRef idx="0">
-          <a:scrgbClr r="0" g="0" b="0"/>
-        </a:effectRef>
-        <a:fontRef idx="minor">
-          <a:schemeClr val="lt1"/>
-        </a:fontRef>
-      </dsp:style>
-      <dsp:txBody>
-        <a:bodyPr spcFirstLastPara="0" vert="horz" wrap="square" lIns="76200" tIns="76200" rIns="76200" bIns="76200" numCol="1" spcCol="1270" anchor="ctr" anchorCtr="0">
-          <a:noAutofit/>
-        </a:bodyPr>
-        <a:lstStyle/>
-        <a:p>
-          <a:pPr lvl="0" algn="ctr" defTabSz="889000">
-            <a:lnSpc>
-              <a:spcPct val="90000"/>
-            </a:lnSpc>
-            <a:spcBef>
-              <a:spcPct val="0"/>
-            </a:spcBef>
-            <a:spcAft>
-              <a:spcPct val="35000"/>
-            </a:spcAft>
-          </a:pPr>
-          <a:r>
-            <a:rPr lang="en-US" sz="2000" kern="1200" smtClean="0"/>
-            <a:t>Visualisasi struktur pohon keluarga</a:t>
-          </a:r>
-          <a:endParaRPr lang="en-US" sz="2000" kern="1200"/>
-        </a:p>
-      </dsp:txBody>
-      <dsp:txXfrm>
-        <a:off x="3603576" y="2374407"/>
-        <a:ext cx="2249389" cy="1316858"/>
-      </dsp:txXfrm>
-    </dsp:sp>
   </dsp:spTree>
 </dsp:drawing>
 </file>
@@ -24811,11 +23753,7 @@
           <a:p>
             <a:r>
               <a:rPr lang="en-US" sz="2000" smtClean="0"/>
-              <a:t>Karakteristik dan deskripsi </a:t>
-            </a:r>
-            <a:r>
-              <a:rPr lang="en-US" sz="2000" smtClean="0"/>
-              <a:t>property</a:t>
+              <a:t>Karakteristik dan deskripsi property</a:t>
             </a:r>
             <a:endParaRPr lang="en-US" sz="2000" dirty="0">
               <a:solidFill>
@@ -26230,11 +25168,7 @@
           <a:p>
             <a:r>
               <a:rPr lang="en-US" smtClean="0"/>
-              <a:t>Data property dan object property yang </a:t>
-            </a:r>
-            <a:r>
-              <a:rPr lang="en-US" smtClean="0"/>
-              <a:t>digunakan</a:t>
+              <a:t>Data property dan object property yang digunakan</a:t>
             </a:r>
             <a:endParaRPr lang="en-US" dirty="0">
               <a:solidFill>
@@ -34868,11 +33802,7 @@
           <a:p>
             <a:r>
               <a:rPr lang="en-US" sz="2400" smtClean="0"/>
-              <a:t>Reasoning property </a:t>
-            </a:r>
-            <a:r>
-              <a:rPr lang="en-US" sz="2400" smtClean="0"/>
-              <a:t>isspouseof (symmetric</a:t>
+              <a:t>Reasoning property isspouseof (symmetric</a:t>
             </a:r>
             <a:endParaRPr lang="en-US" sz="2400">
               <a:solidFill>
@@ -36189,13 +35119,7 @@
               <a:rPr lang="en-US" smtClean="0">
                 <a:latin typeface="+mn-lt"/>
               </a:rPr>
-              <a:t>Visualisasi 4 (kasus memiliki cicit</a:t>
-            </a:r>
-            <a:r>
-              <a:rPr lang="en-US" smtClean="0">
-                <a:latin typeface="+mn-lt"/>
-              </a:rPr>
-              <a:t>)</a:t>
+              <a:t>Visualisasi 4 (kasus memiliki cicit)</a:t>
             </a:r>
             <a:endParaRPr lang="en-US">
               <a:solidFill>
@@ -37268,11 +36192,11 @@
   <p:clrMapOvr>
     <a:masterClrMapping/>
   </p:clrMapOvr>
-  <mc:AlternateContent xmlns:mc="http://schemas.openxmlformats.org/markup-compatibility/2006">
-    <mc:Choice xmlns:p14="http://schemas.microsoft.com/office/powerpoint/2010/main" Requires="p14">
+  <mc:AlternateContent xmlns:mc="http://schemas.openxmlformats.org/markup-compatibility/2006" xmlns:p14="http://schemas.microsoft.com/office/powerpoint/2010/main">
+    <mc:Choice Requires="p14">
       <p:transition spd="slow" p14:dur="2000"/>
     </mc:Choice>
-    <mc:Fallback>
+    <mc:Fallback xmlns="">
       <p:transition spd="slow"/>
     </mc:Fallback>
   </mc:AlternateContent>
@@ -37533,11 +36457,11 @@
   <p:clrMapOvr>
     <a:masterClrMapping/>
   </p:clrMapOvr>
-  <mc:AlternateContent xmlns:mc="http://schemas.openxmlformats.org/markup-compatibility/2006">
-    <mc:Choice xmlns:p14="http://schemas.microsoft.com/office/powerpoint/2010/main" Requires="p14">
+  <mc:AlternateContent xmlns:mc="http://schemas.openxmlformats.org/markup-compatibility/2006" xmlns:p14="http://schemas.microsoft.com/office/powerpoint/2010/main">
+    <mc:Choice Requires="p14">
       <p:transition spd="slow" p14:dur="2000"/>
     </mc:Choice>
-    <mc:Fallback>
+    <mc:Fallback xmlns="">
       <p:transition spd="slow"/>
     </mc:Fallback>
   </mc:AlternateContent>
@@ -37736,11 +36660,11 @@
   <p:clrMapOvr>
     <a:masterClrMapping/>
   </p:clrMapOvr>
-  <mc:AlternateContent xmlns:mc="http://schemas.openxmlformats.org/markup-compatibility/2006">
-    <mc:Choice xmlns:p14="http://schemas.microsoft.com/office/powerpoint/2010/main" Requires="p14">
+  <mc:AlternateContent xmlns:mc="http://schemas.openxmlformats.org/markup-compatibility/2006" xmlns:p14="http://schemas.microsoft.com/office/powerpoint/2010/main">
+    <mc:Choice Requires="p14">
       <p:transition spd="slow" p14:dur="2000"/>
     </mc:Choice>
-    <mc:Fallback>
+    <mc:Fallback xmlns="">
       <p:transition spd="slow"/>
     </mc:Fallback>
   </mc:AlternateContent>
@@ -37939,11 +36863,11 @@
   <p:clrMapOvr>
     <a:masterClrMapping/>
   </p:clrMapOvr>
-  <mc:AlternateContent xmlns:mc="http://schemas.openxmlformats.org/markup-compatibility/2006">
-    <mc:Choice xmlns:p14="http://schemas.microsoft.com/office/powerpoint/2010/main" Requires="p14">
+  <mc:AlternateContent xmlns:mc="http://schemas.openxmlformats.org/markup-compatibility/2006" xmlns:p14="http://schemas.microsoft.com/office/powerpoint/2010/main">
+    <mc:Choice Requires="p14">
       <p:transition spd="slow" p14:dur="2000"/>
     </mc:Choice>
-    <mc:Fallback>
+    <mc:Fallback xmlns="">
       <p:transition spd="slow"/>
     </mc:Fallback>
   </mc:AlternateContent>
@@ -38142,11 +37066,11 @@
   <p:clrMapOvr>
     <a:masterClrMapping/>
   </p:clrMapOvr>
-  <mc:AlternateContent xmlns:mc="http://schemas.openxmlformats.org/markup-compatibility/2006">
-    <mc:Choice xmlns:p14="http://schemas.microsoft.com/office/powerpoint/2010/main" Requires="p14">
+  <mc:AlternateContent xmlns:mc="http://schemas.openxmlformats.org/markup-compatibility/2006" xmlns:p14="http://schemas.microsoft.com/office/powerpoint/2010/main">
+    <mc:Choice Requires="p14">
       <p:transition spd="slow" p14:dur="2000"/>
     </mc:Choice>
-    <mc:Fallback>
+    <mc:Fallback xmlns="">
       <p:transition spd="slow"/>
     </mc:Fallback>
   </mc:AlternateContent>
@@ -41598,11 +40522,11 @@
   <p:clrMapOvr>
     <a:masterClrMapping/>
   </p:clrMapOvr>
-  <mc:AlternateContent xmlns:mc="http://schemas.openxmlformats.org/markup-compatibility/2006">
-    <mc:Choice xmlns:p14="http://schemas.microsoft.com/office/powerpoint/2010/main" Requires="p14">
+  <mc:AlternateContent xmlns:mc="http://schemas.openxmlformats.org/markup-compatibility/2006" xmlns:p14="http://schemas.microsoft.com/office/powerpoint/2010/main">
+    <mc:Choice Requires="p14">
       <p:transition spd="slow" p14:dur="2000"/>
     </mc:Choice>
-    <mc:Fallback>
+    <mc:Fallback xmlns="">
       <p:transition spd="slow"/>
     </mc:Fallback>
   </mc:AlternateContent>

--- a/05111540000007-Faiq-Presentasi.pptx
+++ b/05111540000007-Faiq-Presentasi.pptx
@@ -21,8 +21,8 @@
     <p:sldId id="301" r:id="rId12"/>
     <p:sldId id="305" r:id="rId13"/>
     <p:sldId id="311" r:id="rId14"/>
-    <p:sldId id="306" r:id="rId15"/>
-    <p:sldId id="307" r:id="rId16"/>
+    <p:sldId id="307" r:id="rId15"/>
+    <p:sldId id="306" r:id="rId16"/>
     <p:sldId id="308" r:id="rId17"/>
     <p:sldId id="309" r:id="rId18"/>
     <p:sldId id="281" r:id="rId19"/>
@@ -2359,6 +2359,686 @@
       <dsp:cNvGrpSpPr/>
     </dsp:nvGrpSpPr>
     <dsp:grpSpPr/>
+    <dsp:sp modelId="{40AD3799-C167-4D3B-BD05-3BAEC85C844F}">
+      <dsp:nvSpPr>
+        <dsp:cNvPr id="0" name=""/>
+        <dsp:cNvSpPr/>
+      </dsp:nvSpPr>
+      <dsp:spPr>
+        <a:xfrm>
+          <a:off x="7143" y="1001183"/>
+          <a:ext cx="2135187" cy="1281112"/>
+        </a:xfrm>
+        <a:prstGeom prst="roundRect">
+          <a:avLst>
+            <a:gd name="adj" fmla="val 10000"/>
+          </a:avLst>
+        </a:prstGeom>
+        <a:solidFill>
+          <a:schemeClr val="accent1">
+            <a:hueOff val="0"/>
+            <a:satOff val="0"/>
+            <a:lumOff val="0"/>
+            <a:alphaOff val="0"/>
+          </a:schemeClr>
+        </a:solidFill>
+        <a:ln w="12700" cap="flat" cmpd="sng" algn="ctr">
+          <a:solidFill>
+            <a:schemeClr val="lt1">
+              <a:hueOff val="0"/>
+              <a:satOff val="0"/>
+              <a:lumOff val="0"/>
+              <a:alphaOff val="0"/>
+            </a:schemeClr>
+          </a:solidFill>
+          <a:prstDash val="solid"/>
+          <a:miter lim="800000"/>
+        </a:ln>
+        <a:effectLst/>
+      </dsp:spPr>
+      <dsp:style>
+        <a:lnRef idx="2">
+          <a:scrgbClr r="0" g="0" b="0"/>
+        </a:lnRef>
+        <a:fillRef idx="1">
+          <a:scrgbClr r="0" g="0" b="0"/>
+        </a:fillRef>
+        <a:effectRef idx="0">
+          <a:scrgbClr r="0" g="0" b="0"/>
+        </a:effectRef>
+        <a:fontRef idx="minor">
+          <a:schemeClr val="lt1"/>
+        </a:fontRef>
+      </dsp:style>
+      <dsp:txBody>
+        <a:bodyPr spcFirstLastPara="0" vert="horz" wrap="square" lIns="68580" tIns="68580" rIns="68580" bIns="68580" numCol="1" spcCol="1270" anchor="ctr" anchorCtr="0">
+          <a:noAutofit/>
+        </a:bodyPr>
+        <a:lstStyle/>
+        <a:p>
+          <a:pPr lvl="0" algn="ctr" defTabSz="800100">
+            <a:lnSpc>
+              <a:spcPct val="90000"/>
+            </a:lnSpc>
+            <a:spcBef>
+              <a:spcPct val="0"/>
+            </a:spcBef>
+            <a:spcAft>
+              <a:spcPct val="35000"/>
+            </a:spcAft>
+          </a:pPr>
+          <a:r>
+            <a:rPr lang="en-US" sz="1800" kern="1200" smtClean="0"/>
+            <a:t>Unduh file RDF tokoh DBpedia</a:t>
+          </a:r>
+          <a:endParaRPr lang="en-US" sz="1800" kern="1200"/>
+        </a:p>
+      </dsp:txBody>
+      <dsp:txXfrm>
+        <a:off x="44665" y="1038705"/>
+        <a:ext cx="2060143" cy="1206068"/>
+      </dsp:txXfrm>
+    </dsp:sp>
+    <dsp:sp modelId="{AC0006F9-2FA8-434E-9C3E-8AAE8FBF33DC}">
+      <dsp:nvSpPr>
+        <dsp:cNvPr id="0" name=""/>
+        <dsp:cNvSpPr/>
+      </dsp:nvSpPr>
+      <dsp:spPr>
+        <a:xfrm>
+          <a:off x="2330227" y="1376976"/>
+          <a:ext cx="452659" cy="529526"/>
+        </a:xfrm>
+        <a:prstGeom prst="rightArrow">
+          <a:avLst>
+            <a:gd name="adj1" fmla="val 60000"/>
+            <a:gd name="adj2" fmla="val 50000"/>
+          </a:avLst>
+        </a:prstGeom>
+        <a:solidFill>
+          <a:schemeClr val="accent1">
+            <a:tint val="60000"/>
+            <a:hueOff val="0"/>
+            <a:satOff val="0"/>
+            <a:lumOff val="0"/>
+            <a:alphaOff val="0"/>
+          </a:schemeClr>
+        </a:solidFill>
+        <a:ln>
+          <a:noFill/>
+        </a:ln>
+        <a:effectLst/>
+      </dsp:spPr>
+      <dsp:style>
+        <a:lnRef idx="0">
+          <a:scrgbClr r="0" g="0" b="0"/>
+        </a:lnRef>
+        <a:fillRef idx="1">
+          <a:scrgbClr r="0" g="0" b="0"/>
+        </a:fillRef>
+        <a:effectRef idx="0">
+          <a:scrgbClr r="0" g="0" b="0"/>
+        </a:effectRef>
+        <a:fontRef idx="minor">
+          <a:schemeClr val="lt1"/>
+        </a:fontRef>
+      </dsp:style>
+      <dsp:txBody>
+        <a:bodyPr spcFirstLastPara="0" vert="horz" wrap="square" lIns="0" tIns="0" rIns="0" bIns="0" numCol="1" spcCol="1270" anchor="ctr" anchorCtr="0">
+          <a:noAutofit/>
+        </a:bodyPr>
+        <a:lstStyle/>
+        <a:p>
+          <a:pPr lvl="0" algn="ctr" defTabSz="666750">
+            <a:lnSpc>
+              <a:spcPct val="90000"/>
+            </a:lnSpc>
+            <a:spcBef>
+              <a:spcPct val="0"/>
+            </a:spcBef>
+            <a:spcAft>
+              <a:spcPct val="35000"/>
+            </a:spcAft>
+          </a:pPr>
+          <a:endParaRPr lang="en-US" sz="1500" kern="1200"/>
+        </a:p>
+      </dsp:txBody>
+      <dsp:txXfrm>
+        <a:off x="2330227" y="1482881"/>
+        <a:ext cx="316861" cy="317716"/>
+      </dsp:txXfrm>
+    </dsp:sp>
+    <dsp:sp modelId="{E73E5B6E-70C9-4D6A-9A48-04BCF1BB6746}">
+      <dsp:nvSpPr>
+        <dsp:cNvPr id="0" name=""/>
+        <dsp:cNvSpPr/>
+      </dsp:nvSpPr>
+      <dsp:spPr>
+        <a:xfrm>
+          <a:off x="2996406" y="1001183"/>
+          <a:ext cx="2135187" cy="1281112"/>
+        </a:xfrm>
+        <a:prstGeom prst="roundRect">
+          <a:avLst>
+            <a:gd name="adj" fmla="val 10000"/>
+          </a:avLst>
+        </a:prstGeom>
+        <a:solidFill>
+          <a:schemeClr val="accent1">
+            <a:hueOff val="0"/>
+            <a:satOff val="0"/>
+            <a:lumOff val="0"/>
+            <a:alphaOff val="0"/>
+          </a:schemeClr>
+        </a:solidFill>
+        <a:ln w="12700" cap="flat" cmpd="sng" algn="ctr">
+          <a:solidFill>
+            <a:schemeClr val="lt1">
+              <a:hueOff val="0"/>
+              <a:satOff val="0"/>
+              <a:lumOff val="0"/>
+              <a:alphaOff val="0"/>
+            </a:schemeClr>
+          </a:solidFill>
+          <a:prstDash val="solid"/>
+          <a:miter lim="800000"/>
+        </a:ln>
+        <a:effectLst/>
+      </dsp:spPr>
+      <dsp:style>
+        <a:lnRef idx="2">
+          <a:scrgbClr r="0" g="0" b="0"/>
+        </a:lnRef>
+        <a:fillRef idx="1">
+          <a:scrgbClr r="0" g="0" b="0"/>
+        </a:fillRef>
+        <a:effectRef idx="0">
+          <a:scrgbClr r="0" g="0" b="0"/>
+        </a:effectRef>
+        <a:fontRef idx="minor">
+          <a:schemeClr val="lt1"/>
+        </a:fontRef>
+      </dsp:style>
+      <dsp:txBody>
+        <a:bodyPr spcFirstLastPara="0" vert="horz" wrap="square" lIns="68580" tIns="68580" rIns="68580" bIns="68580" numCol="1" spcCol="1270" anchor="ctr" anchorCtr="0">
+          <a:noAutofit/>
+        </a:bodyPr>
+        <a:lstStyle/>
+        <a:p>
+          <a:pPr lvl="0" algn="ctr" defTabSz="800100">
+            <a:lnSpc>
+              <a:spcPct val="90000"/>
+            </a:lnSpc>
+            <a:spcBef>
+              <a:spcPct val="0"/>
+            </a:spcBef>
+            <a:spcAft>
+              <a:spcPct val="35000"/>
+            </a:spcAft>
+          </a:pPr>
+          <a:r>
+            <a:rPr lang="en-US" sz="1800" kern="1200" smtClean="0"/>
+            <a:t>Pemodelan file RDF tokoh</a:t>
+          </a:r>
+          <a:endParaRPr lang="en-US" sz="1800" kern="1200"/>
+        </a:p>
+      </dsp:txBody>
+      <dsp:txXfrm>
+        <a:off x="3033928" y="1038705"/>
+        <a:ext cx="2060143" cy="1206068"/>
+      </dsp:txXfrm>
+    </dsp:sp>
+    <dsp:sp modelId="{8A1C7D42-2690-49D3-8662-9F1F6D78CD12}">
+      <dsp:nvSpPr>
+        <dsp:cNvPr id="0" name=""/>
+        <dsp:cNvSpPr/>
+      </dsp:nvSpPr>
+      <dsp:spPr>
+        <a:xfrm>
+          <a:off x="5319490" y="1376976"/>
+          <a:ext cx="452659" cy="529526"/>
+        </a:xfrm>
+        <a:prstGeom prst="rightArrow">
+          <a:avLst>
+            <a:gd name="adj1" fmla="val 60000"/>
+            <a:gd name="adj2" fmla="val 50000"/>
+          </a:avLst>
+        </a:prstGeom>
+        <a:solidFill>
+          <a:schemeClr val="accent1">
+            <a:tint val="60000"/>
+            <a:hueOff val="0"/>
+            <a:satOff val="0"/>
+            <a:lumOff val="0"/>
+            <a:alphaOff val="0"/>
+          </a:schemeClr>
+        </a:solidFill>
+        <a:ln>
+          <a:noFill/>
+        </a:ln>
+        <a:effectLst/>
+      </dsp:spPr>
+      <dsp:style>
+        <a:lnRef idx="0">
+          <a:scrgbClr r="0" g="0" b="0"/>
+        </a:lnRef>
+        <a:fillRef idx="1">
+          <a:scrgbClr r="0" g="0" b="0"/>
+        </a:fillRef>
+        <a:effectRef idx="0">
+          <a:scrgbClr r="0" g="0" b="0"/>
+        </a:effectRef>
+        <a:fontRef idx="minor">
+          <a:schemeClr val="lt1"/>
+        </a:fontRef>
+      </dsp:style>
+      <dsp:txBody>
+        <a:bodyPr spcFirstLastPara="0" vert="horz" wrap="square" lIns="0" tIns="0" rIns="0" bIns="0" numCol="1" spcCol="1270" anchor="ctr" anchorCtr="0">
+          <a:noAutofit/>
+        </a:bodyPr>
+        <a:lstStyle/>
+        <a:p>
+          <a:pPr lvl="0" algn="ctr" defTabSz="666750">
+            <a:lnSpc>
+              <a:spcPct val="90000"/>
+            </a:lnSpc>
+            <a:spcBef>
+              <a:spcPct val="0"/>
+            </a:spcBef>
+            <a:spcAft>
+              <a:spcPct val="35000"/>
+            </a:spcAft>
+          </a:pPr>
+          <a:endParaRPr lang="en-US" sz="1500" kern="1200"/>
+        </a:p>
+      </dsp:txBody>
+      <dsp:txXfrm>
+        <a:off x="5319490" y="1482881"/>
+        <a:ext cx="316861" cy="317716"/>
+      </dsp:txXfrm>
+    </dsp:sp>
+    <dsp:sp modelId="{429D9C87-E07D-462D-BFE4-100D443F346E}">
+      <dsp:nvSpPr>
+        <dsp:cNvPr id="0" name=""/>
+        <dsp:cNvSpPr/>
+      </dsp:nvSpPr>
+      <dsp:spPr>
+        <a:xfrm>
+          <a:off x="5985668" y="1001183"/>
+          <a:ext cx="2135187" cy="1281112"/>
+        </a:xfrm>
+        <a:prstGeom prst="roundRect">
+          <a:avLst>
+            <a:gd name="adj" fmla="val 10000"/>
+          </a:avLst>
+        </a:prstGeom>
+        <a:solidFill>
+          <a:schemeClr val="accent1">
+            <a:hueOff val="0"/>
+            <a:satOff val="0"/>
+            <a:lumOff val="0"/>
+            <a:alphaOff val="0"/>
+          </a:schemeClr>
+        </a:solidFill>
+        <a:ln w="12700" cap="flat" cmpd="sng" algn="ctr">
+          <a:solidFill>
+            <a:schemeClr val="lt1">
+              <a:hueOff val="0"/>
+              <a:satOff val="0"/>
+              <a:lumOff val="0"/>
+              <a:alphaOff val="0"/>
+            </a:schemeClr>
+          </a:solidFill>
+          <a:prstDash val="solid"/>
+          <a:miter lim="800000"/>
+        </a:ln>
+        <a:effectLst/>
+      </dsp:spPr>
+      <dsp:style>
+        <a:lnRef idx="2">
+          <a:scrgbClr r="0" g="0" b="0"/>
+        </a:lnRef>
+        <a:fillRef idx="1">
+          <a:scrgbClr r="0" g="0" b="0"/>
+        </a:fillRef>
+        <a:effectRef idx="0">
+          <a:scrgbClr r="0" g="0" b="0"/>
+        </a:effectRef>
+        <a:fontRef idx="minor">
+          <a:schemeClr val="lt1"/>
+        </a:fontRef>
+      </dsp:style>
+      <dsp:txBody>
+        <a:bodyPr spcFirstLastPara="0" vert="horz" wrap="square" lIns="68580" tIns="68580" rIns="68580" bIns="68580" numCol="1" spcCol="1270" anchor="ctr" anchorCtr="0">
+          <a:noAutofit/>
+        </a:bodyPr>
+        <a:lstStyle/>
+        <a:p>
+          <a:pPr lvl="0" algn="ctr" defTabSz="800100">
+            <a:lnSpc>
+              <a:spcPct val="90000"/>
+            </a:lnSpc>
+            <a:spcBef>
+              <a:spcPct val="0"/>
+            </a:spcBef>
+            <a:spcAft>
+              <a:spcPct val="35000"/>
+            </a:spcAft>
+          </a:pPr>
+          <a:r>
+            <a:rPr lang="en-US" sz="1800" kern="1200" smtClean="0"/>
+            <a:t>Penggabungan model tokoh dengan </a:t>
+          </a:r>
+          <a:r>
+            <a:rPr lang="en-US" sz="1800" i="1" kern="1200" smtClean="0"/>
+            <a:t>Family Relationship Ontology</a:t>
+          </a:r>
+          <a:endParaRPr lang="en-US" sz="1800" kern="1200"/>
+        </a:p>
+      </dsp:txBody>
+      <dsp:txXfrm>
+        <a:off x="6023190" y="1038705"/>
+        <a:ext cx="2060143" cy="1206068"/>
+      </dsp:txXfrm>
+    </dsp:sp>
+    <dsp:sp modelId="{4C8F4061-453C-4E1A-8E10-5F5884D8BA6B}">
+      <dsp:nvSpPr>
+        <dsp:cNvPr id="0" name=""/>
+        <dsp:cNvSpPr/>
+      </dsp:nvSpPr>
+      <dsp:spPr>
+        <a:xfrm rot="5400000">
+          <a:off x="6826932" y="2431759"/>
+          <a:ext cx="452659" cy="529526"/>
+        </a:xfrm>
+        <a:prstGeom prst="rightArrow">
+          <a:avLst>
+            <a:gd name="adj1" fmla="val 60000"/>
+            <a:gd name="adj2" fmla="val 50000"/>
+          </a:avLst>
+        </a:prstGeom>
+        <a:solidFill>
+          <a:schemeClr val="accent1">
+            <a:tint val="60000"/>
+            <a:hueOff val="0"/>
+            <a:satOff val="0"/>
+            <a:lumOff val="0"/>
+            <a:alphaOff val="0"/>
+          </a:schemeClr>
+        </a:solidFill>
+        <a:ln>
+          <a:noFill/>
+        </a:ln>
+        <a:effectLst/>
+      </dsp:spPr>
+      <dsp:style>
+        <a:lnRef idx="0">
+          <a:scrgbClr r="0" g="0" b="0"/>
+        </a:lnRef>
+        <a:fillRef idx="1">
+          <a:scrgbClr r="0" g="0" b="0"/>
+        </a:fillRef>
+        <a:effectRef idx="0">
+          <a:scrgbClr r="0" g="0" b="0"/>
+        </a:effectRef>
+        <a:fontRef idx="minor">
+          <a:schemeClr val="lt1"/>
+        </a:fontRef>
+      </dsp:style>
+      <dsp:txBody>
+        <a:bodyPr spcFirstLastPara="0" vert="horz" wrap="square" lIns="0" tIns="0" rIns="0" bIns="0" numCol="1" spcCol="1270" anchor="ctr" anchorCtr="0">
+          <a:noAutofit/>
+        </a:bodyPr>
+        <a:lstStyle/>
+        <a:p>
+          <a:pPr lvl="0" algn="ctr" defTabSz="666750">
+            <a:lnSpc>
+              <a:spcPct val="90000"/>
+            </a:lnSpc>
+            <a:spcBef>
+              <a:spcPct val="0"/>
+            </a:spcBef>
+            <a:spcAft>
+              <a:spcPct val="35000"/>
+            </a:spcAft>
+          </a:pPr>
+          <a:endParaRPr lang="en-US" sz="1500" kern="1200"/>
+        </a:p>
+      </dsp:txBody>
+      <dsp:txXfrm rot="-5400000">
+        <a:off x="6894404" y="2470192"/>
+        <a:ext cx="317716" cy="316861"/>
+      </dsp:txXfrm>
+    </dsp:sp>
+    <dsp:sp modelId="{C70EF33C-E069-4530-8080-C2321E05A449}">
+      <dsp:nvSpPr>
+        <dsp:cNvPr id="0" name=""/>
+        <dsp:cNvSpPr/>
+      </dsp:nvSpPr>
+      <dsp:spPr>
+        <a:xfrm>
+          <a:off x="5985668" y="3136371"/>
+          <a:ext cx="2135187" cy="1281112"/>
+        </a:xfrm>
+        <a:prstGeom prst="roundRect">
+          <a:avLst>
+            <a:gd name="adj" fmla="val 10000"/>
+          </a:avLst>
+        </a:prstGeom>
+        <a:solidFill>
+          <a:schemeClr val="accent1">
+            <a:hueOff val="0"/>
+            <a:satOff val="0"/>
+            <a:lumOff val="0"/>
+            <a:alphaOff val="0"/>
+          </a:schemeClr>
+        </a:solidFill>
+        <a:ln w="12700" cap="flat" cmpd="sng" algn="ctr">
+          <a:solidFill>
+            <a:schemeClr val="lt1">
+              <a:hueOff val="0"/>
+              <a:satOff val="0"/>
+              <a:lumOff val="0"/>
+              <a:alphaOff val="0"/>
+            </a:schemeClr>
+          </a:solidFill>
+          <a:prstDash val="solid"/>
+          <a:miter lim="800000"/>
+        </a:ln>
+        <a:effectLst/>
+      </dsp:spPr>
+      <dsp:style>
+        <a:lnRef idx="2">
+          <a:scrgbClr r="0" g="0" b="0"/>
+        </a:lnRef>
+        <a:fillRef idx="1">
+          <a:scrgbClr r="0" g="0" b="0"/>
+        </a:fillRef>
+        <a:effectRef idx="0">
+          <a:scrgbClr r="0" g="0" b="0"/>
+        </a:effectRef>
+        <a:fontRef idx="minor">
+          <a:schemeClr val="lt1"/>
+        </a:fontRef>
+      </dsp:style>
+      <dsp:txBody>
+        <a:bodyPr spcFirstLastPara="0" vert="horz" wrap="square" lIns="68580" tIns="68580" rIns="68580" bIns="68580" numCol="1" spcCol="1270" anchor="ctr" anchorCtr="0">
+          <a:noAutofit/>
+        </a:bodyPr>
+        <a:lstStyle/>
+        <a:p>
+          <a:pPr lvl="0" algn="ctr" defTabSz="800100">
+            <a:lnSpc>
+              <a:spcPct val="90000"/>
+            </a:lnSpc>
+            <a:spcBef>
+              <a:spcPct val="0"/>
+            </a:spcBef>
+            <a:spcAft>
+              <a:spcPct val="35000"/>
+            </a:spcAft>
+          </a:pPr>
+          <a:r>
+            <a:rPr lang="en-US" sz="1800" kern="1200" smtClean="0"/>
+            <a:t>Reasoning</a:t>
+          </a:r>
+          <a:endParaRPr lang="en-US" sz="1800" kern="1200"/>
+        </a:p>
+      </dsp:txBody>
+      <dsp:txXfrm>
+        <a:off x="6023190" y="3173893"/>
+        <a:ext cx="2060143" cy="1206068"/>
+      </dsp:txXfrm>
+    </dsp:sp>
+    <dsp:sp modelId="{B5EC5973-7E95-417E-BA33-C450CF622691}">
+      <dsp:nvSpPr>
+        <dsp:cNvPr id="0" name=""/>
+        <dsp:cNvSpPr/>
+      </dsp:nvSpPr>
+      <dsp:spPr>
+        <a:xfrm rot="10800000">
+          <a:off x="5345112" y="3512163"/>
+          <a:ext cx="452659" cy="529526"/>
+        </a:xfrm>
+        <a:prstGeom prst="rightArrow">
+          <a:avLst>
+            <a:gd name="adj1" fmla="val 60000"/>
+            <a:gd name="adj2" fmla="val 50000"/>
+          </a:avLst>
+        </a:prstGeom>
+        <a:solidFill>
+          <a:schemeClr val="accent1">
+            <a:tint val="60000"/>
+            <a:hueOff val="0"/>
+            <a:satOff val="0"/>
+            <a:lumOff val="0"/>
+            <a:alphaOff val="0"/>
+          </a:schemeClr>
+        </a:solidFill>
+        <a:ln>
+          <a:noFill/>
+        </a:ln>
+        <a:effectLst/>
+      </dsp:spPr>
+      <dsp:style>
+        <a:lnRef idx="0">
+          <a:scrgbClr r="0" g="0" b="0"/>
+        </a:lnRef>
+        <a:fillRef idx="1">
+          <a:scrgbClr r="0" g="0" b="0"/>
+        </a:fillRef>
+        <a:effectRef idx="0">
+          <a:scrgbClr r="0" g="0" b="0"/>
+        </a:effectRef>
+        <a:fontRef idx="minor">
+          <a:schemeClr val="lt1"/>
+        </a:fontRef>
+      </dsp:style>
+      <dsp:txBody>
+        <a:bodyPr spcFirstLastPara="0" vert="horz" wrap="square" lIns="0" tIns="0" rIns="0" bIns="0" numCol="1" spcCol="1270" anchor="ctr" anchorCtr="0">
+          <a:noAutofit/>
+        </a:bodyPr>
+        <a:lstStyle/>
+        <a:p>
+          <a:pPr lvl="0" algn="ctr" defTabSz="666750">
+            <a:lnSpc>
+              <a:spcPct val="90000"/>
+            </a:lnSpc>
+            <a:spcBef>
+              <a:spcPct val="0"/>
+            </a:spcBef>
+            <a:spcAft>
+              <a:spcPct val="35000"/>
+            </a:spcAft>
+          </a:pPr>
+          <a:endParaRPr lang="en-US" sz="1500" kern="1200"/>
+        </a:p>
+      </dsp:txBody>
+      <dsp:txXfrm rot="10800000">
+        <a:off x="5480910" y="3618068"/>
+        <a:ext cx="316861" cy="317716"/>
+      </dsp:txXfrm>
+    </dsp:sp>
+    <dsp:sp modelId="{43744F74-5A04-409E-86C9-0A9A2C6EF963}">
+      <dsp:nvSpPr>
+        <dsp:cNvPr id="0" name=""/>
+        <dsp:cNvSpPr/>
+      </dsp:nvSpPr>
+      <dsp:spPr>
+        <a:xfrm>
+          <a:off x="2996406" y="3136370"/>
+          <a:ext cx="2135187" cy="1281112"/>
+        </a:xfrm>
+        <a:prstGeom prst="roundRect">
+          <a:avLst>
+            <a:gd name="adj" fmla="val 10000"/>
+          </a:avLst>
+        </a:prstGeom>
+        <a:solidFill>
+          <a:schemeClr val="accent1">
+            <a:hueOff val="0"/>
+            <a:satOff val="0"/>
+            <a:lumOff val="0"/>
+            <a:alphaOff val="0"/>
+          </a:schemeClr>
+        </a:solidFill>
+        <a:ln w="12700" cap="flat" cmpd="sng" algn="ctr">
+          <a:solidFill>
+            <a:schemeClr val="lt1">
+              <a:hueOff val="0"/>
+              <a:satOff val="0"/>
+              <a:lumOff val="0"/>
+              <a:alphaOff val="0"/>
+            </a:schemeClr>
+          </a:solidFill>
+          <a:prstDash val="solid"/>
+          <a:miter lim="800000"/>
+        </a:ln>
+        <a:effectLst/>
+      </dsp:spPr>
+      <dsp:style>
+        <a:lnRef idx="2">
+          <a:scrgbClr r="0" g="0" b="0"/>
+        </a:lnRef>
+        <a:fillRef idx="1">
+          <a:scrgbClr r="0" g="0" b="0"/>
+        </a:fillRef>
+        <a:effectRef idx="0">
+          <a:scrgbClr r="0" g="0" b="0"/>
+        </a:effectRef>
+        <a:fontRef idx="minor">
+          <a:schemeClr val="lt1"/>
+        </a:fontRef>
+      </dsp:style>
+      <dsp:txBody>
+        <a:bodyPr spcFirstLastPara="0" vert="horz" wrap="square" lIns="68580" tIns="68580" rIns="68580" bIns="68580" numCol="1" spcCol="1270" anchor="ctr" anchorCtr="0">
+          <a:noAutofit/>
+        </a:bodyPr>
+        <a:lstStyle/>
+        <a:p>
+          <a:pPr lvl="0" algn="ctr" defTabSz="800100">
+            <a:lnSpc>
+              <a:spcPct val="90000"/>
+            </a:lnSpc>
+            <a:spcBef>
+              <a:spcPct val="0"/>
+            </a:spcBef>
+            <a:spcAft>
+              <a:spcPct val="35000"/>
+            </a:spcAft>
+          </a:pPr>
+          <a:r>
+            <a:rPr lang="en-US" sz="1800" kern="1200" smtClean="0"/>
+            <a:t>Mencetak model hasil reasoning</a:t>
+          </a:r>
+          <a:endParaRPr lang="en-US" sz="1800" kern="1200"/>
+        </a:p>
+      </dsp:txBody>
+      <dsp:txXfrm>
+        <a:off x="3033928" y="3173892"/>
+        <a:ext cx="2060143" cy="1206068"/>
+      </dsp:txXfrm>
+    </dsp:sp>
   </dsp:spTree>
 </dsp:drawing>
 </file>
@@ -2371,6 +3051,384 @@
       <dsp:cNvGrpSpPr/>
     </dsp:nvGrpSpPr>
     <dsp:grpSpPr/>
+    <dsp:sp modelId="{CB39116F-EB91-404F-85AA-B1CB5796507D}">
+      <dsp:nvSpPr>
+        <dsp:cNvPr id="0" name=""/>
+        <dsp:cNvSpPr/>
+      </dsp:nvSpPr>
+      <dsp:spPr>
+        <a:xfrm>
+          <a:off x="298748" y="2110"/>
+          <a:ext cx="2331327" cy="1398796"/>
+        </a:xfrm>
+        <a:prstGeom prst="roundRect">
+          <a:avLst>
+            <a:gd name="adj" fmla="val 10000"/>
+          </a:avLst>
+        </a:prstGeom>
+        <a:solidFill>
+          <a:schemeClr val="accent1">
+            <a:hueOff val="0"/>
+            <a:satOff val="0"/>
+            <a:lumOff val="0"/>
+            <a:alphaOff val="0"/>
+          </a:schemeClr>
+        </a:solidFill>
+        <a:ln w="12700" cap="flat" cmpd="sng" algn="ctr">
+          <a:solidFill>
+            <a:schemeClr val="lt1">
+              <a:hueOff val="0"/>
+              <a:satOff val="0"/>
+              <a:lumOff val="0"/>
+              <a:alphaOff val="0"/>
+            </a:schemeClr>
+          </a:solidFill>
+          <a:prstDash val="solid"/>
+          <a:miter lim="800000"/>
+        </a:ln>
+        <a:effectLst/>
+      </dsp:spPr>
+      <dsp:style>
+        <a:lnRef idx="2">
+          <a:scrgbClr r="0" g="0" b="0"/>
+        </a:lnRef>
+        <a:fillRef idx="1">
+          <a:scrgbClr r="0" g="0" b="0"/>
+        </a:fillRef>
+        <a:effectRef idx="0">
+          <a:scrgbClr r="0" g="0" b="0"/>
+        </a:effectRef>
+        <a:fontRef idx="minor">
+          <a:schemeClr val="lt1"/>
+        </a:fontRef>
+      </dsp:style>
+      <dsp:txBody>
+        <a:bodyPr spcFirstLastPara="0" vert="horz" wrap="square" lIns="76200" tIns="76200" rIns="76200" bIns="76200" numCol="1" spcCol="1270" anchor="ctr" anchorCtr="0">
+          <a:noAutofit/>
+        </a:bodyPr>
+        <a:lstStyle/>
+        <a:p>
+          <a:pPr lvl="0" algn="ctr" defTabSz="889000">
+            <a:lnSpc>
+              <a:spcPct val="90000"/>
+            </a:lnSpc>
+            <a:spcBef>
+              <a:spcPct val="0"/>
+            </a:spcBef>
+            <a:spcAft>
+              <a:spcPct val="35000"/>
+            </a:spcAft>
+          </a:pPr>
+          <a:r>
+            <a:rPr lang="en-US" sz="2000" kern="1200" smtClean="0"/>
+            <a:t>Unggah data hasil reasoning ke Apache Jena Fuseki</a:t>
+          </a:r>
+          <a:endParaRPr lang="en-US" sz="2000" kern="1200"/>
+        </a:p>
+      </dsp:txBody>
+      <dsp:txXfrm>
+        <a:off x="339717" y="43079"/>
+        <a:ext cx="2249389" cy="1316858"/>
+      </dsp:txXfrm>
+    </dsp:sp>
+    <dsp:sp modelId="{AF1C5D5E-39F3-4096-8D54-97716BD884B5}">
+      <dsp:nvSpPr>
+        <dsp:cNvPr id="0" name=""/>
+        <dsp:cNvSpPr/>
+      </dsp:nvSpPr>
+      <dsp:spPr>
+        <a:xfrm>
+          <a:off x="2835233" y="412424"/>
+          <a:ext cx="494241" cy="578169"/>
+        </a:xfrm>
+        <a:prstGeom prst="rightArrow">
+          <a:avLst>
+            <a:gd name="adj1" fmla="val 60000"/>
+            <a:gd name="adj2" fmla="val 50000"/>
+          </a:avLst>
+        </a:prstGeom>
+        <a:solidFill>
+          <a:schemeClr val="accent1">
+            <a:tint val="60000"/>
+            <a:hueOff val="0"/>
+            <a:satOff val="0"/>
+            <a:lumOff val="0"/>
+            <a:alphaOff val="0"/>
+          </a:schemeClr>
+        </a:solidFill>
+        <a:ln>
+          <a:noFill/>
+        </a:ln>
+        <a:effectLst/>
+      </dsp:spPr>
+      <dsp:style>
+        <a:lnRef idx="0">
+          <a:scrgbClr r="0" g="0" b="0"/>
+        </a:lnRef>
+        <a:fillRef idx="1">
+          <a:scrgbClr r="0" g="0" b="0"/>
+        </a:fillRef>
+        <a:effectRef idx="0">
+          <a:scrgbClr r="0" g="0" b="0"/>
+        </a:effectRef>
+        <a:fontRef idx="minor">
+          <a:schemeClr val="lt1"/>
+        </a:fontRef>
+      </dsp:style>
+      <dsp:txBody>
+        <a:bodyPr spcFirstLastPara="0" vert="horz" wrap="square" lIns="0" tIns="0" rIns="0" bIns="0" numCol="1" spcCol="1270" anchor="ctr" anchorCtr="0">
+          <a:noAutofit/>
+        </a:bodyPr>
+        <a:lstStyle/>
+        <a:p>
+          <a:pPr lvl="0" algn="ctr" defTabSz="711200">
+            <a:lnSpc>
+              <a:spcPct val="90000"/>
+            </a:lnSpc>
+            <a:spcBef>
+              <a:spcPct val="0"/>
+            </a:spcBef>
+            <a:spcAft>
+              <a:spcPct val="35000"/>
+            </a:spcAft>
+          </a:pPr>
+          <a:endParaRPr lang="en-US" sz="1600" kern="1200"/>
+        </a:p>
+      </dsp:txBody>
+      <dsp:txXfrm>
+        <a:off x="2835233" y="528058"/>
+        <a:ext cx="345969" cy="346901"/>
+      </dsp:txXfrm>
+    </dsp:sp>
+    <dsp:sp modelId="{6FC43BBB-5A7D-4190-A831-ECD39838A64D}">
+      <dsp:nvSpPr>
+        <dsp:cNvPr id="0" name=""/>
+        <dsp:cNvSpPr/>
+      </dsp:nvSpPr>
+      <dsp:spPr>
+        <a:xfrm>
+          <a:off x="3562607" y="2110"/>
+          <a:ext cx="2331327" cy="1398796"/>
+        </a:xfrm>
+        <a:prstGeom prst="roundRect">
+          <a:avLst>
+            <a:gd name="adj" fmla="val 10000"/>
+          </a:avLst>
+        </a:prstGeom>
+        <a:solidFill>
+          <a:schemeClr val="accent1">
+            <a:hueOff val="0"/>
+            <a:satOff val="0"/>
+            <a:lumOff val="0"/>
+            <a:alphaOff val="0"/>
+          </a:schemeClr>
+        </a:solidFill>
+        <a:ln w="12700" cap="flat" cmpd="sng" algn="ctr">
+          <a:solidFill>
+            <a:schemeClr val="lt1">
+              <a:hueOff val="0"/>
+              <a:satOff val="0"/>
+              <a:lumOff val="0"/>
+              <a:alphaOff val="0"/>
+            </a:schemeClr>
+          </a:solidFill>
+          <a:prstDash val="solid"/>
+          <a:miter lim="800000"/>
+        </a:ln>
+        <a:effectLst/>
+      </dsp:spPr>
+      <dsp:style>
+        <a:lnRef idx="2">
+          <a:scrgbClr r="0" g="0" b="0"/>
+        </a:lnRef>
+        <a:fillRef idx="1">
+          <a:scrgbClr r="0" g="0" b="0"/>
+        </a:fillRef>
+        <a:effectRef idx="0">
+          <a:scrgbClr r="0" g="0" b="0"/>
+        </a:effectRef>
+        <a:fontRef idx="minor">
+          <a:schemeClr val="lt1"/>
+        </a:fontRef>
+      </dsp:style>
+      <dsp:txBody>
+        <a:bodyPr spcFirstLastPara="0" vert="horz" wrap="square" lIns="76200" tIns="76200" rIns="76200" bIns="76200" numCol="1" spcCol="1270" anchor="ctr" anchorCtr="0">
+          <a:noAutofit/>
+        </a:bodyPr>
+        <a:lstStyle/>
+        <a:p>
+          <a:pPr lvl="0" algn="ctr" defTabSz="889000">
+            <a:lnSpc>
+              <a:spcPct val="90000"/>
+            </a:lnSpc>
+            <a:spcBef>
+              <a:spcPct val="0"/>
+            </a:spcBef>
+            <a:spcAft>
+              <a:spcPct val="35000"/>
+            </a:spcAft>
+          </a:pPr>
+          <a:r>
+            <a:rPr lang="en-US" sz="2000" kern="1200" smtClean="0"/>
+            <a:t>SPARQL Query</a:t>
+          </a:r>
+          <a:endParaRPr lang="en-US" sz="2000" kern="1200"/>
+        </a:p>
+      </dsp:txBody>
+      <dsp:txXfrm>
+        <a:off x="3603576" y="43079"/>
+        <a:ext cx="2249389" cy="1316858"/>
+      </dsp:txXfrm>
+    </dsp:sp>
+    <dsp:sp modelId="{18D28992-97C3-49BA-B5CB-BA5D346E6A6E}">
+      <dsp:nvSpPr>
+        <dsp:cNvPr id="0" name=""/>
+        <dsp:cNvSpPr/>
+      </dsp:nvSpPr>
+      <dsp:spPr>
+        <a:xfrm rot="5400000">
+          <a:off x="4481150" y="1564100"/>
+          <a:ext cx="494241" cy="578169"/>
+        </a:xfrm>
+        <a:prstGeom prst="rightArrow">
+          <a:avLst>
+            <a:gd name="adj1" fmla="val 60000"/>
+            <a:gd name="adj2" fmla="val 50000"/>
+          </a:avLst>
+        </a:prstGeom>
+        <a:solidFill>
+          <a:schemeClr val="accent1">
+            <a:tint val="60000"/>
+            <a:hueOff val="0"/>
+            <a:satOff val="0"/>
+            <a:lumOff val="0"/>
+            <a:alphaOff val="0"/>
+          </a:schemeClr>
+        </a:solidFill>
+        <a:ln>
+          <a:noFill/>
+        </a:ln>
+        <a:effectLst/>
+      </dsp:spPr>
+      <dsp:style>
+        <a:lnRef idx="0">
+          <a:scrgbClr r="0" g="0" b="0"/>
+        </a:lnRef>
+        <a:fillRef idx="1">
+          <a:scrgbClr r="0" g="0" b="0"/>
+        </a:fillRef>
+        <a:effectRef idx="0">
+          <a:scrgbClr r="0" g="0" b="0"/>
+        </a:effectRef>
+        <a:fontRef idx="minor">
+          <a:schemeClr val="lt1"/>
+        </a:fontRef>
+      </dsp:style>
+      <dsp:txBody>
+        <a:bodyPr spcFirstLastPara="0" vert="horz" wrap="square" lIns="0" tIns="0" rIns="0" bIns="0" numCol="1" spcCol="1270" anchor="ctr" anchorCtr="0">
+          <a:noAutofit/>
+        </a:bodyPr>
+        <a:lstStyle/>
+        <a:p>
+          <a:pPr lvl="0" algn="ctr" defTabSz="711200">
+            <a:lnSpc>
+              <a:spcPct val="90000"/>
+            </a:lnSpc>
+            <a:spcBef>
+              <a:spcPct val="0"/>
+            </a:spcBef>
+            <a:spcAft>
+              <a:spcPct val="35000"/>
+            </a:spcAft>
+          </a:pPr>
+          <a:endParaRPr lang="en-US" sz="1600" kern="1200"/>
+        </a:p>
+      </dsp:txBody>
+      <dsp:txXfrm rot="-5400000">
+        <a:off x="4554820" y="1606064"/>
+        <a:ext cx="346901" cy="345969"/>
+      </dsp:txXfrm>
+    </dsp:sp>
+    <dsp:sp modelId="{CDC2BA57-16AE-4341-9248-3145FA7CD566}">
+      <dsp:nvSpPr>
+        <dsp:cNvPr id="0" name=""/>
+        <dsp:cNvSpPr/>
+      </dsp:nvSpPr>
+      <dsp:spPr>
+        <a:xfrm>
+          <a:off x="3562607" y="2333438"/>
+          <a:ext cx="2331327" cy="1398796"/>
+        </a:xfrm>
+        <a:prstGeom prst="roundRect">
+          <a:avLst>
+            <a:gd name="adj" fmla="val 10000"/>
+          </a:avLst>
+        </a:prstGeom>
+        <a:solidFill>
+          <a:schemeClr val="accent1">
+            <a:hueOff val="0"/>
+            <a:satOff val="0"/>
+            <a:lumOff val="0"/>
+            <a:alphaOff val="0"/>
+          </a:schemeClr>
+        </a:solidFill>
+        <a:ln w="12700" cap="flat" cmpd="sng" algn="ctr">
+          <a:solidFill>
+            <a:schemeClr val="lt1">
+              <a:hueOff val="0"/>
+              <a:satOff val="0"/>
+              <a:lumOff val="0"/>
+              <a:alphaOff val="0"/>
+            </a:schemeClr>
+          </a:solidFill>
+          <a:prstDash val="solid"/>
+          <a:miter lim="800000"/>
+        </a:ln>
+        <a:effectLst/>
+      </dsp:spPr>
+      <dsp:style>
+        <a:lnRef idx="2">
+          <a:scrgbClr r="0" g="0" b="0"/>
+        </a:lnRef>
+        <a:fillRef idx="1">
+          <a:scrgbClr r="0" g="0" b="0"/>
+        </a:fillRef>
+        <a:effectRef idx="0">
+          <a:scrgbClr r="0" g="0" b="0"/>
+        </a:effectRef>
+        <a:fontRef idx="minor">
+          <a:schemeClr val="lt1"/>
+        </a:fontRef>
+      </dsp:style>
+      <dsp:txBody>
+        <a:bodyPr spcFirstLastPara="0" vert="horz" wrap="square" lIns="76200" tIns="76200" rIns="76200" bIns="76200" numCol="1" spcCol="1270" anchor="ctr" anchorCtr="0">
+          <a:noAutofit/>
+        </a:bodyPr>
+        <a:lstStyle/>
+        <a:p>
+          <a:pPr lvl="0" algn="ctr" defTabSz="889000">
+            <a:lnSpc>
+              <a:spcPct val="90000"/>
+            </a:lnSpc>
+            <a:spcBef>
+              <a:spcPct val="0"/>
+            </a:spcBef>
+            <a:spcAft>
+              <a:spcPct val="35000"/>
+            </a:spcAft>
+          </a:pPr>
+          <a:r>
+            <a:rPr lang="en-US" sz="2000" kern="1200" smtClean="0"/>
+            <a:t>Visualisasi struktur pohon keluarga</a:t>
+          </a:r>
+          <a:endParaRPr lang="en-US" sz="2000" kern="1200"/>
+        </a:p>
+      </dsp:txBody>
+      <dsp:txXfrm>
+        <a:off x="3603576" y="2374407"/>
+        <a:ext cx="2249389" cy="1316858"/>
+      </dsp:txXfrm>
+    </dsp:sp>
   </dsp:spTree>
 </dsp:drawing>
 </file>
@@ -4812,7 +5870,7 @@
           <p:cNvPr id="2" name="Header Placeholder 1">
             <a:extLst>
               <a:ext uri="{FF2B5EF4-FFF2-40B4-BE49-F238E27FC236}">
-                <a16:creationId xmlns="" xmlns:a16="http://schemas.microsoft.com/office/drawing/2014/main" id="{27243D74-B9C1-450A-B0F3-6C6DCB0CF20B}"/>
+                <a16:creationId xmlns:a16="http://schemas.microsoft.com/office/drawing/2014/main" xmlns="" id="{27243D74-B9C1-450A-B0F3-6C6DCB0CF20B}"/>
               </a:ext>
             </a:extLst>
           </p:cNvPr>
@@ -4849,7 +5907,7 @@
           <p:cNvPr id="3" name="Date Placeholder 2">
             <a:extLst>
               <a:ext uri="{FF2B5EF4-FFF2-40B4-BE49-F238E27FC236}">
-                <a16:creationId xmlns="" xmlns:a16="http://schemas.microsoft.com/office/drawing/2014/main" id="{32C27C33-9BB1-41D5-A236-12767E7E722F}"/>
+                <a16:creationId xmlns:a16="http://schemas.microsoft.com/office/drawing/2014/main" xmlns="" id="{32C27C33-9BB1-41D5-A236-12767E7E722F}"/>
               </a:ext>
             </a:extLst>
           </p:cNvPr>
@@ -4879,7 +5937,7 @@
           <a:p>
             <a:fld id="{97AB3EA8-A58D-4C92-A3AB-D271CCC294C7}" type="datetimeFigureOut">
               <a:rPr lang="en-US" smtClean="0"/>
-              <a:t>7/12/2019</a:t>
+              <a:t>7/13/2019</a:t>
             </a:fld>
             <a:endParaRPr lang="en-US" dirty="0"/>
           </a:p>
@@ -4890,7 +5948,7 @@
           <p:cNvPr id="4" name="Footer Placeholder 3">
             <a:extLst>
               <a:ext uri="{FF2B5EF4-FFF2-40B4-BE49-F238E27FC236}">
-                <a16:creationId xmlns="" xmlns:a16="http://schemas.microsoft.com/office/drawing/2014/main" id="{44A7EADB-04A4-4093-B238-438E2C7317A1}"/>
+                <a16:creationId xmlns:a16="http://schemas.microsoft.com/office/drawing/2014/main" xmlns="" id="{44A7EADB-04A4-4093-B238-438E2C7317A1}"/>
               </a:ext>
             </a:extLst>
           </p:cNvPr>
@@ -4927,7 +5985,7 @@
           <p:cNvPr id="5" name="Slide Number Placeholder 4">
             <a:extLst>
               <a:ext uri="{FF2B5EF4-FFF2-40B4-BE49-F238E27FC236}">
-                <a16:creationId xmlns="" xmlns:a16="http://schemas.microsoft.com/office/drawing/2014/main" id="{EDDD8696-706D-440E-AE04-4C644F0613E8}"/>
+                <a16:creationId xmlns:a16="http://schemas.microsoft.com/office/drawing/2014/main" xmlns="" id="{EDDD8696-706D-440E-AE04-4C644F0613E8}"/>
               </a:ext>
             </a:extLst>
           </p:cNvPr>
@@ -5056,7 +6114,7 @@
           <a:p>
             <a:fld id="{0AEFB4FA-E877-413E-B608-88789D806C57}" type="datetimeFigureOut">
               <a:rPr lang="en-US" noProof="0" smtClean="0"/>
-              <a:t>7/12/2019</a:t>
+              <a:t>7/13/2019</a:t>
             </a:fld>
             <a:endParaRPr lang="en-US" noProof="0" dirty="0"/>
           </a:p>
@@ -5369,7 +6427,49 @@
           <a:p>
             <a:r>
               <a:rPr lang="en-US" smtClean="0"/>
-              <a:t>Terimakasih PROF… selaku dosen penguji … selakui dosen pembimbing</a:t>
+              <a:t>Terimakasih </a:t>
+            </a:r>
+            <a:r>
+              <a:rPr lang="en-US" smtClean="0"/>
+              <a:t>PROF Riyan dan pak Hari </a:t>
+            </a:r>
+            <a:r>
+              <a:rPr lang="en-US" smtClean="0"/>
+              <a:t>selaku dosen </a:t>
+            </a:r>
+            <a:r>
+              <a:rPr lang="en-US" smtClean="0"/>
+              <a:t>penguji, terimakasih juga untuk bu nurul dan bu lica</a:t>
+            </a:r>
+            <a:r>
+              <a:rPr lang="en-US" baseline="0" smtClean="0"/>
+              <a:t> </a:t>
+            </a:r>
+            <a:r>
+              <a:rPr lang="en-US" smtClean="0"/>
+              <a:t>selaku </a:t>
+            </a:r>
+            <a:r>
+              <a:rPr lang="en-US" smtClean="0"/>
+              <a:t>dosen </a:t>
+            </a:r>
+            <a:r>
+              <a:rPr lang="en-US" smtClean="0"/>
+              <a:t>pembimbing saya.</a:t>
+            </a:r>
+          </a:p>
+          <a:p>
+            <a:r>
+              <a:rPr lang="en-US" smtClean="0"/>
+              <a:t>Disini saya</a:t>
+            </a:r>
+            <a:r>
+              <a:rPr lang="en-US" baseline="0" smtClean="0"/>
+              <a:t> akan mempresentasikan tugas akhir saya yang berjudul </a:t>
+            </a:r>
+            <a:r>
+              <a:rPr lang="en-US" sz="1200" smtClean="0"/>
+              <a:t>RANCANG BANGUN APLIKASI BERBASIS WEB UNTUK VISUALISASI POHON KELUARGA TOKOH SEJARAH INDONESIA MENGGUNAKAN ONTOLOGI DBPEDIA DAN PELLET REASONER</a:t>
             </a:r>
             <a:endParaRPr lang="en-US"/>
           </a:p>
@@ -5457,11 +6557,43 @@
           <a:p>
             <a:r>
               <a:rPr lang="en-US" smtClean="0"/>
-              <a:t>Bab 3.5 Reasoning adalah</a:t>
+              <a:t>Bab 3.4 Penggabungan</a:t>
             </a:r>
             <a:r>
               <a:rPr lang="en-US" baseline="0" smtClean="0"/>
-              <a:t> suatu proses yang dapat menghasilkan kesimpulan logis dari sebuah data berdasarkan aturan-aturan tertentu. Dalam konteks tugas akhir ini, Data adalah data keluarga tokoh sejarah Indonesia, dan aturan tersebut adalah karakteristik dan deskripsi data property dan object property. Contohnya adalah seperti bagan diatas.</a:t>
+              <a:t> model data </a:t>
+            </a:r>
+            <a:r>
+              <a:rPr lang="en-US" baseline="0" smtClean="0"/>
+              <a:t>dbpedia (yang atas) </a:t>
+            </a:r>
+            <a:r>
+              <a:rPr lang="en-US" baseline="0" smtClean="0"/>
+              <a:t>dan model family relationship </a:t>
+            </a:r>
+            <a:r>
+              <a:rPr lang="en-US" baseline="0" smtClean="0"/>
+              <a:t>ontology yang berisi aturan2 data property dan object property (yang bawah)</a:t>
+            </a:r>
+          </a:p>
+          <a:p>
+            <a:r>
+              <a:rPr lang="en-US" baseline="0" smtClean="0"/>
+              <a:t>Kedua data berbentuk rdf bisa digabungkan melalui aplikasi Java yang memiliki plugin Apache Jena</a:t>
+            </a:r>
+          </a:p>
+          <a:p>
+            <a:r>
+              <a:rPr lang="en-US" baseline="0" smtClean="0"/>
+              <a:t>prosesnya </a:t>
+            </a:r>
+            <a:r>
+              <a:rPr lang="en-US" baseline="0" smtClean="0"/>
+              <a:t>hanya menggabungkan statemen triples saja</a:t>
+            </a:r>
+            <a:r>
+              <a:rPr lang="en-US" baseline="0" smtClean="0"/>
+              <a:t>.</a:t>
             </a:r>
             <a:endParaRPr lang="en-US"/>
           </a:p>
@@ -5484,7 +6616,7 @@
           <a:p>
             <a:fld id="{6336304E-FDE3-4B4F-A3B7-EBE87F3FA5E2}" type="slidenum">
               <a:rPr lang="en-US" noProof="0" smtClean="0"/>
-              <a:t>14</a:t>
+              <a:t>13</a:t>
             </a:fld>
             <a:endParaRPr lang="en-US" noProof="0" dirty="0"/>
           </a:p>
@@ -5493,7 +6625,7 @@
     </p:spTree>
     <p:extLst>
       <p:ext uri="{BB962C8B-B14F-4D97-AF65-F5344CB8AC3E}">
-        <p14:creationId xmlns:p14="http://schemas.microsoft.com/office/powerpoint/2010/main" val="570068806"/>
+        <p14:creationId xmlns:p14="http://schemas.microsoft.com/office/powerpoint/2010/main" val="1197839501"/>
       </p:ext>
     </p:extLst>
   </p:cSld>
@@ -5549,13 +6681,52 @@
           <a:p>
             <a:r>
               <a:rPr lang="en-US" smtClean="0"/>
-              <a:t>Arsitektur</a:t>
+              <a:t>Bab 3.5 Reasoning adalah</a:t>
             </a:r>
             <a:r>
               <a:rPr lang="en-US" baseline="0" smtClean="0"/>
-              <a:t> system yang digunakan adalah seperti gambar berikut. Ada dua program yang digunakan, yaitu Program Java yang menerapkan Apache Jena untuk proses ekstraksi data dan pengolahan data, serta Program Web berbasis PHP untuk mengambil data dari basis data Apache Jena fuseki dan menampilkannya sebagai pohon keluarga.</a:t>
-            </a:r>
-            <a:endParaRPr lang="en-US"/>
+              <a:t> suatu proses yang dapat menghasilkan kesimpulan logis dari sebuah data berdasarkan aturan-aturan tertentu. </a:t>
+            </a:r>
+            <a:endParaRPr lang="en-US" baseline="0" smtClean="0"/>
+          </a:p>
+          <a:p>
+            <a:r>
+              <a:rPr lang="en-US" baseline="0" smtClean="0"/>
+              <a:t>Dalam </a:t>
+            </a:r>
+            <a:r>
+              <a:rPr lang="en-US" baseline="0" smtClean="0"/>
+              <a:t>konteks tugas akhir ini, Data adalah data keluarga tokoh sejarah Indonesia, dan aturan tersebut adalah karakteristik dan deskripsi data property dan object property. </a:t>
+            </a:r>
+            <a:endParaRPr lang="en-US" baseline="0" smtClean="0"/>
+          </a:p>
+          <a:p>
+            <a:r>
+              <a:rPr lang="en-US" baseline="0" smtClean="0"/>
+              <a:t>Contohnya </a:t>
+            </a:r>
+            <a:r>
+              <a:rPr lang="en-US" baseline="0" smtClean="0"/>
+              <a:t>adalah seperti bagan diatas</a:t>
+            </a:r>
+            <a:r>
+              <a:rPr lang="en-US" baseline="0" smtClean="0"/>
+              <a:t>.</a:t>
+            </a:r>
+            <a:r>
+              <a:rPr lang="en-US" baseline="0"/>
+              <a:t> </a:t>
+            </a:r>
+            <a:r>
+              <a:rPr lang="en-US" baseline="0" smtClean="0"/>
+              <a:t>Untuk mendapatkan fakta bahwa B isSpouseOf A, maka harus melewati proses reasoning dulu</a:t>
+            </a:r>
+          </a:p>
+          <a:p>
+            <a:r>
+              <a:rPr lang="en-US" baseline="0" smtClean="0"/>
+              <a:t>Untuk mendapatkan fakta D hasChild C maka harus melewati proses reasoning juga.</a:t>
+            </a:r>
           </a:p>
         </p:txBody>
       </p:sp>
@@ -5576,7 +6747,7 @@
           <a:p>
             <a:fld id="{6336304E-FDE3-4B4F-A3B7-EBE87F3FA5E2}" type="slidenum">
               <a:rPr lang="en-US" noProof="0" smtClean="0"/>
-              <a:t>16</a:t>
+              <a:t>14</a:t>
             </a:fld>
             <a:endParaRPr lang="en-US" noProof="0" dirty="0"/>
           </a:p>
@@ -5585,7 +6756,7 @@
     </p:spTree>
     <p:extLst>
       <p:ext uri="{BB962C8B-B14F-4D97-AF65-F5344CB8AC3E}">
-        <p14:creationId xmlns:p14="http://schemas.microsoft.com/office/powerpoint/2010/main" val="141091103"/>
+        <p14:creationId xmlns:p14="http://schemas.microsoft.com/office/powerpoint/2010/main" val="570068806"/>
       </p:ext>
     </p:extLst>
   </p:cSld>
@@ -5641,30 +6812,35 @@
           <a:p>
             <a:r>
               <a:rPr lang="en-US" smtClean="0"/>
-              <a:t>Visualisasi</a:t>
+              <a:t>Arsitektur</a:t>
             </a:r>
             <a:r>
               <a:rPr lang="en-US" baseline="0" smtClean="0"/>
-              <a:t> pohon keluarga adalah sebagai berikut, saya menggunakan HTML dan CSS untuk mengatur skema pohon keluarga yang berbentuk tree.</a:t>
-            </a:r>
+              <a:t> system yang digunakan adalah seperti gambar berikut. </a:t>
+            </a:r>
+            <a:endParaRPr lang="en-US" baseline="0" smtClean="0"/>
           </a:p>
           <a:p>
             <a:r>
               <a:rPr lang="en-US" baseline="0" smtClean="0"/>
-              <a:t>Kelas A adalah subjek dan CSS nya akan membuat persegi</a:t>
-            </a:r>
-          </a:p>
-          <a:p>
+              <a:t>Ada </a:t>
+            </a:r>
             <a:r>
               <a:rPr lang="en-US" baseline="0" smtClean="0"/>
-              <a:t>Kelas UL adalah garis keturunan</a:t>
-            </a:r>
+              <a:t>dua program yang digunakan, yaitu Program Java yang menerapkan Apache Jena untuk proses ekstraksi data dan pengolahan data, </a:t>
+            </a:r>
+            <a:endParaRPr lang="en-US" baseline="0" smtClean="0"/>
           </a:p>
           <a:p>
             <a:r>
               <a:rPr lang="en-US" baseline="0" smtClean="0"/>
-              <a:t>Kelas LI adalah garis kesaudaraan</a:t>
-            </a:r>
+              <a:t>serta </a:t>
+            </a:r>
+            <a:r>
+              <a:rPr lang="en-US" baseline="0" smtClean="0"/>
+              <a:t>Program Web berbasis PHP untuk mengambil data dari basis data Apache Jena fuseki dan menampilkannya sebagai pohon keluarga.</a:t>
+            </a:r>
+            <a:endParaRPr lang="en-US"/>
           </a:p>
         </p:txBody>
       </p:sp>
@@ -5685,7 +6861,7 @@
           <a:p>
             <a:fld id="{6336304E-FDE3-4B4F-A3B7-EBE87F3FA5E2}" type="slidenum">
               <a:rPr lang="en-US" noProof="0" smtClean="0"/>
-              <a:t>19</a:t>
+              <a:t>16</a:t>
             </a:fld>
             <a:endParaRPr lang="en-US" noProof="0" dirty="0"/>
           </a:p>
@@ -5694,7 +6870,7 @@
     </p:spTree>
     <p:extLst>
       <p:ext uri="{BB962C8B-B14F-4D97-AF65-F5344CB8AC3E}">
-        <p14:creationId xmlns:p14="http://schemas.microsoft.com/office/powerpoint/2010/main" val="1368366131"/>
+        <p14:creationId xmlns:p14="http://schemas.microsoft.com/office/powerpoint/2010/main" val="141091103"/>
       </p:ext>
     </p:extLst>
   </p:cSld>
@@ -5748,7 +6924,40 @@
           <a:bodyPr/>
           <a:lstStyle/>
           <a:p>
-            <a:endParaRPr lang="en-US"/>
+            <a:r>
+              <a:rPr lang="en-US" smtClean="0"/>
+              <a:t>Visualisasi</a:t>
+            </a:r>
+            <a:r>
+              <a:rPr lang="en-US" baseline="0" smtClean="0"/>
+              <a:t> pohon keluarga adalah sebagai berikut, saya menggunakan HTML dan CSS untuk mengatur skema pohon keluarga yang berbentuk tree.</a:t>
+            </a:r>
+          </a:p>
+          <a:p>
+            <a:r>
+              <a:rPr lang="en-US" baseline="0" smtClean="0"/>
+              <a:t>Kelas A adalah </a:t>
+            </a:r>
+            <a:r>
+              <a:rPr lang="en-US" baseline="0" smtClean="0"/>
+              <a:t>nama individu dan </a:t>
+            </a:r>
+            <a:r>
+              <a:rPr lang="en-US" baseline="0" smtClean="0"/>
+              <a:t>CSS nya akan membuat persegi</a:t>
+            </a:r>
+          </a:p>
+          <a:p>
+            <a:r>
+              <a:rPr lang="en-US" baseline="0" smtClean="0"/>
+              <a:t>Kelas UL adalah garis keturunan</a:t>
+            </a:r>
+          </a:p>
+          <a:p>
+            <a:r>
+              <a:rPr lang="en-US" baseline="0" smtClean="0"/>
+              <a:t>Kelas LI adalah garis kesaudaraan</a:t>
+            </a:r>
           </a:p>
         </p:txBody>
       </p:sp>
@@ -5769,7 +6978,7 @@
           <a:p>
             <a:fld id="{6336304E-FDE3-4B4F-A3B7-EBE87F3FA5E2}" type="slidenum">
               <a:rPr lang="en-US" noProof="0" smtClean="0"/>
-              <a:t>21</a:t>
+              <a:t>19</a:t>
             </a:fld>
             <a:endParaRPr lang="en-US" noProof="0" dirty="0"/>
           </a:p>
@@ -5778,7 +6987,7 @@
     </p:spTree>
     <p:extLst>
       <p:ext uri="{BB962C8B-B14F-4D97-AF65-F5344CB8AC3E}">
-        <p14:creationId xmlns:p14="http://schemas.microsoft.com/office/powerpoint/2010/main" val="5952984"/>
+        <p14:creationId xmlns:p14="http://schemas.microsoft.com/office/powerpoint/2010/main" val="1368366131"/>
       </p:ext>
     </p:extLst>
   </p:cSld>
@@ -5853,6 +7062,90 @@
           <a:p>
             <a:fld id="{6336304E-FDE3-4B4F-A3B7-EBE87F3FA5E2}" type="slidenum">
               <a:rPr lang="en-US" noProof="0" smtClean="0"/>
+              <a:t>21</a:t>
+            </a:fld>
+            <a:endParaRPr lang="en-US" noProof="0" dirty="0"/>
+          </a:p>
+        </p:txBody>
+      </p:sp>
+    </p:spTree>
+    <p:extLst>
+      <p:ext uri="{BB962C8B-B14F-4D97-AF65-F5344CB8AC3E}">
+        <p14:creationId xmlns:p14="http://schemas.microsoft.com/office/powerpoint/2010/main" val="5952984"/>
+      </p:ext>
+    </p:extLst>
+  </p:cSld>
+  <p:clrMapOvr>
+    <a:masterClrMapping/>
+  </p:clrMapOvr>
+</p:notes>
+</file>
+
+<file path=ppt/notesSlides/notesSlide15.xml><?xml version="1.0" encoding="utf-8"?>
+<p:notes xmlns:a="http://schemas.openxmlformats.org/drawingml/2006/main" xmlns:r="http://schemas.openxmlformats.org/officeDocument/2006/relationships" xmlns:p="http://schemas.openxmlformats.org/presentationml/2006/main">
+  <p:cSld>
+    <p:spTree>
+      <p:nvGrpSpPr>
+        <p:cNvPr id="1" name=""/>
+        <p:cNvGrpSpPr/>
+        <p:nvPr/>
+      </p:nvGrpSpPr>
+      <p:grpSpPr>
+        <a:xfrm>
+          <a:off x="0" y="0"/>
+          <a:ext cx="0" cy="0"/>
+          <a:chOff x="0" y="0"/>
+          <a:chExt cx="0" cy="0"/>
+        </a:xfrm>
+      </p:grpSpPr>
+      <p:sp>
+        <p:nvSpPr>
+          <p:cNvPr id="2" name="Slide Image Placeholder 1"/>
+          <p:cNvSpPr>
+            <a:spLocks noGrp="1" noRot="1" noChangeAspect="1"/>
+          </p:cNvSpPr>
+          <p:nvPr>
+            <p:ph type="sldImg"/>
+          </p:nvPr>
+        </p:nvSpPr>
+        <p:spPr/>
+      </p:sp>
+      <p:sp>
+        <p:nvSpPr>
+          <p:cNvPr id="3" name="Notes Placeholder 2"/>
+          <p:cNvSpPr>
+            <a:spLocks noGrp="1"/>
+          </p:cNvSpPr>
+          <p:nvPr>
+            <p:ph type="body" idx="1"/>
+          </p:nvPr>
+        </p:nvSpPr>
+        <p:spPr/>
+        <p:txBody>
+          <a:bodyPr/>
+          <a:lstStyle/>
+          <a:p>
+            <a:endParaRPr lang="en-US"/>
+          </a:p>
+        </p:txBody>
+      </p:sp>
+      <p:sp>
+        <p:nvSpPr>
+          <p:cNvPr id="4" name="Slide Number Placeholder 3"/>
+          <p:cNvSpPr>
+            <a:spLocks noGrp="1"/>
+          </p:cNvSpPr>
+          <p:nvPr>
+            <p:ph type="sldNum" sz="quarter" idx="10"/>
+          </p:nvPr>
+        </p:nvSpPr>
+        <p:spPr/>
+        <p:txBody>
+          <a:bodyPr/>
+          <a:lstStyle/>
+          <a:p>
+            <a:fld id="{6336304E-FDE3-4B4F-A3B7-EBE87F3FA5E2}" type="slidenum">
+              <a:rPr lang="en-US" noProof="0" smtClean="0"/>
               <a:t>27</a:t>
             </a:fld>
             <a:endParaRPr lang="en-US" noProof="0" dirty="0"/>
@@ -5872,7 +7165,7 @@
 </p:notes>
 </file>
 
-<file path=ppt/notesSlides/notesSlide15.xml><?xml version="1.0" encoding="utf-8"?>
+<file path=ppt/notesSlides/notesSlide16.xml><?xml version="1.0" encoding="utf-8"?>
 <p:notes xmlns:a="http://schemas.openxmlformats.org/drawingml/2006/main" xmlns:r="http://schemas.openxmlformats.org/officeDocument/2006/relationships" xmlns:p="http://schemas.openxmlformats.org/presentationml/2006/main">
   <p:cSld>
     <p:spTree>
@@ -6088,10 +7381,6 @@
           <a:bodyPr/>
           <a:lstStyle/>
           <a:p>
-            <a:r>
-              <a:rPr lang="en-US" smtClean="0"/>
-              <a:t>Outline</a:t>
-            </a:r>
             <a:endParaRPr lang="en-US"/>
           </a:p>
         </p:txBody>
@@ -6111,18 +7400,18 @@
           <a:bodyPr/>
           <a:lstStyle/>
           <a:p>
-            <a:fld id="{2192BA90-3772-4C94-8992-EB88D67E6E36}" type="slidenum">
-              <a:rPr lang="en-US" smtClean="0"/>
-              <a:t>7</a:t>
+            <a:fld id="{6336304E-FDE3-4B4F-A3B7-EBE87F3FA5E2}" type="slidenum">
+              <a:rPr lang="en-US" noProof="0" smtClean="0"/>
+              <a:t>3</a:t>
             </a:fld>
-            <a:endParaRPr lang="en-US"/>
+            <a:endParaRPr lang="en-US" noProof="0" dirty="0"/>
           </a:p>
         </p:txBody>
       </p:sp>
     </p:spTree>
     <p:extLst>
       <p:ext uri="{BB962C8B-B14F-4D97-AF65-F5344CB8AC3E}">
-        <p14:creationId xmlns:p14="http://schemas.microsoft.com/office/powerpoint/2010/main" val="406274"/>
+        <p14:creationId xmlns:p14="http://schemas.microsoft.com/office/powerpoint/2010/main" val="2879535263"/>
       </p:ext>
     </p:extLst>
   </p:cSld>
@@ -6178,11 +7467,7 @@
           <a:p>
             <a:r>
               <a:rPr lang="en-US" smtClean="0"/>
-              <a:t>Data tokoh</a:t>
-            </a:r>
-            <a:r>
-              <a:rPr lang="en-US" baseline="0" smtClean="0"/>
-              <a:t> yang didapatkan dari halaman dbpedia kita download file .rdf nya lalu dimodelkan di aplikasi java yang berplugin apache jena</a:t>
+              <a:t>Outline</a:t>
             </a:r>
             <a:endParaRPr lang="en-US"/>
           </a:p>
@@ -6203,18 +7488,18 @@
           <a:bodyPr/>
           <a:lstStyle/>
           <a:p>
-            <a:fld id="{6336304E-FDE3-4B4F-A3B7-EBE87F3FA5E2}" type="slidenum">
-              <a:rPr lang="en-US" noProof="0" smtClean="0"/>
-              <a:t>8</a:t>
+            <a:fld id="{2192BA90-3772-4C94-8992-EB88D67E6E36}" type="slidenum">
+              <a:rPr lang="en-US" smtClean="0"/>
+              <a:t>7</a:t>
             </a:fld>
-            <a:endParaRPr lang="en-US" noProof="0" dirty="0"/>
+            <a:endParaRPr lang="en-US"/>
           </a:p>
         </p:txBody>
       </p:sp>
     </p:spTree>
     <p:extLst>
       <p:ext uri="{BB962C8B-B14F-4D97-AF65-F5344CB8AC3E}">
-        <p14:creationId xmlns:p14="http://schemas.microsoft.com/office/powerpoint/2010/main" val="3334399071"/>
+        <p14:creationId xmlns:p14="http://schemas.microsoft.com/office/powerpoint/2010/main" val="406274"/>
       </p:ext>
     </p:extLst>
   </p:cSld>
@@ -6270,11 +7555,33 @@
           <a:p>
             <a:r>
               <a:rPr lang="en-US" smtClean="0"/>
-              <a:t>Ini adalah contoh ontology keluarga.</a:t>
+              <a:t>Setiap tokoh yang digunakan sebagai</a:t>
             </a:r>
             <a:r>
               <a:rPr lang="en-US" baseline="0" smtClean="0"/>
-              <a:t> Misalnya untuk data Soekarno, memiliki property hasSpouse Fatmawati dan memiliki property hasChild Megawati</a:t>
+              <a:t> dataset memiliki halaman dbpedia seperti berikut.</a:t>
+            </a:r>
+          </a:p>
+          <a:p>
+            <a:r>
+              <a:rPr lang="en-US" smtClean="0"/>
+              <a:t>Data </a:t>
+            </a:r>
+            <a:r>
+              <a:rPr lang="en-US" smtClean="0"/>
+              <a:t>tokoh</a:t>
+            </a:r>
+            <a:r>
+              <a:rPr lang="en-US" baseline="0" smtClean="0"/>
+              <a:t> yang didapatkan dari halaman dbpedia </a:t>
+            </a:r>
+            <a:r>
+              <a:rPr lang="en-US" baseline="0" smtClean="0"/>
+              <a:t>didownload </a:t>
+            </a:r>
+            <a:r>
+              <a:rPr lang="en-US" baseline="0" smtClean="0"/>
+              <a:t>file .rdf nya lalu dimodelkan di aplikasi java yang berplugin apache jena</a:t>
             </a:r>
             <a:endParaRPr lang="en-US"/>
           </a:p>
@@ -6297,7 +7604,7 @@
           <a:p>
             <a:fld id="{6336304E-FDE3-4B4F-A3B7-EBE87F3FA5E2}" type="slidenum">
               <a:rPr lang="en-US" noProof="0" smtClean="0"/>
-              <a:t>9</a:t>
+              <a:t>8</a:t>
             </a:fld>
             <a:endParaRPr lang="en-US" noProof="0" dirty="0"/>
           </a:p>
@@ -6306,7 +7613,7 @@
     </p:spTree>
     <p:extLst>
       <p:ext uri="{BB962C8B-B14F-4D97-AF65-F5344CB8AC3E}">
-        <p14:creationId xmlns:p14="http://schemas.microsoft.com/office/powerpoint/2010/main" val="1675072235"/>
+        <p14:creationId xmlns:p14="http://schemas.microsoft.com/office/powerpoint/2010/main" val="3334399071"/>
       </p:ext>
     </p:extLst>
   </p:cSld>
@@ -6362,11 +7669,11 @@
           <a:p>
             <a:r>
               <a:rPr lang="en-US" smtClean="0"/>
-              <a:t>Ketika kita bicara</a:t>
+              <a:t>Ini adalah contoh ontology keluarga.</a:t>
             </a:r>
             <a:r>
               <a:rPr lang="en-US" baseline="0" smtClean="0"/>
-              <a:t> data dari DBpedia, maka yang terhubung dan dijadikan individu adalah URL resourcenya, setiap resource memiliki propertynya masing2, ada dua jenis property yaitu data property (hijau) dan obj property(biru),</a:t>
+              <a:t> Misalnya untuk data Soekarno, memiliki property hasSpouse Fatmawati dan memiliki property hasChild Megawati</a:t>
             </a:r>
             <a:endParaRPr lang="en-US"/>
           </a:p>
@@ -6389,7 +7696,7 @@
           <a:p>
             <a:fld id="{6336304E-FDE3-4B4F-A3B7-EBE87F3FA5E2}" type="slidenum">
               <a:rPr lang="en-US" noProof="0" smtClean="0"/>
-              <a:t>10</a:t>
+              <a:t>9</a:t>
             </a:fld>
             <a:endParaRPr lang="en-US" noProof="0" dirty="0"/>
           </a:p>
@@ -6398,7 +7705,7 @@
     </p:spTree>
     <p:extLst>
       <p:ext uri="{BB962C8B-B14F-4D97-AF65-F5344CB8AC3E}">
-        <p14:creationId xmlns:p14="http://schemas.microsoft.com/office/powerpoint/2010/main" val="439452113"/>
+        <p14:creationId xmlns:p14="http://schemas.microsoft.com/office/powerpoint/2010/main" val="1675072235"/>
       </p:ext>
     </p:extLst>
   </p:cSld>
@@ -6454,15 +7761,73 @@
           <a:p>
             <a:r>
               <a:rPr lang="en-US" smtClean="0"/>
-              <a:t>Setiap</a:t>
+              <a:t>Berikut adalah</a:t>
             </a:r>
             <a:r>
               <a:rPr lang="en-US" baseline="0" smtClean="0"/>
-              <a:t> property memiliki karakteristik dan deskripsi masing2, karakteristik adalah sifat yang berlaku untuk property terpilih, sedangkan deskripsi adalah sifat yang berlaku untuk property terpilih dengan property yang lain. detail bisa dilihat </a:t>
+              <a:t> </a:t>
             </a:r>
             <a:r>
               <a:rPr lang="en-US" smtClean="0"/>
-              <a:t>Ada di Subbab 2.2</a:t>
+              <a:t>representasi</a:t>
+            </a:r>
+            <a:r>
+              <a:rPr lang="en-US" baseline="0" smtClean="0"/>
+              <a:t> </a:t>
+            </a:r>
+            <a:r>
+              <a:rPr lang="en-US" baseline="0" smtClean="0"/>
+              <a:t>data </a:t>
+            </a:r>
+            <a:r>
+              <a:rPr lang="en-US" baseline="0" smtClean="0"/>
+              <a:t>sederhana dari halaman DBpedia Ir Soekarno.</a:t>
+            </a:r>
+          </a:p>
+          <a:p>
+            <a:r>
+              <a:rPr lang="en-US" baseline="0" smtClean="0"/>
+              <a:t>Perlu diketahui bahwa yang dipakai sebagai individu adalah URLnya.</a:t>
+            </a:r>
+          </a:p>
+          <a:p>
+            <a:r>
+              <a:rPr lang="en-US" baseline="0" smtClean="0"/>
+              <a:t>Setiap URL </a:t>
+            </a:r>
+            <a:r>
+              <a:rPr lang="en-US" baseline="0" smtClean="0"/>
+              <a:t>memiliki propertynya masing2, </a:t>
+            </a:r>
+            <a:r>
+              <a:rPr lang="en-US" baseline="0" smtClean="0"/>
+              <a:t>seperti nama, jenis kelamin, dll</a:t>
+            </a:r>
+          </a:p>
+          <a:p>
+            <a:r>
+              <a:rPr lang="en-US" baseline="0" smtClean="0"/>
+              <a:t>ada </a:t>
+            </a:r>
+            <a:r>
+              <a:rPr lang="en-US" baseline="0" smtClean="0"/>
+              <a:t>dua jenis property yaitu data property (hijau) dan obj property(biru</a:t>
+            </a:r>
+            <a:r>
+              <a:rPr lang="en-US" baseline="0" smtClean="0"/>
+              <a:t>),</a:t>
+            </a:r>
+          </a:p>
+          <a:p>
+            <a:r>
+              <a:rPr lang="en-US" baseline="0" smtClean="0"/>
+              <a:t>Properti yang dimiliki suatu URL adalah data prop</a:t>
+            </a:r>
+          </a:p>
+          <a:p>
+            <a:r>
+              <a:rPr lang="en-US" baseline="0" smtClean="0"/>
+              <a:t>Properti yang mendefinisikan relasi antar URL adalah obj prop</a:t>
             </a:r>
             <a:endParaRPr lang="en-US"/>
           </a:p>
@@ -6485,7 +7850,7 @@
           <a:p>
             <a:fld id="{6336304E-FDE3-4B4F-A3B7-EBE87F3FA5E2}" type="slidenum">
               <a:rPr lang="en-US" noProof="0" smtClean="0"/>
-              <a:t>11</a:t>
+              <a:t>10</a:t>
             </a:fld>
             <a:endParaRPr lang="en-US" noProof="0" dirty="0"/>
           </a:p>
@@ -6494,7 +7859,7 @@
     </p:spTree>
     <p:extLst>
       <p:ext uri="{BB962C8B-B14F-4D97-AF65-F5344CB8AC3E}">
-        <p14:creationId xmlns:p14="http://schemas.microsoft.com/office/powerpoint/2010/main" val="4264269489"/>
+        <p14:creationId xmlns:p14="http://schemas.microsoft.com/office/powerpoint/2010/main" val="439452113"/>
       </p:ext>
     </p:extLst>
   </p:cSld>
@@ -6567,11 +7932,15 @@
             </a:pPr>
             <a:r>
               <a:rPr lang="en-US" smtClean="0"/>
-              <a:t>Berikut</a:t>
+              <a:t>Berikut beberapa</a:t>
             </a:r>
             <a:r>
               <a:rPr lang="en-US" baseline="0" smtClean="0"/>
-              <a:t> data property dan obj property yang saya gunakan untuk pengerjaan ini. </a:t>
+              <a:t> </a:t>
+            </a:r>
+            <a:r>
+              <a:rPr lang="en-US" baseline="0" smtClean="0"/>
+              <a:t>data property dan obj property yang saya gunakan untuk pengerjaan ini. </a:t>
             </a:r>
             <a:r>
               <a:rPr lang="en-US" smtClean="0"/>
@@ -6597,7 +7966,7 @@
           <a:p>
             <a:fld id="{6336304E-FDE3-4B4F-A3B7-EBE87F3FA5E2}" type="slidenum">
               <a:rPr lang="en-US" noProof="0" smtClean="0"/>
-              <a:t>12</a:t>
+              <a:t>11</a:t>
             </a:fld>
             <a:endParaRPr lang="en-US" noProof="0" dirty="0"/>
           </a:p>
@@ -6661,12 +8030,40 @@
           <a:lstStyle/>
           <a:p>
             <a:r>
+              <a:rPr lang="en-US" baseline="0" smtClean="0"/>
+              <a:t>Berikut penjelasan dari karakteristik property.</a:t>
+            </a:r>
+          </a:p>
+          <a:p>
+            <a:r>
+              <a:rPr lang="en-US" baseline="0" smtClean="0"/>
+              <a:t>Yang pertama property isSpouse of berkarakteristik symmetric, artinya jika A memiliki isSpouseOf B, maka B memiliki isSpouseOf A</a:t>
+            </a:r>
+          </a:p>
+          <a:p>
+            <a:r>
+              <a:rPr lang="en-US" baseline="0" smtClean="0"/>
+              <a:t>Lalu property hasparent yang memilki deskripsi inverseOf dengan property hasChild, artinya jika C memiliki hasParent D, maka D memiliki hasChild C</a:t>
+            </a:r>
+          </a:p>
+          <a:p>
+            <a:r>
+              <a:rPr lang="en-US" baseline="0" smtClean="0"/>
+              <a:t>Lalu property dbo:child yang bersifat equivalentTo dengan hasChild, artinya jika E memiliki dbo:child F, maka E memiliki property hasChild F</a:t>
+            </a:r>
+          </a:p>
+          <a:p>
+            <a:r>
+              <a:rPr lang="en-US" baseline="0" smtClean="0"/>
+              <a:t>. </a:t>
+            </a:r>
+            <a:r>
+              <a:rPr lang="en-US" baseline="0" smtClean="0"/>
+              <a:t>detail bisa dilihat </a:t>
+            </a:r>
+            <a:r>
               <a:rPr lang="en-US" smtClean="0"/>
-              <a:t>Bab 3.4 Penggabungan</a:t>
-            </a:r>
-            <a:r>
-              <a:rPr lang="en-US" baseline="0" smtClean="0"/>
-              <a:t> model data dbpedia dan model family relationship ontology sebenarnya prosesnya hanya menggabungkan statemen triples saja. Proses ini dilakukan oleh aplikasi java yang memiliki plugin Apache Jena</a:t>
+              <a:t>Ada di Subbab 2.2</a:t>
             </a:r>
             <a:endParaRPr lang="en-US"/>
           </a:p>
@@ -6689,7 +8086,7 @@
           <a:p>
             <a:fld id="{6336304E-FDE3-4B4F-A3B7-EBE87F3FA5E2}" type="slidenum">
               <a:rPr lang="en-US" noProof="0" smtClean="0"/>
-              <a:t>13</a:t>
+              <a:t>12</a:t>
             </a:fld>
             <a:endParaRPr lang="en-US" noProof="0" dirty="0"/>
           </a:p>
@@ -6698,7 +8095,7 @@
     </p:spTree>
     <p:extLst>
       <p:ext uri="{BB962C8B-B14F-4D97-AF65-F5344CB8AC3E}">
-        <p14:creationId xmlns:p14="http://schemas.microsoft.com/office/powerpoint/2010/main" val="1197839501"/>
+        <p14:creationId xmlns:p14="http://schemas.microsoft.com/office/powerpoint/2010/main" val="4264269489"/>
       </p:ext>
     </p:extLst>
   </p:cSld>
@@ -6730,7 +8127,7 @@
           <p:cNvPr id="2" name="Title 1">
             <a:extLst>
               <a:ext uri="{FF2B5EF4-FFF2-40B4-BE49-F238E27FC236}">
-                <a16:creationId xmlns="" xmlns:a16="http://schemas.microsoft.com/office/drawing/2014/main" id="{2456FD49-C258-4333-9422-358C976A341C}"/>
+                <a16:creationId xmlns:a16="http://schemas.microsoft.com/office/drawing/2014/main" xmlns="" id="{2456FD49-C258-4333-9422-358C976A341C}"/>
               </a:ext>
             </a:extLst>
           </p:cNvPr>
@@ -6774,7 +8171,7 @@
           <p:cNvPr id="3" name="Subtitle 2">
             <a:extLst>
               <a:ext uri="{FF2B5EF4-FFF2-40B4-BE49-F238E27FC236}">
-                <a16:creationId xmlns="" xmlns:a16="http://schemas.microsoft.com/office/drawing/2014/main" id="{59758E15-A93D-4FB9-843D-1490E27A151B}"/>
+                <a16:creationId xmlns:a16="http://schemas.microsoft.com/office/drawing/2014/main" xmlns="" id="{59758E15-A93D-4FB9-843D-1490E27A151B}"/>
               </a:ext>
             </a:extLst>
           </p:cNvPr>
@@ -6851,7 +8248,7 @@
           <p:cNvPr id="13" name="Picture Placeholder 12">
             <a:extLst>
               <a:ext uri="{FF2B5EF4-FFF2-40B4-BE49-F238E27FC236}">
-                <a16:creationId xmlns="" xmlns:a16="http://schemas.microsoft.com/office/drawing/2014/main" id="{BCCC559D-0EC3-432C-B397-6897B366DF36}"/>
+                <a16:creationId xmlns:a16="http://schemas.microsoft.com/office/drawing/2014/main" xmlns="" id="{BCCC559D-0EC3-432C-B397-6897B366DF36}"/>
               </a:ext>
             </a:extLst>
           </p:cNvPr>
@@ -6896,7 +8293,7 @@
           <p:cNvPr id="14" name="Group 13">
             <a:extLst>
               <a:ext uri="{FF2B5EF4-FFF2-40B4-BE49-F238E27FC236}">
-                <a16:creationId xmlns="" xmlns:a16="http://schemas.microsoft.com/office/drawing/2014/main" id="{0DC2055F-AE3F-46BE-B57E-A0F1A86D1C36}"/>
+                <a16:creationId xmlns:a16="http://schemas.microsoft.com/office/drawing/2014/main" xmlns="" id="{0DC2055F-AE3F-46BE-B57E-A0F1A86D1C36}"/>
               </a:ext>
             </a:extLst>
           </p:cNvPr>
@@ -6921,7 +8318,7 @@
             <p:cNvPr id="15" name="Freeform 5">
               <a:extLst>
                 <a:ext uri="{FF2B5EF4-FFF2-40B4-BE49-F238E27FC236}">
-                  <a16:creationId xmlns="" xmlns:a16="http://schemas.microsoft.com/office/drawing/2014/main" id="{C98EF042-A3B8-406D-BC16-153A989F571A}"/>
+                  <a16:creationId xmlns:a16="http://schemas.microsoft.com/office/drawing/2014/main" xmlns="" id="{C98EF042-A3B8-406D-BC16-153A989F571A}"/>
                 </a:ext>
               </a:extLst>
             </p:cNvPr>
@@ -7111,7 +8508,7 @@
             <p:cNvPr id="16" name="Freeform 6">
               <a:extLst>
                 <a:ext uri="{FF2B5EF4-FFF2-40B4-BE49-F238E27FC236}">
-                  <a16:creationId xmlns="" xmlns:a16="http://schemas.microsoft.com/office/drawing/2014/main" id="{68E5FAC9-A660-4D7A-AC84-0A7C8CC3BB65}"/>
+                  <a16:creationId xmlns:a16="http://schemas.microsoft.com/office/drawing/2014/main" xmlns="" id="{68E5FAC9-A660-4D7A-AC84-0A7C8CC3BB65}"/>
                 </a:ext>
               </a:extLst>
             </p:cNvPr>
@@ -7262,7 +8659,7 @@
           <p:cNvPr id="9" name="Picture 8">
             <a:extLst>
               <a:ext uri="{FF2B5EF4-FFF2-40B4-BE49-F238E27FC236}">
-                <a16:creationId xmlns="" xmlns:a16="http://schemas.microsoft.com/office/drawing/2014/main" id="{4FE28ACC-E44C-4381-B768-0310810E78D2}"/>
+                <a16:creationId xmlns:a16="http://schemas.microsoft.com/office/drawing/2014/main" xmlns="" id="{4FE28ACC-E44C-4381-B768-0310810E78D2}"/>
               </a:ext>
             </a:extLst>
           </p:cNvPr>
@@ -7298,7 +8695,7 @@
           <p:cNvPr id="5" name="Straight Connector 4">
             <a:extLst>
               <a:ext uri="{FF2B5EF4-FFF2-40B4-BE49-F238E27FC236}">
-                <a16:creationId xmlns="" xmlns:a16="http://schemas.microsoft.com/office/drawing/2014/main" id="{819AFA09-F4B1-493D-BCAD-FF30C20CD1AA}"/>
+                <a16:creationId xmlns:a16="http://schemas.microsoft.com/office/drawing/2014/main" xmlns="" id="{819AFA09-F4B1-493D-BCAD-FF30C20CD1AA}"/>
               </a:ext>
             </a:extLst>
           </p:cNvPr>
@@ -7364,7 +8761,7 @@
           <p:cNvPr id="3" name="Subtitle 2">
             <a:extLst>
               <a:ext uri="{FF2B5EF4-FFF2-40B4-BE49-F238E27FC236}">
-                <a16:creationId xmlns="" xmlns:a16="http://schemas.microsoft.com/office/drawing/2014/main" id="{59758E15-A93D-4FB9-843D-1490E27A151B}"/>
+                <a16:creationId xmlns:a16="http://schemas.microsoft.com/office/drawing/2014/main" xmlns="" id="{59758E15-A93D-4FB9-843D-1490E27A151B}"/>
               </a:ext>
             </a:extLst>
           </p:cNvPr>
@@ -7440,7 +8837,7 @@
           <p:cNvPr id="13" name="Picture Placeholder 12">
             <a:extLst>
               <a:ext uri="{FF2B5EF4-FFF2-40B4-BE49-F238E27FC236}">
-                <a16:creationId xmlns="" xmlns:a16="http://schemas.microsoft.com/office/drawing/2014/main" id="{BCCC559D-0EC3-432C-B397-6897B366DF36}"/>
+                <a16:creationId xmlns:a16="http://schemas.microsoft.com/office/drawing/2014/main" xmlns="" id="{BCCC559D-0EC3-432C-B397-6897B366DF36}"/>
               </a:ext>
             </a:extLst>
           </p:cNvPr>
@@ -7485,7 +8882,7 @@
           <p:cNvPr id="14" name="Group 13">
             <a:extLst>
               <a:ext uri="{FF2B5EF4-FFF2-40B4-BE49-F238E27FC236}">
-                <a16:creationId xmlns="" xmlns:a16="http://schemas.microsoft.com/office/drawing/2014/main" id="{0DC2055F-AE3F-46BE-B57E-A0F1A86D1C36}"/>
+                <a16:creationId xmlns:a16="http://schemas.microsoft.com/office/drawing/2014/main" xmlns="" id="{0DC2055F-AE3F-46BE-B57E-A0F1A86D1C36}"/>
               </a:ext>
             </a:extLst>
           </p:cNvPr>
@@ -7510,7 +8907,7 @@
             <p:cNvPr id="15" name="Freeform 5">
               <a:extLst>
                 <a:ext uri="{FF2B5EF4-FFF2-40B4-BE49-F238E27FC236}">
-                  <a16:creationId xmlns="" xmlns:a16="http://schemas.microsoft.com/office/drawing/2014/main" id="{C98EF042-A3B8-406D-BC16-153A989F571A}"/>
+                  <a16:creationId xmlns:a16="http://schemas.microsoft.com/office/drawing/2014/main" xmlns="" id="{C98EF042-A3B8-406D-BC16-153A989F571A}"/>
                 </a:ext>
               </a:extLst>
             </p:cNvPr>
@@ -7700,7 +9097,7 @@
             <p:cNvPr id="16" name="Freeform 6">
               <a:extLst>
                 <a:ext uri="{FF2B5EF4-FFF2-40B4-BE49-F238E27FC236}">
-                  <a16:creationId xmlns="" xmlns:a16="http://schemas.microsoft.com/office/drawing/2014/main" id="{68E5FAC9-A660-4D7A-AC84-0A7C8CC3BB65}"/>
+                  <a16:creationId xmlns:a16="http://schemas.microsoft.com/office/drawing/2014/main" xmlns="" id="{68E5FAC9-A660-4D7A-AC84-0A7C8CC3BB65}"/>
                 </a:ext>
               </a:extLst>
             </p:cNvPr>
@@ -7851,7 +9248,7 @@
           <p:cNvPr id="9" name="Picture 8">
             <a:extLst>
               <a:ext uri="{FF2B5EF4-FFF2-40B4-BE49-F238E27FC236}">
-                <a16:creationId xmlns="" xmlns:a16="http://schemas.microsoft.com/office/drawing/2014/main" id="{4FE28ACC-E44C-4381-B768-0310810E78D2}"/>
+                <a16:creationId xmlns:a16="http://schemas.microsoft.com/office/drawing/2014/main" xmlns="" id="{4FE28ACC-E44C-4381-B768-0310810E78D2}"/>
               </a:ext>
             </a:extLst>
           </p:cNvPr>
@@ -7887,7 +9284,7 @@
           <p:cNvPr id="5" name="Straight Connector 4">
             <a:extLst>
               <a:ext uri="{FF2B5EF4-FFF2-40B4-BE49-F238E27FC236}">
-                <a16:creationId xmlns="" xmlns:a16="http://schemas.microsoft.com/office/drawing/2014/main" id="{819AFA09-F4B1-493D-BCAD-FF30C20CD1AA}"/>
+                <a16:creationId xmlns:a16="http://schemas.microsoft.com/office/drawing/2014/main" xmlns="" id="{819AFA09-F4B1-493D-BCAD-FF30C20CD1AA}"/>
               </a:ext>
             </a:extLst>
           </p:cNvPr>
@@ -7923,7 +9320,7 @@
           <p:cNvPr id="7" name="Text Placeholder 6">
             <a:extLst>
               <a:ext uri="{FF2B5EF4-FFF2-40B4-BE49-F238E27FC236}">
-                <a16:creationId xmlns="" xmlns:a16="http://schemas.microsoft.com/office/drawing/2014/main" id="{4E0FBE0E-A6B0-483E-93DD-5C20DA069DBC}"/>
+                <a16:creationId xmlns:a16="http://schemas.microsoft.com/office/drawing/2014/main" xmlns="" id="{4E0FBE0E-A6B0-483E-93DD-5C20DA069DBC}"/>
               </a:ext>
             </a:extLst>
           </p:cNvPr>
@@ -7972,7 +9369,7 @@
           <p:cNvPr id="17" name="Graphic 16" descr="Envelope">
             <a:extLst>
               <a:ext uri="{FF2B5EF4-FFF2-40B4-BE49-F238E27FC236}">
-                <a16:creationId xmlns="" xmlns:a16="http://schemas.microsoft.com/office/drawing/2014/main" id="{E5B30B87-6C2E-48F1-9026-E4F6BEA1CFE7}"/>
+                <a16:creationId xmlns:a16="http://schemas.microsoft.com/office/drawing/2014/main" xmlns="" id="{E5B30B87-6C2E-48F1-9026-E4F6BEA1CFE7}"/>
               </a:ext>
             </a:extLst>
           </p:cNvPr>
@@ -7988,7 +9385,7 @@
                 <a14:useLocalDpi xmlns:a14="http://schemas.microsoft.com/office/drawing/2010/main"/>
               </a:ext>
               <a:ext uri="{96DAC541-7B7A-43D3-8B79-37D633B846F1}">
-                <asvg:svgBlip xmlns="" xmlns:asvg="http://schemas.microsoft.com/office/drawing/2016/SVG/main" r:embed="rId4"/>
+                <asvg:svgBlip xmlns:asvg="http://schemas.microsoft.com/office/drawing/2016/SVG/main" xmlns="" r:embed="rId4"/>
               </a:ext>
             </a:extLst>
           </a:blip>
@@ -8011,7 +9408,7 @@
           <p:cNvPr id="18" name="Graphic 17" descr="Network">
             <a:extLst>
               <a:ext uri="{FF2B5EF4-FFF2-40B4-BE49-F238E27FC236}">
-                <a16:creationId xmlns="" xmlns:a16="http://schemas.microsoft.com/office/drawing/2014/main" id="{2DA3CFE0-4ED8-4345-A158-94E70F463E99}"/>
+                <a16:creationId xmlns:a16="http://schemas.microsoft.com/office/drawing/2014/main" xmlns="" id="{2DA3CFE0-4ED8-4345-A158-94E70F463E99}"/>
               </a:ext>
             </a:extLst>
           </p:cNvPr>
@@ -8027,7 +9424,7 @@
                 <a14:useLocalDpi xmlns:a14="http://schemas.microsoft.com/office/drawing/2010/main"/>
               </a:ext>
               <a:ext uri="{96DAC541-7B7A-43D3-8B79-37D633B846F1}">
-                <asvg:svgBlip xmlns="" xmlns:asvg="http://schemas.microsoft.com/office/drawing/2016/SVG/main" r:embed="rId6"/>
+                <asvg:svgBlip xmlns:asvg="http://schemas.microsoft.com/office/drawing/2016/SVG/main" xmlns="" r:embed="rId6"/>
               </a:ext>
             </a:extLst>
           </a:blip>
@@ -8050,7 +9447,7 @@
           <p:cNvPr id="2" name="Title 1">
             <a:extLst>
               <a:ext uri="{FF2B5EF4-FFF2-40B4-BE49-F238E27FC236}">
-                <a16:creationId xmlns="" xmlns:a16="http://schemas.microsoft.com/office/drawing/2014/main" id="{2CE9908F-CF81-43F9-880A-401D0C0FB2ED}"/>
+                <a16:creationId xmlns:a16="http://schemas.microsoft.com/office/drawing/2014/main" xmlns="" id="{2CE9908F-CF81-43F9-880A-401D0C0FB2ED}"/>
               </a:ext>
             </a:extLst>
           </p:cNvPr>
@@ -8128,7 +9525,7 @@
           <p:cNvPr id="4" name="Rectangle 3">
             <a:extLst>
               <a:ext uri="{FF2B5EF4-FFF2-40B4-BE49-F238E27FC236}">
-                <a16:creationId xmlns="" xmlns:a16="http://schemas.microsoft.com/office/drawing/2014/main" id="{86299464-ED20-4919-8B3A-2CFAE8DA2347}"/>
+                <a16:creationId xmlns:a16="http://schemas.microsoft.com/office/drawing/2014/main" xmlns="" id="{86299464-ED20-4919-8B3A-2CFAE8DA2347}"/>
               </a:ext>
             </a:extLst>
           </p:cNvPr>
@@ -8180,7 +9577,7 @@
           <p:cNvPr id="13" name="Picture Placeholder 12">
             <a:extLst>
               <a:ext uri="{FF2B5EF4-FFF2-40B4-BE49-F238E27FC236}">
-                <a16:creationId xmlns="" xmlns:a16="http://schemas.microsoft.com/office/drawing/2014/main" id="{BCCC559D-0EC3-432C-B397-6897B366DF36}"/>
+                <a16:creationId xmlns:a16="http://schemas.microsoft.com/office/drawing/2014/main" xmlns="" id="{BCCC559D-0EC3-432C-B397-6897B366DF36}"/>
               </a:ext>
             </a:extLst>
           </p:cNvPr>
@@ -8225,7 +9622,7 @@
           <p:cNvPr id="14" name="Group 13">
             <a:extLst>
               <a:ext uri="{FF2B5EF4-FFF2-40B4-BE49-F238E27FC236}">
-                <a16:creationId xmlns="" xmlns:a16="http://schemas.microsoft.com/office/drawing/2014/main" id="{0DC2055F-AE3F-46BE-B57E-A0F1A86D1C36}"/>
+                <a16:creationId xmlns:a16="http://schemas.microsoft.com/office/drawing/2014/main" xmlns="" id="{0DC2055F-AE3F-46BE-B57E-A0F1A86D1C36}"/>
               </a:ext>
             </a:extLst>
           </p:cNvPr>
@@ -8250,7 +9647,7 @@
             <p:cNvPr id="15" name="Freeform 5">
               <a:extLst>
                 <a:ext uri="{FF2B5EF4-FFF2-40B4-BE49-F238E27FC236}">
-                  <a16:creationId xmlns="" xmlns:a16="http://schemas.microsoft.com/office/drawing/2014/main" id="{C98EF042-A3B8-406D-BC16-153A989F571A}"/>
+                  <a16:creationId xmlns:a16="http://schemas.microsoft.com/office/drawing/2014/main" xmlns="" id="{C98EF042-A3B8-406D-BC16-153A989F571A}"/>
                 </a:ext>
               </a:extLst>
             </p:cNvPr>
@@ -8440,7 +9837,7 @@
             <p:cNvPr id="16" name="Freeform 6">
               <a:extLst>
                 <a:ext uri="{FF2B5EF4-FFF2-40B4-BE49-F238E27FC236}">
-                  <a16:creationId xmlns="" xmlns:a16="http://schemas.microsoft.com/office/drawing/2014/main" id="{68E5FAC9-A660-4D7A-AC84-0A7C8CC3BB65}"/>
+                  <a16:creationId xmlns:a16="http://schemas.microsoft.com/office/drawing/2014/main" xmlns="" id="{68E5FAC9-A660-4D7A-AC84-0A7C8CC3BB65}"/>
                 </a:ext>
               </a:extLst>
             </p:cNvPr>
@@ -8591,7 +9988,7 @@
           <p:cNvPr id="9" name="Picture 8">
             <a:extLst>
               <a:ext uri="{FF2B5EF4-FFF2-40B4-BE49-F238E27FC236}">
-                <a16:creationId xmlns="" xmlns:a16="http://schemas.microsoft.com/office/drawing/2014/main" id="{4FE28ACC-E44C-4381-B768-0310810E78D2}"/>
+                <a16:creationId xmlns:a16="http://schemas.microsoft.com/office/drawing/2014/main" xmlns="" id="{4FE28ACC-E44C-4381-B768-0310810E78D2}"/>
               </a:ext>
             </a:extLst>
           </p:cNvPr>
@@ -8636,7 +10033,7 @@
           <p:cNvPr id="12" name="Straight Connector 11">
             <a:extLst>
               <a:ext uri="{FF2B5EF4-FFF2-40B4-BE49-F238E27FC236}">
-                <a16:creationId xmlns="" xmlns:a16="http://schemas.microsoft.com/office/drawing/2014/main" id="{77C312F4-62C2-4903-8C4B-423A8717E481}"/>
+                <a16:creationId xmlns:a16="http://schemas.microsoft.com/office/drawing/2014/main" xmlns="" id="{77C312F4-62C2-4903-8C4B-423A8717E481}"/>
               </a:ext>
             </a:extLst>
           </p:cNvPr>
@@ -8677,7 +10074,7 @@
           <p:cNvPr id="19" name="Graphic 18" descr="Envelope">
             <a:extLst>
               <a:ext uri="{FF2B5EF4-FFF2-40B4-BE49-F238E27FC236}">
-                <a16:creationId xmlns="" xmlns:a16="http://schemas.microsoft.com/office/drawing/2014/main" id="{A686352B-226C-4579-B831-0DC14EC3895E}"/>
+                <a16:creationId xmlns:a16="http://schemas.microsoft.com/office/drawing/2014/main" xmlns="" id="{A686352B-226C-4579-B831-0DC14EC3895E}"/>
               </a:ext>
             </a:extLst>
           </p:cNvPr>
@@ -8713,7 +10110,7 @@
           <p:cNvPr id="20" name="Graphic 19" descr="Network">
             <a:extLst>
               <a:ext uri="{FF2B5EF4-FFF2-40B4-BE49-F238E27FC236}">
-                <a16:creationId xmlns="" xmlns:a16="http://schemas.microsoft.com/office/drawing/2014/main" id="{460C8169-012B-451A-A6C2-6FEC0DC82AFC}"/>
+                <a16:creationId xmlns:a16="http://schemas.microsoft.com/office/drawing/2014/main" xmlns="" id="{460C8169-012B-451A-A6C2-6FEC0DC82AFC}"/>
               </a:ext>
             </a:extLst>
           </p:cNvPr>
@@ -8749,7 +10146,7 @@
           <p:cNvPr id="21" name="Subtitle 2">
             <a:extLst>
               <a:ext uri="{FF2B5EF4-FFF2-40B4-BE49-F238E27FC236}">
-                <a16:creationId xmlns="" xmlns:a16="http://schemas.microsoft.com/office/drawing/2014/main" id="{ADF17BC1-06CE-42EA-A970-31A7ED871AA4}"/>
+                <a16:creationId xmlns:a16="http://schemas.microsoft.com/office/drawing/2014/main" xmlns="" id="{ADF17BC1-06CE-42EA-A970-31A7ED871AA4}"/>
               </a:ext>
             </a:extLst>
           </p:cNvPr>
@@ -8825,7 +10222,7 @@
           <p:cNvPr id="22" name="Text Placeholder 6">
             <a:extLst>
               <a:ext uri="{FF2B5EF4-FFF2-40B4-BE49-F238E27FC236}">
-                <a16:creationId xmlns="" xmlns:a16="http://schemas.microsoft.com/office/drawing/2014/main" id="{7035F1B3-4E91-44FF-B4E7-E5D87C7A034C}"/>
+                <a16:creationId xmlns:a16="http://schemas.microsoft.com/office/drawing/2014/main" xmlns="" id="{7035F1B3-4E91-44FF-B4E7-E5D87C7A034C}"/>
               </a:ext>
             </a:extLst>
           </p:cNvPr>
@@ -8878,7 +10275,7 @@
           <p:cNvPr id="18" name="Title 1">
             <a:extLst>
               <a:ext uri="{FF2B5EF4-FFF2-40B4-BE49-F238E27FC236}">
-                <a16:creationId xmlns="" xmlns:a16="http://schemas.microsoft.com/office/drawing/2014/main" id="{525B5135-F466-4A63-A42C-3BB2BAA7D24D}"/>
+                <a16:creationId xmlns:a16="http://schemas.microsoft.com/office/drawing/2014/main" xmlns="" id="{525B5135-F466-4A63-A42C-3BB2BAA7D24D}"/>
               </a:ext>
             </a:extLst>
           </p:cNvPr>
@@ -8982,7 +10379,7 @@
           <p:cNvPr id="4" name="Rectangle 3">
             <a:extLst>
               <a:ext uri="{FF2B5EF4-FFF2-40B4-BE49-F238E27FC236}">
-                <a16:creationId xmlns="" xmlns:a16="http://schemas.microsoft.com/office/drawing/2014/main" id="{86299464-ED20-4919-8B3A-2CFAE8DA2347}"/>
+                <a16:creationId xmlns:a16="http://schemas.microsoft.com/office/drawing/2014/main" xmlns="" id="{86299464-ED20-4919-8B3A-2CFAE8DA2347}"/>
               </a:ext>
             </a:extLst>
           </p:cNvPr>
@@ -9034,7 +10431,7 @@
           <p:cNvPr id="6" name="Oval 5">
             <a:extLst>
               <a:ext uri="{FF2B5EF4-FFF2-40B4-BE49-F238E27FC236}">
-                <a16:creationId xmlns="" xmlns:a16="http://schemas.microsoft.com/office/drawing/2014/main" id="{1F54E98B-AC75-484D-9121-68498EB888AA}"/>
+                <a16:creationId xmlns:a16="http://schemas.microsoft.com/office/drawing/2014/main" xmlns="" id="{1F54E98B-AC75-484D-9121-68498EB888AA}"/>
               </a:ext>
             </a:extLst>
           </p:cNvPr>
@@ -9088,7 +10485,7 @@
           <p:cNvPr id="2" name="Title 1">
             <a:extLst>
               <a:ext uri="{FF2B5EF4-FFF2-40B4-BE49-F238E27FC236}">
-                <a16:creationId xmlns="" xmlns:a16="http://schemas.microsoft.com/office/drawing/2014/main" id="{2456FD49-C258-4333-9422-358C976A341C}"/>
+                <a16:creationId xmlns:a16="http://schemas.microsoft.com/office/drawing/2014/main" xmlns="" id="{2456FD49-C258-4333-9422-358C976A341C}"/>
               </a:ext>
             </a:extLst>
           </p:cNvPr>
@@ -9132,7 +10529,7 @@
           <p:cNvPr id="3" name="Subtitle 2">
             <a:extLst>
               <a:ext uri="{FF2B5EF4-FFF2-40B4-BE49-F238E27FC236}">
-                <a16:creationId xmlns="" xmlns:a16="http://schemas.microsoft.com/office/drawing/2014/main" id="{59758E15-A93D-4FB9-843D-1490E27A151B}"/>
+                <a16:creationId xmlns:a16="http://schemas.microsoft.com/office/drawing/2014/main" xmlns="" id="{59758E15-A93D-4FB9-843D-1490E27A151B}"/>
               </a:ext>
             </a:extLst>
           </p:cNvPr>
@@ -9209,7 +10606,7 @@
           <p:cNvPr id="14" name="Group 13">
             <a:extLst>
               <a:ext uri="{FF2B5EF4-FFF2-40B4-BE49-F238E27FC236}">
-                <a16:creationId xmlns="" xmlns:a16="http://schemas.microsoft.com/office/drawing/2014/main" id="{0DC2055F-AE3F-46BE-B57E-A0F1A86D1C36}"/>
+                <a16:creationId xmlns:a16="http://schemas.microsoft.com/office/drawing/2014/main" xmlns="" id="{0DC2055F-AE3F-46BE-B57E-A0F1A86D1C36}"/>
               </a:ext>
             </a:extLst>
           </p:cNvPr>
@@ -9234,7 +10631,7 @@
             <p:cNvPr id="15" name="Freeform 5">
               <a:extLst>
                 <a:ext uri="{FF2B5EF4-FFF2-40B4-BE49-F238E27FC236}">
-                  <a16:creationId xmlns="" xmlns:a16="http://schemas.microsoft.com/office/drawing/2014/main" id="{C98EF042-A3B8-406D-BC16-153A989F571A}"/>
+                  <a16:creationId xmlns:a16="http://schemas.microsoft.com/office/drawing/2014/main" xmlns="" id="{C98EF042-A3B8-406D-BC16-153A989F571A}"/>
                 </a:ext>
               </a:extLst>
             </p:cNvPr>
@@ -9424,7 +10821,7 @@
             <p:cNvPr id="16" name="Freeform 6">
               <a:extLst>
                 <a:ext uri="{FF2B5EF4-FFF2-40B4-BE49-F238E27FC236}">
-                  <a16:creationId xmlns="" xmlns:a16="http://schemas.microsoft.com/office/drawing/2014/main" id="{68E5FAC9-A660-4D7A-AC84-0A7C8CC3BB65}"/>
+                  <a16:creationId xmlns:a16="http://schemas.microsoft.com/office/drawing/2014/main" xmlns="" id="{68E5FAC9-A660-4D7A-AC84-0A7C8CC3BB65}"/>
                 </a:ext>
               </a:extLst>
             </p:cNvPr>
@@ -9575,7 +10972,7 @@
           <p:cNvPr id="9" name="Picture 8">
             <a:extLst>
               <a:ext uri="{FF2B5EF4-FFF2-40B4-BE49-F238E27FC236}">
-                <a16:creationId xmlns="" xmlns:a16="http://schemas.microsoft.com/office/drawing/2014/main" id="{4FE28ACC-E44C-4381-B768-0310810E78D2}"/>
+                <a16:creationId xmlns:a16="http://schemas.microsoft.com/office/drawing/2014/main" xmlns="" id="{4FE28ACC-E44C-4381-B768-0310810E78D2}"/>
               </a:ext>
             </a:extLst>
           </p:cNvPr>
@@ -9620,7 +11017,7 @@
           <p:cNvPr id="5" name="Straight Connector 4">
             <a:extLst>
               <a:ext uri="{FF2B5EF4-FFF2-40B4-BE49-F238E27FC236}">
-                <a16:creationId xmlns="" xmlns:a16="http://schemas.microsoft.com/office/drawing/2014/main" id="{819AFA09-F4B1-493D-BCAD-FF30C20CD1AA}"/>
+                <a16:creationId xmlns:a16="http://schemas.microsoft.com/office/drawing/2014/main" xmlns="" id="{819AFA09-F4B1-493D-BCAD-FF30C20CD1AA}"/>
               </a:ext>
             </a:extLst>
           </p:cNvPr>
@@ -9717,7 +11114,7 @@
           <p:cNvPr id="10" name="Rectangle 9">
             <a:extLst>
               <a:ext uri="{FF2B5EF4-FFF2-40B4-BE49-F238E27FC236}">
-                <a16:creationId xmlns="" xmlns:a16="http://schemas.microsoft.com/office/drawing/2014/main" id="{F9087E09-D75F-4E26-B01E-A1A09BA2EA70}"/>
+                <a16:creationId xmlns:a16="http://schemas.microsoft.com/office/drawing/2014/main" xmlns="" id="{F9087E09-D75F-4E26-B01E-A1A09BA2EA70}"/>
               </a:ext>
             </a:extLst>
           </p:cNvPr>
@@ -9769,7 +11166,7 @@
           <p:cNvPr id="2" name="Title 1">
             <a:extLst>
               <a:ext uri="{FF2B5EF4-FFF2-40B4-BE49-F238E27FC236}">
-                <a16:creationId xmlns="" xmlns:a16="http://schemas.microsoft.com/office/drawing/2014/main" id="{AF7A70B7-7ADE-4E0B-B956-363B0B1AA613}"/>
+                <a16:creationId xmlns:a16="http://schemas.microsoft.com/office/drawing/2014/main" xmlns="" id="{AF7A70B7-7ADE-4E0B-B956-363B0B1AA613}"/>
               </a:ext>
             </a:extLst>
           </p:cNvPr>
@@ -9813,7 +11210,7 @@
           <p:cNvPr id="8" name="Picture 7">
             <a:extLst>
               <a:ext uri="{FF2B5EF4-FFF2-40B4-BE49-F238E27FC236}">
-                <a16:creationId xmlns="" xmlns:a16="http://schemas.microsoft.com/office/drawing/2014/main" id="{25FC40B0-ED27-47E5-A3C2-32A8418567EE}"/>
+                <a16:creationId xmlns:a16="http://schemas.microsoft.com/office/drawing/2014/main" xmlns="" id="{25FC40B0-ED27-47E5-A3C2-32A8418567EE}"/>
               </a:ext>
             </a:extLst>
           </p:cNvPr>
@@ -9850,7 +11247,7 @@
           <p:cNvPr id="11" name="Oval 10">
             <a:extLst>
               <a:ext uri="{FF2B5EF4-FFF2-40B4-BE49-F238E27FC236}">
-                <a16:creationId xmlns="" xmlns:a16="http://schemas.microsoft.com/office/drawing/2014/main" id="{8931D2A9-0B92-4197-8802-80424C14EA7E}"/>
+                <a16:creationId xmlns:a16="http://schemas.microsoft.com/office/drawing/2014/main" xmlns="" id="{8931D2A9-0B92-4197-8802-80424C14EA7E}"/>
               </a:ext>
             </a:extLst>
           </p:cNvPr>
@@ -9902,7 +11299,7 @@
           <p:cNvPr id="6" name="Slide Number Placeholder 5">
             <a:extLst>
               <a:ext uri="{FF2B5EF4-FFF2-40B4-BE49-F238E27FC236}">
-                <a16:creationId xmlns="" xmlns:a16="http://schemas.microsoft.com/office/drawing/2014/main" id="{533B74B0-30B9-45C2-9AE6-45D1978AAFAE}"/>
+                <a16:creationId xmlns:a16="http://schemas.microsoft.com/office/drawing/2014/main" xmlns="" id="{533B74B0-30B9-45C2-9AE6-45D1978AAFAE}"/>
               </a:ext>
             </a:extLst>
           </p:cNvPr>
@@ -9946,7 +11343,7 @@
           <p:cNvPr id="4" name="Group 3">
             <a:extLst>
               <a:ext uri="{FF2B5EF4-FFF2-40B4-BE49-F238E27FC236}">
-                <a16:creationId xmlns="" xmlns:a16="http://schemas.microsoft.com/office/drawing/2014/main" id="{AD5251EA-F450-4DD1-995B-DC89513424C8}"/>
+                <a16:creationId xmlns:a16="http://schemas.microsoft.com/office/drawing/2014/main" xmlns="" id="{AD5251EA-F450-4DD1-995B-DC89513424C8}"/>
               </a:ext>
             </a:extLst>
           </p:cNvPr>
@@ -9966,7 +11363,7 @@
             <p:cNvPr id="17" name="Oval 16">
               <a:extLst>
                 <a:ext uri="{FF2B5EF4-FFF2-40B4-BE49-F238E27FC236}">
-                  <a16:creationId xmlns="" xmlns:a16="http://schemas.microsoft.com/office/drawing/2014/main" id="{44882F4E-E8C8-46FE-A9C8-7B79782767F6}"/>
+                  <a16:creationId xmlns:a16="http://schemas.microsoft.com/office/drawing/2014/main" xmlns="" id="{44882F4E-E8C8-46FE-A9C8-7B79782767F6}"/>
                 </a:ext>
               </a:extLst>
             </p:cNvPr>
@@ -10020,7 +11417,7 @@
             <p:cNvPr id="18" name="Group 17">
               <a:extLst>
                 <a:ext uri="{FF2B5EF4-FFF2-40B4-BE49-F238E27FC236}">
-                  <a16:creationId xmlns="" xmlns:a16="http://schemas.microsoft.com/office/drawing/2014/main" id="{965CD13B-04FB-40D5-AF62-2F43CF49BA9B}"/>
+                  <a16:creationId xmlns:a16="http://schemas.microsoft.com/office/drawing/2014/main" xmlns="" id="{965CD13B-04FB-40D5-AF62-2F43CF49BA9B}"/>
                 </a:ext>
               </a:extLst>
             </p:cNvPr>
@@ -10045,7 +11442,7 @@
               <p:cNvPr id="19" name="Freeform 5">
                 <a:extLst>
                   <a:ext uri="{FF2B5EF4-FFF2-40B4-BE49-F238E27FC236}">
-                    <a16:creationId xmlns="" xmlns:a16="http://schemas.microsoft.com/office/drawing/2014/main" id="{01876F8F-C11E-4FB2-8150-1F0602752F97}"/>
+                    <a16:creationId xmlns:a16="http://schemas.microsoft.com/office/drawing/2014/main" xmlns="" id="{01876F8F-C11E-4FB2-8150-1F0602752F97}"/>
                   </a:ext>
                 </a:extLst>
               </p:cNvPr>
@@ -10235,7 +11632,7 @@
               <p:cNvPr id="20" name="Freeform 6">
                 <a:extLst>
                   <a:ext uri="{FF2B5EF4-FFF2-40B4-BE49-F238E27FC236}">
-                    <a16:creationId xmlns="" xmlns:a16="http://schemas.microsoft.com/office/drawing/2014/main" id="{08A1D05F-5F61-4156-8C83-1A002AA1E886}"/>
+                    <a16:creationId xmlns:a16="http://schemas.microsoft.com/office/drawing/2014/main" xmlns="" id="{08A1D05F-5F61-4156-8C83-1A002AA1E886}"/>
                   </a:ext>
                 </a:extLst>
               </p:cNvPr>
@@ -10387,7 +11784,7 @@
           <p:cNvPr id="21" name="Text Placeholder 2">
             <a:extLst>
               <a:ext uri="{FF2B5EF4-FFF2-40B4-BE49-F238E27FC236}">
-                <a16:creationId xmlns="" xmlns:a16="http://schemas.microsoft.com/office/drawing/2014/main" id="{4D77C47B-CC1E-41DA-9146-5DFD63065491}"/>
+                <a16:creationId xmlns:a16="http://schemas.microsoft.com/office/drawing/2014/main" xmlns="" id="{4D77C47B-CC1E-41DA-9146-5DFD63065491}"/>
               </a:ext>
             </a:extLst>
           </p:cNvPr>
@@ -10558,7 +11955,7 @@
           <p:cNvPr id="22" name="Group 21">
             <a:extLst>
               <a:ext uri="{FF2B5EF4-FFF2-40B4-BE49-F238E27FC236}">
-                <a16:creationId xmlns="" xmlns:a16="http://schemas.microsoft.com/office/drawing/2014/main" id="{60E0B501-22AA-4685-BE9B-A267F6F675A7}"/>
+                <a16:creationId xmlns:a16="http://schemas.microsoft.com/office/drawing/2014/main" xmlns="" id="{60E0B501-22AA-4685-BE9B-A267F6F675A7}"/>
               </a:ext>
             </a:extLst>
           </p:cNvPr>
@@ -10583,7 +11980,7 @@
             <p:cNvPr id="24" name="Freeform 5">
               <a:extLst>
                 <a:ext uri="{FF2B5EF4-FFF2-40B4-BE49-F238E27FC236}">
-                  <a16:creationId xmlns="" xmlns:a16="http://schemas.microsoft.com/office/drawing/2014/main" id="{5D0E179E-CA3D-4874-9ACD-F8990F48F4BF}"/>
+                  <a16:creationId xmlns:a16="http://schemas.microsoft.com/office/drawing/2014/main" xmlns="" id="{5D0E179E-CA3D-4874-9ACD-F8990F48F4BF}"/>
                 </a:ext>
               </a:extLst>
             </p:cNvPr>
@@ -10773,7 +12170,7 @@
             <p:cNvPr id="25" name="Freeform 6">
               <a:extLst>
                 <a:ext uri="{FF2B5EF4-FFF2-40B4-BE49-F238E27FC236}">
-                  <a16:creationId xmlns="" xmlns:a16="http://schemas.microsoft.com/office/drawing/2014/main" id="{A9C53936-B93A-4CF6-8766-2FA93ACFEBE3}"/>
+                  <a16:creationId xmlns:a16="http://schemas.microsoft.com/office/drawing/2014/main" xmlns="" id="{A9C53936-B93A-4CF6-8766-2FA93ACFEBE3}"/>
                 </a:ext>
               </a:extLst>
             </p:cNvPr>
@@ -10923,7 +12320,7 @@
             <p:cNvPr id="26" name="Freeform 7">
               <a:extLst>
                 <a:ext uri="{FF2B5EF4-FFF2-40B4-BE49-F238E27FC236}">
-                  <a16:creationId xmlns="" xmlns:a16="http://schemas.microsoft.com/office/drawing/2014/main" id="{5776DEA2-5422-4F51-B359-652B71274D31}"/>
+                  <a16:creationId xmlns:a16="http://schemas.microsoft.com/office/drawing/2014/main" xmlns="" id="{5776DEA2-5422-4F51-B359-652B71274D31}"/>
                 </a:ext>
               </a:extLst>
             </p:cNvPr>
@@ -11064,7 +12461,7 @@
           <p:cNvPr id="7" name="Rectangle 6">
             <a:extLst>
               <a:ext uri="{FF2B5EF4-FFF2-40B4-BE49-F238E27FC236}">
-                <a16:creationId xmlns="" xmlns:a16="http://schemas.microsoft.com/office/drawing/2014/main" id="{76627016-BFC4-46D4-89DB-F72E3C3461EC}"/>
+                <a16:creationId xmlns:a16="http://schemas.microsoft.com/office/drawing/2014/main" xmlns="" id="{76627016-BFC4-46D4-89DB-F72E3C3461EC}"/>
               </a:ext>
             </a:extLst>
           </p:cNvPr>
@@ -11120,7 +12517,7 @@
           <p:cNvPr id="15" name="Oval 14">
             <a:extLst>
               <a:ext uri="{FF2B5EF4-FFF2-40B4-BE49-F238E27FC236}">
-                <a16:creationId xmlns="" xmlns:a16="http://schemas.microsoft.com/office/drawing/2014/main" id="{EF515B4A-CB20-4847-8E00-0DD66F1FEBB4}"/>
+                <a16:creationId xmlns:a16="http://schemas.microsoft.com/office/drawing/2014/main" xmlns="" id="{EF515B4A-CB20-4847-8E00-0DD66F1FEBB4}"/>
               </a:ext>
             </a:extLst>
           </p:cNvPr>
@@ -11172,7 +12569,7 @@
           <p:cNvPr id="16" name="Slide Number Placeholder 5">
             <a:extLst>
               <a:ext uri="{FF2B5EF4-FFF2-40B4-BE49-F238E27FC236}">
-                <a16:creationId xmlns="" xmlns:a16="http://schemas.microsoft.com/office/drawing/2014/main" id="{996B64B9-1DF0-4EE9-BAB5-72AFA94B9AFD}"/>
+                <a16:creationId xmlns:a16="http://schemas.microsoft.com/office/drawing/2014/main" xmlns="" id="{996B64B9-1DF0-4EE9-BAB5-72AFA94B9AFD}"/>
               </a:ext>
             </a:extLst>
           </p:cNvPr>
@@ -11216,7 +12613,7 @@
           <p:cNvPr id="27" name="Content Placeholder 2">
             <a:extLst>
               <a:ext uri="{FF2B5EF4-FFF2-40B4-BE49-F238E27FC236}">
-                <a16:creationId xmlns="" xmlns:a16="http://schemas.microsoft.com/office/drawing/2014/main" id="{1A1F33A2-66F7-4D85-99DD-7B00F265AC6D}"/>
+                <a16:creationId xmlns:a16="http://schemas.microsoft.com/office/drawing/2014/main" xmlns="" id="{1A1F33A2-66F7-4D85-99DD-7B00F265AC6D}"/>
               </a:ext>
             </a:extLst>
           </p:cNvPr>
@@ -11279,7 +12676,7 @@
           <p:cNvPr id="12" name="Picture 11">
             <a:extLst>
               <a:ext uri="{FF2B5EF4-FFF2-40B4-BE49-F238E27FC236}">
-                <a16:creationId xmlns="" xmlns:a16="http://schemas.microsoft.com/office/drawing/2014/main" id="{EC2DFD46-BF74-47BA-A496-92ED1979C360}"/>
+                <a16:creationId xmlns:a16="http://schemas.microsoft.com/office/drawing/2014/main" xmlns="" id="{EC2DFD46-BF74-47BA-A496-92ED1979C360}"/>
               </a:ext>
             </a:extLst>
           </p:cNvPr>
@@ -11315,7 +12712,7 @@
           <p:cNvPr id="13" name="Title 1">
             <a:extLst>
               <a:ext uri="{FF2B5EF4-FFF2-40B4-BE49-F238E27FC236}">
-                <a16:creationId xmlns="" xmlns:a16="http://schemas.microsoft.com/office/drawing/2014/main" id="{EF788279-D710-447A-9E71-4D1344575691}"/>
+                <a16:creationId xmlns:a16="http://schemas.microsoft.com/office/drawing/2014/main" xmlns="" id="{EF788279-D710-447A-9E71-4D1344575691}"/>
               </a:ext>
             </a:extLst>
           </p:cNvPr>
@@ -11385,7 +12782,7 @@
           <p:cNvPr id="18" name="Group 17">
             <a:extLst>
               <a:ext uri="{FF2B5EF4-FFF2-40B4-BE49-F238E27FC236}">
-                <a16:creationId xmlns="" xmlns:a16="http://schemas.microsoft.com/office/drawing/2014/main" id="{C2A6B906-ACDA-40FD-8AC8-0B693AB12796}"/>
+                <a16:creationId xmlns:a16="http://schemas.microsoft.com/office/drawing/2014/main" xmlns="" id="{C2A6B906-ACDA-40FD-8AC8-0B693AB12796}"/>
               </a:ext>
             </a:extLst>
           </p:cNvPr>
@@ -11410,7 +12807,7 @@
             <p:cNvPr id="19" name="Freeform 5">
               <a:extLst>
                 <a:ext uri="{FF2B5EF4-FFF2-40B4-BE49-F238E27FC236}">
-                  <a16:creationId xmlns="" xmlns:a16="http://schemas.microsoft.com/office/drawing/2014/main" id="{717F7366-5A99-4065-90C2-AE7DF5DD0F44}"/>
+                  <a16:creationId xmlns:a16="http://schemas.microsoft.com/office/drawing/2014/main" xmlns="" id="{717F7366-5A99-4065-90C2-AE7DF5DD0F44}"/>
                 </a:ext>
               </a:extLst>
             </p:cNvPr>
@@ -11600,7 +12997,7 @@
             <p:cNvPr id="20" name="Freeform 6">
               <a:extLst>
                 <a:ext uri="{FF2B5EF4-FFF2-40B4-BE49-F238E27FC236}">
-                  <a16:creationId xmlns="" xmlns:a16="http://schemas.microsoft.com/office/drawing/2014/main" id="{90A089CA-63B9-4456-B0B1-17C75EBFB982}"/>
+                  <a16:creationId xmlns:a16="http://schemas.microsoft.com/office/drawing/2014/main" xmlns="" id="{90A089CA-63B9-4456-B0B1-17C75EBFB982}"/>
                 </a:ext>
               </a:extLst>
             </p:cNvPr>
@@ -11750,7 +13147,7 @@
             <p:cNvPr id="22" name="Freeform 7">
               <a:extLst>
                 <a:ext uri="{FF2B5EF4-FFF2-40B4-BE49-F238E27FC236}">
-                  <a16:creationId xmlns="" xmlns:a16="http://schemas.microsoft.com/office/drawing/2014/main" id="{8D36B2D1-BCFE-43FC-8743-7B7A30E1AD5D}"/>
+                  <a16:creationId xmlns:a16="http://schemas.microsoft.com/office/drawing/2014/main" xmlns="" id="{8D36B2D1-BCFE-43FC-8743-7B7A30E1AD5D}"/>
                 </a:ext>
               </a:extLst>
             </p:cNvPr>
@@ -11891,7 +13288,7 @@
           <p:cNvPr id="7" name="Rectangle 6">
             <a:extLst>
               <a:ext uri="{FF2B5EF4-FFF2-40B4-BE49-F238E27FC236}">
-                <a16:creationId xmlns="" xmlns:a16="http://schemas.microsoft.com/office/drawing/2014/main" id="{76627016-BFC4-46D4-89DB-F72E3C3461EC}"/>
+                <a16:creationId xmlns:a16="http://schemas.microsoft.com/office/drawing/2014/main" xmlns="" id="{76627016-BFC4-46D4-89DB-F72E3C3461EC}"/>
               </a:ext>
             </a:extLst>
           </p:cNvPr>
@@ -11947,7 +13344,7 @@
           <p:cNvPr id="15" name="Oval 14">
             <a:extLst>
               <a:ext uri="{FF2B5EF4-FFF2-40B4-BE49-F238E27FC236}">
-                <a16:creationId xmlns="" xmlns:a16="http://schemas.microsoft.com/office/drawing/2014/main" id="{EF515B4A-CB20-4847-8E00-0DD66F1FEBB4}"/>
+                <a16:creationId xmlns:a16="http://schemas.microsoft.com/office/drawing/2014/main" xmlns="" id="{EF515B4A-CB20-4847-8E00-0DD66F1FEBB4}"/>
               </a:ext>
             </a:extLst>
           </p:cNvPr>
@@ -11999,7 +13396,7 @@
           <p:cNvPr id="16" name="Slide Number Placeholder 5">
             <a:extLst>
               <a:ext uri="{FF2B5EF4-FFF2-40B4-BE49-F238E27FC236}">
-                <a16:creationId xmlns="" xmlns:a16="http://schemas.microsoft.com/office/drawing/2014/main" id="{996B64B9-1DF0-4EE9-BAB5-72AFA94B9AFD}"/>
+                <a16:creationId xmlns:a16="http://schemas.microsoft.com/office/drawing/2014/main" xmlns="" id="{996B64B9-1DF0-4EE9-BAB5-72AFA94B9AFD}"/>
               </a:ext>
             </a:extLst>
           </p:cNvPr>
@@ -12043,7 +13440,7 @@
           <p:cNvPr id="14" name="Content Placeholder 2">
             <a:extLst>
               <a:ext uri="{FF2B5EF4-FFF2-40B4-BE49-F238E27FC236}">
-                <a16:creationId xmlns="" xmlns:a16="http://schemas.microsoft.com/office/drawing/2014/main" id="{079DA8F4-EDD3-4D62-A90B-8C3C1AFB0083}"/>
+                <a16:creationId xmlns:a16="http://schemas.microsoft.com/office/drawing/2014/main" xmlns="" id="{079DA8F4-EDD3-4D62-A90B-8C3C1AFB0083}"/>
               </a:ext>
             </a:extLst>
           </p:cNvPr>
@@ -12106,7 +13503,7 @@
           <p:cNvPr id="17" name="Content Placeholder 3">
             <a:extLst>
               <a:ext uri="{FF2B5EF4-FFF2-40B4-BE49-F238E27FC236}">
-                <a16:creationId xmlns="" xmlns:a16="http://schemas.microsoft.com/office/drawing/2014/main" id="{DA0DA994-B4A9-447A-BEBF-3EA31D3755A2}"/>
+                <a16:creationId xmlns:a16="http://schemas.microsoft.com/office/drawing/2014/main" xmlns="" id="{DA0DA994-B4A9-447A-BEBF-3EA31D3755A2}"/>
               </a:ext>
             </a:extLst>
           </p:cNvPr>
@@ -12169,7 +13566,7 @@
           <p:cNvPr id="13" name="Picture 12">
             <a:extLst>
               <a:ext uri="{FF2B5EF4-FFF2-40B4-BE49-F238E27FC236}">
-                <a16:creationId xmlns="" xmlns:a16="http://schemas.microsoft.com/office/drawing/2014/main" id="{332150F9-14BF-4DCB-884D-49596914C290}"/>
+                <a16:creationId xmlns:a16="http://schemas.microsoft.com/office/drawing/2014/main" xmlns="" id="{332150F9-14BF-4DCB-884D-49596914C290}"/>
               </a:ext>
             </a:extLst>
           </p:cNvPr>
@@ -12205,7 +13602,7 @@
           <p:cNvPr id="21" name="Title 1">
             <a:extLst>
               <a:ext uri="{FF2B5EF4-FFF2-40B4-BE49-F238E27FC236}">
-                <a16:creationId xmlns="" xmlns:a16="http://schemas.microsoft.com/office/drawing/2014/main" id="{19DEF115-82C2-4E9D-A22C-8DA561FB37B8}"/>
+                <a16:creationId xmlns:a16="http://schemas.microsoft.com/office/drawing/2014/main" xmlns="" id="{19DEF115-82C2-4E9D-A22C-8DA561FB37B8}"/>
               </a:ext>
             </a:extLst>
           </p:cNvPr>
@@ -12275,7 +13672,7 @@
           <p:cNvPr id="20" name="Group 19">
             <a:extLst>
               <a:ext uri="{FF2B5EF4-FFF2-40B4-BE49-F238E27FC236}">
-                <a16:creationId xmlns="" xmlns:a16="http://schemas.microsoft.com/office/drawing/2014/main" id="{616F52B4-215E-4237-893C-E22B23804744}"/>
+                <a16:creationId xmlns:a16="http://schemas.microsoft.com/office/drawing/2014/main" xmlns="" id="{616F52B4-215E-4237-893C-E22B23804744}"/>
               </a:ext>
             </a:extLst>
           </p:cNvPr>
@@ -12300,7 +13697,7 @@
             <p:cNvPr id="22" name="Freeform 5">
               <a:extLst>
                 <a:ext uri="{FF2B5EF4-FFF2-40B4-BE49-F238E27FC236}">
-                  <a16:creationId xmlns="" xmlns:a16="http://schemas.microsoft.com/office/drawing/2014/main" id="{B7C40C77-B795-4B07-B92D-2E8A56635773}"/>
+                  <a16:creationId xmlns:a16="http://schemas.microsoft.com/office/drawing/2014/main" xmlns="" id="{B7C40C77-B795-4B07-B92D-2E8A56635773}"/>
                 </a:ext>
               </a:extLst>
             </p:cNvPr>
@@ -12490,7 +13887,7 @@
             <p:cNvPr id="23" name="Freeform 6">
               <a:extLst>
                 <a:ext uri="{FF2B5EF4-FFF2-40B4-BE49-F238E27FC236}">
-                  <a16:creationId xmlns="" xmlns:a16="http://schemas.microsoft.com/office/drawing/2014/main" id="{6E703A1E-5F10-4BB5-9D52-77CB6F5994C0}"/>
+                  <a16:creationId xmlns:a16="http://schemas.microsoft.com/office/drawing/2014/main" xmlns="" id="{6E703A1E-5F10-4BB5-9D52-77CB6F5994C0}"/>
                 </a:ext>
               </a:extLst>
             </p:cNvPr>
@@ -12640,7 +14037,7 @@
             <p:cNvPr id="24" name="Freeform 7">
               <a:extLst>
                 <a:ext uri="{FF2B5EF4-FFF2-40B4-BE49-F238E27FC236}">
-                  <a16:creationId xmlns="" xmlns:a16="http://schemas.microsoft.com/office/drawing/2014/main" id="{22CEE04C-09CE-41CF-937D-EC2D3C23ECC6}"/>
+                  <a16:creationId xmlns:a16="http://schemas.microsoft.com/office/drawing/2014/main" xmlns="" id="{22CEE04C-09CE-41CF-937D-EC2D3C23ECC6}"/>
                 </a:ext>
               </a:extLst>
             </p:cNvPr>
@@ -12781,7 +14178,7 @@
           <p:cNvPr id="7" name="Rectangle 6">
             <a:extLst>
               <a:ext uri="{FF2B5EF4-FFF2-40B4-BE49-F238E27FC236}">
-                <a16:creationId xmlns="" xmlns:a16="http://schemas.microsoft.com/office/drawing/2014/main" id="{76627016-BFC4-46D4-89DB-F72E3C3461EC}"/>
+                <a16:creationId xmlns:a16="http://schemas.microsoft.com/office/drawing/2014/main" xmlns="" id="{76627016-BFC4-46D4-89DB-F72E3C3461EC}"/>
               </a:ext>
             </a:extLst>
           </p:cNvPr>
@@ -12837,7 +14234,7 @@
           <p:cNvPr id="15" name="Oval 14">
             <a:extLst>
               <a:ext uri="{FF2B5EF4-FFF2-40B4-BE49-F238E27FC236}">
-                <a16:creationId xmlns="" xmlns:a16="http://schemas.microsoft.com/office/drawing/2014/main" id="{EF515B4A-CB20-4847-8E00-0DD66F1FEBB4}"/>
+                <a16:creationId xmlns:a16="http://schemas.microsoft.com/office/drawing/2014/main" xmlns="" id="{EF515B4A-CB20-4847-8E00-0DD66F1FEBB4}"/>
               </a:ext>
             </a:extLst>
           </p:cNvPr>
@@ -12889,7 +14286,7 @@
           <p:cNvPr id="16" name="Slide Number Placeholder 5">
             <a:extLst>
               <a:ext uri="{FF2B5EF4-FFF2-40B4-BE49-F238E27FC236}">
-                <a16:creationId xmlns="" xmlns:a16="http://schemas.microsoft.com/office/drawing/2014/main" id="{996B64B9-1DF0-4EE9-BAB5-72AFA94B9AFD}"/>
+                <a16:creationId xmlns:a16="http://schemas.microsoft.com/office/drawing/2014/main" xmlns="" id="{996B64B9-1DF0-4EE9-BAB5-72AFA94B9AFD}"/>
               </a:ext>
             </a:extLst>
           </p:cNvPr>
@@ -12933,7 +14330,7 @@
           <p:cNvPr id="14" name="Text Placeholder 2">
             <a:extLst>
               <a:ext uri="{FF2B5EF4-FFF2-40B4-BE49-F238E27FC236}">
-                <a16:creationId xmlns="" xmlns:a16="http://schemas.microsoft.com/office/drawing/2014/main" id="{774CF4BA-8DCB-42CF-A2C4-D6AF95EE3F54}"/>
+                <a16:creationId xmlns:a16="http://schemas.microsoft.com/office/drawing/2014/main" xmlns="" id="{774CF4BA-8DCB-42CF-A2C4-D6AF95EE3F54}"/>
               </a:ext>
             </a:extLst>
           </p:cNvPr>
@@ -13008,7 +14405,7 @@
           <p:cNvPr id="17" name="Content Placeholder 3">
             <a:extLst>
               <a:ext uri="{FF2B5EF4-FFF2-40B4-BE49-F238E27FC236}">
-                <a16:creationId xmlns="" xmlns:a16="http://schemas.microsoft.com/office/drawing/2014/main" id="{67BA8B6E-A28D-4658-8C91-6CA7BD539B85}"/>
+                <a16:creationId xmlns:a16="http://schemas.microsoft.com/office/drawing/2014/main" xmlns="" id="{67BA8B6E-A28D-4658-8C91-6CA7BD539B85}"/>
               </a:ext>
             </a:extLst>
           </p:cNvPr>
@@ -13071,7 +14468,7 @@
           <p:cNvPr id="18" name="Text Placeholder 4">
             <a:extLst>
               <a:ext uri="{FF2B5EF4-FFF2-40B4-BE49-F238E27FC236}">
-                <a16:creationId xmlns="" xmlns:a16="http://schemas.microsoft.com/office/drawing/2014/main" id="{F73B3215-82DB-4DBF-9E77-3AE2308C6920}"/>
+                <a16:creationId xmlns:a16="http://schemas.microsoft.com/office/drawing/2014/main" xmlns="" id="{F73B3215-82DB-4DBF-9E77-3AE2308C6920}"/>
               </a:ext>
             </a:extLst>
           </p:cNvPr>
@@ -13146,7 +14543,7 @@
           <p:cNvPr id="19" name="Content Placeholder 5">
             <a:extLst>
               <a:ext uri="{FF2B5EF4-FFF2-40B4-BE49-F238E27FC236}">
-                <a16:creationId xmlns="" xmlns:a16="http://schemas.microsoft.com/office/drawing/2014/main" id="{8DFD34E8-36CC-4FFE-926B-C170208FEDB8}"/>
+                <a16:creationId xmlns:a16="http://schemas.microsoft.com/office/drawing/2014/main" xmlns="" id="{8DFD34E8-36CC-4FFE-926B-C170208FEDB8}"/>
               </a:ext>
             </a:extLst>
           </p:cNvPr>
@@ -13209,7 +14606,7 @@
           <p:cNvPr id="21" name="Picture 20">
             <a:extLst>
               <a:ext uri="{FF2B5EF4-FFF2-40B4-BE49-F238E27FC236}">
-                <a16:creationId xmlns="" xmlns:a16="http://schemas.microsoft.com/office/drawing/2014/main" id="{03383C6B-3BE4-4380-AF26-1C21492FCE8A}"/>
+                <a16:creationId xmlns:a16="http://schemas.microsoft.com/office/drawing/2014/main" xmlns="" id="{03383C6B-3BE4-4380-AF26-1C21492FCE8A}"/>
               </a:ext>
             </a:extLst>
           </p:cNvPr>
@@ -13245,7 +14642,7 @@
           <p:cNvPr id="25" name="Title 1">
             <a:extLst>
               <a:ext uri="{FF2B5EF4-FFF2-40B4-BE49-F238E27FC236}">
-                <a16:creationId xmlns="" xmlns:a16="http://schemas.microsoft.com/office/drawing/2014/main" id="{AE3770E9-CB74-47B0-8229-91F6F756015E}"/>
+                <a16:creationId xmlns:a16="http://schemas.microsoft.com/office/drawing/2014/main" xmlns="" id="{AE3770E9-CB74-47B0-8229-91F6F756015E}"/>
               </a:ext>
             </a:extLst>
           </p:cNvPr>
@@ -13315,7 +14712,7 @@
           <p:cNvPr id="22" name="Picture Placeholder 21">
             <a:extLst>
               <a:ext uri="{FF2B5EF4-FFF2-40B4-BE49-F238E27FC236}">
-                <a16:creationId xmlns="" xmlns:a16="http://schemas.microsoft.com/office/drawing/2014/main" id="{C57825D7-DD33-4B70-BBBE-D46E7A5352EC}"/>
+                <a16:creationId xmlns:a16="http://schemas.microsoft.com/office/drawing/2014/main" xmlns="" id="{C57825D7-DD33-4B70-BBBE-D46E7A5352EC}"/>
               </a:ext>
             </a:extLst>
           </p:cNvPr>
@@ -13453,7 +14850,7 @@
           <p:cNvPr id="14" name="Group 13">
             <a:extLst>
               <a:ext uri="{FF2B5EF4-FFF2-40B4-BE49-F238E27FC236}">
-                <a16:creationId xmlns="" xmlns:a16="http://schemas.microsoft.com/office/drawing/2014/main" id="{0DC2055F-AE3F-46BE-B57E-A0F1A86D1C36}"/>
+                <a16:creationId xmlns:a16="http://schemas.microsoft.com/office/drawing/2014/main" xmlns="" id="{0DC2055F-AE3F-46BE-B57E-A0F1A86D1C36}"/>
               </a:ext>
             </a:extLst>
           </p:cNvPr>
@@ -13478,7 +14875,7 @@
             <p:cNvPr id="15" name="Freeform 5">
               <a:extLst>
                 <a:ext uri="{FF2B5EF4-FFF2-40B4-BE49-F238E27FC236}">
-                  <a16:creationId xmlns="" xmlns:a16="http://schemas.microsoft.com/office/drawing/2014/main" id="{C98EF042-A3B8-406D-BC16-153A989F571A}"/>
+                  <a16:creationId xmlns:a16="http://schemas.microsoft.com/office/drawing/2014/main" xmlns="" id="{C98EF042-A3B8-406D-BC16-153A989F571A}"/>
                 </a:ext>
               </a:extLst>
             </p:cNvPr>
@@ -13668,7 +15065,7 @@
             <p:cNvPr id="16" name="Freeform 6">
               <a:extLst>
                 <a:ext uri="{FF2B5EF4-FFF2-40B4-BE49-F238E27FC236}">
-                  <a16:creationId xmlns="" xmlns:a16="http://schemas.microsoft.com/office/drawing/2014/main" id="{68E5FAC9-A660-4D7A-AC84-0A7C8CC3BB65}"/>
+                  <a16:creationId xmlns:a16="http://schemas.microsoft.com/office/drawing/2014/main" xmlns="" id="{68E5FAC9-A660-4D7A-AC84-0A7C8CC3BB65}"/>
                 </a:ext>
               </a:extLst>
             </p:cNvPr>
@@ -13819,7 +15216,7 @@
           <p:cNvPr id="19" name="Title 1">
             <a:extLst>
               <a:ext uri="{FF2B5EF4-FFF2-40B4-BE49-F238E27FC236}">
-                <a16:creationId xmlns="" xmlns:a16="http://schemas.microsoft.com/office/drawing/2014/main" id="{19A1397F-1946-4CBE-9EC5-159C3CBC78B6}"/>
+                <a16:creationId xmlns:a16="http://schemas.microsoft.com/office/drawing/2014/main" xmlns="" id="{19A1397F-1946-4CBE-9EC5-159C3CBC78B6}"/>
               </a:ext>
             </a:extLst>
           </p:cNvPr>
@@ -13857,7 +15254,7 @@
           <p:cNvPr id="20" name="Text Placeholder 3">
             <a:extLst>
               <a:ext uri="{FF2B5EF4-FFF2-40B4-BE49-F238E27FC236}">
-                <a16:creationId xmlns="" xmlns:a16="http://schemas.microsoft.com/office/drawing/2014/main" id="{C535F2AB-153E-44A9-97BE-00553BEC1770}"/>
+                <a16:creationId xmlns:a16="http://schemas.microsoft.com/office/drawing/2014/main" xmlns="" id="{C535F2AB-153E-44A9-97BE-00553BEC1770}"/>
               </a:ext>
             </a:extLst>
           </p:cNvPr>
@@ -13929,7 +15326,7 @@
           <p:cNvPr id="8" name="Picture 7">
             <a:extLst>
               <a:ext uri="{FF2B5EF4-FFF2-40B4-BE49-F238E27FC236}">
-                <a16:creationId xmlns="" xmlns:a16="http://schemas.microsoft.com/office/drawing/2014/main" id="{06298D65-1027-4897-A948-DCEEF8FC3D98}"/>
+                <a16:creationId xmlns:a16="http://schemas.microsoft.com/office/drawing/2014/main" xmlns="" id="{06298D65-1027-4897-A948-DCEEF8FC3D98}"/>
               </a:ext>
             </a:extLst>
           </p:cNvPr>
@@ -13995,7 +15392,7 @@
           <p:cNvPr id="19" name="Group 18">
             <a:extLst>
               <a:ext uri="{FF2B5EF4-FFF2-40B4-BE49-F238E27FC236}">
-                <a16:creationId xmlns="" xmlns:a16="http://schemas.microsoft.com/office/drawing/2014/main" id="{9F866E5C-B8AA-4805-B232-831BA01AAF16}"/>
+                <a16:creationId xmlns:a16="http://schemas.microsoft.com/office/drawing/2014/main" xmlns="" id="{9F866E5C-B8AA-4805-B232-831BA01AAF16}"/>
               </a:ext>
             </a:extLst>
           </p:cNvPr>
@@ -14020,7 +15417,7 @@
             <p:cNvPr id="20" name="Freeform 5">
               <a:extLst>
                 <a:ext uri="{FF2B5EF4-FFF2-40B4-BE49-F238E27FC236}">
-                  <a16:creationId xmlns="" xmlns:a16="http://schemas.microsoft.com/office/drawing/2014/main" id="{F98614F0-2DA3-4F29-8CB3-D61424AC8506}"/>
+                  <a16:creationId xmlns:a16="http://schemas.microsoft.com/office/drawing/2014/main" xmlns="" id="{F98614F0-2DA3-4F29-8CB3-D61424AC8506}"/>
                 </a:ext>
               </a:extLst>
             </p:cNvPr>
@@ -14210,7 +15607,7 @@
             <p:cNvPr id="22" name="Freeform 6">
               <a:extLst>
                 <a:ext uri="{FF2B5EF4-FFF2-40B4-BE49-F238E27FC236}">
-                  <a16:creationId xmlns="" xmlns:a16="http://schemas.microsoft.com/office/drawing/2014/main" id="{66D52F08-13EC-4AB4-BB79-89A5395A03BF}"/>
+                  <a16:creationId xmlns:a16="http://schemas.microsoft.com/office/drawing/2014/main" xmlns="" id="{66D52F08-13EC-4AB4-BB79-89A5395A03BF}"/>
                 </a:ext>
               </a:extLst>
             </p:cNvPr>
@@ -14360,7 +15757,7 @@
             <p:cNvPr id="23" name="Freeform 7">
               <a:extLst>
                 <a:ext uri="{FF2B5EF4-FFF2-40B4-BE49-F238E27FC236}">
-                  <a16:creationId xmlns="" xmlns:a16="http://schemas.microsoft.com/office/drawing/2014/main" id="{2544236D-8C3A-41EF-9A68-C84A8A7D0F5A}"/>
+                  <a16:creationId xmlns:a16="http://schemas.microsoft.com/office/drawing/2014/main" xmlns="" id="{2544236D-8C3A-41EF-9A68-C84A8A7D0F5A}"/>
                 </a:ext>
               </a:extLst>
             </p:cNvPr>
@@ -14501,7 +15898,7 @@
           <p:cNvPr id="7" name="Rectangle 6">
             <a:extLst>
               <a:ext uri="{FF2B5EF4-FFF2-40B4-BE49-F238E27FC236}">
-                <a16:creationId xmlns="" xmlns:a16="http://schemas.microsoft.com/office/drawing/2014/main" id="{76627016-BFC4-46D4-89DB-F72E3C3461EC}"/>
+                <a16:creationId xmlns:a16="http://schemas.microsoft.com/office/drawing/2014/main" xmlns="" id="{76627016-BFC4-46D4-89DB-F72E3C3461EC}"/>
               </a:ext>
             </a:extLst>
           </p:cNvPr>
@@ -14557,7 +15954,7 @@
           <p:cNvPr id="15" name="Oval 14">
             <a:extLst>
               <a:ext uri="{FF2B5EF4-FFF2-40B4-BE49-F238E27FC236}">
-                <a16:creationId xmlns="" xmlns:a16="http://schemas.microsoft.com/office/drawing/2014/main" id="{EF515B4A-CB20-4847-8E00-0DD66F1FEBB4}"/>
+                <a16:creationId xmlns:a16="http://schemas.microsoft.com/office/drawing/2014/main" xmlns="" id="{EF515B4A-CB20-4847-8E00-0DD66F1FEBB4}"/>
               </a:ext>
             </a:extLst>
           </p:cNvPr>
@@ -14609,7 +16006,7 @@
           <p:cNvPr id="16" name="Slide Number Placeholder 5">
             <a:extLst>
               <a:ext uri="{FF2B5EF4-FFF2-40B4-BE49-F238E27FC236}">
-                <a16:creationId xmlns="" xmlns:a16="http://schemas.microsoft.com/office/drawing/2014/main" id="{996B64B9-1DF0-4EE9-BAB5-72AFA94B9AFD}"/>
+                <a16:creationId xmlns:a16="http://schemas.microsoft.com/office/drawing/2014/main" xmlns="" id="{996B64B9-1DF0-4EE9-BAB5-72AFA94B9AFD}"/>
               </a:ext>
             </a:extLst>
           </p:cNvPr>
@@ -14653,7 +16050,7 @@
           <p:cNvPr id="14" name="Title 1">
             <a:extLst>
               <a:ext uri="{FF2B5EF4-FFF2-40B4-BE49-F238E27FC236}">
-                <a16:creationId xmlns="" xmlns:a16="http://schemas.microsoft.com/office/drawing/2014/main" id="{9009D5C6-6206-4291-8037-67DC025F0B4C}"/>
+                <a16:creationId xmlns:a16="http://schemas.microsoft.com/office/drawing/2014/main" xmlns="" id="{9009D5C6-6206-4291-8037-67DC025F0B4C}"/>
               </a:ext>
             </a:extLst>
           </p:cNvPr>
@@ -14691,7 +16088,7 @@
           <p:cNvPr id="17" name="Text Placeholder 3">
             <a:extLst>
               <a:ext uri="{FF2B5EF4-FFF2-40B4-BE49-F238E27FC236}">
-                <a16:creationId xmlns="" xmlns:a16="http://schemas.microsoft.com/office/drawing/2014/main" id="{BEB643FD-AA85-4A43-8EBD-AFD10DD98793}"/>
+                <a16:creationId xmlns:a16="http://schemas.microsoft.com/office/drawing/2014/main" xmlns="" id="{BEB643FD-AA85-4A43-8EBD-AFD10DD98793}"/>
               </a:ext>
             </a:extLst>
           </p:cNvPr>
@@ -14762,7 +16159,7 @@
           <p:cNvPr id="18" name="Content Placeholder 2">
             <a:extLst>
               <a:ext uri="{FF2B5EF4-FFF2-40B4-BE49-F238E27FC236}">
-                <a16:creationId xmlns="" xmlns:a16="http://schemas.microsoft.com/office/drawing/2014/main" id="{9001F313-F798-43BE-AFF0-A68C84C3640D}"/>
+                <a16:creationId xmlns:a16="http://schemas.microsoft.com/office/drawing/2014/main" xmlns="" id="{9001F313-F798-43BE-AFF0-A68C84C3640D}"/>
               </a:ext>
             </a:extLst>
           </p:cNvPr>
@@ -14853,7 +16250,7 @@
           <p:cNvPr id="13" name="Picture 12">
             <a:extLst>
               <a:ext uri="{FF2B5EF4-FFF2-40B4-BE49-F238E27FC236}">
-                <a16:creationId xmlns="" xmlns:a16="http://schemas.microsoft.com/office/drawing/2014/main" id="{91881DEA-0ECB-4310-ADF5-4337ACB4338B}"/>
+                <a16:creationId xmlns:a16="http://schemas.microsoft.com/office/drawing/2014/main" xmlns="" id="{91881DEA-0ECB-4310-ADF5-4337ACB4338B}"/>
               </a:ext>
             </a:extLst>
           </p:cNvPr>
@@ -14931,7 +16328,7 @@
           <a:p>
             <a:fld id="{11489015-5B70-4D85-AA05-A54131EA11AC}" type="datetime3">
               <a:rPr lang="en-US" smtClean="0"/>
-              <a:t>12 July 2019</a:t>
+              <a:t>13 July 2019</a:t>
             </a:fld>
             <a:endParaRPr lang="en-US"/>
           </a:p>
@@ -15037,7 +16434,7 @@
           <p:cNvPr id="4" name="Rectangle 3">
             <a:extLst>
               <a:ext uri="{FF2B5EF4-FFF2-40B4-BE49-F238E27FC236}">
-                <a16:creationId xmlns="" xmlns:a16="http://schemas.microsoft.com/office/drawing/2014/main" id="{86299464-ED20-4919-8B3A-2CFAE8DA2347}"/>
+                <a16:creationId xmlns:a16="http://schemas.microsoft.com/office/drawing/2014/main" xmlns="" id="{86299464-ED20-4919-8B3A-2CFAE8DA2347}"/>
               </a:ext>
             </a:extLst>
           </p:cNvPr>
@@ -15089,7 +16486,7 @@
           <p:cNvPr id="2" name="Title 1">
             <a:extLst>
               <a:ext uri="{FF2B5EF4-FFF2-40B4-BE49-F238E27FC236}">
-                <a16:creationId xmlns="" xmlns:a16="http://schemas.microsoft.com/office/drawing/2014/main" id="{2456FD49-C258-4333-9422-358C976A341C}"/>
+                <a16:creationId xmlns:a16="http://schemas.microsoft.com/office/drawing/2014/main" xmlns="" id="{2456FD49-C258-4333-9422-358C976A341C}"/>
               </a:ext>
             </a:extLst>
           </p:cNvPr>
@@ -15133,7 +16530,7 @@
           <p:cNvPr id="3" name="Subtitle 2">
             <a:extLst>
               <a:ext uri="{FF2B5EF4-FFF2-40B4-BE49-F238E27FC236}">
-                <a16:creationId xmlns="" xmlns:a16="http://schemas.microsoft.com/office/drawing/2014/main" id="{59758E15-A93D-4FB9-843D-1490E27A151B}"/>
+                <a16:creationId xmlns:a16="http://schemas.microsoft.com/office/drawing/2014/main" xmlns="" id="{59758E15-A93D-4FB9-843D-1490E27A151B}"/>
               </a:ext>
             </a:extLst>
           </p:cNvPr>
@@ -15210,7 +16607,7 @@
           <p:cNvPr id="13" name="Picture Placeholder 12">
             <a:extLst>
               <a:ext uri="{FF2B5EF4-FFF2-40B4-BE49-F238E27FC236}">
-                <a16:creationId xmlns="" xmlns:a16="http://schemas.microsoft.com/office/drawing/2014/main" id="{BCCC559D-0EC3-432C-B397-6897B366DF36}"/>
+                <a16:creationId xmlns:a16="http://schemas.microsoft.com/office/drawing/2014/main" xmlns="" id="{BCCC559D-0EC3-432C-B397-6897B366DF36}"/>
               </a:ext>
             </a:extLst>
           </p:cNvPr>
@@ -15255,7 +16652,7 @@
           <p:cNvPr id="14" name="Group 13">
             <a:extLst>
               <a:ext uri="{FF2B5EF4-FFF2-40B4-BE49-F238E27FC236}">
-                <a16:creationId xmlns="" xmlns:a16="http://schemas.microsoft.com/office/drawing/2014/main" id="{0DC2055F-AE3F-46BE-B57E-A0F1A86D1C36}"/>
+                <a16:creationId xmlns:a16="http://schemas.microsoft.com/office/drawing/2014/main" xmlns="" id="{0DC2055F-AE3F-46BE-B57E-A0F1A86D1C36}"/>
               </a:ext>
             </a:extLst>
           </p:cNvPr>
@@ -15280,7 +16677,7 @@
             <p:cNvPr id="15" name="Freeform 5">
               <a:extLst>
                 <a:ext uri="{FF2B5EF4-FFF2-40B4-BE49-F238E27FC236}">
-                  <a16:creationId xmlns="" xmlns:a16="http://schemas.microsoft.com/office/drawing/2014/main" id="{C98EF042-A3B8-406D-BC16-153A989F571A}"/>
+                  <a16:creationId xmlns:a16="http://schemas.microsoft.com/office/drawing/2014/main" xmlns="" id="{C98EF042-A3B8-406D-BC16-153A989F571A}"/>
                 </a:ext>
               </a:extLst>
             </p:cNvPr>
@@ -15470,7 +16867,7 @@
             <p:cNvPr id="16" name="Freeform 6">
               <a:extLst>
                 <a:ext uri="{FF2B5EF4-FFF2-40B4-BE49-F238E27FC236}">
-                  <a16:creationId xmlns="" xmlns:a16="http://schemas.microsoft.com/office/drawing/2014/main" id="{68E5FAC9-A660-4D7A-AC84-0A7C8CC3BB65}"/>
+                  <a16:creationId xmlns:a16="http://schemas.microsoft.com/office/drawing/2014/main" xmlns="" id="{68E5FAC9-A660-4D7A-AC84-0A7C8CC3BB65}"/>
                 </a:ext>
               </a:extLst>
             </p:cNvPr>
@@ -15621,7 +17018,7 @@
           <p:cNvPr id="9" name="Picture 8">
             <a:extLst>
               <a:ext uri="{FF2B5EF4-FFF2-40B4-BE49-F238E27FC236}">
-                <a16:creationId xmlns="" xmlns:a16="http://schemas.microsoft.com/office/drawing/2014/main" id="{4FE28ACC-E44C-4381-B768-0310810E78D2}"/>
+                <a16:creationId xmlns:a16="http://schemas.microsoft.com/office/drawing/2014/main" xmlns="" id="{4FE28ACC-E44C-4381-B768-0310810E78D2}"/>
               </a:ext>
             </a:extLst>
           </p:cNvPr>
@@ -15666,7 +17063,7 @@
           <p:cNvPr id="5" name="Straight Connector 4">
             <a:extLst>
               <a:ext uri="{FF2B5EF4-FFF2-40B4-BE49-F238E27FC236}">
-                <a16:creationId xmlns="" xmlns:a16="http://schemas.microsoft.com/office/drawing/2014/main" id="{819AFA09-F4B1-493D-BCAD-FF30C20CD1AA}"/>
+                <a16:creationId xmlns:a16="http://schemas.microsoft.com/office/drawing/2014/main" xmlns="" id="{819AFA09-F4B1-493D-BCAD-FF30C20CD1AA}"/>
               </a:ext>
             </a:extLst>
           </p:cNvPr>
@@ -15763,7 +17160,7 @@
           <p:cNvPr id="10" name="Rectangle 9">
             <a:extLst>
               <a:ext uri="{FF2B5EF4-FFF2-40B4-BE49-F238E27FC236}">
-                <a16:creationId xmlns="" xmlns:a16="http://schemas.microsoft.com/office/drawing/2014/main" id="{F9087E09-D75F-4E26-B01E-A1A09BA2EA70}"/>
+                <a16:creationId xmlns:a16="http://schemas.microsoft.com/office/drawing/2014/main" xmlns="" id="{F9087E09-D75F-4E26-B01E-A1A09BA2EA70}"/>
               </a:ext>
             </a:extLst>
           </p:cNvPr>
@@ -15815,7 +17212,7 @@
           <p:cNvPr id="2" name="Title 1">
             <a:extLst>
               <a:ext uri="{FF2B5EF4-FFF2-40B4-BE49-F238E27FC236}">
-                <a16:creationId xmlns="" xmlns:a16="http://schemas.microsoft.com/office/drawing/2014/main" id="{AF7A70B7-7ADE-4E0B-B956-363B0B1AA613}"/>
+                <a16:creationId xmlns:a16="http://schemas.microsoft.com/office/drawing/2014/main" xmlns="" id="{AF7A70B7-7ADE-4E0B-B956-363B0B1AA613}"/>
               </a:ext>
             </a:extLst>
           </p:cNvPr>
@@ -15859,7 +17256,7 @@
           <p:cNvPr id="3" name="Text Placeholder 2">
             <a:extLst>
               <a:ext uri="{FF2B5EF4-FFF2-40B4-BE49-F238E27FC236}">
-                <a16:creationId xmlns="" xmlns:a16="http://schemas.microsoft.com/office/drawing/2014/main" id="{4ACB5603-8A62-4D45-B6EF-0D7E2D5FC4F7}"/>
+                <a16:creationId xmlns:a16="http://schemas.microsoft.com/office/drawing/2014/main" xmlns="" id="{4ACB5603-8A62-4D45-B6EF-0D7E2D5FC4F7}"/>
               </a:ext>
             </a:extLst>
           </p:cNvPr>
@@ -15984,7 +17381,7 @@
           <p:cNvPr id="8" name="Picture 7">
             <a:extLst>
               <a:ext uri="{FF2B5EF4-FFF2-40B4-BE49-F238E27FC236}">
-                <a16:creationId xmlns="" xmlns:a16="http://schemas.microsoft.com/office/drawing/2014/main" id="{25FC40B0-ED27-47E5-A3C2-32A8418567EE}"/>
+                <a16:creationId xmlns:a16="http://schemas.microsoft.com/office/drawing/2014/main" xmlns="" id="{25FC40B0-ED27-47E5-A3C2-32A8418567EE}"/>
               </a:ext>
             </a:extLst>
           </p:cNvPr>
@@ -16021,7 +17418,7 @@
           <p:cNvPr id="11" name="Oval 10">
             <a:extLst>
               <a:ext uri="{FF2B5EF4-FFF2-40B4-BE49-F238E27FC236}">
-                <a16:creationId xmlns="" xmlns:a16="http://schemas.microsoft.com/office/drawing/2014/main" id="{8931D2A9-0B92-4197-8802-80424C14EA7E}"/>
+                <a16:creationId xmlns:a16="http://schemas.microsoft.com/office/drawing/2014/main" xmlns="" id="{8931D2A9-0B92-4197-8802-80424C14EA7E}"/>
               </a:ext>
             </a:extLst>
           </p:cNvPr>
@@ -16073,7 +17470,7 @@
           <p:cNvPr id="6" name="Slide Number Placeholder 5">
             <a:extLst>
               <a:ext uri="{FF2B5EF4-FFF2-40B4-BE49-F238E27FC236}">
-                <a16:creationId xmlns="" xmlns:a16="http://schemas.microsoft.com/office/drawing/2014/main" id="{533B74B0-30B9-45C2-9AE6-45D1978AAFAE}"/>
+                <a16:creationId xmlns:a16="http://schemas.microsoft.com/office/drawing/2014/main" xmlns="" id="{533B74B0-30B9-45C2-9AE6-45D1978AAFAE}"/>
               </a:ext>
             </a:extLst>
           </p:cNvPr>
@@ -16117,7 +17514,7 @@
           <p:cNvPr id="15" name="Picture Placeholder 14">
             <a:extLst>
               <a:ext uri="{FF2B5EF4-FFF2-40B4-BE49-F238E27FC236}">
-                <a16:creationId xmlns="" xmlns:a16="http://schemas.microsoft.com/office/drawing/2014/main" id="{B5A30B6B-EEDB-4142-8138-D50F5A307D76}"/>
+                <a16:creationId xmlns:a16="http://schemas.microsoft.com/office/drawing/2014/main" xmlns="" id="{B5A30B6B-EEDB-4142-8138-D50F5A307D76}"/>
               </a:ext>
             </a:extLst>
           </p:cNvPr>
@@ -16293,7 +17690,7 @@
           <p:cNvPr id="3" name="Content Placeholder 2">
             <a:extLst>
               <a:ext uri="{FF2B5EF4-FFF2-40B4-BE49-F238E27FC236}">
-                <a16:creationId xmlns="" xmlns:a16="http://schemas.microsoft.com/office/drawing/2014/main" id="{0FEE9886-36F0-4E06-A3A6-D8F00B0665A1}"/>
+                <a16:creationId xmlns:a16="http://schemas.microsoft.com/office/drawing/2014/main" xmlns="" id="{0FEE9886-36F0-4E06-A3A6-D8F00B0665A1}"/>
               </a:ext>
             </a:extLst>
           </p:cNvPr>
@@ -16374,7 +17771,7 @@
           <p:cNvPr id="7" name="Rectangle 6">
             <a:extLst>
               <a:ext uri="{FF2B5EF4-FFF2-40B4-BE49-F238E27FC236}">
-                <a16:creationId xmlns="" xmlns:a16="http://schemas.microsoft.com/office/drawing/2014/main" id="{76627016-BFC4-46D4-89DB-F72E3C3461EC}"/>
+                <a16:creationId xmlns:a16="http://schemas.microsoft.com/office/drawing/2014/main" xmlns="" id="{76627016-BFC4-46D4-89DB-F72E3C3461EC}"/>
               </a:ext>
             </a:extLst>
           </p:cNvPr>
@@ -16430,7 +17827,7 @@
           <p:cNvPr id="8" name="Picture 7">
             <a:extLst>
               <a:ext uri="{FF2B5EF4-FFF2-40B4-BE49-F238E27FC236}">
-                <a16:creationId xmlns="" xmlns:a16="http://schemas.microsoft.com/office/drawing/2014/main" id="{676C557E-B5A7-4416-BCC0-5743550BF152}"/>
+                <a16:creationId xmlns:a16="http://schemas.microsoft.com/office/drawing/2014/main" xmlns="" id="{676C557E-B5A7-4416-BCC0-5743550BF152}"/>
               </a:ext>
             </a:extLst>
           </p:cNvPr>
@@ -16466,7 +17863,7 @@
           <p:cNvPr id="10" name="Group 9">
             <a:extLst>
               <a:ext uri="{FF2B5EF4-FFF2-40B4-BE49-F238E27FC236}">
-                <a16:creationId xmlns="" xmlns:a16="http://schemas.microsoft.com/office/drawing/2014/main" id="{42E17FB3-B5C4-4B3A-A57B-C6493A9D0C66}"/>
+                <a16:creationId xmlns:a16="http://schemas.microsoft.com/office/drawing/2014/main" xmlns="" id="{42E17FB3-B5C4-4B3A-A57B-C6493A9D0C66}"/>
               </a:ext>
             </a:extLst>
           </p:cNvPr>
@@ -16489,7 +17886,7 @@
             <p:cNvPr id="11" name="Freeform 5">
               <a:extLst>
                 <a:ext uri="{FF2B5EF4-FFF2-40B4-BE49-F238E27FC236}">
-                  <a16:creationId xmlns="" xmlns:a16="http://schemas.microsoft.com/office/drawing/2014/main" id="{DCA6C454-F761-4265-BB5E-DFD947CC3592}"/>
+                  <a16:creationId xmlns:a16="http://schemas.microsoft.com/office/drawing/2014/main" xmlns="" id="{DCA6C454-F761-4265-BB5E-DFD947CC3592}"/>
                 </a:ext>
               </a:extLst>
             </p:cNvPr>
@@ -16679,7 +18076,7 @@
             <p:cNvPr id="12" name="Freeform 6">
               <a:extLst>
                 <a:ext uri="{FF2B5EF4-FFF2-40B4-BE49-F238E27FC236}">
-                  <a16:creationId xmlns="" xmlns:a16="http://schemas.microsoft.com/office/drawing/2014/main" id="{6B853B2F-9E1C-4AC4-9344-8610498D5B52}"/>
+                  <a16:creationId xmlns:a16="http://schemas.microsoft.com/office/drawing/2014/main" xmlns="" id="{6B853B2F-9E1C-4AC4-9344-8610498D5B52}"/>
                 </a:ext>
               </a:extLst>
             </p:cNvPr>
@@ -16829,7 +18226,7 @@
             <p:cNvPr id="13" name="Freeform 7">
               <a:extLst>
                 <a:ext uri="{FF2B5EF4-FFF2-40B4-BE49-F238E27FC236}">
-                  <a16:creationId xmlns="" xmlns:a16="http://schemas.microsoft.com/office/drawing/2014/main" id="{B7FCC84B-2235-4948-8277-8363DFC691A4}"/>
+                  <a16:creationId xmlns:a16="http://schemas.microsoft.com/office/drawing/2014/main" xmlns="" id="{B7FCC84B-2235-4948-8277-8363DFC691A4}"/>
                 </a:ext>
               </a:extLst>
             </p:cNvPr>
@@ -16970,7 +18367,7 @@
           <p:cNvPr id="15" name="Oval 14">
             <a:extLst>
               <a:ext uri="{FF2B5EF4-FFF2-40B4-BE49-F238E27FC236}">
-                <a16:creationId xmlns="" xmlns:a16="http://schemas.microsoft.com/office/drawing/2014/main" id="{EF515B4A-CB20-4847-8E00-0DD66F1FEBB4}"/>
+                <a16:creationId xmlns:a16="http://schemas.microsoft.com/office/drawing/2014/main" xmlns="" id="{EF515B4A-CB20-4847-8E00-0DD66F1FEBB4}"/>
               </a:ext>
             </a:extLst>
           </p:cNvPr>
@@ -17022,7 +18419,7 @@
           <p:cNvPr id="16" name="Slide Number Placeholder 5">
             <a:extLst>
               <a:ext uri="{FF2B5EF4-FFF2-40B4-BE49-F238E27FC236}">
-                <a16:creationId xmlns="" xmlns:a16="http://schemas.microsoft.com/office/drawing/2014/main" id="{996B64B9-1DF0-4EE9-BAB5-72AFA94B9AFD}"/>
+                <a16:creationId xmlns:a16="http://schemas.microsoft.com/office/drawing/2014/main" xmlns="" id="{996B64B9-1DF0-4EE9-BAB5-72AFA94B9AFD}"/>
               </a:ext>
             </a:extLst>
           </p:cNvPr>
@@ -17066,7 +18463,7 @@
           <p:cNvPr id="23" name="Picture Placeholder 22">
             <a:extLst>
               <a:ext uri="{FF2B5EF4-FFF2-40B4-BE49-F238E27FC236}">
-                <a16:creationId xmlns="" xmlns:a16="http://schemas.microsoft.com/office/drawing/2014/main" id="{26619E66-5354-4D60-8529-27917AC037C0}"/>
+                <a16:creationId xmlns:a16="http://schemas.microsoft.com/office/drawing/2014/main" xmlns="" id="{26619E66-5354-4D60-8529-27917AC037C0}"/>
               </a:ext>
             </a:extLst>
           </p:cNvPr>
@@ -17186,7 +18583,7 @@
           <p:cNvPr id="14" name="Title 1">
             <a:extLst>
               <a:ext uri="{FF2B5EF4-FFF2-40B4-BE49-F238E27FC236}">
-                <a16:creationId xmlns="" xmlns:a16="http://schemas.microsoft.com/office/drawing/2014/main" id="{2E646B4F-6CCB-724C-9D5E-6D5770023939}"/>
+                <a16:creationId xmlns:a16="http://schemas.microsoft.com/office/drawing/2014/main" xmlns="" id="{2E646B4F-6CCB-724C-9D5E-6D5770023939}"/>
               </a:ext>
             </a:extLst>
           </p:cNvPr>
@@ -17263,7 +18660,7 @@
           <p:cNvPr id="2" name="Title 1">
             <a:extLst>
               <a:ext uri="{FF2B5EF4-FFF2-40B4-BE49-F238E27FC236}">
-                <a16:creationId xmlns="" xmlns:a16="http://schemas.microsoft.com/office/drawing/2014/main" id="{32970CD0-696D-4313-96BA-4AA72C813BD0}"/>
+                <a16:creationId xmlns:a16="http://schemas.microsoft.com/office/drawing/2014/main" xmlns="" id="{32970CD0-696D-4313-96BA-4AA72C813BD0}"/>
               </a:ext>
             </a:extLst>
           </p:cNvPr>
@@ -17303,7 +18700,7 @@
           <p:cNvPr id="3" name="Content Placeholder 2">
             <a:extLst>
               <a:ext uri="{FF2B5EF4-FFF2-40B4-BE49-F238E27FC236}">
-                <a16:creationId xmlns="" xmlns:a16="http://schemas.microsoft.com/office/drawing/2014/main" id="{0FEE9886-36F0-4E06-A3A6-D8F00B0665A1}"/>
+                <a16:creationId xmlns:a16="http://schemas.microsoft.com/office/drawing/2014/main" xmlns="" id="{0FEE9886-36F0-4E06-A3A6-D8F00B0665A1}"/>
               </a:ext>
             </a:extLst>
           </p:cNvPr>
@@ -17383,7 +18780,7 @@
           <p:cNvPr id="7" name="Rectangle 6">
             <a:extLst>
               <a:ext uri="{FF2B5EF4-FFF2-40B4-BE49-F238E27FC236}">
-                <a16:creationId xmlns="" xmlns:a16="http://schemas.microsoft.com/office/drawing/2014/main" id="{76627016-BFC4-46D4-89DB-F72E3C3461EC}"/>
+                <a16:creationId xmlns:a16="http://schemas.microsoft.com/office/drawing/2014/main" xmlns="" id="{76627016-BFC4-46D4-89DB-F72E3C3461EC}"/>
               </a:ext>
             </a:extLst>
           </p:cNvPr>
@@ -17439,7 +18836,7 @@
           <p:cNvPr id="8" name="Picture 7">
             <a:extLst>
               <a:ext uri="{FF2B5EF4-FFF2-40B4-BE49-F238E27FC236}">
-                <a16:creationId xmlns="" xmlns:a16="http://schemas.microsoft.com/office/drawing/2014/main" id="{676C557E-B5A7-4416-BCC0-5743550BF152}"/>
+                <a16:creationId xmlns:a16="http://schemas.microsoft.com/office/drawing/2014/main" xmlns="" id="{676C557E-B5A7-4416-BCC0-5743550BF152}"/>
               </a:ext>
             </a:extLst>
           </p:cNvPr>
@@ -17475,7 +18872,7 @@
           <p:cNvPr id="15" name="Oval 14">
             <a:extLst>
               <a:ext uri="{FF2B5EF4-FFF2-40B4-BE49-F238E27FC236}">
-                <a16:creationId xmlns="" xmlns:a16="http://schemas.microsoft.com/office/drawing/2014/main" id="{EF515B4A-CB20-4847-8E00-0DD66F1FEBB4}"/>
+                <a16:creationId xmlns:a16="http://schemas.microsoft.com/office/drawing/2014/main" xmlns="" id="{EF515B4A-CB20-4847-8E00-0DD66F1FEBB4}"/>
               </a:ext>
             </a:extLst>
           </p:cNvPr>
@@ -17527,7 +18924,7 @@
           <p:cNvPr id="16" name="Slide Number Placeholder 5">
             <a:extLst>
               <a:ext uri="{FF2B5EF4-FFF2-40B4-BE49-F238E27FC236}">
-                <a16:creationId xmlns="" xmlns:a16="http://schemas.microsoft.com/office/drawing/2014/main" id="{996B64B9-1DF0-4EE9-BAB5-72AFA94B9AFD}"/>
+                <a16:creationId xmlns:a16="http://schemas.microsoft.com/office/drawing/2014/main" xmlns="" id="{996B64B9-1DF0-4EE9-BAB5-72AFA94B9AFD}"/>
               </a:ext>
             </a:extLst>
           </p:cNvPr>
@@ -17571,7 +18968,7 @@
           <p:cNvPr id="14" name="Rectangle 13">
             <a:extLst>
               <a:ext uri="{FF2B5EF4-FFF2-40B4-BE49-F238E27FC236}">
-                <a16:creationId xmlns="" xmlns:a16="http://schemas.microsoft.com/office/drawing/2014/main" id="{9D415693-E2CB-4DB4-B07C-2F96B0CAB302}"/>
+                <a16:creationId xmlns:a16="http://schemas.microsoft.com/office/drawing/2014/main" xmlns="" id="{9D415693-E2CB-4DB4-B07C-2F96B0CAB302}"/>
               </a:ext>
             </a:extLst>
           </p:cNvPr>
@@ -17627,7 +19024,7 @@
           <p:cNvPr id="4" name="Oval 3">
             <a:extLst>
               <a:ext uri="{FF2B5EF4-FFF2-40B4-BE49-F238E27FC236}">
-                <a16:creationId xmlns="" xmlns:a16="http://schemas.microsoft.com/office/drawing/2014/main" id="{14C1BF67-E354-4E04-8F94-BABF2B7D1AFB}"/>
+                <a16:creationId xmlns:a16="http://schemas.microsoft.com/office/drawing/2014/main" xmlns="" id="{14C1BF67-E354-4E04-8F94-BABF2B7D1AFB}"/>
               </a:ext>
             </a:extLst>
           </p:cNvPr>
@@ -17681,7 +19078,7 @@
           <p:cNvPr id="18" name="Picture Placeholder 5">
             <a:extLst>
               <a:ext uri="{FF2B5EF4-FFF2-40B4-BE49-F238E27FC236}">
-                <a16:creationId xmlns="" xmlns:a16="http://schemas.microsoft.com/office/drawing/2014/main" id="{FF6AC390-6F85-4B64-AE7A-E8E0D8FC89CF}"/>
+                <a16:creationId xmlns:a16="http://schemas.microsoft.com/office/drawing/2014/main" xmlns="" id="{FF6AC390-6F85-4B64-AE7A-E8E0D8FC89CF}"/>
               </a:ext>
             </a:extLst>
           </p:cNvPr>
@@ -17758,7 +19155,7 @@
           <p:cNvPr id="19" name="Rectangle 18">
             <a:extLst>
               <a:ext uri="{FF2B5EF4-FFF2-40B4-BE49-F238E27FC236}">
-                <a16:creationId xmlns="" xmlns:a16="http://schemas.microsoft.com/office/drawing/2014/main" id="{12E4E194-63F1-4D43-AC02-75733DF045E9}"/>
+                <a16:creationId xmlns:a16="http://schemas.microsoft.com/office/drawing/2014/main" xmlns="" id="{12E4E194-63F1-4D43-AC02-75733DF045E9}"/>
               </a:ext>
             </a:extLst>
           </p:cNvPr>
@@ -17810,7 +19207,7 @@
           <p:cNvPr id="22" name="Oval 21">
             <a:extLst>
               <a:ext uri="{FF2B5EF4-FFF2-40B4-BE49-F238E27FC236}">
-                <a16:creationId xmlns="" xmlns:a16="http://schemas.microsoft.com/office/drawing/2014/main" id="{E799E3E2-888B-2343-9A63-F84C03265CB5}"/>
+                <a16:creationId xmlns:a16="http://schemas.microsoft.com/office/drawing/2014/main" xmlns="" id="{E799E3E2-888B-2343-9A63-F84C03265CB5}"/>
               </a:ext>
             </a:extLst>
           </p:cNvPr>
@@ -17866,7 +19263,7 @@
           <p:cNvPr id="23" name="Picture Placeholder 11">
             <a:extLst>
               <a:ext uri="{FF2B5EF4-FFF2-40B4-BE49-F238E27FC236}">
-                <a16:creationId xmlns="" xmlns:a16="http://schemas.microsoft.com/office/drawing/2014/main" id="{8FEDE8EF-5B7A-A741-9A56-D365CAE01B62}"/>
+                <a16:creationId xmlns:a16="http://schemas.microsoft.com/office/drawing/2014/main" xmlns="" id="{8FEDE8EF-5B7A-A741-9A56-D365CAE01B62}"/>
               </a:ext>
             </a:extLst>
           </p:cNvPr>
@@ -17914,7 +19311,7 @@
           <p:cNvPr id="9" name="Rectangle 8">
             <a:extLst>
               <a:ext uri="{FF2B5EF4-FFF2-40B4-BE49-F238E27FC236}">
-                <a16:creationId xmlns="" xmlns:a16="http://schemas.microsoft.com/office/drawing/2014/main" id="{3755C1FB-E61C-4BBC-8179-D34908DEA1B6}"/>
+                <a16:creationId xmlns:a16="http://schemas.microsoft.com/office/drawing/2014/main" xmlns="" id="{3755C1FB-E61C-4BBC-8179-D34908DEA1B6}"/>
               </a:ext>
             </a:extLst>
           </p:cNvPr>
@@ -17966,7 +19363,7 @@
           <p:cNvPr id="4" name="Oval 3">
             <a:extLst>
               <a:ext uri="{FF2B5EF4-FFF2-40B4-BE49-F238E27FC236}">
-                <a16:creationId xmlns="" xmlns:a16="http://schemas.microsoft.com/office/drawing/2014/main" id="{8C1E0992-271E-4948-9461-C7AA54AF8FEA}"/>
+                <a16:creationId xmlns:a16="http://schemas.microsoft.com/office/drawing/2014/main" xmlns="" id="{8C1E0992-271E-4948-9461-C7AA54AF8FEA}"/>
               </a:ext>
             </a:extLst>
           </p:cNvPr>
@@ -18019,7 +19416,7 @@
           <p:cNvPr id="2" name="Title 1">
             <a:extLst>
               <a:ext uri="{FF2B5EF4-FFF2-40B4-BE49-F238E27FC236}">
-                <a16:creationId xmlns="" xmlns:a16="http://schemas.microsoft.com/office/drawing/2014/main" id="{32970CD0-696D-4313-96BA-4AA72C813BD0}"/>
+                <a16:creationId xmlns:a16="http://schemas.microsoft.com/office/drawing/2014/main" xmlns="" id="{32970CD0-696D-4313-96BA-4AA72C813BD0}"/>
               </a:ext>
             </a:extLst>
           </p:cNvPr>
@@ -18059,7 +19456,7 @@
           <p:cNvPr id="3" name="Content Placeholder 2">
             <a:extLst>
               <a:ext uri="{FF2B5EF4-FFF2-40B4-BE49-F238E27FC236}">
-                <a16:creationId xmlns="" xmlns:a16="http://schemas.microsoft.com/office/drawing/2014/main" id="{0FEE9886-36F0-4E06-A3A6-D8F00B0665A1}"/>
+                <a16:creationId xmlns:a16="http://schemas.microsoft.com/office/drawing/2014/main" xmlns="" id="{0FEE9886-36F0-4E06-A3A6-D8F00B0665A1}"/>
               </a:ext>
             </a:extLst>
           </p:cNvPr>
@@ -18116,7 +19513,7 @@
           <p:cNvPr id="7" name="Rectangle 6">
             <a:extLst>
               <a:ext uri="{FF2B5EF4-FFF2-40B4-BE49-F238E27FC236}">
-                <a16:creationId xmlns="" xmlns:a16="http://schemas.microsoft.com/office/drawing/2014/main" id="{76627016-BFC4-46D4-89DB-F72E3C3461EC}"/>
+                <a16:creationId xmlns:a16="http://schemas.microsoft.com/office/drawing/2014/main" xmlns="" id="{76627016-BFC4-46D4-89DB-F72E3C3461EC}"/>
               </a:ext>
             </a:extLst>
           </p:cNvPr>
@@ -18172,7 +19569,7 @@
           <p:cNvPr id="8" name="Picture 7">
             <a:extLst>
               <a:ext uri="{FF2B5EF4-FFF2-40B4-BE49-F238E27FC236}">
-                <a16:creationId xmlns="" xmlns:a16="http://schemas.microsoft.com/office/drawing/2014/main" id="{676C557E-B5A7-4416-BCC0-5743550BF152}"/>
+                <a16:creationId xmlns:a16="http://schemas.microsoft.com/office/drawing/2014/main" xmlns="" id="{676C557E-B5A7-4416-BCC0-5743550BF152}"/>
               </a:ext>
             </a:extLst>
           </p:cNvPr>
@@ -18208,7 +19605,7 @@
           <p:cNvPr id="15" name="Oval 14">
             <a:extLst>
               <a:ext uri="{FF2B5EF4-FFF2-40B4-BE49-F238E27FC236}">
-                <a16:creationId xmlns="" xmlns:a16="http://schemas.microsoft.com/office/drawing/2014/main" id="{EF515B4A-CB20-4847-8E00-0DD66F1FEBB4}"/>
+                <a16:creationId xmlns:a16="http://schemas.microsoft.com/office/drawing/2014/main" xmlns="" id="{EF515B4A-CB20-4847-8E00-0DD66F1FEBB4}"/>
               </a:ext>
             </a:extLst>
           </p:cNvPr>
@@ -18260,7 +19657,7 @@
           <p:cNvPr id="16" name="Slide Number Placeholder 5">
             <a:extLst>
               <a:ext uri="{FF2B5EF4-FFF2-40B4-BE49-F238E27FC236}">
-                <a16:creationId xmlns="" xmlns:a16="http://schemas.microsoft.com/office/drawing/2014/main" id="{996B64B9-1DF0-4EE9-BAB5-72AFA94B9AFD}"/>
+                <a16:creationId xmlns:a16="http://schemas.microsoft.com/office/drawing/2014/main" xmlns="" id="{996B64B9-1DF0-4EE9-BAB5-72AFA94B9AFD}"/>
               </a:ext>
             </a:extLst>
           </p:cNvPr>
@@ -18304,7 +19701,7 @@
           <p:cNvPr id="6" name="Picture Placeholder 5">
             <a:extLst>
               <a:ext uri="{FF2B5EF4-FFF2-40B4-BE49-F238E27FC236}">
-                <a16:creationId xmlns="" xmlns:a16="http://schemas.microsoft.com/office/drawing/2014/main" id="{35B71D50-AA4B-4E0C-8F6A-0F64F2C8A8C7}"/>
+                <a16:creationId xmlns:a16="http://schemas.microsoft.com/office/drawing/2014/main" xmlns="" id="{35B71D50-AA4B-4E0C-8F6A-0F64F2C8A8C7}"/>
               </a:ext>
             </a:extLst>
           </p:cNvPr>
@@ -18348,7 +19745,7 @@
           <p:cNvPr id="17" name="Content Placeholder 2">
             <a:extLst>
               <a:ext uri="{FF2B5EF4-FFF2-40B4-BE49-F238E27FC236}">
-                <a16:creationId xmlns="" xmlns:a16="http://schemas.microsoft.com/office/drawing/2014/main" id="{147C9C38-5B17-467D-B581-EF28ECB11E80}"/>
+                <a16:creationId xmlns:a16="http://schemas.microsoft.com/office/drawing/2014/main" xmlns="" id="{147C9C38-5B17-467D-B581-EF28ECB11E80}"/>
               </a:ext>
             </a:extLst>
           </p:cNvPr>
@@ -18405,7 +19802,7 @@
           <p:cNvPr id="20" name="Content Placeholder 2">
             <a:extLst>
               <a:ext uri="{FF2B5EF4-FFF2-40B4-BE49-F238E27FC236}">
-                <a16:creationId xmlns="" xmlns:a16="http://schemas.microsoft.com/office/drawing/2014/main" id="{FEB88DD7-AEB5-4718-AF2D-28B5B91ED715}"/>
+                <a16:creationId xmlns:a16="http://schemas.microsoft.com/office/drawing/2014/main" xmlns="" id="{FEB88DD7-AEB5-4718-AF2D-28B5B91ED715}"/>
               </a:ext>
             </a:extLst>
           </p:cNvPr>
@@ -18464,7 +19861,7 @@
           <p:cNvPr id="21" name="Content Placeholder 2">
             <a:extLst>
               <a:ext uri="{FF2B5EF4-FFF2-40B4-BE49-F238E27FC236}">
-                <a16:creationId xmlns="" xmlns:a16="http://schemas.microsoft.com/office/drawing/2014/main" id="{F694448B-800C-40EF-8F61-18C018E8374C}"/>
+                <a16:creationId xmlns:a16="http://schemas.microsoft.com/office/drawing/2014/main" xmlns="" id="{F694448B-800C-40EF-8F61-18C018E8374C}"/>
               </a:ext>
             </a:extLst>
           </p:cNvPr>
@@ -18523,7 +19920,7 @@
           <p:cNvPr id="12" name="Picture Placeholder 11">
             <a:extLst>
               <a:ext uri="{FF2B5EF4-FFF2-40B4-BE49-F238E27FC236}">
-                <a16:creationId xmlns="" xmlns:a16="http://schemas.microsoft.com/office/drawing/2014/main" id="{483B974E-5202-4EAD-9D55-4129C84BAE87}"/>
+                <a16:creationId xmlns:a16="http://schemas.microsoft.com/office/drawing/2014/main" xmlns="" id="{483B974E-5202-4EAD-9D55-4129C84BAE87}"/>
               </a:ext>
             </a:extLst>
           </p:cNvPr>
@@ -18601,7 +19998,7 @@
           <p:cNvPr id="22" name="Rectangle 21">
             <a:extLst>
               <a:ext uri="{FF2B5EF4-FFF2-40B4-BE49-F238E27FC236}">
-                <a16:creationId xmlns="" xmlns:a16="http://schemas.microsoft.com/office/drawing/2014/main" id="{1B6EB0C6-606C-4AFB-8FF8-AB43606B95BD}"/>
+                <a16:creationId xmlns:a16="http://schemas.microsoft.com/office/drawing/2014/main" xmlns="" id="{1B6EB0C6-606C-4AFB-8FF8-AB43606B95BD}"/>
               </a:ext>
             </a:extLst>
           </p:cNvPr>
@@ -18653,7 +20050,7 @@
           <p:cNvPr id="4" name="Rectangle 3">
             <a:extLst>
               <a:ext uri="{FF2B5EF4-FFF2-40B4-BE49-F238E27FC236}">
-                <a16:creationId xmlns="" xmlns:a16="http://schemas.microsoft.com/office/drawing/2014/main" id="{25CE6D5A-A5C0-4B12-A26A-691D5743FA5C}"/>
+                <a16:creationId xmlns:a16="http://schemas.microsoft.com/office/drawing/2014/main" xmlns="" id="{25CE6D5A-A5C0-4B12-A26A-691D5743FA5C}"/>
               </a:ext>
             </a:extLst>
           </p:cNvPr>
@@ -18705,7 +20102,7 @@
           <p:cNvPr id="2" name="Title 1">
             <a:extLst>
               <a:ext uri="{FF2B5EF4-FFF2-40B4-BE49-F238E27FC236}">
-                <a16:creationId xmlns="" xmlns:a16="http://schemas.microsoft.com/office/drawing/2014/main" id="{32970CD0-696D-4313-96BA-4AA72C813BD0}"/>
+                <a16:creationId xmlns:a16="http://schemas.microsoft.com/office/drawing/2014/main" xmlns="" id="{32970CD0-696D-4313-96BA-4AA72C813BD0}"/>
               </a:ext>
             </a:extLst>
           </p:cNvPr>
@@ -18745,7 +20142,7 @@
           <p:cNvPr id="3" name="Content Placeholder 2">
             <a:extLst>
               <a:ext uri="{FF2B5EF4-FFF2-40B4-BE49-F238E27FC236}">
-                <a16:creationId xmlns="" xmlns:a16="http://schemas.microsoft.com/office/drawing/2014/main" id="{0FEE9886-36F0-4E06-A3A6-D8F00B0665A1}"/>
+                <a16:creationId xmlns:a16="http://schemas.microsoft.com/office/drawing/2014/main" xmlns="" id="{0FEE9886-36F0-4E06-A3A6-D8F00B0665A1}"/>
               </a:ext>
             </a:extLst>
           </p:cNvPr>
@@ -18802,7 +20199,7 @@
           <p:cNvPr id="7" name="Rectangle 6">
             <a:extLst>
               <a:ext uri="{FF2B5EF4-FFF2-40B4-BE49-F238E27FC236}">
-                <a16:creationId xmlns="" xmlns:a16="http://schemas.microsoft.com/office/drawing/2014/main" id="{76627016-BFC4-46D4-89DB-F72E3C3461EC}"/>
+                <a16:creationId xmlns:a16="http://schemas.microsoft.com/office/drawing/2014/main" xmlns="" id="{76627016-BFC4-46D4-89DB-F72E3C3461EC}"/>
               </a:ext>
             </a:extLst>
           </p:cNvPr>
@@ -18858,7 +20255,7 @@
           <p:cNvPr id="8" name="Picture 7">
             <a:extLst>
               <a:ext uri="{FF2B5EF4-FFF2-40B4-BE49-F238E27FC236}">
-                <a16:creationId xmlns="" xmlns:a16="http://schemas.microsoft.com/office/drawing/2014/main" id="{676C557E-B5A7-4416-BCC0-5743550BF152}"/>
+                <a16:creationId xmlns:a16="http://schemas.microsoft.com/office/drawing/2014/main" xmlns="" id="{676C557E-B5A7-4416-BCC0-5743550BF152}"/>
               </a:ext>
             </a:extLst>
           </p:cNvPr>
@@ -18894,7 +20291,7 @@
           <p:cNvPr id="15" name="Oval 14">
             <a:extLst>
               <a:ext uri="{FF2B5EF4-FFF2-40B4-BE49-F238E27FC236}">
-                <a16:creationId xmlns="" xmlns:a16="http://schemas.microsoft.com/office/drawing/2014/main" id="{EF515B4A-CB20-4847-8E00-0DD66F1FEBB4}"/>
+                <a16:creationId xmlns:a16="http://schemas.microsoft.com/office/drawing/2014/main" xmlns="" id="{EF515B4A-CB20-4847-8E00-0DD66F1FEBB4}"/>
               </a:ext>
             </a:extLst>
           </p:cNvPr>
@@ -18946,7 +20343,7 @@
           <p:cNvPr id="16" name="Slide Number Placeholder 5">
             <a:extLst>
               <a:ext uri="{FF2B5EF4-FFF2-40B4-BE49-F238E27FC236}">
-                <a16:creationId xmlns="" xmlns:a16="http://schemas.microsoft.com/office/drawing/2014/main" id="{996B64B9-1DF0-4EE9-BAB5-72AFA94B9AFD}"/>
+                <a16:creationId xmlns:a16="http://schemas.microsoft.com/office/drawing/2014/main" xmlns="" id="{996B64B9-1DF0-4EE9-BAB5-72AFA94B9AFD}"/>
               </a:ext>
             </a:extLst>
           </p:cNvPr>
@@ -18990,7 +20387,7 @@
           <p:cNvPr id="20" name="Content Placeholder 2">
             <a:extLst>
               <a:ext uri="{FF2B5EF4-FFF2-40B4-BE49-F238E27FC236}">
-                <a16:creationId xmlns="" xmlns:a16="http://schemas.microsoft.com/office/drawing/2014/main" id="{FEB88DD7-AEB5-4718-AF2D-28B5B91ED715}"/>
+                <a16:creationId xmlns:a16="http://schemas.microsoft.com/office/drawing/2014/main" xmlns="" id="{FEB88DD7-AEB5-4718-AF2D-28B5B91ED715}"/>
               </a:ext>
             </a:extLst>
           </p:cNvPr>
@@ -19052,7 +20449,7 @@
           <p:cNvPr id="23" name="Content Placeholder 2">
             <a:extLst>
               <a:ext uri="{FF2B5EF4-FFF2-40B4-BE49-F238E27FC236}">
-                <a16:creationId xmlns="" xmlns:a16="http://schemas.microsoft.com/office/drawing/2014/main" id="{E5123CE7-2F8A-489B-BD99-0C2A33ADF49A}"/>
+                <a16:creationId xmlns:a16="http://schemas.microsoft.com/office/drawing/2014/main" xmlns="" id="{E5123CE7-2F8A-489B-BD99-0C2A33ADF49A}"/>
               </a:ext>
             </a:extLst>
           </p:cNvPr>
@@ -19109,7 +20506,7 @@
           <p:cNvPr id="25" name="Content Placeholder 2">
             <a:extLst>
               <a:ext uri="{FF2B5EF4-FFF2-40B4-BE49-F238E27FC236}">
-                <a16:creationId xmlns="" xmlns:a16="http://schemas.microsoft.com/office/drawing/2014/main" id="{07730BCF-AC2A-4FEC-8F01-63964DB444CF}"/>
+                <a16:creationId xmlns:a16="http://schemas.microsoft.com/office/drawing/2014/main" xmlns="" id="{07730BCF-AC2A-4FEC-8F01-63964DB444CF}"/>
               </a:ext>
             </a:extLst>
           </p:cNvPr>
@@ -19171,7 +20568,7 @@
           <p:cNvPr id="21" name="Oval 20">
             <a:extLst>
               <a:ext uri="{FF2B5EF4-FFF2-40B4-BE49-F238E27FC236}">
-                <a16:creationId xmlns="" xmlns:a16="http://schemas.microsoft.com/office/drawing/2014/main" id="{919C8692-230B-D543-A7F7-4FD61B04D1C6}"/>
+                <a16:creationId xmlns:a16="http://schemas.microsoft.com/office/drawing/2014/main" xmlns="" id="{919C8692-230B-D543-A7F7-4FD61B04D1C6}"/>
               </a:ext>
             </a:extLst>
           </p:cNvPr>
@@ -19224,7 +20621,7 @@
           <p:cNvPr id="24" name="Picture Placeholder 11">
             <a:extLst>
               <a:ext uri="{FF2B5EF4-FFF2-40B4-BE49-F238E27FC236}">
-                <a16:creationId xmlns="" xmlns:a16="http://schemas.microsoft.com/office/drawing/2014/main" id="{E150BFC7-A11D-CC46-B5A2-8BD93C269506}"/>
+                <a16:creationId xmlns:a16="http://schemas.microsoft.com/office/drawing/2014/main" xmlns="" id="{E150BFC7-A11D-CC46-B5A2-8BD93C269506}"/>
               </a:ext>
             </a:extLst>
           </p:cNvPr>
@@ -19272,7 +20669,7 @@
           <p:cNvPr id="28" name="Oval 27">
             <a:extLst>
               <a:ext uri="{FF2B5EF4-FFF2-40B4-BE49-F238E27FC236}">
-                <a16:creationId xmlns="" xmlns:a16="http://schemas.microsoft.com/office/drawing/2014/main" id="{F95B55F4-B501-3440-8904-A1C7F049CBE8}"/>
+                <a16:creationId xmlns:a16="http://schemas.microsoft.com/office/drawing/2014/main" xmlns="" id="{F95B55F4-B501-3440-8904-A1C7F049CBE8}"/>
               </a:ext>
             </a:extLst>
           </p:cNvPr>
@@ -19328,7 +20725,7 @@
           <p:cNvPr id="29" name="Picture Placeholder 11">
             <a:extLst>
               <a:ext uri="{FF2B5EF4-FFF2-40B4-BE49-F238E27FC236}">
-                <a16:creationId xmlns="" xmlns:a16="http://schemas.microsoft.com/office/drawing/2014/main" id="{F2116994-BE3E-6A43-9C15-E71BA8EC821F}"/>
+                <a16:creationId xmlns:a16="http://schemas.microsoft.com/office/drawing/2014/main" xmlns="" id="{F2116994-BE3E-6A43-9C15-E71BA8EC821F}"/>
               </a:ext>
             </a:extLst>
           </p:cNvPr>
@@ -19406,7 +20803,7 @@
           <p:cNvPr id="11" name="Group 10">
             <a:extLst>
               <a:ext uri="{FF2B5EF4-FFF2-40B4-BE49-F238E27FC236}">
-                <a16:creationId xmlns="" xmlns:a16="http://schemas.microsoft.com/office/drawing/2014/main" id="{04B31150-A166-4DB3-A898-2154C9665891}"/>
+                <a16:creationId xmlns:a16="http://schemas.microsoft.com/office/drawing/2014/main" xmlns="" id="{04B31150-A166-4DB3-A898-2154C9665891}"/>
               </a:ext>
             </a:extLst>
           </p:cNvPr>
@@ -19431,7 +20828,7 @@
             <p:cNvPr id="12" name="Freeform 5">
               <a:extLst>
                 <a:ext uri="{FF2B5EF4-FFF2-40B4-BE49-F238E27FC236}">
-                  <a16:creationId xmlns="" xmlns:a16="http://schemas.microsoft.com/office/drawing/2014/main" id="{1C1A95BC-42CA-4166-918D-DF4306881408}"/>
+                  <a16:creationId xmlns:a16="http://schemas.microsoft.com/office/drawing/2014/main" xmlns="" id="{1C1A95BC-42CA-4166-918D-DF4306881408}"/>
                 </a:ext>
               </a:extLst>
             </p:cNvPr>
@@ -19621,7 +21018,7 @@
             <p:cNvPr id="13" name="Freeform 6">
               <a:extLst>
                 <a:ext uri="{FF2B5EF4-FFF2-40B4-BE49-F238E27FC236}">
-                  <a16:creationId xmlns="" xmlns:a16="http://schemas.microsoft.com/office/drawing/2014/main" id="{4B4D5F91-2158-4A30-B83C-5CC9CC6E5D4F}"/>
+                  <a16:creationId xmlns:a16="http://schemas.microsoft.com/office/drawing/2014/main" xmlns="" id="{4B4D5F91-2158-4A30-B83C-5CC9CC6E5D4F}"/>
                 </a:ext>
               </a:extLst>
             </p:cNvPr>
@@ -19771,7 +21168,7 @@
             <p:cNvPr id="14" name="Freeform 7">
               <a:extLst>
                 <a:ext uri="{FF2B5EF4-FFF2-40B4-BE49-F238E27FC236}">
-                  <a16:creationId xmlns="" xmlns:a16="http://schemas.microsoft.com/office/drawing/2014/main" id="{C509E5D6-79CC-4E1D-AAF4-C6F28F3C1777}"/>
+                  <a16:creationId xmlns:a16="http://schemas.microsoft.com/office/drawing/2014/main" xmlns="" id="{C509E5D6-79CC-4E1D-AAF4-C6F28F3C1777}"/>
                 </a:ext>
               </a:extLst>
             </p:cNvPr>
@@ -19912,7 +21309,7 @@
           <p:cNvPr id="6" name="Title 1">
             <a:extLst>
               <a:ext uri="{FF2B5EF4-FFF2-40B4-BE49-F238E27FC236}">
-                <a16:creationId xmlns="" xmlns:a16="http://schemas.microsoft.com/office/drawing/2014/main" id="{B70E2287-0F7B-4DD3-A805-DB19BBF3C716}"/>
+                <a16:creationId xmlns:a16="http://schemas.microsoft.com/office/drawing/2014/main" xmlns="" id="{B70E2287-0F7B-4DD3-A805-DB19BBF3C716}"/>
               </a:ext>
             </a:extLst>
           </p:cNvPr>
@@ -19952,7 +21349,7 @@
           <p:cNvPr id="7" name="Rectangle 6">
             <a:extLst>
               <a:ext uri="{FF2B5EF4-FFF2-40B4-BE49-F238E27FC236}">
-                <a16:creationId xmlns="" xmlns:a16="http://schemas.microsoft.com/office/drawing/2014/main" id="{8DCE74CE-BEFF-42B3-BF3E-C41B1B1F1EE4}"/>
+                <a16:creationId xmlns:a16="http://schemas.microsoft.com/office/drawing/2014/main" xmlns="" id="{8DCE74CE-BEFF-42B3-BF3E-C41B1B1F1EE4}"/>
               </a:ext>
             </a:extLst>
           </p:cNvPr>
@@ -20008,7 +21405,7 @@
           <p:cNvPr id="8" name="Picture 7">
             <a:extLst>
               <a:ext uri="{FF2B5EF4-FFF2-40B4-BE49-F238E27FC236}">
-                <a16:creationId xmlns="" xmlns:a16="http://schemas.microsoft.com/office/drawing/2014/main" id="{8B0944B4-FE4A-459A-85B1-3476FE6C4C49}"/>
+                <a16:creationId xmlns:a16="http://schemas.microsoft.com/office/drawing/2014/main" xmlns="" id="{8B0944B4-FE4A-459A-85B1-3476FE6C4C49}"/>
               </a:ext>
             </a:extLst>
           </p:cNvPr>
@@ -20044,7 +21441,7 @@
           <p:cNvPr id="9" name="Oval 8">
             <a:extLst>
               <a:ext uri="{FF2B5EF4-FFF2-40B4-BE49-F238E27FC236}">
-                <a16:creationId xmlns="" xmlns:a16="http://schemas.microsoft.com/office/drawing/2014/main" id="{1B26B4BC-3D52-4C1C-85FB-226F0B5201F1}"/>
+                <a16:creationId xmlns:a16="http://schemas.microsoft.com/office/drawing/2014/main" xmlns="" id="{1B26B4BC-3D52-4C1C-85FB-226F0B5201F1}"/>
               </a:ext>
             </a:extLst>
           </p:cNvPr>
@@ -20096,7 +21493,7 @@
           <p:cNvPr id="10" name="Slide Number Placeholder 5">
             <a:extLst>
               <a:ext uri="{FF2B5EF4-FFF2-40B4-BE49-F238E27FC236}">
-                <a16:creationId xmlns="" xmlns:a16="http://schemas.microsoft.com/office/drawing/2014/main" id="{CEC6B25A-6AA2-46A7-84BE-5C907CA51B02}"/>
+                <a16:creationId xmlns:a16="http://schemas.microsoft.com/office/drawing/2014/main" xmlns="" id="{CEC6B25A-6AA2-46A7-84BE-5C907CA51B02}"/>
               </a:ext>
             </a:extLst>
           </p:cNvPr>
@@ -20170,7 +21567,7 @@
           <p:cNvPr id="35" name="Group 34">
             <a:extLst>
               <a:ext uri="{FF2B5EF4-FFF2-40B4-BE49-F238E27FC236}">
-                <a16:creationId xmlns="" xmlns:a16="http://schemas.microsoft.com/office/drawing/2014/main" id="{431CD316-21C7-4FA9-A45A-374D6AE71ED5}"/>
+                <a16:creationId xmlns:a16="http://schemas.microsoft.com/office/drawing/2014/main" xmlns="" id="{431CD316-21C7-4FA9-A45A-374D6AE71ED5}"/>
               </a:ext>
             </a:extLst>
           </p:cNvPr>
@@ -20195,7 +21592,7 @@
             <p:cNvPr id="36" name="Freeform 5">
               <a:extLst>
                 <a:ext uri="{FF2B5EF4-FFF2-40B4-BE49-F238E27FC236}">
-                  <a16:creationId xmlns="" xmlns:a16="http://schemas.microsoft.com/office/drawing/2014/main" id="{E107D9FB-3967-4583-A9DA-6787AF71202C}"/>
+                  <a16:creationId xmlns:a16="http://schemas.microsoft.com/office/drawing/2014/main" xmlns="" id="{E107D9FB-3967-4583-A9DA-6787AF71202C}"/>
                 </a:ext>
               </a:extLst>
             </p:cNvPr>
@@ -20385,7 +21782,7 @@
             <p:cNvPr id="37" name="Freeform 6">
               <a:extLst>
                 <a:ext uri="{FF2B5EF4-FFF2-40B4-BE49-F238E27FC236}">
-                  <a16:creationId xmlns="" xmlns:a16="http://schemas.microsoft.com/office/drawing/2014/main" id="{138D5FEB-37FF-4F26-B625-CE2BE91FF21B}"/>
+                  <a16:creationId xmlns:a16="http://schemas.microsoft.com/office/drawing/2014/main" xmlns="" id="{138D5FEB-37FF-4F26-B625-CE2BE91FF21B}"/>
                 </a:ext>
               </a:extLst>
             </p:cNvPr>
@@ -20535,7 +21932,7 @@
             <p:cNvPr id="38" name="Freeform 7">
               <a:extLst>
                 <a:ext uri="{FF2B5EF4-FFF2-40B4-BE49-F238E27FC236}">
-                  <a16:creationId xmlns="" xmlns:a16="http://schemas.microsoft.com/office/drawing/2014/main" id="{6C2B67E8-673C-422C-B021-296E2E2B952D}"/>
+                  <a16:creationId xmlns:a16="http://schemas.microsoft.com/office/drawing/2014/main" xmlns="" id="{6C2B67E8-673C-422C-B021-296E2E2B952D}"/>
                 </a:ext>
               </a:extLst>
             </p:cNvPr>
@@ -20676,7 +22073,7 @@
           <p:cNvPr id="23" name="Oval 22">
             <a:extLst>
               <a:ext uri="{FF2B5EF4-FFF2-40B4-BE49-F238E27FC236}">
-                <a16:creationId xmlns="" xmlns:a16="http://schemas.microsoft.com/office/drawing/2014/main" id="{687010E4-ADF2-486D-8DF7-B0FF38C6DADF}"/>
+                <a16:creationId xmlns:a16="http://schemas.microsoft.com/office/drawing/2014/main" xmlns="" id="{687010E4-ADF2-486D-8DF7-B0FF38C6DADF}"/>
               </a:ext>
             </a:extLst>
           </p:cNvPr>
@@ -20730,7 +22127,7 @@
           <p:cNvPr id="24" name="Oval 23">
             <a:extLst>
               <a:ext uri="{FF2B5EF4-FFF2-40B4-BE49-F238E27FC236}">
-                <a16:creationId xmlns="" xmlns:a16="http://schemas.microsoft.com/office/drawing/2014/main" id="{9159AA79-2237-4A27-BBC2-D44032158D19}"/>
+                <a16:creationId xmlns:a16="http://schemas.microsoft.com/office/drawing/2014/main" xmlns="" id="{9159AA79-2237-4A27-BBC2-D44032158D19}"/>
               </a:ext>
             </a:extLst>
           </p:cNvPr>
@@ -20784,7 +22181,7 @@
           <p:cNvPr id="25" name="Oval 24">
             <a:extLst>
               <a:ext uri="{FF2B5EF4-FFF2-40B4-BE49-F238E27FC236}">
-                <a16:creationId xmlns="" xmlns:a16="http://schemas.microsoft.com/office/drawing/2014/main" id="{0272B962-9566-42D2-B4C3-E7AA81884A83}"/>
+                <a16:creationId xmlns:a16="http://schemas.microsoft.com/office/drawing/2014/main" xmlns="" id="{0272B962-9566-42D2-B4C3-E7AA81884A83}"/>
               </a:ext>
             </a:extLst>
           </p:cNvPr>
@@ -20838,7 +22235,7 @@
           <p:cNvPr id="26" name="Oval 25">
             <a:extLst>
               <a:ext uri="{FF2B5EF4-FFF2-40B4-BE49-F238E27FC236}">
-                <a16:creationId xmlns="" xmlns:a16="http://schemas.microsoft.com/office/drawing/2014/main" id="{19733285-016C-4C38-816C-83D30C075C70}"/>
+                <a16:creationId xmlns:a16="http://schemas.microsoft.com/office/drawing/2014/main" xmlns="" id="{19733285-016C-4C38-816C-83D30C075C70}"/>
               </a:ext>
             </a:extLst>
           </p:cNvPr>
@@ -20892,7 +22289,7 @@
           <p:cNvPr id="20" name="Freeform: Shape 19">
             <a:extLst>
               <a:ext uri="{FF2B5EF4-FFF2-40B4-BE49-F238E27FC236}">
-                <a16:creationId xmlns="" xmlns:a16="http://schemas.microsoft.com/office/drawing/2014/main" id="{EF40DBA4-AB63-4B47-B37F-BCC3D59B5392}"/>
+                <a16:creationId xmlns:a16="http://schemas.microsoft.com/office/drawing/2014/main" xmlns="" id="{EF40DBA4-AB63-4B47-B37F-BCC3D59B5392}"/>
               </a:ext>
             </a:extLst>
           </p:cNvPr>
@@ -21007,7 +22404,7 @@
           <p:cNvPr id="21" name="Freeform: Shape 20">
             <a:extLst>
               <a:ext uri="{FF2B5EF4-FFF2-40B4-BE49-F238E27FC236}">
-                <a16:creationId xmlns="" xmlns:a16="http://schemas.microsoft.com/office/drawing/2014/main" id="{33EF0AFB-D099-4FF1-8963-7DA87268867F}"/>
+                <a16:creationId xmlns:a16="http://schemas.microsoft.com/office/drawing/2014/main" xmlns="" id="{33EF0AFB-D099-4FF1-8963-7DA87268867F}"/>
               </a:ext>
             </a:extLst>
           </p:cNvPr>
@@ -21122,7 +22519,7 @@
           <p:cNvPr id="22" name="Freeform: Shape 21">
             <a:extLst>
               <a:ext uri="{FF2B5EF4-FFF2-40B4-BE49-F238E27FC236}">
-                <a16:creationId xmlns="" xmlns:a16="http://schemas.microsoft.com/office/drawing/2014/main" id="{6872C96E-9AF3-4FA0-8180-C213C7F2209E}"/>
+                <a16:creationId xmlns:a16="http://schemas.microsoft.com/office/drawing/2014/main" xmlns="" id="{6872C96E-9AF3-4FA0-8180-C213C7F2209E}"/>
               </a:ext>
             </a:extLst>
           </p:cNvPr>
@@ -21237,7 +22634,7 @@
           <p:cNvPr id="17" name="Freeform: Shape 16">
             <a:extLst>
               <a:ext uri="{FF2B5EF4-FFF2-40B4-BE49-F238E27FC236}">
-                <a16:creationId xmlns="" xmlns:a16="http://schemas.microsoft.com/office/drawing/2014/main" id="{3A08BE29-CFA5-4E0D-9DBE-A430AE1B8072}"/>
+                <a16:creationId xmlns:a16="http://schemas.microsoft.com/office/drawing/2014/main" xmlns="" id="{3A08BE29-CFA5-4E0D-9DBE-A430AE1B8072}"/>
               </a:ext>
             </a:extLst>
           </p:cNvPr>
@@ -21352,7 +22749,7 @@
           <p:cNvPr id="6" name="Title 1">
             <a:extLst>
               <a:ext uri="{FF2B5EF4-FFF2-40B4-BE49-F238E27FC236}">
-                <a16:creationId xmlns="" xmlns:a16="http://schemas.microsoft.com/office/drawing/2014/main" id="{B70E2287-0F7B-4DD3-A805-DB19BBF3C716}"/>
+                <a16:creationId xmlns:a16="http://schemas.microsoft.com/office/drawing/2014/main" xmlns="" id="{B70E2287-0F7B-4DD3-A805-DB19BBF3C716}"/>
               </a:ext>
             </a:extLst>
           </p:cNvPr>
@@ -21392,7 +22789,7 @@
           <p:cNvPr id="7" name="Rectangle 6">
             <a:extLst>
               <a:ext uri="{FF2B5EF4-FFF2-40B4-BE49-F238E27FC236}">
-                <a16:creationId xmlns="" xmlns:a16="http://schemas.microsoft.com/office/drawing/2014/main" id="{8DCE74CE-BEFF-42B3-BF3E-C41B1B1F1EE4}"/>
+                <a16:creationId xmlns:a16="http://schemas.microsoft.com/office/drawing/2014/main" xmlns="" id="{8DCE74CE-BEFF-42B3-BF3E-C41B1B1F1EE4}"/>
               </a:ext>
             </a:extLst>
           </p:cNvPr>
@@ -21448,7 +22845,7 @@
           <p:cNvPr id="8" name="Picture 7">
             <a:extLst>
               <a:ext uri="{FF2B5EF4-FFF2-40B4-BE49-F238E27FC236}">
-                <a16:creationId xmlns="" xmlns:a16="http://schemas.microsoft.com/office/drawing/2014/main" id="{8B0944B4-FE4A-459A-85B1-3476FE6C4C49}"/>
+                <a16:creationId xmlns:a16="http://schemas.microsoft.com/office/drawing/2014/main" xmlns="" id="{8B0944B4-FE4A-459A-85B1-3476FE6C4C49}"/>
               </a:ext>
             </a:extLst>
           </p:cNvPr>
@@ -21484,7 +22881,7 @@
           <p:cNvPr id="9" name="Oval 8">
             <a:extLst>
               <a:ext uri="{FF2B5EF4-FFF2-40B4-BE49-F238E27FC236}">
-                <a16:creationId xmlns="" xmlns:a16="http://schemas.microsoft.com/office/drawing/2014/main" id="{1B26B4BC-3D52-4C1C-85FB-226F0B5201F1}"/>
+                <a16:creationId xmlns:a16="http://schemas.microsoft.com/office/drawing/2014/main" xmlns="" id="{1B26B4BC-3D52-4C1C-85FB-226F0B5201F1}"/>
               </a:ext>
             </a:extLst>
           </p:cNvPr>
@@ -21536,7 +22933,7 @@
           <p:cNvPr id="10" name="Slide Number Placeholder 5">
             <a:extLst>
               <a:ext uri="{FF2B5EF4-FFF2-40B4-BE49-F238E27FC236}">
-                <a16:creationId xmlns="" xmlns:a16="http://schemas.microsoft.com/office/drawing/2014/main" id="{CEC6B25A-6AA2-46A7-84BE-5C907CA51B02}"/>
+                <a16:creationId xmlns:a16="http://schemas.microsoft.com/office/drawing/2014/main" xmlns="" id="{CEC6B25A-6AA2-46A7-84BE-5C907CA51B02}"/>
               </a:ext>
             </a:extLst>
           </p:cNvPr>
@@ -21580,7 +22977,7 @@
           <p:cNvPr id="3" name="Picture Placeholder 2">
             <a:extLst>
               <a:ext uri="{FF2B5EF4-FFF2-40B4-BE49-F238E27FC236}">
-                <a16:creationId xmlns="" xmlns:a16="http://schemas.microsoft.com/office/drawing/2014/main" id="{B1B995BE-66C2-4379-885F-4BE069DA39E4}"/>
+                <a16:creationId xmlns:a16="http://schemas.microsoft.com/office/drawing/2014/main" xmlns="" id="{B1B995BE-66C2-4379-885F-4BE069DA39E4}"/>
               </a:ext>
             </a:extLst>
           </p:cNvPr>
@@ -21627,7 +23024,7 @@
           <p:cNvPr id="11" name="Picture Placeholder 2">
             <a:extLst>
               <a:ext uri="{FF2B5EF4-FFF2-40B4-BE49-F238E27FC236}">
-                <a16:creationId xmlns="" xmlns:a16="http://schemas.microsoft.com/office/drawing/2014/main" id="{9B56B6C6-9F3C-4E80-BBAD-280E697B895C}"/>
+                <a16:creationId xmlns:a16="http://schemas.microsoft.com/office/drawing/2014/main" xmlns="" id="{9B56B6C6-9F3C-4E80-BBAD-280E697B895C}"/>
               </a:ext>
             </a:extLst>
           </p:cNvPr>
@@ -21674,7 +23071,7 @@
           <p:cNvPr id="12" name="Picture Placeholder 2">
             <a:extLst>
               <a:ext uri="{FF2B5EF4-FFF2-40B4-BE49-F238E27FC236}">
-                <a16:creationId xmlns="" xmlns:a16="http://schemas.microsoft.com/office/drawing/2014/main" id="{54704160-1ED7-4B90-8963-0F887C73E94D}"/>
+                <a16:creationId xmlns:a16="http://schemas.microsoft.com/office/drawing/2014/main" xmlns="" id="{54704160-1ED7-4B90-8963-0F887C73E94D}"/>
               </a:ext>
             </a:extLst>
           </p:cNvPr>
@@ -21721,7 +23118,7 @@
           <p:cNvPr id="13" name="Picture Placeholder 2">
             <a:extLst>
               <a:ext uri="{FF2B5EF4-FFF2-40B4-BE49-F238E27FC236}">
-                <a16:creationId xmlns="" xmlns:a16="http://schemas.microsoft.com/office/drawing/2014/main" id="{36610597-6A76-4A06-82A5-A8FFC5BAEA0F}"/>
+                <a16:creationId xmlns:a16="http://schemas.microsoft.com/office/drawing/2014/main" xmlns="" id="{36610597-6A76-4A06-82A5-A8FFC5BAEA0F}"/>
               </a:ext>
             </a:extLst>
           </p:cNvPr>
@@ -21768,7 +23165,7 @@
           <p:cNvPr id="27" name="Content Placeholder 2">
             <a:extLst>
               <a:ext uri="{FF2B5EF4-FFF2-40B4-BE49-F238E27FC236}">
-                <a16:creationId xmlns="" xmlns:a16="http://schemas.microsoft.com/office/drawing/2014/main" id="{FF56D2E5-86E4-473A-A62F-B7029E5B2558}"/>
+                <a16:creationId xmlns:a16="http://schemas.microsoft.com/office/drawing/2014/main" xmlns="" id="{FF56D2E5-86E4-473A-A62F-B7029E5B2558}"/>
               </a:ext>
             </a:extLst>
           </p:cNvPr>
@@ -21825,7 +23222,7 @@
           <p:cNvPr id="28" name="Content Placeholder 2">
             <a:extLst>
               <a:ext uri="{FF2B5EF4-FFF2-40B4-BE49-F238E27FC236}">
-                <a16:creationId xmlns="" xmlns:a16="http://schemas.microsoft.com/office/drawing/2014/main" id="{93934E34-6CC7-492D-9515-EBEC72EFF4CB}"/>
+                <a16:creationId xmlns:a16="http://schemas.microsoft.com/office/drawing/2014/main" xmlns="" id="{93934E34-6CC7-492D-9515-EBEC72EFF4CB}"/>
               </a:ext>
             </a:extLst>
           </p:cNvPr>
@@ -21887,7 +23284,7 @@
           <p:cNvPr id="29" name="Content Placeholder 2">
             <a:extLst>
               <a:ext uri="{FF2B5EF4-FFF2-40B4-BE49-F238E27FC236}">
-                <a16:creationId xmlns="" xmlns:a16="http://schemas.microsoft.com/office/drawing/2014/main" id="{E4E27467-A1AA-4773-AAB5-A96267FBD712}"/>
+                <a16:creationId xmlns:a16="http://schemas.microsoft.com/office/drawing/2014/main" xmlns="" id="{E4E27467-A1AA-4773-AAB5-A96267FBD712}"/>
               </a:ext>
             </a:extLst>
           </p:cNvPr>
@@ -21944,7 +23341,7 @@
           <p:cNvPr id="30" name="Content Placeholder 2">
             <a:extLst>
               <a:ext uri="{FF2B5EF4-FFF2-40B4-BE49-F238E27FC236}">
-                <a16:creationId xmlns="" xmlns:a16="http://schemas.microsoft.com/office/drawing/2014/main" id="{6CABD5EB-4A8B-448B-8ED1-B8B420815B2D}"/>
+                <a16:creationId xmlns:a16="http://schemas.microsoft.com/office/drawing/2014/main" xmlns="" id="{6CABD5EB-4A8B-448B-8ED1-B8B420815B2D}"/>
               </a:ext>
             </a:extLst>
           </p:cNvPr>
@@ -22006,7 +23403,7 @@
           <p:cNvPr id="31" name="Content Placeholder 2">
             <a:extLst>
               <a:ext uri="{FF2B5EF4-FFF2-40B4-BE49-F238E27FC236}">
-                <a16:creationId xmlns="" xmlns:a16="http://schemas.microsoft.com/office/drawing/2014/main" id="{0D86883C-E501-47FF-AE1A-E9CE8B71B421}"/>
+                <a16:creationId xmlns:a16="http://schemas.microsoft.com/office/drawing/2014/main" xmlns="" id="{0D86883C-E501-47FF-AE1A-E9CE8B71B421}"/>
               </a:ext>
             </a:extLst>
           </p:cNvPr>
@@ -22063,7 +23460,7 @@
           <p:cNvPr id="32" name="Content Placeholder 2">
             <a:extLst>
               <a:ext uri="{FF2B5EF4-FFF2-40B4-BE49-F238E27FC236}">
-                <a16:creationId xmlns="" xmlns:a16="http://schemas.microsoft.com/office/drawing/2014/main" id="{3683A037-F698-4CC9-904D-F377D71F690F}"/>
+                <a16:creationId xmlns:a16="http://schemas.microsoft.com/office/drawing/2014/main" xmlns="" id="{3683A037-F698-4CC9-904D-F377D71F690F}"/>
               </a:ext>
             </a:extLst>
           </p:cNvPr>
@@ -22125,7 +23522,7 @@
           <p:cNvPr id="33" name="Content Placeholder 2">
             <a:extLst>
               <a:ext uri="{FF2B5EF4-FFF2-40B4-BE49-F238E27FC236}">
-                <a16:creationId xmlns="" xmlns:a16="http://schemas.microsoft.com/office/drawing/2014/main" id="{0A095594-2B82-44ED-8C9B-DA7C4D3D2872}"/>
+                <a16:creationId xmlns:a16="http://schemas.microsoft.com/office/drawing/2014/main" xmlns="" id="{0A095594-2B82-44ED-8C9B-DA7C4D3D2872}"/>
               </a:ext>
             </a:extLst>
           </p:cNvPr>
@@ -22182,7 +23579,7 @@
           <p:cNvPr id="34" name="Content Placeholder 2">
             <a:extLst>
               <a:ext uri="{FF2B5EF4-FFF2-40B4-BE49-F238E27FC236}">
-                <a16:creationId xmlns="" xmlns:a16="http://schemas.microsoft.com/office/drawing/2014/main" id="{54CDD46A-22ED-48F5-9B5F-13B1B5C4B320}"/>
+                <a16:creationId xmlns:a16="http://schemas.microsoft.com/office/drawing/2014/main" xmlns="" id="{54CDD46A-22ED-48F5-9B5F-13B1B5C4B320}"/>
               </a:ext>
             </a:extLst>
           </p:cNvPr>
@@ -22279,7 +23676,7 @@
           <p:cNvPr id="2" name="Title Placeholder 1">
             <a:extLst>
               <a:ext uri="{FF2B5EF4-FFF2-40B4-BE49-F238E27FC236}">
-                <a16:creationId xmlns="" xmlns:a16="http://schemas.microsoft.com/office/drawing/2014/main" id="{BCC4D7FA-B85E-4477-8C62-94955B340F14}"/>
+                <a16:creationId xmlns:a16="http://schemas.microsoft.com/office/drawing/2014/main" xmlns="" id="{BCC4D7FA-B85E-4477-8C62-94955B340F14}"/>
               </a:ext>
             </a:extLst>
           </p:cNvPr>
@@ -22318,7 +23715,7 @@
           <p:cNvPr id="3" name="Text Placeholder 2">
             <a:extLst>
               <a:ext uri="{FF2B5EF4-FFF2-40B4-BE49-F238E27FC236}">
-                <a16:creationId xmlns="" xmlns:a16="http://schemas.microsoft.com/office/drawing/2014/main" id="{1F1226BB-3E56-4E7F-8172-7EC03C9F0BCF}"/>
+                <a16:creationId xmlns:a16="http://schemas.microsoft.com/office/drawing/2014/main" xmlns="" id="{1F1226BB-3E56-4E7F-8172-7EC03C9F0BCF}"/>
               </a:ext>
             </a:extLst>
           </p:cNvPr>
@@ -22385,7 +23782,7 @@
           <p:cNvPr id="4" name="Date Placeholder 3">
             <a:extLst>
               <a:ext uri="{FF2B5EF4-FFF2-40B4-BE49-F238E27FC236}">
-                <a16:creationId xmlns="" xmlns:a16="http://schemas.microsoft.com/office/drawing/2014/main" id="{D95D08EF-72FB-4F19-9916-65815A9CA99C}"/>
+                <a16:creationId xmlns:a16="http://schemas.microsoft.com/office/drawing/2014/main" xmlns="" id="{D95D08EF-72FB-4F19-9916-65815A9CA99C}"/>
               </a:ext>
             </a:extLst>
           </p:cNvPr>
@@ -22421,7 +23818,7 @@
           <a:p>
             <a:fld id="{D951F27F-98F9-A147-8986-34441C7B752D}" type="datetime1">
               <a:rPr lang="en-US" noProof="0" smtClean="0"/>
-              <a:t>7/12/2019</a:t>
+              <a:t>7/13/2019</a:t>
             </a:fld>
             <a:endParaRPr lang="en-US" noProof="0" dirty="0"/>
           </a:p>
@@ -22432,7 +23829,7 @@
           <p:cNvPr id="5" name="Footer Placeholder 4">
             <a:extLst>
               <a:ext uri="{FF2B5EF4-FFF2-40B4-BE49-F238E27FC236}">
-                <a16:creationId xmlns="" xmlns:a16="http://schemas.microsoft.com/office/drawing/2014/main" id="{1365084D-BC85-4A55-BD80-93876AD10108}"/>
+                <a16:creationId xmlns:a16="http://schemas.microsoft.com/office/drawing/2014/main" xmlns="" id="{1365084D-BC85-4A55-BD80-93876AD10108}"/>
               </a:ext>
             </a:extLst>
           </p:cNvPr>
@@ -22475,7 +23872,7 @@
           <p:cNvPr id="6" name="Slide Number Placeholder 5">
             <a:extLst>
               <a:ext uri="{FF2B5EF4-FFF2-40B4-BE49-F238E27FC236}">
-                <a16:creationId xmlns="" xmlns:a16="http://schemas.microsoft.com/office/drawing/2014/main" id="{45FDEF23-A140-4DD6-A0D0-A86BD4DF3404}"/>
+                <a16:creationId xmlns:a16="http://schemas.microsoft.com/office/drawing/2014/main" xmlns="" id="{45FDEF23-A140-4DD6-A0D0-A86BD4DF3404}"/>
               </a:ext>
             </a:extLst>
           </p:cNvPr>
@@ -22926,7 +24323,7 @@
           <p:cNvPr id="2" name="Title 1">
             <a:extLst>
               <a:ext uri="{FF2B5EF4-FFF2-40B4-BE49-F238E27FC236}">
-                <a16:creationId xmlns="" xmlns:a16="http://schemas.microsoft.com/office/drawing/2014/main" id="{FBAB08B8-3DB3-4637-AE23-B8DB96D9FCEC}"/>
+                <a16:creationId xmlns:a16="http://schemas.microsoft.com/office/drawing/2014/main" xmlns="" id="{FBAB08B8-3DB3-4637-AE23-B8DB96D9FCEC}"/>
               </a:ext>
             </a:extLst>
           </p:cNvPr>
@@ -23709,1387 +25106,6 @@
       </p:sp>
       <p:sp>
         <p:nvSpPr>
-          <p:cNvPr id="3" name="Slide Number Placeholder 2"/>
-          <p:cNvSpPr>
-            <a:spLocks noGrp="1"/>
-          </p:cNvSpPr>
-          <p:nvPr>
-            <p:ph type="sldNum" sz="quarter" idx="12"/>
-          </p:nvPr>
-        </p:nvSpPr>
-        <p:spPr/>
-        <p:txBody>
-          <a:bodyPr/>
-          <a:lstStyle/>
-          <a:p>
-            <a:fld id="{9EC71654-96A5-4280-94F3-931C61A9F92C}" type="slidenum">
-              <a:rPr lang="en-US" noProof="0" smtClean="0"/>
-              <a:pPr/>
-              <a:t>11</a:t>
-            </a:fld>
-            <a:endParaRPr lang="en-US" noProof="0" dirty="0"/>
-          </a:p>
-        </p:txBody>
-      </p:sp>
-      <p:sp>
-        <p:nvSpPr>
-          <p:cNvPr id="5" name="Title 4"/>
-          <p:cNvSpPr>
-            <a:spLocks noGrp="1"/>
-          </p:cNvSpPr>
-          <p:nvPr>
-            <p:ph type="title"/>
-          </p:nvPr>
-        </p:nvSpPr>
-        <p:spPr>
-          <a:xfrm>
-            <a:off x="515938" y="499595"/>
-            <a:ext cx="8602304" cy="750043"/>
-          </a:xfrm>
-        </p:spPr>
-        <p:txBody>
-          <a:bodyPr/>
-          <a:lstStyle/>
-          <a:p>
-            <a:r>
-              <a:rPr lang="en-US" sz="2000" smtClean="0"/>
-              <a:t>Karakteristik dan deskripsi property</a:t>
-            </a:r>
-            <a:endParaRPr lang="en-US" sz="2000" dirty="0">
-              <a:solidFill>
-                <a:srgbClr val="FF0000"/>
-              </a:solidFill>
-            </a:endParaRPr>
-          </a:p>
-        </p:txBody>
-      </p:sp>
-      <p:sp>
-        <p:nvSpPr>
-          <p:cNvPr id="16" name="Oval 15"/>
-          <p:cNvSpPr/>
-          <p:nvPr/>
-        </p:nvSpPr>
-        <p:spPr>
-          <a:xfrm>
-            <a:off x="648929" y="1666568"/>
-            <a:ext cx="663677" cy="707922"/>
-          </a:xfrm>
-          <a:prstGeom prst="ellipse">
-            <a:avLst/>
-          </a:prstGeom>
-        </p:spPr>
-        <p:style>
-          <a:lnRef idx="2">
-            <a:schemeClr val="accent1">
-              <a:shade val="50000"/>
-            </a:schemeClr>
-          </a:lnRef>
-          <a:fillRef idx="1">
-            <a:schemeClr val="accent1"/>
-          </a:fillRef>
-          <a:effectRef idx="0">
-            <a:schemeClr val="accent1"/>
-          </a:effectRef>
-          <a:fontRef idx="minor">
-            <a:schemeClr val="lt1"/>
-          </a:fontRef>
-        </p:style>
-        <p:txBody>
-          <a:bodyPr rtlCol="0" anchor="ctr"/>
-          <a:lstStyle/>
-          <a:p>
-            <a:pPr algn="ctr"/>
-            <a:r>
-              <a:rPr lang="en-US" smtClean="0"/>
-              <a:t>A</a:t>
-            </a:r>
-            <a:endParaRPr lang="en-US"/>
-          </a:p>
-        </p:txBody>
-      </p:sp>
-      <p:sp>
-        <p:nvSpPr>
-          <p:cNvPr id="17" name="Oval 16"/>
-          <p:cNvSpPr/>
-          <p:nvPr/>
-        </p:nvSpPr>
-        <p:spPr>
-          <a:xfrm>
-            <a:off x="3229897" y="1666568"/>
-            <a:ext cx="663677" cy="707922"/>
-          </a:xfrm>
-          <a:prstGeom prst="ellipse">
-            <a:avLst/>
-          </a:prstGeom>
-        </p:spPr>
-        <p:style>
-          <a:lnRef idx="2">
-            <a:schemeClr val="accent1">
-              <a:shade val="50000"/>
-            </a:schemeClr>
-          </a:lnRef>
-          <a:fillRef idx="1">
-            <a:schemeClr val="accent1"/>
-          </a:fillRef>
-          <a:effectRef idx="0">
-            <a:schemeClr val="accent1"/>
-          </a:effectRef>
-          <a:fontRef idx="minor">
-            <a:schemeClr val="lt1"/>
-          </a:fontRef>
-        </p:style>
-        <p:txBody>
-          <a:bodyPr rtlCol="0" anchor="ctr"/>
-          <a:lstStyle/>
-          <a:p>
-            <a:pPr algn="ctr"/>
-            <a:r>
-              <a:rPr lang="en-US" smtClean="0"/>
-              <a:t>B</a:t>
-            </a:r>
-            <a:endParaRPr lang="en-US"/>
-          </a:p>
-        </p:txBody>
-      </p:sp>
-      <p:cxnSp>
-        <p:nvCxnSpPr>
-          <p:cNvPr id="18" name="Straight Arrow Connector 17"/>
-          <p:cNvCxnSpPr>
-            <a:stCxn id="16" idx="6"/>
-            <a:endCxn id="17" idx="2"/>
-          </p:cNvCxnSpPr>
-          <p:nvPr/>
-        </p:nvCxnSpPr>
-        <p:spPr>
-          <a:xfrm>
-            <a:off x="1312606" y="2020529"/>
-            <a:ext cx="1917291" cy="0"/>
-          </a:xfrm>
-          <a:prstGeom prst="straightConnector1">
-            <a:avLst/>
-          </a:prstGeom>
-          <a:ln>
-            <a:tailEnd type="triangle"/>
-          </a:ln>
-        </p:spPr>
-        <p:style>
-          <a:lnRef idx="1">
-            <a:schemeClr val="accent1"/>
-          </a:lnRef>
-          <a:fillRef idx="0">
-            <a:schemeClr val="accent1"/>
-          </a:fillRef>
-          <a:effectRef idx="0">
-            <a:schemeClr val="accent1"/>
-          </a:effectRef>
-          <a:fontRef idx="minor">
-            <a:schemeClr val="tx1"/>
-          </a:fontRef>
-        </p:style>
-      </p:cxnSp>
-      <p:sp>
-        <p:nvSpPr>
-          <p:cNvPr id="19" name="TextBox 18"/>
-          <p:cNvSpPr txBox="1"/>
-          <p:nvPr/>
-        </p:nvSpPr>
-        <p:spPr>
-          <a:xfrm>
-            <a:off x="1578077" y="1666568"/>
-            <a:ext cx="1268362" cy="369332"/>
-          </a:xfrm>
-          <a:prstGeom prst="rect">
-            <a:avLst/>
-          </a:prstGeom>
-          <a:noFill/>
-        </p:spPr>
-        <p:txBody>
-          <a:bodyPr wrap="square" rtlCol="0">
-            <a:spAutoFit/>
-          </a:bodyPr>
-          <a:lstStyle/>
-          <a:p>
-            <a:r>
-              <a:rPr lang="en-US" smtClean="0"/>
-              <a:t>isSpouseOf</a:t>
-            </a:r>
-            <a:endParaRPr lang="en-US"/>
-          </a:p>
-        </p:txBody>
-      </p:sp>
-      <p:sp>
-        <p:nvSpPr>
-          <p:cNvPr id="20" name="TextBox 19"/>
-          <p:cNvSpPr txBox="1"/>
-          <p:nvPr/>
-        </p:nvSpPr>
-        <p:spPr>
-          <a:xfrm>
-            <a:off x="678333" y="2622125"/>
-            <a:ext cx="3185835" cy="369332"/>
-          </a:xfrm>
-          <a:prstGeom prst="rect">
-            <a:avLst/>
-          </a:prstGeom>
-          <a:noFill/>
-          <a:ln>
-            <a:solidFill>
-              <a:schemeClr val="accent1"/>
-            </a:solidFill>
-          </a:ln>
-        </p:spPr>
-        <p:txBody>
-          <a:bodyPr wrap="square" rtlCol="0">
-            <a:spAutoFit/>
-          </a:bodyPr>
-          <a:lstStyle/>
-          <a:p>
-            <a:r>
-              <a:rPr lang="en-US" smtClean="0"/>
-              <a:t>isSpouseOf bersifat symmetric</a:t>
-            </a:r>
-            <a:endParaRPr lang="en-US"/>
-          </a:p>
-        </p:txBody>
-      </p:sp>
-      <p:sp>
-        <p:nvSpPr>
-          <p:cNvPr id="22" name="Oval 21"/>
-          <p:cNvSpPr/>
-          <p:nvPr/>
-        </p:nvSpPr>
-        <p:spPr>
-          <a:xfrm>
-            <a:off x="648929" y="3223721"/>
-            <a:ext cx="663677" cy="707922"/>
-          </a:xfrm>
-          <a:prstGeom prst="ellipse">
-            <a:avLst/>
-          </a:prstGeom>
-        </p:spPr>
-        <p:style>
-          <a:lnRef idx="2">
-            <a:schemeClr val="accent1">
-              <a:shade val="50000"/>
-            </a:schemeClr>
-          </a:lnRef>
-          <a:fillRef idx="1">
-            <a:schemeClr val="accent1"/>
-          </a:fillRef>
-          <a:effectRef idx="0">
-            <a:schemeClr val="accent1"/>
-          </a:effectRef>
-          <a:fontRef idx="minor">
-            <a:schemeClr val="lt1"/>
-          </a:fontRef>
-        </p:style>
-        <p:txBody>
-          <a:bodyPr rtlCol="0" anchor="ctr"/>
-          <a:lstStyle/>
-          <a:p>
-            <a:pPr algn="ctr"/>
-            <a:r>
-              <a:rPr lang="en-US" smtClean="0"/>
-              <a:t>C</a:t>
-            </a:r>
-            <a:endParaRPr lang="en-US"/>
-          </a:p>
-        </p:txBody>
-      </p:sp>
-      <p:sp>
-        <p:nvSpPr>
-          <p:cNvPr id="23" name="Oval 22"/>
-          <p:cNvSpPr/>
-          <p:nvPr/>
-        </p:nvSpPr>
-        <p:spPr>
-          <a:xfrm>
-            <a:off x="3229897" y="3223721"/>
-            <a:ext cx="663677" cy="707922"/>
-          </a:xfrm>
-          <a:prstGeom prst="ellipse">
-            <a:avLst/>
-          </a:prstGeom>
-        </p:spPr>
-        <p:style>
-          <a:lnRef idx="2">
-            <a:schemeClr val="accent1">
-              <a:shade val="50000"/>
-            </a:schemeClr>
-          </a:lnRef>
-          <a:fillRef idx="1">
-            <a:schemeClr val="accent1"/>
-          </a:fillRef>
-          <a:effectRef idx="0">
-            <a:schemeClr val="accent1"/>
-          </a:effectRef>
-          <a:fontRef idx="minor">
-            <a:schemeClr val="lt1"/>
-          </a:fontRef>
-        </p:style>
-        <p:txBody>
-          <a:bodyPr rtlCol="0" anchor="ctr"/>
-          <a:lstStyle/>
-          <a:p>
-            <a:pPr algn="ctr"/>
-            <a:r>
-              <a:rPr lang="en-US" smtClean="0"/>
-              <a:t>D</a:t>
-            </a:r>
-            <a:endParaRPr lang="en-US"/>
-          </a:p>
-        </p:txBody>
-      </p:sp>
-      <p:cxnSp>
-        <p:nvCxnSpPr>
-          <p:cNvPr id="24" name="Straight Arrow Connector 23"/>
-          <p:cNvCxnSpPr>
-            <a:stCxn id="22" idx="6"/>
-            <a:endCxn id="23" idx="2"/>
-          </p:cNvCxnSpPr>
-          <p:nvPr/>
-        </p:nvCxnSpPr>
-        <p:spPr>
-          <a:xfrm>
-            <a:off x="1312606" y="3577682"/>
-            <a:ext cx="1917291" cy="0"/>
-          </a:xfrm>
-          <a:prstGeom prst="straightConnector1">
-            <a:avLst/>
-          </a:prstGeom>
-          <a:ln>
-            <a:tailEnd type="triangle"/>
-          </a:ln>
-        </p:spPr>
-        <p:style>
-          <a:lnRef idx="1">
-            <a:schemeClr val="accent1"/>
-          </a:lnRef>
-          <a:fillRef idx="0">
-            <a:schemeClr val="accent1"/>
-          </a:fillRef>
-          <a:effectRef idx="0">
-            <a:schemeClr val="accent1"/>
-          </a:effectRef>
-          <a:fontRef idx="minor">
-            <a:schemeClr val="tx1"/>
-          </a:fontRef>
-        </p:style>
-      </p:cxnSp>
-      <p:sp>
-        <p:nvSpPr>
-          <p:cNvPr id="25" name="TextBox 24"/>
-          <p:cNvSpPr txBox="1"/>
-          <p:nvPr/>
-        </p:nvSpPr>
-        <p:spPr>
-          <a:xfrm>
-            <a:off x="1578077" y="3223721"/>
-            <a:ext cx="1268362" cy="369332"/>
-          </a:xfrm>
-          <a:prstGeom prst="rect">
-            <a:avLst/>
-          </a:prstGeom>
-          <a:noFill/>
-        </p:spPr>
-        <p:txBody>
-          <a:bodyPr wrap="square" rtlCol="0">
-            <a:spAutoFit/>
-          </a:bodyPr>
-          <a:lstStyle/>
-          <a:p>
-            <a:r>
-              <a:rPr lang="en-US" smtClean="0"/>
-              <a:t>hasParent</a:t>
-            </a:r>
-            <a:endParaRPr lang="en-US"/>
-          </a:p>
-        </p:txBody>
-      </p:sp>
-      <p:sp>
-        <p:nvSpPr>
-          <p:cNvPr id="26" name="TextBox 25"/>
-          <p:cNvSpPr txBox="1"/>
-          <p:nvPr/>
-        </p:nvSpPr>
-        <p:spPr>
-          <a:xfrm>
-            <a:off x="678333" y="4179278"/>
-            <a:ext cx="3185835" cy="646331"/>
-          </a:xfrm>
-          <a:prstGeom prst="rect">
-            <a:avLst/>
-          </a:prstGeom>
-          <a:noFill/>
-          <a:ln>
-            <a:solidFill>
-              <a:schemeClr val="accent1"/>
-            </a:solidFill>
-          </a:ln>
-        </p:spPr>
-        <p:txBody>
-          <a:bodyPr wrap="square" rtlCol="0">
-            <a:spAutoFit/>
-          </a:bodyPr>
-          <a:lstStyle/>
-          <a:p>
-            <a:r>
-              <a:rPr lang="en-US"/>
-              <a:t>hasParent </a:t>
-            </a:r>
-            <a:r>
-              <a:rPr lang="en-US" smtClean="0"/>
-              <a:t>bersifat inverseOf dengan hasChild</a:t>
-            </a:r>
-            <a:endParaRPr lang="en-US"/>
-          </a:p>
-        </p:txBody>
-      </p:sp>
-      <p:sp>
-        <p:nvSpPr>
-          <p:cNvPr id="28" name="Oval 27"/>
-          <p:cNvSpPr/>
-          <p:nvPr/>
-        </p:nvSpPr>
-        <p:spPr>
-          <a:xfrm>
-            <a:off x="7422595" y="1666568"/>
-            <a:ext cx="663677" cy="707922"/>
-          </a:xfrm>
-          <a:prstGeom prst="ellipse">
-            <a:avLst/>
-          </a:prstGeom>
-        </p:spPr>
-        <p:style>
-          <a:lnRef idx="2">
-            <a:schemeClr val="accent1">
-              <a:shade val="50000"/>
-            </a:schemeClr>
-          </a:lnRef>
-          <a:fillRef idx="1">
-            <a:schemeClr val="accent1"/>
-          </a:fillRef>
-          <a:effectRef idx="0">
-            <a:schemeClr val="accent1"/>
-          </a:effectRef>
-          <a:fontRef idx="minor">
-            <a:schemeClr val="lt1"/>
-          </a:fontRef>
-        </p:style>
-        <p:txBody>
-          <a:bodyPr rtlCol="0" anchor="ctr"/>
-          <a:lstStyle/>
-          <a:p>
-            <a:pPr algn="ctr"/>
-            <a:r>
-              <a:rPr lang="en-US" smtClean="0"/>
-              <a:t>A</a:t>
-            </a:r>
-            <a:endParaRPr lang="en-US"/>
-          </a:p>
-        </p:txBody>
-      </p:sp>
-      <p:sp>
-        <p:nvSpPr>
-          <p:cNvPr id="29" name="Oval 28"/>
-          <p:cNvSpPr/>
-          <p:nvPr/>
-        </p:nvSpPr>
-        <p:spPr>
-          <a:xfrm>
-            <a:off x="10003563" y="1666568"/>
-            <a:ext cx="663677" cy="707922"/>
-          </a:xfrm>
-          <a:prstGeom prst="ellipse">
-            <a:avLst/>
-          </a:prstGeom>
-        </p:spPr>
-        <p:style>
-          <a:lnRef idx="2">
-            <a:schemeClr val="accent1">
-              <a:shade val="50000"/>
-            </a:schemeClr>
-          </a:lnRef>
-          <a:fillRef idx="1">
-            <a:schemeClr val="accent1"/>
-          </a:fillRef>
-          <a:effectRef idx="0">
-            <a:schemeClr val="accent1"/>
-          </a:effectRef>
-          <a:fontRef idx="minor">
-            <a:schemeClr val="lt1"/>
-          </a:fontRef>
-        </p:style>
-        <p:txBody>
-          <a:bodyPr rtlCol="0" anchor="ctr"/>
-          <a:lstStyle/>
-          <a:p>
-            <a:pPr algn="ctr"/>
-            <a:r>
-              <a:rPr lang="en-US" smtClean="0"/>
-              <a:t>B</a:t>
-            </a:r>
-            <a:endParaRPr lang="en-US"/>
-          </a:p>
-        </p:txBody>
-      </p:sp>
-      <p:cxnSp>
-        <p:nvCxnSpPr>
-          <p:cNvPr id="30" name="Straight Arrow Connector 29"/>
-          <p:cNvCxnSpPr>
-            <a:stCxn id="28" idx="6"/>
-            <a:endCxn id="29" idx="2"/>
-          </p:cNvCxnSpPr>
-          <p:nvPr/>
-        </p:nvCxnSpPr>
-        <p:spPr>
-          <a:xfrm>
-            <a:off x="8086272" y="2020529"/>
-            <a:ext cx="1917291" cy="0"/>
-          </a:xfrm>
-          <a:prstGeom prst="straightConnector1">
-            <a:avLst/>
-          </a:prstGeom>
-          <a:ln>
-            <a:tailEnd type="triangle"/>
-          </a:ln>
-        </p:spPr>
-        <p:style>
-          <a:lnRef idx="1">
-            <a:schemeClr val="accent1"/>
-          </a:lnRef>
-          <a:fillRef idx="0">
-            <a:schemeClr val="accent1"/>
-          </a:fillRef>
-          <a:effectRef idx="0">
-            <a:schemeClr val="accent1"/>
-          </a:effectRef>
-          <a:fontRef idx="minor">
-            <a:schemeClr val="tx1"/>
-          </a:fontRef>
-        </p:style>
-      </p:cxnSp>
-      <p:sp>
-        <p:nvSpPr>
-          <p:cNvPr id="31" name="TextBox 30"/>
-          <p:cNvSpPr txBox="1"/>
-          <p:nvPr/>
-        </p:nvSpPr>
-        <p:spPr>
-          <a:xfrm>
-            <a:off x="8351743" y="1666568"/>
-            <a:ext cx="1268362" cy="369332"/>
-          </a:xfrm>
-          <a:prstGeom prst="rect">
-            <a:avLst/>
-          </a:prstGeom>
-          <a:noFill/>
-        </p:spPr>
-        <p:txBody>
-          <a:bodyPr wrap="square" rtlCol="0">
-            <a:spAutoFit/>
-          </a:bodyPr>
-          <a:lstStyle/>
-          <a:p>
-            <a:r>
-              <a:rPr lang="en-US" smtClean="0"/>
-              <a:t>isSpouseOf</a:t>
-            </a:r>
-            <a:endParaRPr lang="en-US"/>
-          </a:p>
-        </p:txBody>
-      </p:sp>
-      <p:cxnSp>
-        <p:nvCxnSpPr>
-          <p:cNvPr id="32" name="Straight Arrow Connector 31"/>
-          <p:cNvCxnSpPr>
-            <a:endCxn id="28" idx="6"/>
-          </p:cNvCxnSpPr>
-          <p:nvPr/>
-        </p:nvCxnSpPr>
-        <p:spPr>
-          <a:xfrm flipH="1">
-            <a:off x="8086272" y="2016457"/>
-            <a:ext cx="1917291" cy="4072"/>
-          </a:xfrm>
-          <a:prstGeom prst="straightConnector1">
-            <a:avLst/>
-          </a:prstGeom>
-          <a:ln>
-            <a:tailEnd type="triangle"/>
-          </a:ln>
-        </p:spPr>
-        <p:style>
-          <a:lnRef idx="1">
-            <a:schemeClr val="accent1"/>
-          </a:lnRef>
-          <a:fillRef idx="0">
-            <a:schemeClr val="accent1"/>
-          </a:fillRef>
-          <a:effectRef idx="0">
-            <a:schemeClr val="accent1"/>
-          </a:effectRef>
-          <a:fontRef idx="minor">
-            <a:schemeClr val="tx1"/>
-          </a:fontRef>
-        </p:style>
-      </p:cxnSp>
-      <p:sp>
-        <p:nvSpPr>
-          <p:cNvPr id="36" name="Oval 35"/>
-          <p:cNvSpPr/>
-          <p:nvPr/>
-        </p:nvSpPr>
-        <p:spPr>
-          <a:xfrm>
-            <a:off x="7502109" y="3514443"/>
-            <a:ext cx="663677" cy="707922"/>
-          </a:xfrm>
-          <a:prstGeom prst="ellipse">
-            <a:avLst/>
-          </a:prstGeom>
-        </p:spPr>
-        <p:style>
-          <a:lnRef idx="2">
-            <a:schemeClr val="accent1">
-              <a:shade val="50000"/>
-            </a:schemeClr>
-          </a:lnRef>
-          <a:fillRef idx="1">
-            <a:schemeClr val="accent1"/>
-          </a:fillRef>
-          <a:effectRef idx="0">
-            <a:schemeClr val="accent1"/>
-          </a:effectRef>
-          <a:fontRef idx="minor">
-            <a:schemeClr val="lt1"/>
-          </a:fontRef>
-        </p:style>
-        <p:txBody>
-          <a:bodyPr rtlCol="0" anchor="ctr"/>
-          <a:lstStyle/>
-          <a:p>
-            <a:pPr algn="ctr"/>
-            <a:r>
-              <a:rPr lang="en-US" smtClean="0"/>
-              <a:t>C</a:t>
-            </a:r>
-            <a:endParaRPr lang="en-US"/>
-          </a:p>
-        </p:txBody>
-      </p:sp>
-      <p:sp>
-        <p:nvSpPr>
-          <p:cNvPr id="37" name="Oval 36"/>
-          <p:cNvSpPr/>
-          <p:nvPr/>
-        </p:nvSpPr>
-        <p:spPr>
-          <a:xfrm>
-            <a:off x="10083077" y="3514443"/>
-            <a:ext cx="663677" cy="707922"/>
-          </a:xfrm>
-          <a:prstGeom prst="ellipse">
-            <a:avLst/>
-          </a:prstGeom>
-        </p:spPr>
-        <p:style>
-          <a:lnRef idx="2">
-            <a:schemeClr val="accent1">
-              <a:shade val="50000"/>
-            </a:schemeClr>
-          </a:lnRef>
-          <a:fillRef idx="1">
-            <a:schemeClr val="accent1"/>
-          </a:fillRef>
-          <a:effectRef idx="0">
-            <a:schemeClr val="accent1"/>
-          </a:effectRef>
-          <a:fontRef idx="minor">
-            <a:schemeClr val="lt1"/>
-          </a:fontRef>
-        </p:style>
-        <p:txBody>
-          <a:bodyPr rtlCol="0" anchor="ctr"/>
-          <a:lstStyle/>
-          <a:p>
-            <a:pPr algn="ctr"/>
-            <a:r>
-              <a:rPr lang="en-US" smtClean="0"/>
-              <a:t>D</a:t>
-            </a:r>
-            <a:endParaRPr lang="en-US"/>
-          </a:p>
-        </p:txBody>
-      </p:sp>
-      <p:cxnSp>
-        <p:nvCxnSpPr>
-          <p:cNvPr id="38" name="Straight Arrow Connector 37"/>
-          <p:cNvCxnSpPr>
-            <a:stCxn id="36" idx="6"/>
-            <a:endCxn id="37" idx="2"/>
-          </p:cNvCxnSpPr>
-          <p:nvPr/>
-        </p:nvCxnSpPr>
-        <p:spPr>
-          <a:xfrm>
-            <a:off x="8165786" y="3868404"/>
-            <a:ext cx="1917291" cy="0"/>
-          </a:xfrm>
-          <a:prstGeom prst="straightConnector1">
-            <a:avLst/>
-          </a:prstGeom>
-          <a:ln>
-            <a:tailEnd type="triangle"/>
-          </a:ln>
-        </p:spPr>
-        <p:style>
-          <a:lnRef idx="1">
-            <a:schemeClr val="accent1"/>
-          </a:lnRef>
-          <a:fillRef idx="0">
-            <a:schemeClr val="accent1"/>
-          </a:fillRef>
-          <a:effectRef idx="0">
-            <a:schemeClr val="accent1"/>
-          </a:effectRef>
-          <a:fontRef idx="minor">
-            <a:schemeClr val="tx1"/>
-          </a:fontRef>
-        </p:style>
-      </p:cxnSp>
-      <p:sp>
-        <p:nvSpPr>
-          <p:cNvPr id="39" name="TextBox 38"/>
-          <p:cNvSpPr txBox="1"/>
-          <p:nvPr/>
-        </p:nvSpPr>
-        <p:spPr>
-          <a:xfrm>
-            <a:off x="8431257" y="3514443"/>
-            <a:ext cx="1268362" cy="369332"/>
-          </a:xfrm>
-          <a:prstGeom prst="rect">
-            <a:avLst/>
-          </a:prstGeom>
-          <a:noFill/>
-        </p:spPr>
-        <p:txBody>
-          <a:bodyPr wrap="square" rtlCol="0">
-            <a:spAutoFit/>
-          </a:bodyPr>
-          <a:lstStyle/>
-          <a:p>
-            <a:r>
-              <a:rPr lang="en-US"/>
-              <a:t>hasParent</a:t>
-            </a:r>
-          </a:p>
-        </p:txBody>
-      </p:sp>
-      <p:cxnSp>
-        <p:nvCxnSpPr>
-          <p:cNvPr id="40" name="Straight Arrow Connector 39"/>
-          <p:cNvCxnSpPr/>
-          <p:nvPr/>
-        </p:nvCxnSpPr>
-        <p:spPr>
-          <a:xfrm flipH="1">
-            <a:off x="8165786" y="3909704"/>
-            <a:ext cx="1917291" cy="4072"/>
-          </a:xfrm>
-          <a:prstGeom prst="straightConnector1">
-            <a:avLst/>
-          </a:prstGeom>
-          <a:ln>
-            <a:tailEnd type="triangle"/>
-          </a:ln>
-        </p:spPr>
-        <p:style>
-          <a:lnRef idx="1">
-            <a:schemeClr val="accent1"/>
-          </a:lnRef>
-          <a:fillRef idx="0">
-            <a:schemeClr val="accent1"/>
-          </a:fillRef>
-          <a:effectRef idx="0">
-            <a:schemeClr val="accent1"/>
-          </a:effectRef>
-          <a:fontRef idx="minor">
-            <a:schemeClr val="tx1"/>
-          </a:fontRef>
-        </p:style>
-      </p:cxnSp>
-      <p:sp>
-        <p:nvSpPr>
-          <p:cNvPr id="41" name="TextBox 40"/>
-          <p:cNvSpPr txBox="1"/>
-          <p:nvPr/>
-        </p:nvSpPr>
-        <p:spPr>
-          <a:xfrm>
-            <a:off x="8431257" y="3868404"/>
-            <a:ext cx="1268362" cy="369332"/>
-          </a:xfrm>
-          <a:prstGeom prst="rect">
-            <a:avLst/>
-          </a:prstGeom>
-          <a:noFill/>
-        </p:spPr>
-        <p:txBody>
-          <a:bodyPr wrap="square" rtlCol="0">
-            <a:spAutoFit/>
-          </a:bodyPr>
-          <a:lstStyle/>
-          <a:p>
-            <a:r>
-              <a:rPr lang="en-US" smtClean="0"/>
-              <a:t>hasChild</a:t>
-            </a:r>
-            <a:endParaRPr lang="en-US"/>
-          </a:p>
-        </p:txBody>
-      </p:sp>
-      <p:cxnSp>
-        <p:nvCxnSpPr>
-          <p:cNvPr id="42" name="Straight Connector 41"/>
-          <p:cNvCxnSpPr/>
-          <p:nvPr/>
-        </p:nvCxnSpPr>
-        <p:spPr>
-          <a:xfrm>
-            <a:off x="150829" y="3063711"/>
-            <a:ext cx="11934334" cy="18854"/>
-          </a:xfrm>
-          <a:prstGeom prst="line">
-            <a:avLst/>
-          </a:prstGeom>
-          <a:ln w="76200"/>
-        </p:spPr>
-        <p:style>
-          <a:lnRef idx="1">
-            <a:schemeClr val="accent1"/>
-          </a:lnRef>
-          <a:fillRef idx="0">
-            <a:schemeClr val="accent1"/>
-          </a:fillRef>
-          <a:effectRef idx="0">
-            <a:schemeClr val="accent1"/>
-          </a:effectRef>
-          <a:fontRef idx="minor">
-            <a:schemeClr val="tx1"/>
-          </a:fontRef>
-        </p:style>
-      </p:cxnSp>
-      <p:cxnSp>
-        <p:nvCxnSpPr>
-          <p:cNvPr id="45" name="Straight Connector 44"/>
-          <p:cNvCxnSpPr/>
-          <p:nvPr/>
-        </p:nvCxnSpPr>
-        <p:spPr>
-          <a:xfrm>
-            <a:off x="150829" y="4962632"/>
-            <a:ext cx="11934334" cy="18854"/>
-          </a:xfrm>
-          <a:prstGeom prst="line">
-            <a:avLst/>
-          </a:prstGeom>
-          <a:ln w="76200"/>
-        </p:spPr>
-        <p:style>
-          <a:lnRef idx="1">
-            <a:schemeClr val="accent1"/>
-          </a:lnRef>
-          <a:fillRef idx="0">
-            <a:schemeClr val="accent1"/>
-          </a:fillRef>
-          <a:effectRef idx="0">
-            <a:schemeClr val="accent1"/>
-          </a:effectRef>
-          <a:fontRef idx="minor">
-            <a:schemeClr val="tx1"/>
-          </a:fontRef>
-        </p:style>
-      </p:cxnSp>
-      <p:sp>
-        <p:nvSpPr>
-          <p:cNvPr id="47" name="Oval 46"/>
-          <p:cNvSpPr/>
-          <p:nvPr/>
-        </p:nvSpPr>
-        <p:spPr>
-          <a:xfrm>
-            <a:off x="648929" y="5127120"/>
-            <a:ext cx="663677" cy="707922"/>
-          </a:xfrm>
-          <a:prstGeom prst="ellipse">
-            <a:avLst/>
-          </a:prstGeom>
-        </p:spPr>
-        <p:style>
-          <a:lnRef idx="2">
-            <a:schemeClr val="accent1">
-              <a:shade val="50000"/>
-            </a:schemeClr>
-          </a:lnRef>
-          <a:fillRef idx="1">
-            <a:schemeClr val="accent1"/>
-          </a:fillRef>
-          <a:effectRef idx="0">
-            <a:schemeClr val="accent1"/>
-          </a:effectRef>
-          <a:fontRef idx="minor">
-            <a:schemeClr val="lt1"/>
-          </a:fontRef>
-        </p:style>
-        <p:txBody>
-          <a:bodyPr rtlCol="0" anchor="ctr"/>
-          <a:lstStyle/>
-          <a:p>
-            <a:pPr algn="ctr"/>
-            <a:r>
-              <a:rPr lang="en-US" smtClean="0"/>
-              <a:t>E</a:t>
-            </a:r>
-            <a:endParaRPr lang="en-US"/>
-          </a:p>
-        </p:txBody>
-      </p:sp>
-      <p:sp>
-        <p:nvSpPr>
-          <p:cNvPr id="48" name="Oval 47"/>
-          <p:cNvSpPr/>
-          <p:nvPr/>
-        </p:nvSpPr>
-        <p:spPr>
-          <a:xfrm>
-            <a:off x="3229897" y="5127120"/>
-            <a:ext cx="663677" cy="707922"/>
-          </a:xfrm>
-          <a:prstGeom prst="ellipse">
-            <a:avLst/>
-          </a:prstGeom>
-        </p:spPr>
-        <p:style>
-          <a:lnRef idx="2">
-            <a:schemeClr val="accent1">
-              <a:shade val="50000"/>
-            </a:schemeClr>
-          </a:lnRef>
-          <a:fillRef idx="1">
-            <a:schemeClr val="accent1"/>
-          </a:fillRef>
-          <a:effectRef idx="0">
-            <a:schemeClr val="accent1"/>
-          </a:effectRef>
-          <a:fontRef idx="minor">
-            <a:schemeClr val="lt1"/>
-          </a:fontRef>
-        </p:style>
-        <p:txBody>
-          <a:bodyPr rtlCol="0" anchor="ctr"/>
-          <a:lstStyle/>
-          <a:p>
-            <a:pPr algn="ctr"/>
-            <a:r>
-              <a:rPr lang="en-US" smtClean="0"/>
-              <a:t>F</a:t>
-            </a:r>
-            <a:endParaRPr lang="en-US"/>
-          </a:p>
-        </p:txBody>
-      </p:sp>
-      <p:cxnSp>
-        <p:nvCxnSpPr>
-          <p:cNvPr id="49" name="Straight Arrow Connector 48"/>
-          <p:cNvCxnSpPr>
-            <a:stCxn id="47" idx="6"/>
-            <a:endCxn id="48" idx="2"/>
-          </p:cNvCxnSpPr>
-          <p:nvPr/>
-        </p:nvCxnSpPr>
-        <p:spPr>
-          <a:xfrm>
-            <a:off x="1312606" y="5481081"/>
-            <a:ext cx="1917291" cy="0"/>
-          </a:xfrm>
-          <a:prstGeom prst="straightConnector1">
-            <a:avLst/>
-          </a:prstGeom>
-          <a:ln>
-            <a:tailEnd type="triangle"/>
-          </a:ln>
-        </p:spPr>
-        <p:style>
-          <a:lnRef idx="1">
-            <a:schemeClr val="accent1"/>
-          </a:lnRef>
-          <a:fillRef idx="0">
-            <a:schemeClr val="accent1"/>
-          </a:fillRef>
-          <a:effectRef idx="0">
-            <a:schemeClr val="accent1"/>
-          </a:effectRef>
-          <a:fontRef idx="minor">
-            <a:schemeClr val="tx1"/>
-          </a:fontRef>
-        </p:style>
-      </p:cxnSp>
-      <p:sp>
-        <p:nvSpPr>
-          <p:cNvPr id="50" name="TextBox 49"/>
-          <p:cNvSpPr txBox="1"/>
-          <p:nvPr/>
-        </p:nvSpPr>
-        <p:spPr>
-          <a:xfrm>
-            <a:off x="1578077" y="5127120"/>
-            <a:ext cx="1268362" cy="369332"/>
-          </a:xfrm>
-          <a:prstGeom prst="rect">
-            <a:avLst/>
-          </a:prstGeom>
-          <a:noFill/>
-        </p:spPr>
-        <p:txBody>
-          <a:bodyPr wrap="square" rtlCol="0">
-            <a:spAutoFit/>
-          </a:bodyPr>
-          <a:lstStyle/>
-          <a:p>
-            <a:r>
-              <a:rPr lang="en-US" smtClean="0"/>
-              <a:t>Dbo:child</a:t>
-            </a:r>
-            <a:endParaRPr lang="en-US"/>
-          </a:p>
-        </p:txBody>
-      </p:sp>
-      <p:sp>
-        <p:nvSpPr>
-          <p:cNvPr id="51" name="TextBox 50"/>
-          <p:cNvSpPr txBox="1"/>
-          <p:nvPr/>
-        </p:nvSpPr>
-        <p:spPr>
-          <a:xfrm>
-            <a:off x="678333" y="6082677"/>
-            <a:ext cx="3185835" cy="646331"/>
-          </a:xfrm>
-          <a:prstGeom prst="rect">
-            <a:avLst/>
-          </a:prstGeom>
-          <a:noFill/>
-          <a:ln>
-            <a:solidFill>
-              <a:schemeClr val="accent1"/>
-            </a:solidFill>
-          </a:ln>
-        </p:spPr>
-        <p:txBody>
-          <a:bodyPr wrap="square" rtlCol="0">
-            <a:spAutoFit/>
-          </a:bodyPr>
-          <a:lstStyle/>
-          <a:p>
-            <a:r>
-              <a:rPr lang="en-US" smtClean="0"/>
-              <a:t>Dbo:child bersifat equivalentTo hasChild</a:t>
-            </a:r>
-            <a:endParaRPr lang="en-US"/>
-          </a:p>
-        </p:txBody>
-      </p:sp>
-      <p:sp>
-        <p:nvSpPr>
-          <p:cNvPr id="53" name="Oval 52"/>
-          <p:cNvSpPr/>
-          <p:nvPr/>
-        </p:nvSpPr>
-        <p:spPr>
-          <a:xfrm>
-            <a:off x="7422595" y="5225263"/>
-            <a:ext cx="663677" cy="707922"/>
-          </a:xfrm>
-          <a:prstGeom prst="ellipse">
-            <a:avLst/>
-          </a:prstGeom>
-        </p:spPr>
-        <p:style>
-          <a:lnRef idx="2">
-            <a:schemeClr val="accent1">
-              <a:shade val="50000"/>
-            </a:schemeClr>
-          </a:lnRef>
-          <a:fillRef idx="1">
-            <a:schemeClr val="accent1"/>
-          </a:fillRef>
-          <a:effectRef idx="0">
-            <a:schemeClr val="accent1"/>
-          </a:effectRef>
-          <a:fontRef idx="minor">
-            <a:schemeClr val="lt1"/>
-          </a:fontRef>
-        </p:style>
-        <p:txBody>
-          <a:bodyPr rtlCol="0" anchor="ctr"/>
-          <a:lstStyle/>
-          <a:p>
-            <a:pPr algn="ctr"/>
-            <a:r>
-              <a:rPr lang="en-US" smtClean="0"/>
-              <a:t>E</a:t>
-            </a:r>
-            <a:endParaRPr lang="en-US"/>
-          </a:p>
-        </p:txBody>
-      </p:sp>
-      <p:sp>
-        <p:nvSpPr>
-          <p:cNvPr id="54" name="Oval 53"/>
-          <p:cNvSpPr/>
-          <p:nvPr/>
-        </p:nvSpPr>
-        <p:spPr>
-          <a:xfrm>
-            <a:off x="10003563" y="5225263"/>
-            <a:ext cx="663677" cy="707922"/>
-          </a:xfrm>
-          <a:prstGeom prst="ellipse">
-            <a:avLst/>
-          </a:prstGeom>
-        </p:spPr>
-        <p:style>
-          <a:lnRef idx="2">
-            <a:schemeClr val="accent1">
-              <a:shade val="50000"/>
-            </a:schemeClr>
-          </a:lnRef>
-          <a:fillRef idx="1">
-            <a:schemeClr val="accent1"/>
-          </a:fillRef>
-          <a:effectRef idx="0">
-            <a:schemeClr val="accent1"/>
-          </a:effectRef>
-          <a:fontRef idx="minor">
-            <a:schemeClr val="lt1"/>
-          </a:fontRef>
-        </p:style>
-        <p:txBody>
-          <a:bodyPr rtlCol="0" anchor="ctr"/>
-          <a:lstStyle/>
-          <a:p>
-            <a:pPr algn="ctr"/>
-            <a:r>
-              <a:rPr lang="en-US" smtClean="0"/>
-              <a:t>F</a:t>
-            </a:r>
-            <a:endParaRPr lang="en-US"/>
-          </a:p>
-        </p:txBody>
-      </p:sp>
-      <p:cxnSp>
-        <p:nvCxnSpPr>
-          <p:cNvPr id="55" name="Straight Arrow Connector 54"/>
-          <p:cNvCxnSpPr>
-            <a:stCxn id="53" idx="6"/>
-            <a:endCxn id="54" idx="2"/>
-          </p:cNvCxnSpPr>
-          <p:nvPr/>
-        </p:nvCxnSpPr>
-        <p:spPr>
-          <a:xfrm>
-            <a:off x="8086272" y="5579224"/>
-            <a:ext cx="1917291" cy="0"/>
-          </a:xfrm>
-          <a:prstGeom prst="straightConnector1">
-            <a:avLst/>
-          </a:prstGeom>
-          <a:ln>
-            <a:tailEnd type="triangle"/>
-          </a:ln>
-        </p:spPr>
-        <p:style>
-          <a:lnRef idx="1">
-            <a:schemeClr val="accent1"/>
-          </a:lnRef>
-          <a:fillRef idx="0">
-            <a:schemeClr val="accent1"/>
-          </a:fillRef>
-          <a:effectRef idx="0">
-            <a:schemeClr val="accent1"/>
-          </a:effectRef>
-          <a:fontRef idx="minor">
-            <a:schemeClr val="tx1"/>
-          </a:fontRef>
-        </p:style>
-      </p:cxnSp>
-      <p:sp>
-        <p:nvSpPr>
-          <p:cNvPr id="56" name="TextBox 55"/>
-          <p:cNvSpPr txBox="1"/>
-          <p:nvPr/>
-        </p:nvSpPr>
-        <p:spPr>
-          <a:xfrm>
-            <a:off x="8351743" y="5225263"/>
-            <a:ext cx="1268362" cy="369332"/>
-          </a:xfrm>
-          <a:prstGeom prst="rect">
-            <a:avLst/>
-          </a:prstGeom>
-          <a:noFill/>
-        </p:spPr>
-        <p:txBody>
-          <a:bodyPr wrap="square" rtlCol="0">
-            <a:spAutoFit/>
-          </a:bodyPr>
-          <a:lstStyle/>
-          <a:p>
-            <a:r>
-              <a:rPr lang="en-US" smtClean="0"/>
-              <a:t>hasChild</a:t>
-            </a:r>
-            <a:endParaRPr lang="en-US"/>
-          </a:p>
-        </p:txBody>
-      </p:sp>
-    </p:spTree>
-    <p:extLst>
-      <p:ext uri="{BB962C8B-B14F-4D97-AF65-F5344CB8AC3E}">
-        <p14:creationId xmlns:p14="http://schemas.microsoft.com/office/powerpoint/2010/main" val="882302219"/>
-      </p:ext>
-    </p:extLst>
-  </p:cSld>
-  <p:clrMapOvr>
-    <a:masterClrMapping/>
-  </p:clrMapOvr>
-  <p:timing>
-    <p:tnLst>
-      <p:par>
-        <p:cTn id="1" dur="indefinite" restart="never" nodeType="tmRoot"/>
-      </p:par>
-    </p:tnLst>
-  </p:timing>
-</p:sld>
-</file>
-
-<file path=ppt/slides/slide12.xml><?xml version="1.0" encoding="utf-8"?>
-<p:sld xmlns:a="http://schemas.openxmlformats.org/drawingml/2006/main" xmlns:r="http://schemas.openxmlformats.org/officeDocument/2006/relationships" xmlns:p="http://schemas.openxmlformats.org/presentationml/2006/main">
-  <p:cSld>
-    <p:spTree>
-      <p:nvGrpSpPr>
-        <p:cNvPr id="1" name=""/>
-        <p:cNvGrpSpPr/>
-        <p:nvPr/>
-      </p:nvGrpSpPr>
-      <p:grpSpPr>
-        <a:xfrm>
-          <a:off x="0" y="0"/>
-          <a:ext cx="0" cy="0"/>
-          <a:chOff x="0" y="0"/>
-          <a:chExt cx="0" cy="0"/>
-        </a:xfrm>
-      </p:grpSpPr>
-      <p:sp>
-        <p:nvSpPr>
-          <p:cNvPr id="8" name="Rectangle 7"/>
-          <p:cNvSpPr/>
-          <p:nvPr/>
-        </p:nvSpPr>
-        <p:spPr>
-          <a:xfrm>
-            <a:off x="395926" y="6176963"/>
-            <a:ext cx="1319752" cy="563202"/>
-          </a:xfrm>
-          <a:prstGeom prst="rect">
-            <a:avLst/>
-          </a:prstGeom>
-          <a:solidFill>
-            <a:schemeClr val="bg1"/>
-          </a:solidFill>
-          <a:ln>
-            <a:solidFill>
-              <a:schemeClr val="bg1"/>
-            </a:solidFill>
-          </a:ln>
-        </p:spPr>
-        <p:style>
-          <a:lnRef idx="2">
-            <a:schemeClr val="accent1">
-              <a:shade val="50000"/>
-            </a:schemeClr>
-          </a:lnRef>
-          <a:fillRef idx="1">
-            <a:schemeClr val="accent1"/>
-          </a:fillRef>
-          <a:effectRef idx="0">
-            <a:schemeClr val="accent1"/>
-          </a:effectRef>
-          <a:fontRef idx="minor">
-            <a:schemeClr val="lt1"/>
-          </a:fontRef>
-        </p:style>
-        <p:txBody>
-          <a:bodyPr rtlCol="0" anchor="ctr"/>
-          <a:lstStyle/>
-          <a:p>
-            <a:pPr algn="ctr"/>
-            <a:endParaRPr lang="en-US"/>
-          </a:p>
-        </p:txBody>
-      </p:sp>
-      <p:sp>
-        <p:nvSpPr>
-          <p:cNvPr id="6" name="Rectangle 5"/>
-          <p:cNvSpPr/>
-          <p:nvPr/>
-        </p:nvSpPr>
-        <p:spPr>
-          <a:xfrm>
-            <a:off x="4754880" y="3191246"/>
-            <a:ext cx="2583180" cy="3451860"/>
-          </a:xfrm>
-          <a:prstGeom prst="rect">
-            <a:avLst/>
-          </a:prstGeom>
-          <a:solidFill>
-            <a:schemeClr val="bg1"/>
-          </a:solidFill>
-          <a:ln>
-            <a:solidFill>
-              <a:schemeClr val="bg1"/>
-            </a:solidFill>
-          </a:ln>
-        </p:spPr>
-        <p:style>
-          <a:lnRef idx="2">
-            <a:schemeClr val="accent1">
-              <a:shade val="50000"/>
-            </a:schemeClr>
-          </a:lnRef>
-          <a:fillRef idx="1">
-            <a:schemeClr val="accent1"/>
-          </a:fillRef>
-          <a:effectRef idx="0">
-            <a:schemeClr val="accent1"/>
-          </a:effectRef>
-          <a:fontRef idx="minor">
-            <a:schemeClr val="lt1"/>
-          </a:fontRef>
-        </p:style>
-        <p:txBody>
-          <a:bodyPr rtlCol="0" anchor="ctr"/>
-          <a:lstStyle/>
-          <a:p>
-            <a:pPr algn="ctr"/>
-            <a:endParaRPr lang="en-US"/>
-          </a:p>
-        </p:txBody>
-      </p:sp>
-      <p:sp>
-        <p:nvSpPr>
           <p:cNvPr id="2" name="Content Placeholder 1"/>
           <p:cNvSpPr>
             <a:spLocks noGrp="1"/>
@@ -25140,7 +25156,7 @@
             <a:fld id="{9EC71654-96A5-4280-94F3-931C61A9F92C}" type="slidenum">
               <a:rPr lang="en-US" noProof="0" smtClean="0"/>
               <a:pPr/>
-              <a:t>12</a:t>
+              <a:t>11</a:t>
             </a:fld>
             <a:endParaRPr lang="en-US" noProof="0" dirty="0"/>
           </a:p>
@@ -25187,7 +25203,7 @@
           <p:nvPr>
             <p:extLst>
               <p:ext uri="{D42A27DB-BD31-4B8C-83A1-F6EECF244321}">
-                <p14:modId xmlns:p14="http://schemas.microsoft.com/office/powerpoint/2010/main" val="2137967604"/>
+                <p14:modId xmlns:p14="http://schemas.microsoft.com/office/powerpoint/2010/main" val="979744835"/>
               </p:ext>
             </p:extLst>
           </p:nvPr>
@@ -25232,7 +25248,11 @@
                       </a:endParaRPr>
                     </a:p>
                   </a:txBody>
-                  <a:tcPr marL="68580" marR="68580" marT="0" marB="0"/>
+                  <a:tcPr marL="68580" marR="68580" marT="0" marB="0">
+                    <a:solidFill>
+                      <a:srgbClr val="92D050"/>
+                    </a:solidFill>
+                  </a:tcPr>
                 </a:tc>
                 <a:tc>
                   <a:txBody>
@@ -25257,7 +25277,11 @@
                       </a:endParaRPr>
                     </a:p>
                   </a:txBody>
-                  <a:tcPr marL="68580" marR="68580" marT="0" marB="0"/>
+                  <a:tcPr marL="68580" marR="68580" marT="0" marB="0">
+                    <a:solidFill>
+                      <a:srgbClr val="92D050"/>
+                    </a:solidFill>
+                  </a:tcPr>
                 </a:tc>
                 <a:tc>
                   <a:txBody>
@@ -25282,7 +25306,11 @@
                       </a:endParaRPr>
                     </a:p>
                   </a:txBody>
-                  <a:tcPr marL="68580" marR="68580" marT="0" marB="0"/>
+                  <a:tcPr marL="68580" marR="68580" marT="0" marB="0">
+                    <a:solidFill>
+                      <a:srgbClr val="92D050"/>
+                    </a:solidFill>
+                  </a:tcPr>
                 </a:tc>
                 <a:tc>
                   <a:txBody>
@@ -25307,7 +25335,11 @@
                       </a:endParaRPr>
                     </a:p>
                   </a:txBody>
-                  <a:tcPr marL="68580" marR="68580" marT="0" marB="0"/>
+                  <a:tcPr marL="68580" marR="68580" marT="0" marB="0">
+                    <a:solidFill>
+                      <a:srgbClr val="92D050"/>
+                    </a:solidFill>
+                  </a:tcPr>
                 </a:tc>
               </a:tr>
               <a:tr h="776682">
@@ -25334,7 +25366,11 @@
                       </a:endParaRPr>
                     </a:p>
                   </a:txBody>
-                  <a:tcPr marL="68580" marR="68580" marT="0" marB="0"/>
+                  <a:tcPr marL="68580" marR="68580" marT="0" marB="0">
+                    <a:solidFill>
+                      <a:srgbClr val="92D050"/>
+                    </a:solidFill>
+                  </a:tcPr>
                 </a:tc>
                 <a:tc>
                   <a:txBody>
@@ -25359,7 +25395,11 @@
                       </a:endParaRPr>
                     </a:p>
                   </a:txBody>
-                  <a:tcPr marL="68580" marR="68580" marT="0" marB="0"/>
+                  <a:tcPr marL="68580" marR="68580" marT="0" marB="0">
+                    <a:solidFill>
+                      <a:srgbClr val="92D050"/>
+                    </a:solidFill>
+                  </a:tcPr>
                 </a:tc>
                 <a:tc>
                   <a:txBody>
@@ -25384,7 +25424,11 @@
                       </a:endParaRPr>
                     </a:p>
                   </a:txBody>
-                  <a:tcPr marL="68580" marR="68580" marT="0" marB="0"/>
+                  <a:tcPr marL="68580" marR="68580" marT="0" marB="0">
+                    <a:solidFill>
+                      <a:srgbClr val="92D050"/>
+                    </a:solidFill>
+                  </a:tcPr>
                 </a:tc>
                 <a:tc>
                   <a:txBody>
@@ -25409,7 +25453,11 @@
                       </a:endParaRPr>
                     </a:p>
                   </a:txBody>
-                  <a:tcPr marL="68580" marR="68580" marT="0" marB="0"/>
+                  <a:tcPr marL="68580" marR="68580" marT="0" marB="0">
+                    <a:solidFill>
+                      <a:srgbClr val="92D050"/>
+                    </a:solidFill>
+                  </a:tcPr>
                 </a:tc>
               </a:tr>
               <a:tr h="1294470">
@@ -25436,7 +25484,11 @@
                       </a:endParaRPr>
                     </a:p>
                   </a:txBody>
-                  <a:tcPr marL="68580" marR="68580" marT="0" marB="0"/>
+                  <a:tcPr marL="68580" marR="68580" marT="0" marB="0">
+                    <a:solidFill>
+                      <a:srgbClr val="92D050"/>
+                    </a:solidFill>
+                  </a:tcPr>
                 </a:tc>
                 <a:tc>
                   <a:txBody>
@@ -25461,7 +25513,11 @@
                       </a:endParaRPr>
                     </a:p>
                   </a:txBody>
-                  <a:tcPr marL="68580" marR="68580" marT="0" marB="0"/>
+                  <a:tcPr marL="68580" marR="68580" marT="0" marB="0">
+                    <a:solidFill>
+                      <a:srgbClr val="92D050"/>
+                    </a:solidFill>
+                  </a:tcPr>
                 </a:tc>
                 <a:tc>
                   <a:txBody>
@@ -25486,7 +25542,11 @@
                       </a:endParaRPr>
                     </a:p>
                   </a:txBody>
-                  <a:tcPr marL="68580" marR="68580" marT="0" marB="0"/>
+                  <a:tcPr marL="68580" marR="68580" marT="0" marB="0">
+                    <a:solidFill>
+                      <a:srgbClr val="92D050"/>
+                    </a:solidFill>
+                  </a:tcPr>
                 </a:tc>
                 <a:tc>
                   <a:txBody>
@@ -25511,7 +25571,11 @@
                       </a:endParaRPr>
                     </a:p>
                   </a:txBody>
-                  <a:tcPr marL="68580" marR="68580" marT="0" marB="0"/>
+                  <a:tcPr marL="68580" marR="68580" marT="0" marB="0">
+                    <a:solidFill>
+                      <a:srgbClr val="92D050"/>
+                    </a:solidFill>
+                  </a:tcPr>
                 </a:tc>
               </a:tr>
               <a:tr h="517788">
@@ -25538,7 +25602,11 @@
                       </a:endParaRPr>
                     </a:p>
                   </a:txBody>
-                  <a:tcPr marL="68580" marR="68580" marT="0" marB="0"/>
+                  <a:tcPr marL="68580" marR="68580" marT="0" marB="0">
+                    <a:solidFill>
+                      <a:srgbClr val="92D050"/>
+                    </a:solidFill>
+                  </a:tcPr>
                 </a:tc>
                 <a:tc>
                   <a:txBody>
@@ -25563,7 +25631,11 @@
                       </a:endParaRPr>
                     </a:p>
                   </a:txBody>
-                  <a:tcPr marL="68580" marR="68580" marT="0" marB="0"/>
+                  <a:tcPr marL="68580" marR="68580" marT="0" marB="0">
+                    <a:solidFill>
+                      <a:srgbClr val="92D050"/>
+                    </a:solidFill>
+                  </a:tcPr>
                 </a:tc>
                 <a:tc>
                   <a:txBody>
@@ -25588,7 +25660,11 @@
                       </a:endParaRPr>
                     </a:p>
                   </a:txBody>
-                  <a:tcPr marL="68580" marR="68580" marT="0" marB="0"/>
+                  <a:tcPr marL="68580" marR="68580" marT="0" marB="0">
+                    <a:solidFill>
+                      <a:srgbClr val="92D050"/>
+                    </a:solidFill>
+                  </a:tcPr>
                 </a:tc>
                 <a:tc>
                   <a:txBody>
@@ -25613,7 +25689,11 @@
                       </a:endParaRPr>
                     </a:p>
                   </a:txBody>
-                  <a:tcPr marL="68580" marR="68580" marT="0" marB="0"/>
+                  <a:tcPr marL="68580" marR="68580" marT="0" marB="0">
+                    <a:solidFill>
+                      <a:srgbClr val="92D050"/>
+                    </a:solidFill>
+                  </a:tcPr>
                 </a:tc>
               </a:tr>
             </a:tbl>
@@ -25629,14 +25709,14 @@
           <p:nvPr>
             <p:extLst>
               <p:ext uri="{D42A27DB-BD31-4B8C-83A1-F6EECF244321}">
-                <p14:modId xmlns:p14="http://schemas.microsoft.com/office/powerpoint/2010/main" val="2378976244"/>
+                <p14:modId xmlns:p14="http://schemas.microsoft.com/office/powerpoint/2010/main" val="4132440800"/>
               </p:ext>
             </p:extLst>
           </p:nvPr>
         </p:nvGraphicFramePr>
         <p:xfrm>
-          <a:off x="1242526" y="1500991"/>
-          <a:ext cx="9417603" cy="4954748"/>
+          <a:off x="1417351" y="1745032"/>
+          <a:ext cx="9417603" cy="3560223"/>
         </p:xfrm>
         <a:graphic>
           <a:graphicData uri="http://schemas.openxmlformats.org/drawingml/2006/table">
@@ -25741,516 +25821,6 @@
                           <a:effectLst/>
                         </a:rPr>
                         <a:t>Deskripsi</a:t>
-                      </a:r>
-                      <a:endParaRPr lang="en-US" sz="1400">
-                        <a:effectLst/>
-                        <a:latin typeface="Times New Roman" panose="02020603050405020304" pitchFamily="18" charset="0"/>
-                        <a:ea typeface="Times New Roman" panose="02020603050405020304" pitchFamily="18" charset="0"/>
-                      </a:endParaRPr>
-                    </a:p>
-                  </a:txBody>
-                  <a:tcPr marL="33587" marR="33587" marT="0" marB="0"/>
-                </a:tc>
-              </a:tr>
-              <a:tr h="278905">
-                <a:tc>
-                  <a:txBody>
-                    <a:bodyPr/>
-                    <a:lstStyle/>
-                    <a:p>
-                      <a:pPr algn="just">
-                        <a:spcAft>
-                          <a:spcPts val="0"/>
-                        </a:spcAft>
-                      </a:pPr>
-                      <a:r>
-                        <a:rPr lang="en-US" sz="1400">
-                          <a:effectLst/>
-                        </a:rPr>
-                        <a:t>dbo:child</a:t>
-                      </a:r>
-                      <a:endParaRPr lang="en-US" sz="1400">
-                        <a:effectLst/>
-                        <a:latin typeface="Times New Roman" panose="02020603050405020304" pitchFamily="18" charset="0"/>
-                        <a:ea typeface="Times New Roman" panose="02020603050405020304" pitchFamily="18" charset="0"/>
-                      </a:endParaRPr>
-                    </a:p>
-                  </a:txBody>
-                  <a:tcPr marL="33587" marR="33587" marT="0" marB="0"/>
-                </a:tc>
-                <a:tc>
-                  <a:txBody>
-                    <a:bodyPr/>
-                    <a:lstStyle/>
-                    <a:p>
-                      <a:pPr algn="just">
-                        <a:spcAft>
-                          <a:spcPts val="0"/>
-                        </a:spcAft>
-                      </a:pPr>
-                      <a:r>
-                        <a:rPr lang="en-US" sz="1400">
-                          <a:effectLst/>
-                        </a:rPr>
-                        <a:t>dbpedia.org/ontology/child</a:t>
-                      </a:r>
-                      <a:endParaRPr lang="en-US" sz="1400">
-                        <a:effectLst/>
-                        <a:latin typeface="Times New Roman" panose="02020603050405020304" pitchFamily="18" charset="0"/>
-                        <a:ea typeface="Times New Roman" panose="02020603050405020304" pitchFamily="18" charset="0"/>
-                      </a:endParaRPr>
-                    </a:p>
-                  </a:txBody>
-                  <a:tcPr marL="33587" marR="33587" marT="0" marB="0"/>
-                </a:tc>
-                <a:tc>
-                  <a:txBody>
-                    <a:bodyPr/>
-                    <a:lstStyle/>
-                    <a:p>
-                      <a:pPr algn="ctr">
-                        <a:spcAft>
-                          <a:spcPts val="0"/>
-                        </a:spcAft>
-                      </a:pPr>
-                      <a:r>
-                        <a:rPr lang="en-US" sz="1400">
-                          <a:effectLst/>
-                        </a:rPr>
-                        <a:t>-</a:t>
-                      </a:r>
-                      <a:endParaRPr lang="en-US" sz="1400">
-                        <a:effectLst/>
-                        <a:latin typeface="Times New Roman" panose="02020603050405020304" pitchFamily="18" charset="0"/>
-                        <a:ea typeface="Times New Roman" panose="02020603050405020304" pitchFamily="18" charset="0"/>
-                      </a:endParaRPr>
-                    </a:p>
-                  </a:txBody>
-                  <a:tcPr marL="33587" marR="33587" marT="0" marB="0"/>
-                </a:tc>
-                <a:tc>
-                  <a:txBody>
-                    <a:bodyPr/>
-                    <a:lstStyle/>
-                    <a:p>
-                      <a:pPr algn="just">
-                        <a:spcAft>
-                          <a:spcPts val="0"/>
-                        </a:spcAft>
-                      </a:pPr>
-                      <a:r>
-                        <a:rPr lang="en-US" sz="1400">
-                          <a:effectLst/>
-                        </a:rPr>
-                        <a:t>ekuivalen dengan hasChild</a:t>
-                      </a:r>
-                      <a:endParaRPr lang="en-US" sz="1400">
-                        <a:effectLst/>
-                        <a:latin typeface="Times New Roman" panose="02020603050405020304" pitchFamily="18" charset="0"/>
-                        <a:ea typeface="Times New Roman" panose="02020603050405020304" pitchFamily="18" charset="0"/>
-                      </a:endParaRPr>
-                    </a:p>
-                  </a:txBody>
-                  <a:tcPr marL="33587" marR="33587" marT="0" marB="0"/>
-                </a:tc>
-              </a:tr>
-              <a:tr h="278905">
-                <a:tc>
-                  <a:txBody>
-                    <a:bodyPr/>
-                    <a:lstStyle/>
-                    <a:p>
-                      <a:pPr algn="just">
-                        <a:spcAft>
-                          <a:spcPts val="0"/>
-                        </a:spcAft>
-                      </a:pPr>
-                      <a:r>
-                        <a:rPr lang="en-US" sz="1400">
-                          <a:effectLst/>
-                        </a:rPr>
-                        <a:t>dbo:parent</a:t>
-                      </a:r>
-                      <a:endParaRPr lang="en-US" sz="1400">
-                        <a:effectLst/>
-                        <a:latin typeface="Times New Roman" panose="02020603050405020304" pitchFamily="18" charset="0"/>
-                        <a:ea typeface="Times New Roman" panose="02020603050405020304" pitchFamily="18" charset="0"/>
-                      </a:endParaRPr>
-                    </a:p>
-                  </a:txBody>
-                  <a:tcPr marL="33587" marR="33587" marT="0" marB="0"/>
-                </a:tc>
-                <a:tc>
-                  <a:txBody>
-                    <a:bodyPr/>
-                    <a:lstStyle/>
-                    <a:p>
-                      <a:pPr algn="just">
-                        <a:spcAft>
-                          <a:spcPts val="0"/>
-                        </a:spcAft>
-                      </a:pPr>
-                      <a:r>
-                        <a:rPr lang="en-US" sz="1400">
-                          <a:effectLst/>
-                        </a:rPr>
-                        <a:t>dbpedia.org/ontology/parent</a:t>
-                      </a:r>
-                      <a:endParaRPr lang="en-US" sz="1400">
-                        <a:effectLst/>
-                        <a:latin typeface="Times New Roman" panose="02020603050405020304" pitchFamily="18" charset="0"/>
-                        <a:ea typeface="Times New Roman" panose="02020603050405020304" pitchFamily="18" charset="0"/>
-                      </a:endParaRPr>
-                    </a:p>
-                  </a:txBody>
-                  <a:tcPr marL="33587" marR="33587" marT="0" marB="0"/>
-                </a:tc>
-                <a:tc>
-                  <a:txBody>
-                    <a:bodyPr/>
-                    <a:lstStyle/>
-                    <a:p>
-                      <a:pPr algn="ctr">
-                        <a:spcAft>
-                          <a:spcPts val="0"/>
-                        </a:spcAft>
-                      </a:pPr>
-                      <a:r>
-                        <a:rPr lang="en-US" sz="1400">
-                          <a:effectLst/>
-                        </a:rPr>
-                        <a:t>-</a:t>
-                      </a:r>
-                      <a:endParaRPr lang="en-US" sz="1400">
-                        <a:effectLst/>
-                        <a:latin typeface="Times New Roman" panose="02020603050405020304" pitchFamily="18" charset="0"/>
-                        <a:ea typeface="Times New Roman" panose="02020603050405020304" pitchFamily="18" charset="0"/>
-                      </a:endParaRPr>
-                    </a:p>
-                  </a:txBody>
-                  <a:tcPr marL="33587" marR="33587" marT="0" marB="0"/>
-                </a:tc>
-                <a:tc>
-                  <a:txBody>
-                    <a:bodyPr/>
-                    <a:lstStyle/>
-                    <a:p>
-                      <a:pPr algn="just">
-                        <a:spcAft>
-                          <a:spcPts val="0"/>
-                        </a:spcAft>
-                      </a:pPr>
-                      <a:r>
-                        <a:rPr lang="en-US" sz="1400">
-                          <a:effectLst/>
-                        </a:rPr>
-                        <a:t>ekuivalen dengan hasParent</a:t>
-                      </a:r>
-                      <a:endParaRPr lang="en-US" sz="1400">
-                        <a:effectLst/>
-                        <a:latin typeface="Times New Roman" panose="02020603050405020304" pitchFamily="18" charset="0"/>
-                        <a:ea typeface="Times New Roman" panose="02020603050405020304" pitchFamily="18" charset="0"/>
-                      </a:endParaRPr>
-                    </a:p>
-                  </a:txBody>
-                  <a:tcPr marL="33587" marR="33587" marT="0" marB="0"/>
-                </a:tc>
-              </a:tr>
-              <a:tr h="278905">
-                <a:tc>
-                  <a:txBody>
-                    <a:bodyPr/>
-                    <a:lstStyle/>
-                    <a:p>
-                      <a:pPr algn="just">
-                        <a:spcAft>
-                          <a:spcPts val="0"/>
-                        </a:spcAft>
-                      </a:pPr>
-                      <a:r>
-                        <a:rPr lang="en-US" sz="1400">
-                          <a:effectLst/>
-                        </a:rPr>
-                        <a:t>dbo:spouse</a:t>
-                      </a:r>
-                      <a:endParaRPr lang="en-US" sz="1400">
-                        <a:effectLst/>
-                        <a:latin typeface="Times New Roman" panose="02020603050405020304" pitchFamily="18" charset="0"/>
-                        <a:ea typeface="Times New Roman" panose="02020603050405020304" pitchFamily="18" charset="0"/>
-                      </a:endParaRPr>
-                    </a:p>
-                  </a:txBody>
-                  <a:tcPr marL="33587" marR="33587" marT="0" marB="0"/>
-                </a:tc>
-                <a:tc>
-                  <a:txBody>
-                    <a:bodyPr/>
-                    <a:lstStyle/>
-                    <a:p>
-                      <a:pPr algn="just">
-                        <a:spcAft>
-                          <a:spcPts val="0"/>
-                        </a:spcAft>
-                      </a:pPr>
-                      <a:r>
-                        <a:rPr lang="en-US" sz="1400">
-                          <a:effectLst/>
-                        </a:rPr>
-                        <a:t>dbpedia.org/ontology/spouse</a:t>
-                      </a:r>
-                      <a:endParaRPr lang="en-US" sz="1400">
-                        <a:effectLst/>
-                        <a:latin typeface="Times New Roman" panose="02020603050405020304" pitchFamily="18" charset="0"/>
-                        <a:ea typeface="Times New Roman" panose="02020603050405020304" pitchFamily="18" charset="0"/>
-                      </a:endParaRPr>
-                    </a:p>
-                  </a:txBody>
-                  <a:tcPr marL="33587" marR="33587" marT="0" marB="0"/>
-                </a:tc>
-                <a:tc>
-                  <a:txBody>
-                    <a:bodyPr/>
-                    <a:lstStyle/>
-                    <a:p>
-                      <a:pPr algn="ctr">
-                        <a:spcAft>
-                          <a:spcPts val="0"/>
-                        </a:spcAft>
-                      </a:pPr>
-                      <a:r>
-                        <a:rPr lang="en-US" sz="1400">
-                          <a:effectLst/>
-                        </a:rPr>
-                        <a:t>symmetric</a:t>
-                      </a:r>
-                      <a:endParaRPr lang="en-US" sz="1400">
-                        <a:effectLst/>
-                        <a:latin typeface="Times New Roman" panose="02020603050405020304" pitchFamily="18" charset="0"/>
-                        <a:ea typeface="Times New Roman" panose="02020603050405020304" pitchFamily="18" charset="0"/>
-                      </a:endParaRPr>
-                    </a:p>
-                  </a:txBody>
-                  <a:tcPr marL="33587" marR="33587" marT="0" marB="0"/>
-                </a:tc>
-                <a:tc>
-                  <a:txBody>
-                    <a:bodyPr/>
-                    <a:lstStyle/>
-                    <a:p>
-                      <a:pPr algn="just">
-                        <a:spcAft>
-                          <a:spcPts val="0"/>
-                        </a:spcAft>
-                      </a:pPr>
-                      <a:r>
-                        <a:rPr lang="en-US" sz="1400">
-                          <a:effectLst/>
-                        </a:rPr>
-                        <a:t>ekuivalen dengan isSpouseOf</a:t>
-                      </a:r>
-                      <a:endParaRPr lang="en-US" sz="1400">
-                        <a:effectLst/>
-                        <a:latin typeface="Times New Roman" panose="02020603050405020304" pitchFamily="18" charset="0"/>
-                        <a:ea typeface="Times New Roman" panose="02020603050405020304" pitchFamily="18" charset="0"/>
-                      </a:endParaRPr>
-                    </a:p>
-                  </a:txBody>
-                  <a:tcPr marL="33587" marR="33587" marT="0" marB="0"/>
-                </a:tc>
-              </a:tr>
-              <a:tr h="278905">
-                <a:tc>
-                  <a:txBody>
-                    <a:bodyPr/>
-                    <a:lstStyle/>
-                    <a:p>
-                      <a:pPr algn="just">
-                        <a:spcAft>
-                          <a:spcPts val="0"/>
-                        </a:spcAft>
-                      </a:pPr>
-                      <a:r>
-                        <a:rPr lang="en-US" sz="1400">
-                          <a:effectLst/>
-                        </a:rPr>
-                        <a:t>dbp:children</a:t>
-                      </a:r>
-                      <a:endParaRPr lang="en-US" sz="1400">
-                        <a:effectLst/>
-                        <a:latin typeface="Times New Roman" panose="02020603050405020304" pitchFamily="18" charset="0"/>
-                        <a:ea typeface="Times New Roman" panose="02020603050405020304" pitchFamily="18" charset="0"/>
-                      </a:endParaRPr>
-                    </a:p>
-                  </a:txBody>
-                  <a:tcPr marL="33587" marR="33587" marT="0" marB="0"/>
-                </a:tc>
-                <a:tc>
-                  <a:txBody>
-                    <a:bodyPr/>
-                    <a:lstStyle/>
-                    <a:p>
-                      <a:pPr algn="just">
-                        <a:spcAft>
-                          <a:spcPts val="0"/>
-                        </a:spcAft>
-                      </a:pPr>
-                      <a:r>
-                        <a:rPr lang="en-US" sz="1400">
-                          <a:effectLst/>
-                        </a:rPr>
-                        <a:t>dbpedia.org/property/children</a:t>
-                      </a:r>
-                      <a:endParaRPr lang="en-US" sz="1400">
-                        <a:effectLst/>
-                        <a:latin typeface="Times New Roman" panose="02020603050405020304" pitchFamily="18" charset="0"/>
-                        <a:ea typeface="Times New Roman" panose="02020603050405020304" pitchFamily="18" charset="0"/>
-                      </a:endParaRPr>
-                    </a:p>
-                  </a:txBody>
-                  <a:tcPr marL="33587" marR="33587" marT="0" marB="0"/>
-                </a:tc>
-                <a:tc>
-                  <a:txBody>
-                    <a:bodyPr/>
-                    <a:lstStyle/>
-                    <a:p>
-                      <a:pPr algn="ctr">
-                        <a:spcAft>
-                          <a:spcPts val="0"/>
-                        </a:spcAft>
-                      </a:pPr>
-                      <a:r>
-                        <a:rPr lang="en-US" sz="1400">
-                          <a:effectLst/>
-                        </a:rPr>
-                        <a:t>-</a:t>
-                      </a:r>
-                      <a:endParaRPr lang="en-US" sz="1400">
-                        <a:effectLst/>
-                        <a:latin typeface="Times New Roman" panose="02020603050405020304" pitchFamily="18" charset="0"/>
-                        <a:ea typeface="Times New Roman" panose="02020603050405020304" pitchFamily="18" charset="0"/>
-                      </a:endParaRPr>
-                    </a:p>
-                  </a:txBody>
-                  <a:tcPr marL="33587" marR="33587" marT="0" marB="0"/>
-                </a:tc>
-                <a:tc>
-                  <a:txBody>
-                    <a:bodyPr/>
-                    <a:lstStyle/>
-                    <a:p>
-                      <a:pPr algn="just">
-                        <a:spcAft>
-                          <a:spcPts val="0"/>
-                        </a:spcAft>
-                      </a:pPr>
-                      <a:r>
-                        <a:rPr lang="en-US" sz="1400">
-                          <a:effectLst/>
-                        </a:rPr>
-                        <a:t>ekuivalen dengan hasChild</a:t>
-                      </a:r>
-                      <a:endParaRPr lang="en-US" sz="1400">
-                        <a:effectLst/>
-                        <a:latin typeface="Times New Roman" panose="02020603050405020304" pitchFamily="18" charset="0"/>
-                        <a:ea typeface="Times New Roman" panose="02020603050405020304" pitchFamily="18" charset="0"/>
-                      </a:endParaRPr>
-                    </a:p>
-                  </a:txBody>
-                  <a:tcPr marL="33587" marR="33587" marT="0" marB="0"/>
-                </a:tc>
-              </a:tr>
-              <a:tr h="278905">
-                <a:tc>
-                  <a:txBody>
-                    <a:bodyPr/>
-                    <a:lstStyle/>
-                    <a:p>
-                      <a:pPr algn="just">
-                        <a:spcAft>
-                          <a:spcPts val="0"/>
-                        </a:spcAft>
-                      </a:pPr>
-                      <a:r>
-                        <a:rPr lang="en-US" sz="1400">
-                          <a:effectLst/>
-                        </a:rPr>
-                        <a:t>dbp:issue</a:t>
-                      </a:r>
-                      <a:endParaRPr lang="en-US" sz="1400">
-                        <a:effectLst/>
-                        <a:latin typeface="Times New Roman" panose="02020603050405020304" pitchFamily="18" charset="0"/>
-                        <a:ea typeface="Times New Roman" panose="02020603050405020304" pitchFamily="18" charset="0"/>
-                      </a:endParaRPr>
-                    </a:p>
-                  </a:txBody>
-                  <a:tcPr marL="33587" marR="33587" marT="0" marB="0"/>
-                </a:tc>
-                <a:tc>
-                  <a:txBody>
-                    <a:bodyPr/>
-                    <a:lstStyle/>
-                    <a:p>
-                      <a:pPr algn="just">
-                        <a:spcAft>
-                          <a:spcPts val="0"/>
-                        </a:spcAft>
-                      </a:pPr>
-                      <a:r>
-                        <a:rPr lang="en-US" sz="1400">
-                          <a:effectLst/>
-                        </a:rPr>
-                        <a:t>dbpedia.org/property/issue</a:t>
-                      </a:r>
-                      <a:endParaRPr lang="en-US" sz="1400">
-                        <a:effectLst/>
-                        <a:latin typeface="Times New Roman" panose="02020603050405020304" pitchFamily="18" charset="0"/>
-                        <a:ea typeface="Times New Roman" panose="02020603050405020304" pitchFamily="18" charset="0"/>
-                      </a:endParaRPr>
-                    </a:p>
-                  </a:txBody>
-                  <a:tcPr marL="33587" marR="33587" marT="0" marB="0"/>
-                </a:tc>
-                <a:tc>
-                  <a:txBody>
-                    <a:bodyPr/>
-                    <a:lstStyle/>
-                    <a:p>
-                      <a:pPr algn="ctr">
-                        <a:spcAft>
-                          <a:spcPts val="0"/>
-                        </a:spcAft>
-                      </a:pPr>
-                      <a:r>
-                        <a:rPr lang="en-US" sz="1400">
-                          <a:effectLst/>
-                        </a:rPr>
-                        <a:t>-</a:t>
-                      </a:r>
-                      <a:endParaRPr lang="en-US" sz="1400">
-                        <a:effectLst/>
-                        <a:latin typeface="Times New Roman" panose="02020603050405020304" pitchFamily="18" charset="0"/>
-                        <a:ea typeface="Times New Roman" panose="02020603050405020304" pitchFamily="18" charset="0"/>
-                      </a:endParaRPr>
-                    </a:p>
-                  </a:txBody>
-                  <a:tcPr marL="33587" marR="33587" marT="0" marB="0"/>
-                </a:tc>
-                <a:tc>
-                  <a:txBody>
-                    <a:bodyPr/>
-                    <a:lstStyle/>
-                    <a:p>
-                      <a:pPr algn="just">
-                        <a:spcAft>
-                          <a:spcPts val="0"/>
-                        </a:spcAft>
-                      </a:pPr>
-                      <a:r>
-                        <a:rPr lang="en-US" sz="1400">
-                          <a:effectLst/>
-                        </a:rPr>
-                        <a:t>ekuivalen dengan hasChild</a:t>
                       </a:r>
                       <a:endParaRPr lang="en-US" sz="1400">
                         <a:effectLst/>
@@ -26668,7 +26238,23 @@
                           <a:latin typeface="+mn-lt"/>
                           <a:ea typeface="+mn-ea"/>
                         </a:rPr>
-                        <a:t> ini memberlakukan kebalikan</a:t>
+                        <a:t> ini </a:t>
+                      </a:r>
+                      <a:r>
+                        <a:rPr lang="en-US" sz="1400" baseline="0" smtClean="0">
+                          <a:effectLst/>
+                          <a:latin typeface="+mn-lt"/>
+                          <a:ea typeface="+mn-ea"/>
+                        </a:rPr>
+                        <a:t>memberlakukan aturan </a:t>
+                      </a:r>
+                      <a:r>
+                        <a:rPr lang="en-US" sz="1400" baseline="0" smtClean="0">
+                          <a:effectLst/>
+                          <a:latin typeface="+mn-lt"/>
+                          <a:ea typeface="+mn-ea"/>
+                        </a:rPr>
+                        <a:t>kebalikan</a:t>
                       </a:r>
                       <a:endParaRPr lang="en-US" sz="1400">
                         <a:effectLst/>
@@ -27162,6 +26748,1391 @@
             </p:seq>
           </p:childTnLst>
         </p:cTn>
+      </p:par>
+    </p:tnLst>
+  </p:timing>
+</p:sld>
+</file>
+
+<file path=ppt/slides/slide12.xml><?xml version="1.0" encoding="utf-8"?>
+<p:sld xmlns:a="http://schemas.openxmlformats.org/drawingml/2006/main" xmlns:r="http://schemas.openxmlformats.org/officeDocument/2006/relationships" xmlns:p="http://schemas.openxmlformats.org/presentationml/2006/main">
+  <p:cSld>
+    <p:spTree>
+      <p:nvGrpSpPr>
+        <p:cNvPr id="1" name=""/>
+        <p:cNvGrpSpPr/>
+        <p:nvPr/>
+      </p:nvGrpSpPr>
+      <p:grpSpPr>
+        <a:xfrm>
+          <a:off x="0" y="0"/>
+          <a:ext cx="0" cy="0"/>
+          <a:chOff x="0" y="0"/>
+          <a:chExt cx="0" cy="0"/>
+        </a:xfrm>
+      </p:grpSpPr>
+      <p:sp>
+        <p:nvSpPr>
+          <p:cNvPr id="8" name="Rectangle 7"/>
+          <p:cNvSpPr/>
+          <p:nvPr/>
+        </p:nvSpPr>
+        <p:spPr>
+          <a:xfrm>
+            <a:off x="395926" y="6176963"/>
+            <a:ext cx="1319752" cy="563202"/>
+          </a:xfrm>
+          <a:prstGeom prst="rect">
+            <a:avLst/>
+          </a:prstGeom>
+          <a:solidFill>
+            <a:schemeClr val="bg1"/>
+          </a:solidFill>
+          <a:ln>
+            <a:solidFill>
+              <a:schemeClr val="bg1"/>
+            </a:solidFill>
+          </a:ln>
+        </p:spPr>
+        <p:style>
+          <a:lnRef idx="2">
+            <a:schemeClr val="accent1">
+              <a:shade val="50000"/>
+            </a:schemeClr>
+          </a:lnRef>
+          <a:fillRef idx="1">
+            <a:schemeClr val="accent1"/>
+          </a:fillRef>
+          <a:effectRef idx="0">
+            <a:schemeClr val="accent1"/>
+          </a:effectRef>
+          <a:fontRef idx="minor">
+            <a:schemeClr val="lt1"/>
+          </a:fontRef>
+        </p:style>
+        <p:txBody>
+          <a:bodyPr rtlCol="0" anchor="ctr"/>
+          <a:lstStyle/>
+          <a:p>
+            <a:pPr algn="ctr"/>
+            <a:endParaRPr lang="en-US"/>
+          </a:p>
+        </p:txBody>
+      </p:sp>
+      <p:sp>
+        <p:nvSpPr>
+          <p:cNvPr id="6" name="Rectangle 5"/>
+          <p:cNvSpPr/>
+          <p:nvPr/>
+        </p:nvSpPr>
+        <p:spPr>
+          <a:xfrm>
+            <a:off x="4754880" y="3191246"/>
+            <a:ext cx="2583180" cy="3451860"/>
+          </a:xfrm>
+          <a:prstGeom prst="rect">
+            <a:avLst/>
+          </a:prstGeom>
+          <a:solidFill>
+            <a:schemeClr val="bg1"/>
+          </a:solidFill>
+          <a:ln>
+            <a:solidFill>
+              <a:schemeClr val="bg1"/>
+            </a:solidFill>
+          </a:ln>
+        </p:spPr>
+        <p:style>
+          <a:lnRef idx="2">
+            <a:schemeClr val="accent1">
+              <a:shade val="50000"/>
+            </a:schemeClr>
+          </a:lnRef>
+          <a:fillRef idx="1">
+            <a:schemeClr val="accent1"/>
+          </a:fillRef>
+          <a:effectRef idx="0">
+            <a:schemeClr val="accent1"/>
+          </a:effectRef>
+          <a:fontRef idx="minor">
+            <a:schemeClr val="lt1"/>
+          </a:fontRef>
+        </p:style>
+        <p:txBody>
+          <a:bodyPr rtlCol="0" anchor="ctr"/>
+          <a:lstStyle/>
+          <a:p>
+            <a:pPr algn="ctr"/>
+            <a:endParaRPr lang="en-US"/>
+          </a:p>
+        </p:txBody>
+      </p:sp>
+      <p:sp>
+        <p:nvSpPr>
+          <p:cNvPr id="3" name="Slide Number Placeholder 2"/>
+          <p:cNvSpPr>
+            <a:spLocks noGrp="1"/>
+          </p:cNvSpPr>
+          <p:nvPr>
+            <p:ph type="sldNum" sz="quarter" idx="12"/>
+          </p:nvPr>
+        </p:nvSpPr>
+        <p:spPr/>
+        <p:txBody>
+          <a:bodyPr/>
+          <a:lstStyle/>
+          <a:p>
+            <a:fld id="{9EC71654-96A5-4280-94F3-931C61A9F92C}" type="slidenum">
+              <a:rPr lang="en-US" noProof="0" smtClean="0"/>
+              <a:pPr/>
+              <a:t>12</a:t>
+            </a:fld>
+            <a:endParaRPr lang="en-US" noProof="0" dirty="0"/>
+          </a:p>
+        </p:txBody>
+      </p:sp>
+      <p:sp>
+        <p:nvSpPr>
+          <p:cNvPr id="5" name="Title 4"/>
+          <p:cNvSpPr>
+            <a:spLocks noGrp="1"/>
+          </p:cNvSpPr>
+          <p:nvPr>
+            <p:ph type="title"/>
+          </p:nvPr>
+        </p:nvSpPr>
+        <p:spPr>
+          <a:xfrm>
+            <a:off x="515938" y="499595"/>
+            <a:ext cx="10151302" cy="750043"/>
+          </a:xfrm>
+        </p:spPr>
+        <p:txBody>
+          <a:bodyPr/>
+          <a:lstStyle/>
+          <a:p>
+            <a:r>
+              <a:rPr lang="en-US" sz="2400" smtClean="0"/>
+              <a:t>Karakteristik dan deskripsi </a:t>
+            </a:r>
+            <a:r>
+              <a:rPr lang="en-US" sz="2400" smtClean="0"/>
+              <a:t>property yang digunakan</a:t>
+            </a:r>
+            <a:endParaRPr lang="en-US" sz="2400" dirty="0">
+              <a:solidFill>
+                <a:srgbClr val="FF0000"/>
+              </a:solidFill>
+            </a:endParaRPr>
+          </a:p>
+        </p:txBody>
+      </p:sp>
+      <p:sp>
+        <p:nvSpPr>
+          <p:cNvPr id="16" name="Oval 15"/>
+          <p:cNvSpPr/>
+          <p:nvPr/>
+        </p:nvSpPr>
+        <p:spPr>
+          <a:xfrm>
+            <a:off x="648929" y="1666568"/>
+            <a:ext cx="663677" cy="707922"/>
+          </a:xfrm>
+          <a:prstGeom prst="ellipse">
+            <a:avLst/>
+          </a:prstGeom>
+        </p:spPr>
+        <p:style>
+          <a:lnRef idx="2">
+            <a:schemeClr val="accent1">
+              <a:shade val="50000"/>
+            </a:schemeClr>
+          </a:lnRef>
+          <a:fillRef idx="1">
+            <a:schemeClr val="accent1"/>
+          </a:fillRef>
+          <a:effectRef idx="0">
+            <a:schemeClr val="accent1"/>
+          </a:effectRef>
+          <a:fontRef idx="minor">
+            <a:schemeClr val="lt1"/>
+          </a:fontRef>
+        </p:style>
+        <p:txBody>
+          <a:bodyPr rtlCol="0" anchor="ctr"/>
+          <a:lstStyle/>
+          <a:p>
+            <a:pPr algn="ctr"/>
+            <a:r>
+              <a:rPr lang="en-US" smtClean="0"/>
+              <a:t>A</a:t>
+            </a:r>
+            <a:endParaRPr lang="en-US"/>
+          </a:p>
+        </p:txBody>
+      </p:sp>
+      <p:sp>
+        <p:nvSpPr>
+          <p:cNvPr id="17" name="Oval 16"/>
+          <p:cNvSpPr/>
+          <p:nvPr/>
+        </p:nvSpPr>
+        <p:spPr>
+          <a:xfrm>
+            <a:off x="3229897" y="1666568"/>
+            <a:ext cx="663677" cy="707922"/>
+          </a:xfrm>
+          <a:prstGeom prst="ellipse">
+            <a:avLst/>
+          </a:prstGeom>
+        </p:spPr>
+        <p:style>
+          <a:lnRef idx="2">
+            <a:schemeClr val="accent1">
+              <a:shade val="50000"/>
+            </a:schemeClr>
+          </a:lnRef>
+          <a:fillRef idx="1">
+            <a:schemeClr val="accent1"/>
+          </a:fillRef>
+          <a:effectRef idx="0">
+            <a:schemeClr val="accent1"/>
+          </a:effectRef>
+          <a:fontRef idx="minor">
+            <a:schemeClr val="lt1"/>
+          </a:fontRef>
+        </p:style>
+        <p:txBody>
+          <a:bodyPr rtlCol="0" anchor="ctr"/>
+          <a:lstStyle/>
+          <a:p>
+            <a:pPr algn="ctr"/>
+            <a:r>
+              <a:rPr lang="en-US" smtClean="0"/>
+              <a:t>B</a:t>
+            </a:r>
+            <a:endParaRPr lang="en-US"/>
+          </a:p>
+        </p:txBody>
+      </p:sp>
+      <p:cxnSp>
+        <p:nvCxnSpPr>
+          <p:cNvPr id="18" name="Straight Arrow Connector 17"/>
+          <p:cNvCxnSpPr>
+            <a:stCxn id="16" idx="6"/>
+            <a:endCxn id="17" idx="2"/>
+          </p:cNvCxnSpPr>
+          <p:nvPr/>
+        </p:nvCxnSpPr>
+        <p:spPr>
+          <a:xfrm>
+            <a:off x="1312606" y="2020529"/>
+            <a:ext cx="1917291" cy="0"/>
+          </a:xfrm>
+          <a:prstGeom prst="straightConnector1">
+            <a:avLst/>
+          </a:prstGeom>
+          <a:ln>
+            <a:tailEnd type="triangle"/>
+          </a:ln>
+        </p:spPr>
+        <p:style>
+          <a:lnRef idx="1">
+            <a:schemeClr val="accent1"/>
+          </a:lnRef>
+          <a:fillRef idx="0">
+            <a:schemeClr val="accent1"/>
+          </a:fillRef>
+          <a:effectRef idx="0">
+            <a:schemeClr val="accent1"/>
+          </a:effectRef>
+          <a:fontRef idx="minor">
+            <a:schemeClr val="tx1"/>
+          </a:fontRef>
+        </p:style>
+      </p:cxnSp>
+      <p:sp>
+        <p:nvSpPr>
+          <p:cNvPr id="19" name="TextBox 18"/>
+          <p:cNvSpPr txBox="1"/>
+          <p:nvPr/>
+        </p:nvSpPr>
+        <p:spPr>
+          <a:xfrm>
+            <a:off x="1578077" y="1666568"/>
+            <a:ext cx="1268362" cy="369332"/>
+          </a:xfrm>
+          <a:prstGeom prst="rect">
+            <a:avLst/>
+          </a:prstGeom>
+          <a:noFill/>
+        </p:spPr>
+        <p:txBody>
+          <a:bodyPr wrap="square" rtlCol="0">
+            <a:spAutoFit/>
+          </a:bodyPr>
+          <a:lstStyle/>
+          <a:p>
+            <a:r>
+              <a:rPr lang="en-US" smtClean="0"/>
+              <a:t>isSpouseOf</a:t>
+            </a:r>
+            <a:endParaRPr lang="en-US"/>
+          </a:p>
+        </p:txBody>
+      </p:sp>
+      <p:sp>
+        <p:nvSpPr>
+          <p:cNvPr id="20" name="TextBox 19"/>
+          <p:cNvSpPr txBox="1"/>
+          <p:nvPr/>
+        </p:nvSpPr>
+        <p:spPr>
+          <a:xfrm>
+            <a:off x="678333" y="2622125"/>
+            <a:ext cx="3185835" cy="369332"/>
+          </a:xfrm>
+          <a:prstGeom prst="rect">
+            <a:avLst/>
+          </a:prstGeom>
+          <a:noFill/>
+          <a:ln>
+            <a:solidFill>
+              <a:schemeClr val="accent1"/>
+            </a:solidFill>
+          </a:ln>
+        </p:spPr>
+        <p:txBody>
+          <a:bodyPr wrap="square" rtlCol="0">
+            <a:spAutoFit/>
+          </a:bodyPr>
+          <a:lstStyle/>
+          <a:p>
+            <a:r>
+              <a:rPr lang="en-US" smtClean="0"/>
+              <a:t>isSpouseOf bersifat symmetric</a:t>
+            </a:r>
+            <a:endParaRPr lang="en-US"/>
+          </a:p>
+        </p:txBody>
+      </p:sp>
+      <p:sp>
+        <p:nvSpPr>
+          <p:cNvPr id="22" name="Oval 21"/>
+          <p:cNvSpPr/>
+          <p:nvPr/>
+        </p:nvSpPr>
+        <p:spPr>
+          <a:xfrm>
+            <a:off x="648929" y="3223721"/>
+            <a:ext cx="663677" cy="707922"/>
+          </a:xfrm>
+          <a:prstGeom prst="ellipse">
+            <a:avLst/>
+          </a:prstGeom>
+        </p:spPr>
+        <p:style>
+          <a:lnRef idx="2">
+            <a:schemeClr val="accent1">
+              <a:shade val="50000"/>
+            </a:schemeClr>
+          </a:lnRef>
+          <a:fillRef idx="1">
+            <a:schemeClr val="accent1"/>
+          </a:fillRef>
+          <a:effectRef idx="0">
+            <a:schemeClr val="accent1"/>
+          </a:effectRef>
+          <a:fontRef idx="minor">
+            <a:schemeClr val="lt1"/>
+          </a:fontRef>
+        </p:style>
+        <p:txBody>
+          <a:bodyPr rtlCol="0" anchor="ctr"/>
+          <a:lstStyle/>
+          <a:p>
+            <a:pPr algn="ctr"/>
+            <a:r>
+              <a:rPr lang="en-US" smtClean="0"/>
+              <a:t>C</a:t>
+            </a:r>
+            <a:endParaRPr lang="en-US"/>
+          </a:p>
+        </p:txBody>
+      </p:sp>
+      <p:sp>
+        <p:nvSpPr>
+          <p:cNvPr id="23" name="Oval 22"/>
+          <p:cNvSpPr/>
+          <p:nvPr/>
+        </p:nvSpPr>
+        <p:spPr>
+          <a:xfrm>
+            <a:off x="3229897" y="3223721"/>
+            <a:ext cx="663677" cy="707922"/>
+          </a:xfrm>
+          <a:prstGeom prst="ellipse">
+            <a:avLst/>
+          </a:prstGeom>
+        </p:spPr>
+        <p:style>
+          <a:lnRef idx="2">
+            <a:schemeClr val="accent1">
+              <a:shade val="50000"/>
+            </a:schemeClr>
+          </a:lnRef>
+          <a:fillRef idx="1">
+            <a:schemeClr val="accent1"/>
+          </a:fillRef>
+          <a:effectRef idx="0">
+            <a:schemeClr val="accent1"/>
+          </a:effectRef>
+          <a:fontRef idx="minor">
+            <a:schemeClr val="lt1"/>
+          </a:fontRef>
+        </p:style>
+        <p:txBody>
+          <a:bodyPr rtlCol="0" anchor="ctr"/>
+          <a:lstStyle/>
+          <a:p>
+            <a:pPr algn="ctr"/>
+            <a:r>
+              <a:rPr lang="en-US" smtClean="0"/>
+              <a:t>D</a:t>
+            </a:r>
+            <a:endParaRPr lang="en-US"/>
+          </a:p>
+        </p:txBody>
+      </p:sp>
+      <p:cxnSp>
+        <p:nvCxnSpPr>
+          <p:cNvPr id="24" name="Straight Arrow Connector 23"/>
+          <p:cNvCxnSpPr>
+            <a:stCxn id="22" idx="6"/>
+            <a:endCxn id="23" idx="2"/>
+          </p:cNvCxnSpPr>
+          <p:nvPr/>
+        </p:nvCxnSpPr>
+        <p:spPr>
+          <a:xfrm>
+            <a:off x="1312606" y="3577682"/>
+            <a:ext cx="1917291" cy="0"/>
+          </a:xfrm>
+          <a:prstGeom prst="straightConnector1">
+            <a:avLst/>
+          </a:prstGeom>
+          <a:ln>
+            <a:tailEnd type="triangle"/>
+          </a:ln>
+        </p:spPr>
+        <p:style>
+          <a:lnRef idx="1">
+            <a:schemeClr val="accent1"/>
+          </a:lnRef>
+          <a:fillRef idx="0">
+            <a:schemeClr val="accent1"/>
+          </a:fillRef>
+          <a:effectRef idx="0">
+            <a:schemeClr val="accent1"/>
+          </a:effectRef>
+          <a:fontRef idx="minor">
+            <a:schemeClr val="tx1"/>
+          </a:fontRef>
+        </p:style>
+      </p:cxnSp>
+      <p:sp>
+        <p:nvSpPr>
+          <p:cNvPr id="25" name="TextBox 24"/>
+          <p:cNvSpPr txBox="1"/>
+          <p:nvPr/>
+        </p:nvSpPr>
+        <p:spPr>
+          <a:xfrm>
+            <a:off x="1578077" y="3223721"/>
+            <a:ext cx="1268362" cy="369332"/>
+          </a:xfrm>
+          <a:prstGeom prst="rect">
+            <a:avLst/>
+          </a:prstGeom>
+          <a:noFill/>
+        </p:spPr>
+        <p:txBody>
+          <a:bodyPr wrap="square" rtlCol="0">
+            <a:spAutoFit/>
+          </a:bodyPr>
+          <a:lstStyle/>
+          <a:p>
+            <a:r>
+              <a:rPr lang="en-US" smtClean="0"/>
+              <a:t>hasParent</a:t>
+            </a:r>
+            <a:endParaRPr lang="en-US"/>
+          </a:p>
+        </p:txBody>
+      </p:sp>
+      <p:sp>
+        <p:nvSpPr>
+          <p:cNvPr id="26" name="TextBox 25"/>
+          <p:cNvSpPr txBox="1"/>
+          <p:nvPr/>
+        </p:nvSpPr>
+        <p:spPr>
+          <a:xfrm>
+            <a:off x="678333" y="4179278"/>
+            <a:ext cx="3185835" cy="646331"/>
+          </a:xfrm>
+          <a:prstGeom prst="rect">
+            <a:avLst/>
+          </a:prstGeom>
+          <a:noFill/>
+          <a:ln>
+            <a:solidFill>
+              <a:schemeClr val="accent1"/>
+            </a:solidFill>
+          </a:ln>
+        </p:spPr>
+        <p:txBody>
+          <a:bodyPr wrap="square" rtlCol="0">
+            <a:spAutoFit/>
+          </a:bodyPr>
+          <a:lstStyle/>
+          <a:p>
+            <a:r>
+              <a:rPr lang="en-US"/>
+              <a:t>hasParent </a:t>
+            </a:r>
+            <a:r>
+              <a:rPr lang="en-US" smtClean="0"/>
+              <a:t>bersifat inverseOf dengan hasChild</a:t>
+            </a:r>
+            <a:endParaRPr lang="en-US"/>
+          </a:p>
+        </p:txBody>
+      </p:sp>
+      <p:sp>
+        <p:nvSpPr>
+          <p:cNvPr id="28" name="Oval 27"/>
+          <p:cNvSpPr/>
+          <p:nvPr/>
+        </p:nvSpPr>
+        <p:spPr>
+          <a:xfrm>
+            <a:off x="7422595" y="1666568"/>
+            <a:ext cx="663677" cy="707922"/>
+          </a:xfrm>
+          <a:prstGeom prst="ellipse">
+            <a:avLst/>
+          </a:prstGeom>
+        </p:spPr>
+        <p:style>
+          <a:lnRef idx="2">
+            <a:schemeClr val="accent1">
+              <a:shade val="50000"/>
+            </a:schemeClr>
+          </a:lnRef>
+          <a:fillRef idx="1">
+            <a:schemeClr val="accent1"/>
+          </a:fillRef>
+          <a:effectRef idx="0">
+            <a:schemeClr val="accent1"/>
+          </a:effectRef>
+          <a:fontRef idx="minor">
+            <a:schemeClr val="lt1"/>
+          </a:fontRef>
+        </p:style>
+        <p:txBody>
+          <a:bodyPr rtlCol="0" anchor="ctr"/>
+          <a:lstStyle/>
+          <a:p>
+            <a:pPr algn="ctr"/>
+            <a:r>
+              <a:rPr lang="en-US" smtClean="0"/>
+              <a:t>A</a:t>
+            </a:r>
+            <a:endParaRPr lang="en-US"/>
+          </a:p>
+        </p:txBody>
+      </p:sp>
+      <p:sp>
+        <p:nvSpPr>
+          <p:cNvPr id="29" name="Oval 28"/>
+          <p:cNvSpPr/>
+          <p:nvPr/>
+        </p:nvSpPr>
+        <p:spPr>
+          <a:xfrm>
+            <a:off x="10003563" y="1666568"/>
+            <a:ext cx="663677" cy="707922"/>
+          </a:xfrm>
+          <a:prstGeom prst="ellipse">
+            <a:avLst/>
+          </a:prstGeom>
+        </p:spPr>
+        <p:style>
+          <a:lnRef idx="2">
+            <a:schemeClr val="accent1">
+              <a:shade val="50000"/>
+            </a:schemeClr>
+          </a:lnRef>
+          <a:fillRef idx="1">
+            <a:schemeClr val="accent1"/>
+          </a:fillRef>
+          <a:effectRef idx="0">
+            <a:schemeClr val="accent1"/>
+          </a:effectRef>
+          <a:fontRef idx="minor">
+            <a:schemeClr val="lt1"/>
+          </a:fontRef>
+        </p:style>
+        <p:txBody>
+          <a:bodyPr rtlCol="0" anchor="ctr"/>
+          <a:lstStyle/>
+          <a:p>
+            <a:pPr algn="ctr"/>
+            <a:r>
+              <a:rPr lang="en-US" smtClean="0"/>
+              <a:t>B</a:t>
+            </a:r>
+            <a:endParaRPr lang="en-US"/>
+          </a:p>
+        </p:txBody>
+      </p:sp>
+      <p:cxnSp>
+        <p:nvCxnSpPr>
+          <p:cNvPr id="30" name="Straight Arrow Connector 29"/>
+          <p:cNvCxnSpPr>
+            <a:stCxn id="28" idx="6"/>
+            <a:endCxn id="29" idx="2"/>
+          </p:cNvCxnSpPr>
+          <p:nvPr/>
+        </p:nvCxnSpPr>
+        <p:spPr>
+          <a:xfrm>
+            <a:off x="8086272" y="2020529"/>
+            <a:ext cx="1917291" cy="0"/>
+          </a:xfrm>
+          <a:prstGeom prst="straightConnector1">
+            <a:avLst/>
+          </a:prstGeom>
+          <a:ln>
+            <a:tailEnd type="triangle"/>
+          </a:ln>
+        </p:spPr>
+        <p:style>
+          <a:lnRef idx="1">
+            <a:schemeClr val="accent1"/>
+          </a:lnRef>
+          <a:fillRef idx="0">
+            <a:schemeClr val="accent1"/>
+          </a:fillRef>
+          <a:effectRef idx="0">
+            <a:schemeClr val="accent1"/>
+          </a:effectRef>
+          <a:fontRef idx="minor">
+            <a:schemeClr val="tx1"/>
+          </a:fontRef>
+        </p:style>
+      </p:cxnSp>
+      <p:sp>
+        <p:nvSpPr>
+          <p:cNvPr id="31" name="TextBox 30"/>
+          <p:cNvSpPr txBox="1"/>
+          <p:nvPr/>
+        </p:nvSpPr>
+        <p:spPr>
+          <a:xfrm>
+            <a:off x="8351743" y="1666568"/>
+            <a:ext cx="1268362" cy="369332"/>
+          </a:xfrm>
+          <a:prstGeom prst="rect">
+            <a:avLst/>
+          </a:prstGeom>
+          <a:noFill/>
+        </p:spPr>
+        <p:txBody>
+          <a:bodyPr wrap="square" rtlCol="0">
+            <a:spAutoFit/>
+          </a:bodyPr>
+          <a:lstStyle/>
+          <a:p>
+            <a:r>
+              <a:rPr lang="en-US" smtClean="0"/>
+              <a:t>isSpouseOf</a:t>
+            </a:r>
+            <a:endParaRPr lang="en-US"/>
+          </a:p>
+        </p:txBody>
+      </p:sp>
+      <p:cxnSp>
+        <p:nvCxnSpPr>
+          <p:cNvPr id="32" name="Straight Arrow Connector 31"/>
+          <p:cNvCxnSpPr>
+            <a:endCxn id="28" idx="6"/>
+          </p:cNvCxnSpPr>
+          <p:nvPr/>
+        </p:nvCxnSpPr>
+        <p:spPr>
+          <a:xfrm flipH="1">
+            <a:off x="8086272" y="2016457"/>
+            <a:ext cx="1917291" cy="4072"/>
+          </a:xfrm>
+          <a:prstGeom prst="straightConnector1">
+            <a:avLst/>
+          </a:prstGeom>
+          <a:ln>
+            <a:tailEnd type="triangle"/>
+          </a:ln>
+        </p:spPr>
+        <p:style>
+          <a:lnRef idx="1">
+            <a:schemeClr val="accent1"/>
+          </a:lnRef>
+          <a:fillRef idx="0">
+            <a:schemeClr val="accent1"/>
+          </a:fillRef>
+          <a:effectRef idx="0">
+            <a:schemeClr val="accent1"/>
+          </a:effectRef>
+          <a:fontRef idx="minor">
+            <a:schemeClr val="tx1"/>
+          </a:fontRef>
+        </p:style>
+      </p:cxnSp>
+      <p:sp>
+        <p:nvSpPr>
+          <p:cNvPr id="36" name="Oval 35"/>
+          <p:cNvSpPr/>
+          <p:nvPr/>
+        </p:nvSpPr>
+        <p:spPr>
+          <a:xfrm>
+            <a:off x="7502109" y="3514443"/>
+            <a:ext cx="663677" cy="707922"/>
+          </a:xfrm>
+          <a:prstGeom prst="ellipse">
+            <a:avLst/>
+          </a:prstGeom>
+        </p:spPr>
+        <p:style>
+          <a:lnRef idx="2">
+            <a:schemeClr val="accent1">
+              <a:shade val="50000"/>
+            </a:schemeClr>
+          </a:lnRef>
+          <a:fillRef idx="1">
+            <a:schemeClr val="accent1"/>
+          </a:fillRef>
+          <a:effectRef idx="0">
+            <a:schemeClr val="accent1"/>
+          </a:effectRef>
+          <a:fontRef idx="minor">
+            <a:schemeClr val="lt1"/>
+          </a:fontRef>
+        </p:style>
+        <p:txBody>
+          <a:bodyPr rtlCol="0" anchor="ctr"/>
+          <a:lstStyle/>
+          <a:p>
+            <a:pPr algn="ctr"/>
+            <a:r>
+              <a:rPr lang="en-US" smtClean="0"/>
+              <a:t>C</a:t>
+            </a:r>
+            <a:endParaRPr lang="en-US"/>
+          </a:p>
+        </p:txBody>
+      </p:sp>
+      <p:sp>
+        <p:nvSpPr>
+          <p:cNvPr id="37" name="Oval 36"/>
+          <p:cNvSpPr/>
+          <p:nvPr/>
+        </p:nvSpPr>
+        <p:spPr>
+          <a:xfrm>
+            <a:off x="10083077" y="3514443"/>
+            <a:ext cx="663677" cy="707922"/>
+          </a:xfrm>
+          <a:prstGeom prst="ellipse">
+            <a:avLst/>
+          </a:prstGeom>
+        </p:spPr>
+        <p:style>
+          <a:lnRef idx="2">
+            <a:schemeClr val="accent1">
+              <a:shade val="50000"/>
+            </a:schemeClr>
+          </a:lnRef>
+          <a:fillRef idx="1">
+            <a:schemeClr val="accent1"/>
+          </a:fillRef>
+          <a:effectRef idx="0">
+            <a:schemeClr val="accent1"/>
+          </a:effectRef>
+          <a:fontRef idx="minor">
+            <a:schemeClr val="lt1"/>
+          </a:fontRef>
+        </p:style>
+        <p:txBody>
+          <a:bodyPr rtlCol="0" anchor="ctr"/>
+          <a:lstStyle/>
+          <a:p>
+            <a:pPr algn="ctr"/>
+            <a:r>
+              <a:rPr lang="en-US" smtClean="0"/>
+              <a:t>D</a:t>
+            </a:r>
+            <a:endParaRPr lang="en-US"/>
+          </a:p>
+        </p:txBody>
+      </p:sp>
+      <p:cxnSp>
+        <p:nvCxnSpPr>
+          <p:cNvPr id="38" name="Straight Arrow Connector 37"/>
+          <p:cNvCxnSpPr>
+            <a:stCxn id="36" idx="6"/>
+            <a:endCxn id="37" idx="2"/>
+          </p:cNvCxnSpPr>
+          <p:nvPr/>
+        </p:nvCxnSpPr>
+        <p:spPr>
+          <a:xfrm>
+            <a:off x="8165786" y="3868404"/>
+            <a:ext cx="1917291" cy="0"/>
+          </a:xfrm>
+          <a:prstGeom prst="straightConnector1">
+            <a:avLst/>
+          </a:prstGeom>
+          <a:ln>
+            <a:tailEnd type="triangle"/>
+          </a:ln>
+        </p:spPr>
+        <p:style>
+          <a:lnRef idx="1">
+            <a:schemeClr val="accent1"/>
+          </a:lnRef>
+          <a:fillRef idx="0">
+            <a:schemeClr val="accent1"/>
+          </a:fillRef>
+          <a:effectRef idx="0">
+            <a:schemeClr val="accent1"/>
+          </a:effectRef>
+          <a:fontRef idx="minor">
+            <a:schemeClr val="tx1"/>
+          </a:fontRef>
+        </p:style>
+      </p:cxnSp>
+      <p:sp>
+        <p:nvSpPr>
+          <p:cNvPr id="39" name="TextBox 38"/>
+          <p:cNvSpPr txBox="1"/>
+          <p:nvPr/>
+        </p:nvSpPr>
+        <p:spPr>
+          <a:xfrm>
+            <a:off x="8431257" y="3514443"/>
+            <a:ext cx="1268362" cy="369332"/>
+          </a:xfrm>
+          <a:prstGeom prst="rect">
+            <a:avLst/>
+          </a:prstGeom>
+          <a:noFill/>
+        </p:spPr>
+        <p:txBody>
+          <a:bodyPr wrap="square" rtlCol="0">
+            <a:spAutoFit/>
+          </a:bodyPr>
+          <a:lstStyle/>
+          <a:p>
+            <a:r>
+              <a:rPr lang="en-US"/>
+              <a:t>hasParent</a:t>
+            </a:r>
+          </a:p>
+        </p:txBody>
+      </p:sp>
+      <p:cxnSp>
+        <p:nvCxnSpPr>
+          <p:cNvPr id="40" name="Straight Arrow Connector 39"/>
+          <p:cNvCxnSpPr/>
+          <p:nvPr/>
+        </p:nvCxnSpPr>
+        <p:spPr>
+          <a:xfrm flipH="1">
+            <a:off x="8165786" y="3909704"/>
+            <a:ext cx="1917291" cy="4072"/>
+          </a:xfrm>
+          <a:prstGeom prst="straightConnector1">
+            <a:avLst/>
+          </a:prstGeom>
+          <a:ln>
+            <a:tailEnd type="triangle"/>
+          </a:ln>
+        </p:spPr>
+        <p:style>
+          <a:lnRef idx="1">
+            <a:schemeClr val="accent1"/>
+          </a:lnRef>
+          <a:fillRef idx="0">
+            <a:schemeClr val="accent1"/>
+          </a:fillRef>
+          <a:effectRef idx="0">
+            <a:schemeClr val="accent1"/>
+          </a:effectRef>
+          <a:fontRef idx="minor">
+            <a:schemeClr val="tx1"/>
+          </a:fontRef>
+        </p:style>
+      </p:cxnSp>
+      <p:sp>
+        <p:nvSpPr>
+          <p:cNvPr id="41" name="TextBox 40"/>
+          <p:cNvSpPr txBox="1"/>
+          <p:nvPr/>
+        </p:nvSpPr>
+        <p:spPr>
+          <a:xfrm>
+            <a:off x="8431257" y="3868404"/>
+            <a:ext cx="1268362" cy="369332"/>
+          </a:xfrm>
+          <a:prstGeom prst="rect">
+            <a:avLst/>
+          </a:prstGeom>
+          <a:noFill/>
+        </p:spPr>
+        <p:txBody>
+          <a:bodyPr wrap="square" rtlCol="0">
+            <a:spAutoFit/>
+          </a:bodyPr>
+          <a:lstStyle/>
+          <a:p>
+            <a:r>
+              <a:rPr lang="en-US" smtClean="0"/>
+              <a:t>hasChild</a:t>
+            </a:r>
+            <a:endParaRPr lang="en-US"/>
+          </a:p>
+        </p:txBody>
+      </p:sp>
+      <p:cxnSp>
+        <p:nvCxnSpPr>
+          <p:cNvPr id="42" name="Straight Connector 41"/>
+          <p:cNvCxnSpPr/>
+          <p:nvPr/>
+        </p:nvCxnSpPr>
+        <p:spPr>
+          <a:xfrm>
+            <a:off x="150829" y="3063711"/>
+            <a:ext cx="11934334" cy="18854"/>
+          </a:xfrm>
+          <a:prstGeom prst="line">
+            <a:avLst/>
+          </a:prstGeom>
+          <a:ln w="76200"/>
+        </p:spPr>
+        <p:style>
+          <a:lnRef idx="1">
+            <a:schemeClr val="accent1"/>
+          </a:lnRef>
+          <a:fillRef idx="0">
+            <a:schemeClr val="accent1"/>
+          </a:fillRef>
+          <a:effectRef idx="0">
+            <a:schemeClr val="accent1"/>
+          </a:effectRef>
+          <a:fontRef idx="minor">
+            <a:schemeClr val="tx1"/>
+          </a:fontRef>
+        </p:style>
+      </p:cxnSp>
+      <p:cxnSp>
+        <p:nvCxnSpPr>
+          <p:cNvPr id="45" name="Straight Connector 44"/>
+          <p:cNvCxnSpPr/>
+          <p:nvPr/>
+        </p:nvCxnSpPr>
+        <p:spPr>
+          <a:xfrm>
+            <a:off x="150829" y="4962632"/>
+            <a:ext cx="11934334" cy="18854"/>
+          </a:xfrm>
+          <a:prstGeom prst="line">
+            <a:avLst/>
+          </a:prstGeom>
+          <a:ln w="76200"/>
+        </p:spPr>
+        <p:style>
+          <a:lnRef idx="1">
+            <a:schemeClr val="accent1"/>
+          </a:lnRef>
+          <a:fillRef idx="0">
+            <a:schemeClr val="accent1"/>
+          </a:fillRef>
+          <a:effectRef idx="0">
+            <a:schemeClr val="accent1"/>
+          </a:effectRef>
+          <a:fontRef idx="minor">
+            <a:schemeClr val="tx1"/>
+          </a:fontRef>
+        </p:style>
+      </p:cxnSp>
+      <p:sp>
+        <p:nvSpPr>
+          <p:cNvPr id="47" name="Oval 46"/>
+          <p:cNvSpPr/>
+          <p:nvPr/>
+        </p:nvSpPr>
+        <p:spPr>
+          <a:xfrm>
+            <a:off x="648929" y="5127120"/>
+            <a:ext cx="663677" cy="707922"/>
+          </a:xfrm>
+          <a:prstGeom prst="ellipse">
+            <a:avLst/>
+          </a:prstGeom>
+        </p:spPr>
+        <p:style>
+          <a:lnRef idx="2">
+            <a:schemeClr val="accent1">
+              <a:shade val="50000"/>
+            </a:schemeClr>
+          </a:lnRef>
+          <a:fillRef idx="1">
+            <a:schemeClr val="accent1"/>
+          </a:fillRef>
+          <a:effectRef idx="0">
+            <a:schemeClr val="accent1"/>
+          </a:effectRef>
+          <a:fontRef idx="minor">
+            <a:schemeClr val="lt1"/>
+          </a:fontRef>
+        </p:style>
+        <p:txBody>
+          <a:bodyPr rtlCol="0" anchor="ctr"/>
+          <a:lstStyle/>
+          <a:p>
+            <a:pPr algn="ctr"/>
+            <a:r>
+              <a:rPr lang="en-US" smtClean="0"/>
+              <a:t>E</a:t>
+            </a:r>
+            <a:endParaRPr lang="en-US"/>
+          </a:p>
+        </p:txBody>
+      </p:sp>
+      <p:sp>
+        <p:nvSpPr>
+          <p:cNvPr id="48" name="Oval 47"/>
+          <p:cNvSpPr/>
+          <p:nvPr/>
+        </p:nvSpPr>
+        <p:spPr>
+          <a:xfrm>
+            <a:off x="3229897" y="5127120"/>
+            <a:ext cx="663677" cy="707922"/>
+          </a:xfrm>
+          <a:prstGeom prst="ellipse">
+            <a:avLst/>
+          </a:prstGeom>
+        </p:spPr>
+        <p:style>
+          <a:lnRef idx="2">
+            <a:schemeClr val="accent1">
+              <a:shade val="50000"/>
+            </a:schemeClr>
+          </a:lnRef>
+          <a:fillRef idx="1">
+            <a:schemeClr val="accent1"/>
+          </a:fillRef>
+          <a:effectRef idx="0">
+            <a:schemeClr val="accent1"/>
+          </a:effectRef>
+          <a:fontRef idx="minor">
+            <a:schemeClr val="lt1"/>
+          </a:fontRef>
+        </p:style>
+        <p:txBody>
+          <a:bodyPr rtlCol="0" anchor="ctr"/>
+          <a:lstStyle/>
+          <a:p>
+            <a:pPr algn="ctr"/>
+            <a:r>
+              <a:rPr lang="en-US" smtClean="0"/>
+              <a:t>F</a:t>
+            </a:r>
+            <a:endParaRPr lang="en-US"/>
+          </a:p>
+        </p:txBody>
+      </p:sp>
+      <p:cxnSp>
+        <p:nvCxnSpPr>
+          <p:cNvPr id="49" name="Straight Arrow Connector 48"/>
+          <p:cNvCxnSpPr>
+            <a:stCxn id="47" idx="6"/>
+            <a:endCxn id="48" idx="2"/>
+          </p:cNvCxnSpPr>
+          <p:nvPr/>
+        </p:nvCxnSpPr>
+        <p:spPr>
+          <a:xfrm>
+            <a:off x="1312606" y="5481081"/>
+            <a:ext cx="1917291" cy="0"/>
+          </a:xfrm>
+          <a:prstGeom prst="straightConnector1">
+            <a:avLst/>
+          </a:prstGeom>
+          <a:ln>
+            <a:tailEnd type="triangle"/>
+          </a:ln>
+        </p:spPr>
+        <p:style>
+          <a:lnRef idx="1">
+            <a:schemeClr val="accent1"/>
+          </a:lnRef>
+          <a:fillRef idx="0">
+            <a:schemeClr val="accent1"/>
+          </a:fillRef>
+          <a:effectRef idx="0">
+            <a:schemeClr val="accent1"/>
+          </a:effectRef>
+          <a:fontRef idx="minor">
+            <a:schemeClr val="tx1"/>
+          </a:fontRef>
+        </p:style>
+      </p:cxnSp>
+      <p:sp>
+        <p:nvSpPr>
+          <p:cNvPr id="50" name="TextBox 49"/>
+          <p:cNvSpPr txBox="1"/>
+          <p:nvPr/>
+        </p:nvSpPr>
+        <p:spPr>
+          <a:xfrm>
+            <a:off x="1578077" y="5127120"/>
+            <a:ext cx="1268362" cy="369332"/>
+          </a:xfrm>
+          <a:prstGeom prst="rect">
+            <a:avLst/>
+          </a:prstGeom>
+          <a:noFill/>
+        </p:spPr>
+        <p:txBody>
+          <a:bodyPr wrap="square" rtlCol="0">
+            <a:spAutoFit/>
+          </a:bodyPr>
+          <a:lstStyle/>
+          <a:p>
+            <a:r>
+              <a:rPr lang="en-US" smtClean="0"/>
+              <a:t>Dbo:child</a:t>
+            </a:r>
+            <a:endParaRPr lang="en-US"/>
+          </a:p>
+        </p:txBody>
+      </p:sp>
+      <p:sp>
+        <p:nvSpPr>
+          <p:cNvPr id="51" name="TextBox 50"/>
+          <p:cNvSpPr txBox="1"/>
+          <p:nvPr/>
+        </p:nvSpPr>
+        <p:spPr>
+          <a:xfrm>
+            <a:off x="678333" y="6082677"/>
+            <a:ext cx="3185835" cy="646331"/>
+          </a:xfrm>
+          <a:prstGeom prst="rect">
+            <a:avLst/>
+          </a:prstGeom>
+          <a:noFill/>
+          <a:ln>
+            <a:solidFill>
+              <a:schemeClr val="accent1"/>
+            </a:solidFill>
+          </a:ln>
+        </p:spPr>
+        <p:txBody>
+          <a:bodyPr wrap="square" rtlCol="0">
+            <a:spAutoFit/>
+          </a:bodyPr>
+          <a:lstStyle/>
+          <a:p>
+            <a:r>
+              <a:rPr lang="en-US" smtClean="0"/>
+              <a:t>Dbo:child bersifat equivalentTo hasChild</a:t>
+            </a:r>
+            <a:endParaRPr lang="en-US"/>
+          </a:p>
+        </p:txBody>
+      </p:sp>
+      <p:sp>
+        <p:nvSpPr>
+          <p:cNvPr id="53" name="Oval 52"/>
+          <p:cNvSpPr/>
+          <p:nvPr/>
+        </p:nvSpPr>
+        <p:spPr>
+          <a:xfrm>
+            <a:off x="7422595" y="5225263"/>
+            <a:ext cx="663677" cy="707922"/>
+          </a:xfrm>
+          <a:prstGeom prst="ellipse">
+            <a:avLst/>
+          </a:prstGeom>
+        </p:spPr>
+        <p:style>
+          <a:lnRef idx="2">
+            <a:schemeClr val="accent1">
+              <a:shade val="50000"/>
+            </a:schemeClr>
+          </a:lnRef>
+          <a:fillRef idx="1">
+            <a:schemeClr val="accent1"/>
+          </a:fillRef>
+          <a:effectRef idx="0">
+            <a:schemeClr val="accent1"/>
+          </a:effectRef>
+          <a:fontRef idx="minor">
+            <a:schemeClr val="lt1"/>
+          </a:fontRef>
+        </p:style>
+        <p:txBody>
+          <a:bodyPr rtlCol="0" anchor="ctr"/>
+          <a:lstStyle/>
+          <a:p>
+            <a:pPr algn="ctr"/>
+            <a:r>
+              <a:rPr lang="en-US" smtClean="0"/>
+              <a:t>E</a:t>
+            </a:r>
+            <a:endParaRPr lang="en-US"/>
+          </a:p>
+        </p:txBody>
+      </p:sp>
+      <p:sp>
+        <p:nvSpPr>
+          <p:cNvPr id="54" name="Oval 53"/>
+          <p:cNvSpPr/>
+          <p:nvPr/>
+        </p:nvSpPr>
+        <p:spPr>
+          <a:xfrm>
+            <a:off x="10003563" y="5225263"/>
+            <a:ext cx="663677" cy="707922"/>
+          </a:xfrm>
+          <a:prstGeom prst="ellipse">
+            <a:avLst/>
+          </a:prstGeom>
+        </p:spPr>
+        <p:style>
+          <a:lnRef idx="2">
+            <a:schemeClr val="accent1">
+              <a:shade val="50000"/>
+            </a:schemeClr>
+          </a:lnRef>
+          <a:fillRef idx="1">
+            <a:schemeClr val="accent1"/>
+          </a:fillRef>
+          <a:effectRef idx="0">
+            <a:schemeClr val="accent1"/>
+          </a:effectRef>
+          <a:fontRef idx="minor">
+            <a:schemeClr val="lt1"/>
+          </a:fontRef>
+        </p:style>
+        <p:txBody>
+          <a:bodyPr rtlCol="0" anchor="ctr"/>
+          <a:lstStyle/>
+          <a:p>
+            <a:pPr algn="ctr"/>
+            <a:r>
+              <a:rPr lang="en-US" smtClean="0"/>
+              <a:t>F</a:t>
+            </a:r>
+            <a:endParaRPr lang="en-US"/>
+          </a:p>
+        </p:txBody>
+      </p:sp>
+      <p:cxnSp>
+        <p:nvCxnSpPr>
+          <p:cNvPr id="55" name="Straight Arrow Connector 54"/>
+          <p:cNvCxnSpPr>
+            <a:stCxn id="53" idx="6"/>
+            <a:endCxn id="54" idx="2"/>
+          </p:cNvCxnSpPr>
+          <p:nvPr/>
+        </p:nvCxnSpPr>
+        <p:spPr>
+          <a:xfrm>
+            <a:off x="8086272" y="5579224"/>
+            <a:ext cx="1917291" cy="0"/>
+          </a:xfrm>
+          <a:prstGeom prst="straightConnector1">
+            <a:avLst/>
+          </a:prstGeom>
+          <a:ln>
+            <a:tailEnd type="triangle"/>
+          </a:ln>
+        </p:spPr>
+        <p:style>
+          <a:lnRef idx="1">
+            <a:schemeClr val="accent1"/>
+          </a:lnRef>
+          <a:fillRef idx="0">
+            <a:schemeClr val="accent1"/>
+          </a:fillRef>
+          <a:effectRef idx="0">
+            <a:schemeClr val="accent1"/>
+          </a:effectRef>
+          <a:fontRef idx="minor">
+            <a:schemeClr val="tx1"/>
+          </a:fontRef>
+        </p:style>
+      </p:cxnSp>
+      <p:sp>
+        <p:nvSpPr>
+          <p:cNvPr id="56" name="TextBox 55"/>
+          <p:cNvSpPr txBox="1"/>
+          <p:nvPr/>
+        </p:nvSpPr>
+        <p:spPr>
+          <a:xfrm>
+            <a:off x="8351743" y="5225263"/>
+            <a:ext cx="1268362" cy="369332"/>
+          </a:xfrm>
+          <a:prstGeom prst="rect">
+            <a:avLst/>
+          </a:prstGeom>
+          <a:noFill/>
+        </p:spPr>
+        <p:txBody>
+          <a:bodyPr wrap="square" rtlCol="0">
+            <a:spAutoFit/>
+          </a:bodyPr>
+          <a:lstStyle/>
+          <a:p>
+            <a:r>
+              <a:rPr lang="en-US" smtClean="0"/>
+              <a:t>hasChild</a:t>
+            </a:r>
+            <a:endParaRPr lang="en-US"/>
+          </a:p>
+        </p:txBody>
+      </p:sp>
+    </p:spTree>
+    <p:extLst>
+      <p:ext uri="{BB962C8B-B14F-4D97-AF65-F5344CB8AC3E}">
+        <p14:creationId xmlns:p14="http://schemas.microsoft.com/office/powerpoint/2010/main" val="882302219"/>
+      </p:ext>
+    </p:extLst>
+  </p:cSld>
+  <p:clrMapOvr>
+    <a:masterClrMapping/>
+  </p:clrMapOvr>
+  <p:timing>
+    <p:tnLst>
+      <p:par>
+        <p:cTn id="1" dur="indefinite" restart="never" nodeType="tmRoot"/>
       </p:par>
     </p:tnLst>
   </p:timing>
@@ -35765,8 +36736,9 @@
             </a:r>
             <a:r>
               <a:rPr lang="en-US" sz="2800" b="1" smtClean="0"/>
-              <a:t>ontology.</a:t>
-            </a:r>
+              <a:t>ontologi.</a:t>
+            </a:r>
+            <a:endParaRPr lang="en-US" sz="2800" b="1" smtClean="0"/>
           </a:p>
         </p:txBody>
       </p:sp>
@@ -35828,7 +36800,7 @@
           </p:nvPr>
         </p:nvPicPr>
         <p:blipFill rotWithShape="1">
-          <a:blip r:embed="rId2">
+          <a:blip r:embed="rId3">
             <a:extLst>
               <a:ext uri="{28A0092B-C50C-407E-A947-70E740481C1C}">
                 <a14:useLocalDpi xmlns:a14="http://schemas.microsoft.com/office/drawing/2010/main" val="0"/>
@@ -38358,7 +39330,7 @@
           <p:cNvPr id="2" name="Title 1">
             <a:extLst>
               <a:ext uri="{FF2B5EF4-FFF2-40B4-BE49-F238E27FC236}">
-                <a16:creationId xmlns="" xmlns:a16="http://schemas.microsoft.com/office/drawing/2014/main" id="{FBAB08B8-3DB3-4637-AE23-B8DB96D9FCEC}"/>
+                <a16:creationId xmlns:a16="http://schemas.microsoft.com/office/drawing/2014/main" xmlns="" id="{FBAB08B8-3DB3-4637-AE23-B8DB96D9FCEC}"/>
               </a:ext>
             </a:extLst>
           </p:cNvPr>
@@ -38677,29 +39649,42 @@
               <a:buNone/>
             </a:pPr>
             <a:r>
-              <a:rPr lang="en-US" sz="2800" b="1"/>
-              <a:t>Memodelkan</a:t>
-            </a:r>
-            <a:r>
               <a:rPr lang="en-US" sz="2800"/>
-              <a:t> dan </a:t>
-            </a:r>
-            <a:r>
-              <a:rPr lang="en-US" sz="2800" b="1"/>
-              <a:t>melengkapi</a:t>
+              <a:t>M</a:t>
+            </a:r>
+            <a:r>
+              <a:rPr lang="id-ID" sz="2800" smtClean="0"/>
+              <a:t>embantu </a:t>
+            </a:r>
+            <a:r>
+              <a:rPr lang="id-ID" sz="2800"/>
+              <a:t>dan mempermudah pencarian relasi </a:t>
             </a:r>
             <a:r>
               <a:rPr lang="en-US" sz="2800"/>
-              <a:t> data tokoh untuk </a:t>
-            </a:r>
-            <a:r>
-              <a:rPr lang="en-US" sz="2800" b="1"/>
-              <a:t>visualisasi</a:t>
-            </a:r>
-            <a:r>
-              <a:rPr lang="en-US" sz="2800"/>
-              <a:t> pohon keluarga tokoh sejarah.</a:t>
-            </a:r>
+              <a:t>dari </a:t>
+            </a:r>
+            <a:r>
+              <a:rPr lang="id-ID" sz="2800"/>
+              <a:t>tokoh </a:t>
+            </a:r>
+            <a:r>
+              <a:rPr lang="id-ID" sz="2800" smtClean="0"/>
+              <a:t>sejarah</a:t>
+            </a:r>
+            <a:r>
+              <a:rPr lang="en-US" sz="2800" smtClean="0"/>
+              <a:t> </a:t>
+            </a:r>
+            <a:r>
+              <a:rPr lang="id-ID" sz="2800" smtClean="0"/>
+              <a:t>Indonesia</a:t>
+            </a:r>
+            <a:r>
+              <a:rPr lang="en-US" sz="2800" smtClean="0"/>
+              <a:t>.</a:t>
+            </a:r>
+            <a:endParaRPr lang="en-US" sz="2800"/>
           </a:p>
           <a:p>
             <a:endParaRPr lang="en-US" sz="2800"/>
@@ -41332,20 +42317,20 @@
 </file>
 
 <file path=customXml/item1.xml><?xml version="1.0" encoding="utf-8"?>
-<p:properties xmlns:p="http://schemas.microsoft.com/office/2006/metadata/properties" xmlns:xsi="http://www.w3.org/2001/XMLSchema-instance" xmlns:pc="http://schemas.microsoft.com/office/infopath/2007/PartnerControls">
-  <documentManagement>
-    <MediaServiceKeyPoints xmlns="71af3243-3dd4-4a8d-8c0d-dd76da1f02a5" xsi:nil="true"/>
-  </documentManagement>
-</p:properties>
-</file>
-
-<file path=customXml/item2.xml><?xml version="1.0" encoding="utf-8"?>
 <?mso-contentType ?>
 <FormTemplates xmlns="http://schemas.microsoft.com/sharepoint/v3/contenttype/forms">
   <Display>DocumentLibraryForm</Display>
   <Edit>DocumentLibraryForm</Edit>
   <New>DocumentLibraryForm</New>
 </FormTemplates>
+</file>
+
+<file path=customXml/item2.xml><?xml version="1.0" encoding="utf-8"?>
+<p:properties xmlns:p="http://schemas.microsoft.com/office/2006/metadata/properties" xmlns:xsi="http://www.w3.org/2001/XMLSchema-instance" xmlns:pc="http://schemas.microsoft.com/office/infopath/2007/PartnerControls">
+  <documentManagement>
+    <MediaServiceKeyPoints xmlns="71af3243-3dd4-4a8d-8c0d-dd76da1f02a5" xsi:nil="true"/>
+  </documentManagement>
+</p:properties>
 </file>
 
 <file path=customXml/item3.xml><?xml version="1.0" encoding="utf-8"?>
@@ -41560,6 +42545,14 @@
 </file>
 
 <file path=customXml/itemProps1.xml><?xml version="1.0" encoding="utf-8"?>
+<ds:datastoreItem xmlns:ds="http://schemas.openxmlformats.org/officeDocument/2006/customXml" ds:itemID="{B0C07E3D-60A7-4F4E-8208-D9CCD01982CB}">
+  <ds:schemaRefs>
+    <ds:schemaRef ds:uri="http://schemas.microsoft.com/sharepoint/v3/contenttype/forms"/>
+  </ds:schemaRefs>
+</ds:datastoreItem>
+</file>
+
+<file path=customXml/itemProps2.xml><?xml version="1.0" encoding="utf-8"?>
 <ds:datastoreItem xmlns:ds="http://schemas.openxmlformats.org/officeDocument/2006/customXml" ds:itemID="{CEA9B47F-3DD8-4645-81DC-B88780643C07}">
   <ds:schemaRefs>
     <ds:schemaRef ds:uri="16c05727-aa75-4e4a-9b5f-8a80a1165891"/>
@@ -41572,14 +42565,6 @@
     <ds:schemaRef ds:uri="http://schemas.microsoft.com/office/infopath/2007/PartnerControls"/>
     <ds:schemaRef ds:uri="http://schemas.microsoft.com/office/2006/metadata/properties"/>
     <ds:schemaRef ds:uri="http://www.w3.org/XML/1998/namespace"/>
-  </ds:schemaRefs>
-</ds:datastoreItem>
-</file>
-
-<file path=customXml/itemProps2.xml><?xml version="1.0" encoding="utf-8"?>
-<ds:datastoreItem xmlns:ds="http://schemas.openxmlformats.org/officeDocument/2006/customXml" ds:itemID="{B0C07E3D-60A7-4F4E-8208-D9CCD01982CB}">
-  <ds:schemaRefs>
-    <ds:schemaRef ds:uri="http://schemas.microsoft.com/sharepoint/v3/contenttype/forms"/>
   </ds:schemaRefs>
 </ds:datastoreItem>
 </file>

--- a/05111540000007-Faiq-Presentasi.pptx
+++ b/05111540000007-Faiq-Presentasi.pptx
@@ -5,10 +5,10 @@
     <p:sldMasterId id="2147483648" r:id="rId4"/>
   </p:sldMasterIdLst>
   <p:notesMasterIdLst>
-    <p:notesMasterId r:id="rId43"/>
+    <p:notesMasterId r:id="rId47"/>
   </p:notesMasterIdLst>
   <p:handoutMasterIdLst>
-    <p:handoutMasterId r:id="rId44"/>
+    <p:handoutMasterId r:id="rId48"/>
   </p:handoutMasterIdLst>
   <p:sldIdLst>
     <p:sldId id="258" r:id="rId5"/>
@@ -32,23 +32,27 @@
     <p:sldId id="302" r:id="rId23"/>
     <p:sldId id="279" r:id="rId24"/>
     <p:sldId id="288" r:id="rId25"/>
-    <p:sldId id="289" r:id="rId26"/>
-    <p:sldId id="290" r:id="rId27"/>
-    <p:sldId id="291" r:id="rId28"/>
-    <p:sldId id="292" r:id="rId29"/>
-    <p:sldId id="293" r:id="rId30"/>
-    <p:sldId id="294" r:id="rId31"/>
-    <p:sldId id="295" r:id="rId32"/>
-    <p:sldId id="296" r:id="rId33"/>
-    <p:sldId id="303" r:id="rId34"/>
-    <p:sldId id="312" r:id="rId35"/>
-    <p:sldId id="313" r:id="rId36"/>
-    <p:sldId id="314" r:id="rId37"/>
-    <p:sldId id="315" r:id="rId38"/>
-    <p:sldId id="280" r:id="rId39"/>
-    <p:sldId id="297" r:id="rId40"/>
-    <p:sldId id="298" r:id="rId41"/>
-    <p:sldId id="299" r:id="rId42"/>
+    <p:sldId id="318" r:id="rId26"/>
+    <p:sldId id="289" r:id="rId27"/>
+    <p:sldId id="290" r:id="rId28"/>
+    <p:sldId id="319" r:id="rId29"/>
+    <p:sldId id="320" r:id="rId30"/>
+    <p:sldId id="291" r:id="rId31"/>
+    <p:sldId id="292" r:id="rId32"/>
+    <p:sldId id="293" r:id="rId33"/>
+    <p:sldId id="294" r:id="rId34"/>
+    <p:sldId id="317" r:id="rId35"/>
+    <p:sldId id="295" r:id="rId36"/>
+    <p:sldId id="296" r:id="rId37"/>
+    <p:sldId id="303" r:id="rId38"/>
+    <p:sldId id="312" r:id="rId39"/>
+    <p:sldId id="313" r:id="rId40"/>
+    <p:sldId id="314" r:id="rId41"/>
+    <p:sldId id="315" r:id="rId42"/>
+    <p:sldId id="280" r:id="rId43"/>
+    <p:sldId id="297" r:id="rId44"/>
+    <p:sldId id="298" r:id="rId45"/>
+    <p:sldId id="299" r:id="rId46"/>
   </p:sldIdLst>
   <p:sldSz cx="12192000" cy="6858000"/>
   <p:notesSz cx="6858000" cy="9144000"/>
@@ -5937,7 +5941,7 @@
           <a:p>
             <a:fld id="{97AB3EA8-A58D-4C92-A3AB-D271CCC294C7}" type="datetimeFigureOut">
               <a:rPr lang="en-US" smtClean="0"/>
-              <a:t>7/13/2019</a:t>
+              <a:t>7/14/2019</a:t>
             </a:fld>
             <a:endParaRPr lang="en-US" dirty="0"/>
           </a:p>
@@ -6114,7 +6118,7 @@
           <a:p>
             <a:fld id="{0AEFB4FA-E877-413E-B608-88789D806C57}" type="datetimeFigureOut">
               <a:rPr lang="en-US" noProof="0" smtClean="0"/>
-              <a:t>7/13/2019</a:t>
+              <a:t>7/14/2019</a:t>
             </a:fld>
             <a:endParaRPr lang="en-US" noProof="0" dirty="0"/>
           </a:p>
@@ -6427,19 +6431,7 @@
           <a:p>
             <a:r>
               <a:rPr lang="en-US" smtClean="0"/>
-              <a:t>Terimakasih </a:t>
-            </a:r>
-            <a:r>
-              <a:rPr lang="en-US" smtClean="0"/>
-              <a:t>PROF Riyan dan pak Hari </a:t>
-            </a:r>
-            <a:r>
-              <a:rPr lang="en-US" smtClean="0"/>
-              <a:t>selaku dosen </a:t>
-            </a:r>
-            <a:r>
-              <a:rPr lang="en-US" smtClean="0"/>
-              <a:t>penguji, terimakasih juga untuk bu nurul dan bu lica</a:t>
+              <a:t>Terimakasih PROF Riyan dan pak Hari selaku dosen penguji, terimakasih juga untuk bu nurul dan bu lica</a:t>
             </a:r>
             <a:r>
               <a:rPr lang="en-US" baseline="0" smtClean="0"/>
@@ -6447,15 +6439,7 @@
             </a:r>
             <a:r>
               <a:rPr lang="en-US" smtClean="0"/>
-              <a:t>selaku </a:t>
-            </a:r>
-            <a:r>
-              <a:rPr lang="en-US" smtClean="0"/>
-              <a:t>dosen </a:t>
-            </a:r>
-            <a:r>
-              <a:rPr lang="en-US" smtClean="0"/>
-              <a:t>pembimbing saya.</a:t>
+              <a:t>selaku dosen pembimbing saya.</a:t>
             </a:r>
           </a:p>
           <a:p>
@@ -6561,19 +6545,7 @@
             </a:r>
             <a:r>
               <a:rPr lang="en-US" baseline="0" smtClean="0"/>
-              <a:t> model data </a:t>
-            </a:r>
-            <a:r>
-              <a:rPr lang="en-US" baseline="0" smtClean="0"/>
-              <a:t>dbpedia (yang atas) </a:t>
-            </a:r>
-            <a:r>
-              <a:rPr lang="en-US" baseline="0" smtClean="0"/>
-              <a:t>dan model family relationship </a:t>
-            </a:r>
-            <a:r>
-              <a:rPr lang="en-US" baseline="0" smtClean="0"/>
-              <a:t>ontology yang berisi aturan2 data property dan object property (yang bawah)</a:t>
+              <a:t> model data dbpedia (yang atas) dan model family relationship ontology yang berisi aturan2 data property dan object property (yang bawah)</a:t>
             </a:r>
           </a:p>
           <a:p>
@@ -6585,15 +6557,7 @@
           <a:p>
             <a:r>
               <a:rPr lang="en-US" baseline="0" smtClean="0"/>
-              <a:t>prosesnya </a:t>
-            </a:r>
-            <a:r>
-              <a:rPr lang="en-US" baseline="0" smtClean="0"/>
-              <a:t>hanya menggabungkan statemen triples saja</a:t>
-            </a:r>
-            <a:r>
-              <a:rPr lang="en-US" baseline="0" smtClean="0"/>
-              <a:t>.</a:t>
+              <a:t>prosesnya hanya menggabungkan statemen triples saja.</a:t>
             </a:r>
             <a:endParaRPr lang="en-US"/>
           </a:p>
@@ -6687,39 +6651,40 @@
               <a:rPr lang="en-US" baseline="0" smtClean="0"/>
               <a:t> suatu proses yang dapat menghasilkan kesimpulan logis dari sebuah data berdasarkan aturan-aturan tertentu. </a:t>
             </a:r>
-            <a:endParaRPr lang="en-US" baseline="0" smtClean="0"/>
           </a:p>
           <a:p>
             <a:r>
               <a:rPr lang="en-US" baseline="0" smtClean="0"/>
-              <a:t>Dalam </a:t>
-            </a:r>
+              <a:t>Dalam konteks tugas akhir ini, Data adalah data keluarga tokoh sejarah Indonesia, dan aturan tersebut adalah karakteristik dan deskripsi data property dan object property. </a:t>
+            </a:r>
+          </a:p>
+          <a:p>
             <a:r>
               <a:rPr lang="en-US" baseline="0" smtClean="0"/>
-              <a:t>konteks tugas akhir ini, Data adalah data keluarga tokoh sejarah Indonesia, dan aturan tersebut adalah karakteristik dan deskripsi data property dan object property. </a:t>
-            </a:r>
-            <a:endParaRPr lang="en-US" baseline="0" smtClean="0"/>
-          </a:p>
-          <a:p>
-            <a:r>
-              <a:rPr lang="en-US" baseline="0" smtClean="0"/>
-              <a:t>Contohnya </a:t>
-            </a:r>
-            <a:r>
-              <a:rPr lang="en-US" baseline="0" smtClean="0"/>
-              <a:t>adalah seperti bagan diatas</a:t>
-            </a:r>
-            <a:r>
-              <a:rPr lang="en-US" baseline="0" smtClean="0"/>
-              <a:t>.</a:t>
+              <a:t>Contohnya adalah seperti bagan diatas.</a:t>
             </a:r>
             <a:r>
               <a:rPr lang="en-US" baseline="0"/>
               <a:t> </a:t>
             </a:r>
+            <a:endParaRPr lang="en-US" baseline="0" smtClean="0"/>
+          </a:p>
+          <a:p>
+            <a:r>
+              <a:rPr lang="en-US" baseline="0" smtClean="0"/>
+              <a:t>Ada statemen A isSpouseOf B, isSpouseOf bersifat symmetric</a:t>
+            </a:r>
+          </a:p>
+          <a:p>
             <a:r>
               <a:rPr lang="en-US" baseline="0" smtClean="0"/>
               <a:t>Untuk mendapatkan fakta bahwa B isSpouseOf A, maka harus melewati proses reasoning dulu</a:t>
+            </a:r>
+          </a:p>
+          <a:p>
+            <a:r>
+              <a:rPr lang="en-US" baseline="0" smtClean="0"/>
+              <a:t>Ada statemen C hasParent D, hasParent bersifat inverseOf hasChild</a:t>
             </a:r>
           </a:p>
           <a:p>
@@ -6818,27 +6783,23 @@
               <a:rPr lang="en-US" baseline="0" smtClean="0"/>
               <a:t> system yang digunakan adalah seperti gambar berikut. </a:t>
             </a:r>
-            <a:endParaRPr lang="en-US" baseline="0" smtClean="0"/>
           </a:p>
           <a:p>
             <a:r>
               <a:rPr lang="en-US" baseline="0" smtClean="0"/>
-              <a:t>Ada </a:t>
-            </a:r>
+              <a:t>Ada dua program yang digunakan, yaitu Program Java yang menerapkan Apache Jena untuk proses ekstraksi data dan pengolahan data, </a:t>
+            </a:r>
+          </a:p>
+          <a:p>
             <a:r>
               <a:rPr lang="en-US" baseline="0" smtClean="0"/>
-              <a:t>dua program yang digunakan, yaitu Program Java yang menerapkan Apache Jena untuk proses ekstraksi data dan pengolahan data, </a:t>
-            </a:r>
-            <a:endParaRPr lang="en-US" baseline="0" smtClean="0"/>
+              <a:t>serta Program Web berbasis PHP untuk mengambil data dari basis data Apache Jena fuseki dan menampilkannya sebagai pohon keluarga.</a:t>
+            </a:r>
           </a:p>
           <a:p>
             <a:r>
               <a:rPr lang="en-US" baseline="0" smtClean="0"/>
-              <a:t>serta </a:t>
-            </a:r>
-            <a:r>
-              <a:rPr lang="en-US" baseline="0" smtClean="0"/>
-              <a:t>Program Web berbasis PHP untuk mengambil data dari basis data Apache Jena fuseki dan menampilkannya sebagai pohon keluarga.</a:t>
+              <a:t>Bab 4</a:t>
             </a:r>
             <a:endParaRPr lang="en-US"/>
           </a:p>
@@ -6936,15 +6897,7 @@
           <a:p>
             <a:r>
               <a:rPr lang="en-US" baseline="0" smtClean="0"/>
-              <a:t>Kelas A adalah </a:t>
-            </a:r>
-            <a:r>
-              <a:rPr lang="en-US" baseline="0" smtClean="0"/>
-              <a:t>nama individu dan </a:t>
-            </a:r>
-            <a:r>
-              <a:rPr lang="en-US" baseline="0" smtClean="0"/>
-              <a:t>CSS nya akan membuat persegi</a:t>
+              <a:t>Kelas A adalah nama individu dan CSS nya akan membuat persegi</a:t>
             </a:r>
           </a:p>
           <a:p>
@@ -7041,7 +6994,26 @@
           <a:bodyPr/>
           <a:lstStyle/>
           <a:p>
-            <a:endParaRPr lang="en-US"/>
+            <a:r>
+              <a:rPr lang="en-US" smtClean="0"/>
+              <a:t>Berikut hasil uji coba reasoning pada individu</a:t>
+            </a:r>
+            <a:r>
+              <a:rPr lang="en-US" baseline="0" smtClean="0"/>
+              <a:t> Fatmawati,</a:t>
+            </a:r>
+          </a:p>
+          <a:p>
+            <a:r>
+              <a:rPr lang="en-US" baseline="0" smtClean="0"/>
+              <a:t>Sebelumnya belum memiliki property spouse Soekarno</a:t>
+            </a:r>
+          </a:p>
+          <a:p>
+            <a:r>
+              <a:rPr lang="en-US" baseline="0" smtClean="0"/>
+              <a:t>Setelah proses reasoning, diperoleh fakta baru yaitu Fatmawati memiliki spouse Soekarno</a:t>
+            </a:r>
           </a:p>
         </p:txBody>
       </p:sp>
@@ -7125,7 +7097,15 @@
           <a:bodyPr/>
           <a:lstStyle/>
           <a:p>
-            <a:endParaRPr lang="en-US"/>
+            <a:r>
+              <a:rPr lang="en-US" smtClean="0"/>
+              <a:t>Hal ini</a:t>
+            </a:r>
+            <a:r>
+              <a:rPr lang="en-US" baseline="0" smtClean="0"/>
+              <a:t> dikarenakan individu Soekarno yang memiliki property isSpouseOf Fatmawati</a:t>
+            </a:r>
+            <a:endParaRPr lang="en-US" baseline="0" smtClean="0"/>
           </a:p>
         </p:txBody>
       </p:sp>
@@ -7146,7 +7126,7 @@
           <a:p>
             <a:fld id="{6336304E-FDE3-4B4F-A3B7-EBE87F3FA5E2}" type="slidenum">
               <a:rPr lang="en-US" noProof="0" smtClean="0"/>
-              <a:t>27</a:t>
+              <a:t>22</a:t>
             </a:fld>
             <a:endParaRPr lang="en-US" noProof="0" dirty="0"/>
           </a:p>
@@ -7155,7 +7135,7 @@
     </p:spTree>
     <p:extLst>
       <p:ext uri="{BB962C8B-B14F-4D97-AF65-F5344CB8AC3E}">
-        <p14:creationId xmlns:p14="http://schemas.microsoft.com/office/powerpoint/2010/main" val="2061451182"/>
+        <p14:creationId xmlns:p14="http://schemas.microsoft.com/office/powerpoint/2010/main" val="3383777433"/>
       </p:ext>
     </p:extLst>
   </p:cSld>
@@ -7209,7 +7189,32 @@
           <a:bodyPr/>
           <a:lstStyle/>
           <a:p>
-            <a:endParaRPr lang="en-US"/>
+            <a:r>
+              <a:rPr lang="en-US" smtClean="0"/>
+              <a:t>Berikut hasil uji coba reasoning pada individu</a:t>
+            </a:r>
+            <a:r>
+              <a:rPr lang="en-US" baseline="0" smtClean="0"/>
+              <a:t> SBY,</a:t>
+            </a:r>
+          </a:p>
+          <a:p>
+            <a:r>
+              <a:rPr lang="en-US" baseline="0" smtClean="0"/>
+              <a:t>Sebelumnya memiliki property child Agus Harimurti dan Edhie Baskoro</a:t>
+            </a:r>
+          </a:p>
+          <a:p>
+            <a:r>
+              <a:rPr lang="en-US" baseline="0" smtClean="0"/>
+              <a:t>Setelah proses reasoning, tidak didapatkan fakta baru, </a:t>
+            </a:r>
+          </a:p>
+          <a:p>
+            <a:r>
+              <a:rPr lang="en-US" baseline="0" smtClean="0"/>
+              <a:t>Hanya saja terjadi generalisasi, yaitu SBY hasChild Agus Harimurti dan Edhie Baskoro</a:t>
+            </a:r>
           </a:p>
         </p:txBody>
       </p:sp>
@@ -7229,17 +7234,305 @@
           <a:lstStyle/>
           <a:p>
             <a:fld id="{6336304E-FDE3-4B4F-A3B7-EBE87F3FA5E2}" type="slidenum">
-              <a:rPr lang="en-US" smtClean="0"/>
-              <a:t>38</a:t>
+              <a:rPr lang="en-US" noProof="0" smtClean="0"/>
+              <a:t>23</a:t>
             </a:fld>
-            <a:endParaRPr lang="en-US"/>
+            <a:endParaRPr lang="en-US" noProof="0" dirty="0"/>
           </a:p>
         </p:txBody>
       </p:sp>
     </p:spTree>
     <p:extLst>
       <p:ext uri="{BB962C8B-B14F-4D97-AF65-F5344CB8AC3E}">
-        <p14:creationId xmlns:p14="http://schemas.microsoft.com/office/powerpoint/2010/main" val="3066515254"/>
+        <p14:creationId xmlns:p14="http://schemas.microsoft.com/office/powerpoint/2010/main" val="3895244174"/>
+      </p:ext>
+    </p:extLst>
+  </p:cSld>
+  <p:clrMapOvr>
+    <a:masterClrMapping/>
+  </p:clrMapOvr>
+</p:notes>
+</file>
+
+<file path=ppt/notesSlides/notesSlide17.xml><?xml version="1.0" encoding="utf-8"?>
+<p:notes xmlns:a="http://schemas.openxmlformats.org/drawingml/2006/main" xmlns:r="http://schemas.openxmlformats.org/officeDocument/2006/relationships" xmlns:p="http://schemas.openxmlformats.org/presentationml/2006/main">
+  <p:cSld>
+    <p:spTree>
+      <p:nvGrpSpPr>
+        <p:cNvPr id="1" name=""/>
+        <p:cNvGrpSpPr/>
+        <p:nvPr/>
+      </p:nvGrpSpPr>
+      <p:grpSpPr>
+        <a:xfrm>
+          <a:off x="0" y="0"/>
+          <a:ext cx="0" cy="0"/>
+          <a:chOff x="0" y="0"/>
+          <a:chExt cx="0" cy="0"/>
+        </a:xfrm>
+      </p:grpSpPr>
+      <p:sp>
+        <p:nvSpPr>
+          <p:cNvPr id="2" name="Slide Image Placeholder 1"/>
+          <p:cNvSpPr>
+            <a:spLocks noGrp="1" noRot="1" noChangeAspect="1"/>
+          </p:cNvSpPr>
+          <p:nvPr>
+            <p:ph type="sldImg"/>
+          </p:nvPr>
+        </p:nvSpPr>
+        <p:spPr/>
+      </p:sp>
+      <p:sp>
+        <p:nvSpPr>
+          <p:cNvPr id="3" name="Notes Placeholder 2"/>
+          <p:cNvSpPr>
+            <a:spLocks noGrp="1"/>
+          </p:cNvSpPr>
+          <p:nvPr>
+            <p:ph type="body" idx="1"/>
+          </p:nvPr>
+        </p:nvSpPr>
+        <p:spPr/>
+        <p:txBody>
+          <a:bodyPr/>
+          <a:lstStyle/>
+          <a:p>
+            <a:r>
+              <a:rPr lang="en-US" smtClean="0"/>
+              <a:t>Berikut hasil uji coba reasoning pada individu</a:t>
+            </a:r>
+            <a:r>
+              <a:rPr lang="en-US" baseline="0" smtClean="0"/>
+              <a:t> Guruh Soekarno,</a:t>
+            </a:r>
+          </a:p>
+          <a:p>
+            <a:r>
+              <a:rPr lang="en-US" baseline="0" smtClean="0"/>
+              <a:t>Sebelumnya belum memiliki property parent</a:t>
+            </a:r>
+          </a:p>
+          <a:p>
+            <a:r>
+              <a:rPr lang="en-US" baseline="0" smtClean="0"/>
+              <a:t>Setelah proses reasoning, diperoleh fakta baru yaitu Guruh hasParent Fatmawati dan Soekarno</a:t>
+            </a:r>
+            <a:endParaRPr lang="en-US" smtClean="0"/>
+          </a:p>
+        </p:txBody>
+      </p:sp>
+      <p:sp>
+        <p:nvSpPr>
+          <p:cNvPr id="4" name="Slide Number Placeholder 3"/>
+          <p:cNvSpPr>
+            <a:spLocks noGrp="1"/>
+          </p:cNvSpPr>
+          <p:nvPr>
+            <p:ph type="sldNum" sz="quarter" idx="10"/>
+          </p:nvPr>
+        </p:nvSpPr>
+        <p:spPr/>
+        <p:txBody>
+          <a:bodyPr/>
+          <a:lstStyle/>
+          <a:p>
+            <a:fld id="{6336304E-FDE3-4B4F-A3B7-EBE87F3FA5E2}" type="slidenum">
+              <a:rPr lang="en-US" noProof="0" smtClean="0"/>
+              <a:t>24</a:t>
+            </a:fld>
+            <a:endParaRPr lang="en-US" noProof="0" dirty="0"/>
+          </a:p>
+        </p:txBody>
+      </p:sp>
+    </p:spTree>
+    <p:extLst>
+      <p:ext uri="{BB962C8B-B14F-4D97-AF65-F5344CB8AC3E}">
+        <p14:creationId xmlns:p14="http://schemas.microsoft.com/office/powerpoint/2010/main" val="2411653461"/>
+      </p:ext>
+    </p:extLst>
+  </p:cSld>
+  <p:clrMapOvr>
+    <a:masterClrMapping/>
+  </p:clrMapOvr>
+</p:notes>
+</file>
+
+<file path=ppt/notesSlides/notesSlide18.xml><?xml version="1.0" encoding="utf-8"?>
+<p:notes xmlns:a="http://schemas.openxmlformats.org/drawingml/2006/main" xmlns:r="http://schemas.openxmlformats.org/officeDocument/2006/relationships" xmlns:p="http://schemas.openxmlformats.org/presentationml/2006/main">
+  <p:cSld>
+    <p:spTree>
+      <p:nvGrpSpPr>
+        <p:cNvPr id="1" name=""/>
+        <p:cNvGrpSpPr/>
+        <p:nvPr/>
+      </p:nvGrpSpPr>
+      <p:grpSpPr>
+        <a:xfrm>
+          <a:off x="0" y="0"/>
+          <a:ext cx="0" cy="0"/>
+          <a:chOff x="0" y="0"/>
+          <a:chExt cx="0" cy="0"/>
+        </a:xfrm>
+      </p:grpSpPr>
+      <p:sp>
+        <p:nvSpPr>
+          <p:cNvPr id="2" name="Slide Image Placeholder 1"/>
+          <p:cNvSpPr>
+            <a:spLocks noGrp="1" noRot="1" noChangeAspect="1"/>
+          </p:cNvSpPr>
+          <p:nvPr>
+            <p:ph type="sldImg"/>
+          </p:nvPr>
+        </p:nvSpPr>
+        <p:spPr/>
+      </p:sp>
+      <p:sp>
+        <p:nvSpPr>
+          <p:cNvPr id="3" name="Notes Placeholder 2"/>
+          <p:cNvSpPr>
+            <a:spLocks noGrp="1"/>
+          </p:cNvSpPr>
+          <p:nvPr>
+            <p:ph type="body" idx="1"/>
+          </p:nvPr>
+        </p:nvSpPr>
+        <p:spPr/>
+        <p:txBody>
+          <a:bodyPr/>
+          <a:lstStyle/>
+          <a:p>
+            <a:r>
+              <a:rPr lang="en-US" smtClean="0"/>
+              <a:t>Hal ini disebabkan karena</a:t>
+            </a:r>
+            <a:r>
+              <a:rPr lang="en-US" baseline="0" smtClean="0"/>
+              <a:t> individu Soekarno memiliki property dbo:child Guruh</a:t>
+            </a:r>
+            <a:endParaRPr lang="en-US" smtClean="0"/>
+          </a:p>
+        </p:txBody>
+      </p:sp>
+      <p:sp>
+        <p:nvSpPr>
+          <p:cNvPr id="4" name="Slide Number Placeholder 3"/>
+          <p:cNvSpPr>
+            <a:spLocks noGrp="1"/>
+          </p:cNvSpPr>
+          <p:nvPr>
+            <p:ph type="sldNum" sz="quarter" idx="10"/>
+          </p:nvPr>
+        </p:nvSpPr>
+        <p:spPr/>
+        <p:txBody>
+          <a:bodyPr/>
+          <a:lstStyle/>
+          <a:p>
+            <a:fld id="{6336304E-FDE3-4B4F-A3B7-EBE87F3FA5E2}" type="slidenum">
+              <a:rPr lang="en-US" noProof="0" smtClean="0"/>
+              <a:t>25</a:t>
+            </a:fld>
+            <a:endParaRPr lang="en-US" noProof="0" dirty="0"/>
+          </a:p>
+        </p:txBody>
+      </p:sp>
+    </p:spTree>
+    <p:extLst>
+      <p:ext uri="{BB962C8B-B14F-4D97-AF65-F5344CB8AC3E}">
+        <p14:creationId xmlns:p14="http://schemas.microsoft.com/office/powerpoint/2010/main" val="472215795"/>
+      </p:ext>
+    </p:extLst>
+  </p:cSld>
+  <p:clrMapOvr>
+    <a:masterClrMapping/>
+  </p:clrMapOvr>
+</p:notes>
+</file>
+
+<file path=ppt/notesSlides/notesSlide19.xml><?xml version="1.0" encoding="utf-8"?>
+<p:notes xmlns:a="http://schemas.openxmlformats.org/drawingml/2006/main" xmlns:r="http://schemas.openxmlformats.org/officeDocument/2006/relationships" xmlns:p="http://schemas.openxmlformats.org/presentationml/2006/main">
+  <p:cSld>
+    <p:spTree>
+      <p:nvGrpSpPr>
+        <p:cNvPr id="1" name=""/>
+        <p:cNvGrpSpPr/>
+        <p:nvPr/>
+      </p:nvGrpSpPr>
+      <p:grpSpPr>
+        <a:xfrm>
+          <a:off x="0" y="0"/>
+          <a:ext cx="0" cy="0"/>
+          <a:chOff x="0" y="0"/>
+          <a:chExt cx="0" cy="0"/>
+        </a:xfrm>
+      </p:grpSpPr>
+      <p:sp>
+        <p:nvSpPr>
+          <p:cNvPr id="2" name="Slide Image Placeholder 1"/>
+          <p:cNvSpPr>
+            <a:spLocks noGrp="1" noRot="1" noChangeAspect="1"/>
+          </p:cNvSpPr>
+          <p:nvPr>
+            <p:ph type="sldImg"/>
+          </p:nvPr>
+        </p:nvSpPr>
+        <p:spPr/>
+      </p:sp>
+      <p:sp>
+        <p:nvSpPr>
+          <p:cNvPr id="3" name="Notes Placeholder 2"/>
+          <p:cNvSpPr>
+            <a:spLocks noGrp="1"/>
+          </p:cNvSpPr>
+          <p:nvPr>
+            <p:ph type="body" idx="1"/>
+          </p:nvPr>
+        </p:nvSpPr>
+        <p:spPr/>
+        <p:txBody>
+          <a:bodyPr/>
+          <a:lstStyle/>
+          <a:p>
+            <a:r>
+              <a:rPr lang="en-US" smtClean="0"/>
+              <a:t>Dan individu Fatmawati juga </a:t>
+            </a:r>
+            <a:r>
+              <a:rPr lang="en-US" baseline="0" smtClean="0"/>
+              <a:t>memiliki property dbo:child Guruh</a:t>
+            </a:r>
+            <a:endParaRPr lang="en-US" smtClean="0"/>
+          </a:p>
+        </p:txBody>
+      </p:sp>
+      <p:sp>
+        <p:nvSpPr>
+          <p:cNvPr id="4" name="Slide Number Placeholder 3"/>
+          <p:cNvSpPr>
+            <a:spLocks noGrp="1"/>
+          </p:cNvSpPr>
+          <p:nvPr>
+            <p:ph type="sldNum" sz="quarter" idx="10"/>
+          </p:nvPr>
+        </p:nvSpPr>
+        <p:spPr/>
+        <p:txBody>
+          <a:bodyPr/>
+          <a:lstStyle/>
+          <a:p>
+            <a:fld id="{6336304E-FDE3-4B4F-A3B7-EBE87F3FA5E2}" type="slidenum">
+              <a:rPr lang="en-US" noProof="0" smtClean="0"/>
+              <a:t>26</a:t>
+            </a:fld>
+            <a:endParaRPr lang="en-US" noProof="0" dirty="0"/>
+          </a:p>
+        </p:txBody>
+      </p:sp>
+    </p:spTree>
+    <p:extLst>
+      <p:ext uri="{BB962C8B-B14F-4D97-AF65-F5344CB8AC3E}">
+        <p14:creationId xmlns:p14="http://schemas.microsoft.com/office/powerpoint/2010/main" val="1765374047"/>
       </p:ext>
     </p:extLst>
   </p:cSld>
@@ -7328,6 +7621,490 @@
     <p:extLst>
       <p:ext uri="{BB962C8B-B14F-4D97-AF65-F5344CB8AC3E}">
         <p14:creationId xmlns:p14="http://schemas.microsoft.com/office/powerpoint/2010/main" val="2604118457"/>
+      </p:ext>
+    </p:extLst>
+  </p:cSld>
+  <p:clrMapOvr>
+    <a:masterClrMapping/>
+  </p:clrMapOvr>
+</p:notes>
+</file>
+
+<file path=ppt/notesSlides/notesSlide20.xml><?xml version="1.0" encoding="utf-8"?>
+<p:notes xmlns:a="http://schemas.openxmlformats.org/drawingml/2006/main" xmlns:r="http://schemas.openxmlformats.org/officeDocument/2006/relationships" xmlns:p="http://schemas.openxmlformats.org/presentationml/2006/main">
+  <p:cSld>
+    <p:spTree>
+      <p:nvGrpSpPr>
+        <p:cNvPr id="1" name=""/>
+        <p:cNvGrpSpPr/>
+        <p:nvPr/>
+      </p:nvGrpSpPr>
+      <p:grpSpPr>
+        <a:xfrm>
+          <a:off x="0" y="0"/>
+          <a:ext cx="0" cy="0"/>
+          <a:chOff x="0" y="0"/>
+          <a:chExt cx="0" cy="0"/>
+        </a:xfrm>
+      </p:grpSpPr>
+      <p:sp>
+        <p:nvSpPr>
+          <p:cNvPr id="2" name="Slide Image Placeholder 1"/>
+          <p:cNvSpPr>
+            <a:spLocks noGrp="1" noRot="1" noChangeAspect="1"/>
+          </p:cNvSpPr>
+          <p:nvPr>
+            <p:ph type="sldImg"/>
+          </p:nvPr>
+        </p:nvSpPr>
+        <p:spPr/>
+      </p:sp>
+      <p:sp>
+        <p:nvSpPr>
+          <p:cNvPr id="3" name="Notes Placeholder 2"/>
+          <p:cNvSpPr>
+            <a:spLocks noGrp="1"/>
+          </p:cNvSpPr>
+          <p:nvPr>
+            <p:ph type="body" idx="1"/>
+          </p:nvPr>
+        </p:nvSpPr>
+        <p:spPr/>
+        <p:txBody>
+          <a:bodyPr/>
+          <a:lstStyle/>
+          <a:p>
+            <a:endParaRPr lang="en-US"/>
+          </a:p>
+        </p:txBody>
+      </p:sp>
+      <p:sp>
+        <p:nvSpPr>
+          <p:cNvPr id="4" name="Slide Number Placeholder 3"/>
+          <p:cNvSpPr>
+            <a:spLocks noGrp="1"/>
+          </p:cNvSpPr>
+          <p:nvPr>
+            <p:ph type="sldNum" sz="quarter" idx="10"/>
+          </p:nvPr>
+        </p:nvSpPr>
+        <p:spPr/>
+        <p:txBody>
+          <a:bodyPr/>
+          <a:lstStyle/>
+          <a:p>
+            <a:fld id="{6336304E-FDE3-4B4F-A3B7-EBE87F3FA5E2}" type="slidenum">
+              <a:rPr lang="en-US" noProof="0" smtClean="0"/>
+              <a:t>30</a:t>
+            </a:fld>
+            <a:endParaRPr lang="en-US" noProof="0" dirty="0"/>
+          </a:p>
+        </p:txBody>
+      </p:sp>
+    </p:spTree>
+    <p:extLst>
+      <p:ext uri="{BB962C8B-B14F-4D97-AF65-F5344CB8AC3E}">
+        <p14:creationId xmlns:p14="http://schemas.microsoft.com/office/powerpoint/2010/main" val="2061451182"/>
+      </p:ext>
+    </p:extLst>
+  </p:cSld>
+  <p:clrMapOvr>
+    <a:masterClrMapping/>
+  </p:clrMapOvr>
+</p:notes>
+</file>
+
+<file path=ppt/notesSlides/notesSlide21.xml><?xml version="1.0" encoding="utf-8"?>
+<p:notes xmlns:a="http://schemas.openxmlformats.org/drawingml/2006/main" xmlns:r="http://schemas.openxmlformats.org/officeDocument/2006/relationships" xmlns:p="http://schemas.openxmlformats.org/presentationml/2006/main">
+  <p:cSld>
+    <p:spTree>
+      <p:nvGrpSpPr>
+        <p:cNvPr id="1" name=""/>
+        <p:cNvGrpSpPr/>
+        <p:nvPr/>
+      </p:nvGrpSpPr>
+      <p:grpSpPr>
+        <a:xfrm>
+          <a:off x="0" y="0"/>
+          <a:ext cx="0" cy="0"/>
+          <a:chOff x="0" y="0"/>
+          <a:chExt cx="0" cy="0"/>
+        </a:xfrm>
+      </p:grpSpPr>
+      <p:sp>
+        <p:nvSpPr>
+          <p:cNvPr id="2" name="Slide Image Placeholder 1"/>
+          <p:cNvSpPr>
+            <a:spLocks noGrp="1" noRot="1" noChangeAspect="1"/>
+          </p:cNvSpPr>
+          <p:nvPr>
+            <p:ph type="sldImg"/>
+          </p:nvPr>
+        </p:nvSpPr>
+        <p:spPr/>
+      </p:sp>
+      <p:sp>
+        <p:nvSpPr>
+          <p:cNvPr id="3" name="Notes Placeholder 2"/>
+          <p:cNvSpPr>
+            <a:spLocks noGrp="1"/>
+          </p:cNvSpPr>
+          <p:nvPr>
+            <p:ph type="body" idx="1"/>
+          </p:nvPr>
+        </p:nvSpPr>
+        <p:spPr/>
+        <p:txBody>
+          <a:bodyPr/>
+          <a:lstStyle/>
+          <a:p>
+            <a:r>
+              <a:rPr lang="en-US" smtClean="0"/>
+              <a:t>Disini terlihat ada dua individu Fatmawati,</a:t>
+            </a:r>
+            <a:r>
+              <a:rPr lang="en-US" baseline="0" smtClean="0"/>
+              <a:t> </a:t>
+            </a:r>
+          </a:p>
+          <a:p>
+            <a:r>
+              <a:rPr lang="en-US" baseline="0" smtClean="0"/>
+              <a:t>hal ini disebabkan karena terdapat dua URL fatmawati dan fatmawati_soekarno di dbpedia</a:t>
+            </a:r>
+          </a:p>
+          <a:p>
+            <a:r>
+              <a:rPr lang="en-US" baseline="0" smtClean="0"/>
+              <a:t>Seperti yang dijelaskan di batasan masalah, system saya bergantung pada data dbpedia</a:t>
+            </a:r>
+          </a:p>
+          <a:p>
+            <a:r>
+              <a:rPr lang="en-US" baseline="0" smtClean="0"/>
+              <a:t>Dan tidak bisa menyamakan individu yang memiliki URL lebih dari satu</a:t>
+            </a:r>
+          </a:p>
+        </p:txBody>
+      </p:sp>
+      <p:sp>
+        <p:nvSpPr>
+          <p:cNvPr id="4" name="Slide Number Placeholder 3"/>
+          <p:cNvSpPr>
+            <a:spLocks noGrp="1"/>
+          </p:cNvSpPr>
+          <p:nvPr>
+            <p:ph type="sldNum" sz="quarter" idx="10"/>
+          </p:nvPr>
+        </p:nvSpPr>
+        <p:spPr/>
+        <p:txBody>
+          <a:bodyPr/>
+          <a:lstStyle/>
+          <a:p>
+            <a:fld id="{6336304E-FDE3-4B4F-A3B7-EBE87F3FA5E2}" type="slidenum">
+              <a:rPr lang="en-US" noProof="0" smtClean="0"/>
+              <a:t>31</a:t>
+            </a:fld>
+            <a:endParaRPr lang="en-US" noProof="0" dirty="0"/>
+          </a:p>
+        </p:txBody>
+      </p:sp>
+    </p:spTree>
+    <p:extLst>
+      <p:ext uri="{BB962C8B-B14F-4D97-AF65-F5344CB8AC3E}">
+        <p14:creationId xmlns:p14="http://schemas.microsoft.com/office/powerpoint/2010/main" val="1644155439"/>
+      </p:ext>
+    </p:extLst>
+  </p:cSld>
+  <p:clrMapOvr>
+    <a:masterClrMapping/>
+  </p:clrMapOvr>
+</p:notes>
+</file>
+
+<file path=ppt/notesSlides/notesSlide22.xml><?xml version="1.0" encoding="utf-8"?>
+<p:notes xmlns:a="http://schemas.openxmlformats.org/drawingml/2006/main" xmlns:r="http://schemas.openxmlformats.org/officeDocument/2006/relationships" xmlns:p="http://schemas.openxmlformats.org/presentationml/2006/main">
+  <p:cSld>
+    <p:spTree>
+      <p:nvGrpSpPr>
+        <p:cNvPr id="1" name=""/>
+        <p:cNvGrpSpPr/>
+        <p:nvPr/>
+      </p:nvGrpSpPr>
+      <p:grpSpPr>
+        <a:xfrm>
+          <a:off x="0" y="0"/>
+          <a:ext cx="0" cy="0"/>
+          <a:chOff x="0" y="0"/>
+          <a:chExt cx="0" cy="0"/>
+        </a:xfrm>
+      </p:grpSpPr>
+      <p:sp>
+        <p:nvSpPr>
+          <p:cNvPr id="2" name="Slide Image Placeholder 1"/>
+          <p:cNvSpPr>
+            <a:spLocks noGrp="1" noRot="1" noChangeAspect="1"/>
+          </p:cNvSpPr>
+          <p:nvPr>
+            <p:ph type="sldImg"/>
+          </p:nvPr>
+        </p:nvSpPr>
+        <p:spPr/>
+      </p:sp>
+      <p:sp>
+        <p:nvSpPr>
+          <p:cNvPr id="3" name="Notes Placeholder 2"/>
+          <p:cNvSpPr>
+            <a:spLocks noGrp="1"/>
+          </p:cNvSpPr>
+          <p:nvPr>
+            <p:ph type="body" idx="1"/>
+          </p:nvPr>
+        </p:nvSpPr>
+        <p:spPr/>
+        <p:txBody>
+          <a:bodyPr/>
+          <a:lstStyle/>
+          <a:p>
+            <a:r>
+              <a:rPr lang="en-US" smtClean="0"/>
+              <a:t>Disini terlihat ada dua individu Fatmawati,</a:t>
+            </a:r>
+            <a:r>
+              <a:rPr lang="en-US" baseline="0" smtClean="0"/>
+              <a:t> </a:t>
+            </a:r>
+          </a:p>
+          <a:p>
+            <a:r>
+              <a:rPr lang="en-US" baseline="0" smtClean="0"/>
+              <a:t>hal ini disebabkan karena terdapat dua URL fatmawati dan fatmawati_soekarno di dbpedia</a:t>
+            </a:r>
+          </a:p>
+          <a:p>
+            <a:r>
+              <a:rPr lang="en-US" baseline="0" smtClean="0"/>
+              <a:t>Seperti yang dijelaskan di batasan masalah, system saya bergantung pada data dbpedia</a:t>
+            </a:r>
+          </a:p>
+          <a:p>
+            <a:r>
+              <a:rPr lang="en-US" baseline="0" smtClean="0"/>
+              <a:t>Dan tidak bisa menyamakan individu yang memiliki URL lebih dari satu</a:t>
+            </a:r>
+          </a:p>
+        </p:txBody>
+      </p:sp>
+      <p:sp>
+        <p:nvSpPr>
+          <p:cNvPr id="4" name="Slide Number Placeholder 3"/>
+          <p:cNvSpPr>
+            <a:spLocks noGrp="1"/>
+          </p:cNvSpPr>
+          <p:nvPr>
+            <p:ph type="sldNum" sz="quarter" idx="10"/>
+          </p:nvPr>
+        </p:nvSpPr>
+        <p:spPr/>
+        <p:txBody>
+          <a:bodyPr/>
+          <a:lstStyle/>
+          <a:p>
+            <a:fld id="{6336304E-FDE3-4B4F-A3B7-EBE87F3FA5E2}" type="slidenum">
+              <a:rPr lang="en-US" noProof="0" smtClean="0"/>
+              <a:t>32</a:t>
+            </a:fld>
+            <a:endParaRPr lang="en-US" noProof="0" dirty="0"/>
+          </a:p>
+        </p:txBody>
+      </p:sp>
+    </p:spTree>
+    <p:extLst>
+      <p:ext uri="{BB962C8B-B14F-4D97-AF65-F5344CB8AC3E}">
+        <p14:creationId xmlns:p14="http://schemas.microsoft.com/office/powerpoint/2010/main" val="2434822640"/>
+      </p:ext>
+    </p:extLst>
+  </p:cSld>
+  <p:clrMapOvr>
+    <a:masterClrMapping/>
+  </p:clrMapOvr>
+</p:notes>
+</file>
+
+<file path=ppt/notesSlides/notesSlide23.xml><?xml version="1.0" encoding="utf-8"?>
+<p:notes xmlns:a="http://schemas.openxmlformats.org/drawingml/2006/main" xmlns:r="http://schemas.openxmlformats.org/officeDocument/2006/relationships" xmlns:p="http://schemas.openxmlformats.org/presentationml/2006/main">
+  <p:cSld>
+    <p:spTree>
+      <p:nvGrpSpPr>
+        <p:cNvPr id="1" name=""/>
+        <p:cNvGrpSpPr/>
+        <p:nvPr/>
+      </p:nvGrpSpPr>
+      <p:grpSpPr>
+        <a:xfrm>
+          <a:off x="0" y="0"/>
+          <a:ext cx="0" cy="0"/>
+          <a:chOff x="0" y="0"/>
+          <a:chExt cx="0" cy="0"/>
+        </a:xfrm>
+      </p:grpSpPr>
+      <p:sp>
+        <p:nvSpPr>
+          <p:cNvPr id="2" name="Slide Image Placeholder 1"/>
+          <p:cNvSpPr>
+            <a:spLocks noGrp="1" noRot="1" noChangeAspect="1"/>
+          </p:cNvSpPr>
+          <p:nvPr>
+            <p:ph type="sldImg"/>
+          </p:nvPr>
+        </p:nvSpPr>
+        <p:spPr/>
+      </p:sp>
+      <p:sp>
+        <p:nvSpPr>
+          <p:cNvPr id="3" name="Notes Placeholder 2"/>
+          <p:cNvSpPr>
+            <a:spLocks noGrp="1"/>
+          </p:cNvSpPr>
+          <p:nvPr>
+            <p:ph type="body" idx="1"/>
+          </p:nvPr>
+        </p:nvSpPr>
+        <p:spPr/>
+        <p:txBody>
+          <a:bodyPr/>
+          <a:lstStyle/>
+          <a:p>
+            <a:r>
+              <a:rPr lang="en-US" smtClean="0"/>
+              <a:t>Berikut yang ditampilkan bukan</a:t>
+            </a:r>
+            <a:r>
+              <a:rPr lang="en-US" baseline="0" smtClean="0"/>
+              <a:t> property nama atau label,</a:t>
+            </a:r>
+          </a:p>
+          <a:p>
+            <a:r>
+              <a:rPr lang="en-US" baseline="0" smtClean="0"/>
+              <a:t>Akan tetapi bagian dari string URLnya.</a:t>
+            </a:r>
+            <a:endParaRPr lang="en-US"/>
+          </a:p>
+        </p:txBody>
+      </p:sp>
+      <p:sp>
+        <p:nvSpPr>
+          <p:cNvPr id="4" name="Slide Number Placeholder 3"/>
+          <p:cNvSpPr>
+            <a:spLocks noGrp="1"/>
+          </p:cNvSpPr>
+          <p:nvPr>
+            <p:ph type="sldNum" sz="quarter" idx="10"/>
+          </p:nvPr>
+        </p:nvSpPr>
+        <p:spPr/>
+        <p:txBody>
+          <a:bodyPr/>
+          <a:lstStyle/>
+          <a:p>
+            <a:fld id="{6336304E-FDE3-4B4F-A3B7-EBE87F3FA5E2}" type="slidenum">
+              <a:rPr lang="en-US" noProof="0" smtClean="0"/>
+              <a:t>33</a:t>
+            </a:fld>
+            <a:endParaRPr lang="en-US" noProof="0" dirty="0"/>
+          </a:p>
+        </p:txBody>
+      </p:sp>
+    </p:spTree>
+    <p:extLst>
+      <p:ext uri="{BB962C8B-B14F-4D97-AF65-F5344CB8AC3E}">
+        <p14:creationId xmlns:p14="http://schemas.microsoft.com/office/powerpoint/2010/main" val="4139300707"/>
+      </p:ext>
+    </p:extLst>
+  </p:cSld>
+  <p:clrMapOvr>
+    <a:masterClrMapping/>
+  </p:clrMapOvr>
+</p:notes>
+</file>
+
+<file path=ppt/notesSlides/notesSlide24.xml><?xml version="1.0" encoding="utf-8"?>
+<p:notes xmlns:a="http://schemas.openxmlformats.org/drawingml/2006/main" xmlns:r="http://schemas.openxmlformats.org/officeDocument/2006/relationships" xmlns:p="http://schemas.openxmlformats.org/presentationml/2006/main">
+  <p:cSld>
+    <p:spTree>
+      <p:nvGrpSpPr>
+        <p:cNvPr id="1" name=""/>
+        <p:cNvGrpSpPr/>
+        <p:nvPr/>
+      </p:nvGrpSpPr>
+      <p:grpSpPr>
+        <a:xfrm>
+          <a:off x="0" y="0"/>
+          <a:ext cx="0" cy="0"/>
+          <a:chOff x="0" y="0"/>
+          <a:chExt cx="0" cy="0"/>
+        </a:xfrm>
+      </p:grpSpPr>
+      <p:sp>
+        <p:nvSpPr>
+          <p:cNvPr id="2" name="Slide Image Placeholder 1"/>
+          <p:cNvSpPr>
+            <a:spLocks noGrp="1" noRot="1" noChangeAspect="1"/>
+          </p:cNvSpPr>
+          <p:nvPr>
+            <p:ph type="sldImg"/>
+          </p:nvPr>
+        </p:nvSpPr>
+        <p:spPr/>
+      </p:sp>
+      <p:sp>
+        <p:nvSpPr>
+          <p:cNvPr id="3" name="Notes Placeholder 2"/>
+          <p:cNvSpPr>
+            <a:spLocks noGrp="1"/>
+          </p:cNvSpPr>
+          <p:nvPr>
+            <p:ph type="body" idx="1"/>
+          </p:nvPr>
+        </p:nvSpPr>
+        <p:spPr/>
+        <p:txBody>
+          <a:bodyPr/>
+          <a:lstStyle/>
+          <a:p>
+            <a:endParaRPr lang="en-US"/>
+          </a:p>
+        </p:txBody>
+      </p:sp>
+      <p:sp>
+        <p:nvSpPr>
+          <p:cNvPr id="4" name="Slide Number Placeholder 3"/>
+          <p:cNvSpPr>
+            <a:spLocks noGrp="1"/>
+          </p:cNvSpPr>
+          <p:nvPr>
+            <p:ph type="sldNum" sz="quarter" idx="10"/>
+          </p:nvPr>
+        </p:nvSpPr>
+        <p:spPr/>
+        <p:txBody>
+          <a:bodyPr/>
+          <a:lstStyle/>
+          <a:p>
+            <a:fld id="{6336304E-FDE3-4B4F-A3B7-EBE87F3FA5E2}" type="slidenum">
+              <a:rPr lang="en-US" smtClean="0"/>
+              <a:t>42</a:t>
+            </a:fld>
+            <a:endParaRPr lang="en-US"/>
+          </a:p>
+        </p:txBody>
+      </p:sp>
+    </p:spTree>
+    <p:extLst>
+      <p:ext uri="{BB962C8B-B14F-4D97-AF65-F5344CB8AC3E}">
+        <p14:creationId xmlns:p14="http://schemas.microsoft.com/office/powerpoint/2010/main" val="3066515254"/>
       </p:ext>
     </p:extLst>
   </p:cSld>
@@ -7559,29 +8336,32 @@
             </a:r>
             <a:r>
               <a:rPr lang="en-US" baseline="0" smtClean="0"/>
-              <a:t> dataset memiliki halaman dbpedia seperti berikut.</a:t>
-            </a:r>
+              <a:t> dataset harus memiliki halaman dbpedia seperti berikut</a:t>
+            </a:r>
+            <a:r>
+              <a:rPr lang="en-US" baseline="0" smtClean="0"/>
+              <a:t>.</a:t>
+            </a:r>
+          </a:p>
+          <a:p>
+            <a:r>
+              <a:rPr lang="en-US" baseline="0" smtClean="0"/>
+              <a:t>Setiap tokoh akan diambil data nama dan keluarganya, seperti anak, pasangan, dan orang tua.</a:t>
+            </a:r>
+            <a:endParaRPr lang="en-US" baseline="0" smtClean="0"/>
           </a:p>
           <a:p>
             <a:r>
               <a:rPr lang="en-US" smtClean="0"/>
-              <a:t>Data </a:t>
-            </a:r>
-            <a:r>
-              <a:rPr lang="en-US" smtClean="0"/>
-              <a:t>tokoh</a:t>
+              <a:t>Data tokoh</a:t>
             </a:r>
             <a:r>
               <a:rPr lang="en-US" baseline="0" smtClean="0"/>
-              <a:t> yang didapatkan dari halaman dbpedia </a:t>
+              <a:t> yang didapatkan dari halaman dbpedia didownload file .rdf nya lalu dimodelkan di aplikasi java yang berplugin apache </a:t>
             </a:r>
             <a:r>
               <a:rPr lang="en-US" baseline="0" smtClean="0"/>
-              <a:t>didownload </a:t>
-            </a:r>
-            <a:r>
-              <a:rPr lang="en-US" baseline="0" smtClean="0"/>
-              <a:t>file .rdf nya lalu dimodelkan di aplikasi java yang berplugin apache jena</a:t>
+              <a:t>jena.</a:t>
             </a:r>
             <a:endParaRPr lang="en-US"/>
           </a:p>
@@ -7773,15 +8553,7 @@
             </a:r>
             <a:r>
               <a:rPr lang="en-US" baseline="0" smtClean="0"/>
-              <a:t> </a:t>
-            </a:r>
-            <a:r>
-              <a:rPr lang="en-US" baseline="0" smtClean="0"/>
-              <a:t>data </a:t>
-            </a:r>
-            <a:r>
-              <a:rPr lang="en-US" baseline="0" smtClean="0"/>
-              <a:t>sederhana dari halaman DBpedia Ir Soekarno.</a:t>
+              <a:t> data sederhana dari halaman DBpedia Ir Soekarno.</a:t>
             </a:r>
           </a:p>
           <a:p>
@@ -7793,29 +8565,13 @@
           <a:p>
             <a:r>
               <a:rPr lang="en-US" baseline="0" smtClean="0"/>
-              <a:t>Setiap URL </a:t>
-            </a:r>
+              <a:t>Setiap URL memiliki propertynya masing2, seperti nama, jenis kelamin, dll</a:t>
+            </a:r>
+          </a:p>
+          <a:p>
             <a:r>
               <a:rPr lang="en-US" baseline="0" smtClean="0"/>
-              <a:t>memiliki propertynya masing2, </a:t>
-            </a:r>
-            <a:r>
-              <a:rPr lang="en-US" baseline="0" smtClean="0"/>
-              <a:t>seperti nama, jenis kelamin, dll</a:t>
-            </a:r>
-          </a:p>
-          <a:p>
-            <a:r>
-              <a:rPr lang="en-US" baseline="0" smtClean="0"/>
-              <a:t>ada </a:t>
-            </a:r>
-            <a:r>
-              <a:rPr lang="en-US" baseline="0" smtClean="0"/>
-              <a:t>dua jenis property yaitu data property (hijau) dan obj property(biru</a:t>
-            </a:r>
-            <a:r>
-              <a:rPr lang="en-US" baseline="0" smtClean="0"/>
-              <a:t>),</a:t>
+              <a:t>ada dua jenis property yaitu data property (hijau) dan obj property(biru),</a:t>
             </a:r>
           </a:p>
           <a:p>
@@ -7936,16 +8692,17 @@
             </a:r>
             <a:r>
               <a:rPr lang="en-US" baseline="0" smtClean="0"/>
-              <a:t> </a:t>
+              <a:t> data property dan obj property yang saya gunakan untuk pengerjaan ini. </a:t>
+            </a:r>
+            <a:r>
+              <a:rPr lang="en-US" smtClean="0"/>
+              <a:t>Ada di Subbab 3.3</a:t>
             </a:r>
             <a:r>
               <a:rPr lang="en-US" baseline="0" smtClean="0"/>
-              <a:t>data property dan obj property yang saya gunakan untuk pengerjaan ini. </a:t>
-            </a:r>
-            <a:r>
-              <a:rPr lang="en-US" smtClean="0"/>
-              <a:t>Ada di Subbab 2.2</a:t>
-            </a:r>
+              <a:t> table 3.6 dan 3.7</a:t>
+            </a:r>
+            <a:endParaRPr lang="en-US" smtClean="0"/>
           </a:p>
         </p:txBody>
       </p:sp>
@@ -8055,15 +8812,23 @@
           <a:p>
             <a:r>
               <a:rPr lang="en-US" baseline="0" smtClean="0"/>
-              <a:t>. </a:t>
-            </a:r>
+              <a:t>EquivalentTo ini diperlukan karena setiap tokoh memiliki nama property anak yang berbeda2, seperti dbp:children, dbo:child, dbp:issue,</a:t>
+            </a:r>
+          </a:p>
+          <a:p>
             <a:r>
               <a:rPr lang="en-US" baseline="0" smtClean="0"/>
-              <a:t>detail bisa dilihat </a:t>
+              <a:t>Property2 tersebut dijadikan satu yaitu hasChild</a:t>
+            </a:r>
+          </a:p>
+          <a:p>
+            <a:r>
+              <a:rPr lang="en-US" baseline="0" smtClean="0"/>
+              <a:t>. detail bisa dilihat </a:t>
             </a:r>
             <a:r>
               <a:rPr lang="en-US" smtClean="0"/>
-              <a:t>Ada di Subbab 2.2</a:t>
+              <a:t>Ada di Subbab 2.3</a:t>
             </a:r>
             <a:endParaRPr lang="en-US"/>
           </a:p>
@@ -16328,7 +17093,7 @@
           <a:p>
             <a:fld id="{11489015-5B70-4D85-AA05-A54131EA11AC}" type="datetime3">
               <a:rPr lang="en-US" smtClean="0"/>
-              <a:t>13 July 2019</a:t>
+              <a:t>14 July 2019</a:t>
             </a:fld>
             <a:endParaRPr lang="en-US"/>
           </a:p>
@@ -23818,7 +24583,7 @@
           <a:p>
             <a:fld id="{D951F27F-98F9-A147-8986-34441C7B752D}" type="datetime1">
               <a:rPr lang="en-US" noProof="0" smtClean="0"/>
-              <a:t>7/13/2019</a:t>
+              <a:t>7/14/2019</a:t>
             </a:fld>
             <a:endParaRPr lang="en-US" noProof="0" dirty="0"/>
           </a:p>
@@ -24777,7 +25542,7 @@
           <a:p>
             <a:r>
               <a:rPr lang="en-US" smtClean="0"/>
-              <a:t>Ontologi dbpedia</a:t>
+              <a:t>Pembuatan ontologi</a:t>
             </a:r>
             <a:endParaRPr lang="en-US" dirty="0"/>
           </a:p>
@@ -26238,23 +27003,7 @@
                           <a:latin typeface="+mn-lt"/>
                           <a:ea typeface="+mn-ea"/>
                         </a:rPr>
-                        <a:t> ini </a:t>
-                      </a:r>
-                      <a:r>
-                        <a:rPr lang="en-US" sz="1400" baseline="0" smtClean="0">
-                          <a:effectLst/>
-                          <a:latin typeface="+mn-lt"/>
-                          <a:ea typeface="+mn-ea"/>
-                        </a:rPr>
-                        <a:t>memberlakukan aturan </a:t>
-                      </a:r>
-                      <a:r>
-                        <a:rPr lang="en-US" sz="1400" baseline="0" smtClean="0">
-                          <a:effectLst/>
-                          <a:latin typeface="+mn-lt"/>
-                          <a:ea typeface="+mn-ea"/>
-                        </a:rPr>
-                        <a:t>kebalikan</a:t>
+                        <a:t> ini memberlakukan aturan kebalikan</a:t>
                       </a:r>
                       <a:endParaRPr lang="en-US" sz="1400">
                         <a:effectLst/>
@@ -26913,11 +27662,7 @@
           <a:p>
             <a:r>
               <a:rPr lang="en-US" sz="2400" smtClean="0"/>
-              <a:t>Karakteristik dan deskripsi </a:t>
-            </a:r>
-            <a:r>
-              <a:rPr lang="en-US" sz="2400" smtClean="0"/>
-              <a:t>property yang digunakan</a:t>
+              <a:t>Karakteristik dan deskripsi property yang digunakan</a:t>
             </a:r>
             <a:endParaRPr lang="en-US" sz="2400" dirty="0">
               <a:solidFill>
@@ -34763,8 +35508,8 @@
         </p:nvSpPr>
         <p:spPr>
           <a:xfrm>
-            <a:off x="102987" y="629446"/>
-            <a:ext cx="6959771" cy="587408"/>
+            <a:off x="0" y="699789"/>
+            <a:ext cx="7495017" cy="587408"/>
           </a:xfrm>
         </p:spPr>
         <p:txBody>
@@ -34773,7 +35518,7 @@
           <a:p>
             <a:r>
               <a:rPr lang="en-US" sz="2400" smtClean="0"/>
-              <a:t>Reasoning property isspouseof (symmetric</a:t>
+              <a:t>Reasoning property isspouseof (symmetric)</a:t>
             </a:r>
             <a:endParaRPr lang="en-US" sz="2400">
               <a:solidFill>
@@ -34894,7 +35639,7 @@
         </p:blipFill>
         <p:spPr>
           <a:xfrm>
-            <a:off x="367645" y="2836037"/>
+            <a:off x="0" y="2751196"/>
             <a:ext cx="2922310" cy="3901337"/>
           </a:xfrm>
           <a:prstGeom prst="rect">
@@ -35016,8 +35761,8 @@
         </p:nvSpPr>
         <p:spPr>
           <a:xfrm>
-            <a:off x="24347" y="686784"/>
-            <a:ext cx="6959771" cy="587408"/>
+            <a:off x="0" y="699789"/>
+            <a:ext cx="7495017" cy="587408"/>
           </a:xfrm>
         </p:spPr>
         <p:txBody>
@@ -35025,10 +35770,14 @@
           <a:lstStyle/>
           <a:p>
             <a:r>
-              <a:rPr lang="en-US" sz="2800" smtClean="0"/>
-              <a:t>Reasoning property haschild</a:t>
-            </a:r>
-            <a:endParaRPr lang="en-US" sz="2800"/>
+              <a:rPr lang="en-US" sz="2400" smtClean="0"/>
+              <a:t>Reasoning property isspouseof (symmetric)</a:t>
+            </a:r>
+            <a:endParaRPr lang="en-US" sz="2400">
+              <a:solidFill>
+                <a:srgbClr val="FF0000"/>
+              </a:solidFill>
+            </a:endParaRPr>
           </a:p>
         </p:txBody>
       </p:sp>
@@ -35128,49 +35877,32 @@
       </p:sp>
       <p:pic>
         <p:nvPicPr>
-          <p:cNvPr id="12" name="Picture 11"/>
-          <p:cNvPicPr/>
-          <p:nvPr/>
+          <p:cNvPr id="11" name="Content Placeholder 10"/>
+          <p:cNvPicPr>
+            <a:picLocks noGrp="1"/>
+          </p:cNvPicPr>
+          <p:nvPr>
+            <p:ph idx="19"/>
+          </p:nvPr>
         </p:nvPicPr>
         <p:blipFill rotWithShape="1">
-          <a:blip r:embed="rId2"/>
-          <a:srcRect l="52820" t="34407"/>
+          <a:blip r:embed="rId3"/>
+          <a:srcRect l="51965" t="34352"/>
           <a:stretch/>
         </p:blipFill>
         <p:spPr>
           <a:xfrm>
-            <a:off x="94267" y="2638129"/>
-            <a:ext cx="3751869" cy="4083182"/>
+            <a:off x="8465270" y="629446"/>
+            <a:ext cx="3663874" cy="3979231"/>
           </a:xfrm>
           <a:prstGeom prst="rect">
             <a:avLst/>
           </a:prstGeom>
         </p:spPr>
       </p:pic>
-      <p:pic>
-        <p:nvPicPr>
-          <p:cNvPr id="13" name="Picture 12"/>
-          <p:cNvPicPr/>
-          <p:nvPr/>
-        </p:nvPicPr>
-        <p:blipFill rotWithShape="1">
-          <a:blip r:embed="rId3"/>
-          <a:srcRect l="51477" t="34324"/>
-          <a:stretch/>
-        </p:blipFill>
-        <p:spPr>
-          <a:xfrm>
-            <a:off x="8135332" y="424206"/>
-            <a:ext cx="3984722" cy="4166557"/>
-          </a:xfrm>
-          <a:prstGeom prst="rect">
-            <a:avLst/>
-          </a:prstGeom>
-        </p:spPr>
-      </p:pic>
-      <p:sp>
-        <p:nvSpPr>
-          <p:cNvPr id="10" name="Right Arrow 9"/>
+      <p:sp>
+        <p:nvSpPr>
+          <p:cNvPr id="3" name="Right Arrow 2"/>
           <p:cNvSpPr/>
           <p:nvPr/>
         </p:nvSpPr>
@@ -35208,10 +35940,34 @@
           </a:p>
         </p:txBody>
       </p:sp>
+      <p:pic>
+        <p:nvPicPr>
+          <p:cNvPr id="12" name="Picture 11"/>
+          <p:cNvPicPr>
+            <a:picLocks noChangeAspect="1"/>
+          </p:cNvPicPr>
+          <p:nvPr/>
+        </p:nvPicPr>
+        <p:blipFill>
+          <a:blip r:embed="rId4"/>
+          <a:stretch>
+            <a:fillRect/>
+          </a:stretch>
+        </p:blipFill>
+        <p:spPr>
+          <a:xfrm>
+            <a:off x="5866" y="2645573"/>
+            <a:ext cx="4038234" cy="4211431"/>
+          </a:xfrm>
+          <a:prstGeom prst="rect">
+            <a:avLst/>
+          </a:prstGeom>
+        </p:spPr>
+      </p:pic>
     </p:spTree>
     <p:extLst>
       <p:ext uri="{BB962C8B-B14F-4D97-AF65-F5344CB8AC3E}">
-        <p14:creationId xmlns:p14="http://schemas.microsoft.com/office/powerpoint/2010/main" val="3377289643"/>
+        <p14:creationId xmlns:p14="http://schemas.microsoft.com/office/powerpoint/2010/main" val="3831800094"/>
       </p:ext>
     </p:extLst>
   </p:cSld>
@@ -35257,8 +36013,8 @@
         </p:nvSpPr>
         <p:spPr>
           <a:xfrm>
-            <a:off x="0" y="735365"/>
-            <a:ext cx="6959771" cy="587408"/>
+            <a:off x="0" y="687971"/>
+            <a:ext cx="7601938" cy="587408"/>
           </a:xfrm>
         </p:spPr>
         <p:txBody>
@@ -35266,10 +36022,10 @@
           <a:lstStyle/>
           <a:p>
             <a:r>
-              <a:rPr lang="en-US" sz="2800" smtClean="0"/>
-              <a:t>Reasoning property hasparent</a:t>
-            </a:r>
-            <a:endParaRPr lang="en-US" sz="2800"/>
+              <a:rPr lang="en-US" sz="2400" smtClean="0"/>
+              <a:t>Reasoning property haschild (equivalent to)</a:t>
+            </a:r>
+            <a:endParaRPr lang="en-US" sz="2400"/>
           </a:p>
         </p:txBody>
       </p:sp>
@@ -35374,14 +36130,14 @@
           <p:nvPr/>
         </p:nvPicPr>
         <p:blipFill rotWithShape="1">
-          <a:blip r:embed="rId2"/>
-          <a:srcRect l="52791" t="34304" r="-1"/>
+          <a:blip r:embed="rId3"/>
+          <a:srcRect l="52820" t="34407"/>
           <a:stretch/>
         </p:blipFill>
         <p:spPr>
           <a:xfrm>
-            <a:off x="292230" y="2518076"/>
-            <a:ext cx="4237700" cy="4160616"/>
+            <a:off x="94267" y="2638129"/>
+            <a:ext cx="3751869" cy="4083182"/>
           </a:xfrm>
           <a:prstGeom prst="rect">
             <a:avLst/>
@@ -35395,14 +36151,14 @@
           <p:nvPr/>
         </p:nvPicPr>
         <p:blipFill rotWithShape="1">
-          <a:blip r:embed="rId3"/>
-          <a:srcRect l="51598" t="34256"/>
+          <a:blip r:embed="rId4"/>
+          <a:srcRect l="51477" t="34324"/>
           <a:stretch/>
         </p:blipFill>
         <p:spPr>
           <a:xfrm>
-            <a:off x="7965648" y="443059"/>
-            <a:ext cx="4119515" cy="4110087"/>
+            <a:off x="8135332" y="424206"/>
+            <a:ext cx="3984722" cy="4166557"/>
           </a:xfrm>
           <a:prstGeom prst="rect">
             <a:avLst/>
@@ -35452,7 +36208,7 @@
     </p:spTree>
     <p:extLst>
       <p:ext uri="{BB962C8B-B14F-4D97-AF65-F5344CB8AC3E}">
-        <p14:creationId xmlns:p14="http://schemas.microsoft.com/office/powerpoint/2010/main" val="2123317077"/>
+        <p14:creationId xmlns:p14="http://schemas.microsoft.com/office/powerpoint/2010/main" val="3377289643"/>
       </p:ext>
     </p:extLst>
   </p:cSld>
@@ -35496,6 +36252,736 @@
             <p:ph type="title"/>
           </p:nvPr>
         </p:nvSpPr>
+        <p:spPr>
+          <a:xfrm>
+            <a:off x="0" y="735365"/>
+            <a:ext cx="7663992" cy="587408"/>
+          </a:xfrm>
+        </p:spPr>
+        <p:txBody>
+          <a:bodyPr/>
+          <a:lstStyle/>
+          <a:p>
+            <a:r>
+              <a:rPr lang="en-US" sz="2400" smtClean="0"/>
+              <a:t>Reasoning property hasparent (inverse of hasChild)</a:t>
+            </a:r>
+            <a:endParaRPr lang="en-US" sz="2400"/>
+          </a:p>
+        </p:txBody>
+      </p:sp>
+      <p:sp>
+        <p:nvSpPr>
+          <p:cNvPr id="4" name="Slide Number Placeholder 3"/>
+          <p:cNvSpPr>
+            <a:spLocks noGrp="1"/>
+          </p:cNvSpPr>
+          <p:nvPr>
+            <p:ph type="sldNum" sz="quarter" idx="12"/>
+          </p:nvPr>
+        </p:nvSpPr>
+        <p:spPr/>
+        <p:txBody>
+          <a:bodyPr/>
+          <a:lstStyle/>
+          <a:p>
+            <a:fld id="{9EC71654-96A5-4280-94F3-931C61A9F92C}" type="slidenum">
+              <a:rPr lang="en-US" noProof="0" smtClean="0"/>
+              <a:pPr/>
+              <a:t>24</a:t>
+            </a:fld>
+            <a:endParaRPr lang="en-US" noProof="0" dirty="0"/>
+          </a:p>
+        </p:txBody>
+      </p:sp>
+      <p:sp>
+        <p:nvSpPr>
+          <p:cNvPr id="5" name="Content Placeholder 4"/>
+          <p:cNvSpPr>
+            <a:spLocks noGrp="1"/>
+          </p:cNvSpPr>
+          <p:nvPr>
+            <p:ph idx="15"/>
+          </p:nvPr>
+        </p:nvSpPr>
+        <p:spPr/>
+        <p:txBody>
+          <a:bodyPr/>
+          <a:lstStyle/>
+          <a:p>
+            <a:r>
+              <a:rPr lang="en-US" smtClean="0"/>
+              <a:t>Sebelum reasoning</a:t>
+            </a:r>
+            <a:endParaRPr lang="en-US"/>
+          </a:p>
+        </p:txBody>
+      </p:sp>
+      <p:sp>
+        <p:nvSpPr>
+          <p:cNvPr id="7" name="Content Placeholder 6"/>
+          <p:cNvSpPr>
+            <a:spLocks noGrp="1"/>
+          </p:cNvSpPr>
+          <p:nvPr>
+            <p:ph idx="20"/>
+          </p:nvPr>
+        </p:nvSpPr>
+        <p:spPr/>
+        <p:txBody>
+          <a:bodyPr/>
+          <a:lstStyle/>
+          <a:p>
+            <a:r>
+              <a:rPr lang="en-US" smtClean="0"/>
+              <a:t>Sesudah reasoning</a:t>
+            </a:r>
+            <a:endParaRPr lang="en-US"/>
+          </a:p>
+        </p:txBody>
+      </p:sp>
+      <p:sp>
+        <p:nvSpPr>
+          <p:cNvPr id="8" name="Picture Placeholder 7"/>
+          <p:cNvSpPr>
+            <a:spLocks noGrp="1"/>
+          </p:cNvSpPr>
+          <p:nvPr>
+            <p:ph type="pic" sz="quarter" idx="21"/>
+          </p:nvPr>
+        </p:nvSpPr>
+        <p:spPr/>
+      </p:sp>
+      <p:sp>
+        <p:nvSpPr>
+          <p:cNvPr id="9" name="Picture Placeholder 8"/>
+          <p:cNvSpPr>
+            <a:spLocks noGrp="1"/>
+          </p:cNvSpPr>
+          <p:nvPr>
+            <p:ph type="pic" sz="quarter" idx="22"/>
+          </p:nvPr>
+        </p:nvSpPr>
+        <p:spPr/>
+      </p:sp>
+      <p:pic>
+        <p:nvPicPr>
+          <p:cNvPr id="12" name="Picture 11"/>
+          <p:cNvPicPr/>
+          <p:nvPr/>
+        </p:nvPicPr>
+        <p:blipFill rotWithShape="1">
+          <a:blip r:embed="rId3"/>
+          <a:srcRect l="52791" t="34304" r="-1"/>
+          <a:stretch/>
+        </p:blipFill>
+        <p:spPr>
+          <a:xfrm>
+            <a:off x="79473" y="2697384"/>
+            <a:ext cx="4237700" cy="4160616"/>
+          </a:xfrm>
+          <a:prstGeom prst="rect">
+            <a:avLst/>
+          </a:prstGeom>
+        </p:spPr>
+      </p:pic>
+      <p:pic>
+        <p:nvPicPr>
+          <p:cNvPr id="13" name="Picture 12"/>
+          <p:cNvPicPr/>
+          <p:nvPr/>
+        </p:nvPicPr>
+        <p:blipFill rotWithShape="1">
+          <a:blip r:embed="rId4"/>
+          <a:srcRect l="51598" t="34256"/>
+          <a:stretch/>
+        </p:blipFill>
+        <p:spPr>
+          <a:xfrm>
+            <a:off x="7965648" y="443059"/>
+            <a:ext cx="4119515" cy="4110087"/>
+          </a:xfrm>
+          <a:prstGeom prst="rect">
+            <a:avLst/>
+          </a:prstGeom>
+        </p:spPr>
+      </p:pic>
+      <p:sp>
+        <p:nvSpPr>
+          <p:cNvPr id="10" name="Right Arrow 9"/>
+          <p:cNvSpPr/>
+          <p:nvPr/>
+        </p:nvSpPr>
+        <p:spPr>
+          <a:xfrm rot="20357669">
+            <a:off x="4765986" y="3099988"/>
+            <a:ext cx="2375554" cy="849843"/>
+          </a:xfrm>
+          <a:prstGeom prst="rightArrow">
+            <a:avLst/>
+          </a:prstGeom>
+        </p:spPr>
+        <p:style>
+          <a:lnRef idx="2">
+            <a:schemeClr val="accent1">
+              <a:shade val="50000"/>
+            </a:schemeClr>
+          </a:lnRef>
+          <a:fillRef idx="1">
+            <a:schemeClr val="accent1"/>
+          </a:fillRef>
+          <a:effectRef idx="0">
+            <a:schemeClr val="accent1"/>
+          </a:effectRef>
+          <a:fontRef idx="minor">
+            <a:schemeClr val="lt1"/>
+          </a:fontRef>
+        </p:style>
+        <p:txBody>
+          <a:bodyPr rtlCol="0" anchor="ctr"/>
+          <a:lstStyle/>
+          <a:p>
+            <a:pPr algn="ctr"/>
+            <a:endParaRPr lang="en-US"/>
+          </a:p>
+        </p:txBody>
+      </p:sp>
+    </p:spTree>
+    <p:extLst>
+      <p:ext uri="{BB962C8B-B14F-4D97-AF65-F5344CB8AC3E}">
+        <p14:creationId xmlns:p14="http://schemas.microsoft.com/office/powerpoint/2010/main" val="2123317077"/>
+      </p:ext>
+    </p:extLst>
+  </p:cSld>
+  <p:clrMapOvr>
+    <a:masterClrMapping/>
+  </p:clrMapOvr>
+  <p:timing>
+    <p:tnLst>
+      <p:par>
+        <p:cTn id="1" dur="indefinite" restart="never" nodeType="tmRoot"/>
+      </p:par>
+    </p:tnLst>
+  </p:timing>
+</p:sld>
+</file>
+
+<file path=ppt/slides/slide25.xml><?xml version="1.0" encoding="utf-8"?>
+<p:sld xmlns:a="http://schemas.openxmlformats.org/drawingml/2006/main" xmlns:r="http://schemas.openxmlformats.org/officeDocument/2006/relationships" xmlns:p="http://schemas.openxmlformats.org/presentationml/2006/main">
+  <p:cSld>
+    <p:spTree>
+      <p:nvGrpSpPr>
+        <p:cNvPr id="1" name=""/>
+        <p:cNvGrpSpPr/>
+        <p:nvPr/>
+      </p:nvGrpSpPr>
+      <p:grpSpPr>
+        <a:xfrm>
+          <a:off x="0" y="0"/>
+          <a:ext cx="0" cy="0"/>
+          <a:chOff x="0" y="0"/>
+          <a:chExt cx="0" cy="0"/>
+        </a:xfrm>
+      </p:grpSpPr>
+      <p:sp>
+        <p:nvSpPr>
+          <p:cNvPr id="2" name="Title 1"/>
+          <p:cNvSpPr>
+            <a:spLocks noGrp="1"/>
+          </p:cNvSpPr>
+          <p:nvPr>
+            <p:ph type="title"/>
+          </p:nvPr>
+        </p:nvSpPr>
+        <p:spPr>
+          <a:xfrm>
+            <a:off x="0" y="735365"/>
+            <a:ext cx="7663992" cy="587408"/>
+          </a:xfrm>
+        </p:spPr>
+        <p:txBody>
+          <a:bodyPr/>
+          <a:lstStyle/>
+          <a:p>
+            <a:r>
+              <a:rPr lang="en-US" sz="2400" smtClean="0"/>
+              <a:t>Reasoning property hasparent (inverse of hasChild)</a:t>
+            </a:r>
+            <a:endParaRPr lang="en-US" sz="2400"/>
+          </a:p>
+        </p:txBody>
+      </p:sp>
+      <p:sp>
+        <p:nvSpPr>
+          <p:cNvPr id="4" name="Slide Number Placeholder 3"/>
+          <p:cNvSpPr>
+            <a:spLocks noGrp="1"/>
+          </p:cNvSpPr>
+          <p:nvPr>
+            <p:ph type="sldNum" sz="quarter" idx="12"/>
+          </p:nvPr>
+        </p:nvSpPr>
+        <p:spPr/>
+        <p:txBody>
+          <a:bodyPr/>
+          <a:lstStyle/>
+          <a:p>
+            <a:fld id="{9EC71654-96A5-4280-94F3-931C61A9F92C}" type="slidenum">
+              <a:rPr lang="en-US" noProof="0" smtClean="0"/>
+              <a:pPr/>
+              <a:t>25</a:t>
+            </a:fld>
+            <a:endParaRPr lang="en-US" noProof="0" dirty="0"/>
+          </a:p>
+        </p:txBody>
+      </p:sp>
+      <p:sp>
+        <p:nvSpPr>
+          <p:cNvPr id="5" name="Content Placeholder 4"/>
+          <p:cNvSpPr>
+            <a:spLocks noGrp="1"/>
+          </p:cNvSpPr>
+          <p:nvPr>
+            <p:ph idx="15"/>
+          </p:nvPr>
+        </p:nvSpPr>
+        <p:spPr/>
+        <p:txBody>
+          <a:bodyPr/>
+          <a:lstStyle/>
+          <a:p>
+            <a:r>
+              <a:rPr lang="en-US" smtClean="0"/>
+              <a:t>Sebelum reasoning</a:t>
+            </a:r>
+            <a:endParaRPr lang="en-US"/>
+          </a:p>
+        </p:txBody>
+      </p:sp>
+      <p:sp>
+        <p:nvSpPr>
+          <p:cNvPr id="7" name="Content Placeholder 6"/>
+          <p:cNvSpPr>
+            <a:spLocks noGrp="1"/>
+          </p:cNvSpPr>
+          <p:nvPr>
+            <p:ph idx="20"/>
+          </p:nvPr>
+        </p:nvSpPr>
+        <p:spPr/>
+        <p:txBody>
+          <a:bodyPr/>
+          <a:lstStyle/>
+          <a:p>
+            <a:r>
+              <a:rPr lang="en-US" smtClean="0"/>
+              <a:t>Sesudah reasoning</a:t>
+            </a:r>
+            <a:endParaRPr lang="en-US"/>
+          </a:p>
+        </p:txBody>
+      </p:sp>
+      <p:sp>
+        <p:nvSpPr>
+          <p:cNvPr id="8" name="Picture Placeholder 7"/>
+          <p:cNvSpPr>
+            <a:spLocks noGrp="1"/>
+          </p:cNvSpPr>
+          <p:nvPr>
+            <p:ph type="pic" sz="quarter" idx="21"/>
+          </p:nvPr>
+        </p:nvSpPr>
+        <p:spPr/>
+      </p:sp>
+      <p:sp>
+        <p:nvSpPr>
+          <p:cNvPr id="9" name="Picture Placeholder 8"/>
+          <p:cNvSpPr>
+            <a:spLocks noGrp="1"/>
+          </p:cNvSpPr>
+          <p:nvPr>
+            <p:ph type="pic" sz="quarter" idx="22"/>
+          </p:nvPr>
+        </p:nvSpPr>
+        <p:spPr/>
+      </p:sp>
+      <p:pic>
+        <p:nvPicPr>
+          <p:cNvPr id="13" name="Picture 12"/>
+          <p:cNvPicPr/>
+          <p:nvPr/>
+        </p:nvPicPr>
+        <p:blipFill rotWithShape="1">
+          <a:blip r:embed="rId3"/>
+          <a:srcRect l="51598" t="34256"/>
+          <a:stretch/>
+        </p:blipFill>
+        <p:spPr>
+          <a:xfrm>
+            <a:off x="7965648" y="443059"/>
+            <a:ext cx="4119515" cy="4110087"/>
+          </a:xfrm>
+          <a:prstGeom prst="rect">
+            <a:avLst/>
+          </a:prstGeom>
+        </p:spPr>
+      </p:pic>
+      <p:sp>
+        <p:nvSpPr>
+          <p:cNvPr id="10" name="Right Arrow 9"/>
+          <p:cNvSpPr/>
+          <p:nvPr/>
+        </p:nvSpPr>
+        <p:spPr>
+          <a:xfrm rot="20357669">
+            <a:off x="4765986" y="3099988"/>
+            <a:ext cx="2375554" cy="849843"/>
+          </a:xfrm>
+          <a:prstGeom prst="rightArrow">
+            <a:avLst/>
+          </a:prstGeom>
+        </p:spPr>
+        <p:style>
+          <a:lnRef idx="2">
+            <a:schemeClr val="accent1">
+              <a:shade val="50000"/>
+            </a:schemeClr>
+          </a:lnRef>
+          <a:fillRef idx="1">
+            <a:schemeClr val="accent1"/>
+          </a:fillRef>
+          <a:effectRef idx="0">
+            <a:schemeClr val="accent1"/>
+          </a:effectRef>
+          <a:fontRef idx="minor">
+            <a:schemeClr val="lt1"/>
+          </a:fontRef>
+        </p:style>
+        <p:txBody>
+          <a:bodyPr rtlCol="0" anchor="ctr"/>
+          <a:lstStyle/>
+          <a:p>
+            <a:pPr algn="ctr"/>
+            <a:endParaRPr lang="en-US"/>
+          </a:p>
+        </p:txBody>
+      </p:sp>
+      <p:pic>
+        <p:nvPicPr>
+          <p:cNvPr id="11" name="Picture 10"/>
+          <p:cNvPicPr>
+            <a:picLocks noChangeAspect="1"/>
+          </p:cNvPicPr>
+          <p:nvPr/>
+        </p:nvPicPr>
+        <p:blipFill>
+          <a:blip r:embed="rId4"/>
+          <a:stretch>
+            <a:fillRect/>
+          </a:stretch>
+        </p:blipFill>
+        <p:spPr>
+          <a:xfrm>
+            <a:off x="5866" y="2645573"/>
+            <a:ext cx="4038234" cy="4211431"/>
+          </a:xfrm>
+          <a:prstGeom prst="rect">
+            <a:avLst/>
+          </a:prstGeom>
+        </p:spPr>
+      </p:pic>
+    </p:spTree>
+    <p:extLst>
+      <p:ext uri="{BB962C8B-B14F-4D97-AF65-F5344CB8AC3E}">
+        <p14:creationId xmlns:p14="http://schemas.microsoft.com/office/powerpoint/2010/main" val="2332401686"/>
+      </p:ext>
+    </p:extLst>
+  </p:cSld>
+  <p:clrMapOvr>
+    <a:masterClrMapping/>
+  </p:clrMapOvr>
+  <p:timing>
+    <p:tnLst>
+      <p:par>
+        <p:cTn id="1" dur="indefinite" restart="never" nodeType="tmRoot"/>
+      </p:par>
+    </p:tnLst>
+  </p:timing>
+</p:sld>
+</file>
+
+<file path=ppt/slides/slide26.xml><?xml version="1.0" encoding="utf-8"?>
+<p:sld xmlns:a="http://schemas.openxmlformats.org/drawingml/2006/main" xmlns:r="http://schemas.openxmlformats.org/officeDocument/2006/relationships" xmlns:p="http://schemas.openxmlformats.org/presentationml/2006/main">
+  <p:cSld>
+    <p:spTree>
+      <p:nvGrpSpPr>
+        <p:cNvPr id="1" name=""/>
+        <p:cNvGrpSpPr/>
+        <p:nvPr/>
+      </p:nvGrpSpPr>
+      <p:grpSpPr>
+        <a:xfrm>
+          <a:off x="0" y="0"/>
+          <a:ext cx="0" cy="0"/>
+          <a:chOff x="0" y="0"/>
+          <a:chExt cx="0" cy="0"/>
+        </a:xfrm>
+      </p:grpSpPr>
+      <p:sp>
+        <p:nvSpPr>
+          <p:cNvPr id="2" name="Title 1"/>
+          <p:cNvSpPr>
+            <a:spLocks noGrp="1"/>
+          </p:cNvSpPr>
+          <p:nvPr>
+            <p:ph type="title"/>
+          </p:nvPr>
+        </p:nvSpPr>
+        <p:spPr>
+          <a:xfrm>
+            <a:off x="0" y="735365"/>
+            <a:ext cx="7663992" cy="587408"/>
+          </a:xfrm>
+        </p:spPr>
+        <p:txBody>
+          <a:bodyPr/>
+          <a:lstStyle/>
+          <a:p>
+            <a:r>
+              <a:rPr lang="en-US" sz="2400" smtClean="0"/>
+              <a:t>Reasoning property hasparent (inverse of hasChild)</a:t>
+            </a:r>
+            <a:endParaRPr lang="en-US" sz="2400"/>
+          </a:p>
+        </p:txBody>
+      </p:sp>
+      <p:sp>
+        <p:nvSpPr>
+          <p:cNvPr id="4" name="Slide Number Placeholder 3"/>
+          <p:cNvSpPr>
+            <a:spLocks noGrp="1"/>
+          </p:cNvSpPr>
+          <p:nvPr>
+            <p:ph type="sldNum" sz="quarter" idx="12"/>
+          </p:nvPr>
+        </p:nvSpPr>
+        <p:spPr/>
+        <p:txBody>
+          <a:bodyPr/>
+          <a:lstStyle/>
+          <a:p>
+            <a:fld id="{9EC71654-96A5-4280-94F3-931C61A9F92C}" type="slidenum">
+              <a:rPr lang="en-US" noProof="0" smtClean="0"/>
+              <a:pPr/>
+              <a:t>26</a:t>
+            </a:fld>
+            <a:endParaRPr lang="en-US" noProof="0" dirty="0"/>
+          </a:p>
+        </p:txBody>
+      </p:sp>
+      <p:sp>
+        <p:nvSpPr>
+          <p:cNvPr id="5" name="Content Placeholder 4"/>
+          <p:cNvSpPr>
+            <a:spLocks noGrp="1"/>
+          </p:cNvSpPr>
+          <p:nvPr>
+            <p:ph idx="15"/>
+          </p:nvPr>
+        </p:nvSpPr>
+        <p:spPr/>
+        <p:txBody>
+          <a:bodyPr/>
+          <a:lstStyle/>
+          <a:p>
+            <a:r>
+              <a:rPr lang="en-US" smtClean="0"/>
+              <a:t>Sebelum reasoning</a:t>
+            </a:r>
+            <a:endParaRPr lang="en-US"/>
+          </a:p>
+        </p:txBody>
+      </p:sp>
+      <p:sp>
+        <p:nvSpPr>
+          <p:cNvPr id="7" name="Content Placeholder 6"/>
+          <p:cNvSpPr>
+            <a:spLocks noGrp="1"/>
+          </p:cNvSpPr>
+          <p:nvPr>
+            <p:ph idx="20"/>
+          </p:nvPr>
+        </p:nvSpPr>
+        <p:spPr/>
+        <p:txBody>
+          <a:bodyPr/>
+          <a:lstStyle/>
+          <a:p>
+            <a:r>
+              <a:rPr lang="en-US" smtClean="0"/>
+              <a:t>Sesudah reasoning</a:t>
+            </a:r>
+            <a:endParaRPr lang="en-US"/>
+          </a:p>
+        </p:txBody>
+      </p:sp>
+      <p:sp>
+        <p:nvSpPr>
+          <p:cNvPr id="8" name="Picture Placeholder 7"/>
+          <p:cNvSpPr>
+            <a:spLocks noGrp="1"/>
+          </p:cNvSpPr>
+          <p:nvPr>
+            <p:ph type="pic" sz="quarter" idx="21"/>
+          </p:nvPr>
+        </p:nvSpPr>
+        <p:spPr/>
+      </p:sp>
+      <p:sp>
+        <p:nvSpPr>
+          <p:cNvPr id="9" name="Picture Placeholder 8"/>
+          <p:cNvSpPr>
+            <a:spLocks noGrp="1"/>
+          </p:cNvSpPr>
+          <p:nvPr>
+            <p:ph type="pic" sz="quarter" idx="22"/>
+          </p:nvPr>
+        </p:nvSpPr>
+        <p:spPr/>
+      </p:sp>
+      <p:pic>
+        <p:nvPicPr>
+          <p:cNvPr id="13" name="Picture 12"/>
+          <p:cNvPicPr/>
+          <p:nvPr/>
+        </p:nvPicPr>
+        <p:blipFill rotWithShape="1">
+          <a:blip r:embed="rId3"/>
+          <a:srcRect l="51598" t="34256"/>
+          <a:stretch/>
+        </p:blipFill>
+        <p:spPr>
+          <a:xfrm>
+            <a:off x="7965648" y="443059"/>
+            <a:ext cx="4119515" cy="4110087"/>
+          </a:xfrm>
+          <a:prstGeom prst="rect">
+            <a:avLst/>
+          </a:prstGeom>
+        </p:spPr>
+      </p:pic>
+      <p:sp>
+        <p:nvSpPr>
+          <p:cNvPr id="10" name="Right Arrow 9"/>
+          <p:cNvSpPr/>
+          <p:nvPr/>
+        </p:nvSpPr>
+        <p:spPr>
+          <a:xfrm rot="20357669">
+            <a:off x="4765986" y="3099988"/>
+            <a:ext cx="2375554" cy="849843"/>
+          </a:xfrm>
+          <a:prstGeom prst="rightArrow">
+            <a:avLst/>
+          </a:prstGeom>
+        </p:spPr>
+        <p:style>
+          <a:lnRef idx="2">
+            <a:schemeClr val="accent1">
+              <a:shade val="50000"/>
+            </a:schemeClr>
+          </a:lnRef>
+          <a:fillRef idx="1">
+            <a:schemeClr val="accent1"/>
+          </a:fillRef>
+          <a:effectRef idx="0">
+            <a:schemeClr val="accent1"/>
+          </a:effectRef>
+          <a:fontRef idx="minor">
+            <a:schemeClr val="lt1"/>
+          </a:fontRef>
+        </p:style>
+        <p:txBody>
+          <a:bodyPr rtlCol="0" anchor="ctr"/>
+          <a:lstStyle/>
+          <a:p>
+            <a:pPr algn="ctr"/>
+            <a:endParaRPr lang="en-US"/>
+          </a:p>
+        </p:txBody>
+      </p:sp>
+      <p:pic>
+        <p:nvPicPr>
+          <p:cNvPr id="12" name="Content Placeholder 9"/>
+          <p:cNvPicPr>
+            <a:picLocks noGrp="1"/>
+          </p:cNvPicPr>
+          <p:nvPr>
+            <p:ph idx="1"/>
+          </p:nvPr>
+        </p:nvPicPr>
+        <p:blipFill rotWithShape="1">
+          <a:blip r:embed="rId4"/>
+          <a:srcRect l="68722" t="34720"/>
+          <a:stretch/>
+        </p:blipFill>
+        <p:spPr>
+          <a:xfrm>
+            <a:off x="23282" y="2760623"/>
+            <a:ext cx="2922310" cy="3901337"/>
+          </a:xfrm>
+          <a:prstGeom prst="rect">
+            <a:avLst/>
+          </a:prstGeom>
+        </p:spPr>
+      </p:pic>
+    </p:spTree>
+    <p:extLst>
+      <p:ext uri="{BB962C8B-B14F-4D97-AF65-F5344CB8AC3E}">
+        <p14:creationId xmlns:p14="http://schemas.microsoft.com/office/powerpoint/2010/main" val="2097914298"/>
+      </p:ext>
+    </p:extLst>
+  </p:cSld>
+  <p:clrMapOvr>
+    <a:masterClrMapping/>
+  </p:clrMapOvr>
+  <p:timing>
+    <p:tnLst>
+      <p:par>
+        <p:cTn id="1" dur="indefinite" restart="never" nodeType="tmRoot"/>
+      </p:par>
+    </p:tnLst>
+  </p:timing>
+</p:sld>
+</file>
+
+<file path=ppt/slides/slide27.xml><?xml version="1.0" encoding="utf-8"?>
+<p:sld xmlns:a="http://schemas.openxmlformats.org/drawingml/2006/main" xmlns:r="http://schemas.openxmlformats.org/officeDocument/2006/relationships" xmlns:p="http://schemas.openxmlformats.org/presentationml/2006/main">
+  <p:cSld>
+    <p:spTree>
+      <p:nvGrpSpPr>
+        <p:cNvPr id="1" name=""/>
+        <p:cNvGrpSpPr/>
+        <p:nvPr/>
+      </p:nvGrpSpPr>
+      <p:grpSpPr>
+        <a:xfrm>
+          <a:off x="0" y="0"/>
+          <a:ext cx="0" cy="0"/>
+          <a:chOff x="0" y="0"/>
+          <a:chExt cx="0" cy="0"/>
+        </a:xfrm>
+      </p:grpSpPr>
+      <p:sp>
+        <p:nvSpPr>
+          <p:cNvPr id="2" name="Title 1"/>
+          <p:cNvSpPr>
+            <a:spLocks noGrp="1"/>
+          </p:cNvSpPr>
+          <p:nvPr>
+            <p:ph type="title"/>
+          </p:nvPr>
+        </p:nvSpPr>
         <p:spPr/>
         <p:txBody>
           <a:bodyPr/>
@@ -35531,7 +37017,7 @@
             <a:fld id="{9EC71654-96A5-4280-94F3-931C61A9F92C}" type="slidenum">
               <a:rPr lang="en-US" noProof="0" smtClean="0"/>
               <a:pPr/>
-              <a:t>24</a:t>
+              <a:t>27</a:t>
             </a:fld>
             <a:endParaRPr lang="en-US" noProof="0" dirty="0"/>
           </a:p>
@@ -35628,7 +37114,7 @@
 </p:sld>
 </file>
 
-<file path=ppt/slides/slide25.xml><?xml version="1.0" encoding="utf-8"?>
+<file path=ppt/slides/slide28.xml><?xml version="1.0" encoding="utf-8"?>
 <p:sld xmlns:a="http://schemas.openxmlformats.org/drawingml/2006/main" xmlns:r="http://schemas.openxmlformats.org/officeDocument/2006/relationships" xmlns:p="http://schemas.openxmlformats.org/presentationml/2006/main">
   <p:cSld>
     <p:spTree>
@@ -35645,6 +37131,30 @@
           <a:chExt cx="0" cy="0"/>
         </a:xfrm>
       </p:grpSpPr>
+      <p:pic>
+        <p:nvPicPr>
+          <p:cNvPr id="4" name="Picture 3"/>
+          <p:cNvPicPr>
+            <a:picLocks noChangeAspect="1"/>
+          </p:cNvPicPr>
+          <p:nvPr/>
+        </p:nvPicPr>
+        <p:blipFill>
+          <a:blip r:embed="rId2"/>
+          <a:stretch>
+            <a:fillRect/>
+          </a:stretch>
+        </p:blipFill>
+        <p:spPr>
+          <a:xfrm>
+            <a:off x="1319752" y="1652656"/>
+            <a:ext cx="8475405" cy="3121254"/>
+          </a:xfrm>
+          <a:prstGeom prst="rect">
+            <a:avLst/>
+          </a:prstGeom>
+        </p:spPr>
+      </p:pic>
       <p:sp>
         <p:nvSpPr>
           <p:cNvPr id="2" name="Title 1"/>
@@ -35690,35 +37200,12 @@
             <a:fld id="{9EC71654-96A5-4280-94F3-931C61A9F92C}" type="slidenum">
               <a:rPr lang="en-US" noProof="0" smtClean="0"/>
               <a:pPr/>
-              <a:t>25</a:t>
+              <a:t>28</a:t>
             </a:fld>
             <a:endParaRPr lang="en-US" noProof="0" dirty="0"/>
           </a:p>
         </p:txBody>
       </p:sp>
-      <p:pic>
-        <p:nvPicPr>
-          <p:cNvPr id="6" name="Picture 5"/>
-          <p:cNvPicPr>
-            <a:picLocks noChangeAspect="1"/>
-          </p:cNvPicPr>
-          <p:nvPr/>
-        </p:nvPicPr>
-        <p:blipFill rotWithShape="1">
-          <a:blip r:embed="rId2"/>
-          <a:srcRect l="1026" t="56750" r="54072"/>
-          <a:stretch/>
-        </p:blipFill>
-        <p:spPr>
-          <a:xfrm>
-            <a:off x="1577781" y="1802934"/>
-            <a:ext cx="9026913" cy="3532638"/>
-          </a:xfrm>
-          <a:prstGeom prst="rect">
-            <a:avLst/>
-          </a:prstGeom>
-        </p:spPr>
-      </p:pic>
       <p:sp>
         <p:nvSpPr>
           <p:cNvPr id="5" name="Rectangle 4"/>
@@ -35775,7 +37262,7 @@
         </p:nvCxnSpPr>
         <p:spPr>
           <a:xfrm>
-            <a:off x="6258645" y="3377762"/>
+            <a:off x="5905274" y="3170372"/>
             <a:ext cx="636832" cy="722054"/>
           </a:xfrm>
           <a:prstGeom prst="straightConnector1">
@@ -35811,7 +37298,7 @@
         </p:nvCxnSpPr>
         <p:spPr>
           <a:xfrm flipH="1">
-            <a:off x="3572759" y="3310932"/>
+            <a:off x="3652510" y="3103542"/>
             <a:ext cx="273377" cy="855715"/>
           </a:xfrm>
           <a:prstGeom prst="straightConnector1">
@@ -35859,7 +37346,7 @@
 </p:sld>
 </file>
 
-<file path=ppt/slides/slide26.xml><?xml version="1.0" encoding="utf-8"?>
+<file path=ppt/slides/slide29.xml><?xml version="1.0" encoding="utf-8"?>
 <p:sld xmlns:a="http://schemas.openxmlformats.org/drawingml/2006/main" xmlns:r="http://schemas.openxmlformats.org/officeDocument/2006/relationships" xmlns:p="http://schemas.openxmlformats.org/presentationml/2006/main">
   <p:cSld>
     <p:spTree>
@@ -35876,6 +37363,30 @@
           <a:chExt cx="0" cy="0"/>
         </a:xfrm>
       </p:grpSpPr>
+      <p:pic>
+        <p:nvPicPr>
+          <p:cNvPr id="7" name="Picture 6"/>
+          <p:cNvPicPr>
+            <a:picLocks noChangeAspect="1"/>
+          </p:cNvPicPr>
+          <p:nvPr/>
+        </p:nvPicPr>
+        <p:blipFill>
+          <a:blip r:embed="rId2"/>
+          <a:stretch>
+            <a:fillRect/>
+          </a:stretch>
+        </p:blipFill>
+        <p:spPr>
+          <a:xfrm>
+            <a:off x="0" y="2111175"/>
+            <a:ext cx="12192000" cy="2635649"/>
+          </a:xfrm>
+          <a:prstGeom prst="rect">
+            <a:avLst/>
+          </a:prstGeom>
+        </p:spPr>
+      </p:pic>
       <p:sp>
         <p:nvSpPr>
           <p:cNvPr id="2" name="Title 1"/>
@@ -35921,35 +37432,12 @@
             <a:fld id="{9EC71654-96A5-4280-94F3-931C61A9F92C}" type="slidenum">
               <a:rPr lang="en-US" noProof="0" smtClean="0"/>
               <a:pPr/>
-              <a:t>26</a:t>
+              <a:t>29</a:t>
             </a:fld>
             <a:endParaRPr lang="en-US" noProof="0" dirty="0"/>
           </a:p>
         </p:txBody>
       </p:sp>
-      <p:pic>
-        <p:nvPicPr>
-          <p:cNvPr id="4" name="Picture 3"/>
-          <p:cNvPicPr>
-            <a:picLocks noChangeAspect="1"/>
-          </p:cNvPicPr>
-          <p:nvPr/>
-        </p:nvPicPr>
-        <p:blipFill rotWithShape="1">
-          <a:blip r:embed="rId2"/>
-          <a:srcRect l="782" t="53548" r="7332" b="-1"/>
-          <a:stretch/>
-        </p:blipFill>
-        <p:spPr>
-          <a:xfrm>
-            <a:off x="433632" y="1367858"/>
-            <a:ext cx="11224523" cy="2304102"/>
-          </a:xfrm>
-          <a:prstGeom prst="rect">
-            <a:avLst/>
-          </a:prstGeom>
-        </p:spPr>
-      </p:pic>
       <p:sp>
         <p:nvSpPr>
           <p:cNvPr id="5" name="Rectangle 4"/>
@@ -36006,8 +37494,8 @@
         </p:nvCxnSpPr>
         <p:spPr>
           <a:xfrm>
-            <a:off x="5623189" y="2300141"/>
-            <a:ext cx="405352" cy="895546"/>
+            <a:off x="5962554" y="3139126"/>
+            <a:ext cx="372258" cy="1065229"/>
           </a:xfrm>
           <a:prstGeom prst="straightConnector1">
             <a:avLst/>
@@ -36054,7 +37542,7 @@
 </p:sld>
 </file>
 
-<file path=ppt/slides/slide27.xml><?xml version="1.0" encoding="utf-8"?>
+<file path=ppt/slides/slide3.xml><?xml version="1.0" encoding="utf-8"?>
 <p:sld xmlns:a="http://schemas.openxmlformats.org/drawingml/2006/main" xmlns:r="http://schemas.openxmlformats.org/officeDocument/2006/relationships" xmlns:p="http://schemas.openxmlformats.org/presentationml/2006/main">
   <p:cSld>
     <p:spTree>
@@ -36073,12 +37561,60 @@
       </p:grpSpPr>
       <p:sp>
         <p:nvSpPr>
-          <p:cNvPr id="2" name="Title 1"/>
+          <p:cNvPr id="7" name="Rectangle 6"/>
+          <p:cNvSpPr/>
+          <p:nvPr/>
+        </p:nvSpPr>
+        <p:spPr>
+          <a:xfrm>
+            <a:off x="4402318" y="4053526"/>
+            <a:ext cx="2837468" cy="2804474"/>
+          </a:xfrm>
+          <a:prstGeom prst="rect">
+            <a:avLst/>
+          </a:prstGeom>
+          <a:solidFill>
+            <a:schemeClr val="bg1"/>
+          </a:solidFill>
+          <a:ln>
+            <a:solidFill>
+              <a:schemeClr val="bg1"/>
+            </a:solidFill>
+          </a:ln>
+        </p:spPr>
+        <p:style>
+          <a:lnRef idx="2">
+            <a:schemeClr val="accent1">
+              <a:shade val="50000"/>
+            </a:schemeClr>
+          </a:lnRef>
+          <a:fillRef idx="1">
+            <a:schemeClr val="accent1"/>
+          </a:fillRef>
+          <a:effectRef idx="0">
+            <a:schemeClr val="accent1"/>
+          </a:effectRef>
+          <a:fontRef idx="minor">
+            <a:schemeClr val="lt1"/>
+          </a:fontRef>
+        </p:style>
+        <p:txBody>
+          <a:bodyPr rtlCol="0" anchor="ctr"/>
+          <a:lstStyle/>
+          <a:p>
+            <a:pPr algn="ctr"/>
+            <a:endParaRPr lang="en-US"/>
+          </a:p>
+        </p:txBody>
+      </p:sp>
+      <p:sp>
+        <p:nvSpPr>
+          <p:cNvPr id="2" name="Content Placeholder 1"/>
           <p:cNvSpPr>
             <a:spLocks noGrp="1"/>
           </p:cNvSpPr>
           <p:nvPr>
-            <p:ph type="title"/>
+            <p:ph idx="1"/>
           </p:nvPr>
         </p:nvSpPr>
         <p:spPr/>
@@ -36087,17 +37623,45 @@
           <a:lstStyle/>
           <a:p>
             <a:r>
-              <a:rPr lang="en-US" smtClean="0">
-                <a:latin typeface="+mn-lt"/>
-              </a:rPr>
-              <a:t>Visualisasi 4 (kasus memiliki cicit)</a:t>
-            </a:r>
-            <a:endParaRPr lang="en-US">
-              <a:solidFill>
-                <a:srgbClr val="FF0000"/>
-              </a:solidFill>
-              <a:latin typeface="+mn-lt"/>
-            </a:endParaRPr>
+              <a:rPr lang="en-US" sz="2800" b="1" smtClean="0"/>
+              <a:t>Tokoh sejarah </a:t>
+            </a:r>
+            <a:r>
+              <a:rPr lang="en-US" sz="2800" smtClean="0"/>
+              <a:t>adalah seseorang </a:t>
+            </a:r>
+            <a:r>
+              <a:rPr lang="en-US" sz="2800"/>
+              <a:t>yang namanya dikenang </a:t>
+            </a:r>
+            <a:r>
+              <a:rPr lang="en-US" sz="2800" smtClean="0"/>
+              <a:t>atas jasanya.</a:t>
+            </a:r>
+          </a:p>
+          <a:p>
+            <a:r>
+              <a:rPr lang="en-US" sz="2800" smtClean="0"/>
+              <a:t>Setiap tokoh memiliki </a:t>
+            </a:r>
+            <a:r>
+              <a:rPr lang="en-US" sz="2800" b="1" smtClean="0"/>
+              <a:t>relasi</a:t>
+            </a:r>
+            <a:r>
+              <a:rPr lang="en-US" sz="2800" smtClean="0"/>
+              <a:t> yang berbeda-beda.</a:t>
+            </a:r>
+          </a:p>
+          <a:p>
+            <a:r>
+              <a:rPr lang="en-US" sz="2800" smtClean="0"/>
+              <a:t>Keterkaitan antar tokoh dapat dimodelkan dengan </a:t>
+            </a:r>
+            <a:r>
+              <a:rPr lang="en-US" sz="2800" b="1" smtClean="0"/>
+              <a:t>ontologi.</a:t>
+            </a:r>
           </a:p>
         </p:txBody>
       </p:sp>
@@ -36119,38 +37683,61 @@
             <a:fld id="{9EC71654-96A5-4280-94F3-931C61A9F92C}" type="slidenum">
               <a:rPr lang="en-US" noProof="0" smtClean="0"/>
               <a:pPr/>
-              <a:t>27</a:t>
+              <a:t>3</a:t>
             </a:fld>
             <a:endParaRPr lang="en-US" noProof="0" dirty="0"/>
           </a:p>
         </p:txBody>
       </p:sp>
+      <p:sp>
+        <p:nvSpPr>
+          <p:cNvPr id="5" name="Title 4"/>
+          <p:cNvSpPr>
+            <a:spLocks noGrp="1"/>
+          </p:cNvSpPr>
+          <p:nvPr>
+            <p:ph type="title"/>
+          </p:nvPr>
+        </p:nvSpPr>
+        <p:spPr/>
+        <p:txBody>
+          <a:bodyPr/>
+          <a:lstStyle/>
+          <a:p>
+            <a:r>
+              <a:rPr lang="en-US" smtClean="0"/>
+              <a:t>Latar belakang</a:t>
+            </a:r>
+            <a:endParaRPr lang="en-US"/>
+          </a:p>
+        </p:txBody>
+      </p:sp>
       <p:pic>
         <p:nvPicPr>
-          <p:cNvPr id="4" name="Picture 3"/>
+          <p:cNvPr id="9" name="Picture Placeholder 8"/>
           <p:cNvPicPr>
-            <a:picLocks noChangeAspect="1"/>
+            <a:picLocks noGrp="1" noChangeAspect="1"/>
           </p:cNvPicPr>
-          <p:nvPr/>
+          <p:nvPr>
+            <p:ph type="pic" sz="quarter" idx="13"/>
+          </p:nvPr>
         </p:nvPicPr>
         <p:blipFill rotWithShape="1">
-          <a:blip r:embed="rId3"/>
-          <a:srcRect l="3170" t="40323" r="7757" b="12715"/>
+          <a:blip r:embed="rId3">
+            <a:extLst>
+              <a:ext uri="{28A0092B-C50C-407E-A947-70E740481C1C}">
+                <a14:useLocalDpi xmlns:a14="http://schemas.microsoft.com/office/drawing/2010/main" val="0"/>
+              </a:ext>
+            </a:extLst>
+          </a:blip>
+          <a:srcRect l="13748" t="27760" r="12479" b="18356"/>
           <a:stretch/>
         </p:blipFill>
-        <p:spPr>
-          <a:xfrm>
-            <a:off x="395926" y="1464074"/>
-            <a:ext cx="10859678" cy="2347274"/>
-          </a:xfrm>
-          <a:prstGeom prst="rect">
-            <a:avLst/>
-          </a:prstGeom>
-        </p:spPr>
+        <p:spPr/>
       </p:pic>
       <p:sp>
         <p:nvSpPr>
-          <p:cNvPr id="5" name="Rectangle 4"/>
+          <p:cNvPr id="4" name="Rectangle 3"/>
           <p:cNvSpPr/>
           <p:nvPr/>
         </p:nvSpPr>
@@ -36196,6 +37783,169 @@
           </a:p>
         </p:txBody>
       </p:sp>
+    </p:spTree>
+    <p:extLst>
+      <p:ext uri="{BB962C8B-B14F-4D97-AF65-F5344CB8AC3E}">
+        <p14:creationId xmlns:p14="http://schemas.microsoft.com/office/powerpoint/2010/main" val="324405449"/>
+      </p:ext>
+    </p:extLst>
+  </p:cSld>
+  <p:clrMapOvr>
+    <a:masterClrMapping/>
+  </p:clrMapOvr>
+  <p:timing>
+    <p:tnLst>
+      <p:par>
+        <p:cTn id="1" dur="indefinite" restart="never" nodeType="tmRoot"/>
+      </p:par>
+    </p:tnLst>
+  </p:timing>
+</p:sld>
+</file>
+
+<file path=ppt/slides/slide30.xml><?xml version="1.0" encoding="utf-8"?>
+<p:sld xmlns:a="http://schemas.openxmlformats.org/drawingml/2006/main" xmlns:r="http://schemas.openxmlformats.org/officeDocument/2006/relationships" xmlns:p="http://schemas.openxmlformats.org/presentationml/2006/main">
+  <p:cSld>
+    <p:spTree>
+      <p:nvGrpSpPr>
+        <p:cNvPr id="1" name=""/>
+        <p:cNvGrpSpPr/>
+        <p:nvPr/>
+      </p:nvGrpSpPr>
+      <p:grpSpPr>
+        <a:xfrm>
+          <a:off x="0" y="0"/>
+          <a:ext cx="0" cy="0"/>
+          <a:chOff x="0" y="0"/>
+          <a:chExt cx="0" cy="0"/>
+        </a:xfrm>
+      </p:grpSpPr>
+      <p:pic>
+        <p:nvPicPr>
+          <p:cNvPr id="7" name="Picture 6"/>
+          <p:cNvPicPr>
+            <a:picLocks noChangeAspect="1"/>
+          </p:cNvPicPr>
+          <p:nvPr/>
+        </p:nvPicPr>
+        <p:blipFill>
+          <a:blip r:embed="rId3"/>
+          <a:stretch>
+            <a:fillRect/>
+          </a:stretch>
+        </p:blipFill>
+        <p:spPr>
+          <a:xfrm>
+            <a:off x="0" y="2077580"/>
+            <a:ext cx="12192000" cy="2702840"/>
+          </a:xfrm>
+          <a:prstGeom prst="rect">
+            <a:avLst/>
+          </a:prstGeom>
+        </p:spPr>
+      </p:pic>
+      <p:sp>
+        <p:nvSpPr>
+          <p:cNvPr id="2" name="Title 1"/>
+          <p:cNvSpPr>
+            <a:spLocks noGrp="1"/>
+          </p:cNvSpPr>
+          <p:nvPr>
+            <p:ph type="title"/>
+          </p:nvPr>
+        </p:nvSpPr>
+        <p:spPr/>
+        <p:txBody>
+          <a:bodyPr/>
+          <a:lstStyle/>
+          <a:p>
+            <a:r>
+              <a:rPr lang="en-US" smtClean="0">
+                <a:latin typeface="+mn-lt"/>
+              </a:rPr>
+              <a:t>Visualisasi 4 (kasus memiliki cicit)</a:t>
+            </a:r>
+            <a:endParaRPr lang="en-US">
+              <a:solidFill>
+                <a:srgbClr val="FF0000"/>
+              </a:solidFill>
+              <a:latin typeface="+mn-lt"/>
+            </a:endParaRPr>
+          </a:p>
+        </p:txBody>
+      </p:sp>
+      <p:sp>
+        <p:nvSpPr>
+          <p:cNvPr id="3" name="Slide Number Placeholder 2"/>
+          <p:cNvSpPr>
+            <a:spLocks noGrp="1"/>
+          </p:cNvSpPr>
+          <p:nvPr>
+            <p:ph type="sldNum" sz="quarter" idx="12"/>
+          </p:nvPr>
+        </p:nvSpPr>
+        <p:spPr/>
+        <p:txBody>
+          <a:bodyPr/>
+          <a:lstStyle/>
+          <a:p>
+            <a:fld id="{9EC71654-96A5-4280-94F3-931C61A9F92C}" type="slidenum">
+              <a:rPr lang="en-US" noProof="0" smtClean="0"/>
+              <a:pPr/>
+              <a:t>30</a:t>
+            </a:fld>
+            <a:endParaRPr lang="en-US" noProof="0" dirty="0"/>
+          </a:p>
+        </p:txBody>
+      </p:sp>
+      <p:sp>
+        <p:nvSpPr>
+          <p:cNvPr id="5" name="Rectangle 4"/>
+          <p:cNvSpPr/>
+          <p:nvPr/>
+        </p:nvSpPr>
+        <p:spPr>
+          <a:xfrm>
+            <a:off x="395926" y="6176963"/>
+            <a:ext cx="1319752" cy="563202"/>
+          </a:xfrm>
+          <a:prstGeom prst="rect">
+            <a:avLst/>
+          </a:prstGeom>
+          <a:solidFill>
+            <a:schemeClr val="bg1"/>
+          </a:solidFill>
+          <a:ln>
+            <a:solidFill>
+              <a:schemeClr val="bg1"/>
+            </a:solidFill>
+          </a:ln>
+        </p:spPr>
+        <p:style>
+          <a:lnRef idx="2">
+            <a:schemeClr val="accent1">
+              <a:shade val="50000"/>
+            </a:schemeClr>
+          </a:lnRef>
+          <a:fillRef idx="1">
+            <a:schemeClr val="accent1"/>
+          </a:fillRef>
+          <a:effectRef idx="0">
+            <a:schemeClr val="accent1"/>
+          </a:effectRef>
+          <a:fontRef idx="minor">
+            <a:schemeClr val="lt1"/>
+          </a:fontRef>
+        </p:style>
+        <p:txBody>
+          <a:bodyPr rtlCol="0" anchor="ctr"/>
+          <a:lstStyle/>
+          <a:p>
+            <a:pPr algn="ctr"/>
+            <a:endParaRPr lang="en-US"/>
+          </a:p>
+        </p:txBody>
+      </p:sp>
       <p:cxnSp>
         <p:nvCxnSpPr>
           <p:cNvPr id="6" name="Straight Arrow Connector 5"/>
@@ -36204,8 +37954,8 @@
         </p:nvCxnSpPr>
         <p:spPr>
           <a:xfrm>
-            <a:off x="5429840" y="2173327"/>
-            <a:ext cx="1036948" cy="1390005"/>
+            <a:off x="5891753" y="2927472"/>
+            <a:ext cx="1027521" cy="1597394"/>
           </a:xfrm>
           <a:prstGeom prst="straightConnector1">
             <a:avLst/>
@@ -36252,7 +38002,7 @@
 </p:sld>
 </file>
 
-<file path=ppt/slides/slide28.xml><?xml version="1.0" encoding="utf-8"?>
+<file path=ppt/slides/slide31.xml><?xml version="1.0" encoding="utf-8"?>
 <p:sld xmlns:a="http://schemas.openxmlformats.org/drawingml/2006/main" xmlns:r="http://schemas.openxmlformats.org/officeDocument/2006/relationships" xmlns:p="http://schemas.openxmlformats.org/presentationml/2006/main">
   <p:cSld>
     <p:spTree>
@@ -36314,41 +38064,12 @@
             <a:fld id="{9EC71654-96A5-4280-94F3-931C61A9F92C}" type="slidenum">
               <a:rPr lang="en-US" noProof="0" smtClean="0"/>
               <a:pPr/>
-              <a:t>28</a:t>
+              <a:t>31</a:t>
             </a:fld>
             <a:endParaRPr lang="en-US" noProof="0" dirty="0"/>
           </a:p>
         </p:txBody>
       </p:sp>
-      <p:pic>
-        <p:nvPicPr>
-          <p:cNvPr id="4" name="Picture 3"/>
-          <p:cNvPicPr>
-            <a:picLocks noChangeAspect="1"/>
-          </p:cNvPicPr>
-          <p:nvPr/>
-        </p:nvPicPr>
-        <p:blipFill rotWithShape="1">
-          <a:blip r:embed="rId2">
-            <a:extLst>
-              <a:ext uri="{28A0092B-C50C-407E-A947-70E740481C1C}">
-                <a14:useLocalDpi xmlns:a14="http://schemas.microsoft.com/office/drawing/2010/main" val="0"/>
-              </a:ext>
-            </a:extLst>
-          </a:blip>
-          <a:srcRect l="928" t="14797" r="20599" b="30892"/>
-          <a:stretch/>
-        </p:blipFill>
-        <p:spPr>
-          <a:xfrm>
-            <a:off x="2507530" y="1375736"/>
-            <a:ext cx="6353666" cy="5482264"/>
-          </a:xfrm>
-          <a:prstGeom prst="rect">
-            <a:avLst/>
-          </a:prstGeom>
-        </p:spPr>
-      </p:pic>
       <p:sp>
         <p:nvSpPr>
           <p:cNvPr id="5" name="Rectangle 4"/>
@@ -36397,10 +38118,34 @@
           </a:p>
         </p:txBody>
       </p:sp>
+      <p:pic>
+        <p:nvPicPr>
+          <p:cNvPr id="6" name="Picture 5"/>
+          <p:cNvPicPr>
+            <a:picLocks noChangeAspect="1"/>
+          </p:cNvPicPr>
+          <p:nvPr/>
+        </p:nvPicPr>
+        <p:blipFill>
+          <a:blip r:embed="rId3"/>
+          <a:stretch>
+            <a:fillRect/>
+          </a:stretch>
+        </p:blipFill>
+        <p:spPr>
+          <a:xfrm>
+            <a:off x="3299381" y="1166957"/>
+            <a:ext cx="4866284" cy="4290644"/>
+          </a:xfrm>
+          <a:prstGeom prst="rect">
+            <a:avLst/>
+          </a:prstGeom>
+        </p:spPr>
+      </p:pic>
     </p:spTree>
     <p:extLst>
       <p:ext uri="{BB962C8B-B14F-4D97-AF65-F5344CB8AC3E}">
-        <p14:creationId xmlns:p14="http://schemas.microsoft.com/office/powerpoint/2010/main" val="350214557"/>
+        <p14:creationId xmlns:p14="http://schemas.microsoft.com/office/powerpoint/2010/main" val="4029304043"/>
       </p:ext>
     </p:extLst>
   </p:cSld>
@@ -36417,7 +38162,7 @@
 </p:sld>
 </file>
 
-<file path=ppt/slides/slide29.xml><?xml version="1.0" encoding="utf-8"?>
+<file path=ppt/slides/slide32.xml><?xml version="1.0" encoding="utf-8"?>
 <p:sld xmlns:a="http://schemas.openxmlformats.org/drawingml/2006/main" xmlns:r="http://schemas.openxmlformats.org/officeDocument/2006/relationships" xmlns:p="http://schemas.openxmlformats.org/presentationml/2006/main">
   <p:cSld>
     <p:spTree>
@@ -36436,29 +38181,6 @@
       </p:grpSpPr>
       <p:sp>
         <p:nvSpPr>
-          <p:cNvPr id="2" name="Title 1"/>
-          <p:cNvSpPr>
-            <a:spLocks noGrp="1"/>
-          </p:cNvSpPr>
-          <p:nvPr>
-            <p:ph type="title"/>
-          </p:nvPr>
-        </p:nvSpPr>
-        <p:spPr/>
-        <p:txBody>
-          <a:bodyPr/>
-          <a:lstStyle/>
-          <a:p>
-            <a:r>
-              <a:rPr lang="en-US" sz="2400" smtClean="0"/>
-              <a:t>Visualisasi 6 (kasus memiliki relasi yang tidak memiliki properti nama)</a:t>
-            </a:r>
-            <a:endParaRPr lang="en-US" sz="2400"/>
-          </a:p>
-        </p:txBody>
-      </p:sp>
-      <p:sp>
-        <p:nvSpPr>
           <p:cNvPr id="3" name="Slide Number Placeholder 2"/>
           <p:cNvSpPr>
             <a:spLocks noGrp="1"/>
@@ -36475,35 +38197,12 @@
             <a:fld id="{9EC71654-96A5-4280-94F3-931C61A9F92C}" type="slidenum">
               <a:rPr lang="en-US" noProof="0" smtClean="0"/>
               <a:pPr/>
-              <a:t>29</a:t>
+              <a:t>32</a:t>
             </a:fld>
             <a:endParaRPr lang="en-US" noProof="0" dirty="0"/>
           </a:p>
         </p:txBody>
       </p:sp>
-      <p:pic>
-        <p:nvPicPr>
-          <p:cNvPr id="4" name="Picture 3"/>
-          <p:cNvPicPr>
-            <a:picLocks noChangeAspect="1"/>
-          </p:cNvPicPr>
-          <p:nvPr/>
-        </p:nvPicPr>
-        <p:blipFill rotWithShape="1">
-          <a:blip r:embed="rId2"/>
-          <a:srcRect l="773" t="62280" r="75258"/>
-          <a:stretch/>
-        </p:blipFill>
-        <p:spPr>
-          <a:xfrm>
-            <a:off x="3365369" y="1706249"/>
-            <a:ext cx="4411744" cy="2546349"/>
-          </a:xfrm>
-          <a:prstGeom prst="rect">
-            <a:avLst/>
-          </a:prstGeom>
-        </p:spPr>
-      </p:pic>
       <p:sp>
         <p:nvSpPr>
           <p:cNvPr id="5" name="Rectangle 4"/>
@@ -36552,48 +38251,45 @@
           </a:p>
         </p:txBody>
       </p:sp>
-      <p:sp>
-        <p:nvSpPr>
-          <p:cNvPr id="6" name="Oval 5"/>
-          <p:cNvSpPr/>
+      <p:pic>
+        <p:nvPicPr>
+          <p:cNvPr id="6" name="Picture 5"/>
+          <p:cNvPicPr>
+            <a:picLocks noChangeAspect="1"/>
+          </p:cNvPicPr>
           <p:nvPr/>
-        </p:nvSpPr>
+        </p:nvPicPr>
+        <p:blipFill>
+          <a:blip r:embed="rId3"/>
+          <a:stretch>
+            <a:fillRect/>
+          </a:stretch>
+        </p:blipFill>
         <p:spPr>
           <a:xfrm>
-            <a:off x="4600279" y="2576151"/>
-            <a:ext cx="2432116" cy="806544"/>
+            <a:off x="2479250" y="1"/>
+            <a:ext cx="7644437" cy="6843862"/>
           </a:xfrm>
-          <a:prstGeom prst="ellipse">
+          <a:prstGeom prst="rect">
             <a:avLst/>
           </a:prstGeom>
-          <a:noFill/>
-          <a:ln>
-            <a:solidFill>
-              <a:srgbClr val="FF0000"/>
-            </a:solidFill>
-          </a:ln>
         </p:spPr>
-        <p:style>
-          <a:lnRef idx="2">
-            <a:schemeClr val="accent1">
-              <a:shade val="50000"/>
-            </a:schemeClr>
-          </a:lnRef>
-          <a:fillRef idx="1">
-            <a:schemeClr val="accent1"/>
-          </a:fillRef>
-          <a:effectRef idx="0">
-            <a:schemeClr val="accent1"/>
-          </a:effectRef>
-          <a:fontRef idx="minor">
-            <a:schemeClr val="lt1"/>
-          </a:fontRef>
-        </p:style>
+      </p:pic>
+      <p:sp>
+        <p:nvSpPr>
+          <p:cNvPr id="7" name="Title 6"/>
+          <p:cNvSpPr>
+            <a:spLocks noGrp="1"/>
+          </p:cNvSpPr>
+          <p:nvPr>
+            <p:ph type="title"/>
+          </p:nvPr>
+        </p:nvSpPr>
+        <p:spPr/>
         <p:txBody>
-          <a:bodyPr rtlCol="0" anchor="ctr"/>
+          <a:bodyPr/>
           <a:lstStyle/>
           <a:p>
-            <a:pPr algn="ctr"/>
             <a:endParaRPr lang="en-US"/>
           </a:p>
         </p:txBody>
@@ -36601,7 +38297,7 @@
     </p:spTree>
     <p:extLst>
       <p:ext uri="{BB962C8B-B14F-4D97-AF65-F5344CB8AC3E}">
-        <p14:creationId xmlns:p14="http://schemas.microsoft.com/office/powerpoint/2010/main" val="1345547420"/>
+        <p14:creationId xmlns:p14="http://schemas.microsoft.com/office/powerpoint/2010/main" val="350214557"/>
       </p:ext>
     </p:extLst>
   </p:cSld>
@@ -36618,7 +38314,7 @@
 </p:sld>
 </file>
 
-<file path=ppt/slides/slide3.xml><?xml version="1.0" encoding="utf-8"?>
+<file path=ppt/slides/slide33.xml><?xml version="1.0" encoding="utf-8"?>
 <p:sld xmlns:a="http://schemas.openxmlformats.org/drawingml/2006/main" xmlns:r="http://schemas.openxmlformats.org/officeDocument/2006/relationships" xmlns:p="http://schemas.openxmlformats.org/presentationml/2006/main">
   <p:cSld>
     <p:spTree>
@@ -36637,60 +38333,12 @@
       </p:grpSpPr>
       <p:sp>
         <p:nvSpPr>
-          <p:cNvPr id="7" name="Rectangle 6"/>
-          <p:cNvSpPr/>
-          <p:nvPr/>
-        </p:nvSpPr>
-        <p:spPr>
-          <a:xfrm>
-            <a:off x="4402318" y="4053526"/>
-            <a:ext cx="2837468" cy="2804474"/>
-          </a:xfrm>
-          <a:prstGeom prst="rect">
-            <a:avLst/>
-          </a:prstGeom>
-          <a:solidFill>
-            <a:schemeClr val="bg1"/>
-          </a:solidFill>
-          <a:ln>
-            <a:solidFill>
-              <a:schemeClr val="bg1"/>
-            </a:solidFill>
-          </a:ln>
-        </p:spPr>
-        <p:style>
-          <a:lnRef idx="2">
-            <a:schemeClr val="accent1">
-              <a:shade val="50000"/>
-            </a:schemeClr>
-          </a:lnRef>
-          <a:fillRef idx="1">
-            <a:schemeClr val="accent1"/>
-          </a:fillRef>
-          <a:effectRef idx="0">
-            <a:schemeClr val="accent1"/>
-          </a:effectRef>
-          <a:fontRef idx="minor">
-            <a:schemeClr val="lt1"/>
-          </a:fontRef>
-        </p:style>
-        <p:txBody>
-          <a:bodyPr rtlCol="0" anchor="ctr"/>
-          <a:lstStyle/>
-          <a:p>
-            <a:pPr algn="ctr"/>
-            <a:endParaRPr lang="en-US"/>
-          </a:p>
-        </p:txBody>
-      </p:sp>
-      <p:sp>
-        <p:nvSpPr>
-          <p:cNvPr id="2" name="Content Placeholder 1"/>
+          <p:cNvPr id="2" name="Title 1"/>
           <p:cNvSpPr>
             <a:spLocks noGrp="1"/>
           </p:cNvSpPr>
           <p:nvPr>
-            <p:ph idx="1"/>
+            <p:ph type="title"/>
           </p:nvPr>
         </p:nvSpPr>
         <p:spPr/>
@@ -36699,46 +38347,10 @@
           <a:lstStyle/>
           <a:p>
             <a:r>
-              <a:rPr lang="en-US" sz="2800" b="1" smtClean="0"/>
-              <a:t>Tokoh sejarah </a:t>
-            </a:r>
-            <a:r>
-              <a:rPr lang="en-US" sz="2800" smtClean="0"/>
-              <a:t>adalah seseorang </a:t>
-            </a:r>
-            <a:r>
-              <a:rPr lang="en-US" sz="2800"/>
-              <a:t>yang namanya dikenang satas </a:t>
-            </a:r>
-            <a:r>
-              <a:rPr lang="en-US" sz="2800" smtClean="0"/>
-              <a:t>jasanya.</a:t>
-            </a:r>
-          </a:p>
-          <a:p>
-            <a:r>
-              <a:rPr lang="en-US" sz="2800" smtClean="0"/>
-              <a:t>Setiap tokoh memiliki </a:t>
-            </a:r>
-            <a:r>
-              <a:rPr lang="en-US" sz="2800" b="1" smtClean="0"/>
-              <a:t>relasi</a:t>
-            </a:r>
-            <a:r>
-              <a:rPr lang="en-US" sz="2800" smtClean="0"/>
-              <a:t> yang berbeda-beda.</a:t>
-            </a:r>
-          </a:p>
-          <a:p>
-            <a:r>
-              <a:rPr lang="en-US" sz="2800" smtClean="0"/>
-              <a:t>Keterkaitan antar tokoh dapat dimodelkan dengan </a:t>
-            </a:r>
-            <a:r>
-              <a:rPr lang="en-US" sz="2800" b="1" smtClean="0"/>
-              <a:t>ontologi.</a:t>
-            </a:r>
-            <a:endParaRPr lang="en-US" sz="2800" b="1" smtClean="0"/>
+              <a:rPr lang="en-US" sz="2400" smtClean="0"/>
+              <a:t>Visualisasi 6 (kasus memiliki relasi yang tidak memiliki properti nama)</a:t>
+            </a:r>
+            <a:endParaRPr lang="en-US" sz="2400"/>
           </a:p>
         </p:txBody>
       </p:sp>
@@ -36760,61 +38372,38 @@
             <a:fld id="{9EC71654-96A5-4280-94F3-931C61A9F92C}" type="slidenum">
               <a:rPr lang="en-US" noProof="0" smtClean="0"/>
               <a:pPr/>
-              <a:t>3</a:t>
+              <a:t>33</a:t>
             </a:fld>
             <a:endParaRPr lang="en-US" noProof="0" dirty="0"/>
           </a:p>
         </p:txBody>
       </p:sp>
-      <p:sp>
-        <p:nvSpPr>
-          <p:cNvPr id="5" name="Title 4"/>
-          <p:cNvSpPr>
-            <a:spLocks noGrp="1"/>
-          </p:cNvSpPr>
-          <p:nvPr>
-            <p:ph type="title"/>
-          </p:nvPr>
-        </p:nvSpPr>
-        <p:spPr/>
-        <p:txBody>
-          <a:bodyPr/>
-          <a:lstStyle/>
-          <a:p>
-            <a:r>
-              <a:rPr lang="en-US" smtClean="0"/>
-              <a:t>Latar belakang</a:t>
-            </a:r>
-            <a:endParaRPr lang="en-US"/>
-          </a:p>
-        </p:txBody>
-      </p:sp>
       <p:pic>
         <p:nvPicPr>
-          <p:cNvPr id="9" name="Picture Placeholder 8"/>
+          <p:cNvPr id="4" name="Picture 3"/>
           <p:cNvPicPr>
-            <a:picLocks noGrp="1" noChangeAspect="1"/>
+            <a:picLocks noChangeAspect="1"/>
           </p:cNvPicPr>
-          <p:nvPr>
-            <p:ph type="pic" sz="quarter" idx="13"/>
-          </p:nvPr>
+          <p:nvPr/>
         </p:nvPicPr>
         <p:blipFill rotWithShape="1">
-          <a:blip r:embed="rId3">
-            <a:extLst>
-              <a:ext uri="{28A0092B-C50C-407E-A947-70E740481C1C}">
-                <a14:useLocalDpi xmlns:a14="http://schemas.microsoft.com/office/drawing/2010/main" val="0"/>
-              </a:ext>
-            </a:extLst>
-          </a:blip>
-          <a:srcRect l="13748" t="27760" r="12479" b="18356"/>
+          <a:blip r:embed="rId3"/>
+          <a:srcRect l="773" t="62280" r="75258"/>
           <a:stretch/>
         </p:blipFill>
-        <p:spPr/>
+        <p:spPr>
+          <a:xfrm>
+            <a:off x="3365369" y="1706249"/>
+            <a:ext cx="4411744" cy="2546349"/>
+          </a:xfrm>
+          <a:prstGeom prst="rect">
+            <a:avLst/>
+          </a:prstGeom>
+        </p:spPr>
       </p:pic>
       <p:sp>
         <p:nvSpPr>
-          <p:cNvPr id="4" name="Rectangle 3"/>
+          <p:cNvPr id="5" name="Rectangle 4"/>
           <p:cNvSpPr/>
           <p:nvPr/>
         </p:nvSpPr>
@@ -36860,10 +38449,56 @@
           </a:p>
         </p:txBody>
       </p:sp>
+      <p:sp>
+        <p:nvSpPr>
+          <p:cNvPr id="6" name="Oval 5"/>
+          <p:cNvSpPr/>
+          <p:nvPr/>
+        </p:nvSpPr>
+        <p:spPr>
+          <a:xfrm>
+            <a:off x="4600279" y="2576151"/>
+            <a:ext cx="2432116" cy="806544"/>
+          </a:xfrm>
+          <a:prstGeom prst="ellipse">
+            <a:avLst/>
+          </a:prstGeom>
+          <a:noFill/>
+          <a:ln>
+            <a:solidFill>
+              <a:srgbClr val="FF0000"/>
+            </a:solidFill>
+          </a:ln>
+        </p:spPr>
+        <p:style>
+          <a:lnRef idx="2">
+            <a:schemeClr val="accent1">
+              <a:shade val="50000"/>
+            </a:schemeClr>
+          </a:lnRef>
+          <a:fillRef idx="1">
+            <a:schemeClr val="accent1"/>
+          </a:fillRef>
+          <a:effectRef idx="0">
+            <a:schemeClr val="accent1"/>
+          </a:effectRef>
+          <a:fontRef idx="minor">
+            <a:schemeClr val="lt1"/>
+          </a:fontRef>
+        </p:style>
+        <p:txBody>
+          <a:bodyPr rtlCol="0" anchor="ctr"/>
+          <a:lstStyle/>
+          <a:p>
+            <a:pPr algn="ctr"/>
+            <a:endParaRPr lang="en-US"/>
+          </a:p>
+        </p:txBody>
+      </p:sp>
     </p:spTree>
     <p:extLst>
       <p:ext uri="{BB962C8B-B14F-4D97-AF65-F5344CB8AC3E}">
-        <p14:creationId xmlns:p14="http://schemas.microsoft.com/office/powerpoint/2010/main" val="324405449"/>
+        <p14:creationId xmlns:p14="http://schemas.microsoft.com/office/powerpoint/2010/main" val="1345547420"/>
       </p:ext>
     </p:extLst>
   </p:cSld>
@@ -36880,7 +38515,7 @@
 </p:sld>
 </file>
 
-<file path=ppt/slides/slide30.xml><?xml version="1.0" encoding="utf-8"?>
+<file path=ppt/slides/slide34.xml><?xml version="1.0" encoding="utf-8"?>
 <p:sld xmlns:a="http://schemas.openxmlformats.org/drawingml/2006/main" xmlns:r="http://schemas.openxmlformats.org/officeDocument/2006/relationships" xmlns:p="http://schemas.openxmlformats.org/presentationml/2006/main" show="0">
   <p:cSld>
     <p:spTree>
@@ -36942,7 +38577,7 @@
             <a:fld id="{9EC71654-96A5-4280-94F3-931C61A9F92C}" type="slidenum">
               <a:rPr lang="en-US" noProof="0" smtClean="0"/>
               <a:pPr/>
-              <a:t>30</a:t>
+              <a:t>34</a:t>
             </a:fld>
             <a:endParaRPr lang="en-US" noProof="0" dirty="0"/>
           </a:p>
@@ -37182,7 +38817,7 @@
 </p:sld>
 </file>
 
-<file path=ppt/slides/slide31.xml><?xml version="1.0" encoding="utf-8"?>
+<file path=ppt/slides/slide35.xml><?xml version="1.0" encoding="utf-8"?>
 <p:sld xmlns:a="http://schemas.openxmlformats.org/drawingml/2006/main" xmlns:r="http://schemas.openxmlformats.org/officeDocument/2006/relationships" xmlns:p="http://schemas.openxmlformats.org/presentationml/2006/main" show="0">
   <p:cSld>
     <p:spTree>
@@ -37244,7 +38879,7 @@
             <a:fld id="{9EC71654-96A5-4280-94F3-931C61A9F92C}" type="slidenum">
               <a:rPr lang="en-US" noProof="0" smtClean="0"/>
               <a:pPr/>
-              <a:t>31</a:t>
+              <a:t>35</a:t>
             </a:fld>
             <a:endParaRPr lang="en-US" noProof="0" dirty="0"/>
           </a:p>
@@ -37447,7 +39082,7 @@
 </p:sld>
 </file>
 
-<file path=ppt/slides/slide32.xml><?xml version="1.0" encoding="utf-8"?>
+<file path=ppt/slides/slide36.xml><?xml version="1.0" encoding="utf-8"?>
 <p:sld xmlns:a="http://schemas.openxmlformats.org/drawingml/2006/main" xmlns:r="http://schemas.openxmlformats.org/officeDocument/2006/relationships" xmlns:p="http://schemas.openxmlformats.org/presentationml/2006/main" show="0">
   <p:cSld>
     <p:spTree>
@@ -37509,7 +39144,7 @@
             <a:fld id="{9EC71654-96A5-4280-94F3-931C61A9F92C}" type="slidenum">
               <a:rPr lang="en-US" noProof="0" smtClean="0"/>
               <a:pPr/>
-              <a:t>32</a:t>
+              <a:t>36</a:t>
             </a:fld>
             <a:endParaRPr lang="en-US" noProof="0" dirty="0"/>
           </a:p>
@@ -37650,7 +39285,7 @@
 </p:sld>
 </file>
 
-<file path=ppt/slides/slide33.xml><?xml version="1.0" encoding="utf-8"?>
+<file path=ppt/slides/slide37.xml><?xml version="1.0" encoding="utf-8"?>
 <p:sld xmlns:a="http://schemas.openxmlformats.org/drawingml/2006/main" xmlns:r="http://schemas.openxmlformats.org/officeDocument/2006/relationships" xmlns:p="http://schemas.openxmlformats.org/presentationml/2006/main" show="0">
   <p:cSld>
     <p:spTree>
@@ -37712,7 +39347,7 @@
             <a:fld id="{9EC71654-96A5-4280-94F3-931C61A9F92C}" type="slidenum">
               <a:rPr lang="en-US" noProof="0" smtClean="0"/>
               <a:pPr/>
-              <a:t>33</a:t>
+              <a:t>37</a:t>
             </a:fld>
             <a:endParaRPr lang="en-US" noProof="0" dirty="0"/>
           </a:p>
@@ -37853,7 +39488,7 @@
 </p:sld>
 </file>
 
-<file path=ppt/slides/slide34.xml><?xml version="1.0" encoding="utf-8"?>
+<file path=ppt/slides/slide38.xml><?xml version="1.0" encoding="utf-8"?>
 <p:sld xmlns:a="http://schemas.openxmlformats.org/drawingml/2006/main" xmlns:r="http://schemas.openxmlformats.org/officeDocument/2006/relationships" xmlns:p="http://schemas.openxmlformats.org/presentationml/2006/main" show="0">
   <p:cSld>
     <p:spTree>
@@ -37915,7 +39550,7 @@
             <a:fld id="{9EC71654-96A5-4280-94F3-931C61A9F92C}" type="slidenum">
               <a:rPr lang="en-US" noProof="0" smtClean="0"/>
               <a:pPr/>
-              <a:t>34</a:t>
+              <a:t>38</a:t>
             </a:fld>
             <a:endParaRPr lang="en-US" noProof="0" dirty="0"/>
           </a:p>
@@ -38056,7 +39691,7 @@
 </p:sld>
 </file>
 
-<file path=ppt/slides/slide35.xml><?xml version="1.0" encoding="utf-8"?>
+<file path=ppt/slides/slide39.xml><?xml version="1.0" encoding="utf-8"?>
 <p:sld xmlns:a="http://schemas.openxmlformats.org/drawingml/2006/main" xmlns:r="http://schemas.openxmlformats.org/officeDocument/2006/relationships" xmlns:p="http://schemas.openxmlformats.org/presentationml/2006/main">
   <p:cSld>
     <p:spTree>
@@ -38462,7 +40097,7 @@
 </p:sld>
 </file>
 
-<file path=ppt/slides/slide36.xml><?xml version="1.0" encoding="utf-8"?>
+<file path=ppt/slides/slide4.xml><?xml version="1.0" encoding="utf-8"?>
 <p:sld xmlns:a="http://schemas.openxmlformats.org/drawingml/2006/main" xmlns:r="http://schemas.openxmlformats.org/officeDocument/2006/relationships" xmlns:p="http://schemas.openxmlformats.org/presentationml/2006/main">
   <p:cSld>
     <p:spTree>
@@ -38479,6 +40114,320 @@
           <a:chExt cx="0" cy="0"/>
         </a:xfrm>
       </p:grpSpPr>
+      <p:sp>
+        <p:nvSpPr>
+          <p:cNvPr id="6" name="Rectangle 5"/>
+          <p:cNvSpPr/>
+          <p:nvPr/>
+        </p:nvSpPr>
+        <p:spPr>
+          <a:xfrm>
+            <a:off x="4745453" y="3323221"/>
+            <a:ext cx="2583180" cy="3451860"/>
+          </a:xfrm>
+          <a:prstGeom prst="rect">
+            <a:avLst/>
+          </a:prstGeom>
+          <a:solidFill>
+            <a:schemeClr val="bg1"/>
+          </a:solidFill>
+          <a:ln>
+            <a:solidFill>
+              <a:schemeClr val="bg1"/>
+            </a:solidFill>
+          </a:ln>
+        </p:spPr>
+        <p:style>
+          <a:lnRef idx="2">
+            <a:schemeClr val="accent1">
+              <a:shade val="50000"/>
+            </a:schemeClr>
+          </a:lnRef>
+          <a:fillRef idx="1">
+            <a:schemeClr val="accent1"/>
+          </a:fillRef>
+          <a:effectRef idx="0">
+            <a:schemeClr val="accent1"/>
+          </a:effectRef>
+          <a:fontRef idx="minor">
+            <a:schemeClr val="lt1"/>
+          </a:fontRef>
+        </p:style>
+        <p:txBody>
+          <a:bodyPr rtlCol="0" anchor="ctr"/>
+          <a:lstStyle/>
+          <a:p>
+            <a:pPr algn="ctr"/>
+            <a:endParaRPr lang="en-US"/>
+          </a:p>
+        </p:txBody>
+      </p:sp>
+      <p:sp>
+        <p:nvSpPr>
+          <p:cNvPr id="7" name="Rectangle 6"/>
+          <p:cNvSpPr/>
+          <p:nvPr/>
+        </p:nvSpPr>
+        <p:spPr>
+          <a:xfrm>
+            <a:off x="144742" y="3323221"/>
+            <a:ext cx="2583180" cy="3451860"/>
+          </a:xfrm>
+          <a:prstGeom prst="rect">
+            <a:avLst/>
+          </a:prstGeom>
+          <a:solidFill>
+            <a:schemeClr val="bg1"/>
+          </a:solidFill>
+          <a:ln>
+            <a:solidFill>
+              <a:schemeClr val="bg1"/>
+            </a:solidFill>
+          </a:ln>
+        </p:spPr>
+        <p:style>
+          <a:lnRef idx="2">
+            <a:schemeClr val="accent1">
+              <a:shade val="50000"/>
+            </a:schemeClr>
+          </a:lnRef>
+          <a:fillRef idx="1">
+            <a:schemeClr val="accent1"/>
+          </a:fillRef>
+          <a:effectRef idx="0">
+            <a:schemeClr val="accent1"/>
+          </a:effectRef>
+          <a:fontRef idx="minor">
+            <a:schemeClr val="lt1"/>
+          </a:fontRef>
+        </p:style>
+        <p:txBody>
+          <a:bodyPr rtlCol="0" anchor="ctr"/>
+          <a:lstStyle/>
+          <a:p>
+            <a:pPr algn="ctr"/>
+            <a:endParaRPr lang="en-US"/>
+          </a:p>
+        </p:txBody>
+      </p:sp>
+      <p:sp>
+        <p:nvSpPr>
+          <p:cNvPr id="2" name="Content Placeholder 1"/>
+          <p:cNvSpPr>
+            <a:spLocks noGrp="1"/>
+          </p:cNvSpPr>
+          <p:nvPr>
+            <p:ph idx="1"/>
+          </p:nvPr>
+        </p:nvSpPr>
+        <p:spPr>
+          <a:xfrm>
+            <a:off x="515938" y="2770165"/>
+            <a:ext cx="10824736" cy="1106111"/>
+          </a:xfrm>
+        </p:spPr>
+        <p:txBody>
+          <a:bodyPr/>
+          <a:lstStyle/>
+          <a:p>
+            <a:pPr marL="0" indent="0">
+              <a:buNone/>
+            </a:pPr>
+            <a:r>
+              <a:rPr lang="en-US" sz="3200" b="1"/>
+              <a:t>M</a:t>
+            </a:r>
+            <a:r>
+              <a:rPr lang="id-ID" sz="3200" b="1" smtClean="0"/>
+              <a:t>embantu </a:t>
+            </a:r>
+            <a:r>
+              <a:rPr lang="id-ID" sz="3200"/>
+              <a:t>dan mempermudah </a:t>
+            </a:r>
+            <a:r>
+              <a:rPr lang="id-ID" sz="3200" b="1"/>
+              <a:t>pencarian relasi </a:t>
+            </a:r>
+            <a:r>
+              <a:rPr lang="en-US" sz="3200"/>
+              <a:t>dari </a:t>
+            </a:r>
+            <a:r>
+              <a:rPr lang="id-ID" sz="3200"/>
+              <a:t>tokoh </a:t>
+            </a:r>
+            <a:r>
+              <a:rPr lang="id-ID" sz="3200" smtClean="0"/>
+              <a:t>sejarah</a:t>
+            </a:r>
+            <a:r>
+              <a:rPr lang="en-US" sz="3200" smtClean="0"/>
+              <a:t> </a:t>
+            </a:r>
+            <a:r>
+              <a:rPr lang="id-ID" sz="3200" smtClean="0"/>
+              <a:t>Indonesia</a:t>
+            </a:r>
+            <a:r>
+              <a:rPr lang="en-US" sz="3200" smtClean="0"/>
+              <a:t> </a:t>
+            </a:r>
+            <a:r>
+              <a:rPr lang="en-US" sz="3200" smtClean="0"/>
+              <a:t>secara </a:t>
+            </a:r>
+            <a:r>
+              <a:rPr lang="en-US" sz="3200" b="1" smtClean="0"/>
+              <a:t>visual</a:t>
+            </a:r>
+            <a:r>
+              <a:rPr lang="en-US" sz="3200" smtClean="0"/>
+              <a:t>.</a:t>
+            </a:r>
+            <a:endParaRPr lang="en-US" sz="3200"/>
+          </a:p>
+          <a:p>
+            <a:endParaRPr lang="en-US" sz="3200"/>
+          </a:p>
+        </p:txBody>
+      </p:sp>
+      <p:sp>
+        <p:nvSpPr>
+          <p:cNvPr id="3" name="Slide Number Placeholder 2"/>
+          <p:cNvSpPr>
+            <a:spLocks noGrp="1"/>
+          </p:cNvSpPr>
+          <p:nvPr>
+            <p:ph type="sldNum" sz="quarter" idx="12"/>
+          </p:nvPr>
+        </p:nvSpPr>
+        <p:spPr/>
+        <p:txBody>
+          <a:bodyPr/>
+          <a:lstStyle/>
+          <a:p>
+            <a:fld id="{9EC71654-96A5-4280-94F3-931C61A9F92C}" type="slidenum">
+              <a:rPr lang="en-US" noProof="0" smtClean="0"/>
+              <a:pPr/>
+              <a:t>4</a:t>
+            </a:fld>
+            <a:endParaRPr lang="en-US" noProof="0" dirty="0"/>
+          </a:p>
+        </p:txBody>
+      </p:sp>
+      <p:sp>
+        <p:nvSpPr>
+          <p:cNvPr id="5" name="Title 4"/>
+          <p:cNvSpPr>
+            <a:spLocks noGrp="1"/>
+          </p:cNvSpPr>
+          <p:nvPr>
+            <p:ph type="title"/>
+          </p:nvPr>
+        </p:nvSpPr>
+        <p:spPr/>
+        <p:txBody>
+          <a:bodyPr/>
+          <a:lstStyle/>
+          <a:p>
+            <a:r>
+              <a:rPr lang="en-US" smtClean="0"/>
+              <a:t>Tujuan</a:t>
+            </a:r>
+            <a:endParaRPr lang="en-US">
+              <a:solidFill>
+                <a:srgbClr val="FF0000"/>
+              </a:solidFill>
+            </a:endParaRPr>
+          </a:p>
+        </p:txBody>
+      </p:sp>
+    </p:spTree>
+    <p:extLst>
+      <p:ext uri="{BB962C8B-B14F-4D97-AF65-F5344CB8AC3E}">
+        <p14:creationId xmlns:p14="http://schemas.microsoft.com/office/powerpoint/2010/main" val="3325853989"/>
+      </p:ext>
+    </p:extLst>
+  </p:cSld>
+  <p:clrMapOvr>
+    <a:masterClrMapping/>
+  </p:clrMapOvr>
+  <p:timing>
+    <p:tnLst>
+      <p:par>
+        <p:cTn id="1" dur="indefinite" restart="never" nodeType="tmRoot"/>
+      </p:par>
+    </p:tnLst>
+  </p:timing>
+</p:sld>
+</file>
+
+<file path=ppt/slides/slide40.xml><?xml version="1.0" encoding="utf-8"?>
+<p:sld xmlns:a="http://schemas.openxmlformats.org/drawingml/2006/main" xmlns:r="http://schemas.openxmlformats.org/officeDocument/2006/relationships" xmlns:p="http://schemas.openxmlformats.org/presentationml/2006/main">
+  <p:cSld>
+    <p:spTree>
+      <p:nvGrpSpPr>
+        <p:cNvPr id="1" name=""/>
+        <p:cNvGrpSpPr/>
+        <p:nvPr/>
+      </p:nvGrpSpPr>
+      <p:grpSpPr>
+        <a:xfrm>
+          <a:off x="0" y="0"/>
+          <a:ext cx="0" cy="0"/>
+          <a:chOff x="0" y="0"/>
+          <a:chExt cx="0" cy="0"/>
+        </a:xfrm>
+      </p:grpSpPr>
+      <p:sp>
+        <p:nvSpPr>
+          <p:cNvPr id="6" name="Rectangle 5"/>
+          <p:cNvSpPr/>
+          <p:nvPr/>
+        </p:nvSpPr>
+        <p:spPr>
+          <a:xfrm>
+            <a:off x="395926" y="6176963"/>
+            <a:ext cx="1319752" cy="563202"/>
+          </a:xfrm>
+          <a:prstGeom prst="rect">
+            <a:avLst/>
+          </a:prstGeom>
+          <a:solidFill>
+            <a:schemeClr val="bg1"/>
+          </a:solidFill>
+          <a:ln>
+            <a:solidFill>
+              <a:schemeClr val="bg1"/>
+            </a:solidFill>
+          </a:ln>
+        </p:spPr>
+        <p:style>
+          <a:lnRef idx="2">
+            <a:schemeClr val="accent1">
+              <a:shade val="50000"/>
+            </a:schemeClr>
+          </a:lnRef>
+          <a:fillRef idx="1">
+            <a:schemeClr val="accent1"/>
+          </a:fillRef>
+          <a:effectRef idx="0">
+            <a:schemeClr val="accent1"/>
+          </a:effectRef>
+          <a:fontRef idx="minor">
+            <a:schemeClr val="lt1"/>
+          </a:fontRef>
+        </p:style>
+        <p:txBody>
+          <a:bodyPr rtlCol="0" anchor="ctr"/>
+          <a:lstStyle/>
+          <a:p>
+            <a:pPr algn="ctr"/>
+            <a:endParaRPr lang="en-US"/>
+          </a:p>
+        </p:txBody>
+      </p:sp>
       <p:sp>
         <p:nvSpPr>
           <p:cNvPr id="7" name="Rectangle 6"/>
@@ -38893,7 +40842,7 @@
             <a:fld id="{9EC71654-96A5-4280-94F3-931C61A9F92C}" type="slidenum">
               <a:rPr lang="en-US" noProof="0" smtClean="0"/>
               <a:pPr/>
-              <a:t>36</a:t>
+              <a:t>40</a:t>
             </a:fld>
             <a:endParaRPr lang="en-US" noProof="0" dirty="0"/>
           </a:p>
@@ -38922,6 +40871,287 @@
             <a:r>
               <a:rPr lang="en-US" smtClean="0"/>
               <a:t>Kesimpulan</a:t>
+            </a:r>
+            <a:endParaRPr lang="en-US"/>
+          </a:p>
+        </p:txBody>
+      </p:sp>
+    </p:spTree>
+    <p:extLst>
+      <p:ext uri="{BB962C8B-B14F-4D97-AF65-F5344CB8AC3E}">
+        <p14:creationId xmlns:p14="http://schemas.microsoft.com/office/powerpoint/2010/main" val="1457767700"/>
+      </p:ext>
+    </p:extLst>
+  </p:cSld>
+  <p:clrMapOvr>
+    <a:masterClrMapping/>
+  </p:clrMapOvr>
+  <p:timing>
+    <p:tnLst>
+      <p:par>
+        <p:cTn id="1" dur="indefinite" restart="never" nodeType="tmRoot"/>
+      </p:par>
+    </p:tnLst>
+  </p:timing>
+</p:sld>
+</file>
+
+<file path=ppt/slides/slide41.xml><?xml version="1.0" encoding="utf-8"?>
+<p:sld xmlns:a="http://schemas.openxmlformats.org/drawingml/2006/main" xmlns:r="http://schemas.openxmlformats.org/officeDocument/2006/relationships" xmlns:p="http://schemas.openxmlformats.org/presentationml/2006/main">
+  <p:cSld>
+    <p:spTree>
+      <p:nvGrpSpPr>
+        <p:cNvPr id="1" name=""/>
+        <p:cNvGrpSpPr/>
+        <p:nvPr/>
+      </p:nvGrpSpPr>
+      <p:grpSpPr>
+        <a:xfrm>
+          <a:off x="0" y="0"/>
+          <a:ext cx="0" cy="0"/>
+          <a:chOff x="0" y="0"/>
+          <a:chExt cx="0" cy="0"/>
+        </a:xfrm>
+      </p:grpSpPr>
+      <p:sp>
+        <p:nvSpPr>
+          <p:cNvPr id="7" name="Rectangle 6"/>
+          <p:cNvSpPr/>
+          <p:nvPr/>
+        </p:nvSpPr>
+        <p:spPr>
+          <a:xfrm>
+            <a:off x="4402318" y="4053526"/>
+            <a:ext cx="2837468" cy="2804474"/>
+          </a:xfrm>
+          <a:prstGeom prst="rect">
+            <a:avLst/>
+          </a:prstGeom>
+          <a:solidFill>
+            <a:schemeClr val="bg1"/>
+          </a:solidFill>
+          <a:ln>
+            <a:solidFill>
+              <a:schemeClr val="bg1"/>
+            </a:solidFill>
+          </a:ln>
+        </p:spPr>
+        <p:style>
+          <a:lnRef idx="2">
+            <a:schemeClr val="accent1">
+              <a:shade val="50000"/>
+            </a:schemeClr>
+          </a:lnRef>
+          <a:fillRef idx="1">
+            <a:schemeClr val="accent1"/>
+          </a:fillRef>
+          <a:effectRef idx="0">
+            <a:schemeClr val="accent1"/>
+          </a:effectRef>
+          <a:fontRef idx="minor">
+            <a:schemeClr val="lt1"/>
+          </a:fontRef>
+        </p:style>
+        <p:txBody>
+          <a:bodyPr rtlCol="0" anchor="ctr"/>
+          <a:lstStyle/>
+          <a:p>
+            <a:pPr algn="ctr"/>
+            <a:endParaRPr lang="en-US"/>
+          </a:p>
+        </p:txBody>
+      </p:sp>
+      <p:sp>
+        <p:nvSpPr>
+          <p:cNvPr id="2" name="Content Placeholder 1"/>
+          <p:cNvSpPr>
+            <a:spLocks noGrp="1"/>
+          </p:cNvSpPr>
+          <p:nvPr>
+            <p:ph idx="1"/>
+          </p:nvPr>
+        </p:nvSpPr>
+        <p:spPr>
+          <a:xfrm>
+            <a:off x="538960" y="2104401"/>
+            <a:ext cx="10824736" cy="4351338"/>
+          </a:xfrm>
+        </p:spPr>
+        <p:txBody>
+          <a:bodyPr/>
+          <a:lstStyle/>
+          <a:p>
+            <a:pPr marL="514350" lvl="0" indent="-514350">
+              <a:buFont typeface="+mj-lt"/>
+              <a:buAutoNum type="arabicPeriod"/>
+            </a:pPr>
+            <a:r>
+              <a:rPr lang="id-ID" sz="3200"/>
+              <a:t>Penggunaan perangkat uji coba dengan </a:t>
+            </a:r>
+            <a:r>
+              <a:rPr lang="id-ID" sz="3200" smtClean="0"/>
+              <a:t>spes</a:t>
+            </a:r>
+            <a:r>
+              <a:rPr lang="en-US" sz="3200" smtClean="0"/>
+              <a:t>i</a:t>
+            </a:r>
+            <a:r>
+              <a:rPr lang="id-ID" sz="3200" smtClean="0"/>
+              <a:t>fikasi </a:t>
+            </a:r>
+            <a:r>
+              <a:rPr lang="id-ID" sz="3200"/>
+              <a:t>kapasitas </a:t>
+            </a:r>
+            <a:r>
+              <a:rPr lang="id-ID" sz="3200" b="1" smtClean="0"/>
+              <a:t>memori</a:t>
+            </a:r>
+            <a:r>
+              <a:rPr lang="id-ID" sz="3200" smtClean="0"/>
+              <a:t> yang </a:t>
+            </a:r>
+            <a:r>
+              <a:rPr lang="id-ID" sz="3200" b="1"/>
+              <a:t>lebih </a:t>
+            </a:r>
+            <a:r>
+              <a:rPr lang="id-ID" sz="3200" b="1" smtClean="0"/>
+              <a:t>besar</a:t>
+            </a:r>
+            <a:r>
+              <a:rPr lang="id-ID" sz="3200" smtClean="0"/>
+              <a:t> </a:t>
+            </a:r>
+            <a:r>
+              <a:rPr lang="id-ID" sz="3200"/>
+              <a:t>agar waktu yang dibutuhkan untuk proses </a:t>
+            </a:r>
+            <a:r>
+              <a:rPr lang="id-ID" sz="3200" i="1"/>
+              <a:t>export inferenced axiom</a:t>
+            </a:r>
+            <a:r>
+              <a:rPr lang="id-ID" sz="3200"/>
+              <a:t> </a:t>
+            </a:r>
+            <a:r>
+              <a:rPr lang="id-ID" sz="3200" b="1"/>
+              <a:t>lebih cepat</a:t>
+            </a:r>
+            <a:r>
+              <a:rPr lang="en-US" sz="3200"/>
+              <a:t>.</a:t>
+            </a:r>
+          </a:p>
+          <a:p>
+            <a:pPr marL="514350" lvl="0" indent="-514350">
+              <a:buFont typeface="+mj-lt"/>
+              <a:buAutoNum type="arabicPeriod"/>
+            </a:pPr>
+            <a:r>
+              <a:rPr lang="en-US" sz="3200" b="1"/>
+              <a:t>Penambahan</a:t>
+            </a:r>
+            <a:r>
+              <a:rPr lang="en-US" sz="3200"/>
+              <a:t> visualisasi generasi </a:t>
+            </a:r>
+            <a:r>
+              <a:rPr lang="en-US" sz="3200" b="1"/>
+              <a:t>pendahulu</a:t>
+            </a:r>
+            <a:r>
+              <a:rPr lang="en-US" sz="3200"/>
+              <a:t> dan </a:t>
+            </a:r>
+            <a:r>
+              <a:rPr lang="en-US" sz="3200" b="1"/>
+              <a:t>penerus</a:t>
+            </a:r>
+            <a:r>
+              <a:rPr lang="en-US" sz="3200"/>
+              <a:t>.</a:t>
+            </a:r>
+          </a:p>
+          <a:p>
+            <a:pPr marL="514350" lvl="0" indent="-514350">
+              <a:buFont typeface="+mj-lt"/>
+              <a:buAutoNum type="arabicPeriod"/>
+            </a:pPr>
+            <a:r>
+              <a:rPr lang="en-US" sz="3200"/>
+              <a:t>Fitur </a:t>
+            </a:r>
+            <a:r>
+              <a:rPr lang="en-US" sz="3200" b="1"/>
+              <a:t>penambahan</a:t>
+            </a:r>
+            <a:r>
+              <a:rPr lang="en-US" sz="3200"/>
+              <a:t> data secara </a:t>
+            </a:r>
+            <a:r>
+              <a:rPr lang="en-US" sz="3200" b="1"/>
+              <a:t>dinamis</a:t>
+            </a:r>
+            <a:r>
+              <a:rPr lang="en-US" sz="3200" smtClean="0"/>
+              <a:t>.</a:t>
+            </a:r>
+            <a:endParaRPr lang="en-US" sz="3200"/>
+          </a:p>
+        </p:txBody>
+      </p:sp>
+      <p:sp>
+        <p:nvSpPr>
+          <p:cNvPr id="3" name="Slide Number Placeholder 2"/>
+          <p:cNvSpPr>
+            <a:spLocks noGrp="1"/>
+          </p:cNvSpPr>
+          <p:nvPr>
+            <p:ph type="sldNum" sz="quarter" idx="12"/>
+          </p:nvPr>
+        </p:nvSpPr>
+        <p:spPr/>
+        <p:txBody>
+          <a:bodyPr/>
+          <a:lstStyle/>
+          <a:p>
+            <a:fld id="{9EC71654-96A5-4280-94F3-931C61A9F92C}" type="slidenum">
+              <a:rPr lang="en-US" noProof="0" smtClean="0"/>
+              <a:pPr/>
+              <a:t>41</a:t>
+            </a:fld>
+            <a:endParaRPr lang="en-US" noProof="0" dirty="0"/>
+          </a:p>
+        </p:txBody>
+      </p:sp>
+      <p:sp>
+        <p:nvSpPr>
+          <p:cNvPr id="5" name="Title 4"/>
+          <p:cNvSpPr>
+            <a:spLocks noGrp="1"/>
+          </p:cNvSpPr>
+          <p:nvPr>
+            <p:ph type="title"/>
+          </p:nvPr>
+        </p:nvSpPr>
+        <p:spPr>
+          <a:xfrm>
+            <a:off x="515938" y="499595"/>
+            <a:ext cx="10057617" cy="1325563"/>
+          </a:xfrm>
+        </p:spPr>
+        <p:txBody>
+          <a:bodyPr/>
+          <a:lstStyle/>
+          <a:p>
+            <a:r>
+              <a:rPr lang="en-US" smtClean="0"/>
+              <a:t>saran</a:t>
             </a:r>
             <a:endParaRPr lang="en-US"/>
           </a:p>
@@ -38978,319 +41208,6 @@
     </p:spTree>
     <p:extLst>
       <p:ext uri="{BB962C8B-B14F-4D97-AF65-F5344CB8AC3E}">
-        <p14:creationId xmlns:p14="http://schemas.microsoft.com/office/powerpoint/2010/main" val="1457767700"/>
-      </p:ext>
-    </p:extLst>
-  </p:cSld>
-  <p:clrMapOvr>
-    <a:masterClrMapping/>
-  </p:clrMapOvr>
-  <p:timing>
-    <p:tnLst>
-      <p:par>
-        <p:cTn id="1" dur="indefinite" restart="never" nodeType="tmRoot"/>
-      </p:par>
-    </p:tnLst>
-  </p:timing>
-</p:sld>
-</file>
-
-<file path=ppt/slides/slide37.xml><?xml version="1.0" encoding="utf-8"?>
-<p:sld xmlns:a="http://schemas.openxmlformats.org/drawingml/2006/main" xmlns:r="http://schemas.openxmlformats.org/officeDocument/2006/relationships" xmlns:p="http://schemas.openxmlformats.org/presentationml/2006/main">
-  <p:cSld>
-    <p:spTree>
-      <p:nvGrpSpPr>
-        <p:cNvPr id="1" name=""/>
-        <p:cNvGrpSpPr/>
-        <p:nvPr/>
-      </p:nvGrpSpPr>
-      <p:grpSpPr>
-        <a:xfrm>
-          <a:off x="0" y="0"/>
-          <a:ext cx="0" cy="0"/>
-          <a:chOff x="0" y="0"/>
-          <a:chExt cx="0" cy="0"/>
-        </a:xfrm>
-      </p:grpSpPr>
-      <p:sp>
-        <p:nvSpPr>
-          <p:cNvPr id="7" name="Rectangle 6"/>
-          <p:cNvSpPr/>
-          <p:nvPr/>
-        </p:nvSpPr>
-        <p:spPr>
-          <a:xfrm>
-            <a:off x="4402318" y="4053526"/>
-            <a:ext cx="2837468" cy="2804474"/>
-          </a:xfrm>
-          <a:prstGeom prst="rect">
-            <a:avLst/>
-          </a:prstGeom>
-          <a:solidFill>
-            <a:schemeClr val="bg1"/>
-          </a:solidFill>
-          <a:ln>
-            <a:solidFill>
-              <a:schemeClr val="bg1"/>
-            </a:solidFill>
-          </a:ln>
-        </p:spPr>
-        <p:style>
-          <a:lnRef idx="2">
-            <a:schemeClr val="accent1">
-              <a:shade val="50000"/>
-            </a:schemeClr>
-          </a:lnRef>
-          <a:fillRef idx="1">
-            <a:schemeClr val="accent1"/>
-          </a:fillRef>
-          <a:effectRef idx="0">
-            <a:schemeClr val="accent1"/>
-          </a:effectRef>
-          <a:fontRef idx="minor">
-            <a:schemeClr val="lt1"/>
-          </a:fontRef>
-        </p:style>
-        <p:txBody>
-          <a:bodyPr rtlCol="0" anchor="ctr"/>
-          <a:lstStyle/>
-          <a:p>
-            <a:pPr algn="ctr"/>
-            <a:endParaRPr lang="en-US"/>
-          </a:p>
-        </p:txBody>
-      </p:sp>
-      <p:sp>
-        <p:nvSpPr>
-          <p:cNvPr id="2" name="Content Placeholder 1"/>
-          <p:cNvSpPr>
-            <a:spLocks noGrp="1"/>
-          </p:cNvSpPr>
-          <p:nvPr>
-            <p:ph idx="1"/>
-          </p:nvPr>
-        </p:nvSpPr>
-        <p:spPr>
-          <a:xfrm>
-            <a:off x="538960" y="1825625"/>
-            <a:ext cx="10824736" cy="4351338"/>
-          </a:xfrm>
-        </p:spPr>
-        <p:txBody>
-          <a:bodyPr/>
-          <a:lstStyle/>
-          <a:p>
-            <a:pPr marL="514350" lvl="0" indent="-514350">
-              <a:buFont typeface="+mj-lt"/>
-              <a:buAutoNum type="arabicPeriod"/>
-            </a:pPr>
-            <a:r>
-              <a:rPr lang="id-ID" sz="3200"/>
-              <a:t>Penggunaan perangkat uji coba dengan spesfikasi kapasitas </a:t>
-            </a:r>
-            <a:r>
-              <a:rPr lang="id-ID" sz="3200" b="1" smtClean="0"/>
-              <a:t>memori</a:t>
-            </a:r>
-            <a:r>
-              <a:rPr lang="id-ID" sz="3200" smtClean="0"/>
-              <a:t> yang </a:t>
-            </a:r>
-            <a:r>
-              <a:rPr lang="id-ID" sz="3200" b="1"/>
-              <a:t>lebih </a:t>
-            </a:r>
-            <a:r>
-              <a:rPr lang="id-ID" sz="3200" b="1" smtClean="0"/>
-              <a:t>besar</a:t>
-            </a:r>
-            <a:r>
-              <a:rPr lang="id-ID" sz="3200" smtClean="0"/>
-              <a:t> </a:t>
-            </a:r>
-            <a:r>
-              <a:rPr lang="id-ID" sz="3200"/>
-              <a:t>agar waktu yang dibutuhkan untuk proses </a:t>
-            </a:r>
-            <a:r>
-              <a:rPr lang="id-ID" sz="3200" i="1"/>
-              <a:t>export inferenced axiom</a:t>
-            </a:r>
-            <a:r>
-              <a:rPr lang="id-ID" sz="3200"/>
-              <a:t> </a:t>
-            </a:r>
-            <a:r>
-              <a:rPr lang="id-ID" sz="3200" b="1"/>
-              <a:t>lebih cepat</a:t>
-            </a:r>
-            <a:r>
-              <a:rPr lang="en-US" sz="3200"/>
-              <a:t>.</a:t>
-            </a:r>
-          </a:p>
-          <a:p>
-            <a:pPr marL="514350" lvl="0" indent="-514350">
-              <a:buFont typeface="+mj-lt"/>
-              <a:buAutoNum type="arabicPeriod"/>
-            </a:pPr>
-            <a:r>
-              <a:rPr lang="en-US" sz="3200" b="1"/>
-              <a:t>Penambahan</a:t>
-            </a:r>
-            <a:r>
-              <a:rPr lang="en-US" sz="3200"/>
-              <a:t> visualisasi generasi </a:t>
-            </a:r>
-            <a:r>
-              <a:rPr lang="en-US" sz="3200" b="1"/>
-              <a:t>pendahulu</a:t>
-            </a:r>
-            <a:r>
-              <a:rPr lang="en-US" sz="3200"/>
-              <a:t> dan </a:t>
-            </a:r>
-            <a:r>
-              <a:rPr lang="en-US" sz="3200" b="1"/>
-              <a:t>penerus</a:t>
-            </a:r>
-            <a:r>
-              <a:rPr lang="en-US" sz="3200"/>
-              <a:t>.</a:t>
-            </a:r>
-          </a:p>
-          <a:p>
-            <a:pPr marL="514350" lvl="0" indent="-514350">
-              <a:buFont typeface="+mj-lt"/>
-              <a:buAutoNum type="arabicPeriod"/>
-            </a:pPr>
-            <a:r>
-              <a:rPr lang="en-US" sz="3200"/>
-              <a:t>Fitur </a:t>
-            </a:r>
-            <a:r>
-              <a:rPr lang="en-US" sz="3200" b="1"/>
-              <a:t>penambahan</a:t>
-            </a:r>
-            <a:r>
-              <a:rPr lang="en-US" sz="3200"/>
-              <a:t> data secara </a:t>
-            </a:r>
-            <a:r>
-              <a:rPr lang="en-US" sz="3200" b="1"/>
-              <a:t>dinamis</a:t>
-            </a:r>
-            <a:r>
-              <a:rPr lang="en-US" sz="3200" smtClean="0"/>
-              <a:t>.</a:t>
-            </a:r>
-            <a:endParaRPr lang="en-US" sz="3200"/>
-          </a:p>
-        </p:txBody>
-      </p:sp>
-      <p:sp>
-        <p:nvSpPr>
-          <p:cNvPr id="3" name="Slide Number Placeholder 2"/>
-          <p:cNvSpPr>
-            <a:spLocks noGrp="1"/>
-          </p:cNvSpPr>
-          <p:nvPr>
-            <p:ph type="sldNum" sz="quarter" idx="12"/>
-          </p:nvPr>
-        </p:nvSpPr>
-        <p:spPr/>
-        <p:txBody>
-          <a:bodyPr/>
-          <a:lstStyle/>
-          <a:p>
-            <a:fld id="{9EC71654-96A5-4280-94F3-931C61A9F92C}" type="slidenum">
-              <a:rPr lang="en-US" noProof="0" smtClean="0"/>
-              <a:pPr/>
-              <a:t>37</a:t>
-            </a:fld>
-            <a:endParaRPr lang="en-US" noProof="0" dirty="0"/>
-          </a:p>
-        </p:txBody>
-      </p:sp>
-      <p:sp>
-        <p:nvSpPr>
-          <p:cNvPr id="5" name="Title 4"/>
-          <p:cNvSpPr>
-            <a:spLocks noGrp="1"/>
-          </p:cNvSpPr>
-          <p:nvPr>
-            <p:ph type="title"/>
-          </p:nvPr>
-        </p:nvSpPr>
-        <p:spPr>
-          <a:xfrm>
-            <a:off x="515938" y="499595"/>
-            <a:ext cx="10057617" cy="1325563"/>
-          </a:xfrm>
-        </p:spPr>
-        <p:txBody>
-          <a:bodyPr/>
-          <a:lstStyle/>
-          <a:p>
-            <a:r>
-              <a:rPr lang="en-US" smtClean="0"/>
-              <a:t>saran</a:t>
-            </a:r>
-            <a:endParaRPr lang="en-US"/>
-          </a:p>
-        </p:txBody>
-      </p:sp>
-      <p:sp>
-        <p:nvSpPr>
-          <p:cNvPr id="6" name="Rectangle 5"/>
-          <p:cNvSpPr/>
-          <p:nvPr/>
-        </p:nvSpPr>
-        <p:spPr>
-          <a:xfrm>
-            <a:off x="395926" y="6176963"/>
-            <a:ext cx="1319752" cy="563202"/>
-          </a:xfrm>
-          <a:prstGeom prst="rect">
-            <a:avLst/>
-          </a:prstGeom>
-          <a:solidFill>
-            <a:schemeClr val="bg1"/>
-          </a:solidFill>
-          <a:ln>
-            <a:solidFill>
-              <a:schemeClr val="bg1"/>
-            </a:solidFill>
-          </a:ln>
-        </p:spPr>
-        <p:style>
-          <a:lnRef idx="2">
-            <a:schemeClr val="accent1">
-              <a:shade val="50000"/>
-            </a:schemeClr>
-          </a:lnRef>
-          <a:fillRef idx="1">
-            <a:schemeClr val="accent1"/>
-          </a:fillRef>
-          <a:effectRef idx="0">
-            <a:schemeClr val="accent1"/>
-          </a:effectRef>
-          <a:fontRef idx="minor">
-            <a:schemeClr val="lt1"/>
-          </a:fontRef>
-        </p:style>
-        <p:txBody>
-          <a:bodyPr rtlCol="0" anchor="ctr"/>
-          <a:lstStyle/>
-          <a:p>
-            <a:pPr algn="ctr"/>
-            <a:endParaRPr lang="en-US"/>
-          </a:p>
-        </p:txBody>
-      </p:sp>
-    </p:spTree>
-    <p:extLst>
-      <p:ext uri="{BB962C8B-B14F-4D97-AF65-F5344CB8AC3E}">
         <p14:creationId xmlns:p14="http://schemas.microsoft.com/office/powerpoint/2010/main" val="122094142"/>
       </p:ext>
     </p:extLst>
@@ -39308,7 +41225,7 @@
 </p:sld>
 </file>
 
-<file path=ppt/slides/slide38.xml><?xml version="1.0" encoding="utf-8"?>
+<file path=ppt/slides/slide42.xml><?xml version="1.0" encoding="utf-8"?>
 <p:sld xmlns:a="http://schemas.openxmlformats.org/drawingml/2006/main" xmlns:r="http://schemas.openxmlformats.org/officeDocument/2006/relationships" xmlns:p="http://schemas.openxmlformats.org/presentationml/2006/main">
   <p:cSld>
     <p:spTree>
@@ -39512,256 +41429,6 @@
 </p:sld>
 </file>
 
-<file path=ppt/slides/slide4.xml><?xml version="1.0" encoding="utf-8"?>
-<p:sld xmlns:a="http://schemas.openxmlformats.org/drawingml/2006/main" xmlns:r="http://schemas.openxmlformats.org/officeDocument/2006/relationships" xmlns:p="http://schemas.openxmlformats.org/presentationml/2006/main">
-  <p:cSld>
-    <p:spTree>
-      <p:nvGrpSpPr>
-        <p:cNvPr id="1" name=""/>
-        <p:cNvGrpSpPr/>
-        <p:nvPr/>
-      </p:nvGrpSpPr>
-      <p:grpSpPr>
-        <a:xfrm>
-          <a:off x="0" y="0"/>
-          <a:ext cx="0" cy="0"/>
-          <a:chOff x="0" y="0"/>
-          <a:chExt cx="0" cy="0"/>
-        </a:xfrm>
-      </p:grpSpPr>
-      <p:sp>
-        <p:nvSpPr>
-          <p:cNvPr id="6" name="Rectangle 5"/>
-          <p:cNvSpPr/>
-          <p:nvPr/>
-        </p:nvSpPr>
-        <p:spPr>
-          <a:xfrm>
-            <a:off x="4745453" y="3323221"/>
-            <a:ext cx="2583180" cy="3451860"/>
-          </a:xfrm>
-          <a:prstGeom prst="rect">
-            <a:avLst/>
-          </a:prstGeom>
-          <a:solidFill>
-            <a:schemeClr val="bg1"/>
-          </a:solidFill>
-          <a:ln>
-            <a:solidFill>
-              <a:schemeClr val="bg1"/>
-            </a:solidFill>
-          </a:ln>
-        </p:spPr>
-        <p:style>
-          <a:lnRef idx="2">
-            <a:schemeClr val="accent1">
-              <a:shade val="50000"/>
-            </a:schemeClr>
-          </a:lnRef>
-          <a:fillRef idx="1">
-            <a:schemeClr val="accent1"/>
-          </a:fillRef>
-          <a:effectRef idx="0">
-            <a:schemeClr val="accent1"/>
-          </a:effectRef>
-          <a:fontRef idx="minor">
-            <a:schemeClr val="lt1"/>
-          </a:fontRef>
-        </p:style>
-        <p:txBody>
-          <a:bodyPr rtlCol="0" anchor="ctr"/>
-          <a:lstStyle/>
-          <a:p>
-            <a:pPr algn="ctr"/>
-            <a:endParaRPr lang="en-US"/>
-          </a:p>
-        </p:txBody>
-      </p:sp>
-      <p:sp>
-        <p:nvSpPr>
-          <p:cNvPr id="7" name="Rectangle 6"/>
-          <p:cNvSpPr/>
-          <p:nvPr/>
-        </p:nvSpPr>
-        <p:spPr>
-          <a:xfrm>
-            <a:off x="144742" y="3323221"/>
-            <a:ext cx="2583180" cy="3451860"/>
-          </a:xfrm>
-          <a:prstGeom prst="rect">
-            <a:avLst/>
-          </a:prstGeom>
-          <a:solidFill>
-            <a:schemeClr val="bg1"/>
-          </a:solidFill>
-          <a:ln>
-            <a:solidFill>
-              <a:schemeClr val="bg1"/>
-            </a:solidFill>
-          </a:ln>
-        </p:spPr>
-        <p:style>
-          <a:lnRef idx="2">
-            <a:schemeClr val="accent1">
-              <a:shade val="50000"/>
-            </a:schemeClr>
-          </a:lnRef>
-          <a:fillRef idx="1">
-            <a:schemeClr val="accent1"/>
-          </a:fillRef>
-          <a:effectRef idx="0">
-            <a:schemeClr val="accent1"/>
-          </a:effectRef>
-          <a:fontRef idx="minor">
-            <a:schemeClr val="lt1"/>
-          </a:fontRef>
-        </p:style>
-        <p:txBody>
-          <a:bodyPr rtlCol="0" anchor="ctr"/>
-          <a:lstStyle/>
-          <a:p>
-            <a:pPr algn="ctr"/>
-            <a:endParaRPr lang="en-US"/>
-          </a:p>
-        </p:txBody>
-      </p:sp>
-      <p:sp>
-        <p:nvSpPr>
-          <p:cNvPr id="2" name="Content Placeholder 1"/>
-          <p:cNvSpPr>
-            <a:spLocks noGrp="1"/>
-          </p:cNvSpPr>
-          <p:nvPr>
-            <p:ph idx="1"/>
-          </p:nvPr>
-        </p:nvSpPr>
-        <p:spPr>
-          <a:xfrm>
-            <a:off x="538960" y="1825625"/>
-            <a:ext cx="10824736" cy="1106111"/>
-          </a:xfrm>
-        </p:spPr>
-        <p:txBody>
-          <a:bodyPr/>
-          <a:lstStyle/>
-          <a:p>
-            <a:pPr marL="0" indent="0">
-              <a:buNone/>
-            </a:pPr>
-            <a:r>
-              <a:rPr lang="en-US" sz="2800"/>
-              <a:t>M</a:t>
-            </a:r>
-            <a:r>
-              <a:rPr lang="id-ID" sz="2800" smtClean="0"/>
-              <a:t>embantu </a:t>
-            </a:r>
-            <a:r>
-              <a:rPr lang="id-ID" sz="2800"/>
-              <a:t>dan mempermudah pencarian relasi </a:t>
-            </a:r>
-            <a:r>
-              <a:rPr lang="en-US" sz="2800"/>
-              <a:t>dari </a:t>
-            </a:r>
-            <a:r>
-              <a:rPr lang="id-ID" sz="2800"/>
-              <a:t>tokoh </a:t>
-            </a:r>
-            <a:r>
-              <a:rPr lang="id-ID" sz="2800" smtClean="0"/>
-              <a:t>sejarah</a:t>
-            </a:r>
-            <a:r>
-              <a:rPr lang="en-US" sz="2800" smtClean="0"/>
-              <a:t> </a:t>
-            </a:r>
-            <a:r>
-              <a:rPr lang="id-ID" sz="2800" smtClean="0"/>
-              <a:t>Indonesia</a:t>
-            </a:r>
-            <a:r>
-              <a:rPr lang="en-US" sz="2800" smtClean="0"/>
-              <a:t>.</a:t>
-            </a:r>
-            <a:endParaRPr lang="en-US" sz="2800"/>
-          </a:p>
-          <a:p>
-            <a:endParaRPr lang="en-US" sz="2800"/>
-          </a:p>
-        </p:txBody>
-      </p:sp>
-      <p:sp>
-        <p:nvSpPr>
-          <p:cNvPr id="3" name="Slide Number Placeholder 2"/>
-          <p:cNvSpPr>
-            <a:spLocks noGrp="1"/>
-          </p:cNvSpPr>
-          <p:nvPr>
-            <p:ph type="sldNum" sz="quarter" idx="12"/>
-          </p:nvPr>
-        </p:nvSpPr>
-        <p:spPr/>
-        <p:txBody>
-          <a:bodyPr/>
-          <a:lstStyle/>
-          <a:p>
-            <a:fld id="{9EC71654-96A5-4280-94F3-931C61A9F92C}" type="slidenum">
-              <a:rPr lang="en-US" noProof="0" smtClean="0"/>
-              <a:pPr/>
-              <a:t>4</a:t>
-            </a:fld>
-            <a:endParaRPr lang="en-US" noProof="0" dirty="0"/>
-          </a:p>
-        </p:txBody>
-      </p:sp>
-      <p:sp>
-        <p:nvSpPr>
-          <p:cNvPr id="5" name="Title 4"/>
-          <p:cNvSpPr>
-            <a:spLocks noGrp="1"/>
-          </p:cNvSpPr>
-          <p:nvPr>
-            <p:ph type="title"/>
-          </p:nvPr>
-        </p:nvSpPr>
-        <p:spPr/>
-        <p:txBody>
-          <a:bodyPr/>
-          <a:lstStyle/>
-          <a:p>
-            <a:r>
-              <a:rPr lang="en-US" smtClean="0"/>
-              <a:t>Tujuan</a:t>
-            </a:r>
-            <a:endParaRPr lang="en-US">
-              <a:solidFill>
-                <a:srgbClr val="FF0000"/>
-              </a:solidFill>
-            </a:endParaRPr>
-          </a:p>
-        </p:txBody>
-      </p:sp>
-    </p:spTree>
-    <p:extLst>
-      <p:ext uri="{BB962C8B-B14F-4D97-AF65-F5344CB8AC3E}">
-        <p14:creationId xmlns:p14="http://schemas.microsoft.com/office/powerpoint/2010/main" val="3325853989"/>
-      </p:ext>
-    </p:extLst>
-  </p:cSld>
-  <p:clrMapOvr>
-    <a:masterClrMapping/>
-  </p:clrMapOvr>
-  <p:timing>
-    <p:tnLst>
-      <p:par>
-        <p:cTn id="1" dur="indefinite" restart="never" nodeType="tmRoot"/>
-      </p:par>
-    </p:tnLst>
-  </p:timing>
-</p:sld>
-</file>
-
 <file path=ppt/slides/slide5.xml><?xml version="1.0" encoding="utf-8"?>
 <p:sld xmlns:a="http://schemas.openxmlformats.org/drawingml/2006/main" xmlns:r="http://schemas.openxmlformats.org/officeDocument/2006/relationships" xmlns:p="http://schemas.openxmlformats.org/presentationml/2006/main">
   <p:cSld>
@@ -39839,7 +41506,7 @@
         </p:nvSpPr>
         <p:spPr>
           <a:xfrm>
-            <a:off x="538960" y="1437005"/>
+            <a:off x="538960" y="1839266"/>
             <a:ext cx="10824736" cy="5018734"/>
           </a:xfrm>
         </p:spPr>
@@ -40333,7 +42000,7 @@
         </p:nvSpPr>
         <p:spPr>
           <a:xfrm>
-            <a:off x="538960" y="1437005"/>
+            <a:off x="501091" y="1955479"/>
             <a:ext cx="10824736" cy="5018734"/>
           </a:xfrm>
         </p:spPr>
@@ -40346,11 +42013,11 @@
               <a:buAutoNum type="arabicPeriod"/>
             </a:pPr>
             <a:r>
-              <a:rPr lang="en-US" sz="2000"/>
+              <a:rPr lang="en-US"/>
               <a:t>Data yang digunakan adalah tokoh sejarah Indonesia dari DBpedia</a:t>
             </a:r>
             <a:r>
-              <a:rPr lang="en-US" sz="2000" smtClean="0"/>
+              <a:rPr lang="en-US" smtClean="0"/>
               <a:t>.</a:t>
             </a:r>
           </a:p>
@@ -40360,23 +42027,23 @@
               <a:buAutoNum type="arabicPeriod"/>
             </a:pPr>
             <a:r>
-              <a:rPr lang="en-US" sz="2000" smtClean="0"/>
+              <a:rPr lang="en-US" smtClean="0"/>
               <a:t>Aplikasi </a:t>
             </a:r>
             <a:r>
-              <a:rPr lang="en-US" sz="2000"/>
+              <a:rPr lang="en-US"/>
               <a:t>tidak dapat menangani </a:t>
             </a:r>
             <a:r>
-              <a:rPr lang="en-US" sz="2000" i="1"/>
+              <a:rPr lang="en-US" i="1"/>
               <a:t>person</a:t>
             </a:r>
             <a:r>
-              <a:rPr lang="en-US" sz="2000"/>
+              <a:rPr lang="en-US"/>
               <a:t> yang tidak memiliki halaman DBpedia</a:t>
             </a:r>
             <a:r>
-              <a:rPr lang="en-US" sz="2000" smtClean="0"/>
+              <a:rPr lang="en-US" smtClean="0"/>
               <a:t>.</a:t>
             </a:r>
           </a:p>
@@ -40386,14 +42053,14 @@
               <a:buAutoNum type="arabicPeriod"/>
             </a:pPr>
             <a:r>
-              <a:rPr lang="en-US" sz="2000" i="1" smtClean="0"/>
+              <a:rPr lang="en-US" i="1" smtClean="0"/>
               <a:t>Person </a:t>
             </a:r>
             <a:r>
-              <a:rPr lang="en-US" sz="2000" smtClean="0"/>
+              <a:rPr lang="en-US" smtClean="0"/>
               <a:t>yang tidak memiliki atribut nama atau label tidak akan ditampilkan.</a:t>
             </a:r>
-            <a:endParaRPr lang="en-US" sz="2000" i="1"/>
+            <a:endParaRPr lang="en-US" i="1"/>
           </a:p>
           <a:p>
             <a:pPr marL="342900" lvl="0" indent="-342900">
@@ -40401,7 +42068,7 @@
               <a:buAutoNum type="arabicPeriod"/>
             </a:pPr>
             <a:r>
-              <a:rPr lang="en-US" sz="2000"/>
+              <a:rPr lang="en-US"/>
               <a:t>Batas relasi adalah ayah, ibu, saudara, istri, anak, menantu, cucu, pasangan cucu, dan cicit.</a:t>
             </a:r>
           </a:p>
@@ -40411,7 +42078,7 @@
               <a:buAutoNum type="arabicPeriod"/>
             </a:pPr>
             <a:r>
-              <a:rPr lang="en-US" sz="2000"/>
+              <a:rPr lang="en-US"/>
               <a:t>Aplikasi sangat bergantung pada kelengkapan atribut data DBpedia.</a:t>
             </a:r>
           </a:p>
@@ -40421,11 +42088,11 @@
               <a:buAutoNum type="arabicPeriod"/>
             </a:pPr>
             <a:r>
-              <a:rPr lang="en-US" sz="2000" i="1"/>
+              <a:rPr lang="en-US" i="1"/>
               <a:t>Reasoner </a:t>
             </a:r>
             <a:r>
-              <a:rPr lang="en-US" sz="2000"/>
+              <a:rPr lang="en-US"/>
               <a:t>yang digunakan adalah Pellet.</a:t>
             </a:r>
           </a:p>
@@ -40435,22 +42102,22 @@
               <a:buAutoNum type="arabicPeriod"/>
             </a:pPr>
             <a:r>
-              <a:rPr lang="en-US" sz="2000"/>
+              <a:rPr lang="en-US"/>
               <a:t>Aplikasi yang dibuat tidak menyediakan </a:t>
             </a:r>
             <a:r>
-              <a:rPr lang="en-US" sz="2000" i="1"/>
+              <a:rPr lang="en-US" i="1"/>
               <a:t>form</a:t>
             </a:r>
             <a:r>
-              <a:rPr lang="en-US" sz="2000"/>
+              <a:rPr lang="en-US"/>
               <a:t> untuk pengelolaan data (tambah, ubah, hapus</a:t>
             </a:r>
             <a:r>
-              <a:rPr lang="en-US" sz="2000" smtClean="0"/>
+              <a:rPr lang="en-US" smtClean="0"/>
               <a:t>).</a:t>
             </a:r>
-            <a:endParaRPr lang="en-US" sz="2000"/>
+            <a:endParaRPr lang="en-US"/>
           </a:p>
         </p:txBody>
       </p:sp>
@@ -42326,14 +43993,6 @@
 </file>
 
 <file path=customXml/item2.xml><?xml version="1.0" encoding="utf-8"?>
-<p:properties xmlns:p="http://schemas.microsoft.com/office/2006/metadata/properties" xmlns:xsi="http://www.w3.org/2001/XMLSchema-instance" xmlns:pc="http://schemas.microsoft.com/office/infopath/2007/PartnerControls">
-  <documentManagement>
-    <MediaServiceKeyPoints xmlns="71af3243-3dd4-4a8d-8c0d-dd76da1f02a5" xsi:nil="true"/>
-  </documentManagement>
-</p:properties>
-</file>
-
-<file path=customXml/item3.xml><?xml version="1.0" encoding="utf-8"?>
 <ct:contentTypeSchema xmlns:ct="http://schemas.microsoft.com/office/2006/metadata/contentType" xmlns:ma="http://schemas.microsoft.com/office/2006/metadata/properties/metaAttributes" ct:_="" ma:_="" ma:contentTypeName="Document" ma:contentTypeID="0x01010079F111ED35F8CC479449609E8A0923A6" ma:contentTypeVersion="11" ma:contentTypeDescription="Create a new document." ma:contentTypeScope="" ma:versionID="9677210f24a1be23c92c90fd886aa0aa">
   <xsd:schema xmlns:xsd="http://www.w3.org/2001/XMLSchema" xmlns:xs="http://www.w3.org/2001/XMLSchema" xmlns:p="http://schemas.microsoft.com/office/2006/metadata/properties" xmlns:ns2="71af3243-3dd4-4a8d-8c0d-dd76da1f02a5" xmlns:ns3="16c05727-aa75-4e4a-9b5f-8a80a1165891" targetNamespace="http://schemas.microsoft.com/office/2006/metadata/properties" ma:root="true" ma:fieldsID="60e05723c5c1908df1a1a4ebf11d344e" ns2:_="" ns3:_="">
     <xsd:import namespace="71af3243-3dd4-4a8d-8c0d-dd76da1f02a5"/>
@@ -42544,6 +44203,14 @@
 </ct:contentTypeSchema>
 </file>
 
+<file path=customXml/item3.xml><?xml version="1.0" encoding="utf-8"?>
+<p:properties xmlns:p="http://schemas.microsoft.com/office/2006/metadata/properties" xmlns:xsi="http://www.w3.org/2001/XMLSchema-instance" xmlns:pc="http://schemas.microsoft.com/office/infopath/2007/PartnerControls">
+  <documentManagement>
+    <MediaServiceKeyPoints xmlns="71af3243-3dd4-4a8d-8c0d-dd76da1f02a5" xsi:nil="true"/>
+  </documentManagement>
+</p:properties>
+</file>
+
 <file path=customXml/itemProps1.xml><?xml version="1.0" encoding="utf-8"?>
 <ds:datastoreItem xmlns:ds="http://schemas.openxmlformats.org/officeDocument/2006/customXml" ds:itemID="{B0C07E3D-60A7-4F4E-8208-D9CCD01982CB}">
   <ds:schemaRefs>
@@ -42553,23 +44220,6 @@
 </file>
 
 <file path=customXml/itemProps2.xml><?xml version="1.0" encoding="utf-8"?>
-<ds:datastoreItem xmlns:ds="http://schemas.openxmlformats.org/officeDocument/2006/customXml" ds:itemID="{CEA9B47F-3DD8-4645-81DC-B88780643C07}">
-  <ds:schemaRefs>
-    <ds:schemaRef ds:uri="16c05727-aa75-4e4a-9b5f-8a80a1165891"/>
-    <ds:schemaRef ds:uri="http://schemas.openxmlformats.org/package/2006/metadata/core-properties"/>
-    <ds:schemaRef ds:uri="http://purl.org/dc/elements/1.1/"/>
-    <ds:schemaRef ds:uri="http://purl.org/dc/terms/"/>
-    <ds:schemaRef ds:uri="71af3243-3dd4-4a8d-8c0d-dd76da1f02a5"/>
-    <ds:schemaRef ds:uri="http://purl.org/dc/dcmitype/"/>
-    <ds:schemaRef ds:uri="http://schemas.microsoft.com/office/2006/documentManagement/types"/>
-    <ds:schemaRef ds:uri="http://schemas.microsoft.com/office/infopath/2007/PartnerControls"/>
-    <ds:schemaRef ds:uri="http://schemas.microsoft.com/office/2006/metadata/properties"/>
-    <ds:schemaRef ds:uri="http://www.w3.org/XML/1998/namespace"/>
-  </ds:schemaRefs>
-</ds:datastoreItem>
-</file>
-
-<file path=customXml/itemProps3.xml><?xml version="1.0" encoding="utf-8"?>
 <ds:datastoreItem xmlns:ds="http://schemas.openxmlformats.org/officeDocument/2006/customXml" ds:itemID="{631071E6-22AE-499A-B09C-BF21CF5F7483}">
   <ds:schemaRefs>
     <ds:schemaRef ds:uri="http://schemas.microsoft.com/office/2006/metadata/contentType"/>
@@ -42586,4 +44236,21 @@
     <ds:schemaRef ds:uri="http://schemas.microsoft.com/internal/obd"/>
   </ds:schemaRefs>
 </ds:datastoreItem>
+</file>
+
+<file path=customXml/itemProps3.xml><?xml version="1.0" encoding="utf-8"?>
+<ds:datastoreItem xmlns:ds="http://schemas.openxmlformats.org/officeDocument/2006/customXml" ds:itemID="{CEA9B47F-3DD8-4645-81DC-B88780643C07}">
+  <ds:schemaRefs>
+    <ds:schemaRef ds:uri="16c05727-aa75-4e4a-9b5f-8a80a1165891"/>
+    <ds:schemaRef ds:uri="http://schemas.openxmlformats.org/package/2006/metadata/core-properties"/>
+    <ds:schemaRef ds:uri="http://purl.org/dc/elements/1.1/"/>
+    <ds:schemaRef ds:uri="http://purl.org/dc/terms/"/>
+    <ds:schemaRef ds:uri="71af3243-3dd4-4a8d-8c0d-dd76da1f02a5"/>
+    <ds:schemaRef ds:uri="http://purl.org/dc/dcmitype/"/>
+    <ds:schemaRef ds:uri="http://schemas.microsoft.com/office/2006/documentManagement/types"/>
+    <ds:schemaRef ds:uri="http://schemas.microsoft.com/office/infopath/2007/PartnerControls"/>
+    <ds:schemaRef ds:uri="http://schemas.microsoft.com/office/2006/metadata/properties"/>
+    <ds:schemaRef ds:uri="http://www.w3.org/XML/1998/namespace"/>
+  </ds:schemaRefs>
+</ds:datastoreItem>
 </file>
--- a/05111540000007-Faiq-Presentasi.pptx
+++ b/05111540000007-Faiq-Presentasi.pptx
@@ -5941,7 +5941,7 @@
           <a:p>
             <a:fld id="{97AB3EA8-A58D-4C92-A3AB-D271CCC294C7}" type="datetimeFigureOut">
               <a:rPr lang="en-US" smtClean="0"/>
-              <a:t>7/14/2019</a:t>
+              <a:t>7/15/2019</a:t>
             </a:fld>
             <a:endParaRPr lang="en-US" dirty="0"/>
           </a:p>
@@ -6118,7 +6118,7 @@
           <a:p>
             <a:fld id="{0AEFB4FA-E877-413E-B608-88789D806C57}" type="datetimeFigureOut">
               <a:rPr lang="en-US" noProof="0" smtClean="0"/>
-              <a:t>7/14/2019</a:t>
+              <a:t>7/15/2019</a:t>
             </a:fld>
             <a:endParaRPr lang="en-US" noProof="0" dirty="0"/>
           </a:p>
@@ -6439,8 +6439,23 @@
             </a:r>
             <a:r>
               <a:rPr lang="en-US" smtClean="0"/>
-              <a:t>selaku dosen pembimbing saya.</a:t>
-            </a:r>
+              <a:t>selaku dosen pembimbing saya</a:t>
+            </a:r>
+            <a:r>
+              <a:rPr lang="en-US" smtClean="0"/>
+              <a:t>.</a:t>
+            </a:r>
+          </a:p>
+          <a:p>
+            <a:r>
+              <a:rPr lang="en-US" smtClean="0"/>
+              <a:t>Perkenalkan</a:t>
+            </a:r>
+            <a:r>
+              <a:rPr lang="en-US" baseline="0" smtClean="0"/>
+              <a:t> kembali, saya Faiq NRP 15-007</a:t>
+            </a:r>
+            <a:endParaRPr lang="en-US" smtClean="0"/>
           </a:p>
           <a:p>
             <a:r>
@@ -7105,7 +7120,6 @@
               <a:rPr lang="en-US" baseline="0" smtClean="0"/>
               <a:t> dikarenakan individu Soekarno yang memiliki property isSpouseOf Fatmawati</a:t>
             </a:r>
-            <a:endParaRPr lang="en-US" baseline="0" smtClean="0"/>
           </a:p>
         </p:txBody>
       </p:sp>
@@ -8336,7 +8350,13 @@
             </a:r>
             <a:r>
               <a:rPr lang="en-US" baseline="0" smtClean="0"/>
-              <a:t> dataset harus memiliki halaman dbpedia seperti berikut</a:t>
+              <a:t> dataset harus memiliki halaman dbpedia seperti berikut.</a:t>
+            </a:r>
+          </a:p>
+          <a:p>
+            <a:r>
+              <a:rPr lang="en-US" baseline="0" smtClean="0"/>
+              <a:t>Setiap tokoh akan diambil data nama dan keluarganya, seperti anak, pasangan, dan orang tua</a:t>
             </a:r>
             <a:r>
               <a:rPr lang="en-US" baseline="0" smtClean="0"/>
@@ -8346,7 +8366,7 @@
           <a:p>
             <a:r>
               <a:rPr lang="en-US" baseline="0" smtClean="0"/>
-              <a:t>Setiap tokoh akan diambil data nama dan keluarganya, seperti anak, pasangan, dan orang tua.</a:t>
+              <a:t>Perlu diketahui juga, setiap Person datanya tidak selalu lengkap, semisal tidak memiliki property nama atau data keluarganya.</a:t>
             </a:r>
             <a:endParaRPr lang="en-US" baseline="0" smtClean="0"/>
           </a:p>
@@ -8357,11 +8377,23 @@
             </a:r>
             <a:r>
               <a:rPr lang="en-US" baseline="0" smtClean="0"/>
-              <a:t> yang didapatkan dari halaman dbpedia didownload file .rdf nya lalu dimodelkan di aplikasi java yang berplugin apache </a:t>
+              <a:t> yang didapatkan dari halaman dbpedia didownload </a:t>
             </a:r>
             <a:r>
               <a:rPr lang="en-US" baseline="0" smtClean="0"/>
-              <a:t>jena.</a:t>
+              <a:t>sebagai file </a:t>
+            </a:r>
+            <a:r>
+              <a:rPr lang="en-US" baseline="0" smtClean="0"/>
+              <a:t>.</a:t>
+            </a:r>
+            <a:r>
+              <a:rPr lang="en-US" baseline="0" smtClean="0"/>
+              <a:t>rdf </a:t>
+            </a:r>
+            <a:r>
+              <a:rPr lang="en-US" baseline="0" smtClean="0"/>
+              <a:t>lalu dimodelkan di aplikasi java yang berplugin apache jena.</a:t>
             </a:r>
             <a:endParaRPr lang="en-US"/>
           </a:p>
@@ -8559,7 +8591,15 @@
           <a:p>
             <a:r>
               <a:rPr lang="en-US" baseline="0" smtClean="0"/>
-              <a:t>Perlu diketahui bahwa yang dipakai sebagai individu adalah URLnya.</a:t>
+              <a:t>Perlu diketahui bahwa yang dipakai sebagai </a:t>
+            </a:r>
+            <a:r>
+              <a:rPr lang="en-US" baseline="0" smtClean="0"/>
+              <a:t>Person adalah </a:t>
+            </a:r>
+            <a:r>
+              <a:rPr lang="en-US" baseline="0" smtClean="0"/>
+              <a:t>URLnya.</a:t>
             </a:r>
           </a:p>
           <a:p>
@@ -8692,7 +8732,11 @@
             </a:r>
             <a:r>
               <a:rPr lang="en-US" baseline="0" smtClean="0"/>
-              <a:t> data property dan obj property yang saya gunakan untuk pengerjaan ini. </a:t>
+              <a:t> data property dan obj property yang saya gunakan untuk </a:t>
+            </a:r>
+            <a:r>
+              <a:rPr lang="en-US" baseline="0" smtClean="0"/>
+              <a:t>pembuatan ontologi. </a:t>
             </a:r>
             <a:r>
               <a:rPr lang="en-US" smtClean="0"/>
@@ -17093,7 +17137,7 @@
           <a:p>
             <a:fld id="{11489015-5B70-4D85-AA05-A54131EA11AC}" type="datetime3">
               <a:rPr lang="en-US" smtClean="0"/>
-              <a:t>14 July 2019</a:t>
+              <a:t>15 July 2019</a:t>
             </a:fld>
             <a:endParaRPr lang="en-US"/>
           </a:p>
@@ -24583,7 +24627,7 @@
           <a:p>
             <a:fld id="{D951F27F-98F9-A147-8986-34441C7B752D}" type="datetime1">
               <a:rPr lang="en-US" noProof="0" smtClean="0"/>
-              <a:t>7/14/2019</a:t>
+              <a:t>7/15/2019</a:t>
             </a:fld>
             <a:endParaRPr lang="en-US" noProof="0" dirty="0"/>
           </a:p>
@@ -26474,14 +26518,14 @@
           <p:nvPr>
             <p:extLst>
               <p:ext uri="{D42A27DB-BD31-4B8C-83A1-F6EECF244321}">
-                <p14:modId xmlns:p14="http://schemas.microsoft.com/office/powerpoint/2010/main" val="4132440800"/>
+                <p14:modId xmlns:p14="http://schemas.microsoft.com/office/powerpoint/2010/main" val="3900180883"/>
               </p:ext>
             </p:extLst>
           </p:nvPr>
         </p:nvGraphicFramePr>
         <p:xfrm>
           <a:off x="1417351" y="1745032"/>
-          <a:ext cx="9417603" cy="3560223"/>
+          <a:ext cx="9417603" cy="2630539"/>
         </p:xfrm>
         <a:graphic>
           <a:graphicData uri="http://schemas.openxmlformats.org/drawingml/2006/table">
@@ -26699,108 +26743,6 @@
                   <a:tcPr marL="33587" marR="33587" marT="0" marB="0"/>
                 </a:tc>
               </a:tr>
-              <a:tr h="464842">
-                <a:tc>
-                  <a:txBody>
-                    <a:bodyPr/>
-                    <a:lstStyle/>
-                    <a:p>
-                      <a:pPr algn="just">
-                        <a:spcAft>
-                          <a:spcPts val="0"/>
-                        </a:spcAft>
-                      </a:pPr>
-                      <a:r>
-                        <a:rPr lang="en-US" sz="1400">
-                          <a:effectLst/>
-                        </a:rPr>
-                        <a:t>hasGrandChild</a:t>
-                      </a:r>
-                      <a:endParaRPr lang="en-US" sz="1400">
-                        <a:effectLst/>
-                        <a:latin typeface="Times New Roman" panose="02020603050405020304" pitchFamily="18" charset="0"/>
-                        <a:ea typeface="Times New Roman" panose="02020603050405020304" pitchFamily="18" charset="0"/>
-                      </a:endParaRPr>
-                    </a:p>
-                  </a:txBody>
-                  <a:tcPr marL="33587" marR="33587" marT="0" marB="0"/>
-                </a:tc>
-                <a:tc>
-                  <a:txBody>
-                    <a:bodyPr/>
-                    <a:lstStyle/>
-                    <a:p>
-                      <a:pPr algn="just">
-                        <a:spcAft>
-                          <a:spcPts val="0"/>
-                        </a:spcAft>
-                      </a:pPr>
-                      <a:r>
-                        <a:rPr lang="en-US" sz="1400">
-                          <a:effectLst/>
-                        </a:rPr>
-                        <a:t>co-ode.org/roberts/family-tree.owl#hasgrandchild</a:t>
-                      </a:r>
-                      <a:endParaRPr lang="en-US" sz="1400">
-                        <a:effectLst/>
-                        <a:latin typeface="Times New Roman" panose="02020603050405020304" pitchFamily="18" charset="0"/>
-                        <a:ea typeface="Times New Roman" panose="02020603050405020304" pitchFamily="18" charset="0"/>
-                      </a:endParaRPr>
-                    </a:p>
-                  </a:txBody>
-                  <a:tcPr marL="33587" marR="33587" marT="0" marB="0"/>
-                </a:tc>
-                <a:tc>
-                  <a:txBody>
-                    <a:bodyPr/>
-                    <a:lstStyle/>
-                    <a:p>
-                      <a:pPr algn="ctr">
-                        <a:spcAft>
-                          <a:spcPts val="0"/>
-                        </a:spcAft>
-                      </a:pPr>
-                      <a:r>
-                        <a:rPr lang="en-US" sz="1400">
-                          <a:effectLst/>
-                        </a:rPr>
-                        <a:t>-</a:t>
-                      </a:r>
-                      <a:endParaRPr lang="en-US" sz="1400">
-                        <a:effectLst/>
-                        <a:latin typeface="Times New Roman" panose="02020603050405020304" pitchFamily="18" charset="0"/>
-                        <a:ea typeface="Times New Roman" panose="02020603050405020304" pitchFamily="18" charset="0"/>
-                      </a:endParaRPr>
-                    </a:p>
-                  </a:txBody>
-                  <a:tcPr marL="33587" marR="33587" marT="0" marB="0"/>
-                </a:tc>
-                <a:tc>
-                  <a:txBody>
-                    <a:bodyPr/>
-                    <a:lstStyle/>
-                    <a:p>
-                      <a:pPr algn="just">
-                        <a:spcAft>
-                          <a:spcPts val="0"/>
-                        </a:spcAft>
-                      </a:pPr>
-                      <a:r>
-                        <a:rPr lang="en-US" sz="1400">
-                          <a:effectLst/>
-                        </a:rPr>
-                        <a:t>SuperProperty dari ‘hasChild o hasChild’</a:t>
-                      </a:r>
-                      <a:endParaRPr lang="en-US" sz="1400">
-                        <a:effectLst/>
-                        <a:latin typeface="Times New Roman" panose="02020603050405020304" pitchFamily="18" charset="0"/>
-                        <a:ea typeface="Times New Roman" panose="02020603050405020304" pitchFamily="18" charset="0"/>
-                      </a:endParaRPr>
-                    </a:p>
-                  </a:txBody>
-                  <a:tcPr marL="33587" marR="33587" marT="0" marB="0"/>
-                </a:tc>
-              </a:tr>
               <a:tr h="371874">
                 <a:tc>
                   <a:txBody>
@@ -26892,118 +26834,6 @@
                           <a:effectLst/>
                         </a:rPr>
                         <a:t>ekuivalen dengan dbo:parent</a:t>
-                      </a:r>
-                      <a:endParaRPr lang="en-US" sz="1400">
-                        <a:effectLst/>
-                        <a:latin typeface="Times New Roman" panose="02020603050405020304" pitchFamily="18" charset="0"/>
-                        <a:ea typeface="Times New Roman" panose="02020603050405020304" pitchFamily="18" charset="0"/>
-                      </a:endParaRPr>
-                    </a:p>
-                  </a:txBody>
-                  <a:tcPr marL="33587" marR="33587" marT="0" marB="0"/>
-                </a:tc>
-              </a:tr>
-              <a:tr h="464842">
-                <a:tc>
-                  <a:txBody>
-                    <a:bodyPr/>
-                    <a:lstStyle/>
-                    <a:p>
-                      <a:pPr algn="just">
-                        <a:spcAft>
-                          <a:spcPts val="0"/>
-                        </a:spcAft>
-                      </a:pPr>
-                      <a:r>
-                        <a:rPr lang="en-US" sz="1400">
-                          <a:effectLst/>
-                        </a:rPr>
-                        <a:t>hasSibling</a:t>
-                      </a:r>
-                      <a:endParaRPr lang="en-US" sz="1400">
-                        <a:effectLst/>
-                        <a:latin typeface="Times New Roman" panose="02020603050405020304" pitchFamily="18" charset="0"/>
-                        <a:ea typeface="Times New Roman" panose="02020603050405020304" pitchFamily="18" charset="0"/>
-                      </a:endParaRPr>
-                    </a:p>
-                  </a:txBody>
-                  <a:tcPr marL="33587" marR="33587" marT="0" marB="0"/>
-                </a:tc>
-                <a:tc>
-                  <a:txBody>
-                    <a:bodyPr/>
-                    <a:lstStyle/>
-                    <a:p>
-                      <a:pPr algn="just">
-                        <a:spcAft>
-                          <a:spcPts val="0"/>
-                        </a:spcAft>
-                      </a:pPr>
-                      <a:r>
-                        <a:rPr lang="en-US" sz="1400">
-                          <a:effectLst/>
-                        </a:rPr>
-                        <a:t>co-ode.org/roberts/family-tree.owl#hassibling</a:t>
-                      </a:r>
-                      <a:endParaRPr lang="en-US" sz="1400">
-                        <a:effectLst/>
-                        <a:latin typeface="Times New Roman" panose="02020603050405020304" pitchFamily="18" charset="0"/>
-                        <a:ea typeface="Times New Roman" panose="02020603050405020304" pitchFamily="18" charset="0"/>
-                      </a:endParaRPr>
-                    </a:p>
-                  </a:txBody>
-                  <a:tcPr marL="33587" marR="33587" marT="0" marB="0"/>
-                </a:tc>
-                <a:tc>
-                  <a:txBody>
-                    <a:bodyPr/>
-                    <a:lstStyle/>
-                    <a:p>
-                      <a:pPr algn="ctr">
-                        <a:spcAft>
-                          <a:spcPts val="0"/>
-                        </a:spcAft>
-                      </a:pPr>
-                      <a:r>
-                        <a:rPr lang="en-US" sz="1400">
-                          <a:effectLst/>
-                        </a:rPr>
-                        <a:t>symmetric</a:t>
-                      </a:r>
-                      <a:endParaRPr lang="en-US" sz="1400">
-                        <a:effectLst/>
-                        <a:latin typeface="Times New Roman" panose="02020603050405020304" pitchFamily="18" charset="0"/>
-                        <a:ea typeface="Times New Roman" panose="02020603050405020304" pitchFamily="18" charset="0"/>
-                      </a:endParaRPr>
-                    </a:p>
-                  </a:txBody>
-                  <a:tcPr marL="33587" marR="33587" marT="0" marB="0"/>
-                </a:tc>
-                <a:tc>
-                  <a:txBody>
-                    <a:bodyPr/>
-                    <a:lstStyle/>
-                    <a:p>
-                      <a:pPr algn="just">
-                        <a:spcAft>
-                          <a:spcPts val="0"/>
-                        </a:spcAft>
-                      </a:pPr>
-                      <a:r>
-                        <a:rPr lang="en-US" sz="1400" smtClean="0">
-                          <a:effectLst/>
-                          <a:latin typeface="+mn-lt"/>
-                          <a:ea typeface="+mn-ea"/>
-                        </a:rPr>
-                        <a:t>Properti</a:t>
-                      </a:r>
-                      <a:r>
-                        <a:rPr lang="en-US" sz="1400" baseline="0" smtClean="0">
-                          <a:effectLst/>
-                          <a:latin typeface="+mn-lt"/>
-                          <a:ea typeface="+mn-ea"/>
-                        </a:rPr>
-                        <a:t> ini memberlakukan aturan kebalikan</a:t>
                       </a:r>
                       <a:endParaRPr lang="en-US" sz="1400">
                         <a:effectLst/>
@@ -27281,10 +27111,10 @@
                         </a:spcAft>
                       </a:pPr>
                       <a:r>
-                        <a:rPr lang="en-US" sz="1400">
+                        <a:rPr lang="en-US" sz="1400" smtClean="0">
                           <a:effectLst/>
                         </a:rPr>
-                        <a:t>-</a:t>
+                        <a:t>symmetric</a:t>
                       </a:r>
                       <a:endParaRPr lang="en-US" sz="1400">
                         <a:effectLst/>
@@ -37660,8 +37490,24 @@
             </a:r>
             <a:r>
               <a:rPr lang="en-US" sz="2800" b="1" smtClean="0"/>
-              <a:t>ontologi.</a:t>
-            </a:r>
+              <a:t>ontologi</a:t>
+            </a:r>
+            <a:r>
+              <a:rPr lang="en-US" sz="2800" b="1" smtClean="0"/>
+              <a:t>.</a:t>
+            </a:r>
+            <a:endParaRPr lang="en-US" sz="2800" b="1"/>
+          </a:p>
+          <a:p>
+            <a:r>
+              <a:rPr lang="en-US" sz="2800" smtClean="0"/>
+              <a:t>Data tokoh di situs ensiklopedia masih berupa </a:t>
+            </a:r>
+            <a:r>
+              <a:rPr lang="en-US" sz="2800" b="1" smtClean="0"/>
+              <a:t>tabel atau paragraf.</a:t>
+            </a:r>
+            <a:endParaRPr lang="en-US" sz="2800" b="1" smtClean="0"/>
           </a:p>
         </p:txBody>
       </p:sp>
@@ -40271,11 +40117,7 @@
             </a:r>
             <a:r>
               <a:rPr lang="en-US" sz="3200" smtClean="0"/>
-              <a:t> </a:t>
-            </a:r>
-            <a:r>
-              <a:rPr lang="en-US" sz="3200" smtClean="0"/>
-              <a:t>secara </a:t>
+              <a:t> secara </a:t>
             </a:r>
             <a:r>
               <a:rPr lang="en-US" sz="3200" b="1" smtClean="0"/>
@@ -43984,6 +43826,14 @@
 </file>
 
 <file path=customXml/item1.xml><?xml version="1.0" encoding="utf-8"?>
+<p:properties xmlns:p="http://schemas.microsoft.com/office/2006/metadata/properties" xmlns:xsi="http://www.w3.org/2001/XMLSchema-instance" xmlns:pc="http://schemas.microsoft.com/office/infopath/2007/PartnerControls">
+  <documentManagement>
+    <MediaServiceKeyPoints xmlns="71af3243-3dd4-4a8d-8c0d-dd76da1f02a5" xsi:nil="true"/>
+  </documentManagement>
+</p:properties>
+</file>
+
+<file path=customXml/item2.xml><?xml version="1.0" encoding="utf-8"?>
 <?mso-contentType ?>
 <FormTemplates xmlns="http://schemas.microsoft.com/sharepoint/v3/contenttype/forms">
   <Display>DocumentLibraryForm</Display>
@@ -43992,7 +43842,7 @@
 </FormTemplates>
 </file>
 
-<file path=customXml/item2.xml><?xml version="1.0" encoding="utf-8"?>
+<file path=customXml/item3.xml><?xml version="1.0" encoding="utf-8"?>
 <ct:contentTypeSchema xmlns:ct="http://schemas.microsoft.com/office/2006/metadata/contentType" xmlns:ma="http://schemas.microsoft.com/office/2006/metadata/properties/metaAttributes" ct:_="" ma:_="" ma:contentTypeName="Document" ma:contentTypeID="0x01010079F111ED35F8CC479449609E8A0923A6" ma:contentTypeVersion="11" ma:contentTypeDescription="Create a new document." ma:contentTypeScope="" ma:versionID="9677210f24a1be23c92c90fd886aa0aa">
   <xsd:schema xmlns:xsd="http://www.w3.org/2001/XMLSchema" xmlns:xs="http://www.w3.org/2001/XMLSchema" xmlns:p="http://schemas.microsoft.com/office/2006/metadata/properties" xmlns:ns2="71af3243-3dd4-4a8d-8c0d-dd76da1f02a5" xmlns:ns3="16c05727-aa75-4e4a-9b5f-8a80a1165891" targetNamespace="http://schemas.microsoft.com/office/2006/metadata/properties" ma:root="true" ma:fieldsID="60e05723c5c1908df1a1a4ebf11d344e" ns2:_="" ns3:_="">
     <xsd:import namespace="71af3243-3dd4-4a8d-8c0d-dd76da1f02a5"/>
@@ -44203,15 +44053,24 @@
 </ct:contentTypeSchema>
 </file>
 
-<file path=customXml/item3.xml><?xml version="1.0" encoding="utf-8"?>
-<p:properties xmlns:p="http://schemas.microsoft.com/office/2006/metadata/properties" xmlns:xsi="http://www.w3.org/2001/XMLSchema-instance" xmlns:pc="http://schemas.microsoft.com/office/infopath/2007/PartnerControls">
-  <documentManagement>
-    <MediaServiceKeyPoints xmlns="71af3243-3dd4-4a8d-8c0d-dd76da1f02a5" xsi:nil="true"/>
-  </documentManagement>
-</p:properties>
+<file path=customXml/itemProps1.xml><?xml version="1.0" encoding="utf-8"?>
+<ds:datastoreItem xmlns:ds="http://schemas.openxmlformats.org/officeDocument/2006/customXml" ds:itemID="{CEA9B47F-3DD8-4645-81DC-B88780643C07}">
+  <ds:schemaRefs>
+    <ds:schemaRef ds:uri="16c05727-aa75-4e4a-9b5f-8a80a1165891"/>
+    <ds:schemaRef ds:uri="http://schemas.openxmlformats.org/package/2006/metadata/core-properties"/>
+    <ds:schemaRef ds:uri="http://purl.org/dc/elements/1.1/"/>
+    <ds:schemaRef ds:uri="http://purl.org/dc/terms/"/>
+    <ds:schemaRef ds:uri="71af3243-3dd4-4a8d-8c0d-dd76da1f02a5"/>
+    <ds:schemaRef ds:uri="http://purl.org/dc/dcmitype/"/>
+    <ds:schemaRef ds:uri="http://schemas.microsoft.com/office/2006/documentManagement/types"/>
+    <ds:schemaRef ds:uri="http://schemas.microsoft.com/office/infopath/2007/PartnerControls"/>
+    <ds:schemaRef ds:uri="http://schemas.microsoft.com/office/2006/metadata/properties"/>
+    <ds:schemaRef ds:uri="http://www.w3.org/XML/1998/namespace"/>
+  </ds:schemaRefs>
+</ds:datastoreItem>
 </file>
 
-<file path=customXml/itemProps1.xml><?xml version="1.0" encoding="utf-8"?>
+<file path=customXml/itemProps2.xml><?xml version="1.0" encoding="utf-8"?>
 <ds:datastoreItem xmlns:ds="http://schemas.openxmlformats.org/officeDocument/2006/customXml" ds:itemID="{B0C07E3D-60A7-4F4E-8208-D9CCD01982CB}">
   <ds:schemaRefs>
     <ds:schemaRef ds:uri="http://schemas.microsoft.com/sharepoint/v3/contenttype/forms"/>
@@ -44219,7 +44078,7 @@
 </ds:datastoreItem>
 </file>
 
-<file path=customXml/itemProps2.xml><?xml version="1.0" encoding="utf-8"?>
+<file path=customXml/itemProps3.xml><?xml version="1.0" encoding="utf-8"?>
 <ds:datastoreItem xmlns:ds="http://schemas.openxmlformats.org/officeDocument/2006/customXml" ds:itemID="{631071E6-22AE-499A-B09C-BF21CF5F7483}">
   <ds:schemaRefs>
     <ds:schemaRef ds:uri="http://schemas.microsoft.com/office/2006/metadata/contentType"/>
@@ -44236,21 +44095,4 @@
     <ds:schemaRef ds:uri="http://schemas.microsoft.com/internal/obd"/>
   </ds:schemaRefs>
 </ds:datastoreItem>
-</file>
-
-<file path=customXml/itemProps3.xml><?xml version="1.0" encoding="utf-8"?>
-<ds:datastoreItem xmlns:ds="http://schemas.openxmlformats.org/officeDocument/2006/customXml" ds:itemID="{CEA9B47F-3DD8-4645-81DC-B88780643C07}">
-  <ds:schemaRefs>
-    <ds:schemaRef ds:uri="16c05727-aa75-4e4a-9b5f-8a80a1165891"/>
-    <ds:schemaRef ds:uri="http://schemas.openxmlformats.org/package/2006/metadata/core-properties"/>
-    <ds:schemaRef ds:uri="http://purl.org/dc/elements/1.1/"/>
-    <ds:schemaRef ds:uri="http://purl.org/dc/terms/"/>
-    <ds:schemaRef ds:uri="71af3243-3dd4-4a8d-8c0d-dd76da1f02a5"/>
-    <ds:schemaRef ds:uri="http://purl.org/dc/dcmitype/"/>
-    <ds:schemaRef ds:uri="http://schemas.microsoft.com/office/2006/documentManagement/types"/>
-    <ds:schemaRef ds:uri="http://schemas.microsoft.com/office/infopath/2007/PartnerControls"/>
-    <ds:schemaRef ds:uri="http://schemas.microsoft.com/office/2006/metadata/properties"/>
-    <ds:schemaRef ds:uri="http://www.w3.org/XML/1998/namespace"/>
-  </ds:schemaRefs>
-</ds:datastoreItem>
 </file>
--- a/05111540000007-Faiq-Presentasi.pptx
+++ b/05111540000007-Faiq-Presentasi.pptx
@@ -2349,7 +2349,7 @@
   <dgm:whole/>
   <dgm:extLst>
     <a:ext uri="http://schemas.microsoft.com/office/drawing/2008/diagram">
-      <dsp:dataModelExt xmlns:dsp="http://schemas.microsoft.com/office/drawing/2008/diagram" relId="rId6" minVer="http://schemas.openxmlformats.org/drawingml/2006/diagram"/>
+      <dsp:dataModelExt xmlns:dsp="http://schemas.microsoft.com/office/drawing/2008/diagram" relId="rId7" minVer="http://schemas.openxmlformats.org/drawingml/2006/diagram"/>
     </a:ext>
   </dgm:extLst>
 </dgm:dataModel>
@@ -5874,7 +5874,7 @@
           <p:cNvPr id="2" name="Header Placeholder 1">
             <a:extLst>
               <a:ext uri="{FF2B5EF4-FFF2-40B4-BE49-F238E27FC236}">
-                <a16:creationId xmlns:a16="http://schemas.microsoft.com/office/drawing/2014/main" xmlns="" id="{27243D74-B9C1-450A-B0F3-6C6DCB0CF20B}"/>
+                <a16:creationId xmlns="" xmlns:a16="http://schemas.microsoft.com/office/drawing/2014/main" id="{27243D74-B9C1-450A-B0F3-6C6DCB0CF20B}"/>
               </a:ext>
             </a:extLst>
           </p:cNvPr>
@@ -5911,7 +5911,7 @@
           <p:cNvPr id="3" name="Date Placeholder 2">
             <a:extLst>
               <a:ext uri="{FF2B5EF4-FFF2-40B4-BE49-F238E27FC236}">
-                <a16:creationId xmlns:a16="http://schemas.microsoft.com/office/drawing/2014/main" xmlns="" id="{32C27C33-9BB1-41D5-A236-12767E7E722F}"/>
+                <a16:creationId xmlns="" xmlns:a16="http://schemas.microsoft.com/office/drawing/2014/main" id="{32C27C33-9BB1-41D5-A236-12767E7E722F}"/>
               </a:ext>
             </a:extLst>
           </p:cNvPr>
@@ -5952,7 +5952,7 @@
           <p:cNvPr id="4" name="Footer Placeholder 3">
             <a:extLst>
               <a:ext uri="{FF2B5EF4-FFF2-40B4-BE49-F238E27FC236}">
-                <a16:creationId xmlns:a16="http://schemas.microsoft.com/office/drawing/2014/main" xmlns="" id="{44A7EADB-04A4-4093-B238-438E2C7317A1}"/>
+                <a16:creationId xmlns="" xmlns:a16="http://schemas.microsoft.com/office/drawing/2014/main" id="{44A7EADB-04A4-4093-B238-438E2C7317A1}"/>
               </a:ext>
             </a:extLst>
           </p:cNvPr>
@@ -5989,7 +5989,7 @@
           <p:cNvPr id="5" name="Slide Number Placeholder 4">
             <a:extLst>
               <a:ext uri="{FF2B5EF4-FFF2-40B4-BE49-F238E27FC236}">
-                <a16:creationId xmlns:a16="http://schemas.microsoft.com/office/drawing/2014/main" xmlns="" id="{EDDD8696-706D-440E-AE04-4C644F0613E8}"/>
+                <a16:creationId xmlns="" xmlns:a16="http://schemas.microsoft.com/office/drawing/2014/main" id="{EDDD8696-706D-440E-AE04-4C644F0613E8}"/>
               </a:ext>
             </a:extLst>
           </p:cNvPr>
@@ -6439,11 +6439,7 @@
             </a:r>
             <a:r>
               <a:rPr lang="en-US" smtClean="0"/>
-              <a:t>selaku dosen pembimbing saya</a:t>
-            </a:r>
-            <a:r>
-              <a:rPr lang="en-US" smtClean="0"/>
-              <a:t>.</a:t>
+              <a:t>selaku dosen pembimbing saya.</a:t>
             </a:r>
           </a:p>
           <a:p>
@@ -6902,29 +6898,23 @@
           <a:p>
             <a:r>
               <a:rPr lang="en-US" smtClean="0"/>
-              <a:t>Visualisasi</a:t>
+              <a:t>Pertama-tama</a:t>
             </a:r>
             <a:r>
               <a:rPr lang="en-US" baseline="0" smtClean="0"/>
-              <a:t> pohon keluarga adalah sebagai berikut, saya menggunakan HTML dan CSS untuk mengatur skema pohon keluarga yang berbentuk tree.</a:t>
+              <a:t> uggah data hasil reasoning ke basis data apache jena fuseki</a:t>
             </a:r>
           </a:p>
           <a:p>
             <a:r>
               <a:rPr lang="en-US" baseline="0" smtClean="0"/>
-              <a:t>Kelas A adalah nama individu dan CSS nya akan membuat persegi</a:t>
+              <a:t>Lalu implementasi sparql query untuk mengambil data nama dan relasi dari apache jena fuseki</a:t>
             </a:r>
           </a:p>
           <a:p>
             <a:r>
               <a:rPr lang="en-US" baseline="0" smtClean="0"/>
-              <a:t>Kelas UL adalah garis keturunan</a:t>
-            </a:r>
-          </a:p>
-          <a:p>
-            <a:r>
-              <a:rPr lang="en-US" baseline="0" smtClean="0"/>
-              <a:t>Kelas LI adalah garis kesaudaraan</a:t>
+              <a:t>Lalu menampilkan struktur pohon keluarga person yang dipilih</a:t>
             </a:r>
           </a:p>
         </p:txBody>
@@ -6946,7 +6936,7 @@
           <a:p>
             <a:fld id="{6336304E-FDE3-4B4F-A3B7-EBE87F3FA5E2}" type="slidenum">
               <a:rPr lang="en-US" noProof="0" smtClean="0"/>
-              <a:t>19</a:t>
+              <a:t>18</a:t>
             </a:fld>
             <a:endParaRPr lang="en-US" noProof="0" dirty="0"/>
           </a:p>
@@ -6955,7 +6945,7 @@
     </p:spTree>
     <p:extLst>
       <p:ext uri="{BB962C8B-B14F-4D97-AF65-F5344CB8AC3E}">
-        <p14:creationId xmlns:p14="http://schemas.microsoft.com/office/powerpoint/2010/main" val="1368366131"/>
+        <p14:creationId xmlns:p14="http://schemas.microsoft.com/office/powerpoint/2010/main" val="930153987"/>
       </p:ext>
     </p:extLst>
   </p:cSld>
@@ -7011,23 +7001,50 @@
           <a:p>
             <a:r>
               <a:rPr lang="en-US" smtClean="0"/>
-              <a:t>Berikut hasil uji coba reasoning pada individu</a:t>
+              <a:t>Visualisasi</a:t>
             </a:r>
             <a:r>
               <a:rPr lang="en-US" baseline="0" smtClean="0"/>
-              <a:t> Fatmawati,</a:t>
-            </a:r>
-          </a:p>
-          <a:p>
+              <a:t> pohon keluarga adalah sebagai berikut, saya menggunakan HTML dan CSS untuk mengatur skema pohon keluarga yang berbentuk </a:t>
+            </a:r>
             <a:r>
               <a:rPr lang="en-US" baseline="0" smtClean="0"/>
-              <a:t>Sebelumnya belum memiliki property spouse Soekarno</a:t>
-            </a:r>
+              <a:t>tree view.</a:t>
+            </a:r>
+            <a:endParaRPr lang="en-US" baseline="0" smtClean="0"/>
           </a:p>
           <a:p>
             <a:r>
               <a:rPr lang="en-US" baseline="0" smtClean="0"/>
-              <a:t>Setelah proses reasoning, diperoleh fakta baru yaitu Fatmawati memiliki spouse Soekarno</a:t>
+              <a:t>Kelas A adalah nama individu dan CSS nya akan </a:t>
+            </a:r>
+            <a:r>
+              <a:rPr lang="en-US" baseline="0" smtClean="0"/>
+              <a:t>membuat border </a:t>
+            </a:r>
+            <a:r>
+              <a:rPr lang="en-US" baseline="0" smtClean="0"/>
+              <a:t>persegi</a:t>
+            </a:r>
+          </a:p>
+          <a:p>
+            <a:r>
+              <a:rPr lang="en-US" baseline="0" smtClean="0"/>
+              <a:t>Kelas UL </a:t>
+            </a:r>
+            <a:r>
+              <a:rPr lang="en-US" baseline="0" smtClean="0"/>
+              <a:t>adalah garis </a:t>
+            </a:r>
+            <a:r>
+              <a:rPr lang="en-US" baseline="0" smtClean="0"/>
+              <a:t>keturunan</a:t>
+            </a:r>
+          </a:p>
+          <a:p>
+            <a:r>
+              <a:rPr lang="en-US" baseline="0" smtClean="0"/>
+              <a:t>Kelas LI adalah garis kesaudaraan</a:t>
             </a:r>
           </a:p>
         </p:txBody>
@@ -7049,7 +7066,7 @@
           <a:p>
             <a:fld id="{6336304E-FDE3-4B4F-A3B7-EBE87F3FA5E2}" type="slidenum">
               <a:rPr lang="en-US" noProof="0" smtClean="0"/>
-              <a:t>21</a:t>
+              <a:t>19</a:t>
             </a:fld>
             <a:endParaRPr lang="en-US" noProof="0" dirty="0"/>
           </a:p>
@@ -7058,7 +7075,7 @@
     </p:spTree>
     <p:extLst>
       <p:ext uri="{BB962C8B-B14F-4D97-AF65-F5344CB8AC3E}">
-        <p14:creationId xmlns:p14="http://schemas.microsoft.com/office/powerpoint/2010/main" val="5952984"/>
+        <p14:creationId xmlns:p14="http://schemas.microsoft.com/office/powerpoint/2010/main" val="1368366131"/>
       </p:ext>
     </p:extLst>
   </p:cSld>
@@ -7114,11 +7131,23 @@
           <a:p>
             <a:r>
               <a:rPr lang="en-US" smtClean="0"/>
-              <a:t>Hal ini</a:t>
+              <a:t>Berikut hasil uji coba reasoning pada individu</a:t>
             </a:r>
             <a:r>
               <a:rPr lang="en-US" baseline="0" smtClean="0"/>
-              <a:t> dikarenakan individu Soekarno yang memiliki property isSpouseOf Fatmawati</a:t>
+              <a:t> Fatmawati,</a:t>
+            </a:r>
+          </a:p>
+          <a:p>
+            <a:r>
+              <a:rPr lang="en-US" baseline="0" smtClean="0"/>
+              <a:t>Sebelumnya belum memiliki property spouse Soekarno</a:t>
+            </a:r>
+          </a:p>
+          <a:p>
+            <a:r>
+              <a:rPr lang="en-US" baseline="0" smtClean="0"/>
+              <a:t>Setelah proses reasoning, diperoleh fakta baru yaitu Fatmawati memiliki spouse Soekarno</a:t>
             </a:r>
           </a:p>
         </p:txBody>
@@ -7140,7 +7169,7 @@
           <a:p>
             <a:fld id="{6336304E-FDE3-4B4F-A3B7-EBE87F3FA5E2}" type="slidenum">
               <a:rPr lang="en-US" noProof="0" smtClean="0"/>
-              <a:t>22</a:t>
+              <a:t>21</a:t>
             </a:fld>
             <a:endParaRPr lang="en-US" noProof="0" dirty="0"/>
           </a:p>
@@ -7149,7 +7178,7 @@
     </p:spTree>
     <p:extLst>
       <p:ext uri="{BB962C8B-B14F-4D97-AF65-F5344CB8AC3E}">
-        <p14:creationId xmlns:p14="http://schemas.microsoft.com/office/powerpoint/2010/main" val="3383777433"/>
+        <p14:creationId xmlns:p14="http://schemas.microsoft.com/office/powerpoint/2010/main" val="5952984"/>
       </p:ext>
     </p:extLst>
   </p:cSld>
@@ -7205,29 +7234,11 @@
           <a:p>
             <a:r>
               <a:rPr lang="en-US" smtClean="0"/>
-              <a:t>Berikut hasil uji coba reasoning pada individu</a:t>
+              <a:t>Hal ini</a:t>
             </a:r>
             <a:r>
               <a:rPr lang="en-US" baseline="0" smtClean="0"/>
-              <a:t> SBY,</a:t>
-            </a:r>
-          </a:p>
-          <a:p>
-            <a:r>
-              <a:rPr lang="en-US" baseline="0" smtClean="0"/>
-              <a:t>Sebelumnya memiliki property child Agus Harimurti dan Edhie Baskoro</a:t>
-            </a:r>
-          </a:p>
-          <a:p>
-            <a:r>
-              <a:rPr lang="en-US" baseline="0" smtClean="0"/>
-              <a:t>Setelah proses reasoning, tidak didapatkan fakta baru, </a:t>
-            </a:r>
-          </a:p>
-          <a:p>
-            <a:r>
-              <a:rPr lang="en-US" baseline="0" smtClean="0"/>
-              <a:t>Hanya saja terjadi generalisasi, yaitu SBY hasChild Agus Harimurti dan Edhie Baskoro</a:t>
+              <a:t> dikarenakan individu Soekarno yang memiliki property isSpouseOf Fatmawati</a:t>
             </a:r>
           </a:p>
         </p:txBody>
@@ -7249,7 +7260,7 @@
           <a:p>
             <a:fld id="{6336304E-FDE3-4B4F-A3B7-EBE87F3FA5E2}" type="slidenum">
               <a:rPr lang="en-US" noProof="0" smtClean="0"/>
-              <a:t>23</a:t>
+              <a:t>22</a:t>
             </a:fld>
             <a:endParaRPr lang="en-US" noProof="0" dirty="0"/>
           </a:p>
@@ -7258,7 +7269,7 @@
     </p:spTree>
     <p:extLst>
       <p:ext uri="{BB962C8B-B14F-4D97-AF65-F5344CB8AC3E}">
-        <p14:creationId xmlns:p14="http://schemas.microsoft.com/office/powerpoint/2010/main" val="3895244174"/>
+        <p14:creationId xmlns:p14="http://schemas.microsoft.com/office/powerpoint/2010/main" val="3383777433"/>
       </p:ext>
     </p:extLst>
   </p:cSld>
@@ -7318,21 +7329,26 @@
             </a:r>
             <a:r>
               <a:rPr lang="en-US" baseline="0" smtClean="0"/>
-              <a:t> Guruh Soekarno,</a:t>
+              <a:t> SBY,</a:t>
             </a:r>
           </a:p>
           <a:p>
             <a:r>
               <a:rPr lang="en-US" baseline="0" smtClean="0"/>
-              <a:t>Sebelumnya belum memiliki property parent</a:t>
+              <a:t>Sebelumnya memiliki property child Agus Harimurti dan Edhie Baskoro</a:t>
             </a:r>
           </a:p>
           <a:p>
             <a:r>
               <a:rPr lang="en-US" baseline="0" smtClean="0"/>
-              <a:t>Setelah proses reasoning, diperoleh fakta baru yaitu Guruh hasParent Fatmawati dan Soekarno</a:t>
-            </a:r>
-            <a:endParaRPr lang="en-US" smtClean="0"/>
+              <a:t>Setelah proses reasoning, tidak didapatkan fakta baru, </a:t>
+            </a:r>
+          </a:p>
+          <a:p>
+            <a:r>
+              <a:rPr lang="en-US" baseline="0" smtClean="0"/>
+              <a:t>Hanya saja terjadi generalisasi, yaitu SBY hasChild Agus Harimurti dan Edhie Baskoro</a:t>
+            </a:r>
           </a:p>
         </p:txBody>
       </p:sp>
@@ -7353,7 +7369,7 @@
           <a:p>
             <a:fld id="{6336304E-FDE3-4B4F-A3B7-EBE87F3FA5E2}" type="slidenum">
               <a:rPr lang="en-US" noProof="0" smtClean="0"/>
-              <a:t>24</a:t>
+              <a:t>23</a:t>
             </a:fld>
             <a:endParaRPr lang="en-US" noProof="0" dirty="0"/>
           </a:p>
@@ -7362,7 +7378,7 @@
     </p:spTree>
     <p:extLst>
       <p:ext uri="{BB962C8B-B14F-4D97-AF65-F5344CB8AC3E}">
-        <p14:creationId xmlns:p14="http://schemas.microsoft.com/office/powerpoint/2010/main" val="2411653461"/>
+        <p14:creationId xmlns:p14="http://schemas.microsoft.com/office/powerpoint/2010/main" val="3895244174"/>
       </p:ext>
     </p:extLst>
   </p:cSld>
@@ -7418,11 +7434,23 @@
           <a:p>
             <a:r>
               <a:rPr lang="en-US" smtClean="0"/>
-              <a:t>Hal ini disebabkan karena</a:t>
+              <a:t>Berikut hasil uji coba reasoning pada individu</a:t>
             </a:r>
             <a:r>
               <a:rPr lang="en-US" baseline="0" smtClean="0"/>
-              <a:t> individu Soekarno memiliki property dbo:child Guruh</a:t>
+              <a:t> Guruh Soekarno,</a:t>
+            </a:r>
+          </a:p>
+          <a:p>
+            <a:r>
+              <a:rPr lang="en-US" baseline="0" smtClean="0"/>
+              <a:t>Sebelumnya belum memiliki property parent</a:t>
+            </a:r>
+          </a:p>
+          <a:p>
+            <a:r>
+              <a:rPr lang="en-US" baseline="0" smtClean="0"/>
+              <a:t>Setelah proses reasoning, diperoleh fakta baru yaitu Guruh hasParent Fatmawati dan Soekarno</a:t>
             </a:r>
             <a:endParaRPr lang="en-US" smtClean="0"/>
           </a:p>
@@ -7445,7 +7473,7 @@
           <a:p>
             <a:fld id="{6336304E-FDE3-4B4F-A3B7-EBE87F3FA5E2}" type="slidenum">
               <a:rPr lang="en-US" noProof="0" smtClean="0"/>
-              <a:t>25</a:t>
+              <a:t>24</a:t>
             </a:fld>
             <a:endParaRPr lang="en-US" noProof="0" dirty="0"/>
           </a:p>
@@ -7454,7 +7482,7 @@
     </p:spTree>
     <p:extLst>
       <p:ext uri="{BB962C8B-B14F-4D97-AF65-F5344CB8AC3E}">
-        <p14:creationId xmlns:p14="http://schemas.microsoft.com/office/powerpoint/2010/main" val="472215795"/>
+        <p14:creationId xmlns:p14="http://schemas.microsoft.com/office/powerpoint/2010/main" val="2411653461"/>
       </p:ext>
     </p:extLst>
   </p:cSld>
@@ -7510,11 +7538,11 @@
           <a:p>
             <a:r>
               <a:rPr lang="en-US" smtClean="0"/>
-              <a:t>Dan individu Fatmawati juga </a:t>
+              <a:t>Hal ini disebabkan karena</a:t>
             </a:r>
             <a:r>
               <a:rPr lang="en-US" baseline="0" smtClean="0"/>
-              <a:t>memiliki property dbo:child Guruh</a:t>
+              <a:t> individu Soekarno memiliki property dbo:child Guruh</a:t>
             </a:r>
             <a:endParaRPr lang="en-US" smtClean="0"/>
           </a:p>
@@ -7537,7 +7565,7 @@
           <a:p>
             <a:fld id="{6336304E-FDE3-4B4F-A3B7-EBE87F3FA5E2}" type="slidenum">
               <a:rPr lang="en-US" noProof="0" smtClean="0"/>
-              <a:t>26</a:t>
+              <a:t>25</a:t>
             </a:fld>
             <a:endParaRPr lang="en-US" noProof="0" dirty="0"/>
           </a:p>
@@ -7546,7 +7574,7 @@
     </p:spTree>
     <p:extLst>
       <p:ext uri="{BB962C8B-B14F-4D97-AF65-F5344CB8AC3E}">
-        <p14:creationId xmlns:p14="http://schemas.microsoft.com/office/powerpoint/2010/main" val="1765374047"/>
+        <p14:creationId xmlns:p14="http://schemas.microsoft.com/office/powerpoint/2010/main" val="472215795"/>
       </p:ext>
     </p:extLst>
   </p:cSld>
@@ -7688,7 +7716,15 @@
           <a:bodyPr/>
           <a:lstStyle/>
           <a:p>
-            <a:endParaRPr lang="en-US"/>
+            <a:r>
+              <a:rPr lang="en-US" smtClean="0"/>
+              <a:t>Dan individu Fatmawati juga </a:t>
+            </a:r>
+            <a:r>
+              <a:rPr lang="en-US" baseline="0" smtClean="0"/>
+              <a:t>memiliki property dbo:child Guruh</a:t>
+            </a:r>
+            <a:endParaRPr lang="en-US" smtClean="0"/>
           </a:p>
         </p:txBody>
       </p:sp>
@@ -7709,7 +7745,7 @@
           <a:p>
             <a:fld id="{6336304E-FDE3-4B4F-A3B7-EBE87F3FA5E2}" type="slidenum">
               <a:rPr lang="en-US" noProof="0" smtClean="0"/>
-              <a:t>30</a:t>
+              <a:t>26</a:t>
             </a:fld>
             <a:endParaRPr lang="en-US" noProof="0" dirty="0"/>
           </a:p>
@@ -7718,7 +7754,7 @@
     </p:spTree>
     <p:extLst>
       <p:ext uri="{BB962C8B-B14F-4D97-AF65-F5344CB8AC3E}">
-        <p14:creationId xmlns:p14="http://schemas.microsoft.com/office/powerpoint/2010/main" val="2061451182"/>
+        <p14:creationId xmlns:p14="http://schemas.microsoft.com/office/powerpoint/2010/main" val="1765374047"/>
       </p:ext>
     </p:extLst>
   </p:cSld>
@@ -7772,32 +7808,7 @@
           <a:bodyPr/>
           <a:lstStyle/>
           <a:p>
-            <a:r>
-              <a:rPr lang="en-US" smtClean="0"/>
-              <a:t>Disini terlihat ada dua individu Fatmawati,</a:t>
-            </a:r>
-            <a:r>
-              <a:rPr lang="en-US" baseline="0" smtClean="0"/>
-              <a:t> </a:t>
-            </a:r>
-          </a:p>
-          <a:p>
-            <a:r>
-              <a:rPr lang="en-US" baseline="0" smtClean="0"/>
-              <a:t>hal ini disebabkan karena terdapat dua URL fatmawati dan fatmawati_soekarno di dbpedia</a:t>
-            </a:r>
-          </a:p>
-          <a:p>
-            <a:r>
-              <a:rPr lang="en-US" baseline="0" smtClean="0"/>
-              <a:t>Seperti yang dijelaskan di batasan masalah, system saya bergantung pada data dbpedia</a:t>
-            </a:r>
-          </a:p>
-          <a:p>
-            <a:r>
-              <a:rPr lang="en-US" baseline="0" smtClean="0"/>
-              <a:t>Dan tidak bisa menyamakan individu yang memiliki URL lebih dari satu</a:t>
-            </a:r>
+            <a:endParaRPr lang="en-US"/>
           </a:p>
         </p:txBody>
       </p:sp>
@@ -7818,7 +7829,7 @@
           <a:p>
             <a:fld id="{6336304E-FDE3-4B4F-A3B7-EBE87F3FA5E2}" type="slidenum">
               <a:rPr lang="en-US" noProof="0" smtClean="0"/>
-              <a:t>31</a:t>
+              <a:t>30</a:t>
             </a:fld>
             <a:endParaRPr lang="en-US" noProof="0" dirty="0"/>
           </a:p>
@@ -7827,7 +7838,7 @@
     </p:spTree>
     <p:extLst>
       <p:ext uri="{BB962C8B-B14F-4D97-AF65-F5344CB8AC3E}">
-        <p14:creationId xmlns:p14="http://schemas.microsoft.com/office/powerpoint/2010/main" val="1644155439"/>
+        <p14:creationId xmlns:p14="http://schemas.microsoft.com/office/powerpoint/2010/main" val="2061451182"/>
       </p:ext>
     </p:extLst>
   </p:cSld>
@@ -7927,7 +7938,7 @@
           <a:p>
             <a:fld id="{6336304E-FDE3-4B4F-A3B7-EBE87F3FA5E2}" type="slidenum">
               <a:rPr lang="en-US" noProof="0" smtClean="0"/>
-              <a:t>32</a:t>
+              <a:t>31</a:t>
             </a:fld>
             <a:endParaRPr lang="en-US" noProof="0" dirty="0"/>
           </a:p>
@@ -7936,7 +7947,7 @@
     </p:spTree>
     <p:extLst>
       <p:ext uri="{BB962C8B-B14F-4D97-AF65-F5344CB8AC3E}">
-        <p14:creationId xmlns:p14="http://schemas.microsoft.com/office/powerpoint/2010/main" val="2434822640"/>
+        <p14:creationId xmlns:p14="http://schemas.microsoft.com/office/powerpoint/2010/main" val="1644155439"/>
       </p:ext>
     </p:extLst>
   </p:cSld>
@@ -7992,6 +8003,115 @@
           <a:p>
             <a:r>
               <a:rPr lang="en-US" smtClean="0"/>
+              <a:t>Disini terlihat ada dua individu Fatmawati,</a:t>
+            </a:r>
+            <a:r>
+              <a:rPr lang="en-US" baseline="0" smtClean="0"/>
+              <a:t> </a:t>
+            </a:r>
+          </a:p>
+          <a:p>
+            <a:r>
+              <a:rPr lang="en-US" baseline="0" smtClean="0"/>
+              <a:t>hal ini disebabkan karena terdapat dua URL fatmawati dan fatmawati_soekarno di dbpedia</a:t>
+            </a:r>
+          </a:p>
+          <a:p>
+            <a:r>
+              <a:rPr lang="en-US" baseline="0" smtClean="0"/>
+              <a:t>Seperti yang dijelaskan di batasan masalah, system saya bergantung pada data dbpedia</a:t>
+            </a:r>
+          </a:p>
+          <a:p>
+            <a:r>
+              <a:rPr lang="en-US" baseline="0" smtClean="0"/>
+              <a:t>Dan tidak bisa menyamakan individu yang memiliki URL lebih dari satu</a:t>
+            </a:r>
+          </a:p>
+        </p:txBody>
+      </p:sp>
+      <p:sp>
+        <p:nvSpPr>
+          <p:cNvPr id="4" name="Slide Number Placeholder 3"/>
+          <p:cNvSpPr>
+            <a:spLocks noGrp="1"/>
+          </p:cNvSpPr>
+          <p:nvPr>
+            <p:ph type="sldNum" sz="quarter" idx="10"/>
+          </p:nvPr>
+        </p:nvSpPr>
+        <p:spPr/>
+        <p:txBody>
+          <a:bodyPr/>
+          <a:lstStyle/>
+          <a:p>
+            <a:fld id="{6336304E-FDE3-4B4F-A3B7-EBE87F3FA5E2}" type="slidenum">
+              <a:rPr lang="en-US" noProof="0" smtClean="0"/>
+              <a:t>32</a:t>
+            </a:fld>
+            <a:endParaRPr lang="en-US" noProof="0" dirty="0"/>
+          </a:p>
+        </p:txBody>
+      </p:sp>
+    </p:spTree>
+    <p:extLst>
+      <p:ext uri="{BB962C8B-B14F-4D97-AF65-F5344CB8AC3E}">
+        <p14:creationId xmlns:p14="http://schemas.microsoft.com/office/powerpoint/2010/main" val="2434822640"/>
+      </p:ext>
+    </p:extLst>
+  </p:cSld>
+  <p:clrMapOvr>
+    <a:masterClrMapping/>
+  </p:clrMapOvr>
+</p:notes>
+</file>
+
+<file path=ppt/notesSlides/notesSlide24.xml><?xml version="1.0" encoding="utf-8"?>
+<p:notes xmlns:a="http://schemas.openxmlformats.org/drawingml/2006/main" xmlns:r="http://schemas.openxmlformats.org/officeDocument/2006/relationships" xmlns:p="http://schemas.openxmlformats.org/presentationml/2006/main">
+  <p:cSld>
+    <p:spTree>
+      <p:nvGrpSpPr>
+        <p:cNvPr id="1" name=""/>
+        <p:cNvGrpSpPr/>
+        <p:nvPr/>
+      </p:nvGrpSpPr>
+      <p:grpSpPr>
+        <a:xfrm>
+          <a:off x="0" y="0"/>
+          <a:ext cx="0" cy="0"/>
+          <a:chOff x="0" y="0"/>
+          <a:chExt cx="0" cy="0"/>
+        </a:xfrm>
+      </p:grpSpPr>
+      <p:sp>
+        <p:nvSpPr>
+          <p:cNvPr id="2" name="Slide Image Placeholder 1"/>
+          <p:cNvSpPr>
+            <a:spLocks noGrp="1" noRot="1" noChangeAspect="1"/>
+          </p:cNvSpPr>
+          <p:nvPr>
+            <p:ph type="sldImg"/>
+          </p:nvPr>
+        </p:nvSpPr>
+        <p:spPr/>
+      </p:sp>
+      <p:sp>
+        <p:nvSpPr>
+          <p:cNvPr id="3" name="Notes Placeholder 2"/>
+          <p:cNvSpPr>
+            <a:spLocks noGrp="1"/>
+          </p:cNvSpPr>
+          <p:nvPr>
+            <p:ph type="body" idx="1"/>
+          </p:nvPr>
+        </p:nvSpPr>
+        <p:spPr/>
+        <p:txBody>
+          <a:bodyPr/>
+          <a:lstStyle/>
+          <a:p>
+            <a:r>
+              <a:rPr lang="en-US" smtClean="0"/>
               <a:t>Berikut yang ditampilkan bukan</a:t>
             </a:r>
             <a:r>
@@ -8044,7 +8164,7 @@
 </p:notes>
 </file>
 
-<file path=ppt/notesSlides/notesSlide24.xml><?xml version="1.0" encoding="utf-8"?>
+<file path=ppt/notesSlides/notesSlide25.xml><?xml version="1.0" encoding="utf-8"?>
 <p:notes xmlns:a="http://schemas.openxmlformats.org/drawingml/2006/main" xmlns:r="http://schemas.openxmlformats.org/officeDocument/2006/relationships" xmlns:p="http://schemas.openxmlformats.org/presentationml/2006/main">
   <p:cSld>
     <p:spTree>
@@ -8356,11 +8476,7 @@
           <a:p>
             <a:r>
               <a:rPr lang="en-US" baseline="0" smtClean="0"/>
-              <a:t>Setiap tokoh akan diambil data nama dan keluarganya, seperti anak, pasangan, dan orang tua</a:t>
-            </a:r>
-            <a:r>
-              <a:rPr lang="en-US" baseline="0" smtClean="0"/>
-              <a:t>.</a:t>
+              <a:t>Setiap tokoh akan diambil data nama dan keluarganya, seperti anak, pasangan, dan orang tua.</a:t>
             </a:r>
           </a:p>
           <a:p>
@@ -8368,7 +8484,6 @@
               <a:rPr lang="en-US" baseline="0" smtClean="0"/>
               <a:t>Perlu diketahui juga, setiap Person datanya tidak selalu lengkap, semisal tidak memiliki property nama atau data keluarganya.</a:t>
             </a:r>
-            <a:endParaRPr lang="en-US" baseline="0" smtClean="0"/>
           </a:p>
           <a:p>
             <a:r>
@@ -8377,23 +8492,7 @@
             </a:r>
             <a:r>
               <a:rPr lang="en-US" baseline="0" smtClean="0"/>
-              <a:t> yang didapatkan dari halaman dbpedia didownload </a:t>
-            </a:r>
-            <a:r>
-              <a:rPr lang="en-US" baseline="0" smtClean="0"/>
-              <a:t>sebagai file </a:t>
-            </a:r>
-            <a:r>
-              <a:rPr lang="en-US" baseline="0" smtClean="0"/>
-              <a:t>.</a:t>
-            </a:r>
-            <a:r>
-              <a:rPr lang="en-US" baseline="0" smtClean="0"/>
-              <a:t>rdf </a:t>
-            </a:r>
-            <a:r>
-              <a:rPr lang="en-US" baseline="0" smtClean="0"/>
-              <a:t>lalu dimodelkan di aplikasi java yang berplugin apache jena.</a:t>
+              <a:t> yang didapatkan dari halaman dbpedia didownload sebagai file .rdf lalu dimodelkan di aplikasi java yang berplugin apache jena.</a:t>
             </a:r>
             <a:endParaRPr lang="en-US"/>
           </a:p>
@@ -8591,15 +8690,7 @@
           <a:p>
             <a:r>
               <a:rPr lang="en-US" baseline="0" smtClean="0"/>
-              <a:t>Perlu diketahui bahwa yang dipakai sebagai </a:t>
-            </a:r>
-            <a:r>
-              <a:rPr lang="en-US" baseline="0" smtClean="0"/>
-              <a:t>Person adalah </a:t>
-            </a:r>
-            <a:r>
-              <a:rPr lang="en-US" baseline="0" smtClean="0"/>
-              <a:t>URLnya.</a:t>
+              <a:t>Perlu diketahui bahwa yang dipakai sebagai Person adalah URLnya.</a:t>
             </a:r>
           </a:p>
           <a:p>
@@ -8732,11 +8823,7 @@
             </a:r>
             <a:r>
               <a:rPr lang="en-US" baseline="0" smtClean="0"/>
-              <a:t> data property dan obj property yang saya gunakan untuk </a:t>
-            </a:r>
-            <a:r>
-              <a:rPr lang="en-US" baseline="0" smtClean="0"/>
-              <a:t>pembuatan ontologi. </a:t>
+              <a:t> data property dan obj property yang saya gunakan untuk pembuatan ontologi. </a:t>
             </a:r>
             <a:r>
               <a:rPr lang="en-US" smtClean="0"/>
@@ -8936,7 +9023,7 @@
           <p:cNvPr id="2" name="Title 1">
             <a:extLst>
               <a:ext uri="{FF2B5EF4-FFF2-40B4-BE49-F238E27FC236}">
-                <a16:creationId xmlns:a16="http://schemas.microsoft.com/office/drawing/2014/main" xmlns="" id="{2456FD49-C258-4333-9422-358C976A341C}"/>
+                <a16:creationId xmlns="" xmlns:a16="http://schemas.microsoft.com/office/drawing/2014/main" id="{2456FD49-C258-4333-9422-358C976A341C}"/>
               </a:ext>
             </a:extLst>
           </p:cNvPr>
@@ -8980,7 +9067,7 @@
           <p:cNvPr id="3" name="Subtitle 2">
             <a:extLst>
               <a:ext uri="{FF2B5EF4-FFF2-40B4-BE49-F238E27FC236}">
-                <a16:creationId xmlns:a16="http://schemas.microsoft.com/office/drawing/2014/main" xmlns="" id="{59758E15-A93D-4FB9-843D-1490E27A151B}"/>
+                <a16:creationId xmlns="" xmlns:a16="http://schemas.microsoft.com/office/drawing/2014/main" id="{59758E15-A93D-4FB9-843D-1490E27A151B}"/>
               </a:ext>
             </a:extLst>
           </p:cNvPr>
@@ -9057,7 +9144,7 @@
           <p:cNvPr id="13" name="Picture Placeholder 12">
             <a:extLst>
               <a:ext uri="{FF2B5EF4-FFF2-40B4-BE49-F238E27FC236}">
-                <a16:creationId xmlns:a16="http://schemas.microsoft.com/office/drawing/2014/main" xmlns="" id="{BCCC559D-0EC3-432C-B397-6897B366DF36}"/>
+                <a16:creationId xmlns="" xmlns:a16="http://schemas.microsoft.com/office/drawing/2014/main" id="{BCCC559D-0EC3-432C-B397-6897B366DF36}"/>
               </a:ext>
             </a:extLst>
           </p:cNvPr>
@@ -9102,7 +9189,7 @@
           <p:cNvPr id="14" name="Group 13">
             <a:extLst>
               <a:ext uri="{FF2B5EF4-FFF2-40B4-BE49-F238E27FC236}">
-                <a16:creationId xmlns:a16="http://schemas.microsoft.com/office/drawing/2014/main" xmlns="" id="{0DC2055F-AE3F-46BE-B57E-A0F1A86D1C36}"/>
+                <a16:creationId xmlns="" xmlns:a16="http://schemas.microsoft.com/office/drawing/2014/main" id="{0DC2055F-AE3F-46BE-B57E-A0F1A86D1C36}"/>
               </a:ext>
             </a:extLst>
           </p:cNvPr>
@@ -9127,7 +9214,7 @@
             <p:cNvPr id="15" name="Freeform 5">
               <a:extLst>
                 <a:ext uri="{FF2B5EF4-FFF2-40B4-BE49-F238E27FC236}">
-                  <a16:creationId xmlns:a16="http://schemas.microsoft.com/office/drawing/2014/main" xmlns="" id="{C98EF042-A3B8-406D-BC16-153A989F571A}"/>
+                  <a16:creationId xmlns="" xmlns:a16="http://schemas.microsoft.com/office/drawing/2014/main" id="{C98EF042-A3B8-406D-BC16-153A989F571A}"/>
                 </a:ext>
               </a:extLst>
             </p:cNvPr>
@@ -9317,7 +9404,7 @@
             <p:cNvPr id="16" name="Freeform 6">
               <a:extLst>
                 <a:ext uri="{FF2B5EF4-FFF2-40B4-BE49-F238E27FC236}">
-                  <a16:creationId xmlns:a16="http://schemas.microsoft.com/office/drawing/2014/main" xmlns="" id="{68E5FAC9-A660-4D7A-AC84-0A7C8CC3BB65}"/>
+                  <a16:creationId xmlns="" xmlns:a16="http://schemas.microsoft.com/office/drawing/2014/main" id="{68E5FAC9-A660-4D7A-AC84-0A7C8CC3BB65}"/>
                 </a:ext>
               </a:extLst>
             </p:cNvPr>
@@ -9468,7 +9555,7 @@
           <p:cNvPr id="9" name="Picture 8">
             <a:extLst>
               <a:ext uri="{FF2B5EF4-FFF2-40B4-BE49-F238E27FC236}">
-                <a16:creationId xmlns:a16="http://schemas.microsoft.com/office/drawing/2014/main" xmlns="" id="{4FE28ACC-E44C-4381-B768-0310810E78D2}"/>
+                <a16:creationId xmlns="" xmlns:a16="http://schemas.microsoft.com/office/drawing/2014/main" id="{4FE28ACC-E44C-4381-B768-0310810E78D2}"/>
               </a:ext>
             </a:extLst>
           </p:cNvPr>
@@ -9504,7 +9591,7 @@
           <p:cNvPr id="5" name="Straight Connector 4">
             <a:extLst>
               <a:ext uri="{FF2B5EF4-FFF2-40B4-BE49-F238E27FC236}">
-                <a16:creationId xmlns:a16="http://schemas.microsoft.com/office/drawing/2014/main" xmlns="" id="{819AFA09-F4B1-493D-BCAD-FF30C20CD1AA}"/>
+                <a16:creationId xmlns="" xmlns:a16="http://schemas.microsoft.com/office/drawing/2014/main" id="{819AFA09-F4B1-493D-BCAD-FF30C20CD1AA}"/>
               </a:ext>
             </a:extLst>
           </p:cNvPr>
@@ -9570,7 +9657,7 @@
           <p:cNvPr id="3" name="Subtitle 2">
             <a:extLst>
               <a:ext uri="{FF2B5EF4-FFF2-40B4-BE49-F238E27FC236}">
-                <a16:creationId xmlns:a16="http://schemas.microsoft.com/office/drawing/2014/main" xmlns="" id="{59758E15-A93D-4FB9-843D-1490E27A151B}"/>
+                <a16:creationId xmlns="" xmlns:a16="http://schemas.microsoft.com/office/drawing/2014/main" id="{59758E15-A93D-4FB9-843D-1490E27A151B}"/>
               </a:ext>
             </a:extLst>
           </p:cNvPr>
@@ -9646,7 +9733,7 @@
           <p:cNvPr id="13" name="Picture Placeholder 12">
             <a:extLst>
               <a:ext uri="{FF2B5EF4-FFF2-40B4-BE49-F238E27FC236}">
-                <a16:creationId xmlns:a16="http://schemas.microsoft.com/office/drawing/2014/main" xmlns="" id="{BCCC559D-0EC3-432C-B397-6897B366DF36}"/>
+                <a16:creationId xmlns="" xmlns:a16="http://schemas.microsoft.com/office/drawing/2014/main" id="{BCCC559D-0EC3-432C-B397-6897B366DF36}"/>
               </a:ext>
             </a:extLst>
           </p:cNvPr>
@@ -9691,7 +9778,7 @@
           <p:cNvPr id="14" name="Group 13">
             <a:extLst>
               <a:ext uri="{FF2B5EF4-FFF2-40B4-BE49-F238E27FC236}">
-                <a16:creationId xmlns:a16="http://schemas.microsoft.com/office/drawing/2014/main" xmlns="" id="{0DC2055F-AE3F-46BE-B57E-A0F1A86D1C36}"/>
+                <a16:creationId xmlns="" xmlns:a16="http://schemas.microsoft.com/office/drawing/2014/main" id="{0DC2055F-AE3F-46BE-B57E-A0F1A86D1C36}"/>
               </a:ext>
             </a:extLst>
           </p:cNvPr>
@@ -9716,7 +9803,7 @@
             <p:cNvPr id="15" name="Freeform 5">
               <a:extLst>
                 <a:ext uri="{FF2B5EF4-FFF2-40B4-BE49-F238E27FC236}">
-                  <a16:creationId xmlns:a16="http://schemas.microsoft.com/office/drawing/2014/main" xmlns="" id="{C98EF042-A3B8-406D-BC16-153A989F571A}"/>
+                  <a16:creationId xmlns="" xmlns:a16="http://schemas.microsoft.com/office/drawing/2014/main" id="{C98EF042-A3B8-406D-BC16-153A989F571A}"/>
                 </a:ext>
               </a:extLst>
             </p:cNvPr>
@@ -9906,7 +9993,7 @@
             <p:cNvPr id="16" name="Freeform 6">
               <a:extLst>
                 <a:ext uri="{FF2B5EF4-FFF2-40B4-BE49-F238E27FC236}">
-                  <a16:creationId xmlns:a16="http://schemas.microsoft.com/office/drawing/2014/main" xmlns="" id="{68E5FAC9-A660-4D7A-AC84-0A7C8CC3BB65}"/>
+                  <a16:creationId xmlns="" xmlns:a16="http://schemas.microsoft.com/office/drawing/2014/main" id="{68E5FAC9-A660-4D7A-AC84-0A7C8CC3BB65}"/>
                 </a:ext>
               </a:extLst>
             </p:cNvPr>
@@ -10057,7 +10144,7 @@
           <p:cNvPr id="9" name="Picture 8">
             <a:extLst>
               <a:ext uri="{FF2B5EF4-FFF2-40B4-BE49-F238E27FC236}">
-                <a16:creationId xmlns:a16="http://schemas.microsoft.com/office/drawing/2014/main" xmlns="" id="{4FE28ACC-E44C-4381-B768-0310810E78D2}"/>
+                <a16:creationId xmlns="" xmlns:a16="http://schemas.microsoft.com/office/drawing/2014/main" id="{4FE28ACC-E44C-4381-B768-0310810E78D2}"/>
               </a:ext>
             </a:extLst>
           </p:cNvPr>
@@ -10093,7 +10180,7 @@
           <p:cNvPr id="5" name="Straight Connector 4">
             <a:extLst>
               <a:ext uri="{FF2B5EF4-FFF2-40B4-BE49-F238E27FC236}">
-                <a16:creationId xmlns:a16="http://schemas.microsoft.com/office/drawing/2014/main" xmlns="" id="{819AFA09-F4B1-493D-BCAD-FF30C20CD1AA}"/>
+                <a16:creationId xmlns="" xmlns:a16="http://schemas.microsoft.com/office/drawing/2014/main" id="{819AFA09-F4B1-493D-BCAD-FF30C20CD1AA}"/>
               </a:ext>
             </a:extLst>
           </p:cNvPr>
@@ -10129,7 +10216,7 @@
           <p:cNvPr id="7" name="Text Placeholder 6">
             <a:extLst>
               <a:ext uri="{FF2B5EF4-FFF2-40B4-BE49-F238E27FC236}">
-                <a16:creationId xmlns:a16="http://schemas.microsoft.com/office/drawing/2014/main" xmlns="" id="{4E0FBE0E-A6B0-483E-93DD-5C20DA069DBC}"/>
+                <a16:creationId xmlns="" xmlns:a16="http://schemas.microsoft.com/office/drawing/2014/main" id="{4E0FBE0E-A6B0-483E-93DD-5C20DA069DBC}"/>
               </a:ext>
             </a:extLst>
           </p:cNvPr>
@@ -10178,7 +10265,7 @@
           <p:cNvPr id="17" name="Graphic 16" descr="Envelope">
             <a:extLst>
               <a:ext uri="{FF2B5EF4-FFF2-40B4-BE49-F238E27FC236}">
-                <a16:creationId xmlns:a16="http://schemas.microsoft.com/office/drawing/2014/main" xmlns="" id="{E5B30B87-6C2E-48F1-9026-E4F6BEA1CFE7}"/>
+                <a16:creationId xmlns="" xmlns:a16="http://schemas.microsoft.com/office/drawing/2014/main" id="{E5B30B87-6C2E-48F1-9026-E4F6BEA1CFE7}"/>
               </a:ext>
             </a:extLst>
           </p:cNvPr>
@@ -10194,7 +10281,7 @@
                 <a14:useLocalDpi xmlns:a14="http://schemas.microsoft.com/office/drawing/2010/main"/>
               </a:ext>
               <a:ext uri="{96DAC541-7B7A-43D3-8B79-37D633B846F1}">
-                <asvg:svgBlip xmlns:asvg="http://schemas.microsoft.com/office/drawing/2016/SVG/main" xmlns="" r:embed="rId4"/>
+                <asvg:svgBlip xmlns="" xmlns:asvg="http://schemas.microsoft.com/office/drawing/2016/SVG/main" r:embed="rId4"/>
               </a:ext>
             </a:extLst>
           </a:blip>
@@ -10217,7 +10304,7 @@
           <p:cNvPr id="18" name="Graphic 17" descr="Network">
             <a:extLst>
               <a:ext uri="{FF2B5EF4-FFF2-40B4-BE49-F238E27FC236}">
-                <a16:creationId xmlns:a16="http://schemas.microsoft.com/office/drawing/2014/main" xmlns="" id="{2DA3CFE0-4ED8-4345-A158-94E70F463E99}"/>
+                <a16:creationId xmlns="" xmlns:a16="http://schemas.microsoft.com/office/drawing/2014/main" id="{2DA3CFE0-4ED8-4345-A158-94E70F463E99}"/>
               </a:ext>
             </a:extLst>
           </p:cNvPr>
@@ -10233,7 +10320,7 @@
                 <a14:useLocalDpi xmlns:a14="http://schemas.microsoft.com/office/drawing/2010/main"/>
               </a:ext>
               <a:ext uri="{96DAC541-7B7A-43D3-8B79-37D633B846F1}">
-                <asvg:svgBlip xmlns:asvg="http://schemas.microsoft.com/office/drawing/2016/SVG/main" xmlns="" r:embed="rId6"/>
+                <asvg:svgBlip xmlns="" xmlns:asvg="http://schemas.microsoft.com/office/drawing/2016/SVG/main" r:embed="rId6"/>
               </a:ext>
             </a:extLst>
           </a:blip>
@@ -10256,7 +10343,7 @@
           <p:cNvPr id="2" name="Title 1">
             <a:extLst>
               <a:ext uri="{FF2B5EF4-FFF2-40B4-BE49-F238E27FC236}">
-                <a16:creationId xmlns:a16="http://schemas.microsoft.com/office/drawing/2014/main" xmlns="" id="{2CE9908F-CF81-43F9-880A-401D0C0FB2ED}"/>
+                <a16:creationId xmlns="" xmlns:a16="http://schemas.microsoft.com/office/drawing/2014/main" id="{2CE9908F-CF81-43F9-880A-401D0C0FB2ED}"/>
               </a:ext>
             </a:extLst>
           </p:cNvPr>
@@ -10334,7 +10421,7 @@
           <p:cNvPr id="4" name="Rectangle 3">
             <a:extLst>
               <a:ext uri="{FF2B5EF4-FFF2-40B4-BE49-F238E27FC236}">
-                <a16:creationId xmlns:a16="http://schemas.microsoft.com/office/drawing/2014/main" xmlns="" id="{86299464-ED20-4919-8B3A-2CFAE8DA2347}"/>
+                <a16:creationId xmlns="" xmlns:a16="http://schemas.microsoft.com/office/drawing/2014/main" id="{86299464-ED20-4919-8B3A-2CFAE8DA2347}"/>
               </a:ext>
             </a:extLst>
           </p:cNvPr>
@@ -10386,7 +10473,7 @@
           <p:cNvPr id="13" name="Picture Placeholder 12">
             <a:extLst>
               <a:ext uri="{FF2B5EF4-FFF2-40B4-BE49-F238E27FC236}">
-                <a16:creationId xmlns:a16="http://schemas.microsoft.com/office/drawing/2014/main" xmlns="" id="{BCCC559D-0EC3-432C-B397-6897B366DF36}"/>
+                <a16:creationId xmlns="" xmlns:a16="http://schemas.microsoft.com/office/drawing/2014/main" id="{BCCC559D-0EC3-432C-B397-6897B366DF36}"/>
               </a:ext>
             </a:extLst>
           </p:cNvPr>
@@ -10431,7 +10518,7 @@
           <p:cNvPr id="14" name="Group 13">
             <a:extLst>
               <a:ext uri="{FF2B5EF4-FFF2-40B4-BE49-F238E27FC236}">
-                <a16:creationId xmlns:a16="http://schemas.microsoft.com/office/drawing/2014/main" xmlns="" id="{0DC2055F-AE3F-46BE-B57E-A0F1A86D1C36}"/>
+                <a16:creationId xmlns="" xmlns:a16="http://schemas.microsoft.com/office/drawing/2014/main" id="{0DC2055F-AE3F-46BE-B57E-A0F1A86D1C36}"/>
               </a:ext>
             </a:extLst>
           </p:cNvPr>
@@ -10456,7 +10543,7 @@
             <p:cNvPr id="15" name="Freeform 5">
               <a:extLst>
                 <a:ext uri="{FF2B5EF4-FFF2-40B4-BE49-F238E27FC236}">
-                  <a16:creationId xmlns:a16="http://schemas.microsoft.com/office/drawing/2014/main" xmlns="" id="{C98EF042-A3B8-406D-BC16-153A989F571A}"/>
+                  <a16:creationId xmlns="" xmlns:a16="http://schemas.microsoft.com/office/drawing/2014/main" id="{C98EF042-A3B8-406D-BC16-153A989F571A}"/>
                 </a:ext>
               </a:extLst>
             </p:cNvPr>
@@ -10646,7 +10733,7 @@
             <p:cNvPr id="16" name="Freeform 6">
               <a:extLst>
                 <a:ext uri="{FF2B5EF4-FFF2-40B4-BE49-F238E27FC236}">
-                  <a16:creationId xmlns:a16="http://schemas.microsoft.com/office/drawing/2014/main" xmlns="" id="{68E5FAC9-A660-4D7A-AC84-0A7C8CC3BB65}"/>
+                  <a16:creationId xmlns="" xmlns:a16="http://schemas.microsoft.com/office/drawing/2014/main" id="{68E5FAC9-A660-4D7A-AC84-0A7C8CC3BB65}"/>
                 </a:ext>
               </a:extLst>
             </p:cNvPr>
@@ -10797,7 +10884,7 @@
           <p:cNvPr id="9" name="Picture 8">
             <a:extLst>
               <a:ext uri="{FF2B5EF4-FFF2-40B4-BE49-F238E27FC236}">
-                <a16:creationId xmlns:a16="http://schemas.microsoft.com/office/drawing/2014/main" xmlns="" id="{4FE28ACC-E44C-4381-B768-0310810E78D2}"/>
+                <a16:creationId xmlns="" xmlns:a16="http://schemas.microsoft.com/office/drawing/2014/main" id="{4FE28ACC-E44C-4381-B768-0310810E78D2}"/>
               </a:ext>
             </a:extLst>
           </p:cNvPr>
@@ -10842,7 +10929,7 @@
           <p:cNvPr id="12" name="Straight Connector 11">
             <a:extLst>
               <a:ext uri="{FF2B5EF4-FFF2-40B4-BE49-F238E27FC236}">
-                <a16:creationId xmlns:a16="http://schemas.microsoft.com/office/drawing/2014/main" xmlns="" id="{77C312F4-62C2-4903-8C4B-423A8717E481}"/>
+                <a16:creationId xmlns="" xmlns:a16="http://schemas.microsoft.com/office/drawing/2014/main" id="{77C312F4-62C2-4903-8C4B-423A8717E481}"/>
               </a:ext>
             </a:extLst>
           </p:cNvPr>
@@ -10883,7 +10970,7 @@
           <p:cNvPr id="19" name="Graphic 18" descr="Envelope">
             <a:extLst>
               <a:ext uri="{FF2B5EF4-FFF2-40B4-BE49-F238E27FC236}">
-                <a16:creationId xmlns:a16="http://schemas.microsoft.com/office/drawing/2014/main" xmlns="" id="{A686352B-226C-4579-B831-0DC14EC3895E}"/>
+                <a16:creationId xmlns="" xmlns:a16="http://schemas.microsoft.com/office/drawing/2014/main" id="{A686352B-226C-4579-B831-0DC14EC3895E}"/>
               </a:ext>
             </a:extLst>
           </p:cNvPr>
@@ -10919,7 +11006,7 @@
           <p:cNvPr id="20" name="Graphic 19" descr="Network">
             <a:extLst>
               <a:ext uri="{FF2B5EF4-FFF2-40B4-BE49-F238E27FC236}">
-                <a16:creationId xmlns:a16="http://schemas.microsoft.com/office/drawing/2014/main" xmlns="" id="{460C8169-012B-451A-A6C2-6FEC0DC82AFC}"/>
+                <a16:creationId xmlns="" xmlns:a16="http://schemas.microsoft.com/office/drawing/2014/main" id="{460C8169-012B-451A-A6C2-6FEC0DC82AFC}"/>
               </a:ext>
             </a:extLst>
           </p:cNvPr>
@@ -10955,7 +11042,7 @@
           <p:cNvPr id="21" name="Subtitle 2">
             <a:extLst>
               <a:ext uri="{FF2B5EF4-FFF2-40B4-BE49-F238E27FC236}">
-                <a16:creationId xmlns:a16="http://schemas.microsoft.com/office/drawing/2014/main" xmlns="" id="{ADF17BC1-06CE-42EA-A970-31A7ED871AA4}"/>
+                <a16:creationId xmlns="" xmlns:a16="http://schemas.microsoft.com/office/drawing/2014/main" id="{ADF17BC1-06CE-42EA-A970-31A7ED871AA4}"/>
               </a:ext>
             </a:extLst>
           </p:cNvPr>
@@ -11031,7 +11118,7 @@
           <p:cNvPr id="22" name="Text Placeholder 6">
             <a:extLst>
               <a:ext uri="{FF2B5EF4-FFF2-40B4-BE49-F238E27FC236}">
-                <a16:creationId xmlns:a16="http://schemas.microsoft.com/office/drawing/2014/main" xmlns="" id="{7035F1B3-4E91-44FF-B4E7-E5D87C7A034C}"/>
+                <a16:creationId xmlns="" xmlns:a16="http://schemas.microsoft.com/office/drawing/2014/main" id="{7035F1B3-4E91-44FF-B4E7-E5D87C7A034C}"/>
               </a:ext>
             </a:extLst>
           </p:cNvPr>
@@ -11084,7 +11171,7 @@
           <p:cNvPr id="18" name="Title 1">
             <a:extLst>
               <a:ext uri="{FF2B5EF4-FFF2-40B4-BE49-F238E27FC236}">
-                <a16:creationId xmlns:a16="http://schemas.microsoft.com/office/drawing/2014/main" xmlns="" id="{525B5135-F466-4A63-A42C-3BB2BAA7D24D}"/>
+                <a16:creationId xmlns="" xmlns:a16="http://schemas.microsoft.com/office/drawing/2014/main" id="{525B5135-F466-4A63-A42C-3BB2BAA7D24D}"/>
               </a:ext>
             </a:extLst>
           </p:cNvPr>
@@ -11188,7 +11275,7 @@
           <p:cNvPr id="4" name="Rectangle 3">
             <a:extLst>
               <a:ext uri="{FF2B5EF4-FFF2-40B4-BE49-F238E27FC236}">
-                <a16:creationId xmlns:a16="http://schemas.microsoft.com/office/drawing/2014/main" xmlns="" id="{86299464-ED20-4919-8B3A-2CFAE8DA2347}"/>
+                <a16:creationId xmlns="" xmlns:a16="http://schemas.microsoft.com/office/drawing/2014/main" id="{86299464-ED20-4919-8B3A-2CFAE8DA2347}"/>
               </a:ext>
             </a:extLst>
           </p:cNvPr>
@@ -11240,7 +11327,7 @@
           <p:cNvPr id="6" name="Oval 5">
             <a:extLst>
               <a:ext uri="{FF2B5EF4-FFF2-40B4-BE49-F238E27FC236}">
-                <a16:creationId xmlns:a16="http://schemas.microsoft.com/office/drawing/2014/main" xmlns="" id="{1F54E98B-AC75-484D-9121-68498EB888AA}"/>
+                <a16:creationId xmlns="" xmlns:a16="http://schemas.microsoft.com/office/drawing/2014/main" id="{1F54E98B-AC75-484D-9121-68498EB888AA}"/>
               </a:ext>
             </a:extLst>
           </p:cNvPr>
@@ -11294,7 +11381,7 @@
           <p:cNvPr id="2" name="Title 1">
             <a:extLst>
               <a:ext uri="{FF2B5EF4-FFF2-40B4-BE49-F238E27FC236}">
-                <a16:creationId xmlns:a16="http://schemas.microsoft.com/office/drawing/2014/main" xmlns="" id="{2456FD49-C258-4333-9422-358C976A341C}"/>
+                <a16:creationId xmlns="" xmlns:a16="http://schemas.microsoft.com/office/drawing/2014/main" id="{2456FD49-C258-4333-9422-358C976A341C}"/>
               </a:ext>
             </a:extLst>
           </p:cNvPr>
@@ -11338,7 +11425,7 @@
           <p:cNvPr id="3" name="Subtitle 2">
             <a:extLst>
               <a:ext uri="{FF2B5EF4-FFF2-40B4-BE49-F238E27FC236}">
-                <a16:creationId xmlns:a16="http://schemas.microsoft.com/office/drawing/2014/main" xmlns="" id="{59758E15-A93D-4FB9-843D-1490E27A151B}"/>
+                <a16:creationId xmlns="" xmlns:a16="http://schemas.microsoft.com/office/drawing/2014/main" id="{59758E15-A93D-4FB9-843D-1490E27A151B}"/>
               </a:ext>
             </a:extLst>
           </p:cNvPr>
@@ -11415,7 +11502,7 @@
           <p:cNvPr id="14" name="Group 13">
             <a:extLst>
               <a:ext uri="{FF2B5EF4-FFF2-40B4-BE49-F238E27FC236}">
-                <a16:creationId xmlns:a16="http://schemas.microsoft.com/office/drawing/2014/main" xmlns="" id="{0DC2055F-AE3F-46BE-B57E-A0F1A86D1C36}"/>
+                <a16:creationId xmlns="" xmlns:a16="http://schemas.microsoft.com/office/drawing/2014/main" id="{0DC2055F-AE3F-46BE-B57E-A0F1A86D1C36}"/>
               </a:ext>
             </a:extLst>
           </p:cNvPr>
@@ -11440,7 +11527,7 @@
             <p:cNvPr id="15" name="Freeform 5">
               <a:extLst>
                 <a:ext uri="{FF2B5EF4-FFF2-40B4-BE49-F238E27FC236}">
-                  <a16:creationId xmlns:a16="http://schemas.microsoft.com/office/drawing/2014/main" xmlns="" id="{C98EF042-A3B8-406D-BC16-153A989F571A}"/>
+                  <a16:creationId xmlns="" xmlns:a16="http://schemas.microsoft.com/office/drawing/2014/main" id="{C98EF042-A3B8-406D-BC16-153A989F571A}"/>
                 </a:ext>
               </a:extLst>
             </p:cNvPr>
@@ -11630,7 +11717,7 @@
             <p:cNvPr id="16" name="Freeform 6">
               <a:extLst>
                 <a:ext uri="{FF2B5EF4-FFF2-40B4-BE49-F238E27FC236}">
-                  <a16:creationId xmlns:a16="http://schemas.microsoft.com/office/drawing/2014/main" xmlns="" id="{68E5FAC9-A660-4D7A-AC84-0A7C8CC3BB65}"/>
+                  <a16:creationId xmlns="" xmlns:a16="http://schemas.microsoft.com/office/drawing/2014/main" id="{68E5FAC9-A660-4D7A-AC84-0A7C8CC3BB65}"/>
                 </a:ext>
               </a:extLst>
             </p:cNvPr>
@@ -11781,7 +11868,7 @@
           <p:cNvPr id="9" name="Picture 8">
             <a:extLst>
               <a:ext uri="{FF2B5EF4-FFF2-40B4-BE49-F238E27FC236}">
-                <a16:creationId xmlns:a16="http://schemas.microsoft.com/office/drawing/2014/main" xmlns="" id="{4FE28ACC-E44C-4381-B768-0310810E78D2}"/>
+                <a16:creationId xmlns="" xmlns:a16="http://schemas.microsoft.com/office/drawing/2014/main" id="{4FE28ACC-E44C-4381-B768-0310810E78D2}"/>
               </a:ext>
             </a:extLst>
           </p:cNvPr>
@@ -11826,7 +11913,7 @@
           <p:cNvPr id="5" name="Straight Connector 4">
             <a:extLst>
               <a:ext uri="{FF2B5EF4-FFF2-40B4-BE49-F238E27FC236}">
-                <a16:creationId xmlns:a16="http://schemas.microsoft.com/office/drawing/2014/main" xmlns="" id="{819AFA09-F4B1-493D-BCAD-FF30C20CD1AA}"/>
+                <a16:creationId xmlns="" xmlns:a16="http://schemas.microsoft.com/office/drawing/2014/main" id="{819AFA09-F4B1-493D-BCAD-FF30C20CD1AA}"/>
               </a:ext>
             </a:extLst>
           </p:cNvPr>
@@ -11923,7 +12010,7 @@
           <p:cNvPr id="10" name="Rectangle 9">
             <a:extLst>
               <a:ext uri="{FF2B5EF4-FFF2-40B4-BE49-F238E27FC236}">
-                <a16:creationId xmlns:a16="http://schemas.microsoft.com/office/drawing/2014/main" xmlns="" id="{F9087E09-D75F-4E26-B01E-A1A09BA2EA70}"/>
+                <a16:creationId xmlns="" xmlns:a16="http://schemas.microsoft.com/office/drawing/2014/main" id="{F9087E09-D75F-4E26-B01E-A1A09BA2EA70}"/>
               </a:ext>
             </a:extLst>
           </p:cNvPr>
@@ -11975,7 +12062,7 @@
           <p:cNvPr id="2" name="Title 1">
             <a:extLst>
               <a:ext uri="{FF2B5EF4-FFF2-40B4-BE49-F238E27FC236}">
-                <a16:creationId xmlns:a16="http://schemas.microsoft.com/office/drawing/2014/main" xmlns="" id="{AF7A70B7-7ADE-4E0B-B956-363B0B1AA613}"/>
+                <a16:creationId xmlns="" xmlns:a16="http://schemas.microsoft.com/office/drawing/2014/main" id="{AF7A70B7-7ADE-4E0B-B956-363B0B1AA613}"/>
               </a:ext>
             </a:extLst>
           </p:cNvPr>
@@ -12019,7 +12106,7 @@
           <p:cNvPr id="8" name="Picture 7">
             <a:extLst>
               <a:ext uri="{FF2B5EF4-FFF2-40B4-BE49-F238E27FC236}">
-                <a16:creationId xmlns:a16="http://schemas.microsoft.com/office/drawing/2014/main" xmlns="" id="{25FC40B0-ED27-47E5-A3C2-32A8418567EE}"/>
+                <a16:creationId xmlns="" xmlns:a16="http://schemas.microsoft.com/office/drawing/2014/main" id="{25FC40B0-ED27-47E5-A3C2-32A8418567EE}"/>
               </a:ext>
             </a:extLst>
           </p:cNvPr>
@@ -12056,7 +12143,7 @@
           <p:cNvPr id="11" name="Oval 10">
             <a:extLst>
               <a:ext uri="{FF2B5EF4-FFF2-40B4-BE49-F238E27FC236}">
-                <a16:creationId xmlns:a16="http://schemas.microsoft.com/office/drawing/2014/main" xmlns="" id="{8931D2A9-0B92-4197-8802-80424C14EA7E}"/>
+                <a16:creationId xmlns="" xmlns:a16="http://schemas.microsoft.com/office/drawing/2014/main" id="{8931D2A9-0B92-4197-8802-80424C14EA7E}"/>
               </a:ext>
             </a:extLst>
           </p:cNvPr>
@@ -12108,7 +12195,7 @@
           <p:cNvPr id="6" name="Slide Number Placeholder 5">
             <a:extLst>
               <a:ext uri="{FF2B5EF4-FFF2-40B4-BE49-F238E27FC236}">
-                <a16:creationId xmlns:a16="http://schemas.microsoft.com/office/drawing/2014/main" xmlns="" id="{533B74B0-30B9-45C2-9AE6-45D1978AAFAE}"/>
+                <a16:creationId xmlns="" xmlns:a16="http://schemas.microsoft.com/office/drawing/2014/main" id="{533B74B0-30B9-45C2-9AE6-45D1978AAFAE}"/>
               </a:ext>
             </a:extLst>
           </p:cNvPr>
@@ -12152,7 +12239,7 @@
           <p:cNvPr id="4" name="Group 3">
             <a:extLst>
               <a:ext uri="{FF2B5EF4-FFF2-40B4-BE49-F238E27FC236}">
-                <a16:creationId xmlns:a16="http://schemas.microsoft.com/office/drawing/2014/main" xmlns="" id="{AD5251EA-F450-4DD1-995B-DC89513424C8}"/>
+                <a16:creationId xmlns="" xmlns:a16="http://schemas.microsoft.com/office/drawing/2014/main" id="{AD5251EA-F450-4DD1-995B-DC89513424C8}"/>
               </a:ext>
             </a:extLst>
           </p:cNvPr>
@@ -12172,7 +12259,7 @@
             <p:cNvPr id="17" name="Oval 16">
               <a:extLst>
                 <a:ext uri="{FF2B5EF4-FFF2-40B4-BE49-F238E27FC236}">
-                  <a16:creationId xmlns:a16="http://schemas.microsoft.com/office/drawing/2014/main" xmlns="" id="{44882F4E-E8C8-46FE-A9C8-7B79782767F6}"/>
+                  <a16:creationId xmlns="" xmlns:a16="http://schemas.microsoft.com/office/drawing/2014/main" id="{44882F4E-E8C8-46FE-A9C8-7B79782767F6}"/>
                 </a:ext>
               </a:extLst>
             </p:cNvPr>
@@ -12226,7 +12313,7 @@
             <p:cNvPr id="18" name="Group 17">
               <a:extLst>
                 <a:ext uri="{FF2B5EF4-FFF2-40B4-BE49-F238E27FC236}">
-                  <a16:creationId xmlns:a16="http://schemas.microsoft.com/office/drawing/2014/main" xmlns="" id="{965CD13B-04FB-40D5-AF62-2F43CF49BA9B}"/>
+                  <a16:creationId xmlns="" xmlns:a16="http://schemas.microsoft.com/office/drawing/2014/main" id="{965CD13B-04FB-40D5-AF62-2F43CF49BA9B}"/>
                 </a:ext>
               </a:extLst>
             </p:cNvPr>
@@ -12251,7 +12338,7 @@
               <p:cNvPr id="19" name="Freeform 5">
                 <a:extLst>
                   <a:ext uri="{FF2B5EF4-FFF2-40B4-BE49-F238E27FC236}">
-                    <a16:creationId xmlns:a16="http://schemas.microsoft.com/office/drawing/2014/main" xmlns="" id="{01876F8F-C11E-4FB2-8150-1F0602752F97}"/>
+                    <a16:creationId xmlns="" xmlns:a16="http://schemas.microsoft.com/office/drawing/2014/main" id="{01876F8F-C11E-4FB2-8150-1F0602752F97}"/>
                   </a:ext>
                 </a:extLst>
               </p:cNvPr>
@@ -12441,7 +12528,7 @@
               <p:cNvPr id="20" name="Freeform 6">
                 <a:extLst>
                   <a:ext uri="{FF2B5EF4-FFF2-40B4-BE49-F238E27FC236}">
-                    <a16:creationId xmlns:a16="http://schemas.microsoft.com/office/drawing/2014/main" xmlns="" id="{08A1D05F-5F61-4156-8C83-1A002AA1E886}"/>
+                    <a16:creationId xmlns="" xmlns:a16="http://schemas.microsoft.com/office/drawing/2014/main" id="{08A1D05F-5F61-4156-8C83-1A002AA1E886}"/>
                   </a:ext>
                 </a:extLst>
               </p:cNvPr>
@@ -12593,7 +12680,7 @@
           <p:cNvPr id="21" name="Text Placeholder 2">
             <a:extLst>
               <a:ext uri="{FF2B5EF4-FFF2-40B4-BE49-F238E27FC236}">
-                <a16:creationId xmlns:a16="http://schemas.microsoft.com/office/drawing/2014/main" xmlns="" id="{4D77C47B-CC1E-41DA-9146-5DFD63065491}"/>
+                <a16:creationId xmlns="" xmlns:a16="http://schemas.microsoft.com/office/drawing/2014/main" id="{4D77C47B-CC1E-41DA-9146-5DFD63065491}"/>
               </a:ext>
             </a:extLst>
           </p:cNvPr>
@@ -12764,7 +12851,7 @@
           <p:cNvPr id="22" name="Group 21">
             <a:extLst>
               <a:ext uri="{FF2B5EF4-FFF2-40B4-BE49-F238E27FC236}">
-                <a16:creationId xmlns:a16="http://schemas.microsoft.com/office/drawing/2014/main" xmlns="" id="{60E0B501-22AA-4685-BE9B-A267F6F675A7}"/>
+                <a16:creationId xmlns="" xmlns:a16="http://schemas.microsoft.com/office/drawing/2014/main" id="{60E0B501-22AA-4685-BE9B-A267F6F675A7}"/>
               </a:ext>
             </a:extLst>
           </p:cNvPr>
@@ -12789,7 +12876,7 @@
             <p:cNvPr id="24" name="Freeform 5">
               <a:extLst>
                 <a:ext uri="{FF2B5EF4-FFF2-40B4-BE49-F238E27FC236}">
-                  <a16:creationId xmlns:a16="http://schemas.microsoft.com/office/drawing/2014/main" xmlns="" id="{5D0E179E-CA3D-4874-9ACD-F8990F48F4BF}"/>
+                  <a16:creationId xmlns="" xmlns:a16="http://schemas.microsoft.com/office/drawing/2014/main" id="{5D0E179E-CA3D-4874-9ACD-F8990F48F4BF}"/>
                 </a:ext>
               </a:extLst>
             </p:cNvPr>
@@ -12979,7 +13066,7 @@
             <p:cNvPr id="25" name="Freeform 6">
               <a:extLst>
                 <a:ext uri="{FF2B5EF4-FFF2-40B4-BE49-F238E27FC236}">
-                  <a16:creationId xmlns:a16="http://schemas.microsoft.com/office/drawing/2014/main" xmlns="" id="{A9C53936-B93A-4CF6-8766-2FA93ACFEBE3}"/>
+                  <a16:creationId xmlns="" xmlns:a16="http://schemas.microsoft.com/office/drawing/2014/main" id="{A9C53936-B93A-4CF6-8766-2FA93ACFEBE3}"/>
                 </a:ext>
               </a:extLst>
             </p:cNvPr>
@@ -13129,7 +13216,7 @@
             <p:cNvPr id="26" name="Freeform 7">
               <a:extLst>
                 <a:ext uri="{FF2B5EF4-FFF2-40B4-BE49-F238E27FC236}">
-                  <a16:creationId xmlns:a16="http://schemas.microsoft.com/office/drawing/2014/main" xmlns="" id="{5776DEA2-5422-4F51-B359-652B71274D31}"/>
+                  <a16:creationId xmlns="" xmlns:a16="http://schemas.microsoft.com/office/drawing/2014/main" id="{5776DEA2-5422-4F51-B359-652B71274D31}"/>
                 </a:ext>
               </a:extLst>
             </p:cNvPr>
@@ -13270,7 +13357,7 @@
           <p:cNvPr id="7" name="Rectangle 6">
             <a:extLst>
               <a:ext uri="{FF2B5EF4-FFF2-40B4-BE49-F238E27FC236}">
-                <a16:creationId xmlns:a16="http://schemas.microsoft.com/office/drawing/2014/main" xmlns="" id="{76627016-BFC4-46D4-89DB-F72E3C3461EC}"/>
+                <a16:creationId xmlns="" xmlns:a16="http://schemas.microsoft.com/office/drawing/2014/main" id="{76627016-BFC4-46D4-89DB-F72E3C3461EC}"/>
               </a:ext>
             </a:extLst>
           </p:cNvPr>
@@ -13326,7 +13413,7 @@
           <p:cNvPr id="15" name="Oval 14">
             <a:extLst>
               <a:ext uri="{FF2B5EF4-FFF2-40B4-BE49-F238E27FC236}">
-                <a16:creationId xmlns:a16="http://schemas.microsoft.com/office/drawing/2014/main" xmlns="" id="{EF515B4A-CB20-4847-8E00-0DD66F1FEBB4}"/>
+                <a16:creationId xmlns="" xmlns:a16="http://schemas.microsoft.com/office/drawing/2014/main" id="{EF515B4A-CB20-4847-8E00-0DD66F1FEBB4}"/>
               </a:ext>
             </a:extLst>
           </p:cNvPr>
@@ -13378,7 +13465,7 @@
           <p:cNvPr id="16" name="Slide Number Placeholder 5">
             <a:extLst>
               <a:ext uri="{FF2B5EF4-FFF2-40B4-BE49-F238E27FC236}">
-                <a16:creationId xmlns:a16="http://schemas.microsoft.com/office/drawing/2014/main" xmlns="" id="{996B64B9-1DF0-4EE9-BAB5-72AFA94B9AFD}"/>
+                <a16:creationId xmlns="" xmlns:a16="http://schemas.microsoft.com/office/drawing/2014/main" id="{996B64B9-1DF0-4EE9-BAB5-72AFA94B9AFD}"/>
               </a:ext>
             </a:extLst>
           </p:cNvPr>
@@ -13422,7 +13509,7 @@
           <p:cNvPr id="27" name="Content Placeholder 2">
             <a:extLst>
               <a:ext uri="{FF2B5EF4-FFF2-40B4-BE49-F238E27FC236}">
-                <a16:creationId xmlns:a16="http://schemas.microsoft.com/office/drawing/2014/main" xmlns="" id="{1A1F33A2-66F7-4D85-99DD-7B00F265AC6D}"/>
+                <a16:creationId xmlns="" xmlns:a16="http://schemas.microsoft.com/office/drawing/2014/main" id="{1A1F33A2-66F7-4D85-99DD-7B00F265AC6D}"/>
               </a:ext>
             </a:extLst>
           </p:cNvPr>
@@ -13485,7 +13572,7 @@
           <p:cNvPr id="12" name="Picture 11">
             <a:extLst>
               <a:ext uri="{FF2B5EF4-FFF2-40B4-BE49-F238E27FC236}">
-                <a16:creationId xmlns:a16="http://schemas.microsoft.com/office/drawing/2014/main" xmlns="" id="{EC2DFD46-BF74-47BA-A496-92ED1979C360}"/>
+                <a16:creationId xmlns="" xmlns:a16="http://schemas.microsoft.com/office/drawing/2014/main" id="{EC2DFD46-BF74-47BA-A496-92ED1979C360}"/>
               </a:ext>
             </a:extLst>
           </p:cNvPr>
@@ -13521,7 +13608,7 @@
           <p:cNvPr id="13" name="Title 1">
             <a:extLst>
               <a:ext uri="{FF2B5EF4-FFF2-40B4-BE49-F238E27FC236}">
-                <a16:creationId xmlns:a16="http://schemas.microsoft.com/office/drawing/2014/main" xmlns="" id="{EF788279-D710-447A-9E71-4D1344575691}"/>
+                <a16:creationId xmlns="" xmlns:a16="http://schemas.microsoft.com/office/drawing/2014/main" id="{EF788279-D710-447A-9E71-4D1344575691}"/>
               </a:ext>
             </a:extLst>
           </p:cNvPr>
@@ -13591,7 +13678,7 @@
           <p:cNvPr id="18" name="Group 17">
             <a:extLst>
               <a:ext uri="{FF2B5EF4-FFF2-40B4-BE49-F238E27FC236}">
-                <a16:creationId xmlns:a16="http://schemas.microsoft.com/office/drawing/2014/main" xmlns="" id="{C2A6B906-ACDA-40FD-8AC8-0B693AB12796}"/>
+                <a16:creationId xmlns="" xmlns:a16="http://schemas.microsoft.com/office/drawing/2014/main" id="{C2A6B906-ACDA-40FD-8AC8-0B693AB12796}"/>
               </a:ext>
             </a:extLst>
           </p:cNvPr>
@@ -13616,7 +13703,7 @@
             <p:cNvPr id="19" name="Freeform 5">
               <a:extLst>
                 <a:ext uri="{FF2B5EF4-FFF2-40B4-BE49-F238E27FC236}">
-                  <a16:creationId xmlns:a16="http://schemas.microsoft.com/office/drawing/2014/main" xmlns="" id="{717F7366-5A99-4065-90C2-AE7DF5DD0F44}"/>
+                  <a16:creationId xmlns="" xmlns:a16="http://schemas.microsoft.com/office/drawing/2014/main" id="{717F7366-5A99-4065-90C2-AE7DF5DD0F44}"/>
                 </a:ext>
               </a:extLst>
             </p:cNvPr>
@@ -13806,7 +13893,7 @@
             <p:cNvPr id="20" name="Freeform 6">
               <a:extLst>
                 <a:ext uri="{FF2B5EF4-FFF2-40B4-BE49-F238E27FC236}">
-                  <a16:creationId xmlns:a16="http://schemas.microsoft.com/office/drawing/2014/main" xmlns="" id="{90A089CA-63B9-4456-B0B1-17C75EBFB982}"/>
+                  <a16:creationId xmlns="" xmlns:a16="http://schemas.microsoft.com/office/drawing/2014/main" id="{90A089CA-63B9-4456-B0B1-17C75EBFB982}"/>
                 </a:ext>
               </a:extLst>
             </p:cNvPr>
@@ -13956,7 +14043,7 @@
             <p:cNvPr id="22" name="Freeform 7">
               <a:extLst>
                 <a:ext uri="{FF2B5EF4-FFF2-40B4-BE49-F238E27FC236}">
-                  <a16:creationId xmlns:a16="http://schemas.microsoft.com/office/drawing/2014/main" xmlns="" id="{8D36B2D1-BCFE-43FC-8743-7B7A30E1AD5D}"/>
+                  <a16:creationId xmlns="" xmlns:a16="http://schemas.microsoft.com/office/drawing/2014/main" id="{8D36B2D1-BCFE-43FC-8743-7B7A30E1AD5D}"/>
                 </a:ext>
               </a:extLst>
             </p:cNvPr>
@@ -14097,7 +14184,7 @@
           <p:cNvPr id="7" name="Rectangle 6">
             <a:extLst>
               <a:ext uri="{FF2B5EF4-FFF2-40B4-BE49-F238E27FC236}">
-                <a16:creationId xmlns:a16="http://schemas.microsoft.com/office/drawing/2014/main" xmlns="" id="{76627016-BFC4-46D4-89DB-F72E3C3461EC}"/>
+                <a16:creationId xmlns="" xmlns:a16="http://schemas.microsoft.com/office/drawing/2014/main" id="{76627016-BFC4-46D4-89DB-F72E3C3461EC}"/>
               </a:ext>
             </a:extLst>
           </p:cNvPr>
@@ -14153,7 +14240,7 @@
           <p:cNvPr id="15" name="Oval 14">
             <a:extLst>
               <a:ext uri="{FF2B5EF4-FFF2-40B4-BE49-F238E27FC236}">
-                <a16:creationId xmlns:a16="http://schemas.microsoft.com/office/drawing/2014/main" xmlns="" id="{EF515B4A-CB20-4847-8E00-0DD66F1FEBB4}"/>
+                <a16:creationId xmlns="" xmlns:a16="http://schemas.microsoft.com/office/drawing/2014/main" id="{EF515B4A-CB20-4847-8E00-0DD66F1FEBB4}"/>
               </a:ext>
             </a:extLst>
           </p:cNvPr>
@@ -14205,7 +14292,7 @@
           <p:cNvPr id="16" name="Slide Number Placeholder 5">
             <a:extLst>
               <a:ext uri="{FF2B5EF4-FFF2-40B4-BE49-F238E27FC236}">
-                <a16:creationId xmlns:a16="http://schemas.microsoft.com/office/drawing/2014/main" xmlns="" id="{996B64B9-1DF0-4EE9-BAB5-72AFA94B9AFD}"/>
+                <a16:creationId xmlns="" xmlns:a16="http://schemas.microsoft.com/office/drawing/2014/main" id="{996B64B9-1DF0-4EE9-BAB5-72AFA94B9AFD}"/>
               </a:ext>
             </a:extLst>
           </p:cNvPr>
@@ -14249,7 +14336,7 @@
           <p:cNvPr id="14" name="Content Placeholder 2">
             <a:extLst>
               <a:ext uri="{FF2B5EF4-FFF2-40B4-BE49-F238E27FC236}">
-                <a16:creationId xmlns:a16="http://schemas.microsoft.com/office/drawing/2014/main" xmlns="" id="{079DA8F4-EDD3-4D62-A90B-8C3C1AFB0083}"/>
+                <a16:creationId xmlns="" xmlns:a16="http://schemas.microsoft.com/office/drawing/2014/main" id="{079DA8F4-EDD3-4D62-A90B-8C3C1AFB0083}"/>
               </a:ext>
             </a:extLst>
           </p:cNvPr>
@@ -14312,7 +14399,7 @@
           <p:cNvPr id="17" name="Content Placeholder 3">
             <a:extLst>
               <a:ext uri="{FF2B5EF4-FFF2-40B4-BE49-F238E27FC236}">
-                <a16:creationId xmlns:a16="http://schemas.microsoft.com/office/drawing/2014/main" xmlns="" id="{DA0DA994-B4A9-447A-BEBF-3EA31D3755A2}"/>
+                <a16:creationId xmlns="" xmlns:a16="http://schemas.microsoft.com/office/drawing/2014/main" id="{DA0DA994-B4A9-447A-BEBF-3EA31D3755A2}"/>
               </a:ext>
             </a:extLst>
           </p:cNvPr>
@@ -14375,7 +14462,7 @@
           <p:cNvPr id="13" name="Picture 12">
             <a:extLst>
               <a:ext uri="{FF2B5EF4-FFF2-40B4-BE49-F238E27FC236}">
-                <a16:creationId xmlns:a16="http://schemas.microsoft.com/office/drawing/2014/main" xmlns="" id="{332150F9-14BF-4DCB-884D-49596914C290}"/>
+                <a16:creationId xmlns="" xmlns:a16="http://schemas.microsoft.com/office/drawing/2014/main" id="{332150F9-14BF-4DCB-884D-49596914C290}"/>
               </a:ext>
             </a:extLst>
           </p:cNvPr>
@@ -14411,7 +14498,7 @@
           <p:cNvPr id="21" name="Title 1">
             <a:extLst>
               <a:ext uri="{FF2B5EF4-FFF2-40B4-BE49-F238E27FC236}">
-                <a16:creationId xmlns:a16="http://schemas.microsoft.com/office/drawing/2014/main" xmlns="" id="{19DEF115-82C2-4E9D-A22C-8DA561FB37B8}"/>
+                <a16:creationId xmlns="" xmlns:a16="http://schemas.microsoft.com/office/drawing/2014/main" id="{19DEF115-82C2-4E9D-A22C-8DA561FB37B8}"/>
               </a:ext>
             </a:extLst>
           </p:cNvPr>
@@ -14481,7 +14568,7 @@
           <p:cNvPr id="20" name="Group 19">
             <a:extLst>
               <a:ext uri="{FF2B5EF4-FFF2-40B4-BE49-F238E27FC236}">
-                <a16:creationId xmlns:a16="http://schemas.microsoft.com/office/drawing/2014/main" xmlns="" id="{616F52B4-215E-4237-893C-E22B23804744}"/>
+                <a16:creationId xmlns="" xmlns:a16="http://schemas.microsoft.com/office/drawing/2014/main" id="{616F52B4-215E-4237-893C-E22B23804744}"/>
               </a:ext>
             </a:extLst>
           </p:cNvPr>
@@ -14506,7 +14593,7 @@
             <p:cNvPr id="22" name="Freeform 5">
               <a:extLst>
                 <a:ext uri="{FF2B5EF4-FFF2-40B4-BE49-F238E27FC236}">
-                  <a16:creationId xmlns:a16="http://schemas.microsoft.com/office/drawing/2014/main" xmlns="" id="{B7C40C77-B795-4B07-B92D-2E8A56635773}"/>
+                  <a16:creationId xmlns="" xmlns:a16="http://schemas.microsoft.com/office/drawing/2014/main" id="{B7C40C77-B795-4B07-B92D-2E8A56635773}"/>
                 </a:ext>
               </a:extLst>
             </p:cNvPr>
@@ -14696,7 +14783,7 @@
             <p:cNvPr id="23" name="Freeform 6">
               <a:extLst>
                 <a:ext uri="{FF2B5EF4-FFF2-40B4-BE49-F238E27FC236}">
-                  <a16:creationId xmlns:a16="http://schemas.microsoft.com/office/drawing/2014/main" xmlns="" id="{6E703A1E-5F10-4BB5-9D52-77CB6F5994C0}"/>
+                  <a16:creationId xmlns="" xmlns:a16="http://schemas.microsoft.com/office/drawing/2014/main" id="{6E703A1E-5F10-4BB5-9D52-77CB6F5994C0}"/>
                 </a:ext>
               </a:extLst>
             </p:cNvPr>
@@ -14846,7 +14933,7 @@
             <p:cNvPr id="24" name="Freeform 7">
               <a:extLst>
                 <a:ext uri="{FF2B5EF4-FFF2-40B4-BE49-F238E27FC236}">
-                  <a16:creationId xmlns:a16="http://schemas.microsoft.com/office/drawing/2014/main" xmlns="" id="{22CEE04C-09CE-41CF-937D-EC2D3C23ECC6}"/>
+                  <a16:creationId xmlns="" xmlns:a16="http://schemas.microsoft.com/office/drawing/2014/main" id="{22CEE04C-09CE-41CF-937D-EC2D3C23ECC6}"/>
                 </a:ext>
               </a:extLst>
             </p:cNvPr>
@@ -14987,7 +15074,7 @@
           <p:cNvPr id="7" name="Rectangle 6">
             <a:extLst>
               <a:ext uri="{FF2B5EF4-FFF2-40B4-BE49-F238E27FC236}">
-                <a16:creationId xmlns:a16="http://schemas.microsoft.com/office/drawing/2014/main" xmlns="" id="{76627016-BFC4-46D4-89DB-F72E3C3461EC}"/>
+                <a16:creationId xmlns="" xmlns:a16="http://schemas.microsoft.com/office/drawing/2014/main" id="{76627016-BFC4-46D4-89DB-F72E3C3461EC}"/>
               </a:ext>
             </a:extLst>
           </p:cNvPr>
@@ -15043,7 +15130,7 @@
           <p:cNvPr id="15" name="Oval 14">
             <a:extLst>
               <a:ext uri="{FF2B5EF4-FFF2-40B4-BE49-F238E27FC236}">
-                <a16:creationId xmlns:a16="http://schemas.microsoft.com/office/drawing/2014/main" xmlns="" id="{EF515B4A-CB20-4847-8E00-0DD66F1FEBB4}"/>
+                <a16:creationId xmlns="" xmlns:a16="http://schemas.microsoft.com/office/drawing/2014/main" id="{EF515B4A-CB20-4847-8E00-0DD66F1FEBB4}"/>
               </a:ext>
             </a:extLst>
           </p:cNvPr>
@@ -15095,7 +15182,7 @@
           <p:cNvPr id="16" name="Slide Number Placeholder 5">
             <a:extLst>
               <a:ext uri="{FF2B5EF4-FFF2-40B4-BE49-F238E27FC236}">
-                <a16:creationId xmlns:a16="http://schemas.microsoft.com/office/drawing/2014/main" xmlns="" id="{996B64B9-1DF0-4EE9-BAB5-72AFA94B9AFD}"/>
+                <a16:creationId xmlns="" xmlns:a16="http://schemas.microsoft.com/office/drawing/2014/main" id="{996B64B9-1DF0-4EE9-BAB5-72AFA94B9AFD}"/>
               </a:ext>
             </a:extLst>
           </p:cNvPr>
@@ -15139,7 +15226,7 @@
           <p:cNvPr id="14" name="Text Placeholder 2">
             <a:extLst>
               <a:ext uri="{FF2B5EF4-FFF2-40B4-BE49-F238E27FC236}">
-                <a16:creationId xmlns:a16="http://schemas.microsoft.com/office/drawing/2014/main" xmlns="" id="{774CF4BA-8DCB-42CF-A2C4-D6AF95EE3F54}"/>
+                <a16:creationId xmlns="" xmlns:a16="http://schemas.microsoft.com/office/drawing/2014/main" id="{774CF4BA-8DCB-42CF-A2C4-D6AF95EE3F54}"/>
               </a:ext>
             </a:extLst>
           </p:cNvPr>
@@ -15214,7 +15301,7 @@
           <p:cNvPr id="17" name="Content Placeholder 3">
             <a:extLst>
               <a:ext uri="{FF2B5EF4-FFF2-40B4-BE49-F238E27FC236}">
-                <a16:creationId xmlns:a16="http://schemas.microsoft.com/office/drawing/2014/main" xmlns="" id="{67BA8B6E-A28D-4658-8C91-6CA7BD539B85}"/>
+                <a16:creationId xmlns="" xmlns:a16="http://schemas.microsoft.com/office/drawing/2014/main" id="{67BA8B6E-A28D-4658-8C91-6CA7BD539B85}"/>
               </a:ext>
             </a:extLst>
           </p:cNvPr>
@@ -15277,7 +15364,7 @@
           <p:cNvPr id="18" name="Text Placeholder 4">
             <a:extLst>
               <a:ext uri="{FF2B5EF4-FFF2-40B4-BE49-F238E27FC236}">
-                <a16:creationId xmlns:a16="http://schemas.microsoft.com/office/drawing/2014/main" xmlns="" id="{F73B3215-82DB-4DBF-9E77-3AE2308C6920}"/>
+                <a16:creationId xmlns="" xmlns:a16="http://schemas.microsoft.com/office/drawing/2014/main" id="{F73B3215-82DB-4DBF-9E77-3AE2308C6920}"/>
               </a:ext>
             </a:extLst>
           </p:cNvPr>
@@ -15352,7 +15439,7 @@
           <p:cNvPr id="19" name="Content Placeholder 5">
             <a:extLst>
               <a:ext uri="{FF2B5EF4-FFF2-40B4-BE49-F238E27FC236}">
-                <a16:creationId xmlns:a16="http://schemas.microsoft.com/office/drawing/2014/main" xmlns="" id="{8DFD34E8-36CC-4FFE-926B-C170208FEDB8}"/>
+                <a16:creationId xmlns="" xmlns:a16="http://schemas.microsoft.com/office/drawing/2014/main" id="{8DFD34E8-36CC-4FFE-926B-C170208FEDB8}"/>
               </a:ext>
             </a:extLst>
           </p:cNvPr>
@@ -15415,7 +15502,7 @@
           <p:cNvPr id="21" name="Picture 20">
             <a:extLst>
               <a:ext uri="{FF2B5EF4-FFF2-40B4-BE49-F238E27FC236}">
-                <a16:creationId xmlns:a16="http://schemas.microsoft.com/office/drawing/2014/main" xmlns="" id="{03383C6B-3BE4-4380-AF26-1C21492FCE8A}"/>
+                <a16:creationId xmlns="" xmlns:a16="http://schemas.microsoft.com/office/drawing/2014/main" id="{03383C6B-3BE4-4380-AF26-1C21492FCE8A}"/>
               </a:ext>
             </a:extLst>
           </p:cNvPr>
@@ -15451,7 +15538,7 @@
           <p:cNvPr id="25" name="Title 1">
             <a:extLst>
               <a:ext uri="{FF2B5EF4-FFF2-40B4-BE49-F238E27FC236}">
-                <a16:creationId xmlns:a16="http://schemas.microsoft.com/office/drawing/2014/main" xmlns="" id="{AE3770E9-CB74-47B0-8229-91F6F756015E}"/>
+                <a16:creationId xmlns="" xmlns:a16="http://schemas.microsoft.com/office/drawing/2014/main" id="{AE3770E9-CB74-47B0-8229-91F6F756015E}"/>
               </a:ext>
             </a:extLst>
           </p:cNvPr>
@@ -15521,7 +15608,7 @@
           <p:cNvPr id="22" name="Picture Placeholder 21">
             <a:extLst>
               <a:ext uri="{FF2B5EF4-FFF2-40B4-BE49-F238E27FC236}">
-                <a16:creationId xmlns:a16="http://schemas.microsoft.com/office/drawing/2014/main" xmlns="" id="{C57825D7-DD33-4B70-BBBE-D46E7A5352EC}"/>
+                <a16:creationId xmlns="" xmlns:a16="http://schemas.microsoft.com/office/drawing/2014/main" id="{C57825D7-DD33-4B70-BBBE-D46E7A5352EC}"/>
               </a:ext>
             </a:extLst>
           </p:cNvPr>
@@ -15659,7 +15746,7 @@
           <p:cNvPr id="14" name="Group 13">
             <a:extLst>
               <a:ext uri="{FF2B5EF4-FFF2-40B4-BE49-F238E27FC236}">
-                <a16:creationId xmlns:a16="http://schemas.microsoft.com/office/drawing/2014/main" xmlns="" id="{0DC2055F-AE3F-46BE-B57E-A0F1A86D1C36}"/>
+                <a16:creationId xmlns="" xmlns:a16="http://schemas.microsoft.com/office/drawing/2014/main" id="{0DC2055F-AE3F-46BE-B57E-A0F1A86D1C36}"/>
               </a:ext>
             </a:extLst>
           </p:cNvPr>
@@ -15684,7 +15771,7 @@
             <p:cNvPr id="15" name="Freeform 5">
               <a:extLst>
                 <a:ext uri="{FF2B5EF4-FFF2-40B4-BE49-F238E27FC236}">
-                  <a16:creationId xmlns:a16="http://schemas.microsoft.com/office/drawing/2014/main" xmlns="" id="{C98EF042-A3B8-406D-BC16-153A989F571A}"/>
+                  <a16:creationId xmlns="" xmlns:a16="http://schemas.microsoft.com/office/drawing/2014/main" id="{C98EF042-A3B8-406D-BC16-153A989F571A}"/>
                 </a:ext>
               </a:extLst>
             </p:cNvPr>
@@ -15874,7 +15961,7 @@
             <p:cNvPr id="16" name="Freeform 6">
               <a:extLst>
                 <a:ext uri="{FF2B5EF4-FFF2-40B4-BE49-F238E27FC236}">
-                  <a16:creationId xmlns:a16="http://schemas.microsoft.com/office/drawing/2014/main" xmlns="" id="{68E5FAC9-A660-4D7A-AC84-0A7C8CC3BB65}"/>
+                  <a16:creationId xmlns="" xmlns:a16="http://schemas.microsoft.com/office/drawing/2014/main" id="{68E5FAC9-A660-4D7A-AC84-0A7C8CC3BB65}"/>
                 </a:ext>
               </a:extLst>
             </p:cNvPr>
@@ -16025,7 +16112,7 @@
           <p:cNvPr id="19" name="Title 1">
             <a:extLst>
               <a:ext uri="{FF2B5EF4-FFF2-40B4-BE49-F238E27FC236}">
-                <a16:creationId xmlns:a16="http://schemas.microsoft.com/office/drawing/2014/main" xmlns="" id="{19A1397F-1946-4CBE-9EC5-159C3CBC78B6}"/>
+                <a16:creationId xmlns="" xmlns:a16="http://schemas.microsoft.com/office/drawing/2014/main" id="{19A1397F-1946-4CBE-9EC5-159C3CBC78B6}"/>
               </a:ext>
             </a:extLst>
           </p:cNvPr>
@@ -16063,7 +16150,7 @@
           <p:cNvPr id="20" name="Text Placeholder 3">
             <a:extLst>
               <a:ext uri="{FF2B5EF4-FFF2-40B4-BE49-F238E27FC236}">
-                <a16:creationId xmlns:a16="http://schemas.microsoft.com/office/drawing/2014/main" xmlns="" id="{C535F2AB-153E-44A9-97BE-00553BEC1770}"/>
+                <a16:creationId xmlns="" xmlns:a16="http://schemas.microsoft.com/office/drawing/2014/main" id="{C535F2AB-153E-44A9-97BE-00553BEC1770}"/>
               </a:ext>
             </a:extLst>
           </p:cNvPr>
@@ -16135,7 +16222,7 @@
           <p:cNvPr id="8" name="Picture 7">
             <a:extLst>
               <a:ext uri="{FF2B5EF4-FFF2-40B4-BE49-F238E27FC236}">
-                <a16:creationId xmlns:a16="http://schemas.microsoft.com/office/drawing/2014/main" xmlns="" id="{06298D65-1027-4897-A948-DCEEF8FC3D98}"/>
+                <a16:creationId xmlns="" xmlns:a16="http://schemas.microsoft.com/office/drawing/2014/main" id="{06298D65-1027-4897-A948-DCEEF8FC3D98}"/>
               </a:ext>
             </a:extLst>
           </p:cNvPr>
@@ -16201,7 +16288,7 @@
           <p:cNvPr id="19" name="Group 18">
             <a:extLst>
               <a:ext uri="{FF2B5EF4-FFF2-40B4-BE49-F238E27FC236}">
-                <a16:creationId xmlns:a16="http://schemas.microsoft.com/office/drawing/2014/main" xmlns="" id="{9F866E5C-B8AA-4805-B232-831BA01AAF16}"/>
+                <a16:creationId xmlns="" xmlns:a16="http://schemas.microsoft.com/office/drawing/2014/main" id="{9F866E5C-B8AA-4805-B232-831BA01AAF16}"/>
               </a:ext>
             </a:extLst>
           </p:cNvPr>
@@ -16226,7 +16313,7 @@
             <p:cNvPr id="20" name="Freeform 5">
               <a:extLst>
                 <a:ext uri="{FF2B5EF4-FFF2-40B4-BE49-F238E27FC236}">
-                  <a16:creationId xmlns:a16="http://schemas.microsoft.com/office/drawing/2014/main" xmlns="" id="{F98614F0-2DA3-4F29-8CB3-D61424AC8506}"/>
+                  <a16:creationId xmlns="" xmlns:a16="http://schemas.microsoft.com/office/drawing/2014/main" id="{F98614F0-2DA3-4F29-8CB3-D61424AC8506}"/>
                 </a:ext>
               </a:extLst>
             </p:cNvPr>
@@ -16416,7 +16503,7 @@
             <p:cNvPr id="22" name="Freeform 6">
               <a:extLst>
                 <a:ext uri="{FF2B5EF4-FFF2-40B4-BE49-F238E27FC236}">
-                  <a16:creationId xmlns:a16="http://schemas.microsoft.com/office/drawing/2014/main" xmlns="" id="{66D52F08-13EC-4AB4-BB79-89A5395A03BF}"/>
+                  <a16:creationId xmlns="" xmlns:a16="http://schemas.microsoft.com/office/drawing/2014/main" id="{66D52F08-13EC-4AB4-BB79-89A5395A03BF}"/>
                 </a:ext>
               </a:extLst>
             </p:cNvPr>
@@ -16566,7 +16653,7 @@
             <p:cNvPr id="23" name="Freeform 7">
               <a:extLst>
                 <a:ext uri="{FF2B5EF4-FFF2-40B4-BE49-F238E27FC236}">
-                  <a16:creationId xmlns:a16="http://schemas.microsoft.com/office/drawing/2014/main" xmlns="" id="{2544236D-8C3A-41EF-9A68-C84A8A7D0F5A}"/>
+                  <a16:creationId xmlns="" xmlns:a16="http://schemas.microsoft.com/office/drawing/2014/main" id="{2544236D-8C3A-41EF-9A68-C84A8A7D0F5A}"/>
                 </a:ext>
               </a:extLst>
             </p:cNvPr>
@@ -16707,7 +16794,7 @@
           <p:cNvPr id="7" name="Rectangle 6">
             <a:extLst>
               <a:ext uri="{FF2B5EF4-FFF2-40B4-BE49-F238E27FC236}">
-                <a16:creationId xmlns:a16="http://schemas.microsoft.com/office/drawing/2014/main" xmlns="" id="{76627016-BFC4-46D4-89DB-F72E3C3461EC}"/>
+                <a16:creationId xmlns="" xmlns:a16="http://schemas.microsoft.com/office/drawing/2014/main" id="{76627016-BFC4-46D4-89DB-F72E3C3461EC}"/>
               </a:ext>
             </a:extLst>
           </p:cNvPr>
@@ -16763,7 +16850,7 @@
           <p:cNvPr id="15" name="Oval 14">
             <a:extLst>
               <a:ext uri="{FF2B5EF4-FFF2-40B4-BE49-F238E27FC236}">
-                <a16:creationId xmlns:a16="http://schemas.microsoft.com/office/drawing/2014/main" xmlns="" id="{EF515B4A-CB20-4847-8E00-0DD66F1FEBB4}"/>
+                <a16:creationId xmlns="" xmlns:a16="http://schemas.microsoft.com/office/drawing/2014/main" id="{EF515B4A-CB20-4847-8E00-0DD66F1FEBB4}"/>
               </a:ext>
             </a:extLst>
           </p:cNvPr>
@@ -16815,7 +16902,7 @@
           <p:cNvPr id="16" name="Slide Number Placeholder 5">
             <a:extLst>
               <a:ext uri="{FF2B5EF4-FFF2-40B4-BE49-F238E27FC236}">
-                <a16:creationId xmlns:a16="http://schemas.microsoft.com/office/drawing/2014/main" xmlns="" id="{996B64B9-1DF0-4EE9-BAB5-72AFA94B9AFD}"/>
+                <a16:creationId xmlns="" xmlns:a16="http://schemas.microsoft.com/office/drawing/2014/main" id="{996B64B9-1DF0-4EE9-BAB5-72AFA94B9AFD}"/>
               </a:ext>
             </a:extLst>
           </p:cNvPr>
@@ -16859,7 +16946,7 @@
           <p:cNvPr id="14" name="Title 1">
             <a:extLst>
               <a:ext uri="{FF2B5EF4-FFF2-40B4-BE49-F238E27FC236}">
-                <a16:creationId xmlns:a16="http://schemas.microsoft.com/office/drawing/2014/main" xmlns="" id="{9009D5C6-6206-4291-8037-67DC025F0B4C}"/>
+                <a16:creationId xmlns="" xmlns:a16="http://schemas.microsoft.com/office/drawing/2014/main" id="{9009D5C6-6206-4291-8037-67DC025F0B4C}"/>
               </a:ext>
             </a:extLst>
           </p:cNvPr>
@@ -16897,7 +16984,7 @@
           <p:cNvPr id="17" name="Text Placeholder 3">
             <a:extLst>
               <a:ext uri="{FF2B5EF4-FFF2-40B4-BE49-F238E27FC236}">
-                <a16:creationId xmlns:a16="http://schemas.microsoft.com/office/drawing/2014/main" xmlns="" id="{BEB643FD-AA85-4A43-8EBD-AFD10DD98793}"/>
+                <a16:creationId xmlns="" xmlns:a16="http://schemas.microsoft.com/office/drawing/2014/main" id="{BEB643FD-AA85-4A43-8EBD-AFD10DD98793}"/>
               </a:ext>
             </a:extLst>
           </p:cNvPr>
@@ -16968,7 +17055,7 @@
           <p:cNvPr id="18" name="Content Placeholder 2">
             <a:extLst>
               <a:ext uri="{FF2B5EF4-FFF2-40B4-BE49-F238E27FC236}">
-                <a16:creationId xmlns:a16="http://schemas.microsoft.com/office/drawing/2014/main" xmlns="" id="{9001F313-F798-43BE-AFF0-A68C84C3640D}"/>
+                <a16:creationId xmlns="" xmlns:a16="http://schemas.microsoft.com/office/drawing/2014/main" id="{9001F313-F798-43BE-AFF0-A68C84C3640D}"/>
               </a:ext>
             </a:extLst>
           </p:cNvPr>
@@ -17059,7 +17146,7 @@
           <p:cNvPr id="13" name="Picture 12">
             <a:extLst>
               <a:ext uri="{FF2B5EF4-FFF2-40B4-BE49-F238E27FC236}">
-                <a16:creationId xmlns:a16="http://schemas.microsoft.com/office/drawing/2014/main" xmlns="" id="{91881DEA-0ECB-4310-ADF5-4337ACB4338B}"/>
+                <a16:creationId xmlns="" xmlns:a16="http://schemas.microsoft.com/office/drawing/2014/main" id="{91881DEA-0ECB-4310-ADF5-4337ACB4338B}"/>
               </a:ext>
             </a:extLst>
           </p:cNvPr>
@@ -17243,7 +17330,7 @@
           <p:cNvPr id="4" name="Rectangle 3">
             <a:extLst>
               <a:ext uri="{FF2B5EF4-FFF2-40B4-BE49-F238E27FC236}">
-                <a16:creationId xmlns:a16="http://schemas.microsoft.com/office/drawing/2014/main" xmlns="" id="{86299464-ED20-4919-8B3A-2CFAE8DA2347}"/>
+                <a16:creationId xmlns="" xmlns:a16="http://schemas.microsoft.com/office/drawing/2014/main" id="{86299464-ED20-4919-8B3A-2CFAE8DA2347}"/>
               </a:ext>
             </a:extLst>
           </p:cNvPr>
@@ -17295,7 +17382,7 @@
           <p:cNvPr id="2" name="Title 1">
             <a:extLst>
               <a:ext uri="{FF2B5EF4-FFF2-40B4-BE49-F238E27FC236}">
-                <a16:creationId xmlns:a16="http://schemas.microsoft.com/office/drawing/2014/main" xmlns="" id="{2456FD49-C258-4333-9422-358C976A341C}"/>
+                <a16:creationId xmlns="" xmlns:a16="http://schemas.microsoft.com/office/drawing/2014/main" id="{2456FD49-C258-4333-9422-358C976A341C}"/>
               </a:ext>
             </a:extLst>
           </p:cNvPr>
@@ -17339,7 +17426,7 @@
           <p:cNvPr id="3" name="Subtitle 2">
             <a:extLst>
               <a:ext uri="{FF2B5EF4-FFF2-40B4-BE49-F238E27FC236}">
-                <a16:creationId xmlns:a16="http://schemas.microsoft.com/office/drawing/2014/main" xmlns="" id="{59758E15-A93D-4FB9-843D-1490E27A151B}"/>
+                <a16:creationId xmlns="" xmlns:a16="http://schemas.microsoft.com/office/drawing/2014/main" id="{59758E15-A93D-4FB9-843D-1490E27A151B}"/>
               </a:ext>
             </a:extLst>
           </p:cNvPr>
@@ -17416,7 +17503,7 @@
           <p:cNvPr id="13" name="Picture Placeholder 12">
             <a:extLst>
               <a:ext uri="{FF2B5EF4-FFF2-40B4-BE49-F238E27FC236}">
-                <a16:creationId xmlns:a16="http://schemas.microsoft.com/office/drawing/2014/main" xmlns="" id="{BCCC559D-0EC3-432C-B397-6897B366DF36}"/>
+                <a16:creationId xmlns="" xmlns:a16="http://schemas.microsoft.com/office/drawing/2014/main" id="{BCCC559D-0EC3-432C-B397-6897B366DF36}"/>
               </a:ext>
             </a:extLst>
           </p:cNvPr>
@@ -17461,7 +17548,7 @@
           <p:cNvPr id="14" name="Group 13">
             <a:extLst>
               <a:ext uri="{FF2B5EF4-FFF2-40B4-BE49-F238E27FC236}">
-                <a16:creationId xmlns:a16="http://schemas.microsoft.com/office/drawing/2014/main" xmlns="" id="{0DC2055F-AE3F-46BE-B57E-A0F1A86D1C36}"/>
+                <a16:creationId xmlns="" xmlns:a16="http://schemas.microsoft.com/office/drawing/2014/main" id="{0DC2055F-AE3F-46BE-B57E-A0F1A86D1C36}"/>
               </a:ext>
             </a:extLst>
           </p:cNvPr>
@@ -17486,7 +17573,7 @@
             <p:cNvPr id="15" name="Freeform 5">
               <a:extLst>
                 <a:ext uri="{FF2B5EF4-FFF2-40B4-BE49-F238E27FC236}">
-                  <a16:creationId xmlns:a16="http://schemas.microsoft.com/office/drawing/2014/main" xmlns="" id="{C98EF042-A3B8-406D-BC16-153A989F571A}"/>
+                  <a16:creationId xmlns="" xmlns:a16="http://schemas.microsoft.com/office/drawing/2014/main" id="{C98EF042-A3B8-406D-BC16-153A989F571A}"/>
                 </a:ext>
               </a:extLst>
             </p:cNvPr>
@@ -17676,7 +17763,7 @@
             <p:cNvPr id="16" name="Freeform 6">
               <a:extLst>
                 <a:ext uri="{FF2B5EF4-FFF2-40B4-BE49-F238E27FC236}">
-                  <a16:creationId xmlns:a16="http://schemas.microsoft.com/office/drawing/2014/main" xmlns="" id="{68E5FAC9-A660-4D7A-AC84-0A7C8CC3BB65}"/>
+                  <a16:creationId xmlns="" xmlns:a16="http://schemas.microsoft.com/office/drawing/2014/main" id="{68E5FAC9-A660-4D7A-AC84-0A7C8CC3BB65}"/>
                 </a:ext>
               </a:extLst>
             </p:cNvPr>
@@ -17827,7 +17914,7 @@
           <p:cNvPr id="9" name="Picture 8">
             <a:extLst>
               <a:ext uri="{FF2B5EF4-FFF2-40B4-BE49-F238E27FC236}">
-                <a16:creationId xmlns:a16="http://schemas.microsoft.com/office/drawing/2014/main" xmlns="" id="{4FE28ACC-E44C-4381-B768-0310810E78D2}"/>
+                <a16:creationId xmlns="" xmlns:a16="http://schemas.microsoft.com/office/drawing/2014/main" id="{4FE28ACC-E44C-4381-B768-0310810E78D2}"/>
               </a:ext>
             </a:extLst>
           </p:cNvPr>
@@ -17872,7 +17959,7 @@
           <p:cNvPr id="5" name="Straight Connector 4">
             <a:extLst>
               <a:ext uri="{FF2B5EF4-FFF2-40B4-BE49-F238E27FC236}">
-                <a16:creationId xmlns:a16="http://schemas.microsoft.com/office/drawing/2014/main" xmlns="" id="{819AFA09-F4B1-493D-BCAD-FF30C20CD1AA}"/>
+                <a16:creationId xmlns="" xmlns:a16="http://schemas.microsoft.com/office/drawing/2014/main" id="{819AFA09-F4B1-493D-BCAD-FF30C20CD1AA}"/>
               </a:ext>
             </a:extLst>
           </p:cNvPr>
@@ -17969,7 +18056,7 @@
           <p:cNvPr id="10" name="Rectangle 9">
             <a:extLst>
               <a:ext uri="{FF2B5EF4-FFF2-40B4-BE49-F238E27FC236}">
-                <a16:creationId xmlns:a16="http://schemas.microsoft.com/office/drawing/2014/main" xmlns="" id="{F9087E09-D75F-4E26-B01E-A1A09BA2EA70}"/>
+                <a16:creationId xmlns="" xmlns:a16="http://schemas.microsoft.com/office/drawing/2014/main" id="{F9087E09-D75F-4E26-B01E-A1A09BA2EA70}"/>
               </a:ext>
             </a:extLst>
           </p:cNvPr>
@@ -18021,7 +18108,7 @@
           <p:cNvPr id="2" name="Title 1">
             <a:extLst>
               <a:ext uri="{FF2B5EF4-FFF2-40B4-BE49-F238E27FC236}">
-                <a16:creationId xmlns:a16="http://schemas.microsoft.com/office/drawing/2014/main" xmlns="" id="{AF7A70B7-7ADE-4E0B-B956-363B0B1AA613}"/>
+                <a16:creationId xmlns="" xmlns:a16="http://schemas.microsoft.com/office/drawing/2014/main" id="{AF7A70B7-7ADE-4E0B-B956-363B0B1AA613}"/>
               </a:ext>
             </a:extLst>
           </p:cNvPr>
@@ -18065,7 +18152,7 @@
           <p:cNvPr id="3" name="Text Placeholder 2">
             <a:extLst>
               <a:ext uri="{FF2B5EF4-FFF2-40B4-BE49-F238E27FC236}">
-                <a16:creationId xmlns:a16="http://schemas.microsoft.com/office/drawing/2014/main" xmlns="" id="{4ACB5603-8A62-4D45-B6EF-0D7E2D5FC4F7}"/>
+                <a16:creationId xmlns="" xmlns:a16="http://schemas.microsoft.com/office/drawing/2014/main" id="{4ACB5603-8A62-4D45-B6EF-0D7E2D5FC4F7}"/>
               </a:ext>
             </a:extLst>
           </p:cNvPr>
@@ -18190,7 +18277,7 @@
           <p:cNvPr id="8" name="Picture 7">
             <a:extLst>
               <a:ext uri="{FF2B5EF4-FFF2-40B4-BE49-F238E27FC236}">
-                <a16:creationId xmlns:a16="http://schemas.microsoft.com/office/drawing/2014/main" xmlns="" id="{25FC40B0-ED27-47E5-A3C2-32A8418567EE}"/>
+                <a16:creationId xmlns="" xmlns:a16="http://schemas.microsoft.com/office/drawing/2014/main" id="{25FC40B0-ED27-47E5-A3C2-32A8418567EE}"/>
               </a:ext>
             </a:extLst>
           </p:cNvPr>
@@ -18227,7 +18314,7 @@
           <p:cNvPr id="11" name="Oval 10">
             <a:extLst>
               <a:ext uri="{FF2B5EF4-FFF2-40B4-BE49-F238E27FC236}">
-                <a16:creationId xmlns:a16="http://schemas.microsoft.com/office/drawing/2014/main" xmlns="" id="{8931D2A9-0B92-4197-8802-80424C14EA7E}"/>
+                <a16:creationId xmlns="" xmlns:a16="http://schemas.microsoft.com/office/drawing/2014/main" id="{8931D2A9-0B92-4197-8802-80424C14EA7E}"/>
               </a:ext>
             </a:extLst>
           </p:cNvPr>
@@ -18279,7 +18366,7 @@
           <p:cNvPr id="6" name="Slide Number Placeholder 5">
             <a:extLst>
               <a:ext uri="{FF2B5EF4-FFF2-40B4-BE49-F238E27FC236}">
-                <a16:creationId xmlns:a16="http://schemas.microsoft.com/office/drawing/2014/main" xmlns="" id="{533B74B0-30B9-45C2-9AE6-45D1978AAFAE}"/>
+                <a16:creationId xmlns="" xmlns:a16="http://schemas.microsoft.com/office/drawing/2014/main" id="{533B74B0-30B9-45C2-9AE6-45D1978AAFAE}"/>
               </a:ext>
             </a:extLst>
           </p:cNvPr>
@@ -18323,7 +18410,7 @@
           <p:cNvPr id="15" name="Picture Placeholder 14">
             <a:extLst>
               <a:ext uri="{FF2B5EF4-FFF2-40B4-BE49-F238E27FC236}">
-                <a16:creationId xmlns:a16="http://schemas.microsoft.com/office/drawing/2014/main" xmlns="" id="{B5A30B6B-EEDB-4142-8138-D50F5A307D76}"/>
+                <a16:creationId xmlns="" xmlns:a16="http://schemas.microsoft.com/office/drawing/2014/main" id="{B5A30B6B-EEDB-4142-8138-D50F5A307D76}"/>
               </a:ext>
             </a:extLst>
           </p:cNvPr>
@@ -18499,7 +18586,7 @@
           <p:cNvPr id="3" name="Content Placeholder 2">
             <a:extLst>
               <a:ext uri="{FF2B5EF4-FFF2-40B4-BE49-F238E27FC236}">
-                <a16:creationId xmlns:a16="http://schemas.microsoft.com/office/drawing/2014/main" xmlns="" id="{0FEE9886-36F0-4E06-A3A6-D8F00B0665A1}"/>
+                <a16:creationId xmlns="" xmlns:a16="http://schemas.microsoft.com/office/drawing/2014/main" id="{0FEE9886-36F0-4E06-A3A6-D8F00B0665A1}"/>
               </a:ext>
             </a:extLst>
           </p:cNvPr>
@@ -18580,7 +18667,7 @@
           <p:cNvPr id="7" name="Rectangle 6">
             <a:extLst>
               <a:ext uri="{FF2B5EF4-FFF2-40B4-BE49-F238E27FC236}">
-                <a16:creationId xmlns:a16="http://schemas.microsoft.com/office/drawing/2014/main" xmlns="" id="{76627016-BFC4-46D4-89DB-F72E3C3461EC}"/>
+                <a16:creationId xmlns="" xmlns:a16="http://schemas.microsoft.com/office/drawing/2014/main" id="{76627016-BFC4-46D4-89DB-F72E3C3461EC}"/>
               </a:ext>
             </a:extLst>
           </p:cNvPr>
@@ -18636,7 +18723,7 @@
           <p:cNvPr id="8" name="Picture 7">
             <a:extLst>
               <a:ext uri="{FF2B5EF4-FFF2-40B4-BE49-F238E27FC236}">
-                <a16:creationId xmlns:a16="http://schemas.microsoft.com/office/drawing/2014/main" xmlns="" id="{676C557E-B5A7-4416-BCC0-5743550BF152}"/>
+                <a16:creationId xmlns="" xmlns:a16="http://schemas.microsoft.com/office/drawing/2014/main" id="{676C557E-B5A7-4416-BCC0-5743550BF152}"/>
               </a:ext>
             </a:extLst>
           </p:cNvPr>
@@ -18672,7 +18759,7 @@
           <p:cNvPr id="10" name="Group 9">
             <a:extLst>
               <a:ext uri="{FF2B5EF4-FFF2-40B4-BE49-F238E27FC236}">
-                <a16:creationId xmlns:a16="http://schemas.microsoft.com/office/drawing/2014/main" xmlns="" id="{42E17FB3-B5C4-4B3A-A57B-C6493A9D0C66}"/>
+                <a16:creationId xmlns="" xmlns:a16="http://schemas.microsoft.com/office/drawing/2014/main" id="{42E17FB3-B5C4-4B3A-A57B-C6493A9D0C66}"/>
               </a:ext>
             </a:extLst>
           </p:cNvPr>
@@ -18695,7 +18782,7 @@
             <p:cNvPr id="11" name="Freeform 5">
               <a:extLst>
                 <a:ext uri="{FF2B5EF4-FFF2-40B4-BE49-F238E27FC236}">
-                  <a16:creationId xmlns:a16="http://schemas.microsoft.com/office/drawing/2014/main" xmlns="" id="{DCA6C454-F761-4265-BB5E-DFD947CC3592}"/>
+                  <a16:creationId xmlns="" xmlns:a16="http://schemas.microsoft.com/office/drawing/2014/main" id="{DCA6C454-F761-4265-BB5E-DFD947CC3592}"/>
                 </a:ext>
               </a:extLst>
             </p:cNvPr>
@@ -18885,7 +18972,7 @@
             <p:cNvPr id="12" name="Freeform 6">
               <a:extLst>
                 <a:ext uri="{FF2B5EF4-FFF2-40B4-BE49-F238E27FC236}">
-                  <a16:creationId xmlns:a16="http://schemas.microsoft.com/office/drawing/2014/main" xmlns="" id="{6B853B2F-9E1C-4AC4-9344-8610498D5B52}"/>
+                  <a16:creationId xmlns="" xmlns:a16="http://schemas.microsoft.com/office/drawing/2014/main" id="{6B853B2F-9E1C-4AC4-9344-8610498D5B52}"/>
                 </a:ext>
               </a:extLst>
             </p:cNvPr>
@@ -19035,7 +19122,7 @@
             <p:cNvPr id="13" name="Freeform 7">
               <a:extLst>
                 <a:ext uri="{FF2B5EF4-FFF2-40B4-BE49-F238E27FC236}">
-                  <a16:creationId xmlns:a16="http://schemas.microsoft.com/office/drawing/2014/main" xmlns="" id="{B7FCC84B-2235-4948-8277-8363DFC691A4}"/>
+                  <a16:creationId xmlns="" xmlns:a16="http://schemas.microsoft.com/office/drawing/2014/main" id="{B7FCC84B-2235-4948-8277-8363DFC691A4}"/>
                 </a:ext>
               </a:extLst>
             </p:cNvPr>
@@ -19176,7 +19263,7 @@
           <p:cNvPr id="15" name="Oval 14">
             <a:extLst>
               <a:ext uri="{FF2B5EF4-FFF2-40B4-BE49-F238E27FC236}">
-                <a16:creationId xmlns:a16="http://schemas.microsoft.com/office/drawing/2014/main" xmlns="" id="{EF515B4A-CB20-4847-8E00-0DD66F1FEBB4}"/>
+                <a16:creationId xmlns="" xmlns:a16="http://schemas.microsoft.com/office/drawing/2014/main" id="{EF515B4A-CB20-4847-8E00-0DD66F1FEBB4}"/>
               </a:ext>
             </a:extLst>
           </p:cNvPr>
@@ -19228,7 +19315,7 @@
           <p:cNvPr id="16" name="Slide Number Placeholder 5">
             <a:extLst>
               <a:ext uri="{FF2B5EF4-FFF2-40B4-BE49-F238E27FC236}">
-                <a16:creationId xmlns:a16="http://schemas.microsoft.com/office/drawing/2014/main" xmlns="" id="{996B64B9-1DF0-4EE9-BAB5-72AFA94B9AFD}"/>
+                <a16:creationId xmlns="" xmlns:a16="http://schemas.microsoft.com/office/drawing/2014/main" id="{996B64B9-1DF0-4EE9-BAB5-72AFA94B9AFD}"/>
               </a:ext>
             </a:extLst>
           </p:cNvPr>
@@ -19272,7 +19359,7 @@
           <p:cNvPr id="23" name="Picture Placeholder 22">
             <a:extLst>
               <a:ext uri="{FF2B5EF4-FFF2-40B4-BE49-F238E27FC236}">
-                <a16:creationId xmlns:a16="http://schemas.microsoft.com/office/drawing/2014/main" xmlns="" id="{26619E66-5354-4D60-8529-27917AC037C0}"/>
+                <a16:creationId xmlns="" xmlns:a16="http://schemas.microsoft.com/office/drawing/2014/main" id="{26619E66-5354-4D60-8529-27917AC037C0}"/>
               </a:ext>
             </a:extLst>
           </p:cNvPr>
@@ -19392,7 +19479,7 @@
           <p:cNvPr id="14" name="Title 1">
             <a:extLst>
               <a:ext uri="{FF2B5EF4-FFF2-40B4-BE49-F238E27FC236}">
-                <a16:creationId xmlns:a16="http://schemas.microsoft.com/office/drawing/2014/main" xmlns="" id="{2E646B4F-6CCB-724C-9D5E-6D5770023939}"/>
+                <a16:creationId xmlns="" xmlns:a16="http://schemas.microsoft.com/office/drawing/2014/main" id="{2E646B4F-6CCB-724C-9D5E-6D5770023939}"/>
               </a:ext>
             </a:extLst>
           </p:cNvPr>
@@ -19469,7 +19556,7 @@
           <p:cNvPr id="2" name="Title 1">
             <a:extLst>
               <a:ext uri="{FF2B5EF4-FFF2-40B4-BE49-F238E27FC236}">
-                <a16:creationId xmlns:a16="http://schemas.microsoft.com/office/drawing/2014/main" xmlns="" id="{32970CD0-696D-4313-96BA-4AA72C813BD0}"/>
+                <a16:creationId xmlns="" xmlns:a16="http://schemas.microsoft.com/office/drawing/2014/main" id="{32970CD0-696D-4313-96BA-4AA72C813BD0}"/>
               </a:ext>
             </a:extLst>
           </p:cNvPr>
@@ -19509,7 +19596,7 @@
           <p:cNvPr id="3" name="Content Placeholder 2">
             <a:extLst>
               <a:ext uri="{FF2B5EF4-FFF2-40B4-BE49-F238E27FC236}">
-                <a16:creationId xmlns:a16="http://schemas.microsoft.com/office/drawing/2014/main" xmlns="" id="{0FEE9886-36F0-4E06-A3A6-D8F00B0665A1}"/>
+                <a16:creationId xmlns="" xmlns:a16="http://schemas.microsoft.com/office/drawing/2014/main" id="{0FEE9886-36F0-4E06-A3A6-D8F00B0665A1}"/>
               </a:ext>
             </a:extLst>
           </p:cNvPr>
@@ -19589,7 +19676,7 @@
           <p:cNvPr id="7" name="Rectangle 6">
             <a:extLst>
               <a:ext uri="{FF2B5EF4-FFF2-40B4-BE49-F238E27FC236}">
-                <a16:creationId xmlns:a16="http://schemas.microsoft.com/office/drawing/2014/main" xmlns="" id="{76627016-BFC4-46D4-89DB-F72E3C3461EC}"/>
+                <a16:creationId xmlns="" xmlns:a16="http://schemas.microsoft.com/office/drawing/2014/main" id="{76627016-BFC4-46D4-89DB-F72E3C3461EC}"/>
               </a:ext>
             </a:extLst>
           </p:cNvPr>
@@ -19645,7 +19732,7 @@
           <p:cNvPr id="8" name="Picture 7">
             <a:extLst>
               <a:ext uri="{FF2B5EF4-FFF2-40B4-BE49-F238E27FC236}">
-                <a16:creationId xmlns:a16="http://schemas.microsoft.com/office/drawing/2014/main" xmlns="" id="{676C557E-B5A7-4416-BCC0-5743550BF152}"/>
+                <a16:creationId xmlns="" xmlns:a16="http://schemas.microsoft.com/office/drawing/2014/main" id="{676C557E-B5A7-4416-BCC0-5743550BF152}"/>
               </a:ext>
             </a:extLst>
           </p:cNvPr>
@@ -19681,7 +19768,7 @@
           <p:cNvPr id="15" name="Oval 14">
             <a:extLst>
               <a:ext uri="{FF2B5EF4-FFF2-40B4-BE49-F238E27FC236}">
-                <a16:creationId xmlns:a16="http://schemas.microsoft.com/office/drawing/2014/main" xmlns="" id="{EF515B4A-CB20-4847-8E00-0DD66F1FEBB4}"/>
+                <a16:creationId xmlns="" xmlns:a16="http://schemas.microsoft.com/office/drawing/2014/main" id="{EF515B4A-CB20-4847-8E00-0DD66F1FEBB4}"/>
               </a:ext>
             </a:extLst>
           </p:cNvPr>
@@ -19733,7 +19820,7 @@
           <p:cNvPr id="16" name="Slide Number Placeholder 5">
             <a:extLst>
               <a:ext uri="{FF2B5EF4-FFF2-40B4-BE49-F238E27FC236}">
-                <a16:creationId xmlns:a16="http://schemas.microsoft.com/office/drawing/2014/main" xmlns="" id="{996B64B9-1DF0-4EE9-BAB5-72AFA94B9AFD}"/>
+                <a16:creationId xmlns="" xmlns:a16="http://schemas.microsoft.com/office/drawing/2014/main" id="{996B64B9-1DF0-4EE9-BAB5-72AFA94B9AFD}"/>
               </a:ext>
             </a:extLst>
           </p:cNvPr>
@@ -19777,7 +19864,7 @@
           <p:cNvPr id="14" name="Rectangle 13">
             <a:extLst>
               <a:ext uri="{FF2B5EF4-FFF2-40B4-BE49-F238E27FC236}">
-                <a16:creationId xmlns:a16="http://schemas.microsoft.com/office/drawing/2014/main" xmlns="" id="{9D415693-E2CB-4DB4-B07C-2F96B0CAB302}"/>
+                <a16:creationId xmlns="" xmlns:a16="http://schemas.microsoft.com/office/drawing/2014/main" id="{9D415693-E2CB-4DB4-B07C-2F96B0CAB302}"/>
               </a:ext>
             </a:extLst>
           </p:cNvPr>
@@ -19833,7 +19920,7 @@
           <p:cNvPr id="4" name="Oval 3">
             <a:extLst>
               <a:ext uri="{FF2B5EF4-FFF2-40B4-BE49-F238E27FC236}">
-                <a16:creationId xmlns:a16="http://schemas.microsoft.com/office/drawing/2014/main" xmlns="" id="{14C1BF67-E354-4E04-8F94-BABF2B7D1AFB}"/>
+                <a16:creationId xmlns="" xmlns:a16="http://schemas.microsoft.com/office/drawing/2014/main" id="{14C1BF67-E354-4E04-8F94-BABF2B7D1AFB}"/>
               </a:ext>
             </a:extLst>
           </p:cNvPr>
@@ -19887,7 +19974,7 @@
           <p:cNvPr id="18" name="Picture Placeholder 5">
             <a:extLst>
               <a:ext uri="{FF2B5EF4-FFF2-40B4-BE49-F238E27FC236}">
-                <a16:creationId xmlns:a16="http://schemas.microsoft.com/office/drawing/2014/main" xmlns="" id="{FF6AC390-6F85-4B64-AE7A-E8E0D8FC89CF}"/>
+                <a16:creationId xmlns="" xmlns:a16="http://schemas.microsoft.com/office/drawing/2014/main" id="{FF6AC390-6F85-4B64-AE7A-E8E0D8FC89CF}"/>
               </a:ext>
             </a:extLst>
           </p:cNvPr>
@@ -19964,7 +20051,7 @@
           <p:cNvPr id="19" name="Rectangle 18">
             <a:extLst>
               <a:ext uri="{FF2B5EF4-FFF2-40B4-BE49-F238E27FC236}">
-                <a16:creationId xmlns:a16="http://schemas.microsoft.com/office/drawing/2014/main" xmlns="" id="{12E4E194-63F1-4D43-AC02-75733DF045E9}"/>
+                <a16:creationId xmlns="" xmlns:a16="http://schemas.microsoft.com/office/drawing/2014/main" id="{12E4E194-63F1-4D43-AC02-75733DF045E9}"/>
               </a:ext>
             </a:extLst>
           </p:cNvPr>
@@ -20016,7 +20103,7 @@
           <p:cNvPr id="22" name="Oval 21">
             <a:extLst>
               <a:ext uri="{FF2B5EF4-FFF2-40B4-BE49-F238E27FC236}">
-                <a16:creationId xmlns:a16="http://schemas.microsoft.com/office/drawing/2014/main" xmlns="" id="{E799E3E2-888B-2343-9A63-F84C03265CB5}"/>
+                <a16:creationId xmlns="" xmlns:a16="http://schemas.microsoft.com/office/drawing/2014/main" id="{E799E3E2-888B-2343-9A63-F84C03265CB5}"/>
               </a:ext>
             </a:extLst>
           </p:cNvPr>
@@ -20072,7 +20159,7 @@
           <p:cNvPr id="23" name="Picture Placeholder 11">
             <a:extLst>
               <a:ext uri="{FF2B5EF4-FFF2-40B4-BE49-F238E27FC236}">
-                <a16:creationId xmlns:a16="http://schemas.microsoft.com/office/drawing/2014/main" xmlns="" id="{8FEDE8EF-5B7A-A741-9A56-D365CAE01B62}"/>
+                <a16:creationId xmlns="" xmlns:a16="http://schemas.microsoft.com/office/drawing/2014/main" id="{8FEDE8EF-5B7A-A741-9A56-D365CAE01B62}"/>
               </a:ext>
             </a:extLst>
           </p:cNvPr>
@@ -20120,7 +20207,7 @@
           <p:cNvPr id="9" name="Rectangle 8">
             <a:extLst>
               <a:ext uri="{FF2B5EF4-FFF2-40B4-BE49-F238E27FC236}">
-                <a16:creationId xmlns:a16="http://schemas.microsoft.com/office/drawing/2014/main" xmlns="" id="{3755C1FB-E61C-4BBC-8179-D34908DEA1B6}"/>
+                <a16:creationId xmlns="" xmlns:a16="http://schemas.microsoft.com/office/drawing/2014/main" id="{3755C1FB-E61C-4BBC-8179-D34908DEA1B6}"/>
               </a:ext>
             </a:extLst>
           </p:cNvPr>
@@ -20172,7 +20259,7 @@
           <p:cNvPr id="4" name="Oval 3">
             <a:extLst>
               <a:ext uri="{FF2B5EF4-FFF2-40B4-BE49-F238E27FC236}">
-                <a16:creationId xmlns:a16="http://schemas.microsoft.com/office/drawing/2014/main" xmlns="" id="{8C1E0992-271E-4948-9461-C7AA54AF8FEA}"/>
+                <a16:creationId xmlns="" xmlns:a16="http://schemas.microsoft.com/office/drawing/2014/main" id="{8C1E0992-271E-4948-9461-C7AA54AF8FEA}"/>
               </a:ext>
             </a:extLst>
           </p:cNvPr>
@@ -20225,7 +20312,7 @@
           <p:cNvPr id="2" name="Title 1">
             <a:extLst>
               <a:ext uri="{FF2B5EF4-FFF2-40B4-BE49-F238E27FC236}">
-                <a16:creationId xmlns:a16="http://schemas.microsoft.com/office/drawing/2014/main" xmlns="" id="{32970CD0-696D-4313-96BA-4AA72C813BD0}"/>
+                <a16:creationId xmlns="" xmlns:a16="http://schemas.microsoft.com/office/drawing/2014/main" id="{32970CD0-696D-4313-96BA-4AA72C813BD0}"/>
               </a:ext>
             </a:extLst>
           </p:cNvPr>
@@ -20265,7 +20352,7 @@
           <p:cNvPr id="3" name="Content Placeholder 2">
             <a:extLst>
               <a:ext uri="{FF2B5EF4-FFF2-40B4-BE49-F238E27FC236}">
-                <a16:creationId xmlns:a16="http://schemas.microsoft.com/office/drawing/2014/main" xmlns="" id="{0FEE9886-36F0-4E06-A3A6-D8F00B0665A1}"/>
+                <a16:creationId xmlns="" xmlns:a16="http://schemas.microsoft.com/office/drawing/2014/main" id="{0FEE9886-36F0-4E06-A3A6-D8F00B0665A1}"/>
               </a:ext>
             </a:extLst>
           </p:cNvPr>
@@ -20322,7 +20409,7 @@
           <p:cNvPr id="7" name="Rectangle 6">
             <a:extLst>
               <a:ext uri="{FF2B5EF4-FFF2-40B4-BE49-F238E27FC236}">
-                <a16:creationId xmlns:a16="http://schemas.microsoft.com/office/drawing/2014/main" xmlns="" id="{76627016-BFC4-46D4-89DB-F72E3C3461EC}"/>
+                <a16:creationId xmlns="" xmlns:a16="http://schemas.microsoft.com/office/drawing/2014/main" id="{76627016-BFC4-46D4-89DB-F72E3C3461EC}"/>
               </a:ext>
             </a:extLst>
           </p:cNvPr>
@@ -20378,7 +20465,7 @@
           <p:cNvPr id="8" name="Picture 7">
             <a:extLst>
               <a:ext uri="{FF2B5EF4-FFF2-40B4-BE49-F238E27FC236}">
-                <a16:creationId xmlns:a16="http://schemas.microsoft.com/office/drawing/2014/main" xmlns="" id="{676C557E-B5A7-4416-BCC0-5743550BF152}"/>
+                <a16:creationId xmlns="" xmlns:a16="http://schemas.microsoft.com/office/drawing/2014/main" id="{676C557E-B5A7-4416-BCC0-5743550BF152}"/>
               </a:ext>
             </a:extLst>
           </p:cNvPr>
@@ -20414,7 +20501,7 @@
           <p:cNvPr id="15" name="Oval 14">
             <a:extLst>
               <a:ext uri="{FF2B5EF4-FFF2-40B4-BE49-F238E27FC236}">
-                <a16:creationId xmlns:a16="http://schemas.microsoft.com/office/drawing/2014/main" xmlns="" id="{EF515B4A-CB20-4847-8E00-0DD66F1FEBB4}"/>
+                <a16:creationId xmlns="" xmlns:a16="http://schemas.microsoft.com/office/drawing/2014/main" id="{EF515B4A-CB20-4847-8E00-0DD66F1FEBB4}"/>
               </a:ext>
             </a:extLst>
           </p:cNvPr>
@@ -20466,7 +20553,7 @@
           <p:cNvPr id="16" name="Slide Number Placeholder 5">
             <a:extLst>
               <a:ext uri="{FF2B5EF4-FFF2-40B4-BE49-F238E27FC236}">
-                <a16:creationId xmlns:a16="http://schemas.microsoft.com/office/drawing/2014/main" xmlns="" id="{996B64B9-1DF0-4EE9-BAB5-72AFA94B9AFD}"/>
+                <a16:creationId xmlns="" xmlns:a16="http://schemas.microsoft.com/office/drawing/2014/main" id="{996B64B9-1DF0-4EE9-BAB5-72AFA94B9AFD}"/>
               </a:ext>
             </a:extLst>
           </p:cNvPr>
@@ -20510,7 +20597,7 @@
           <p:cNvPr id="6" name="Picture Placeholder 5">
             <a:extLst>
               <a:ext uri="{FF2B5EF4-FFF2-40B4-BE49-F238E27FC236}">
-                <a16:creationId xmlns:a16="http://schemas.microsoft.com/office/drawing/2014/main" xmlns="" id="{35B71D50-AA4B-4E0C-8F6A-0F64F2C8A8C7}"/>
+                <a16:creationId xmlns="" xmlns:a16="http://schemas.microsoft.com/office/drawing/2014/main" id="{35B71D50-AA4B-4E0C-8F6A-0F64F2C8A8C7}"/>
               </a:ext>
             </a:extLst>
           </p:cNvPr>
@@ -20554,7 +20641,7 @@
           <p:cNvPr id="17" name="Content Placeholder 2">
             <a:extLst>
               <a:ext uri="{FF2B5EF4-FFF2-40B4-BE49-F238E27FC236}">
-                <a16:creationId xmlns:a16="http://schemas.microsoft.com/office/drawing/2014/main" xmlns="" id="{147C9C38-5B17-467D-B581-EF28ECB11E80}"/>
+                <a16:creationId xmlns="" xmlns:a16="http://schemas.microsoft.com/office/drawing/2014/main" id="{147C9C38-5B17-467D-B581-EF28ECB11E80}"/>
               </a:ext>
             </a:extLst>
           </p:cNvPr>
@@ -20611,7 +20698,7 @@
           <p:cNvPr id="20" name="Content Placeholder 2">
             <a:extLst>
               <a:ext uri="{FF2B5EF4-FFF2-40B4-BE49-F238E27FC236}">
-                <a16:creationId xmlns:a16="http://schemas.microsoft.com/office/drawing/2014/main" xmlns="" id="{FEB88DD7-AEB5-4718-AF2D-28B5B91ED715}"/>
+                <a16:creationId xmlns="" xmlns:a16="http://schemas.microsoft.com/office/drawing/2014/main" id="{FEB88DD7-AEB5-4718-AF2D-28B5B91ED715}"/>
               </a:ext>
             </a:extLst>
           </p:cNvPr>
@@ -20670,7 +20757,7 @@
           <p:cNvPr id="21" name="Content Placeholder 2">
             <a:extLst>
               <a:ext uri="{FF2B5EF4-FFF2-40B4-BE49-F238E27FC236}">
-                <a16:creationId xmlns:a16="http://schemas.microsoft.com/office/drawing/2014/main" xmlns="" id="{F694448B-800C-40EF-8F61-18C018E8374C}"/>
+                <a16:creationId xmlns="" xmlns:a16="http://schemas.microsoft.com/office/drawing/2014/main" id="{F694448B-800C-40EF-8F61-18C018E8374C}"/>
               </a:ext>
             </a:extLst>
           </p:cNvPr>
@@ -20729,7 +20816,7 @@
           <p:cNvPr id="12" name="Picture Placeholder 11">
             <a:extLst>
               <a:ext uri="{FF2B5EF4-FFF2-40B4-BE49-F238E27FC236}">
-                <a16:creationId xmlns:a16="http://schemas.microsoft.com/office/drawing/2014/main" xmlns="" id="{483B974E-5202-4EAD-9D55-4129C84BAE87}"/>
+                <a16:creationId xmlns="" xmlns:a16="http://schemas.microsoft.com/office/drawing/2014/main" id="{483B974E-5202-4EAD-9D55-4129C84BAE87}"/>
               </a:ext>
             </a:extLst>
           </p:cNvPr>
@@ -20807,7 +20894,7 @@
           <p:cNvPr id="22" name="Rectangle 21">
             <a:extLst>
               <a:ext uri="{FF2B5EF4-FFF2-40B4-BE49-F238E27FC236}">
-                <a16:creationId xmlns:a16="http://schemas.microsoft.com/office/drawing/2014/main" xmlns="" id="{1B6EB0C6-606C-4AFB-8FF8-AB43606B95BD}"/>
+                <a16:creationId xmlns="" xmlns:a16="http://schemas.microsoft.com/office/drawing/2014/main" id="{1B6EB0C6-606C-4AFB-8FF8-AB43606B95BD}"/>
               </a:ext>
             </a:extLst>
           </p:cNvPr>
@@ -20859,7 +20946,7 @@
           <p:cNvPr id="4" name="Rectangle 3">
             <a:extLst>
               <a:ext uri="{FF2B5EF4-FFF2-40B4-BE49-F238E27FC236}">
-                <a16:creationId xmlns:a16="http://schemas.microsoft.com/office/drawing/2014/main" xmlns="" id="{25CE6D5A-A5C0-4B12-A26A-691D5743FA5C}"/>
+                <a16:creationId xmlns="" xmlns:a16="http://schemas.microsoft.com/office/drawing/2014/main" id="{25CE6D5A-A5C0-4B12-A26A-691D5743FA5C}"/>
               </a:ext>
             </a:extLst>
           </p:cNvPr>
@@ -20911,7 +20998,7 @@
           <p:cNvPr id="2" name="Title 1">
             <a:extLst>
               <a:ext uri="{FF2B5EF4-FFF2-40B4-BE49-F238E27FC236}">
-                <a16:creationId xmlns:a16="http://schemas.microsoft.com/office/drawing/2014/main" xmlns="" id="{32970CD0-696D-4313-96BA-4AA72C813BD0}"/>
+                <a16:creationId xmlns="" xmlns:a16="http://schemas.microsoft.com/office/drawing/2014/main" id="{32970CD0-696D-4313-96BA-4AA72C813BD0}"/>
               </a:ext>
             </a:extLst>
           </p:cNvPr>
@@ -20951,7 +21038,7 @@
           <p:cNvPr id="3" name="Content Placeholder 2">
             <a:extLst>
               <a:ext uri="{FF2B5EF4-FFF2-40B4-BE49-F238E27FC236}">
-                <a16:creationId xmlns:a16="http://schemas.microsoft.com/office/drawing/2014/main" xmlns="" id="{0FEE9886-36F0-4E06-A3A6-D8F00B0665A1}"/>
+                <a16:creationId xmlns="" xmlns:a16="http://schemas.microsoft.com/office/drawing/2014/main" id="{0FEE9886-36F0-4E06-A3A6-D8F00B0665A1}"/>
               </a:ext>
             </a:extLst>
           </p:cNvPr>
@@ -21008,7 +21095,7 @@
           <p:cNvPr id="7" name="Rectangle 6">
             <a:extLst>
               <a:ext uri="{FF2B5EF4-FFF2-40B4-BE49-F238E27FC236}">
-                <a16:creationId xmlns:a16="http://schemas.microsoft.com/office/drawing/2014/main" xmlns="" id="{76627016-BFC4-46D4-89DB-F72E3C3461EC}"/>
+                <a16:creationId xmlns="" xmlns:a16="http://schemas.microsoft.com/office/drawing/2014/main" id="{76627016-BFC4-46D4-89DB-F72E3C3461EC}"/>
               </a:ext>
             </a:extLst>
           </p:cNvPr>
@@ -21064,7 +21151,7 @@
           <p:cNvPr id="8" name="Picture 7">
             <a:extLst>
               <a:ext uri="{FF2B5EF4-FFF2-40B4-BE49-F238E27FC236}">
-                <a16:creationId xmlns:a16="http://schemas.microsoft.com/office/drawing/2014/main" xmlns="" id="{676C557E-B5A7-4416-BCC0-5743550BF152}"/>
+                <a16:creationId xmlns="" xmlns:a16="http://schemas.microsoft.com/office/drawing/2014/main" id="{676C557E-B5A7-4416-BCC0-5743550BF152}"/>
               </a:ext>
             </a:extLst>
           </p:cNvPr>
@@ -21100,7 +21187,7 @@
           <p:cNvPr id="15" name="Oval 14">
             <a:extLst>
               <a:ext uri="{FF2B5EF4-FFF2-40B4-BE49-F238E27FC236}">
-                <a16:creationId xmlns:a16="http://schemas.microsoft.com/office/drawing/2014/main" xmlns="" id="{EF515B4A-CB20-4847-8E00-0DD66F1FEBB4}"/>
+                <a16:creationId xmlns="" xmlns:a16="http://schemas.microsoft.com/office/drawing/2014/main" id="{EF515B4A-CB20-4847-8E00-0DD66F1FEBB4}"/>
               </a:ext>
             </a:extLst>
           </p:cNvPr>
@@ -21152,7 +21239,7 @@
           <p:cNvPr id="16" name="Slide Number Placeholder 5">
             <a:extLst>
               <a:ext uri="{FF2B5EF4-FFF2-40B4-BE49-F238E27FC236}">
-                <a16:creationId xmlns:a16="http://schemas.microsoft.com/office/drawing/2014/main" xmlns="" id="{996B64B9-1DF0-4EE9-BAB5-72AFA94B9AFD}"/>
+                <a16:creationId xmlns="" xmlns:a16="http://schemas.microsoft.com/office/drawing/2014/main" id="{996B64B9-1DF0-4EE9-BAB5-72AFA94B9AFD}"/>
               </a:ext>
             </a:extLst>
           </p:cNvPr>
@@ -21196,7 +21283,7 @@
           <p:cNvPr id="20" name="Content Placeholder 2">
             <a:extLst>
               <a:ext uri="{FF2B5EF4-FFF2-40B4-BE49-F238E27FC236}">
-                <a16:creationId xmlns:a16="http://schemas.microsoft.com/office/drawing/2014/main" xmlns="" id="{FEB88DD7-AEB5-4718-AF2D-28B5B91ED715}"/>
+                <a16:creationId xmlns="" xmlns:a16="http://schemas.microsoft.com/office/drawing/2014/main" id="{FEB88DD7-AEB5-4718-AF2D-28B5B91ED715}"/>
               </a:ext>
             </a:extLst>
           </p:cNvPr>
@@ -21258,7 +21345,7 @@
           <p:cNvPr id="23" name="Content Placeholder 2">
             <a:extLst>
               <a:ext uri="{FF2B5EF4-FFF2-40B4-BE49-F238E27FC236}">
-                <a16:creationId xmlns:a16="http://schemas.microsoft.com/office/drawing/2014/main" xmlns="" id="{E5123CE7-2F8A-489B-BD99-0C2A33ADF49A}"/>
+                <a16:creationId xmlns="" xmlns:a16="http://schemas.microsoft.com/office/drawing/2014/main" id="{E5123CE7-2F8A-489B-BD99-0C2A33ADF49A}"/>
               </a:ext>
             </a:extLst>
           </p:cNvPr>
@@ -21315,7 +21402,7 @@
           <p:cNvPr id="25" name="Content Placeholder 2">
             <a:extLst>
               <a:ext uri="{FF2B5EF4-FFF2-40B4-BE49-F238E27FC236}">
-                <a16:creationId xmlns:a16="http://schemas.microsoft.com/office/drawing/2014/main" xmlns="" id="{07730BCF-AC2A-4FEC-8F01-63964DB444CF}"/>
+                <a16:creationId xmlns="" xmlns:a16="http://schemas.microsoft.com/office/drawing/2014/main" id="{07730BCF-AC2A-4FEC-8F01-63964DB444CF}"/>
               </a:ext>
             </a:extLst>
           </p:cNvPr>
@@ -21377,7 +21464,7 @@
           <p:cNvPr id="21" name="Oval 20">
             <a:extLst>
               <a:ext uri="{FF2B5EF4-FFF2-40B4-BE49-F238E27FC236}">
-                <a16:creationId xmlns:a16="http://schemas.microsoft.com/office/drawing/2014/main" xmlns="" id="{919C8692-230B-D543-A7F7-4FD61B04D1C6}"/>
+                <a16:creationId xmlns="" xmlns:a16="http://schemas.microsoft.com/office/drawing/2014/main" id="{919C8692-230B-D543-A7F7-4FD61B04D1C6}"/>
               </a:ext>
             </a:extLst>
           </p:cNvPr>
@@ -21430,7 +21517,7 @@
           <p:cNvPr id="24" name="Picture Placeholder 11">
             <a:extLst>
               <a:ext uri="{FF2B5EF4-FFF2-40B4-BE49-F238E27FC236}">
-                <a16:creationId xmlns:a16="http://schemas.microsoft.com/office/drawing/2014/main" xmlns="" id="{E150BFC7-A11D-CC46-B5A2-8BD93C269506}"/>
+                <a16:creationId xmlns="" xmlns:a16="http://schemas.microsoft.com/office/drawing/2014/main" id="{E150BFC7-A11D-CC46-B5A2-8BD93C269506}"/>
               </a:ext>
             </a:extLst>
           </p:cNvPr>
@@ -21478,7 +21565,7 @@
           <p:cNvPr id="28" name="Oval 27">
             <a:extLst>
               <a:ext uri="{FF2B5EF4-FFF2-40B4-BE49-F238E27FC236}">
-                <a16:creationId xmlns:a16="http://schemas.microsoft.com/office/drawing/2014/main" xmlns="" id="{F95B55F4-B501-3440-8904-A1C7F049CBE8}"/>
+                <a16:creationId xmlns="" xmlns:a16="http://schemas.microsoft.com/office/drawing/2014/main" id="{F95B55F4-B501-3440-8904-A1C7F049CBE8}"/>
               </a:ext>
             </a:extLst>
           </p:cNvPr>
@@ -21534,7 +21621,7 @@
           <p:cNvPr id="29" name="Picture Placeholder 11">
             <a:extLst>
               <a:ext uri="{FF2B5EF4-FFF2-40B4-BE49-F238E27FC236}">
-                <a16:creationId xmlns:a16="http://schemas.microsoft.com/office/drawing/2014/main" xmlns="" id="{F2116994-BE3E-6A43-9C15-E71BA8EC821F}"/>
+                <a16:creationId xmlns="" xmlns:a16="http://schemas.microsoft.com/office/drawing/2014/main" id="{F2116994-BE3E-6A43-9C15-E71BA8EC821F}"/>
               </a:ext>
             </a:extLst>
           </p:cNvPr>
@@ -21612,7 +21699,7 @@
           <p:cNvPr id="11" name="Group 10">
             <a:extLst>
               <a:ext uri="{FF2B5EF4-FFF2-40B4-BE49-F238E27FC236}">
-                <a16:creationId xmlns:a16="http://schemas.microsoft.com/office/drawing/2014/main" xmlns="" id="{04B31150-A166-4DB3-A898-2154C9665891}"/>
+                <a16:creationId xmlns="" xmlns:a16="http://schemas.microsoft.com/office/drawing/2014/main" id="{04B31150-A166-4DB3-A898-2154C9665891}"/>
               </a:ext>
             </a:extLst>
           </p:cNvPr>
@@ -21637,7 +21724,7 @@
             <p:cNvPr id="12" name="Freeform 5">
               <a:extLst>
                 <a:ext uri="{FF2B5EF4-FFF2-40B4-BE49-F238E27FC236}">
-                  <a16:creationId xmlns:a16="http://schemas.microsoft.com/office/drawing/2014/main" xmlns="" id="{1C1A95BC-42CA-4166-918D-DF4306881408}"/>
+                  <a16:creationId xmlns="" xmlns:a16="http://schemas.microsoft.com/office/drawing/2014/main" id="{1C1A95BC-42CA-4166-918D-DF4306881408}"/>
                 </a:ext>
               </a:extLst>
             </p:cNvPr>
@@ -21827,7 +21914,7 @@
             <p:cNvPr id="13" name="Freeform 6">
               <a:extLst>
                 <a:ext uri="{FF2B5EF4-FFF2-40B4-BE49-F238E27FC236}">
-                  <a16:creationId xmlns:a16="http://schemas.microsoft.com/office/drawing/2014/main" xmlns="" id="{4B4D5F91-2158-4A30-B83C-5CC9CC6E5D4F}"/>
+                  <a16:creationId xmlns="" xmlns:a16="http://schemas.microsoft.com/office/drawing/2014/main" id="{4B4D5F91-2158-4A30-B83C-5CC9CC6E5D4F}"/>
                 </a:ext>
               </a:extLst>
             </p:cNvPr>
@@ -21977,7 +22064,7 @@
             <p:cNvPr id="14" name="Freeform 7">
               <a:extLst>
                 <a:ext uri="{FF2B5EF4-FFF2-40B4-BE49-F238E27FC236}">
-                  <a16:creationId xmlns:a16="http://schemas.microsoft.com/office/drawing/2014/main" xmlns="" id="{C509E5D6-79CC-4E1D-AAF4-C6F28F3C1777}"/>
+                  <a16:creationId xmlns="" xmlns:a16="http://schemas.microsoft.com/office/drawing/2014/main" id="{C509E5D6-79CC-4E1D-AAF4-C6F28F3C1777}"/>
                 </a:ext>
               </a:extLst>
             </p:cNvPr>
@@ -22118,7 +22205,7 @@
           <p:cNvPr id="6" name="Title 1">
             <a:extLst>
               <a:ext uri="{FF2B5EF4-FFF2-40B4-BE49-F238E27FC236}">
-                <a16:creationId xmlns:a16="http://schemas.microsoft.com/office/drawing/2014/main" xmlns="" id="{B70E2287-0F7B-4DD3-A805-DB19BBF3C716}"/>
+                <a16:creationId xmlns="" xmlns:a16="http://schemas.microsoft.com/office/drawing/2014/main" id="{B70E2287-0F7B-4DD3-A805-DB19BBF3C716}"/>
               </a:ext>
             </a:extLst>
           </p:cNvPr>
@@ -22158,7 +22245,7 @@
           <p:cNvPr id="7" name="Rectangle 6">
             <a:extLst>
               <a:ext uri="{FF2B5EF4-FFF2-40B4-BE49-F238E27FC236}">
-                <a16:creationId xmlns:a16="http://schemas.microsoft.com/office/drawing/2014/main" xmlns="" id="{8DCE74CE-BEFF-42B3-BF3E-C41B1B1F1EE4}"/>
+                <a16:creationId xmlns="" xmlns:a16="http://schemas.microsoft.com/office/drawing/2014/main" id="{8DCE74CE-BEFF-42B3-BF3E-C41B1B1F1EE4}"/>
               </a:ext>
             </a:extLst>
           </p:cNvPr>
@@ -22214,7 +22301,7 @@
           <p:cNvPr id="8" name="Picture 7">
             <a:extLst>
               <a:ext uri="{FF2B5EF4-FFF2-40B4-BE49-F238E27FC236}">
-                <a16:creationId xmlns:a16="http://schemas.microsoft.com/office/drawing/2014/main" xmlns="" id="{8B0944B4-FE4A-459A-85B1-3476FE6C4C49}"/>
+                <a16:creationId xmlns="" xmlns:a16="http://schemas.microsoft.com/office/drawing/2014/main" id="{8B0944B4-FE4A-459A-85B1-3476FE6C4C49}"/>
               </a:ext>
             </a:extLst>
           </p:cNvPr>
@@ -22250,7 +22337,7 @@
           <p:cNvPr id="9" name="Oval 8">
             <a:extLst>
               <a:ext uri="{FF2B5EF4-FFF2-40B4-BE49-F238E27FC236}">
-                <a16:creationId xmlns:a16="http://schemas.microsoft.com/office/drawing/2014/main" xmlns="" id="{1B26B4BC-3D52-4C1C-85FB-226F0B5201F1}"/>
+                <a16:creationId xmlns="" xmlns:a16="http://schemas.microsoft.com/office/drawing/2014/main" id="{1B26B4BC-3D52-4C1C-85FB-226F0B5201F1}"/>
               </a:ext>
             </a:extLst>
           </p:cNvPr>
@@ -22302,7 +22389,7 @@
           <p:cNvPr id="10" name="Slide Number Placeholder 5">
             <a:extLst>
               <a:ext uri="{FF2B5EF4-FFF2-40B4-BE49-F238E27FC236}">
-                <a16:creationId xmlns:a16="http://schemas.microsoft.com/office/drawing/2014/main" xmlns="" id="{CEC6B25A-6AA2-46A7-84BE-5C907CA51B02}"/>
+                <a16:creationId xmlns="" xmlns:a16="http://schemas.microsoft.com/office/drawing/2014/main" id="{CEC6B25A-6AA2-46A7-84BE-5C907CA51B02}"/>
               </a:ext>
             </a:extLst>
           </p:cNvPr>
@@ -22376,7 +22463,7 @@
           <p:cNvPr id="35" name="Group 34">
             <a:extLst>
               <a:ext uri="{FF2B5EF4-FFF2-40B4-BE49-F238E27FC236}">
-                <a16:creationId xmlns:a16="http://schemas.microsoft.com/office/drawing/2014/main" xmlns="" id="{431CD316-21C7-4FA9-A45A-374D6AE71ED5}"/>
+                <a16:creationId xmlns="" xmlns:a16="http://schemas.microsoft.com/office/drawing/2014/main" id="{431CD316-21C7-4FA9-A45A-374D6AE71ED5}"/>
               </a:ext>
             </a:extLst>
           </p:cNvPr>
@@ -22401,7 +22488,7 @@
             <p:cNvPr id="36" name="Freeform 5">
               <a:extLst>
                 <a:ext uri="{FF2B5EF4-FFF2-40B4-BE49-F238E27FC236}">
-                  <a16:creationId xmlns:a16="http://schemas.microsoft.com/office/drawing/2014/main" xmlns="" id="{E107D9FB-3967-4583-A9DA-6787AF71202C}"/>
+                  <a16:creationId xmlns="" xmlns:a16="http://schemas.microsoft.com/office/drawing/2014/main" id="{E107D9FB-3967-4583-A9DA-6787AF71202C}"/>
                 </a:ext>
               </a:extLst>
             </p:cNvPr>
@@ -22591,7 +22678,7 @@
             <p:cNvPr id="37" name="Freeform 6">
               <a:extLst>
                 <a:ext uri="{FF2B5EF4-FFF2-40B4-BE49-F238E27FC236}">
-                  <a16:creationId xmlns:a16="http://schemas.microsoft.com/office/drawing/2014/main" xmlns="" id="{138D5FEB-37FF-4F26-B625-CE2BE91FF21B}"/>
+                  <a16:creationId xmlns="" xmlns:a16="http://schemas.microsoft.com/office/drawing/2014/main" id="{138D5FEB-37FF-4F26-B625-CE2BE91FF21B}"/>
                 </a:ext>
               </a:extLst>
             </p:cNvPr>
@@ -22741,7 +22828,7 @@
             <p:cNvPr id="38" name="Freeform 7">
               <a:extLst>
                 <a:ext uri="{FF2B5EF4-FFF2-40B4-BE49-F238E27FC236}">
-                  <a16:creationId xmlns:a16="http://schemas.microsoft.com/office/drawing/2014/main" xmlns="" id="{6C2B67E8-673C-422C-B021-296E2E2B952D}"/>
+                  <a16:creationId xmlns="" xmlns:a16="http://schemas.microsoft.com/office/drawing/2014/main" id="{6C2B67E8-673C-422C-B021-296E2E2B952D}"/>
                 </a:ext>
               </a:extLst>
             </p:cNvPr>
@@ -22882,7 +22969,7 @@
           <p:cNvPr id="23" name="Oval 22">
             <a:extLst>
               <a:ext uri="{FF2B5EF4-FFF2-40B4-BE49-F238E27FC236}">
-                <a16:creationId xmlns:a16="http://schemas.microsoft.com/office/drawing/2014/main" xmlns="" id="{687010E4-ADF2-486D-8DF7-B0FF38C6DADF}"/>
+                <a16:creationId xmlns="" xmlns:a16="http://schemas.microsoft.com/office/drawing/2014/main" id="{687010E4-ADF2-486D-8DF7-B0FF38C6DADF}"/>
               </a:ext>
             </a:extLst>
           </p:cNvPr>
@@ -22936,7 +23023,7 @@
           <p:cNvPr id="24" name="Oval 23">
             <a:extLst>
               <a:ext uri="{FF2B5EF4-FFF2-40B4-BE49-F238E27FC236}">
-                <a16:creationId xmlns:a16="http://schemas.microsoft.com/office/drawing/2014/main" xmlns="" id="{9159AA79-2237-4A27-BBC2-D44032158D19}"/>
+                <a16:creationId xmlns="" xmlns:a16="http://schemas.microsoft.com/office/drawing/2014/main" id="{9159AA79-2237-4A27-BBC2-D44032158D19}"/>
               </a:ext>
             </a:extLst>
           </p:cNvPr>
@@ -22990,7 +23077,7 @@
           <p:cNvPr id="25" name="Oval 24">
             <a:extLst>
               <a:ext uri="{FF2B5EF4-FFF2-40B4-BE49-F238E27FC236}">
-                <a16:creationId xmlns:a16="http://schemas.microsoft.com/office/drawing/2014/main" xmlns="" id="{0272B962-9566-42D2-B4C3-E7AA81884A83}"/>
+                <a16:creationId xmlns="" xmlns:a16="http://schemas.microsoft.com/office/drawing/2014/main" id="{0272B962-9566-42D2-B4C3-E7AA81884A83}"/>
               </a:ext>
             </a:extLst>
           </p:cNvPr>
@@ -23044,7 +23131,7 @@
           <p:cNvPr id="26" name="Oval 25">
             <a:extLst>
               <a:ext uri="{FF2B5EF4-FFF2-40B4-BE49-F238E27FC236}">
-                <a16:creationId xmlns:a16="http://schemas.microsoft.com/office/drawing/2014/main" xmlns="" id="{19733285-016C-4C38-816C-83D30C075C70}"/>
+                <a16:creationId xmlns="" xmlns:a16="http://schemas.microsoft.com/office/drawing/2014/main" id="{19733285-016C-4C38-816C-83D30C075C70}"/>
               </a:ext>
             </a:extLst>
           </p:cNvPr>
@@ -23098,7 +23185,7 @@
           <p:cNvPr id="20" name="Freeform: Shape 19">
             <a:extLst>
               <a:ext uri="{FF2B5EF4-FFF2-40B4-BE49-F238E27FC236}">
-                <a16:creationId xmlns:a16="http://schemas.microsoft.com/office/drawing/2014/main" xmlns="" id="{EF40DBA4-AB63-4B47-B37F-BCC3D59B5392}"/>
+                <a16:creationId xmlns="" xmlns:a16="http://schemas.microsoft.com/office/drawing/2014/main" id="{EF40DBA4-AB63-4B47-B37F-BCC3D59B5392}"/>
               </a:ext>
             </a:extLst>
           </p:cNvPr>
@@ -23213,7 +23300,7 @@
           <p:cNvPr id="21" name="Freeform: Shape 20">
             <a:extLst>
               <a:ext uri="{FF2B5EF4-FFF2-40B4-BE49-F238E27FC236}">
-                <a16:creationId xmlns:a16="http://schemas.microsoft.com/office/drawing/2014/main" xmlns="" id="{33EF0AFB-D099-4FF1-8963-7DA87268867F}"/>
+                <a16:creationId xmlns="" xmlns:a16="http://schemas.microsoft.com/office/drawing/2014/main" id="{33EF0AFB-D099-4FF1-8963-7DA87268867F}"/>
               </a:ext>
             </a:extLst>
           </p:cNvPr>
@@ -23328,7 +23415,7 @@
           <p:cNvPr id="22" name="Freeform: Shape 21">
             <a:extLst>
               <a:ext uri="{FF2B5EF4-FFF2-40B4-BE49-F238E27FC236}">
-                <a16:creationId xmlns:a16="http://schemas.microsoft.com/office/drawing/2014/main" xmlns="" id="{6872C96E-9AF3-4FA0-8180-C213C7F2209E}"/>
+                <a16:creationId xmlns="" xmlns:a16="http://schemas.microsoft.com/office/drawing/2014/main" id="{6872C96E-9AF3-4FA0-8180-C213C7F2209E}"/>
               </a:ext>
             </a:extLst>
           </p:cNvPr>
@@ -23443,7 +23530,7 @@
           <p:cNvPr id="17" name="Freeform: Shape 16">
             <a:extLst>
               <a:ext uri="{FF2B5EF4-FFF2-40B4-BE49-F238E27FC236}">
-                <a16:creationId xmlns:a16="http://schemas.microsoft.com/office/drawing/2014/main" xmlns="" id="{3A08BE29-CFA5-4E0D-9DBE-A430AE1B8072}"/>
+                <a16:creationId xmlns="" xmlns:a16="http://schemas.microsoft.com/office/drawing/2014/main" id="{3A08BE29-CFA5-4E0D-9DBE-A430AE1B8072}"/>
               </a:ext>
             </a:extLst>
           </p:cNvPr>
@@ -23558,7 +23645,7 @@
           <p:cNvPr id="6" name="Title 1">
             <a:extLst>
               <a:ext uri="{FF2B5EF4-FFF2-40B4-BE49-F238E27FC236}">
-                <a16:creationId xmlns:a16="http://schemas.microsoft.com/office/drawing/2014/main" xmlns="" id="{B70E2287-0F7B-4DD3-A805-DB19BBF3C716}"/>
+                <a16:creationId xmlns="" xmlns:a16="http://schemas.microsoft.com/office/drawing/2014/main" id="{B70E2287-0F7B-4DD3-A805-DB19BBF3C716}"/>
               </a:ext>
             </a:extLst>
           </p:cNvPr>
@@ -23598,7 +23685,7 @@
           <p:cNvPr id="7" name="Rectangle 6">
             <a:extLst>
               <a:ext uri="{FF2B5EF4-FFF2-40B4-BE49-F238E27FC236}">
-                <a16:creationId xmlns:a16="http://schemas.microsoft.com/office/drawing/2014/main" xmlns="" id="{8DCE74CE-BEFF-42B3-BF3E-C41B1B1F1EE4}"/>
+                <a16:creationId xmlns="" xmlns:a16="http://schemas.microsoft.com/office/drawing/2014/main" id="{8DCE74CE-BEFF-42B3-BF3E-C41B1B1F1EE4}"/>
               </a:ext>
             </a:extLst>
           </p:cNvPr>
@@ -23654,7 +23741,7 @@
           <p:cNvPr id="8" name="Picture 7">
             <a:extLst>
               <a:ext uri="{FF2B5EF4-FFF2-40B4-BE49-F238E27FC236}">
-                <a16:creationId xmlns:a16="http://schemas.microsoft.com/office/drawing/2014/main" xmlns="" id="{8B0944B4-FE4A-459A-85B1-3476FE6C4C49}"/>
+                <a16:creationId xmlns="" xmlns:a16="http://schemas.microsoft.com/office/drawing/2014/main" id="{8B0944B4-FE4A-459A-85B1-3476FE6C4C49}"/>
               </a:ext>
             </a:extLst>
           </p:cNvPr>
@@ -23690,7 +23777,7 @@
           <p:cNvPr id="9" name="Oval 8">
             <a:extLst>
               <a:ext uri="{FF2B5EF4-FFF2-40B4-BE49-F238E27FC236}">
-                <a16:creationId xmlns:a16="http://schemas.microsoft.com/office/drawing/2014/main" xmlns="" id="{1B26B4BC-3D52-4C1C-85FB-226F0B5201F1}"/>
+                <a16:creationId xmlns="" xmlns:a16="http://schemas.microsoft.com/office/drawing/2014/main" id="{1B26B4BC-3D52-4C1C-85FB-226F0B5201F1}"/>
               </a:ext>
             </a:extLst>
           </p:cNvPr>
@@ -23742,7 +23829,7 @@
           <p:cNvPr id="10" name="Slide Number Placeholder 5">
             <a:extLst>
               <a:ext uri="{FF2B5EF4-FFF2-40B4-BE49-F238E27FC236}">
-                <a16:creationId xmlns:a16="http://schemas.microsoft.com/office/drawing/2014/main" xmlns="" id="{CEC6B25A-6AA2-46A7-84BE-5C907CA51B02}"/>
+                <a16:creationId xmlns="" xmlns:a16="http://schemas.microsoft.com/office/drawing/2014/main" id="{CEC6B25A-6AA2-46A7-84BE-5C907CA51B02}"/>
               </a:ext>
             </a:extLst>
           </p:cNvPr>
@@ -23786,7 +23873,7 @@
           <p:cNvPr id="3" name="Picture Placeholder 2">
             <a:extLst>
               <a:ext uri="{FF2B5EF4-FFF2-40B4-BE49-F238E27FC236}">
-                <a16:creationId xmlns:a16="http://schemas.microsoft.com/office/drawing/2014/main" xmlns="" id="{B1B995BE-66C2-4379-885F-4BE069DA39E4}"/>
+                <a16:creationId xmlns="" xmlns:a16="http://schemas.microsoft.com/office/drawing/2014/main" id="{B1B995BE-66C2-4379-885F-4BE069DA39E4}"/>
               </a:ext>
             </a:extLst>
           </p:cNvPr>
@@ -23833,7 +23920,7 @@
           <p:cNvPr id="11" name="Picture Placeholder 2">
             <a:extLst>
               <a:ext uri="{FF2B5EF4-FFF2-40B4-BE49-F238E27FC236}">
-                <a16:creationId xmlns:a16="http://schemas.microsoft.com/office/drawing/2014/main" xmlns="" id="{9B56B6C6-9F3C-4E80-BBAD-280E697B895C}"/>
+                <a16:creationId xmlns="" xmlns:a16="http://schemas.microsoft.com/office/drawing/2014/main" id="{9B56B6C6-9F3C-4E80-BBAD-280E697B895C}"/>
               </a:ext>
             </a:extLst>
           </p:cNvPr>
@@ -23880,7 +23967,7 @@
           <p:cNvPr id="12" name="Picture Placeholder 2">
             <a:extLst>
               <a:ext uri="{FF2B5EF4-FFF2-40B4-BE49-F238E27FC236}">
-                <a16:creationId xmlns:a16="http://schemas.microsoft.com/office/drawing/2014/main" xmlns="" id="{54704160-1ED7-4B90-8963-0F887C73E94D}"/>
+                <a16:creationId xmlns="" xmlns:a16="http://schemas.microsoft.com/office/drawing/2014/main" id="{54704160-1ED7-4B90-8963-0F887C73E94D}"/>
               </a:ext>
             </a:extLst>
           </p:cNvPr>
@@ -23927,7 +24014,7 @@
           <p:cNvPr id="13" name="Picture Placeholder 2">
             <a:extLst>
               <a:ext uri="{FF2B5EF4-FFF2-40B4-BE49-F238E27FC236}">
-                <a16:creationId xmlns:a16="http://schemas.microsoft.com/office/drawing/2014/main" xmlns="" id="{36610597-6A76-4A06-82A5-A8FFC5BAEA0F}"/>
+                <a16:creationId xmlns="" xmlns:a16="http://schemas.microsoft.com/office/drawing/2014/main" id="{36610597-6A76-4A06-82A5-A8FFC5BAEA0F}"/>
               </a:ext>
             </a:extLst>
           </p:cNvPr>
@@ -23974,7 +24061,7 @@
           <p:cNvPr id="27" name="Content Placeholder 2">
             <a:extLst>
               <a:ext uri="{FF2B5EF4-FFF2-40B4-BE49-F238E27FC236}">
-                <a16:creationId xmlns:a16="http://schemas.microsoft.com/office/drawing/2014/main" xmlns="" id="{FF56D2E5-86E4-473A-A62F-B7029E5B2558}"/>
+                <a16:creationId xmlns="" xmlns:a16="http://schemas.microsoft.com/office/drawing/2014/main" id="{FF56D2E5-86E4-473A-A62F-B7029E5B2558}"/>
               </a:ext>
             </a:extLst>
           </p:cNvPr>
@@ -24031,7 +24118,7 @@
           <p:cNvPr id="28" name="Content Placeholder 2">
             <a:extLst>
               <a:ext uri="{FF2B5EF4-FFF2-40B4-BE49-F238E27FC236}">
-                <a16:creationId xmlns:a16="http://schemas.microsoft.com/office/drawing/2014/main" xmlns="" id="{93934E34-6CC7-492D-9515-EBEC72EFF4CB}"/>
+                <a16:creationId xmlns="" xmlns:a16="http://schemas.microsoft.com/office/drawing/2014/main" id="{93934E34-6CC7-492D-9515-EBEC72EFF4CB}"/>
               </a:ext>
             </a:extLst>
           </p:cNvPr>
@@ -24093,7 +24180,7 @@
           <p:cNvPr id="29" name="Content Placeholder 2">
             <a:extLst>
               <a:ext uri="{FF2B5EF4-FFF2-40B4-BE49-F238E27FC236}">
-                <a16:creationId xmlns:a16="http://schemas.microsoft.com/office/drawing/2014/main" xmlns="" id="{E4E27467-A1AA-4773-AAB5-A96267FBD712}"/>
+                <a16:creationId xmlns="" xmlns:a16="http://schemas.microsoft.com/office/drawing/2014/main" id="{E4E27467-A1AA-4773-AAB5-A96267FBD712}"/>
               </a:ext>
             </a:extLst>
           </p:cNvPr>
@@ -24150,7 +24237,7 @@
           <p:cNvPr id="30" name="Content Placeholder 2">
             <a:extLst>
               <a:ext uri="{FF2B5EF4-FFF2-40B4-BE49-F238E27FC236}">
-                <a16:creationId xmlns:a16="http://schemas.microsoft.com/office/drawing/2014/main" xmlns="" id="{6CABD5EB-4A8B-448B-8ED1-B8B420815B2D}"/>
+                <a16:creationId xmlns="" xmlns:a16="http://schemas.microsoft.com/office/drawing/2014/main" id="{6CABD5EB-4A8B-448B-8ED1-B8B420815B2D}"/>
               </a:ext>
             </a:extLst>
           </p:cNvPr>
@@ -24212,7 +24299,7 @@
           <p:cNvPr id="31" name="Content Placeholder 2">
             <a:extLst>
               <a:ext uri="{FF2B5EF4-FFF2-40B4-BE49-F238E27FC236}">
-                <a16:creationId xmlns:a16="http://schemas.microsoft.com/office/drawing/2014/main" xmlns="" id="{0D86883C-E501-47FF-AE1A-E9CE8B71B421}"/>
+                <a16:creationId xmlns="" xmlns:a16="http://schemas.microsoft.com/office/drawing/2014/main" id="{0D86883C-E501-47FF-AE1A-E9CE8B71B421}"/>
               </a:ext>
             </a:extLst>
           </p:cNvPr>
@@ -24269,7 +24356,7 @@
           <p:cNvPr id="32" name="Content Placeholder 2">
             <a:extLst>
               <a:ext uri="{FF2B5EF4-FFF2-40B4-BE49-F238E27FC236}">
-                <a16:creationId xmlns:a16="http://schemas.microsoft.com/office/drawing/2014/main" xmlns="" id="{3683A037-F698-4CC9-904D-F377D71F690F}"/>
+                <a16:creationId xmlns="" xmlns:a16="http://schemas.microsoft.com/office/drawing/2014/main" id="{3683A037-F698-4CC9-904D-F377D71F690F}"/>
               </a:ext>
             </a:extLst>
           </p:cNvPr>
@@ -24331,7 +24418,7 @@
           <p:cNvPr id="33" name="Content Placeholder 2">
             <a:extLst>
               <a:ext uri="{FF2B5EF4-FFF2-40B4-BE49-F238E27FC236}">
-                <a16:creationId xmlns:a16="http://schemas.microsoft.com/office/drawing/2014/main" xmlns="" id="{0A095594-2B82-44ED-8C9B-DA7C4D3D2872}"/>
+                <a16:creationId xmlns="" xmlns:a16="http://schemas.microsoft.com/office/drawing/2014/main" id="{0A095594-2B82-44ED-8C9B-DA7C4D3D2872}"/>
               </a:ext>
             </a:extLst>
           </p:cNvPr>
@@ -24388,7 +24475,7 @@
           <p:cNvPr id="34" name="Content Placeholder 2">
             <a:extLst>
               <a:ext uri="{FF2B5EF4-FFF2-40B4-BE49-F238E27FC236}">
-                <a16:creationId xmlns:a16="http://schemas.microsoft.com/office/drawing/2014/main" xmlns="" id="{54CDD46A-22ED-48F5-9B5F-13B1B5C4B320}"/>
+                <a16:creationId xmlns="" xmlns:a16="http://schemas.microsoft.com/office/drawing/2014/main" id="{54CDD46A-22ED-48F5-9B5F-13B1B5C4B320}"/>
               </a:ext>
             </a:extLst>
           </p:cNvPr>
@@ -24485,7 +24572,7 @@
           <p:cNvPr id="2" name="Title Placeholder 1">
             <a:extLst>
               <a:ext uri="{FF2B5EF4-FFF2-40B4-BE49-F238E27FC236}">
-                <a16:creationId xmlns:a16="http://schemas.microsoft.com/office/drawing/2014/main" xmlns="" id="{BCC4D7FA-B85E-4477-8C62-94955B340F14}"/>
+                <a16:creationId xmlns="" xmlns:a16="http://schemas.microsoft.com/office/drawing/2014/main" id="{BCC4D7FA-B85E-4477-8C62-94955B340F14}"/>
               </a:ext>
             </a:extLst>
           </p:cNvPr>
@@ -24524,7 +24611,7 @@
           <p:cNvPr id="3" name="Text Placeholder 2">
             <a:extLst>
               <a:ext uri="{FF2B5EF4-FFF2-40B4-BE49-F238E27FC236}">
-                <a16:creationId xmlns:a16="http://schemas.microsoft.com/office/drawing/2014/main" xmlns="" id="{1F1226BB-3E56-4E7F-8172-7EC03C9F0BCF}"/>
+                <a16:creationId xmlns="" xmlns:a16="http://schemas.microsoft.com/office/drawing/2014/main" id="{1F1226BB-3E56-4E7F-8172-7EC03C9F0BCF}"/>
               </a:ext>
             </a:extLst>
           </p:cNvPr>
@@ -24591,7 +24678,7 @@
           <p:cNvPr id="4" name="Date Placeholder 3">
             <a:extLst>
               <a:ext uri="{FF2B5EF4-FFF2-40B4-BE49-F238E27FC236}">
-                <a16:creationId xmlns:a16="http://schemas.microsoft.com/office/drawing/2014/main" xmlns="" id="{D95D08EF-72FB-4F19-9916-65815A9CA99C}"/>
+                <a16:creationId xmlns="" xmlns:a16="http://schemas.microsoft.com/office/drawing/2014/main" id="{D95D08EF-72FB-4F19-9916-65815A9CA99C}"/>
               </a:ext>
             </a:extLst>
           </p:cNvPr>
@@ -24638,7 +24725,7 @@
           <p:cNvPr id="5" name="Footer Placeholder 4">
             <a:extLst>
               <a:ext uri="{FF2B5EF4-FFF2-40B4-BE49-F238E27FC236}">
-                <a16:creationId xmlns:a16="http://schemas.microsoft.com/office/drawing/2014/main" xmlns="" id="{1365084D-BC85-4A55-BD80-93876AD10108}"/>
+                <a16:creationId xmlns="" xmlns:a16="http://schemas.microsoft.com/office/drawing/2014/main" id="{1365084D-BC85-4A55-BD80-93876AD10108}"/>
               </a:ext>
             </a:extLst>
           </p:cNvPr>
@@ -24681,7 +24768,7 @@
           <p:cNvPr id="6" name="Slide Number Placeholder 5">
             <a:extLst>
               <a:ext uri="{FF2B5EF4-FFF2-40B4-BE49-F238E27FC236}">
-                <a16:creationId xmlns:a16="http://schemas.microsoft.com/office/drawing/2014/main" xmlns="" id="{45FDEF23-A140-4DD6-A0D0-A86BD4DF3404}"/>
+                <a16:creationId xmlns="" xmlns:a16="http://schemas.microsoft.com/office/drawing/2014/main" id="{45FDEF23-A140-4DD6-A0D0-A86BD4DF3404}"/>
               </a:ext>
             </a:extLst>
           </p:cNvPr>
@@ -25132,7 +25219,7 @@
           <p:cNvPr id="2" name="Title 1">
             <a:extLst>
               <a:ext uri="{FF2B5EF4-FFF2-40B4-BE49-F238E27FC236}">
-                <a16:creationId xmlns:a16="http://schemas.microsoft.com/office/drawing/2014/main" xmlns="" id="{FBAB08B8-3DB3-4637-AE23-B8DB96D9FCEC}"/>
+                <a16:creationId xmlns="" xmlns:a16="http://schemas.microsoft.com/office/drawing/2014/main" id="{FBAB08B8-3DB3-4637-AE23-B8DB96D9FCEC}"/>
               </a:ext>
             </a:extLst>
           </p:cNvPr>
@@ -33095,7 +33182,7 @@
         </p:xfrm>
         <a:graphic>
           <a:graphicData uri="http://schemas.openxmlformats.org/drawingml/2006/diagram">
-            <dgm:relIds xmlns:dgm="http://schemas.openxmlformats.org/drawingml/2006/diagram" xmlns:r="http://schemas.openxmlformats.org/officeDocument/2006/relationships" r:dm="rId2" r:lo="rId3" r:qs="rId4" r:cs="rId5"/>
+            <dgm:relIds xmlns:dgm="http://schemas.openxmlformats.org/drawingml/2006/diagram" xmlns:r="http://schemas.openxmlformats.org/officeDocument/2006/relationships" r:dm="rId3" r:lo="rId4" r:qs="rId5" r:cs="rId6"/>
           </a:graphicData>
         </a:graphic>
       </p:graphicFrame>
@@ -33310,7 +33397,19 @@
               <a:rPr lang="en-GB">
                 <a:latin typeface="Consolas" panose="020B0609020204030204" pitchFamily="49" charset="0"/>
               </a:rPr>
-              <a:t>&lt;a href="#"&gt;Subject&lt;/a&gt;</a:t>
+              <a:t>&lt;</a:t>
+            </a:r>
+            <a:r>
+              <a:rPr lang="en-GB" smtClean="0">
+                <a:latin typeface="Consolas" panose="020B0609020204030204" pitchFamily="49" charset="0"/>
+              </a:rPr>
+              <a:t>a&gt;Subject</a:t>
+            </a:r>
+            <a:r>
+              <a:rPr lang="en-GB">
+                <a:latin typeface="Consolas" panose="020B0609020204030204" pitchFamily="49" charset="0"/>
+              </a:rPr>
+              <a:t>&lt;/a&gt;</a:t>
             </a:r>
           </a:p>
           <a:p>
@@ -33321,16 +33420,16 @@
               <a:t>&lt;</a:t>
             </a:r>
             <a:r>
-              <a:rPr lang="en-GB">
-                <a:latin typeface="Consolas" panose="020B0609020204030204" pitchFamily="49" charset="0"/>
-              </a:rPr>
-              <a:t>a href="#"&gt;</a:t>
-            </a:r>
-            <a:r>
               <a:rPr lang="en-GB" smtClean="0">
                 <a:latin typeface="Consolas" panose="020B0609020204030204" pitchFamily="49" charset="0"/>
               </a:rPr>
-              <a:t>Spouse&lt;/</a:t>
+              <a:t>a&gt;Spouse</a:t>
+            </a:r>
+            <a:r>
+              <a:rPr lang="en-GB" smtClean="0">
+                <a:latin typeface="Consolas" panose="020B0609020204030204" pitchFamily="49" charset="0"/>
+              </a:rPr>
+              <a:t>&lt;/</a:t>
             </a:r>
             <a:r>
               <a:rPr lang="en-GB">
@@ -33394,7 +33493,13 @@
               <a:rPr lang="it-IT" smtClean="0">
                 <a:latin typeface="Consolas" panose="020B0609020204030204" pitchFamily="49" charset="0"/>
               </a:rPr>
-              <a:t>a href="#"&gt;Child1&lt;/</a:t>
+              <a:t>a&gt;Child1</a:t>
+            </a:r>
+            <a:r>
+              <a:rPr lang="it-IT" smtClean="0">
+                <a:latin typeface="Consolas" panose="020B0609020204030204" pitchFamily="49" charset="0"/>
+              </a:rPr>
+              <a:t>&lt;/</a:t>
             </a:r>
             <a:r>
               <a:rPr lang="it-IT">
@@ -33438,13 +33543,19 @@
               <a:rPr lang="it-IT">
                 <a:latin typeface="Consolas" panose="020B0609020204030204" pitchFamily="49" charset="0"/>
               </a:rPr>
-              <a:t>&gt;&lt;a href</a:t>
+              <a:t>&gt;&lt;</a:t>
             </a:r>
             <a:r>
               <a:rPr lang="it-IT" smtClean="0">
                 <a:latin typeface="Consolas" panose="020B0609020204030204" pitchFamily="49" charset="0"/>
               </a:rPr>
-              <a:t>="#"&gt;Child2&lt;/</a:t>
+              <a:t>a&gt;Child2</a:t>
+            </a:r>
+            <a:r>
+              <a:rPr lang="it-IT" smtClean="0">
+                <a:latin typeface="Consolas" panose="020B0609020204030204" pitchFamily="49" charset="0"/>
+              </a:rPr>
+              <a:t>&lt;/</a:t>
             </a:r>
             <a:r>
               <a:rPr lang="it-IT">
@@ -33491,13 +33602,19 @@
               <a:rPr lang="it-IT">
                 <a:latin typeface="Consolas" panose="020B0609020204030204" pitchFamily="49" charset="0"/>
               </a:rPr>
-              <a:t>&gt;&lt;a href</a:t>
+              <a:t>&gt;&lt;</a:t>
             </a:r>
             <a:r>
               <a:rPr lang="it-IT" smtClean="0">
                 <a:latin typeface="Consolas" panose="020B0609020204030204" pitchFamily="49" charset="0"/>
               </a:rPr>
-              <a:t>="#"&gt;Child3&lt;/</a:t>
+              <a:t>a&gt;Child3</a:t>
+            </a:r>
+            <a:r>
+              <a:rPr lang="it-IT" smtClean="0">
+                <a:latin typeface="Consolas" panose="020B0609020204030204" pitchFamily="49" charset="0"/>
+              </a:rPr>
+              <a:t>&lt;/</a:t>
             </a:r>
             <a:r>
               <a:rPr lang="it-IT">
@@ -33796,8 +33913,8 @@
         </p:nvCxnSpPr>
         <p:spPr>
           <a:xfrm>
-            <a:off x="6947805" y="2784401"/>
-            <a:ext cx="3592810" cy="0"/>
+            <a:off x="6931332" y="2784401"/>
+            <a:ext cx="3600937" cy="0"/>
           </a:xfrm>
           <a:prstGeom prst="line">
             <a:avLst/>
@@ -37490,11 +37607,7 @@
             </a:r>
             <a:r>
               <a:rPr lang="en-US" sz="2800" b="1" smtClean="0"/>
-              <a:t>ontologi</a:t>
-            </a:r>
-            <a:r>
-              <a:rPr lang="en-US" sz="2800" b="1" smtClean="0"/>
-              <a:t>.</a:t>
+              <a:t>ontologi.</a:t>
             </a:r>
             <a:endParaRPr lang="en-US" sz="2800" b="1"/>
           </a:p>
@@ -37507,7 +37620,6 @@
               <a:rPr lang="en-US" sz="2800" b="1" smtClean="0"/>
               <a:t>tabel atau paragraf.</a:t>
             </a:r>
-            <a:endParaRPr lang="en-US" sz="2800" b="1" smtClean="0"/>
           </a:p>
         </p:txBody>
       </p:sp>
@@ -41089,7 +41201,7 @@
           <p:cNvPr id="2" name="Title 1">
             <a:extLst>
               <a:ext uri="{FF2B5EF4-FFF2-40B4-BE49-F238E27FC236}">
-                <a16:creationId xmlns:a16="http://schemas.microsoft.com/office/drawing/2014/main" xmlns="" id="{FBAB08B8-3DB3-4637-AE23-B8DB96D9FCEC}"/>
+                <a16:creationId xmlns="" xmlns:a16="http://schemas.microsoft.com/office/drawing/2014/main" id="{FBAB08B8-3DB3-4637-AE23-B8DB96D9FCEC}"/>
               </a:ext>
             </a:extLst>
           </p:cNvPr>
@@ -43826,14 +43938,6 @@
 </file>
 
 <file path=customXml/item1.xml><?xml version="1.0" encoding="utf-8"?>
-<p:properties xmlns:p="http://schemas.microsoft.com/office/2006/metadata/properties" xmlns:xsi="http://www.w3.org/2001/XMLSchema-instance" xmlns:pc="http://schemas.microsoft.com/office/infopath/2007/PartnerControls">
-  <documentManagement>
-    <MediaServiceKeyPoints xmlns="71af3243-3dd4-4a8d-8c0d-dd76da1f02a5" xsi:nil="true"/>
-  </documentManagement>
-</p:properties>
-</file>
-
-<file path=customXml/item2.xml><?xml version="1.0" encoding="utf-8"?>
 <?mso-contentType ?>
 <FormTemplates xmlns="http://schemas.microsoft.com/sharepoint/v3/contenttype/forms">
   <Display>DocumentLibraryForm</Display>
@@ -43842,7 +43946,7 @@
 </FormTemplates>
 </file>
 
-<file path=customXml/item3.xml><?xml version="1.0" encoding="utf-8"?>
+<file path=customXml/item2.xml><?xml version="1.0" encoding="utf-8"?>
 <ct:contentTypeSchema xmlns:ct="http://schemas.microsoft.com/office/2006/metadata/contentType" xmlns:ma="http://schemas.microsoft.com/office/2006/metadata/properties/metaAttributes" ct:_="" ma:_="" ma:contentTypeName="Document" ma:contentTypeID="0x01010079F111ED35F8CC479449609E8A0923A6" ma:contentTypeVersion="11" ma:contentTypeDescription="Create a new document." ma:contentTypeScope="" ma:versionID="9677210f24a1be23c92c90fd886aa0aa">
   <xsd:schema xmlns:xsd="http://www.w3.org/2001/XMLSchema" xmlns:xs="http://www.w3.org/2001/XMLSchema" xmlns:p="http://schemas.microsoft.com/office/2006/metadata/properties" xmlns:ns2="71af3243-3dd4-4a8d-8c0d-dd76da1f02a5" xmlns:ns3="16c05727-aa75-4e4a-9b5f-8a80a1165891" targetNamespace="http://schemas.microsoft.com/office/2006/metadata/properties" ma:root="true" ma:fieldsID="60e05723c5c1908df1a1a4ebf11d344e" ns2:_="" ns3:_="">
     <xsd:import namespace="71af3243-3dd4-4a8d-8c0d-dd76da1f02a5"/>
@@ -44053,24 +44157,15 @@
 </ct:contentTypeSchema>
 </file>
 
-<file path=customXml/itemProps1.xml><?xml version="1.0" encoding="utf-8"?>
-<ds:datastoreItem xmlns:ds="http://schemas.openxmlformats.org/officeDocument/2006/customXml" ds:itemID="{CEA9B47F-3DD8-4645-81DC-B88780643C07}">
-  <ds:schemaRefs>
-    <ds:schemaRef ds:uri="16c05727-aa75-4e4a-9b5f-8a80a1165891"/>
-    <ds:schemaRef ds:uri="http://schemas.openxmlformats.org/package/2006/metadata/core-properties"/>
-    <ds:schemaRef ds:uri="http://purl.org/dc/elements/1.1/"/>
-    <ds:schemaRef ds:uri="http://purl.org/dc/terms/"/>
-    <ds:schemaRef ds:uri="71af3243-3dd4-4a8d-8c0d-dd76da1f02a5"/>
-    <ds:schemaRef ds:uri="http://purl.org/dc/dcmitype/"/>
-    <ds:schemaRef ds:uri="http://schemas.microsoft.com/office/2006/documentManagement/types"/>
-    <ds:schemaRef ds:uri="http://schemas.microsoft.com/office/infopath/2007/PartnerControls"/>
-    <ds:schemaRef ds:uri="http://schemas.microsoft.com/office/2006/metadata/properties"/>
-    <ds:schemaRef ds:uri="http://www.w3.org/XML/1998/namespace"/>
-  </ds:schemaRefs>
-</ds:datastoreItem>
+<file path=customXml/item3.xml><?xml version="1.0" encoding="utf-8"?>
+<p:properties xmlns:p="http://schemas.microsoft.com/office/2006/metadata/properties" xmlns:xsi="http://www.w3.org/2001/XMLSchema-instance" xmlns:pc="http://schemas.microsoft.com/office/infopath/2007/PartnerControls">
+  <documentManagement>
+    <MediaServiceKeyPoints xmlns="71af3243-3dd4-4a8d-8c0d-dd76da1f02a5" xsi:nil="true"/>
+  </documentManagement>
+</p:properties>
 </file>
 
-<file path=customXml/itemProps2.xml><?xml version="1.0" encoding="utf-8"?>
+<file path=customXml/itemProps1.xml><?xml version="1.0" encoding="utf-8"?>
 <ds:datastoreItem xmlns:ds="http://schemas.openxmlformats.org/officeDocument/2006/customXml" ds:itemID="{B0C07E3D-60A7-4F4E-8208-D9CCD01982CB}">
   <ds:schemaRefs>
     <ds:schemaRef ds:uri="http://schemas.microsoft.com/sharepoint/v3/contenttype/forms"/>
@@ -44078,7 +44173,7 @@
 </ds:datastoreItem>
 </file>
 
-<file path=customXml/itemProps3.xml><?xml version="1.0" encoding="utf-8"?>
+<file path=customXml/itemProps2.xml><?xml version="1.0" encoding="utf-8"?>
 <ds:datastoreItem xmlns:ds="http://schemas.openxmlformats.org/officeDocument/2006/customXml" ds:itemID="{631071E6-22AE-499A-B09C-BF21CF5F7483}">
   <ds:schemaRefs>
     <ds:schemaRef ds:uri="http://schemas.microsoft.com/office/2006/metadata/contentType"/>
@@ -44095,4 +44190,21 @@
     <ds:schemaRef ds:uri="http://schemas.microsoft.com/internal/obd"/>
   </ds:schemaRefs>
 </ds:datastoreItem>
+</file>
+
+<file path=customXml/itemProps3.xml><?xml version="1.0" encoding="utf-8"?>
+<ds:datastoreItem xmlns:ds="http://schemas.openxmlformats.org/officeDocument/2006/customXml" ds:itemID="{CEA9B47F-3DD8-4645-81DC-B88780643C07}">
+  <ds:schemaRefs>
+    <ds:schemaRef ds:uri="16c05727-aa75-4e4a-9b5f-8a80a1165891"/>
+    <ds:schemaRef ds:uri="http://schemas.openxmlformats.org/package/2006/metadata/core-properties"/>
+    <ds:schemaRef ds:uri="http://purl.org/dc/elements/1.1/"/>
+    <ds:schemaRef ds:uri="http://purl.org/dc/terms/"/>
+    <ds:schemaRef ds:uri="71af3243-3dd4-4a8d-8c0d-dd76da1f02a5"/>
+    <ds:schemaRef ds:uri="http://purl.org/dc/dcmitype/"/>
+    <ds:schemaRef ds:uri="http://schemas.microsoft.com/office/2006/documentManagement/types"/>
+    <ds:schemaRef ds:uri="http://schemas.microsoft.com/office/infopath/2007/PartnerControls"/>
+    <ds:schemaRef ds:uri="http://schemas.microsoft.com/office/2006/metadata/properties"/>
+    <ds:schemaRef ds:uri="http://www.w3.org/XML/1998/namespace"/>
+  </ds:schemaRefs>
+</ds:datastoreItem>
 </file>